--- a/cmk/반려동물관리서비스.pptx
+++ b/cmk/반려동물관리서비스.pptx
@@ -116,6 +116,22 @@
       </a:defRPr>
     </a:lvl9pPr>
   </p:defaultTextStyle>
+  <p:extLst>
+    <p:ext uri="{EFAFB233-063F-42B5-8137-9DF3F51BA10A}">
+      <p15:sldGuideLst xmlns:p15="http://schemas.microsoft.com/office/powerpoint/2012/main">
+        <p15:guide id="1" orient="horz" pos="2160">
+          <p15:clr>
+            <a:srgbClr val="A4A3A4"/>
+          </p15:clr>
+        </p15:guide>
+        <p15:guide id="2" pos="3840">
+          <p15:clr>
+            <a:srgbClr val="A4A3A4"/>
+          </p15:clr>
+        </p15:guide>
+      </p15:sldGuideLst>
+    </p:ext>
+  </p:extLst>
 </p:presentation>
 </file>
 
@@ -141,7 +157,7 @@
           <p:cNvPr id="2" name="제목 1">
             <a:extLst>
               <a:ext uri="{FF2B5EF4-FFF2-40B4-BE49-F238E27FC236}">
-                <a16:creationId xmlns:a16="http://schemas.microsoft.com/office/drawing/2014/main" xmlns="" id="{9E5E4632-E9C2-430D-8860-5B671341959C}"/>
+                <a16:creationId xmlns:a16="http://schemas.microsoft.com/office/drawing/2014/main" id="{9E5E4632-E9C2-430D-8860-5B671341959C}"/>
               </a:ext>
             </a:extLst>
           </p:cNvPr>
@@ -178,7 +194,7 @@
           <p:cNvPr id="3" name="부제목 2">
             <a:extLst>
               <a:ext uri="{FF2B5EF4-FFF2-40B4-BE49-F238E27FC236}">
-                <a16:creationId xmlns:a16="http://schemas.microsoft.com/office/drawing/2014/main" xmlns="" id="{8516A487-29F9-4EB6-A4BF-CF7F6C176945}"/>
+                <a16:creationId xmlns:a16="http://schemas.microsoft.com/office/drawing/2014/main" id="{8516A487-29F9-4EB6-A4BF-CF7F6C176945}"/>
               </a:ext>
             </a:extLst>
           </p:cNvPr>
@@ -248,7 +264,7 @@
           <p:cNvPr id="4" name="날짜 개체 틀 3">
             <a:extLst>
               <a:ext uri="{FF2B5EF4-FFF2-40B4-BE49-F238E27FC236}">
-                <a16:creationId xmlns:a16="http://schemas.microsoft.com/office/drawing/2014/main" xmlns="" id="{5458794D-BF22-4D43-9B43-3407B0731DF3}"/>
+                <a16:creationId xmlns:a16="http://schemas.microsoft.com/office/drawing/2014/main" id="{5458794D-BF22-4D43-9B43-3407B0731DF3}"/>
               </a:ext>
             </a:extLst>
           </p:cNvPr>
@@ -277,7 +293,7 @@
           <p:cNvPr id="5" name="바닥글 개체 틀 4">
             <a:extLst>
               <a:ext uri="{FF2B5EF4-FFF2-40B4-BE49-F238E27FC236}">
-                <a16:creationId xmlns:a16="http://schemas.microsoft.com/office/drawing/2014/main" xmlns="" id="{B1CF189C-4CDA-41C3-A048-F232B4C4B8D2}"/>
+                <a16:creationId xmlns:a16="http://schemas.microsoft.com/office/drawing/2014/main" id="{B1CF189C-4CDA-41C3-A048-F232B4C4B8D2}"/>
               </a:ext>
             </a:extLst>
           </p:cNvPr>
@@ -302,7 +318,7 @@
           <p:cNvPr id="6" name="슬라이드 번호 개체 틀 5">
             <a:extLst>
               <a:ext uri="{FF2B5EF4-FFF2-40B4-BE49-F238E27FC236}">
-                <a16:creationId xmlns:a16="http://schemas.microsoft.com/office/drawing/2014/main" xmlns="" id="{BAF061BA-CD52-4A93-9968-2D177FB0947C}"/>
+                <a16:creationId xmlns:a16="http://schemas.microsoft.com/office/drawing/2014/main" id="{BAF061BA-CD52-4A93-9968-2D177FB0947C}"/>
               </a:ext>
             </a:extLst>
           </p:cNvPr>
@@ -361,7 +377,7 @@
           <p:cNvPr id="2" name="제목 1">
             <a:extLst>
               <a:ext uri="{FF2B5EF4-FFF2-40B4-BE49-F238E27FC236}">
-                <a16:creationId xmlns:a16="http://schemas.microsoft.com/office/drawing/2014/main" xmlns="" id="{C7E2F226-2DB6-4832-A3E8-E1A82BC8412B}"/>
+                <a16:creationId xmlns:a16="http://schemas.microsoft.com/office/drawing/2014/main" id="{C7E2F226-2DB6-4832-A3E8-E1A82BC8412B}"/>
               </a:ext>
             </a:extLst>
           </p:cNvPr>
@@ -389,7 +405,7 @@
           <p:cNvPr id="3" name="세로 텍스트 개체 틀 2">
             <a:extLst>
               <a:ext uri="{FF2B5EF4-FFF2-40B4-BE49-F238E27FC236}">
-                <a16:creationId xmlns:a16="http://schemas.microsoft.com/office/drawing/2014/main" xmlns="" id="{35E32266-CD01-4901-8FE7-5010FC0706F7}"/>
+                <a16:creationId xmlns:a16="http://schemas.microsoft.com/office/drawing/2014/main" id="{35E32266-CD01-4901-8FE7-5010FC0706F7}"/>
               </a:ext>
             </a:extLst>
           </p:cNvPr>
@@ -446,7 +462,7 @@
           <p:cNvPr id="4" name="날짜 개체 틀 3">
             <a:extLst>
               <a:ext uri="{FF2B5EF4-FFF2-40B4-BE49-F238E27FC236}">
-                <a16:creationId xmlns:a16="http://schemas.microsoft.com/office/drawing/2014/main" xmlns="" id="{8918B274-9924-4562-A19B-0EF8383C8F5F}"/>
+                <a16:creationId xmlns:a16="http://schemas.microsoft.com/office/drawing/2014/main" id="{8918B274-9924-4562-A19B-0EF8383C8F5F}"/>
               </a:ext>
             </a:extLst>
           </p:cNvPr>
@@ -475,7 +491,7 @@
           <p:cNvPr id="5" name="바닥글 개체 틀 4">
             <a:extLst>
               <a:ext uri="{FF2B5EF4-FFF2-40B4-BE49-F238E27FC236}">
-                <a16:creationId xmlns:a16="http://schemas.microsoft.com/office/drawing/2014/main" xmlns="" id="{48ABDFFA-1327-4FDA-A13E-DCF7D4AB5F2C}"/>
+                <a16:creationId xmlns:a16="http://schemas.microsoft.com/office/drawing/2014/main" id="{48ABDFFA-1327-4FDA-A13E-DCF7D4AB5F2C}"/>
               </a:ext>
             </a:extLst>
           </p:cNvPr>
@@ -500,7 +516,7 @@
           <p:cNvPr id="6" name="슬라이드 번호 개체 틀 5">
             <a:extLst>
               <a:ext uri="{FF2B5EF4-FFF2-40B4-BE49-F238E27FC236}">
-                <a16:creationId xmlns:a16="http://schemas.microsoft.com/office/drawing/2014/main" xmlns="" id="{7E941122-80C3-410F-B4B5-38B3C974463E}"/>
+                <a16:creationId xmlns:a16="http://schemas.microsoft.com/office/drawing/2014/main" id="{7E941122-80C3-410F-B4B5-38B3C974463E}"/>
               </a:ext>
             </a:extLst>
           </p:cNvPr>
@@ -559,7 +575,7 @@
           <p:cNvPr id="2" name="세로 제목 1">
             <a:extLst>
               <a:ext uri="{FF2B5EF4-FFF2-40B4-BE49-F238E27FC236}">
-                <a16:creationId xmlns:a16="http://schemas.microsoft.com/office/drawing/2014/main" xmlns="" id="{F39004B4-A2BB-4353-9490-3CFBF08BEECF}"/>
+                <a16:creationId xmlns:a16="http://schemas.microsoft.com/office/drawing/2014/main" id="{F39004B4-A2BB-4353-9490-3CFBF08BEECF}"/>
               </a:ext>
             </a:extLst>
           </p:cNvPr>
@@ -592,7 +608,7 @@
           <p:cNvPr id="3" name="세로 텍스트 개체 틀 2">
             <a:extLst>
               <a:ext uri="{FF2B5EF4-FFF2-40B4-BE49-F238E27FC236}">
-                <a16:creationId xmlns:a16="http://schemas.microsoft.com/office/drawing/2014/main" xmlns="" id="{17E252EA-6994-4BCF-9119-33B60AFB14F3}"/>
+                <a16:creationId xmlns:a16="http://schemas.microsoft.com/office/drawing/2014/main" id="{17E252EA-6994-4BCF-9119-33B60AFB14F3}"/>
               </a:ext>
             </a:extLst>
           </p:cNvPr>
@@ -654,7 +670,7 @@
           <p:cNvPr id="4" name="날짜 개체 틀 3">
             <a:extLst>
               <a:ext uri="{FF2B5EF4-FFF2-40B4-BE49-F238E27FC236}">
-                <a16:creationId xmlns:a16="http://schemas.microsoft.com/office/drawing/2014/main" xmlns="" id="{205F8584-D66D-4296-852C-CFABE2A758E0}"/>
+                <a16:creationId xmlns:a16="http://schemas.microsoft.com/office/drawing/2014/main" id="{205F8584-D66D-4296-852C-CFABE2A758E0}"/>
               </a:ext>
             </a:extLst>
           </p:cNvPr>
@@ -683,7 +699,7 @@
           <p:cNvPr id="5" name="바닥글 개체 틀 4">
             <a:extLst>
               <a:ext uri="{FF2B5EF4-FFF2-40B4-BE49-F238E27FC236}">
-                <a16:creationId xmlns:a16="http://schemas.microsoft.com/office/drawing/2014/main" xmlns="" id="{A78C3D8F-5F5B-47A5-9BBC-6F058C6ECD7E}"/>
+                <a16:creationId xmlns:a16="http://schemas.microsoft.com/office/drawing/2014/main" id="{A78C3D8F-5F5B-47A5-9BBC-6F058C6ECD7E}"/>
               </a:ext>
             </a:extLst>
           </p:cNvPr>
@@ -708,7 +724,7 @@
           <p:cNvPr id="6" name="슬라이드 번호 개체 틀 5">
             <a:extLst>
               <a:ext uri="{FF2B5EF4-FFF2-40B4-BE49-F238E27FC236}">
-                <a16:creationId xmlns:a16="http://schemas.microsoft.com/office/drawing/2014/main" xmlns="" id="{7E72ED3D-DC97-4CF5-A83F-A0F4CD5D3061}"/>
+                <a16:creationId xmlns:a16="http://schemas.microsoft.com/office/drawing/2014/main" id="{7E72ED3D-DC97-4CF5-A83F-A0F4CD5D3061}"/>
               </a:ext>
             </a:extLst>
           </p:cNvPr>
@@ -767,7 +783,7 @@
           <p:cNvPr id="2" name="제목 1">
             <a:extLst>
               <a:ext uri="{FF2B5EF4-FFF2-40B4-BE49-F238E27FC236}">
-                <a16:creationId xmlns:a16="http://schemas.microsoft.com/office/drawing/2014/main" xmlns="" id="{2478CD97-4610-41D5-9293-07E4F7EF8330}"/>
+                <a16:creationId xmlns:a16="http://schemas.microsoft.com/office/drawing/2014/main" id="{2478CD97-4610-41D5-9293-07E4F7EF8330}"/>
               </a:ext>
             </a:extLst>
           </p:cNvPr>
@@ -795,7 +811,7 @@
           <p:cNvPr id="3" name="내용 개체 틀 2">
             <a:extLst>
               <a:ext uri="{FF2B5EF4-FFF2-40B4-BE49-F238E27FC236}">
-                <a16:creationId xmlns:a16="http://schemas.microsoft.com/office/drawing/2014/main" xmlns="" id="{A4761A08-28DB-4E61-B23C-47F9FF94B03B}"/>
+                <a16:creationId xmlns:a16="http://schemas.microsoft.com/office/drawing/2014/main" id="{A4761A08-28DB-4E61-B23C-47F9FF94B03B}"/>
               </a:ext>
             </a:extLst>
           </p:cNvPr>
@@ -852,7 +868,7 @@
           <p:cNvPr id="4" name="날짜 개체 틀 3">
             <a:extLst>
               <a:ext uri="{FF2B5EF4-FFF2-40B4-BE49-F238E27FC236}">
-                <a16:creationId xmlns:a16="http://schemas.microsoft.com/office/drawing/2014/main" xmlns="" id="{8A0B1E4E-9D0C-4F38-8350-90F7893A1DD4}"/>
+                <a16:creationId xmlns:a16="http://schemas.microsoft.com/office/drawing/2014/main" id="{8A0B1E4E-9D0C-4F38-8350-90F7893A1DD4}"/>
               </a:ext>
             </a:extLst>
           </p:cNvPr>
@@ -881,7 +897,7 @@
           <p:cNvPr id="5" name="바닥글 개체 틀 4">
             <a:extLst>
               <a:ext uri="{FF2B5EF4-FFF2-40B4-BE49-F238E27FC236}">
-                <a16:creationId xmlns:a16="http://schemas.microsoft.com/office/drawing/2014/main" xmlns="" id="{3EB51119-FFCC-46AF-9F51-2823DEF4A6AF}"/>
+                <a16:creationId xmlns:a16="http://schemas.microsoft.com/office/drawing/2014/main" id="{3EB51119-FFCC-46AF-9F51-2823DEF4A6AF}"/>
               </a:ext>
             </a:extLst>
           </p:cNvPr>
@@ -906,7 +922,7 @@
           <p:cNvPr id="6" name="슬라이드 번호 개체 틀 5">
             <a:extLst>
               <a:ext uri="{FF2B5EF4-FFF2-40B4-BE49-F238E27FC236}">
-                <a16:creationId xmlns:a16="http://schemas.microsoft.com/office/drawing/2014/main" xmlns="" id="{5E5C2C86-356F-4ACF-9EEC-3B3D8462A39C}"/>
+                <a16:creationId xmlns:a16="http://schemas.microsoft.com/office/drawing/2014/main" id="{5E5C2C86-356F-4ACF-9EEC-3B3D8462A39C}"/>
               </a:ext>
             </a:extLst>
           </p:cNvPr>
@@ -965,7 +981,7 @@
           <p:cNvPr id="2" name="제목 1">
             <a:extLst>
               <a:ext uri="{FF2B5EF4-FFF2-40B4-BE49-F238E27FC236}">
-                <a16:creationId xmlns:a16="http://schemas.microsoft.com/office/drawing/2014/main" xmlns="" id="{DBF78962-7159-4DAF-9E07-D4AC9AFA9BC1}"/>
+                <a16:creationId xmlns:a16="http://schemas.microsoft.com/office/drawing/2014/main" id="{DBF78962-7159-4DAF-9E07-D4AC9AFA9BC1}"/>
               </a:ext>
             </a:extLst>
           </p:cNvPr>
@@ -1002,7 +1018,7 @@
           <p:cNvPr id="3" name="텍스트 개체 틀 2">
             <a:extLst>
               <a:ext uri="{FF2B5EF4-FFF2-40B4-BE49-F238E27FC236}">
-                <a16:creationId xmlns:a16="http://schemas.microsoft.com/office/drawing/2014/main" xmlns="" id="{FAB5D699-135E-49BA-9606-CB890CD5D6CE}"/>
+                <a16:creationId xmlns:a16="http://schemas.microsoft.com/office/drawing/2014/main" id="{FAB5D699-135E-49BA-9606-CB890CD5D6CE}"/>
               </a:ext>
             </a:extLst>
           </p:cNvPr>
@@ -1127,7 +1143,7 @@
           <p:cNvPr id="4" name="날짜 개체 틀 3">
             <a:extLst>
               <a:ext uri="{FF2B5EF4-FFF2-40B4-BE49-F238E27FC236}">
-                <a16:creationId xmlns:a16="http://schemas.microsoft.com/office/drawing/2014/main" xmlns="" id="{3717AFA4-E80B-48F1-B566-3D5FA0DCC2E5}"/>
+                <a16:creationId xmlns:a16="http://schemas.microsoft.com/office/drawing/2014/main" id="{3717AFA4-E80B-48F1-B566-3D5FA0DCC2E5}"/>
               </a:ext>
             </a:extLst>
           </p:cNvPr>
@@ -1156,7 +1172,7 @@
           <p:cNvPr id="5" name="바닥글 개체 틀 4">
             <a:extLst>
               <a:ext uri="{FF2B5EF4-FFF2-40B4-BE49-F238E27FC236}">
-                <a16:creationId xmlns:a16="http://schemas.microsoft.com/office/drawing/2014/main" xmlns="" id="{530C7227-51F8-4DD4-93DC-2046C220BC2B}"/>
+                <a16:creationId xmlns:a16="http://schemas.microsoft.com/office/drawing/2014/main" id="{530C7227-51F8-4DD4-93DC-2046C220BC2B}"/>
               </a:ext>
             </a:extLst>
           </p:cNvPr>
@@ -1181,7 +1197,7 @@
           <p:cNvPr id="6" name="슬라이드 번호 개체 틀 5">
             <a:extLst>
               <a:ext uri="{FF2B5EF4-FFF2-40B4-BE49-F238E27FC236}">
-                <a16:creationId xmlns:a16="http://schemas.microsoft.com/office/drawing/2014/main" xmlns="" id="{CF23AE0C-87AE-419F-8C21-C05064D5F98B}"/>
+                <a16:creationId xmlns:a16="http://schemas.microsoft.com/office/drawing/2014/main" id="{CF23AE0C-87AE-419F-8C21-C05064D5F98B}"/>
               </a:ext>
             </a:extLst>
           </p:cNvPr>
@@ -1240,7 +1256,7 @@
           <p:cNvPr id="2" name="제목 1">
             <a:extLst>
               <a:ext uri="{FF2B5EF4-FFF2-40B4-BE49-F238E27FC236}">
-                <a16:creationId xmlns:a16="http://schemas.microsoft.com/office/drawing/2014/main" xmlns="" id="{EF53F05C-1B53-4997-8D4F-574B40BFB6D2}"/>
+                <a16:creationId xmlns:a16="http://schemas.microsoft.com/office/drawing/2014/main" id="{EF53F05C-1B53-4997-8D4F-574B40BFB6D2}"/>
               </a:ext>
             </a:extLst>
           </p:cNvPr>
@@ -1268,7 +1284,7 @@
           <p:cNvPr id="3" name="내용 개체 틀 2">
             <a:extLst>
               <a:ext uri="{FF2B5EF4-FFF2-40B4-BE49-F238E27FC236}">
-                <a16:creationId xmlns:a16="http://schemas.microsoft.com/office/drawing/2014/main" xmlns="" id="{F2EE759F-A91E-45FB-BC0F-52B204A43CE5}"/>
+                <a16:creationId xmlns:a16="http://schemas.microsoft.com/office/drawing/2014/main" id="{F2EE759F-A91E-45FB-BC0F-52B204A43CE5}"/>
               </a:ext>
             </a:extLst>
           </p:cNvPr>
@@ -1330,7 +1346,7 @@
           <p:cNvPr id="4" name="내용 개체 틀 3">
             <a:extLst>
               <a:ext uri="{FF2B5EF4-FFF2-40B4-BE49-F238E27FC236}">
-                <a16:creationId xmlns:a16="http://schemas.microsoft.com/office/drawing/2014/main" xmlns="" id="{CBA814ED-B083-468B-A3B1-B0834E8C8212}"/>
+                <a16:creationId xmlns:a16="http://schemas.microsoft.com/office/drawing/2014/main" id="{CBA814ED-B083-468B-A3B1-B0834E8C8212}"/>
               </a:ext>
             </a:extLst>
           </p:cNvPr>
@@ -1392,7 +1408,7 @@
           <p:cNvPr id="5" name="날짜 개체 틀 4">
             <a:extLst>
               <a:ext uri="{FF2B5EF4-FFF2-40B4-BE49-F238E27FC236}">
-                <a16:creationId xmlns:a16="http://schemas.microsoft.com/office/drawing/2014/main" xmlns="" id="{877DEBD2-BAE9-4C14-A7E8-517148C14EED}"/>
+                <a16:creationId xmlns:a16="http://schemas.microsoft.com/office/drawing/2014/main" id="{877DEBD2-BAE9-4C14-A7E8-517148C14EED}"/>
               </a:ext>
             </a:extLst>
           </p:cNvPr>
@@ -1421,7 +1437,7 @@
           <p:cNvPr id="6" name="바닥글 개체 틀 5">
             <a:extLst>
               <a:ext uri="{FF2B5EF4-FFF2-40B4-BE49-F238E27FC236}">
-                <a16:creationId xmlns:a16="http://schemas.microsoft.com/office/drawing/2014/main" xmlns="" id="{2F72D31F-47DB-4B78-B8CC-AB9D0A4DCEC0}"/>
+                <a16:creationId xmlns:a16="http://schemas.microsoft.com/office/drawing/2014/main" id="{2F72D31F-47DB-4B78-B8CC-AB9D0A4DCEC0}"/>
               </a:ext>
             </a:extLst>
           </p:cNvPr>
@@ -1446,7 +1462,7 @@
           <p:cNvPr id="7" name="슬라이드 번호 개체 틀 6">
             <a:extLst>
               <a:ext uri="{FF2B5EF4-FFF2-40B4-BE49-F238E27FC236}">
-                <a16:creationId xmlns:a16="http://schemas.microsoft.com/office/drawing/2014/main" xmlns="" id="{F1B67971-49C1-46A6-BFE1-F14E5E9F87CF}"/>
+                <a16:creationId xmlns:a16="http://schemas.microsoft.com/office/drawing/2014/main" id="{F1B67971-49C1-46A6-BFE1-F14E5E9F87CF}"/>
               </a:ext>
             </a:extLst>
           </p:cNvPr>
@@ -1505,7 +1521,7 @@
           <p:cNvPr id="2" name="제목 1">
             <a:extLst>
               <a:ext uri="{FF2B5EF4-FFF2-40B4-BE49-F238E27FC236}">
-                <a16:creationId xmlns:a16="http://schemas.microsoft.com/office/drawing/2014/main" xmlns="" id="{E54246B1-789C-445A-A33C-EE193AF6AB31}"/>
+                <a16:creationId xmlns:a16="http://schemas.microsoft.com/office/drawing/2014/main" id="{E54246B1-789C-445A-A33C-EE193AF6AB31}"/>
               </a:ext>
             </a:extLst>
           </p:cNvPr>
@@ -1538,7 +1554,7 @@
           <p:cNvPr id="3" name="텍스트 개체 틀 2">
             <a:extLst>
               <a:ext uri="{FF2B5EF4-FFF2-40B4-BE49-F238E27FC236}">
-                <a16:creationId xmlns:a16="http://schemas.microsoft.com/office/drawing/2014/main" xmlns="" id="{C60DCCE6-A432-4D2A-810A-99E8AFAD1DD0}"/>
+                <a16:creationId xmlns:a16="http://schemas.microsoft.com/office/drawing/2014/main" id="{C60DCCE6-A432-4D2A-810A-99E8AFAD1DD0}"/>
               </a:ext>
             </a:extLst>
           </p:cNvPr>
@@ -1609,7 +1625,7 @@
           <p:cNvPr id="4" name="내용 개체 틀 3">
             <a:extLst>
               <a:ext uri="{FF2B5EF4-FFF2-40B4-BE49-F238E27FC236}">
-                <a16:creationId xmlns:a16="http://schemas.microsoft.com/office/drawing/2014/main" xmlns="" id="{16D0CEB2-1187-4252-AD05-8D872A1D3F3F}"/>
+                <a16:creationId xmlns:a16="http://schemas.microsoft.com/office/drawing/2014/main" id="{16D0CEB2-1187-4252-AD05-8D872A1D3F3F}"/>
               </a:ext>
             </a:extLst>
           </p:cNvPr>
@@ -1671,7 +1687,7 @@
           <p:cNvPr id="5" name="텍스트 개체 틀 4">
             <a:extLst>
               <a:ext uri="{FF2B5EF4-FFF2-40B4-BE49-F238E27FC236}">
-                <a16:creationId xmlns:a16="http://schemas.microsoft.com/office/drawing/2014/main" xmlns="" id="{5AE31809-3F66-4FEC-8D60-2F4D07A12196}"/>
+                <a16:creationId xmlns:a16="http://schemas.microsoft.com/office/drawing/2014/main" id="{5AE31809-3F66-4FEC-8D60-2F4D07A12196}"/>
               </a:ext>
             </a:extLst>
           </p:cNvPr>
@@ -1742,7 +1758,7 @@
           <p:cNvPr id="6" name="내용 개체 틀 5">
             <a:extLst>
               <a:ext uri="{FF2B5EF4-FFF2-40B4-BE49-F238E27FC236}">
-                <a16:creationId xmlns:a16="http://schemas.microsoft.com/office/drawing/2014/main" xmlns="" id="{A23AB223-7027-45B7-A59D-E463A79FDDD7}"/>
+                <a16:creationId xmlns:a16="http://schemas.microsoft.com/office/drawing/2014/main" id="{A23AB223-7027-45B7-A59D-E463A79FDDD7}"/>
               </a:ext>
             </a:extLst>
           </p:cNvPr>
@@ -1804,7 +1820,7 @@
           <p:cNvPr id="7" name="날짜 개체 틀 6">
             <a:extLst>
               <a:ext uri="{FF2B5EF4-FFF2-40B4-BE49-F238E27FC236}">
-                <a16:creationId xmlns:a16="http://schemas.microsoft.com/office/drawing/2014/main" xmlns="" id="{D2A2B8DD-7358-465C-8CC1-F71D7DE0E812}"/>
+                <a16:creationId xmlns:a16="http://schemas.microsoft.com/office/drawing/2014/main" id="{D2A2B8DD-7358-465C-8CC1-F71D7DE0E812}"/>
               </a:ext>
             </a:extLst>
           </p:cNvPr>
@@ -1833,7 +1849,7 @@
           <p:cNvPr id="8" name="바닥글 개체 틀 7">
             <a:extLst>
               <a:ext uri="{FF2B5EF4-FFF2-40B4-BE49-F238E27FC236}">
-                <a16:creationId xmlns:a16="http://schemas.microsoft.com/office/drawing/2014/main" xmlns="" id="{0D010038-A30A-4B64-BB25-7C3590F3E110}"/>
+                <a16:creationId xmlns:a16="http://schemas.microsoft.com/office/drawing/2014/main" id="{0D010038-A30A-4B64-BB25-7C3590F3E110}"/>
               </a:ext>
             </a:extLst>
           </p:cNvPr>
@@ -1858,7 +1874,7 @@
           <p:cNvPr id="9" name="슬라이드 번호 개체 틀 8">
             <a:extLst>
               <a:ext uri="{FF2B5EF4-FFF2-40B4-BE49-F238E27FC236}">
-                <a16:creationId xmlns:a16="http://schemas.microsoft.com/office/drawing/2014/main" xmlns="" id="{65054B27-799F-4A0D-8BE0-631E52465DC1}"/>
+                <a16:creationId xmlns:a16="http://schemas.microsoft.com/office/drawing/2014/main" id="{65054B27-799F-4A0D-8BE0-631E52465DC1}"/>
               </a:ext>
             </a:extLst>
           </p:cNvPr>
@@ -1917,7 +1933,7 @@
           <p:cNvPr id="2" name="제목 1">
             <a:extLst>
               <a:ext uri="{FF2B5EF4-FFF2-40B4-BE49-F238E27FC236}">
-                <a16:creationId xmlns:a16="http://schemas.microsoft.com/office/drawing/2014/main" xmlns="" id="{C485E51C-A240-4608-92DA-E50F807F41C0}"/>
+                <a16:creationId xmlns:a16="http://schemas.microsoft.com/office/drawing/2014/main" id="{C485E51C-A240-4608-92DA-E50F807F41C0}"/>
               </a:ext>
             </a:extLst>
           </p:cNvPr>
@@ -1945,7 +1961,7 @@
           <p:cNvPr id="3" name="날짜 개체 틀 2">
             <a:extLst>
               <a:ext uri="{FF2B5EF4-FFF2-40B4-BE49-F238E27FC236}">
-                <a16:creationId xmlns:a16="http://schemas.microsoft.com/office/drawing/2014/main" xmlns="" id="{2B851E15-AFBE-4FC3-8B78-027D54EB8877}"/>
+                <a16:creationId xmlns:a16="http://schemas.microsoft.com/office/drawing/2014/main" id="{2B851E15-AFBE-4FC3-8B78-027D54EB8877}"/>
               </a:ext>
             </a:extLst>
           </p:cNvPr>
@@ -1974,7 +1990,7 @@
           <p:cNvPr id="4" name="바닥글 개체 틀 3">
             <a:extLst>
               <a:ext uri="{FF2B5EF4-FFF2-40B4-BE49-F238E27FC236}">
-                <a16:creationId xmlns:a16="http://schemas.microsoft.com/office/drawing/2014/main" xmlns="" id="{5FEBB580-75E4-48D4-AEF3-E10C58CF6EA4}"/>
+                <a16:creationId xmlns:a16="http://schemas.microsoft.com/office/drawing/2014/main" id="{5FEBB580-75E4-48D4-AEF3-E10C58CF6EA4}"/>
               </a:ext>
             </a:extLst>
           </p:cNvPr>
@@ -1999,7 +2015,7 @@
           <p:cNvPr id="5" name="슬라이드 번호 개체 틀 4">
             <a:extLst>
               <a:ext uri="{FF2B5EF4-FFF2-40B4-BE49-F238E27FC236}">
-                <a16:creationId xmlns:a16="http://schemas.microsoft.com/office/drawing/2014/main" xmlns="" id="{BF32AC2E-0C50-4FB0-8820-A7AC6BDE4173}"/>
+                <a16:creationId xmlns:a16="http://schemas.microsoft.com/office/drawing/2014/main" id="{BF32AC2E-0C50-4FB0-8820-A7AC6BDE4173}"/>
               </a:ext>
             </a:extLst>
           </p:cNvPr>
@@ -2058,7 +2074,7 @@
           <p:cNvPr id="2" name="날짜 개체 틀 1">
             <a:extLst>
               <a:ext uri="{FF2B5EF4-FFF2-40B4-BE49-F238E27FC236}">
-                <a16:creationId xmlns:a16="http://schemas.microsoft.com/office/drawing/2014/main" xmlns="" id="{2C192448-72D9-4BA8-A3A5-9279810622F2}"/>
+                <a16:creationId xmlns:a16="http://schemas.microsoft.com/office/drawing/2014/main" id="{2C192448-72D9-4BA8-A3A5-9279810622F2}"/>
               </a:ext>
             </a:extLst>
           </p:cNvPr>
@@ -2087,7 +2103,7 @@
           <p:cNvPr id="3" name="바닥글 개체 틀 2">
             <a:extLst>
               <a:ext uri="{FF2B5EF4-FFF2-40B4-BE49-F238E27FC236}">
-                <a16:creationId xmlns:a16="http://schemas.microsoft.com/office/drawing/2014/main" xmlns="" id="{6A464358-B5B5-49B6-9CA3-2BE74CF87DC8}"/>
+                <a16:creationId xmlns:a16="http://schemas.microsoft.com/office/drawing/2014/main" id="{6A464358-B5B5-49B6-9CA3-2BE74CF87DC8}"/>
               </a:ext>
             </a:extLst>
           </p:cNvPr>
@@ -2112,7 +2128,7 @@
           <p:cNvPr id="4" name="슬라이드 번호 개체 틀 3">
             <a:extLst>
               <a:ext uri="{FF2B5EF4-FFF2-40B4-BE49-F238E27FC236}">
-                <a16:creationId xmlns:a16="http://schemas.microsoft.com/office/drawing/2014/main" xmlns="" id="{5B606F01-6E92-4C16-A968-94433D122A35}"/>
+                <a16:creationId xmlns:a16="http://schemas.microsoft.com/office/drawing/2014/main" id="{5B606F01-6E92-4C16-A968-94433D122A35}"/>
               </a:ext>
             </a:extLst>
           </p:cNvPr>
@@ -2171,7 +2187,7 @@
           <p:cNvPr id="2" name="제목 1">
             <a:extLst>
               <a:ext uri="{FF2B5EF4-FFF2-40B4-BE49-F238E27FC236}">
-                <a16:creationId xmlns:a16="http://schemas.microsoft.com/office/drawing/2014/main" xmlns="" id="{78C9915E-4301-4868-A5EC-6F607A83BF22}"/>
+                <a16:creationId xmlns:a16="http://schemas.microsoft.com/office/drawing/2014/main" id="{78C9915E-4301-4868-A5EC-6F607A83BF22}"/>
               </a:ext>
             </a:extLst>
           </p:cNvPr>
@@ -2208,7 +2224,7 @@
           <p:cNvPr id="3" name="내용 개체 틀 2">
             <a:extLst>
               <a:ext uri="{FF2B5EF4-FFF2-40B4-BE49-F238E27FC236}">
-                <a16:creationId xmlns:a16="http://schemas.microsoft.com/office/drawing/2014/main" xmlns="" id="{4507BFFD-DC79-4CFE-A2B2-BACA06190953}"/>
+                <a16:creationId xmlns:a16="http://schemas.microsoft.com/office/drawing/2014/main" id="{4507BFFD-DC79-4CFE-A2B2-BACA06190953}"/>
               </a:ext>
             </a:extLst>
           </p:cNvPr>
@@ -2298,7 +2314,7 @@
           <p:cNvPr id="4" name="텍스트 개체 틀 3">
             <a:extLst>
               <a:ext uri="{FF2B5EF4-FFF2-40B4-BE49-F238E27FC236}">
-                <a16:creationId xmlns:a16="http://schemas.microsoft.com/office/drawing/2014/main" xmlns="" id="{9A00C531-2EB8-4478-9A6C-4CD6FE675072}"/>
+                <a16:creationId xmlns:a16="http://schemas.microsoft.com/office/drawing/2014/main" id="{9A00C531-2EB8-4478-9A6C-4CD6FE675072}"/>
               </a:ext>
             </a:extLst>
           </p:cNvPr>
@@ -2369,7 +2385,7 @@
           <p:cNvPr id="5" name="날짜 개체 틀 4">
             <a:extLst>
               <a:ext uri="{FF2B5EF4-FFF2-40B4-BE49-F238E27FC236}">
-                <a16:creationId xmlns:a16="http://schemas.microsoft.com/office/drawing/2014/main" xmlns="" id="{8B9102F9-10D2-4689-A3F0-BD4C609347E9}"/>
+                <a16:creationId xmlns:a16="http://schemas.microsoft.com/office/drawing/2014/main" id="{8B9102F9-10D2-4689-A3F0-BD4C609347E9}"/>
               </a:ext>
             </a:extLst>
           </p:cNvPr>
@@ -2398,7 +2414,7 @@
           <p:cNvPr id="6" name="바닥글 개체 틀 5">
             <a:extLst>
               <a:ext uri="{FF2B5EF4-FFF2-40B4-BE49-F238E27FC236}">
-                <a16:creationId xmlns:a16="http://schemas.microsoft.com/office/drawing/2014/main" xmlns="" id="{D7F39764-04A1-4A55-9A18-7F042A006344}"/>
+                <a16:creationId xmlns:a16="http://schemas.microsoft.com/office/drawing/2014/main" id="{D7F39764-04A1-4A55-9A18-7F042A006344}"/>
               </a:ext>
             </a:extLst>
           </p:cNvPr>
@@ -2423,7 +2439,7 @@
           <p:cNvPr id="7" name="슬라이드 번호 개체 틀 6">
             <a:extLst>
               <a:ext uri="{FF2B5EF4-FFF2-40B4-BE49-F238E27FC236}">
-                <a16:creationId xmlns:a16="http://schemas.microsoft.com/office/drawing/2014/main" xmlns="" id="{34225F41-6CDF-4265-BBB3-81FCF28FB82A}"/>
+                <a16:creationId xmlns:a16="http://schemas.microsoft.com/office/drawing/2014/main" id="{34225F41-6CDF-4265-BBB3-81FCF28FB82A}"/>
               </a:ext>
             </a:extLst>
           </p:cNvPr>
@@ -2482,7 +2498,7 @@
           <p:cNvPr id="2" name="제목 1">
             <a:extLst>
               <a:ext uri="{FF2B5EF4-FFF2-40B4-BE49-F238E27FC236}">
-                <a16:creationId xmlns:a16="http://schemas.microsoft.com/office/drawing/2014/main" xmlns="" id="{E1595260-FA6D-4888-ADF7-F499EEC9CAF3}"/>
+                <a16:creationId xmlns:a16="http://schemas.microsoft.com/office/drawing/2014/main" id="{E1595260-FA6D-4888-ADF7-F499EEC9CAF3}"/>
               </a:ext>
             </a:extLst>
           </p:cNvPr>
@@ -2519,7 +2535,7 @@
           <p:cNvPr id="3" name="그림 개체 틀 2">
             <a:extLst>
               <a:ext uri="{FF2B5EF4-FFF2-40B4-BE49-F238E27FC236}">
-                <a16:creationId xmlns:a16="http://schemas.microsoft.com/office/drawing/2014/main" xmlns="" id="{83A50628-D8CA-4077-960A-F39CE72B43AC}"/>
+                <a16:creationId xmlns:a16="http://schemas.microsoft.com/office/drawing/2014/main" id="{83A50628-D8CA-4077-960A-F39CE72B43AC}"/>
               </a:ext>
             </a:extLst>
           </p:cNvPr>
@@ -2586,7 +2602,7 @@
           <p:cNvPr id="4" name="텍스트 개체 틀 3">
             <a:extLst>
               <a:ext uri="{FF2B5EF4-FFF2-40B4-BE49-F238E27FC236}">
-                <a16:creationId xmlns:a16="http://schemas.microsoft.com/office/drawing/2014/main" xmlns="" id="{19E7AA03-FBD8-4A50-A92B-5AC38CFD2159}"/>
+                <a16:creationId xmlns:a16="http://schemas.microsoft.com/office/drawing/2014/main" id="{19E7AA03-FBD8-4A50-A92B-5AC38CFD2159}"/>
               </a:ext>
             </a:extLst>
           </p:cNvPr>
@@ -2657,7 +2673,7 @@
           <p:cNvPr id="5" name="날짜 개체 틀 4">
             <a:extLst>
               <a:ext uri="{FF2B5EF4-FFF2-40B4-BE49-F238E27FC236}">
-                <a16:creationId xmlns:a16="http://schemas.microsoft.com/office/drawing/2014/main" xmlns="" id="{68D9E59A-44BD-4C8B-A629-A61BC819DCDC}"/>
+                <a16:creationId xmlns:a16="http://schemas.microsoft.com/office/drawing/2014/main" id="{68D9E59A-44BD-4C8B-A629-A61BC819DCDC}"/>
               </a:ext>
             </a:extLst>
           </p:cNvPr>
@@ -2686,7 +2702,7 @@
           <p:cNvPr id="6" name="바닥글 개체 틀 5">
             <a:extLst>
               <a:ext uri="{FF2B5EF4-FFF2-40B4-BE49-F238E27FC236}">
-                <a16:creationId xmlns:a16="http://schemas.microsoft.com/office/drawing/2014/main" xmlns="" id="{1D2B7321-A165-476B-A4ED-83B774277E09}"/>
+                <a16:creationId xmlns:a16="http://schemas.microsoft.com/office/drawing/2014/main" id="{1D2B7321-A165-476B-A4ED-83B774277E09}"/>
               </a:ext>
             </a:extLst>
           </p:cNvPr>
@@ -2711,7 +2727,7 @@
           <p:cNvPr id="7" name="슬라이드 번호 개체 틀 6">
             <a:extLst>
               <a:ext uri="{FF2B5EF4-FFF2-40B4-BE49-F238E27FC236}">
-                <a16:creationId xmlns:a16="http://schemas.microsoft.com/office/drawing/2014/main" xmlns="" id="{07F02D81-149F-45ED-BBC5-576EF0493F03}"/>
+                <a16:creationId xmlns:a16="http://schemas.microsoft.com/office/drawing/2014/main" id="{07F02D81-149F-45ED-BBC5-576EF0493F03}"/>
               </a:ext>
             </a:extLst>
           </p:cNvPr>
@@ -2775,7 +2791,7 @@
           <p:cNvPr id="2" name="제목 개체 틀 1">
             <a:extLst>
               <a:ext uri="{FF2B5EF4-FFF2-40B4-BE49-F238E27FC236}">
-                <a16:creationId xmlns:a16="http://schemas.microsoft.com/office/drawing/2014/main" xmlns="" id="{738525D4-1253-4608-9D52-B7981AC4FCC8}"/>
+                <a16:creationId xmlns:a16="http://schemas.microsoft.com/office/drawing/2014/main" id="{738525D4-1253-4608-9D52-B7981AC4FCC8}"/>
               </a:ext>
             </a:extLst>
           </p:cNvPr>
@@ -2813,7 +2829,7 @@
           <p:cNvPr id="3" name="텍스트 개체 틀 2">
             <a:extLst>
               <a:ext uri="{FF2B5EF4-FFF2-40B4-BE49-F238E27FC236}">
-                <a16:creationId xmlns:a16="http://schemas.microsoft.com/office/drawing/2014/main" xmlns="" id="{0D5AEAAA-7600-4903-ACEF-1D36CDCD268E}"/>
+                <a16:creationId xmlns:a16="http://schemas.microsoft.com/office/drawing/2014/main" id="{0D5AEAAA-7600-4903-ACEF-1D36CDCD268E}"/>
               </a:ext>
             </a:extLst>
           </p:cNvPr>
@@ -2880,7 +2896,7 @@
           <p:cNvPr id="4" name="날짜 개체 틀 3">
             <a:extLst>
               <a:ext uri="{FF2B5EF4-FFF2-40B4-BE49-F238E27FC236}">
-                <a16:creationId xmlns:a16="http://schemas.microsoft.com/office/drawing/2014/main" xmlns="" id="{4DC8EC6A-27D7-4EF9-B45D-C2D39B14F126}"/>
+                <a16:creationId xmlns:a16="http://schemas.microsoft.com/office/drawing/2014/main" id="{4DC8EC6A-27D7-4EF9-B45D-C2D39B14F126}"/>
               </a:ext>
             </a:extLst>
           </p:cNvPr>
@@ -2927,7 +2943,7 @@
           <p:cNvPr id="5" name="바닥글 개체 틀 4">
             <a:extLst>
               <a:ext uri="{FF2B5EF4-FFF2-40B4-BE49-F238E27FC236}">
-                <a16:creationId xmlns:a16="http://schemas.microsoft.com/office/drawing/2014/main" xmlns="" id="{260EB541-017D-4B3F-9895-2DFE884EA7DA}"/>
+                <a16:creationId xmlns:a16="http://schemas.microsoft.com/office/drawing/2014/main" id="{260EB541-017D-4B3F-9895-2DFE884EA7DA}"/>
               </a:ext>
             </a:extLst>
           </p:cNvPr>
@@ -2970,7 +2986,7 @@
           <p:cNvPr id="6" name="슬라이드 번호 개체 틀 5">
             <a:extLst>
               <a:ext uri="{FF2B5EF4-FFF2-40B4-BE49-F238E27FC236}">
-                <a16:creationId xmlns:a16="http://schemas.microsoft.com/office/drawing/2014/main" xmlns="" id="{51440F6D-AE56-4BC9-B00D-4A215980C939}"/>
+                <a16:creationId xmlns:a16="http://schemas.microsoft.com/office/drawing/2014/main" id="{51440F6D-AE56-4BC9-B00D-4A215980C939}"/>
               </a:ext>
             </a:extLst>
           </p:cNvPr>
@@ -3346,7 +3362,7 @@
           <p:cNvPr id="3" name="부제목 2">
             <a:extLst>
               <a:ext uri="{FF2B5EF4-FFF2-40B4-BE49-F238E27FC236}">
-                <a16:creationId xmlns:a16="http://schemas.microsoft.com/office/drawing/2014/main" xmlns="" id="{84DAC65C-FE20-4D6D-AFFA-57D16B16FADF}"/>
+                <a16:creationId xmlns:a16="http://schemas.microsoft.com/office/drawing/2014/main" id="{84DAC65C-FE20-4D6D-AFFA-57D16B16FADF}"/>
               </a:ext>
             </a:extLst>
           </p:cNvPr>
@@ -3386,7 +3402,7 @@
           <p:cNvPr id="9" name="그림 8">
             <a:extLst>
               <a:ext uri="{FF2B5EF4-FFF2-40B4-BE49-F238E27FC236}">
-                <a16:creationId xmlns:a16="http://schemas.microsoft.com/office/drawing/2014/main" xmlns="" id="{58A568A6-F904-4025-9A14-67F5B32BB43F}"/>
+                <a16:creationId xmlns:a16="http://schemas.microsoft.com/office/drawing/2014/main" id="{58A568A6-F904-4025-9A14-67F5B32BB43F}"/>
               </a:ext>
             </a:extLst>
           </p:cNvPr>
@@ -3415,7 +3431,7 @@
           <p:cNvPr id="6" name="正方形/長方形 1">
             <a:extLst>
               <a:ext uri="{FF2B5EF4-FFF2-40B4-BE49-F238E27FC236}">
-                <a16:creationId xmlns:a16="http://schemas.microsoft.com/office/drawing/2014/main" xmlns="" id="{3DB5B2C5-F5B3-4CC9-BEAC-DB38B7D18AB0}"/>
+                <a16:creationId xmlns:a16="http://schemas.microsoft.com/office/drawing/2014/main" id="{3DB5B2C5-F5B3-4CC9-BEAC-DB38B7D18AB0}"/>
               </a:ext>
             </a:extLst>
           </p:cNvPr>
@@ -3467,7 +3483,7 @@
           <p:cNvPr id="5" name="그림 4">
             <a:extLst>
               <a:ext uri="{FF2B5EF4-FFF2-40B4-BE49-F238E27FC236}">
-                <a16:creationId xmlns:a16="http://schemas.microsoft.com/office/drawing/2014/main" xmlns="" id="{70CD73FB-6A8C-4053-8E55-05DD338095CE}"/>
+                <a16:creationId xmlns:a16="http://schemas.microsoft.com/office/drawing/2014/main" id="{70CD73FB-6A8C-4053-8E55-05DD338095CE}"/>
               </a:ext>
             </a:extLst>
           </p:cNvPr>
@@ -3503,7 +3519,7 @@
           <p:cNvPr id="10" name="TextBox 9">
             <a:extLst>
               <a:ext uri="{FF2B5EF4-FFF2-40B4-BE49-F238E27FC236}">
-                <a16:creationId xmlns:a16="http://schemas.microsoft.com/office/drawing/2014/main" xmlns="" id="{FE48E1B1-BE68-4CDF-B1A5-546E3D5FD453}"/>
+                <a16:creationId xmlns:a16="http://schemas.microsoft.com/office/drawing/2014/main" id="{FE48E1B1-BE68-4CDF-B1A5-546E3D5FD453}"/>
               </a:ext>
             </a:extLst>
           </p:cNvPr>
@@ -3635,13 +3651,6 @@
   <p:clrMapOvr>
     <a:masterClrMapping/>
   </p:clrMapOvr>
-  <p:timing>
-    <p:tnLst>
-      <p:par>
-        <p:cTn id="1" dur="indefinite" restart="never" nodeType="tmRoot"/>
-      </p:par>
-    </p:tnLst>
-  </p:timing>
 </p:sld>
 </file>
 
@@ -3667,7 +3676,7 @@
           <p:cNvPr id="2" name="직사각형 1">
             <a:extLst>
               <a:ext uri="{FF2B5EF4-FFF2-40B4-BE49-F238E27FC236}">
-                <a16:creationId xmlns:a16="http://schemas.microsoft.com/office/drawing/2014/main" xmlns="" id="{8E5B996D-DF87-49E5-95D1-45B1EEB9EE9A}"/>
+                <a16:creationId xmlns:a16="http://schemas.microsoft.com/office/drawing/2014/main" id="{8E5B996D-DF87-49E5-95D1-45B1EEB9EE9A}"/>
               </a:ext>
             </a:extLst>
           </p:cNvPr>
@@ -3719,7 +3728,7 @@
           <p:cNvPr id="4" name="직사각형 3">
             <a:extLst>
               <a:ext uri="{FF2B5EF4-FFF2-40B4-BE49-F238E27FC236}">
-                <a16:creationId xmlns:a16="http://schemas.microsoft.com/office/drawing/2014/main" xmlns="" id="{080CEE4E-4BCA-42C3-BECA-9BCEB9931EEA}"/>
+                <a16:creationId xmlns:a16="http://schemas.microsoft.com/office/drawing/2014/main" id="{080CEE4E-4BCA-42C3-BECA-9BCEB9931EEA}"/>
               </a:ext>
             </a:extLst>
           </p:cNvPr>
@@ -3771,7 +3780,7 @@
           <p:cNvPr id="5" name="TextBox 4">
             <a:extLst>
               <a:ext uri="{FF2B5EF4-FFF2-40B4-BE49-F238E27FC236}">
-                <a16:creationId xmlns:a16="http://schemas.microsoft.com/office/drawing/2014/main" xmlns="" id="{D12B0B12-AB99-4F88-B4B2-948DADC833EA}"/>
+                <a16:creationId xmlns:a16="http://schemas.microsoft.com/office/drawing/2014/main" id="{D12B0B12-AB99-4F88-B4B2-948DADC833EA}"/>
               </a:ext>
             </a:extLst>
           </p:cNvPr>
@@ -3795,7 +3804,7 @@
           <a:lstStyle/>
           <a:p>
             <a:r>
-              <a:rPr kumimoji="1" lang="en-US" altLang="ja-JP" sz="4400" b="1" spc="-150" dirty="0" smtClean="0">
+              <a:rPr kumimoji="1" lang="en-US" altLang="ja-JP" sz="4400" b="1" spc="-150" dirty="0">
                 <a:solidFill>
                   <a:srgbClr val="FFCD2F"/>
                 </a:solidFill>
@@ -3812,7 +3821,7 @@
               <a:t>W</a:t>
             </a:r>
             <a:r>
-              <a:rPr kumimoji="1" lang="en-US" altLang="ja-JP" sz="4400" b="1" spc="-150" dirty="0" smtClean="0">
+              <a:rPr kumimoji="1" lang="en-US" altLang="ja-JP" sz="4400" b="1" spc="-150" dirty="0">
                 <a:solidFill>
                   <a:schemeClr val="accent1">
                     <a:lumMod val="75000"/>
@@ -3831,7 +3840,7 @@
               <a:t>ire </a:t>
             </a:r>
             <a:r>
-              <a:rPr kumimoji="1" lang="en-US" altLang="ja-JP" sz="4400" b="1" spc="-150" dirty="0" smtClean="0">
+              <a:rPr kumimoji="1" lang="en-US" altLang="ja-JP" sz="4400" b="1" spc="-150" dirty="0">
                 <a:solidFill>
                   <a:srgbClr val="FFCD2F"/>
                 </a:solidFill>
@@ -3848,7 +3857,7 @@
               <a:t>F</a:t>
             </a:r>
             <a:r>
-              <a:rPr kumimoji="1" lang="en-US" altLang="ja-JP" sz="4400" b="1" spc="-150" dirty="0" smtClean="0">
+              <a:rPr kumimoji="1" lang="en-US" altLang="ja-JP" sz="4400" b="1" spc="-150" dirty="0">
                 <a:solidFill>
                   <a:schemeClr val="accent1">
                     <a:lumMod val="75000"/>
@@ -3890,7 +3899,7 @@
           <p:cNvPr id="9" name="그림 8">
             <a:extLst>
               <a:ext uri="{FF2B5EF4-FFF2-40B4-BE49-F238E27FC236}">
-                <a16:creationId xmlns:a16="http://schemas.microsoft.com/office/drawing/2014/main" xmlns="" id="{0F0992E8-2696-42E6-805A-0C12780D8FA1}"/>
+                <a16:creationId xmlns:a16="http://schemas.microsoft.com/office/drawing/2014/main" id="{0F0992E8-2696-42E6-805A-0C12780D8FA1}"/>
               </a:ext>
             </a:extLst>
           </p:cNvPr>
@@ -4242,99 +4251,1632 @@
           <a:lstStyle/>
           <a:p>
             <a:r>
-              <a:rPr lang="ko-KR" altLang="en-US" dirty="0" smtClean="0"/>
+              <a:rPr lang="ko-KR" altLang="en-US" dirty="0"/>
               <a:t>회원가입 </a:t>
             </a:r>
             <a:r>
-              <a:rPr lang="en-US" altLang="ko-KR" dirty="0" smtClean="0"/>
+              <a:rPr lang="en-US" altLang="ko-KR" dirty="0"/>
               <a:t>- </a:t>
             </a:r>
             <a:r>
-              <a:rPr lang="ko-KR" altLang="en-US" dirty="0" smtClean="0"/>
+              <a:rPr lang="ko-KR" altLang="en-US" dirty="0"/>
               <a:t>이용약관</a:t>
             </a:r>
-            <a:endParaRPr lang="ko-KR" altLang="en-US" dirty="0"/>
-          </a:p>
-        </p:txBody>
-      </p:sp>
-      <p:sp>
-        <p:nvSpPr>
-          <p:cNvPr id="14" name="직사각형 13"/>
-          <p:cNvSpPr/>
+          </a:p>
+        </p:txBody>
+      </p:sp>
+      <p:grpSp>
+        <p:nvGrpSpPr>
+          <p:cNvPr id="81" name="그룹 80">
+            <a:extLst>
+              <a:ext uri="{FF2B5EF4-FFF2-40B4-BE49-F238E27FC236}">
+                <a16:creationId xmlns:a16="http://schemas.microsoft.com/office/drawing/2014/main" id="{38E8101C-CD9F-4405-83E3-80C679EBD51C}"/>
+              </a:ext>
+            </a:extLst>
+          </p:cNvPr>
+          <p:cNvGrpSpPr/>
           <p:nvPr/>
-        </p:nvSpPr>
-        <p:spPr>
+        </p:nvGrpSpPr>
+        <p:grpSpPr>
           <a:xfrm>
-            <a:off x="3133063" y="2768602"/>
-            <a:ext cx="2726074" cy="3149597"/>
+            <a:off x="2699500" y="2758286"/>
+            <a:ext cx="3593201" cy="3149597"/>
+            <a:chOff x="3133062" y="2758286"/>
+            <a:chExt cx="3593201" cy="3149597"/>
           </a:xfrm>
-          <a:prstGeom prst="rect">
-            <a:avLst/>
-          </a:prstGeom>
-        </p:spPr>
-        <p:style>
-          <a:lnRef idx="2">
-            <a:schemeClr val="dk1"/>
-          </a:lnRef>
-          <a:fillRef idx="1">
-            <a:schemeClr val="lt1"/>
-          </a:fillRef>
-          <a:effectRef idx="0">
-            <a:schemeClr val="dk1"/>
-          </a:effectRef>
-          <a:fontRef idx="minor">
-            <a:schemeClr val="dk1"/>
-          </a:fontRef>
-        </p:style>
-        <p:txBody>
-          <a:bodyPr rtlCol="0" anchor="ctr"/>
-          <a:lstStyle/>
-          <a:p>
-            <a:pPr algn="ctr"/>
-            <a:endParaRPr lang="ko-KR" altLang="en-US" dirty="0"/>
-          </a:p>
-        </p:txBody>
-      </p:sp>
-      <p:sp>
-        <p:nvSpPr>
-          <p:cNvPr id="8" name="TextBox 7"/>
-          <p:cNvSpPr txBox="1"/>
-          <p:nvPr/>
-        </p:nvSpPr>
-        <p:spPr>
-          <a:xfrm>
-            <a:off x="3501788" y="2853265"/>
-            <a:ext cx="2026517" cy="261610"/>
-          </a:xfrm>
-          <a:prstGeom prst="rect">
-            <a:avLst/>
-          </a:prstGeom>
-          <a:noFill/>
-        </p:spPr>
-        <p:txBody>
-          <a:bodyPr wrap="none" rtlCol="0">
-            <a:spAutoFit/>
-          </a:bodyPr>
-          <a:lstStyle/>
-          <a:p>
-            <a:r>
-              <a:rPr lang="ko-KR" altLang="en-US" sz="1100" dirty="0" smtClean="0"/>
-              <a:t>아래 항목에 전체동의 합니다</a:t>
-            </a:r>
-            <a:endParaRPr lang="ko-KR" altLang="en-US" sz="1100" dirty="0"/>
-          </a:p>
-        </p:txBody>
-      </p:sp>
+        </p:grpSpPr>
+        <p:sp>
+          <p:nvSpPr>
+            <p:cNvPr id="14" name="직사각형 13"/>
+            <p:cNvSpPr/>
+            <p:nvPr/>
+          </p:nvSpPr>
+          <p:spPr>
+            <a:xfrm>
+              <a:off x="3133062" y="2758286"/>
+              <a:ext cx="3593201" cy="3149597"/>
+            </a:xfrm>
+            <a:prstGeom prst="rect">
+              <a:avLst/>
+            </a:prstGeom>
+          </p:spPr>
+          <p:style>
+            <a:lnRef idx="2">
+              <a:schemeClr val="dk1"/>
+            </a:lnRef>
+            <a:fillRef idx="1">
+              <a:schemeClr val="lt1"/>
+            </a:fillRef>
+            <a:effectRef idx="0">
+              <a:schemeClr val="dk1"/>
+            </a:effectRef>
+            <a:fontRef idx="minor">
+              <a:schemeClr val="dk1"/>
+            </a:fontRef>
+          </p:style>
+          <p:txBody>
+            <a:bodyPr rtlCol="0" anchor="ctr"/>
+            <a:lstStyle/>
+            <a:p>
+              <a:pPr algn="ctr"/>
+              <a:endParaRPr lang="ko-KR" altLang="en-US" dirty="0"/>
+            </a:p>
+          </p:txBody>
+        </p:sp>
+        <p:sp>
+          <p:nvSpPr>
+            <p:cNvPr id="8" name="TextBox 7"/>
+            <p:cNvSpPr txBox="1"/>
+            <p:nvPr/>
+          </p:nvSpPr>
+          <p:spPr>
+            <a:xfrm>
+              <a:off x="3493875" y="2860704"/>
+              <a:ext cx="2026517" cy="261610"/>
+            </a:xfrm>
+            <a:prstGeom prst="rect">
+              <a:avLst/>
+            </a:prstGeom>
+            <a:noFill/>
+          </p:spPr>
+          <p:txBody>
+            <a:bodyPr wrap="none" rtlCol="0">
+              <a:spAutoFit/>
+            </a:bodyPr>
+            <a:lstStyle/>
+            <a:p>
+              <a:r>
+                <a:rPr lang="ko-KR" altLang="en-US" sz="1100" dirty="0"/>
+                <a:t>아래 항목에 전체동의 합니다</a:t>
+              </a:r>
+            </a:p>
+          </p:txBody>
+        </p:sp>
+        <p:cxnSp>
+          <p:nvCxnSpPr>
+            <p:cNvPr id="16" name="직선 연결선 15"/>
+            <p:cNvCxnSpPr>
+              <a:cxnSpLocks/>
+            </p:cNvCxnSpPr>
+            <p:nvPr/>
+          </p:nvCxnSpPr>
+          <p:spPr>
+            <a:xfrm>
+              <a:off x="3275837" y="3153620"/>
+              <a:ext cx="3307651" cy="0"/>
+            </a:xfrm>
+            <a:prstGeom prst="line">
+              <a:avLst/>
+            </a:prstGeom>
+            <a:ln w="12700"/>
+          </p:spPr>
+          <p:style>
+            <a:lnRef idx="1">
+              <a:schemeClr val="accent3"/>
+            </a:lnRef>
+            <a:fillRef idx="0">
+              <a:schemeClr val="accent3"/>
+            </a:fillRef>
+            <a:effectRef idx="0">
+              <a:schemeClr val="accent3"/>
+            </a:effectRef>
+            <a:fontRef idx="minor">
+              <a:schemeClr val="tx1"/>
+            </a:fontRef>
+          </p:style>
+        </p:cxnSp>
+        <p:sp>
+          <p:nvSpPr>
+            <p:cNvPr id="18" name="TextBox 17"/>
+            <p:cNvSpPr txBox="1"/>
+            <p:nvPr/>
+          </p:nvSpPr>
+          <p:spPr>
+            <a:xfrm>
+              <a:off x="3502629" y="3207699"/>
+              <a:ext cx="2316660" cy="261610"/>
+            </a:xfrm>
+            <a:prstGeom prst="rect">
+              <a:avLst/>
+            </a:prstGeom>
+            <a:noFill/>
+          </p:spPr>
+          <p:txBody>
+            <a:bodyPr wrap="none" rtlCol="0">
+              <a:spAutoFit/>
+            </a:bodyPr>
+            <a:lstStyle/>
+            <a:p>
+              <a:r>
+                <a:rPr lang="ko-KR" altLang="en-US" sz="1100" dirty="0"/>
+                <a:t>본인은 만 </a:t>
+              </a:r>
+              <a:r>
+                <a:rPr lang="en-US" altLang="ko-KR" sz="1100" dirty="0"/>
+                <a:t>14</a:t>
+              </a:r>
+              <a:r>
+                <a:rPr lang="ko-KR" altLang="en-US" sz="1100" dirty="0"/>
+                <a:t>세 이상입니다 </a:t>
+              </a:r>
+              <a:r>
+                <a:rPr lang="en-US" altLang="ko-KR" sz="1100" dirty="0"/>
+                <a:t>(</a:t>
+              </a:r>
+              <a:r>
+                <a:rPr lang="ko-KR" altLang="en-US" sz="1100" dirty="0"/>
+                <a:t>필수</a:t>
+              </a:r>
+              <a:r>
+                <a:rPr lang="en-US" altLang="ko-KR" sz="1100" dirty="0"/>
+                <a:t>)</a:t>
+              </a:r>
+              <a:endParaRPr lang="ko-KR" altLang="en-US" sz="1100" dirty="0"/>
+            </a:p>
+          </p:txBody>
+        </p:sp>
+        <p:sp>
+          <p:nvSpPr>
+            <p:cNvPr id="20" name="TextBox 19"/>
+            <p:cNvSpPr txBox="1"/>
+            <p:nvPr/>
+          </p:nvSpPr>
+          <p:spPr>
+            <a:xfrm>
+              <a:off x="3497851" y="3562132"/>
+              <a:ext cx="2390398" cy="261610"/>
+            </a:xfrm>
+            <a:prstGeom prst="rect">
+              <a:avLst/>
+            </a:prstGeom>
+            <a:noFill/>
+          </p:spPr>
+          <p:txBody>
+            <a:bodyPr wrap="none" rtlCol="0">
+              <a:spAutoFit/>
+            </a:bodyPr>
+            <a:lstStyle/>
+            <a:p>
+              <a:r>
+                <a:rPr lang="ko-KR" altLang="en-US" sz="1100" dirty="0"/>
+                <a:t>서비스 이용약관 동의 </a:t>
+              </a:r>
+              <a:r>
+                <a:rPr lang="en-US" altLang="ko-KR" sz="1100" dirty="0"/>
+                <a:t>(</a:t>
+              </a:r>
+              <a:r>
+                <a:rPr lang="ko-KR" altLang="en-US" sz="1100" dirty="0"/>
+                <a:t>보기</a:t>
+              </a:r>
+              <a:r>
+                <a:rPr lang="en-US" altLang="ko-KR" sz="1100" dirty="0"/>
+                <a:t>) (</a:t>
+              </a:r>
+              <a:r>
+                <a:rPr lang="ko-KR" altLang="en-US" sz="1100" dirty="0"/>
+                <a:t>필수</a:t>
+              </a:r>
+              <a:r>
+                <a:rPr lang="en-US" altLang="ko-KR" sz="1100" dirty="0"/>
+                <a:t>)</a:t>
+              </a:r>
+              <a:endParaRPr lang="ko-KR" altLang="en-US" sz="1100" dirty="0"/>
+            </a:p>
+          </p:txBody>
+        </p:sp>
+        <p:sp>
+          <p:nvSpPr>
+            <p:cNvPr id="21" name="TextBox 20"/>
+            <p:cNvSpPr txBox="1"/>
+            <p:nvPr/>
+          </p:nvSpPr>
+          <p:spPr>
+            <a:xfrm>
+              <a:off x="3501788" y="3919854"/>
+              <a:ext cx="2581156" cy="261610"/>
+            </a:xfrm>
+            <a:prstGeom prst="rect">
+              <a:avLst/>
+            </a:prstGeom>
+            <a:noFill/>
+          </p:spPr>
+          <p:txBody>
+            <a:bodyPr wrap="none" rtlCol="0">
+              <a:spAutoFit/>
+            </a:bodyPr>
+            <a:lstStyle/>
+            <a:p>
+              <a:r>
+                <a:rPr lang="ko-KR" altLang="en-US" sz="1100" dirty="0"/>
+                <a:t>개인정보 수집 이용 동의 </a:t>
+              </a:r>
+              <a:r>
+                <a:rPr lang="en-US" altLang="ko-KR" sz="1100" dirty="0"/>
+                <a:t>(</a:t>
+              </a:r>
+              <a:r>
+                <a:rPr lang="ko-KR" altLang="en-US" sz="1100" dirty="0"/>
+                <a:t>보기</a:t>
+              </a:r>
+              <a:r>
+                <a:rPr lang="en-US" altLang="ko-KR" sz="1100" dirty="0"/>
+                <a:t>) (</a:t>
+              </a:r>
+              <a:r>
+                <a:rPr lang="ko-KR" altLang="en-US" sz="1100" dirty="0"/>
+                <a:t>필수</a:t>
+              </a:r>
+              <a:r>
+                <a:rPr lang="en-US" altLang="ko-KR" sz="1100" dirty="0"/>
+                <a:t>)</a:t>
+              </a:r>
+              <a:endParaRPr lang="ko-KR" altLang="en-US" sz="1100" dirty="0"/>
+            </a:p>
+          </p:txBody>
+        </p:sp>
+        <p:sp>
+          <p:nvSpPr>
+            <p:cNvPr id="22" name="TextBox 21"/>
+            <p:cNvSpPr txBox="1"/>
+            <p:nvPr/>
+          </p:nvSpPr>
+          <p:spPr>
+            <a:xfrm>
+              <a:off x="3501788" y="4263560"/>
+              <a:ext cx="3095719" cy="261610"/>
+            </a:xfrm>
+            <a:prstGeom prst="rect">
+              <a:avLst/>
+            </a:prstGeom>
+            <a:noFill/>
+          </p:spPr>
+          <p:txBody>
+            <a:bodyPr wrap="none" rtlCol="0">
+              <a:spAutoFit/>
+            </a:bodyPr>
+            <a:lstStyle/>
+            <a:p>
+              <a:r>
+                <a:rPr lang="ko-KR" altLang="en-US" sz="1100" dirty="0"/>
+                <a:t>안전보상지원 프로그램약관 동의 </a:t>
+              </a:r>
+              <a:r>
+                <a:rPr lang="en-US" altLang="ko-KR" sz="1100" dirty="0"/>
+                <a:t>(</a:t>
+              </a:r>
+              <a:r>
+                <a:rPr lang="ko-KR" altLang="en-US" sz="1100" dirty="0"/>
+                <a:t>보기</a:t>
+              </a:r>
+              <a:r>
+                <a:rPr lang="en-US" altLang="ko-KR" sz="1100" dirty="0"/>
+                <a:t>) (</a:t>
+              </a:r>
+              <a:r>
+                <a:rPr lang="ko-KR" altLang="en-US" sz="1100" dirty="0"/>
+                <a:t>필수</a:t>
+              </a:r>
+              <a:r>
+                <a:rPr lang="en-US" altLang="ko-KR" sz="1100" dirty="0"/>
+                <a:t>)</a:t>
+              </a:r>
+              <a:endParaRPr lang="ko-KR" altLang="en-US" sz="1100" dirty="0"/>
+            </a:p>
+          </p:txBody>
+        </p:sp>
+        <p:sp>
+          <p:nvSpPr>
+            <p:cNvPr id="23" name="TextBox 22"/>
+            <p:cNvSpPr txBox="1"/>
+            <p:nvPr/>
+          </p:nvSpPr>
+          <p:spPr>
+            <a:xfrm>
+              <a:off x="3493875" y="4611640"/>
+              <a:ext cx="2954655" cy="261610"/>
+            </a:xfrm>
+            <a:prstGeom prst="rect">
+              <a:avLst/>
+            </a:prstGeom>
+            <a:noFill/>
+          </p:spPr>
+          <p:txBody>
+            <a:bodyPr wrap="none" rtlCol="0">
+              <a:spAutoFit/>
+            </a:bodyPr>
+            <a:lstStyle/>
+            <a:p>
+              <a:r>
+                <a:rPr lang="ko-KR" altLang="en-US" sz="1100" dirty="0"/>
+                <a:t>위치기반서비스 이용약관 동의 </a:t>
+              </a:r>
+              <a:r>
+                <a:rPr lang="en-US" altLang="ko-KR" sz="1100" dirty="0"/>
+                <a:t>(</a:t>
+              </a:r>
+              <a:r>
+                <a:rPr lang="ko-KR" altLang="en-US" sz="1100" dirty="0"/>
+                <a:t>보기</a:t>
+              </a:r>
+              <a:r>
+                <a:rPr lang="en-US" altLang="ko-KR" sz="1100" dirty="0"/>
+                <a:t>) (</a:t>
+              </a:r>
+              <a:r>
+                <a:rPr lang="ko-KR" altLang="en-US" sz="1100" dirty="0"/>
+                <a:t>필수</a:t>
+              </a:r>
+              <a:r>
+                <a:rPr lang="en-US" altLang="ko-KR" sz="1100" dirty="0"/>
+                <a:t>)</a:t>
+              </a:r>
+              <a:endParaRPr lang="ko-KR" altLang="en-US" sz="1100" dirty="0"/>
+            </a:p>
+          </p:txBody>
+        </p:sp>
+        <p:sp>
+          <p:nvSpPr>
+            <p:cNvPr id="24" name="TextBox 23"/>
+            <p:cNvSpPr txBox="1"/>
+            <p:nvPr/>
+          </p:nvSpPr>
+          <p:spPr>
+            <a:xfrm>
+              <a:off x="3493875" y="4964458"/>
+              <a:ext cx="2685351" cy="261610"/>
+            </a:xfrm>
+            <a:prstGeom prst="rect">
+              <a:avLst/>
+            </a:prstGeom>
+            <a:noFill/>
+          </p:spPr>
+          <p:txBody>
+            <a:bodyPr wrap="none" rtlCol="0">
+              <a:spAutoFit/>
+            </a:bodyPr>
+            <a:lstStyle/>
+            <a:p>
+              <a:r>
+                <a:rPr lang="ko-KR" altLang="en-US" sz="1100" dirty="0"/>
+                <a:t>이벤트 및 마케팅 정보 수신 동의 </a:t>
+              </a:r>
+              <a:r>
+                <a:rPr lang="en-US" altLang="ko-KR" sz="1100" dirty="0"/>
+                <a:t>(</a:t>
+              </a:r>
+              <a:r>
+                <a:rPr lang="ko-KR" altLang="en-US" sz="1100" dirty="0"/>
+                <a:t>선택</a:t>
+              </a:r>
+              <a:r>
+                <a:rPr lang="en-US" altLang="ko-KR" sz="1100" dirty="0"/>
+                <a:t>)</a:t>
+              </a:r>
+              <a:endParaRPr lang="ko-KR" altLang="en-US" sz="1100" dirty="0"/>
+            </a:p>
+          </p:txBody>
+        </p:sp>
+        <p:grpSp>
+          <p:nvGrpSpPr>
+            <p:cNvPr id="42" name="그룹 41">
+              <a:extLst>
+                <a:ext uri="{FF2B5EF4-FFF2-40B4-BE49-F238E27FC236}">
+                  <a16:creationId xmlns:a16="http://schemas.microsoft.com/office/drawing/2014/main" id="{8DA397AC-8EC5-4791-8DEE-47099BBE5C49}"/>
+                </a:ext>
+              </a:extLst>
+            </p:cNvPr>
+            <p:cNvGrpSpPr/>
+            <p:nvPr/>
+          </p:nvGrpSpPr>
+          <p:grpSpPr>
+            <a:xfrm>
+              <a:off x="3311163" y="2894979"/>
+              <a:ext cx="182712" cy="182712"/>
+              <a:chOff x="5291091" y="577049"/>
+              <a:chExt cx="182712" cy="182712"/>
+            </a:xfrm>
+          </p:grpSpPr>
+          <p:sp>
+            <p:nvSpPr>
+              <p:cNvPr id="10" name="타원 9">
+                <a:extLst>
+                  <a:ext uri="{FF2B5EF4-FFF2-40B4-BE49-F238E27FC236}">
+                    <a16:creationId xmlns:a16="http://schemas.microsoft.com/office/drawing/2014/main" id="{28165C16-198E-4038-BB98-1FFC3116A29A}"/>
+                  </a:ext>
+                </a:extLst>
+              </p:cNvPr>
+              <p:cNvSpPr/>
+              <p:nvPr/>
+            </p:nvSpPr>
+            <p:spPr>
+              <a:xfrm>
+                <a:off x="5291091" y="577049"/>
+                <a:ext cx="182712" cy="182712"/>
+              </a:xfrm>
+              <a:prstGeom prst="ellipse">
+                <a:avLst/>
+              </a:prstGeom>
+            </p:spPr>
+            <p:style>
+              <a:lnRef idx="2">
+                <a:schemeClr val="accent3"/>
+              </a:lnRef>
+              <a:fillRef idx="1">
+                <a:schemeClr val="lt1"/>
+              </a:fillRef>
+              <a:effectRef idx="0">
+                <a:schemeClr val="accent3"/>
+              </a:effectRef>
+              <a:fontRef idx="minor">
+                <a:schemeClr val="dk1"/>
+              </a:fontRef>
+            </p:style>
+            <p:txBody>
+              <a:bodyPr rtlCol="0" anchor="ctr"/>
+              <a:lstStyle/>
+              <a:p>
+                <a:pPr algn="ctr"/>
+                <a:endParaRPr lang="ko-KR" altLang="en-US"/>
+              </a:p>
+            </p:txBody>
+          </p:sp>
+          <p:grpSp>
+            <p:nvGrpSpPr>
+              <p:cNvPr id="38" name="그룹 37">
+                <a:extLst>
+                  <a:ext uri="{FF2B5EF4-FFF2-40B4-BE49-F238E27FC236}">
+                    <a16:creationId xmlns:a16="http://schemas.microsoft.com/office/drawing/2014/main" id="{9F869086-804C-49EB-9177-2271BBA2C4DC}"/>
+                  </a:ext>
+                </a:extLst>
+              </p:cNvPr>
+              <p:cNvGrpSpPr/>
+              <p:nvPr/>
+            </p:nvGrpSpPr>
+            <p:grpSpPr>
+              <a:xfrm>
+                <a:off x="5325507" y="628299"/>
+                <a:ext cx="113880" cy="87642"/>
+                <a:chOff x="5314759" y="625140"/>
+                <a:chExt cx="125278" cy="91963"/>
+              </a:xfrm>
+            </p:grpSpPr>
+            <p:cxnSp>
+              <p:nvCxnSpPr>
+                <p:cNvPr id="26" name="직선 연결선 25">
+                  <a:extLst>
+                    <a:ext uri="{FF2B5EF4-FFF2-40B4-BE49-F238E27FC236}">
+                      <a16:creationId xmlns:a16="http://schemas.microsoft.com/office/drawing/2014/main" id="{CD98DF17-83F9-4425-AAC8-E6DCF18D8CAC}"/>
+                    </a:ext>
+                  </a:extLst>
+                </p:cNvPr>
+                <p:cNvCxnSpPr>
+                  <a:cxnSpLocks/>
+                </p:cNvCxnSpPr>
+                <p:nvPr/>
+              </p:nvCxnSpPr>
+              <p:spPr>
+                <a:xfrm>
+                  <a:off x="5314759" y="663388"/>
+                  <a:ext cx="52289" cy="53715"/>
+                </a:xfrm>
+                <a:prstGeom prst="line">
+                  <a:avLst/>
+                </a:prstGeom>
+              </p:spPr>
+              <p:style>
+                <a:lnRef idx="1">
+                  <a:schemeClr val="accent3"/>
+                </a:lnRef>
+                <a:fillRef idx="0">
+                  <a:schemeClr val="accent3"/>
+                </a:fillRef>
+                <a:effectRef idx="0">
+                  <a:schemeClr val="accent3"/>
+                </a:effectRef>
+                <a:fontRef idx="minor">
+                  <a:schemeClr val="tx1"/>
+                </a:fontRef>
+              </p:style>
+            </p:cxnSp>
+            <p:cxnSp>
+              <p:nvCxnSpPr>
+                <p:cNvPr id="28" name="직선 연결선 27">
+                  <a:extLst>
+                    <a:ext uri="{FF2B5EF4-FFF2-40B4-BE49-F238E27FC236}">
+                      <a16:creationId xmlns:a16="http://schemas.microsoft.com/office/drawing/2014/main" id="{88AD4880-D37C-416F-B9FB-EDA05C5059C0}"/>
+                    </a:ext>
+                  </a:extLst>
+                </p:cNvPr>
+                <p:cNvCxnSpPr>
+                  <a:cxnSpLocks/>
+                </p:cNvCxnSpPr>
+                <p:nvPr/>
+              </p:nvCxnSpPr>
+              <p:spPr>
+                <a:xfrm flipV="1">
+                  <a:off x="5367049" y="625140"/>
+                  <a:ext cx="72988" cy="91963"/>
+                </a:xfrm>
+                <a:prstGeom prst="line">
+                  <a:avLst/>
+                </a:prstGeom>
+              </p:spPr>
+              <p:style>
+                <a:lnRef idx="1">
+                  <a:schemeClr val="accent3"/>
+                </a:lnRef>
+                <a:fillRef idx="0">
+                  <a:schemeClr val="accent3"/>
+                </a:fillRef>
+                <a:effectRef idx="0">
+                  <a:schemeClr val="accent3"/>
+                </a:effectRef>
+                <a:fontRef idx="minor">
+                  <a:schemeClr val="tx1"/>
+                </a:fontRef>
+              </p:style>
+            </p:cxnSp>
+          </p:grpSp>
+        </p:grpSp>
+        <p:grpSp>
+          <p:nvGrpSpPr>
+            <p:cNvPr id="43" name="그룹 42">
+              <a:extLst>
+                <a:ext uri="{FF2B5EF4-FFF2-40B4-BE49-F238E27FC236}">
+                  <a16:creationId xmlns:a16="http://schemas.microsoft.com/office/drawing/2014/main" id="{488126EA-A42B-4D0F-A018-CD6470CC2918}"/>
+                </a:ext>
+              </a:extLst>
+            </p:cNvPr>
+            <p:cNvGrpSpPr/>
+            <p:nvPr/>
+          </p:nvGrpSpPr>
+          <p:grpSpPr>
+            <a:xfrm>
+              <a:off x="3311163" y="3247797"/>
+              <a:ext cx="182712" cy="182712"/>
+              <a:chOff x="5291091" y="577049"/>
+              <a:chExt cx="182712" cy="182712"/>
+            </a:xfrm>
+          </p:grpSpPr>
+          <p:sp>
+            <p:nvSpPr>
+              <p:cNvPr id="44" name="타원 43">
+                <a:extLst>
+                  <a:ext uri="{FF2B5EF4-FFF2-40B4-BE49-F238E27FC236}">
+                    <a16:creationId xmlns:a16="http://schemas.microsoft.com/office/drawing/2014/main" id="{41CC34A2-F21A-49DC-BD62-8C00CEA023AC}"/>
+                  </a:ext>
+                </a:extLst>
+              </p:cNvPr>
+              <p:cNvSpPr/>
+              <p:nvPr/>
+            </p:nvSpPr>
+            <p:spPr>
+              <a:xfrm>
+                <a:off x="5291091" y="577049"/>
+                <a:ext cx="182712" cy="182712"/>
+              </a:xfrm>
+              <a:prstGeom prst="ellipse">
+                <a:avLst/>
+              </a:prstGeom>
+            </p:spPr>
+            <p:style>
+              <a:lnRef idx="2">
+                <a:schemeClr val="accent3"/>
+              </a:lnRef>
+              <a:fillRef idx="1">
+                <a:schemeClr val="lt1"/>
+              </a:fillRef>
+              <a:effectRef idx="0">
+                <a:schemeClr val="accent3"/>
+              </a:effectRef>
+              <a:fontRef idx="minor">
+                <a:schemeClr val="dk1"/>
+              </a:fontRef>
+            </p:style>
+            <p:txBody>
+              <a:bodyPr rtlCol="0" anchor="ctr"/>
+              <a:lstStyle/>
+              <a:p>
+                <a:pPr algn="ctr"/>
+                <a:endParaRPr lang="ko-KR" altLang="en-US"/>
+              </a:p>
+            </p:txBody>
+          </p:sp>
+          <p:grpSp>
+            <p:nvGrpSpPr>
+              <p:cNvPr id="45" name="그룹 44">
+                <a:extLst>
+                  <a:ext uri="{FF2B5EF4-FFF2-40B4-BE49-F238E27FC236}">
+                    <a16:creationId xmlns:a16="http://schemas.microsoft.com/office/drawing/2014/main" id="{77219D43-E969-47D9-83B4-2018B5635610}"/>
+                  </a:ext>
+                </a:extLst>
+              </p:cNvPr>
+              <p:cNvGrpSpPr/>
+              <p:nvPr/>
+            </p:nvGrpSpPr>
+            <p:grpSpPr>
+              <a:xfrm>
+                <a:off x="5325507" y="628299"/>
+                <a:ext cx="113880" cy="87642"/>
+                <a:chOff x="5314759" y="625140"/>
+                <a:chExt cx="125278" cy="91963"/>
+              </a:xfrm>
+            </p:grpSpPr>
+            <p:cxnSp>
+              <p:nvCxnSpPr>
+                <p:cNvPr id="46" name="직선 연결선 45">
+                  <a:extLst>
+                    <a:ext uri="{FF2B5EF4-FFF2-40B4-BE49-F238E27FC236}">
+                      <a16:creationId xmlns:a16="http://schemas.microsoft.com/office/drawing/2014/main" id="{F6C263F5-FA7F-45DC-86CF-28DCBAAF6202}"/>
+                    </a:ext>
+                  </a:extLst>
+                </p:cNvPr>
+                <p:cNvCxnSpPr>
+                  <a:cxnSpLocks/>
+                </p:cNvCxnSpPr>
+                <p:nvPr/>
+              </p:nvCxnSpPr>
+              <p:spPr>
+                <a:xfrm>
+                  <a:off x="5314759" y="663388"/>
+                  <a:ext cx="52289" cy="53715"/>
+                </a:xfrm>
+                <a:prstGeom prst="line">
+                  <a:avLst/>
+                </a:prstGeom>
+              </p:spPr>
+              <p:style>
+                <a:lnRef idx="1">
+                  <a:schemeClr val="accent3"/>
+                </a:lnRef>
+                <a:fillRef idx="0">
+                  <a:schemeClr val="accent3"/>
+                </a:fillRef>
+                <a:effectRef idx="0">
+                  <a:schemeClr val="accent3"/>
+                </a:effectRef>
+                <a:fontRef idx="minor">
+                  <a:schemeClr val="tx1"/>
+                </a:fontRef>
+              </p:style>
+            </p:cxnSp>
+            <p:cxnSp>
+              <p:nvCxnSpPr>
+                <p:cNvPr id="47" name="직선 연결선 46">
+                  <a:extLst>
+                    <a:ext uri="{FF2B5EF4-FFF2-40B4-BE49-F238E27FC236}">
+                      <a16:creationId xmlns:a16="http://schemas.microsoft.com/office/drawing/2014/main" id="{28690920-9541-44BE-8BFB-DC7743251F01}"/>
+                    </a:ext>
+                  </a:extLst>
+                </p:cNvPr>
+                <p:cNvCxnSpPr>
+                  <a:cxnSpLocks/>
+                </p:cNvCxnSpPr>
+                <p:nvPr/>
+              </p:nvCxnSpPr>
+              <p:spPr>
+                <a:xfrm flipV="1">
+                  <a:off x="5367049" y="625140"/>
+                  <a:ext cx="72988" cy="91963"/>
+                </a:xfrm>
+                <a:prstGeom prst="line">
+                  <a:avLst/>
+                </a:prstGeom>
+              </p:spPr>
+              <p:style>
+                <a:lnRef idx="1">
+                  <a:schemeClr val="accent3"/>
+                </a:lnRef>
+                <a:fillRef idx="0">
+                  <a:schemeClr val="accent3"/>
+                </a:fillRef>
+                <a:effectRef idx="0">
+                  <a:schemeClr val="accent3"/>
+                </a:effectRef>
+                <a:fontRef idx="minor">
+                  <a:schemeClr val="tx1"/>
+                </a:fontRef>
+              </p:style>
+            </p:cxnSp>
+          </p:grpSp>
+        </p:grpSp>
+        <p:grpSp>
+          <p:nvGrpSpPr>
+            <p:cNvPr id="48" name="그룹 47">
+              <a:extLst>
+                <a:ext uri="{FF2B5EF4-FFF2-40B4-BE49-F238E27FC236}">
+                  <a16:creationId xmlns:a16="http://schemas.microsoft.com/office/drawing/2014/main" id="{F86AF9FB-321E-4FD7-9A08-2651F42DF962}"/>
+                </a:ext>
+              </a:extLst>
+            </p:cNvPr>
+            <p:cNvGrpSpPr/>
+            <p:nvPr/>
+          </p:nvGrpSpPr>
+          <p:grpSpPr>
+            <a:xfrm>
+              <a:off x="3311163" y="3600615"/>
+              <a:ext cx="182712" cy="182712"/>
+              <a:chOff x="5291091" y="577049"/>
+              <a:chExt cx="182712" cy="182712"/>
+            </a:xfrm>
+          </p:grpSpPr>
+          <p:sp>
+            <p:nvSpPr>
+              <p:cNvPr id="49" name="타원 48">
+                <a:extLst>
+                  <a:ext uri="{FF2B5EF4-FFF2-40B4-BE49-F238E27FC236}">
+                    <a16:creationId xmlns:a16="http://schemas.microsoft.com/office/drawing/2014/main" id="{B20ED60B-622F-4AC4-AE77-7F56BD277474}"/>
+                  </a:ext>
+                </a:extLst>
+              </p:cNvPr>
+              <p:cNvSpPr/>
+              <p:nvPr/>
+            </p:nvSpPr>
+            <p:spPr>
+              <a:xfrm>
+                <a:off x="5291091" y="577049"/>
+                <a:ext cx="182712" cy="182712"/>
+              </a:xfrm>
+              <a:prstGeom prst="ellipse">
+                <a:avLst/>
+              </a:prstGeom>
+            </p:spPr>
+            <p:style>
+              <a:lnRef idx="2">
+                <a:schemeClr val="accent3"/>
+              </a:lnRef>
+              <a:fillRef idx="1">
+                <a:schemeClr val="lt1"/>
+              </a:fillRef>
+              <a:effectRef idx="0">
+                <a:schemeClr val="accent3"/>
+              </a:effectRef>
+              <a:fontRef idx="minor">
+                <a:schemeClr val="dk1"/>
+              </a:fontRef>
+            </p:style>
+            <p:txBody>
+              <a:bodyPr rtlCol="0" anchor="ctr"/>
+              <a:lstStyle/>
+              <a:p>
+                <a:pPr algn="ctr"/>
+                <a:endParaRPr lang="ko-KR" altLang="en-US"/>
+              </a:p>
+            </p:txBody>
+          </p:sp>
+          <p:grpSp>
+            <p:nvGrpSpPr>
+              <p:cNvPr id="50" name="그룹 49">
+                <a:extLst>
+                  <a:ext uri="{FF2B5EF4-FFF2-40B4-BE49-F238E27FC236}">
+                    <a16:creationId xmlns:a16="http://schemas.microsoft.com/office/drawing/2014/main" id="{7D46A0E4-C683-4ECE-9556-BC21BA9B44F8}"/>
+                  </a:ext>
+                </a:extLst>
+              </p:cNvPr>
+              <p:cNvGrpSpPr/>
+              <p:nvPr/>
+            </p:nvGrpSpPr>
+            <p:grpSpPr>
+              <a:xfrm>
+                <a:off x="5325507" y="628299"/>
+                <a:ext cx="113880" cy="87642"/>
+                <a:chOff x="5314759" y="625140"/>
+                <a:chExt cx="125278" cy="91963"/>
+              </a:xfrm>
+            </p:grpSpPr>
+            <p:cxnSp>
+              <p:nvCxnSpPr>
+                <p:cNvPr id="51" name="직선 연결선 50">
+                  <a:extLst>
+                    <a:ext uri="{FF2B5EF4-FFF2-40B4-BE49-F238E27FC236}">
+                      <a16:creationId xmlns:a16="http://schemas.microsoft.com/office/drawing/2014/main" id="{BEAFCB6C-AA19-4602-8BA0-20E4F26A47CA}"/>
+                    </a:ext>
+                  </a:extLst>
+                </p:cNvPr>
+                <p:cNvCxnSpPr>
+                  <a:cxnSpLocks/>
+                </p:cNvCxnSpPr>
+                <p:nvPr/>
+              </p:nvCxnSpPr>
+              <p:spPr>
+                <a:xfrm>
+                  <a:off x="5314759" y="663388"/>
+                  <a:ext cx="52289" cy="53715"/>
+                </a:xfrm>
+                <a:prstGeom prst="line">
+                  <a:avLst/>
+                </a:prstGeom>
+              </p:spPr>
+              <p:style>
+                <a:lnRef idx="1">
+                  <a:schemeClr val="accent3"/>
+                </a:lnRef>
+                <a:fillRef idx="0">
+                  <a:schemeClr val="accent3"/>
+                </a:fillRef>
+                <a:effectRef idx="0">
+                  <a:schemeClr val="accent3"/>
+                </a:effectRef>
+                <a:fontRef idx="minor">
+                  <a:schemeClr val="tx1"/>
+                </a:fontRef>
+              </p:style>
+            </p:cxnSp>
+            <p:cxnSp>
+              <p:nvCxnSpPr>
+                <p:cNvPr id="52" name="직선 연결선 51">
+                  <a:extLst>
+                    <a:ext uri="{FF2B5EF4-FFF2-40B4-BE49-F238E27FC236}">
+                      <a16:creationId xmlns:a16="http://schemas.microsoft.com/office/drawing/2014/main" id="{7702268C-1177-4C21-8B96-682E0922252B}"/>
+                    </a:ext>
+                  </a:extLst>
+                </p:cNvPr>
+                <p:cNvCxnSpPr>
+                  <a:cxnSpLocks/>
+                </p:cNvCxnSpPr>
+                <p:nvPr/>
+              </p:nvCxnSpPr>
+              <p:spPr>
+                <a:xfrm flipV="1">
+                  <a:off x="5367049" y="625140"/>
+                  <a:ext cx="72988" cy="91963"/>
+                </a:xfrm>
+                <a:prstGeom prst="line">
+                  <a:avLst/>
+                </a:prstGeom>
+              </p:spPr>
+              <p:style>
+                <a:lnRef idx="1">
+                  <a:schemeClr val="accent3"/>
+                </a:lnRef>
+                <a:fillRef idx="0">
+                  <a:schemeClr val="accent3"/>
+                </a:fillRef>
+                <a:effectRef idx="0">
+                  <a:schemeClr val="accent3"/>
+                </a:effectRef>
+                <a:fontRef idx="minor">
+                  <a:schemeClr val="tx1"/>
+                </a:fontRef>
+              </p:style>
+            </p:cxnSp>
+          </p:grpSp>
+        </p:grpSp>
+        <p:grpSp>
+          <p:nvGrpSpPr>
+            <p:cNvPr id="59" name="그룹 58">
+              <a:extLst>
+                <a:ext uri="{FF2B5EF4-FFF2-40B4-BE49-F238E27FC236}">
+                  <a16:creationId xmlns:a16="http://schemas.microsoft.com/office/drawing/2014/main" id="{1A7F0BD5-DFFF-41A8-B98A-DD5EDD46BE67}"/>
+                </a:ext>
+              </a:extLst>
+            </p:cNvPr>
+            <p:cNvGrpSpPr/>
+            <p:nvPr/>
+          </p:nvGrpSpPr>
+          <p:grpSpPr>
+            <a:xfrm>
+              <a:off x="3311163" y="3953433"/>
+              <a:ext cx="182712" cy="182712"/>
+              <a:chOff x="5291091" y="577049"/>
+              <a:chExt cx="182712" cy="182712"/>
+            </a:xfrm>
+          </p:grpSpPr>
+          <p:sp>
+            <p:nvSpPr>
+              <p:cNvPr id="60" name="타원 59">
+                <a:extLst>
+                  <a:ext uri="{FF2B5EF4-FFF2-40B4-BE49-F238E27FC236}">
+                    <a16:creationId xmlns:a16="http://schemas.microsoft.com/office/drawing/2014/main" id="{1FBCC9E5-9E35-4C78-9B19-1B310EA3873F}"/>
+                  </a:ext>
+                </a:extLst>
+              </p:cNvPr>
+              <p:cNvSpPr/>
+              <p:nvPr/>
+            </p:nvSpPr>
+            <p:spPr>
+              <a:xfrm>
+                <a:off x="5291091" y="577049"/>
+                <a:ext cx="182712" cy="182712"/>
+              </a:xfrm>
+              <a:prstGeom prst="ellipse">
+                <a:avLst/>
+              </a:prstGeom>
+            </p:spPr>
+            <p:style>
+              <a:lnRef idx="2">
+                <a:schemeClr val="accent3"/>
+              </a:lnRef>
+              <a:fillRef idx="1">
+                <a:schemeClr val="lt1"/>
+              </a:fillRef>
+              <a:effectRef idx="0">
+                <a:schemeClr val="accent3"/>
+              </a:effectRef>
+              <a:fontRef idx="minor">
+                <a:schemeClr val="dk1"/>
+              </a:fontRef>
+            </p:style>
+            <p:txBody>
+              <a:bodyPr rtlCol="0" anchor="ctr"/>
+              <a:lstStyle/>
+              <a:p>
+                <a:pPr algn="ctr"/>
+                <a:endParaRPr lang="ko-KR" altLang="en-US"/>
+              </a:p>
+            </p:txBody>
+          </p:sp>
+          <p:grpSp>
+            <p:nvGrpSpPr>
+              <p:cNvPr id="61" name="그룹 60">
+                <a:extLst>
+                  <a:ext uri="{FF2B5EF4-FFF2-40B4-BE49-F238E27FC236}">
+                    <a16:creationId xmlns:a16="http://schemas.microsoft.com/office/drawing/2014/main" id="{6E527DF8-8EE6-4C00-AD68-7D15906474BB}"/>
+                  </a:ext>
+                </a:extLst>
+              </p:cNvPr>
+              <p:cNvGrpSpPr/>
+              <p:nvPr/>
+            </p:nvGrpSpPr>
+            <p:grpSpPr>
+              <a:xfrm>
+                <a:off x="5325507" y="628299"/>
+                <a:ext cx="113880" cy="87642"/>
+                <a:chOff x="5314759" y="625140"/>
+                <a:chExt cx="125278" cy="91963"/>
+              </a:xfrm>
+            </p:grpSpPr>
+            <p:cxnSp>
+              <p:nvCxnSpPr>
+                <p:cNvPr id="62" name="직선 연결선 61">
+                  <a:extLst>
+                    <a:ext uri="{FF2B5EF4-FFF2-40B4-BE49-F238E27FC236}">
+                      <a16:creationId xmlns:a16="http://schemas.microsoft.com/office/drawing/2014/main" id="{6574FE88-E73F-40D3-9CA9-C2F6FED75A87}"/>
+                    </a:ext>
+                  </a:extLst>
+                </p:cNvPr>
+                <p:cNvCxnSpPr>
+                  <a:cxnSpLocks/>
+                </p:cNvCxnSpPr>
+                <p:nvPr/>
+              </p:nvCxnSpPr>
+              <p:spPr>
+                <a:xfrm>
+                  <a:off x="5314759" y="663388"/>
+                  <a:ext cx="52289" cy="53715"/>
+                </a:xfrm>
+                <a:prstGeom prst="line">
+                  <a:avLst/>
+                </a:prstGeom>
+              </p:spPr>
+              <p:style>
+                <a:lnRef idx="1">
+                  <a:schemeClr val="accent3"/>
+                </a:lnRef>
+                <a:fillRef idx="0">
+                  <a:schemeClr val="accent3"/>
+                </a:fillRef>
+                <a:effectRef idx="0">
+                  <a:schemeClr val="accent3"/>
+                </a:effectRef>
+                <a:fontRef idx="minor">
+                  <a:schemeClr val="tx1"/>
+                </a:fontRef>
+              </p:style>
+            </p:cxnSp>
+            <p:cxnSp>
+              <p:nvCxnSpPr>
+                <p:cNvPr id="63" name="직선 연결선 62">
+                  <a:extLst>
+                    <a:ext uri="{FF2B5EF4-FFF2-40B4-BE49-F238E27FC236}">
+                      <a16:creationId xmlns:a16="http://schemas.microsoft.com/office/drawing/2014/main" id="{BB31369A-4B80-46BA-B82B-75E1A515C01A}"/>
+                    </a:ext>
+                  </a:extLst>
+                </p:cNvPr>
+                <p:cNvCxnSpPr>
+                  <a:cxnSpLocks/>
+                </p:cNvCxnSpPr>
+                <p:nvPr/>
+              </p:nvCxnSpPr>
+              <p:spPr>
+                <a:xfrm flipV="1">
+                  <a:off x="5367049" y="625140"/>
+                  <a:ext cx="72988" cy="91963"/>
+                </a:xfrm>
+                <a:prstGeom prst="line">
+                  <a:avLst/>
+                </a:prstGeom>
+              </p:spPr>
+              <p:style>
+                <a:lnRef idx="1">
+                  <a:schemeClr val="accent3"/>
+                </a:lnRef>
+                <a:fillRef idx="0">
+                  <a:schemeClr val="accent3"/>
+                </a:fillRef>
+                <a:effectRef idx="0">
+                  <a:schemeClr val="accent3"/>
+                </a:effectRef>
+                <a:fontRef idx="minor">
+                  <a:schemeClr val="tx1"/>
+                </a:fontRef>
+              </p:style>
+            </p:cxnSp>
+          </p:grpSp>
+        </p:grpSp>
+        <p:grpSp>
+          <p:nvGrpSpPr>
+            <p:cNvPr id="64" name="그룹 63">
+              <a:extLst>
+                <a:ext uri="{FF2B5EF4-FFF2-40B4-BE49-F238E27FC236}">
+                  <a16:creationId xmlns:a16="http://schemas.microsoft.com/office/drawing/2014/main" id="{0E60BC1F-5801-4957-B758-3595DF452C2C}"/>
+                </a:ext>
+              </a:extLst>
+            </p:cNvPr>
+            <p:cNvGrpSpPr/>
+            <p:nvPr/>
+          </p:nvGrpSpPr>
+          <p:grpSpPr>
+            <a:xfrm>
+              <a:off x="3311163" y="4306251"/>
+              <a:ext cx="182712" cy="182712"/>
+              <a:chOff x="5291091" y="577049"/>
+              <a:chExt cx="182712" cy="182712"/>
+            </a:xfrm>
+          </p:grpSpPr>
+          <p:sp>
+            <p:nvSpPr>
+              <p:cNvPr id="65" name="타원 64">
+                <a:extLst>
+                  <a:ext uri="{FF2B5EF4-FFF2-40B4-BE49-F238E27FC236}">
+                    <a16:creationId xmlns:a16="http://schemas.microsoft.com/office/drawing/2014/main" id="{9502A195-C680-45A2-8C6B-8B817AB3FA85}"/>
+                  </a:ext>
+                </a:extLst>
+              </p:cNvPr>
+              <p:cNvSpPr/>
+              <p:nvPr/>
+            </p:nvSpPr>
+            <p:spPr>
+              <a:xfrm>
+                <a:off x="5291091" y="577049"/>
+                <a:ext cx="182712" cy="182712"/>
+              </a:xfrm>
+              <a:prstGeom prst="ellipse">
+                <a:avLst/>
+              </a:prstGeom>
+            </p:spPr>
+            <p:style>
+              <a:lnRef idx="2">
+                <a:schemeClr val="accent3"/>
+              </a:lnRef>
+              <a:fillRef idx="1">
+                <a:schemeClr val="lt1"/>
+              </a:fillRef>
+              <a:effectRef idx="0">
+                <a:schemeClr val="accent3"/>
+              </a:effectRef>
+              <a:fontRef idx="minor">
+                <a:schemeClr val="dk1"/>
+              </a:fontRef>
+            </p:style>
+            <p:txBody>
+              <a:bodyPr rtlCol="0" anchor="ctr"/>
+              <a:lstStyle/>
+              <a:p>
+                <a:pPr algn="ctr"/>
+                <a:endParaRPr lang="ko-KR" altLang="en-US"/>
+              </a:p>
+            </p:txBody>
+          </p:sp>
+          <p:grpSp>
+            <p:nvGrpSpPr>
+              <p:cNvPr id="66" name="그룹 65">
+                <a:extLst>
+                  <a:ext uri="{FF2B5EF4-FFF2-40B4-BE49-F238E27FC236}">
+                    <a16:creationId xmlns:a16="http://schemas.microsoft.com/office/drawing/2014/main" id="{A1C26731-88D3-496F-B948-C2072EA92A55}"/>
+                  </a:ext>
+                </a:extLst>
+              </p:cNvPr>
+              <p:cNvGrpSpPr/>
+              <p:nvPr/>
+            </p:nvGrpSpPr>
+            <p:grpSpPr>
+              <a:xfrm>
+                <a:off x="5325507" y="628299"/>
+                <a:ext cx="113880" cy="87642"/>
+                <a:chOff x="5314759" y="625140"/>
+                <a:chExt cx="125278" cy="91963"/>
+              </a:xfrm>
+            </p:grpSpPr>
+            <p:cxnSp>
+              <p:nvCxnSpPr>
+                <p:cNvPr id="67" name="직선 연결선 66">
+                  <a:extLst>
+                    <a:ext uri="{FF2B5EF4-FFF2-40B4-BE49-F238E27FC236}">
+                      <a16:creationId xmlns:a16="http://schemas.microsoft.com/office/drawing/2014/main" id="{0CF5D67D-D2A3-4000-BA9E-AAF446074F33}"/>
+                    </a:ext>
+                  </a:extLst>
+                </p:cNvPr>
+                <p:cNvCxnSpPr>
+                  <a:cxnSpLocks/>
+                </p:cNvCxnSpPr>
+                <p:nvPr/>
+              </p:nvCxnSpPr>
+              <p:spPr>
+                <a:xfrm>
+                  <a:off x="5314759" y="663388"/>
+                  <a:ext cx="52289" cy="53715"/>
+                </a:xfrm>
+                <a:prstGeom prst="line">
+                  <a:avLst/>
+                </a:prstGeom>
+              </p:spPr>
+              <p:style>
+                <a:lnRef idx="1">
+                  <a:schemeClr val="accent3"/>
+                </a:lnRef>
+                <a:fillRef idx="0">
+                  <a:schemeClr val="accent3"/>
+                </a:fillRef>
+                <a:effectRef idx="0">
+                  <a:schemeClr val="accent3"/>
+                </a:effectRef>
+                <a:fontRef idx="minor">
+                  <a:schemeClr val="tx1"/>
+                </a:fontRef>
+              </p:style>
+            </p:cxnSp>
+            <p:cxnSp>
+              <p:nvCxnSpPr>
+                <p:cNvPr id="68" name="직선 연결선 67">
+                  <a:extLst>
+                    <a:ext uri="{FF2B5EF4-FFF2-40B4-BE49-F238E27FC236}">
+                      <a16:creationId xmlns:a16="http://schemas.microsoft.com/office/drawing/2014/main" id="{38E5935A-EE38-4B5E-BCE3-785A5DE6E53A}"/>
+                    </a:ext>
+                  </a:extLst>
+                </p:cNvPr>
+                <p:cNvCxnSpPr>
+                  <a:cxnSpLocks/>
+                </p:cNvCxnSpPr>
+                <p:nvPr/>
+              </p:nvCxnSpPr>
+              <p:spPr>
+                <a:xfrm flipV="1">
+                  <a:off x="5367049" y="625140"/>
+                  <a:ext cx="72988" cy="91963"/>
+                </a:xfrm>
+                <a:prstGeom prst="line">
+                  <a:avLst/>
+                </a:prstGeom>
+              </p:spPr>
+              <p:style>
+                <a:lnRef idx="1">
+                  <a:schemeClr val="accent3"/>
+                </a:lnRef>
+                <a:fillRef idx="0">
+                  <a:schemeClr val="accent3"/>
+                </a:fillRef>
+                <a:effectRef idx="0">
+                  <a:schemeClr val="accent3"/>
+                </a:effectRef>
+                <a:fontRef idx="minor">
+                  <a:schemeClr val="tx1"/>
+                </a:fontRef>
+              </p:style>
+            </p:cxnSp>
+          </p:grpSp>
+        </p:grpSp>
+        <p:grpSp>
+          <p:nvGrpSpPr>
+            <p:cNvPr id="69" name="그룹 68">
+              <a:extLst>
+                <a:ext uri="{FF2B5EF4-FFF2-40B4-BE49-F238E27FC236}">
+                  <a16:creationId xmlns:a16="http://schemas.microsoft.com/office/drawing/2014/main" id="{850E2C6C-77E0-408A-B9E5-5E394FF50045}"/>
+                </a:ext>
+              </a:extLst>
+            </p:cNvPr>
+            <p:cNvGrpSpPr/>
+            <p:nvPr/>
+          </p:nvGrpSpPr>
+          <p:grpSpPr>
+            <a:xfrm>
+              <a:off x="3311163" y="4659069"/>
+              <a:ext cx="182712" cy="182712"/>
+              <a:chOff x="5291091" y="577049"/>
+              <a:chExt cx="182712" cy="182712"/>
+            </a:xfrm>
+          </p:grpSpPr>
+          <p:sp>
+            <p:nvSpPr>
+              <p:cNvPr id="70" name="타원 69">
+                <a:extLst>
+                  <a:ext uri="{FF2B5EF4-FFF2-40B4-BE49-F238E27FC236}">
+                    <a16:creationId xmlns:a16="http://schemas.microsoft.com/office/drawing/2014/main" id="{02BF96A2-12C0-4EE0-81D0-3B18850A0ADE}"/>
+                  </a:ext>
+                </a:extLst>
+              </p:cNvPr>
+              <p:cNvSpPr/>
+              <p:nvPr/>
+            </p:nvSpPr>
+            <p:spPr>
+              <a:xfrm>
+                <a:off x="5291091" y="577049"/>
+                <a:ext cx="182712" cy="182712"/>
+              </a:xfrm>
+              <a:prstGeom prst="ellipse">
+                <a:avLst/>
+              </a:prstGeom>
+            </p:spPr>
+            <p:style>
+              <a:lnRef idx="2">
+                <a:schemeClr val="accent3"/>
+              </a:lnRef>
+              <a:fillRef idx="1">
+                <a:schemeClr val="lt1"/>
+              </a:fillRef>
+              <a:effectRef idx="0">
+                <a:schemeClr val="accent3"/>
+              </a:effectRef>
+              <a:fontRef idx="minor">
+                <a:schemeClr val="dk1"/>
+              </a:fontRef>
+            </p:style>
+            <p:txBody>
+              <a:bodyPr rtlCol="0" anchor="ctr"/>
+              <a:lstStyle/>
+              <a:p>
+                <a:pPr algn="ctr"/>
+                <a:endParaRPr lang="ko-KR" altLang="en-US"/>
+              </a:p>
+            </p:txBody>
+          </p:sp>
+          <p:grpSp>
+            <p:nvGrpSpPr>
+              <p:cNvPr id="71" name="그룹 70">
+                <a:extLst>
+                  <a:ext uri="{FF2B5EF4-FFF2-40B4-BE49-F238E27FC236}">
+                    <a16:creationId xmlns:a16="http://schemas.microsoft.com/office/drawing/2014/main" id="{1D416587-18C9-413E-A689-9EA12F3A8AD1}"/>
+                  </a:ext>
+                </a:extLst>
+              </p:cNvPr>
+              <p:cNvGrpSpPr/>
+              <p:nvPr/>
+            </p:nvGrpSpPr>
+            <p:grpSpPr>
+              <a:xfrm>
+                <a:off x="5325507" y="628299"/>
+                <a:ext cx="113880" cy="87642"/>
+                <a:chOff x="5314759" y="625140"/>
+                <a:chExt cx="125278" cy="91963"/>
+              </a:xfrm>
+            </p:grpSpPr>
+            <p:cxnSp>
+              <p:nvCxnSpPr>
+                <p:cNvPr id="72" name="직선 연결선 71">
+                  <a:extLst>
+                    <a:ext uri="{FF2B5EF4-FFF2-40B4-BE49-F238E27FC236}">
+                      <a16:creationId xmlns:a16="http://schemas.microsoft.com/office/drawing/2014/main" id="{81F0CFD3-7F94-4800-81D0-8FBBE2F0B3D9}"/>
+                    </a:ext>
+                  </a:extLst>
+                </p:cNvPr>
+                <p:cNvCxnSpPr>
+                  <a:cxnSpLocks/>
+                </p:cNvCxnSpPr>
+                <p:nvPr/>
+              </p:nvCxnSpPr>
+              <p:spPr>
+                <a:xfrm>
+                  <a:off x="5314759" y="663388"/>
+                  <a:ext cx="52289" cy="53715"/>
+                </a:xfrm>
+                <a:prstGeom prst="line">
+                  <a:avLst/>
+                </a:prstGeom>
+              </p:spPr>
+              <p:style>
+                <a:lnRef idx="1">
+                  <a:schemeClr val="accent3"/>
+                </a:lnRef>
+                <a:fillRef idx="0">
+                  <a:schemeClr val="accent3"/>
+                </a:fillRef>
+                <a:effectRef idx="0">
+                  <a:schemeClr val="accent3"/>
+                </a:effectRef>
+                <a:fontRef idx="minor">
+                  <a:schemeClr val="tx1"/>
+                </a:fontRef>
+              </p:style>
+            </p:cxnSp>
+            <p:cxnSp>
+              <p:nvCxnSpPr>
+                <p:cNvPr id="73" name="직선 연결선 72">
+                  <a:extLst>
+                    <a:ext uri="{FF2B5EF4-FFF2-40B4-BE49-F238E27FC236}">
+                      <a16:creationId xmlns:a16="http://schemas.microsoft.com/office/drawing/2014/main" id="{BEFFECA2-8C28-428D-9694-82C940FE4E8A}"/>
+                    </a:ext>
+                  </a:extLst>
+                </p:cNvPr>
+                <p:cNvCxnSpPr>
+                  <a:cxnSpLocks/>
+                </p:cNvCxnSpPr>
+                <p:nvPr/>
+              </p:nvCxnSpPr>
+              <p:spPr>
+                <a:xfrm flipV="1">
+                  <a:off x="5367049" y="625140"/>
+                  <a:ext cx="72988" cy="91963"/>
+                </a:xfrm>
+                <a:prstGeom prst="line">
+                  <a:avLst/>
+                </a:prstGeom>
+              </p:spPr>
+              <p:style>
+                <a:lnRef idx="1">
+                  <a:schemeClr val="accent3"/>
+                </a:lnRef>
+                <a:fillRef idx="0">
+                  <a:schemeClr val="accent3"/>
+                </a:fillRef>
+                <a:effectRef idx="0">
+                  <a:schemeClr val="accent3"/>
+                </a:effectRef>
+                <a:fontRef idx="minor">
+                  <a:schemeClr val="tx1"/>
+                </a:fontRef>
+              </p:style>
+            </p:cxnSp>
+          </p:grpSp>
+        </p:grpSp>
+        <p:grpSp>
+          <p:nvGrpSpPr>
+            <p:cNvPr id="74" name="그룹 73">
+              <a:extLst>
+                <a:ext uri="{FF2B5EF4-FFF2-40B4-BE49-F238E27FC236}">
+                  <a16:creationId xmlns:a16="http://schemas.microsoft.com/office/drawing/2014/main" id="{2D6B6E46-0383-41B8-9200-E7E127AEBE72}"/>
+                </a:ext>
+              </a:extLst>
+            </p:cNvPr>
+            <p:cNvGrpSpPr/>
+            <p:nvPr/>
+          </p:nvGrpSpPr>
+          <p:grpSpPr>
+            <a:xfrm>
+              <a:off x="3311163" y="5011887"/>
+              <a:ext cx="182712" cy="182712"/>
+              <a:chOff x="5291091" y="577049"/>
+              <a:chExt cx="182712" cy="182712"/>
+            </a:xfrm>
+          </p:grpSpPr>
+          <p:sp>
+            <p:nvSpPr>
+              <p:cNvPr id="75" name="타원 74">
+                <a:extLst>
+                  <a:ext uri="{FF2B5EF4-FFF2-40B4-BE49-F238E27FC236}">
+                    <a16:creationId xmlns:a16="http://schemas.microsoft.com/office/drawing/2014/main" id="{83BFE3AC-EEF7-46D6-86B8-1A6A16306B51}"/>
+                  </a:ext>
+                </a:extLst>
+              </p:cNvPr>
+              <p:cNvSpPr/>
+              <p:nvPr/>
+            </p:nvSpPr>
+            <p:spPr>
+              <a:xfrm>
+                <a:off x="5291091" y="577049"/>
+                <a:ext cx="182712" cy="182712"/>
+              </a:xfrm>
+              <a:prstGeom prst="ellipse">
+                <a:avLst/>
+              </a:prstGeom>
+            </p:spPr>
+            <p:style>
+              <a:lnRef idx="2">
+                <a:schemeClr val="accent3"/>
+              </a:lnRef>
+              <a:fillRef idx="1">
+                <a:schemeClr val="lt1"/>
+              </a:fillRef>
+              <a:effectRef idx="0">
+                <a:schemeClr val="accent3"/>
+              </a:effectRef>
+              <a:fontRef idx="minor">
+                <a:schemeClr val="dk1"/>
+              </a:fontRef>
+            </p:style>
+            <p:txBody>
+              <a:bodyPr rtlCol="0" anchor="ctr"/>
+              <a:lstStyle/>
+              <a:p>
+                <a:pPr algn="ctr"/>
+                <a:endParaRPr lang="ko-KR" altLang="en-US"/>
+              </a:p>
+            </p:txBody>
+          </p:sp>
+          <p:grpSp>
+            <p:nvGrpSpPr>
+              <p:cNvPr id="76" name="그룹 75">
+                <a:extLst>
+                  <a:ext uri="{FF2B5EF4-FFF2-40B4-BE49-F238E27FC236}">
+                    <a16:creationId xmlns:a16="http://schemas.microsoft.com/office/drawing/2014/main" id="{32139ED5-E515-42D6-BCF6-911E6DE864F3}"/>
+                  </a:ext>
+                </a:extLst>
+              </p:cNvPr>
+              <p:cNvGrpSpPr/>
+              <p:nvPr/>
+            </p:nvGrpSpPr>
+            <p:grpSpPr>
+              <a:xfrm>
+                <a:off x="5325507" y="628299"/>
+                <a:ext cx="113880" cy="87642"/>
+                <a:chOff x="5314759" y="625140"/>
+                <a:chExt cx="125278" cy="91963"/>
+              </a:xfrm>
+            </p:grpSpPr>
+            <p:cxnSp>
+              <p:nvCxnSpPr>
+                <p:cNvPr id="77" name="직선 연결선 76">
+                  <a:extLst>
+                    <a:ext uri="{FF2B5EF4-FFF2-40B4-BE49-F238E27FC236}">
+                      <a16:creationId xmlns:a16="http://schemas.microsoft.com/office/drawing/2014/main" id="{DE8B91DB-BDB3-44F7-911B-B94C54293342}"/>
+                    </a:ext>
+                  </a:extLst>
+                </p:cNvPr>
+                <p:cNvCxnSpPr>
+                  <a:cxnSpLocks/>
+                </p:cNvCxnSpPr>
+                <p:nvPr/>
+              </p:nvCxnSpPr>
+              <p:spPr>
+                <a:xfrm>
+                  <a:off x="5314759" y="663388"/>
+                  <a:ext cx="52289" cy="53715"/>
+                </a:xfrm>
+                <a:prstGeom prst="line">
+                  <a:avLst/>
+                </a:prstGeom>
+              </p:spPr>
+              <p:style>
+                <a:lnRef idx="1">
+                  <a:schemeClr val="accent3"/>
+                </a:lnRef>
+                <a:fillRef idx="0">
+                  <a:schemeClr val="accent3"/>
+                </a:fillRef>
+                <a:effectRef idx="0">
+                  <a:schemeClr val="accent3"/>
+                </a:effectRef>
+                <a:fontRef idx="minor">
+                  <a:schemeClr val="tx1"/>
+                </a:fontRef>
+              </p:style>
+            </p:cxnSp>
+            <p:cxnSp>
+              <p:nvCxnSpPr>
+                <p:cNvPr id="78" name="직선 연결선 77">
+                  <a:extLst>
+                    <a:ext uri="{FF2B5EF4-FFF2-40B4-BE49-F238E27FC236}">
+                      <a16:creationId xmlns:a16="http://schemas.microsoft.com/office/drawing/2014/main" id="{34B023F0-C893-45E9-B461-90E971F8D924}"/>
+                    </a:ext>
+                  </a:extLst>
+                </p:cNvPr>
+                <p:cNvCxnSpPr>
+                  <a:cxnSpLocks/>
+                </p:cNvCxnSpPr>
+                <p:nvPr/>
+              </p:nvCxnSpPr>
+              <p:spPr>
+                <a:xfrm flipV="1">
+                  <a:off x="5367049" y="625140"/>
+                  <a:ext cx="72988" cy="91963"/>
+                </a:xfrm>
+                <a:prstGeom prst="line">
+                  <a:avLst/>
+                </a:prstGeom>
+              </p:spPr>
+              <p:style>
+                <a:lnRef idx="1">
+                  <a:schemeClr val="accent3"/>
+                </a:lnRef>
+                <a:fillRef idx="0">
+                  <a:schemeClr val="accent3"/>
+                </a:fillRef>
+                <a:effectRef idx="0">
+                  <a:schemeClr val="accent3"/>
+                </a:effectRef>
+                <a:fontRef idx="minor">
+                  <a:schemeClr val="tx1"/>
+                </a:fontRef>
+              </p:style>
+            </p:cxnSp>
+          </p:grpSp>
+        </p:grpSp>
+        <p:sp>
+          <p:nvSpPr>
+            <p:cNvPr id="80" name="직사각형 79">
+              <a:extLst>
+                <a:ext uri="{FF2B5EF4-FFF2-40B4-BE49-F238E27FC236}">
+                  <a16:creationId xmlns:a16="http://schemas.microsoft.com/office/drawing/2014/main" id="{4259D690-DECA-43FD-9248-88D3F096A533}"/>
+                </a:ext>
+              </a:extLst>
+            </p:cNvPr>
+            <p:cNvSpPr/>
+            <p:nvPr/>
+          </p:nvSpPr>
+          <p:spPr>
+            <a:xfrm>
+              <a:off x="4279322" y="5382103"/>
+              <a:ext cx="1300681" cy="322881"/>
+            </a:xfrm>
+            <a:prstGeom prst="rect">
+              <a:avLst/>
+            </a:prstGeom>
+          </p:spPr>
+          <p:style>
+            <a:lnRef idx="2">
+              <a:schemeClr val="dk1"/>
+            </a:lnRef>
+            <a:fillRef idx="1">
+              <a:schemeClr val="lt1"/>
+            </a:fillRef>
+            <a:effectRef idx="0">
+              <a:schemeClr val="dk1"/>
+            </a:effectRef>
+            <a:fontRef idx="minor">
+              <a:schemeClr val="dk1"/>
+            </a:fontRef>
+          </p:style>
+          <p:txBody>
+            <a:bodyPr rtlCol="0" anchor="ctr"/>
+            <a:lstStyle/>
+            <a:p>
+              <a:pPr algn="ctr"/>
+              <a:r>
+                <a:rPr lang="ko-KR" altLang="en-US" sz="1200"/>
+                <a:t>다음</a:t>
+              </a:r>
+            </a:p>
+          </p:txBody>
+        </p:sp>
+      </p:grpSp>
       <p:cxnSp>
         <p:nvCxnSpPr>
-          <p:cNvPr id="16" name="직선 연결선 15"/>
-          <p:cNvCxnSpPr/>
+          <p:cNvPr id="85" name="직선 연결선 84">
+            <a:extLst>
+              <a:ext uri="{FF2B5EF4-FFF2-40B4-BE49-F238E27FC236}">
+                <a16:creationId xmlns:a16="http://schemas.microsoft.com/office/drawing/2014/main" id="{ABF0A11D-D064-411D-BBBB-1B062FD7D715}"/>
+              </a:ext>
+            </a:extLst>
+          </p:cNvPr>
+          <p:cNvCxnSpPr>
+            <a:cxnSpLocks/>
+          </p:cNvCxnSpPr>
           <p:nvPr/>
         </p:nvCxnSpPr>
         <p:spPr>
           <a:xfrm>
-            <a:off x="3289856" y="3114875"/>
-            <a:ext cx="2412488" cy="0"/>
+            <a:off x="8880683" y="2997709"/>
+            <a:ext cx="2319435" cy="0"/>
           </a:xfrm>
           <a:prstGeom prst="line">
             <a:avLst/>
@@ -4356,263 +5898,1694 @@
           </a:fontRef>
         </p:style>
       </p:cxnSp>
-      <p:sp>
-        <p:nvSpPr>
-          <p:cNvPr id="18" name="TextBox 17"/>
-          <p:cNvSpPr txBox="1"/>
+      <p:grpSp>
+        <p:nvGrpSpPr>
+          <p:cNvPr id="130" name="그룹 129">
+            <a:extLst>
+              <a:ext uri="{FF2B5EF4-FFF2-40B4-BE49-F238E27FC236}">
+                <a16:creationId xmlns:a16="http://schemas.microsoft.com/office/drawing/2014/main" id="{61976F42-28D9-4748-9CC9-0B281BD5857B}"/>
+              </a:ext>
+            </a:extLst>
+          </p:cNvPr>
+          <p:cNvGrpSpPr/>
+          <p:nvPr/>
+        </p:nvGrpSpPr>
+        <p:grpSpPr>
+          <a:xfrm>
+            <a:off x="8897925" y="2748316"/>
+            <a:ext cx="1670380" cy="215444"/>
+            <a:chOff x="8952168" y="2748316"/>
+            <a:chExt cx="1670380" cy="215444"/>
+          </a:xfrm>
+        </p:grpSpPr>
+        <p:sp>
+          <p:nvSpPr>
+            <p:cNvPr id="84" name="TextBox 83">
+              <a:extLst>
+                <a:ext uri="{FF2B5EF4-FFF2-40B4-BE49-F238E27FC236}">
+                  <a16:creationId xmlns:a16="http://schemas.microsoft.com/office/drawing/2014/main" id="{9078812E-5175-4B83-8E15-D641B59364B8}"/>
+                </a:ext>
+              </a:extLst>
+            </p:cNvPr>
+            <p:cNvSpPr txBox="1"/>
+            <p:nvPr/>
+          </p:nvSpPr>
+          <p:spPr>
+            <a:xfrm>
+              <a:off x="9096168" y="2748316"/>
+              <a:ext cx="1526380" cy="215444"/>
+            </a:xfrm>
+            <a:prstGeom prst="rect">
+              <a:avLst/>
+            </a:prstGeom>
+            <a:noFill/>
+          </p:spPr>
+          <p:txBody>
+            <a:bodyPr wrap="none" rtlCol="0">
+              <a:spAutoFit/>
+            </a:bodyPr>
+            <a:lstStyle/>
+            <a:p>
+              <a:r>
+                <a:rPr lang="ko-KR" altLang="en-US" sz="800" dirty="0"/>
+                <a:t>아래 항목에 전체동의 합니다</a:t>
+              </a:r>
+            </a:p>
+          </p:txBody>
+        </p:sp>
+        <p:grpSp>
+          <p:nvGrpSpPr>
+            <p:cNvPr id="92" name="그룹 91">
+              <a:extLst>
+                <a:ext uri="{FF2B5EF4-FFF2-40B4-BE49-F238E27FC236}">
+                  <a16:creationId xmlns:a16="http://schemas.microsoft.com/office/drawing/2014/main" id="{CA5ABBC3-9B95-40AA-AF4E-6FEB47085AD2}"/>
+                </a:ext>
+              </a:extLst>
+            </p:cNvPr>
+            <p:cNvGrpSpPr/>
+            <p:nvPr/>
+          </p:nvGrpSpPr>
+          <p:grpSpPr>
+            <a:xfrm>
+              <a:off x="8952168" y="2786919"/>
+              <a:ext cx="144000" cy="144000"/>
+              <a:chOff x="5291091" y="577049"/>
+              <a:chExt cx="182712" cy="182712"/>
+            </a:xfrm>
+          </p:grpSpPr>
+          <p:sp>
+            <p:nvSpPr>
+              <p:cNvPr id="124" name="타원 123">
+                <a:extLst>
+                  <a:ext uri="{FF2B5EF4-FFF2-40B4-BE49-F238E27FC236}">
+                    <a16:creationId xmlns:a16="http://schemas.microsoft.com/office/drawing/2014/main" id="{22E7067D-4D7C-4AF9-9AEF-3358C6DBE673}"/>
+                  </a:ext>
+                </a:extLst>
+              </p:cNvPr>
+              <p:cNvSpPr/>
+              <p:nvPr/>
+            </p:nvSpPr>
+            <p:spPr>
+              <a:xfrm>
+                <a:off x="5291091" y="577049"/>
+                <a:ext cx="182712" cy="182712"/>
+              </a:xfrm>
+              <a:prstGeom prst="ellipse">
+                <a:avLst/>
+              </a:prstGeom>
+            </p:spPr>
+            <p:style>
+              <a:lnRef idx="2">
+                <a:schemeClr val="accent3"/>
+              </a:lnRef>
+              <a:fillRef idx="1">
+                <a:schemeClr val="lt1"/>
+              </a:fillRef>
+              <a:effectRef idx="0">
+                <a:schemeClr val="accent3"/>
+              </a:effectRef>
+              <a:fontRef idx="minor">
+                <a:schemeClr val="dk1"/>
+              </a:fontRef>
+            </p:style>
+            <p:txBody>
+              <a:bodyPr rtlCol="0" anchor="ctr"/>
+              <a:lstStyle/>
+              <a:p>
+                <a:pPr algn="ctr"/>
+                <a:endParaRPr lang="ko-KR" altLang="en-US"/>
+              </a:p>
+            </p:txBody>
+          </p:sp>
+          <p:grpSp>
+            <p:nvGrpSpPr>
+              <p:cNvPr id="125" name="그룹 124">
+                <a:extLst>
+                  <a:ext uri="{FF2B5EF4-FFF2-40B4-BE49-F238E27FC236}">
+                    <a16:creationId xmlns:a16="http://schemas.microsoft.com/office/drawing/2014/main" id="{271C2873-2E36-4377-ABFC-65FED26648A4}"/>
+                  </a:ext>
+                </a:extLst>
+              </p:cNvPr>
+              <p:cNvGrpSpPr/>
+              <p:nvPr/>
+            </p:nvGrpSpPr>
+            <p:grpSpPr>
+              <a:xfrm>
+                <a:off x="5325507" y="628299"/>
+                <a:ext cx="113880" cy="87642"/>
+                <a:chOff x="5314759" y="625140"/>
+                <a:chExt cx="125278" cy="91963"/>
+              </a:xfrm>
+            </p:grpSpPr>
+            <p:cxnSp>
+              <p:nvCxnSpPr>
+                <p:cNvPr id="126" name="직선 연결선 125">
+                  <a:extLst>
+                    <a:ext uri="{FF2B5EF4-FFF2-40B4-BE49-F238E27FC236}">
+                      <a16:creationId xmlns:a16="http://schemas.microsoft.com/office/drawing/2014/main" id="{3D2575FC-D420-4E72-9A39-A694A4A16337}"/>
+                    </a:ext>
+                  </a:extLst>
+                </p:cNvPr>
+                <p:cNvCxnSpPr>
+                  <a:cxnSpLocks/>
+                </p:cNvCxnSpPr>
+                <p:nvPr/>
+              </p:nvCxnSpPr>
+              <p:spPr>
+                <a:xfrm>
+                  <a:off x="5314759" y="663388"/>
+                  <a:ext cx="52289" cy="53715"/>
+                </a:xfrm>
+                <a:prstGeom prst="line">
+                  <a:avLst/>
+                </a:prstGeom>
+              </p:spPr>
+              <p:style>
+                <a:lnRef idx="1">
+                  <a:schemeClr val="accent3"/>
+                </a:lnRef>
+                <a:fillRef idx="0">
+                  <a:schemeClr val="accent3"/>
+                </a:fillRef>
+                <a:effectRef idx="0">
+                  <a:schemeClr val="accent3"/>
+                </a:effectRef>
+                <a:fontRef idx="minor">
+                  <a:schemeClr val="tx1"/>
+                </a:fontRef>
+              </p:style>
+            </p:cxnSp>
+            <p:cxnSp>
+              <p:nvCxnSpPr>
+                <p:cNvPr id="127" name="직선 연결선 126">
+                  <a:extLst>
+                    <a:ext uri="{FF2B5EF4-FFF2-40B4-BE49-F238E27FC236}">
+                      <a16:creationId xmlns:a16="http://schemas.microsoft.com/office/drawing/2014/main" id="{3D5A5A46-5197-412D-8111-ED38092A6DCC}"/>
+                    </a:ext>
+                  </a:extLst>
+                </p:cNvPr>
+                <p:cNvCxnSpPr>
+                  <a:cxnSpLocks/>
+                </p:cNvCxnSpPr>
+                <p:nvPr/>
+              </p:nvCxnSpPr>
+              <p:spPr>
+                <a:xfrm flipV="1">
+                  <a:off x="5367049" y="625140"/>
+                  <a:ext cx="72988" cy="91963"/>
+                </a:xfrm>
+                <a:prstGeom prst="line">
+                  <a:avLst/>
+                </a:prstGeom>
+              </p:spPr>
+              <p:style>
+                <a:lnRef idx="1">
+                  <a:schemeClr val="accent3"/>
+                </a:lnRef>
+                <a:fillRef idx="0">
+                  <a:schemeClr val="accent3"/>
+                </a:fillRef>
+                <a:effectRef idx="0">
+                  <a:schemeClr val="accent3"/>
+                </a:effectRef>
+                <a:fontRef idx="minor">
+                  <a:schemeClr val="tx1"/>
+                </a:fontRef>
+              </p:style>
+            </p:cxnSp>
+          </p:grpSp>
+        </p:grpSp>
+      </p:grpSp>
+      <p:grpSp>
+        <p:nvGrpSpPr>
+          <p:cNvPr id="131" name="그룹 130">
+            <a:extLst>
+              <a:ext uri="{FF2B5EF4-FFF2-40B4-BE49-F238E27FC236}">
+                <a16:creationId xmlns:a16="http://schemas.microsoft.com/office/drawing/2014/main" id="{4107EDA6-328B-4A2E-A873-0517D2762C98}"/>
+              </a:ext>
+            </a:extLst>
+          </p:cNvPr>
+          <p:cNvGrpSpPr/>
+          <p:nvPr/>
+        </p:nvGrpSpPr>
+        <p:grpSpPr>
+          <a:xfrm>
+            <a:off x="8897925" y="3069626"/>
+            <a:ext cx="1883579" cy="215444"/>
+            <a:chOff x="8952168" y="3067514"/>
+            <a:chExt cx="1883579" cy="215444"/>
+          </a:xfrm>
+        </p:grpSpPr>
+        <p:sp>
+          <p:nvSpPr>
+            <p:cNvPr id="86" name="TextBox 85">
+              <a:extLst>
+                <a:ext uri="{FF2B5EF4-FFF2-40B4-BE49-F238E27FC236}">
+                  <a16:creationId xmlns:a16="http://schemas.microsoft.com/office/drawing/2014/main" id="{93B6EF57-564B-4EF5-B506-C5B3EAE7EB76}"/>
+                </a:ext>
+              </a:extLst>
+            </p:cNvPr>
+            <p:cNvSpPr txBox="1"/>
+            <p:nvPr/>
+          </p:nvSpPr>
+          <p:spPr>
+            <a:xfrm>
+              <a:off x="9096168" y="3067514"/>
+              <a:ext cx="1739579" cy="215444"/>
+            </a:xfrm>
+            <a:prstGeom prst="rect">
+              <a:avLst/>
+            </a:prstGeom>
+            <a:noFill/>
+          </p:spPr>
+          <p:txBody>
+            <a:bodyPr wrap="none" rtlCol="0">
+              <a:spAutoFit/>
+            </a:bodyPr>
+            <a:lstStyle/>
+            <a:p>
+              <a:r>
+                <a:rPr lang="ko-KR" altLang="en-US" sz="800" dirty="0"/>
+                <a:t>본인은 만 </a:t>
+              </a:r>
+              <a:r>
+                <a:rPr lang="en-US" altLang="ko-KR" sz="800" dirty="0"/>
+                <a:t>14</a:t>
+              </a:r>
+              <a:r>
+                <a:rPr lang="ko-KR" altLang="en-US" sz="800" dirty="0"/>
+                <a:t>세 이상입니다 </a:t>
+              </a:r>
+              <a:r>
+                <a:rPr lang="en-US" altLang="ko-KR" sz="800" dirty="0"/>
+                <a:t>(</a:t>
+              </a:r>
+              <a:r>
+                <a:rPr lang="ko-KR" altLang="en-US" sz="800" dirty="0"/>
+                <a:t>필수</a:t>
+              </a:r>
+              <a:r>
+                <a:rPr lang="en-US" altLang="ko-KR" sz="800" dirty="0"/>
+                <a:t>)</a:t>
+              </a:r>
+              <a:endParaRPr lang="ko-KR" altLang="en-US" sz="800" dirty="0"/>
+            </a:p>
+          </p:txBody>
+        </p:sp>
+        <p:grpSp>
+          <p:nvGrpSpPr>
+            <p:cNvPr id="93" name="그룹 92">
+              <a:extLst>
+                <a:ext uri="{FF2B5EF4-FFF2-40B4-BE49-F238E27FC236}">
+                  <a16:creationId xmlns:a16="http://schemas.microsoft.com/office/drawing/2014/main" id="{6D9D0EFC-9698-4E89-B062-B2BA3FF01D8D}"/>
+                </a:ext>
+              </a:extLst>
+            </p:cNvPr>
+            <p:cNvGrpSpPr/>
+            <p:nvPr/>
+          </p:nvGrpSpPr>
+          <p:grpSpPr>
+            <a:xfrm>
+              <a:off x="8952168" y="3103236"/>
+              <a:ext cx="144000" cy="144000"/>
+              <a:chOff x="5291091" y="577049"/>
+              <a:chExt cx="182712" cy="182712"/>
+            </a:xfrm>
+          </p:grpSpPr>
+          <p:sp>
+            <p:nvSpPr>
+              <p:cNvPr id="120" name="타원 119">
+                <a:extLst>
+                  <a:ext uri="{FF2B5EF4-FFF2-40B4-BE49-F238E27FC236}">
+                    <a16:creationId xmlns:a16="http://schemas.microsoft.com/office/drawing/2014/main" id="{92AEF1EA-6BAE-40A0-8356-0E853F184974}"/>
+                  </a:ext>
+                </a:extLst>
+              </p:cNvPr>
+              <p:cNvSpPr/>
+              <p:nvPr/>
+            </p:nvSpPr>
+            <p:spPr>
+              <a:xfrm>
+                <a:off x="5291091" y="577049"/>
+                <a:ext cx="182712" cy="182712"/>
+              </a:xfrm>
+              <a:prstGeom prst="ellipse">
+                <a:avLst/>
+              </a:prstGeom>
+            </p:spPr>
+            <p:style>
+              <a:lnRef idx="2">
+                <a:schemeClr val="accent3"/>
+              </a:lnRef>
+              <a:fillRef idx="1">
+                <a:schemeClr val="lt1"/>
+              </a:fillRef>
+              <a:effectRef idx="0">
+                <a:schemeClr val="accent3"/>
+              </a:effectRef>
+              <a:fontRef idx="minor">
+                <a:schemeClr val="dk1"/>
+              </a:fontRef>
+            </p:style>
+            <p:txBody>
+              <a:bodyPr rtlCol="0" anchor="ctr"/>
+              <a:lstStyle/>
+              <a:p>
+                <a:pPr algn="ctr"/>
+                <a:endParaRPr lang="ko-KR" altLang="en-US"/>
+              </a:p>
+            </p:txBody>
+          </p:sp>
+          <p:grpSp>
+            <p:nvGrpSpPr>
+              <p:cNvPr id="121" name="그룹 120">
+                <a:extLst>
+                  <a:ext uri="{FF2B5EF4-FFF2-40B4-BE49-F238E27FC236}">
+                    <a16:creationId xmlns:a16="http://schemas.microsoft.com/office/drawing/2014/main" id="{C5D5F2FB-2446-452F-963C-7D0C595C1CE4}"/>
+                  </a:ext>
+                </a:extLst>
+              </p:cNvPr>
+              <p:cNvGrpSpPr/>
+              <p:nvPr/>
+            </p:nvGrpSpPr>
+            <p:grpSpPr>
+              <a:xfrm>
+                <a:off x="5325507" y="628299"/>
+                <a:ext cx="113880" cy="87642"/>
+                <a:chOff x="5314759" y="625140"/>
+                <a:chExt cx="125278" cy="91963"/>
+              </a:xfrm>
+            </p:grpSpPr>
+            <p:cxnSp>
+              <p:nvCxnSpPr>
+                <p:cNvPr id="122" name="직선 연결선 121">
+                  <a:extLst>
+                    <a:ext uri="{FF2B5EF4-FFF2-40B4-BE49-F238E27FC236}">
+                      <a16:creationId xmlns:a16="http://schemas.microsoft.com/office/drawing/2014/main" id="{8E365C35-341A-46B0-BF33-BB3E5DFDF50F}"/>
+                    </a:ext>
+                  </a:extLst>
+                </p:cNvPr>
+                <p:cNvCxnSpPr>
+                  <a:cxnSpLocks/>
+                </p:cNvCxnSpPr>
+                <p:nvPr/>
+              </p:nvCxnSpPr>
+              <p:spPr>
+                <a:xfrm>
+                  <a:off x="5314759" y="663388"/>
+                  <a:ext cx="52289" cy="53715"/>
+                </a:xfrm>
+                <a:prstGeom prst="line">
+                  <a:avLst/>
+                </a:prstGeom>
+              </p:spPr>
+              <p:style>
+                <a:lnRef idx="1">
+                  <a:schemeClr val="accent3"/>
+                </a:lnRef>
+                <a:fillRef idx="0">
+                  <a:schemeClr val="accent3"/>
+                </a:fillRef>
+                <a:effectRef idx="0">
+                  <a:schemeClr val="accent3"/>
+                </a:effectRef>
+                <a:fontRef idx="minor">
+                  <a:schemeClr val="tx1"/>
+                </a:fontRef>
+              </p:style>
+            </p:cxnSp>
+            <p:cxnSp>
+              <p:nvCxnSpPr>
+                <p:cNvPr id="123" name="직선 연결선 122">
+                  <a:extLst>
+                    <a:ext uri="{FF2B5EF4-FFF2-40B4-BE49-F238E27FC236}">
+                      <a16:creationId xmlns:a16="http://schemas.microsoft.com/office/drawing/2014/main" id="{375584B1-3AEC-4356-88A2-5B18F3E3112A}"/>
+                    </a:ext>
+                  </a:extLst>
+                </p:cNvPr>
+                <p:cNvCxnSpPr>
+                  <a:cxnSpLocks/>
+                </p:cNvCxnSpPr>
+                <p:nvPr/>
+              </p:nvCxnSpPr>
+              <p:spPr>
+                <a:xfrm flipV="1">
+                  <a:off x="5367049" y="625140"/>
+                  <a:ext cx="72988" cy="91963"/>
+                </a:xfrm>
+                <a:prstGeom prst="line">
+                  <a:avLst/>
+                </a:prstGeom>
+              </p:spPr>
+              <p:style>
+                <a:lnRef idx="1">
+                  <a:schemeClr val="accent3"/>
+                </a:lnRef>
+                <a:fillRef idx="0">
+                  <a:schemeClr val="accent3"/>
+                </a:fillRef>
+                <a:effectRef idx="0">
+                  <a:schemeClr val="accent3"/>
+                </a:effectRef>
+                <a:fontRef idx="minor">
+                  <a:schemeClr val="tx1"/>
+                </a:fontRef>
+              </p:style>
+            </p:cxnSp>
+          </p:grpSp>
+        </p:grpSp>
+      </p:grpSp>
+      <p:grpSp>
+        <p:nvGrpSpPr>
+          <p:cNvPr id="132" name="그룹 131">
+            <a:extLst>
+              <a:ext uri="{FF2B5EF4-FFF2-40B4-BE49-F238E27FC236}">
+                <a16:creationId xmlns:a16="http://schemas.microsoft.com/office/drawing/2014/main" id="{D6DC41D0-51FF-48A3-809C-39B2E88C743E}"/>
+              </a:ext>
+            </a:extLst>
+          </p:cNvPr>
+          <p:cNvGrpSpPr/>
+          <p:nvPr/>
+        </p:nvGrpSpPr>
+        <p:grpSpPr>
+          <a:xfrm>
+            <a:off x="8897925" y="3390936"/>
+            <a:ext cx="1938081" cy="215444"/>
+            <a:chOff x="8952168" y="3397400"/>
+            <a:chExt cx="1938081" cy="215444"/>
+          </a:xfrm>
+        </p:grpSpPr>
+        <p:sp>
+          <p:nvSpPr>
+            <p:cNvPr id="87" name="TextBox 86">
+              <a:extLst>
+                <a:ext uri="{FF2B5EF4-FFF2-40B4-BE49-F238E27FC236}">
+                  <a16:creationId xmlns:a16="http://schemas.microsoft.com/office/drawing/2014/main" id="{21D9ED40-40D5-4948-B988-B2624171BEDF}"/>
+                </a:ext>
+              </a:extLst>
+            </p:cNvPr>
+            <p:cNvSpPr txBox="1"/>
+            <p:nvPr/>
+          </p:nvSpPr>
+          <p:spPr>
+            <a:xfrm>
+              <a:off x="9096168" y="3397400"/>
+              <a:ext cx="1794081" cy="215444"/>
+            </a:xfrm>
+            <a:prstGeom prst="rect">
+              <a:avLst/>
+            </a:prstGeom>
+            <a:noFill/>
+          </p:spPr>
+          <p:txBody>
+            <a:bodyPr wrap="none" rtlCol="0">
+              <a:spAutoFit/>
+            </a:bodyPr>
+            <a:lstStyle/>
+            <a:p>
+              <a:r>
+                <a:rPr lang="ko-KR" altLang="en-US" sz="800" dirty="0"/>
+                <a:t>서비스 이용약관 동의 </a:t>
+              </a:r>
+              <a:r>
+                <a:rPr lang="en-US" altLang="ko-KR" sz="800" dirty="0"/>
+                <a:t>(</a:t>
+              </a:r>
+              <a:r>
+                <a:rPr lang="ko-KR" altLang="en-US" sz="800" dirty="0"/>
+                <a:t>보기</a:t>
+              </a:r>
+              <a:r>
+                <a:rPr lang="en-US" altLang="ko-KR" sz="800" dirty="0"/>
+                <a:t>) (</a:t>
+              </a:r>
+              <a:r>
+                <a:rPr lang="ko-KR" altLang="en-US" sz="800" dirty="0"/>
+                <a:t>필수</a:t>
+              </a:r>
+              <a:r>
+                <a:rPr lang="en-US" altLang="ko-KR" sz="800" dirty="0"/>
+                <a:t>)</a:t>
+              </a:r>
+              <a:endParaRPr lang="ko-KR" altLang="en-US" sz="800" dirty="0"/>
+            </a:p>
+          </p:txBody>
+        </p:sp>
+        <p:grpSp>
+          <p:nvGrpSpPr>
+            <p:cNvPr id="94" name="그룹 93">
+              <a:extLst>
+                <a:ext uri="{FF2B5EF4-FFF2-40B4-BE49-F238E27FC236}">
+                  <a16:creationId xmlns:a16="http://schemas.microsoft.com/office/drawing/2014/main" id="{609D0711-8CC5-42A1-98AE-8F4BA8217E20}"/>
+                </a:ext>
+              </a:extLst>
+            </p:cNvPr>
+            <p:cNvGrpSpPr/>
+            <p:nvPr/>
+          </p:nvGrpSpPr>
+          <p:grpSpPr>
+            <a:xfrm>
+              <a:off x="8952168" y="3433122"/>
+              <a:ext cx="144000" cy="144000"/>
+              <a:chOff x="5291091" y="577049"/>
+              <a:chExt cx="182712" cy="182712"/>
+            </a:xfrm>
+          </p:grpSpPr>
+          <p:sp>
+            <p:nvSpPr>
+              <p:cNvPr id="116" name="타원 115">
+                <a:extLst>
+                  <a:ext uri="{FF2B5EF4-FFF2-40B4-BE49-F238E27FC236}">
+                    <a16:creationId xmlns:a16="http://schemas.microsoft.com/office/drawing/2014/main" id="{A8A5ACFE-5512-4405-BA44-B13C4522B729}"/>
+                  </a:ext>
+                </a:extLst>
+              </p:cNvPr>
+              <p:cNvSpPr/>
+              <p:nvPr/>
+            </p:nvSpPr>
+            <p:spPr>
+              <a:xfrm>
+                <a:off x="5291091" y="577049"/>
+                <a:ext cx="182712" cy="182712"/>
+              </a:xfrm>
+              <a:prstGeom prst="ellipse">
+                <a:avLst/>
+              </a:prstGeom>
+            </p:spPr>
+            <p:style>
+              <a:lnRef idx="2">
+                <a:schemeClr val="accent3"/>
+              </a:lnRef>
+              <a:fillRef idx="1">
+                <a:schemeClr val="lt1"/>
+              </a:fillRef>
+              <a:effectRef idx="0">
+                <a:schemeClr val="accent3"/>
+              </a:effectRef>
+              <a:fontRef idx="minor">
+                <a:schemeClr val="dk1"/>
+              </a:fontRef>
+            </p:style>
+            <p:txBody>
+              <a:bodyPr rtlCol="0" anchor="ctr"/>
+              <a:lstStyle/>
+              <a:p>
+                <a:pPr algn="ctr"/>
+                <a:endParaRPr lang="ko-KR" altLang="en-US"/>
+              </a:p>
+            </p:txBody>
+          </p:sp>
+          <p:grpSp>
+            <p:nvGrpSpPr>
+              <p:cNvPr id="117" name="그룹 116">
+                <a:extLst>
+                  <a:ext uri="{FF2B5EF4-FFF2-40B4-BE49-F238E27FC236}">
+                    <a16:creationId xmlns:a16="http://schemas.microsoft.com/office/drawing/2014/main" id="{ABB7634A-16BC-4E0B-9791-E912A6C3C565}"/>
+                  </a:ext>
+                </a:extLst>
+              </p:cNvPr>
+              <p:cNvGrpSpPr/>
+              <p:nvPr/>
+            </p:nvGrpSpPr>
+            <p:grpSpPr>
+              <a:xfrm>
+                <a:off x="5325507" y="628299"/>
+                <a:ext cx="113880" cy="87642"/>
+                <a:chOff x="5314759" y="625140"/>
+                <a:chExt cx="125278" cy="91963"/>
+              </a:xfrm>
+            </p:grpSpPr>
+            <p:cxnSp>
+              <p:nvCxnSpPr>
+                <p:cNvPr id="118" name="직선 연결선 117">
+                  <a:extLst>
+                    <a:ext uri="{FF2B5EF4-FFF2-40B4-BE49-F238E27FC236}">
+                      <a16:creationId xmlns:a16="http://schemas.microsoft.com/office/drawing/2014/main" id="{09ACE1D2-43D8-4B72-A7D6-75FB8DA4F23C}"/>
+                    </a:ext>
+                  </a:extLst>
+                </p:cNvPr>
+                <p:cNvCxnSpPr>
+                  <a:cxnSpLocks/>
+                </p:cNvCxnSpPr>
+                <p:nvPr/>
+              </p:nvCxnSpPr>
+              <p:spPr>
+                <a:xfrm>
+                  <a:off x="5314759" y="663388"/>
+                  <a:ext cx="52289" cy="53715"/>
+                </a:xfrm>
+                <a:prstGeom prst="line">
+                  <a:avLst/>
+                </a:prstGeom>
+              </p:spPr>
+              <p:style>
+                <a:lnRef idx="1">
+                  <a:schemeClr val="accent3"/>
+                </a:lnRef>
+                <a:fillRef idx="0">
+                  <a:schemeClr val="accent3"/>
+                </a:fillRef>
+                <a:effectRef idx="0">
+                  <a:schemeClr val="accent3"/>
+                </a:effectRef>
+                <a:fontRef idx="minor">
+                  <a:schemeClr val="tx1"/>
+                </a:fontRef>
+              </p:style>
+            </p:cxnSp>
+            <p:cxnSp>
+              <p:nvCxnSpPr>
+                <p:cNvPr id="119" name="직선 연결선 118">
+                  <a:extLst>
+                    <a:ext uri="{FF2B5EF4-FFF2-40B4-BE49-F238E27FC236}">
+                      <a16:creationId xmlns:a16="http://schemas.microsoft.com/office/drawing/2014/main" id="{3FB3387F-FB52-42C8-98F1-CF6684B07145}"/>
+                    </a:ext>
+                  </a:extLst>
+                </p:cNvPr>
+                <p:cNvCxnSpPr>
+                  <a:cxnSpLocks/>
+                </p:cNvCxnSpPr>
+                <p:nvPr/>
+              </p:nvCxnSpPr>
+              <p:spPr>
+                <a:xfrm flipV="1">
+                  <a:off x="5367049" y="625140"/>
+                  <a:ext cx="72988" cy="91963"/>
+                </a:xfrm>
+                <a:prstGeom prst="line">
+                  <a:avLst/>
+                </a:prstGeom>
+              </p:spPr>
+              <p:style>
+                <a:lnRef idx="1">
+                  <a:schemeClr val="accent3"/>
+                </a:lnRef>
+                <a:fillRef idx="0">
+                  <a:schemeClr val="accent3"/>
+                </a:fillRef>
+                <a:effectRef idx="0">
+                  <a:schemeClr val="accent3"/>
+                </a:effectRef>
+                <a:fontRef idx="minor">
+                  <a:schemeClr val="tx1"/>
+                </a:fontRef>
+              </p:style>
+            </p:cxnSp>
+          </p:grpSp>
+        </p:grpSp>
+      </p:grpSp>
+      <p:grpSp>
+        <p:nvGrpSpPr>
+          <p:cNvPr id="133" name="그룹 132">
+            <a:extLst>
+              <a:ext uri="{FF2B5EF4-FFF2-40B4-BE49-F238E27FC236}">
+                <a16:creationId xmlns:a16="http://schemas.microsoft.com/office/drawing/2014/main" id="{FDE7491C-6AF5-4880-93DB-1E998A4089D3}"/>
+              </a:ext>
+            </a:extLst>
+          </p:cNvPr>
+          <p:cNvGrpSpPr/>
+          <p:nvPr/>
+        </p:nvGrpSpPr>
+        <p:grpSpPr>
+          <a:xfrm>
+            <a:off x="8897925" y="3712246"/>
+            <a:ext cx="2077543" cy="215444"/>
+            <a:chOff x="8952168" y="3725230"/>
+            <a:chExt cx="2077543" cy="215444"/>
+          </a:xfrm>
+        </p:grpSpPr>
+        <p:sp>
+          <p:nvSpPr>
+            <p:cNvPr id="88" name="TextBox 87">
+              <a:extLst>
+                <a:ext uri="{FF2B5EF4-FFF2-40B4-BE49-F238E27FC236}">
+                  <a16:creationId xmlns:a16="http://schemas.microsoft.com/office/drawing/2014/main" id="{39C82F22-7703-433A-B8BD-C6E222318967}"/>
+                </a:ext>
+              </a:extLst>
+            </p:cNvPr>
+            <p:cNvSpPr txBox="1"/>
+            <p:nvPr/>
+          </p:nvSpPr>
+          <p:spPr>
+            <a:xfrm>
+              <a:off x="9096168" y="3725230"/>
+              <a:ext cx="1933543" cy="215444"/>
+            </a:xfrm>
+            <a:prstGeom prst="rect">
+              <a:avLst/>
+            </a:prstGeom>
+            <a:noFill/>
+          </p:spPr>
+          <p:txBody>
+            <a:bodyPr wrap="none" rtlCol="0">
+              <a:spAutoFit/>
+            </a:bodyPr>
+            <a:lstStyle/>
+            <a:p>
+              <a:r>
+                <a:rPr lang="ko-KR" altLang="en-US" sz="800" dirty="0"/>
+                <a:t>개인정보 수집 이용 동의 </a:t>
+              </a:r>
+              <a:r>
+                <a:rPr lang="en-US" altLang="ko-KR" sz="800" dirty="0"/>
+                <a:t>(</a:t>
+              </a:r>
+              <a:r>
+                <a:rPr lang="ko-KR" altLang="en-US" sz="800" dirty="0"/>
+                <a:t>보기</a:t>
+              </a:r>
+              <a:r>
+                <a:rPr lang="en-US" altLang="ko-KR" sz="800" dirty="0"/>
+                <a:t>) (</a:t>
+              </a:r>
+              <a:r>
+                <a:rPr lang="ko-KR" altLang="en-US" sz="800" dirty="0"/>
+                <a:t>필수</a:t>
+              </a:r>
+              <a:r>
+                <a:rPr lang="en-US" altLang="ko-KR" sz="800" dirty="0"/>
+                <a:t>)</a:t>
+              </a:r>
+              <a:endParaRPr lang="ko-KR" altLang="en-US" sz="800" dirty="0"/>
+            </a:p>
+          </p:txBody>
+        </p:sp>
+        <p:grpSp>
+          <p:nvGrpSpPr>
+            <p:cNvPr id="95" name="그룹 94">
+              <a:extLst>
+                <a:ext uri="{FF2B5EF4-FFF2-40B4-BE49-F238E27FC236}">
+                  <a16:creationId xmlns:a16="http://schemas.microsoft.com/office/drawing/2014/main" id="{BF1851D4-BE48-4C62-8B48-B850714D235E}"/>
+                </a:ext>
+              </a:extLst>
+            </p:cNvPr>
+            <p:cNvGrpSpPr/>
+            <p:nvPr/>
+          </p:nvGrpSpPr>
+          <p:grpSpPr>
+            <a:xfrm>
+              <a:off x="8952168" y="3760952"/>
+              <a:ext cx="144000" cy="144000"/>
+              <a:chOff x="5291091" y="577049"/>
+              <a:chExt cx="182712" cy="182712"/>
+            </a:xfrm>
+          </p:grpSpPr>
+          <p:sp>
+            <p:nvSpPr>
+              <p:cNvPr id="112" name="타원 111">
+                <a:extLst>
+                  <a:ext uri="{FF2B5EF4-FFF2-40B4-BE49-F238E27FC236}">
+                    <a16:creationId xmlns:a16="http://schemas.microsoft.com/office/drawing/2014/main" id="{43A98BC2-387E-41A9-A3A5-7B85D6342ABF}"/>
+                  </a:ext>
+                </a:extLst>
+              </p:cNvPr>
+              <p:cNvSpPr/>
+              <p:nvPr/>
+            </p:nvSpPr>
+            <p:spPr>
+              <a:xfrm>
+                <a:off x="5291091" y="577049"/>
+                <a:ext cx="182712" cy="182712"/>
+              </a:xfrm>
+              <a:prstGeom prst="ellipse">
+                <a:avLst/>
+              </a:prstGeom>
+            </p:spPr>
+            <p:style>
+              <a:lnRef idx="2">
+                <a:schemeClr val="accent3"/>
+              </a:lnRef>
+              <a:fillRef idx="1">
+                <a:schemeClr val="lt1"/>
+              </a:fillRef>
+              <a:effectRef idx="0">
+                <a:schemeClr val="accent3"/>
+              </a:effectRef>
+              <a:fontRef idx="minor">
+                <a:schemeClr val="dk1"/>
+              </a:fontRef>
+            </p:style>
+            <p:txBody>
+              <a:bodyPr rtlCol="0" anchor="ctr"/>
+              <a:lstStyle/>
+              <a:p>
+                <a:pPr algn="ctr"/>
+                <a:endParaRPr lang="ko-KR" altLang="en-US"/>
+              </a:p>
+            </p:txBody>
+          </p:sp>
+          <p:grpSp>
+            <p:nvGrpSpPr>
+              <p:cNvPr id="113" name="그룹 112">
+                <a:extLst>
+                  <a:ext uri="{FF2B5EF4-FFF2-40B4-BE49-F238E27FC236}">
+                    <a16:creationId xmlns:a16="http://schemas.microsoft.com/office/drawing/2014/main" id="{4BF72E20-014F-4F6B-940A-9783D4178909}"/>
+                  </a:ext>
+                </a:extLst>
+              </p:cNvPr>
+              <p:cNvGrpSpPr/>
+              <p:nvPr/>
+            </p:nvGrpSpPr>
+            <p:grpSpPr>
+              <a:xfrm>
+                <a:off x="5325507" y="628299"/>
+                <a:ext cx="113880" cy="87642"/>
+                <a:chOff x="5314759" y="625140"/>
+                <a:chExt cx="125278" cy="91963"/>
+              </a:xfrm>
+            </p:grpSpPr>
+            <p:cxnSp>
+              <p:nvCxnSpPr>
+                <p:cNvPr id="114" name="직선 연결선 113">
+                  <a:extLst>
+                    <a:ext uri="{FF2B5EF4-FFF2-40B4-BE49-F238E27FC236}">
+                      <a16:creationId xmlns:a16="http://schemas.microsoft.com/office/drawing/2014/main" id="{5167DB2E-510E-425D-B42C-F141B0841007}"/>
+                    </a:ext>
+                  </a:extLst>
+                </p:cNvPr>
+                <p:cNvCxnSpPr>
+                  <a:cxnSpLocks/>
+                </p:cNvCxnSpPr>
+                <p:nvPr/>
+              </p:nvCxnSpPr>
+              <p:spPr>
+                <a:xfrm>
+                  <a:off x="5314759" y="663388"/>
+                  <a:ext cx="52289" cy="53715"/>
+                </a:xfrm>
+                <a:prstGeom prst="line">
+                  <a:avLst/>
+                </a:prstGeom>
+              </p:spPr>
+              <p:style>
+                <a:lnRef idx="1">
+                  <a:schemeClr val="accent3"/>
+                </a:lnRef>
+                <a:fillRef idx="0">
+                  <a:schemeClr val="accent3"/>
+                </a:fillRef>
+                <a:effectRef idx="0">
+                  <a:schemeClr val="accent3"/>
+                </a:effectRef>
+                <a:fontRef idx="minor">
+                  <a:schemeClr val="tx1"/>
+                </a:fontRef>
+              </p:style>
+            </p:cxnSp>
+            <p:cxnSp>
+              <p:nvCxnSpPr>
+                <p:cNvPr id="115" name="직선 연결선 114">
+                  <a:extLst>
+                    <a:ext uri="{FF2B5EF4-FFF2-40B4-BE49-F238E27FC236}">
+                      <a16:creationId xmlns:a16="http://schemas.microsoft.com/office/drawing/2014/main" id="{72901E6E-29FB-48D6-8ABD-C8E10A72ADCA}"/>
+                    </a:ext>
+                  </a:extLst>
+                </p:cNvPr>
+                <p:cNvCxnSpPr>
+                  <a:cxnSpLocks/>
+                </p:cNvCxnSpPr>
+                <p:nvPr/>
+              </p:nvCxnSpPr>
+              <p:spPr>
+                <a:xfrm flipV="1">
+                  <a:off x="5367049" y="625140"/>
+                  <a:ext cx="72988" cy="91963"/>
+                </a:xfrm>
+                <a:prstGeom prst="line">
+                  <a:avLst/>
+                </a:prstGeom>
+              </p:spPr>
+              <p:style>
+                <a:lnRef idx="1">
+                  <a:schemeClr val="accent3"/>
+                </a:lnRef>
+                <a:fillRef idx="0">
+                  <a:schemeClr val="accent3"/>
+                </a:fillRef>
+                <a:effectRef idx="0">
+                  <a:schemeClr val="accent3"/>
+                </a:effectRef>
+                <a:fontRef idx="minor">
+                  <a:schemeClr val="tx1"/>
+                </a:fontRef>
+              </p:style>
+            </p:cxnSp>
+          </p:grpSp>
+        </p:grpSp>
+      </p:grpSp>
+      <p:grpSp>
+        <p:nvGrpSpPr>
+          <p:cNvPr id="134" name="그룹 133">
+            <a:extLst>
+              <a:ext uri="{FF2B5EF4-FFF2-40B4-BE49-F238E27FC236}">
+                <a16:creationId xmlns:a16="http://schemas.microsoft.com/office/drawing/2014/main" id="{67ECA2EF-6511-4E60-866E-845755EB3760}"/>
+              </a:ext>
+            </a:extLst>
+          </p:cNvPr>
+          <p:cNvGrpSpPr/>
+          <p:nvPr/>
+        </p:nvGrpSpPr>
+        <p:grpSpPr>
+          <a:xfrm>
+            <a:off x="8897925" y="4033556"/>
+            <a:ext cx="2451042" cy="215444"/>
+            <a:chOff x="8952168" y="4030378"/>
+            <a:chExt cx="2451042" cy="215444"/>
+          </a:xfrm>
+        </p:grpSpPr>
+        <p:sp>
+          <p:nvSpPr>
+            <p:cNvPr id="89" name="TextBox 88">
+              <a:extLst>
+                <a:ext uri="{FF2B5EF4-FFF2-40B4-BE49-F238E27FC236}">
+                  <a16:creationId xmlns:a16="http://schemas.microsoft.com/office/drawing/2014/main" id="{42A349C8-FC04-45CA-BD8D-67EBB42B08F7}"/>
+                </a:ext>
+              </a:extLst>
+            </p:cNvPr>
+            <p:cNvSpPr txBox="1"/>
+            <p:nvPr/>
+          </p:nvSpPr>
+          <p:spPr>
+            <a:xfrm>
+              <a:off x="9096168" y="4030378"/>
+              <a:ext cx="2307042" cy="215444"/>
+            </a:xfrm>
+            <a:prstGeom prst="rect">
+              <a:avLst/>
+            </a:prstGeom>
+            <a:noFill/>
+          </p:spPr>
+          <p:txBody>
+            <a:bodyPr wrap="none" rtlCol="0">
+              <a:spAutoFit/>
+            </a:bodyPr>
+            <a:lstStyle/>
+            <a:p>
+              <a:r>
+                <a:rPr lang="ko-KR" altLang="en-US" sz="800" dirty="0"/>
+                <a:t>안전보상지원 프로그램약관 동의 </a:t>
+              </a:r>
+              <a:r>
+                <a:rPr lang="en-US" altLang="ko-KR" sz="800" dirty="0"/>
+                <a:t>(</a:t>
+              </a:r>
+              <a:r>
+                <a:rPr lang="ko-KR" altLang="en-US" sz="800" dirty="0"/>
+                <a:t>보기</a:t>
+              </a:r>
+              <a:r>
+                <a:rPr lang="en-US" altLang="ko-KR" sz="800" dirty="0"/>
+                <a:t>) (</a:t>
+              </a:r>
+              <a:r>
+                <a:rPr lang="ko-KR" altLang="en-US" sz="800" dirty="0"/>
+                <a:t>필수</a:t>
+              </a:r>
+              <a:r>
+                <a:rPr lang="en-US" altLang="ko-KR" sz="800" dirty="0"/>
+                <a:t>)</a:t>
+              </a:r>
+              <a:endParaRPr lang="ko-KR" altLang="en-US" sz="800" dirty="0"/>
+            </a:p>
+          </p:txBody>
+        </p:sp>
+        <p:grpSp>
+          <p:nvGrpSpPr>
+            <p:cNvPr id="96" name="그룹 95">
+              <a:extLst>
+                <a:ext uri="{FF2B5EF4-FFF2-40B4-BE49-F238E27FC236}">
+                  <a16:creationId xmlns:a16="http://schemas.microsoft.com/office/drawing/2014/main" id="{1B626189-9D35-40B2-82EC-9C2E130C02D0}"/>
+                </a:ext>
+              </a:extLst>
+            </p:cNvPr>
+            <p:cNvGrpSpPr/>
+            <p:nvPr/>
+          </p:nvGrpSpPr>
+          <p:grpSpPr>
+            <a:xfrm>
+              <a:off x="8952168" y="4066100"/>
+              <a:ext cx="144000" cy="144000"/>
+              <a:chOff x="5291091" y="577049"/>
+              <a:chExt cx="182712" cy="182712"/>
+            </a:xfrm>
+          </p:grpSpPr>
+          <p:sp>
+            <p:nvSpPr>
+              <p:cNvPr id="108" name="타원 107">
+                <a:extLst>
+                  <a:ext uri="{FF2B5EF4-FFF2-40B4-BE49-F238E27FC236}">
+                    <a16:creationId xmlns:a16="http://schemas.microsoft.com/office/drawing/2014/main" id="{CB9B5A06-82DE-4302-B8EE-10526806BA58}"/>
+                  </a:ext>
+                </a:extLst>
+              </p:cNvPr>
+              <p:cNvSpPr/>
+              <p:nvPr/>
+            </p:nvSpPr>
+            <p:spPr>
+              <a:xfrm>
+                <a:off x="5291091" y="577049"/>
+                <a:ext cx="182712" cy="182712"/>
+              </a:xfrm>
+              <a:prstGeom prst="ellipse">
+                <a:avLst/>
+              </a:prstGeom>
+            </p:spPr>
+            <p:style>
+              <a:lnRef idx="2">
+                <a:schemeClr val="accent3"/>
+              </a:lnRef>
+              <a:fillRef idx="1">
+                <a:schemeClr val="lt1"/>
+              </a:fillRef>
+              <a:effectRef idx="0">
+                <a:schemeClr val="accent3"/>
+              </a:effectRef>
+              <a:fontRef idx="minor">
+                <a:schemeClr val="dk1"/>
+              </a:fontRef>
+            </p:style>
+            <p:txBody>
+              <a:bodyPr rtlCol="0" anchor="ctr"/>
+              <a:lstStyle/>
+              <a:p>
+                <a:pPr algn="ctr"/>
+                <a:endParaRPr lang="ko-KR" altLang="en-US"/>
+              </a:p>
+            </p:txBody>
+          </p:sp>
+          <p:grpSp>
+            <p:nvGrpSpPr>
+              <p:cNvPr id="109" name="그룹 108">
+                <a:extLst>
+                  <a:ext uri="{FF2B5EF4-FFF2-40B4-BE49-F238E27FC236}">
+                    <a16:creationId xmlns:a16="http://schemas.microsoft.com/office/drawing/2014/main" id="{45188AF3-A8AB-411D-A332-B7154D4E09AD}"/>
+                  </a:ext>
+                </a:extLst>
+              </p:cNvPr>
+              <p:cNvGrpSpPr/>
+              <p:nvPr/>
+            </p:nvGrpSpPr>
+            <p:grpSpPr>
+              <a:xfrm>
+                <a:off x="5325507" y="628299"/>
+                <a:ext cx="113880" cy="87642"/>
+                <a:chOff x="5314759" y="625140"/>
+                <a:chExt cx="125278" cy="91963"/>
+              </a:xfrm>
+            </p:grpSpPr>
+            <p:cxnSp>
+              <p:nvCxnSpPr>
+                <p:cNvPr id="110" name="직선 연결선 109">
+                  <a:extLst>
+                    <a:ext uri="{FF2B5EF4-FFF2-40B4-BE49-F238E27FC236}">
+                      <a16:creationId xmlns:a16="http://schemas.microsoft.com/office/drawing/2014/main" id="{76491FCB-5A1E-4067-967A-5343BB2B491C}"/>
+                    </a:ext>
+                  </a:extLst>
+                </p:cNvPr>
+                <p:cNvCxnSpPr>
+                  <a:cxnSpLocks/>
+                </p:cNvCxnSpPr>
+                <p:nvPr/>
+              </p:nvCxnSpPr>
+              <p:spPr>
+                <a:xfrm>
+                  <a:off x="5314759" y="663388"/>
+                  <a:ext cx="52289" cy="53715"/>
+                </a:xfrm>
+                <a:prstGeom prst="line">
+                  <a:avLst/>
+                </a:prstGeom>
+              </p:spPr>
+              <p:style>
+                <a:lnRef idx="1">
+                  <a:schemeClr val="accent3"/>
+                </a:lnRef>
+                <a:fillRef idx="0">
+                  <a:schemeClr val="accent3"/>
+                </a:fillRef>
+                <a:effectRef idx="0">
+                  <a:schemeClr val="accent3"/>
+                </a:effectRef>
+                <a:fontRef idx="minor">
+                  <a:schemeClr val="tx1"/>
+                </a:fontRef>
+              </p:style>
+            </p:cxnSp>
+            <p:cxnSp>
+              <p:nvCxnSpPr>
+                <p:cNvPr id="111" name="직선 연결선 110">
+                  <a:extLst>
+                    <a:ext uri="{FF2B5EF4-FFF2-40B4-BE49-F238E27FC236}">
+                      <a16:creationId xmlns:a16="http://schemas.microsoft.com/office/drawing/2014/main" id="{39363924-F233-41E2-8B94-3B22A6B5A29C}"/>
+                    </a:ext>
+                  </a:extLst>
+                </p:cNvPr>
+                <p:cNvCxnSpPr>
+                  <a:cxnSpLocks/>
+                </p:cNvCxnSpPr>
+                <p:nvPr/>
+              </p:nvCxnSpPr>
+              <p:spPr>
+                <a:xfrm flipV="1">
+                  <a:off x="5367049" y="625140"/>
+                  <a:ext cx="72988" cy="91963"/>
+                </a:xfrm>
+                <a:prstGeom prst="line">
+                  <a:avLst/>
+                </a:prstGeom>
+              </p:spPr>
+              <p:style>
+                <a:lnRef idx="1">
+                  <a:schemeClr val="accent3"/>
+                </a:lnRef>
+                <a:fillRef idx="0">
+                  <a:schemeClr val="accent3"/>
+                </a:fillRef>
+                <a:effectRef idx="0">
+                  <a:schemeClr val="accent3"/>
+                </a:effectRef>
+                <a:fontRef idx="minor">
+                  <a:schemeClr val="tx1"/>
+                </a:fontRef>
+              </p:style>
+            </p:cxnSp>
+          </p:grpSp>
+        </p:grpSp>
+      </p:grpSp>
+      <p:grpSp>
+        <p:nvGrpSpPr>
+          <p:cNvPr id="135" name="그룹 134">
+            <a:extLst>
+              <a:ext uri="{FF2B5EF4-FFF2-40B4-BE49-F238E27FC236}">
+                <a16:creationId xmlns:a16="http://schemas.microsoft.com/office/drawing/2014/main" id="{98F091DF-5A98-43BF-A33E-ED8833A90A88}"/>
+              </a:ext>
+            </a:extLst>
+          </p:cNvPr>
+          <p:cNvGrpSpPr/>
+          <p:nvPr/>
+        </p:nvGrpSpPr>
+        <p:grpSpPr>
+          <a:xfrm>
+            <a:off x="8897925" y="4354866"/>
+            <a:ext cx="2348450" cy="215444"/>
+            <a:chOff x="8952168" y="4339996"/>
+            <a:chExt cx="2348450" cy="215444"/>
+          </a:xfrm>
+        </p:grpSpPr>
+        <p:sp>
+          <p:nvSpPr>
+            <p:cNvPr id="90" name="TextBox 89">
+              <a:extLst>
+                <a:ext uri="{FF2B5EF4-FFF2-40B4-BE49-F238E27FC236}">
+                  <a16:creationId xmlns:a16="http://schemas.microsoft.com/office/drawing/2014/main" id="{389EF2DD-2EDD-4452-B50F-128C0BAA3B17}"/>
+                </a:ext>
+              </a:extLst>
+            </p:cNvPr>
+            <p:cNvSpPr txBox="1"/>
+            <p:nvPr/>
+          </p:nvSpPr>
+          <p:spPr>
+            <a:xfrm>
+              <a:off x="9096168" y="4339996"/>
+              <a:ext cx="2204450" cy="215444"/>
+            </a:xfrm>
+            <a:prstGeom prst="rect">
+              <a:avLst/>
+            </a:prstGeom>
+            <a:noFill/>
+          </p:spPr>
+          <p:txBody>
+            <a:bodyPr wrap="none" rtlCol="0">
+              <a:spAutoFit/>
+            </a:bodyPr>
+            <a:lstStyle/>
+            <a:p>
+              <a:r>
+                <a:rPr lang="ko-KR" altLang="en-US" sz="800" dirty="0"/>
+                <a:t>위치기반서비스 이용약관 동의 </a:t>
+              </a:r>
+              <a:r>
+                <a:rPr lang="en-US" altLang="ko-KR" sz="800" dirty="0"/>
+                <a:t>(</a:t>
+              </a:r>
+              <a:r>
+                <a:rPr lang="ko-KR" altLang="en-US" sz="800" dirty="0"/>
+                <a:t>보기</a:t>
+              </a:r>
+              <a:r>
+                <a:rPr lang="en-US" altLang="ko-KR" sz="800" dirty="0"/>
+                <a:t>) (</a:t>
+              </a:r>
+              <a:r>
+                <a:rPr lang="ko-KR" altLang="en-US" sz="800" dirty="0"/>
+                <a:t>필수</a:t>
+              </a:r>
+              <a:r>
+                <a:rPr lang="en-US" altLang="ko-KR" sz="800" dirty="0"/>
+                <a:t>)</a:t>
+              </a:r>
+              <a:endParaRPr lang="ko-KR" altLang="en-US" sz="800" dirty="0"/>
+            </a:p>
+          </p:txBody>
+        </p:sp>
+        <p:grpSp>
+          <p:nvGrpSpPr>
+            <p:cNvPr id="97" name="그룹 96">
+              <a:extLst>
+                <a:ext uri="{FF2B5EF4-FFF2-40B4-BE49-F238E27FC236}">
+                  <a16:creationId xmlns:a16="http://schemas.microsoft.com/office/drawing/2014/main" id="{10EE9F56-D7F5-411E-9D18-98AFF66EF19B}"/>
+                </a:ext>
+              </a:extLst>
+            </p:cNvPr>
+            <p:cNvGrpSpPr/>
+            <p:nvPr/>
+          </p:nvGrpSpPr>
+          <p:grpSpPr>
+            <a:xfrm>
+              <a:off x="8952168" y="4375718"/>
+              <a:ext cx="144000" cy="144000"/>
+              <a:chOff x="5291091" y="577049"/>
+              <a:chExt cx="182712" cy="182712"/>
+            </a:xfrm>
+          </p:grpSpPr>
+          <p:sp>
+            <p:nvSpPr>
+              <p:cNvPr id="104" name="타원 103">
+                <a:extLst>
+                  <a:ext uri="{FF2B5EF4-FFF2-40B4-BE49-F238E27FC236}">
+                    <a16:creationId xmlns:a16="http://schemas.microsoft.com/office/drawing/2014/main" id="{00615255-91F6-4C4E-ABB1-B45375E5933C}"/>
+                  </a:ext>
+                </a:extLst>
+              </p:cNvPr>
+              <p:cNvSpPr/>
+              <p:nvPr/>
+            </p:nvSpPr>
+            <p:spPr>
+              <a:xfrm>
+                <a:off x="5291091" y="577049"/>
+                <a:ext cx="182712" cy="182712"/>
+              </a:xfrm>
+              <a:prstGeom prst="ellipse">
+                <a:avLst/>
+              </a:prstGeom>
+            </p:spPr>
+            <p:style>
+              <a:lnRef idx="2">
+                <a:schemeClr val="accent3"/>
+              </a:lnRef>
+              <a:fillRef idx="1">
+                <a:schemeClr val="lt1"/>
+              </a:fillRef>
+              <a:effectRef idx="0">
+                <a:schemeClr val="accent3"/>
+              </a:effectRef>
+              <a:fontRef idx="minor">
+                <a:schemeClr val="dk1"/>
+              </a:fontRef>
+            </p:style>
+            <p:txBody>
+              <a:bodyPr rtlCol="0" anchor="ctr"/>
+              <a:lstStyle/>
+              <a:p>
+                <a:pPr algn="ctr"/>
+                <a:endParaRPr lang="ko-KR" altLang="en-US"/>
+              </a:p>
+            </p:txBody>
+          </p:sp>
+          <p:grpSp>
+            <p:nvGrpSpPr>
+              <p:cNvPr id="105" name="그룹 104">
+                <a:extLst>
+                  <a:ext uri="{FF2B5EF4-FFF2-40B4-BE49-F238E27FC236}">
+                    <a16:creationId xmlns:a16="http://schemas.microsoft.com/office/drawing/2014/main" id="{6CB0789B-1BCE-416D-B4BC-A8E1FE9C7F17}"/>
+                  </a:ext>
+                </a:extLst>
+              </p:cNvPr>
+              <p:cNvGrpSpPr/>
+              <p:nvPr/>
+            </p:nvGrpSpPr>
+            <p:grpSpPr>
+              <a:xfrm>
+                <a:off x="5325507" y="628299"/>
+                <a:ext cx="113880" cy="87642"/>
+                <a:chOff x="5314759" y="625140"/>
+                <a:chExt cx="125278" cy="91963"/>
+              </a:xfrm>
+            </p:grpSpPr>
+            <p:cxnSp>
+              <p:nvCxnSpPr>
+                <p:cNvPr id="106" name="직선 연결선 105">
+                  <a:extLst>
+                    <a:ext uri="{FF2B5EF4-FFF2-40B4-BE49-F238E27FC236}">
+                      <a16:creationId xmlns:a16="http://schemas.microsoft.com/office/drawing/2014/main" id="{D2A0F505-D3B0-4F01-8E53-0CA68C0858CB}"/>
+                    </a:ext>
+                  </a:extLst>
+                </p:cNvPr>
+                <p:cNvCxnSpPr>
+                  <a:cxnSpLocks/>
+                </p:cNvCxnSpPr>
+                <p:nvPr/>
+              </p:nvCxnSpPr>
+              <p:spPr>
+                <a:xfrm>
+                  <a:off x="5314759" y="663388"/>
+                  <a:ext cx="52289" cy="53715"/>
+                </a:xfrm>
+                <a:prstGeom prst="line">
+                  <a:avLst/>
+                </a:prstGeom>
+              </p:spPr>
+              <p:style>
+                <a:lnRef idx="1">
+                  <a:schemeClr val="accent3"/>
+                </a:lnRef>
+                <a:fillRef idx="0">
+                  <a:schemeClr val="accent3"/>
+                </a:fillRef>
+                <a:effectRef idx="0">
+                  <a:schemeClr val="accent3"/>
+                </a:effectRef>
+                <a:fontRef idx="minor">
+                  <a:schemeClr val="tx1"/>
+                </a:fontRef>
+              </p:style>
+            </p:cxnSp>
+            <p:cxnSp>
+              <p:nvCxnSpPr>
+                <p:cNvPr id="107" name="직선 연결선 106">
+                  <a:extLst>
+                    <a:ext uri="{FF2B5EF4-FFF2-40B4-BE49-F238E27FC236}">
+                      <a16:creationId xmlns:a16="http://schemas.microsoft.com/office/drawing/2014/main" id="{04214CDF-BF48-41D7-AC98-2FEABD16D1F5}"/>
+                    </a:ext>
+                  </a:extLst>
+                </p:cNvPr>
+                <p:cNvCxnSpPr>
+                  <a:cxnSpLocks/>
+                </p:cNvCxnSpPr>
+                <p:nvPr/>
+              </p:nvCxnSpPr>
+              <p:spPr>
+                <a:xfrm flipV="1">
+                  <a:off x="5367049" y="625140"/>
+                  <a:ext cx="72988" cy="91963"/>
+                </a:xfrm>
+                <a:prstGeom prst="line">
+                  <a:avLst/>
+                </a:prstGeom>
+              </p:spPr>
+              <p:style>
+                <a:lnRef idx="1">
+                  <a:schemeClr val="accent3"/>
+                </a:lnRef>
+                <a:fillRef idx="0">
+                  <a:schemeClr val="accent3"/>
+                </a:fillRef>
+                <a:effectRef idx="0">
+                  <a:schemeClr val="accent3"/>
+                </a:effectRef>
+                <a:fontRef idx="minor">
+                  <a:schemeClr val="tx1"/>
+                </a:fontRef>
+              </p:style>
+            </p:cxnSp>
+          </p:grpSp>
+        </p:grpSp>
+      </p:grpSp>
+      <p:grpSp>
+        <p:nvGrpSpPr>
+          <p:cNvPr id="136" name="그룹 135">
+            <a:extLst>
+              <a:ext uri="{FF2B5EF4-FFF2-40B4-BE49-F238E27FC236}">
+                <a16:creationId xmlns:a16="http://schemas.microsoft.com/office/drawing/2014/main" id="{0E739F4A-256C-42D9-9240-588E6E085D2F}"/>
+              </a:ext>
+            </a:extLst>
+          </p:cNvPr>
+          <p:cNvGrpSpPr/>
+          <p:nvPr/>
+        </p:nvGrpSpPr>
+        <p:grpSpPr>
+          <a:xfrm>
+            <a:off x="8897925" y="4676177"/>
+            <a:ext cx="2152883" cy="215444"/>
+            <a:chOff x="8952168" y="4676177"/>
+            <a:chExt cx="2152883" cy="215444"/>
+          </a:xfrm>
+        </p:grpSpPr>
+        <p:sp>
+          <p:nvSpPr>
+            <p:cNvPr id="91" name="TextBox 90">
+              <a:extLst>
+                <a:ext uri="{FF2B5EF4-FFF2-40B4-BE49-F238E27FC236}">
+                  <a16:creationId xmlns:a16="http://schemas.microsoft.com/office/drawing/2014/main" id="{E9AFE078-D381-47A8-A426-4DC1C33E882D}"/>
+                </a:ext>
+              </a:extLst>
+            </p:cNvPr>
+            <p:cNvSpPr txBox="1"/>
+            <p:nvPr/>
+          </p:nvSpPr>
+          <p:spPr>
+            <a:xfrm>
+              <a:off x="9096168" y="4676177"/>
+              <a:ext cx="2008883" cy="215444"/>
+            </a:xfrm>
+            <a:prstGeom prst="rect">
+              <a:avLst/>
+            </a:prstGeom>
+            <a:noFill/>
+          </p:spPr>
+          <p:txBody>
+            <a:bodyPr wrap="none" rtlCol="0">
+              <a:spAutoFit/>
+            </a:bodyPr>
+            <a:lstStyle/>
+            <a:p>
+              <a:r>
+                <a:rPr lang="ko-KR" altLang="en-US" sz="800" dirty="0"/>
+                <a:t>이벤트 및 마케팅 정보 수신 동의 </a:t>
+              </a:r>
+              <a:r>
+                <a:rPr lang="en-US" altLang="ko-KR" sz="800" dirty="0"/>
+                <a:t>(</a:t>
+              </a:r>
+              <a:r>
+                <a:rPr lang="ko-KR" altLang="en-US" sz="800" dirty="0"/>
+                <a:t>선택</a:t>
+              </a:r>
+              <a:r>
+                <a:rPr lang="en-US" altLang="ko-KR" sz="800" dirty="0"/>
+                <a:t>)</a:t>
+              </a:r>
+              <a:endParaRPr lang="ko-KR" altLang="en-US" sz="800" dirty="0"/>
+            </a:p>
+          </p:txBody>
+        </p:sp>
+        <p:grpSp>
+          <p:nvGrpSpPr>
+            <p:cNvPr id="98" name="그룹 97">
+              <a:extLst>
+                <a:ext uri="{FF2B5EF4-FFF2-40B4-BE49-F238E27FC236}">
+                  <a16:creationId xmlns:a16="http://schemas.microsoft.com/office/drawing/2014/main" id="{C154AFCF-490E-479A-BE62-6474B5DDAB99}"/>
+                </a:ext>
+              </a:extLst>
+            </p:cNvPr>
+            <p:cNvGrpSpPr/>
+            <p:nvPr/>
+          </p:nvGrpSpPr>
+          <p:grpSpPr>
+            <a:xfrm>
+              <a:off x="8952168" y="4711899"/>
+              <a:ext cx="144000" cy="144000"/>
+              <a:chOff x="5291091" y="577049"/>
+              <a:chExt cx="182712" cy="182712"/>
+            </a:xfrm>
+          </p:grpSpPr>
+          <p:sp>
+            <p:nvSpPr>
+              <p:cNvPr id="100" name="타원 99">
+                <a:extLst>
+                  <a:ext uri="{FF2B5EF4-FFF2-40B4-BE49-F238E27FC236}">
+                    <a16:creationId xmlns:a16="http://schemas.microsoft.com/office/drawing/2014/main" id="{BB291A8C-104B-4DCF-9961-288D9FEB750F}"/>
+                  </a:ext>
+                </a:extLst>
+              </p:cNvPr>
+              <p:cNvSpPr/>
+              <p:nvPr/>
+            </p:nvSpPr>
+            <p:spPr>
+              <a:xfrm>
+                <a:off x="5291091" y="577049"/>
+                <a:ext cx="182712" cy="182712"/>
+              </a:xfrm>
+              <a:prstGeom prst="ellipse">
+                <a:avLst/>
+              </a:prstGeom>
+            </p:spPr>
+            <p:style>
+              <a:lnRef idx="2">
+                <a:schemeClr val="accent3"/>
+              </a:lnRef>
+              <a:fillRef idx="1">
+                <a:schemeClr val="lt1"/>
+              </a:fillRef>
+              <a:effectRef idx="0">
+                <a:schemeClr val="accent3"/>
+              </a:effectRef>
+              <a:fontRef idx="minor">
+                <a:schemeClr val="dk1"/>
+              </a:fontRef>
+            </p:style>
+            <p:txBody>
+              <a:bodyPr rtlCol="0" anchor="ctr"/>
+              <a:lstStyle/>
+              <a:p>
+                <a:pPr algn="ctr"/>
+                <a:endParaRPr lang="ko-KR" altLang="en-US"/>
+              </a:p>
+            </p:txBody>
+          </p:sp>
+          <p:grpSp>
+            <p:nvGrpSpPr>
+              <p:cNvPr id="101" name="그룹 100">
+                <a:extLst>
+                  <a:ext uri="{FF2B5EF4-FFF2-40B4-BE49-F238E27FC236}">
+                    <a16:creationId xmlns:a16="http://schemas.microsoft.com/office/drawing/2014/main" id="{679299CF-FEE8-40F8-A5F4-509FA1BCC4E1}"/>
+                  </a:ext>
+                </a:extLst>
+              </p:cNvPr>
+              <p:cNvGrpSpPr/>
+              <p:nvPr/>
+            </p:nvGrpSpPr>
+            <p:grpSpPr>
+              <a:xfrm>
+                <a:off x="5325507" y="628299"/>
+                <a:ext cx="113880" cy="87642"/>
+                <a:chOff x="5314759" y="625140"/>
+                <a:chExt cx="125278" cy="91963"/>
+              </a:xfrm>
+            </p:grpSpPr>
+            <p:cxnSp>
+              <p:nvCxnSpPr>
+                <p:cNvPr id="102" name="직선 연결선 101">
+                  <a:extLst>
+                    <a:ext uri="{FF2B5EF4-FFF2-40B4-BE49-F238E27FC236}">
+                      <a16:creationId xmlns:a16="http://schemas.microsoft.com/office/drawing/2014/main" id="{D783EA1F-E81B-4614-8AF5-BC4E9CAA7F8F}"/>
+                    </a:ext>
+                  </a:extLst>
+                </p:cNvPr>
+                <p:cNvCxnSpPr>
+                  <a:cxnSpLocks/>
+                </p:cNvCxnSpPr>
+                <p:nvPr/>
+              </p:nvCxnSpPr>
+              <p:spPr>
+                <a:xfrm>
+                  <a:off x="5314759" y="663388"/>
+                  <a:ext cx="52289" cy="53715"/>
+                </a:xfrm>
+                <a:prstGeom prst="line">
+                  <a:avLst/>
+                </a:prstGeom>
+              </p:spPr>
+              <p:style>
+                <a:lnRef idx="1">
+                  <a:schemeClr val="accent3"/>
+                </a:lnRef>
+                <a:fillRef idx="0">
+                  <a:schemeClr val="accent3"/>
+                </a:fillRef>
+                <a:effectRef idx="0">
+                  <a:schemeClr val="accent3"/>
+                </a:effectRef>
+                <a:fontRef idx="minor">
+                  <a:schemeClr val="tx1"/>
+                </a:fontRef>
+              </p:style>
+            </p:cxnSp>
+            <p:cxnSp>
+              <p:nvCxnSpPr>
+                <p:cNvPr id="103" name="직선 연결선 102">
+                  <a:extLst>
+                    <a:ext uri="{FF2B5EF4-FFF2-40B4-BE49-F238E27FC236}">
+                      <a16:creationId xmlns:a16="http://schemas.microsoft.com/office/drawing/2014/main" id="{4F12B213-C445-41A8-A0FE-A8D4F8FBAD8A}"/>
+                    </a:ext>
+                  </a:extLst>
+                </p:cNvPr>
+                <p:cNvCxnSpPr>
+                  <a:cxnSpLocks/>
+                </p:cNvCxnSpPr>
+                <p:nvPr/>
+              </p:nvCxnSpPr>
+              <p:spPr>
+                <a:xfrm flipV="1">
+                  <a:off x="5367049" y="625140"/>
+                  <a:ext cx="72988" cy="91963"/>
+                </a:xfrm>
+                <a:prstGeom prst="line">
+                  <a:avLst/>
+                </a:prstGeom>
+              </p:spPr>
+              <p:style>
+                <a:lnRef idx="1">
+                  <a:schemeClr val="accent3"/>
+                </a:lnRef>
+                <a:fillRef idx="0">
+                  <a:schemeClr val="accent3"/>
+                </a:fillRef>
+                <a:effectRef idx="0">
+                  <a:schemeClr val="accent3"/>
+                </a:effectRef>
+                <a:fontRef idx="minor">
+                  <a:schemeClr val="tx1"/>
+                </a:fontRef>
+              </p:style>
+            </p:cxnSp>
+          </p:grpSp>
+        </p:grpSp>
+      </p:grpSp>
+      <p:sp>
+        <p:nvSpPr>
+          <p:cNvPr id="99" name="직사각형 98">
+            <a:extLst>
+              <a:ext uri="{FF2B5EF4-FFF2-40B4-BE49-F238E27FC236}">
+                <a16:creationId xmlns:a16="http://schemas.microsoft.com/office/drawing/2014/main" id="{B59C31F9-8FBF-4B3C-97B1-93C678100905}"/>
+              </a:ext>
+            </a:extLst>
+          </p:cNvPr>
+          <p:cNvSpPr/>
           <p:nvPr/>
         </p:nvSpPr>
         <p:spPr>
           <a:xfrm>
-            <a:off x="3501788" y="3223220"/>
-            <a:ext cx="2316660" cy="261610"/>
+            <a:off x="9390060" y="5155721"/>
+            <a:ext cx="1300681" cy="322881"/>
           </a:xfrm>
           <a:prstGeom prst="rect">
             <a:avLst/>
           </a:prstGeom>
-          <a:noFill/>
         </p:spPr>
-        <p:txBody>
-          <a:bodyPr wrap="none" rtlCol="0">
-            <a:spAutoFit/>
-          </a:bodyPr>
+        <p:style>
+          <a:lnRef idx="2">
+            <a:schemeClr val="dk1"/>
+          </a:lnRef>
+          <a:fillRef idx="1">
+            <a:schemeClr val="lt1"/>
+          </a:fillRef>
+          <a:effectRef idx="0">
+            <a:schemeClr val="dk1"/>
+          </a:effectRef>
+          <a:fontRef idx="minor">
+            <a:schemeClr val="dk1"/>
+          </a:fontRef>
+        </p:style>
+        <p:txBody>
+          <a:bodyPr rtlCol="0" anchor="ctr"/>
           <a:lstStyle/>
           <a:p>
+            <a:pPr algn="ctr"/>
             <a:r>
-              <a:rPr lang="ko-KR" altLang="en-US" sz="1100" dirty="0" smtClean="0"/>
-              <a:t>본인은 만 </a:t>
+              <a:rPr lang="ko-KR" altLang="en-US" sz="1200"/>
+              <a:t>다음</a:t>
             </a:r>
-            <a:r>
-              <a:rPr lang="en-US" altLang="ko-KR" sz="1100" dirty="0" smtClean="0"/>
-              <a:t>14</a:t>
-            </a:r>
-            <a:r>
-              <a:rPr lang="ko-KR" altLang="en-US" sz="1100" dirty="0" smtClean="0"/>
-              <a:t>세 이상입니다 </a:t>
-            </a:r>
-            <a:r>
-              <a:rPr lang="en-US" altLang="ko-KR" sz="1100" dirty="0" smtClean="0"/>
-              <a:t>(</a:t>
-            </a:r>
-            <a:r>
-              <a:rPr lang="ko-KR" altLang="en-US" sz="1100" dirty="0" smtClean="0"/>
-              <a:t>필수</a:t>
-            </a:r>
-            <a:r>
-              <a:rPr lang="en-US" altLang="ko-KR" sz="1100" dirty="0" smtClean="0"/>
-              <a:t>)</a:t>
-            </a:r>
-            <a:endParaRPr lang="ko-KR" altLang="en-US" sz="1100" dirty="0"/>
-          </a:p>
-        </p:txBody>
-      </p:sp>
-      <p:sp>
-        <p:nvSpPr>
-          <p:cNvPr id="20" name="TextBox 19"/>
-          <p:cNvSpPr txBox="1"/>
-          <p:nvPr/>
-        </p:nvSpPr>
-        <p:spPr>
-          <a:xfrm>
-            <a:off x="3501788" y="3593175"/>
-            <a:ext cx="1972015" cy="261610"/>
-          </a:xfrm>
-          <a:prstGeom prst="rect">
-            <a:avLst/>
-          </a:prstGeom>
-          <a:noFill/>
-        </p:spPr>
-        <p:txBody>
-          <a:bodyPr wrap="none" rtlCol="0">
-            <a:spAutoFit/>
-          </a:bodyPr>
-          <a:lstStyle/>
-          <a:p>
-            <a:r>
-              <a:rPr lang="ko-KR" altLang="en-US" sz="1100" dirty="0" smtClean="0"/>
-              <a:t>서비스 이용약관 동의 </a:t>
-            </a:r>
-            <a:r>
-              <a:rPr lang="en-US" altLang="ko-KR" sz="1100" dirty="0" smtClean="0"/>
-              <a:t>(</a:t>
-            </a:r>
-            <a:r>
-              <a:rPr lang="ko-KR" altLang="en-US" sz="1100" dirty="0" smtClean="0"/>
-              <a:t>필수</a:t>
-            </a:r>
-            <a:r>
-              <a:rPr lang="en-US" altLang="ko-KR" sz="1100" dirty="0" smtClean="0"/>
-              <a:t>)</a:t>
-            </a:r>
-            <a:endParaRPr lang="ko-KR" altLang="en-US" sz="1100" dirty="0"/>
-          </a:p>
-        </p:txBody>
-      </p:sp>
-      <p:sp>
-        <p:nvSpPr>
-          <p:cNvPr id="21" name="TextBox 20"/>
-          <p:cNvSpPr txBox="1"/>
-          <p:nvPr/>
-        </p:nvSpPr>
-        <p:spPr>
-          <a:xfrm>
-            <a:off x="3501788" y="3963130"/>
-            <a:ext cx="2162772" cy="261610"/>
-          </a:xfrm>
-          <a:prstGeom prst="rect">
-            <a:avLst/>
-          </a:prstGeom>
-          <a:noFill/>
-        </p:spPr>
-        <p:txBody>
-          <a:bodyPr wrap="none" rtlCol="0">
-            <a:spAutoFit/>
-          </a:bodyPr>
-          <a:lstStyle/>
-          <a:p>
-            <a:r>
-              <a:rPr lang="ko-KR" altLang="en-US" sz="1100" dirty="0" smtClean="0"/>
-              <a:t>개인정보 수집 이용 동의 </a:t>
-            </a:r>
-            <a:r>
-              <a:rPr lang="en-US" altLang="ko-KR" sz="1100" dirty="0" smtClean="0"/>
-              <a:t>(</a:t>
-            </a:r>
-            <a:r>
-              <a:rPr lang="ko-KR" altLang="en-US" sz="1100" dirty="0" smtClean="0"/>
-              <a:t>필수</a:t>
-            </a:r>
-            <a:r>
-              <a:rPr lang="en-US" altLang="ko-KR" sz="1100" dirty="0" smtClean="0"/>
-              <a:t>)</a:t>
-            </a:r>
-            <a:endParaRPr lang="ko-KR" altLang="en-US" sz="1100" dirty="0"/>
-          </a:p>
-        </p:txBody>
-      </p:sp>
-      <p:sp>
-        <p:nvSpPr>
-          <p:cNvPr id="22" name="TextBox 21"/>
-          <p:cNvSpPr txBox="1"/>
-          <p:nvPr/>
-        </p:nvSpPr>
-        <p:spPr>
-          <a:xfrm>
-            <a:off x="3501788" y="4333085"/>
-            <a:ext cx="2677336" cy="261610"/>
-          </a:xfrm>
-          <a:prstGeom prst="rect">
-            <a:avLst/>
-          </a:prstGeom>
-          <a:noFill/>
-        </p:spPr>
-        <p:txBody>
-          <a:bodyPr wrap="none" rtlCol="0">
-            <a:spAutoFit/>
-          </a:bodyPr>
-          <a:lstStyle/>
-          <a:p>
-            <a:r>
-              <a:rPr lang="ko-KR" altLang="en-US" sz="1100" dirty="0" smtClean="0"/>
-              <a:t>안전보상지원 프로그램약관 동의 </a:t>
-            </a:r>
-            <a:r>
-              <a:rPr lang="en-US" altLang="ko-KR" sz="1100" dirty="0" smtClean="0"/>
-              <a:t>(</a:t>
-            </a:r>
-            <a:r>
-              <a:rPr lang="ko-KR" altLang="en-US" sz="1100" dirty="0" smtClean="0"/>
-              <a:t>필수</a:t>
-            </a:r>
-            <a:r>
-              <a:rPr lang="en-US" altLang="ko-KR" sz="1100" dirty="0" smtClean="0"/>
-              <a:t>)</a:t>
-            </a:r>
-            <a:endParaRPr lang="ko-KR" altLang="en-US" sz="1100" dirty="0"/>
-          </a:p>
-        </p:txBody>
-      </p:sp>
-      <p:sp>
-        <p:nvSpPr>
-          <p:cNvPr id="23" name="TextBox 22"/>
-          <p:cNvSpPr txBox="1"/>
-          <p:nvPr/>
-        </p:nvSpPr>
-        <p:spPr>
-          <a:xfrm>
-            <a:off x="3501788" y="4703040"/>
-            <a:ext cx="2536272" cy="261610"/>
-          </a:xfrm>
-          <a:prstGeom prst="rect">
-            <a:avLst/>
-          </a:prstGeom>
-          <a:noFill/>
-        </p:spPr>
-        <p:txBody>
-          <a:bodyPr wrap="none" rtlCol="0">
-            <a:spAutoFit/>
-          </a:bodyPr>
-          <a:lstStyle/>
-          <a:p>
-            <a:r>
-              <a:rPr lang="ko-KR" altLang="en-US" sz="1100" dirty="0" smtClean="0"/>
-              <a:t>위치기반서비스 이용약관 동의 </a:t>
-            </a:r>
-            <a:r>
-              <a:rPr lang="en-US" altLang="ko-KR" sz="1100" dirty="0" smtClean="0"/>
-              <a:t>(</a:t>
-            </a:r>
-            <a:r>
-              <a:rPr lang="ko-KR" altLang="en-US" sz="1100" dirty="0" smtClean="0"/>
-              <a:t>필수</a:t>
-            </a:r>
-            <a:r>
-              <a:rPr lang="en-US" altLang="ko-KR" sz="1100" dirty="0" smtClean="0"/>
-              <a:t>)</a:t>
-            </a:r>
-            <a:endParaRPr lang="ko-KR" altLang="en-US" sz="1100" dirty="0"/>
-          </a:p>
-        </p:txBody>
-      </p:sp>
-      <p:sp>
-        <p:nvSpPr>
-          <p:cNvPr id="24" name="TextBox 23"/>
-          <p:cNvSpPr txBox="1"/>
-          <p:nvPr/>
-        </p:nvSpPr>
-        <p:spPr>
-          <a:xfrm>
-            <a:off x="3501788" y="5072996"/>
-            <a:ext cx="2685351" cy="261610"/>
-          </a:xfrm>
-          <a:prstGeom prst="rect">
-            <a:avLst/>
-          </a:prstGeom>
-          <a:noFill/>
-        </p:spPr>
-        <p:txBody>
-          <a:bodyPr wrap="none" rtlCol="0">
-            <a:spAutoFit/>
-          </a:bodyPr>
-          <a:lstStyle/>
-          <a:p>
-            <a:r>
-              <a:rPr lang="ko-KR" altLang="en-US" sz="1100" dirty="0" smtClean="0"/>
-              <a:t>이벤트 및 마케팅 정보 수신 동의 </a:t>
-            </a:r>
-            <a:r>
-              <a:rPr lang="en-US" altLang="ko-KR" sz="1100" dirty="0" smtClean="0"/>
-              <a:t>(</a:t>
-            </a:r>
-            <a:r>
-              <a:rPr lang="ko-KR" altLang="en-US" sz="1100" dirty="0" smtClean="0"/>
-              <a:t>선택</a:t>
-            </a:r>
-            <a:r>
-              <a:rPr lang="en-US" altLang="ko-KR" sz="1100" dirty="0" smtClean="0"/>
-              <a:t>)</a:t>
-            </a:r>
-            <a:endParaRPr lang="ko-KR" altLang="en-US" sz="1100" dirty="0"/>
           </a:p>
         </p:txBody>
       </p:sp>
@@ -4626,13 +7599,6 @@
   <p:clrMapOvr>
     <a:masterClrMapping/>
   </p:clrMapOvr>
-  <p:timing>
-    <p:tnLst>
-      <p:par>
-        <p:cTn id="1" dur="indefinite" restart="never" nodeType="tmRoot"/>
-      </p:par>
-    </p:tnLst>
-  </p:timing>
 </p:sld>
 </file>
 
@@ -4658,7 +7624,7 @@
           <p:cNvPr id="2" name="직사각형 1">
             <a:extLst>
               <a:ext uri="{FF2B5EF4-FFF2-40B4-BE49-F238E27FC236}">
-                <a16:creationId xmlns:a16="http://schemas.microsoft.com/office/drawing/2014/main" xmlns="" id="{8E5B996D-DF87-49E5-95D1-45B1EEB9EE9A}"/>
+                <a16:creationId xmlns:a16="http://schemas.microsoft.com/office/drawing/2014/main" id="{8E5B996D-DF87-49E5-95D1-45B1EEB9EE9A}"/>
               </a:ext>
             </a:extLst>
           </p:cNvPr>
@@ -4710,7 +7676,7 @@
           <p:cNvPr id="4" name="직사각형 3">
             <a:extLst>
               <a:ext uri="{FF2B5EF4-FFF2-40B4-BE49-F238E27FC236}">
-                <a16:creationId xmlns:a16="http://schemas.microsoft.com/office/drawing/2014/main" xmlns="" id="{080CEE4E-4BCA-42C3-BECA-9BCEB9931EEA}"/>
+                <a16:creationId xmlns:a16="http://schemas.microsoft.com/office/drawing/2014/main" id="{080CEE4E-4BCA-42C3-BECA-9BCEB9931EEA}"/>
               </a:ext>
             </a:extLst>
           </p:cNvPr>
@@ -4762,7 +7728,7 @@
           <p:cNvPr id="5" name="TextBox 4">
             <a:extLst>
               <a:ext uri="{FF2B5EF4-FFF2-40B4-BE49-F238E27FC236}">
-                <a16:creationId xmlns:a16="http://schemas.microsoft.com/office/drawing/2014/main" xmlns="" id="{D12B0B12-AB99-4F88-B4B2-948DADC833EA}"/>
+                <a16:creationId xmlns:a16="http://schemas.microsoft.com/office/drawing/2014/main" id="{D12B0B12-AB99-4F88-B4B2-948DADC833EA}"/>
               </a:ext>
             </a:extLst>
           </p:cNvPr>
@@ -4786,7 +7752,7 @@
           <a:lstStyle/>
           <a:p>
             <a:r>
-              <a:rPr kumimoji="1" lang="en-US" altLang="ja-JP" sz="4400" b="1" spc="-150" dirty="0" smtClean="0">
+              <a:rPr kumimoji="1" lang="en-US" altLang="ja-JP" sz="4400" b="1" spc="-150" dirty="0">
                 <a:solidFill>
                   <a:srgbClr val="FFCD2F"/>
                 </a:solidFill>
@@ -4803,7 +7769,7 @@
               <a:t>W</a:t>
             </a:r>
             <a:r>
-              <a:rPr kumimoji="1" lang="en-US" altLang="ja-JP" sz="4400" b="1" spc="-150" dirty="0" smtClean="0">
+              <a:rPr kumimoji="1" lang="en-US" altLang="ja-JP" sz="4400" b="1" spc="-150" dirty="0">
                 <a:solidFill>
                   <a:schemeClr val="accent1">
                     <a:lumMod val="75000"/>
@@ -4822,7 +7788,7 @@
               <a:t>ire </a:t>
             </a:r>
             <a:r>
-              <a:rPr kumimoji="1" lang="en-US" altLang="ja-JP" sz="4400" b="1" spc="-150" dirty="0" smtClean="0">
+              <a:rPr kumimoji="1" lang="en-US" altLang="ja-JP" sz="4400" b="1" spc="-150" dirty="0">
                 <a:solidFill>
                   <a:srgbClr val="FFCD2F"/>
                 </a:solidFill>
@@ -4839,7 +7805,7 @@
               <a:t>F</a:t>
             </a:r>
             <a:r>
-              <a:rPr kumimoji="1" lang="en-US" altLang="ja-JP" sz="4400" b="1" spc="-150" dirty="0" smtClean="0">
+              <a:rPr kumimoji="1" lang="en-US" altLang="ja-JP" sz="4400" b="1" spc="-150" dirty="0">
                 <a:solidFill>
                   <a:schemeClr val="accent1">
                     <a:lumMod val="75000"/>
@@ -4881,7 +7847,7 @@
           <p:cNvPr id="9" name="그림 8">
             <a:extLst>
               <a:ext uri="{FF2B5EF4-FFF2-40B4-BE49-F238E27FC236}">
-                <a16:creationId xmlns:a16="http://schemas.microsoft.com/office/drawing/2014/main" xmlns="" id="{0F0992E8-2696-42E6-805A-0C12780D8FA1}"/>
+                <a16:creationId xmlns:a16="http://schemas.microsoft.com/office/drawing/2014/main" id="{0F0992E8-2696-42E6-805A-0C12780D8FA1}"/>
               </a:ext>
             </a:extLst>
           </p:cNvPr>
@@ -5233,21 +8199,808 @@
           <a:lstStyle/>
           <a:p>
             <a:r>
-              <a:rPr lang="ko-KR" altLang="en-US" dirty="0" smtClean="0"/>
+              <a:rPr lang="ko-KR" altLang="en-US" dirty="0"/>
               <a:t>회원가입 </a:t>
             </a:r>
             <a:r>
-              <a:rPr lang="en-US" altLang="ko-KR" dirty="0" smtClean="0"/>
+              <a:rPr lang="en-US" altLang="ko-KR" dirty="0"/>
               <a:t>- </a:t>
             </a:r>
             <a:r>
-              <a:rPr lang="ko-KR" altLang="en-US" dirty="0" smtClean="0"/>
-              <a:t>가입양</a:t>
+              <a:rPr lang="ko-KR" altLang="en-US" dirty="0"/>
+              <a:t>가입양식</a:t>
             </a:r>
+          </a:p>
+        </p:txBody>
+      </p:sp>
+      <p:sp>
+        <p:nvSpPr>
+          <p:cNvPr id="6" name="직사각형 5">
+            <a:extLst>
+              <a:ext uri="{FF2B5EF4-FFF2-40B4-BE49-F238E27FC236}">
+                <a16:creationId xmlns:a16="http://schemas.microsoft.com/office/drawing/2014/main" id="{44CD91FC-E3FD-43AE-A028-584FD09DDAA2}"/>
+              </a:ext>
+            </a:extLst>
+          </p:cNvPr>
+          <p:cNvSpPr/>
+          <p:nvPr/>
+        </p:nvSpPr>
+        <p:spPr>
+          <a:xfrm>
+            <a:off x="2392639" y="2650830"/>
+            <a:ext cx="1429305" cy="324000"/>
+          </a:xfrm>
+          <a:prstGeom prst="rect">
+            <a:avLst/>
+          </a:prstGeom>
+        </p:spPr>
+        <p:style>
+          <a:lnRef idx="2">
+            <a:schemeClr val="dk1"/>
+          </a:lnRef>
+          <a:fillRef idx="1">
+            <a:schemeClr val="lt1"/>
+          </a:fillRef>
+          <a:effectRef idx="0">
+            <a:schemeClr val="dk1"/>
+          </a:effectRef>
+          <a:fontRef idx="minor">
+            <a:schemeClr val="dk1"/>
+          </a:fontRef>
+        </p:style>
+        <p:txBody>
+          <a:bodyPr rtlCol="0" anchor="ctr"/>
+          <a:lstStyle/>
+          <a:p>
+            <a:pPr algn="ctr"/>
+            <a:endParaRPr lang="ko-KR" altLang="en-US"/>
+          </a:p>
+        </p:txBody>
+      </p:sp>
+      <p:sp>
+        <p:nvSpPr>
+          <p:cNvPr id="10" name="직사각형 9">
+            <a:extLst>
+              <a:ext uri="{FF2B5EF4-FFF2-40B4-BE49-F238E27FC236}">
+                <a16:creationId xmlns:a16="http://schemas.microsoft.com/office/drawing/2014/main" id="{6DE80802-B074-4295-B601-3A4FF472B89F}"/>
+              </a:ext>
+            </a:extLst>
+          </p:cNvPr>
+          <p:cNvSpPr/>
+          <p:nvPr/>
+        </p:nvSpPr>
+        <p:spPr>
+          <a:xfrm>
+            <a:off x="5854617" y="3088616"/>
+            <a:ext cx="1429305" cy="324000"/>
+          </a:xfrm>
+          <a:prstGeom prst="rect">
+            <a:avLst/>
+          </a:prstGeom>
+        </p:spPr>
+        <p:style>
+          <a:lnRef idx="2">
+            <a:schemeClr val="dk1"/>
+          </a:lnRef>
+          <a:fillRef idx="1">
+            <a:schemeClr val="lt1"/>
+          </a:fillRef>
+          <a:effectRef idx="0">
+            <a:schemeClr val="dk1"/>
+          </a:effectRef>
+          <a:fontRef idx="minor">
+            <a:schemeClr val="dk1"/>
+          </a:fontRef>
+        </p:style>
+        <p:txBody>
+          <a:bodyPr rtlCol="0" anchor="ctr"/>
+          <a:lstStyle/>
+          <a:p>
+            <a:pPr algn="ctr"/>
+            <a:endParaRPr lang="ko-KR" altLang="en-US"/>
+          </a:p>
+        </p:txBody>
+      </p:sp>
+      <p:sp>
+        <p:nvSpPr>
+          <p:cNvPr id="11" name="직사각형 10">
+            <a:extLst>
+              <a:ext uri="{FF2B5EF4-FFF2-40B4-BE49-F238E27FC236}">
+                <a16:creationId xmlns:a16="http://schemas.microsoft.com/office/drawing/2014/main" id="{2943A15B-62B9-4053-B656-83394F5EDBA1}"/>
+              </a:ext>
+            </a:extLst>
+          </p:cNvPr>
+          <p:cNvSpPr/>
+          <p:nvPr/>
+        </p:nvSpPr>
+        <p:spPr>
+          <a:xfrm>
+            <a:off x="2392639" y="3093405"/>
+            <a:ext cx="1429305" cy="324000"/>
+          </a:xfrm>
+          <a:prstGeom prst="rect">
+            <a:avLst/>
+          </a:prstGeom>
+        </p:spPr>
+        <p:style>
+          <a:lnRef idx="2">
+            <a:schemeClr val="dk1"/>
+          </a:lnRef>
+          <a:fillRef idx="1">
+            <a:schemeClr val="lt1"/>
+          </a:fillRef>
+          <a:effectRef idx="0">
+            <a:schemeClr val="dk1"/>
+          </a:effectRef>
+          <a:fontRef idx="minor">
+            <a:schemeClr val="dk1"/>
+          </a:fontRef>
+        </p:style>
+        <p:txBody>
+          <a:bodyPr rtlCol="0" anchor="ctr"/>
+          <a:lstStyle/>
+          <a:p>
+            <a:pPr algn="ctr"/>
+            <a:endParaRPr lang="ko-KR" altLang="en-US"/>
+          </a:p>
+        </p:txBody>
+      </p:sp>
+      <p:sp>
+        <p:nvSpPr>
+          <p:cNvPr id="8" name="TextBox 7">
+            <a:extLst>
+              <a:ext uri="{FF2B5EF4-FFF2-40B4-BE49-F238E27FC236}">
+                <a16:creationId xmlns:a16="http://schemas.microsoft.com/office/drawing/2014/main" id="{B817A5C8-8FDD-43DD-A1C9-CC8F5DE4A3A1}"/>
+              </a:ext>
+            </a:extLst>
+          </p:cNvPr>
+          <p:cNvSpPr txBox="1"/>
+          <p:nvPr/>
+        </p:nvSpPr>
+        <p:spPr>
+          <a:xfrm>
+            <a:off x="1672639" y="2650830"/>
+            <a:ext cx="720000" cy="324000"/>
+          </a:xfrm>
+          <a:prstGeom prst="rect">
+            <a:avLst/>
+          </a:prstGeom>
+          <a:noFill/>
+        </p:spPr>
+        <p:txBody>
+          <a:bodyPr wrap="none" rtlCol="0">
+            <a:spAutoFit/>
+          </a:bodyPr>
+          <a:lstStyle/>
+          <a:p>
             <a:r>
-              <a:rPr lang="ko-KR" altLang="en-US" dirty="0"/>
-              <a:t>식</a:t>
+              <a:rPr lang="ko-KR" altLang="en-US" sz="1400" dirty="0"/>
+              <a:t>아이디</a:t>
             </a:r>
+          </a:p>
+        </p:txBody>
+      </p:sp>
+      <p:sp>
+        <p:nvSpPr>
+          <p:cNvPr id="22" name="TextBox 21">
+            <a:extLst>
+              <a:ext uri="{FF2B5EF4-FFF2-40B4-BE49-F238E27FC236}">
+                <a16:creationId xmlns:a16="http://schemas.microsoft.com/office/drawing/2014/main" id="{B97A34A8-FE73-4AFB-89DD-C92996D2EE29}"/>
+              </a:ext>
+            </a:extLst>
+          </p:cNvPr>
+          <p:cNvSpPr txBox="1"/>
+          <p:nvPr/>
+        </p:nvSpPr>
+        <p:spPr>
+          <a:xfrm>
+            <a:off x="1489828" y="3093405"/>
+            <a:ext cx="902811" cy="324000"/>
+          </a:xfrm>
+          <a:prstGeom prst="rect">
+            <a:avLst/>
+          </a:prstGeom>
+          <a:noFill/>
+        </p:spPr>
+        <p:txBody>
+          <a:bodyPr wrap="none" rtlCol="0">
+            <a:spAutoFit/>
+          </a:bodyPr>
+          <a:lstStyle/>
+          <a:p>
+            <a:r>
+              <a:rPr lang="ko-KR" altLang="en-US" sz="1400" dirty="0"/>
+              <a:t>비밀번호</a:t>
+            </a:r>
+          </a:p>
+        </p:txBody>
+      </p:sp>
+      <p:sp>
+        <p:nvSpPr>
+          <p:cNvPr id="23" name="TextBox 22">
+            <a:extLst>
+              <a:ext uri="{FF2B5EF4-FFF2-40B4-BE49-F238E27FC236}">
+                <a16:creationId xmlns:a16="http://schemas.microsoft.com/office/drawing/2014/main" id="{074A134C-B34D-4C26-9734-B6B78AF259B6}"/>
+              </a:ext>
+            </a:extLst>
+          </p:cNvPr>
+          <p:cNvSpPr txBox="1"/>
+          <p:nvPr/>
+        </p:nvSpPr>
+        <p:spPr>
+          <a:xfrm>
+            <a:off x="4586674" y="3088616"/>
+            <a:ext cx="1261884" cy="324000"/>
+          </a:xfrm>
+          <a:prstGeom prst="rect">
+            <a:avLst/>
+          </a:prstGeom>
+          <a:noFill/>
+        </p:spPr>
+        <p:txBody>
+          <a:bodyPr wrap="none" rtlCol="0">
+            <a:spAutoFit/>
+          </a:bodyPr>
+          <a:lstStyle/>
+          <a:p>
+            <a:r>
+              <a:rPr lang="ko-KR" altLang="en-US" sz="1400" dirty="0"/>
+              <a:t>비밀번호확인</a:t>
+            </a:r>
+          </a:p>
+        </p:txBody>
+      </p:sp>
+      <p:sp>
+        <p:nvSpPr>
+          <p:cNvPr id="24" name="TextBox 23">
+            <a:extLst>
+              <a:ext uri="{FF2B5EF4-FFF2-40B4-BE49-F238E27FC236}">
+                <a16:creationId xmlns:a16="http://schemas.microsoft.com/office/drawing/2014/main" id="{20DF9C70-B68B-4DA2-AB8A-EC57BB8AD627}"/>
+              </a:ext>
+            </a:extLst>
+          </p:cNvPr>
+          <p:cNvSpPr txBox="1"/>
+          <p:nvPr/>
+        </p:nvSpPr>
+        <p:spPr>
+          <a:xfrm>
+            <a:off x="1842841" y="3538006"/>
+            <a:ext cx="543739" cy="324000"/>
+          </a:xfrm>
+          <a:prstGeom prst="rect">
+            <a:avLst/>
+          </a:prstGeom>
+          <a:noFill/>
+        </p:spPr>
+        <p:txBody>
+          <a:bodyPr wrap="none" rtlCol="0">
+            <a:spAutoFit/>
+          </a:bodyPr>
+          <a:lstStyle/>
+          <a:p>
+            <a:r>
+              <a:rPr lang="ko-KR" altLang="en-US" sz="1400" dirty="0"/>
+              <a:t>이름</a:t>
+            </a:r>
+          </a:p>
+        </p:txBody>
+      </p:sp>
+      <p:sp>
+        <p:nvSpPr>
+          <p:cNvPr id="25" name="TextBox 24">
+            <a:extLst>
+              <a:ext uri="{FF2B5EF4-FFF2-40B4-BE49-F238E27FC236}">
+                <a16:creationId xmlns:a16="http://schemas.microsoft.com/office/drawing/2014/main" id="{98ECFD99-D8C0-49D0-AA0C-94171191C0F3}"/>
+              </a:ext>
+            </a:extLst>
+          </p:cNvPr>
+          <p:cNvSpPr txBox="1"/>
+          <p:nvPr/>
+        </p:nvSpPr>
+        <p:spPr>
+          <a:xfrm>
+            <a:off x="1304232" y="3986461"/>
+            <a:ext cx="1082348" cy="324000"/>
+          </a:xfrm>
+          <a:prstGeom prst="rect">
+            <a:avLst/>
+          </a:prstGeom>
+          <a:noFill/>
+        </p:spPr>
+        <p:txBody>
+          <a:bodyPr wrap="none" rtlCol="0">
+            <a:spAutoFit/>
+          </a:bodyPr>
+          <a:lstStyle/>
+          <a:p>
+            <a:r>
+              <a:rPr lang="ko-KR" altLang="en-US" sz="1400" dirty="0"/>
+              <a:t>휴대폰번호</a:t>
+            </a:r>
+          </a:p>
+        </p:txBody>
+      </p:sp>
+      <p:sp>
+        <p:nvSpPr>
+          <p:cNvPr id="26" name="TextBox 25">
+            <a:extLst>
+              <a:ext uri="{FF2B5EF4-FFF2-40B4-BE49-F238E27FC236}">
+                <a16:creationId xmlns:a16="http://schemas.microsoft.com/office/drawing/2014/main" id="{52AA3484-F9DA-46BB-B48F-D8FDCACBAC90}"/>
+              </a:ext>
+            </a:extLst>
+          </p:cNvPr>
+          <p:cNvSpPr txBox="1"/>
+          <p:nvPr/>
+        </p:nvSpPr>
+        <p:spPr>
+          <a:xfrm>
+            <a:off x="1483769" y="4879603"/>
+            <a:ext cx="902811" cy="324000"/>
+          </a:xfrm>
+          <a:prstGeom prst="rect">
+            <a:avLst/>
+          </a:prstGeom>
+          <a:noFill/>
+        </p:spPr>
+        <p:txBody>
+          <a:bodyPr wrap="none" rtlCol="0">
+            <a:spAutoFit/>
+          </a:bodyPr>
+          <a:lstStyle/>
+          <a:p>
+            <a:r>
+              <a:rPr lang="ko-KR" altLang="en-US" sz="1400" dirty="0"/>
+              <a:t>우편번호</a:t>
+            </a:r>
+          </a:p>
+        </p:txBody>
+      </p:sp>
+      <p:sp>
+        <p:nvSpPr>
+          <p:cNvPr id="27" name="TextBox 26">
+            <a:extLst>
+              <a:ext uri="{FF2B5EF4-FFF2-40B4-BE49-F238E27FC236}">
+                <a16:creationId xmlns:a16="http://schemas.microsoft.com/office/drawing/2014/main" id="{4F40129B-326C-4EF1-AF63-AB2069804B88}"/>
+              </a:ext>
+            </a:extLst>
+          </p:cNvPr>
+          <p:cNvSpPr txBox="1"/>
+          <p:nvPr/>
+        </p:nvSpPr>
+        <p:spPr>
+          <a:xfrm>
+            <a:off x="1483769" y="5322634"/>
+            <a:ext cx="902811" cy="324000"/>
+          </a:xfrm>
+          <a:prstGeom prst="rect">
+            <a:avLst/>
+          </a:prstGeom>
+          <a:noFill/>
+        </p:spPr>
+        <p:txBody>
+          <a:bodyPr wrap="none" rtlCol="0">
+            <a:spAutoFit/>
+          </a:bodyPr>
+          <a:lstStyle/>
+          <a:p>
+            <a:r>
+              <a:rPr lang="ko-KR" altLang="en-US" sz="1400" dirty="0"/>
+              <a:t>기본주소</a:t>
+            </a:r>
+          </a:p>
+        </p:txBody>
+      </p:sp>
+      <p:sp>
+        <p:nvSpPr>
+          <p:cNvPr id="28" name="TextBox 27">
+            <a:extLst>
+              <a:ext uri="{FF2B5EF4-FFF2-40B4-BE49-F238E27FC236}">
+                <a16:creationId xmlns:a16="http://schemas.microsoft.com/office/drawing/2014/main" id="{51D7CD39-7ADB-45EB-B6DD-23BEB7FA5C18}"/>
+              </a:ext>
+            </a:extLst>
+          </p:cNvPr>
+          <p:cNvSpPr txBox="1"/>
+          <p:nvPr/>
+        </p:nvSpPr>
+        <p:spPr>
+          <a:xfrm>
+            <a:off x="4945746" y="5322634"/>
+            <a:ext cx="902811" cy="324000"/>
+          </a:xfrm>
+          <a:prstGeom prst="rect">
+            <a:avLst/>
+          </a:prstGeom>
+          <a:noFill/>
+        </p:spPr>
+        <p:txBody>
+          <a:bodyPr wrap="none" rtlCol="0">
+            <a:spAutoFit/>
+          </a:bodyPr>
+          <a:lstStyle/>
+          <a:p>
+            <a:r>
+              <a:rPr lang="ko-KR" altLang="en-US" sz="1400" dirty="0"/>
+              <a:t>상세주소</a:t>
+            </a:r>
+          </a:p>
+        </p:txBody>
+      </p:sp>
+      <p:sp>
+        <p:nvSpPr>
+          <p:cNvPr id="29" name="TextBox 28">
+            <a:extLst>
+              <a:ext uri="{FF2B5EF4-FFF2-40B4-BE49-F238E27FC236}">
+                <a16:creationId xmlns:a16="http://schemas.microsoft.com/office/drawing/2014/main" id="{687A31C1-035F-4CF7-96F9-E1BC2B0B650B}"/>
+              </a:ext>
+            </a:extLst>
+          </p:cNvPr>
+          <p:cNvSpPr txBox="1"/>
+          <p:nvPr/>
+        </p:nvSpPr>
+        <p:spPr>
+          <a:xfrm>
+            <a:off x="1663305" y="4431062"/>
+            <a:ext cx="723275" cy="324000"/>
+          </a:xfrm>
+          <a:prstGeom prst="rect">
+            <a:avLst/>
+          </a:prstGeom>
+          <a:noFill/>
+        </p:spPr>
+        <p:txBody>
+          <a:bodyPr wrap="none" rtlCol="0">
+            <a:spAutoFit/>
+          </a:bodyPr>
+          <a:lstStyle/>
+          <a:p>
+            <a:r>
+              <a:rPr lang="ko-KR" altLang="en-US" sz="1400"/>
+              <a:t>이메일</a:t>
+            </a:r>
+            <a:endParaRPr lang="ko-KR" altLang="en-US" sz="1400" dirty="0"/>
+          </a:p>
+        </p:txBody>
+      </p:sp>
+      <p:sp>
+        <p:nvSpPr>
+          <p:cNvPr id="35" name="직사각형 34">
+            <a:extLst>
+              <a:ext uri="{FF2B5EF4-FFF2-40B4-BE49-F238E27FC236}">
+                <a16:creationId xmlns:a16="http://schemas.microsoft.com/office/drawing/2014/main" id="{4EB80500-12F4-4311-B319-4C1EAA3BD103}"/>
+              </a:ext>
+            </a:extLst>
+          </p:cNvPr>
+          <p:cNvSpPr/>
+          <p:nvPr/>
+        </p:nvSpPr>
+        <p:spPr>
+          <a:xfrm>
+            <a:off x="2392639" y="3538006"/>
+            <a:ext cx="1429305" cy="324000"/>
+          </a:xfrm>
+          <a:prstGeom prst="rect">
+            <a:avLst/>
+          </a:prstGeom>
+        </p:spPr>
+        <p:style>
+          <a:lnRef idx="2">
+            <a:schemeClr val="dk1"/>
+          </a:lnRef>
+          <a:fillRef idx="1">
+            <a:schemeClr val="lt1"/>
+          </a:fillRef>
+          <a:effectRef idx="0">
+            <a:schemeClr val="dk1"/>
+          </a:effectRef>
+          <a:fontRef idx="minor">
+            <a:schemeClr val="dk1"/>
+          </a:fontRef>
+        </p:style>
+        <p:txBody>
+          <a:bodyPr rtlCol="0" anchor="ctr"/>
+          <a:lstStyle/>
+          <a:p>
+            <a:pPr algn="ctr"/>
+            <a:endParaRPr lang="ko-KR" altLang="en-US"/>
+          </a:p>
+        </p:txBody>
+      </p:sp>
+      <p:sp>
+        <p:nvSpPr>
+          <p:cNvPr id="36" name="직사각형 35">
+            <a:extLst>
+              <a:ext uri="{FF2B5EF4-FFF2-40B4-BE49-F238E27FC236}">
+                <a16:creationId xmlns:a16="http://schemas.microsoft.com/office/drawing/2014/main" id="{C7315F80-8718-457F-B744-4E353FA59E67}"/>
+              </a:ext>
+            </a:extLst>
+          </p:cNvPr>
+          <p:cNvSpPr/>
+          <p:nvPr/>
+        </p:nvSpPr>
+        <p:spPr>
+          <a:xfrm>
+            <a:off x="2392639" y="3976192"/>
+            <a:ext cx="1429305" cy="324000"/>
+          </a:xfrm>
+          <a:prstGeom prst="rect">
+            <a:avLst/>
+          </a:prstGeom>
+        </p:spPr>
+        <p:style>
+          <a:lnRef idx="2">
+            <a:schemeClr val="dk1"/>
+          </a:lnRef>
+          <a:fillRef idx="1">
+            <a:schemeClr val="lt1"/>
+          </a:fillRef>
+          <a:effectRef idx="0">
+            <a:schemeClr val="dk1"/>
+          </a:effectRef>
+          <a:fontRef idx="minor">
+            <a:schemeClr val="dk1"/>
+          </a:fontRef>
+        </p:style>
+        <p:txBody>
+          <a:bodyPr rtlCol="0" anchor="ctr"/>
+          <a:lstStyle/>
+          <a:p>
+            <a:pPr algn="ctr"/>
+            <a:endParaRPr lang="ko-KR" altLang="en-US"/>
+          </a:p>
+        </p:txBody>
+      </p:sp>
+      <p:sp>
+        <p:nvSpPr>
+          <p:cNvPr id="37" name="TextBox 36">
+            <a:extLst>
+              <a:ext uri="{FF2B5EF4-FFF2-40B4-BE49-F238E27FC236}">
+                <a16:creationId xmlns:a16="http://schemas.microsoft.com/office/drawing/2014/main" id="{8833314C-A24C-406D-96D2-BC5F95FAE097}"/>
+              </a:ext>
+            </a:extLst>
+          </p:cNvPr>
+          <p:cNvSpPr txBox="1"/>
+          <p:nvPr/>
+        </p:nvSpPr>
+        <p:spPr>
+          <a:xfrm>
+            <a:off x="4945747" y="3986461"/>
+            <a:ext cx="902811" cy="307777"/>
+          </a:xfrm>
+          <a:prstGeom prst="rect">
+            <a:avLst/>
+          </a:prstGeom>
+          <a:noFill/>
+        </p:spPr>
+        <p:txBody>
+          <a:bodyPr wrap="none" rtlCol="0">
+            <a:spAutoFit/>
+          </a:bodyPr>
+          <a:lstStyle/>
+          <a:p>
+            <a:r>
+              <a:rPr lang="ko-KR" altLang="en-US" sz="1400" dirty="0"/>
+              <a:t>인증번호</a:t>
+            </a:r>
+          </a:p>
+        </p:txBody>
+      </p:sp>
+      <p:sp>
+        <p:nvSpPr>
+          <p:cNvPr id="38" name="직사각형 37">
+            <a:extLst>
+              <a:ext uri="{FF2B5EF4-FFF2-40B4-BE49-F238E27FC236}">
+                <a16:creationId xmlns:a16="http://schemas.microsoft.com/office/drawing/2014/main" id="{8363E480-A50E-4F72-B7FA-4FC9993C2283}"/>
+              </a:ext>
+            </a:extLst>
+          </p:cNvPr>
+          <p:cNvSpPr/>
+          <p:nvPr/>
+        </p:nvSpPr>
+        <p:spPr>
+          <a:xfrm>
+            <a:off x="5854617" y="3976192"/>
+            <a:ext cx="1429305" cy="324000"/>
+          </a:xfrm>
+          <a:prstGeom prst="rect">
+            <a:avLst/>
+          </a:prstGeom>
+        </p:spPr>
+        <p:style>
+          <a:lnRef idx="2">
+            <a:schemeClr val="dk1"/>
+          </a:lnRef>
+          <a:fillRef idx="1">
+            <a:schemeClr val="lt1"/>
+          </a:fillRef>
+          <a:effectRef idx="0">
+            <a:schemeClr val="dk1"/>
+          </a:effectRef>
+          <a:fontRef idx="minor">
+            <a:schemeClr val="dk1"/>
+          </a:fontRef>
+        </p:style>
+        <p:txBody>
+          <a:bodyPr rtlCol="0" anchor="ctr"/>
+          <a:lstStyle/>
+          <a:p>
+            <a:pPr algn="ctr"/>
+            <a:endParaRPr lang="ko-KR" altLang="en-US"/>
+          </a:p>
+        </p:txBody>
+      </p:sp>
+      <p:sp>
+        <p:nvSpPr>
+          <p:cNvPr id="39" name="직사각형 38">
+            <a:extLst>
+              <a:ext uri="{FF2B5EF4-FFF2-40B4-BE49-F238E27FC236}">
+                <a16:creationId xmlns:a16="http://schemas.microsoft.com/office/drawing/2014/main" id="{5AA7C614-B70C-4D6E-BF23-1A84B29D34D6}"/>
+              </a:ext>
+            </a:extLst>
+          </p:cNvPr>
+          <p:cNvSpPr/>
+          <p:nvPr/>
+        </p:nvSpPr>
+        <p:spPr>
+          <a:xfrm>
+            <a:off x="2392639" y="4428688"/>
+            <a:ext cx="1429305" cy="324000"/>
+          </a:xfrm>
+          <a:prstGeom prst="rect">
+            <a:avLst/>
+          </a:prstGeom>
+        </p:spPr>
+        <p:style>
+          <a:lnRef idx="2">
+            <a:schemeClr val="dk1"/>
+          </a:lnRef>
+          <a:fillRef idx="1">
+            <a:schemeClr val="lt1"/>
+          </a:fillRef>
+          <a:effectRef idx="0">
+            <a:schemeClr val="dk1"/>
+          </a:effectRef>
+          <a:fontRef idx="minor">
+            <a:schemeClr val="dk1"/>
+          </a:fontRef>
+        </p:style>
+        <p:txBody>
+          <a:bodyPr rtlCol="0" anchor="ctr"/>
+          <a:lstStyle/>
+          <a:p>
+            <a:pPr algn="ctr"/>
+            <a:endParaRPr lang="ko-KR" altLang="en-US"/>
+          </a:p>
+        </p:txBody>
+      </p:sp>
+      <p:sp>
+        <p:nvSpPr>
+          <p:cNvPr id="40" name="직사각형 39">
+            <a:extLst>
+              <a:ext uri="{FF2B5EF4-FFF2-40B4-BE49-F238E27FC236}">
+                <a16:creationId xmlns:a16="http://schemas.microsoft.com/office/drawing/2014/main" id="{883AD506-326D-4F71-AACF-3763C0617637}"/>
+              </a:ext>
+            </a:extLst>
+          </p:cNvPr>
+          <p:cNvSpPr/>
+          <p:nvPr/>
+        </p:nvSpPr>
+        <p:spPr>
+          <a:xfrm>
+            <a:off x="2392639" y="4873289"/>
+            <a:ext cx="1429305" cy="324000"/>
+          </a:xfrm>
+          <a:prstGeom prst="rect">
+            <a:avLst/>
+          </a:prstGeom>
+        </p:spPr>
+        <p:style>
+          <a:lnRef idx="2">
+            <a:schemeClr val="dk1"/>
+          </a:lnRef>
+          <a:fillRef idx="1">
+            <a:schemeClr val="lt1"/>
+          </a:fillRef>
+          <a:effectRef idx="0">
+            <a:schemeClr val="dk1"/>
+          </a:effectRef>
+          <a:fontRef idx="minor">
+            <a:schemeClr val="dk1"/>
+          </a:fontRef>
+        </p:style>
+        <p:txBody>
+          <a:bodyPr rtlCol="0" anchor="ctr"/>
+          <a:lstStyle/>
+          <a:p>
+            <a:pPr algn="ctr"/>
+            <a:endParaRPr lang="ko-KR" altLang="en-US"/>
+          </a:p>
+        </p:txBody>
+      </p:sp>
+      <p:sp>
+        <p:nvSpPr>
+          <p:cNvPr id="41" name="직사각형 40">
+            <a:extLst>
+              <a:ext uri="{FF2B5EF4-FFF2-40B4-BE49-F238E27FC236}">
+                <a16:creationId xmlns:a16="http://schemas.microsoft.com/office/drawing/2014/main" id="{DB72D3A7-1AA8-4FD9-B62C-E7A6223925ED}"/>
+              </a:ext>
+            </a:extLst>
+          </p:cNvPr>
+          <p:cNvSpPr/>
+          <p:nvPr/>
+        </p:nvSpPr>
+        <p:spPr>
+          <a:xfrm>
+            <a:off x="2392639" y="5326085"/>
+            <a:ext cx="1429305" cy="324000"/>
+          </a:xfrm>
+          <a:prstGeom prst="rect">
+            <a:avLst/>
+          </a:prstGeom>
+        </p:spPr>
+        <p:style>
+          <a:lnRef idx="2">
+            <a:schemeClr val="dk1"/>
+          </a:lnRef>
+          <a:fillRef idx="1">
+            <a:schemeClr val="lt1"/>
+          </a:fillRef>
+          <a:effectRef idx="0">
+            <a:schemeClr val="dk1"/>
+          </a:effectRef>
+          <a:fontRef idx="minor">
+            <a:schemeClr val="dk1"/>
+          </a:fontRef>
+        </p:style>
+        <p:txBody>
+          <a:bodyPr rtlCol="0" anchor="ctr"/>
+          <a:lstStyle/>
+          <a:p>
+            <a:pPr algn="ctr"/>
+            <a:endParaRPr lang="ko-KR" altLang="en-US"/>
+          </a:p>
+        </p:txBody>
+      </p:sp>
+      <p:sp>
+        <p:nvSpPr>
+          <p:cNvPr id="42" name="직사각형 41">
+            <a:extLst>
+              <a:ext uri="{FF2B5EF4-FFF2-40B4-BE49-F238E27FC236}">
+                <a16:creationId xmlns:a16="http://schemas.microsoft.com/office/drawing/2014/main" id="{2A6EDB8B-7CC5-4535-8EE9-38F4593390A8}"/>
+              </a:ext>
+            </a:extLst>
+          </p:cNvPr>
+          <p:cNvSpPr/>
+          <p:nvPr/>
+        </p:nvSpPr>
+        <p:spPr>
+          <a:xfrm>
+            <a:off x="5848557" y="5326085"/>
+            <a:ext cx="1429305" cy="324000"/>
+          </a:xfrm>
+          <a:prstGeom prst="rect">
+            <a:avLst/>
+          </a:prstGeom>
+        </p:spPr>
+        <p:style>
+          <a:lnRef idx="2">
+            <a:schemeClr val="dk1"/>
+          </a:lnRef>
+          <a:fillRef idx="1">
+            <a:schemeClr val="lt1"/>
+          </a:fillRef>
+          <a:effectRef idx="0">
+            <a:schemeClr val="dk1"/>
+          </a:effectRef>
+          <a:fontRef idx="minor">
+            <a:schemeClr val="dk1"/>
+          </a:fontRef>
+        </p:style>
+        <p:txBody>
+          <a:bodyPr rtlCol="0" anchor="ctr"/>
+          <a:lstStyle/>
+          <a:p>
+            <a:pPr algn="ctr"/>
+            <a:endParaRPr lang="ko-KR" altLang="en-US"/>
           </a:p>
         </p:txBody>
       </p:sp>
@@ -5261,13 +9014,6 @@
   <p:clrMapOvr>
     <a:masterClrMapping/>
   </p:clrMapOvr>
-  <p:timing>
-    <p:tnLst>
-      <p:par>
-        <p:cTn id="1" dur="indefinite" restart="never" nodeType="tmRoot"/>
-      </p:par>
-    </p:tnLst>
-  </p:timing>
 </p:sld>
 </file>
 
@@ -5293,7 +9039,7 @@
           <p:cNvPr id="2" name="직사각형 1">
             <a:extLst>
               <a:ext uri="{FF2B5EF4-FFF2-40B4-BE49-F238E27FC236}">
-                <a16:creationId xmlns:a16="http://schemas.microsoft.com/office/drawing/2014/main" xmlns="" id="{8E5B996D-DF87-49E5-95D1-45B1EEB9EE9A}"/>
+                <a16:creationId xmlns:a16="http://schemas.microsoft.com/office/drawing/2014/main" id="{8E5B996D-DF87-49E5-95D1-45B1EEB9EE9A}"/>
               </a:ext>
             </a:extLst>
           </p:cNvPr>
@@ -5345,7 +9091,7 @@
           <p:cNvPr id="4" name="직사각형 3">
             <a:extLst>
               <a:ext uri="{FF2B5EF4-FFF2-40B4-BE49-F238E27FC236}">
-                <a16:creationId xmlns:a16="http://schemas.microsoft.com/office/drawing/2014/main" xmlns="" id="{080CEE4E-4BCA-42C3-BECA-9BCEB9931EEA}"/>
+                <a16:creationId xmlns:a16="http://schemas.microsoft.com/office/drawing/2014/main" id="{080CEE4E-4BCA-42C3-BECA-9BCEB9931EEA}"/>
               </a:ext>
             </a:extLst>
           </p:cNvPr>
@@ -5397,7 +9143,7 @@
           <p:cNvPr id="5" name="TextBox 4">
             <a:extLst>
               <a:ext uri="{FF2B5EF4-FFF2-40B4-BE49-F238E27FC236}">
-                <a16:creationId xmlns:a16="http://schemas.microsoft.com/office/drawing/2014/main" xmlns="" id="{D12B0B12-AB99-4F88-B4B2-948DADC833EA}"/>
+                <a16:creationId xmlns:a16="http://schemas.microsoft.com/office/drawing/2014/main" id="{D12B0B12-AB99-4F88-B4B2-948DADC833EA}"/>
               </a:ext>
             </a:extLst>
           </p:cNvPr>
@@ -5421,7 +9167,7 @@
           <a:lstStyle/>
           <a:p>
             <a:r>
-              <a:rPr kumimoji="1" lang="en-US" altLang="ja-JP" sz="4400" b="1" spc="-150" dirty="0" smtClean="0">
+              <a:rPr kumimoji="1" lang="en-US" altLang="ja-JP" sz="4400" b="1" spc="-150" dirty="0">
                 <a:solidFill>
                   <a:srgbClr val="FFCD2F"/>
                 </a:solidFill>
@@ -5438,7 +9184,7 @@
               <a:t>W</a:t>
             </a:r>
             <a:r>
-              <a:rPr kumimoji="1" lang="en-US" altLang="ja-JP" sz="4400" b="1" spc="-150" dirty="0" smtClean="0">
+              <a:rPr kumimoji="1" lang="en-US" altLang="ja-JP" sz="4400" b="1" spc="-150" dirty="0">
                 <a:solidFill>
                   <a:schemeClr val="accent1">
                     <a:lumMod val="75000"/>
@@ -5457,7 +9203,7 @@
               <a:t>ire </a:t>
             </a:r>
             <a:r>
-              <a:rPr kumimoji="1" lang="en-US" altLang="ja-JP" sz="4400" b="1" spc="-150" dirty="0" smtClean="0">
+              <a:rPr kumimoji="1" lang="en-US" altLang="ja-JP" sz="4400" b="1" spc="-150" dirty="0">
                 <a:solidFill>
                   <a:srgbClr val="FFCD2F"/>
                 </a:solidFill>
@@ -5474,7 +9220,7 @@
               <a:t>F</a:t>
             </a:r>
             <a:r>
-              <a:rPr kumimoji="1" lang="en-US" altLang="ja-JP" sz="4400" b="1" spc="-150" dirty="0" smtClean="0">
+              <a:rPr kumimoji="1" lang="en-US" altLang="ja-JP" sz="4400" b="1" spc="-150" dirty="0">
                 <a:solidFill>
                   <a:schemeClr val="accent1">
                     <a:lumMod val="75000"/>
@@ -5516,7 +9262,7 @@
           <p:cNvPr id="9" name="그림 8">
             <a:extLst>
               <a:ext uri="{FF2B5EF4-FFF2-40B4-BE49-F238E27FC236}">
-                <a16:creationId xmlns:a16="http://schemas.microsoft.com/office/drawing/2014/main" xmlns="" id="{0F0992E8-2696-42E6-805A-0C12780D8FA1}"/>
+                <a16:creationId xmlns:a16="http://schemas.microsoft.com/office/drawing/2014/main" id="{0F0992E8-2696-42E6-805A-0C12780D8FA1}"/>
               </a:ext>
             </a:extLst>
           </p:cNvPr>
@@ -5526,7 +9272,7 @@
           <p:nvPr/>
         </p:nvPicPr>
         <p:blipFill>
-          <a:blip r:embed="rId4" cstate="print">
+          <a:blip r:embed="rId3" cstate="print">
             <a:extLst>
               <a:ext uri="{28A0092B-C50C-407E-A947-70E740481C1C}">
                 <a14:useLocalDpi xmlns:a14="http://schemas.microsoft.com/office/drawing/2010/main" val="0"/>
@@ -5559,8 +9305,8 @@
         </p:nvSpPr>
         <p:spPr>
           <a:xfrm>
-            <a:off x="896100" y="1786467"/>
-            <a:ext cx="7200000" cy="4464000"/>
+            <a:off x="1381686" y="1627790"/>
+            <a:ext cx="9428628" cy="4819419"/>
           </a:xfrm>
           <a:prstGeom prst="rect">
             <a:avLst/>
@@ -5697,164 +9443,14 @@
       </p:sp>
       <p:sp>
         <p:nvSpPr>
-          <p:cNvPr id="32" name="Window Body" descr="&lt;SmartSettings&gt;&lt;SmartResize anchorLeft=&quot;Absolute&quot; anchorTop=&quot;Absolute&quot; anchorRight=&quot;Absolute&quot; anchorBottom=&quot;Absolute&quot; /&gt;&lt;/SmartSettings&gt;"/>
-          <p:cNvSpPr>
-            <a:spLocks/>
-          </p:cNvSpPr>
-          <p:nvPr>
-            <p:custDataLst>
-              <p:tags r:id="rId2"/>
-            </p:custDataLst>
-          </p:nvPr>
-        </p:nvSpPr>
-        <p:spPr>
-          <a:xfrm>
-            <a:off x="8784900" y="1786467"/>
-            <a:ext cx="2511001" cy="4464000"/>
-          </a:xfrm>
-          <a:prstGeom prst="rect">
-            <a:avLst/>
-          </a:prstGeom>
-          <a:ln/>
-        </p:spPr>
-        <p:style>
-          <a:lnRef idx="2">
-            <a:schemeClr val="dk1"/>
-          </a:lnRef>
-          <a:fillRef idx="1">
-            <a:schemeClr val="lt1"/>
-          </a:fillRef>
-          <a:effectRef idx="0">
-            <a:schemeClr val="dk1"/>
-          </a:effectRef>
-          <a:fontRef idx="minor">
-            <a:schemeClr val="dk1"/>
-          </a:fontRef>
-        </p:style>
-        <p:txBody>
-          <a:bodyPr rot="0" spcFirstLastPara="0" vert="horz" wrap="square" lIns="91440" tIns="45720" rIns="91440" bIns="45720" numCol="1" spcCol="0" rtlCol="0" fromWordArt="0" anchor="ctr" anchorCtr="0" forceAA="0" compatLnSpc="1">
-            <a:prstTxWarp prst="textNoShape">
-              <a:avLst/>
-            </a:prstTxWarp>
-            <a:noAutofit/>
-          </a:bodyPr>
-          <a:lstStyle>
-            <a:defPPr>
-              <a:defRPr lang="en-US"/>
-            </a:defPPr>
-            <a:lvl1pPr marL="0" algn="l" defTabSz="914400" rtl="0" eaLnBrk="1" latinLnBrk="0" hangingPunct="1">
-              <a:defRPr sz="1800" kern="1200">
-                <a:solidFill>
-                  <a:schemeClr val="lt1"/>
-                </a:solidFill>
-                <a:latin typeface="+mn-lt"/>
-                <a:ea typeface="+mn-ea"/>
-                <a:cs typeface="+mn-cs"/>
-              </a:defRPr>
-            </a:lvl1pPr>
-            <a:lvl2pPr marL="457200" algn="l" defTabSz="914400" rtl="0" eaLnBrk="1" latinLnBrk="0" hangingPunct="1">
-              <a:defRPr sz="1800" kern="1200">
-                <a:solidFill>
-                  <a:schemeClr val="lt1"/>
-                </a:solidFill>
-                <a:latin typeface="+mn-lt"/>
-                <a:ea typeface="+mn-ea"/>
-                <a:cs typeface="+mn-cs"/>
-              </a:defRPr>
-            </a:lvl2pPr>
-            <a:lvl3pPr marL="914400" algn="l" defTabSz="914400" rtl="0" eaLnBrk="1" latinLnBrk="0" hangingPunct="1">
-              <a:defRPr sz="1800" kern="1200">
-                <a:solidFill>
-                  <a:schemeClr val="lt1"/>
-                </a:solidFill>
-                <a:latin typeface="+mn-lt"/>
-                <a:ea typeface="+mn-ea"/>
-                <a:cs typeface="+mn-cs"/>
-              </a:defRPr>
-            </a:lvl3pPr>
-            <a:lvl4pPr marL="1371600" algn="l" defTabSz="914400" rtl="0" eaLnBrk="1" latinLnBrk="0" hangingPunct="1">
-              <a:defRPr sz="1800" kern="1200">
-                <a:solidFill>
-                  <a:schemeClr val="lt1"/>
-                </a:solidFill>
-                <a:latin typeface="+mn-lt"/>
-                <a:ea typeface="+mn-ea"/>
-                <a:cs typeface="+mn-cs"/>
-              </a:defRPr>
-            </a:lvl4pPr>
-            <a:lvl5pPr marL="1828800" algn="l" defTabSz="914400" rtl="0" eaLnBrk="1" latinLnBrk="0" hangingPunct="1">
-              <a:defRPr sz="1800" kern="1200">
-                <a:solidFill>
-                  <a:schemeClr val="lt1"/>
-                </a:solidFill>
-                <a:latin typeface="+mn-lt"/>
-                <a:ea typeface="+mn-ea"/>
-                <a:cs typeface="+mn-cs"/>
-              </a:defRPr>
-            </a:lvl5pPr>
-            <a:lvl6pPr marL="2286000" algn="l" defTabSz="914400" rtl="0" eaLnBrk="1" latinLnBrk="0" hangingPunct="1">
-              <a:defRPr sz="1800" kern="1200">
-                <a:solidFill>
-                  <a:schemeClr val="lt1"/>
-                </a:solidFill>
-                <a:latin typeface="+mn-lt"/>
-                <a:ea typeface="+mn-ea"/>
-                <a:cs typeface="+mn-cs"/>
-              </a:defRPr>
-            </a:lvl6pPr>
-            <a:lvl7pPr marL="2743200" algn="l" defTabSz="914400" rtl="0" eaLnBrk="1" latinLnBrk="0" hangingPunct="1">
-              <a:defRPr sz="1800" kern="1200">
-                <a:solidFill>
-                  <a:schemeClr val="lt1"/>
-                </a:solidFill>
-                <a:latin typeface="+mn-lt"/>
-                <a:ea typeface="+mn-ea"/>
-                <a:cs typeface="+mn-cs"/>
-              </a:defRPr>
-            </a:lvl7pPr>
-            <a:lvl8pPr marL="3200400" algn="l" defTabSz="914400" rtl="0" eaLnBrk="1" latinLnBrk="0" hangingPunct="1">
-              <a:defRPr sz="1800" kern="1200">
-                <a:solidFill>
-                  <a:schemeClr val="lt1"/>
-                </a:solidFill>
-                <a:latin typeface="+mn-lt"/>
-                <a:ea typeface="+mn-ea"/>
-                <a:cs typeface="+mn-cs"/>
-              </a:defRPr>
-            </a:lvl8pPr>
-            <a:lvl9pPr marL="3657600" algn="l" defTabSz="914400" rtl="0" eaLnBrk="1" latinLnBrk="0" hangingPunct="1">
-              <a:defRPr sz="1800" kern="1200">
-                <a:solidFill>
-                  <a:schemeClr val="lt1"/>
-                </a:solidFill>
-                <a:latin typeface="+mn-lt"/>
-                <a:ea typeface="+mn-ea"/>
-                <a:cs typeface="+mn-cs"/>
-              </a:defRPr>
-            </a:lvl9pPr>
-          </a:lstStyle>
-          <a:p>
-            <a:pPr algn="ctr"/>
-            <a:endParaRPr lang="en-US" sz="900" dirty="0">
-              <a:solidFill>
-                <a:srgbClr val="5F5F5F"/>
-              </a:solidFill>
-              <a:latin typeface="Segoe UI" panose="020B0502040204020203" pitchFamily="34" charset="0"/>
-              <a:cs typeface="Segoe UI" panose="020B0502040204020203" pitchFamily="34" charset="0"/>
-            </a:endParaRPr>
-          </a:p>
-        </p:txBody>
-      </p:sp>
-      <p:sp>
-        <p:nvSpPr>
           <p:cNvPr id="3" name="TextBox 2"/>
           <p:cNvSpPr txBox="1"/>
           <p:nvPr/>
         </p:nvSpPr>
         <p:spPr>
           <a:xfrm>
-            <a:off x="896102" y="1134534"/>
-            <a:ext cx="726353" cy="369332"/>
+            <a:off x="844734" y="955667"/>
+            <a:ext cx="877163" cy="369332"/>
           </a:xfrm>
           <a:prstGeom prst="rect">
             <a:avLst/>
@@ -5868,10 +9464,9 @@
           <a:lstStyle/>
           <a:p>
             <a:r>
-              <a:rPr lang="en-US" altLang="ko-KR" dirty="0" smtClean="0"/>
-              <a:t>PAGE</a:t>
+              <a:rPr lang="ko-KR" altLang="en-US" dirty="0"/>
+              <a:t>관리자</a:t>
             </a:r>
-            <a:endParaRPr lang="ko-KR" altLang="en-US" dirty="0"/>
           </a:p>
         </p:txBody>
       </p:sp>
@@ -5885,13 +9480,6 @@
   <p:clrMapOvr>
     <a:masterClrMapping/>
   </p:clrMapOvr>
-  <p:timing>
-    <p:tnLst>
-      <p:par>
-        <p:cTn id="1" dur="indefinite" restart="never" nodeType="tmRoot"/>
-      </p:par>
-    </p:tnLst>
-  </p:timing>
 </p:sld>
 </file>
 
@@ -5925,7 +9513,7 @@
           <p:cNvPr id="4" name="그림 3" descr="실내, 사람이(가) 표시된 사진&#10;&#10;자동 생성된 설명">
             <a:extLst>
               <a:ext uri="{FF2B5EF4-FFF2-40B4-BE49-F238E27FC236}">
-                <a16:creationId xmlns:a16="http://schemas.microsoft.com/office/drawing/2014/main" xmlns="" id="{4D077A45-DF2B-4618-9394-A141B13B1420}"/>
+                <a16:creationId xmlns:a16="http://schemas.microsoft.com/office/drawing/2014/main" id="{4D077A45-DF2B-4618-9394-A141B13B1420}"/>
               </a:ext>
             </a:extLst>
           </p:cNvPr>
@@ -5961,7 +9549,7 @@
           <p:cNvPr id="5" name="TextBox 4">
             <a:extLst>
               <a:ext uri="{FF2B5EF4-FFF2-40B4-BE49-F238E27FC236}">
-                <a16:creationId xmlns:a16="http://schemas.microsoft.com/office/drawing/2014/main" xmlns="" id="{23D82F33-5629-4A89-96F7-5348A5E7BF64}"/>
+                <a16:creationId xmlns:a16="http://schemas.microsoft.com/office/drawing/2014/main" id="{23D82F33-5629-4A89-96F7-5348A5E7BF64}"/>
               </a:ext>
             </a:extLst>
           </p:cNvPr>
@@ -6020,13 +9608,6 @@
   <p:transition spd="slow">
     <p:fade/>
   </p:transition>
-  <p:timing>
-    <p:tnLst>
-      <p:par>
-        <p:cTn id="1" dur="indefinite" restart="never" nodeType="tmRoot"/>
-      </p:par>
-    </p:tnLst>
-  </p:timing>
 </p:sld>
 </file>
 
@@ -6052,7 +9633,7 @@
           <p:cNvPr id="15" name="그룹 14">
             <a:extLst>
               <a:ext uri="{FF2B5EF4-FFF2-40B4-BE49-F238E27FC236}">
-                <a16:creationId xmlns:a16="http://schemas.microsoft.com/office/drawing/2014/main" xmlns="" id="{B7536413-EBBF-45BD-956C-DBF04F557F50}"/>
+                <a16:creationId xmlns:a16="http://schemas.microsoft.com/office/drawing/2014/main" id="{B7536413-EBBF-45BD-956C-DBF04F557F50}"/>
               </a:ext>
             </a:extLst>
           </p:cNvPr>
@@ -6072,7 +9653,7 @@
             <p:cNvPr id="8" name="직사각형 7">
               <a:extLst>
                 <a:ext uri="{FF2B5EF4-FFF2-40B4-BE49-F238E27FC236}">
-                  <a16:creationId xmlns:a16="http://schemas.microsoft.com/office/drawing/2014/main" xmlns="" id="{F11A9128-76C8-4335-872F-E85671129C65}"/>
+                  <a16:creationId xmlns:a16="http://schemas.microsoft.com/office/drawing/2014/main" id="{F11A9128-76C8-4335-872F-E85671129C65}"/>
                 </a:ext>
               </a:extLst>
             </p:cNvPr>
@@ -6124,7 +9705,7 @@
             <p:cNvPr id="14" name="이등변 삼각형 13">
               <a:extLst>
                 <a:ext uri="{FF2B5EF4-FFF2-40B4-BE49-F238E27FC236}">
-                  <a16:creationId xmlns:a16="http://schemas.microsoft.com/office/drawing/2014/main" xmlns="" id="{2C330ABB-6ACB-46E7-B89D-15EBDBF22119}"/>
+                  <a16:creationId xmlns:a16="http://schemas.microsoft.com/office/drawing/2014/main" id="{2C330ABB-6ACB-46E7-B89D-15EBDBF22119}"/>
                 </a:ext>
               </a:extLst>
             </p:cNvPr>
@@ -6177,7 +9758,7 @@
           <p:cNvPr id="2" name="직사각형 1">
             <a:extLst>
               <a:ext uri="{FF2B5EF4-FFF2-40B4-BE49-F238E27FC236}">
-                <a16:creationId xmlns:a16="http://schemas.microsoft.com/office/drawing/2014/main" xmlns="" id="{8E5B996D-DF87-49E5-95D1-45B1EEB9EE9A}"/>
+                <a16:creationId xmlns:a16="http://schemas.microsoft.com/office/drawing/2014/main" id="{8E5B996D-DF87-49E5-95D1-45B1EEB9EE9A}"/>
               </a:ext>
             </a:extLst>
           </p:cNvPr>
@@ -6229,7 +9810,7 @@
           <p:cNvPr id="4" name="직사각형 3">
             <a:extLst>
               <a:ext uri="{FF2B5EF4-FFF2-40B4-BE49-F238E27FC236}">
-                <a16:creationId xmlns:a16="http://schemas.microsoft.com/office/drawing/2014/main" xmlns="" id="{080CEE4E-4BCA-42C3-BECA-9BCEB9931EEA}"/>
+                <a16:creationId xmlns:a16="http://schemas.microsoft.com/office/drawing/2014/main" id="{080CEE4E-4BCA-42C3-BECA-9BCEB9931EEA}"/>
               </a:ext>
             </a:extLst>
           </p:cNvPr>
@@ -6281,7 +9862,7 @@
           <p:cNvPr id="5" name="TextBox 4">
             <a:extLst>
               <a:ext uri="{FF2B5EF4-FFF2-40B4-BE49-F238E27FC236}">
-                <a16:creationId xmlns:a16="http://schemas.microsoft.com/office/drawing/2014/main" xmlns="" id="{D12B0B12-AB99-4F88-B4B2-948DADC833EA}"/>
+                <a16:creationId xmlns:a16="http://schemas.microsoft.com/office/drawing/2014/main" id="{D12B0B12-AB99-4F88-B4B2-948DADC833EA}"/>
               </a:ext>
             </a:extLst>
           </p:cNvPr>
@@ -6400,7 +9981,7 @@
           <p:cNvPr id="9" name="그림 8">
             <a:extLst>
               <a:ext uri="{FF2B5EF4-FFF2-40B4-BE49-F238E27FC236}">
-                <a16:creationId xmlns:a16="http://schemas.microsoft.com/office/drawing/2014/main" xmlns="" id="{0F0992E8-2696-42E6-805A-0C12780D8FA1}"/>
+                <a16:creationId xmlns:a16="http://schemas.microsoft.com/office/drawing/2014/main" id="{0F0992E8-2696-42E6-805A-0C12780D8FA1}"/>
               </a:ext>
             </a:extLst>
           </p:cNvPr>
@@ -6435,7 +10016,7 @@
           <p:cNvPr id="12" name="TextBox 11">
             <a:extLst>
               <a:ext uri="{FF2B5EF4-FFF2-40B4-BE49-F238E27FC236}">
-                <a16:creationId xmlns:a16="http://schemas.microsoft.com/office/drawing/2014/main" xmlns="" id="{7FA4A435-72AD-4E57-8841-4A73CE0EA391}"/>
+                <a16:creationId xmlns:a16="http://schemas.microsoft.com/office/drawing/2014/main" id="{7FA4A435-72AD-4E57-8841-4A73CE0EA391}"/>
               </a:ext>
             </a:extLst>
           </p:cNvPr>
@@ -6485,15 +10066,9 @@
               <a:rPr lang="ko-KR" altLang="en-US" sz="4000" dirty="0">
                 <a:latin typeface="+mn-ea"/>
               </a:rPr>
-              <a:t> </a:t>
+              <a:t> 요구사항정의서</a:t>
             </a:r>
-            <a:r>
-              <a:rPr lang="ko-KR" altLang="en-US" sz="4000" dirty="0" smtClean="0">
-                <a:latin typeface="+mn-ea"/>
-              </a:rPr>
-              <a:t>요구사항정의서</a:t>
-            </a:r>
-            <a:endParaRPr lang="en-US" altLang="ko-KR" sz="4000" dirty="0" smtClean="0">
+            <a:endParaRPr lang="en-US" altLang="ko-KR" sz="4000" dirty="0">
               <a:latin typeface="+mn-ea"/>
             </a:endParaRPr>
           </a:p>
@@ -6511,12 +10086,12 @@
               <a:t> </a:t>
             </a:r>
             <a:r>
-              <a:rPr lang="ko-KR" altLang="en-US" sz="4000" dirty="0" smtClean="0">
+              <a:rPr lang="ko-KR" altLang="en-US" sz="4000" dirty="0">
                 <a:latin typeface="+mn-ea"/>
               </a:rPr>
               <a:t>흐름도</a:t>
             </a:r>
-            <a:endParaRPr lang="en-US" altLang="ko-KR" sz="4000" dirty="0" smtClean="0">
+            <a:endParaRPr lang="en-US" altLang="ko-KR" sz="4000" dirty="0">
               <a:latin typeface="+mn-ea"/>
             </a:endParaRPr>
           </a:p>
@@ -6534,7 +10109,7 @@
               <a:t> </a:t>
             </a:r>
             <a:r>
-              <a:rPr lang="ko-KR" altLang="en-US" sz="4000" dirty="0" smtClean="0">
+              <a:rPr lang="ko-KR" altLang="en-US" sz="4000" dirty="0">
                 <a:latin typeface="+mn-ea"/>
               </a:rPr>
               <a:t>화면 설계서</a:t>
@@ -6555,13 +10130,6 @@
   <p:clrMapOvr>
     <a:masterClrMapping/>
   </p:clrMapOvr>
-  <p:timing>
-    <p:tnLst>
-      <p:par>
-        <p:cTn id="1" dur="indefinite" restart="never" nodeType="tmRoot"/>
-      </p:par>
-    </p:tnLst>
-  </p:timing>
 </p:sld>
 </file>
 
@@ -6587,7 +10155,7 @@
           <p:cNvPr id="2" name="직사각형 1">
             <a:extLst>
               <a:ext uri="{FF2B5EF4-FFF2-40B4-BE49-F238E27FC236}">
-                <a16:creationId xmlns:a16="http://schemas.microsoft.com/office/drawing/2014/main" xmlns="" id="{8E5B996D-DF87-49E5-95D1-45B1EEB9EE9A}"/>
+                <a16:creationId xmlns:a16="http://schemas.microsoft.com/office/drawing/2014/main" id="{8E5B996D-DF87-49E5-95D1-45B1EEB9EE9A}"/>
               </a:ext>
             </a:extLst>
           </p:cNvPr>
@@ -6639,7 +10207,7 @@
           <p:cNvPr id="4" name="직사각형 3">
             <a:extLst>
               <a:ext uri="{FF2B5EF4-FFF2-40B4-BE49-F238E27FC236}">
-                <a16:creationId xmlns:a16="http://schemas.microsoft.com/office/drawing/2014/main" xmlns="" id="{080CEE4E-4BCA-42C3-BECA-9BCEB9931EEA}"/>
+                <a16:creationId xmlns:a16="http://schemas.microsoft.com/office/drawing/2014/main" id="{080CEE4E-4BCA-42C3-BECA-9BCEB9931EEA}"/>
               </a:ext>
             </a:extLst>
           </p:cNvPr>
@@ -6691,7 +10259,7 @@
           <p:cNvPr id="5" name="TextBox 4">
             <a:extLst>
               <a:ext uri="{FF2B5EF4-FFF2-40B4-BE49-F238E27FC236}">
-                <a16:creationId xmlns:a16="http://schemas.microsoft.com/office/drawing/2014/main" xmlns="" id="{D12B0B12-AB99-4F88-B4B2-948DADC833EA}"/>
+                <a16:creationId xmlns:a16="http://schemas.microsoft.com/office/drawing/2014/main" id="{D12B0B12-AB99-4F88-B4B2-948DADC833EA}"/>
               </a:ext>
             </a:extLst>
           </p:cNvPr>
@@ -6774,7 +10342,7 @@
           <p:cNvPr id="9" name="그림 8">
             <a:extLst>
               <a:ext uri="{FF2B5EF4-FFF2-40B4-BE49-F238E27FC236}">
-                <a16:creationId xmlns:a16="http://schemas.microsoft.com/office/drawing/2014/main" xmlns="" id="{0F0992E8-2696-42E6-805A-0C12780D8FA1}"/>
+                <a16:creationId xmlns:a16="http://schemas.microsoft.com/office/drawing/2014/main" id="{0F0992E8-2696-42E6-805A-0C12780D8FA1}"/>
               </a:ext>
             </a:extLst>
           </p:cNvPr>
@@ -6887,14 +10455,13 @@
                 </a:lnSpc>
               </a:pPr>
               <a:r>
-                <a:rPr lang="ko-KR" altLang="en-US" dirty="0" smtClean="0"/>
+                <a:rPr lang="ko-KR" altLang="en-US" dirty="0"/>
                 <a:t>반려동물과 함께 사는 가구 비율이 꾸준히 증가함으로 새로운 가구 형태로 자리 잡고 있으며</a:t>
               </a:r>
               <a:r>
-                <a:rPr lang="en-US" altLang="ko-KR" dirty="0" smtClean="0"/>
+                <a:rPr lang="en-US" altLang="ko-KR" dirty="0"/>
                 <a:t>,</a:t>
               </a:r>
-              <a:endParaRPr lang="en-US" altLang="ko-KR" dirty="0"/>
             </a:p>
             <a:p>
               <a:pPr>
@@ -6903,15 +10470,15 @@
                 </a:lnSpc>
               </a:pPr>
               <a:r>
-                <a:rPr lang="en-US" altLang="ko-KR" dirty="0" smtClean="0"/>
+                <a:rPr lang="en-US" altLang="ko-KR" dirty="0"/>
                 <a:t>1</a:t>
               </a:r>
               <a:r>
-                <a:rPr lang="ko-KR" altLang="en-US" dirty="0" smtClean="0"/>
+                <a:rPr lang="ko-KR" altLang="en-US" dirty="0"/>
                 <a:t>인 가구가 증가하면서 함께 반려동물 관련 산업 급성장하고 있으며 선진국에서는 고부가가치산업으로 자리매김 중에 있다</a:t>
               </a:r>
               <a:r>
-                <a:rPr lang="en-US" altLang="ko-KR" dirty="0" smtClean="0"/>
+                <a:rPr lang="en-US" altLang="ko-KR" dirty="0"/>
                 <a:t>.</a:t>
               </a:r>
             </a:p>
@@ -6945,18 +10512,18 @@
                 </a:lnSpc>
               </a:pPr>
               <a:r>
-                <a:rPr lang="ko-KR" altLang="en-US" dirty="0" smtClean="0"/>
+                <a:rPr lang="ko-KR" altLang="en-US" dirty="0"/>
                 <a:t>반려동물이 집에 혼자 있는 시간은 평균 </a:t>
               </a:r>
               <a:r>
-                <a:rPr lang="en-US" altLang="ko-KR" dirty="0" smtClean="0"/>
+                <a:rPr lang="en-US" altLang="ko-KR" dirty="0"/>
                 <a:t>5</a:t>
               </a:r>
               <a:r>
-                <a:rPr lang="ko-KR" altLang="en-US" dirty="0" smtClean="0"/>
+                <a:rPr lang="ko-KR" altLang="en-US" dirty="0"/>
                 <a:t>시간으로</a:t>
               </a:r>
-              <a:endParaRPr lang="en-US" altLang="ko-KR" dirty="0" smtClean="0"/>
+              <a:endParaRPr lang="en-US" altLang="ko-KR" dirty="0"/>
             </a:p>
             <a:p>
               <a:pPr>
@@ -6965,23 +10532,23 @@
                 </a:lnSpc>
               </a:pPr>
               <a:r>
-                <a:rPr lang="en-US" altLang="ko-KR" dirty="0" smtClean="0"/>
+                <a:rPr lang="en-US" altLang="ko-KR" dirty="0"/>
                 <a:t>11</a:t>
               </a:r>
               <a:r>
-                <a:rPr lang="ko-KR" altLang="en-US" dirty="0" smtClean="0"/>
+                <a:rPr lang="ko-KR" altLang="en-US" dirty="0"/>
                 <a:t>시간 이상 혼자 지내는 경우도 </a:t>
               </a:r>
               <a:r>
-                <a:rPr lang="en-US" altLang="ko-KR" dirty="0" smtClean="0"/>
+                <a:rPr lang="en-US" altLang="ko-KR" dirty="0"/>
                 <a:t>6.8%</a:t>
               </a:r>
               <a:r>
-                <a:rPr lang="ko-KR" altLang="en-US" dirty="0" smtClean="0"/>
+                <a:rPr lang="ko-KR" altLang="en-US" dirty="0"/>
                 <a:t>에 달한다</a:t>
               </a:r>
               <a:r>
-                <a:rPr lang="en-US" altLang="ko-KR" dirty="0" smtClean="0"/>
+                <a:rPr lang="en-US" altLang="ko-KR" dirty="0"/>
                 <a:t>.</a:t>
               </a:r>
             </a:p>
@@ -7000,35 +10567,35 @@
                 </a:lnSpc>
               </a:pPr>
               <a:r>
-                <a:rPr lang="ko-KR" altLang="en-US" dirty="0" smtClean="0"/>
+                <a:rPr lang="ko-KR" altLang="en-US" dirty="0"/>
                 <a:t>애견호텔이나 병원에 반려동물을 맡기기 불안한 </a:t>
               </a:r>
               <a:r>
-                <a:rPr lang="ko-KR" altLang="en-US" dirty="0" err="1" smtClean="0"/>
+                <a:rPr lang="ko-KR" altLang="en-US" dirty="0" err="1"/>
                 <a:t>반려인들을</a:t>
               </a:r>
               <a:r>
-                <a:rPr lang="ko-KR" altLang="en-US" dirty="0" smtClean="0"/>
+                <a:rPr lang="ko-KR" altLang="en-US" dirty="0"/>
                 <a:t> 위해 </a:t>
               </a:r>
               <a:r>
-                <a:rPr lang="ko-KR" altLang="en-US" dirty="0" err="1" smtClean="0"/>
+                <a:rPr lang="ko-KR" altLang="en-US" dirty="0" err="1"/>
                 <a:t>베이비시터처럼</a:t>
               </a:r>
               <a:r>
-                <a:rPr lang="ko-KR" altLang="en-US" dirty="0" smtClean="0"/>
+                <a:rPr lang="ko-KR" altLang="en-US" dirty="0"/>
                 <a:t> 방문하여 반려동물 돌봄 서비스를 제공하는 </a:t>
               </a:r>
               <a:r>
-                <a:rPr lang="ko-KR" altLang="en-US" dirty="0" err="1" smtClean="0"/>
+                <a:rPr lang="ko-KR" altLang="en-US" dirty="0" err="1"/>
                 <a:t>펫시터를</a:t>
               </a:r>
               <a:r>
-                <a:rPr lang="ko-KR" altLang="en-US" dirty="0" smtClean="0"/>
+                <a:rPr lang="ko-KR" altLang="en-US" dirty="0"/>
                 <a:t> 주제로 선정하였다</a:t>
               </a:r>
               <a:r>
-                <a:rPr lang="en-US" altLang="ko-KR" dirty="0" smtClean="0"/>
+                <a:rPr lang="en-US" altLang="ko-KR" dirty="0"/>
                 <a:t>.</a:t>
               </a:r>
               <a:endParaRPr lang="ko-KR" altLang="en-US" dirty="0"/>
@@ -7046,13 +10613,6 @@
   <p:clrMapOvr>
     <a:masterClrMapping/>
   </p:clrMapOvr>
-  <p:timing>
-    <p:tnLst>
-      <p:par>
-        <p:cTn id="1" dur="indefinite" restart="never" nodeType="tmRoot"/>
-      </p:par>
-    </p:tnLst>
-  </p:timing>
 </p:sld>
 </file>
 
@@ -7078,7 +10638,7 @@
           <p:cNvPr id="2" name="직사각형 1">
             <a:extLst>
               <a:ext uri="{FF2B5EF4-FFF2-40B4-BE49-F238E27FC236}">
-                <a16:creationId xmlns:a16="http://schemas.microsoft.com/office/drawing/2014/main" xmlns="" id="{8E5B996D-DF87-49E5-95D1-45B1EEB9EE9A}"/>
+                <a16:creationId xmlns:a16="http://schemas.microsoft.com/office/drawing/2014/main" id="{8E5B996D-DF87-49E5-95D1-45B1EEB9EE9A}"/>
               </a:ext>
             </a:extLst>
           </p:cNvPr>
@@ -7130,7 +10690,7 @@
           <p:cNvPr id="4" name="직사각형 3">
             <a:extLst>
               <a:ext uri="{FF2B5EF4-FFF2-40B4-BE49-F238E27FC236}">
-                <a16:creationId xmlns:a16="http://schemas.microsoft.com/office/drawing/2014/main" xmlns="" id="{080CEE4E-4BCA-42C3-BECA-9BCEB9931EEA}"/>
+                <a16:creationId xmlns:a16="http://schemas.microsoft.com/office/drawing/2014/main" id="{080CEE4E-4BCA-42C3-BECA-9BCEB9931EEA}"/>
               </a:ext>
             </a:extLst>
           </p:cNvPr>
@@ -7182,7 +10742,7 @@
           <p:cNvPr id="5" name="TextBox 4">
             <a:extLst>
               <a:ext uri="{FF2B5EF4-FFF2-40B4-BE49-F238E27FC236}">
-                <a16:creationId xmlns:a16="http://schemas.microsoft.com/office/drawing/2014/main" xmlns="" id="{D12B0B12-AB99-4F88-B4B2-948DADC833EA}"/>
+                <a16:creationId xmlns:a16="http://schemas.microsoft.com/office/drawing/2014/main" id="{D12B0B12-AB99-4F88-B4B2-948DADC833EA}"/>
               </a:ext>
             </a:extLst>
           </p:cNvPr>
@@ -7301,7 +10861,7 @@
           <p:cNvPr id="9" name="그림 8">
             <a:extLst>
               <a:ext uri="{FF2B5EF4-FFF2-40B4-BE49-F238E27FC236}">
-                <a16:creationId xmlns:a16="http://schemas.microsoft.com/office/drawing/2014/main" xmlns="" id="{0F0992E8-2696-42E6-805A-0C12780D8FA1}"/>
+                <a16:creationId xmlns:a16="http://schemas.microsoft.com/office/drawing/2014/main" id="{0F0992E8-2696-42E6-805A-0C12780D8FA1}"/>
               </a:ext>
             </a:extLst>
           </p:cNvPr>
@@ -7354,7 +10914,7 @@
         </p:blipFill>
         <p:spPr bwMode="auto">
           <a:xfrm>
-            <a:off x="696000" y="1167030"/>
+            <a:off x="696000" y="1382860"/>
             <a:ext cx="10800000" cy="4822111"/>
           </a:xfrm>
           <a:prstGeom prst="rect">
@@ -7405,13 +10965,6 @@
   <p:clrMapOvr>
     <a:masterClrMapping/>
   </p:clrMapOvr>
-  <p:timing>
-    <p:tnLst>
-      <p:par>
-        <p:cTn id="1" dur="indefinite" restart="never" nodeType="tmRoot"/>
-      </p:par>
-    </p:tnLst>
-  </p:timing>
 </p:sld>
 </file>
 
@@ -7437,7 +10990,7 @@
           <p:cNvPr id="2" name="직사각형 1">
             <a:extLst>
               <a:ext uri="{FF2B5EF4-FFF2-40B4-BE49-F238E27FC236}">
-                <a16:creationId xmlns:a16="http://schemas.microsoft.com/office/drawing/2014/main" xmlns="" id="{8E5B996D-DF87-49E5-95D1-45B1EEB9EE9A}"/>
+                <a16:creationId xmlns:a16="http://schemas.microsoft.com/office/drawing/2014/main" id="{8E5B996D-DF87-49E5-95D1-45B1EEB9EE9A}"/>
               </a:ext>
             </a:extLst>
           </p:cNvPr>
@@ -7489,7 +11042,7 @@
           <p:cNvPr id="4" name="직사각형 3">
             <a:extLst>
               <a:ext uri="{FF2B5EF4-FFF2-40B4-BE49-F238E27FC236}">
-                <a16:creationId xmlns:a16="http://schemas.microsoft.com/office/drawing/2014/main" xmlns="" id="{080CEE4E-4BCA-42C3-BECA-9BCEB9931EEA}"/>
+                <a16:creationId xmlns:a16="http://schemas.microsoft.com/office/drawing/2014/main" id="{080CEE4E-4BCA-42C3-BECA-9BCEB9931EEA}"/>
               </a:ext>
             </a:extLst>
           </p:cNvPr>
@@ -7541,7 +11094,7 @@
           <p:cNvPr id="5" name="TextBox 4">
             <a:extLst>
               <a:ext uri="{FF2B5EF4-FFF2-40B4-BE49-F238E27FC236}">
-                <a16:creationId xmlns:a16="http://schemas.microsoft.com/office/drawing/2014/main" xmlns="" id="{D12B0B12-AB99-4F88-B4B2-948DADC833EA}"/>
+                <a16:creationId xmlns:a16="http://schemas.microsoft.com/office/drawing/2014/main" id="{D12B0B12-AB99-4F88-B4B2-948DADC833EA}"/>
               </a:ext>
             </a:extLst>
           </p:cNvPr>
@@ -7660,7 +11213,7 @@
           <p:cNvPr id="9" name="그림 8">
             <a:extLst>
               <a:ext uri="{FF2B5EF4-FFF2-40B4-BE49-F238E27FC236}">
-                <a16:creationId xmlns:a16="http://schemas.microsoft.com/office/drawing/2014/main" xmlns="" id="{0F0992E8-2696-42E6-805A-0C12780D8FA1}"/>
+                <a16:creationId xmlns:a16="http://schemas.microsoft.com/office/drawing/2014/main" id="{0F0992E8-2696-42E6-805A-0C12780D8FA1}"/>
               </a:ext>
             </a:extLst>
           </p:cNvPr>
@@ -7713,7 +11266,7 @@
         </p:blipFill>
         <p:spPr bwMode="auto">
           <a:xfrm>
-            <a:off x="696000" y="1179869"/>
+            <a:off x="696000" y="1408060"/>
             <a:ext cx="10800000" cy="4796433"/>
           </a:xfrm>
           <a:prstGeom prst="rect">
@@ -7764,13 +11317,6 @@
   <p:clrMapOvr>
     <a:masterClrMapping/>
   </p:clrMapOvr>
-  <p:timing>
-    <p:tnLst>
-      <p:par>
-        <p:cTn id="1" dur="indefinite" restart="never" nodeType="tmRoot"/>
-      </p:par>
-    </p:tnLst>
-  </p:timing>
 </p:sld>
 </file>
 
@@ -7796,7 +11342,7 @@
           <p:cNvPr id="2" name="직사각형 1">
             <a:extLst>
               <a:ext uri="{FF2B5EF4-FFF2-40B4-BE49-F238E27FC236}">
-                <a16:creationId xmlns:a16="http://schemas.microsoft.com/office/drawing/2014/main" xmlns="" id="{8E5B996D-DF87-49E5-95D1-45B1EEB9EE9A}"/>
+                <a16:creationId xmlns:a16="http://schemas.microsoft.com/office/drawing/2014/main" id="{8E5B996D-DF87-49E5-95D1-45B1EEB9EE9A}"/>
               </a:ext>
             </a:extLst>
           </p:cNvPr>
@@ -7848,7 +11394,7 @@
           <p:cNvPr id="4" name="직사각형 3">
             <a:extLst>
               <a:ext uri="{FF2B5EF4-FFF2-40B4-BE49-F238E27FC236}">
-                <a16:creationId xmlns:a16="http://schemas.microsoft.com/office/drawing/2014/main" xmlns="" id="{080CEE4E-4BCA-42C3-BECA-9BCEB9931EEA}"/>
+                <a16:creationId xmlns:a16="http://schemas.microsoft.com/office/drawing/2014/main" id="{080CEE4E-4BCA-42C3-BECA-9BCEB9931EEA}"/>
               </a:ext>
             </a:extLst>
           </p:cNvPr>
@@ -7900,7 +11446,7 @@
           <p:cNvPr id="5" name="TextBox 4">
             <a:extLst>
               <a:ext uri="{FF2B5EF4-FFF2-40B4-BE49-F238E27FC236}">
-                <a16:creationId xmlns:a16="http://schemas.microsoft.com/office/drawing/2014/main" xmlns="" id="{D12B0B12-AB99-4F88-B4B2-948DADC833EA}"/>
+                <a16:creationId xmlns:a16="http://schemas.microsoft.com/office/drawing/2014/main" id="{D12B0B12-AB99-4F88-B4B2-948DADC833EA}"/>
               </a:ext>
             </a:extLst>
           </p:cNvPr>
@@ -7924,7 +11470,7 @@
           <a:lstStyle/>
           <a:p>
             <a:r>
-              <a:rPr kumimoji="1" lang="en-US" altLang="ja-JP" sz="4400" b="1" spc="-150" dirty="0" smtClean="0">
+              <a:rPr kumimoji="1" lang="en-US" altLang="ja-JP" sz="4400" b="1" spc="-150" dirty="0">
                 <a:solidFill>
                   <a:srgbClr val="FFCD2F"/>
                 </a:solidFill>
@@ -7941,7 +11487,7 @@
               <a:t>U</a:t>
             </a:r>
             <a:r>
-              <a:rPr kumimoji="1" lang="en-US" altLang="ja-JP" sz="4400" b="1" spc="-150" dirty="0" smtClean="0">
+              <a:rPr kumimoji="1" lang="en-US" altLang="ja-JP" sz="4400" b="1" spc="-150" dirty="0">
                 <a:solidFill>
                   <a:schemeClr val="accent1">
                     <a:lumMod val="75000"/>
@@ -7960,7 +11506,7 @@
               <a:t>secase </a:t>
             </a:r>
             <a:r>
-              <a:rPr kumimoji="1" lang="en-US" altLang="ja-JP" sz="4400" b="1" spc="-150" dirty="0" smtClean="0">
+              <a:rPr kumimoji="1" lang="en-US" altLang="ja-JP" sz="4400" b="1" spc="-150" dirty="0">
                 <a:solidFill>
                   <a:srgbClr val="FFCD2F"/>
                 </a:solidFill>
@@ -7977,7 +11523,7 @@
               <a:t>D</a:t>
             </a:r>
             <a:r>
-              <a:rPr kumimoji="1" lang="en-US" altLang="ja-JP" sz="4400" b="1" spc="-150" dirty="0" smtClean="0">
+              <a:rPr kumimoji="1" lang="en-US" altLang="ja-JP" sz="4400" b="1" spc="-150" dirty="0">
                 <a:solidFill>
                   <a:schemeClr val="accent1">
                     <a:lumMod val="75000"/>
@@ -8019,7 +11565,7 @@
           <p:cNvPr id="9" name="그림 8">
             <a:extLst>
               <a:ext uri="{FF2B5EF4-FFF2-40B4-BE49-F238E27FC236}">
-                <a16:creationId xmlns:a16="http://schemas.microsoft.com/office/drawing/2014/main" xmlns="" id="{0F0992E8-2696-42E6-805A-0C12780D8FA1}"/>
+                <a16:creationId xmlns:a16="http://schemas.microsoft.com/office/drawing/2014/main" id="{0F0992E8-2696-42E6-805A-0C12780D8FA1}"/>
               </a:ext>
             </a:extLst>
           </p:cNvPr>
@@ -8060,13 +11606,6 @@
   <p:clrMapOvr>
     <a:masterClrMapping/>
   </p:clrMapOvr>
-  <p:timing>
-    <p:tnLst>
-      <p:par>
-        <p:cTn id="1" dur="indefinite" restart="never" nodeType="tmRoot"/>
-      </p:par>
-    </p:tnLst>
-  </p:timing>
 </p:sld>
 </file>
 
@@ -8092,7 +11631,7 @@
           <p:cNvPr id="2" name="직사각형 1">
             <a:extLst>
               <a:ext uri="{FF2B5EF4-FFF2-40B4-BE49-F238E27FC236}">
-                <a16:creationId xmlns:a16="http://schemas.microsoft.com/office/drawing/2014/main" xmlns="" id="{8E5B996D-DF87-49E5-95D1-45B1EEB9EE9A}"/>
+                <a16:creationId xmlns:a16="http://schemas.microsoft.com/office/drawing/2014/main" id="{8E5B996D-DF87-49E5-95D1-45B1EEB9EE9A}"/>
               </a:ext>
             </a:extLst>
           </p:cNvPr>
@@ -8144,7 +11683,7 @@
           <p:cNvPr id="4" name="직사각형 3">
             <a:extLst>
               <a:ext uri="{FF2B5EF4-FFF2-40B4-BE49-F238E27FC236}">
-                <a16:creationId xmlns:a16="http://schemas.microsoft.com/office/drawing/2014/main" xmlns="" id="{080CEE4E-4BCA-42C3-BECA-9BCEB9931EEA}"/>
+                <a16:creationId xmlns:a16="http://schemas.microsoft.com/office/drawing/2014/main" id="{080CEE4E-4BCA-42C3-BECA-9BCEB9931EEA}"/>
               </a:ext>
             </a:extLst>
           </p:cNvPr>
@@ -8196,7 +11735,7 @@
           <p:cNvPr id="5" name="TextBox 4">
             <a:extLst>
               <a:ext uri="{FF2B5EF4-FFF2-40B4-BE49-F238E27FC236}">
-                <a16:creationId xmlns:a16="http://schemas.microsoft.com/office/drawing/2014/main" xmlns="" id="{D12B0B12-AB99-4F88-B4B2-948DADC833EA}"/>
+                <a16:creationId xmlns:a16="http://schemas.microsoft.com/office/drawing/2014/main" id="{D12B0B12-AB99-4F88-B4B2-948DADC833EA}"/>
               </a:ext>
             </a:extLst>
           </p:cNvPr>
@@ -8220,7 +11759,7 @@
           <a:lstStyle/>
           <a:p>
             <a:r>
-              <a:rPr kumimoji="1" lang="en-US" altLang="ja-JP" sz="4400" b="1" spc="-150" dirty="0" smtClean="0">
+              <a:rPr kumimoji="1" lang="en-US" altLang="ja-JP" sz="4400" b="1" spc="-150" dirty="0">
                 <a:solidFill>
                   <a:srgbClr val="FFCD2F"/>
                 </a:solidFill>
@@ -8237,7 +11776,7 @@
               <a:t>W</a:t>
             </a:r>
             <a:r>
-              <a:rPr kumimoji="1" lang="en-US" altLang="ja-JP" sz="4400" b="1" spc="-150" dirty="0" smtClean="0">
+              <a:rPr kumimoji="1" lang="en-US" altLang="ja-JP" sz="4400" b="1" spc="-150" dirty="0">
                 <a:solidFill>
                   <a:schemeClr val="accent1">
                     <a:lumMod val="75000"/>
@@ -8256,7 +11795,7 @@
               <a:t>ire </a:t>
             </a:r>
             <a:r>
-              <a:rPr kumimoji="1" lang="en-US" altLang="ja-JP" sz="4400" b="1" spc="-150" dirty="0" smtClean="0">
+              <a:rPr kumimoji="1" lang="en-US" altLang="ja-JP" sz="4400" b="1" spc="-150" dirty="0">
                 <a:solidFill>
                   <a:srgbClr val="FFCD2F"/>
                 </a:solidFill>
@@ -8273,7 +11812,7 @@
               <a:t>F</a:t>
             </a:r>
             <a:r>
-              <a:rPr kumimoji="1" lang="en-US" altLang="ja-JP" sz="4400" b="1" spc="-150" dirty="0" smtClean="0">
+              <a:rPr kumimoji="1" lang="en-US" altLang="ja-JP" sz="4400" b="1" spc="-150" dirty="0">
                 <a:solidFill>
                   <a:schemeClr val="accent1">
                     <a:lumMod val="75000"/>
@@ -8315,7 +11854,7 @@
           <p:cNvPr id="9" name="그림 8">
             <a:extLst>
               <a:ext uri="{FF2B5EF4-FFF2-40B4-BE49-F238E27FC236}">
-                <a16:creationId xmlns:a16="http://schemas.microsoft.com/office/drawing/2014/main" xmlns="" id="{0F0992E8-2696-42E6-805A-0C12780D8FA1}"/>
+                <a16:creationId xmlns:a16="http://schemas.microsoft.com/office/drawing/2014/main" id="{0F0992E8-2696-42E6-805A-0C12780D8FA1}"/>
               </a:ext>
             </a:extLst>
           </p:cNvPr>
@@ -8667,10 +12206,9 @@
           <a:lstStyle/>
           <a:p>
             <a:r>
-              <a:rPr lang="ko-KR" altLang="en-US" dirty="0" smtClean="0"/>
+              <a:rPr lang="ko-KR" altLang="en-US" dirty="0"/>
               <a:t>로그인</a:t>
             </a:r>
-            <a:endParaRPr lang="ko-KR" altLang="en-US" dirty="0"/>
           </a:p>
         </p:txBody>
       </p:sp>
@@ -8761,10 +12299,9 @@
             <a:p>
               <a:pPr algn="ctr"/>
               <a:r>
-                <a:rPr lang="ko-KR" altLang="en-US" sz="1100" dirty="0" smtClean="0"/>
+                <a:rPr lang="ko-KR" altLang="en-US" sz="1100" dirty="0"/>
                 <a:t>로그인</a:t>
               </a:r>
-              <a:endParaRPr lang="ko-KR" altLang="en-US" sz="1100" dirty="0"/>
             </a:p>
           </p:txBody>
         </p:sp>
@@ -8805,7 +12342,7 @@
               <a:lstStyle/>
               <a:p>
                 <a:r>
-                  <a:rPr lang="en-US" altLang="ko-KR" dirty="0" smtClean="0"/>
+                  <a:rPr lang="en-US" altLang="ko-KR" dirty="0"/>
                   <a:t>LOGIN</a:t>
                 </a:r>
                 <a:endParaRPr lang="ko-KR" altLang="en-US" dirty="0"/>
@@ -8928,7 +12465,7 @@
               <a:lstStyle/>
               <a:p>
                 <a:r>
-                  <a:rPr lang="en-US" altLang="ko-KR" sz="1100" dirty="0" smtClean="0"/>
+                  <a:rPr lang="en-US" altLang="ko-KR" sz="1100" dirty="0"/>
                   <a:t>ID</a:t>
                 </a:r>
                 <a:endParaRPr lang="ko-KR" altLang="en-US" sz="1100" dirty="0"/>
@@ -8958,7 +12495,7 @@
               <a:lstStyle/>
               <a:p>
                 <a:r>
-                  <a:rPr lang="en-US" altLang="ko-KR" sz="1100" dirty="0" smtClean="0"/>
+                  <a:rPr lang="en-US" altLang="ko-KR" sz="1100" dirty="0"/>
                   <a:t>PASSWORD</a:t>
                 </a:r>
                 <a:endParaRPr lang="ko-KR" altLang="en-US" sz="1100" dirty="0"/>
@@ -9041,30 +12578,25 @@
               <a:lstStyle/>
               <a:p>
                 <a:r>
-                  <a:rPr lang="ko-KR" altLang="en-US" sz="1100" dirty="0" smtClean="0"/>
-                  <a:t>아이</a:t>
+                  <a:rPr lang="ko-KR" altLang="en-US" sz="1100" dirty="0"/>
+                  <a:t>아이디</a:t>
+                </a:r>
+                <a:r>
+                  <a:rPr lang="en-US" altLang="ko-KR" sz="1100" dirty="0"/>
+                  <a:t> </a:t>
                 </a:r>
                 <a:r>
                   <a:rPr lang="ko-KR" altLang="en-US" sz="1100" dirty="0"/>
-                  <a:t>디</a:t>
-                </a:r>
-                <a:r>
-                  <a:rPr lang="en-US" altLang="ko-KR" sz="1100" dirty="0" smtClean="0"/>
-                  <a:t> </a:t>
-                </a:r>
-                <a:r>
-                  <a:rPr lang="ko-KR" altLang="en-US" sz="1100" dirty="0" smtClean="0"/>
                   <a:t>찾기  </a:t>
                 </a:r>
                 <a:r>
-                  <a:rPr lang="en-US" altLang="ko-KR" sz="1100" dirty="0" smtClean="0"/>
+                  <a:rPr lang="en-US" altLang="ko-KR" sz="1100" dirty="0"/>
                   <a:t>|  </a:t>
                 </a:r>
                 <a:r>
-                  <a:rPr lang="ko-KR" altLang="en-US" sz="1100" dirty="0" smtClean="0"/>
+                  <a:rPr lang="ko-KR" altLang="en-US" sz="1100" dirty="0"/>
                   <a:t>비밀번호 찾기</a:t>
                 </a:r>
-                <a:endParaRPr lang="ko-KR" altLang="en-US" sz="1100" dirty="0"/>
               </a:p>
             </p:txBody>
           </p:sp>
@@ -9122,7 +12654,7 @@
               <a:lstStyle/>
               <a:p>
                 <a:r>
-                  <a:rPr lang="ko-KR" altLang="en-US" sz="1100" smtClean="0"/>
+                  <a:rPr lang="ko-KR" altLang="en-US" sz="1100"/>
                   <a:t>회원가입</a:t>
                 </a:r>
                 <a:endParaRPr lang="ko-KR" altLang="en-US" sz="1100" dirty="0"/>
@@ -9180,10 +12712,9 @@
             <a:p>
               <a:pPr algn="ctr"/>
               <a:r>
-                <a:rPr lang="ko-KR" altLang="en-US" sz="1100" dirty="0" smtClean="0"/>
+                <a:rPr lang="ko-KR" altLang="en-US" sz="1100" dirty="0"/>
                 <a:t>로그인</a:t>
               </a:r>
-              <a:endParaRPr lang="ko-KR" altLang="en-US" sz="1100" dirty="0"/>
             </a:p>
           </p:txBody>
         </p:sp>
@@ -9224,7 +12755,7 @@
               <a:lstStyle/>
               <a:p>
                 <a:r>
-                  <a:rPr lang="en-US" altLang="ko-KR" dirty="0" smtClean="0"/>
+                  <a:rPr lang="en-US" altLang="ko-KR" dirty="0"/>
                   <a:t>LOGIN</a:t>
                 </a:r>
                 <a:endParaRPr lang="ko-KR" altLang="en-US" dirty="0"/>
@@ -9347,7 +12878,7 @@
               <a:lstStyle/>
               <a:p>
                 <a:r>
-                  <a:rPr lang="en-US" altLang="ko-KR" sz="1100" dirty="0" smtClean="0"/>
+                  <a:rPr lang="en-US" altLang="ko-KR" sz="1100" dirty="0"/>
                   <a:t>ID</a:t>
                 </a:r>
                 <a:endParaRPr lang="ko-KR" altLang="en-US" sz="1100" dirty="0"/>
@@ -9377,7 +12908,7 @@
               <a:lstStyle/>
               <a:p>
                 <a:r>
-                  <a:rPr lang="en-US" altLang="ko-KR" sz="1100" dirty="0" smtClean="0"/>
+                  <a:rPr lang="en-US" altLang="ko-KR" sz="1100" dirty="0"/>
                   <a:t>PASSWORD</a:t>
                 </a:r>
                 <a:endParaRPr lang="ko-KR" altLang="en-US" sz="1100" dirty="0"/>
@@ -9460,30 +12991,25 @@
               <a:lstStyle/>
               <a:p>
                 <a:r>
-                  <a:rPr lang="ko-KR" altLang="en-US" sz="1100" dirty="0" smtClean="0"/>
-                  <a:t>아이</a:t>
+                  <a:rPr lang="ko-KR" altLang="en-US" sz="1100" dirty="0"/>
+                  <a:t>아이디</a:t>
+                </a:r>
+                <a:r>
+                  <a:rPr lang="en-US" altLang="ko-KR" sz="1100" dirty="0"/>
+                  <a:t> </a:t>
                 </a:r>
                 <a:r>
                   <a:rPr lang="ko-KR" altLang="en-US" sz="1100" dirty="0"/>
-                  <a:t>디</a:t>
-                </a:r>
-                <a:r>
-                  <a:rPr lang="en-US" altLang="ko-KR" sz="1100" dirty="0" smtClean="0"/>
-                  <a:t> </a:t>
-                </a:r>
-                <a:r>
-                  <a:rPr lang="ko-KR" altLang="en-US" sz="1100" dirty="0" smtClean="0"/>
                   <a:t>찾기  </a:t>
                 </a:r>
                 <a:r>
-                  <a:rPr lang="en-US" altLang="ko-KR" sz="1100" dirty="0" smtClean="0"/>
+                  <a:rPr lang="en-US" altLang="ko-KR" sz="1100" dirty="0"/>
                   <a:t>|  </a:t>
                 </a:r>
                 <a:r>
-                  <a:rPr lang="ko-KR" altLang="en-US" sz="1100" dirty="0" smtClean="0"/>
+                  <a:rPr lang="ko-KR" altLang="en-US" sz="1100" dirty="0"/>
                   <a:t>비밀번호 찾기</a:t>
                 </a:r>
-                <a:endParaRPr lang="ko-KR" altLang="en-US" sz="1100" dirty="0"/>
               </a:p>
             </p:txBody>
           </p:sp>
@@ -9541,7 +13067,7 @@
               <a:lstStyle/>
               <a:p>
                 <a:r>
-                  <a:rPr lang="ko-KR" altLang="en-US" sz="1100" smtClean="0"/>
+                  <a:rPr lang="ko-KR" altLang="en-US" sz="1100"/>
                   <a:t>회원가입</a:t>
                 </a:r>
                 <a:endParaRPr lang="ko-KR" altLang="en-US" sz="1100" dirty="0"/>
@@ -9560,13 +13086,6 @@
   <p:clrMapOvr>
     <a:masterClrMapping/>
   </p:clrMapOvr>
-  <p:timing>
-    <p:tnLst>
-      <p:par>
-        <p:cTn id="1" dur="indefinite" restart="never" nodeType="tmRoot"/>
-      </p:par>
-    </p:tnLst>
-  </p:timing>
 </p:sld>
 </file>
 
@@ -9592,7 +13111,7 @@
           <p:cNvPr id="2" name="직사각형 1">
             <a:extLst>
               <a:ext uri="{FF2B5EF4-FFF2-40B4-BE49-F238E27FC236}">
-                <a16:creationId xmlns:a16="http://schemas.microsoft.com/office/drawing/2014/main" xmlns="" id="{8E5B996D-DF87-49E5-95D1-45B1EEB9EE9A}"/>
+                <a16:creationId xmlns:a16="http://schemas.microsoft.com/office/drawing/2014/main" id="{8E5B996D-DF87-49E5-95D1-45B1EEB9EE9A}"/>
               </a:ext>
             </a:extLst>
           </p:cNvPr>
@@ -9644,7 +13163,7 @@
           <p:cNvPr id="4" name="직사각형 3">
             <a:extLst>
               <a:ext uri="{FF2B5EF4-FFF2-40B4-BE49-F238E27FC236}">
-                <a16:creationId xmlns:a16="http://schemas.microsoft.com/office/drawing/2014/main" xmlns="" id="{080CEE4E-4BCA-42C3-BECA-9BCEB9931EEA}"/>
+                <a16:creationId xmlns:a16="http://schemas.microsoft.com/office/drawing/2014/main" id="{080CEE4E-4BCA-42C3-BECA-9BCEB9931EEA}"/>
               </a:ext>
             </a:extLst>
           </p:cNvPr>
@@ -9696,7 +13215,7 @@
           <p:cNvPr id="5" name="TextBox 4">
             <a:extLst>
               <a:ext uri="{FF2B5EF4-FFF2-40B4-BE49-F238E27FC236}">
-                <a16:creationId xmlns:a16="http://schemas.microsoft.com/office/drawing/2014/main" xmlns="" id="{D12B0B12-AB99-4F88-B4B2-948DADC833EA}"/>
+                <a16:creationId xmlns:a16="http://schemas.microsoft.com/office/drawing/2014/main" id="{D12B0B12-AB99-4F88-B4B2-948DADC833EA}"/>
               </a:ext>
             </a:extLst>
           </p:cNvPr>
@@ -9720,7 +13239,7 @@
           <a:lstStyle/>
           <a:p>
             <a:r>
-              <a:rPr kumimoji="1" lang="en-US" altLang="ja-JP" sz="4400" b="1" spc="-150" dirty="0" smtClean="0">
+              <a:rPr kumimoji="1" lang="en-US" altLang="ja-JP" sz="4400" b="1" spc="-150" dirty="0">
                 <a:solidFill>
                   <a:srgbClr val="FFCD2F"/>
                 </a:solidFill>
@@ -9737,7 +13256,7 @@
               <a:t>W</a:t>
             </a:r>
             <a:r>
-              <a:rPr kumimoji="1" lang="en-US" altLang="ja-JP" sz="4400" b="1" spc="-150" dirty="0" smtClean="0">
+              <a:rPr kumimoji="1" lang="en-US" altLang="ja-JP" sz="4400" b="1" spc="-150" dirty="0">
                 <a:solidFill>
                   <a:schemeClr val="accent1">
                     <a:lumMod val="75000"/>
@@ -9756,7 +13275,7 @@
               <a:t>ire </a:t>
             </a:r>
             <a:r>
-              <a:rPr kumimoji="1" lang="en-US" altLang="ja-JP" sz="4400" b="1" spc="-150" dirty="0" smtClean="0">
+              <a:rPr kumimoji="1" lang="en-US" altLang="ja-JP" sz="4400" b="1" spc="-150" dirty="0">
                 <a:solidFill>
                   <a:srgbClr val="FFCD2F"/>
                 </a:solidFill>
@@ -9773,7 +13292,7 @@
               <a:t>F</a:t>
             </a:r>
             <a:r>
-              <a:rPr kumimoji="1" lang="en-US" altLang="ja-JP" sz="4400" b="1" spc="-150" dirty="0" smtClean="0">
+              <a:rPr kumimoji="1" lang="en-US" altLang="ja-JP" sz="4400" b="1" spc="-150" dirty="0">
                 <a:solidFill>
                   <a:schemeClr val="accent1">
                     <a:lumMod val="75000"/>
@@ -9815,7 +13334,7 @@
           <p:cNvPr id="9" name="그림 8">
             <a:extLst>
               <a:ext uri="{FF2B5EF4-FFF2-40B4-BE49-F238E27FC236}">
-                <a16:creationId xmlns:a16="http://schemas.microsoft.com/office/drawing/2014/main" xmlns="" id="{0F0992E8-2696-42E6-805A-0C12780D8FA1}"/>
+                <a16:creationId xmlns:a16="http://schemas.microsoft.com/office/drawing/2014/main" id="{0F0992E8-2696-42E6-805A-0C12780D8FA1}"/>
               </a:ext>
             </a:extLst>
           </p:cNvPr>
@@ -10167,13 +13686,460 @@
           <a:lstStyle/>
           <a:p>
             <a:r>
-              <a:rPr lang="ko-KR" altLang="en-US" dirty="0" smtClean="0"/>
+              <a:rPr lang="ko-KR" altLang="en-US" dirty="0"/>
               <a:t>아이디 찾기</a:t>
             </a:r>
-            <a:endParaRPr lang="ko-KR" altLang="en-US" dirty="0"/>
-          </a:p>
-        </p:txBody>
-      </p:sp>
+          </a:p>
+        </p:txBody>
+      </p:sp>
+      <p:sp>
+        <p:nvSpPr>
+          <p:cNvPr id="10" name="직사각형 9">
+            <a:extLst>
+              <a:ext uri="{FF2B5EF4-FFF2-40B4-BE49-F238E27FC236}">
+                <a16:creationId xmlns:a16="http://schemas.microsoft.com/office/drawing/2014/main" id="{C06AD1E1-15AC-47D7-8403-E3418692F8E0}"/>
+              </a:ext>
+            </a:extLst>
+          </p:cNvPr>
+          <p:cNvSpPr/>
+          <p:nvPr/>
+        </p:nvSpPr>
+        <p:spPr>
+          <a:xfrm>
+            <a:off x="2320315" y="3116414"/>
+            <a:ext cx="4351571" cy="2388093"/>
+          </a:xfrm>
+          <a:prstGeom prst="rect">
+            <a:avLst/>
+          </a:prstGeom>
+        </p:spPr>
+        <p:style>
+          <a:lnRef idx="2">
+            <a:schemeClr val="dk1"/>
+          </a:lnRef>
+          <a:fillRef idx="1">
+            <a:schemeClr val="lt1"/>
+          </a:fillRef>
+          <a:effectRef idx="0">
+            <a:schemeClr val="dk1"/>
+          </a:effectRef>
+          <a:fontRef idx="minor">
+            <a:schemeClr val="dk1"/>
+          </a:fontRef>
+        </p:style>
+        <p:txBody>
+          <a:bodyPr rtlCol="0" anchor="ctr"/>
+          <a:lstStyle/>
+          <a:p>
+            <a:pPr algn="ctr"/>
+            <a:endParaRPr lang="ko-KR" altLang="en-US"/>
+          </a:p>
+        </p:txBody>
+      </p:sp>
+      <p:sp>
+        <p:nvSpPr>
+          <p:cNvPr id="11" name="직사각형 10">
+            <a:extLst>
+              <a:ext uri="{FF2B5EF4-FFF2-40B4-BE49-F238E27FC236}">
+                <a16:creationId xmlns:a16="http://schemas.microsoft.com/office/drawing/2014/main" id="{9BA0B9D7-6CF3-42E4-BB1E-5D41FEBB96FD}"/>
+              </a:ext>
+            </a:extLst>
+          </p:cNvPr>
+          <p:cNvSpPr/>
+          <p:nvPr/>
+        </p:nvSpPr>
+        <p:spPr>
+          <a:xfrm>
+            <a:off x="3784813" y="3645950"/>
+            <a:ext cx="1429305" cy="324000"/>
+          </a:xfrm>
+          <a:prstGeom prst="rect">
+            <a:avLst/>
+          </a:prstGeom>
+        </p:spPr>
+        <p:style>
+          <a:lnRef idx="2">
+            <a:schemeClr val="dk1"/>
+          </a:lnRef>
+          <a:fillRef idx="1">
+            <a:schemeClr val="lt1"/>
+          </a:fillRef>
+          <a:effectRef idx="0">
+            <a:schemeClr val="dk1"/>
+          </a:effectRef>
+          <a:fontRef idx="minor">
+            <a:schemeClr val="dk1"/>
+          </a:fontRef>
+        </p:style>
+        <p:txBody>
+          <a:bodyPr rtlCol="0" anchor="ctr"/>
+          <a:lstStyle/>
+          <a:p>
+            <a:pPr algn="ctr"/>
+            <a:endParaRPr lang="ko-KR" altLang="en-US"/>
+          </a:p>
+        </p:txBody>
+      </p:sp>
+      <p:sp>
+        <p:nvSpPr>
+          <p:cNvPr id="12" name="TextBox 11">
+            <a:extLst>
+              <a:ext uri="{FF2B5EF4-FFF2-40B4-BE49-F238E27FC236}">
+                <a16:creationId xmlns:a16="http://schemas.microsoft.com/office/drawing/2014/main" id="{06330FE6-C4D0-4A04-A776-B7D7A99FEE8F}"/>
+              </a:ext>
+            </a:extLst>
+          </p:cNvPr>
+          <p:cNvSpPr txBox="1"/>
+          <p:nvPr/>
+        </p:nvSpPr>
+        <p:spPr>
+          <a:xfrm>
+            <a:off x="3235015" y="3654061"/>
+            <a:ext cx="543739" cy="307777"/>
+          </a:xfrm>
+          <a:prstGeom prst="rect">
+            <a:avLst/>
+          </a:prstGeom>
+          <a:noFill/>
+        </p:spPr>
+        <p:txBody>
+          <a:bodyPr wrap="none" rtlCol="0">
+            <a:spAutoFit/>
+          </a:bodyPr>
+          <a:lstStyle/>
+          <a:p>
+            <a:r>
+              <a:rPr lang="ko-KR" altLang="en-US" sz="1400" dirty="0"/>
+              <a:t>이름</a:t>
+            </a:r>
+          </a:p>
+        </p:txBody>
+      </p:sp>
+      <p:sp>
+        <p:nvSpPr>
+          <p:cNvPr id="13" name="TextBox 12">
+            <a:extLst>
+              <a:ext uri="{FF2B5EF4-FFF2-40B4-BE49-F238E27FC236}">
+                <a16:creationId xmlns:a16="http://schemas.microsoft.com/office/drawing/2014/main" id="{3A39D1D2-6993-47C8-B206-5F24137F65F3}"/>
+              </a:ext>
+            </a:extLst>
+          </p:cNvPr>
+          <p:cNvSpPr txBox="1"/>
+          <p:nvPr/>
+        </p:nvSpPr>
+        <p:spPr>
+          <a:xfrm>
+            <a:off x="2696406" y="4062851"/>
+            <a:ext cx="1082348" cy="324000"/>
+          </a:xfrm>
+          <a:prstGeom prst="rect">
+            <a:avLst/>
+          </a:prstGeom>
+          <a:noFill/>
+        </p:spPr>
+        <p:txBody>
+          <a:bodyPr wrap="none" rtlCol="0">
+            <a:spAutoFit/>
+          </a:bodyPr>
+          <a:lstStyle/>
+          <a:p>
+            <a:r>
+              <a:rPr lang="ko-KR" altLang="en-US" sz="1400" dirty="0"/>
+              <a:t>휴대폰번호</a:t>
+            </a:r>
+          </a:p>
+        </p:txBody>
+      </p:sp>
+      <p:sp>
+        <p:nvSpPr>
+          <p:cNvPr id="14" name="직사각형 13">
+            <a:extLst>
+              <a:ext uri="{FF2B5EF4-FFF2-40B4-BE49-F238E27FC236}">
+                <a16:creationId xmlns:a16="http://schemas.microsoft.com/office/drawing/2014/main" id="{E12D4D8D-0ADC-4521-A3FB-8C99B905DB23}"/>
+              </a:ext>
+            </a:extLst>
+          </p:cNvPr>
+          <p:cNvSpPr/>
+          <p:nvPr/>
+        </p:nvSpPr>
+        <p:spPr>
+          <a:xfrm>
+            <a:off x="3784813" y="4052582"/>
+            <a:ext cx="1429305" cy="324000"/>
+          </a:xfrm>
+          <a:prstGeom prst="rect">
+            <a:avLst/>
+          </a:prstGeom>
+        </p:spPr>
+        <p:style>
+          <a:lnRef idx="2">
+            <a:schemeClr val="dk1"/>
+          </a:lnRef>
+          <a:fillRef idx="1">
+            <a:schemeClr val="lt1"/>
+          </a:fillRef>
+          <a:effectRef idx="0">
+            <a:schemeClr val="dk1"/>
+          </a:effectRef>
+          <a:fontRef idx="minor">
+            <a:schemeClr val="dk1"/>
+          </a:fontRef>
+        </p:style>
+        <p:txBody>
+          <a:bodyPr rtlCol="0" anchor="ctr"/>
+          <a:lstStyle/>
+          <a:p>
+            <a:pPr algn="ctr"/>
+            <a:endParaRPr lang="ko-KR" altLang="en-US"/>
+          </a:p>
+        </p:txBody>
+      </p:sp>
+      <p:sp>
+        <p:nvSpPr>
+          <p:cNvPr id="15" name="직사각형 14">
+            <a:extLst>
+              <a:ext uri="{FF2B5EF4-FFF2-40B4-BE49-F238E27FC236}">
+                <a16:creationId xmlns:a16="http://schemas.microsoft.com/office/drawing/2014/main" id="{858EF894-179B-407C-95C7-DBE73F217BFF}"/>
+              </a:ext>
+            </a:extLst>
+          </p:cNvPr>
+          <p:cNvSpPr/>
+          <p:nvPr/>
+        </p:nvSpPr>
+        <p:spPr>
+          <a:xfrm>
+            <a:off x="5324916" y="4088582"/>
+            <a:ext cx="900000" cy="252000"/>
+          </a:xfrm>
+          <a:prstGeom prst="rect">
+            <a:avLst/>
+          </a:prstGeom>
+        </p:spPr>
+        <p:style>
+          <a:lnRef idx="2">
+            <a:schemeClr val="dk1"/>
+          </a:lnRef>
+          <a:fillRef idx="1">
+            <a:schemeClr val="lt1"/>
+          </a:fillRef>
+          <a:effectRef idx="0">
+            <a:schemeClr val="dk1"/>
+          </a:effectRef>
+          <a:fontRef idx="minor">
+            <a:schemeClr val="dk1"/>
+          </a:fontRef>
+        </p:style>
+        <p:txBody>
+          <a:bodyPr rtlCol="0" anchor="ctr"/>
+          <a:lstStyle/>
+          <a:p>
+            <a:pPr algn="ctr"/>
+            <a:r>
+              <a:rPr lang="ko-KR" altLang="en-US" sz="900"/>
+              <a:t>인증번호받기</a:t>
+            </a:r>
+            <a:endParaRPr lang="ko-KR" altLang="en-US" sz="900" dirty="0"/>
+          </a:p>
+        </p:txBody>
+      </p:sp>
+      <p:sp>
+        <p:nvSpPr>
+          <p:cNvPr id="16" name="직사각형 15">
+            <a:extLst>
+              <a:ext uri="{FF2B5EF4-FFF2-40B4-BE49-F238E27FC236}">
+                <a16:creationId xmlns:a16="http://schemas.microsoft.com/office/drawing/2014/main" id="{C54102B0-1FC6-4BB5-9EC2-96E1C1C6B9D3}"/>
+              </a:ext>
+            </a:extLst>
+          </p:cNvPr>
+          <p:cNvSpPr/>
+          <p:nvPr/>
+        </p:nvSpPr>
+        <p:spPr>
+          <a:xfrm>
+            <a:off x="3784813" y="4459679"/>
+            <a:ext cx="1429305" cy="324000"/>
+          </a:xfrm>
+          <a:prstGeom prst="rect">
+            <a:avLst/>
+          </a:prstGeom>
+        </p:spPr>
+        <p:style>
+          <a:lnRef idx="2">
+            <a:schemeClr val="dk1"/>
+          </a:lnRef>
+          <a:fillRef idx="1">
+            <a:schemeClr val="lt1"/>
+          </a:fillRef>
+          <a:effectRef idx="0">
+            <a:schemeClr val="dk1"/>
+          </a:effectRef>
+          <a:fontRef idx="minor">
+            <a:schemeClr val="dk1"/>
+          </a:fontRef>
+        </p:style>
+        <p:txBody>
+          <a:bodyPr rtlCol="0" anchor="ctr"/>
+          <a:lstStyle/>
+          <a:p>
+            <a:pPr algn="ctr"/>
+            <a:endParaRPr lang="ko-KR" altLang="en-US"/>
+          </a:p>
+        </p:txBody>
+      </p:sp>
+      <p:sp>
+        <p:nvSpPr>
+          <p:cNvPr id="17" name="TextBox 16">
+            <a:extLst>
+              <a:ext uri="{FF2B5EF4-FFF2-40B4-BE49-F238E27FC236}">
+                <a16:creationId xmlns:a16="http://schemas.microsoft.com/office/drawing/2014/main" id="{DE2ED6AA-2EA4-4B4E-8E17-7E28C5CCCFCB}"/>
+              </a:ext>
+            </a:extLst>
+          </p:cNvPr>
+          <p:cNvSpPr txBox="1"/>
+          <p:nvPr/>
+        </p:nvSpPr>
+        <p:spPr>
+          <a:xfrm>
+            <a:off x="2875943" y="4467790"/>
+            <a:ext cx="902811" cy="307777"/>
+          </a:xfrm>
+          <a:prstGeom prst="rect">
+            <a:avLst/>
+          </a:prstGeom>
+          <a:noFill/>
+        </p:spPr>
+        <p:txBody>
+          <a:bodyPr wrap="none" rtlCol="0">
+            <a:spAutoFit/>
+          </a:bodyPr>
+          <a:lstStyle/>
+          <a:p>
+            <a:r>
+              <a:rPr lang="ko-KR" altLang="en-US" sz="1400"/>
+              <a:t>인증번호</a:t>
+            </a:r>
+            <a:endParaRPr lang="ko-KR" altLang="en-US" sz="1400" dirty="0"/>
+          </a:p>
+        </p:txBody>
+      </p:sp>
+      <p:sp>
+        <p:nvSpPr>
+          <p:cNvPr id="18" name="직사각형 17">
+            <a:extLst>
+              <a:ext uri="{FF2B5EF4-FFF2-40B4-BE49-F238E27FC236}">
+                <a16:creationId xmlns:a16="http://schemas.microsoft.com/office/drawing/2014/main" id="{9D56ADB9-A0DD-425C-A5B8-AB58E3DE5BAB}"/>
+              </a:ext>
+            </a:extLst>
+          </p:cNvPr>
+          <p:cNvSpPr/>
+          <p:nvPr/>
+        </p:nvSpPr>
+        <p:spPr>
+          <a:xfrm>
+            <a:off x="3905735" y="4962617"/>
+            <a:ext cx="1180730" cy="391517"/>
+          </a:xfrm>
+          <a:prstGeom prst="rect">
+            <a:avLst/>
+          </a:prstGeom>
+        </p:spPr>
+        <p:style>
+          <a:lnRef idx="2">
+            <a:schemeClr val="dk1"/>
+          </a:lnRef>
+          <a:fillRef idx="1">
+            <a:schemeClr val="lt1"/>
+          </a:fillRef>
+          <a:effectRef idx="0">
+            <a:schemeClr val="dk1"/>
+          </a:effectRef>
+          <a:fontRef idx="minor">
+            <a:schemeClr val="dk1"/>
+          </a:fontRef>
+        </p:style>
+        <p:txBody>
+          <a:bodyPr rtlCol="0" anchor="ctr"/>
+          <a:lstStyle/>
+          <a:p>
+            <a:pPr algn="ctr"/>
+            <a:r>
+              <a:rPr lang="ko-KR" altLang="en-US" sz="1600"/>
+              <a:t>확인</a:t>
+            </a:r>
+          </a:p>
+        </p:txBody>
+      </p:sp>
+      <p:sp>
+        <p:nvSpPr>
+          <p:cNvPr id="19" name="TextBox 18">
+            <a:extLst>
+              <a:ext uri="{FF2B5EF4-FFF2-40B4-BE49-F238E27FC236}">
+                <a16:creationId xmlns:a16="http://schemas.microsoft.com/office/drawing/2014/main" id="{BE97AB81-FBB8-4FA0-BD52-8838D884D98C}"/>
+              </a:ext>
+            </a:extLst>
+          </p:cNvPr>
+          <p:cNvSpPr txBox="1"/>
+          <p:nvPr/>
+        </p:nvSpPr>
+        <p:spPr>
+          <a:xfrm>
+            <a:off x="2696406" y="3211905"/>
+            <a:ext cx="1282723" cy="338554"/>
+          </a:xfrm>
+          <a:prstGeom prst="rect">
+            <a:avLst/>
+          </a:prstGeom>
+          <a:noFill/>
+        </p:spPr>
+        <p:txBody>
+          <a:bodyPr wrap="none" rtlCol="0">
+            <a:spAutoFit/>
+          </a:bodyPr>
+          <a:lstStyle/>
+          <a:p>
+            <a:r>
+              <a:rPr lang="ko-KR" altLang="en-US" sz="1600" dirty="0"/>
+              <a:t>아이디 찾기</a:t>
+            </a:r>
+          </a:p>
+        </p:txBody>
+      </p:sp>
+      <p:pic>
+        <p:nvPicPr>
+          <p:cNvPr id="8" name="그림 7">
+            <a:extLst>
+              <a:ext uri="{FF2B5EF4-FFF2-40B4-BE49-F238E27FC236}">
+                <a16:creationId xmlns:a16="http://schemas.microsoft.com/office/drawing/2014/main" id="{67C27A0E-090D-4FBF-B216-C5B281DE255C}"/>
+              </a:ext>
+            </a:extLst>
+          </p:cNvPr>
+          <p:cNvPicPr>
+            <a:picLocks noChangeAspect="1"/>
+          </p:cNvPicPr>
+          <p:nvPr/>
+        </p:nvPicPr>
+        <p:blipFill>
+          <a:blip r:embed="rId5">
+            <a:extLst>
+              <a:ext uri="{28A0092B-C50C-407E-A947-70E740481C1C}">
+                <a14:useLocalDpi xmlns:a14="http://schemas.microsoft.com/office/drawing/2010/main" val="0"/>
+              </a:ext>
+            </a:extLst>
+          </a:blip>
+          <a:stretch>
+            <a:fillRect/>
+          </a:stretch>
+        </p:blipFill>
+        <p:spPr>
+          <a:xfrm>
+            <a:off x="2479011" y="3237182"/>
+            <a:ext cx="287438" cy="288000"/>
+          </a:xfrm>
+          <a:prstGeom prst="rect">
+            <a:avLst/>
+          </a:prstGeom>
+        </p:spPr>
+      </p:pic>
     </p:spTree>
     <p:extLst>
       <p:ext uri="{BB962C8B-B14F-4D97-AF65-F5344CB8AC3E}">
@@ -10184,13 +14150,6 @@
   <p:clrMapOvr>
     <a:masterClrMapping/>
   </p:clrMapOvr>
-  <p:timing>
-    <p:tnLst>
-      <p:par>
-        <p:cTn id="1" dur="indefinite" restart="never" nodeType="tmRoot"/>
-      </p:par>
-    </p:tnLst>
-  </p:timing>
 </p:sld>
 </file>
 
@@ -10216,7 +14175,7 @@
           <p:cNvPr id="2" name="직사각형 1">
             <a:extLst>
               <a:ext uri="{FF2B5EF4-FFF2-40B4-BE49-F238E27FC236}">
-                <a16:creationId xmlns:a16="http://schemas.microsoft.com/office/drawing/2014/main" xmlns="" id="{8E5B996D-DF87-49E5-95D1-45B1EEB9EE9A}"/>
+                <a16:creationId xmlns:a16="http://schemas.microsoft.com/office/drawing/2014/main" id="{8E5B996D-DF87-49E5-95D1-45B1EEB9EE9A}"/>
               </a:ext>
             </a:extLst>
           </p:cNvPr>
@@ -10268,7 +14227,7 @@
           <p:cNvPr id="4" name="직사각형 3">
             <a:extLst>
               <a:ext uri="{FF2B5EF4-FFF2-40B4-BE49-F238E27FC236}">
-                <a16:creationId xmlns:a16="http://schemas.microsoft.com/office/drawing/2014/main" xmlns="" id="{080CEE4E-4BCA-42C3-BECA-9BCEB9931EEA}"/>
+                <a16:creationId xmlns:a16="http://schemas.microsoft.com/office/drawing/2014/main" id="{080CEE4E-4BCA-42C3-BECA-9BCEB9931EEA}"/>
               </a:ext>
             </a:extLst>
           </p:cNvPr>
@@ -10320,7 +14279,7 @@
           <p:cNvPr id="5" name="TextBox 4">
             <a:extLst>
               <a:ext uri="{FF2B5EF4-FFF2-40B4-BE49-F238E27FC236}">
-                <a16:creationId xmlns:a16="http://schemas.microsoft.com/office/drawing/2014/main" xmlns="" id="{D12B0B12-AB99-4F88-B4B2-948DADC833EA}"/>
+                <a16:creationId xmlns:a16="http://schemas.microsoft.com/office/drawing/2014/main" id="{D12B0B12-AB99-4F88-B4B2-948DADC833EA}"/>
               </a:ext>
             </a:extLst>
           </p:cNvPr>
@@ -10344,7 +14303,7 @@
           <a:lstStyle/>
           <a:p>
             <a:r>
-              <a:rPr kumimoji="1" lang="en-US" altLang="ja-JP" sz="4400" b="1" spc="-150" dirty="0" smtClean="0">
+              <a:rPr kumimoji="1" lang="en-US" altLang="ja-JP" sz="4400" b="1" spc="-150" dirty="0">
                 <a:solidFill>
                   <a:srgbClr val="FFCD2F"/>
                 </a:solidFill>
@@ -10361,7 +14320,7 @@
               <a:t>W</a:t>
             </a:r>
             <a:r>
-              <a:rPr kumimoji="1" lang="en-US" altLang="ja-JP" sz="4400" b="1" spc="-150" dirty="0" smtClean="0">
+              <a:rPr kumimoji="1" lang="en-US" altLang="ja-JP" sz="4400" b="1" spc="-150" dirty="0">
                 <a:solidFill>
                   <a:schemeClr val="accent1">
                     <a:lumMod val="75000"/>
@@ -10380,7 +14339,7 @@
               <a:t>ire </a:t>
             </a:r>
             <a:r>
-              <a:rPr kumimoji="1" lang="en-US" altLang="ja-JP" sz="4400" b="1" spc="-150" dirty="0" smtClean="0">
+              <a:rPr kumimoji="1" lang="en-US" altLang="ja-JP" sz="4400" b="1" spc="-150" dirty="0">
                 <a:solidFill>
                   <a:srgbClr val="FFCD2F"/>
                 </a:solidFill>
@@ -10397,7 +14356,7 @@
               <a:t>F</a:t>
             </a:r>
             <a:r>
-              <a:rPr kumimoji="1" lang="en-US" altLang="ja-JP" sz="4400" b="1" spc="-150" dirty="0" smtClean="0">
+              <a:rPr kumimoji="1" lang="en-US" altLang="ja-JP" sz="4400" b="1" spc="-150" dirty="0">
                 <a:solidFill>
                   <a:schemeClr val="accent1">
                     <a:lumMod val="75000"/>
@@ -10439,7 +14398,7 @@
           <p:cNvPr id="9" name="그림 8">
             <a:extLst>
               <a:ext uri="{FF2B5EF4-FFF2-40B4-BE49-F238E27FC236}">
-                <a16:creationId xmlns:a16="http://schemas.microsoft.com/office/drawing/2014/main" xmlns="" id="{0F0992E8-2696-42E6-805A-0C12780D8FA1}"/>
+                <a16:creationId xmlns:a16="http://schemas.microsoft.com/office/drawing/2014/main" id="{0F0992E8-2696-42E6-805A-0C12780D8FA1}"/>
               </a:ext>
             </a:extLst>
           </p:cNvPr>
@@ -10791,21 +14750,461 @@
           <a:lstStyle/>
           <a:p>
             <a:r>
-              <a:rPr lang="ko-KR" altLang="en-US" dirty="0" smtClean="0"/>
-              <a:t>비밀번</a:t>
+              <a:rPr lang="ko-KR" altLang="en-US" dirty="0"/>
+              <a:t>비밀번호 찾기</a:t>
             </a:r>
+          </a:p>
+        </p:txBody>
+      </p:sp>
+      <p:sp>
+        <p:nvSpPr>
+          <p:cNvPr id="6" name="직사각형 5">
+            <a:extLst>
+              <a:ext uri="{FF2B5EF4-FFF2-40B4-BE49-F238E27FC236}">
+                <a16:creationId xmlns:a16="http://schemas.microsoft.com/office/drawing/2014/main" id="{3D558B93-576E-49BD-A1DF-A82C5870B448}"/>
+              </a:ext>
+            </a:extLst>
+          </p:cNvPr>
+          <p:cNvSpPr/>
+          <p:nvPr/>
+        </p:nvSpPr>
+        <p:spPr>
+          <a:xfrm>
+            <a:off x="2320315" y="3116414"/>
+            <a:ext cx="4351571" cy="2388093"/>
+          </a:xfrm>
+          <a:prstGeom prst="rect">
+            <a:avLst/>
+          </a:prstGeom>
+        </p:spPr>
+        <p:style>
+          <a:lnRef idx="2">
+            <a:schemeClr val="dk1"/>
+          </a:lnRef>
+          <a:fillRef idx="1">
+            <a:schemeClr val="lt1"/>
+          </a:fillRef>
+          <a:effectRef idx="0">
+            <a:schemeClr val="dk1"/>
+          </a:effectRef>
+          <a:fontRef idx="minor">
+            <a:schemeClr val="dk1"/>
+          </a:fontRef>
+        </p:style>
+        <p:txBody>
+          <a:bodyPr rtlCol="0" anchor="ctr"/>
+          <a:lstStyle/>
+          <a:p>
+            <a:pPr algn="ctr"/>
+            <a:endParaRPr lang="ko-KR" altLang="en-US"/>
+          </a:p>
+        </p:txBody>
+      </p:sp>
+      <p:sp>
+        <p:nvSpPr>
+          <p:cNvPr id="10" name="직사각형 9">
+            <a:extLst>
+              <a:ext uri="{FF2B5EF4-FFF2-40B4-BE49-F238E27FC236}">
+                <a16:creationId xmlns:a16="http://schemas.microsoft.com/office/drawing/2014/main" id="{E09BF372-DA70-4198-B7DA-153AF988B7F3}"/>
+              </a:ext>
+            </a:extLst>
+          </p:cNvPr>
+          <p:cNvSpPr/>
+          <p:nvPr/>
+        </p:nvSpPr>
+        <p:spPr>
+          <a:xfrm>
+            <a:off x="3784813" y="3645950"/>
+            <a:ext cx="1429305" cy="324000"/>
+          </a:xfrm>
+          <a:prstGeom prst="rect">
+            <a:avLst/>
+          </a:prstGeom>
+        </p:spPr>
+        <p:style>
+          <a:lnRef idx="2">
+            <a:schemeClr val="dk1"/>
+          </a:lnRef>
+          <a:fillRef idx="1">
+            <a:schemeClr val="lt1"/>
+          </a:fillRef>
+          <a:effectRef idx="0">
+            <a:schemeClr val="dk1"/>
+          </a:effectRef>
+          <a:fontRef idx="minor">
+            <a:schemeClr val="dk1"/>
+          </a:fontRef>
+        </p:style>
+        <p:txBody>
+          <a:bodyPr rtlCol="0" anchor="ctr"/>
+          <a:lstStyle/>
+          <a:p>
+            <a:pPr algn="ctr"/>
+            <a:endParaRPr lang="ko-KR" altLang="en-US"/>
+          </a:p>
+        </p:txBody>
+      </p:sp>
+      <p:sp>
+        <p:nvSpPr>
+          <p:cNvPr id="11" name="TextBox 10">
+            <a:extLst>
+              <a:ext uri="{FF2B5EF4-FFF2-40B4-BE49-F238E27FC236}">
+                <a16:creationId xmlns:a16="http://schemas.microsoft.com/office/drawing/2014/main" id="{FEABD6E8-C233-4CB3-A1FE-F2249F5A9579}"/>
+              </a:ext>
+            </a:extLst>
+          </p:cNvPr>
+          <p:cNvSpPr txBox="1"/>
+          <p:nvPr/>
+        </p:nvSpPr>
+        <p:spPr>
+          <a:xfrm>
+            <a:off x="3064813" y="3645950"/>
+            <a:ext cx="720000" cy="324000"/>
+          </a:xfrm>
+          <a:prstGeom prst="rect">
+            <a:avLst/>
+          </a:prstGeom>
+          <a:noFill/>
+        </p:spPr>
+        <p:txBody>
+          <a:bodyPr wrap="none" rtlCol="0">
+            <a:spAutoFit/>
+          </a:bodyPr>
+          <a:lstStyle/>
+          <a:p>
             <a:r>
-              <a:rPr lang="ko-KR" altLang="en-US" dirty="0"/>
-              <a:t>호</a:t>
+              <a:rPr lang="ko-KR" altLang="en-US" sz="1400" dirty="0"/>
+              <a:t>아이디</a:t>
             </a:r>
+          </a:p>
+        </p:txBody>
+      </p:sp>
+      <p:sp>
+        <p:nvSpPr>
+          <p:cNvPr id="12" name="TextBox 11">
+            <a:extLst>
+              <a:ext uri="{FF2B5EF4-FFF2-40B4-BE49-F238E27FC236}">
+                <a16:creationId xmlns:a16="http://schemas.microsoft.com/office/drawing/2014/main" id="{6FD49968-80A8-4E4B-A335-7AFF6CDEA4D8}"/>
+              </a:ext>
+            </a:extLst>
+          </p:cNvPr>
+          <p:cNvSpPr txBox="1"/>
+          <p:nvPr/>
+        </p:nvSpPr>
+        <p:spPr>
+          <a:xfrm>
+            <a:off x="2696406" y="4062851"/>
+            <a:ext cx="1082348" cy="324000"/>
+          </a:xfrm>
+          <a:prstGeom prst="rect">
+            <a:avLst/>
+          </a:prstGeom>
+          <a:noFill/>
+        </p:spPr>
+        <p:txBody>
+          <a:bodyPr wrap="none" rtlCol="0">
+            <a:spAutoFit/>
+          </a:bodyPr>
+          <a:lstStyle/>
+          <a:p>
             <a:r>
-              <a:rPr lang="ko-KR" altLang="en-US" dirty="0" smtClean="0"/>
-              <a:t> 찾기</a:t>
+              <a:rPr lang="ko-KR" altLang="en-US" sz="1400" dirty="0"/>
+              <a:t>휴대폰번호</a:t>
             </a:r>
-            <a:endParaRPr lang="ko-KR" altLang="en-US" dirty="0"/>
-          </a:p>
-        </p:txBody>
-      </p:sp>
+          </a:p>
+        </p:txBody>
+      </p:sp>
+      <p:sp>
+        <p:nvSpPr>
+          <p:cNvPr id="13" name="직사각형 12">
+            <a:extLst>
+              <a:ext uri="{FF2B5EF4-FFF2-40B4-BE49-F238E27FC236}">
+                <a16:creationId xmlns:a16="http://schemas.microsoft.com/office/drawing/2014/main" id="{B24D303F-14FF-4E5A-9729-31BA2B7D0763}"/>
+              </a:ext>
+            </a:extLst>
+          </p:cNvPr>
+          <p:cNvSpPr/>
+          <p:nvPr/>
+        </p:nvSpPr>
+        <p:spPr>
+          <a:xfrm>
+            <a:off x="3784813" y="4052582"/>
+            <a:ext cx="1429305" cy="324000"/>
+          </a:xfrm>
+          <a:prstGeom prst="rect">
+            <a:avLst/>
+          </a:prstGeom>
+        </p:spPr>
+        <p:style>
+          <a:lnRef idx="2">
+            <a:schemeClr val="dk1"/>
+          </a:lnRef>
+          <a:fillRef idx="1">
+            <a:schemeClr val="lt1"/>
+          </a:fillRef>
+          <a:effectRef idx="0">
+            <a:schemeClr val="dk1"/>
+          </a:effectRef>
+          <a:fontRef idx="minor">
+            <a:schemeClr val="dk1"/>
+          </a:fontRef>
+        </p:style>
+        <p:txBody>
+          <a:bodyPr rtlCol="0" anchor="ctr"/>
+          <a:lstStyle/>
+          <a:p>
+            <a:pPr algn="ctr"/>
+            <a:endParaRPr lang="ko-KR" altLang="en-US"/>
+          </a:p>
+        </p:txBody>
+      </p:sp>
+      <p:sp>
+        <p:nvSpPr>
+          <p:cNvPr id="8" name="직사각형 7">
+            <a:extLst>
+              <a:ext uri="{FF2B5EF4-FFF2-40B4-BE49-F238E27FC236}">
+                <a16:creationId xmlns:a16="http://schemas.microsoft.com/office/drawing/2014/main" id="{48C9AC18-6F8F-4CAC-A71D-F832DC910868}"/>
+              </a:ext>
+            </a:extLst>
+          </p:cNvPr>
+          <p:cNvSpPr/>
+          <p:nvPr/>
+        </p:nvSpPr>
+        <p:spPr>
+          <a:xfrm>
+            <a:off x="5324916" y="4088582"/>
+            <a:ext cx="900000" cy="252000"/>
+          </a:xfrm>
+          <a:prstGeom prst="rect">
+            <a:avLst/>
+          </a:prstGeom>
+        </p:spPr>
+        <p:style>
+          <a:lnRef idx="2">
+            <a:schemeClr val="dk1"/>
+          </a:lnRef>
+          <a:fillRef idx="1">
+            <a:schemeClr val="lt1"/>
+          </a:fillRef>
+          <a:effectRef idx="0">
+            <a:schemeClr val="dk1"/>
+          </a:effectRef>
+          <a:fontRef idx="minor">
+            <a:schemeClr val="dk1"/>
+          </a:fontRef>
+        </p:style>
+        <p:txBody>
+          <a:bodyPr rtlCol="0" anchor="ctr"/>
+          <a:lstStyle/>
+          <a:p>
+            <a:pPr algn="ctr"/>
+            <a:r>
+              <a:rPr lang="ko-KR" altLang="en-US" sz="900"/>
+              <a:t>인증번호받기</a:t>
+            </a:r>
+            <a:endParaRPr lang="ko-KR" altLang="en-US" sz="900" dirty="0"/>
+          </a:p>
+        </p:txBody>
+      </p:sp>
+      <p:sp>
+        <p:nvSpPr>
+          <p:cNvPr id="15" name="직사각형 14">
+            <a:extLst>
+              <a:ext uri="{FF2B5EF4-FFF2-40B4-BE49-F238E27FC236}">
+                <a16:creationId xmlns:a16="http://schemas.microsoft.com/office/drawing/2014/main" id="{CA4EFDCE-77D7-4351-98AF-C3C52E38BCEF}"/>
+              </a:ext>
+            </a:extLst>
+          </p:cNvPr>
+          <p:cNvSpPr/>
+          <p:nvPr/>
+        </p:nvSpPr>
+        <p:spPr>
+          <a:xfrm>
+            <a:off x="3784813" y="4459679"/>
+            <a:ext cx="1429305" cy="324000"/>
+          </a:xfrm>
+          <a:prstGeom prst="rect">
+            <a:avLst/>
+          </a:prstGeom>
+        </p:spPr>
+        <p:style>
+          <a:lnRef idx="2">
+            <a:schemeClr val="dk1"/>
+          </a:lnRef>
+          <a:fillRef idx="1">
+            <a:schemeClr val="lt1"/>
+          </a:fillRef>
+          <a:effectRef idx="0">
+            <a:schemeClr val="dk1"/>
+          </a:effectRef>
+          <a:fontRef idx="minor">
+            <a:schemeClr val="dk1"/>
+          </a:fontRef>
+        </p:style>
+        <p:txBody>
+          <a:bodyPr rtlCol="0" anchor="ctr"/>
+          <a:lstStyle/>
+          <a:p>
+            <a:pPr algn="ctr"/>
+            <a:endParaRPr lang="ko-KR" altLang="en-US"/>
+          </a:p>
+        </p:txBody>
+      </p:sp>
+      <p:sp>
+        <p:nvSpPr>
+          <p:cNvPr id="16" name="TextBox 15">
+            <a:extLst>
+              <a:ext uri="{FF2B5EF4-FFF2-40B4-BE49-F238E27FC236}">
+                <a16:creationId xmlns:a16="http://schemas.microsoft.com/office/drawing/2014/main" id="{1F98A6F7-E8CD-4FE2-9471-7C2693D557B1}"/>
+              </a:ext>
+            </a:extLst>
+          </p:cNvPr>
+          <p:cNvSpPr txBox="1"/>
+          <p:nvPr/>
+        </p:nvSpPr>
+        <p:spPr>
+          <a:xfrm>
+            <a:off x="2875943" y="4467790"/>
+            <a:ext cx="902811" cy="307777"/>
+          </a:xfrm>
+          <a:prstGeom prst="rect">
+            <a:avLst/>
+          </a:prstGeom>
+          <a:noFill/>
+        </p:spPr>
+        <p:txBody>
+          <a:bodyPr wrap="none" rtlCol="0">
+            <a:spAutoFit/>
+          </a:bodyPr>
+          <a:lstStyle/>
+          <a:p>
+            <a:r>
+              <a:rPr lang="ko-KR" altLang="en-US" sz="1400"/>
+              <a:t>인증번호</a:t>
+            </a:r>
+            <a:endParaRPr lang="ko-KR" altLang="en-US" sz="1400" dirty="0"/>
+          </a:p>
+        </p:txBody>
+      </p:sp>
+      <p:sp>
+        <p:nvSpPr>
+          <p:cNvPr id="14" name="직사각형 13">
+            <a:extLst>
+              <a:ext uri="{FF2B5EF4-FFF2-40B4-BE49-F238E27FC236}">
+                <a16:creationId xmlns:a16="http://schemas.microsoft.com/office/drawing/2014/main" id="{CB5C1986-20DE-450C-8EEE-D8BEE2F850C6}"/>
+              </a:ext>
+            </a:extLst>
+          </p:cNvPr>
+          <p:cNvSpPr/>
+          <p:nvPr/>
+        </p:nvSpPr>
+        <p:spPr>
+          <a:xfrm>
+            <a:off x="3905735" y="4962617"/>
+            <a:ext cx="1180730" cy="391517"/>
+          </a:xfrm>
+          <a:prstGeom prst="rect">
+            <a:avLst/>
+          </a:prstGeom>
+        </p:spPr>
+        <p:style>
+          <a:lnRef idx="2">
+            <a:schemeClr val="dk1"/>
+          </a:lnRef>
+          <a:fillRef idx="1">
+            <a:schemeClr val="lt1"/>
+          </a:fillRef>
+          <a:effectRef idx="0">
+            <a:schemeClr val="dk1"/>
+          </a:effectRef>
+          <a:fontRef idx="minor">
+            <a:schemeClr val="dk1"/>
+          </a:fontRef>
+        </p:style>
+        <p:txBody>
+          <a:bodyPr rtlCol="0" anchor="ctr"/>
+          <a:lstStyle/>
+          <a:p>
+            <a:pPr algn="ctr"/>
+            <a:r>
+              <a:rPr lang="ko-KR" altLang="en-US" sz="1600"/>
+              <a:t>확인</a:t>
+            </a:r>
+          </a:p>
+        </p:txBody>
+      </p:sp>
+      <p:sp>
+        <p:nvSpPr>
+          <p:cNvPr id="17" name="TextBox 16">
+            <a:extLst>
+              <a:ext uri="{FF2B5EF4-FFF2-40B4-BE49-F238E27FC236}">
+                <a16:creationId xmlns:a16="http://schemas.microsoft.com/office/drawing/2014/main" id="{B59EE5C3-D579-4CF1-BDF9-7E364B23D4EE}"/>
+              </a:ext>
+            </a:extLst>
+          </p:cNvPr>
+          <p:cNvSpPr txBox="1"/>
+          <p:nvPr/>
+        </p:nvSpPr>
+        <p:spPr>
+          <a:xfrm>
+            <a:off x="2696406" y="3211905"/>
+            <a:ext cx="1415772" cy="338554"/>
+          </a:xfrm>
+          <a:prstGeom prst="rect">
+            <a:avLst/>
+          </a:prstGeom>
+          <a:noFill/>
+        </p:spPr>
+        <p:txBody>
+          <a:bodyPr wrap="none" rtlCol="0">
+            <a:spAutoFit/>
+          </a:bodyPr>
+          <a:lstStyle/>
+          <a:p>
+            <a:r>
+              <a:rPr lang="ko-KR" altLang="en-US" sz="1600"/>
+              <a:t>비밀번호찾기</a:t>
+            </a:r>
+            <a:endParaRPr lang="ko-KR" altLang="en-US" sz="1600" dirty="0"/>
+          </a:p>
+        </p:txBody>
+      </p:sp>
+      <p:pic>
+        <p:nvPicPr>
+          <p:cNvPr id="19" name="그림 18">
+            <a:extLst>
+              <a:ext uri="{FF2B5EF4-FFF2-40B4-BE49-F238E27FC236}">
+                <a16:creationId xmlns:a16="http://schemas.microsoft.com/office/drawing/2014/main" id="{926168D9-25C6-4BD5-A34F-16F9D3262B5B}"/>
+              </a:ext>
+            </a:extLst>
+          </p:cNvPr>
+          <p:cNvPicPr>
+            <a:picLocks noChangeAspect="1"/>
+          </p:cNvPicPr>
+          <p:nvPr/>
+        </p:nvPicPr>
+        <p:blipFill>
+          <a:blip r:embed="rId5">
+            <a:extLst>
+              <a:ext uri="{28A0092B-C50C-407E-A947-70E740481C1C}">
+                <a14:useLocalDpi xmlns:a14="http://schemas.microsoft.com/office/drawing/2010/main" val="0"/>
+              </a:ext>
+            </a:extLst>
+          </a:blip>
+          <a:stretch>
+            <a:fillRect/>
+          </a:stretch>
+        </p:blipFill>
+        <p:spPr>
+          <a:xfrm>
+            <a:off x="2479011" y="3237182"/>
+            <a:ext cx="287438" cy="288000"/>
+          </a:xfrm>
+          <a:prstGeom prst="rect">
+            <a:avLst/>
+          </a:prstGeom>
+        </p:spPr>
+      </p:pic>
     </p:spTree>
     <p:extLst>
       <p:ext uri="{BB962C8B-B14F-4D97-AF65-F5344CB8AC3E}">
@@ -10816,13 +15215,6 @@
   <p:clrMapOvr>
     <a:masterClrMapping/>
   </p:clrMapOvr>
-  <p:timing>
-    <p:tnLst>
-      <p:par>
-        <p:cTn id="1" dur="indefinite" restart="never" nodeType="tmRoot"/>
-      </p:par>
-    </p:tnLst>
-  </p:timing>
 </p:sld>
 </file>
 
@@ -10839,12 +15231,6 @@
 </file>
 
 <file path=ppt/tags/tag11.xml><?xml version="1.0" encoding="utf-8"?>
-<p:tagLst xmlns:a="http://schemas.openxmlformats.org/drawingml/2006/main" xmlns:r="http://schemas.openxmlformats.org/officeDocument/2006/relationships" xmlns:p="http://schemas.openxmlformats.org/presentationml/2006/main">
-  <p:tag name="SMARTSETTINGSHASH" val="xZU/W0IqlvXPkJ37/hSWg5jSIFh0KZmI7sT1syyiYH8="/>
-</p:tagLst>
-</file>
-
-<file path=ppt/tags/tag12.xml><?xml version="1.0" encoding="utf-8"?>
 <p:tagLst xmlns:a="http://schemas.openxmlformats.org/drawingml/2006/main" xmlns:r="http://schemas.openxmlformats.org/officeDocument/2006/relationships" xmlns:p="http://schemas.openxmlformats.org/presentationml/2006/main">
   <p:tag name="SMARTSETTINGSHASH" val="xZU/W0IqlvXPkJ37/hSWg5jSIFh0KZmI7sT1syyiYH8="/>
 </p:tagLst>
@@ -11187,7 +15573,7 @@
   <a:extraClrSchemeLst/>
   <a:extLst>
     <a:ext uri="{05A4C25C-085E-4340-85A3-A5531E510DB2}">
-      <thm15:themeFamily xmlns:thm15="http://schemas.microsoft.com/office/thememl/2012/main" xmlns="" name="Office Theme" id="{62F939B6-93AF-4DB8-9C6B-D6C7DFDC589F}" vid="{4A3C46E8-61CC-4603-A589-7422A47A8E4A}"/>
+      <thm15:themeFamily xmlns:thm15="http://schemas.microsoft.com/office/thememl/2012/main" name="Office Theme" id="{62F939B6-93AF-4DB8-9C6B-D6C7DFDC589F}" vid="{4A3C46E8-61CC-4603-A589-7422A47A8E4A}"/>
     </a:ext>
   </a:extLst>
 </a:theme>

--- a/cmk/반려동물관리서비스.pptx
+++ b/cmk/반려동물관리서비스.pptx
@@ -123,7 +123,7 @@
   </p:defaultTextStyle>
   <p:extLst>
     <p:ext uri="{EFAFB233-063F-42B5-8137-9DF3F51BA10A}">
-      <p15:sldGuideLst xmlns:p15="http://schemas.microsoft.com/office/powerpoint/2012/main">
+      <p15:sldGuideLst xmlns:p15="http://schemas.microsoft.com/office/powerpoint/2012/main" xmlns="">
         <p15:guide id="1" orient="horz" pos="2160">
           <p15:clr>
             <a:srgbClr val="A4A3A4"/>
@@ -162,7 +162,7 @@
           <p:cNvPr id="2" name="제목 1">
             <a:extLst>
               <a:ext uri="{FF2B5EF4-FFF2-40B4-BE49-F238E27FC236}">
-                <a16:creationId xmlns:a16="http://schemas.microsoft.com/office/drawing/2014/main" id="{9E5E4632-E9C2-430D-8860-5B671341959C}"/>
+                <a16:creationId xmlns:a16="http://schemas.microsoft.com/office/drawing/2014/main" xmlns="" id="{9E5E4632-E9C2-430D-8860-5B671341959C}"/>
               </a:ext>
             </a:extLst>
           </p:cNvPr>
@@ -199,7 +199,7 @@
           <p:cNvPr id="3" name="부제목 2">
             <a:extLst>
               <a:ext uri="{FF2B5EF4-FFF2-40B4-BE49-F238E27FC236}">
-                <a16:creationId xmlns:a16="http://schemas.microsoft.com/office/drawing/2014/main" id="{8516A487-29F9-4EB6-A4BF-CF7F6C176945}"/>
+                <a16:creationId xmlns:a16="http://schemas.microsoft.com/office/drawing/2014/main" xmlns="" id="{8516A487-29F9-4EB6-A4BF-CF7F6C176945}"/>
               </a:ext>
             </a:extLst>
           </p:cNvPr>
@@ -269,7 +269,7 @@
           <p:cNvPr id="4" name="날짜 개체 틀 3">
             <a:extLst>
               <a:ext uri="{FF2B5EF4-FFF2-40B4-BE49-F238E27FC236}">
-                <a16:creationId xmlns:a16="http://schemas.microsoft.com/office/drawing/2014/main" id="{5458794D-BF22-4D43-9B43-3407B0731DF3}"/>
+                <a16:creationId xmlns:a16="http://schemas.microsoft.com/office/drawing/2014/main" xmlns="" id="{5458794D-BF22-4D43-9B43-3407B0731DF3}"/>
               </a:ext>
             </a:extLst>
           </p:cNvPr>
@@ -298,7 +298,7 @@
           <p:cNvPr id="5" name="바닥글 개체 틀 4">
             <a:extLst>
               <a:ext uri="{FF2B5EF4-FFF2-40B4-BE49-F238E27FC236}">
-                <a16:creationId xmlns:a16="http://schemas.microsoft.com/office/drawing/2014/main" id="{B1CF189C-4CDA-41C3-A048-F232B4C4B8D2}"/>
+                <a16:creationId xmlns:a16="http://schemas.microsoft.com/office/drawing/2014/main" xmlns="" id="{B1CF189C-4CDA-41C3-A048-F232B4C4B8D2}"/>
               </a:ext>
             </a:extLst>
           </p:cNvPr>
@@ -323,7 +323,7 @@
           <p:cNvPr id="6" name="슬라이드 번호 개체 틀 5">
             <a:extLst>
               <a:ext uri="{FF2B5EF4-FFF2-40B4-BE49-F238E27FC236}">
-                <a16:creationId xmlns:a16="http://schemas.microsoft.com/office/drawing/2014/main" id="{BAF061BA-CD52-4A93-9968-2D177FB0947C}"/>
+                <a16:creationId xmlns:a16="http://schemas.microsoft.com/office/drawing/2014/main" xmlns="" id="{BAF061BA-CD52-4A93-9968-2D177FB0947C}"/>
               </a:ext>
             </a:extLst>
           </p:cNvPr>
@@ -382,7 +382,7 @@
           <p:cNvPr id="2" name="제목 1">
             <a:extLst>
               <a:ext uri="{FF2B5EF4-FFF2-40B4-BE49-F238E27FC236}">
-                <a16:creationId xmlns:a16="http://schemas.microsoft.com/office/drawing/2014/main" id="{C7E2F226-2DB6-4832-A3E8-E1A82BC8412B}"/>
+                <a16:creationId xmlns:a16="http://schemas.microsoft.com/office/drawing/2014/main" xmlns="" id="{C7E2F226-2DB6-4832-A3E8-E1A82BC8412B}"/>
               </a:ext>
             </a:extLst>
           </p:cNvPr>
@@ -410,7 +410,7 @@
           <p:cNvPr id="3" name="세로 텍스트 개체 틀 2">
             <a:extLst>
               <a:ext uri="{FF2B5EF4-FFF2-40B4-BE49-F238E27FC236}">
-                <a16:creationId xmlns:a16="http://schemas.microsoft.com/office/drawing/2014/main" id="{35E32266-CD01-4901-8FE7-5010FC0706F7}"/>
+                <a16:creationId xmlns:a16="http://schemas.microsoft.com/office/drawing/2014/main" xmlns="" id="{35E32266-CD01-4901-8FE7-5010FC0706F7}"/>
               </a:ext>
             </a:extLst>
           </p:cNvPr>
@@ -467,7 +467,7 @@
           <p:cNvPr id="4" name="날짜 개체 틀 3">
             <a:extLst>
               <a:ext uri="{FF2B5EF4-FFF2-40B4-BE49-F238E27FC236}">
-                <a16:creationId xmlns:a16="http://schemas.microsoft.com/office/drawing/2014/main" id="{8918B274-9924-4562-A19B-0EF8383C8F5F}"/>
+                <a16:creationId xmlns:a16="http://schemas.microsoft.com/office/drawing/2014/main" xmlns="" id="{8918B274-9924-4562-A19B-0EF8383C8F5F}"/>
               </a:ext>
             </a:extLst>
           </p:cNvPr>
@@ -496,7 +496,7 @@
           <p:cNvPr id="5" name="바닥글 개체 틀 4">
             <a:extLst>
               <a:ext uri="{FF2B5EF4-FFF2-40B4-BE49-F238E27FC236}">
-                <a16:creationId xmlns:a16="http://schemas.microsoft.com/office/drawing/2014/main" id="{48ABDFFA-1327-4FDA-A13E-DCF7D4AB5F2C}"/>
+                <a16:creationId xmlns:a16="http://schemas.microsoft.com/office/drawing/2014/main" xmlns="" id="{48ABDFFA-1327-4FDA-A13E-DCF7D4AB5F2C}"/>
               </a:ext>
             </a:extLst>
           </p:cNvPr>
@@ -521,7 +521,7 @@
           <p:cNvPr id="6" name="슬라이드 번호 개체 틀 5">
             <a:extLst>
               <a:ext uri="{FF2B5EF4-FFF2-40B4-BE49-F238E27FC236}">
-                <a16:creationId xmlns:a16="http://schemas.microsoft.com/office/drawing/2014/main" id="{7E941122-80C3-410F-B4B5-38B3C974463E}"/>
+                <a16:creationId xmlns:a16="http://schemas.microsoft.com/office/drawing/2014/main" xmlns="" id="{7E941122-80C3-410F-B4B5-38B3C974463E}"/>
               </a:ext>
             </a:extLst>
           </p:cNvPr>
@@ -580,7 +580,7 @@
           <p:cNvPr id="2" name="세로 제목 1">
             <a:extLst>
               <a:ext uri="{FF2B5EF4-FFF2-40B4-BE49-F238E27FC236}">
-                <a16:creationId xmlns:a16="http://schemas.microsoft.com/office/drawing/2014/main" id="{F39004B4-A2BB-4353-9490-3CFBF08BEECF}"/>
+                <a16:creationId xmlns:a16="http://schemas.microsoft.com/office/drawing/2014/main" xmlns="" id="{F39004B4-A2BB-4353-9490-3CFBF08BEECF}"/>
               </a:ext>
             </a:extLst>
           </p:cNvPr>
@@ -613,7 +613,7 @@
           <p:cNvPr id="3" name="세로 텍스트 개체 틀 2">
             <a:extLst>
               <a:ext uri="{FF2B5EF4-FFF2-40B4-BE49-F238E27FC236}">
-                <a16:creationId xmlns:a16="http://schemas.microsoft.com/office/drawing/2014/main" id="{17E252EA-6994-4BCF-9119-33B60AFB14F3}"/>
+                <a16:creationId xmlns:a16="http://schemas.microsoft.com/office/drawing/2014/main" xmlns="" id="{17E252EA-6994-4BCF-9119-33B60AFB14F3}"/>
               </a:ext>
             </a:extLst>
           </p:cNvPr>
@@ -675,7 +675,7 @@
           <p:cNvPr id="4" name="날짜 개체 틀 3">
             <a:extLst>
               <a:ext uri="{FF2B5EF4-FFF2-40B4-BE49-F238E27FC236}">
-                <a16:creationId xmlns:a16="http://schemas.microsoft.com/office/drawing/2014/main" id="{205F8584-D66D-4296-852C-CFABE2A758E0}"/>
+                <a16:creationId xmlns:a16="http://schemas.microsoft.com/office/drawing/2014/main" xmlns="" id="{205F8584-D66D-4296-852C-CFABE2A758E0}"/>
               </a:ext>
             </a:extLst>
           </p:cNvPr>
@@ -704,7 +704,7 @@
           <p:cNvPr id="5" name="바닥글 개체 틀 4">
             <a:extLst>
               <a:ext uri="{FF2B5EF4-FFF2-40B4-BE49-F238E27FC236}">
-                <a16:creationId xmlns:a16="http://schemas.microsoft.com/office/drawing/2014/main" id="{A78C3D8F-5F5B-47A5-9BBC-6F058C6ECD7E}"/>
+                <a16:creationId xmlns:a16="http://schemas.microsoft.com/office/drawing/2014/main" xmlns="" id="{A78C3D8F-5F5B-47A5-9BBC-6F058C6ECD7E}"/>
               </a:ext>
             </a:extLst>
           </p:cNvPr>
@@ -729,7 +729,7 @@
           <p:cNvPr id="6" name="슬라이드 번호 개체 틀 5">
             <a:extLst>
               <a:ext uri="{FF2B5EF4-FFF2-40B4-BE49-F238E27FC236}">
-                <a16:creationId xmlns:a16="http://schemas.microsoft.com/office/drawing/2014/main" id="{7E72ED3D-DC97-4CF5-A83F-A0F4CD5D3061}"/>
+                <a16:creationId xmlns:a16="http://schemas.microsoft.com/office/drawing/2014/main" xmlns="" id="{7E72ED3D-DC97-4CF5-A83F-A0F4CD5D3061}"/>
               </a:ext>
             </a:extLst>
           </p:cNvPr>
@@ -788,7 +788,7 @@
           <p:cNvPr id="2" name="제목 1">
             <a:extLst>
               <a:ext uri="{FF2B5EF4-FFF2-40B4-BE49-F238E27FC236}">
-                <a16:creationId xmlns:a16="http://schemas.microsoft.com/office/drawing/2014/main" id="{2478CD97-4610-41D5-9293-07E4F7EF8330}"/>
+                <a16:creationId xmlns:a16="http://schemas.microsoft.com/office/drawing/2014/main" xmlns="" id="{2478CD97-4610-41D5-9293-07E4F7EF8330}"/>
               </a:ext>
             </a:extLst>
           </p:cNvPr>
@@ -816,7 +816,7 @@
           <p:cNvPr id="3" name="내용 개체 틀 2">
             <a:extLst>
               <a:ext uri="{FF2B5EF4-FFF2-40B4-BE49-F238E27FC236}">
-                <a16:creationId xmlns:a16="http://schemas.microsoft.com/office/drawing/2014/main" id="{A4761A08-28DB-4E61-B23C-47F9FF94B03B}"/>
+                <a16:creationId xmlns:a16="http://schemas.microsoft.com/office/drawing/2014/main" xmlns="" id="{A4761A08-28DB-4E61-B23C-47F9FF94B03B}"/>
               </a:ext>
             </a:extLst>
           </p:cNvPr>
@@ -873,7 +873,7 @@
           <p:cNvPr id="4" name="날짜 개체 틀 3">
             <a:extLst>
               <a:ext uri="{FF2B5EF4-FFF2-40B4-BE49-F238E27FC236}">
-                <a16:creationId xmlns:a16="http://schemas.microsoft.com/office/drawing/2014/main" id="{8A0B1E4E-9D0C-4F38-8350-90F7893A1DD4}"/>
+                <a16:creationId xmlns:a16="http://schemas.microsoft.com/office/drawing/2014/main" xmlns="" id="{8A0B1E4E-9D0C-4F38-8350-90F7893A1DD4}"/>
               </a:ext>
             </a:extLst>
           </p:cNvPr>
@@ -902,7 +902,7 @@
           <p:cNvPr id="5" name="바닥글 개체 틀 4">
             <a:extLst>
               <a:ext uri="{FF2B5EF4-FFF2-40B4-BE49-F238E27FC236}">
-                <a16:creationId xmlns:a16="http://schemas.microsoft.com/office/drawing/2014/main" id="{3EB51119-FFCC-46AF-9F51-2823DEF4A6AF}"/>
+                <a16:creationId xmlns:a16="http://schemas.microsoft.com/office/drawing/2014/main" xmlns="" id="{3EB51119-FFCC-46AF-9F51-2823DEF4A6AF}"/>
               </a:ext>
             </a:extLst>
           </p:cNvPr>
@@ -927,7 +927,7 @@
           <p:cNvPr id="6" name="슬라이드 번호 개체 틀 5">
             <a:extLst>
               <a:ext uri="{FF2B5EF4-FFF2-40B4-BE49-F238E27FC236}">
-                <a16:creationId xmlns:a16="http://schemas.microsoft.com/office/drawing/2014/main" id="{5E5C2C86-356F-4ACF-9EEC-3B3D8462A39C}"/>
+                <a16:creationId xmlns:a16="http://schemas.microsoft.com/office/drawing/2014/main" xmlns="" id="{5E5C2C86-356F-4ACF-9EEC-3B3D8462A39C}"/>
               </a:ext>
             </a:extLst>
           </p:cNvPr>
@@ -986,7 +986,7 @@
           <p:cNvPr id="2" name="제목 1">
             <a:extLst>
               <a:ext uri="{FF2B5EF4-FFF2-40B4-BE49-F238E27FC236}">
-                <a16:creationId xmlns:a16="http://schemas.microsoft.com/office/drawing/2014/main" id="{DBF78962-7159-4DAF-9E07-D4AC9AFA9BC1}"/>
+                <a16:creationId xmlns:a16="http://schemas.microsoft.com/office/drawing/2014/main" xmlns="" id="{DBF78962-7159-4DAF-9E07-D4AC9AFA9BC1}"/>
               </a:ext>
             </a:extLst>
           </p:cNvPr>
@@ -1023,7 +1023,7 @@
           <p:cNvPr id="3" name="텍스트 개체 틀 2">
             <a:extLst>
               <a:ext uri="{FF2B5EF4-FFF2-40B4-BE49-F238E27FC236}">
-                <a16:creationId xmlns:a16="http://schemas.microsoft.com/office/drawing/2014/main" id="{FAB5D699-135E-49BA-9606-CB890CD5D6CE}"/>
+                <a16:creationId xmlns:a16="http://schemas.microsoft.com/office/drawing/2014/main" xmlns="" id="{FAB5D699-135E-49BA-9606-CB890CD5D6CE}"/>
               </a:ext>
             </a:extLst>
           </p:cNvPr>
@@ -1148,7 +1148,7 @@
           <p:cNvPr id="4" name="날짜 개체 틀 3">
             <a:extLst>
               <a:ext uri="{FF2B5EF4-FFF2-40B4-BE49-F238E27FC236}">
-                <a16:creationId xmlns:a16="http://schemas.microsoft.com/office/drawing/2014/main" id="{3717AFA4-E80B-48F1-B566-3D5FA0DCC2E5}"/>
+                <a16:creationId xmlns:a16="http://schemas.microsoft.com/office/drawing/2014/main" xmlns="" id="{3717AFA4-E80B-48F1-B566-3D5FA0DCC2E5}"/>
               </a:ext>
             </a:extLst>
           </p:cNvPr>
@@ -1177,7 +1177,7 @@
           <p:cNvPr id="5" name="바닥글 개체 틀 4">
             <a:extLst>
               <a:ext uri="{FF2B5EF4-FFF2-40B4-BE49-F238E27FC236}">
-                <a16:creationId xmlns:a16="http://schemas.microsoft.com/office/drawing/2014/main" id="{530C7227-51F8-4DD4-93DC-2046C220BC2B}"/>
+                <a16:creationId xmlns:a16="http://schemas.microsoft.com/office/drawing/2014/main" xmlns="" id="{530C7227-51F8-4DD4-93DC-2046C220BC2B}"/>
               </a:ext>
             </a:extLst>
           </p:cNvPr>
@@ -1202,7 +1202,7 @@
           <p:cNvPr id="6" name="슬라이드 번호 개체 틀 5">
             <a:extLst>
               <a:ext uri="{FF2B5EF4-FFF2-40B4-BE49-F238E27FC236}">
-                <a16:creationId xmlns:a16="http://schemas.microsoft.com/office/drawing/2014/main" id="{CF23AE0C-87AE-419F-8C21-C05064D5F98B}"/>
+                <a16:creationId xmlns:a16="http://schemas.microsoft.com/office/drawing/2014/main" xmlns="" id="{CF23AE0C-87AE-419F-8C21-C05064D5F98B}"/>
               </a:ext>
             </a:extLst>
           </p:cNvPr>
@@ -1261,7 +1261,7 @@
           <p:cNvPr id="2" name="제목 1">
             <a:extLst>
               <a:ext uri="{FF2B5EF4-FFF2-40B4-BE49-F238E27FC236}">
-                <a16:creationId xmlns:a16="http://schemas.microsoft.com/office/drawing/2014/main" id="{EF53F05C-1B53-4997-8D4F-574B40BFB6D2}"/>
+                <a16:creationId xmlns:a16="http://schemas.microsoft.com/office/drawing/2014/main" xmlns="" id="{EF53F05C-1B53-4997-8D4F-574B40BFB6D2}"/>
               </a:ext>
             </a:extLst>
           </p:cNvPr>
@@ -1289,7 +1289,7 @@
           <p:cNvPr id="3" name="내용 개체 틀 2">
             <a:extLst>
               <a:ext uri="{FF2B5EF4-FFF2-40B4-BE49-F238E27FC236}">
-                <a16:creationId xmlns:a16="http://schemas.microsoft.com/office/drawing/2014/main" id="{F2EE759F-A91E-45FB-BC0F-52B204A43CE5}"/>
+                <a16:creationId xmlns:a16="http://schemas.microsoft.com/office/drawing/2014/main" xmlns="" id="{F2EE759F-A91E-45FB-BC0F-52B204A43CE5}"/>
               </a:ext>
             </a:extLst>
           </p:cNvPr>
@@ -1351,7 +1351,7 @@
           <p:cNvPr id="4" name="내용 개체 틀 3">
             <a:extLst>
               <a:ext uri="{FF2B5EF4-FFF2-40B4-BE49-F238E27FC236}">
-                <a16:creationId xmlns:a16="http://schemas.microsoft.com/office/drawing/2014/main" id="{CBA814ED-B083-468B-A3B1-B0834E8C8212}"/>
+                <a16:creationId xmlns:a16="http://schemas.microsoft.com/office/drawing/2014/main" xmlns="" id="{CBA814ED-B083-468B-A3B1-B0834E8C8212}"/>
               </a:ext>
             </a:extLst>
           </p:cNvPr>
@@ -1413,7 +1413,7 @@
           <p:cNvPr id="5" name="날짜 개체 틀 4">
             <a:extLst>
               <a:ext uri="{FF2B5EF4-FFF2-40B4-BE49-F238E27FC236}">
-                <a16:creationId xmlns:a16="http://schemas.microsoft.com/office/drawing/2014/main" id="{877DEBD2-BAE9-4C14-A7E8-517148C14EED}"/>
+                <a16:creationId xmlns:a16="http://schemas.microsoft.com/office/drawing/2014/main" xmlns="" id="{877DEBD2-BAE9-4C14-A7E8-517148C14EED}"/>
               </a:ext>
             </a:extLst>
           </p:cNvPr>
@@ -1442,7 +1442,7 @@
           <p:cNvPr id="6" name="바닥글 개체 틀 5">
             <a:extLst>
               <a:ext uri="{FF2B5EF4-FFF2-40B4-BE49-F238E27FC236}">
-                <a16:creationId xmlns:a16="http://schemas.microsoft.com/office/drawing/2014/main" id="{2F72D31F-47DB-4B78-B8CC-AB9D0A4DCEC0}"/>
+                <a16:creationId xmlns:a16="http://schemas.microsoft.com/office/drawing/2014/main" xmlns="" id="{2F72D31F-47DB-4B78-B8CC-AB9D0A4DCEC0}"/>
               </a:ext>
             </a:extLst>
           </p:cNvPr>
@@ -1467,7 +1467,7 @@
           <p:cNvPr id="7" name="슬라이드 번호 개체 틀 6">
             <a:extLst>
               <a:ext uri="{FF2B5EF4-FFF2-40B4-BE49-F238E27FC236}">
-                <a16:creationId xmlns:a16="http://schemas.microsoft.com/office/drawing/2014/main" id="{F1B67971-49C1-46A6-BFE1-F14E5E9F87CF}"/>
+                <a16:creationId xmlns:a16="http://schemas.microsoft.com/office/drawing/2014/main" xmlns="" id="{F1B67971-49C1-46A6-BFE1-F14E5E9F87CF}"/>
               </a:ext>
             </a:extLst>
           </p:cNvPr>
@@ -1526,7 +1526,7 @@
           <p:cNvPr id="2" name="제목 1">
             <a:extLst>
               <a:ext uri="{FF2B5EF4-FFF2-40B4-BE49-F238E27FC236}">
-                <a16:creationId xmlns:a16="http://schemas.microsoft.com/office/drawing/2014/main" id="{E54246B1-789C-445A-A33C-EE193AF6AB31}"/>
+                <a16:creationId xmlns:a16="http://schemas.microsoft.com/office/drawing/2014/main" xmlns="" id="{E54246B1-789C-445A-A33C-EE193AF6AB31}"/>
               </a:ext>
             </a:extLst>
           </p:cNvPr>
@@ -1559,7 +1559,7 @@
           <p:cNvPr id="3" name="텍스트 개체 틀 2">
             <a:extLst>
               <a:ext uri="{FF2B5EF4-FFF2-40B4-BE49-F238E27FC236}">
-                <a16:creationId xmlns:a16="http://schemas.microsoft.com/office/drawing/2014/main" id="{C60DCCE6-A432-4D2A-810A-99E8AFAD1DD0}"/>
+                <a16:creationId xmlns:a16="http://schemas.microsoft.com/office/drawing/2014/main" xmlns="" id="{C60DCCE6-A432-4D2A-810A-99E8AFAD1DD0}"/>
               </a:ext>
             </a:extLst>
           </p:cNvPr>
@@ -1630,7 +1630,7 @@
           <p:cNvPr id="4" name="내용 개체 틀 3">
             <a:extLst>
               <a:ext uri="{FF2B5EF4-FFF2-40B4-BE49-F238E27FC236}">
-                <a16:creationId xmlns:a16="http://schemas.microsoft.com/office/drawing/2014/main" id="{16D0CEB2-1187-4252-AD05-8D872A1D3F3F}"/>
+                <a16:creationId xmlns:a16="http://schemas.microsoft.com/office/drawing/2014/main" xmlns="" id="{16D0CEB2-1187-4252-AD05-8D872A1D3F3F}"/>
               </a:ext>
             </a:extLst>
           </p:cNvPr>
@@ -1692,7 +1692,7 @@
           <p:cNvPr id="5" name="텍스트 개체 틀 4">
             <a:extLst>
               <a:ext uri="{FF2B5EF4-FFF2-40B4-BE49-F238E27FC236}">
-                <a16:creationId xmlns:a16="http://schemas.microsoft.com/office/drawing/2014/main" id="{5AE31809-3F66-4FEC-8D60-2F4D07A12196}"/>
+                <a16:creationId xmlns:a16="http://schemas.microsoft.com/office/drawing/2014/main" xmlns="" id="{5AE31809-3F66-4FEC-8D60-2F4D07A12196}"/>
               </a:ext>
             </a:extLst>
           </p:cNvPr>
@@ -1763,7 +1763,7 @@
           <p:cNvPr id="6" name="내용 개체 틀 5">
             <a:extLst>
               <a:ext uri="{FF2B5EF4-FFF2-40B4-BE49-F238E27FC236}">
-                <a16:creationId xmlns:a16="http://schemas.microsoft.com/office/drawing/2014/main" id="{A23AB223-7027-45B7-A59D-E463A79FDDD7}"/>
+                <a16:creationId xmlns:a16="http://schemas.microsoft.com/office/drawing/2014/main" xmlns="" id="{A23AB223-7027-45B7-A59D-E463A79FDDD7}"/>
               </a:ext>
             </a:extLst>
           </p:cNvPr>
@@ -1825,7 +1825,7 @@
           <p:cNvPr id="7" name="날짜 개체 틀 6">
             <a:extLst>
               <a:ext uri="{FF2B5EF4-FFF2-40B4-BE49-F238E27FC236}">
-                <a16:creationId xmlns:a16="http://schemas.microsoft.com/office/drawing/2014/main" id="{D2A2B8DD-7358-465C-8CC1-F71D7DE0E812}"/>
+                <a16:creationId xmlns:a16="http://schemas.microsoft.com/office/drawing/2014/main" xmlns="" id="{D2A2B8DD-7358-465C-8CC1-F71D7DE0E812}"/>
               </a:ext>
             </a:extLst>
           </p:cNvPr>
@@ -1854,7 +1854,7 @@
           <p:cNvPr id="8" name="바닥글 개체 틀 7">
             <a:extLst>
               <a:ext uri="{FF2B5EF4-FFF2-40B4-BE49-F238E27FC236}">
-                <a16:creationId xmlns:a16="http://schemas.microsoft.com/office/drawing/2014/main" id="{0D010038-A30A-4B64-BB25-7C3590F3E110}"/>
+                <a16:creationId xmlns:a16="http://schemas.microsoft.com/office/drawing/2014/main" xmlns="" id="{0D010038-A30A-4B64-BB25-7C3590F3E110}"/>
               </a:ext>
             </a:extLst>
           </p:cNvPr>
@@ -1879,7 +1879,7 @@
           <p:cNvPr id="9" name="슬라이드 번호 개체 틀 8">
             <a:extLst>
               <a:ext uri="{FF2B5EF4-FFF2-40B4-BE49-F238E27FC236}">
-                <a16:creationId xmlns:a16="http://schemas.microsoft.com/office/drawing/2014/main" id="{65054B27-799F-4A0D-8BE0-631E52465DC1}"/>
+                <a16:creationId xmlns:a16="http://schemas.microsoft.com/office/drawing/2014/main" xmlns="" id="{65054B27-799F-4A0D-8BE0-631E52465DC1}"/>
               </a:ext>
             </a:extLst>
           </p:cNvPr>
@@ -1938,7 +1938,7 @@
           <p:cNvPr id="2" name="제목 1">
             <a:extLst>
               <a:ext uri="{FF2B5EF4-FFF2-40B4-BE49-F238E27FC236}">
-                <a16:creationId xmlns:a16="http://schemas.microsoft.com/office/drawing/2014/main" id="{C485E51C-A240-4608-92DA-E50F807F41C0}"/>
+                <a16:creationId xmlns:a16="http://schemas.microsoft.com/office/drawing/2014/main" xmlns="" id="{C485E51C-A240-4608-92DA-E50F807F41C0}"/>
               </a:ext>
             </a:extLst>
           </p:cNvPr>
@@ -1966,7 +1966,7 @@
           <p:cNvPr id="3" name="날짜 개체 틀 2">
             <a:extLst>
               <a:ext uri="{FF2B5EF4-FFF2-40B4-BE49-F238E27FC236}">
-                <a16:creationId xmlns:a16="http://schemas.microsoft.com/office/drawing/2014/main" id="{2B851E15-AFBE-4FC3-8B78-027D54EB8877}"/>
+                <a16:creationId xmlns:a16="http://schemas.microsoft.com/office/drawing/2014/main" xmlns="" id="{2B851E15-AFBE-4FC3-8B78-027D54EB8877}"/>
               </a:ext>
             </a:extLst>
           </p:cNvPr>
@@ -1995,7 +1995,7 @@
           <p:cNvPr id="4" name="바닥글 개체 틀 3">
             <a:extLst>
               <a:ext uri="{FF2B5EF4-FFF2-40B4-BE49-F238E27FC236}">
-                <a16:creationId xmlns:a16="http://schemas.microsoft.com/office/drawing/2014/main" id="{5FEBB580-75E4-48D4-AEF3-E10C58CF6EA4}"/>
+                <a16:creationId xmlns:a16="http://schemas.microsoft.com/office/drawing/2014/main" xmlns="" id="{5FEBB580-75E4-48D4-AEF3-E10C58CF6EA4}"/>
               </a:ext>
             </a:extLst>
           </p:cNvPr>
@@ -2020,7 +2020,7 @@
           <p:cNvPr id="5" name="슬라이드 번호 개체 틀 4">
             <a:extLst>
               <a:ext uri="{FF2B5EF4-FFF2-40B4-BE49-F238E27FC236}">
-                <a16:creationId xmlns:a16="http://schemas.microsoft.com/office/drawing/2014/main" id="{BF32AC2E-0C50-4FB0-8820-A7AC6BDE4173}"/>
+                <a16:creationId xmlns:a16="http://schemas.microsoft.com/office/drawing/2014/main" xmlns="" id="{BF32AC2E-0C50-4FB0-8820-A7AC6BDE4173}"/>
               </a:ext>
             </a:extLst>
           </p:cNvPr>
@@ -2079,7 +2079,7 @@
           <p:cNvPr id="2" name="날짜 개체 틀 1">
             <a:extLst>
               <a:ext uri="{FF2B5EF4-FFF2-40B4-BE49-F238E27FC236}">
-                <a16:creationId xmlns:a16="http://schemas.microsoft.com/office/drawing/2014/main" id="{2C192448-72D9-4BA8-A3A5-9279810622F2}"/>
+                <a16:creationId xmlns:a16="http://schemas.microsoft.com/office/drawing/2014/main" xmlns="" id="{2C192448-72D9-4BA8-A3A5-9279810622F2}"/>
               </a:ext>
             </a:extLst>
           </p:cNvPr>
@@ -2108,7 +2108,7 @@
           <p:cNvPr id="3" name="바닥글 개체 틀 2">
             <a:extLst>
               <a:ext uri="{FF2B5EF4-FFF2-40B4-BE49-F238E27FC236}">
-                <a16:creationId xmlns:a16="http://schemas.microsoft.com/office/drawing/2014/main" id="{6A464358-B5B5-49B6-9CA3-2BE74CF87DC8}"/>
+                <a16:creationId xmlns:a16="http://schemas.microsoft.com/office/drawing/2014/main" xmlns="" id="{6A464358-B5B5-49B6-9CA3-2BE74CF87DC8}"/>
               </a:ext>
             </a:extLst>
           </p:cNvPr>
@@ -2133,7 +2133,7 @@
           <p:cNvPr id="4" name="슬라이드 번호 개체 틀 3">
             <a:extLst>
               <a:ext uri="{FF2B5EF4-FFF2-40B4-BE49-F238E27FC236}">
-                <a16:creationId xmlns:a16="http://schemas.microsoft.com/office/drawing/2014/main" id="{5B606F01-6E92-4C16-A968-94433D122A35}"/>
+                <a16:creationId xmlns:a16="http://schemas.microsoft.com/office/drawing/2014/main" xmlns="" id="{5B606F01-6E92-4C16-A968-94433D122A35}"/>
               </a:ext>
             </a:extLst>
           </p:cNvPr>
@@ -2192,7 +2192,7 @@
           <p:cNvPr id="2" name="제목 1">
             <a:extLst>
               <a:ext uri="{FF2B5EF4-FFF2-40B4-BE49-F238E27FC236}">
-                <a16:creationId xmlns:a16="http://schemas.microsoft.com/office/drawing/2014/main" id="{78C9915E-4301-4868-A5EC-6F607A83BF22}"/>
+                <a16:creationId xmlns:a16="http://schemas.microsoft.com/office/drawing/2014/main" xmlns="" id="{78C9915E-4301-4868-A5EC-6F607A83BF22}"/>
               </a:ext>
             </a:extLst>
           </p:cNvPr>
@@ -2229,7 +2229,7 @@
           <p:cNvPr id="3" name="내용 개체 틀 2">
             <a:extLst>
               <a:ext uri="{FF2B5EF4-FFF2-40B4-BE49-F238E27FC236}">
-                <a16:creationId xmlns:a16="http://schemas.microsoft.com/office/drawing/2014/main" id="{4507BFFD-DC79-4CFE-A2B2-BACA06190953}"/>
+                <a16:creationId xmlns:a16="http://schemas.microsoft.com/office/drawing/2014/main" xmlns="" id="{4507BFFD-DC79-4CFE-A2B2-BACA06190953}"/>
               </a:ext>
             </a:extLst>
           </p:cNvPr>
@@ -2319,7 +2319,7 @@
           <p:cNvPr id="4" name="텍스트 개체 틀 3">
             <a:extLst>
               <a:ext uri="{FF2B5EF4-FFF2-40B4-BE49-F238E27FC236}">
-                <a16:creationId xmlns:a16="http://schemas.microsoft.com/office/drawing/2014/main" id="{9A00C531-2EB8-4478-9A6C-4CD6FE675072}"/>
+                <a16:creationId xmlns:a16="http://schemas.microsoft.com/office/drawing/2014/main" xmlns="" id="{9A00C531-2EB8-4478-9A6C-4CD6FE675072}"/>
               </a:ext>
             </a:extLst>
           </p:cNvPr>
@@ -2390,7 +2390,7 @@
           <p:cNvPr id="5" name="날짜 개체 틀 4">
             <a:extLst>
               <a:ext uri="{FF2B5EF4-FFF2-40B4-BE49-F238E27FC236}">
-                <a16:creationId xmlns:a16="http://schemas.microsoft.com/office/drawing/2014/main" id="{8B9102F9-10D2-4689-A3F0-BD4C609347E9}"/>
+                <a16:creationId xmlns:a16="http://schemas.microsoft.com/office/drawing/2014/main" xmlns="" id="{8B9102F9-10D2-4689-A3F0-BD4C609347E9}"/>
               </a:ext>
             </a:extLst>
           </p:cNvPr>
@@ -2419,7 +2419,7 @@
           <p:cNvPr id="6" name="바닥글 개체 틀 5">
             <a:extLst>
               <a:ext uri="{FF2B5EF4-FFF2-40B4-BE49-F238E27FC236}">
-                <a16:creationId xmlns:a16="http://schemas.microsoft.com/office/drawing/2014/main" id="{D7F39764-04A1-4A55-9A18-7F042A006344}"/>
+                <a16:creationId xmlns:a16="http://schemas.microsoft.com/office/drawing/2014/main" xmlns="" id="{D7F39764-04A1-4A55-9A18-7F042A006344}"/>
               </a:ext>
             </a:extLst>
           </p:cNvPr>
@@ -2444,7 +2444,7 @@
           <p:cNvPr id="7" name="슬라이드 번호 개체 틀 6">
             <a:extLst>
               <a:ext uri="{FF2B5EF4-FFF2-40B4-BE49-F238E27FC236}">
-                <a16:creationId xmlns:a16="http://schemas.microsoft.com/office/drawing/2014/main" id="{34225F41-6CDF-4265-BBB3-81FCF28FB82A}"/>
+                <a16:creationId xmlns:a16="http://schemas.microsoft.com/office/drawing/2014/main" xmlns="" id="{34225F41-6CDF-4265-BBB3-81FCF28FB82A}"/>
               </a:ext>
             </a:extLst>
           </p:cNvPr>
@@ -2503,7 +2503,7 @@
           <p:cNvPr id="2" name="제목 1">
             <a:extLst>
               <a:ext uri="{FF2B5EF4-FFF2-40B4-BE49-F238E27FC236}">
-                <a16:creationId xmlns:a16="http://schemas.microsoft.com/office/drawing/2014/main" id="{E1595260-FA6D-4888-ADF7-F499EEC9CAF3}"/>
+                <a16:creationId xmlns:a16="http://schemas.microsoft.com/office/drawing/2014/main" xmlns="" id="{E1595260-FA6D-4888-ADF7-F499EEC9CAF3}"/>
               </a:ext>
             </a:extLst>
           </p:cNvPr>
@@ -2540,7 +2540,7 @@
           <p:cNvPr id="3" name="그림 개체 틀 2">
             <a:extLst>
               <a:ext uri="{FF2B5EF4-FFF2-40B4-BE49-F238E27FC236}">
-                <a16:creationId xmlns:a16="http://schemas.microsoft.com/office/drawing/2014/main" id="{83A50628-D8CA-4077-960A-F39CE72B43AC}"/>
+                <a16:creationId xmlns:a16="http://schemas.microsoft.com/office/drawing/2014/main" xmlns="" id="{83A50628-D8CA-4077-960A-F39CE72B43AC}"/>
               </a:ext>
             </a:extLst>
           </p:cNvPr>
@@ -2607,7 +2607,7 @@
           <p:cNvPr id="4" name="텍스트 개체 틀 3">
             <a:extLst>
               <a:ext uri="{FF2B5EF4-FFF2-40B4-BE49-F238E27FC236}">
-                <a16:creationId xmlns:a16="http://schemas.microsoft.com/office/drawing/2014/main" id="{19E7AA03-FBD8-4A50-A92B-5AC38CFD2159}"/>
+                <a16:creationId xmlns:a16="http://schemas.microsoft.com/office/drawing/2014/main" xmlns="" id="{19E7AA03-FBD8-4A50-A92B-5AC38CFD2159}"/>
               </a:ext>
             </a:extLst>
           </p:cNvPr>
@@ -2678,7 +2678,7 @@
           <p:cNvPr id="5" name="날짜 개체 틀 4">
             <a:extLst>
               <a:ext uri="{FF2B5EF4-FFF2-40B4-BE49-F238E27FC236}">
-                <a16:creationId xmlns:a16="http://schemas.microsoft.com/office/drawing/2014/main" id="{68D9E59A-44BD-4C8B-A629-A61BC819DCDC}"/>
+                <a16:creationId xmlns:a16="http://schemas.microsoft.com/office/drawing/2014/main" xmlns="" id="{68D9E59A-44BD-4C8B-A629-A61BC819DCDC}"/>
               </a:ext>
             </a:extLst>
           </p:cNvPr>
@@ -2707,7 +2707,7 @@
           <p:cNvPr id="6" name="바닥글 개체 틀 5">
             <a:extLst>
               <a:ext uri="{FF2B5EF4-FFF2-40B4-BE49-F238E27FC236}">
-                <a16:creationId xmlns:a16="http://schemas.microsoft.com/office/drawing/2014/main" id="{1D2B7321-A165-476B-A4ED-83B774277E09}"/>
+                <a16:creationId xmlns:a16="http://schemas.microsoft.com/office/drawing/2014/main" xmlns="" id="{1D2B7321-A165-476B-A4ED-83B774277E09}"/>
               </a:ext>
             </a:extLst>
           </p:cNvPr>
@@ -2732,7 +2732,7 @@
           <p:cNvPr id="7" name="슬라이드 번호 개체 틀 6">
             <a:extLst>
               <a:ext uri="{FF2B5EF4-FFF2-40B4-BE49-F238E27FC236}">
-                <a16:creationId xmlns:a16="http://schemas.microsoft.com/office/drawing/2014/main" id="{07F02D81-149F-45ED-BBC5-576EF0493F03}"/>
+                <a16:creationId xmlns:a16="http://schemas.microsoft.com/office/drawing/2014/main" xmlns="" id="{07F02D81-149F-45ED-BBC5-576EF0493F03}"/>
               </a:ext>
             </a:extLst>
           </p:cNvPr>
@@ -2796,7 +2796,7 @@
           <p:cNvPr id="2" name="제목 개체 틀 1">
             <a:extLst>
               <a:ext uri="{FF2B5EF4-FFF2-40B4-BE49-F238E27FC236}">
-                <a16:creationId xmlns:a16="http://schemas.microsoft.com/office/drawing/2014/main" id="{738525D4-1253-4608-9D52-B7981AC4FCC8}"/>
+                <a16:creationId xmlns:a16="http://schemas.microsoft.com/office/drawing/2014/main" xmlns="" id="{738525D4-1253-4608-9D52-B7981AC4FCC8}"/>
               </a:ext>
             </a:extLst>
           </p:cNvPr>
@@ -2834,7 +2834,7 @@
           <p:cNvPr id="3" name="텍스트 개체 틀 2">
             <a:extLst>
               <a:ext uri="{FF2B5EF4-FFF2-40B4-BE49-F238E27FC236}">
-                <a16:creationId xmlns:a16="http://schemas.microsoft.com/office/drawing/2014/main" id="{0D5AEAAA-7600-4903-ACEF-1D36CDCD268E}"/>
+                <a16:creationId xmlns:a16="http://schemas.microsoft.com/office/drawing/2014/main" xmlns="" id="{0D5AEAAA-7600-4903-ACEF-1D36CDCD268E}"/>
               </a:ext>
             </a:extLst>
           </p:cNvPr>
@@ -2901,7 +2901,7 @@
           <p:cNvPr id="4" name="날짜 개체 틀 3">
             <a:extLst>
               <a:ext uri="{FF2B5EF4-FFF2-40B4-BE49-F238E27FC236}">
-                <a16:creationId xmlns:a16="http://schemas.microsoft.com/office/drawing/2014/main" id="{4DC8EC6A-27D7-4EF9-B45D-C2D39B14F126}"/>
+                <a16:creationId xmlns:a16="http://schemas.microsoft.com/office/drawing/2014/main" xmlns="" id="{4DC8EC6A-27D7-4EF9-B45D-C2D39B14F126}"/>
               </a:ext>
             </a:extLst>
           </p:cNvPr>
@@ -2948,7 +2948,7 @@
           <p:cNvPr id="5" name="바닥글 개체 틀 4">
             <a:extLst>
               <a:ext uri="{FF2B5EF4-FFF2-40B4-BE49-F238E27FC236}">
-                <a16:creationId xmlns:a16="http://schemas.microsoft.com/office/drawing/2014/main" id="{260EB541-017D-4B3F-9895-2DFE884EA7DA}"/>
+                <a16:creationId xmlns:a16="http://schemas.microsoft.com/office/drawing/2014/main" xmlns="" id="{260EB541-017D-4B3F-9895-2DFE884EA7DA}"/>
               </a:ext>
             </a:extLst>
           </p:cNvPr>
@@ -2991,7 +2991,7 @@
           <p:cNvPr id="6" name="슬라이드 번호 개체 틀 5">
             <a:extLst>
               <a:ext uri="{FF2B5EF4-FFF2-40B4-BE49-F238E27FC236}">
-                <a16:creationId xmlns:a16="http://schemas.microsoft.com/office/drawing/2014/main" id="{51440F6D-AE56-4BC9-B00D-4A215980C939}"/>
+                <a16:creationId xmlns:a16="http://schemas.microsoft.com/office/drawing/2014/main" xmlns="" id="{51440F6D-AE56-4BC9-B00D-4A215980C939}"/>
               </a:ext>
             </a:extLst>
           </p:cNvPr>
@@ -3367,7 +3367,7 @@
           <p:cNvPr id="3" name="부제목 2">
             <a:extLst>
               <a:ext uri="{FF2B5EF4-FFF2-40B4-BE49-F238E27FC236}">
-                <a16:creationId xmlns:a16="http://schemas.microsoft.com/office/drawing/2014/main" id="{84DAC65C-FE20-4D6D-AFFA-57D16B16FADF}"/>
+                <a16:creationId xmlns:a16="http://schemas.microsoft.com/office/drawing/2014/main" xmlns="" id="{84DAC65C-FE20-4D6D-AFFA-57D16B16FADF}"/>
               </a:ext>
             </a:extLst>
           </p:cNvPr>
@@ -3407,7 +3407,7 @@
           <p:cNvPr id="9" name="그림 8">
             <a:extLst>
               <a:ext uri="{FF2B5EF4-FFF2-40B4-BE49-F238E27FC236}">
-                <a16:creationId xmlns:a16="http://schemas.microsoft.com/office/drawing/2014/main" id="{58A568A6-F904-4025-9A14-67F5B32BB43F}"/>
+                <a16:creationId xmlns:a16="http://schemas.microsoft.com/office/drawing/2014/main" xmlns="" id="{58A568A6-F904-4025-9A14-67F5B32BB43F}"/>
               </a:ext>
             </a:extLst>
           </p:cNvPr>
@@ -3436,7 +3436,7 @@
           <p:cNvPr id="6" name="正方形/長方形 1">
             <a:extLst>
               <a:ext uri="{FF2B5EF4-FFF2-40B4-BE49-F238E27FC236}">
-                <a16:creationId xmlns:a16="http://schemas.microsoft.com/office/drawing/2014/main" id="{3DB5B2C5-F5B3-4CC9-BEAC-DB38B7D18AB0}"/>
+                <a16:creationId xmlns:a16="http://schemas.microsoft.com/office/drawing/2014/main" xmlns="" id="{3DB5B2C5-F5B3-4CC9-BEAC-DB38B7D18AB0}"/>
               </a:ext>
             </a:extLst>
           </p:cNvPr>
@@ -3488,7 +3488,7 @@
           <p:cNvPr id="5" name="그림 4">
             <a:extLst>
               <a:ext uri="{FF2B5EF4-FFF2-40B4-BE49-F238E27FC236}">
-                <a16:creationId xmlns:a16="http://schemas.microsoft.com/office/drawing/2014/main" id="{70CD73FB-6A8C-4053-8E55-05DD338095CE}"/>
+                <a16:creationId xmlns:a16="http://schemas.microsoft.com/office/drawing/2014/main" xmlns="" id="{70CD73FB-6A8C-4053-8E55-05DD338095CE}"/>
               </a:ext>
             </a:extLst>
           </p:cNvPr>
@@ -3524,7 +3524,7 @@
           <p:cNvPr id="10" name="TextBox 9">
             <a:extLst>
               <a:ext uri="{FF2B5EF4-FFF2-40B4-BE49-F238E27FC236}">
-                <a16:creationId xmlns:a16="http://schemas.microsoft.com/office/drawing/2014/main" id="{FE48E1B1-BE68-4CDF-B1A5-546E3D5FD453}"/>
+                <a16:creationId xmlns:a16="http://schemas.microsoft.com/office/drawing/2014/main" xmlns="" id="{FE48E1B1-BE68-4CDF-B1A5-546E3D5FD453}"/>
               </a:ext>
             </a:extLst>
           </p:cNvPr>
@@ -3656,6 +3656,13 @@
   <p:clrMapOvr>
     <a:masterClrMapping/>
   </p:clrMapOvr>
+  <p:timing>
+    <p:tnLst>
+      <p:par>
+        <p:cTn id="1" dur="indefinite" restart="never" nodeType="tmRoot"/>
+      </p:par>
+    </p:tnLst>
+  </p:timing>
 </p:sld>
 </file>
 
@@ -3681,7 +3688,7 @@
           <p:cNvPr id="2" name="직사각형 1">
             <a:extLst>
               <a:ext uri="{FF2B5EF4-FFF2-40B4-BE49-F238E27FC236}">
-                <a16:creationId xmlns:a16="http://schemas.microsoft.com/office/drawing/2014/main" id="{8E5B996D-DF87-49E5-95D1-45B1EEB9EE9A}"/>
+                <a16:creationId xmlns:a16="http://schemas.microsoft.com/office/drawing/2014/main" xmlns="" id="{8E5B996D-DF87-49E5-95D1-45B1EEB9EE9A}"/>
               </a:ext>
             </a:extLst>
           </p:cNvPr>
@@ -3733,7 +3740,7 @@
           <p:cNvPr id="4" name="직사각형 3">
             <a:extLst>
               <a:ext uri="{FF2B5EF4-FFF2-40B4-BE49-F238E27FC236}">
-                <a16:creationId xmlns:a16="http://schemas.microsoft.com/office/drawing/2014/main" id="{080CEE4E-4BCA-42C3-BECA-9BCEB9931EEA}"/>
+                <a16:creationId xmlns:a16="http://schemas.microsoft.com/office/drawing/2014/main" xmlns="" id="{080CEE4E-4BCA-42C3-BECA-9BCEB9931EEA}"/>
               </a:ext>
             </a:extLst>
           </p:cNvPr>
@@ -3785,7 +3792,7 @@
           <p:cNvPr id="5" name="TextBox 4">
             <a:extLst>
               <a:ext uri="{FF2B5EF4-FFF2-40B4-BE49-F238E27FC236}">
-                <a16:creationId xmlns:a16="http://schemas.microsoft.com/office/drawing/2014/main" id="{D12B0B12-AB99-4F88-B4B2-948DADC833EA}"/>
+                <a16:creationId xmlns:a16="http://schemas.microsoft.com/office/drawing/2014/main" xmlns="" id="{D12B0B12-AB99-4F88-B4B2-948DADC833EA}"/>
               </a:ext>
             </a:extLst>
           </p:cNvPr>
@@ -3904,7 +3911,7 @@
           <p:cNvPr id="9" name="그림 8">
             <a:extLst>
               <a:ext uri="{FF2B5EF4-FFF2-40B4-BE49-F238E27FC236}">
-                <a16:creationId xmlns:a16="http://schemas.microsoft.com/office/drawing/2014/main" id="{0F0992E8-2696-42E6-805A-0C12780D8FA1}"/>
+                <a16:creationId xmlns:a16="http://schemas.microsoft.com/office/drawing/2014/main" xmlns="" id="{0F0992E8-2696-42E6-805A-0C12780D8FA1}"/>
               </a:ext>
             </a:extLst>
           </p:cNvPr>
@@ -4275,7 +4282,7 @@
           <p:cNvPr id="81" name="그룹 80">
             <a:extLst>
               <a:ext uri="{FF2B5EF4-FFF2-40B4-BE49-F238E27FC236}">
-                <a16:creationId xmlns:a16="http://schemas.microsoft.com/office/drawing/2014/main" id="{38E8101C-CD9F-4405-83E3-80C679EBD51C}"/>
+                <a16:creationId xmlns:a16="http://schemas.microsoft.com/office/drawing/2014/main" xmlns="" id="{38E8101C-CD9F-4405-83E3-80C679EBD51C}"/>
               </a:ext>
             </a:extLst>
           </p:cNvPr>
@@ -4687,7 +4694,7 @@
             <p:cNvPr id="42" name="그룹 41">
               <a:extLst>
                 <a:ext uri="{FF2B5EF4-FFF2-40B4-BE49-F238E27FC236}">
-                  <a16:creationId xmlns:a16="http://schemas.microsoft.com/office/drawing/2014/main" id="{8DA397AC-8EC5-4791-8DEE-47099BBE5C49}"/>
+                  <a16:creationId xmlns:a16="http://schemas.microsoft.com/office/drawing/2014/main" xmlns="" id="{8DA397AC-8EC5-4791-8DEE-47099BBE5C49}"/>
                 </a:ext>
               </a:extLst>
             </p:cNvPr>
@@ -4707,7 +4714,7 @@
               <p:cNvPr id="10" name="타원 9">
                 <a:extLst>
                   <a:ext uri="{FF2B5EF4-FFF2-40B4-BE49-F238E27FC236}">
-                    <a16:creationId xmlns:a16="http://schemas.microsoft.com/office/drawing/2014/main" id="{28165C16-198E-4038-BB98-1FFC3116A29A}"/>
+                    <a16:creationId xmlns:a16="http://schemas.microsoft.com/office/drawing/2014/main" xmlns="" id="{28165C16-198E-4038-BB98-1FFC3116A29A}"/>
                   </a:ext>
                 </a:extLst>
               </p:cNvPr>
@@ -4751,7 +4758,7 @@
               <p:cNvPr id="38" name="그룹 37">
                 <a:extLst>
                   <a:ext uri="{FF2B5EF4-FFF2-40B4-BE49-F238E27FC236}">
-                    <a16:creationId xmlns:a16="http://schemas.microsoft.com/office/drawing/2014/main" id="{9F869086-804C-49EB-9177-2271BBA2C4DC}"/>
+                    <a16:creationId xmlns:a16="http://schemas.microsoft.com/office/drawing/2014/main" xmlns="" id="{9F869086-804C-49EB-9177-2271BBA2C4DC}"/>
                   </a:ext>
                 </a:extLst>
               </p:cNvPr>
@@ -4771,7 +4778,7 @@
                 <p:cNvPr id="26" name="직선 연결선 25">
                   <a:extLst>
                     <a:ext uri="{FF2B5EF4-FFF2-40B4-BE49-F238E27FC236}">
-                      <a16:creationId xmlns:a16="http://schemas.microsoft.com/office/drawing/2014/main" id="{CD98DF17-83F9-4425-AAC8-E6DCF18D8CAC}"/>
+                      <a16:creationId xmlns:a16="http://schemas.microsoft.com/office/drawing/2014/main" xmlns="" id="{CD98DF17-83F9-4425-AAC8-E6DCF18D8CAC}"/>
                     </a:ext>
                   </a:extLst>
                 </p:cNvPr>
@@ -4809,7 +4816,7 @@
                 <p:cNvPr id="28" name="직선 연결선 27">
                   <a:extLst>
                     <a:ext uri="{FF2B5EF4-FFF2-40B4-BE49-F238E27FC236}">
-                      <a16:creationId xmlns:a16="http://schemas.microsoft.com/office/drawing/2014/main" id="{88AD4880-D37C-416F-B9FB-EDA05C5059C0}"/>
+                      <a16:creationId xmlns:a16="http://schemas.microsoft.com/office/drawing/2014/main" xmlns="" id="{88AD4880-D37C-416F-B9FB-EDA05C5059C0}"/>
                     </a:ext>
                   </a:extLst>
                 </p:cNvPr>
@@ -4849,7 +4856,7 @@
             <p:cNvPr id="43" name="그룹 42">
               <a:extLst>
                 <a:ext uri="{FF2B5EF4-FFF2-40B4-BE49-F238E27FC236}">
-                  <a16:creationId xmlns:a16="http://schemas.microsoft.com/office/drawing/2014/main" id="{488126EA-A42B-4D0F-A018-CD6470CC2918}"/>
+                  <a16:creationId xmlns:a16="http://schemas.microsoft.com/office/drawing/2014/main" xmlns="" id="{488126EA-A42B-4D0F-A018-CD6470CC2918}"/>
                 </a:ext>
               </a:extLst>
             </p:cNvPr>
@@ -4869,7 +4876,7 @@
               <p:cNvPr id="44" name="타원 43">
                 <a:extLst>
                   <a:ext uri="{FF2B5EF4-FFF2-40B4-BE49-F238E27FC236}">
-                    <a16:creationId xmlns:a16="http://schemas.microsoft.com/office/drawing/2014/main" id="{41CC34A2-F21A-49DC-BD62-8C00CEA023AC}"/>
+                    <a16:creationId xmlns:a16="http://schemas.microsoft.com/office/drawing/2014/main" xmlns="" id="{41CC34A2-F21A-49DC-BD62-8C00CEA023AC}"/>
                   </a:ext>
                 </a:extLst>
               </p:cNvPr>
@@ -4913,7 +4920,7 @@
               <p:cNvPr id="45" name="그룹 44">
                 <a:extLst>
                   <a:ext uri="{FF2B5EF4-FFF2-40B4-BE49-F238E27FC236}">
-                    <a16:creationId xmlns:a16="http://schemas.microsoft.com/office/drawing/2014/main" id="{77219D43-E969-47D9-83B4-2018B5635610}"/>
+                    <a16:creationId xmlns:a16="http://schemas.microsoft.com/office/drawing/2014/main" xmlns="" id="{77219D43-E969-47D9-83B4-2018B5635610}"/>
                   </a:ext>
                 </a:extLst>
               </p:cNvPr>
@@ -4933,7 +4940,7 @@
                 <p:cNvPr id="46" name="직선 연결선 45">
                   <a:extLst>
                     <a:ext uri="{FF2B5EF4-FFF2-40B4-BE49-F238E27FC236}">
-                      <a16:creationId xmlns:a16="http://schemas.microsoft.com/office/drawing/2014/main" id="{F6C263F5-FA7F-45DC-86CF-28DCBAAF6202}"/>
+                      <a16:creationId xmlns:a16="http://schemas.microsoft.com/office/drawing/2014/main" xmlns="" id="{F6C263F5-FA7F-45DC-86CF-28DCBAAF6202}"/>
                     </a:ext>
                   </a:extLst>
                 </p:cNvPr>
@@ -4971,7 +4978,7 @@
                 <p:cNvPr id="47" name="직선 연결선 46">
                   <a:extLst>
                     <a:ext uri="{FF2B5EF4-FFF2-40B4-BE49-F238E27FC236}">
-                      <a16:creationId xmlns:a16="http://schemas.microsoft.com/office/drawing/2014/main" id="{28690920-9541-44BE-8BFB-DC7743251F01}"/>
+                      <a16:creationId xmlns:a16="http://schemas.microsoft.com/office/drawing/2014/main" xmlns="" id="{28690920-9541-44BE-8BFB-DC7743251F01}"/>
                     </a:ext>
                   </a:extLst>
                 </p:cNvPr>
@@ -5011,7 +5018,7 @@
             <p:cNvPr id="48" name="그룹 47">
               <a:extLst>
                 <a:ext uri="{FF2B5EF4-FFF2-40B4-BE49-F238E27FC236}">
-                  <a16:creationId xmlns:a16="http://schemas.microsoft.com/office/drawing/2014/main" id="{F86AF9FB-321E-4FD7-9A08-2651F42DF962}"/>
+                  <a16:creationId xmlns:a16="http://schemas.microsoft.com/office/drawing/2014/main" xmlns="" id="{F86AF9FB-321E-4FD7-9A08-2651F42DF962}"/>
                 </a:ext>
               </a:extLst>
             </p:cNvPr>
@@ -5031,7 +5038,7 @@
               <p:cNvPr id="49" name="타원 48">
                 <a:extLst>
                   <a:ext uri="{FF2B5EF4-FFF2-40B4-BE49-F238E27FC236}">
-                    <a16:creationId xmlns:a16="http://schemas.microsoft.com/office/drawing/2014/main" id="{B20ED60B-622F-4AC4-AE77-7F56BD277474}"/>
+                    <a16:creationId xmlns:a16="http://schemas.microsoft.com/office/drawing/2014/main" xmlns="" id="{B20ED60B-622F-4AC4-AE77-7F56BD277474}"/>
                   </a:ext>
                 </a:extLst>
               </p:cNvPr>
@@ -5075,7 +5082,7 @@
               <p:cNvPr id="50" name="그룹 49">
                 <a:extLst>
                   <a:ext uri="{FF2B5EF4-FFF2-40B4-BE49-F238E27FC236}">
-                    <a16:creationId xmlns:a16="http://schemas.microsoft.com/office/drawing/2014/main" id="{7D46A0E4-C683-4ECE-9556-BC21BA9B44F8}"/>
+                    <a16:creationId xmlns:a16="http://schemas.microsoft.com/office/drawing/2014/main" xmlns="" id="{7D46A0E4-C683-4ECE-9556-BC21BA9B44F8}"/>
                   </a:ext>
                 </a:extLst>
               </p:cNvPr>
@@ -5095,7 +5102,7 @@
                 <p:cNvPr id="51" name="직선 연결선 50">
                   <a:extLst>
                     <a:ext uri="{FF2B5EF4-FFF2-40B4-BE49-F238E27FC236}">
-                      <a16:creationId xmlns:a16="http://schemas.microsoft.com/office/drawing/2014/main" id="{BEAFCB6C-AA19-4602-8BA0-20E4F26A47CA}"/>
+                      <a16:creationId xmlns:a16="http://schemas.microsoft.com/office/drawing/2014/main" xmlns="" id="{BEAFCB6C-AA19-4602-8BA0-20E4F26A47CA}"/>
                     </a:ext>
                   </a:extLst>
                 </p:cNvPr>
@@ -5133,7 +5140,7 @@
                 <p:cNvPr id="52" name="직선 연결선 51">
                   <a:extLst>
                     <a:ext uri="{FF2B5EF4-FFF2-40B4-BE49-F238E27FC236}">
-                      <a16:creationId xmlns:a16="http://schemas.microsoft.com/office/drawing/2014/main" id="{7702268C-1177-4C21-8B96-682E0922252B}"/>
+                      <a16:creationId xmlns:a16="http://schemas.microsoft.com/office/drawing/2014/main" xmlns="" id="{7702268C-1177-4C21-8B96-682E0922252B}"/>
                     </a:ext>
                   </a:extLst>
                 </p:cNvPr>
@@ -5173,7 +5180,7 @@
             <p:cNvPr id="59" name="그룹 58">
               <a:extLst>
                 <a:ext uri="{FF2B5EF4-FFF2-40B4-BE49-F238E27FC236}">
-                  <a16:creationId xmlns:a16="http://schemas.microsoft.com/office/drawing/2014/main" id="{1A7F0BD5-DFFF-41A8-B98A-DD5EDD46BE67}"/>
+                  <a16:creationId xmlns:a16="http://schemas.microsoft.com/office/drawing/2014/main" xmlns="" id="{1A7F0BD5-DFFF-41A8-B98A-DD5EDD46BE67}"/>
                 </a:ext>
               </a:extLst>
             </p:cNvPr>
@@ -5193,7 +5200,7 @@
               <p:cNvPr id="60" name="타원 59">
                 <a:extLst>
                   <a:ext uri="{FF2B5EF4-FFF2-40B4-BE49-F238E27FC236}">
-                    <a16:creationId xmlns:a16="http://schemas.microsoft.com/office/drawing/2014/main" id="{1FBCC9E5-9E35-4C78-9B19-1B310EA3873F}"/>
+                    <a16:creationId xmlns:a16="http://schemas.microsoft.com/office/drawing/2014/main" xmlns="" id="{1FBCC9E5-9E35-4C78-9B19-1B310EA3873F}"/>
                   </a:ext>
                 </a:extLst>
               </p:cNvPr>
@@ -5237,7 +5244,7 @@
               <p:cNvPr id="61" name="그룹 60">
                 <a:extLst>
                   <a:ext uri="{FF2B5EF4-FFF2-40B4-BE49-F238E27FC236}">
-                    <a16:creationId xmlns:a16="http://schemas.microsoft.com/office/drawing/2014/main" id="{6E527DF8-8EE6-4C00-AD68-7D15906474BB}"/>
+                    <a16:creationId xmlns:a16="http://schemas.microsoft.com/office/drawing/2014/main" xmlns="" id="{6E527DF8-8EE6-4C00-AD68-7D15906474BB}"/>
                   </a:ext>
                 </a:extLst>
               </p:cNvPr>
@@ -5257,7 +5264,7 @@
                 <p:cNvPr id="62" name="직선 연결선 61">
                   <a:extLst>
                     <a:ext uri="{FF2B5EF4-FFF2-40B4-BE49-F238E27FC236}">
-                      <a16:creationId xmlns:a16="http://schemas.microsoft.com/office/drawing/2014/main" id="{6574FE88-E73F-40D3-9CA9-C2F6FED75A87}"/>
+                      <a16:creationId xmlns:a16="http://schemas.microsoft.com/office/drawing/2014/main" xmlns="" id="{6574FE88-E73F-40D3-9CA9-C2F6FED75A87}"/>
                     </a:ext>
                   </a:extLst>
                 </p:cNvPr>
@@ -5295,7 +5302,7 @@
                 <p:cNvPr id="63" name="직선 연결선 62">
                   <a:extLst>
                     <a:ext uri="{FF2B5EF4-FFF2-40B4-BE49-F238E27FC236}">
-                      <a16:creationId xmlns:a16="http://schemas.microsoft.com/office/drawing/2014/main" id="{BB31369A-4B80-46BA-B82B-75E1A515C01A}"/>
+                      <a16:creationId xmlns:a16="http://schemas.microsoft.com/office/drawing/2014/main" xmlns="" id="{BB31369A-4B80-46BA-B82B-75E1A515C01A}"/>
                     </a:ext>
                   </a:extLst>
                 </p:cNvPr>
@@ -5335,7 +5342,7 @@
             <p:cNvPr id="64" name="그룹 63">
               <a:extLst>
                 <a:ext uri="{FF2B5EF4-FFF2-40B4-BE49-F238E27FC236}">
-                  <a16:creationId xmlns:a16="http://schemas.microsoft.com/office/drawing/2014/main" id="{0E60BC1F-5801-4957-B758-3595DF452C2C}"/>
+                  <a16:creationId xmlns:a16="http://schemas.microsoft.com/office/drawing/2014/main" xmlns="" id="{0E60BC1F-5801-4957-B758-3595DF452C2C}"/>
                 </a:ext>
               </a:extLst>
             </p:cNvPr>
@@ -5355,7 +5362,7 @@
               <p:cNvPr id="65" name="타원 64">
                 <a:extLst>
                   <a:ext uri="{FF2B5EF4-FFF2-40B4-BE49-F238E27FC236}">
-                    <a16:creationId xmlns:a16="http://schemas.microsoft.com/office/drawing/2014/main" id="{9502A195-C680-45A2-8C6B-8B817AB3FA85}"/>
+                    <a16:creationId xmlns:a16="http://schemas.microsoft.com/office/drawing/2014/main" xmlns="" id="{9502A195-C680-45A2-8C6B-8B817AB3FA85}"/>
                   </a:ext>
                 </a:extLst>
               </p:cNvPr>
@@ -5399,7 +5406,7 @@
               <p:cNvPr id="66" name="그룹 65">
                 <a:extLst>
                   <a:ext uri="{FF2B5EF4-FFF2-40B4-BE49-F238E27FC236}">
-                    <a16:creationId xmlns:a16="http://schemas.microsoft.com/office/drawing/2014/main" id="{A1C26731-88D3-496F-B948-C2072EA92A55}"/>
+                    <a16:creationId xmlns:a16="http://schemas.microsoft.com/office/drawing/2014/main" xmlns="" id="{A1C26731-88D3-496F-B948-C2072EA92A55}"/>
                   </a:ext>
                 </a:extLst>
               </p:cNvPr>
@@ -5419,7 +5426,7 @@
                 <p:cNvPr id="67" name="직선 연결선 66">
                   <a:extLst>
                     <a:ext uri="{FF2B5EF4-FFF2-40B4-BE49-F238E27FC236}">
-                      <a16:creationId xmlns:a16="http://schemas.microsoft.com/office/drawing/2014/main" id="{0CF5D67D-D2A3-4000-BA9E-AAF446074F33}"/>
+                      <a16:creationId xmlns:a16="http://schemas.microsoft.com/office/drawing/2014/main" xmlns="" id="{0CF5D67D-D2A3-4000-BA9E-AAF446074F33}"/>
                     </a:ext>
                   </a:extLst>
                 </p:cNvPr>
@@ -5457,7 +5464,7 @@
                 <p:cNvPr id="68" name="직선 연결선 67">
                   <a:extLst>
                     <a:ext uri="{FF2B5EF4-FFF2-40B4-BE49-F238E27FC236}">
-                      <a16:creationId xmlns:a16="http://schemas.microsoft.com/office/drawing/2014/main" id="{38E5935A-EE38-4B5E-BCE3-785A5DE6E53A}"/>
+                      <a16:creationId xmlns:a16="http://schemas.microsoft.com/office/drawing/2014/main" xmlns="" id="{38E5935A-EE38-4B5E-BCE3-785A5DE6E53A}"/>
                     </a:ext>
                   </a:extLst>
                 </p:cNvPr>
@@ -5497,7 +5504,7 @@
             <p:cNvPr id="69" name="그룹 68">
               <a:extLst>
                 <a:ext uri="{FF2B5EF4-FFF2-40B4-BE49-F238E27FC236}">
-                  <a16:creationId xmlns:a16="http://schemas.microsoft.com/office/drawing/2014/main" id="{850E2C6C-77E0-408A-B9E5-5E394FF50045}"/>
+                  <a16:creationId xmlns:a16="http://schemas.microsoft.com/office/drawing/2014/main" xmlns="" id="{850E2C6C-77E0-408A-B9E5-5E394FF50045}"/>
                 </a:ext>
               </a:extLst>
             </p:cNvPr>
@@ -5517,7 +5524,7 @@
               <p:cNvPr id="70" name="타원 69">
                 <a:extLst>
                   <a:ext uri="{FF2B5EF4-FFF2-40B4-BE49-F238E27FC236}">
-                    <a16:creationId xmlns:a16="http://schemas.microsoft.com/office/drawing/2014/main" id="{02BF96A2-12C0-4EE0-81D0-3B18850A0ADE}"/>
+                    <a16:creationId xmlns:a16="http://schemas.microsoft.com/office/drawing/2014/main" xmlns="" id="{02BF96A2-12C0-4EE0-81D0-3B18850A0ADE}"/>
                   </a:ext>
                 </a:extLst>
               </p:cNvPr>
@@ -5561,7 +5568,7 @@
               <p:cNvPr id="71" name="그룹 70">
                 <a:extLst>
                   <a:ext uri="{FF2B5EF4-FFF2-40B4-BE49-F238E27FC236}">
-                    <a16:creationId xmlns:a16="http://schemas.microsoft.com/office/drawing/2014/main" id="{1D416587-18C9-413E-A689-9EA12F3A8AD1}"/>
+                    <a16:creationId xmlns:a16="http://schemas.microsoft.com/office/drawing/2014/main" xmlns="" id="{1D416587-18C9-413E-A689-9EA12F3A8AD1}"/>
                   </a:ext>
                 </a:extLst>
               </p:cNvPr>
@@ -5581,7 +5588,7 @@
                 <p:cNvPr id="72" name="직선 연결선 71">
                   <a:extLst>
                     <a:ext uri="{FF2B5EF4-FFF2-40B4-BE49-F238E27FC236}">
-                      <a16:creationId xmlns:a16="http://schemas.microsoft.com/office/drawing/2014/main" id="{81F0CFD3-7F94-4800-81D0-8FBBE2F0B3D9}"/>
+                      <a16:creationId xmlns:a16="http://schemas.microsoft.com/office/drawing/2014/main" xmlns="" id="{81F0CFD3-7F94-4800-81D0-8FBBE2F0B3D9}"/>
                     </a:ext>
                   </a:extLst>
                 </p:cNvPr>
@@ -5619,7 +5626,7 @@
                 <p:cNvPr id="73" name="직선 연결선 72">
                   <a:extLst>
                     <a:ext uri="{FF2B5EF4-FFF2-40B4-BE49-F238E27FC236}">
-                      <a16:creationId xmlns:a16="http://schemas.microsoft.com/office/drawing/2014/main" id="{BEFFECA2-8C28-428D-9694-82C940FE4E8A}"/>
+                      <a16:creationId xmlns:a16="http://schemas.microsoft.com/office/drawing/2014/main" xmlns="" id="{BEFFECA2-8C28-428D-9694-82C940FE4E8A}"/>
                     </a:ext>
                   </a:extLst>
                 </p:cNvPr>
@@ -5659,7 +5666,7 @@
             <p:cNvPr id="74" name="그룹 73">
               <a:extLst>
                 <a:ext uri="{FF2B5EF4-FFF2-40B4-BE49-F238E27FC236}">
-                  <a16:creationId xmlns:a16="http://schemas.microsoft.com/office/drawing/2014/main" id="{2D6B6E46-0383-41B8-9200-E7E127AEBE72}"/>
+                  <a16:creationId xmlns:a16="http://schemas.microsoft.com/office/drawing/2014/main" xmlns="" id="{2D6B6E46-0383-41B8-9200-E7E127AEBE72}"/>
                 </a:ext>
               </a:extLst>
             </p:cNvPr>
@@ -5679,7 +5686,7 @@
               <p:cNvPr id="75" name="타원 74">
                 <a:extLst>
                   <a:ext uri="{FF2B5EF4-FFF2-40B4-BE49-F238E27FC236}">
-                    <a16:creationId xmlns:a16="http://schemas.microsoft.com/office/drawing/2014/main" id="{83BFE3AC-EEF7-46D6-86B8-1A6A16306B51}"/>
+                    <a16:creationId xmlns:a16="http://schemas.microsoft.com/office/drawing/2014/main" xmlns="" id="{83BFE3AC-EEF7-46D6-86B8-1A6A16306B51}"/>
                   </a:ext>
                 </a:extLst>
               </p:cNvPr>
@@ -5723,7 +5730,7 @@
               <p:cNvPr id="76" name="그룹 75">
                 <a:extLst>
                   <a:ext uri="{FF2B5EF4-FFF2-40B4-BE49-F238E27FC236}">
-                    <a16:creationId xmlns:a16="http://schemas.microsoft.com/office/drawing/2014/main" id="{32139ED5-E515-42D6-BCF6-911E6DE864F3}"/>
+                    <a16:creationId xmlns:a16="http://schemas.microsoft.com/office/drawing/2014/main" xmlns="" id="{32139ED5-E515-42D6-BCF6-911E6DE864F3}"/>
                   </a:ext>
                 </a:extLst>
               </p:cNvPr>
@@ -5743,7 +5750,7 @@
                 <p:cNvPr id="77" name="직선 연결선 76">
                   <a:extLst>
                     <a:ext uri="{FF2B5EF4-FFF2-40B4-BE49-F238E27FC236}">
-                      <a16:creationId xmlns:a16="http://schemas.microsoft.com/office/drawing/2014/main" id="{DE8B91DB-BDB3-44F7-911B-B94C54293342}"/>
+                      <a16:creationId xmlns:a16="http://schemas.microsoft.com/office/drawing/2014/main" xmlns="" id="{DE8B91DB-BDB3-44F7-911B-B94C54293342}"/>
                     </a:ext>
                   </a:extLst>
                 </p:cNvPr>
@@ -5781,7 +5788,7 @@
                 <p:cNvPr id="78" name="직선 연결선 77">
                   <a:extLst>
                     <a:ext uri="{FF2B5EF4-FFF2-40B4-BE49-F238E27FC236}">
-                      <a16:creationId xmlns:a16="http://schemas.microsoft.com/office/drawing/2014/main" id="{34B023F0-C893-45E9-B461-90E971F8D924}"/>
+                      <a16:creationId xmlns:a16="http://schemas.microsoft.com/office/drawing/2014/main" xmlns="" id="{34B023F0-C893-45E9-B461-90E971F8D924}"/>
                     </a:ext>
                   </a:extLst>
                 </p:cNvPr>
@@ -5821,7 +5828,7 @@
             <p:cNvPr id="80" name="직사각형 79">
               <a:extLst>
                 <a:ext uri="{FF2B5EF4-FFF2-40B4-BE49-F238E27FC236}">
-                  <a16:creationId xmlns:a16="http://schemas.microsoft.com/office/drawing/2014/main" id="{4259D690-DECA-43FD-9248-88D3F096A533}"/>
+                  <a16:creationId xmlns:a16="http://schemas.microsoft.com/office/drawing/2014/main" xmlns="" id="{4259D690-DECA-43FD-9248-88D3F096A533}"/>
                 </a:ext>
               </a:extLst>
             </p:cNvPr>
@@ -5869,7 +5876,7 @@
           <p:cNvPr id="85" name="직선 연결선 84">
             <a:extLst>
               <a:ext uri="{FF2B5EF4-FFF2-40B4-BE49-F238E27FC236}">
-                <a16:creationId xmlns:a16="http://schemas.microsoft.com/office/drawing/2014/main" id="{ABF0A11D-D064-411D-BBBB-1B062FD7D715}"/>
+                <a16:creationId xmlns:a16="http://schemas.microsoft.com/office/drawing/2014/main" xmlns="" id="{ABF0A11D-D064-411D-BBBB-1B062FD7D715}"/>
               </a:ext>
             </a:extLst>
           </p:cNvPr>
@@ -5908,7 +5915,7 @@
           <p:cNvPr id="130" name="그룹 129">
             <a:extLst>
               <a:ext uri="{FF2B5EF4-FFF2-40B4-BE49-F238E27FC236}">
-                <a16:creationId xmlns:a16="http://schemas.microsoft.com/office/drawing/2014/main" id="{61976F42-28D9-4748-9CC9-0B281BD5857B}"/>
+                <a16:creationId xmlns:a16="http://schemas.microsoft.com/office/drawing/2014/main" xmlns="" id="{61976F42-28D9-4748-9CC9-0B281BD5857B}"/>
               </a:ext>
             </a:extLst>
           </p:cNvPr>
@@ -5928,7 +5935,7 @@
             <p:cNvPr id="84" name="TextBox 83">
               <a:extLst>
                 <a:ext uri="{FF2B5EF4-FFF2-40B4-BE49-F238E27FC236}">
-                  <a16:creationId xmlns:a16="http://schemas.microsoft.com/office/drawing/2014/main" id="{9078812E-5175-4B83-8E15-D641B59364B8}"/>
+                  <a16:creationId xmlns:a16="http://schemas.microsoft.com/office/drawing/2014/main" xmlns="" id="{9078812E-5175-4B83-8E15-D641B59364B8}"/>
                 </a:ext>
               </a:extLst>
             </p:cNvPr>
@@ -5963,7 +5970,7 @@
             <p:cNvPr id="92" name="그룹 91">
               <a:extLst>
                 <a:ext uri="{FF2B5EF4-FFF2-40B4-BE49-F238E27FC236}">
-                  <a16:creationId xmlns:a16="http://schemas.microsoft.com/office/drawing/2014/main" id="{CA5ABBC3-9B95-40AA-AF4E-6FEB47085AD2}"/>
+                  <a16:creationId xmlns:a16="http://schemas.microsoft.com/office/drawing/2014/main" xmlns="" id="{CA5ABBC3-9B95-40AA-AF4E-6FEB47085AD2}"/>
                 </a:ext>
               </a:extLst>
             </p:cNvPr>
@@ -5983,7 +5990,7 @@
               <p:cNvPr id="124" name="타원 123">
                 <a:extLst>
                   <a:ext uri="{FF2B5EF4-FFF2-40B4-BE49-F238E27FC236}">
-                    <a16:creationId xmlns:a16="http://schemas.microsoft.com/office/drawing/2014/main" id="{22E7067D-4D7C-4AF9-9AEF-3358C6DBE673}"/>
+                    <a16:creationId xmlns:a16="http://schemas.microsoft.com/office/drawing/2014/main" xmlns="" id="{22E7067D-4D7C-4AF9-9AEF-3358C6DBE673}"/>
                   </a:ext>
                 </a:extLst>
               </p:cNvPr>
@@ -6027,7 +6034,7 @@
               <p:cNvPr id="125" name="그룹 124">
                 <a:extLst>
                   <a:ext uri="{FF2B5EF4-FFF2-40B4-BE49-F238E27FC236}">
-                    <a16:creationId xmlns:a16="http://schemas.microsoft.com/office/drawing/2014/main" id="{271C2873-2E36-4377-ABFC-65FED26648A4}"/>
+                    <a16:creationId xmlns:a16="http://schemas.microsoft.com/office/drawing/2014/main" xmlns="" id="{271C2873-2E36-4377-ABFC-65FED26648A4}"/>
                   </a:ext>
                 </a:extLst>
               </p:cNvPr>
@@ -6047,7 +6054,7 @@
                 <p:cNvPr id="126" name="직선 연결선 125">
                   <a:extLst>
                     <a:ext uri="{FF2B5EF4-FFF2-40B4-BE49-F238E27FC236}">
-                      <a16:creationId xmlns:a16="http://schemas.microsoft.com/office/drawing/2014/main" id="{3D2575FC-D420-4E72-9A39-A694A4A16337}"/>
+                      <a16:creationId xmlns:a16="http://schemas.microsoft.com/office/drawing/2014/main" xmlns="" id="{3D2575FC-D420-4E72-9A39-A694A4A16337}"/>
                     </a:ext>
                   </a:extLst>
                 </p:cNvPr>
@@ -6085,7 +6092,7 @@
                 <p:cNvPr id="127" name="직선 연결선 126">
                   <a:extLst>
                     <a:ext uri="{FF2B5EF4-FFF2-40B4-BE49-F238E27FC236}">
-                      <a16:creationId xmlns:a16="http://schemas.microsoft.com/office/drawing/2014/main" id="{3D5A5A46-5197-412D-8111-ED38092A6DCC}"/>
+                      <a16:creationId xmlns:a16="http://schemas.microsoft.com/office/drawing/2014/main" xmlns="" id="{3D5A5A46-5197-412D-8111-ED38092A6DCC}"/>
                     </a:ext>
                   </a:extLst>
                 </p:cNvPr>
@@ -6126,7 +6133,7 @@
           <p:cNvPr id="131" name="그룹 130">
             <a:extLst>
               <a:ext uri="{FF2B5EF4-FFF2-40B4-BE49-F238E27FC236}">
-                <a16:creationId xmlns:a16="http://schemas.microsoft.com/office/drawing/2014/main" id="{4107EDA6-328B-4A2E-A873-0517D2762C98}"/>
+                <a16:creationId xmlns:a16="http://schemas.microsoft.com/office/drawing/2014/main" xmlns="" id="{4107EDA6-328B-4A2E-A873-0517D2762C98}"/>
               </a:ext>
             </a:extLst>
           </p:cNvPr>
@@ -6146,7 +6153,7 @@
             <p:cNvPr id="86" name="TextBox 85">
               <a:extLst>
                 <a:ext uri="{FF2B5EF4-FFF2-40B4-BE49-F238E27FC236}">
-                  <a16:creationId xmlns:a16="http://schemas.microsoft.com/office/drawing/2014/main" id="{93B6EF57-564B-4EF5-B506-C5B3EAE7EB76}"/>
+                  <a16:creationId xmlns:a16="http://schemas.microsoft.com/office/drawing/2014/main" xmlns="" id="{93B6EF57-564B-4EF5-B506-C5B3EAE7EB76}"/>
                 </a:ext>
               </a:extLst>
             </p:cNvPr>
@@ -6202,7 +6209,7 @@
             <p:cNvPr id="93" name="그룹 92">
               <a:extLst>
                 <a:ext uri="{FF2B5EF4-FFF2-40B4-BE49-F238E27FC236}">
-                  <a16:creationId xmlns:a16="http://schemas.microsoft.com/office/drawing/2014/main" id="{6D9D0EFC-9698-4E89-B062-B2BA3FF01D8D}"/>
+                  <a16:creationId xmlns:a16="http://schemas.microsoft.com/office/drawing/2014/main" xmlns="" id="{6D9D0EFC-9698-4E89-B062-B2BA3FF01D8D}"/>
                 </a:ext>
               </a:extLst>
             </p:cNvPr>
@@ -6222,7 +6229,7 @@
               <p:cNvPr id="120" name="타원 119">
                 <a:extLst>
                   <a:ext uri="{FF2B5EF4-FFF2-40B4-BE49-F238E27FC236}">
-                    <a16:creationId xmlns:a16="http://schemas.microsoft.com/office/drawing/2014/main" id="{92AEF1EA-6BAE-40A0-8356-0E853F184974}"/>
+                    <a16:creationId xmlns:a16="http://schemas.microsoft.com/office/drawing/2014/main" xmlns="" id="{92AEF1EA-6BAE-40A0-8356-0E853F184974}"/>
                   </a:ext>
                 </a:extLst>
               </p:cNvPr>
@@ -6266,7 +6273,7 @@
               <p:cNvPr id="121" name="그룹 120">
                 <a:extLst>
                   <a:ext uri="{FF2B5EF4-FFF2-40B4-BE49-F238E27FC236}">
-                    <a16:creationId xmlns:a16="http://schemas.microsoft.com/office/drawing/2014/main" id="{C5D5F2FB-2446-452F-963C-7D0C595C1CE4}"/>
+                    <a16:creationId xmlns:a16="http://schemas.microsoft.com/office/drawing/2014/main" xmlns="" id="{C5D5F2FB-2446-452F-963C-7D0C595C1CE4}"/>
                   </a:ext>
                 </a:extLst>
               </p:cNvPr>
@@ -6286,7 +6293,7 @@
                 <p:cNvPr id="122" name="직선 연결선 121">
                   <a:extLst>
                     <a:ext uri="{FF2B5EF4-FFF2-40B4-BE49-F238E27FC236}">
-                      <a16:creationId xmlns:a16="http://schemas.microsoft.com/office/drawing/2014/main" id="{8E365C35-341A-46B0-BF33-BB3E5DFDF50F}"/>
+                      <a16:creationId xmlns:a16="http://schemas.microsoft.com/office/drawing/2014/main" xmlns="" id="{8E365C35-341A-46B0-BF33-BB3E5DFDF50F}"/>
                     </a:ext>
                   </a:extLst>
                 </p:cNvPr>
@@ -6324,7 +6331,7 @@
                 <p:cNvPr id="123" name="직선 연결선 122">
                   <a:extLst>
                     <a:ext uri="{FF2B5EF4-FFF2-40B4-BE49-F238E27FC236}">
-                      <a16:creationId xmlns:a16="http://schemas.microsoft.com/office/drawing/2014/main" id="{375584B1-3AEC-4356-88A2-5B18F3E3112A}"/>
+                      <a16:creationId xmlns:a16="http://schemas.microsoft.com/office/drawing/2014/main" xmlns="" id="{375584B1-3AEC-4356-88A2-5B18F3E3112A}"/>
                     </a:ext>
                   </a:extLst>
                 </p:cNvPr>
@@ -6365,7 +6372,7 @@
           <p:cNvPr id="132" name="그룹 131">
             <a:extLst>
               <a:ext uri="{FF2B5EF4-FFF2-40B4-BE49-F238E27FC236}">
-                <a16:creationId xmlns:a16="http://schemas.microsoft.com/office/drawing/2014/main" id="{D6DC41D0-51FF-48A3-809C-39B2E88C743E}"/>
+                <a16:creationId xmlns:a16="http://schemas.microsoft.com/office/drawing/2014/main" xmlns="" id="{D6DC41D0-51FF-48A3-809C-39B2E88C743E}"/>
               </a:ext>
             </a:extLst>
           </p:cNvPr>
@@ -6385,7 +6392,7 @@
             <p:cNvPr id="87" name="TextBox 86">
               <a:extLst>
                 <a:ext uri="{FF2B5EF4-FFF2-40B4-BE49-F238E27FC236}">
-                  <a16:creationId xmlns:a16="http://schemas.microsoft.com/office/drawing/2014/main" id="{21D9ED40-40D5-4948-B988-B2624171BEDF}"/>
+                  <a16:creationId xmlns:a16="http://schemas.microsoft.com/office/drawing/2014/main" xmlns="" id="{21D9ED40-40D5-4948-B988-B2624171BEDF}"/>
                 </a:ext>
               </a:extLst>
             </p:cNvPr>
@@ -6441,7 +6448,7 @@
             <p:cNvPr id="94" name="그룹 93">
               <a:extLst>
                 <a:ext uri="{FF2B5EF4-FFF2-40B4-BE49-F238E27FC236}">
-                  <a16:creationId xmlns:a16="http://schemas.microsoft.com/office/drawing/2014/main" id="{609D0711-8CC5-42A1-98AE-8F4BA8217E20}"/>
+                  <a16:creationId xmlns:a16="http://schemas.microsoft.com/office/drawing/2014/main" xmlns="" id="{609D0711-8CC5-42A1-98AE-8F4BA8217E20}"/>
                 </a:ext>
               </a:extLst>
             </p:cNvPr>
@@ -6461,7 +6468,7 @@
               <p:cNvPr id="116" name="타원 115">
                 <a:extLst>
                   <a:ext uri="{FF2B5EF4-FFF2-40B4-BE49-F238E27FC236}">
-                    <a16:creationId xmlns:a16="http://schemas.microsoft.com/office/drawing/2014/main" id="{A8A5ACFE-5512-4405-BA44-B13C4522B729}"/>
+                    <a16:creationId xmlns:a16="http://schemas.microsoft.com/office/drawing/2014/main" xmlns="" id="{A8A5ACFE-5512-4405-BA44-B13C4522B729}"/>
                   </a:ext>
                 </a:extLst>
               </p:cNvPr>
@@ -6505,7 +6512,7 @@
               <p:cNvPr id="117" name="그룹 116">
                 <a:extLst>
                   <a:ext uri="{FF2B5EF4-FFF2-40B4-BE49-F238E27FC236}">
-                    <a16:creationId xmlns:a16="http://schemas.microsoft.com/office/drawing/2014/main" id="{ABB7634A-16BC-4E0B-9791-E912A6C3C565}"/>
+                    <a16:creationId xmlns:a16="http://schemas.microsoft.com/office/drawing/2014/main" xmlns="" id="{ABB7634A-16BC-4E0B-9791-E912A6C3C565}"/>
                   </a:ext>
                 </a:extLst>
               </p:cNvPr>
@@ -6525,7 +6532,7 @@
                 <p:cNvPr id="118" name="직선 연결선 117">
                   <a:extLst>
                     <a:ext uri="{FF2B5EF4-FFF2-40B4-BE49-F238E27FC236}">
-                      <a16:creationId xmlns:a16="http://schemas.microsoft.com/office/drawing/2014/main" id="{09ACE1D2-43D8-4B72-A7D6-75FB8DA4F23C}"/>
+                      <a16:creationId xmlns:a16="http://schemas.microsoft.com/office/drawing/2014/main" xmlns="" id="{09ACE1D2-43D8-4B72-A7D6-75FB8DA4F23C}"/>
                     </a:ext>
                   </a:extLst>
                 </p:cNvPr>
@@ -6563,7 +6570,7 @@
                 <p:cNvPr id="119" name="직선 연결선 118">
                   <a:extLst>
                     <a:ext uri="{FF2B5EF4-FFF2-40B4-BE49-F238E27FC236}">
-                      <a16:creationId xmlns:a16="http://schemas.microsoft.com/office/drawing/2014/main" id="{3FB3387F-FB52-42C8-98F1-CF6684B07145}"/>
+                      <a16:creationId xmlns:a16="http://schemas.microsoft.com/office/drawing/2014/main" xmlns="" id="{3FB3387F-FB52-42C8-98F1-CF6684B07145}"/>
                     </a:ext>
                   </a:extLst>
                 </p:cNvPr>
@@ -6604,7 +6611,7 @@
           <p:cNvPr id="133" name="그룹 132">
             <a:extLst>
               <a:ext uri="{FF2B5EF4-FFF2-40B4-BE49-F238E27FC236}">
-                <a16:creationId xmlns:a16="http://schemas.microsoft.com/office/drawing/2014/main" id="{FDE7491C-6AF5-4880-93DB-1E998A4089D3}"/>
+                <a16:creationId xmlns:a16="http://schemas.microsoft.com/office/drawing/2014/main" xmlns="" id="{FDE7491C-6AF5-4880-93DB-1E998A4089D3}"/>
               </a:ext>
             </a:extLst>
           </p:cNvPr>
@@ -6624,7 +6631,7 @@
             <p:cNvPr id="88" name="TextBox 87">
               <a:extLst>
                 <a:ext uri="{FF2B5EF4-FFF2-40B4-BE49-F238E27FC236}">
-                  <a16:creationId xmlns:a16="http://schemas.microsoft.com/office/drawing/2014/main" id="{39C82F22-7703-433A-B8BD-C6E222318967}"/>
+                  <a16:creationId xmlns:a16="http://schemas.microsoft.com/office/drawing/2014/main" xmlns="" id="{39C82F22-7703-433A-B8BD-C6E222318967}"/>
                 </a:ext>
               </a:extLst>
             </p:cNvPr>
@@ -6680,7 +6687,7 @@
             <p:cNvPr id="95" name="그룹 94">
               <a:extLst>
                 <a:ext uri="{FF2B5EF4-FFF2-40B4-BE49-F238E27FC236}">
-                  <a16:creationId xmlns:a16="http://schemas.microsoft.com/office/drawing/2014/main" id="{BF1851D4-BE48-4C62-8B48-B850714D235E}"/>
+                  <a16:creationId xmlns:a16="http://schemas.microsoft.com/office/drawing/2014/main" xmlns="" id="{BF1851D4-BE48-4C62-8B48-B850714D235E}"/>
                 </a:ext>
               </a:extLst>
             </p:cNvPr>
@@ -6700,7 +6707,7 @@
               <p:cNvPr id="112" name="타원 111">
                 <a:extLst>
                   <a:ext uri="{FF2B5EF4-FFF2-40B4-BE49-F238E27FC236}">
-                    <a16:creationId xmlns:a16="http://schemas.microsoft.com/office/drawing/2014/main" id="{43A98BC2-387E-41A9-A3A5-7B85D6342ABF}"/>
+                    <a16:creationId xmlns:a16="http://schemas.microsoft.com/office/drawing/2014/main" xmlns="" id="{43A98BC2-387E-41A9-A3A5-7B85D6342ABF}"/>
                   </a:ext>
                 </a:extLst>
               </p:cNvPr>
@@ -6744,7 +6751,7 @@
               <p:cNvPr id="113" name="그룹 112">
                 <a:extLst>
                   <a:ext uri="{FF2B5EF4-FFF2-40B4-BE49-F238E27FC236}">
-                    <a16:creationId xmlns:a16="http://schemas.microsoft.com/office/drawing/2014/main" id="{4BF72E20-014F-4F6B-940A-9783D4178909}"/>
+                    <a16:creationId xmlns:a16="http://schemas.microsoft.com/office/drawing/2014/main" xmlns="" id="{4BF72E20-014F-4F6B-940A-9783D4178909}"/>
                   </a:ext>
                 </a:extLst>
               </p:cNvPr>
@@ -6764,7 +6771,7 @@
                 <p:cNvPr id="114" name="직선 연결선 113">
                   <a:extLst>
                     <a:ext uri="{FF2B5EF4-FFF2-40B4-BE49-F238E27FC236}">
-                      <a16:creationId xmlns:a16="http://schemas.microsoft.com/office/drawing/2014/main" id="{5167DB2E-510E-425D-B42C-F141B0841007}"/>
+                      <a16:creationId xmlns:a16="http://schemas.microsoft.com/office/drawing/2014/main" xmlns="" id="{5167DB2E-510E-425D-B42C-F141B0841007}"/>
                     </a:ext>
                   </a:extLst>
                 </p:cNvPr>
@@ -6802,7 +6809,7 @@
                 <p:cNvPr id="115" name="직선 연결선 114">
                   <a:extLst>
                     <a:ext uri="{FF2B5EF4-FFF2-40B4-BE49-F238E27FC236}">
-                      <a16:creationId xmlns:a16="http://schemas.microsoft.com/office/drawing/2014/main" id="{72901E6E-29FB-48D6-8ABD-C8E10A72ADCA}"/>
+                      <a16:creationId xmlns:a16="http://schemas.microsoft.com/office/drawing/2014/main" xmlns="" id="{72901E6E-29FB-48D6-8ABD-C8E10A72ADCA}"/>
                     </a:ext>
                   </a:extLst>
                 </p:cNvPr>
@@ -6843,7 +6850,7 @@
           <p:cNvPr id="134" name="그룹 133">
             <a:extLst>
               <a:ext uri="{FF2B5EF4-FFF2-40B4-BE49-F238E27FC236}">
-                <a16:creationId xmlns:a16="http://schemas.microsoft.com/office/drawing/2014/main" id="{67ECA2EF-6511-4E60-866E-845755EB3760}"/>
+                <a16:creationId xmlns:a16="http://schemas.microsoft.com/office/drawing/2014/main" xmlns="" id="{67ECA2EF-6511-4E60-866E-845755EB3760}"/>
               </a:ext>
             </a:extLst>
           </p:cNvPr>
@@ -6863,7 +6870,7 @@
             <p:cNvPr id="89" name="TextBox 88">
               <a:extLst>
                 <a:ext uri="{FF2B5EF4-FFF2-40B4-BE49-F238E27FC236}">
-                  <a16:creationId xmlns:a16="http://schemas.microsoft.com/office/drawing/2014/main" id="{42A349C8-FC04-45CA-BD8D-67EBB42B08F7}"/>
+                  <a16:creationId xmlns:a16="http://schemas.microsoft.com/office/drawing/2014/main" xmlns="" id="{42A349C8-FC04-45CA-BD8D-67EBB42B08F7}"/>
                 </a:ext>
               </a:extLst>
             </p:cNvPr>
@@ -6919,7 +6926,7 @@
             <p:cNvPr id="96" name="그룹 95">
               <a:extLst>
                 <a:ext uri="{FF2B5EF4-FFF2-40B4-BE49-F238E27FC236}">
-                  <a16:creationId xmlns:a16="http://schemas.microsoft.com/office/drawing/2014/main" id="{1B626189-9D35-40B2-82EC-9C2E130C02D0}"/>
+                  <a16:creationId xmlns:a16="http://schemas.microsoft.com/office/drawing/2014/main" xmlns="" id="{1B626189-9D35-40B2-82EC-9C2E130C02D0}"/>
                 </a:ext>
               </a:extLst>
             </p:cNvPr>
@@ -6939,7 +6946,7 @@
               <p:cNvPr id="108" name="타원 107">
                 <a:extLst>
                   <a:ext uri="{FF2B5EF4-FFF2-40B4-BE49-F238E27FC236}">
-                    <a16:creationId xmlns:a16="http://schemas.microsoft.com/office/drawing/2014/main" id="{CB9B5A06-82DE-4302-B8EE-10526806BA58}"/>
+                    <a16:creationId xmlns:a16="http://schemas.microsoft.com/office/drawing/2014/main" xmlns="" id="{CB9B5A06-82DE-4302-B8EE-10526806BA58}"/>
                   </a:ext>
                 </a:extLst>
               </p:cNvPr>
@@ -6983,7 +6990,7 @@
               <p:cNvPr id="109" name="그룹 108">
                 <a:extLst>
                   <a:ext uri="{FF2B5EF4-FFF2-40B4-BE49-F238E27FC236}">
-                    <a16:creationId xmlns:a16="http://schemas.microsoft.com/office/drawing/2014/main" id="{45188AF3-A8AB-411D-A332-B7154D4E09AD}"/>
+                    <a16:creationId xmlns:a16="http://schemas.microsoft.com/office/drawing/2014/main" xmlns="" id="{45188AF3-A8AB-411D-A332-B7154D4E09AD}"/>
                   </a:ext>
                 </a:extLst>
               </p:cNvPr>
@@ -7003,7 +7010,7 @@
                 <p:cNvPr id="110" name="직선 연결선 109">
                   <a:extLst>
                     <a:ext uri="{FF2B5EF4-FFF2-40B4-BE49-F238E27FC236}">
-                      <a16:creationId xmlns:a16="http://schemas.microsoft.com/office/drawing/2014/main" id="{76491FCB-5A1E-4067-967A-5343BB2B491C}"/>
+                      <a16:creationId xmlns:a16="http://schemas.microsoft.com/office/drawing/2014/main" xmlns="" id="{76491FCB-5A1E-4067-967A-5343BB2B491C}"/>
                     </a:ext>
                   </a:extLst>
                 </p:cNvPr>
@@ -7041,7 +7048,7 @@
                 <p:cNvPr id="111" name="직선 연결선 110">
                   <a:extLst>
                     <a:ext uri="{FF2B5EF4-FFF2-40B4-BE49-F238E27FC236}">
-                      <a16:creationId xmlns:a16="http://schemas.microsoft.com/office/drawing/2014/main" id="{39363924-F233-41E2-8B94-3B22A6B5A29C}"/>
+                      <a16:creationId xmlns:a16="http://schemas.microsoft.com/office/drawing/2014/main" xmlns="" id="{39363924-F233-41E2-8B94-3B22A6B5A29C}"/>
                     </a:ext>
                   </a:extLst>
                 </p:cNvPr>
@@ -7082,7 +7089,7 @@
           <p:cNvPr id="135" name="그룹 134">
             <a:extLst>
               <a:ext uri="{FF2B5EF4-FFF2-40B4-BE49-F238E27FC236}">
-                <a16:creationId xmlns:a16="http://schemas.microsoft.com/office/drawing/2014/main" id="{98F091DF-5A98-43BF-A33E-ED8833A90A88}"/>
+                <a16:creationId xmlns:a16="http://schemas.microsoft.com/office/drawing/2014/main" xmlns="" id="{98F091DF-5A98-43BF-A33E-ED8833A90A88}"/>
               </a:ext>
             </a:extLst>
           </p:cNvPr>
@@ -7102,7 +7109,7 @@
             <p:cNvPr id="90" name="TextBox 89">
               <a:extLst>
                 <a:ext uri="{FF2B5EF4-FFF2-40B4-BE49-F238E27FC236}">
-                  <a16:creationId xmlns:a16="http://schemas.microsoft.com/office/drawing/2014/main" id="{389EF2DD-2EDD-4452-B50F-128C0BAA3B17}"/>
+                  <a16:creationId xmlns:a16="http://schemas.microsoft.com/office/drawing/2014/main" xmlns="" id="{389EF2DD-2EDD-4452-B50F-128C0BAA3B17}"/>
                 </a:ext>
               </a:extLst>
             </p:cNvPr>
@@ -7158,7 +7165,7 @@
             <p:cNvPr id="97" name="그룹 96">
               <a:extLst>
                 <a:ext uri="{FF2B5EF4-FFF2-40B4-BE49-F238E27FC236}">
-                  <a16:creationId xmlns:a16="http://schemas.microsoft.com/office/drawing/2014/main" id="{10EE9F56-D7F5-411E-9D18-98AFF66EF19B}"/>
+                  <a16:creationId xmlns:a16="http://schemas.microsoft.com/office/drawing/2014/main" xmlns="" id="{10EE9F56-D7F5-411E-9D18-98AFF66EF19B}"/>
                 </a:ext>
               </a:extLst>
             </p:cNvPr>
@@ -7178,7 +7185,7 @@
               <p:cNvPr id="104" name="타원 103">
                 <a:extLst>
                   <a:ext uri="{FF2B5EF4-FFF2-40B4-BE49-F238E27FC236}">
-                    <a16:creationId xmlns:a16="http://schemas.microsoft.com/office/drawing/2014/main" id="{00615255-91F6-4C4E-ABB1-B45375E5933C}"/>
+                    <a16:creationId xmlns:a16="http://schemas.microsoft.com/office/drawing/2014/main" xmlns="" id="{00615255-91F6-4C4E-ABB1-B45375E5933C}"/>
                   </a:ext>
                 </a:extLst>
               </p:cNvPr>
@@ -7222,7 +7229,7 @@
               <p:cNvPr id="105" name="그룹 104">
                 <a:extLst>
                   <a:ext uri="{FF2B5EF4-FFF2-40B4-BE49-F238E27FC236}">
-                    <a16:creationId xmlns:a16="http://schemas.microsoft.com/office/drawing/2014/main" id="{6CB0789B-1BCE-416D-B4BC-A8E1FE9C7F17}"/>
+                    <a16:creationId xmlns:a16="http://schemas.microsoft.com/office/drawing/2014/main" xmlns="" id="{6CB0789B-1BCE-416D-B4BC-A8E1FE9C7F17}"/>
                   </a:ext>
                 </a:extLst>
               </p:cNvPr>
@@ -7242,7 +7249,7 @@
                 <p:cNvPr id="106" name="직선 연결선 105">
                   <a:extLst>
                     <a:ext uri="{FF2B5EF4-FFF2-40B4-BE49-F238E27FC236}">
-                      <a16:creationId xmlns:a16="http://schemas.microsoft.com/office/drawing/2014/main" id="{D2A0F505-D3B0-4F01-8E53-0CA68C0858CB}"/>
+                      <a16:creationId xmlns:a16="http://schemas.microsoft.com/office/drawing/2014/main" xmlns="" id="{D2A0F505-D3B0-4F01-8E53-0CA68C0858CB}"/>
                     </a:ext>
                   </a:extLst>
                 </p:cNvPr>
@@ -7280,7 +7287,7 @@
                 <p:cNvPr id="107" name="직선 연결선 106">
                   <a:extLst>
                     <a:ext uri="{FF2B5EF4-FFF2-40B4-BE49-F238E27FC236}">
-                      <a16:creationId xmlns:a16="http://schemas.microsoft.com/office/drawing/2014/main" id="{04214CDF-BF48-41D7-AC98-2FEABD16D1F5}"/>
+                      <a16:creationId xmlns:a16="http://schemas.microsoft.com/office/drawing/2014/main" xmlns="" id="{04214CDF-BF48-41D7-AC98-2FEABD16D1F5}"/>
                     </a:ext>
                   </a:extLst>
                 </p:cNvPr>
@@ -7321,7 +7328,7 @@
           <p:cNvPr id="136" name="그룹 135">
             <a:extLst>
               <a:ext uri="{FF2B5EF4-FFF2-40B4-BE49-F238E27FC236}">
-                <a16:creationId xmlns:a16="http://schemas.microsoft.com/office/drawing/2014/main" id="{0E739F4A-256C-42D9-9240-588E6E085D2F}"/>
+                <a16:creationId xmlns:a16="http://schemas.microsoft.com/office/drawing/2014/main" xmlns="" id="{0E739F4A-256C-42D9-9240-588E6E085D2F}"/>
               </a:ext>
             </a:extLst>
           </p:cNvPr>
@@ -7341,7 +7348,7 @@
             <p:cNvPr id="91" name="TextBox 90">
               <a:extLst>
                 <a:ext uri="{FF2B5EF4-FFF2-40B4-BE49-F238E27FC236}">
-                  <a16:creationId xmlns:a16="http://schemas.microsoft.com/office/drawing/2014/main" id="{E9AFE078-D381-47A8-A426-4DC1C33E882D}"/>
+                  <a16:creationId xmlns:a16="http://schemas.microsoft.com/office/drawing/2014/main" xmlns="" id="{E9AFE078-D381-47A8-A426-4DC1C33E882D}"/>
                 </a:ext>
               </a:extLst>
             </p:cNvPr>
@@ -7389,7 +7396,7 @@
             <p:cNvPr id="98" name="그룹 97">
               <a:extLst>
                 <a:ext uri="{FF2B5EF4-FFF2-40B4-BE49-F238E27FC236}">
-                  <a16:creationId xmlns:a16="http://schemas.microsoft.com/office/drawing/2014/main" id="{C154AFCF-490E-479A-BE62-6474B5DDAB99}"/>
+                  <a16:creationId xmlns:a16="http://schemas.microsoft.com/office/drawing/2014/main" xmlns="" id="{C154AFCF-490E-479A-BE62-6474B5DDAB99}"/>
                 </a:ext>
               </a:extLst>
             </p:cNvPr>
@@ -7409,7 +7416,7 @@
               <p:cNvPr id="100" name="타원 99">
                 <a:extLst>
                   <a:ext uri="{FF2B5EF4-FFF2-40B4-BE49-F238E27FC236}">
-                    <a16:creationId xmlns:a16="http://schemas.microsoft.com/office/drawing/2014/main" id="{BB291A8C-104B-4DCF-9961-288D9FEB750F}"/>
+                    <a16:creationId xmlns:a16="http://schemas.microsoft.com/office/drawing/2014/main" xmlns="" id="{BB291A8C-104B-4DCF-9961-288D9FEB750F}"/>
                   </a:ext>
                 </a:extLst>
               </p:cNvPr>
@@ -7453,7 +7460,7 @@
               <p:cNvPr id="101" name="그룹 100">
                 <a:extLst>
                   <a:ext uri="{FF2B5EF4-FFF2-40B4-BE49-F238E27FC236}">
-                    <a16:creationId xmlns:a16="http://schemas.microsoft.com/office/drawing/2014/main" id="{679299CF-FEE8-40F8-A5F4-509FA1BCC4E1}"/>
+                    <a16:creationId xmlns:a16="http://schemas.microsoft.com/office/drawing/2014/main" xmlns="" id="{679299CF-FEE8-40F8-A5F4-509FA1BCC4E1}"/>
                   </a:ext>
                 </a:extLst>
               </p:cNvPr>
@@ -7473,7 +7480,7 @@
                 <p:cNvPr id="102" name="직선 연결선 101">
                   <a:extLst>
                     <a:ext uri="{FF2B5EF4-FFF2-40B4-BE49-F238E27FC236}">
-                      <a16:creationId xmlns:a16="http://schemas.microsoft.com/office/drawing/2014/main" id="{D783EA1F-E81B-4614-8AF5-BC4E9CAA7F8F}"/>
+                      <a16:creationId xmlns:a16="http://schemas.microsoft.com/office/drawing/2014/main" xmlns="" id="{D783EA1F-E81B-4614-8AF5-BC4E9CAA7F8F}"/>
                     </a:ext>
                   </a:extLst>
                 </p:cNvPr>
@@ -7511,7 +7518,7 @@
                 <p:cNvPr id="103" name="직선 연결선 102">
                   <a:extLst>
                     <a:ext uri="{FF2B5EF4-FFF2-40B4-BE49-F238E27FC236}">
-                      <a16:creationId xmlns:a16="http://schemas.microsoft.com/office/drawing/2014/main" id="{4F12B213-C445-41A8-A0FE-A8D4F8FBAD8A}"/>
+                      <a16:creationId xmlns:a16="http://schemas.microsoft.com/office/drawing/2014/main" xmlns="" id="{4F12B213-C445-41A8-A0FE-A8D4F8FBAD8A}"/>
                     </a:ext>
                   </a:extLst>
                 </p:cNvPr>
@@ -7552,7 +7559,7 @@
           <p:cNvPr id="99" name="직사각형 98">
             <a:extLst>
               <a:ext uri="{FF2B5EF4-FFF2-40B4-BE49-F238E27FC236}">
-                <a16:creationId xmlns:a16="http://schemas.microsoft.com/office/drawing/2014/main" id="{B59C31F9-8FBF-4B3C-97B1-93C678100905}"/>
+                <a16:creationId xmlns:a16="http://schemas.microsoft.com/office/drawing/2014/main" xmlns="" id="{B59C31F9-8FBF-4B3C-97B1-93C678100905}"/>
               </a:ext>
             </a:extLst>
           </p:cNvPr>
@@ -7594,6 +7601,736 @@
           </a:p>
         </p:txBody>
       </p:sp>
+      <p:sp>
+        <p:nvSpPr>
+          <p:cNvPr id="128" name="TextBox 127">
+            <a:extLst>
+              <a:ext uri="{FF2B5EF4-FFF2-40B4-BE49-F238E27FC236}">
+                <a16:creationId xmlns:a16="http://schemas.microsoft.com/office/drawing/2014/main" xmlns="" id="{606CB3EF-BD67-454E-8D48-D30774CEE106}"/>
+              </a:ext>
+            </a:extLst>
+          </p:cNvPr>
+          <p:cNvSpPr txBox="1"/>
+          <p:nvPr/>
+        </p:nvSpPr>
+        <p:spPr>
+          <a:xfrm>
+            <a:off x="1786856" y="1845578"/>
+            <a:ext cx="595618" cy="215444"/>
+          </a:xfrm>
+          <a:prstGeom prst="rect">
+            <a:avLst/>
+          </a:prstGeom>
+          <a:noFill/>
+        </p:spPr>
+        <p:txBody>
+          <a:bodyPr wrap="square" rtlCol="0">
+            <a:spAutoFit/>
+          </a:bodyPr>
+          <a:lstStyle/>
+          <a:p>
+            <a:r>
+              <a:rPr lang="ko-KR" altLang="en-US" sz="800" dirty="0" err="1"/>
+              <a:t>마이시터</a:t>
+            </a:r>
+            <a:endParaRPr lang="ko-KR" altLang="en-US" sz="800" dirty="0"/>
+          </a:p>
+        </p:txBody>
+      </p:sp>
+      <p:sp>
+        <p:nvSpPr>
+          <p:cNvPr id="129" name="TextBox 128">
+            <a:extLst>
+              <a:ext uri="{FF2B5EF4-FFF2-40B4-BE49-F238E27FC236}">
+                <a16:creationId xmlns:a16="http://schemas.microsoft.com/office/drawing/2014/main" xmlns="" id="{6ECBB3D4-2156-4986-9434-EA8F60CE59E0}"/>
+              </a:ext>
+            </a:extLst>
+          </p:cNvPr>
+          <p:cNvSpPr txBox="1"/>
+          <p:nvPr/>
+        </p:nvSpPr>
+        <p:spPr>
+          <a:xfrm>
+            <a:off x="5508770" y="1845578"/>
+            <a:ext cx="1630262" cy="215444"/>
+          </a:xfrm>
+          <a:prstGeom prst="rect">
+            <a:avLst/>
+          </a:prstGeom>
+          <a:noFill/>
+        </p:spPr>
+        <p:txBody>
+          <a:bodyPr wrap="square" rtlCol="0">
+            <a:spAutoFit/>
+          </a:bodyPr>
+          <a:lstStyle/>
+          <a:p>
+            <a:r>
+              <a:rPr lang="ko-KR" altLang="en-US" sz="800"/>
+              <a:t>로그인   회원가입   마이페이지</a:t>
+            </a:r>
+            <a:endParaRPr lang="ko-KR" altLang="en-US" sz="800" dirty="0"/>
+          </a:p>
+        </p:txBody>
+      </p:sp>
+      <p:cxnSp>
+        <p:nvCxnSpPr>
+          <p:cNvPr id="137" name="직선 연결선 136">
+            <a:extLst>
+              <a:ext uri="{FF2B5EF4-FFF2-40B4-BE49-F238E27FC236}">
+                <a16:creationId xmlns:a16="http://schemas.microsoft.com/office/drawing/2014/main" xmlns="" id="{A723CFAC-181E-4ABB-8790-FEC42B087A83}"/>
+              </a:ext>
+            </a:extLst>
+          </p:cNvPr>
+          <p:cNvCxnSpPr/>
+          <p:nvPr/>
+        </p:nvCxnSpPr>
+        <p:spPr>
+          <a:xfrm>
+            <a:off x="896100" y="2095956"/>
+            <a:ext cx="7200001" cy="0"/>
+          </a:xfrm>
+          <a:prstGeom prst="line">
+            <a:avLst/>
+          </a:prstGeom>
+        </p:spPr>
+        <p:style>
+          <a:lnRef idx="1">
+            <a:schemeClr val="dk1"/>
+          </a:lnRef>
+          <a:fillRef idx="0">
+            <a:schemeClr val="dk1"/>
+          </a:fillRef>
+          <a:effectRef idx="0">
+            <a:schemeClr val="dk1"/>
+          </a:effectRef>
+          <a:fontRef idx="minor">
+            <a:schemeClr val="tx1"/>
+          </a:fontRef>
+        </p:style>
+      </p:cxnSp>
+      <p:sp>
+        <p:nvSpPr>
+          <p:cNvPr id="138" name="TextBox 137">
+            <a:extLst>
+              <a:ext uri="{FF2B5EF4-FFF2-40B4-BE49-F238E27FC236}">
+                <a16:creationId xmlns:a16="http://schemas.microsoft.com/office/drawing/2014/main" xmlns="" id="{010ADA31-1823-4E2F-B19C-9DF082DE9B5C}"/>
+              </a:ext>
+            </a:extLst>
+          </p:cNvPr>
+          <p:cNvSpPr txBox="1"/>
+          <p:nvPr/>
+        </p:nvSpPr>
+        <p:spPr>
+          <a:xfrm>
+            <a:off x="4203946" y="1845190"/>
+            <a:ext cx="595618" cy="215444"/>
+          </a:xfrm>
+          <a:prstGeom prst="rect">
+            <a:avLst/>
+          </a:prstGeom>
+          <a:noFill/>
+        </p:spPr>
+        <p:txBody>
+          <a:bodyPr wrap="square" rtlCol="0">
+            <a:spAutoFit/>
+          </a:bodyPr>
+          <a:lstStyle/>
+          <a:p>
+            <a:r>
+              <a:rPr lang="en-US" altLang="ko-KR" sz="800" dirty="0"/>
+              <a:t>logo</a:t>
+            </a:r>
+            <a:endParaRPr lang="ko-KR" altLang="en-US" sz="800" dirty="0"/>
+          </a:p>
+        </p:txBody>
+      </p:sp>
+      <p:sp>
+        <p:nvSpPr>
+          <p:cNvPr id="139" name="직사각형 138">
+            <a:extLst>
+              <a:ext uri="{FF2B5EF4-FFF2-40B4-BE49-F238E27FC236}">
+                <a16:creationId xmlns:a16="http://schemas.microsoft.com/office/drawing/2014/main" xmlns="" id="{28EAE90E-16BD-4338-B838-36E62A30452E}"/>
+              </a:ext>
+            </a:extLst>
+          </p:cNvPr>
+          <p:cNvSpPr/>
+          <p:nvPr/>
+        </p:nvSpPr>
+        <p:spPr>
+          <a:xfrm>
+            <a:off x="4044343" y="1845190"/>
+            <a:ext cx="224256" cy="209724"/>
+          </a:xfrm>
+          <a:prstGeom prst="rect">
+            <a:avLst/>
+          </a:prstGeom>
+          <a:solidFill>
+            <a:schemeClr val="bg1"/>
+          </a:solidFill>
+          <a:ln>
+            <a:solidFill>
+              <a:schemeClr val="tx1"/>
+            </a:solidFill>
+          </a:ln>
+        </p:spPr>
+        <p:style>
+          <a:lnRef idx="2">
+            <a:schemeClr val="accent1">
+              <a:shade val="50000"/>
+            </a:schemeClr>
+          </a:lnRef>
+          <a:fillRef idx="1">
+            <a:schemeClr val="accent1"/>
+          </a:fillRef>
+          <a:effectRef idx="0">
+            <a:schemeClr val="accent1"/>
+          </a:effectRef>
+          <a:fontRef idx="minor">
+            <a:schemeClr val="lt1"/>
+          </a:fontRef>
+        </p:style>
+        <p:txBody>
+          <a:bodyPr rtlCol="0" anchor="ctr"/>
+          <a:lstStyle/>
+          <a:p>
+            <a:pPr algn="ctr"/>
+            <a:endParaRPr lang="ko-KR" altLang="en-US" dirty="0"/>
+          </a:p>
+        </p:txBody>
+      </p:sp>
+      <p:sp>
+        <p:nvSpPr>
+          <p:cNvPr id="140" name="TextBox 139">
+            <a:extLst>
+              <a:ext uri="{FF2B5EF4-FFF2-40B4-BE49-F238E27FC236}">
+                <a16:creationId xmlns:a16="http://schemas.microsoft.com/office/drawing/2014/main" xmlns="" id="{78ADDD66-9CDE-4CA6-938D-D34562AC7F09}"/>
+              </a:ext>
+            </a:extLst>
+          </p:cNvPr>
+          <p:cNvSpPr txBox="1"/>
+          <p:nvPr/>
+        </p:nvSpPr>
+        <p:spPr>
+          <a:xfrm>
+            <a:off x="2329495" y="1845578"/>
+            <a:ext cx="595618" cy="215444"/>
+          </a:xfrm>
+          <a:prstGeom prst="rect">
+            <a:avLst/>
+          </a:prstGeom>
+          <a:noFill/>
+        </p:spPr>
+        <p:txBody>
+          <a:bodyPr wrap="square" rtlCol="0">
+            <a:spAutoFit/>
+          </a:bodyPr>
+          <a:lstStyle/>
+          <a:p>
+            <a:r>
+              <a:rPr lang="ko-KR" altLang="en-US" sz="800" dirty="0" err="1"/>
+              <a:t>시터찾기</a:t>
+            </a:r>
+            <a:endParaRPr lang="ko-KR" altLang="en-US" sz="800" dirty="0"/>
+          </a:p>
+        </p:txBody>
+      </p:sp>
+      <p:sp>
+        <p:nvSpPr>
+          <p:cNvPr id="141" name="직사각형 140">
+            <a:extLst>
+              <a:ext uri="{FF2B5EF4-FFF2-40B4-BE49-F238E27FC236}">
+                <a16:creationId xmlns:a16="http://schemas.microsoft.com/office/drawing/2014/main" xmlns="" id="{33107F64-EDE9-4E47-9242-F8A468C24118}"/>
+              </a:ext>
+            </a:extLst>
+          </p:cNvPr>
+          <p:cNvSpPr/>
+          <p:nvPr/>
+        </p:nvSpPr>
+        <p:spPr>
+          <a:xfrm>
+            <a:off x="9563677" y="1828800"/>
+            <a:ext cx="1023230" cy="276836"/>
+          </a:xfrm>
+          <a:prstGeom prst="rect">
+            <a:avLst/>
+          </a:prstGeom>
+          <a:solidFill>
+            <a:schemeClr val="bg1"/>
+          </a:solidFill>
+          <a:ln>
+            <a:solidFill>
+              <a:schemeClr val="tx1"/>
+            </a:solidFill>
+          </a:ln>
+        </p:spPr>
+        <p:style>
+          <a:lnRef idx="2">
+            <a:schemeClr val="accent1">
+              <a:shade val="50000"/>
+            </a:schemeClr>
+          </a:lnRef>
+          <a:fillRef idx="1">
+            <a:schemeClr val="accent1"/>
+          </a:fillRef>
+          <a:effectRef idx="0">
+            <a:schemeClr val="accent1"/>
+          </a:effectRef>
+          <a:fontRef idx="minor">
+            <a:schemeClr val="lt1"/>
+          </a:fontRef>
+        </p:style>
+        <p:txBody>
+          <a:bodyPr rtlCol="0" anchor="ctr"/>
+          <a:lstStyle/>
+          <a:p>
+            <a:pPr algn="ctr"/>
+            <a:endParaRPr lang="ko-KR" altLang="en-US" dirty="0"/>
+          </a:p>
+        </p:txBody>
+      </p:sp>
+      <p:sp>
+        <p:nvSpPr>
+          <p:cNvPr id="142" name="직사각형 141">
+            <a:extLst>
+              <a:ext uri="{FF2B5EF4-FFF2-40B4-BE49-F238E27FC236}">
+                <a16:creationId xmlns:a16="http://schemas.microsoft.com/office/drawing/2014/main" xmlns="" id="{5A842A4B-8B39-44DE-9CEA-9515737356B2}"/>
+              </a:ext>
+            </a:extLst>
+          </p:cNvPr>
+          <p:cNvSpPr/>
+          <p:nvPr/>
+        </p:nvSpPr>
+        <p:spPr>
+          <a:xfrm>
+            <a:off x="9599253" y="1862356"/>
+            <a:ext cx="224256" cy="209724"/>
+          </a:xfrm>
+          <a:prstGeom prst="rect">
+            <a:avLst/>
+          </a:prstGeom>
+          <a:solidFill>
+            <a:schemeClr val="bg1"/>
+          </a:solidFill>
+          <a:ln>
+            <a:solidFill>
+              <a:schemeClr val="tx1"/>
+            </a:solidFill>
+          </a:ln>
+        </p:spPr>
+        <p:style>
+          <a:lnRef idx="2">
+            <a:schemeClr val="accent1">
+              <a:shade val="50000"/>
+            </a:schemeClr>
+          </a:lnRef>
+          <a:fillRef idx="1">
+            <a:schemeClr val="accent1"/>
+          </a:fillRef>
+          <a:effectRef idx="0">
+            <a:schemeClr val="accent1"/>
+          </a:effectRef>
+          <a:fontRef idx="minor">
+            <a:schemeClr val="lt1"/>
+          </a:fontRef>
+        </p:style>
+        <p:txBody>
+          <a:bodyPr rtlCol="0" anchor="ctr"/>
+          <a:lstStyle/>
+          <a:p>
+            <a:pPr algn="ctr"/>
+            <a:endParaRPr lang="ko-KR" altLang="en-US" dirty="0"/>
+          </a:p>
+        </p:txBody>
+      </p:sp>
+      <p:sp>
+        <p:nvSpPr>
+          <p:cNvPr id="143" name="직사각형 142">
+            <a:extLst>
+              <a:ext uri="{FF2B5EF4-FFF2-40B4-BE49-F238E27FC236}">
+                <a16:creationId xmlns:a16="http://schemas.microsoft.com/office/drawing/2014/main" xmlns="" id="{2DD24BCC-FCE6-4F3D-9102-0338A277724E}"/>
+              </a:ext>
+            </a:extLst>
+          </p:cNvPr>
+          <p:cNvSpPr/>
+          <p:nvPr/>
+        </p:nvSpPr>
+        <p:spPr>
+          <a:xfrm>
+            <a:off x="11004221" y="1870745"/>
+            <a:ext cx="224256" cy="209724"/>
+          </a:xfrm>
+          <a:prstGeom prst="rect">
+            <a:avLst/>
+          </a:prstGeom>
+          <a:solidFill>
+            <a:schemeClr val="bg1"/>
+          </a:solidFill>
+          <a:ln>
+            <a:solidFill>
+              <a:schemeClr val="tx1"/>
+            </a:solidFill>
+          </a:ln>
+        </p:spPr>
+        <p:style>
+          <a:lnRef idx="2">
+            <a:schemeClr val="accent1">
+              <a:shade val="50000"/>
+            </a:schemeClr>
+          </a:lnRef>
+          <a:fillRef idx="1">
+            <a:schemeClr val="accent1"/>
+          </a:fillRef>
+          <a:effectRef idx="0">
+            <a:schemeClr val="accent1"/>
+          </a:effectRef>
+          <a:fontRef idx="minor">
+            <a:schemeClr val="lt1"/>
+          </a:fontRef>
+        </p:style>
+        <p:txBody>
+          <a:bodyPr rtlCol="0" anchor="ctr"/>
+          <a:lstStyle/>
+          <a:p>
+            <a:pPr algn="ctr"/>
+            <a:endParaRPr lang="ko-KR" altLang="en-US" dirty="0"/>
+          </a:p>
+        </p:txBody>
+      </p:sp>
+      <p:sp>
+        <p:nvSpPr>
+          <p:cNvPr id="144" name="직사각형 143">
+            <a:extLst>
+              <a:ext uri="{FF2B5EF4-FFF2-40B4-BE49-F238E27FC236}">
+                <a16:creationId xmlns:a16="http://schemas.microsoft.com/office/drawing/2014/main" xmlns="" id="{D47A0DF5-CA84-4554-81E3-2D51D35F259C}"/>
+              </a:ext>
+            </a:extLst>
+          </p:cNvPr>
+          <p:cNvSpPr/>
+          <p:nvPr/>
+        </p:nvSpPr>
+        <p:spPr>
+          <a:xfrm>
+            <a:off x="8892432" y="1870745"/>
+            <a:ext cx="224256" cy="209724"/>
+          </a:xfrm>
+          <a:prstGeom prst="rect">
+            <a:avLst/>
+          </a:prstGeom>
+          <a:solidFill>
+            <a:schemeClr val="bg1"/>
+          </a:solidFill>
+          <a:ln>
+            <a:solidFill>
+              <a:schemeClr val="tx1"/>
+            </a:solidFill>
+          </a:ln>
+        </p:spPr>
+        <p:style>
+          <a:lnRef idx="2">
+            <a:schemeClr val="accent1">
+              <a:shade val="50000"/>
+            </a:schemeClr>
+          </a:lnRef>
+          <a:fillRef idx="1">
+            <a:schemeClr val="accent1"/>
+          </a:fillRef>
+          <a:effectRef idx="0">
+            <a:schemeClr val="accent1"/>
+          </a:effectRef>
+          <a:fontRef idx="minor">
+            <a:schemeClr val="lt1"/>
+          </a:fontRef>
+        </p:style>
+        <p:txBody>
+          <a:bodyPr rtlCol="0" anchor="ctr"/>
+          <a:lstStyle/>
+          <a:p>
+            <a:pPr algn="ctr"/>
+            <a:endParaRPr lang="ko-KR" altLang="en-US" dirty="0"/>
+          </a:p>
+        </p:txBody>
+      </p:sp>
+      <p:cxnSp>
+        <p:nvCxnSpPr>
+          <p:cNvPr id="145" name="직선 연결선 144">
+            <a:extLst>
+              <a:ext uri="{FF2B5EF4-FFF2-40B4-BE49-F238E27FC236}">
+                <a16:creationId xmlns:a16="http://schemas.microsoft.com/office/drawing/2014/main" xmlns="" id="{BBD31C63-515F-4941-8A12-DD68C1031400}"/>
+              </a:ext>
+            </a:extLst>
+          </p:cNvPr>
+          <p:cNvCxnSpPr/>
+          <p:nvPr/>
+        </p:nvCxnSpPr>
+        <p:spPr>
+          <a:xfrm>
+            <a:off x="8819791" y="2182536"/>
+            <a:ext cx="2511001" cy="0"/>
+          </a:xfrm>
+          <a:prstGeom prst="line">
+            <a:avLst/>
+          </a:prstGeom>
+          <a:ln>
+            <a:solidFill>
+              <a:schemeClr val="tx1"/>
+            </a:solidFill>
+          </a:ln>
+        </p:spPr>
+        <p:style>
+          <a:lnRef idx="1">
+            <a:schemeClr val="accent1"/>
+          </a:lnRef>
+          <a:fillRef idx="0">
+            <a:schemeClr val="accent1"/>
+          </a:fillRef>
+          <a:effectRef idx="0">
+            <a:schemeClr val="accent1"/>
+          </a:effectRef>
+          <a:fontRef idx="minor">
+            <a:schemeClr val="tx1"/>
+          </a:fontRef>
+        </p:style>
+      </p:cxnSp>
+      <p:cxnSp>
+        <p:nvCxnSpPr>
+          <p:cNvPr id="146" name="직선 화살표 연결선 145">
+            <a:extLst>
+              <a:ext uri="{FF2B5EF4-FFF2-40B4-BE49-F238E27FC236}">
+                <a16:creationId xmlns:a16="http://schemas.microsoft.com/office/drawing/2014/main" xmlns="" id="{C6189FF7-B2B4-4F58-A62C-4552AA855088}"/>
+              </a:ext>
+            </a:extLst>
+          </p:cNvPr>
+          <p:cNvCxnSpPr>
+            <a:cxnSpLocks/>
+          </p:cNvCxnSpPr>
+          <p:nvPr/>
+        </p:nvCxnSpPr>
+        <p:spPr>
+          <a:xfrm>
+            <a:off x="9004560" y="1535185"/>
+            <a:ext cx="0" cy="461394"/>
+          </a:xfrm>
+          <a:prstGeom prst="straightConnector1">
+            <a:avLst/>
+          </a:prstGeom>
+          <a:ln>
+            <a:solidFill>
+              <a:srgbClr val="FF0000"/>
+            </a:solidFill>
+            <a:tailEnd type="triangle"/>
+          </a:ln>
+        </p:spPr>
+        <p:style>
+          <a:lnRef idx="1">
+            <a:schemeClr val="accent2"/>
+          </a:lnRef>
+          <a:fillRef idx="0">
+            <a:schemeClr val="accent2"/>
+          </a:fillRef>
+          <a:effectRef idx="0">
+            <a:schemeClr val="accent2"/>
+          </a:effectRef>
+          <a:fontRef idx="minor">
+            <a:schemeClr val="tx1"/>
+          </a:fontRef>
+        </p:style>
+      </p:cxnSp>
+      <p:cxnSp>
+        <p:nvCxnSpPr>
+          <p:cNvPr id="147" name="직선 화살표 연결선 146">
+            <a:extLst>
+              <a:ext uri="{FF2B5EF4-FFF2-40B4-BE49-F238E27FC236}">
+                <a16:creationId xmlns:a16="http://schemas.microsoft.com/office/drawing/2014/main" xmlns="" id="{8A353617-6EF7-4BE0-876E-B7682AC7D0FB}"/>
+              </a:ext>
+            </a:extLst>
+          </p:cNvPr>
+          <p:cNvCxnSpPr>
+            <a:cxnSpLocks/>
+          </p:cNvCxnSpPr>
+          <p:nvPr/>
+        </p:nvCxnSpPr>
+        <p:spPr>
+          <a:xfrm>
+            <a:off x="10082343" y="1535185"/>
+            <a:ext cx="0" cy="461394"/>
+          </a:xfrm>
+          <a:prstGeom prst="straightConnector1">
+            <a:avLst/>
+          </a:prstGeom>
+          <a:ln>
+            <a:solidFill>
+              <a:srgbClr val="FF0000"/>
+            </a:solidFill>
+            <a:tailEnd type="triangle"/>
+          </a:ln>
+        </p:spPr>
+        <p:style>
+          <a:lnRef idx="1">
+            <a:schemeClr val="accent2"/>
+          </a:lnRef>
+          <a:fillRef idx="0">
+            <a:schemeClr val="accent2"/>
+          </a:fillRef>
+          <a:effectRef idx="0">
+            <a:schemeClr val="accent2"/>
+          </a:effectRef>
+          <a:fontRef idx="minor">
+            <a:schemeClr val="tx1"/>
+          </a:fontRef>
+        </p:style>
+      </p:cxnSp>
+      <p:cxnSp>
+        <p:nvCxnSpPr>
+          <p:cNvPr id="148" name="직선 화살표 연결선 147">
+            <a:extLst>
+              <a:ext uri="{FF2B5EF4-FFF2-40B4-BE49-F238E27FC236}">
+                <a16:creationId xmlns:a16="http://schemas.microsoft.com/office/drawing/2014/main" xmlns="" id="{6ADB57C1-71A6-460D-8130-56C2C112542B}"/>
+              </a:ext>
+            </a:extLst>
+          </p:cNvPr>
+          <p:cNvCxnSpPr>
+            <a:cxnSpLocks/>
+          </p:cNvCxnSpPr>
+          <p:nvPr/>
+        </p:nvCxnSpPr>
+        <p:spPr>
+          <a:xfrm>
+            <a:off x="11116349" y="1535185"/>
+            <a:ext cx="0" cy="461394"/>
+          </a:xfrm>
+          <a:prstGeom prst="straightConnector1">
+            <a:avLst/>
+          </a:prstGeom>
+          <a:ln>
+            <a:solidFill>
+              <a:srgbClr val="FF0000"/>
+            </a:solidFill>
+            <a:tailEnd type="triangle"/>
+          </a:ln>
+        </p:spPr>
+        <p:style>
+          <a:lnRef idx="1">
+            <a:schemeClr val="accent2"/>
+          </a:lnRef>
+          <a:fillRef idx="0">
+            <a:schemeClr val="accent2"/>
+          </a:fillRef>
+          <a:effectRef idx="0">
+            <a:schemeClr val="accent2"/>
+          </a:effectRef>
+          <a:fontRef idx="minor">
+            <a:schemeClr val="tx1"/>
+          </a:fontRef>
+        </p:style>
+      </p:cxnSp>
+      <p:sp>
+        <p:nvSpPr>
+          <p:cNvPr id="149" name="TextBox 148">
+            <a:extLst>
+              <a:ext uri="{FF2B5EF4-FFF2-40B4-BE49-F238E27FC236}">
+                <a16:creationId xmlns:a16="http://schemas.microsoft.com/office/drawing/2014/main" xmlns="" id="{CDE1AA9D-8128-4666-8D15-1D04133230F9}"/>
+              </a:ext>
+            </a:extLst>
+          </p:cNvPr>
+          <p:cNvSpPr txBox="1"/>
+          <p:nvPr/>
+        </p:nvSpPr>
+        <p:spPr>
+          <a:xfrm>
+            <a:off x="8707491" y="1354305"/>
+            <a:ext cx="595618" cy="215444"/>
+          </a:xfrm>
+          <a:prstGeom prst="rect">
+            <a:avLst/>
+          </a:prstGeom>
+          <a:noFill/>
+        </p:spPr>
+        <p:txBody>
+          <a:bodyPr wrap="square" rtlCol="0">
+            <a:spAutoFit/>
+          </a:bodyPr>
+          <a:lstStyle/>
+          <a:p>
+            <a:r>
+              <a:rPr lang="ko-KR" altLang="en-US" sz="800" dirty="0" err="1"/>
+              <a:t>마이시터</a:t>
+            </a:r>
+            <a:endParaRPr lang="ko-KR" altLang="en-US" sz="800" dirty="0"/>
+          </a:p>
+        </p:txBody>
+      </p:sp>
+      <p:sp>
+        <p:nvSpPr>
+          <p:cNvPr id="150" name="TextBox 149">
+            <a:extLst>
+              <a:ext uri="{FF2B5EF4-FFF2-40B4-BE49-F238E27FC236}">
+                <a16:creationId xmlns:a16="http://schemas.microsoft.com/office/drawing/2014/main" xmlns="" id="{EA075739-BD3A-4494-8CFA-FDCD68AFA1A6}"/>
+              </a:ext>
+            </a:extLst>
+          </p:cNvPr>
+          <p:cNvSpPr txBox="1"/>
+          <p:nvPr/>
+        </p:nvSpPr>
+        <p:spPr>
+          <a:xfrm>
+            <a:off x="9892853" y="1343611"/>
+            <a:ext cx="595618" cy="215444"/>
+          </a:xfrm>
+          <a:prstGeom prst="rect">
+            <a:avLst/>
+          </a:prstGeom>
+          <a:noFill/>
+        </p:spPr>
+        <p:txBody>
+          <a:bodyPr wrap="square" rtlCol="0">
+            <a:spAutoFit/>
+          </a:bodyPr>
+          <a:lstStyle/>
+          <a:p>
+            <a:r>
+              <a:rPr lang="en-US" altLang="ko-KR" sz="800" dirty="0"/>
+              <a:t>logo</a:t>
+            </a:r>
+            <a:endParaRPr lang="ko-KR" altLang="en-US" sz="800" dirty="0"/>
+          </a:p>
+        </p:txBody>
+      </p:sp>
+      <p:sp>
+        <p:nvSpPr>
+          <p:cNvPr id="151" name="TextBox 150">
+            <a:extLst>
+              <a:ext uri="{FF2B5EF4-FFF2-40B4-BE49-F238E27FC236}">
+                <a16:creationId xmlns:a16="http://schemas.microsoft.com/office/drawing/2014/main" xmlns="" id="{9CCCD44E-9A9A-4ED8-A5D1-4872F5E16D21}"/>
+              </a:ext>
+            </a:extLst>
+          </p:cNvPr>
+          <p:cNvSpPr txBox="1"/>
+          <p:nvPr/>
+        </p:nvSpPr>
+        <p:spPr>
+          <a:xfrm>
+            <a:off x="10869037" y="1349602"/>
+            <a:ext cx="595618" cy="215444"/>
+          </a:xfrm>
+          <a:prstGeom prst="rect">
+            <a:avLst/>
+          </a:prstGeom>
+          <a:noFill/>
+        </p:spPr>
+        <p:txBody>
+          <a:bodyPr wrap="square" rtlCol="0">
+            <a:spAutoFit/>
+          </a:bodyPr>
+          <a:lstStyle/>
+          <a:p>
+            <a:r>
+              <a:rPr lang="ko-KR" altLang="en-US" sz="800" dirty="0"/>
+              <a:t>로그인</a:t>
+            </a:r>
+          </a:p>
+        </p:txBody>
+      </p:sp>
     </p:spTree>
     <p:extLst>
       <p:ext uri="{BB962C8B-B14F-4D97-AF65-F5344CB8AC3E}">
@@ -7604,6 +8341,13 @@
   <p:clrMapOvr>
     <a:masterClrMapping/>
   </p:clrMapOvr>
+  <p:timing>
+    <p:tnLst>
+      <p:par>
+        <p:cTn id="1" dur="indefinite" restart="never" nodeType="tmRoot"/>
+      </p:par>
+    </p:tnLst>
+  </p:timing>
 </p:sld>
 </file>
 
@@ -7629,7 +8373,7 @@
           <p:cNvPr id="2" name="직사각형 1">
             <a:extLst>
               <a:ext uri="{FF2B5EF4-FFF2-40B4-BE49-F238E27FC236}">
-                <a16:creationId xmlns:a16="http://schemas.microsoft.com/office/drawing/2014/main" id="{8E5B996D-DF87-49E5-95D1-45B1EEB9EE9A}"/>
+                <a16:creationId xmlns:a16="http://schemas.microsoft.com/office/drawing/2014/main" xmlns="" id="{8E5B996D-DF87-49E5-95D1-45B1EEB9EE9A}"/>
               </a:ext>
             </a:extLst>
           </p:cNvPr>
@@ -7681,7 +8425,7 @@
           <p:cNvPr id="4" name="직사각형 3">
             <a:extLst>
               <a:ext uri="{FF2B5EF4-FFF2-40B4-BE49-F238E27FC236}">
-                <a16:creationId xmlns:a16="http://schemas.microsoft.com/office/drawing/2014/main" id="{080CEE4E-4BCA-42C3-BECA-9BCEB9931EEA}"/>
+                <a16:creationId xmlns:a16="http://schemas.microsoft.com/office/drawing/2014/main" xmlns="" id="{080CEE4E-4BCA-42C3-BECA-9BCEB9931EEA}"/>
               </a:ext>
             </a:extLst>
           </p:cNvPr>
@@ -7733,7 +8477,7 @@
           <p:cNvPr id="5" name="TextBox 4">
             <a:extLst>
               <a:ext uri="{FF2B5EF4-FFF2-40B4-BE49-F238E27FC236}">
-                <a16:creationId xmlns:a16="http://schemas.microsoft.com/office/drawing/2014/main" id="{D12B0B12-AB99-4F88-B4B2-948DADC833EA}"/>
+                <a16:creationId xmlns:a16="http://schemas.microsoft.com/office/drawing/2014/main" xmlns="" id="{D12B0B12-AB99-4F88-B4B2-948DADC833EA}"/>
               </a:ext>
             </a:extLst>
           </p:cNvPr>
@@ -7852,7 +8596,7 @@
           <p:cNvPr id="9" name="그림 8">
             <a:extLst>
               <a:ext uri="{FF2B5EF4-FFF2-40B4-BE49-F238E27FC236}">
-                <a16:creationId xmlns:a16="http://schemas.microsoft.com/office/drawing/2014/main" id="{0F0992E8-2696-42E6-805A-0C12780D8FA1}"/>
+                <a16:creationId xmlns:a16="http://schemas.microsoft.com/office/drawing/2014/main" xmlns="" id="{0F0992E8-2696-42E6-805A-0C12780D8FA1}"/>
               </a:ext>
             </a:extLst>
           </p:cNvPr>
@@ -8223,7 +8967,7 @@
           <p:cNvPr id="6" name="직사각형 5">
             <a:extLst>
               <a:ext uri="{FF2B5EF4-FFF2-40B4-BE49-F238E27FC236}">
-                <a16:creationId xmlns:a16="http://schemas.microsoft.com/office/drawing/2014/main" id="{44CD91FC-E3FD-43AE-A028-584FD09DDAA2}"/>
+                <a16:creationId xmlns:a16="http://schemas.microsoft.com/office/drawing/2014/main" xmlns="" id="{44CD91FC-E3FD-43AE-A028-584FD09DDAA2}"/>
               </a:ext>
             </a:extLst>
           </p:cNvPr>
@@ -8267,7 +9011,7 @@
           <p:cNvPr id="10" name="직사각형 9">
             <a:extLst>
               <a:ext uri="{FF2B5EF4-FFF2-40B4-BE49-F238E27FC236}">
-                <a16:creationId xmlns:a16="http://schemas.microsoft.com/office/drawing/2014/main" id="{6DE80802-B074-4295-B601-3A4FF472B89F}"/>
+                <a16:creationId xmlns:a16="http://schemas.microsoft.com/office/drawing/2014/main" xmlns="" id="{6DE80802-B074-4295-B601-3A4FF472B89F}"/>
               </a:ext>
             </a:extLst>
           </p:cNvPr>
@@ -8311,7 +9055,7 @@
           <p:cNvPr id="11" name="직사각형 10">
             <a:extLst>
               <a:ext uri="{FF2B5EF4-FFF2-40B4-BE49-F238E27FC236}">
-                <a16:creationId xmlns:a16="http://schemas.microsoft.com/office/drawing/2014/main" id="{2943A15B-62B9-4053-B656-83394F5EDBA1}"/>
+                <a16:creationId xmlns:a16="http://schemas.microsoft.com/office/drawing/2014/main" xmlns="" id="{2943A15B-62B9-4053-B656-83394F5EDBA1}"/>
               </a:ext>
             </a:extLst>
           </p:cNvPr>
@@ -8355,7 +9099,7 @@
           <p:cNvPr id="8" name="TextBox 7">
             <a:extLst>
               <a:ext uri="{FF2B5EF4-FFF2-40B4-BE49-F238E27FC236}">
-                <a16:creationId xmlns:a16="http://schemas.microsoft.com/office/drawing/2014/main" id="{B817A5C8-8FDD-43DD-A1C9-CC8F5DE4A3A1}"/>
+                <a16:creationId xmlns:a16="http://schemas.microsoft.com/office/drawing/2014/main" xmlns="" id="{B817A5C8-8FDD-43DD-A1C9-CC8F5DE4A3A1}"/>
               </a:ext>
             </a:extLst>
           </p:cNvPr>
@@ -8390,7 +9134,7 @@
           <p:cNvPr id="22" name="TextBox 21">
             <a:extLst>
               <a:ext uri="{FF2B5EF4-FFF2-40B4-BE49-F238E27FC236}">
-                <a16:creationId xmlns:a16="http://schemas.microsoft.com/office/drawing/2014/main" id="{B97A34A8-FE73-4AFB-89DD-C92996D2EE29}"/>
+                <a16:creationId xmlns:a16="http://schemas.microsoft.com/office/drawing/2014/main" xmlns="" id="{B97A34A8-FE73-4AFB-89DD-C92996D2EE29}"/>
               </a:ext>
             </a:extLst>
           </p:cNvPr>
@@ -8425,7 +9169,7 @@
           <p:cNvPr id="23" name="TextBox 22">
             <a:extLst>
               <a:ext uri="{FF2B5EF4-FFF2-40B4-BE49-F238E27FC236}">
-                <a16:creationId xmlns:a16="http://schemas.microsoft.com/office/drawing/2014/main" id="{074A134C-B34D-4C26-9734-B6B78AF259B6}"/>
+                <a16:creationId xmlns:a16="http://schemas.microsoft.com/office/drawing/2014/main" xmlns="" id="{074A134C-B34D-4C26-9734-B6B78AF259B6}"/>
               </a:ext>
             </a:extLst>
           </p:cNvPr>
@@ -8460,7 +9204,7 @@
           <p:cNvPr id="24" name="TextBox 23">
             <a:extLst>
               <a:ext uri="{FF2B5EF4-FFF2-40B4-BE49-F238E27FC236}">
-                <a16:creationId xmlns:a16="http://schemas.microsoft.com/office/drawing/2014/main" id="{20DF9C70-B68B-4DA2-AB8A-EC57BB8AD627}"/>
+                <a16:creationId xmlns:a16="http://schemas.microsoft.com/office/drawing/2014/main" xmlns="" id="{20DF9C70-B68B-4DA2-AB8A-EC57BB8AD627}"/>
               </a:ext>
             </a:extLst>
           </p:cNvPr>
@@ -8495,7 +9239,7 @@
           <p:cNvPr id="25" name="TextBox 24">
             <a:extLst>
               <a:ext uri="{FF2B5EF4-FFF2-40B4-BE49-F238E27FC236}">
-                <a16:creationId xmlns:a16="http://schemas.microsoft.com/office/drawing/2014/main" id="{98ECFD99-D8C0-49D0-AA0C-94171191C0F3}"/>
+                <a16:creationId xmlns:a16="http://schemas.microsoft.com/office/drawing/2014/main" xmlns="" id="{98ECFD99-D8C0-49D0-AA0C-94171191C0F3}"/>
               </a:ext>
             </a:extLst>
           </p:cNvPr>
@@ -8530,7 +9274,7 @@
           <p:cNvPr id="26" name="TextBox 25">
             <a:extLst>
               <a:ext uri="{FF2B5EF4-FFF2-40B4-BE49-F238E27FC236}">
-                <a16:creationId xmlns:a16="http://schemas.microsoft.com/office/drawing/2014/main" id="{52AA3484-F9DA-46BB-B48F-D8FDCACBAC90}"/>
+                <a16:creationId xmlns:a16="http://schemas.microsoft.com/office/drawing/2014/main" xmlns="" id="{52AA3484-F9DA-46BB-B48F-D8FDCACBAC90}"/>
               </a:ext>
             </a:extLst>
           </p:cNvPr>
@@ -8565,7 +9309,7 @@
           <p:cNvPr id="27" name="TextBox 26">
             <a:extLst>
               <a:ext uri="{FF2B5EF4-FFF2-40B4-BE49-F238E27FC236}">
-                <a16:creationId xmlns:a16="http://schemas.microsoft.com/office/drawing/2014/main" id="{4F40129B-326C-4EF1-AF63-AB2069804B88}"/>
+                <a16:creationId xmlns:a16="http://schemas.microsoft.com/office/drawing/2014/main" xmlns="" id="{4F40129B-326C-4EF1-AF63-AB2069804B88}"/>
               </a:ext>
             </a:extLst>
           </p:cNvPr>
@@ -8600,7 +9344,7 @@
           <p:cNvPr id="28" name="TextBox 27">
             <a:extLst>
               <a:ext uri="{FF2B5EF4-FFF2-40B4-BE49-F238E27FC236}">
-                <a16:creationId xmlns:a16="http://schemas.microsoft.com/office/drawing/2014/main" id="{51D7CD39-7ADB-45EB-B6DD-23BEB7FA5C18}"/>
+                <a16:creationId xmlns:a16="http://schemas.microsoft.com/office/drawing/2014/main" xmlns="" id="{51D7CD39-7ADB-45EB-B6DD-23BEB7FA5C18}"/>
               </a:ext>
             </a:extLst>
           </p:cNvPr>
@@ -8635,7 +9379,7 @@
           <p:cNvPr id="29" name="TextBox 28">
             <a:extLst>
               <a:ext uri="{FF2B5EF4-FFF2-40B4-BE49-F238E27FC236}">
-                <a16:creationId xmlns:a16="http://schemas.microsoft.com/office/drawing/2014/main" id="{687A31C1-035F-4CF7-96F9-E1BC2B0B650B}"/>
+                <a16:creationId xmlns:a16="http://schemas.microsoft.com/office/drawing/2014/main" xmlns="" id="{687A31C1-035F-4CF7-96F9-E1BC2B0B650B}"/>
               </a:ext>
             </a:extLst>
           </p:cNvPr>
@@ -8671,7 +9415,7 @@
           <p:cNvPr id="35" name="직사각형 34">
             <a:extLst>
               <a:ext uri="{FF2B5EF4-FFF2-40B4-BE49-F238E27FC236}">
-                <a16:creationId xmlns:a16="http://schemas.microsoft.com/office/drawing/2014/main" id="{4EB80500-12F4-4311-B319-4C1EAA3BD103}"/>
+                <a16:creationId xmlns:a16="http://schemas.microsoft.com/office/drawing/2014/main" xmlns="" id="{4EB80500-12F4-4311-B319-4C1EAA3BD103}"/>
               </a:ext>
             </a:extLst>
           </p:cNvPr>
@@ -8715,7 +9459,7 @@
           <p:cNvPr id="36" name="직사각형 35">
             <a:extLst>
               <a:ext uri="{FF2B5EF4-FFF2-40B4-BE49-F238E27FC236}">
-                <a16:creationId xmlns:a16="http://schemas.microsoft.com/office/drawing/2014/main" id="{C7315F80-8718-457F-B744-4E353FA59E67}"/>
+                <a16:creationId xmlns:a16="http://schemas.microsoft.com/office/drawing/2014/main" xmlns="" id="{C7315F80-8718-457F-B744-4E353FA59E67}"/>
               </a:ext>
             </a:extLst>
           </p:cNvPr>
@@ -8759,7 +9503,7 @@
           <p:cNvPr id="37" name="TextBox 36">
             <a:extLst>
               <a:ext uri="{FF2B5EF4-FFF2-40B4-BE49-F238E27FC236}">
-                <a16:creationId xmlns:a16="http://schemas.microsoft.com/office/drawing/2014/main" id="{8833314C-A24C-406D-96D2-BC5F95FAE097}"/>
+                <a16:creationId xmlns:a16="http://schemas.microsoft.com/office/drawing/2014/main" xmlns="" id="{8833314C-A24C-406D-96D2-BC5F95FAE097}"/>
               </a:ext>
             </a:extLst>
           </p:cNvPr>
@@ -8794,7 +9538,7 @@
           <p:cNvPr id="38" name="직사각형 37">
             <a:extLst>
               <a:ext uri="{FF2B5EF4-FFF2-40B4-BE49-F238E27FC236}">
-                <a16:creationId xmlns:a16="http://schemas.microsoft.com/office/drawing/2014/main" id="{8363E480-A50E-4F72-B7FA-4FC9993C2283}"/>
+                <a16:creationId xmlns:a16="http://schemas.microsoft.com/office/drawing/2014/main" xmlns="" id="{8363E480-A50E-4F72-B7FA-4FC9993C2283}"/>
               </a:ext>
             </a:extLst>
           </p:cNvPr>
@@ -8838,7 +9582,7 @@
           <p:cNvPr id="39" name="직사각형 38">
             <a:extLst>
               <a:ext uri="{FF2B5EF4-FFF2-40B4-BE49-F238E27FC236}">
-                <a16:creationId xmlns:a16="http://schemas.microsoft.com/office/drawing/2014/main" id="{5AA7C614-B70C-4D6E-BF23-1A84B29D34D6}"/>
+                <a16:creationId xmlns:a16="http://schemas.microsoft.com/office/drawing/2014/main" xmlns="" id="{5AA7C614-B70C-4D6E-BF23-1A84B29D34D6}"/>
               </a:ext>
             </a:extLst>
           </p:cNvPr>
@@ -8882,7 +9626,7 @@
           <p:cNvPr id="40" name="직사각형 39">
             <a:extLst>
               <a:ext uri="{FF2B5EF4-FFF2-40B4-BE49-F238E27FC236}">
-                <a16:creationId xmlns:a16="http://schemas.microsoft.com/office/drawing/2014/main" id="{883AD506-326D-4F71-AACF-3763C0617637}"/>
+                <a16:creationId xmlns:a16="http://schemas.microsoft.com/office/drawing/2014/main" xmlns="" id="{883AD506-326D-4F71-AACF-3763C0617637}"/>
               </a:ext>
             </a:extLst>
           </p:cNvPr>
@@ -8926,7 +9670,7 @@
           <p:cNvPr id="41" name="직사각형 40">
             <a:extLst>
               <a:ext uri="{FF2B5EF4-FFF2-40B4-BE49-F238E27FC236}">
-                <a16:creationId xmlns:a16="http://schemas.microsoft.com/office/drawing/2014/main" id="{DB72D3A7-1AA8-4FD9-B62C-E7A6223925ED}"/>
+                <a16:creationId xmlns:a16="http://schemas.microsoft.com/office/drawing/2014/main" xmlns="" id="{DB72D3A7-1AA8-4FD9-B62C-E7A6223925ED}"/>
               </a:ext>
             </a:extLst>
           </p:cNvPr>
@@ -8970,7 +9714,7 @@
           <p:cNvPr id="42" name="직사각형 41">
             <a:extLst>
               <a:ext uri="{FF2B5EF4-FFF2-40B4-BE49-F238E27FC236}">
-                <a16:creationId xmlns:a16="http://schemas.microsoft.com/office/drawing/2014/main" id="{2A6EDB8B-7CC5-4535-8EE9-38F4593390A8}"/>
+                <a16:creationId xmlns:a16="http://schemas.microsoft.com/office/drawing/2014/main" xmlns="" id="{2A6EDB8B-7CC5-4535-8EE9-38F4593390A8}"/>
               </a:ext>
             </a:extLst>
           </p:cNvPr>
@@ -9009,6 +9753,736 @@
           </a:p>
         </p:txBody>
       </p:sp>
+      <p:sp>
+        <p:nvSpPr>
+          <p:cNvPr id="30" name="TextBox 29">
+            <a:extLst>
+              <a:ext uri="{FF2B5EF4-FFF2-40B4-BE49-F238E27FC236}">
+                <a16:creationId xmlns:a16="http://schemas.microsoft.com/office/drawing/2014/main" xmlns="" id="{606CB3EF-BD67-454E-8D48-D30774CEE106}"/>
+              </a:ext>
+            </a:extLst>
+          </p:cNvPr>
+          <p:cNvSpPr txBox="1"/>
+          <p:nvPr/>
+        </p:nvSpPr>
+        <p:spPr>
+          <a:xfrm>
+            <a:off x="1786856" y="1845578"/>
+            <a:ext cx="595618" cy="215444"/>
+          </a:xfrm>
+          <a:prstGeom prst="rect">
+            <a:avLst/>
+          </a:prstGeom>
+          <a:noFill/>
+        </p:spPr>
+        <p:txBody>
+          <a:bodyPr wrap="square" rtlCol="0">
+            <a:spAutoFit/>
+          </a:bodyPr>
+          <a:lstStyle/>
+          <a:p>
+            <a:r>
+              <a:rPr lang="ko-KR" altLang="en-US" sz="800" dirty="0" err="1"/>
+              <a:t>마이시터</a:t>
+            </a:r>
+            <a:endParaRPr lang="ko-KR" altLang="en-US" sz="800" dirty="0"/>
+          </a:p>
+        </p:txBody>
+      </p:sp>
+      <p:sp>
+        <p:nvSpPr>
+          <p:cNvPr id="31" name="TextBox 30">
+            <a:extLst>
+              <a:ext uri="{FF2B5EF4-FFF2-40B4-BE49-F238E27FC236}">
+                <a16:creationId xmlns:a16="http://schemas.microsoft.com/office/drawing/2014/main" xmlns="" id="{6ECBB3D4-2156-4986-9434-EA8F60CE59E0}"/>
+              </a:ext>
+            </a:extLst>
+          </p:cNvPr>
+          <p:cNvSpPr txBox="1"/>
+          <p:nvPr/>
+        </p:nvSpPr>
+        <p:spPr>
+          <a:xfrm>
+            <a:off x="5508770" y="1845578"/>
+            <a:ext cx="1630262" cy="215444"/>
+          </a:xfrm>
+          <a:prstGeom prst="rect">
+            <a:avLst/>
+          </a:prstGeom>
+          <a:noFill/>
+        </p:spPr>
+        <p:txBody>
+          <a:bodyPr wrap="square" rtlCol="0">
+            <a:spAutoFit/>
+          </a:bodyPr>
+          <a:lstStyle/>
+          <a:p>
+            <a:r>
+              <a:rPr lang="ko-KR" altLang="en-US" sz="800"/>
+              <a:t>로그인   회원가입   마이페이지</a:t>
+            </a:r>
+            <a:endParaRPr lang="ko-KR" altLang="en-US" sz="800" dirty="0"/>
+          </a:p>
+        </p:txBody>
+      </p:sp>
+      <p:cxnSp>
+        <p:nvCxnSpPr>
+          <p:cNvPr id="33" name="직선 연결선 32">
+            <a:extLst>
+              <a:ext uri="{FF2B5EF4-FFF2-40B4-BE49-F238E27FC236}">
+                <a16:creationId xmlns:a16="http://schemas.microsoft.com/office/drawing/2014/main" xmlns="" id="{A723CFAC-181E-4ABB-8790-FEC42B087A83}"/>
+              </a:ext>
+            </a:extLst>
+          </p:cNvPr>
+          <p:cNvCxnSpPr/>
+          <p:nvPr/>
+        </p:nvCxnSpPr>
+        <p:spPr>
+          <a:xfrm>
+            <a:off x="896100" y="2095956"/>
+            <a:ext cx="7200001" cy="0"/>
+          </a:xfrm>
+          <a:prstGeom prst="line">
+            <a:avLst/>
+          </a:prstGeom>
+        </p:spPr>
+        <p:style>
+          <a:lnRef idx="1">
+            <a:schemeClr val="dk1"/>
+          </a:lnRef>
+          <a:fillRef idx="0">
+            <a:schemeClr val="dk1"/>
+          </a:fillRef>
+          <a:effectRef idx="0">
+            <a:schemeClr val="dk1"/>
+          </a:effectRef>
+          <a:fontRef idx="minor">
+            <a:schemeClr val="tx1"/>
+          </a:fontRef>
+        </p:style>
+      </p:cxnSp>
+      <p:sp>
+        <p:nvSpPr>
+          <p:cNvPr id="34" name="TextBox 33">
+            <a:extLst>
+              <a:ext uri="{FF2B5EF4-FFF2-40B4-BE49-F238E27FC236}">
+                <a16:creationId xmlns:a16="http://schemas.microsoft.com/office/drawing/2014/main" xmlns="" id="{010ADA31-1823-4E2F-B19C-9DF082DE9B5C}"/>
+              </a:ext>
+            </a:extLst>
+          </p:cNvPr>
+          <p:cNvSpPr txBox="1"/>
+          <p:nvPr/>
+        </p:nvSpPr>
+        <p:spPr>
+          <a:xfrm>
+            <a:off x="4203946" y="1845190"/>
+            <a:ext cx="595618" cy="215444"/>
+          </a:xfrm>
+          <a:prstGeom prst="rect">
+            <a:avLst/>
+          </a:prstGeom>
+          <a:noFill/>
+        </p:spPr>
+        <p:txBody>
+          <a:bodyPr wrap="square" rtlCol="0">
+            <a:spAutoFit/>
+          </a:bodyPr>
+          <a:lstStyle/>
+          <a:p>
+            <a:r>
+              <a:rPr lang="en-US" altLang="ko-KR" sz="800" dirty="0"/>
+              <a:t>logo</a:t>
+            </a:r>
+            <a:endParaRPr lang="ko-KR" altLang="en-US" sz="800" dirty="0"/>
+          </a:p>
+        </p:txBody>
+      </p:sp>
+      <p:sp>
+        <p:nvSpPr>
+          <p:cNvPr id="43" name="직사각형 42">
+            <a:extLst>
+              <a:ext uri="{FF2B5EF4-FFF2-40B4-BE49-F238E27FC236}">
+                <a16:creationId xmlns:a16="http://schemas.microsoft.com/office/drawing/2014/main" xmlns="" id="{28EAE90E-16BD-4338-B838-36E62A30452E}"/>
+              </a:ext>
+            </a:extLst>
+          </p:cNvPr>
+          <p:cNvSpPr/>
+          <p:nvPr/>
+        </p:nvSpPr>
+        <p:spPr>
+          <a:xfrm>
+            <a:off x="4044343" y="1845190"/>
+            <a:ext cx="224256" cy="209724"/>
+          </a:xfrm>
+          <a:prstGeom prst="rect">
+            <a:avLst/>
+          </a:prstGeom>
+          <a:solidFill>
+            <a:schemeClr val="bg1"/>
+          </a:solidFill>
+          <a:ln>
+            <a:solidFill>
+              <a:schemeClr val="tx1"/>
+            </a:solidFill>
+          </a:ln>
+        </p:spPr>
+        <p:style>
+          <a:lnRef idx="2">
+            <a:schemeClr val="accent1">
+              <a:shade val="50000"/>
+            </a:schemeClr>
+          </a:lnRef>
+          <a:fillRef idx="1">
+            <a:schemeClr val="accent1"/>
+          </a:fillRef>
+          <a:effectRef idx="0">
+            <a:schemeClr val="accent1"/>
+          </a:effectRef>
+          <a:fontRef idx="minor">
+            <a:schemeClr val="lt1"/>
+          </a:fontRef>
+        </p:style>
+        <p:txBody>
+          <a:bodyPr rtlCol="0" anchor="ctr"/>
+          <a:lstStyle/>
+          <a:p>
+            <a:pPr algn="ctr"/>
+            <a:endParaRPr lang="ko-KR" altLang="en-US" dirty="0"/>
+          </a:p>
+        </p:txBody>
+      </p:sp>
+      <p:sp>
+        <p:nvSpPr>
+          <p:cNvPr id="44" name="TextBox 43">
+            <a:extLst>
+              <a:ext uri="{FF2B5EF4-FFF2-40B4-BE49-F238E27FC236}">
+                <a16:creationId xmlns:a16="http://schemas.microsoft.com/office/drawing/2014/main" xmlns="" id="{78ADDD66-9CDE-4CA6-938D-D34562AC7F09}"/>
+              </a:ext>
+            </a:extLst>
+          </p:cNvPr>
+          <p:cNvSpPr txBox="1"/>
+          <p:nvPr/>
+        </p:nvSpPr>
+        <p:spPr>
+          <a:xfrm>
+            <a:off x="2329495" y="1845578"/>
+            <a:ext cx="595618" cy="215444"/>
+          </a:xfrm>
+          <a:prstGeom prst="rect">
+            <a:avLst/>
+          </a:prstGeom>
+          <a:noFill/>
+        </p:spPr>
+        <p:txBody>
+          <a:bodyPr wrap="square" rtlCol="0">
+            <a:spAutoFit/>
+          </a:bodyPr>
+          <a:lstStyle/>
+          <a:p>
+            <a:r>
+              <a:rPr lang="ko-KR" altLang="en-US" sz="800" dirty="0" err="1"/>
+              <a:t>시터찾기</a:t>
+            </a:r>
+            <a:endParaRPr lang="ko-KR" altLang="en-US" sz="800" dirty="0"/>
+          </a:p>
+        </p:txBody>
+      </p:sp>
+      <p:sp>
+        <p:nvSpPr>
+          <p:cNvPr id="45" name="직사각형 44">
+            <a:extLst>
+              <a:ext uri="{FF2B5EF4-FFF2-40B4-BE49-F238E27FC236}">
+                <a16:creationId xmlns:a16="http://schemas.microsoft.com/office/drawing/2014/main" xmlns="" id="{33107F64-EDE9-4E47-9242-F8A468C24118}"/>
+              </a:ext>
+            </a:extLst>
+          </p:cNvPr>
+          <p:cNvSpPr/>
+          <p:nvPr/>
+        </p:nvSpPr>
+        <p:spPr>
+          <a:xfrm>
+            <a:off x="9563677" y="1828800"/>
+            <a:ext cx="1023230" cy="276836"/>
+          </a:xfrm>
+          <a:prstGeom prst="rect">
+            <a:avLst/>
+          </a:prstGeom>
+          <a:solidFill>
+            <a:schemeClr val="bg1"/>
+          </a:solidFill>
+          <a:ln>
+            <a:solidFill>
+              <a:schemeClr val="tx1"/>
+            </a:solidFill>
+          </a:ln>
+        </p:spPr>
+        <p:style>
+          <a:lnRef idx="2">
+            <a:schemeClr val="accent1">
+              <a:shade val="50000"/>
+            </a:schemeClr>
+          </a:lnRef>
+          <a:fillRef idx="1">
+            <a:schemeClr val="accent1"/>
+          </a:fillRef>
+          <a:effectRef idx="0">
+            <a:schemeClr val="accent1"/>
+          </a:effectRef>
+          <a:fontRef idx="minor">
+            <a:schemeClr val="lt1"/>
+          </a:fontRef>
+        </p:style>
+        <p:txBody>
+          <a:bodyPr rtlCol="0" anchor="ctr"/>
+          <a:lstStyle/>
+          <a:p>
+            <a:pPr algn="ctr"/>
+            <a:endParaRPr lang="ko-KR" altLang="en-US" dirty="0"/>
+          </a:p>
+        </p:txBody>
+      </p:sp>
+      <p:sp>
+        <p:nvSpPr>
+          <p:cNvPr id="46" name="직사각형 45">
+            <a:extLst>
+              <a:ext uri="{FF2B5EF4-FFF2-40B4-BE49-F238E27FC236}">
+                <a16:creationId xmlns:a16="http://schemas.microsoft.com/office/drawing/2014/main" xmlns="" id="{5A842A4B-8B39-44DE-9CEA-9515737356B2}"/>
+              </a:ext>
+            </a:extLst>
+          </p:cNvPr>
+          <p:cNvSpPr/>
+          <p:nvPr/>
+        </p:nvSpPr>
+        <p:spPr>
+          <a:xfrm>
+            <a:off x="9599253" y="1862356"/>
+            <a:ext cx="224256" cy="209724"/>
+          </a:xfrm>
+          <a:prstGeom prst="rect">
+            <a:avLst/>
+          </a:prstGeom>
+          <a:solidFill>
+            <a:schemeClr val="bg1"/>
+          </a:solidFill>
+          <a:ln>
+            <a:solidFill>
+              <a:schemeClr val="tx1"/>
+            </a:solidFill>
+          </a:ln>
+        </p:spPr>
+        <p:style>
+          <a:lnRef idx="2">
+            <a:schemeClr val="accent1">
+              <a:shade val="50000"/>
+            </a:schemeClr>
+          </a:lnRef>
+          <a:fillRef idx="1">
+            <a:schemeClr val="accent1"/>
+          </a:fillRef>
+          <a:effectRef idx="0">
+            <a:schemeClr val="accent1"/>
+          </a:effectRef>
+          <a:fontRef idx="minor">
+            <a:schemeClr val="lt1"/>
+          </a:fontRef>
+        </p:style>
+        <p:txBody>
+          <a:bodyPr rtlCol="0" anchor="ctr"/>
+          <a:lstStyle/>
+          <a:p>
+            <a:pPr algn="ctr"/>
+            <a:endParaRPr lang="ko-KR" altLang="en-US" dirty="0"/>
+          </a:p>
+        </p:txBody>
+      </p:sp>
+      <p:sp>
+        <p:nvSpPr>
+          <p:cNvPr id="47" name="직사각형 46">
+            <a:extLst>
+              <a:ext uri="{FF2B5EF4-FFF2-40B4-BE49-F238E27FC236}">
+                <a16:creationId xmlns:a16="http://schemas.microsoft.com/office/drawing/2014/main" xmlns="" id="{2DD24BCC-FCE6-4F3D-9102-0338A277724E}"/>
+              </a:ext>
+            </a:extLst>
+          </p:cNvPr>
+          <p:cNvSpPr/>
+          <p:nvPr/>
+        </p:nvSpPr>
+        <p:spPr>
+          <a:xfrm>
+            <a:off x="11004221" y="1870745"/>
+            <a:ext cx="224256" cy="209724"/>
+          </a:xfrm>
+          <a:prstGeom prst="rect">
+            <a:avLst/>
+          </a:prstGeom>
+          <a:solidFill>
+            <a:schemeClr val="bg1"/>
+          </a:solidFill>
+          <a:ln>
+            <a:solidFill>
+              <a:schemeClr val="tx1"/>
+            </a:solidFill>
+          </a:ln>
+        </p:spPr>
+        <p:style>
+          <a:lnRef idx="2">
+            <a:schemeClr val="accent1">
+              <a:shade val="50000"/>
+            </a:schemeClr>
+          </a:lnRef>
+          <a:fillRef idx="1">
+            <a:schemeClr val="accent1"/>
+          </a:fillRef>
+          <a:effectRef idx="0">
+            <a:schemeClr val="accent1"/>
+          </a:effectRef>
+          <a:fontRef idx="minor">
+            <a:schemeClr val="lt1"/>
+          </a:fontRef>
+        </p:style>
+        <p:txBody>
+          <a:bodyPr rtlCol="0" anchor="ctr"/>
+          <a:lstStyle/>
+          <a:p>
+            <a:pPr algn="ctr"/>
+            <a:endParaRPr lang="ko-KR" altLang="en-US" dirty="0"/>
+          </a:p>
+        </p:txBody>
+      </p:sp>
+      <p:sp>
+        <p:nvSpPr>
+          <p:cNvPr id="48" name="직사각형 47">
+            <a:extLst>
+              <a:ext uri="{FF2B5EF4-FFF2-40B4-BE49-F238E27FC236}">
+                <a16:creationId xmlns:a16="http://schemas.microsoft.com/office/drawing/2014/main" xmlns="" id="{D47A0DF5-CA84-4554-81E3-2D51D35F259C}"/>
+              </a:ext>
+            </a:extLst>
+          </p:cNvPr>
+          <p:cNvSpPr/>
+          <p:nvPr/>
+        </p:nvSpPr>
+        <p:spPr>
+          <a:xfrm>
+            <a:off x="8892432" y="1870745"/>
+            <a:ext cx="224256" cy="209724"/>
+          </a:xfrm>
+          <a:prstGeom prst="rect">
+            <a:avLst/>
+          </a:prstGeom>
+          <a:solidFill>
+            <a:schemeClr val="bg1"/>
+          </a:solidFill>
+          <a:ln>
+            <a:solidFill>
+              <a:schemeClr val="tx1"/>
+            </a:solidFill>
+          </a:ln>
+        </p:spPr>
+        <p:style>
+          <a:lnRef idx="2">
+            <a:schemeClr val="accent1">
+              <a:shade val="50000"/>
+            </a:schemeClr>
+          </a:lnRef>
+          <a:fillRef idx="1">
+            <a:schemeClr val="accent1"/>
+          </a:fillRef>
+          <a:effectRef idx="0">
+            <a:schemeClr val="accent1"/>
+          </a:effectRef>
+          <a:fontRef idx="minor">
+            <a:schemeClr val="lt1"/>
+          </a:fontRef>
+        </p:style>
+        <p:txBody>
+          <a:bodyPr rtlCol="0" anchor="ctr"/>
+          <a:lstStyle/>
+          <a:p>
+            <a:pPr algn="ctr"/>
+            <a:endParaRPr lang="ko-KR" altLang="en-US" dirty="0"/>
+          </a:p>
+        </p:txBody>
+      </p:sp>
+      <p:cxnSp>
+        <p:nvCxnSpPr>
+          <p:cNvPr id="49" name="직선 연결선 48">
+            <a:extLst>
+              <a:ext uri="{FF2B5EF4-FFF2-40B4-BE49-F238E27FC236}">
+                <a16:creationId xmlns:a16="http://schemas.microsoft.com/office/drawing/2014/main" xmlns="" id="{BBD31C63-515F-4941-8A12-DD68C1031400}"/>
+              </a:ext>
+            </a:extLst>
+          </p:cNvPr>
+          <p:cNvCxnSpPr/>
+          <p:nvPr/>
+        </p:nvCxnSpPr>
+        <p:spPr>
+          <a:xfrm>
+            <a:off x="8819791" y="2182536"/>
+            <a:ext cx="2511001" cy="0"/>
+          </a:xfrm>
+          <a:prstGeom prst="line">
+            <a:avLst/>
+          </a:prstGeom>
+          <a:ln>
+            <a:solidFill>
+              <a:schemeClr val="tx1"/>
+            </a:solidFill>
+          </a:ln>
+        </p:spPr>
+        <p:style>
+          <a:lnRef idx="1">
+            <a:schemeClr val="accent1"/>
+          </a:lnRef>
+          <a:fillRef idx="0">
+            <a:schemeClr val="accent1"/>
+          </a:fillRef>
+          <a:effectRef idx="0">
+            <a:schemeClr val="accent1"/>
+          </a:effectRef>
+          <a:fontRef idx="minor">
+            <a:schemeClr val="tx1"/>
+          </a:fontRef>
+        </p:style>
+      </p:cxnSp>
+      <p:cxnSp>
+        <p:nvCxnSpPr>
+          <p:cNvPr id="50" name="직선 화살표 연결선 49">
+            <a:extLst>
+              <a:ext uri="{FF2B5EF4-FFF2-40B4-BE49-F238E27FC236}">
+                <a16:creationId xmlns:a16="http://schemas.microsoft.com/office/drawing/2014/main" xmlns="" id="{C6189FF7-B2B4-4F58-A62C-4552AA855088}"/>
+              </a:ext>
+            </a:extLst>
+          </p:cNvPr>
+          <p:cNvCxnSpPr>
+            <a:cxnSpLocks/>
+          </p:cNvCxnSpPr>
+          <p:nvPr/>
+        </p:nvCxnSpPr>
+        <p:spPr>
+          <a:xfrm>
+            <a:off x="9004560" y="1535185"/>
+            <a:ext cx="0" cy="461394"/>
+          </a:xfrm>
+          <a:prstGeom prst="straightConnector1">
+            <a:avLst/>
+          </a:prstGeom>
+          <a:ln>
+            <a:solidFill>
+              <a:srgbClr val="FF0000"/>
+            </a:solidFill>
+            <a:tailEnd type="triangle"/>
+          </a:ln>
+        </p:spPr>
+        <p:style>
+          <a:lnRef idx="1">
+            <a:schemeClr val="accent2"/>
+          </a:lnRef>
+          <a:fillRef idx="0">
+            <a:schemeClr val="accent2"/>
+          </a:fillRef>
+          <a:effectRef idx="0">
+            <a:schemeClr val="accent2"/>
+          </a:effectRef>
+          <a:fontRef idx="minor">
+            <a:schemeClr val="tx1"/>
+          </a:fontRef>
+        </p:style>
+      </p:cxnSp>
+      <p:cxnSp>
+        <p:nvCxnSpPr>
+          <p:cNvPr id="51" name="직선 화살표 연결선 50">
+            <a:extLst>
+              <a:ext uri="{FF2B5EF4-FFF2-40B4-BE49-F238E27FC236}">
+                <a16:creationId xmlns:a16="http://schemas.microsoft.com/office/drawing/2014/main" xmlns="" id="{8A353617-6EF7-4BE0-876E-B7682AC7D0FB}"/>
+              </a:ext>
+            </a:extLst>
+          </p:cNvPr>
+          <p:cNvCxnSpPr>
+            <a:cxnSpLocks/>
+          </p:cNvCxnSpPr>
+          <p:nvPr/>
+        </p:nvCxnSpPr>
+        <p:spPr>
+          <a:xfrm>
+            <a:off x="10082343" y="1535185"/>
+            <a:ext cx="0" cy="461394"/>
+          </a:xfrm>
+          <a:prstGeom prst="straightConnector1">
+            <a:avLst/>
+          </a:prstGeom>
+          <a:ln>
+            <a:solidFill>
+              <a:srgbClr val="FF0000"/>
+            </a:solidFill>
+            <a:tailEnd type="triangle"/>
+          </a:ln>
+        </p:spPr>
+        <p:style>
+          <a:lnRef idx="1">
+            <a:schemeClr val="accent2"/>
+          </a:lnRef>
+          <a:fillRef idx="0">
+            <a:schemeClr val="accent2"/>
+          </a:fillRef>
+          <a:effectRef idx="0">
+            <a:schemeClr val="accent2"/>
+          </a:effectRef>
+          <a:fontRef idx="minor">
+            <a:schemeClr val="tx1"/>
+          </a:fontRef>
+        </p:style>
+      </p:cxnSp>
+      <p:cxnSp>
+        <p:nvCxnSpPr>
+          <p:cNvPr id="52" name="직선 화살표 연결선 51">
+            <a:extLst>
+              <a:ext uri="{FF2B5EF4-FFF2-40B4-BE49-F238E27FC236}">
+                <a16:creationId xmlns:a16="http://schemas.microsoft.com/office/drawing/2014/main" xmlns="" id="{6ADB57C1-71A6-460D-8130-56C2C112542B}"/>
+              </a:ext>
+            </a:extLst>
+          </p:cNvPr>
+          <p:cNvCxnSpPr>
+            <a:cxnSpLocks/>
+          </p:cNvCxnSpPr>
+          <p:nvPr/>
+        </p:nvCxnSpPr>
+        <p:spPr>
+          <a:xfrm>
+            <a:off x="11116349" y="1535185"/>
+            <a:ext cx="0" cy="461394"/>
+          </a:xfrm>
+          <a:prstGeom prst="straightConnector1">
+            <a:avLst/>
+          </a:prstGeom>
+          <a:ln>
+            <a:solidFill>
+              <a:srgbClr val="FF0000"/>
+            </a:solidFill>
+            <a:tailEnd type="triangle"/>
+          </a:ln>
+        </p:spPr>
+        <p:style>
+          <a:lnRef idx="1">
+            <a:schemeClr val="accent2"/>
+          </a:lnRef>
+          <a:fillRef idx="0">
+            <a:schemeClr val="accent2"/>
+          </a:fillRef>
+          <a:effectRef idx="0">
+            <a:schemeClr val="accent2"/>
+          </a:effectRef>
+          <a:fontRef idx="minor">
+            <a:schemeClr val="tx1"/>
+          </a:fontRef>
+        </p:style>
+      </p:cxnSp>
+      <p:sp>
+        <p:nvSpPr>
+          <p:cNvPr id="53" name="TextBox 52">
+            <a:extLst>
+              <a:ext uri="{FF2B5EF4-FFF2-40B4-BE49-F238E27FC236}">
+                <a16:creationId xmlns:a16="http://schemas.microsoft.com/office/drawing/2014/main" xmlns="" id="{CDE1AA9D-8128-4666-8D15-1D04133230F9}"/>
+              </a:ext>
+            </a:extLst>
+          </p:cNvPr>
+          <p:cNvSpPr txBox="1"/>
+          <p:nvPr/>
+        </p:nvSpPr>
+        <p:spPr>
+          <a:xfrm>
+            <a:off x="8707491" y="1354305"/>
+            <a:ext cx="595618" cy="215444"/>
+          </a:xfrm>
+          <a:prstGeom prst="rect">
+            <a:avLst/>
+          </a:prstGeom>
+          <a:noFill/>
+        </p:spPr>
+        <p:txBody>
+          <a:bodyPr wrap="square" rtlCol="0">
+            <a:spAutoFit/>
+          </a:bodyPr>
+          <a:lstStyle/>
+          <a:p>
+            <a:r>
+              <a:rPr lang="ko-KR" altLang="en-US" sz="800" dirty="0" err="1"/>
+              <a:t>마이시터</a:t>
+            </a:r>
+            <a:endParaRPr lang="ko-KR" altLang="en-US" sz="800" dirty="0"/>
+          </a:p>
+        </p:txBody>
+      </p:sp>
+      <p:sp>
+        <p:nvSpPr>
+          <p:cNvPr id="54" name="TextBox 53">
+            <a:extLst>
+              <a:ext uri="{FF2B5EF4-FFF2-40B4-BE49-F238E27FC236}">
+                <a16:creationId xmlns:a16="http://schemas.microsoft.com/office/drawing/2014/main" xmlns="" id="{EA075739-BD3A-4494-8CFA-FDCD68AFA1A6}"/>
+              </a:ext>
+            </a:extLst>
+          </p:cNvPr>
+          <p:cNvSpPr txBox="1"/>
+          <p:nvPr/>
+        </p:nvSpPr>
+        <p:spPr>
+          <a:xfrm>
+            <a:off x="9892853" y="1343611"/>
+            <a:ext cx="595618" cy="215444"/>
+          </a:xfrm>
+          <a:prstGeom prst="rect">
+            <a:avLst/>
+          </a:prstGeom>
+          <a:noFill/>
+        </p:spPr>
+        <p:txBody>
+          <a:bodyPr wrap="square" rtlCol="0">
+            <a:spAutoFit/>
+          </a:bodyPr>
+          <a:lstStyle/>
+          <a:p>
+            <a:r>
+              <a:rPr lang="en-US" altLang="ko-KR" sz="800" dirty="0"/>
+              <a:t>logo</a:t>
+            </a:r>
+            <a:endParaRPr lang="ko-KR" altLang="en-US" sz="800" dirty="0"/>
+          </a:p>
+        </p:txBody>
+      </p:sp>
+      <p:sp>
+        <p:nvSpPr>
+          <p:cNvPr id="55" name="TextBox 54">
+            <a:extLst>
+              <a:ext uri="{FF2B5EF4-FFF2-40B4-BE49-F238E27FC236}">
+                <a16:creationId xmlns:a16="http://schemas.microsoft.com/office/drawing/2014/main" xmlns="" id="{9CCCD44E-9A9A-4ED8-A5D1-4872F5E16D21}"/>
+              </a:ext>
+            </a:extLst>
+          </p:cNvPr>
+          <p:cNvSpPr txBox="1"/>
+          <p:nvPr/>
+        </p:nvSpPr>
+        <p:spPr>
+          <a:xfrm>
+            <a:off x="10869037" y="1349602"/>
+            <a:ext cx="595618" cy="215444"/>
+          </a:xfrm>
+          <a:prstGeom prst="rect">
+            <a:avLst/>
+          </a:prstGeom>
+          <a:noFill/>
+        </p:spPr>
+        <p:txBody>
+          <a:bodyPr wrap="square" rtlCol="0">
+            <a:spAutoFit/>
+          </a:bodyPr>
+          <a:lstStyle/>
+          <a:p>
+            <a:r>
+              <a:rPr lang="ko-KR" altLang="en-US" sz="800" dirty="0"/>
+              <a:t>로그인</a:t>
+            </a:r>
+          </a:p>
+        </p:txBody>
+      </p:sp>
     </p:spTree>
     <p:extLst>
       <p:ext uri="{BB962C8B-B14F-4D97-AF65-F5344CB8AC3E}">
@@ -9019,6 +10493,13 @@
   <p:clrMapOvr>
     <a:masterClrMapping/>
   </p:clrMapOvr>
+  <p:timing>
+    <p:tnLst>
+      <p:par>
+        <p:cTn id="1" dur="indefinite" restart="never" nodeType="tmRoot"/>
+      </p:par>
+    </p:tnLst>
+  </p:timing>
 </p:sld>
 </file>
 
@@ -9044,7 +10525,7 @@
           <p:cNvPr id="2" name="직사각형 1">
             <a:extLst>
               <a:ext uri="{FF2B5EF4-FFF2-40B4-BE49-F238E27FC236}">
-                <a16:creationId xmlns:a16="http://schemas.microsoft.com/office/drawing/2014/main" id="{8E5B996D-DF87-49E5-95D1-45B1EEB9EE9A}"/>
+                <a16:creationId xmlns:a16="http://schemas.microsoft.com/office/drawing/2014/main" xmlns="" id="{8E5B996D-DF87-49E5-95D1-45B1EEB9EE9A}"/>
               </a:ext>
             </a:extLst>
           </p:cNvPr>
@@ -9096,7 +10577,7 @@
           <p:cNvPr id="4" name="직사각형 3">
             <a:extLst>
               <a:ext uri="{FF2B5EF4-FFF2-40B4-BE49-F238E27FC236}">
-                <a16:creationId xmlns:a16="http://schemas.microsoft.com/office/drawing/2014/main" id="{080CEE4E-4BCA-42C3-BECA-9BCEB9931EEA}"/>
+                <a16:creationId xmlns:a16="http://schemas.microsoft.com/office/drawing/2014/main" xmlns="" id="{080CEE4E-4BCA-42C3-BECA-9BCEB9931EEA}"/>
               </a:ext>
             </a:extLst>
           </p:cNvPr>
@@ -9148,7 +10629,7 @@
           <p:cNvPr id="5" name="TextBox 4">
             <a:extLst>
               <a:ext uri="{FF2B5EF4-FFF2-40B4-BE49-F238E27FC236}">
-                <a16:creationId xmlns:a16="http://schemas.microsoft.com/office/drawing/2014/main" id="{D12B0B12-AB99-4F88-B4B2-948DADC833EA}"/>
+                <a16:creationId xmlns:a16="http://schemas.microsoft.com/office/drawing/2014/main" xmlns="" id="{D12B0B12-AB99-4F88-B4B2-948DADC833EA}"/>
               </a:ext>
             </a:extLst>
           </p:cNvPr>
@@ -9267,7 +10748,7 @@
           <p:cNvPr id="9" name="그림 8">
             <a:extLst>
               <a:ext uri="{FF2B5EF4-FFF2-40B4-BE49-F238E27FC236}">
-                <a16:creationId xmlns:a16="http://schemas.microsoft.com/office/drawing/2014/main" id="{0F0992E8-2696-42E6-805A-0C12780D8FA1}"/>
+                <a16:creationId xmlns:a16="http://schemas.microsoft.com/office/drawing/2014/main" xmlns="" id="{0F0992E8-2696-42E6-805A-0C12780D8FA1}"/>
               </a:ext>
             </a:extLst>
           </p:cNvPr>
@@ -9631,7 +11112,7 @@
           <p:cNvPr id="12" name="직선 연결선 11">
             <a:extLst>
               <a:ext uri="{FF2B5EF4-FFF2-40B4-BE49-F238E27FC236}">
-                <a16:creationId xmlns:a16="http://schemas.microsoft.com/office/drawing/2014/main" id="{ACA157BF-BE17-4C85-B208-4A9282BCE08D}"/>
+                <a16:creationId xmlns:a16="http://schemas.microsoft.com/office/drawing/2014/main" xmlns="" id="{ACA157BF-BE17-4C85-B208-4A9282BCE08D}"/>
               </a:ext>
             </a:extLst>
           </p:cNvPr>
@@ -9669,7 +11150,7 @@
           <p:cNvPr id="14" name="직선 연결선 13">
             <a:extLst>
               <a:ext uri="{FF2B5EF4-FFF2-40B4-BE49-F238E27FC236}">
-                <a16:creationId xmlns:a16="http://schemas.microsoft.com/office/drawing/2014/main" id="{F426FE91-7B60-4B39-82A1-B19FB5624371}"/>
+                <a16:creationId xmlns:a16="http://schemas.microsoft.com/office/drawing/2014/main" xmlns="" id="{F426FE91-7B60-4B39-82A1-B19FB5624371}"/>
               </a:ext>
             </a:extLst>
           </p:cNvPr>
@@ -9707,7 +11188,7 @@
           <p:cNvPr id="15" name="직사각형 14">
             <a:extLst>
               <a:ext uri="{FF2B5EF4-FFF2-40B4-BE49-F238E27FC236}">
-                <a16:creationId xmlns:a16="http://schemas.microsoft.com/office/drawing/2014/main" id="{DCA7751E-F267-43C3-94D1-296A7A65C173}"/>
+                <a16:creationId xmlns:a16="http://schemas.microsoft.com/office/drawing/2014/main" xmlns="" id="{DCA7751E-F267-43C3-94D1-296A7A65C173}"/>
               </a:ext>
             </a:extLst>
           </p:cNvPr>
@@ -9762,7 +11243,7 @@
           <p:cNvPr id="16" name="TextBox 15">
             <a:extLst>
               <a:ext uri="{FF2B5EF4-FFF2-40B4-BE49-F238E27FC236}">
-                <a16:creationId xmlns:a16="http://schemas.microsoft.com/office/drawing/2014/main" id="{A0F2A93E-4591-4F09-AE27-3E97B3CD3270}"/>
+                <a16:creationId xmlns:a16="http://schemas.microsoft.com/office/drawing/2014/main" xmlns="" id="{A0F2A93E-4591-4F09-AE27-3E97B3CD3270}"/>
               </a:ext>
             </a:extLst>
           </p:cNvPr>
@@ -9798,7 +11279,7 @@
           <p:cNvPr id="17" name="TextBox 16">
             <a:extLst>
               <a:ext uri="{FF2B5EF4-FFF2-40B4-BE49-F238E27FC236}">
-                <a16:creationId xmlns:a16="http://schemas.microsoft.com/office/drawing/2014/main" id="{116F8DDC-07C0-4110-A46A-56508EA1979B}"/>
+                <a16:creationId xmlns:a16="http://schemas.microsoft.com/office/drawing/2014/main" xmlns="" id="{116F8DDC-07C0-4110-A46A-56508EA1979B}"/>
               </a:ext>
             </a:extLst>
           </p:cNvPr>
@@ -9834,7 +11315,7 @@
           <p:cNvPr id="18" name="TextBox 17">
             <a:extLst>
               <a:ext uri="{FF2B5EF4-FFF2-40B4-BE49-F238E27FC236}">
-                <a16:creationId xmlns:a16="http://schemas.microsoft.com/office/drawing/2014/main" id="{B14C5F75-0295-43E1-8420-0747FF305506}"/>
+                <a16:creationId xmlns:a16="http://schemas.microsoft.com/office/drawing/2014/main" xmlns="" id="{B14C5F75-0295-43E1-8420-0747FF305506}"/>
               </a:ext>
             </a:extLst>
           </p:cNvPr>
@@ -9870,7 +11351,7 @@
           <p:cNvPr id="19" name="TextBox 18">
             <a:extLst>
               <a:ext uri="{FF2B5EF4-FFF2-40B4-BE49-F238E27FC236}">
-                <a16:creationId xmlns:a16="http://schemas.microsoft.com/office/drawing/2014/main" id="{31D1A925-2CE3-47B1-802C-0FF570F9FF55}"/>
+                <a16:creationId xmlns:a16="http://schemas.microsoft.com/office/drawing/2014/main" xmlns="" id="{31D1A925-2CE3-47B1-802C-0FF570F9FF55}"/>
               </a:ext>
             </a:extLst>
           </p:cNvPr>
@@ -9905,7 +11386,7 @@
           <p:cNvPr id="20" name="TextBox 19">
             <a:extLst>
               <a:ext uri="{FF2B5EF4-FFF2-40B4-BE49-F238E27FC236}">
-                <a16:creationId xmlns:a16="http://schemas.microsoft.com/office/drawing/2014/main" id="{65B8B1EB-EADB-44B9-8418-CFAD9C0A4A5B}"/>
+                <a16:creationId xmlns:a16="http://schemas.microsoft.com/office/drawing/2014/main" xmlns="" id="{65B8B1EB-EADB-44B9-8418-CFAD9C0A4A5B}"/>
               </a:ext>
             </a:extLst>
           </p:cNvPr>
@@ -9941,7 +11422,7 @@
           <p:cNvPr id="25" name="직사각형 24">
             <a:extLst>
               <a:ext uri="{FF2B5EF4-FFF2-40B4-BE49-F238E27FC236}">
-                <a16:creationId xmlns:a16="http://schemas.microsoft.com/office/drawing/2014/main" id="{4C4C2EBB-7518-4233-967E-85BE1B77DCBB}"/>
+                <a16:creationId xmlns:a16="http://schemas.microsoft.com/office/drawing/2014/main" xmlns="" id="{4C4C2EBB-7518-4233-967E-85BE1B77DCBB}"/>
               </a:ext>
             </a:extLst>
           </p:cNvPr>
@@ -9995,7 +11476,7 @@
           <p:cNvPr id="13" name="직사각형 12">
             <a:extLst>
               <a:ext uri="{FF2B5EF4-FFF2-40B4-BE49-F238E27FC236}">
-                <a16:creationId xmlns:a16="http://schemas.microsoft.com/office/drawing/2014/main" id="{6C30647D-27F8-4A70-B89B-EE3FF6946400}"/>
+                <a16:creationId xmlns:a16="http://schemas.microsoft.com/office/drawing/2014/main" xmlns="" id="{6C30647D-27F8-4A70-B89B-EE3FF6946400}"/>
               </a:ext>
             </a:extLst>
           </p:cNvPr>
@@ -10049,7 +11530,7 @@
           <p:cNvPr id="27" name="직사각형 26">
             <a:extLst>
               <a:ext uri="{FF2B5EF4-FFF2-40B4-BE49-F238E27FC236}">
-                <a16:creationId xmlns:a16="http://schemas.microsoft.com/office/drawing/2014/main" id="{29C840B0-D107-4B42-9F5E-DCFFA3F7265E}"/>
+                <a16:creationId xmlns:a16="http://schemas.microsoft.com/office/drawing/2014/main" xmlns="" id="{29C840B0-D107-4B42-9F5E-DCFFA3F7265E}"/>
               </a:ext>
             </a:extLst>
           </p:cNvPr>
@@ -10103,7 +11584,7 @@
           <p:cNvPr id="28" name="직사각형 27">
             <a:extLst>
               <a:ext uri="{FF2B5EF4-FFF2-40B4-BE49-F238E27FC236}">
-                <a16:creationId xmlns:a16="http://schemas.microsoft.com/office/drawing/2014/main" id="{F1734FCF-A892-42EC-BAAC-E35AFBD3558F}"/>
+                <a16:creationId xmlns:a16="http://schemas.microsoft.com/office/drawing/2014/main" xmlns="" id="{F1734FCF-A892-42EC-BAAC-E35AFBD3558F}"/>
               </a:ext>
             </a:extLst>
           </p:cNvPr>
@@ -10157,7 +11638,7 @@
           <p:cNvPr id="29" name="직선 연결선 28">
             <a:extLst>
               <a:ext uri="{FF2B5EF4-FFF2-40B4-BE49-F238E27FC236}">
-                <a16:creationId xmlns:a16="http://schemas.microsoft.com/office/drawing/2014/main" id="{D59A77E9-3D9E-444D-81A3-9937DF3CE8D0}"/>
+                <a16:creationId xmlns:a16="http://schemas.microsoft.com/office/drawing/2014/main" xmlns="" id="{D59A77E9-3D9E-444D-81A3-9937DF3CE8D0}"/>
               </a:ext>
             </a:extLst>
           </p:cNvPr>
@@ -10198,7 +11679,7 @@
           <p:cNvPr id="31" name="직선 연결선 30">
             <a:extLst>
               <a:ext uri="{FF2B5EF4-FFF2-40B4-BE49-F238E27FC236}">
-                <a16:creationId xmlns:a16="http://schemas.microsoft.com/office/drawing/2014/main" id="{9C6631A8-714B-40AD-A37D-44782ADB3E02}"/>
+                <a16:creationId xmlns:a16="http://schemas.microsoft.com/office/drawing/2014/main" xmlns="" id="{9C6631A8-714B-40AD-A37D-44782ADB3E02}"/>
               </a:ext>
             </a:extLst>
           </p:cNvPr>
@@ -10239,7 +11720,7 @@
           <p:cNvPr id="33" name="직선 화살표 연결선 32">
             <a:extLst>
               <a:ext uri="{FF2B5EF4-FFF2-40B4-BE49-F238E27FC236}">
-                <a16:creationId xmlns:a16="http://schemas.microsoft.com/office/drawing/2014/main" id="{29802ADF-D8C0-4311-A75E-8A007AEFD69E}"/>
+                <a16:creationId xmlns:a16="http://schemas.microsoft.com/office/drawing/2014/main" xmlns="" id="{29802ADF-D8C0-4311-A75E-8A007AEFD69E}"/>
               </a:ext>
             </a:extLst>
           </p:cNvPr>
@@ -10283,7 +11764,7 @@
           <p:cNvPr id="35" name="직선 화살표 연결선 34">
             <a:extLst>
               <a:ext uri="{FF2B5EF4-FFF2-40B4-BE49-F238E27FC236}">
-                <a16:creationId xmlns:a16="http://schemas.microsoft.com/office/drawing/2014/main" id="{65C358EA-2C02-4EE8-B355-6D8AF775F6A6}"/>
+                <a16:creationId xmlns:a16="http://schemas.microsoft.com/office/drawing/2014/main" xmlns="" id="{65C358EA-2C02-4EE8-B355-6D8AF775F6A6}"/>
               </a:ext>
             </a:extLst>
           </p:cNvPr>
@@ -10327,7 +11808,7 @@
           <p:cNvPr id="36" name="직선 화살표 연결선 35">
             <a:extLst>
               <a:ext uri="{FF2B5EF4-FFF2-40B4-BE49-F238E27FC236}">
-                <a16:creationId xmlns:a16="http://schemas.microsoft.com/office/drawing/2014/main" id="{1F146DDA-651E-4694-A5B9-0D7B06168C1C}"/>
+                <a16:creationId xmlns:a16="http://schemas.microsoft.com/office/drawing/2014/main" xmlns="" id="{1F146DDA-651E-4694-A5B9-0D7B06168C1C}"/>
               </a:ext>
             </a:extLst>
           </p:cNvPr>
@@ -10371,7 +11852,7 @@
           <p:cNvPr id="37" name="TextBox 36">
             <a:extLst>
               <a:ext uri="{FF2B5EF4-FFF2-40B4-BE49-F238E27FC236}">
-                <a16:creationId xmlns:a16="http://schemas.microsoft.com/office/drawing/2014/main" id="{9F5D061B-46C2-4A90-88EC-99BDC6C829BA}"/>
+                <a16:creationId xmlns:a16="http://schemas.microsoft.com/office/drawing/2014/main" xmlns="" id="{9F5D061B-46C2-4A90-88EC-99BDC6C829BA}"/>
               </a:ext>
             </a:extLst>
           </p:cNvPr>
@@ -10407,7 +11888,7 @@
           <p:cNvPr id="38" name="TextBox 37">
             <a:extLst>
               <a:ext uri="{FF2B5EF4-FFF2-40B4-BE49-F238E27FC236}">
-                <a16:creationId xmlns:a16="http://schemas.microsoft.com/office/drawing/2014/main" id="{8612C9EA-62FC-41ED-8D6B-697153C0833D}"/>
+                <a16:creationId xmlns:a16="http://schemas.microsoft.com/office/drawing/2014/main" xmlns="" id="{8612C9EA-62FC-41ED-8D6B-697153C0833D}"/>
               </a:ext>
             </a:extLst>
           </p:cNvPr>
@@ -10443,7 +11924,7 @@
           <p:cNvPr id="39" name="TextBox 38">
             <a:extLst>
               <a:ext uri="{FF2B5EF4-FFF2-40B4-BE49-F238E27FC236}">
-                <a16:creationId xmlns:a16="http://schemas.microsoft.com/office/drawing/2014/main" id="{7A473AB7-E482-4B36-A467-BC6D9E5C96CF}"/>
+                <a16:creationId xmlns:a16="http://schemas.microsoft.com/office/drawing/2014/main" xmlns="" id="{7A473AB7-E482-4B36-A467-BC6D9E5C96CF}"/>
               </a:ext>
             </a:extLst>
           </p:cNvPr>
@@ -10479,7 +11960,7 @@
           <p:cNvPr id="40" name="직사각형 39">
             <a:extLst>
               <a:ext uri="{FF2B5EF4-FFF2-40B4-BE49-F238E27FC236}">
-                <a16:creationId xmlns:a16="http://schemas.microsoft.com/office/drawing/2014/main" id="{3F2876E3-A93A-4ADB-B312-90D215969635}"/>
+                <a16:creationId xmlns:a16="http://schemas.microsoft.com/office/drawing/2014/main" xmlns="" id="{3F2876E3-A93A-4ADB-B312-90D215969635}"/>
               </a:ext>
             </a:extLst>
           </p:cNvPr>
@@ -10533,7 +12014,7 @@
           <p:cNvPr id="41" name="직사각형 40">
             <a:extLst>
               <a:ext uri="{FF2B5EF4-FFF2-40B4-BE49-F238E27FC236}">
-                <a16:creationId xmlns:a16="http://schemas.microsoft.com/office/drawing/2014/main" id="{0CDF022B-91EA-442C-B3CD-4C8849A2CC50}"/>
+                <a16:creationId xmlns:a16="http://schemas.microsoft.com/office/drawing/2014/main" xmlns="" id="{0CDF022B-91EA-442C-B3CD-4C8849A2CC50}"/>
               </a:ext>
             </a:extLst>
           </p:cNvPr>
@@ -10587,7 +12068,7 @@
           <p:cNvPr id="43" name="직사각형 42">
             <a:extLst>
               <a:ext uri="{FF2B5EF4-FFF2-40B4-BE49-F238E27FC236}">
-                <a16:creationId xmlns:a16="http://schemas.microsoft.com/office/drawing/2014/main" id="{907DBEF7-23BA-4CA4-9C2D-66A6E0A27415}"/>
+                <a16:creationId xmlns:a16="http://schemas.microsoft.com/office/drawing/2014/main" xmlns="" id="{907DBEF7-23BA-4CA4-9C2D-66A6E0A27415}"/>
               </a:ext>
             </a:extLst>
           </p:cNvPr>
@@ -10641,7 +12122,7 @@
           <p:cNvPr id="44" name="직사각형 43">
             <a:extLst>
               <a:ext uri="{FF2B5EF4-FFF2-40B4-BE49-F238E27FC236}">
-                <a16:creationId xmlns:a16="http://schemas.microsoft.com/office/drawing/2014/main" id="{0844E3D8-E82E-4BC0-AC6F-6AA24E48540E}"/>
+                <a16:creationId xmlns:a16="http://schemas.microsoft.com/office/drawing/2014/main" xmlns="" id="{0844E3D8-E82E-4BC0-AC6F-6AA24E48540E}"/>
               </a:ext>
             </a:extLst>
           </p:cNvPr>
@@ -10695,7 +12176,7 @@
           <p:cNvPr id="45" name="직사각형 44">
             <a:extLst>
               <a:ext uri="{FF2B5EF4-FFF2-40B4-BE49-F238E27FC236}">
-                <a16:creationId xmlns:a16="http://schemas.microsoft.com/office/drawing/2014/main" id="{6C4A6A84-17AC-4FB6-8A4D-330BF7A96553}"/>
+                <a16:creationId xmlns:a16="http://schemas.microsoft.com/office/drawing/2014/main" xmlns="" id="{6C4A6A84-17AC-4FB6-8A4D-330BF7A96553}"/>
               </a:ext>
             </a:extLst>
           </p:cNvPr>
@@ -10749,7 +12230,7 @@
           <p:cNvPr id="46" name="직선 화살표 연결선 45">
             <a:extLst>
               <a:ext uri="{FF2B5EF4-FFF2-40B4-BE49-F238E27FC236}">
-                <a16:creationId xmlns:a16="http://schemas.microsoft.com/office/drawing/2014/main" id="{2F84DD65-857F-4EA7-8BCF-33D4D06604CB}"/>
+                <a16:creationId xmlns:a16="http://schemas.microsoft.com/office/drawing/2014/main" xmlns="" id="{2F84DD65-857F-4EA7-8BCF-33D4D06604CB}"/>
               </a:ext>
             </a:extLst>
           </p:cNvPr>
@@ -10793,7 +12274,7 @@
           <p:cNvPr id="52" name="직선 화살표 연결선 51">
             <a:extLst>
               <a:ext uri="{FF2B5EF4-FFF2-40B4-BE49-F238E27FC236}">
-                <a16:creationId xmlns:a16="http://schemas.microsoft.com/office/drawing/2014/main" id="{774B860A-DAB7-444E-B882-5EC8E8685B9A}"/>
+                <a16:creationId xmlns:a16="http://schemas.microsoft.com/office/drawing/2014/main" xmlns="" id="{774B860A-DAB7-444E-B882-5EC8E8685B9A}"/>
               </a:ext>
             </a:extLst>
           </p:cNvPr>
@@ -10837,7 +12318,7 @@
           <p:cNvPr id="53" name="직선 화살표 연결선 52">
             <a:extLst>
               <a:ext uri="{FF2B5EF4-FFF2-40B4-BE49-F238E27FC236}">
-                <a16:creationId xmlns:a16="http://schemas.microsoft.com/office/drawing/2014/main" id="{38926498-5D14-4EDB-8EFA-F92611E06092}"/>
+                <a16:creationId xmlns:a16="http://schemas.microsoft.com/office/drawing/2014/main" xmlns="" id="{38926498-5D14-4EDB-8EFA-F92611E06092}"/>
               </a:ext>
             </a:extLst>
           </p:cNvPr>
@@ -10881,7 +12362,7 @@
           <p:cNvPr id="54" name="직선 화살표 연결선 53">
             <a:extLst>
               <a:ext uri="{FF2B5EF4-FFF2-40B4-BE49-F238E27FC236}">
-                <a16:creationId xmlns:a16="http://schemas.microsoft.com/office/drawing/2014/main" id="{2413FB9F-EBEE-46FD-AC5E-BF379722BE88}"/>
+                <a16:creationId xmlns:a16="http://schemas.microsoft.com/office/drawing/2014/main" xmlns="" id="{2413FB9F-EBEE-46FD-AC5E-BF379722BE88}"/>
               </a:ext>
             </a:extLst>
           </p:cNvPr>
@@ -10925,7 +12406,7 @@
           <p:cNvPr id="55" name="직선 화살표 연결선 54">
             <a:extLst>
               <a:ext uri="{FF2B5EF4-FFF2-40B4-BE49-F238E27FC236}">
-                <a16:creationId xmlns:a16="http://schemas.microsoft.com/office/drawing/2014/main" id="{B530B8ED-4649-477D-B59E-3B172DD50875}"/>
+                <a16:creationId xmlns:a16="http://schemas.microsoft.com/office/drawing/2014/main" xmlns="" id="{B530B8ED-4649-477D-B59E-3B172DD50875}"/>
               </a:ext>
             </a:extLst>
           </p:cNvPr>
@@ -10970,7 +12451,7 @@
           <p:cNvPr id="65" name="TextBox 64">
             <a:extLst>
               <a:ext uri="{FF2B5EF4-FFF2-40B4-BE49-F238E27FC236}">
-                <a16:creationId xmlns:a16="http://schemas.microsoft.com/office/drawing/2014/main" id="{A451D1D6-6486-4666-9AE9-681010BE5DB7}"/>
+                <a16:creationId xmlns:a16="http://schemas.microsoft.com/office/drawing/2014/main" xmlns="" id="{A451D1D6-6486-4666-9AE9-681010BE5DB7}"/>
               </a:ext>
             </a:extLst>
           </p:cNvPr>
@@ -11005,7 +12486,7 @@
           <p:cNvPr id="66" name="TextBox 65">
             <a:extLst>
               <a:ext uri="{FF2B5EF4-FFF2-40B4-BE49-F238E27FC236}">
-                <a16:creationId xmlns:a16="http://schemas.microsoft.com/office/drawing/2014/main" id="{2DB29924-D6E9-48F2-A82F-D5EF62AA0A52}"/>
+                <a16:creationId xmlns:a16="http://schemas.microsoft.com/office/drawing/2014/main" xmlns="" id="{2DB29924-D6E9-48F2-A82F-D5EF62AA0A52}"/>
               </a:ext>
             </a:extLst>
           </p:cNvPr>
@@ -11040,7 +12521,7 @@
           <p:cNvPr id="68" name="TextBox 67">
             <a:extLst>
               <a:ext uri="{FF2B5EF4-FFF2-40B4-BE49-F238E27FC236}">
-                <a16:creationId xmlns:a16="http://schemas.microsoft.com/office/drawing/2014/main" id="{D9BAC7C7-BBD1-448B-8931-007AA68CD45D}"/>
+                <a16:creationId xmlns:a16="http://schemas.microsoft.com/office/drawing/2014/main" xmlns="" id="{D9BAC7C7-BBD1-448B-8931-007AA68CD45D}"/>
               </a:ext>
             </a:extLst>
           </p:cNvPr>
@@ -11075,7 +12556,7 @@
           <p:cNvPr id="69" name="TextBox 68">
             <a:extLst>
               <a:ext uri="{FF2B5EF4-FFF2-40B4-BE49-F238E27FC236}">
-                <a16:creationId xmlns:a16="http://schemas.microsoft.com/office/drawing/2014/main" id="{3834B6F7-A362-4FB2-A3FE-AA448BC848B8}"/>
+                <a16:creationId xmlns:a16="http://schemas.microsoft.com/office/drawing/2014/main" xmlns="" id="{3834B6F7-A362-4FB2-A3FE-AA448BC848B8}"/>
               </a:ext>
             </a:extLst>
           </p:cNvPr>
@@ -11110,7 +12591,7 @@
           <p:cNvPr id="73" name="TextBox 72">
             <a:extLst>
               <a:ext uri="{FF2B5EF4-FFF2-40B4-BE49-F238E27FC236}">
-                <a16:creationId xmlns:a16="http://schemas.microsoft.com/office/drawing/2014/main" id="{A2B72CBB-8C34-4E53-946A-9442D9A58C12}"/>
+                <a16:creationId xmlns:a16="http://schemas.microsoft.com/office/drawing/2014/main" xmlns="" id="{A2B72CBB-8C34-4E53-946A-9442D9A58C12}"/>
               </a:ext>
             </a:extLst>
           </p:cNvPr>
@@ -11145,7 +12626,7 @@
           <p:cNvPr id="84" name="직사각형 83">
             <a:extLst>
               <a:ext uri="{FF2B5EF4-FFF2-40B4-BE49-F238E27FC236}">
-                <a16:creationId xmlns:a16="http://schemas.microsoft.com/office/drawing/2014/main" id="{B950A98C-1988-493B-8F79-AAEB05149BBB}"/>
+                <a16:creationId xmlns:a16="http://schemas.microsoft.com/office/drawing/2014/main" xmlns="" id="{B950A98C-1988-493B-8F79-AAEB05149BBB}"/>
               </a:ext>
             </a:extLst>
           </p:cNvPr>
@@ -11200,7 +12681,7 @@
           <p:cNvPr id="85" name="직사각형 84">
             <a:extLst>
               <a:ext uri="{FF2B5EF4-FFF2-40B4-BE49-F238E27FC236}">
-                <a16:creationId xmlns:a16="http://schemas.microsoft.com/office/drawing/2014/main" id="{9016AB50-68C4-4B8E-92EB-8B4E2173D544}"/>
+                <a16:creationId xmlns:a16="http://schemas.microsoft.com/office/drawing/2014/main" xmlns="" id="{9016AB50-68C4-4B8E-92EB-8B4E2173D544}"/>
               </a:ext>
             </a:extLst>
           </p:cNvPr>
@@ -11256,7 +12737,7 @@
           <p:cNvPr id="86" name="직사각형 85">
             <a:extLst>
               <a:ext uri="{FF2B5EF4-FFF2-40B4-BE49-F238E27FC236}">
-                <a16:creationId xmlns:a16="http://schemas.microsoft.com/office/drawing/2014/main" id="{7BA7B84C-87B2-4D2C-8DF0-866EF9655C4F}"/>
+                <a16:creationId xmlns:a16="http://schemas.microsoft.com/office/drawing/2014/main" xmlns="" id="{7BA7B84C-87B2-4D2C-8DF0-866EF9655C4F}"/>
               </a:ext>
             </a:extLst>
           </p:cNvPr>
@@ -11312,7 +12793,7 @@
           <p:cNvPr id="87" name="TextBox 86">
             <a:extLst>
               <a:ext uri="{FF2B5EF4-FFF2-40B4-BE49-F238E27FC236}">
-                <a16:creationId xmlns:a16="http://schemas.microsoft.com/office/drawing/2014/main" id="{C9473260-43E6-47DE-B4E1-1445C83FF299}"/>
+                <a16:creationId xmlns:a16="http://schemas.microsoft.com/office/drawing/2014/main" xmlns="" id="{C9473260-43E6-47DE-B4E1-1445C83FF299}"/>
               </a:ext>
             </a:extLst>
           </p:cNvPr>
@@ -11348,7 +12829,7 @@
           <p:cNvPr id="88" name="TextBox 87">
             <a:extLst>
               <a:ext uri="{FF2B5EF4-FFF2-40B4-BE49-F238E27FC236}">
-                <a16:creationId xmlns:a16="http://schemas.microsoft.com/office/drawing/2014/main" id="{50BED5CD-033A-4780-821B-212C7B56F2D9}"/>
+                <a16:creationId xmlns:a16="http://schemas.microsoft.com/office/drawing/2014/main" xmlns="" id="{50BED5CD-033A-4780-821B-212C7B56F2D9}"/>
               </a:ext>
             </a:extLst>
           </p:cNvPr>
@@ -11384,7 +12865,7 @@
           <p:cNvPr id="89" name="직선 연결선 88">
             <a:extLst>
               <a:ext uri="{FF2B5EF4-FFF2-40B4-BE49-F238E27FC236}">
-                <a16:creationId xmlns:a16="http://schemas.microsoft.com/office/drawing/2014/main" id="{BCFA1A58-6C19-4112-B791-4BDC49AABDF4}"/>
+                <a16:creationId xmlns:a16="http://schemas.microsoft.com/office/drawing/2014/main" xmlns="" id="{BCFA1A58-6C19-4112-B791-4BDC49AABDF4}"/>
               </a:ext>
             </a:extLst>
           </p:cNvPr>
@@ -11420,7 +12901,7 @@
           <p:cNvPr id="90" name="TextBox 89">
             <a:extLst>
               <a:ext uri="{FF2B5EF4-FFF2-40B4-BE49-F238E27FC236}">
-                <a16:creationId xmlns:a16="http://schemas.microsoft.com/office/drawing/2014/main" id="{D02E21F4-BED2-4F9F-A4C5-F93D78659E2C}"/>
+                <a16:creationId xmlns:a16="http://schemas.microsoft.com/office/drawing/2014/main" xmlns="" id="{D02E21F4-BED2-4F9F-A4C5-F93D78659E2C}"/>
               </a:ext>
             </a:extLst>
           </p:cNvPr>
@@ -11456,7 +12937,7 @@
           <p:cNvPr id="91" name="직사각형 90">
             <a:extLst>
               <a:ext uri="{FF2B5EF4-FFF2-40B4-BE49-F238E27FC236}">
-                <a16:creationId xmlns:a16="http://schemas.microsoft.com/office/drawing/2014/main" id="{6199ADD6-4500-4CC8-ACF7-38FFCECDA854}"/>
+                <a16:creationId xmlns:a16="http://schemas.microsoft.com/office/drawing/2014/main" xmlns="" id="{6199ADD6-4500-4CC8-ACF7-38FFCECDA854}"/>
               </a:ext>
             </a:extLst>
           </p:cNvPr>
@@ -11515,6 +12996,13 @@
   <p:clrMapOvr>
     <a:masterClrMapping/>
   </p:clrMapOvr>
+  <p:timing>
+    <p:tnLst>
+      <p:par>
+        <p:cTn id="1" dur="indefinite" restart="never" nodeType="tmRoot"/>
+      </p:par>
+    </p:tnLst>
+  </p:timing>
 </p:sld>
 </file>
 
@@ -11540,7 +13028,7 @@
           <p:cNvPr id="2" name="직사각형 1">
             <a:extLst>
               <a:ext uri="{FF2B5EF4-FFF2-40B4-BE49-F238E27FC236}">
-                <a16:creationId xmlns:a16="http://schemas.microsoft.com/office/drawing/2014/main" id="{8E5B996D-DF87-49E5-95D1-45B1EEB9EE9A}"/>
+                <a16:creationId xmlns:a16="http://schemas.microsoft.com/office/drawing/2014/main" xmlns="" id="{8E5B996D-DF87-49E5-95D1-45B1EEB9EE9A}"/>
               </a:ext>
             </a:extLst>
           </p:cNvPr>
@@ -11592,7 +13080,7 @@
           <p:cNvPr id="4" name="직사각형 3">
             <a:extLst>
               <a:ext uri="{FF2B5EF4-FFF2-40B4-BE49-F238E27FC236}">
-                <a16:creationId xmlns:a16="http://schemas.microsoft.com/office/drawing/2014/main" id="{080CEE4E-4BCA-42C3-BECA-9BCEB9931EEA}"/>
+                <a16:creationId xmlns:a16="http://schemas.microsoft.com/office/drawing/2014/main" xmlns="" id="{080CEE4E-4BCA-42C3-BECA-9BCEB9931EEA}"/>
               </a:ext>
             </a:extLst>
           </p:cNvPr>
@@ -11644,7 +13132,7 @@
           <p:cNvPr id="5" name="TextBox 4">
             <a:extLst>
               <a:ext uri="{FF2B5EF4-FFF2-40B4-BE49-F238E27FC236}">
-                <a16:creationId xmlns:a16="http://schemas.microsoft.com/office/drawing/2014/main" id="{D12B0B12-AB99-4F88-B4B2-948DADC833EA}"/>
+                <a16:creationId xmlns:a16="http://schemas.microsoft.com/office/drawing/2014/main" xmlns="" id="{D12B0B12-AB99-4F88-B4B2-948DADC833EA}"/>
               </a:ext>
             </a:extLst>
           </p:cNvPr>
@@ -11763,7 +13251,7 @@
           <p:cNvPr id="9" name="그림 8">
             <a:extLst>
               <a:ext uri="{FF2B5EF4-FFF2-40B4-BE49-F238E27FC236}">
-                <a16:creationId xmlns:a16="http://schemas.microsoft.com/office/drawing/2014/main" id="{0F0992E8-2696-42E6-805A-0C12780D8FA1}"/>
+                <a16:creationId xmlns:a16="http://schemas.microsoft.com/office/drawing/2014/main" xmlns="" id="{0F0992E8-2696-42E6-805A-0C12780D8FA1}"/>
               </a:ext>
             </a:extLst>
           </p:cNvPr>
@@ -12127,7 +13615,7 @@
           <p:cNvPr id="50" name="TextBox 49">
             <a:extLst>
               <a:ext uri="{FF2B5EF4-FFF2-40B4-BE49-F238E27FC236}">
-                <a16:creationId xmlns:a16="http://schemas.microsoft.com/office/drawing/2014/main" id="{606CB3EF-BD67-454E-8D48-D30774CEE106}"/>
+                <a16:creationId xmlns:a16="http://schemas.microsoft.com/office/drawing/2014/main" xmlns="" id="{606CB3EF-BD67-454E-8D48-D30774CEE106}"/>
               </a:ext>
             </a:extLst>
           </p:cNvPr>
@@ -12163,7 +13651,7 @@
           <p:cNvPr id="51" name="TextBox 50">
             <a:extLst>
               <a:ext uri="{FF2B5EF4-FFF2-40B4-BE49-F238E27FC236}">
-                <a16:creationId xmlns:a16="http://schemas.microsoft.com/office/drawing/2014/main" id="{6ECBB3D4-2156-4986-9434-EA8F60CE59E0}"/>
+                <a16:creationId xmlns:a16="http://schemas.microsoft.com/office/drawing/2014/main" xmlns="" id="{6ECBB3D4-2156-4986-9434-EA8F60CE59E0}"/>
               </a:ext>
             </a:extLst>
           </p:cNvPr>
@@ -12199,7 +13687,7 @@
           <p:cNvPr id="57" name="직선 연결선 56">
             <a:extLst>
               <a:ext uri="{FF2B5EF4-FFF2-40B4-BE49-F238E27FC236}">
-                <a16:creationId xmlns:a16="http://schemas.microsoft.com/office/drawing/2014/main" id="{A723CFAC-181E-4ABB-8790-FEC42B087A83}"/>
+                <a16:creationId xmlns:a16="http://schemas.microsoft.com/office/drawing/2014/main" xmlns="" id="{A723CFAC-181E-4ABB-8790-FEC42B087A83}"/>
               </a:ext>
             </a:extLst>
           </p:cNvPr>
@@ -12235,7 +13723,7 @@
           <p:cNvPr id="58" name="TextBox 57">
             <a:extLst>
               <a:ext uri="{FF2B5EF4-FFF2-40B4-BE49-F238E27FC236}">
-                <a16:creationId xmlns:a16="http://schemas.microsoft.com/office/drawing/2014/main" id="{010ADA31-1823-4E2F-B19C-9DF082DE9B5C}"/>
+                <a16:creationId xmlns:a16="http://schemas.microsoft.com/office/drawing/2014/main" xmlns="" id="{010ADA31-1823-4E2F-B19C-9DF082DE9B5C}"/>
               </a:ext>
             </a:extLst>
           </p:cNvPr>
@@ -12271,7 +13759,7 @@
           <p:cNvPr id="59" name="직사각형 58">
             <a:extLst>
               <a:ext uri="{FF2B5EF4-FFF2-40B4-BE49-F238E27FC236}">
-                <a16:creationId xmlns:a16="http://schemas.microsoft.com/office/drawing/2014/main" id="{28EAE90E-16BD-4338-B838-36E62A30452E}"/>
+                <a16:creationId xmlns:a16="http://schemas.microsoft.com/office/drawing/2014/main" xmlns="" id="{28EAE90E-16BD-4338-B838-36E62A30452E}"/>
               </a:ext>
             </a:extLst>
           </p:cNvPr>
@@ -12325,7 +13813,7 @@
           <p:cNvPr id="60" name="TextBox 59">
             <a:extLst>
               <a:ext uri="{FF2B5EF4-FFF2-40B4-BE49-F238E27FC236}">
-                <a16:creationId xmlns:a16="http://schemas.microsoft.com/office/drawing/2014/main" id="{78ADDD66-9CDE-4CA6-938D-D34562AC7F09}"/>
+                <a16:creationId xmlns:a16="http://schemas.microsoft.com/office/drawing/2014/main" xmlns="" id="{78ADDD66-9CDE-4CA6-938D-D34562AC7F09}"/>
               </a:ext>
             </a:extLst>
           </p:cNvPr>
@@ -12361,7 +13849,7 @@
           <p:cNvPr id="11" name="사각형: 위쪽 모서리의 한쪽은 둥글고 다른 한쪽은 잘림 10">
             <a:extLst>
               <a:ext uri="{FF2B5EF4-FFF2-40B4-BE49-F238E27FC236}">
-                <a16:creationId xmlns:a16="http://schemas.microsoft.com/office/drawing/2014/main" id="{D0755B07-9BF9-46BE-BECF-A785E2F601BE}"/>
+                <a16:creationId xmlns:a16="http://schemas.microsoft.com/office/drawing/2014/main" xmlns="" id="{D0755B07-9BF9-46BE-BECF-A785E2F601BE}"/>
               </a:ext>
             </a:extLst>
           </p:cNvPr>
@@ -12428,7 +13916,7 @@
           <p:cNvPr id="61" name="사각형: 위쪽 모서리의 한쪽은 둥글고 다른 한쪽은 잘림 60">
             <a:extLst>
               <a:ext uri="{FF2B5EF4-FFF2-40B4-BE49-F238E27FC236}">
-                <a16:creationId xmlns:a16="http://schemas.microsoft.com/office/drawing/2014/main" id="{0F05A80D-574E-4503-9F36-D0729A774664}"/>
+                <a16:creationId xmlns:a16="http://schemas.microsoft.com/office/drawing/2014/main" xmlns="" id="{0F05A80D-574E-4503-9F36-D0729A774664}"/>
               </a:ext>
             </a:extLst>
           </p:cNvPr>
@@ -12497,7 +13985,7 @@
           <p:cNvPr id="62" name="사각형: 위쪽 모서리의 한쪽은 둥글고 다른 한쪽은 잘림 61">
             <a:extLst>
               <a:ext uri="{FF2B5EF4-FFF2-40B4-BE49-F238E27FC236}">
-                <a16:creationId xmlns:a16="http://schemas.microsoft.com/office/drawing/2014/main" id="{73E013A2-B442-4546-A05C-EC2A2F2B7FC7}"/>
+                <a16:creationId xmlns:a16="http://schemas.microsoft.com/office/drawing/2014/main" xmlns="" id="{73E013A2-B442-4546-A05C-EC2A2F2B7FC7}"/>
               </a:ext>
             </a:extLst>
           </p:cNvPr>
@@ -12561,7 +14049,7 @@
           <p:cNvPr id="92" name="사각형: 위쪽 모서리의 한쪽은 둥글고 다른 한쪽은 잘림 91">
             <a:extLst>
               <a:ext uri="{FF2B5EF4-FFF2-40B4-BE49-F238E27FC236}">
-                <a16:creationId xmlns:a16="http://schemas.microsoft.com/office/drawing/2014/main" id="{BA222BE2-A61D-4450-8A37-BE793B84A2E2}"/>
+                <a16:creationId xmlns:a16="http://schemas.microsoft.com/office/drawing/2014/main" xmlns="" id="{BA222BE2-A61D-4450-8A37-BE793B84A2E2}"/>
               </a:ext>
             </a:extLst>
           </p:cNvPr>
@@ -12625,7 +14113,7 @@
           <p:cNvPr id="42" name="타원 41">
             <a:extLst>
               <a:ext uri="{FF2B5EF4-FFF2-40B4-BE49-F238E27FC236}">
-                <a16:creationId xmlns:a16="http://schemas.microsoft.com/office/drawing/2014/main" id="{98A2FD93-BE86-4F4D-809C-063803DCE9FC}"/>
+                <a16:creationId xmlns:a16="http://schemas.microsoft.com/office/drawing/2014/main" xmlns="" id="{98A2FD93-BE86-4F4D-809C-063803DCE9FC}"/>
               </a:ext>
             </a:extLst>
           </p:cNvPr>
@@ -12686,7 +14174,7 @@
           <p:cNvPr id="43" name="TextBox 42">
             <a:extLst>
               <a:ext uri="{FF2B5EF4-FFF2-40B4-BE49-F238E27FC236}">
-                <a16:creationId xmlns:a16="http://schemas.microsoft.com/office/drawing/2014/main" id="{D645F825-78A7-42B7-ADCA-C5F5EEB737A2}"/>
+                <a16:creationId xmlns:a16="http://schemas.microsoft.com/office/drawing/2014/main" xmlns="" id="{D645F825-78A7-42B7-ADCA-C5F5EEB737A2}"/>
               </a:ext>
             </a:extLst>
           </p:cNvPr>
@@ -12721,7 +14209,7 @@
           <p:cNvPr id="44" name="TextBox 43">
             <a:extLst>
               <a:ext uri="{FF2B5EF4-FFF2-40B4-BE49-F238E27FC236}">
-                <a16:creationId xmlns:a16="http://schemas.microsoft.com/office/drawing/2014/main" id="{4FBAAA9D-A85E-4B65-BB8F-AA366B8AFFC8}"/>
+                <a16:creationId xmlns:a16="http://schemas.microsoft.com/office/drawing/2014/main" xmlns="" id="{4FBAAA9D-A85E-4B65-BB8F-AA366B8AFFC8}"/>
               </a:ext>
             </a:extLst>
           </p:cNvPr>
@@ -12756,7 +14244,7 @@
           <p:cNvPr id="6" name="사각형: 둥근 모서리 5">
             <a:extLst>
               <a:ext uri="{FF2B5EF4-FFF2-40B4-BE49-F238E27FC236}">
-                <a16:creationId xmlns:a16="http://schemas.microsoft.com/office/drawing/2014/main" id="{5EF33D39-D93F-4712-8231-7839578326C9}"/>
+                <a16:creationId xmlns:a16="http://schemas.microsoft.com/office/drawing/2014/main" xmlns="" id="{5EF33D39-D93F-4712-8231-7839578326C9}"/>
               </a:ext>
             </a:extLst>
           </p:cNvPr>
@@ -12810,7 +14298,7 @@
           <p:cNvPr id="49" name="TextBox 48">
             <a:extLst>
               <a:ext uri="{FF2B5EF4-FFF2-40B4-BE49-F238E27FC236}">
-                <a16:creationId xmlns:a16="http://schemas.microsoft.com/office/drawing/2014/main" id="{7A747285-BE69-42E1-B955-0EF11FAA7617}"/>
+                <a16:creationId xmlns:a16="http://schemas.microsoft.com/office/drawing/2014/main" xmlns="" id="{7A747285-BE69-42E1-B955-0EF11FAA7617}"/>
               </a:ext>
             </a:extLst>
           </p:cNvPr>
@@ -12929,7 +14417,7 @@
           <p:cNvPr id="52" name="TextBox 51">
             <a:extLst>
               <a:ext uri="{FF2B5EF4-FFF2-40B4-BE49-F238E27FC236}">
-                <a16:creationId xmlns:a16="http://schemas.microsoft.com/office/drawing/2014/main" id="{B99B20BC-4433-4D26-B4A5-A38346BD4501}"/>
+                <a16:creationId xmlns:a16="http://schemas.microsoft.com/office/drawing/2014/main" xmlns="" id="{B99B20BC-4433-4D26-B4A5-A38346BD4501}"/>
               </a:ext>
             </a:extLst>
           </p:cNvPr>
@@ -12967,7 +14455,7 @@
           <p:cNvPr id="53" name="TextBox 52">
             <a:extLst>
               <a:ext uri="{FF2B5EF4-FFF2-40B4-BE49-F238E27FC236}">
-                <a16:creationId xmlns:a16="http://schemas.microsoft.com/office/drawing/2014/main" id="{A183CDA1-DC38-4916-96B9-A22BDA7A703F}"/>
+                <a16:creationId xmlns:a16="http://schemas.microsoft.com/office/drawing/2014/main" xmlns="" id="{A183CDA1-DC38-4916-96B9-A22BDA7A703F}"/>
               </a:ext>
             </a:extLst>
           </p:cNvPr>
@@ -13015,7 +14503,7 @@
           <p:cNvPr id="8" name="사각형: 둥근 모서리 7">
             <a:extLst>
               <a:ext uri="{FF2B5EF4-FFF2-40B4-BE49-F238E27FC236}">
-                <a16:creationId xmlns:a16="http://schemas.microsoft.com/office/drawing/2014/main" id="{10B00B19-CDD2-4D51-9251-C455E6A6BD13}"/>
+                <a16:creationId xmlns:a16="http://schemas.microsoft.com/office/drawing/2014/main" xmlns="" id="{10B00B19-CDD2-4D51-9251-C455E6A6BD13}"/>
               </a:ext>
             </a:extLst>
           </p:cNvPr>
@@ -13076,7 +14564,7 @@
           <p:cNvPr id="10" name="사각형: 둥근 모서리 9">
             <a:extLst>
               <a:ext uri="{FF2B5EF4-FFF2-40B4-BE49-F238E27FC236}">
-                <a16:creationId xmlns:a16="http://schemas.microsoft.com/office/drawing/2014/main" id="{ED3E580F-CE22-4673-86DD-05DB36E23034}"/>
+                <a16:creationId xmlns:a16="http://schemas.microsoft.com/office/drawing/2014/main" xmlns="" id="{ED3E580F-CE22-4673-86DD-05DB36E23034}"/>
               </a:ext>
             </a:extLst>
           </p:cNvPr>
@@ -13137,7 +14625,7 @@
           <p:cNvPr id="54" name="직사각형 53">
             <a:extLst>
               <a:ext uri="{FF2B5EF4-FFF2-40B4-BE49-F238E27FC236}">
-                <a16:creationId xmlns:a16="http://schemas.microsoft.com/office/drawing/2014/main" id="{33107F64-EDE9-4E47-9242-F8A468C24118}"/>
+                <a16:creationId xmlns:a16="http://schemas.microsoft.com/office/drawing/2014/main" xmlns="" id="{33107F64-EDE9-4E47-9242-F8A468C24118}"/>
               </a:ext>
             </a:extLst>
           </p:cNvPr>
@@ -13191,7 +14679,7 @@
           <p:cNvPr id="55" name="직사각형 54">
             <a:extLst>
               <a:ext uri="{FF2B5EF4-FFF2-40B4-BE49-F238E27FC236}">
-                <a16:creationId xmlns:a16="http://schemas.microsoft.com/office/drawing/2014/main" id="{5A842A4B-8B39-44DE-9CEA-9515737356B2}"/>
+                <a16:creationId xmlns:a16="http://schemas.microsoft.com/office/drawing/2014/main" xmlns="" id="{5A842A4B-8B39-44DE-9CEA-9515737356B2}"/>
               </a:ext>
             </a:extLst>
           </p:cNvPr>
@@ -13245,7 +14733,7 @@
           <p:cNvPr id="56" name="직사각형 55">
             <a:extLst>
               <a:ext uri="{FF2B5EF4-FFF2-40B4-BE49-F238E27FC236}">
-                <a16:creationId xmlns:a16="http://schemas.microsoft.com/office/drawing/2014/main" id="{2DD24BCC-FCE6-4F3D-9102-0338A277724E}"/>
+                <a16:creationId xmlns:a16="http://schemas.microsoft.com/office/drawing/2014/main" xmlns="" id="{2DD24BCC-FCE6-4F3D-9102-0338A277724E}"/>
               </a:ext>
             </a:extLst>
           </p:cNvPr>
@@ -13299,7 +14787,7 @@
           <p:cNvPr id="63" name="직사각형 62">
             <a:extLst>
               <a:ext uri="{FF2B5EF4-FFF2-40B4-BE49-F238E27FC236}">
-                <a16:creationId xmlns:a16="http://schemas.microsoft.com/office/drawing/2014/main" id="{D47A0DF5-CA84-4554-81E3-2D51D35F259C}"/>
+                <a16:creationId xmlns:a16="http://schemas.microsoft.com/office/drawing/2014/main" xmlns="" id="{D47A0DF5-CA84-4554-81E3-2D51D35F259C}"/>
               </a:ext>
             </a:extLst>
           </p:cNvPr>
@@ -13353,7 +14841,7 @@
           <p:cNvPr id="64" name="직선 연결선 63">
             <a:extLst>
               <a:ext uri="{FF2B5EF4-FFF2-40B4-BE49-F238E27FC236}">
-                <a16:creationId xmlns:a16="http://schemas.microsoft.com/office/drawing/2014/main" id="{BBD31C63-515F-4941-8A12-DD68C1031400}"/>
+                <a16:creationId xmlns:a16="http://schemas.microsoft.com/office/drawing/2014/main" xmlns="" id="{BBD31C63-515F-4941-8A12-DD68C1031400}"/>
               </a:ext>
             </a:extLst>
           </p:cNvPr>
@@ -13394,7 +14882,7 @@
           <p:cNvPr id="65" name="직선 화살표 연결선 64">
             <a:extLst>
               <a:ext uri="{FF2B5EF4-FFF2-40B4-BE49-F238E27FC236}">
-                <a16:creationId xmlns:a16="http://schemas.microsoft.com/office/drawing/2014/main" id="{C6189FF7-B2B4-4F58-A62C-4552AA855088}"/>
+                <a16:creationId xmlns:a16="http://schemas.microsoft.com/office/drawing/2014/main" xmlns="" id="{C6189FF7-B2B4-4F58-A62C-4552AA855088}"/>
               </a:ext>
             </a:extLst>
           </p:cNvPr>
@@ -13438,7 +14926,7 @@
           <p:cNvPr id="66" name="직선 화살표 연결선 65">
             <a:extLst>
               <a:ext uri="{FF2B5EF4-FFF2-40B4-BE49-F238E27FC236}">
-                <a16:creationId xmlns:a16="http://schemas.microsoft.com/office/drawing/2014/main" id="{8A353617-6EF7-4BE0-876E-B7682AC7D0FB}"/>
+                <a16:creationId xmlns:a16="http://schemas.microsoft.com/office/drawing/2014/main" xmlns="" id="{8A353617-6EF7-4BE0-876E-B7682AC7D0FB}"/>
               </a:ext>
             </a:extLst>
           </p:cNvPr>
@@ -13482,7 +14970,7 @@
           <p:cNvPr id="68" name="직선 화살표 연결선 67">
             <a:extLst>
               <a:ext uri="{FF2B5EF4-FFF2-40B4-BE49-F238E27FC236}">
-                <a16:creationId xmlns:a16="http://schemas.microsoft.com/office/drawing/2014/main" id="{6ADB57C1-71A6-460D-8130-56C2C112542B}"/>
+                <a16:creationId xmlns:a16="http://schemas.microsoft.com/office/drawing/2014/main" xmlns="" id="{6ADB57C1-71A6-460D-8130-56C2C112542B}"/>
               </a:ext>
             </a:extLst>
           </p:cNvPr>
@@ -13526,7 +15014,7 @@
           <p:cNvPr id="69" name="TextBox 68">
             <a:extLst>
               <a:ext uri="{FF2B5EF4-FFF2-40B4-BE49-F238E27FC236}">
-                <a16:creationId xmlns:a16="http://schemas.microsoft.com/office/drawing/2014/main" id="{CDE1AA9D-8128-4666-8D15-1D04133230F9}"/>
+                <a16:creationId xmlns:a16="http://schemas.microsoft.com/office/drawing/2014/main" xmlns="" id="{CDE1AA9D-8128-4666-8D15-1D04133230F9}"/>
               </a:ext>
             </a:extLst>
           </p:cNvPr>
@@ -13562,7 +15050,7 @@
           <p:cNvPr id="73" name="TextBox 72">
             <a:extLst>
               <a:ext uri="{FF2B5EF4-FFF2-40B4-BE49-F238E27FC236}">
-                <a16:creationId xmlns:a16="http://schemas.microsoft.com/office/drawing/2014/main" id="{EA075739-BD3A-4494-8CFA-FDCD68AFA1A6}"/>
+                <a16:creationId xmlns:a16="http://schemas.microsoft.com/office/drawing/2014/main" xmlns="" id="{EA075739-BD3A-4494-8CFA-FDCD68AFA1A6}"/>
               </a:ext>
             </a:extLst>
           </p:cNvPr>
@@ -13598,7 +15086,7 @@
           <p:cNvPr id="74" name="TextBox 73">
             <a:extLst>
               <a:ext uri="{FF2B5EF4-FFF2-40B4-BE49-F238E27FC236}">
-                <a16:creationId xmlns:a16="http://schemas.microsoft.com/office/drawing/2014/main" id="{9CCCD44E-9A9A-4ED8-A5D1-4872F5E16D21}"/>
+                <a16:creationId xmlns:a16="http://schemas.microsoft.com/office/drawing/2014/main" xmlns="" id="{9CCCD44E-9A9A-4ED8-A5D1-4872F5E16D21}"/>
               </a:ext>
             </a:extLst>
           </p:cNvPr>
@@ -13633,7 +15121,7 @@
           <p:cNvPr id="75" name="직선 연결선 74">
             <a:extLst>
               <a:ext uri="{FF2B5EF4-FFF2-40B4-BE49-F238E27FC236}">
-                <a16:creationId xmlns:a16="http://schemas.microsoft.com/office/drawing/2014/main" id="{386DE95A-7790-4927-BAD2-657D5553AEFF}"/>
+                <a16:creationId xmlns:a16="http://schemas.microsoft.com/office/drawing/2014/main" xmlns="" id="{386DE95A-7790-4927-BAD2-657D5553AEFF}"/>
               </a:ext>
             </a:extLst>
           </p:cNvPr>
@@ -13674,7 +15162,7 @@
           <p:cNvPr id="84" name="TextBox 83">
             <a:extLst>
               <a:ext uri="{FF2B5EF4-FFF2-40B4-BE49-F238E27FC236}">
-                <a16:creationId xmlns:a16="http://schemas.microsoft.com/office/drawing/2014/main" id="{34774279-B42C-41CA-A076-23BAEAA30AE8}"/>
+                <a16:creationId xmlns:a16="http://schemas.microsoft.com/office/drawing/2014/main" xmlns="" id="{34774279-B42C-41CA-A076-23BAEAA30AE8}"/>
               </a:ext>
             </a:extLst>
           </p:cNvPr>
@@ -13710,7 +15198,7 @@
           <p:cNvPr id="85" name="직사각형 84">
             <a:extLst>
               <a:ext uri="{FF2B5EF4-FFF2-40B4-BE49-F238E27FC236}">
-                <a16:creationId xmlns:a16="http://schemas.microsoft.com/office/drawing/2014/main" id="{836C2BD2-954F-4146-BBBC-31961F8FA982}"/>
+                <a16:creationId xmlns:a16="http://schemas.microsoft.com/office/drawing/2014/main" xmlns="" id="{836C2BD2-954F-4146-BBBC-31961F8FA982}"/>
               </a:ext>
             </a:extLst>
           </p:cNvPr>
@@ -13764,7 +15252,7 @@
           <p:cNvPr id="86" name="직사각형 85">
             <a:extLst>
               <a:ext uri="{FF2B5EF4-FFF2-40B4-BE49-F238E27FC236}">
-                <a16:creationId xmlns:a16="http://schemas.microsoft.com/office/drawing/2014/main" id="{5E574C22-13C0-422A-BBDB-945BB859AE63}"/>
+                <a16:creationId xmlns:a16="http://schemas.microsoft.com/office/drawing/2014/main" xmlns="" id="{5E574C22-13C0-422A-BBDB-945BB859AE63}"/>
               </a:ext>
             </a:extLst>
           </p:cNvPr>
@@ -13818,7 +15306,7 @@
           <p:cNvPr id="93" name="직사각형 92">
             <a:extLst>
               <a:ext uri="{FF2B5EF4-FFF2-40B4-BE49-F238E27FC236}">
-                <a16:creationId xmlns:a16="http://schemas.microsoft.com/office/drawing/2014/main" id="{199FFB40-F6B3-4576-AB03-E06A0249A44A}"/>
+                <a16:creationId xmlns:a16="http://schemas.microsoft.com/office/drawing/2014/main" xmlns="" id="{199FFB40-F6B3-4576-AB03-E06A0249A44A}"/>
               </a:ext>
             </a:extLst>
           </p:cNvPr>
@@ -13872,7 +15360,7 @@
           <p:cNvPr id="95" name="직사각형 94">
             <a:extLst>
               <a:ext uri="{FF2B5EF4-FFF2-40B4-BE49-F238E27FC236}">
-                <a16:creationId xmlns:a16="http://schemas.microsoft.com/office/drawing/2014/main" id="{21409312-94E7-4D11-9994-52805F178CFF}"/>
+                <a16:creationId xmlns:a16="http://schemas.microsoft.com/office/drawing/2014/main" xmlns="" id="{21409312-94E7-4D11-9994-52805F178CFF}"/>
               </a:ext>
             </a:extLst>
           </p:cNvPr>
@@ -13926,7 +15414,7 @@
           <p:cNvPr id="96" name="직사각형 95">
             <a:extLst>
               <a:ext uri="{FF2B5EF4-FFF2-40B4-BE49-F238E27FC236}">
-                <a16:creationId xmlns:a16="http://schemas.microsoft.com/office/drawing/2014/main" id="{DF4A3E52-9AFE-4531-B53E-FD21ED668F4E}"/>
+                <a16:creationId xmlns:a16="http://schemas.microsoft.com/office/drawing/2014/main" xmlns="" id="{DF4A3E52-9AFE-4531-B53E-FD21ED668F4E}"/>
               </a:ext>
             </a:extLst>
           </p:cNvPr>
@@ -13980,7 +15468,7 @@
           <p:cNvPr id="97" name="직선 화살표 연결선 96">
             <a:extLst>
               <a:ext uri="{FF2B5EF4-FFF2-40B4-BE49-F238E27FC236}">
-                <a16:creationId xmlns:a16="http://schemas.microsoft.com/office/drawing/2014/main" id="{F8FB9BA0-9788-427F-8B58-BC87CC8EDF0B}"/>
+                <a16:creationId xmlns:a16="http://schemas.microsoft.com/office/drawing/2014/main" xmlns="" id="{F8FB9BA0-9788-427F-8B58-BC87CC8EDF0B}"/>
               </a:ext>
             </a:extLst>
           </p:cNvPr>
@@ -14024,7 +15512,7 @@
           <p:cNvPr id="98" name="직선 화살표 연결선 97">
             <a:extLst>
               <a:ext uri="{FF2B5EF4-FFF2-40B4-BE49-F238E27FC236}">
-                <a16:creationId xmlns:a16="http://schemas.microsoft.com/office/drawing/2014/main" id="{16BE8CF4-A607-4AB9-89FA-27DCB5C16DDE}"/>
+                <a16:creationId xmlns:a16="http://schemas.microsoft.com/office/drawing/2014/main" xmlns="" id="{16BE8CF4-A607-4AB9-89FA-27DCB5C16DDE}"/>
               </a:ext>
             </a:extLst>
           </p:cNvPr>
@@ -14068,7 +15556,7 @@
           <p:cNvPr id="99" name="직선 화살표 연결선 98">
             <a:extLst>
               <a:ext uri="{FF2B5EF4-FFF2-40B4-BE49-F238E27FC236}">
-                <a16:creationId xmlns:a16="http://schemas.microsoft.com/office/drawing/2014/main" id="{89ED5991-0A2E-4A38-9EA9-A0C804802161}"/>
+                <a16:creationId xmlns:a16="http://schemas.microsoft.com/office/drawing/2014/main" xmlns="" id="{89ED5991-0A2E-4A38-9EA9-A0C804802161}"/>
               </a:ext>
             </a:extLst>
           </p:cNvPr>
@@ -14112,7 +15600,7 @@
           <p:cNvPr id="100" name="직선 화살표 연결선 99">
             <a:extLst>
               <a:ext uri="{FF2B5EF4-FFF2-40B4-BE49-F238E27FC236}">
-                <a16:creationId xmlns:a16="http://schemas.microsoft.com/office/drawing/2014/main" id="{5CF61160-A2D4-4516-8649-D0845E715FBE}"/>
+                <a16:creationId xmlns:a16="http://schemas.microsoft.com/office/drawing/2014/main" xmlns="" id="{5CF61160-A2D4-4516-8649-D0845E715FBE}"/>
               </a:ext>
             </a:extLst>
           </p:cNvPr>
@@ -14156,7 +15644,7 @@
           <p:cNvPr id="101" name="직선 화살표 연결선 100">
             <a:extLst>
               <a:ext uri="{FF2B5EF4-FFF2-40B4-BE49-F238E27FC236}">
-                <a16:creationId xmlns:a16="http://schemas.microsoft.com/office/drawing/2014/main" id="{CD13371F-98AD-4A49-AA01-8CB63A971D60}"/>
+                <a16:creationId xmlns:a16="http://schemas.microsoft.com/office/drawing/2014/main" xmlns="" id="{CD13371F-98AD-4A49-AA01-8CB63A971D60}"/>
               </a:ext>
             </a:extLst>
           </p:cNvPr>
@@ -14201,7 +15689,7 @@
           <p:cNvPr id="102" name="TextBox 101">
             <a:extLst>
               <a:ext uri="{FF2B5EF4-FFF2-40B4-BE49-F238E27FC236}">
-                <a16:creationId xmlns:a16="http://schemas.microsoft.com/office/drawing/2014/main" id="{B8CA9BF6-0ED2-49BB-8FAA-68D7EF92B19D}"/>
+                <a16:creationId xmlns:a16="http://schemas.microsoft.com/office/drawing/2014/main" xmlns="" id="{B8CA9BF6-0ED2-49BB-8FAA-68D7EF92B19D}"/>
               </a:ext>
             </a:extLst>
           </p:cNvPr>
@@ -14236,7 +15724,7 @@
           <p:cNvPr id="103" name="TextBox 102">
             <a:extLst>
               <a:ext uri="{FF2B5EF4-FFF2-40B4-BE49-F238E27FC236}">
-                <a16:creationId xmlns:a16="http://schemas.microsoft.com/office/drawing/2014/main" id="{B1695AB1-7097-43C7-92D7-D16A0080B5DB}"/>
+                <a16:creationId xmlns:a16="http://schemas.microsoft.com/office/drawing/2014/main" xmlns="" id="{B1695AB1-7097-43C7-92D7-D16A0080B5DB}"/>
               </a:ext>
             </a:extLst>
           </p:cNvPr>
@@ -14271,7 +15759,7 @@
           <p:cNvPr id="104" name="TextBox 103">
             <a:extLst>
               <a:ext uri="{FF2B5EF4-FFF2-40B4-BE49-F238E27FC236}">
-                <a16:creationId xmlns:a16="http://schemas.microsoft.com/office/drawing/2014/main" id="{50BAAE8B-7005-4FF9-BB70-4E7B04230088}"/>
+                <a16:creationId xmlns:a16="http://schemas.microsoft.com/office/drawing/2014/main" xmlns="" id="{50BAAE8B-7005-4FF9-BB70-4E7B04230088}"/>
               </a:ext>
             </a:extLst>
           </p:cNvPr>
@@ -14306,7 +15794,7 @@
           <p:cNvPr id="105" name="TextBox 104">
             <a:extLst>
               <a:ext uri="{FF2B5EF4-FFF2-40B4-BE49-F238E27FC236}">
-                <a16:creationId xmlns:a16="http://schemas.microsoft.com/office/drawing/2014/main" id="{0B70F3E5-F90B-4CCE-B87B-7B4AD9688AA5}"/>
+                <a16:creationId xmlns:a16="http://schemas.microsoft.com/office/drawing/2014/main" xmlns="" id="{0B70F3E5-F90B-4CCE-B87B-7B4AD9688AA5}"/>
               </a:ext>
             </a:extLst>
           </p:cNvPr>
@@ -14341,7 +15829,7 @@
           <p:cNvPr id="106" name="사각형: 위쪽 모서리의 한쪽은 둥글고 다른 한쪽은 잘림 105">
             <a:extLst>
               <a:ext uri="{FF2B5EF4-FFF2-40B4-BE49-F238E27FC236}">
-                <a16:creationId xmlns:a16="http://schemas.microsoft.com/office/drawing/2014/main" id="{875A8A77-BFCB-4609-8E7A-6BD81E857F42}"/>
+                <a16:creationId xmlns:a16="http://schemas.microsoft.com/office/drawing/2014/main" xmlns="" id="{875A8A77-BFCB-4609-8E7A-6BD81E857F42}"/>
               </a:ext>
             </a:extLst>
           </p:cNvPr>
@@ -14402,7 +15890,7 @@
           <p:cNvPr id="107" name="사각형: 위쪽 모서리의 한쪽은 둥글고 다른 한쪽은 잘림 106">
             <a:extLst>
               <a:ext uri="{FF2B5EF4-FFF2-40B4-BE49-F238E27FC236}">
-                <a16:creationId xmlns:a16="http://schemas.microsoft.com/office/drawing/2014/main" id="{688550BD-BEE7-4EA1-ACF9-CE6AD5A7BA27}"/>
+                <a16:creationId xmlns:a16="http://schemas.microsoft.com/office/drawing/2014/main" xmlns="" id="{688550BD-BEE7-4EA1-ACF9-CE6AD5A7BA27}"/>
               </a:ext>
             </a:extLst>
           </p:cNvPr>
@@ -14463,7 +15951,7 @@
           <p:cNvPr id="108" name="사각형: 위쪽 모서리의 한쪽은 둥글고 다른 한쪽은 잘림 107">
             <a:extLst>
               <a:ext uri="{FF2B5EF4-FFF2-40B4-BE49-F238E27FC236}">
-                <a16:creationId xmlns:a16="http://schemas.microsoft.com/office/drawing/2014/main" id="{C7644D33-14E9-47D2-8EC9-1B1E911B2842}"/>
+                <a16:creationId xmlns:a16="http://schemas.microsoft.com/office/drawing/2014/main" xmlns="" id="{C7644D33-14E9-47D2-8EC9-1B1E911B2842}"/>
               </a:ext>
             </a:extLst>
           </p:cNvPr>
@@ -14524,7 +16012,7 @@
           <p:cNvPr id="109" name="사각형: 위쪽 모서리의 한쪽은 둥글고 다른 한쪽은 잘림 108">
             <a:extLst>
               <a:ext uri="{FF2B5EF4-FFF2-40B4-BE49-F238E27FC236}">
-                <a16:creationId xmlns:a16="http://schemas.microsoft.com/office/drawing/2014/main" id="{0BD8A648-BB73-4BFF-B469-24D859F3E662}"/>
+                <a16:creationId xmlns:a16="http://schemas.microsoft.com/office/drawing/2014/main" xmlns="" id="{0BD8A648-BB73-4BFF-B469-24D859F3E662}"/>
               </a:ext>
             </a:extLst>
           </p:cNvPr>
@@ -14585,7 +16073,7 @@
           <p:cNvPr id="110" name="사각형: 둥근 모서리 109">
             <a:extLst>
               <a:ext uri="{FF2B5EF4-FFF2-40B4-BE49-F238E27FC236}">
-                <a16:creationId xmlns:a16="http://schemas.microsoft.com/office/drawing/2014/main" id="{AABF26A7-B7C8-4FC9-9E35-E2603954F772}"/>
+                <a16:creationId xmlns:a16="http://schemas.microsoft.com/office/drawing/2014/main" xmlns="" id="{AABF26A7-B7C8-4FC9-9E35-E2603954F772}"/>
               </a:ext>
             </a:extLst>
           </p:cNvPr>
@@ -14646,7 +16134,7 @@
           <p:cNvPr id="121" name="TextBox 120">
             <a:extLst>
               <a:ext uri="{FF2B5EF4-FFF2-40B4-BE49-F238E27FC236}">
-                <a16:creationId xmlns:a16="http://schemas.microsoft.com/office/drawing/2014/main" id="{6B455F2D-8402-4934-8521-A397F4FEB5A2}"/>
+                <a16:creationId xmlns:a16="http://schemas.microsoft.com/office/drawing/2014/main" xmlns="" id="{6B455F2D-8402-4934-8521-A397F4FEB5A2}"/>
               </a:ext>
             </a:extLst>
           </p:cNvPr>
@@ -14765,7 +16253,7 @@
           <p:cNvPr id="122" name="TextBox 121">
             <a:extLst>
               <a:ext uri="{FF2B5EF4-FFF2-40B4-BE49-F238E27FC236}">
-                <a16:creationId xmlns:a16="http://schemas.microsoft.com/office/drawing/2014/main" id="{66B55ED5-3A6C-483A-8E88-FA48A5C77ECB}"/>
+                <a16:creationId xmlns:a16="http://schemas.microsoft.com/office/drawing/2014/main" xmlns="" id="{66B55ED5-3A6C-483A-8E88-FA48A5C77ECB}"/>
               </a:ext>
             </a:extLst>
           </p:cNvPr>
@@ -14813,7 +16301,7 @@
           <p:cNvPr id="123" name="사각형: 둥근 모서리 122">
             <a:extLst>
               <a:ext uri="{FF2B5EF4-FFF2-40B4-BE49-F238E27FC236}">
-                <a16:creationId xmlns:a16="http://schemas.microsoft.com/office/drawing/2014/main" id="{D76A4762-1699-45DD-8559-7C85B5F8BF83}"/>
+                <a16:creationId xmlns:a16="http://schemas.microsoft.com/office/drawing/2014/main" xmlns="" id="{D76A4762-1699-45DD-8559-7C85B5F8BF83}"/>
               </a:ext>
             </a:extLst>
           </p:cNvPr>
@@ -14867,7 +16355,7 @@
           <p:cNvPr id="124" name="타원 123">
             <a:extLst>
               <a:ext uri="{FF2B5EF4-FFF2-40B4-BE49-F238E27FC236}">
-                <a16:creationId xmlns:a16="http://schemas.microsoft.com/office/drawing/2014/main" id="{F6B94C1C-2561-45C1-9F80-3ECD4D5153BF}"/>
+                <a16:creationId xmlns:a16="http://schemas.microsoft.com/office/drawing/2014/main" xmlns="" id="{F6B94C1C-2561-45C1-9F80-3ECD4D5153BF}"/>
               </a:ext>
             </a:extLst>
           </p:cNvPr>
@@ -14928,7 +16416,7 @@
           <p:cNvPr id="125" name="TextBox 124">
             <a:extLst>
               <a:ext uri="{FF2B5EF4-FFF2-40B4-BE49-F238E27FC236}">
-                <a16:creationId xmlns:a16="http://schemas.microsoft.com/office/drawing/2014/main" id="{2DEA5A20-FF66-42E6-845F-C5EA29A2A387}"/>
+                <a16:creationId xmlns:a16="http://schemas.microsoft.com/office/drawing/2014/main" xmlns="" id="{2DEA5A20-FF66-42E6-845F-C5EA29A2A387}"/>
               </a:ext>
             </a:extLst>
           </p:cNvPr>
@@ -14963,7 +16451,7 @@
           <p:cNvPr id="126" name="TextBox 125">
             <a:extLst>
               <a:ext uri="{FF2B5EF4-FFF2-40B4-BE49-F238E27FC236}">
-                <a16:creationId xmlns:a16="http://schemas.microsoft.com/office/drawing/2014/main" id="{87CC1AE8-175C-46A6-9B03-4C27B4A900C0}"/>
+                <a16:creationId xmlns:a16="http://schemas.microsoft.com/office/drawing/2014/main" xmlns="" id="{87CC1AE8-175C-46A6-9B03-4C27B4A900C0}"/>
               </a:ext>
             </a:extLst>
           </p:cNvPr>
@@ -15003,6 +16491,13 @@
   <p:clrMapOvr>
     <a:masterClrMapping/>
   </p:clrMapOvr>
+  <p:timing>
+    <p:tnLst>
+      <p:par>
+        <p:cTn id="1" dur="indefinite" restart="never" nodeType="tmRoot"/>
+      </p:par>
+    </p:tnLst>
+  </p:timing>
 </p:sld>
 </file>
 
@@ -15028,7 +16523,7 @@
           <p:cNvPr id="2" name="직사각형 1">
             <a:extLst>
               <a:ext uri="{FF2B5EF4-FFF2-40B4-BE49-F238E27FC236}">
-                <a16:creationId xmlns:a16="http://schemas.microsoft.com/office/drawing/2014/main" id="{8E5B996D-DF87-49E5-95D1-45B1EEB9EE9A}"/>
+                <a16:creationId xmlns:a16="http://schemas.microsoft.com/office/drawing/2014/main" xmlns="" id="{8E5B996D-DF87-49E5-95D1-45B1EEB9EE9A}"/>
               </a:ext>
             </a:extLst>
           </p:cNvPr>
@@ -15080,7 +16575,7 @@
           <p:cNvPr id="4" name="직사각형 3">
             <a:extLst>
               <a:ext uri="{FF2B5EF4-FFF2-40B4-BE49-F238E27FC236}">
-                <a16:creationId xmlns:a16="http://schemas.microsoft.com/office/drawing/2014/main" id="{080CEE4E-4BCA-42C3-BECA-9BCEB9931EEA}"/>
+                <a16:creationId xmlns:a16="http://schemas.microsoft.com/office/drawing/2014/main" xmlns="" id="{080CEE4E-4BCA-42C3-BECA-9BCEB9931EEA}"/>
               </a:ext>
             </a:extLst>
           </p:cNvPr>
@@ -15132,7 +16627,7 @@
           <p:cNvPr id="5" name="TextBox 4">
             <a:extLst>
               <a:ext uri="{FF2B5EF4-FFF2-40B4-BE49-F238E27FC236}">
-                <a16:creationId xmlns:a16="http://schemas.microsoft.com/office/drawing/2014/main" id="{D12B0B12-AB99-4F88-B4B2-948DADC833EA}"/>
+                <a16:creationId xmlns:a16="http://schemas.microsoft.com/office/drawing/2014/main" xmlns="" id="{D12B0B12-AB99-4F88-B4B2-948DADC833EA}"/>
               </a:ext>
             </a:extLst>
           </p:cNvPr>
@@ -15251,7 +16746,7 @@
           <p:cNvPr id="9" name="그림 8">
             <a:extLst>
               <a:ext uri="{FF2B5EF4-FFF2-40B4-BE49-F238E27FC236}">
-                <a16:creationId xmlns:a16="http://schemas.microsoft.com/office/drawing/2014/main" id="{0F0992E8-2696-42E6-805A-0C12780D8FA1}"/>
+                <a16:creationId xmlns:a16="http://schemas.microsoft.com/office/drawing/2014/main" xmlns="" id="{0F0992E8-2696-42E6-805A-0C12780D8FA1}"/>
               </a:ext>
             </a:extLst>
           </p:cNvPr>
@@ -15615,7 +17110,7 @@
           <p:cNvPr id="50" name="TextBox 49">
             <a:extLst>
               <a:ext uri="{FF2B5EF4-FFF2-40B4-BE49-F238E27FC236}">
-                <a16:creationId xmlns:a16="http://schemas.microsoft.com/office/drawing/2014/main" id="{606CB3EF-BD67-454E-8D48-D30774CEE106}"/>
+                <a16:creationId xmlns:a16="http://schemas.microsoft.com/office/drawing/2014/main" xmlns="" id="{606CB3EF-BD67-454E-8D48-D30774CEE106}"/>
               </a:ext>
             </a:extLst>
           </p:cNvPr>
@@ -15651,7 +17146,7 @@
           <p:cNvPr id="51" name="TextBox 50">
             <a:extLst>
               <a:ext uri="{FF2B5EF4-FFF2-40B4-BE49-F238E27FC236}">
-                <a16:creationId xmlns:a16="http://schemas.microsoft.com/office/drawing/2014/main" id="{6ECBB3D4-2156-4986-9434-EA8F60CE59E0}"/>
+                <a16:creationId xmlns:a16="http://schemas.microsoft.com/office/drawing/2014/main" xmlns="" id="{6ECBB3D4-2156-4986-9434-EA8F60CE59E0}"/>
               </a:ext>
             </a:extLst>
           </p:cNvPr>
@@ -15687,7 +17182,7 @@
           <p:cNvPr id="57" name="직선 연결선 56">
             <a:extLst>
               <a:ext uri="{FF2B5EF4-FFF2-40B4-BE49-F238E27FC236}">
-                <a16:creationId xmlns:a16="http://schemas.microsoft.com/office/drawing/2014/main" id="{A723CFAC-181E-4ABB-8790-FEC42B087A83}"/>
+                <a16:creationId xmlns:a16="http://schemas.microsoft.com/office/drawing/2014/main" xmlns="" id="{A723CFAC-181E-4ABB-8790-FEC42B087A83}"/>
               </a:ext>
             </a:extLst>
           </p:cNvPr>
@@ -15723,7 +17218,7 @@
           <p:cNvPr id="58" name="TextBox 57">
             <a:extLst>
               <a:ext uri="{FF2B5EF4-FFF2-40B4-BE49-F238E27FC236}">
-                <a16:creationId xmlns:a16="http://schemas.microsoft.com/office/drawing/2014/main" id="{010ADA31-1823-4E2F-B19C-9DF082DE9B5C}"/>
+                <a16:creationId xmlns:a16="http://schemas.microsoft.com/office/drawing/2014/main" xmlns="" id="{010ADA31-1823-4E2F-B19C-9DF082DE9B5C}"/>
               </a:ext>
             </a:extLst>
           </p:cNvPr>
@@ -15759,7 +17254,7 @@
           <p:cNvPr id="59" name="직사각형 58">
             <a:extLst>
               <a:ext uri="{FF2B5EF4-FFF2-40B4-BE49-F238E27FC236}">
-                <a16:creationId xmlns:a16="http://schemas.microsoft.com/office/drawing/2014/main" id="{28EAE90E-16BD-4338-B838-36E62A30452E}"/>
+                <a16:creationId xmlns:a16="http://schemas.microsoft.com/office/drawing/2014/main" xmlns="" id="{28EAE90E-16BD-4338-B838-36E62A30452E}"/>
               </a:ext>
             </a:extLst>
           </p:cNvPr>
@@ -15813,7 +17308,7 @@
           <p:cNvPr id="60" name="TextBox 59">
             <a:extLst>
               <a:ext uri="{FF2B5EF4-FFF2-40B4-BE49-F238E27FC236}">
-                <a16:creationId xmlns:a16="http://schemas.microsoft.com/office/drawing/2014/main" id="{78ADDD66-9CDE-4CA6-938D-D34562AC7F09}"/>
+                <a16:creationId xmlns:a16="http://schemas.microsoft.com/office/drawing/2014/main" xmlns="" id="{78ADDD66-9CDE-4CA6-938D-D34562AC7F09}"/>
               </a:ext>
             </a:extLst>
           </p:cNvPr>
@@ -15849,7 +17344,7 @@
           <p:cNvPr id="11" name="사각형: 위쪽 모서리의 한쪽은 둥글고 다른 한쪽은 잘림 10">
             <a:extLst>
               <a:ext uri="{FF2B5EF4-FFF2-40B4-BE49-F238E27FC236}">
-                <a16:creationId xmlns:a16="http://schemas.microsoft.com/office/drawing/2014/main" id="{D0755B07-9BF9-46BE-BECF-A785E2F601BE}"/>
+                <a16:creationId xmlns:a16="http://schemas.microsoft.com/office/drawing/2014/main" xmlns="" id="{D0755B07-9BF9-46BE-BECF-A785E2F601BE}"/>
               </a:ext>
             </a:extLst>
           </p:cNvPr>
@@ -15913,7 +17408,7 @@
           <p:cNvPr id="61" name="사각형: 위쪽 모서리의 한쪽은 둥글고 다른 한쪽은 잘림 60">
             <a:extLst>
               <a:ext uri="{FF2B5EF4-FFF2-40B4-BE49-F238E27FC236}">
-                <a16:creationId xmlns:a16="http://schemas.microsoft.com/office/drawing/2014/main" id="{0F05A80D-574E-4503-9F36-D0729A774664}"/>
+                <a16:creationId xmlns:a16="http://schemas.microsoft.com/office/drawing/2014/main" xmlns="" id="{0F05A80D-574E-4503-9F36-D0729A774664}"/>
               </a:ext>
             </a:extLst>
           </p:cNvPr>
@@ -15985,7 +17480,7 @@
           <p:cNvPr id="62" name="사각형: 위쪽 모서리의 한쪽은 둥글고 다른 한쪽은 잘림 61">
             <a:extLst>
               <a:ext uri="{FF2B5EF4-FFF2-40B4-BE49-F238E27FC236}">
-                <a16:creationId xmlns:a16="http://schemas.microsoft.com/office/drawing/2014/main" id="{73E013A2-B442-4546-A05C-EC2A2F2B7FC7}"/>
+                <a16:creationId xmlns:a16="http://schemas.microsoft.com/office/drawing/2014/main" xmlns="" id="{73E013A2-B442-4546-A05C-EC2A2F2B7FC7}"/>
               </a:ext>
             </a:extLst>
           </p:cNvPr>
@@ -16049,7 +17544,7 @@
           <p:cNvPr id="21" name="타원 20">
             <a:extLst>
               <a:ext uri="{FF2B5EF4-FFF2-40B4-BE49-F238E27FC236}">
-                <a16:creationId xmlns:a16="http://schemas.microsoft.com/office/drawing/2014/main" id="{F94143D2-2814-4AE9-895C-5ADC669BC023}"/>
+                <a16:creationId xmlns:a16="http://schemas.microsoft.com/office/drawing/2014/main" xmlns="" id="{F94143D2-2814-4AE9-895C-5ADC669BC023}"/>
               </a:ext>
             </a:extLst>
           </p:cNvPr>
@@ -16110,7 +17605,7 @@
           <p:cNvPr id="22" name="TextBox 21">
             <a:extLst>
               <a:ext uri="{FF2B5EF4-FFF2-40B4-BE49-F238E27FC236}">
-                <a16:creationId xmlns:a16="http://schemas.microsoft.com/office/drawing/2014/main" id="{EDF61EB9-4DB8-41F6-9460-E2187B7E1814}"/>
+                <a16:creationId xmlns:a16="http://schemas.microsoft.com/office/drawing/2014/main" xmlns="" id="{EDF61EB9-4DB8-41F6-9460-E2187B7E1814}"/>
               </a:ext>
             </a:extLst>
           </p:cNvPr>
@@ -16145,7 +17640,7 @@
           <p:cNvPr id="67" name="TextBox 66">
             <a:extLst>
               <a:ext uri="{FF2B5EF4-FFF2-40B4-BE49-F238E27FC236}">
-                <a16:creationId xmlns:a16="http://schemas.microsoft.com/office/drawing/2014/main" id="{0A854756-B53E-4E54-A5F5-DF6C648D5027}"/>
+                <a16:creationId xmlns:a16="http://schemas.microsoft.com/office/drawing/2014/main" xmlns="" id="{0A854756-B53E-4E54-A5F5-DF6C648D5027}"/>
               </a:ext>
             </a:extLst>
           </p:cNvPr>
@@ -16180,7 +17675,7 @@
           <p:cNvPr id="70" name="TextBox 69">
             <a:extLst>
               <a:ext uri="{FF2B5EF4-FFF2-40B4-BE49-F238E27FC236}">
-                <a16:creationId xmlns:a16="http://schemas.microsoft.com/office/drawing/2014/main" id="{60C3980E-9E81-449C-80C6-5CFA814C4207}"/>
+                <a16:creationId xmlns:a16="http://schemas.microsoft.com/office/drawing/2014/main" xmlns="" id="{60C3980E-9E81-449C-80C6-5CFA814C4207}"/>
               </a:ext>
             </a:extLst>
           </p:cNvPr>
@@ -16236,7 +17731,7 @@
           <p:cNvPr id="23" name="사각형: 둥근 모서리 22">
             <a:extLst>
               <a:ext uri="{FF2B5EF4-FFF2-40B4-BE49-F238E27FC236}">
-                <a16:creationId xmlns:a16="http://schemas.microsoft.com/office/drawing/2014/main" id="{93F26B48-9185-4BA5-A1F5-AC76BAA868F7}"/>
+                <a16:creationId xmlns:a16="http://schemas.microsoft.com/office/drawing/2014/main" xmlns="" id="{93F26B48-9185-4BA5-A1F5-AC76BAA868F7}"/>
               </a:ext>
             </a:extLst>
           </p:cNvPr>
@@ -16297,7 +17792,7 @@
           <p:cNvPr id="71" name="사각형: 둥근 모서리 70">
             <a:extLst>
               <a:ext uri="{FF2B5EF4-FFF2-40B4-BE49-F238E27FC236}">
-                <a16:creationId xmlns:a16="http://schemas.microsoft.com/office/drawing/2014/main" id="{26E7F048-57D6-49E1-A724-391EC9C7FA0B}"/>
+                <a16:creationId xmlns:a16="http://schemas.microsoft.com/office/drawing/2014/main" xmlns="" id="{26E7F048-57D6-49E1-A724-391EC9C7FA0B}"/>
               </a:ext>
             </a:extLst>
           </p:cNvPr>
@@ -16351,7 +17846,7 @@
           <p:cNvPr id="24" name="사각형: 둥근 모서리 23">
             <a:extLst>
               <a:ext uri="{FF2B5EF4-FFF2-40B4-BE49-F238E27FC236}">
-                <a16:creationId xmlns:a16="http://schemas.microsoft.com/office/drawing/2014/main" id="{672C587E-82F9-496E-AF2B-EDCDC16EBDAC}"/>
+                <a16:creationId xmlns:a16="http://schemas.microsoft.com/office/drawing/2014/main" xmlns="" id="{672C587E-82F9-496E-AF2B-EDCDC16EBDAC}"/>
               </a:ext>
             </a:extLst>
           </p:cNvPr>
@@ -16405,7 +17900,7 @@
           <p:cNvPr id="72" name="TextBox 71">
             <a:extLst>
               <a:ext uri="{FF2B5EF4-FFF2-40B4-BE49-F238E27FC236}">
-                <a16:creationId xmlns:a16="http://schemas.microsoft.com/office/drawing/2014/main" id="{A7198B43-5B99-4D1E-8723-1C8002E27E72}"/>
+                <a16:creationId xmlns:a16="http://schemas.microsoft.com/office/drawing/2014/main" xmlns="" id="{A7198B43-5B99-4D1E-8723-1C8002E27E72}"/>
               </a:ext>
             </a:extLst>
           </p:cNvPr>
@@ -16440,7 +17935,7 @@
           <p:cNvPr id="76" name="TextBox 75">
             <a:extLst>
               <a:ext uri="{FF2B5EF4-FFF2-40B4-BE49-F238E27FC236}">
-                <a16:creationId xmlns:a16="http://schemas.microsoft.com/office/drawing/2014/main" id="{8C8101D7-5A9B-465E-BB10-84007035DDE4}"/>
+                <a16:creationId xmlns:a16="http://schemas.microsoft.com/office/drawing/2014/main" xmlns="" id="{8C8101D7-5A9B-465E-BB10-84007035DDE4}"/>
               </a:ext>
             </a:extLst>
           </p:cNvPr>
@@ -16488,7 +17983,7 @@
           <p:cNvPr id="77" name="TextBox 76">
             <a:extLst>
               <a:ext uri="{FF2B5EF4-FFF2-40B4-BE49-F238E27FC236}">
-                <a16:creationId xmlns:a16="http://schemas.microsoft.com/office/drawing/2014/main" id="{B7250FB1-6ABD-4FCC-B469-BEF3B9F0966C}"/>
+                <a16:creationId xmlns:a16="http://schemas.microsoft.com/office/drawing/2014/main" xmlns="" id="{B7250FB1-6ABD-4FCC-B469-BEF3B9F0966C}"/>
               </a:ext>
             </a:extLst>
           </p:cNvPr>
@@ -16527,7 +18022,7 @@
           <p:cNvPr id="78" name="TextBox 77">
             <a:extLst>
               <a:ext uri="{FF2B5EF4-FFF2-40B4-BE49-F238E27FC236}">
-                <a16:creationId xmlns:a16="http://schemas.microsoft.com/office/drawing/2014/main" id="{CBC9D4CC-312A-4E6E-A7E1-A2FD7DF76530}"/>
+                <a16:creationId xmlns:a16="http://schemas.microsoft.com/office/drawing/2014/main" xmlns="" id="{CBC9D4CC-312A-4E6E-A7E1-A2FD7DF76530}"/>
               </a:ext>
             </a:extLst>
           </p:cNvPr>
@@ -16575,7 +18070,7 @@
           <p:cNvPr id="79" name="TextBox 78">
             <a:extLst>
               <a:ext uri="{FF2B5EF4-FFF2-40B4-BE49-F238E27FC236}">
-                <a16:creationId xmlns:a16="http://schemas.microsoft.com/office/drawing/2014/main" id="{5123F9CD-581A-474E-B911-CF70906CDF0F}"/>
+                <a16:creationId xmlns:a16="http://schemas.microsoft.com/office/drawing/2014/main" xmlns="" id="{5123F9CD-581A-474E-B911-CF70906CDF0F}"/>
               </a:ext>
             </a:extLst>
           </p:cNvPr>
@@ -16610,7 +18105,7 @@
           <p:cNvPr id="80" name="TextBox 79">
             <a:extLst>
               <a:ext uri="{FF2B5EF4-FFF2-40B4-BE49-F238E27FC236}">
-                <a16:creationId xmlns:a16="http://schemas.microsoft.com/office/drawing/2014/main" id="{6AFA56D2-F6B1-4CC7-9FB1-ABBEF9432893}"/>
+                <a16:creationId xmlns:a16="http://schemas.microsoft.com/office/drawing/2014/main" xmlns="" id="{6AFA56D2-F6B1-4CC7-9FB1-ABBEF9432893}"/>
               </a:ext>
             </a:extLst>
           </p:cNvPr>
@@ -16662,7 +18157,7 @@
           <p:cNvPr id="30" name="직선 연결선 29">
             <a:extLst>
               <a:ext uri="{FF2B5EF4-FFF2-40B4-BE49-F238E27FC236}">
-                <a16:creationId xmlns:a16="http://schemas.microsoft.com/office/drawing/2014/main" id="{00F12203-3388-4C14-A82A-EA4265DE5009}"/>
+                <a16:creationId xmlns:a16="http://schemas.microsoft.com/office/drawing/2014/main" xmlns="" id="{00F12203-3388-4C14-A82A-EA4265DE5009}"/>
               </a:ext>
             </a:extLst>
           </p:cNvPr>
@@ -16698,7 +18193,7 @@
           <p:cNvPr id="81" name="TextBox 80">
             <a:extLst>
               <a:ext uri="{FF2B5EF4-FFF2-40B4-BE49-F238E27FC236}">
-                <a16:creationId xmlns:a16="http://schemas.microsoft.com/office/drawing/2014/main" id="{4F8A7CEA-A202-4D0D-A37B-81AF2B21B412}"/>
+                <a16:creationId xmlns:a16="http://schemas.microsoft.com/office/drawing/2014/main" xmlns="" id="{4F8A7CEA-A202-4D0D-A37B-81AF2B21B412}"/>
               </a:ext>
             </a:extLst>
           </p:cNvPr>
@@ -16742,7 +18237,7 @@
           <p:cNvPr id="82" name="TextBox 81">
             <a:extLst>
               <a:ext uri="{FF2B5EF4-FFF2-40B4-BE49-F238E27FC236}">
-                <a16:creationId xmlns:a16="http://schemas.microsoft.com/office/drawing/2014/main" id="{BC6FB1E0-EED7-421D-96BB-D55BD54B380F}"/>
+                <a16:creationId xmlns:a16="http://schemas.microsoft.com/office/drawing/2014/main" xmlns="" id="{BC6FB1E0-EED7-421D-96BB-D55BD54B380F}"/>
               </a:ext>
             </a:extLst>
           </p:cNvPr>
@@ -16786,7 +18281,7 @@
           <p:cNvPr id="83" name="TextBox 82">
             <a:extLst>
               <a:ext uri="{FF2B5EF4-FFF2-40B4-BE49-F238E27FC236}">
-                <a16:creationId xmlns:a16="http://schemas.microsoft.com/office/drawing/2014/main" id="{2B107AD7-3127-4602-A860-0DDEA486826E}"/>
+                <a16:creationId xmlns:a16="http://schemas.microsoft.com/office/drawing/2014/main" xmlns="" id="{2B107AD7-3127-4602-A860-0DDEA486826E}"/>
               </a:ext>
             </a:extLst>
           </p:cNvPr>
@@ -16830,7 +18325,7 @@
           <p:cNvPr id="87" name="사각형: 둥근 모서리 86">
             <a:extLst>
               <a:ext uri="{FF2B5EF4-FFF2-40B4-BE49-F238E27FC236}">
-                <a16:creationId xmlns:a16="http://schemas.microsoft.com/office/drawing/2014/main" id="{5D330D4A-25B5-426A-8FC2-236D0F11668A}"/>
+                <a16:creationId xmlns:a16="http://schemas.microsoft.com/office/drawing/2014/main" xmlns="" id="{5D330D4A-25B5-426A-8FC2-236D0F11668A}"/>
               </a:ext>
             </a:extLst>
           </p:cNvPr>
@@ -16891,7 +18386,7 @@
           <p:cNvPr id="88" name="사각형: 둥근 모서리 87">
             <a:extLst>
               <a:ext uri="{FF2B5EF4-FFF2-40B4-BE49-F238E27FC236}">
-                <a16:creationId xmlns:a16="http://schemas.microsoft.com/office/drawing/2014/main" id="{42E6A791-A47B-4DB0-A650-D2F9D936BDC3}"/>
+                <a16:creationId xmlns:a16="http://schemas.microsoft.com/office/drawing/2014/main" xmlns="" id="{42E6A791-A47B-4DB0-A650-D2F9D936BDC3}"/>
               </a:ext>
             </a:extLst>
           </p:cNvPr>
@@ -16952,7 +18447,7 @@
           <p:cNvPr id="89" name="사각형: 둥근 모서리 88">
             <a:extLst>
               <a:ext uri="{FF2B5EF4-FFF2-40B4-BE49-F238E27FC236}">
-                <a16:creationId xmlns:a16="http://schemas.microsoft.com/office/drawing/2014/main" id="{8F62BD3D-7300-4C51-87BF-88CCAEEDE1C6}"/>
+                <a16:creationId xmlns:a16="http://schemas.microsoft.com/office/drawing/2014/main" xmlns="" id="{8F62BD3D-7300-4C51-87BF-88CCAEEDE1C6}"/>
               </a:ext>
             </a:extLst>
           </p:cNvPr>
@@ -17034,7 +18529,7 @@
           <p:cNvPr id="90" name="사각형: 둥근 모서리 89">
             <a:extLst>
               <a:ext uri="{FF2B5EF4-FFF2-40B4-BE49-F238E27FC236}">
-                <a16:creationId xmlns:a16="http://schemas.microsoft.com/office/drawing/2014/main" id="{084C7176-7665-4EE0-8E0A-1ADC33FDEDBB}"/>
+                <a16:creationId xmlns:a16="http://schemas.microsoft.com/office/drawing/2014/main" xmlns="" id="{084C7176-7665-4EE0-8E0A-1ADC33FDEDBB}"/>
               </a:ext>
             </a:extLst>
           </p:cNvPr>
@@ -17095,7 +18590,7 @@
           <p:cNvPr id="91" name="사각형: 둥근 모서리 90">
             <a:extLst>
               <a:ext uri="{FF2B5EF4-FFF2-40B4-BE49-F238E27FC236}">
-                <a16:creationId xmlns:a16="http://schemas.microsoft.com/office/drawing/2014/main" id="{E938B601-F026-4976-97A9-C407044FF771}"/>
+                <a16:creationId xmlns:a16="http://schemas.microsoft.com/office/drawing/2014/main" xmlns="" id="{E938B601-F026-4976-97A9-C407044FF771}"/>
               </a:ext>
             </a:extLst>
           </p:cNvPr>
@@ -17156,7 +18651,7 @@
           <p:cNvPr id="92" name="사각형: 위쪽 모서리의 한쪽은 둥글고 다른 한쪽은 잘림 91">
             <a:extLst>
               <a:ext uri="{FF2B5EF4-FFF2-40B4-BE49-F238E27FC236}">
-                <a16:creationId xmlns:a16="http://schemas.microsoft.com/office/drawing/2014/main" id="{BA222BE2-A61D-4450-8A37-BE793B84A2E2}"/>
+                <a16:creationId xmlns:a16="http://schemas.microsoft.com/office/drawing/2014/main" xmlns="" id="{BA222BE2-A61D-4450-8A37-BE793B84A2E2}"/>
               </a:ext>
             </a:extLst>
           </p:cNvPr>
@@ -17220,7 +18715,7 @@
           <p:cNvPr id="95" name="사각형: 둥근 모서리 94">
             <a:extLst>
               <a:ext uri="{FF2B5EF4-FFF2-40B4-BE49-F238E27FC236}">
-                <a16:creationId xmlns:a16="http://schemas.microsoft.com/office/drawing/2014/main" id="{FD4FB6EE-19D0-4752-BC60-DB3FC2CC2D1C}"/>
+                <a16:creationId xmlns:a16="http://schemas.microsoft.com/office/drawing/2014/main" xmlns="" id="{FD4FB6EE-19D0-4752-BC60-DB3FC2CC2D1C}"/>
               </a:ext>
             </a:extLst>
           </p:cNvPr>
@@ -17281,7 +18776,7 @@
           <p:cNvPr id="34" name="하트 33">
             <a:extLst>
               <a:ext uri="{FF2B5EF4-FFF2-40B4-BE49-F238E27FC236}">
-                <a16:creationId xmlns:a16="http://schemas.microsoft.com/office/drawing/2014/main" id="{2B74C848-B46B-4E53-920C-266B738CAC60}"/>
+                <a16:creationId xmlns:a16="http://schemas.microsoft.com/office/drawing/2014/main" xmlns="" id="{2B74C848-B46B-4E53-920C-266B738CAC60}"/>
               </a:ext>
             </a:extLst>
           </p:cNvPr>
@@ -17330,7 +18825,7 @@
           <p:cNvPr id="96" name="직사각형 95">
             <a:extLst>
               <a:ext uri="{FF2B5EF4-FFF2-40B4-BE49-F238E27FC236}">
-                <a16:creationId xmlns:a16="http://schemas.microsoft.com/office/drawing/2014/main" id="{4381DDE0-7DF8-4677-B600-1CC245F65AC5}"/>
+                <a16:creationId xmlns:a16="http://schemas.microsoft.com/office/drawing/2014/main" xmlns="" id="{4381DDE0-7DF8-4677-B600-1CC245F65AC5}"/>
               </a:ext>
             </a:extLst>
           </p:cNvPr>
@@ -17384,7 +18879,7 @@
           <p:cNvPr id="97" name="직사각형 96">
             <a:extLst>
               <a:ext uri="{FF2B5EF4-FFF2-40B4-BE49-F238E27FC236}">
-                <a16:creationId xmlns:a16="http://schemas.microsoft.com/office/drawing/2014/main" id="{21576798-99C7-4D5E-A71A-21C2FCBC10A5}"/>
+                <a16:creationId xmlns:a16="http://schemas.microsoft.com/office/drawing/2014/main" xmlns="" id="{21576798-99C7-4D5E-A71A-21C2FCBC10A5}"/>
               </a:ext>
             </a:extLst>
           </p:cNvPr>
@@ -17438,7 +18933,7 @@
           <p:cNvPr id="98" name="직사각형 97">
             <a:extLst>
               <a:ext uri="{FF2B5EF4-FFF2-40B4-BE49-F238E27FC236}">
-                <a16:creationId xmlns:a16="http://schemas.microsoft.com/office/drawing/2014/main" id="{7E68A1AD-ABE2-438D-A680-6841FDE051B0}"/>
+                <a16:creationId xmlns:a16="http://schemas.microsoft.com/office/drawing/2014/main" xmlns="" id="{7E68A1AD-ABE2-438D-A680-6841FDE051B0}"/>
               </a:ext>
             </a:extLst>
           </p:cNvPr>
@@ -17492,7 +18987,7 @@
           <p:cNvPr id="99" name="직사각형 98">
             <a:extLst>
               <a:ext uri="{FF2B5EF4-FFF2-40B4-BE49-F238E27FC236}">
-                <a16:creationId xmlns:a16="http://schemas.microsoft.com/office/drawing/2014/main" id="{D99B9B96-CD8D-4C0D-A26D-7B04DAF50A6D}"/>
+                <a16:creationId xmlns:a16="http://schemas.microsoft.com/office/drawing/2014/main" xmlns="" id="{D99B9B96-CD8D-4C0D-A26D-7B04DAF50A6D}"/>
               </a:ext>
             </a:extLst>
           </p:cNvPr>
@@ -17546,7 +19041,7 @@
           <p:cNvPr id="100" name="직선 연결선 99">
             <a:extLst>
               <a:ext uri="{FF2B5EF4-FFF2-40B4-BE49-F238E27FC236}">
-                <a16:creationId xmlns:a16="http://schemas.microsoft.com/office/drawing/2014/main" id="{0CD5B6F9-B513-4782-9C7A-EE4F9058A4EB}"/>
+                <a16:creationId xmlns:a16="http://schemas.microsoft.com/office/drawing/2014/main" xmlns="" id="{0CD5B6F9-B513-4782-9C7A-EE4F9058A4EB}"/>
               </a:ext>
             </a:extLst>
           </p:cNvPr>
@@ -17587,7 +19082,7 @@
           <p:cNvPr id="101" name="직선 화살표 연결선 100">
             <a:extLst>
               <a:ext uri="{FF2B5EF4-FFF2-40B4-BE49-F238E27FC236}">
-                <a16:creationId xmlns:a16="http://schemas.microsoft.com/office/drawing/2014/main" id="{C404C273-60E7-4604-B5DF-9E448516670A}"/>
+                <a16:creationId xmlns:a16="http://schemas.microsoft.com/office/drawing/2014/main" xmlns="" id="{C404C273-60E7-4604-B5DF-9E448516670A}"/>
               </a:ext>
             </a:extLst>
           </p:cNvPr>
@@ -17631,7 +19126,7 @@
           <p:cNvPr id="102" name="직선 화살표 연결선 101">
             <a:extLst>
               <a:ext uri="{FF2B5EF4-FFF2-40B4-BE49-F238E27FC236}">
-                <a16:creationId xmlns:a16="http://schemas.microsoft.com/office/drawing/2014/main" id="{F02950FA-B9A6-4D10-A148-BBA6062EC79A}"/>
+                <a16:creationId xmlns:a16="http://schemas.microsoft.com/office/drawing/2014/main" xmlns="" id="{F02950FA-B9A6-4D10-A148-BBA6062EC79A}"/>
               </a:ext>
             </a:extLst>
           </p:cNvPr>
@@ -17675,7 +19170,7 @@
           <p:cNvPr id="103" name="직선 화살표 연결선 102">
             <a:extLst>
               <a:ext uri="{FF2B5EF4-FFF2-40B4-BE49-F238E27FC236}">
-                <a16:creationId xmlns:a16="http://schemas.microsoft.com/office/drawing/2014/main" id="{FB961EBB-AE5A-402D-812D-32755B9430E4}"/>
+                <a16:creationId xmlns:a16="http://schemas.microsoft.com/office/drawing/2014/main" xmlns="" id="{FB961EBB-AE5A-402D-812D-32755B9430E4}"/>
               </a:ext>
             </a:extLst>
           </p:cNvPr>
@@ -17719,7 +19214,7 @@
           <p:cNvPr id="104" name="TextBox 103">
             <a:extLst>
               <a:ext uri="{FF2B5EF4-FFF2-40B4-BE49-F238E27FC236}">
-                <a16:creationId xmlns:a16="http://schemas.microsoft.com/office/drawing/2014/main" id="{C39FEEDC-6320-4585-9D08-995881D24269}"/>
+                <a16:creationId xmlns:a16="http://schemas.microsoft.com/office/drawing/2014/main" xmlns="" id="{C39FEEDC-6320-4585-9D08-995881D24269}"/>
               </a:ext>
             </a:extLst>
           </p:cNvPr>
@@ -17755,7 +19250,7 @@
           <p:cNvPr id="105" name="TextBox 104">
             <a:extLst>
               <a:ext uri="{FF2B5EF4-FFF2-40B4-BE49-F238E27FC236}">
-                <a16:creationId xmlns:a16="http://schemas.microsoft.com/office/drawing/2014/main" id="{0D236EEC-BF95-4CC7-9BA4-FAD60ACD7184}"/>
+                <a16:creationId xmlns:a16="http://schemas.microsoft.com/office/drawing/2014/main" xmlns="" id="{0D236EEC-BF95-4CC7-9BA4-FAD60ACD7184}"/>
               </a:ext>
             </a:extLst>
           </p:cNvPr>
@@ -17791,7 +19286,7 @@
           <p:cNvPr id="106" name="TextBox 105">
             <a:extLst>
               <a:ext uri="{FF2B5EF4-FFF2-40B4-BE49-F238E27FC236}">
-                <a16:creationId xmlns:a16="http://schemas.microsoft.com/office/drawing/2014/main" id="{4894258B-64DA-4CD0-85A3-15881EE05C2F}"/>
+                <a16:creationId xmlns:a16="http://schemas.microsoft.com/office/drawing/2014/main" xmlns="" id="{4894258B-64DA-4CD0-85A3-15881EE05C2F}"/>
               </a:ext>
             </a:extLst>
           </p:cNvPr>
@@ -17826,7 +19321,7 @@
           <p:cNvPr id="107" name="사각형: 위쪽 모서리의 한쪽은 둥글고 다른 한쪽은 잘림 106">
             <a:extLst>
               <a:ext uri="{FF2B5EF4-FFF2-40B4-BE49-F238E27FC236}">
-                <a16:creationId xmlns:a16="http://schemas.microsoft.com/office/drawing/2014/main" id="{67981518-31B9-484C-8065-30C415950089}"/>
+                <a16:creationId xmlns:a16="http://schemas.microsoft.com/office/drawing/2014/main" xmlns="" id="{67981518-31B9-484C-8065-30C415950089}"/>
               </a:ext>
             </a:extLst>
           </p:cNvPr>
@@ -17887,7 +19382,7 @@
           <p:cNvPr id="108" name="사각형: 위쪽 모서리의 한쪽은 둥글고 다른 한쪽은 잘림 107">
             <a:extLst>
               <a:ext uri="{FF2B5EF4-FFF2-40B4-BE49-F238E27FC236}">
-                <a16:creationId xmlns:a16="http://schemas.microsoft.com/office/drawing/2014/main" id="{033C93F5-B1D9-4CAD-A8C7-4814844C3C02}"/>
+                <a16:creationId xmlns:a16="http://schemas.microsoft.com/office/drawing/2014/main" xmlns="" id="{033C93F5-B1D9-4CAD-A8C7-4814844C3C02}"/>
               </a:ext>
             </a:extLst>
           </p:cNvPr>
@@ -17948,7 +19443,7 @@
           <p:cNvPr id="109" name="사각형: 위쪽 모서리의 한쪽은 둥글고 다른 한쪽은 잘림 108">
             <a:extLst>
               <a:ext uri="{FF2B5EF4-FFF2-40B4-BE49-F238E27FC236}">
-                <a16:creationId xmlns:a16="http://schemas.microsoft.com/office/drawing/2014/main" id="{43FEB36E-98BD-4C45-A0C4-DE2E23D6270B}"/>
+                <a16:creationId xmlns:a16="http://schemas.microsoft.com/office/drawing/2014/main" xmlns="" id="{43FEB36E-98BD-4C45-A0C4-DE2E23D6270B}"/>
               </a:ext>
             </a:extLst>
           </p:cNvPr>
@@ -18009,7 +19504,7 @@
           <p:cNvPr id="110" name="사각형: 위쪽 모서리의 한쪽은 둥글고 다른 한쪽은 잘림 109">
             <a:extLst>
               <a:ext uri="{FF2B5EF4-FFF2-40B4-BE49-F238E27FC236}">
-                <a16:creationId xmlns:a16="http://schemas.microsoft.com/office/drawing/2014/main" id="{DD16ED54-6480-46EC-8EC0-61D372F29134}"/>
+                <a16:creationId xmlns:a16="http://schemas.microsoft.com/office/drawing/2014/main" xmlns="" id="{DD16ED54-6480-46EC-8EC0-61D372F29134}"/>
               </a:ext>
             </a:extLst>
           </p:cNvPr>
@@ -18070,7 +19565,7 @@
           <p:cNvPr id="111" name="직선 연결선 110">
             <a:extLst>
               <a:ext uri="{FF2B5EF4-FFF2-40B4-BE49-F238E27FC236}">
-                <a16:creationId xmlns:a16="http://schemas.microsoft.com/office/drawing/2014/main" id="{B32835E2-6F76-410F-9104-75CE90CAAC9E}"/>
+                <a16:creationId xmlns:a16="http://schemas.microsoft.com/office/drawing/2014/main" xmlns="" id="{B32835E2-6F76-410F-9104-75CE90CAAC9E}"/>
               </a:ext>
             </a:extLst>
           </p:cNvPr>
@@ -18111,7 +19606,7 @@
           <p:cNvPr id="112" name="TextBox 111">
             <a:extLst>
               <a:ext uri="{FF2B5EF4-FFF2-40B4-BE49-F238E27FC236}">
-                <a16:creationId xmlns:a16="http://schemas.microsoft.com/office/drawing/2014/main" id="{A92788C2-846F-4D8E-84DB-0156E44840FE}"/>
+                <a16:creationId xmlns:a16="http://schemas.microsoft.com/office/drawing/2014/main" xmlns="" id="{A92788C2-846F-4D8E-84DB-0156E44840FE}"/>
               </a:ext>
             </a:extLst>
           </p:cNvPr>
@@ -18147,7 +19642,7 @@
           <p:cNvPr id="113" name="직사각형 112">
             <a:extLst>
               <a:ext uri="{FF2B5EF4-FFF2-40B4-BE49-F238E27FC236}">
-                <a16:creationId xmlns:a16="http://schemas.microsoft.com/office/drawing/2014/main" id="{F0815B9A-D30D-4481-805B-BC00FA17F1AF}"/>
+                <a16:creationId xmlns:a16="http://schemas.microsoft.com/office/drawing/2014/main" xmlns="" id="{F0815B9A-D30D-4481-805B-BC00FA17F1AF}"/>
               </a:ext>
             </a:extLst>
           </p:cNvPr>
@@ -18201,7 +19696,7 @@
           <p:cNvPr id="114" name="직사각형 113">
             <a:extLst>
               <a:ext uri="{FF2B5EF4-FFF2-40B4-BE49-F238E27FC236}">
-                <a16:creationId xmlns:a16="http://schemas.microsoft.com/office/drawing/2014/main" id="{9444EAA7-F80D-40EE-85F2-FC3FD2665367}"/>
+                <a16:creationId xmlns:a16="http://schemas.microsoft.com/office/drawing/2014/main" xmlns="" id="{9444EAA7-F80D-40EE-85F2-FC3FD2665367}"/>
               </a:ext>
             </a:extLst>
           </p:cNvPr>
@@ -18255,7 +19750,7 @@
           <p:cNvPr id="115" name="직사각형 114">
             <a:extLst>
               <a:ext uri="{FF2B5EF4-FFF2-40B4-BE49-F238E27FC236}">
-                <a16:creationId xmlns:a16="http://schemas.microsoft.com/office/drawing/2014/main" id="{018390F8-461E-47B1-8D02-662749C7B01B}"/>
+                <a16:creationId xmlns:a16="http://schemas.microsoft.com/office/drawing/2014/main" xmlns="" id="{018390F8-461E-47B1-8D02-662749C7B01B}"/>
               </a:ext>
             </a:extLst>
           </p:cNvPr>
@@ -18309,7 +19804,7 @@
           <p:cNvPr id="116" name="직사각형 115">
             <a:extLst>
               <a:ext uri="{FF2B5EF4-FFF2-40B4-BE49-F238E27FC236}">
-                <a16:creationId xmlns:a16="http://schemas.microsoft.com/office/drawing/2014/main" id="{B27559C4-A53D-4627-9D4C-4825196BF918}"/>
+                <a16:creationId xmlns:a16="http://schemas.microsoft.com/office/drawing/2014/main" xmlns="" id="{B27559C4-A53D-4627-9D4C-4825196BF918}"/>
               </a:ext>
             </a:extLst>
           </p:cNvPr>
@@ -18363,7 +19858,7 @@
           <p:cNvPr id="117" name="직사각형 116">
             <a:extLst>
               <a:ext uri="{FF2B5EF4-FFF2-40B4-BE49-F238E27FC236}">
-                <a16:creationId xmlns:a16="http://schemas.microsoft.com/office/drawing/2014/main" id="{2F41D995-6A71-4509-80F3-049E8D1F63ED}"/>
+                <a16:creationId xmlns:a16="http://schemas.microsoft.com/office/drawing/2014/main" xmlns="" id="{2F41D995-6A71-4509-80F3-049E8D1F63ED}"/>
               </a:ext>
             </a:extLst>
           </p:cNvPr>
@@ -18417,7 +19912,7 @@
           <p:cNvPr id="118" name="직선 화살표 연결선 117">
             <a:extLst>
               <a:ext uri="{FF2B5EF4-FFF2-40B4-BE49-F238E27FC236}">
-                <a16:creationId xmlns:a16="http://schemas.microsoft.com/office/drawing/2014/main" id="{34A269B8-E321-4ACE-B82D-29FFBDBEAE20}"/>
+                <a16:creationId xmlns:a16="http://schemas.microsoft.com/office/drawing/2014/main" xmlns="" id="{34A269B8-E321-4ACE-B82D-29FFBDBEAE20}"/>
               </a:ext>
             </a:extLst>
           </p:cNvPr>
@@ -18461,7 +19956,7 @@
           <p:cNvPr id="119" name="직선 화살표 연결선 118">
             <a:extLst>
               <a:ext uri="{FF2B5EF4-FFF2-40B4-BE49-F238E27FC236}">
-                <a16:creationId xmlns:a16="http://schemas.microsoft.com/office/drawing/2014/main" id="{594868FA-F542-4BC7-B4EE-561EE6C24D2A}"/>
+                <a16:creationId xmlns:a16="http://schemas.microsoft.com/office/drawing/2014/main" xmlns="" id="{594868FA-F542-4BC7-B4EE-561EE6C24D2A}"/>
               </a:ext>
             </a:extLst>
           </p:cNvPr>
@@ -18505,7 +20000,7 @@
           <p:cNvPr id="120" name="직선 화살표 연결선 119">
             <a:extLst>
               <a:ext uri="{FF2B5EF4-FFF2-40B4-BE49-F238E27FC236}">
-                <a16:creationId xmlns:a16="http://schemas.microsoft.com/office/drawing/2014/main" id="{B835CB0E-7318-4621-AAC0-357EB1D055EC}"/>
+                <a16:creationId xmlns:a16="http://schemas.microsoft.com/office/drawing/2014/main" xmlns="" id="{B835CB0E-7318-4621-AAC0-357EB1D055EC}"/>
               </a:ext>
             </a:extLst>
           </p:cNvPr>
@@ -18549,7 +20044,7 @@
           <p:cNvPr id="121" name="직선 화살표 연결선 120">
             <a:extLst>
               <a:ext uri="{FF2B5EF4-FFF2-40B4-BE49-F238E27FC236}">
-                <a16:creationId xmlns:a16="http://schemas.microsoft.com/office/drawing/2014/main" id="{8A1FA3B6-56FA-4F9A-B582-879E45C4E554}"/>
+                <a16:creationId xmlns:a16="http://schemas.microsoft.com/office/drawing/2014/main" xmlns="" id="{8A1FA3B6-56FA-4F9A-B582-879E45C4E554}"/>
               </a:ext>
             </a:extLst>
           </p:cNvPr>
@@ -18593,7 +20088,7 @@
           <p:cNvPr id="122" name="직선 화살표 연결선 121">
             <a:extLst>
               <a:ext uri="{FF2B5EF4-FFF2-40B4-BE49-F238E27FC236}">
-                <a16:creationId xmlns:a16="http://schemas.microsoft.com/office/drawing/2014/main" id="{8DBC9891-F555-4406-9800-4BBC560D541A}"/>
+                <a16:creationId xmlns:a16="http://schemas.microsoft.com/office/drawing/2014/main" xmlns="" id="{8DBC9891-F555-4406-9800-4BBC560D541A}"/>
               </a:ext>
             </a:extLst>
           </p:cNvPr>
@@ -18638,7 +20133,7 @@
           <p:cNvPr id="123" name="TextBox 122">
             <a:extLst>
               <a:ext uri="{FF2B5EF4-FFF2-40B4-BE49-F238E27FC236}">
-                <a16:creationId xmlns:a16="http://schemas.microsoft.com/office/drawing/2014/main" id="{175D0501-8E3C-4360-9052-D93A553D6261}"/>
+                <a16:creationId xmlns:a16="http://schemas.microsoft.com/office/drawing/2014/main" xmlns="" id="{175D0501-8E3C-4360-9052-D93A553D6261}"/>
               </a:ext>
             </a:extLst>
           </p:cNvPr>
@@ -18673,7 +20168,7 @@
           <p:cNvPr id="124" name="TextBox 123">
             <a:extLst>
               <a:ext uri="{FF2B5EF4-FFF2-40B4-BE49-F238E27FC236}">
-                <a16:creationId xmlns:a16="http://schemas.microsoft.com/office/drawing/2014/main" id="{B01CA544-E067-4DD5-8F99-FC7AFCA9239E}"/>
+                <a16:creationId xmlns:a16="http://schemas.microsoft.com/office/drawing/2014/main" xmlns="" id="{B01CA544-E067-4DD5-8F99-FC7AFCA9239E}"/>
               </a:ext>
             </a:extLst>
           </p:cNvPr>
@@ -18708,7 +20203,7 @@
           <p:cNvPr id="125" name="TextBox 124">
             <a:extLst>
               <a:ext uri="{FF2B5EF4-FFF2-40B4-BE49-F238E27FC236}">
-                <a16:creationId xmlns:a16="http://schemas.microsoft.com/office/drawing/2014/main" id="{B8C8D169-440D-4BD5-98C5-A86EABD72686}"/>
+                <a16:creationId xmlns:a16="http://schemas.microsoft.com/office/drawing/2014/main" xmlns="" id="{B8C8D169-440D-4BD5-98C5-A86EABD72686}"/>
               </a:ext>
             </a:extLst>
           </p:cNvPr>
@@ -18743,7 +20238,7 @@
           <p:cNvPr id="126" name="TextBox 125">
             <a:extLst>
               <a:ext uri="{FF2B5EF4-FFF2-40B4-BE49-F238E27FC236}">
-                <a16:creationId xmlns:a16="http://schemas.microsoft.com/office/drawing/2014/main" id="{E7D4196B-6BCE-4D69-980E-BB15BBA201CC}"/>
+                <a16:creationId xmlns:a16="http://schemas.microsoft.com/office/drawing/2014/main" xmlns="" id="{E7D4196B-6BCE-4D69-980E-BB15BBA201CC}"/>
               </a:ext>
             </a:extLst>
           </p:cNvPr>
@@ -18778,7 +20273,7 @@
           <p:cNvPr id="127" name="사각형: 둥근 모서리 126">
             <a:extLst>
               <a:ext uri="{FF2B5EF4-FFF2-40B4-BE49-F238E27FC236}">
-                <a16:creationId xmlns:a16="http://schemas.microsoft.com/office/drawing/2014/main" id="{43E8EF26-B566-40E2-AD5F-B3BAFBDE6E56}"/>
+                <a16:creationId xmlns:a16="http://schemas.microsoft.com/office/drawing/2014/main" xmlns="" id="{43E8EF26-B566-40E2-AD5F-B3BAFBDE6E56}"/>
               </a:ext>
             </a:extLst>
           </p:cNvPr>
@@ -18839,7 +20334,7 @@
           <p:cNvPr id="129" name="타원 128">
             <a:extLst>
               <a:ext uri="{FF2B5EF4-FFF2-40B4-BE49-F238E27FC236}">
-                <a16:creationId xmlns:a16="http://schemas.microsoft.com/office/drawing/2014/main" id="{D457B833-156A-4737-BC16-8B7281466E3D}"/>
+                <a16:creationId xmlns:a16="http://schemas.microsoft.com/office/drawing/2014/main" xmlns="" id="{D457B833-156A-4737-BC16-8B7281466E3D}"/>
               </a:ext>
             </a:extLst>
           </p:cNvPr>
@@ -18900,7 +20395,7 @@
           <p:cNvPr id="130" name="TextBox 129">
             <a:extLst>
               <a:ext uri="{FF2B5EF4-FFF2-40B4-BE49-F238E27FC236}">
-                <a16:creationId xmlns:a16="http://schemas.microsoft.com/office/drawing/2014/main" id="{A10089C0-6EF8-4D57-A6CE-A0669B5CC44C}"/>
+                <a16:creationId xmlns:a16="http://schemas.microsoft.com/office/drawing/2014/main" xmlns="" id="{A10089C0-6EF8-4D57-A6CE-A0669B5CC44C}"/>
               </a:ext>
             </a:extLst>
           </p:cNvPr>
@@ -18935,7 +20430,7 @@
           <p:cNvPr id="131" name="TextBox 130">
             <a:extLst>
               <a:ext uri="{FF2B5EF4-FFF2-40B4-BE49-F238E27FC236}">
-                <a16:creationId xmlns:a16="http://schemas.microsoft.com/office/drawing/2014/main" id="{2749689E-3116-4BAE-9E22-91A505D0185A}"/>
+                <a16:creationId xmlns:a16="http://schemas.microsoft.com/office/drawing/2014/main" xmlns="" id="{2749689E-3116-4BAE-9E22-91A505D0185A}"/>
               </a:ext>
             </a:extLst>
           </p:cNvPr>
@@ -18970,7 +20465,7 @@
           <p:cNvPr id="132" name="TextBox 131">
             <a:extLst>
               <a:ext uri="{FF2B5EF4-FFF2-40B4-BE49-F238E27FC236}">
-                <a16:creationId xmlns:a16="http://schemas.microsoft.com/office/drawing/2014/main" id="{F2AD47CD-0CF6-4795-9D8A-ED3B91FDA2A1}"/>
+                <a16:creationId xmlns:a16="http://schemas.microsoft.com/office/drawing/2014/main" xmlns="" id="{F2AD47CD-0CF6-4795-9D8A-ED3B91FDA2A1}"/>
               </a:ext>
             </a:extLst>
           </p:cNvPr>
@@ -19030,7 +20525,7 @@
           <p:cNvPr id="133" name="사각형: 둥근 모서리 132">
             <a:extLst>
               <a:ext uri="{FF2B5EF4-FFF2-40B4-BE49-F238E27FC236}">
-                <a16:creationId xmlns:a16="http://schemas.microsoft.com/office/drawing/2014/main" id="{D252E4CB-AB13-445A-AC64-D28CAC8FBCDB}"/>
+                <a16:creationId xmlns:a16="http://schemas.microsoft.com/office/drawing/2014/main" xmlns="" id="{D252E4CB-AB13-445A-AC64-D28CAC8FBCDB}"/>
               </a:ext>
             </a:extLst>
           </p:cNvPr>
@@ -19091,7 +20586,7 @@
           <p:cNvPr id="134" name="사각형: 둥근 모서리 133">
             <a:extLst>
               <a:ext uri="{FF2B5EF4-FFF2-40B4-BE49-F238E27FC236}">
-                <a16:creationId xmlns:a16="http://schemas.microsoft.com/office/drawing/2014/main" id="{3C96203C-53F2-457D-8BC2-7CE297D96019}"/>
+                <a16:creationId xmlns:a16="http://schemas.microsoft.com/office/drawing/2014/main" xmlns="" id="{3C96203C-53F2-457D-8BC2-7CE297D96019}"/>
               </a:ext>
             </a:extLst>
           </p:cNvPr>
@@ -19145,7 +20640,7 @@
           <p:cNvPr id="135" name="하트 134">
             <a:extLst>
               <a:ext uri="{FF2B5EF4-FFF2-40B4-BE49-F238E27FC236}">
-                <a16:creationId xmlns:a16="http://schemas.microsoft.com/office/drawing/2014/main" id="{DF3F0A21-CCFF-4F7C-9F2A-B9DA74880613}"/>
+                <a16:creationId xmlns:a16="http://schemas.microsoft.com/office/drawing/2014/main" xmlns="" id="{DF3F0A21-CCFF-4F7C-9F2A-B9DA74880613}"/>
               </a:ext>
             </a:extLst>
           </p:cNvPr>
@@ -19194,7 +20689,7 @@
           <p:cNvPr id="137" name="사각형: 둥근 모서리 136">
             <a:extLst>
               <a:ext uri="{FF2B5EF4-FFF2-40B4-BE49-F238E27FC236}">
-                <a16:creationId xmlns:a16="http://schemas.microsoft.com/office/drawing/2014/main" id="{0309AF2F-49CF-4BD1-A77C-E44ADE57FE2B}"/>
+                <a16:creationId xmlns:a16="http://schemas.microsoft.com/office/drawing/2014/main" xmlns="" id="{0309AF2F-49CF-4BD1-A77C-E44ADE57FE2B}"/>
               </a:ext>
             </a:extLst>
           </p:cNvPr>
@@ -19255,7 +20750,7 @@
           <p:cNvPr id="138" name="사각형: 둥근 모서리 137">
             <a:extLst>
               <a:ext uri="{FF2B5EF4-FFF2-40B4-BE49-F238E27FC236}">
-                <a16:creationId xmlns:a16="http://schemas.microsoft.com/office/drawing/2014/main" id="{1C7F2493-7A31-4FCC-BFC5-9545D1813A51}"/>
+                <a16:creationId xmlns:a16="http://schemas.microsoft.com/office/drawing/2014/main" xmlns="" id="{1C7F2493-7A31-4FCC-BFC5-9545D1813A51}"/>
               </a:ext>
             </a:extLst>
           </p:cNvPr>
@@ -19321,7 +20816,7 @@
           <p:cNvPr id="139" name="사각형: 둥근 모서리 138">
             <a:extLst>
               <a:ext uri="{FF2B5EF4-FFF2-40B4-BE49-F238E27FC236}">
-                <a16:creationId xmlns:a16="http://schemas.microsoft.com/office/drawing/2014/main" id="{0F34F4AA-2E5B-4F4C-B411-0085B6656388}"/>
+                <a16:creationId xmlns:a16="http://schemas.microsoft.com/office/drawing/2014/main" xmlns="" id="{0F34F4AA-2E5B-4F4C-B411-0085B6656388}"/>
               </a:ext>
             </a:extLst>
           </p:cNvPr>
@@ -19387,7 +20882,7 @@
           <p:cNvPr id="140" name="사각형: 둥근 모서리 139">
             <a:extLst>
               <a:ext uri="{FF2B5EF4-FFF2-40B4-BE49-F238E27FC236}">
-                <a16:creationId xmlns:a16="http://schemas.microsoft.com/office/drawing/2014/main" id="{9968B818-3B1F-41EF-BD31-C54323282967}"/>
+                <a16:creationId xmlns:a16="http://schemas.microsoft.com/office/drawing/2014/main" xmlns="" id="{9968B818-3B1F-41EF-BD31-C54323282967}"/>
               </a:ext>
             </a:extLst>
           </p:cNvPr>
@@ -19448,7 +20943,7 @@
           <p:cNvPr id="141" name="사각형: 둥근 모서리 140">
             <a:extLst>
               <a:ext uri="{FF2B5EF4-FFF2-40B4-BE49-F238E27FC236}">
-                <a16:creationId xmlns:a16="http://schemas.microsoft.com/office/drawing/2014/main" id="{5D0B650E-C925-4AAC-812C-AE358BB62A93}"/>
+                <a16:creationId xmlns:a16="http://schemas.microsoft.com/office/drawing/2014/main" xmlns="" id="{5D0B650E-C925-4AAC-812C-AE358BB62A93}"/>
               </a:ext>
             </a:extLst>
           </p:cNvPr>
@@ -19509,7 +21004,7 @@
           <p:cNvPr id="142" name="사각형: 둥근 모서리 141">
             <a:extLst>
               <a:ext uri="{FF2B5EF4-FFF2-40B4-BE49-F238E27FC236}">
-                <a16:creationId xmlns:a16="http://schemas.microsoft.com/office/drawing/2014/main" id="{5CE8E81F-C65D-4A7A-ABC8-56067EBBA2F3}"/>
+                <a16:creationId xmlns:a16="http://schemas.microsoft.com/office/drawing/2014/main" xmlns="" id="{5CE8E81F-C65D-4A7A-ABC8-56067EBBA2F3}"/>
               </a:ext>
             </a:extLst>
           </p:cNvPr>
@@ -19591,7 +21086,7 @@
           <p:cNvPr id="143" name="사각형: 둥근 모서리 142">
             <a:extLst>
               <a:ext uri="{FF2B5EF4-FFF2-40B4-BE49-F238E27FC236}">
-                <a16:creationId xmlns:a16="http://schemas.microsoft.com/office/drawing/2014/main" id="{1583485C-491F-4979-BC6C-13081A8A8DAD}"/>
+                <a16:creationId xmlns:a16="http://schemas.microsoft.com/office/drawing/2014/main" xmlns="" id="{1583485C-491F-4979-BC6C-13081A8A8DAD}"/>
               </a:ext>
             </a:extLst>
           </p:cNvPr>
@@ -19657,6 +21152,13 @@
   <p:clrMapOvr>
     <a:masterClrMapping/>
   </p:clrMapOvr>
+  <p:timing>
+    <p:tnLst>
+      <p:par>
+        <p:cTn id="1" dur="indefinite" restart="never" nodeType="tmRoot"/>
+      </p:par>
+    </p:tnLst>
+  </p:timing>
 </p:sld>
 </file>
 
@@ -19682,7 +21184,7 @@
           <p:cNvPr id="2" name="직사각형 1">
             <a:extLst>
               <a:ext uri="{FF2B5EF4-FFF2-40B4-BE49-F238E27FC236}">
-                <a16:creationId xmlns:a16="http://schemas.microsoft.com/office/drawing/2014/main" id="{8E5B996D-DF87-49E5-95D1-45B1EEB9EE9A}"/>
+                <a16:creationId xmlns:a16="http://schemas.microsoft.com/office/drawing/2014/main" xmlns="" id="{8E5B996D-DF87-49E5-95D1-45B1EEB9EE9A}"/>
               </a:ext>
             </a:extLst>
           </p:cNvPr>
@@ -19734,7 +21236,7 @@
           <p:cNvPr id="4" name="직사각형 3">
             <a:extLst>
               <a:ext uri="{FF2B5EF4-FFF2-40B4-BE49-F238E27FC236}">
-                <a16:creationId xmlns:a16="http://schemas.microsoft.com/office/drawing/2014/main" id="{080CEE4E-4BCA-42C3-BECA-9BCEB9931EEA}"/>
+                <a16:creationId xmlns:a16="http://schemas.microsoft.com/office/drawing/2014/main" xmlns="" id="{080CEE4E-4BCA-42C3-BECA-9BCEB9931EEA}"/>
               </a:ext>
             </a:extLst>
           </p:cNvPr>
@@ -19786,7 +21288,7 @@
           <p:cNvPr id="5" name="TextBox 4">
             <a:extLst>
               <a:ext uri="{FF2B5EF4-FFF2-40B4-BE49-F238E27FC236}">
-                <a16:creationId xmlns:a16="http://schemas.microsoft.com/office/drawing/2014/main" id="{D12B0B12-AB99-4F88-B4B2-948DADC833EA}"/>
+                <a16:creationId xmlns:a16="http://schemas.microsoft.com/office/drawing/2014/main" xmlns="" id="{D12B0B12-AB99-4F88-B4B2-948DADC833EA}"/>
               </a:ext>
             </a:extLst>
           </p:cNvPr>
@@ -19905,7 +21407,7 @@
           <p:cNvPr id="9" name="그림 8">
             <a:extLst>
               <a:ext uri="{FF2B5EF4-FFF2-40B4-BE49-F238E27FC236}">
-                <a16:creationId xmlns:a16="http://schemas.microsoft.com/office/drawing/2014/main" id="{0F0992E8-2696-42E6-805A-0C12780D8FA1}"/>
+                <a16:creationId xmlns:a16="http://schemas.microsoft.com/office/drawing/2014/main" xmlns="" id="{0F0992E8-2696-42E6-805A-0C12780D8FA1}"/>
               </a:ext>
             </a:extLst>
           </p:cNvPr>
@@ -20269,7 +21771,7 @@
           <p:cNvPr id="50" name="TextBox 49">
             <a:extLst>
               <a:ext uri="{FF2B5EF4-FFF2-40B4-BE49-F238E27FC236}">
-                <a16:creationId xmlns:a16="http://schemas.microsoft.com/office/drawing/2014/main" id="{606CB3EF-BD67-454E-8D48-D30774CEE106}"/>
+                <a16:creationId xmlns:a16="http://schemas.microsoft.com/office/drawing/2014/main" xmlns="" id="{606CB3EF-BD67-454E-8D48-D30774CEE106}"/>
               </a:ext>
             </a:extLst>
           </p:cNvPr>
@@ -20305,7 +21807,7 @@
           <p:cNvPr id="51" name="TextBox 50">
             <a:extLst>
               <a:ext uri="{FF2B5EF4-FFF2-40B4-BE49-F238E27FC236}">
-                <a16:creationId xmlns:a16="http://schemas.microsoft.com/office/drawing/2014/main" id="{6ECBB3D4-2156-4986-9434-EA8F60CE59E0}"/>
+                <a16:creationId xmlns:a16="http://schemas.microsoft.com/office/drawing/2014/main" xmlns="" id="{6ECBB3D4-2156-4986-9434-EA8F60CE59E0}"/>
               </a:ext>
             </a:extLst>
           </p:cNvPr>
@@ -20341,7 +21843,7 @@
           <p:cNvPr id="57" name="직선 연결선 56">
             <a:extLst>
               <a:ext uri="{FF2B5EF4-FFF2-40B4-BE49-F238E27FC236}">
-                <a16:creationId xmlns:a16="http://schemas.microsoft.com/office/drawing/2014/main" id="{A723CFAC-181E-4ABB-8790-FEC42B087A83}"/>
+                <a16:creationId xmlns:a16="http://schemas.microsoft.com/office/drawing/2014/main" xmlns="" id="{A723CFAC-181E-4ABB-8790-FEC42B087A83}"/>
               </a:ext>
             </a:extLst>
           </p:cNvPr>
@@ -20377,7 +21879,7 @@
           <p:cNvPr id="58" name="TextBox 57">
             <a:extLst>
               <a:ext uri="{FF2B5EF4-FFF2-40B4-BE49-F238E27FC236}">
-                <a16:creationId xmlns:a16="http://schemas.microsoft.com/office/drawing/2014/main" id="{010ADA31-1823-4E2F-B19C-9DF082DE9B5C}"/>
+                <a16:creationId xmlns:a16="http://schemas.microsoft.com/office/drawing/2014/main" xmlns="" id="{010ADA31-1823-4E2F-B19C-9DF082DE9B5C}"/>
               </a:ext>
             </a:extLst>
           </p:cNvPr>
@@ -20413,7 +21915,7 @@
           <p:cNvPr id="59" name="직사각형 58">
             <a:extLst>
               <a:ext uri="{FF2B5EF4-FFF2-40B4-BE49-F238E27FC236}">
-                <a16:creationId xmlns:a16="http://schemas.microsoft.com/office/drawing/2014/main" id="{28EAE90E-16BD-4338-B838-36E62A30452E}"/>
+                <a16:creationId xmlns:a16="http://schemas.microsoft.com/office/drawing/2014/main" xmlns="" id="{28EAE90E-16BD-4338-B838-36E62A30452E}"/>
               </a:ext>
             </a:extLst>
           </p:cNvPr>
@@ -20467,7 +21969,7 @@
           <p:cNvPr id="60" name="TextBox 59">
             <a:extLst>
               <a:ext uri="{FF2B5EF4-FFF2-40B4-BE49-F238E27FC236}">
-                <a16:creationId xmlns:a16="http://schemas.microsoft.com/office/drawing/2014/main" id="{78ADDD66-9CDE-4CA6-938D-D34562AC7F09}"/>
+                <a16:creationId xmlns:a16="http://schemas.microsoft.com/office/drawing/2014/main" xmlns="" id="{78ADDD66-9CDE-4CA6-938D-D34562AC7F09}"/>
               </a:ext>
             </a:extLst>
           </p:cNvPr>
@@ -20503,7 +22005,7 @@
           <p:cNvPr id="11" name="사각형: 위쪽 모서리의 한쪽은 둥글고 다른 한쪽은 잘림 10">
             <a:extLst>
               <a:ext uri="{FF2B5EF4-FFF2-40B4-BE49-F238E27FC236}">
-                <a16:creationId xmlns:a16="http://schemas.microsoft.com/office/drawing/2014/main" id="{D0755B07-9BF9-46BE-BECF-A785E2F601BE}"/>
+                <a16:creationId xmlns:a16="http://schemas.microsoft.com/office/drawing/2014/main" xmlns="" id="{D0755B07-9BF9-46BE-BECF-A785E2F601BE}"/>
               </a:ext>
             </a:extLst>
           </p:cNvPr>
@@ -20567,7 +22069,7 @@
           <p:cNvPr id="61" name="사각형: 위쪽 모서리의 한쪽은 둥글고 다른 한쪽은 잘림 60">
             <a:extLst>
               <a:ext uri="{FF2B5EF4-FFF2-40B4-BE49-F238E27FC236}">
-                <a16:creationId xmlns:a16="http://schemas.microsoft.com/office/drawing/2014/main" id="{0F05A80D-574E-4503-9F36-D0729A774664}"/>
+                <a16:creationId xmlns:a16="http://schemas.microsoft.com/office/drawing/2014/main" xmlns="" id="{0F05A80D-574E-4503-9F36-D0729A774664}"/>
               </a:ext>
             </a:extLst>
           </p:cNvPr>
@@ -20636,7 +22138,7 @@
           <p:cNvPr id="62" name="사각형: 위쪽 모서리의 한쪽은 둥글고 다른 한쪽은 잘림 61">
             <a:extLst>
               <a:ext uri="{FF2B5EF4-FFF2-40B4-BE49-F238E27FC236}">
-                <a16:creationId xmlns:a16="http://schemas.microsoft.com/office/drawing/2014/main" id="{73E013A2-B442-4546-A05C-EC2A2F2B7FC7}"/>
+                <a16:creationId xmlns:a16="http://schemas.microsoft.com/office/drawing/2014/main" xmlns="" id="{73E013A2-B442-4546-A05C-EC2A2F2B7FC7}"/>
               </a:ext>
             </a:extLst>
           </p:cNvPr>
@@ -20703,7 +22205,7 @@
           <p:cNvPr id="92" name="사각형: 위쪽 모서리의 한쪽은 둥글고 다른 한쪽은 잘림 91">
             <a:extLst>
               <a:ext uri="{FF2B5EF4-FFF2-40B4-BE49-F238E27FC236}">
-                <a16:creationId xmlns:a16="http://schemas.microsoft.com/office/drawing/2014/main" id="{BA222BE2-A61D-4450-8A37-BE793B84A2E2}"/>
+                <a16:creationId xmlns:a16="http://schemas.microsoft.com/office/drawing/2014/main" xmlns="" id="{BA222BE2-A61D-4450-8A37-BE793B84A2E2}"/>
               </a:ext>
             </a:extLst>
           </p:cNvPr>
@@ -20772,6 +22274,13 @@
   <p:clrMapOvr>
     <a:masterClrMapping/>
   </p:clrMapOvr>
+  <p:timing>
+    <p:tnLst>
+      <p:par>
+        <p:cTn id="1" dur="indefinite" restart="never" nodeType="tmRoot"/>
+      </p:par>
+    </p:tnLst>
+  </p:timing>
 </p:sld>
 </file>
 
@@ -20797,7 +22306,7 @@
           <p:cNvPr id="2" name="직사각형 1">
             <a:extLst>
               <a:ext uri="{FF2B5EF4-FFF2-40B4-BE49-F238E27FC236}">
-                <a16:creationId xmlns:a16="http://schemas.microsoft.com/office/drawing/2014/main" id="{8E5B996D-DF87-49E5-95D1-45B1EEB9EE9A}"/>
+                <a16:creationId xmlns:a16="http://schemas.microsoft.com/office/drawing/2014/main" xmlns="" id="{8E5B996D-DF87-49E5-95D1-45B1EEB9EE9A}"/>
               </a:ext>
             </a:extLst>
           </p:cNvPr>
@@ -20849,7 +22358,7 @@
           <p:cNvPr id="4" name="직사각형 3">
             <a:extLst>
               <a:ext uri="{FF2B5EF4-FFF2-40B4-BE49-F238E27FC236}">
-                <a16:creationId xmlns:a16="http://schemas.microsoft.com/office/drawing/2014/main" id="{080CEE4E-4BCA-42C3-BECA-9BCEB9931EEA}"/>
+                <a16:creationId xmlns:a16="http://schemas.microsoft.com/office/drawing/2014/main" xmlns="" id="{080CEE4E-4BCA-42C3-BECA-9BCEB9931EEA}"/>
               </a:ext>
             </a:extLst>
           </p:cNvPr>
@@ -20901,7 +22410,7 @@
           <p:cNvPr id="5" name="TextBox 4">
             <a:extLst>
               <a:ext uri="{FF2B5EF4-FFF2-40B4-BE49-F238E27FC236}">
-                <a16:creationId xmlns:a16="http://schemas.microsoft.com/office/drawing/2014/main" id="{D12B0B12-AB99-4F88-B4B2-948DADC833EA}"/>
+                <a16:creationId xmlns:a16="http://schemas.microsoft.com/office/drawing/2014/main" xmlns="" id="{D12B0B12-AB99-4F88-B4B2-948DADC833EA}"/>
               </a:ext>
             </a:extLst>
           </p:cNvPr>
@@ -21020,7 +22529,7 @@
           <p:cNvPr id="9" name="그림 8">
             <a:extLst>
               <a:ext uri="{FF2B5EF4-FFF2-40B4-BE49-F238E27FC236}">
-                <a16:creationId xmlns:a16="http://schemas.microsoft.com/office/drawing/2014/main" id="{0F0992E8-2696-42E6-805A-0C12780D8FA1}"/>
+                <a16:creationId xmlns:a16="http://schemas.microsoft.com/office/drawing/2014/main" xmlns="" id="{0F0992E8-2696-42E6-805A-0C12780D8FA1}"/>
               </a:ext>
             </a:extLst>
           </p:cNvPr>
@@ -21384,7 +22893,7 @@
           <p:cNvPr id="50" name="TextBox 49">
             <a:extLst>
               <a:ext uri="{FF2B5EF4-FFF2-40B4-BE49-F238E27FC236}">
-                <a16:creationId xmlns:a16="http://schemas.microsoft.com/office/drawing/2014/main" id="{606CB3EF-BD67-454E-8D48-D30774CEE106}"/>
+                <a16:creationId xmlns:a16="http://schemas.microsoft.com/office/drawing/2014/main" xmlns="" id="{606CB3EF-BD67-454E-8D48-D30774CEE106}"/>
               </a:ext>
             </a:extLst>
           </p:cNvPr>
@@ -21420,7 +22929,7 @@
           <p:cNvPr id="51" name="TextBox 50">
             <a:extLst>
               <a:ext uri="{FF2B5EF4-FFF2-40B4-BE49-F238E27FC236}">
-                <a16:creationId xmlns:a16="http://schemas.microsoft.com/office/drawing/2014/main" id="{6ECBB3D4-2156-4986-9434-EA8F60CE59E0}"/>
+                <a16:creationId xmlns:a16="http://schemas.microsoft.com/office/drawing/2014/main" xmlns="" id="{6ECBB3D4-2156-4986-9434-EA8F60CE59E0}"/>
               </a:ext>
             </a:extLst>
           </p:cNvPr>
@@ -21456,7 +22965,7 @@
           <p:cNvPr id="57" name="직선 연결선 56">
             <a:extLst>
               <a:ext uri="{FF2B5EF4-FFF2-40B4-BE49-F238E27FC236}">
-                <a16:creationId xmlns:a16="http://schemas.microsoft.com/office/drawing/2014/main" id="{A723CFAC-181E-4ABB-8790-FEC42B087A83}"/>
+                <a16:creationId xmlns:a16="http://schemas.microsoft.com/office/drawing/2014/main" xmlns="" id="{A723CFAC-181E-4ABB-8790-FEC42B087A83}"/>
               </a:ext>
             </a:extLst>
           </p:cNvPr>
@@ -21492,7 +23001,7 @@
           <p:cNvPr id="58" name="TextBox 57">
             <a:extLst>
               <a:ext uri="{FF2B5EF4-FFF2-40B4-BE49-F238E27FC236}">
-                <a16:creationId xmlns:a16="http://schemas.microsoft.com/office/drawing/2014/main" id="{010ADA31-1823-4E2F-B19C-9DF082DE9B5C}"/>
+                <a16:creationId xmlns:a16="http://schemas.microsoft.com/office/drawing/2014/main" xmlns="" id="{010ADA31-1823-4E2F-B19C-9DF082DE9B5C}"/>
               </a:ext>
             </a:extLst>
           </p:cNvPr>
@@ -21528,7 +23037,7 @@
           <p:cNvPr id="59" name="직사각형 58">
             <a:extLst>
               <a:ext uri="{FF2B5EF4-FFF2-40B4-BE49-F238E27FC236}">
-                <a16:creationId xmlns:a16="http://schemas.microsoft.com/office/drawing/2014/main" id="{28EAE90E-16BD-4338-B838-36E62A30452E}"/>
+                <a16:creationId xmlns:a16="http://schemas.microsoft.com/office/drawing/2014/main" xmlns="" id="{28EAE90E-16BD-4338-B838-36E62A30452E}"/>
               </a:ext>
             </a:extLst>
           </p:cNvPr>
@@ -21582,7 +23091,7 @@
           <p:cNvPr id="60" name="TextBox 59">
             <a:extLst>
               <a:ext uri="{FF2B5EF4-FFF2-40B4-BE49-F238E27FC236}">
-                <a16:creationId xmlns:a16="http://schemas.microsoft.com/office/drawing/2014/main" id="{78ADDD66-9CDE-4CA6-938D-D34562AC7F09}"/>
+                <a16:creationId xmlns:a16="http://schemas.microsoft.com/office/drawing/2014/main" xmlns="" id="{78ADDD66-9CDE-4CA6-938D-D34562AC7F09}"/>
               </a:ext>
             </a:extLst>
           </p:cNvPr>
@@ -21618,7 +23127,7 @@
           <p:cNvPr id="11" name="사각형: 위쪽 모서리의 한쪽은 둥글고 다른 한쪽은 잘림 10">
             <a:extLst>
               <a:ext uri="{FF2B5EF4-FFF2-40B4-BE49-F238E27FC236}">
-                <a16:creationId xmlns:a16="http://schemas.microsoft.com/office/drawing/2014/main" id="{D0755B07-9BF9-46BE-BECF-A785E2F601BE}"/>
+                <a16:creationId xmlns:a16="http://schemas.microsoft.com/office/drawing/2014/main" xmlns="" id="{D0755B07-9BF9-46BE-BECF-A785E2F601BE}"/>
               </a:ext>
             </a:extLst>
           </p:cNvPr>
@@ -21682,7 +23191,7 @@
           <p:cNvPr id="61" name="사각형: 위쪽 모서리의 한쪽은 둥글고 다른 한쪽은 잘림 60">
             <a:extLst>
               <a:ext uri="{FF2B5EF4-FFF2-40B4-BE49-F238E27FC236}">
-                <a16:creationId xmlns:a16="http://schemas.microsoft.com/office/drawing/2014/main" id="{0F05A80D-574E-4503-9F36-D0729A774664}"/>
+                <a16:creationId xmlns:a16="http://schemas.microsoft.com/office/drawing/2014/main" xmlns="" id="{0F05A80D-574E-4503-9F36-D0729A774664}"/>
               </a:ext>
             </a:extLst>
           </p:cNvPr>
@@ -21751,7 +23260,7 @@
           <p:cNvPr id="62" name="사각형: 위쪽 모서리의 한쪽은 둥글고 다른 한쪽은 잘림 61">
             <a:extLst>
               <a:ext uri="{FF2B5EF4-FFF2-40B4-BE49-F238E27FC236}">
-                <a16:creationId xmlns:a16="http://schemas.microsoft.com/office/drawing/2014/main" id="{73E013A2-B442-4546-A05C-EC2A2F2B7FC7}"/>
+                <a16:creationId xmlns:a16="http://schemas.microsoft.com/office/drawing/2014/main" xmlns="" id="{73E013A2-B442-4546-A05C-EC2A2F2B7FC7}"/>
               </a:ext>
             </a:extLst>
           </p:cNvPr>
@@ -21815,7 +23324,7 @@
           <p:cNvPr id="92" name="사각형: 위쪽 모서리의 한쪽은 둥글고 다른 한쪽은 잘림 91">
             <a:extLst>
               <a:ext uri="{FF2B5EF4-FFF2-40B4-BE49-F238E27FC236}">
-                <a16:creationId xmlns:a16="http://schemas.microsoft.com/office/drawing/2014/main" id="{BA222BE2-A61D-4450-8A37-BE793B84A2E2}"/>
+                <a16:creationId xmlns:a16="http://schemas.microsoft.com/office/drawing/2014/main" xmlns="" id="{BA222BE2-A61D-4450-8A37-BE793B84A2E2}"/>
               </a:ext>
             </a:extLst>
           </p:cNvPr>
@@ -21887,6 +23396,13 @@
   <p:clrMapOvr>
     <a:masterClrMapping/>
   </p:clrMapOvr>
+  <p:timing>
+    <p:tnLst>
+      <p:par>
+        <p:cTn id="1" dur="indefinite" restart="never" nodeType="tmRoot"/>
+      </p:par>
+    </p:tnLst>
+  </p:timing>
 </p:sld>
 </file>
 
@@ -21912,7 +23428,7 @@
           <p:cNvPr id="2" name="직사각형 1">
             <a:extLst>
               <a:ext uri="{FF2B5EF4-FFF2-40B4-BE49-F238E27FC236}">
-                <a16:creationId xmlns:a16="http://schemas.microsoft.com/office/drawing/2014/main" id="{8E5B996D-DF87-49E5-95D1-45B1EEB9EE9A}"/>
+                <a16:creationId xmlns:a16="http://schemas.microsoft.com/office/drawing/2014/main" xmlns="" id="{8E5B996D-DF87-49E5-95D1-45B1EEB9EE9A}"/>
               </a:ext>
             </a:extLst>
           </p:cNvPr>
@@ -21964,7 +23480,7 @@
           <p:cNvPr id="4" name="직사각형 3">
             <a:extLst>
               <a:ext uri="{FF2B5EF4-FFF2-40B4-BE49-F238E27FC236}">
-                <a16:creationId xmlns:a16="http://schemas.microsoft.com/office/drawing/2014/main" id="{080CEE4E-4BCA-42C3-BECA-9BCEB9931EEA}"/>
+                <a16:creationId xmlns:a16="http://schemas.microsoft.com/office/drawing/2014/main" xmlns="" id="{080CEE4E-4BCA-42C3-BECA-9BCEB9931EEA}"/>
               </a:ext>
             </a:extLst>
           </p:cNvPr>
@@ -22016,7 +23532,7 @@
           <p:cNvPr id="5" name="TextBox 4">
             <a:extLst>
               <a:ext uri="{FF2B5EF4-FFF2-40B4-BE49-F238E27FC236}">
-                <a16:creationId xmlns:a16="http://schemas.microsoft.com/office/drawing/2014/main" id="{D12B0B12-AB99-4F88-B4B2-948DADC833EA}"/>
+                <a16:creationId xmlns:a16="http://schemas.microsoft.com/office/drawing/2014/main" xmlns="" id="{D12B0B12-AB99-4F88-B4B2-948DADC833EA}"/>
               </a:ext>
             </a:extLst>
           </p:cNvPr>
@@ -22135,7 +23651,7 @@
           <p:cNvPr id="9" name="그림 8">
             <a:extLst>
               <a:ext uri="{FF2B5EF4-FFF2-40B4-BE49-F238E27FC236}">
-                <a16:creationId xmlns:a16="http://schemas.microsoft.com/office/drawing/2014/main" id="{0F0992E8-2696-42E6-805A-0C12780D8FA1}"/>
+                <a16:creationId xmlns:a16="http://schemas.microsoft.com/office/drawing/2014/main" xmlns="" id="{0F0992E8-2696-42E6-805A-0C12780D8FA1}"/>
               </a:ext>
             </a:extLst>
           </p:cNvPr>
@@ -22386,7 +23902,7 @@
           <p:cNvPr id="4" name="그림 3" descr="실내, 사람이(가) 표시된 사진&#10;&#10;자동 생성된 설명">
             <a:extLst>
               <a:ext uri="{FF2B5EF4-FFF2-40B4-BE49-F238E27FC236}">
-                <a16:creationId xmlns:a16="http://schemas.microsoft.com/office/drawing/2014/main" id="{4D077A45-DF2B-4618-9394-A141B13B1420}"/>
+                <a16:creationId xmlns:a16="http://schemas.microsoft.com/office/drawing/2014/main" xmlns="" id="{4D077A45-DF2B-4618-9394-A141B13B1420}"/>
               </a:ext>
             </a:extLst>
           </p:cNvPr>
@@ -22422,7 +23938,7 @@
           <p:cNvPr id="5" name="TextBox 4">
             <a:extLst>
               <a:ext uri="{FF2B5EF4-FFF2-40B4-BE49-F238E27FC236}">
-                <a16:creationId xmlns:a16="http://schemas.microsoft.com/office/drawing/2014/main" id="{23D82F33-5629-4A89-96F7-5348A5E7BF64}"/>
+                <a16:creationId xmlns:a16="http://schemas.microsoft.com/office/drawing/2014/main" xmlns="" id="{23D82F33-5629-4A89-96F7-5348A5E7BF64}"/>
               </a:ext>
             </a:extLst>
           </p:cNvPr>
@@ -22506,7 +24022,7 @@
           <p:cNvPr id="15" name="그룹 14">
             <a:extLst>
               <a:ext uri="{FF2B5EF4-FFF2-40B4-BE49-F238E27FC236}">
-                <a16:creationId xmlns:a16="http://schemas.microsoft.com/office/drawing/2014/main" id="{B7536413-EBBF-45BD-956C-DBF04F557F50}"/>
+                <a16:creationId xmlns:a16="http://schemas.microsoft.com/office/drawing/2014/main" xmlns="" id="{B7536413-EBBF-45BD-956C-DBF04F557F50}"/>
               </a:ext>
             </a:extLst>
           </p:cNvPr>
@@ -22526,7 +24042,7 @@
             <p:cNvPr id="8" name="직사각형 7">
               <a:extLst>
                 <a:ext uri="{FF2B5EF4-FFF2-40B4-BE49-F238E27FC236}">
-                  <a16:creationId xmlns:a16="http://schemas.microsoft.com/office/drawing/2014/main" id="{F11A9128-76C8-4335-872F-E85671129C65}"/>
+                  <a16:creationId xmlns:a16="http://schemas.microsoft.com/office/drawing/2014/main" xmlns="" id="{F11A9128-76C8-4335-872F-E85671129C65}"/>
                 </a:ext>
               </a:extLst>
             </p:cNvPr>
@@ -22578,7 +24094,7 @@
             <p:cNvPr id="14" name="이등변 삼각형 13">
               <a:extLst>
                 <a:ext uri="{FF2B5EF4-FFF2-40B4-BE49-F238E27FC236}">
-                  <a16:creationId xmlns:a16="http://schemas.microsoft.com/office/drawing/2014/main" id="{2C330ABB-6ACB-46E7-B89D-15EBDBF22119}"/>
+                  <a16:creationId xmlns:a16="http://schemas.microsoft.com/office/drawing/2014/main" xmlns="" id="{2C330ABB-6ACB-46E7-B89D-15EBDBF22119}"/>
                 </a:ext>
               </a:extLst>
             </p:cNvPr>
@@ -22631,7 +24147,7 @@
           <p:cNvPr id="2" name="직사각형 1">
             <a:extLst>
               <a:ext uri="{FF2B5EF4-FFF2-40B4-BE49-F238E27FC236}">
-                <a16:creationId xmlns:a16="http://schemas.microsoft.com/office/drawing/2014/main" id="{8E5B996D-DF87-49E5-95D1-45B1EEB9EE9A}"/>
+                <a16:creationId xmlns:a16="http://schemas.microsoft.com/office/drawing/2014/main" xmlns="" id="{8E5B996D-DF87-49E5-95D1-45B1EEB9EE9A}"/>
               </a:ext>
             </a:extLst>
           </p:cNvPr>
@@ -22683,7 +24199,7 @@
           <p:cNvPr id="4" name="직사각형 3">
             <a:extLst>
               <a:ext uri="{FF2B5EF4-FFF2-40B4-BE49-F238E27FC236}">
-                <a16:creationId xmlns:a16="http://schemas.microsoft.com/office/drawing/2014/main" id="{080CEE4E-4BCA-42C3-BECA-9BCEB9931EEA}"/>
+                <a16:creationId xmlns:a16="http://schemas.microsoft.com/office/drawing/2014/main" xmlns="" id="{080CEE4E-4BCA-42C3-BECA-9BCEB9931EEA}"/>
               </a:ext>
             </a:extLst>
           </p:cNvPr>
@@ -22735,7 +24251,7 @@
           <p:cNvPr id="5" name="TextBox 4">
             <a:extLst>
               <a:ext uri="{FF2B5EF4-FFF2-40B4-BE49-F238E27FC236}">
-                <a16:creationId xmlns:a16="http://schemas.microsoft.com/office/drawing/2014/main" id="{D12B0B12-AB99-4F88-B4B2-948DADC833EA}"/>
+                <a16:creationId xmlns:a16="http://schemas.microsoft.com/office/drawing/2014/main" xmlns="" id="{D12B0B12-AB99-4F88-B4B2-948DADC833EA}"/>
               </a:ext>
             </a:extLst>
           </p:cNvPr>
@@ -22854,7 +24370,7 @@
           <p:cNvPr id="9" name="그림 8">
             <a:extLst>
               <a:ext uri="{FF2B5EF4-FFF2-40B4-BE49-F238E27FC236}">
-                <a16:creationId xmlns:a16="http://schemas.microsoft.com/office/drawing/2014/main" id="{0F0992E8-2696-42E6-805A-0C12780D8FA1}"/>
+                <a16:creationId xmlns:a16="http://schemas.microsoft.com/office/drawing/2014/main" xmlns="" id="{0F0992E8-2696-42E6-805A-0C12780D8FA1}"/>
               </a:ext>
             </a:extLst>
           </p:cNvPr>
@@ -22889,7 +24405,7 @@
           <p:cNvPr id="12" name="TextBox 11">
             <a:extLst>
               <a:ext uri="{FF2B5EF4-FFF2-40B4-BE49-F238E27FC236}">
-                <a16:creationId xmlns:a16="http://schemas.microsoft.com/office/drawing/2014/main" id="{7FA4A435-72AD-4E57-8841-4A73CE0EA391}"/>
+                <a16:creationId xmlns:a16="http://schemas.microsoft.com/office/drawing/2014/main" xmlns="" id="{7FA4A435-72AD-4E57-8841-4A73CE0EA391}"/>
               </a:ext>
             </a:extLst>
           </p:cNvPr>
@@ -23028,7 +24544,7 @@
           <p:cNvPr id="2" name="직사각형 1">
             <a:extLst>
               <a:ext uri="{FF2B5EF4-FFF2-40B4-BE49-F238E27FC236}">
-                <a16:creationId xmlns:a16="http://schemas.microsoft.com/office/drawing/2014/main" id="{8E5B996D-DF87-49E5-95D1-45B1EEB9EE9A}"/>
+                <a16:creationId xmlns:a16="http://schemas.microsoft.com/office/drawing/2014/main" xmlns="" id="{8E5B996D-DF87-49E5-95D1-45B1EEB9EE9A}"/>
               </a:ext>
             </a:extLst>
           </p:cNvPr>
@@ -23080,7 +24596,7 @@
           <p:cNvPr id="4" name="직사각형 3">
             <a:extLst>
               <a:ext uri="{FF2B5EF4-FFF2-40B4-BE49-F238E27FC236}">
-                <a16:creationId xmlns:a16="http://schemas.microsoft.com/office/drawing/2014/main" id="{080CEE4E-4BCA-42C3-BECA-9BCEB9931EEA}"/>
+                <a16:creationId xmlns:a16="http://schemas.microsoft.com/office/drawing/2014/main" xmlns="" id="{080CEE4E-4BCA-42C3-BECA-9BCEB9931EEA}"/>
               </a:ext>
             </a:extLst>
           </p:cNvPr>
@@ -23132,7 +24648,7 @@
           <p:cNvPr id="5" name="TextBox 4">
             <a:extLst>
               <a:ext uri="{FF2B5EF4-FFF2-40B4-BE49-F238E27FC236}">
-                <a16:creationId xmlns:a16="http://schemas.microsoft.com/office/drawing/2014/main" id="{D12B0B12-AB99-4F88-B4B2-948DADC833EA}"/>
+                <a16:creationId xmlns:a16="http://schemas.microsoft.com/office/drawing/2014/main" xmlns="" id="{D12B0B12-AB99-4F88-B4B2-948DADC833EA}"/>
               </a:ext>
             </a:extLst>
           </p:cNvPr>
@@ -23215,7 +24731,7 @@
           <p:cNvPr id="9" name="그림 8">
             <a:extLst>
               <a:ext uri="{FF2B5EF4-FFF2-40B4-BE49-F238E27FC236}">
-                <a16:creationId xmlns:a16="http://schemas.microsoft.com/office/drawing/2014/main" id="{0F0992E8-2696-42E6-805A-0C12780D8FA1}"/>
+                <a16:creationId xmlns:a16="http://schemas.microsoft.com/office/drawing/2014/main" xmlns="" id="{0F0992E8-2696-42E6-805A-0C12780D8FA1}"/>
               </a:ext>
             </a:extLst>
           </p:cNvPr>
@@ -23511,7 +25027,7 @@
           <p:cNvPr id="2" name="직사각형 1">
             <a:extLst>
               <a:ext uri="{FF2B5EF4-FFF2-40B4-BE49-F238E27FC236}">
-                <a16:creationId xmlns:a16="http://schemas.microsoft.com/office/drawing/2014/main" id="{8E5B996D-DF87-49E5-95D1-45B1EEB9EE9A}"/>
+                <a16:creationId xmlns:a16="http://schemas.microsoft.com/office/drawing/2014/main" xmlns="" id="{8E5B996D-DF87-49E5-95D1-45B1EEB9EE9A}"/>
               </a:ext>
             </a:extLst>
           </p:cNvPr>
@@ -23563,7 +25079,7 @@
           <p:cNvPr id="4" name="직사각형 3">
             <a:extLst>
               <a:ext uri="{FF2B5EF4-FFF2-40B4-BE49-F238E27FC236}">
-                <a16:creationId xmlns:a16="http://schemas.microsoft.com/office/drawing/2014/main" id="{080CEE4E-4BCA-42C3-BECA-9BCEB9931EEA}"/>
+                <a16:creationId xmlns:a16="http://schemas.microsoft.com/office/drawing/2014/main" xmlns="" id="{080CEE4E-4BCA-42C3-BECA-9BCEB9931EEA}"/>
               </a:ext>
             </a:extLst>
           </p:cNvPr>
@@ -23615,7 +25131,7 @@
           <p:cNvPr id="5" name="TextBox 4">
             <a:extLst>
               <a:ext uri="{FF2B5EF4-FFF2-40B4-BE49-F238E27FC236}">
-                <a16:creationId xmlns:a16="http://schemas.microsoft.com/office/drawing/2014/main" id="{D12B0B12-AB99-4F88-B4B2-948DADC833EA}"/>
+                <a16:creationId xmlns:a16="http://schemas.microsoft.com/office/drawing/2014/main" xmlns="" id="{D12B0B12-AB99-4F88-B4B2-948DADC833EA}"/>
               </a:ext>
             </a:extLst>
           </p:cNvPr>
@@ -23734,7 +25250,7 @@
           <p:cNvPr id="9" name="그림 8">
             <a:extLst>
               <a:ext uri="{FF2B5EF4-FFF2-40B4-BE49-F238E27FC236}">
-                <a16:creationId xmlns:a16="http://schemas.microsoft.com/office/drawing/2014/main" id="{0F0992E8-2696-42E6-805A-0C12780D8FA1}"/>
+                <a16:creationId xmlns:a16="http://schemas.microsoft.com/office/drawing/2014/main" xmlns="" id="{0F0992E8-2696-42E6-805A-0C12780D8FA1}"/>
               </a:ext>
             </a:extLst>
           </p:cNvPr>
@@ -23838,6 +25354,13 @@
   <p:clrMapOvr>
     <a:masterClrMapping/>
   </p:clrMapOvr>
+  <p:timing>
+    <p:tnLst>
+      <p:par>
+        <p:cTn id="1" dur="indefinite" restart="never" nodeType="tmRoot"/>
+      </p:par>
+    </p:tnLst>
+  </p:timing>
 </p:sld>
 </file>
 
@@ -23863,7 +25386,7 @@
           <p:cNvPr id="2" name="직사각형 1">
             <a:extLst>
               <a:ext uri="{FF2B5EF4-FFF2-40B4-BE49-F238E27FC236}">
-                <a16:creationId xmlns:a16="http://schemas.microsoft.com/office/drawing/2014/main" id="{8E5B996D-DF87-49E5-95D1-45B1EEB9EE9A}"/>
+                <a16:creationId xmlns:a16="http://schemas.microsoft.com/office/drawing/2014/main" xmlns="" id="{8E5B996D-DF87-49E5-95D1-45B1EEB9EE9A}"/>
               </a:ext>
             </a:extLst>
           </p:cNvPr>
@@ -23915,7 +25438,7 @@
           <p:cNvPr id="4" name="직사각형 3">
             <a:extLst>
               <a:ext uri="{FF2B5EF4-FFF2-40B4-BE49-F238E27FC236}">
-                <a16:creationId xmlns:a16="http://schemas.microsoft.com/office/drawing/2014/main" id="{080CEE4E-4BCA-42C3-BECA-9BCEB9931EEA}"/>
+                <a16:creationId xmlns:a16="http://schemas.microsoft.com/office/drawing/2014/main" xmlns="" id="{080CEE4E-4BCA-42C3-BECA-9BCEB9931EEA}"/>
               </a:ext>
             </a:extLst>
           </p:cNvPr>
@@ -23967,7 +25490,7 @@
           <p:cNvPr id="5" name="TextBox 4">
             <a:extLst>
               <a:ext uri="{FF2B5EF4-FFF2-40B4-BE49-F238E27FC236}">
-                <a16:creationId xmlns:a16="http://schemas.microsoft.com/office/drawing/2014/main" id="{D12B0B12-AB99-4F88-B4B2-948DADC833EA}"/>
+                <a16:creationId xmlns:a16="http://schemas.microsoft.com/office/drawing/2014/main" xmlns="" id="{D12B0B12-AB99-4F88-B4B2-948DADC833EA}"/>
               </a:ext>
             </a:extLst>
           </p:cNvPr>
@@ -24086,7 +25609,7 @@
           <p:cNvPr id="9" name="그림 8">
             <a:extLst>
               <a:ext uri="{FF2B5EF4-FFF2-40B4-BE49-F238E27FC236}">
-                <a16:creationId xmlns:a16="http://schemas.microsoft.com/office/drawing/2014/main" id="{0F0992E8-2696-42E6-805A-0C12780D8FA1}"/>
+                <a16:creationId xmlns:a16="http://schemas.microsoft.com/office/drawing/2014/main" xmlns="" id="{0F0992E8-2696-42E6-805A-0C12780D8FA1}"/>
               </a:ext>
             </a:extLst>
           </p:cNvPr>
@@ -24190,6 +25713,13 @@
   <p:clrMapOvr>
     <a:masterClrMapping/>
   </p:clrMapOvr>
+  <p:timing>
+    <p:tnLst>
+      <p:par>
+        <p:cTn id="1" dur="indefinite" restart="never" nodeType="tmRoot"/>
+      </p:par>
+    </p:tnLst>
+  </p:timing>
 </p:sld>
 </file>
 
@@ -24215,7 +25745,7 @@
           <p:cNvPr id="2" name="직사각형 1">
             <a:extLst>
               <a:ext uri="{FF2B5EF4-FFF2-40B4-BE49-F238E27FC236}">
-                <a16:creationId xmlns:a16="http://schemas.microsoft.com/office/drawing/2014/main" id="{8E5B996D-DF87-49E5-95D1-45B1EEB9EE9A}"/>
+                <a16:creationId xmlns:a16="http://schemas.microsoft.com/office/drawing/2014/main" xmlns="" id="{8E5B996D-DF87-49E5-95D1-45B1EEB9EE9A}"/>
               </a:ext>
             </a:extLst>
           </p:cNvPr>
@@ -24267,7 +25797,7 @@
           <p:cNvPr id="4" name="직사각형 3">
             <a:extLst>
               <a:ext uri="{FF2B5EF4-FFF2-40B4-BE49-F238E27FC236}">
-                <a16:creationId xmlns:a16="http://schemas.microsoft.com/office/drawing/2014/main" id="{080CEE4E-4BCA-42C3-BECA-9BCEB9931EEA}"/>
+                <a16:creationId xmlns:a16="http://schemas.microsoft.com/office/drawing/2014/main" xmlns="" id="{080CEE4E-4BCA-42C3-BECA-9BCEB9931EEA}"/>
               </a:ext>
             </a:extLst>
           </p:cNvPr>
@@ -24319,7 +25849,7 @@
           <p:cNvPr id="5" name="TextBox 4">
             <a:extLst>
               <a:ext uri="{FF2B5EF4-FFF2-40B4-BE49-F238E27FC236}">
-                <a16:creationId xmlns:a16="http://schemas.microsoft.com/office/drawing/2014/main" id="{D12B0B12-AB99-4F88-B4B2-948DADC833EA}"/>
+                <a16:creationId xmlns:a16="http://schemas.microsoft.com/office/drawing/2014/main" xmlns="" id="{D12B0B12-AB99-4F88-B4B2-948DADC833EA}"/>
               </a:ext>
             </a:extLst>
           </p:cNvPr>
@@ -24438,7 +25968,7 @@
           <p:cNvPr id="9" name="그림 8">
             <a:extLst>
               <a:ext uri="{FF2B5EF4-FFF2-40B4-BE49-F238E27FC236}">
-                <a16:creationId xmlns:a16="http://schemas.microsoft.com/office/drawing/2014/main" id="{0F0992E8-2696-42E6-805A-0C12780D8FA1}"/>
+                <a16:creationId xmlns:a16="http://schemas.microsoft.com/office/drawing/2014/main" xmlns="" id="{0F0992E8-2696-42E6-805A-0C12780D8FA1}"/>
               </a:ext>
             </a:extLst>
           </p:cNvPr>
@@ -24479,6 +26009,13 @@
   <p:clrMapOvr>
     <a:masterClrMapping/>
   </p:clrMapOvr>
+  <p:timing>
+    <p:tnLst>
+      <p:par>
+        <p:cTn id="1" dur="indefinite" restart="never" nodeType="tmRoot"/>
+      </p:par>
+    </p:tnLst>
+  </p:timing>
 </p:sld>
 </file>
 
@@ -24504,7 +26041,7 @@
           <p:cNvPr id="2" name="직사각형 1">
             <a:extLst>
               <a:ext uri="{FF2B5EF4-FFF2-40B4-BE49-F238E27FC236}">
-                <a16:creationId xmlns:a16="http://schemas.microsoft.com/office/drawing/2014/main" id="{8E5B996D-DF87-49E5-95D1-45B1EEB9EE9A}"/>
+                <a16:creationId xmlns:a16="http://schemas.microsoft.com/office/drawing/2014/main" xmlns="" id="{8E5B996D-DF87-49E5-95D1-45B1EEB9EE9A}"/>
               </a:ext>
             </a:extLst>
           </p:cNvPr>
@@ -24556,7 +26093,7 @@
           <p:cNvPr id="4" name="직사각형 3">
             <a:extLst>
               <a:ext uri="{FF2B5EF4-FFF2-40B4-BE49-F238E27FC236}">
-                <a16:creationId xmlns:a16="http://schemas.microsoft.com/office/drawing/2014/main" id="{080CEE4E-4BCA-42C3-BECA-9BCEB9931EEA}"/>
+                <a16:creationId xmlns:a16="http://schemas.microsoft.com/office/drawing/2014/main" xmlns="" id="{080CEE4E-4BCA-42C3-BECA-9BCEB9931EEA}"/>
               </a:ext>
             </a:extLst>
           </p:cNvPr>
@@ -24608,7 +26145,7 @@
           <p:cNvPr id="5" name="TextBox 4">
             <a:extLst>
               <a:ext uri="{FF2B5EF4-FFF2-40B4-BE49-F238E27FC236}">
-                <a16:creationId xmlns:a16="http://schemas.microsoft.com/office/drawing/2014/main" id="{D12B0B12-AB99-4F88-B4B2-948DADC833EA}"/>
+                <a16:creationId xmlns:a16="http://schemas.microsoft.com/office/drawing/2014/main" xmlns="" id="{D12B0B12-AB99-4F88-B4B2-948DADC833EA}"/>
               </a:ext>
             </a:extLst>
           </p:cNvPr>
@@ -24727,7 +26264,7 @@
           <p:cNvPr id="9" name="그림 8">
             <a:extLst>
               <a:ext uri="{FF2B5EF4-FFF2-40B4-BE49-F238E27FC236}">
-                <a16:creationId xmlns:a16="http://schemas.microsoft.com/office/drawing/2014/main" id="{0F0992E8-2696-42E6-805A-0C12780D8FA1}"/>
+                <a16:creationId xmlns:a16="http://schemas.microsoft.com/office/drawing/2014/main" xmlns="" id="{0F0992E8-2696-42E6-805A-0C12780D8FA1}"/>
               </a:ext>
             </a:extLst>
           </p:cNvPr>
@@ -25949,6 +27486,736 @@
           </p:sp>
         </p:grpSp>
       </p:grpSp>
+      <p:sp>
+        <p:nvSpPr>
+          <p:cNvPr id="42" name="TextBox 41">
+            <a:extLst>
+              <a:ext uri="{FF2B5EF4-FFF2-40B4-BE49-F238E27FC236}">
+                <a16:creationId xmlns:a16="http://schemas.microsoft.com/office/drawing/2014/main" xmlns="" id="{606CB3EF-BD67-454E-8D48-D30774CEE106}"/>
+              </a:ext>
+            </a:extLst>
+          </p:cNvPr>
+          <p:cNvSpPr txBox="1"/>
+          <p:nvPr/>
+        </p:nvSpPr>
+        <p:spPr>
+          <a:xfrm>
+            <a:off x="1786856" y="1845578"/>
+            <a:ext cx="595618" cy="215444"/>
+          </a:xfrm>
+          <a:prstGeom prst="rect">
+            <a:avLst/>
+          </a:prstGeom>
+          <a:noFill/>
+        </p:spPr>
+        <p:txBody>
+          <a:bodyPr wrap="square" rtlCol="0">
+            <a:spAutoFit/>
+          </a:bodyPr>
+          <a:lstStyle/>
+          <a:p>
+            <a:r>
+              <a:rPr lang="ko-KR" altLang="en-US" sz="800" dirty="0" err="1"/>
+              <a:t>마이시터</a:t>
+            </a:r>
+            <a:endParaRPr lang="ko-KR" altLang="en-US" sz="800" dirty="0"/>
+          </a:p>
+        </p:txBody>
+      </p:sp>
+      <p:sp>
+        <p:nvSpPr>
+          <p:cNvPr id="43" name="TextBox 42">
+            <a:extLst>
+              <a:ext uri="{FF2B5EF4-FFF2-40B4-BE49-F238E27FC236}">
+                <a16:creationId xmlns:a16="http://schemas.microsoft.com/office/drawing/2014/main" xmlns="" id="{6ECBB3D4-2156-4986-9434-EA8F60CE59E0}"/>
+              </a:ext>
+            </a:extLst>
+          </p:cNvPr>
+          <p:cNvSpPr txBox="1"/>
+          <p:nvPr/>
+        </p:nvSpPr>
+        <p:spPr>
+          <a:xfrm>
+            <a:off x="5508770" y="1845578"/>
+            <a:ext cx="1630262" cy="215444"/>
+          </a:xfrm>
+          <a:prstGeom prst="rect">
+            <a:avLst/>
+          </a:prstGeom>
+          <a:noFill/>
+        </p:spPr>
+        <p:txBody>
+          <a:bodyPr wrap="square" rtlCol="0">
+            <a:spAutoFit/>
+          </a:bodyPr>
+          <a:lstStyle/>
+          <a:p>
+            <a:r>
+              <a:rPr lang="ko-KR" altLang="en-US" sz="800"/>
+              <a:t>로그인   회원가입   마이페이지</a:t>
+            </a:r>
+            <a:endParaRPr lang="ko-KR" altLang="en-US" sz="800" dirty="0"/>
+          </a:p>
+        </p:txBody>
+      </p:sp>
+      <p:cxnSp>
+        <p:nvCxnSpPr>
+          <p:cNvPr id="44" name="직선 연결선 43">
+            <a:extLst>
+              <a:ext uri="{FF2B5EF4-FFF2-40B4-BE49-F238E27FC236}">
+                <a16:creationId xmlns:a16="http://schemas.microsoft.com/office/drawing/2014/main" xmlns="" id="{A723CFAC-181E-4ABB-8790-FEC42B087A83}"/>
+              </a:ext>
+            </a:extLst>
+          </p:cNvPr>
+          <p:cNvCxnSpPr/>
+          <p:nvPr/>
+        </p:nvCxnSpPr>
+        <p:spPr>
+          <a:xfrm>
+            <a:off x="896100" y="2095956"/>
+            <a:ext cx="7200001" cy="0"/>
+          </a:xfrm>
+          <a:prstGeom prst="line">
+            <a:avLst/>
+          </a:prstGeom>
+        </p:spPr>
+        <p:style>
+          <a:lnRef idx="1">
+            <a:schemeClr val="dk1"/>
+          </a:lnRef>
+          <a:fillRef idx="0">
+            <a:schemeClr val="dk1"/>
+          </a:fillRef>
+          <a:effectRef idx="0">
+            <a:schemeClr val="dk1"/>
+          </a:effectRef>
+          <a:fontRef idx="minor">
+            <a:schemeClr val="tx1"/>
+          </a:fontRef>
+        </p:style>
+      </p:cxnSp>
+      <p:sp>
+        <p:nvSpPr>
+          <p:cNvPr id="45" name="TextBox 44">
+            <a:extLst>
+              <a:ext uri="{FF2B5EF4-FFF2-40B4-BE49-F238E27FC236}">
+                <a16:creationId xmlns:a16="http://schemas.microsoft.com/office/drawing/2014/main" xmlns="" id="{010ADA31-1823-4E2F-B19C-9DF082DE9B5C}"/>
+              </a:ext>
+            </a:extLst>
+          </p:cNvPr>
+          <p:cNvSpPr txBox="1"/>
+          <p:nvPr/>
+        </p:nvSpPr>
+        <p:spPr>
+          <a:xfrm>
+            <a:off x="4203946" y="1845190"/>
+            <a:ext cx="595618" cy="215444"/>
+          </a:xfrm>
+          <a:prstGeom prst="rect">
+            <a:avLst/>
+          </a:prstGeom>
+          <a:noFill/>
+        </p:spPr>
+        <p:txBody>
+          <a:bodyPr wrap="square" rtlCol="0">
+            <a:spAutoFit/>
+          </a:bodyPr>
+          <a:lstStyle/>
+          <a:p>
+            <a:r>
+              <a:rPr lang="en-US" altLang="ko-KR" sz="800" dirty="0"/>
+              <a:t>logo</a:t>
+            </a:r>
+            <a:endParaRPr lang="ko-KR" altLang="en-US" sz="800" dirty="0"/>
+          </a:p>
+        </p:txBody>
+      </p:sp>
+      <p:sp>
+        <p:nvSpPr>
+          <p:cNvPr id="46" name="직사각형 45">
+            <a:extLst>
+              <a:ext uri="{FF2B5EF4-FFF2-40B4-BE49-F238E27FC236}">
+                <a16:creationId xmlns:a16="http://schemas.microsoft.com/office/drawing/2014/main" xmlns="" id="{28EAE90E-16BD-4338-B838-36E62A30452E}"/>
+              </a:ext>
+            </a:extLst>
+          </p:cNvPr>
+          <p:cNvSpPr/>
+          <p:nvPr/>
+        </p:nvSpPr>
+        <p:spPr>
+          <a:xfrm>
+            <a:off x="4044343" y="1845190"/>
+            <a:ext cx="224256" cy="209724"/>
+          </a:xfrm>
+          <a:prstGeom prst="rect">
+            <a:avLst/>
+          </a:prstGeom>
+          <a:solidFill>
+            <a:schemeClr val="bg1"/>
+          </a:solidFill>
+          <a:ln>
+            <a:solidFill>
+              <a:schemeClr val="tx1"/>
+            </a:solidFill>
+          </a:ln>
+        </p:spPr>
+        <p:style>
+          <a:lnRef idx="2">
+            <a:schemeClr val="accent1">
+              <a:shade val="50000"/>
+            </a:schemeClr>
+          </a:lnRef>
+          <a:fillRef idx="1">
+            <a:schemeClr val="accent1"/>
+          </a:fillRef>
+          <a:effectRef idx="0">
+            <a:schemeClr val="accent1"/>
+          </a:effectRef>
+          <a:fontRef idx="minor">
+            <a:schemeClr val="lt1"/>
+          </a:fontRef>
+        </p:style>
+        <p:txBody>
+          <a:bodyPr rtlCol="0" anchor="ctr"/>
+          <a:lstStyle/>
+          <a:p>
+            <a:pPr algn="ctr"/>
+            <a:endParaRPr lang="ko-KR" altLang="en-US" dirty="0"/>
+          </a:p>
+        </p:txBody>
+      </p:sp>
+      <p:sp>
+        <p:nvSpPr>
+          <p:cNvPr id="47" name="TextBox 46">
+            <a:extLst>
+              <a:ext uri="{FF2B5EF4-FFF2-40B4-BE49-F238E27FC236}">
+                <a16:creationId xmlns:a16="http://schemas.microsoft.com/office/drawing/2014/main" xmlns="" id="{78ADDD66-9CDE-4CA6-938D-D34562AC7F09}"/>
+              </a:ext>
+            </a:extLst>
+          </p:cNvPr>
+          <p:cNvSpPr txBox="1"/>
+          <p:nvPr/>
+        </p:nvSpPr>
+        <p:spPr>
+          <a:xfrm>
+            <a:off x="2329495" y="1845578"/>
+            <a:ext cx="595618" cy="215444"/>
+          </a:xfrm>
+          <a:prstGeom prst="rect">
+            <a:avLst/>
+          </a:prstGeom>
+          <a:noFill/>
+        </p:spPr>
+        <p:txBody>
+          <a:bodyPr wrap="square" rtlCol="0">
+            <a:spAutoFit/>
+          </a:bodyPr>
+          <a:lstStyle/>
+          <a:p>
+            <a:r>
+              <a:rPr lang="ko-KR" altLang="en-US" sz="800" dirty="0" err="1"/>
+              <a:t>시터찾기</a:t>
+            </a:r>
+            <a:endParaRPr lang="ko-KR" altLang="en-US" sz="800" dirty="0"/>
+          </a:p>
+        </p:txBody>
+      </p:sp>
+      <p:sp>
+        <p:nvSpPr>
+          <p:cNvPr id="48" name="직사각형 47">
+            <a:extLst>
+              <a:ext uri="{FF2B5EF4-FFF2-40B4-BE49-F238E27FC236}">
+                <a16:creationId xmlns:a16="http://schemas.microsoft.com/office/drawing/2014/main" xmlns="" id="{33107F64-EDE9-4E47-9242-F8A468C24118}"/>
+              </a:ext>
+            </a:extLst>
+          </p:cNvPr>
+          <p:cNvSpPr/>
+          <p:nvPr/>
+        </p:nvSpPr>
+        <p:spPr>
+          <a:xfrm>
+            <a:off x="9563677" y="1828800"/>
+            <a:ext cx="1023230" cy="276836"/>
+          </a:xfrm>
+          <a:prstGeom prst="rect">
+            <a:avLst/>
+          </a:prstGeom>
+          <a:solidFill>
+            <a:schemeClr val="bg1"/>
+          </a:solidFill>
+          <a:ln>
+            <a:solidFill>
+              <a:schemeClr val="tx1"/>
+            </a:solidFill>
+          </a:ln>
+        </p:spPr>
+        <p:style>
+          <a:lnRef idx="2">
+            <a:schemeClr val="accent1">
+              <a:shade val="50000"/>
+            </a:schemeClr>
+          </a:lnRef>
+          <a:fillRef idx="1">
+            <a:schemeClr val="accent1"/>
+          </a:fillRef>
+          <a:effectRef idx="0">
+            <a:schemeClr val="accent1"/>
+          </a:effectRef>
+          <a:fontRef idx="minor">
+            <a:schemeClr val="lt1"/>
+          </a:fontRef>
+        </p:style>
+        <p:txBody>
+          <a:bodyPr rtlCol="0" anchor="ctr"/>
+          <a:lstStyle/>
+          <a:p>
+            <a:pPr algn="ctr"/>
+            <a:endParaRPr lang="ko-KR" altLang="en-US" dirty="0"/>
+          </a:p>
+        </p:txBody>
+      </p:sp>
+      <p:sp>
+        <p:nvSpPr>
+          <p:cNvPr id="49" name="직사각형 48">
+            <a:extLst>
+              <a:ext uri="{FF2B5EF4-FFF2-40B4-BE49-F238E27FC236}">
+                <a16:creationId xmlns:a16="http://schemas.microsoft.com/office/drawing/2014/main" xmlns="" id="{5A842A4B-8B39-44DE-9CEA-9515737356B2}"/>
+              </a:ext>
+            </a:extLst>
+          </p:cNvPr>
+          <p:cNvSpPr/>
+          <p:nvPr/>
+        </p:nvSpPr>
+        <p:spPr>
+          <a:xfrm>
+            <a:off x="9599253" y="1862356"/>
+            <a:ext cx="224256" cy="209724"/>
+          </a:xfrm>
+          <a:prstGeom prst="rect">
+            <a:avLst/>
+          </a:prstGeom>
+          <a:solidFill>
+            <a:schemeClr val="bg1"/>
+          </a:solidFill>
+          <a:ln>
+            <a:solidFill>
+              <a:schemeClr val="tx1"/>
+            </a:solidFill>
+          </a:ln>
+        </p:spPr>
+        <p:style>
+          <a:lnRef idx="2">
+            <a:schemeClr val="accent1">
+              <a:shade val="50000"/>
+            </a:schemeClr>
+          </a:lnRef>
+          <a:fillRef idx="1">
+            <a:schemeClr val="accent1"/>
+          </a:fillRef>
+          <a:effectRef idx="0">
+            <a:schemeClr val="accent1"/>
+          </a:effectRef>
+          <a:fontRef idx="minor">
+            <a:schemeClr val="lt1"/>
+          </a:fontRef>
+        </p:style>
+        <p:txBody>
+          <a:bodyPr rtlCol="0" anchor="ctr"/>
+          <a:lstStyle/>
+          <a:p>
+            <a:pPr algn="ctr"/>
+            <a:endParaRPr lang="ko-KR" altLang="en-US" dirty="0"/>
+          </a:p>
+        </p:txBody>
+      </p:sp>
+      <p:sp>
+        <p:nvSpPr>
+          <p:cNvPr id="50" name="직사각형 49">
+            <a:extLst>
+              <a:ext uri="{FF2B5EF4-FFF2-40B4-BE49-F238E27FC236}">
+                <a16:creationId xmlns:a16="http://schemas.microsoft.com/office/drawing/2014/main" xmlns="" id="{2DD24BCC-FCE6-4F3D-9102-0338A277724E}"/>
+              </a:ext>
+            </a:extLst>
+          </p:cNvPr>
+          <p:cNvSpPr/>
+          <p:nvPr/>
+        </p:nvSpPr>
+        <p:spPr>
+          <a:xfrm>
+            <a:off x="11004221" y="1870745"/>
+            <a:ext cx="224256" cy="209724"/>
+          </a:xfrm>
+          <a:prstGeom prst="rect">
+            <a:avLst/>
+          </a:prstGeom>
+          <a:solidFill>
+            <a:schemeClr val="bg1"/>
+          </a:solidFill>
+          <a:ln>
+            <a:solidFill>
+              <a:schemeClr val="tx1"/>
+            </a:solidFill>
+          </a:ln>
+        </p:spPr>
+        <p:style>
+          <a:lnRef idx="2">
+            <a:schemeClr val="accent1">
+              <a:shade val="50000"/>
+            </a:schemeClr>
+          </a:lnRef>
+          <a:fillRef idx="1">
+            <a:schemeClr val="accent1"/>
+          </a:fillRef>
+          <a:effectRef idx="0">
+            <a:schemeClr val="accent1"/>
+          </a:effectRef>
+          <a:fontRef idx="minor">
+            <a:schemeClr val="lt1"/>
+          </a:fontRef>
+        </p:style>
+        <p:txBody>
+          <a:bodyPr rtlCol="0" anchor="ctr"/>
+          <a:lstStyle/>
+          <a:p>
+            <a:pPr algn="ctr"/>
+            <a:endParaRPr lang="ko-KR" altLang="en-US" dirty="0"/>
+          </a:p>
+        </p:txBody>
+      </p:sp>
+      <p:sp>
+        <p:nvSpPr>
+          <p:cNvPr id="51" name="직사각형 50">
+            <a:extLst>
+              <a:ext uri="{FF2B5EF4-FFF2-40B4-BE49-F238E27FC236}">
+                <a16:creationId xmlns:a16="http://schemas.microsoft.com/office/drawing/2014/main" xmlns="" id="{D47A0DF5-CA84-4554-81E3-2D51D35F259C}"/>
+              </a:ext>
+            </a:extLst>
+          </p:cNvPr>
+          <p:cNvSpPr/>
+          <p:nvPr/>
+        </p:nvSpPr>
+        <p:spPr>
+          <a:xfrm>
+            <a:off x="8892432" y="1870745"/>
+            <a:ext cx="224256" cy="209724"/>
+          </a:xfrm>
+          <a:prstGeom prst="rect">
+            <a:avLst/>
+          </a:prstGeom>
+          <a:solidFill>
+            <a:schemeClr val="bg1"/>
+          </a:solidFill>
+          <a:ln>
+            <a:solidFill>
+              <a:schemeClr val="tx1"/>
+            </a:solidFill>
+          </a:ln>
+        </p:spPr>
+        <p:style>
+          <a:lnRef idx="2">
+            <a:schemeClr val="accent1">
+              <a:shade val="50000"/>
+            </a:schemeClr>
+          </a:lnRef>
+          <a:fillRef idx="1">
+            <a:schemeClr val="accent1"/>
+          </a:fillRef>
+          <a:effectRef idx="0">
+            <a:schemeClr val="accent1"/>
+          </a:effectRef>
+          <a:fontRef idx="minor">
+            <a:schemeClr val="lt1"/>
+          </a:fontRef>
+        </p:style>
+        <p:txBody>
+          <a:bodyPr rtlCol="0" anchor="ctr"/>
+          <a:lstStyle/>
+          <a:p>
+            <a:pPr algn="ctr"/>
+            <a:endParaRPr lang="ko-KR" altLang="en-US" dirty="0"/>
+          </a:p>
+        </p:txBody>
+      </p:sp>
+      <p:cxnSp>
+        <p:nvCxnSpPr>
+          <p:cNvPr id="52" name="직선 연결선 51">
+            <a:extLst>
+              <a:ext uri="{FF2B5EF4-FFF2-40B4-BE49-F238E27FC236}">
+                <a16:creationId xmlns:a16="http://schemas.microsoft.com/office/drawing/2014/main" xmlns="" id="{BBD31C63-515F-4941-8A12-DD68C1031400}"/>
+              </a:ext>
+            </a:extLst>
+          </p:cNvPr>
+          <p:cNvCxnSpPr/>
+          <p:nvPr/>
+        </p:nvCxnSpPr>
+        <p:spPr>
+          <a:xfrm>
+            <a:off x="8819791" y="2182536"/>
+            <a:ext cx="2511001" cy="0"/>
+          </a:xfrm>
+          <a:prstGeom prst="line">
+            <a:avLst/>
+          </a:prstGeom>
+          <a:ln>
+            <a:solidFill>
+              <a:schemeClr val="tx1"/>
+            </a:solidFill>
+          </a:ln>
+        </p:spPr>
+        <p:style>
+          <a:lnRef idx="1">
+            <a:schemeClr val="accent1"/>
+          </a:lnRef>
+          <a:fillRef idx="0">
+            <a:schemeClr val="accent1"/>
+          </a:fillRef>
+          <a:effectRef idx="0">
+            <a:schemeClr val="accent1"/>
+          </a:effectRef>
+          <a:fontRef idx="minor">
+            <a:schemeClr val="tx1"/>
+          </a:fontRef>
+        </p:style>
+      </p:cxnSp>
+      <p:cxnSp>
+        <p:nvCxnSpPr>
+          <p:cNvPr id="53" name="직선 화살표 연결선 52">
+            <a:extLst>
+              <a:ext uri="{FF2B5EF4-FFF2-40B4-BE49-F238E27FC236}">
+                <a16:creationId xmlns:a16="http://schemas.microsoft.com/office/drawing/2014/main" xmlns="" id="{C6189FF7-B2B4-4F58-A62C-4552AA855088}"/>
+              </a:ext>
+            </a:extLst>
+          </p:cNvPr>
+          <p:cNvCxnSpPr>
+            <a:cxnSpLocks/>
+          </p:cNvCxnSpPr>
+          <p:nvPr/>
+        </p:nvCxnSpPr>
+        <p:spPr>
+          <a:xfrm>
+            <a:off x="9004560" y="1535185"/>
+            <a:ext cx="0" cy="461394"/>
+          </a:xfrm>
+          <a:prstGeom prst="straightConnector1">
+            <a:avLst/>
+          </a:prstGeom>
+          <a:ln>
+            <a:solidFill>
+              <a:srgbClr val="FF0000"/>
+            </a:solidFill>
+            <a:tailEnd type="triangle"/>
+          </a:ln>
+        </p:spPr>
+        <p:style>
+          <a:lnRef idx="1">
+            <a:schemeClr val="accent2"/>
+          </a:lnRef>
+          <a:fillRef idx="0">
+            <a:schemeClr val="accent2"/>
+          </a:fillRef>
+          <a:effectRef idx="0">
+            <a:schemeClr val="accent2"/>
+          </a:effectRef>
+          <a:fontRef idx="minor">
+            <a:schemeClr val="tx1"/>
+          </a:fontRef>
+        </p:style>
+      </p:cxnSp>
+      <p:cxnSp>
+        <p:nvCxnSpPr>
+          <p:cNvPr id="54" name="직선 화살표 연결선 53">
+            <a:extLst>
+              <a:ext uri="{FF2B5EF4-FFF2-40B4-BE49-F238E27FC236}">
+                <a16:creationId xmlns:a16="http://schemas.microsoft.com/office/drawing/2014/main" xmlns="" id="{8A353617-6EF7-4BE0-876E-B7682AC7D0FB}"/>
+              </a:ext>
+            </a:extLst>
+          </p:cNvPr>
+          <p:cNvCxnSpPr>
+            <a:cxnSpLocks/>
+          </p:cNvCxnSpPr>
+          <p:nvPr/>
+        </p:nvCxnSpPr>
+        <p:spPr>
+          <a:xfrm>
+            <a:off x="10082343" y="1535185"/>
+            <a:ext cx="0" cy="461394"/>
+          </a:xfrm>
+          <a:prstGeom prst="straightConnector1">
+            <a:avLst/>
+          </a:prstGeom>
+          <a:ln>
+            <a:solidFill>
+              <a:srgbClr val="FF0000"/>
+            </a:solidFill>
+            <a:tailEnd type="triangle"/>
+          </a:ln>
+        </p:spPr>
+        <p:style>
+          <a:lnRef idx="1">
+            <a:schemeClr val="accent2"/>
+          </a:lnRef>
+          <a:fillRef idx="0">
+            <a:schemeClr val="accent2"/>
+          </a:fillRef>
+          <a:effectRef idx="0">
+            <a:schemeClr val="accent2"/>
+          </a:effectRef>
+          <a:fontRef idx="minor">
+            <a:schemeClr val="tx1"/>
+          </a:fontRef>
+        </p:style>
+      </p:cxnSp>
+      <p:cxnSp>
+        <p:nvCxnSpPr>
+          <p:cNvPr id="55" name="직선 화살표 연결선 54">
+            <a:extLst>
+              <a:ext uri="{FF2B5EF4-FFF2-40B4-BE49-F238E27FC236}">
+                <a16:creationId xmlns:a16="http://schemas.microsoft.com/office/drawing/2014/main" xmlns="" id="{6ADB57C1-71A6-460D-8130-56C2C112542B}"/>
+              </a:ext>
+            </a:extLst>
+          </p:cNvPr>
+          <p:cNvCxnSpPr>
+            <a:cxnSpLocks/>
+          </p:cNvCxnSpPr>
+          <p:nvPr/>
+        </p:nvCxnSpPr>
+        <p:spPr>
+          <a:xfrm>
+            <a:off x="11116349" y="1535185"/>
+            <a:ext cx="0" cy="461394"/>
+          </a:xfrm>
+          <a:prstGeom prst="straightConnector1">
+            <a:avLst/>
+          </a:prstGeom>
+          <a:ln>
+            <a:solidFill>
+              <a:srgbClr val="FF0000"/>
+            </a:solidFill>
+            <a:tailEnd type="triangle"/>
+          </a:ln>
+        </p:spPr>
+        <p:style>
+          <a:lnRef idx="1">
+            <a:schemeClr val="accent2"/>
+          </a:lnRef>
+          <a:fillRef idx="0">
+            <a:schemeClr val="accent2"/>
+          </a:fillRef>
+          <a:effectRef idx="0">
+            <a:schemeClr val="accent2"/>
+          </a:effectRef>
+          <a:fontRef idx="minor">
+            <a:schemeClr val="tx1"/>
+          </a:fontRef>
+        </p:style>
+      </p:cxnSp>
+      <p:sp>
+        <p:nvSpPr>
+          <p:cNvPr id="56" name="TextBox 55">
+            <a:extLst>
+              <a:ext uri="{FF2B5EF4-FFF2-40B4-BE49-F238E27FC236}">
+                <a16:creationId xmlns:a16="http://schemas.microsoft.com/office/drawing/2014/main" xmlns="" id="{CDE1AA9D-8128-4666-8D15-1D04133230F9}"/>
+              </a:ext>
+            </a:extLst>
+          </p:cNvPr>
+          <p:cNvSpPr txBox="1"/>
+          <p:nvPr/>
+        </p:nvSpPr>
+        <p:spPr>
+          <a:xfrm>
+            <a:off x="8707491" y="1354305"/>
+            <a:ext cx="595618" cy="215444"/>
+          </a:xfrm>
+          <a:prstGeom prst="rect">
+            <a:avLst/>
+          </a:prstGeom>
+          <a:noFill/>
+        </p:spPr>
+        <p:txBody>
+          <a:bodyPr wrap="square" rtlCol="0">
+            <a:spAutoFit/>
+          </a:bodyPr>
+          <a:lstStyle/>
+          <a:p>
+            <a:r>
+              <a:rPr lang="ko-KR" altLang="en-US" sz="800" dirty="0" err="1"/>
+              <a:t>마이시터</a:t>
+            </a:r>
+            <a:endParaRPr lang="ko-KR" altLang="en-US" sz="800" dirty="0"/>
+          </a:p>
+        </p:txBody>
+      </p:sp>
+      <p:sp>
+        <p:nvSpPr>
+          <p:cNvPr id="57" name="TextBox 56">
+            <a:extLst>
+              <a:ext uri="{FF2B5EF4-FFF2-40B4-BE49-F238E27FC236}">
+                <a16:creationId xmlns:a16="http://schemas.microsoft.com/office/drawing/2014/main" xmlns="" id="{EA075739-BD3A-4494-8CFA-FDCD68AFA1A6}"/>
+              </a:ext>
+            </a:extLst>
+          </p:cNvPr>
+          <p:cNvSpPr txBox="1"/>
+          <p:nvPr/>
+        </p:nvSpPr>
+        <p:spPr>
+          <a:xfrm>
+            <a:off x="9892853" y="1343611"/>
+            <a:ext cx="595618" cy="215444"/>
+          </a:xfrm>
+          <a:prstGeom prst="rect">
+            <a:avLst/>
+          </a:prstGeom>
+          <a:noFill/>
+        </p:spPr>
+        <p:txBody>
+          <a:bodyPr wrap="square" rtlCol="0">
+            <a:spAutoFit/>
+          </a:bodyPr>
+          <a:lstStyle/>
+          <a:p>
+            <a:r>
+              <a:rPr lang="en-US" altLang="ko-KR" sz="800" dirty="0"/>
+              <a:t>logo</a:t>
+            </a:r>
+            <a:endParaRPr lang="ko-KR" altLang="en-US" sz="800" dirty="0"/>
+          </a:p>
+        </p:txBody>
+      </p:sp>
+      <p:sp>
+        <p:nvSpPr>
+          <p:cNvPr id="58" name="TextBox 57">
+            <a:extLst>
+              <a:ext uri="{FF2B5EF4-FFF2-40B4-BE49-F238E27FC236}">
+                <a16:creationId xmlns:a16="http://schemas.microsoft.com/office/drawing/2014/main" xmlns="" id="{9CCCD44E-9A9A-4ED8-A5D1-4872F5E16D21}"/>
+              </a:ext>
+            </a:extLst>
+          </p:cNvPr>
+          <p:cNvSpPr txBox="1"/>
+          <p:nvPr/>
+        </p:nvSpPr>
+        <p:spPr>
+          <a:xfrm>
+            <a:off x="10869037" y="1349602"/>
+            <a:ext cx="595618" cy="215444"/>
+          </a:xfrm>
+          <a:prstGeom prst="rect">
+            <a:avLst/>
+          </a:prstGeom>
+          <a:noFill/>
+        </p:spPr>
+        <p:txBody>
+          <a:bodyPr wrap="square" rtlCol="0">
+            <a:spAutoFit/>
+          </a:bodyPr>
+          <a:lstStyle/>
+          <a:p>
+            <a:r>
+              <a:rPr lang="ko-KR" altLang="en-US" sz="800" dirty="0"/>
+              <a:t>로그인</a:t>
+            </a:r>
+          </a:p>
+        </p:txBody>
+      </p:sp>
     </p:spTree>
     <p:extLst>
       <p:ext uri="{BB962C8B-B14F-4D97-AF65-F5344CB8AC3E}">
@@ -25959,6 +28226,13 @@
   <p:clrMapOvr>
     <a:masterClrMapping/>
   </p:clrMapOvr>
+  <p:timing>
+    <p:tnLst>
+      <p:par>
+        <p:cTn id="1" dur="indefinite" restart="never" nodeType="tmRoot"/>
+      </p:par>
+    </p:tnLst>
+  </p:timing>
 </p:sld>
 </file>
 
@@ -25984,7 +28258,7 @@
           <p:cNvPr id="2" name="직사각형 1">
             <a:extLst>
               <a:ext uri="{FF2B5EF4-FFF2-40B4-BE49-F238E27FC236}">
-                <a16:creationId xmlns:a16="http://schemas.microsoft.com/office/drawing/2014/main" id="{8E5B996D-DF87-49E5-95D1-45B1EEB9EE9A}"/>
+                <a16:creationId xmlns:a16="http://schemas.microsoft.com/office/drawing/2014/main" xmlns="" id="{8E5B996D-DF87-49E5-95D1-45B1EEB9EE9A}"/>
               </a:ext>
             </a:extLst>
           </p:cNvPr>
@@ -26036,7 +28310,7 @@
           <p:cNvPr id="4" name="직사각형 3">
             <a:extLst>
               <a:ext uri="{FF2B5EF4-FFF2-40B4-BE49-F238E27FC236}">
-                <a16:creationId xmlns:a16="http://schemas.microsoft.com/office/drawing/2014/main" id="{080CEE4E-4BCA-42C3-BECA-9BCEB9931EEA}"/>
+                <a16:creationId xmlns:a16="http://schemas.microsoft.com/office/drawing/2014/main" xmlns="" id="{080CEE4E-4BCA-42C3-BECA-9BCEB9931EEA}"/>
               </a:ext>
             </a:extLst>
           </p:cNvPr>
@@ -26088,7 +28362,7 @@
           <p:cNvPr id="5" name="TextBox 4">
             <a:extLst>
               <a:ext uri="{FF2B5EF4-FFF2-40B4-BE49-F238E27FC236}">
-                <a16:creationId xmlns:a16="http://schemas.microsoft.com/office/drawing/2014/main" id="{D12B0B12-AB99-4F88-B4B2-948DADC833EA}"/>
+                <a16:creationId xmlns:a16="http://schemas.microsoft.com/office/drawing/2014/main" xmlns="" id="{D12B0B12-AB99-4F88-B4B2-948DADC833EA}"/>
               </a:ext>
             </a:extLst>
           </p:cNvPr>
@@ -26207,7 +28481,7 @@
           <p:cNvPr id="9" name="그림 8">
             <a:extLst>
               <a:ext uri="{FF2B5EF4-FFF2-40B4-BE49-F238E27FC236}">
-                <a16:creationId xmlns:a16="http://schemas.microsoft.com/office/drawing/2014/main" id="{0F0992E8-2696-42E6-805A-0C12780D8FA1}"/>
+                <a16:creationId xmlns:a16="http://schemas.microsoft.com/office/drawing/2014/main" xmlns="" id="{0F0992E8-2696-42E6-805A-0C12780D8FA1}"/>
               </a:ext>
             </a:extLst>
           </p:cNvPr>
@@ -26570,7 +28844,7 @@
           <p:cNvPr id="10" name="직사각형 9">
             <a:extLst>
               <a:ext uri="{FF2B5EF4-FFF2-40B4-BE49-F238E27FC236}">
-                <a16:creationId xmlns:a16="http://schemas.microsoft.com/office/drawing/2014/main" id="{C06AD1E1-15AC-47D7-8403-E3418692F8E0}"/>
+                <a16:creationId xmlns:a16="http://schemas.microsoft.com/office/drawing/2014/main" xmlns="" id="{C06AD1E1-15AC-47D7-8403-E3418692F8E0}"/>
               </a:ext>
             </a:extLst>
           </p:cNvPr>
@@ -26614,7 +28888,7 @@
           <p:cNvPr id="11" name="직사각형 10">
             <a:extLst>
               <a:ext uri="{FF2B5EF4-FFF2-40B4-BE49-F238E27FC236}">
-                <a16:creationId xmlns:a16="http://schemas.microsoft.com/office/drawing/2014/main" id="{9BA0B9D7-6CF3-42E4-BB1E-5D41FEBB96FD}"/>
+                <a16:creationId xmlns:a16="http://schemas.microsoft.com/office/drawing/2014/main" xmlns="" id="{9BA0B9D7-6CF3-42E4-BB1E-5D41FEBB96FD}"/>
               </a:ext>
             </a:extLst>
           </p:cNvPr>
@@ -26658,7 +28932,7 @@
           <p:cNvPr id="12" name="TextBox 11">
             <a:extLst>
               <a:ext uri="{FF2B5EF4-FFF2-40B4-BE49-F238E27FC236}">
-                <a16:creationId xmlns:a16="http://schemas.microsoft.com/office/drawing/2014/main" id="{06330FE6-C4D0-4A04-A776-B7D7A99FEE8F}"/>
+                <a16:creationId xmlns:a16="http://schemas.microsoft.com/office/drawing/2014/main" xmlns="" id="{06330FE6-C4D0-4A04-A776-B7D7A99FEE8F}"/>
               </a:ext>
             </a:extLst>
           </p:cNvPr>
@@ -26693,7 +28967,7 @@
           <p:cNvPr id="13" name="TextBox 12">
             <a:extLst>
               <a:ext uri="{FF2B5EF4-FFF2-40B4-BE49-F238E27FC236}">
-                <a16:creationId xmlns:a16="http://schemas.microsoft.com/office/drawing/2014/main" id="{3A39D1D2-6993-47C8-B206-5F24137F65F3}"/>
+                <a16:creationId xmlns:a16="http://schemas.microsoft.com/office/drawing/2014/main" xmlns="" id="{3A39D1D2-6993-47C8-B206-5F24137F65F3}"/>
               </a:ext>
             </a:extLst>
           </p:cNvPr>
@@ -26728,7 +29002,7 @@
           <p:cNvPr id="14" name="직사각형 13">
             <a:extLst>
               <a:ext uri="{FF2B5EF4-FFF2-40B4-BE49-F238E27FC236}">
-                <a16:creationId xmlns:a16="http://schemas.microsoft.com/office/drawing/2014/main" id="{E12D4D8D-0ADC-4521-A3FB-8C99B905DB23}"/>
+                <a16:creationId xmlns:a16="http://schemas.microsoft.com/office/drawing/2014/main" xmlns="" id="{E12D4D8D-0ADC-4521-A3FB-8C99B905DB23}"/>
               </a:ext>
             </a:extLst>
           </p:cNvPr>
@@ -26772,7 +29046,7 @@
           <p:cNvPr id="15" name="직사각형 14">
             <a:extLst>
               <a:ext uri="{FF2B5EF4-FFF2-40B4-BE49-F238E27FC236}">
-                <a16:creationId xmlns:a16="http://schemas.microsoft.com/office/drawing/2014/main" id="{858EF894-179B-407C-95C7-DBE73F217BFF}"/>
+                <a16:creationId xmlns:a16="http://schemas.microsoft.com/office/drawing/2014/main" xmlns="" id="{858EF894-179B-407C-95C7-DBE73F217BFF}"/>
               </a:ext>
             </a:extLst>
           </p:cNvPr>
@@ -26820,7 +29094,7 @@
           <p:cNvPr id="16" name="직사각형 15">
             <a:extLst>
               <a:ext uri="{FF2B5EF4-FFF2-40B4-BE49-F238E27FC236}">
-                <a16:creationId xmlns:a16="http://schemas.microsoft.com/office/drawing/2014/main" id="{C54102B0-1FC6-4BB5-9EC2-96E1C1C6B9D3}"/>
+                <a16:creationId xmlns:a16="http://schemas.microsoft.com/office/drawing/2014/main" xmlns="" id="{C54102B0-1FC6-4BB5-9EC2-96E1C1C6B9D3}"/>
               </a:ext>
             </a:extLst>
           </p:cNvPr>
@@ -26864,7 +29138,7 @@
           <p:cNvPr id="17" name="TextBox 16">
             <a:extLst>
               <a:ext uri="{FF2B5EF4-FFF2-40B4-BE49-F238E27FC236}">
-                <a16:creationId xmlns:a16="http://schemas.microsoft.com/office/drawing/2014/main" id="{DE2ED6AA-2EA4-4B4E-8E17-7E28C5CCCFCB}"/>
+                <a16:creationId xmlns:a16="http://schemas.microsoft.com/office/drawing/2014/main" xmlns="" id="{DE2ED6AA-2EA4-4B4E-8E17-7E28C5CCCFCB}"/>
               </a:ext>
             </a:extLst>
           </p:cNvPr>
@@ -26900,7 +29174,7 @@
           <p:cNvPr id="18" name="직사각형 17">
             <a:extLst>
               <a:ext uri="{FF2B5EF4-FFF2-40B4-BE49-F238E27FC236}">
-                <a16:creationId xmlns:a16="http://schemas.microsoft.com/office/drawing/2014/main" id="{9D56ADB9-A0DD-425C-A5B8-AB58E3DE5BAB}"/>
+                <a16:creationId xmlns:a16="http://schemas.microsoft.com/office/drawing/2014/main" xmlns="" id="{9D56ADB9-A0DD-425C-A5B8-AB58E3DE5BAB}"/>
               </a:ext>
             </a:extLst>
           </p:cNvPr>
@@ -26936,18 +29210,582 @@
           <a:p>
             <a:pPr algn="ctr"/>
             <a:r>
-              <a:rPr lang="ko-KR" altLang="en-US" sz="1600"/>
+              <a:rPr lang="ko-KR" altLang="en-US" sz="1600" dirty="0"/>
               <a:t>확인</a:t>
             </a:r>
           </a:p>
         </p:txBody>
       </p:sp>
-      <p:sp>
-        <p:nvSpPr>
-          <p:cNvPr id="19" name="TextBox 18">
-            <a:extLst>
-              <a:ext uri="{FF2B5EF4-FFF2-40B4-BE49-F238E27FC236}">
-                <a16:creationId xmlns:a16="http://schemas.microsoft.com/office/drawing/2014/main" id="{BE97AB81-FBB8-4FA0-BD52-8838D884D98C}"/>
+      <p:grpSp>
+        <p:nvGrpSpPr>
+          <p:cNvPr id="6" name="그룹 5"/>
+          <p:cNvGrpSpPr/>
+          <p:nvPr/>
+        </p:nvGrpSpPr>
+        <p:grpSpPr>
+          <a:xfrm>
+            <a:off x="2479011" y="3211905"/>
+            <a:ext cx="1500118" cy="338554"/>
+            <a:chOff x="2479011" y="3211905"/>
+            <a:chExt cx="1500118" cy="338554"/>
+          </a:xfrm>
+        </p:grpSpPr>
+        <p:sp>
+          <p:nvSpPr>
+            <p:cNvPr id="19" name="TextBox 18">
+              <a:extLst>
+                <a:ext uri="{FF2B5EF4-FFF2-40B4-BE49-F238E27FC236}">
+                  <a16:creationId xmlns:a16="http://schemas.microsoft.com/office/drawing/2014/main" xmlns="" id="{BE97AB81-FBB8-4FA0-BD52-8838D884D98C}"/>
+                </a:ext>
+              </a:extLst>
+            </p:cNvPr>
+            <p:cNvSpPr txBox="1"/>
+            <p:nvPr/>
+          </p:nvSpPr>
+          <p:spPr>
+            <a:xfrm>
+              <a:off x="2696406" y="3211905"/>
+              <a:ext cx="1282723" cy="338554"/>
+            </a:xfrm>
+            <a:prstGeom prst="rect">
+              <a:avLst/>
+            </a:prstGeom>
+            <a:noFill/>
+          </p:spPr>
+          <p:txBody>
+            <a:bodyPr wrap="none" rtlCol="0">
+              <a:spAutoFit/>
+            </a:bodyPr>
+            <a:lstStyle/>
+            <a:p>
+              <a:r>
+                <a:rPr lang="ko-KR" altLang="en-US" sz="1600" dirty="0"/>
+                <a:t>아이디 찾기</a:t>
+              </a:r>
+            </a:p>
+          </p:txBody>
+        </p:sp>
+        <p:pic>
+          <p:nvPicPr>
+            <p:cNvPr id="8" name="그림 7">
+              <a:extLst>
+                <a:ext uri="{FF2B5EF4-FFF2-40B4-BE49-F238E27FC236}">
+                  <a16:creationId xmlns:a16="http://schemas.microsoft.com/office/drawing/2014/main" xmlns="" id="{67C27A0E-090D-4FBF-B216-C5B281DE255C}"/>
+                </a:ext>
+              </a:extLst>
+            </p:cNvPr>
+            <p:cNvPicPr>
+              <a:picLocks noChangeAspect="1"/>
+            </p:cNvPicPr>
+            <p:nvPr/>
+          </p:nvPicPr>
+          <p:blipFill>
+            <a:blip r:embed="rId5" cstate="print">
+              <a:extLst>
+                <a:ext uri="{28A0092B-C50C-407E-A947-70E740481C1C}">
+                  <a14:useLocalDpi xmlns:a14="http://schemas.microsoft.com/office/drawing/2010/main" val="0"/>
+                </a:ext>
+              </a:extLst>
+            </a:blip>
+            <a:stretch>
+              <a:fillRect/>
+            </a:stretch>
+          </p:blipFill>
+          <p:spPr>
+            <a:xfrm>
+              <a:off x="2479011" y="3237182"/>
+              <a:ext cx="287438" cy="288000"/>
+            </a:xfrm>
+            <a:prstGeom prst="rect">
+              <a:avLst/>
+            </a:prstGeom>
+          </p:spPr>
+        </p:pic>
+      </p:grpSp>
+      <p:grpSp>
+        <p:nvGrpSpPr>
+          <p:cNvPr id="43" name="그룹 42"/>
+          <p:cNvGrpSpPr/>
+          <p:nvPr/>
+        </p:nvGrpSpPr>
+        <p:grpSpPr>
+          <a:xfrm>
+            <a:off x="8853632" y="2653105"/>
+            <a:ext cx="2319292" cy="2633512"/>
+            <a:chOff x="8853632" y="2653105"/>
+            <a:chExt cx="2319292" cy="2633512"/>
+          </a:xfrm>
+        </p:grpSpPr>
+        <p:grpSp>
+          <p:nvGrpSpPr>
+            <p:cNvPr id="29" name="그룹 28"/>
+            <p:cNvGrpSpPr/>
+            <p:nvPr/>
+          </p:nvGrpSpPr>
+          <p:grpSpPr>
+            <a:xfrm>
+              <a:off x="8937615" y="2653105"/>
+              <a:ext cx="1500118" cy="338554"/>
+              <a:chOff x="2479011" y="3211905"/>
+              <a:chExt cx="1500118" cy="338554"/>
+            </a:xfrm>
+          </p:grpSpPr>
+          <p:sp>
+            <p:nvSpPr>
+              <p:cNvPr id="30" name="TextBox 29">
+                <a:extLst>
+                  <a:ext uri="{FF2B5EF4-FFF2-40B4-BE49-F238E27FC236}">
+                    <a16:creationId xmlns:a16="http://schemas.microsoft.com/office/drawing/2014/main" xmlns="" id="{BE97AB81-FBB8-4FA0-BD52-8838D884D98C}"/>
+                  </a:ext>
+                </a:extLst>
+              </p:cNvPr>
+              <p:cNvSpPr txBox="1"/>
+              <p:nvPr/>
+            </p:nvSpPr>
+            <p:spPr>
+              <a:xfrm>
+                <a:off x="2696406" y="3211905"/>
+                <a:ext cx="1282723" cy="338554"/>
+              </a:xfrm>
+              <a:prstGeom prst="rect">
+                <a:avLst/>
+              </a:prstGeom>
+              <a:noFill/>
+            </p:spPr>
+            <p:txBody>
+              <a:bodyPr wrap="none" rtlCol="0">
+                <a:spAutoFit/>
+              </a:bodyPr>
+              <a:lstStyle/>
+              <a:p>
+                <a:r>
+                  <a:rPr lang="ko-KR" altLang="en-US" sz="1600" dirty="0"/>
+                  <a:t>아이디 찾기</a:t>
+                </a:r>
+              </a:p>
+            </p:txBody>
+          </p:sp>
+          <p:pic>
+            <p:nvPicPr>
+              <p:cNvPr id="31" name="그림 30">
+                <a:extLst>
+                  <a:ext uri="{FF2B5EF4-FFF2-40B4-BE49-F238E27FC236}">
+                    <a16:creationId xmlns:a16="http://schemas.microsoft.com/office/drawing/2014/main" xmlns="" id="{67C27A0E-090D-4FBF-B216-C5B281DE255C}"/>
+                  </a:ext>
+                </a:extLst>
+              </p:cNvPr>
+              <p:cNvPicPr>
+                <a:picLocks noChangeAspect="1"/>
+              </p:cNvPicPr>
+              <p:nvPr/>
+            </p:nvPicPr>
+            <p:blipFill>
+              <a:blip r:embed="rId5" cstate="print">
+                <a:extLst>
+                  <a:ext uri="{28A0092B-C50C-407E-A947-70E740481C1C}">
+                    <a14:useLocalDpi xmlns:a14="http://schemas.microsoft.com/office/drawing/2010/main" val="0"/>
+                  </a:ext>
+                </a:extLst>
+              </a:blip>
+              <a:stretch>
+                <a:fillRect/>
+              </a:stretch>
+            </p:blipFill>
+            <p:spPr>
+              <a:xfrm>
+                <a:off x="2479011" y="3237182"/>
+                <a:ext cx="287438" cy="288000"/>
+              </a:xfrm>
+              <a:prstGeom prst="rect">
+                <a:avLst/>
+              </a:prstGeom>
+            </p:spPr>
+          </p:pic>
+        </p:grpSp>
+        <p:grpSp>
+          <p:nvGrpSpPr>
+            <p:cNvPr id="40" name="그룹 39"/>
+            <p:cNvGrpSpPr/>
+            <p:nvPr/>
+          </p:nvGrpSpPr>
+          <p:grpSpPr>
+            <a:xfrm>
+              <a:off x="9276825" y="3124855"/>
+              <a:ext cx="1896099" cy="252000"/>
+              <a:chOff x="9276825" y="3124855"/>
+              <a:chExt cx="1896099" cy="252000"/>
+            </a:xfrm>
+          </p:grpSpPr>
+          <p:sp>
+            <p:nvSpPr>
+              <p:cNvPr id="33" name="직사각형 32">
+                <a:extLst>
+                  <a:ext uri="{FF2B5EF4-FFF2-40B4-BE49-F238E27FC236}">
+                    <a16:creationId xmlns:a16="http://schemas.microsoft.com/office/drawing/2014/main" xmlns="" id="{9BA0B9D7-6CF3-42E4-BB1E-5D41FEBB96FD}"/>
+                  </a:ext>
+                </a:extLst>
+              </p:cNvPr>
+              <p:cNvSpPr/>
+              <p:nvPr/>
+            </p:nvSpPr>
+            <p:spPr>
+              <a:xfrm>
+                <a:off x="9743619" y="3124855"/>
+                <a:ext cx="1429305" cy="252000"/>
+              </a:xfrm>
+              <a:prstGeom prst="rect">
+                <a:avLst/>
+              </a:prstGeom>
+            </p:spPr>
+            <p:style>
+              <a:lnRef idx="2">
+                <a:schemeClr val="dk1"/>
+              </a:lnRef>
+              <a:fillRef idx="1">
+                <a:schemeClr val="lt1"/>
+              </a:fillRef>
+              <a:effectRef idx="0">
+                <a:schemeClr val="dk1"/>
+              </a:effectRef>
+              <a:fontRef idx="minor">
+                <a:schemeClr val="dk1"/>
+              </a:fontRef>
+            </p:style>
+            <p:txBody>
+              <a:bodyPr rtlCol="0" anchor="ctr"/>
+              <a:lstStyle/>
+              <a:p>
+                <a:pPr algn="ctr"/>
+                <a:endParaRPr lang="ko-KR" altLang="en-US"/>
+              </a:p>
+            </p:txBody>
+          </p:sp>
+          <p:sp>
+            <p:nvSpPr>
+              <p:cNvPr id="34" name="TextBox 33">
+                <a:extLst>
+                  <a:ext uri="{FF2B5EF4-FFF2-40B4-BE49-F238E27FC236}">
+                    <a16:creationId xmlns:a16="http://schemas.microsoft.com/office/drawing/2014/main" xmlns="" id="{06330FE6-C4D0-4A04-A776-B7D7A99FEE8F}"/>
+                  </a:ext>
+                </a:extLst>
+              </p:cNvPr>
+              <p:cNvSpPr txBox="1"/>
+              <p:nvPr/>
+            </p:nvSpPr>
+            <p:spPr>
+              <a:xfrm>
+                <a:off x="9276825" y="3124855"/>
+                <a:ext cx="466794" cy="252000"/>
+              </a:xfrm>
+              <a:prstGeom prst="rect">
+                <a:avLst/>
+              </a:prstGeom>
+              <a:noFill/>
+            </p:spPr>
+            <p:txBody>
+              <a:bodyPr wrap="none" rtlCol="0">
+                <a:spAutoFit/>
+              </a:bodyPr>
+              <a:lstStyle/>
+              <a:p>
+                <a:r>
+                  <a:rPr lang="ko-KR" altLang="en-US" sz="1100" dirty="0"/>
+                  <a:t>이름</a:t>
+                </a:r>
+              </a:p>
+            </p:txBody>
+          </p:sp>
+        </p:grpSp>
+        <p:grpSp>
+          <p:nvGrpSpPr>
+            <p:cNvPr id="39" name="그룹 38"/>
+            <p:cNvGrpSpPr/>
+            <p:nvPr/>
+          </p:nvGrpSpPr>
+          <p:grpSpPr>
+            <a:xfrm>
+              <a:off x="8853632" y="3561452"/>
+              <a:ext cx="2319292" cy="257491"/>
+              <a:chOff x="8853632" y="3550459"/>
+              <a:chExt cx="2319292" cy="257491"/>
+            </a:xfrm>
+          </p:grpSpPr>
+          <p:sp>
+            <p:nvSpPr>
+              <p:cNvPr id="35" name="TextBox 34">
+                <a:extLst>
+                  <a:ext uri="{FF2B5EF4-FFF2-40B4-BE49-F238E27FC236}">
+                    <a16:creationId xmlns:a16="http://schemas.microsoft.com/office/drawing/2014/main" xmlns="" id="{3A39D1D2-6993-47C8-B206-5F24137F65F3}"/>
+                  </a:ext>
+                </a:extLst>
+              </p:cNvPr>
+              <p:cNvSpPr txBox="1"/>
+              <p:nvPr/>
+            </p:nvSpPr>
+            <p:spPr>
+              <a:xfrm>
+                <a:off x="8853632" y="3550459"/>
+                <a:ext cx="889987" cy="252000"/>
+              </a:xfrm>
+              <a:prstGeom prst="rect">
+                <a:avLst/>
+              </a:prstGeom>
+              <a:noFill/>
+            </p:spPr>
+            <p:txBody>
+              <a:bodyPr wrap="none" rtlCol="0">
+                <a:spAutoFit/>
+              </a:bodyPr>
+              <a:lstStyle/>
+              <a:p>
+                <a:r>
+                  <a:rPr lang="ko-KR" altLang="en-US" sz="1100" dirty="0"/>
+                  <a:t>휴대폰번호</a:t>
+                </a:r>
+              </a:p>
+            </p:txBody>
+          </p:sp>
+          <p:sp>
+            <p:nvSpPr>
+              <p:cNvPr id="36" name="직사각형 35">
+                <a:extLst>
+                  <a:ext uri="{FF2B5EF4-FFF2-40B4-BE49-F238E27FC236}">
+                    <a16:creationId xmlns:a16="http://schemas.microsoft.com/office/drawing/2014/main" xmlns="" id="{E12D4D8D-0ADC-4521-A3FB-8C99B905DB23}"/>
+                  </a:ext>
+                </a:extLst>
+              </p:cNvPr>
+              <p:cNvSpPr/>
+              <p:nvPr/>
+            </p:nvSpPr>
+            <p:spPr>
+              <a:xfrm>
+                <a:off x="9743619" y="3555950"/>
+                <a:ext cx="1429305" cy="252000"/>
+              </a:xfrm>
+              <a:prstGeom prst="rect">
+                <a:avLst/>
+              </a:prstGeom>
+            </p:spPr>
+            <p:style>
+              <a:lnRef idx="2">
+                <a:schemeClr val="dk1"/>
+              </a:lnRef>
+              <a:fillRef idx="1">
+                <a:schemeClr val="lt1"/>
+              </a:fillRef>
+              <a:effectRef idx="0">
+                <a:schemeClr val="dk1"/>
+              </a:effectRef>
+              <a:fontRef idx="minor">
+                <a:schemeClr val="dk1"/>
+              </a:fontRef>
+            </p:style>
+            <p:txBody>
+              <a:bodyPr rtlCol="0" anchor="ctr"/>
+              <a:lstStyle/>
+              <a:p>
+                <a:pPr algn="ctr"/>
+                <a:endParaRPr lang="ko-KR" altLang="en-US"/>
+              </a:p>
+            </p:txBody>
+          </p:sp>
+        </p:grpSp>
+        <p:grpSp>
+          <p:nvGrpSpPr>
+            <p:cNvPr id="20" name="그룹 19"/>
+            <p:cNvGrpSpPr/>
+            <p:nvPr/>
+          </p:nvGrpSpPr>
+          <p:grpSpPr>
+            <a:xfrm>
+              <a:off x="8994696" y="4440136"/>
+              <a:ext cx="2178227" cy="252000"/>
+              <a:chOff x="8994696" y="4440136"/>
+              <a:chExt cx="2178227" cy="252000"/>
+            </a:xfrm>
+          </p:grpSpPr>
+          <p:sp>
+            <p:nvSpPr>
+              <p:cNvPr id="37" name="직사각형 36">
+                <a:extLst>
+                  <a:ext uri="{FF2B5EF4-FFF2-40B4-BE49-F238E27FC236}">
+                    <a16:creationId xmlns:a16="http://schemas.microsoft.com/office/drawing/2014/main" xmlns="" id="{C54102B0-1FC6-4BB5-9EC2-96E1C1C6B9D3}"/>
+                  </a:ext>
+                </a:extLst>
+              </p:cNvPr>
+              <p:cNvSpPr/>
+              <p:nvPr/>
+            </p:nvSpPr>
+            <p:spPr>
+              <a:xfrm>
+                <a:off x="9743618" y="4440136"/>
+                <a:ext cx="1429305" cy="252000"/>
+              </a:xfrm>
+              <a:prstGeom prst="rect">
+                <a:avLst/>
+              </a:prstGeom>
+            </p:spPr>
+            <p:style>
+              <a:lnRef idx="2">
+                <a:schemeClr val="dk1"/>
+              </a:lnRef>
+              <a:fillRef idx="1">
+                <a:schemeClr val="lt1"/>
+              </a:fillRef>
+              <a:effectRef idx="0">
+                <a:schemeClr val="dk1"/>
+              </a:effectRef>
+              <a:fontRef idx="minor">
+                <a:schemeClr val="dk1"/>
+              </a:fontRef>
+            </p:style>
+            <p:txBody>
+              <a:bodyPr rtlCol="0" anchor="ctr"/>
+              <a:lstStyle/>
+              <a:p>
+                <a:pPr algn="ctr"/>
+                <a:endParaRPr lang="ko-KR" altLang="en-US"/>
+              </a:p>
+            </p:txBody>
+          </p:sp>
+          <p:sp>
+            <p:nvSpPr>
+              <p:cNvPr id="38" name="TextBox 37">
+                <a:extLst>
+                  <a:ext uri="{FF2B5EF4-FFF2-40B4-BE49-F238E27FC236}">
+                    <a16:creationId xmlns:a16="http://schemas.microsoft.com/office/drawing/2014/main" xmlns="" id="{DE2ED6AA-2EA4-4B4E-8E17-7E28C5CCCFCB}"/>
+                  </a:ext>
+                </a:extLst>
+              </p:cNvPr>
+              <p:cNvSpPr txBox="1"/>
+              <p:nvPr/>
+            </p:nvSpPr>
+            <p:spPr>
+              <a:xfrm>
+                <a:off x="8994696" y="4440136"/>
+                <a:ext cx="748923" cy="252000"/>
+              </a:xfrm>
+              <a:prstGeom prst="rect">
+                <a:avLst/>
+              </a:prstGeom>
+              <a:noFill/>
+            </p:spPr>
+            <p:txBody>
+              <a:bodyPr wrap="none" rtlCol="0">
+                <a:spAutoFit/>
+              </a:bodyPr>
+              <a:lstStyle/>
+              <a:p>
+                <a:r>
+                  <a:rPr lang="ko-KR" altLang="en-US" sz="1100" dirty="0"/>
+                  <a:t>인증번호</a:t>
+                </a:r>
+              </a:p>
+            </p:txBody>
+          </p:sp>
+        </p:grpSp>
+        <p:sp>
+          <p:nvSpPr>
+            <p:cNvPr id="41" name="직사각형 40">
+              <a:extLst>
+                <a:ext uri="{FF2B5EF4-FFF2-40B4-BE49-F238E27FC236}">
+                  <a16:creationId xmlns:a16="http://schemas.microsoft.com/office/drawing/2014/main" xmlns="" id="{858EF894-179B-407C-95C7-DBE73F217BFF}"/>
+                </a:ext>
+              </a:extLst>
+            </p:cNvPr>
+            <p:cNvSpPr/>
+            <p:nvPr/>
+          </p:nvSpPr>
+          <p:spPr>
+            <a:xfrm>
+              <a:off x="9743619" y="4003540"/>
+              <a:ext cx="1429304" cy="252000"/>
+            </a:xfrm>
+            <a:prstGeom prst="rect">
+              <a:avLst/>
+            </a:prstGeom>
+          </p:spPr>
+          <p:style>
+            <a:lnRef idx="2">
+              <a:schemeClr val="dk1"/>
+            </a:lnRef>
+            <a:fillRef idx="1">
+              <a:schemeClr val="lt1"/>
+            </a:fillRef>
+            <a:effectRef idx="0">
+              <a:schemeClr val="dk1"/>
+            </a:effectRef>
+            <a:fontRef idx="minor">
+              <a:schemeClr val="dk1"/>
+            </a:fontRef>
+          </p:style>
+          <p:txBody>
+            <a:bodyPr rtlCol="0" anchor="ctr"/>
+            <a:lstStyle/>
+            <a:p>
+              <a:pPr algn="ctr"/>
+              <a:r>
+                <a:rPr lang="ko-KR" altLang="en-US" sz="900"/>
+                <a:t>인증번호받기</a:t>
+              </a:r>
+              <a:endParaRPr lang="ko-KR" altLang="en-US" sz="900" dirty="0"/>
+            </a:p>
+          </p:txBody>
+        </p:sp>
+        <p:sp>
+          <p:nvSpPr>
+            <p:cNvPr id="42" name="직사각형 41">
+              <a:extLst>
+                <a:ext uri="{FF2B5EF4-FFF2-40B4-BE49-F238E27FC236}">
+                  <a16:creationId xmlns:a16="http://schemas.microsoft.com/office/drawing/2014/main" xmlns="" id="{9D56ADB9-A0DD-425C-A5B8-AB58E3DE5BAB}"/>
+                </a:ext>
+              </a:extLst>
+            </p:cNvPr>
+            <p:cNvSpPr/>
+            <p:nvPr/>
+          </p:nvSpPr>
+          <p:spPr>
+            <a:xfrm>
+              <a:off x="9500400" y="4962617"/>
+              <a:ext cx="1080000" cy="324000"/>
+            </a:xfrm>
+            <a:prstGeom prst="rect">
+              <a:avLst/>
+            </a:prstGeom>
+          </p:spPr>
+          <p:style>
+            <a:lnRef idx="2">
+              <a:schemeClr val="dk1"/>
+            </a:lnRef>
+            <a:fillRef idx="1">
+              <a:schemeClr val="lt1"/>
+            </a:fillRef>
+            <a:effectRef idx="0">
+              <a:schemeClr val="dk1"/>
+            </a:effectRef>
+            <a:fontRef idx="minor">
+              <a:schemeClr val="dk1"/>
+            </a:fontRef>
+          </p:style>
+          <p:txBody>
+            <a:bodyPr rtlCol="0" anchor="ctr"/>
+            <a:lstStyle/>
+            <a:p>
+              <a:pPr algn="ctr"/>
+              <a:r>
+                <a:rPr lang="ko-KR" altLang="en-US" sz="1400" dirty="0"/>
+                <a:t>확인</a:t>
+              </a:r>
+            </a:p>
+          </p:txBody>
+        </p:sp>
+      </p:grpSp>
+      <p:sp>
+        <p:nvSpPr>
+          <p:cNvPr id="44" name="TextBox 43">
+            <a:extLst>
+              <a:ext uri="{FF2B5EF4-FFF2-40B4-BE49-F238E27FC236}">
+                <a16:creationId xmlns:a16="http://schemas.microsoft.com/office/drawing/2014/main" xmlns="" id="{606CB3EF-BD67-454E-8D48-D30774CEE106}"/>
               </a:ext>
             </a:extLst>
           </p:cNvPr>
@@ -26956,8 +29794,8 @@
         </p:nvSpPr>
         <p:spPr>
           <a:xfrm>
-            <a:off x="2696406" y="3211905"/>
-            <a:ext cx="1282723" cy="338554"/>
+            <a:off x="1786856" y="1845578"/>
+            <a:ext cx="595618" cy="215444"/>
           </a:xfrm>
           <a:prstGeom prst="rect">
             <a:avLst/>
@@ -26965,54 +29803,713 @@
           <a:noFill/>
         </p:spPr>
         <p:txBody>
-          <a:bodyPr wrap="none" rtlCol="0">
+          <a:bodyPr wrap="square" rtlCol="0">
             <a:spAutoFit/>
           </a:bodyPr>
           <a:lstStyle/>
           <a:p>
             <a:r>
-              <a:rPr lang="ko-KR" altLang="en-US" sz="1600" dirty="0"/>
-              <a:t>아이디 찾기</a:t>
-            </a:r>
-          </a:p>
-        </p:txBody>
-      </p:sp>
-      <p:pic>
-        <p:nvPicPr>
-          <p:cNvPr id="8" name="그림 7">
-            <a:extLst>
-              <a:ext uri="{FF2B5EF4-FFF2-40B4-BE49-F238E27FC236}">
-                <a16:creationId xmlns:a16="http://schemas.microsoft.com/office/drawing/2014/main" id="{67C27A0E-090D-4FBF-B216-C5B281DE255C}"/>
-              </a:ext>
-            </a:extLst>
-          </p:cNvPr>
-          <p:cNvPicPr>
-            <a:picLocks noChangeAspect="1"/>
-          </p:cNvPicPr>
-          <p:nvPr/>
-        </p:nvPicPr>
-        <p:blipFill>
-          <a:blip r:embed="rId5">
-            <a:extLst>
-              <a:ext uri="{28A0092B-C50C-407E-A947-70E740481C1C}">
-                <a14:useLocalDpi xmlns:a14="http://schemas.microsoft.com/office/drawing/2010/main" val="0"/>
-              </a:ext>
-            </a:extLst>
-          </a:blip>
-          <a:stretch>
-            <a:fillRect/>
-          </a:stretch>
-        </p:blipFill>
-        <p:spPr>
-          <a:xfrm>
-            <a:off x="2479011" y="3237182"/>
-            <a:ext cx="287438" cy="288000"/>
+              <a:rPr lang="ko-KR" altLang="en-US" sz="800" dirty="0" err="1"/>
+              <a:t>마이시터</a:t>
+            </a:r>
+            <a:endParaRPr lang="ko-KR" altLang="en-US" sz="800" dirty="0"/>
+          </a:p>
+        </p:txBody>
+      </p:sp>
+      <p:sp>
+        <p:nvSpPr>
+          <p:cNvPr id="45" name="TextBox 44">
+            <a:extLst>
+              <a:ext uri="{FF2B5EF4-FFF2-40B4-BE49-F238E27FC236}">
+                <a16:creationId xmlns:a16="http://schemas.microsoft.com/office/drawing/2014/main" xmlns="" id="{6ECBB3D4-2156-4986-9434-EA8F60CE59E0}"/>
+              </a:ext>
+            </a:extLst>
+          </p:cNvPr>
+          <p:cNvSpPr txBox="1"/>
+          <p:nvPr/>
+        </p:nvSpPr>
+        <p:spPr>
+          <a:xfrm>
+            <a:off x="5508770" y="1845578"/>
+            <a:ext cx="1630262" cy="215444"/>
           </a:xfrm>
           <a:prstGeom prst="rect">
             <a:avLst/>
           </a:prstGeom>
-        </p:spPr>
-      </p:pic>
+          <a:noFill/>
+        </p:spPr>
+        <p:txBody>
+          <a:bodyPr wrap="square" rtlCol="0">
+            <a:spAutoFit/>
+          </a:bodyPr>
+          <a:lstStyle/>
+          <a:p>
+            <a:r>
+              <a:rPr lang="ko-KR" altLang="en-US" sz="800"/>
+              <a:t>로그인   회원가입   마이페이지</a:t>
+            </a:r>
+            <a:endParaRPr lang="ko-KR" altLang="en-US" sz="800" dirty="0"/>
+          </a:p>
+        </p:txBody>
+      </p:sp>
+      <p:cxnSp>
+        <p:nvCxnSpPr>
+          <p:cNvPr id="46" name="직선 연결선 45">
+            <a:extLst>
+              <a:ext uri="{FF2B5EF4-FFF2-40B4-BE49-F238E27FC236}">
+                <a16:creationId xmlns:a16="http://schemas.microsoft.com/office/drawing/2014/main" xmlns="" id="{A723CFAC-181E-4ABB-8790-FEC42B087A83}"/>
+              </a:ext>
+            </a:extLst>
+          </p:cNvPr>
+          <p:cNvCxnSpPr/>
+          <p:nvPr/>
+        </p:nvCxnSpPr>
+        <p:spPr>
+          <a:xfrm>
+            <a:off x="896100" y="2095956"/>
+            <a:ext cx="7200001" cy="0"/>
+          </a:xfrm>
+          <a:prstGeom prst="line">
+            <a:avLst/>
+          </a:prstGeom>
+        </p:spPr>
+        <p:style>
+          <a:lnRef idx="1">
+            <a:schemeClr val="dk1"/>
+          </a:lnRef>
+          <a:fillRef idx="0">
+            <a:schemeClr val="dk1"/>
+          </a:fillRef>
+          <a:effectRef idx="0">
+            <a:schemeClr val="dk1"/>
+          </a:effectRef>
+          <a:fontRef idx="minor">
+            <a:schemeClr val="tx1"/>
+          </a:fontRef>
+        </p:style>
+      </p:cxnSp>
+      <p:sp>
+        <p:nvSpPr>
+          <p:cNvPr id="47" name="TextBox 46">
+            <a:extLst>
+              <a:ext uri="{FF2B5EF4-FFF2-40B4-BE49-F238E27FC236}">
+                <a16:creationId xmlns:a16="http://schemas.microsoft.com/office/drawing/2014/main" xmlns="" id="{010ADA31-1823-4E2F-B19C-9DF082DE9B5C}"/>
+              </a:ext>
+            </a:extLst>
+          </p:cNvPr>
+          <p:cNvSpPr txBox="1"/>
+          <p:nvPr/>
+        </p:nvSpPr>
+        <p:spPr>
+          <a:xfrm>
+            <a:off x="4203946" y="1845190"/>
+            <a:ext cx="595618" cy="215444"/>
+          </a:xfrm>
+          <a:prstGeom prst="rect">
+            <a:avLst/>
+          </a:prstGeom>
+          <a:noFill/>
+        </p:spPr>
+        <p:txBody>
+          <a:bodyPr wrap="square" rtlCol="0">
+            <a:spAutoFit/>
+          </a:bodyPr>
+          <a:lstStyle/>
+          <a:p>
+            <a:r>
+              <a:rPr lang="en-US" altLang="ko-KR" sz="800" dirty="0"/>
+              <a:t>logo</a:t>
+            </a:r>
+            <a:endParaRPr lang="ko-KR" altLang="en-US" sz="800" dirty="0"/>
+          </a:p>
+        </p:txBody>
+      </p:sp>
+      <p:sp>
+        <p:nvSpPr>
+          <p:cNvPr id="48" name="직사각형 47">
+            <a:extLst>
+              <a:ext uri="{FF2B5EF4-FFF2-40B4-BE49-F238E27FC236}">
+                <a16:creationId xmlns:a16="http://schemas.microsoft.com/office/drawing/2014/main" xmlns="" id="{28EAE90E-16BD-4338-B838-36E62A30452E}"/>
+              </a:ext>
+            </a:extLst>
+          </p:cNvPr>
+          <p:cNvSpPr/>
+          <p:nvPr/>
+        </p:nvSpPr>
+        <p:spPr>
+          <a:xfrm>
+            <a:off x="4044343" y="1845190"/>
+            <a:ext cx="224256" cy="209724"/>
+          </a:xfrm>
+          <a:prstGeom prst="rect">
+            <a:avLst/>
+          </a:prstGeom>
+          <a:solidFill>
+            <a:schemeClr val="bg1"/>
+          </a:solidFill>
+          <a:ln>
+            <a:solidFill>
+              <a:schemeClr val="tx1"/>
+            </a:solidFill>
+          </a:ln>
+        </p:spPr>
+        <p:style>
+          <a:lnRef idx="2">
+            <a:schemeClr val="accent1">
+              <a:shade val="50000"/>
+            </a:schemeClr>
+          </a:lnRef>
+          <a:fillRef idx="1">
+            <a:schemeClr val="accent1"/>
+          </a:fillRef>
+          <a:effectRef idx="0">
+            <a:schemeClr val="accent1"/>
+          </a:effectRef>
+          <a:fontRef idx="minor">
+            <a:schemeClr val="lt1"/>
+          </a:fontRef>
+        </p:style>
+        <p:txBody>
+          <a:bodyPr rtlCol="0" anchor="ctr"/>
+          <a:lstStyle/>
+          <a:p>
+            <a:pPr algn="ctr"/>
+            <a:endParaRPr lang="ko-KR" altLang="en-US" dirty="0"/>
+          </a:p>
+        </p:txBody>
+      </p:sp>
+      <p:sp>
+        <p:nvSpPr>
+          <p:cNvPr id="49" name="TextBox 48">
+            <a:extLst>
+              <a:ext uri="{FF2B5EF4-FFF2-40B4-BE49-F238E27FC236}">
+                <a16:creationId xmlns:a16="http://schemas.microsoft.com/office/drawing/2014/main" xmlns="" id="{78ADDD66-9CDE-4CA6-938D-D34562AC7F09}"/>
+              </a:ext>
+            </a:extLst>
+          </p:cNvPr>
+          <p:cNvSpPr txBox="1"/>
+          <p:nvPr/>
+        </p:nvSpPr>
+        <p:spPr>
+          <a:xfrm>
+            <a:off x="2329495" y="1845578"/>
+            <a:ext cx="595618" cy="215444"/>
+          </a:xfrm>
+          <a:prstGeom prst="rect">
+            <a:avLst/>
+          </a:prstGeom>
+          <a:noFill/>
+        </p:spPr>
+        <p:txBody>
+          <a:bodyPr wrap="square" rtlCol="0">
+            <a:spAutoFit/>
+          </a:bodyPr>
+          <a:lstStyle/>
+          <a:p>
+            <a:r>
+              <a:rPr lang="ko-KR" altLang="en-US" sz="800" dirty="0" err="1"/>
+              <a:t>시터찾기</a:t>
+            </a:r>
+            <a:endParaRPr lang="ko-KR" altLang="en-US" sz="800" dirty="0"/>
+          </a:p>
+        </p:txBody>
+      </p:sp>
+      <p:sp>
+        <p:nvSpPr>
+          <p:cNvPr id="50" name="직사각형 49">
+            <a:extLst>
+              <a:ext uri="{FF2B5EF4-FFF2-40B4-BE49-F238E27FC236}">
+                <a16:creationId xmlns:a16="http://schemas.microsoft.com/office/drawing/2014/main" xmlns="" id="{33107F64-EDE9-4E47-9242-F8A468C24118}"/>
+              </a:ext>
+            </a:extLst>
+          </p:cNvPr>
+          <p:cNvSpPr/>
+          <p:nvPr/>
+        </p:nvSpPr>
+        <p:spPr>
+          <a:xfrm>
+            <a:off x="9563677" y="1828800"/>
+            <a:ext cx="1023230" cy="276836"/>
+          </a:xfrm>
+          <a:prstGeom prst="rect">
+            <a:avLst/>
+          </a:prstGeom>
+          <a:solidFill>
+            <a:schemeClr val="bg1"/>
+          </a:solidFill>
+          <a:ln>
+            <a:solidFill>
+              <a:schemeClr val="tx1"/>
+            </a:solidFill>
+          </a:ln>
+        </p:spPr>
+        <p:style>
+          <a:lnRef idx="2">
+            <a:schemeClr val="accent1">
+              <a:shade val="50000"/>
+            </a:schemeClr>
+          </a:lnRef>
+          <a:fillRef idx="1">
+            <a:schemeClr val="accent1"/>
+          </a:fillRef>
+          <a:effectRef idx="0">
+            <a:schemeClr val="accent1"/>
+          </a:effectRef>
+          <a:fontRef idx="minor">
+            <a:schemeClr val="lt1"/>
+          </a:fontRef>
+        </p:style>
+        <p:txBody>
+          <a:bodyPr rtlCol="0" anchor="ctr"/>
+          <a:lstStyle/>
+          <a:p>
+            <a:pPr algn="ctr"/>
+            <a:endParaRPr lang="ko-KR" altLang="en-US" dirty="0"/>
+          </a:p>
+        </p:txBody>
+      </p:sp>
+      <p:sp>
+        <p:nvSpPr>
+          <p:cNvPr id="51" name="직사각형 50">
+            <a:extLst>
+              <a:ext uri="{FF2B5EF4-FFF2-40B4-BE49-F238E27FC236}">
+                <a16:creationId xmlns:a16="http://schemas.microsoft.com/office/drawing/2014/main" xmlns="" id="{5A842A4B-8B39-44DE-9CEA-9515737356B2}"/>
+              </a:ext>
+            </a:extLst>
+          </p:cNvPr>
+          <p:cNvSpPr/>
+          <p:nvPr/>
+        </p:nvSpPr>
+        <p:spPr>
+          <a:xfrm>
+            <a:off x="9599253" y="1862356"/>
+            <a:ext cx="224256" cy="209724"/>
+          </a:xfrm>
+          <a:prstGeom prst="rect">
+            <a:avLst/>
+          </a:prstGeom>
+          <a:solidFill>
+            <a:schemeClr val="bg1"/>
+          </a:solidFill>
+          <a:ln>
+            <a:solidFill>
+              <a:schemeClr val="tx1"/>
+            </a:solidFill>
+          </a:ln>
+        </p:spPr>
+        <p:style>
+          <a:lnRef idx="2">
+            <a:schemeClr val="accent1">
+              <a:shade val="50000"/>
+            </a:schemeClr>
+          </a:lnRef>
+          <a:fillRef idx="1">
+            <a:schemeClr val="accent1"/>
+          </a:fillRef>
+          <a:effectRef idx="0">
+            <a:schemeClr val="accent1"/>
+          </a:effectRef>
+          <a:fontRef idx="minor">
+            <a:schemeClr val="lt1"/>
+          </a:fontRef>
+        </p:style>
+        <p:txBody>
+          <a:bodyPr rtlCol="0" anchor="ctr"/>
+          <a:lstStyle/>
+          <a:p>
+            <a:pPr algn="ctr"/>
+            <a:endParaRPr lang="ko-KR" altLang="en-US" dirty="0"/>
+          </a:p>
+        </p:txBody>
+      </p:sp>
+      <p:sp>
+        <p:nvSpPr>
+          <p:cNvPr id="52" name="직사각형 51">
+            <a:extLst>
+              <a:ext uri="{FF2B5EF4-FFF2-40B4-BE49-F238E27FC236}">
+                <a16:creationId xmlns:a16="http://schemas.microsoft.com/office/drawing/2014/main" xmlns="" id="{2DD24BCC-FCE6-4F3D-9102-0338A277724E}"/>
+              </a:ext>
+            </a:extLst>
+          </p:cNvPr>
+          <p:cNvSpPr/>
+          <p:nvPr/>
+        </p:nvSpPr>
+        <p:spPr>
+          <a:xfrm>
+            <a:off x="11004221" y="1870745"/>
+            <a:ext cx="224256" cy="209724"/>
+          </a:xfrm>
+          <a:prstGeom prst="rect">
+            <a:avLst/>
+          </a:prstGeom>
+          <a:solidFill>
+            <a:schemeClr val="bg1"/>
+          </a:solidFill>
+          <a:ln>
+            <a:solidFill>
+              <a:schemeClr val="tx1"/>
+            </a:solidFill>
+          </a:ln>
+        </p:spPr>
+        <p:style>
+          <a:lnRef idx="2">
+            <a:schemeClr val="accent1">
+              <a:shade val="50000"/>
+            </a:schemeClr>
+          </a:lnRef>
+          <a:fillRef idx="1">
+            <a:schemeClr val="accent1"/>
+          </a:fillRef>
+          <a:effectRef idx="0">
+            <a:schemeClr val="accent1"/>
+          </a:effectRef>
+          <a:fontRef idx="minor">
+            <a:schemeClr val="lt1"/>
+          </a:fontRef>
+        </p:style>
+        <p:txBody>
+          <a:bodyPr rtlCol="0" anchor="ctr"/>
+          <a:lstStyle/>
+          <a:p>
+            <a:pPr algn="ctr"/>
+            <a:endParaRPr lang="ko-KR" altLang="en-US" dirty="0"/>
+          </a:p>
+        </p:txBody>
+      </p:sp>
+      <p:sp>
+        <p:nvSpPr>
+          <p:cNvPr id="53" name="직사각형 52">
+            <a:extLst>
+              <a:ext uri="{FF2B5EF4-FFF2-40B4-BE49-F238E27FC236}">
+                <a16:creationId xmlns:a16="http://schemas.microsoft.com/office/drawing/2014/main" xmlns="" id="{D47A0DF5-CA84-4554-81E3-2D51D35F259C}"/>
+              </a:ext>
+            </a:extLst>
+          </p:cNvPr>
+          <p:cNvSpPr/>
+          <p:nvPr/>
+        </p:nvSpPr>
+        <p:spPr>
+          <a:xfrm>
+            <a:off x="8892432" y="1870745"/>
+            <a:ext cx="224256" cy="209724"/>
+          </a:xfrm>
+          <a:prstGeom prst="rect">
+            <a:avLst/>
+          </a:prstGeom>
+          <a:solidFill>
+            <a:schemeClr val="bg1"/>
+          </a:solidFill>
+          <a:ln>
+            <a:solidFill>
+              <a:schemeClr val="tx1"/>
+            </a:solidFill>
+          </a:ln>
+        </p:spPr>
+        <p:style>
+          <a:lnRef idx="2">
+            <a:schemeClr val="accent1">
+              <a:shade val="50000"/>
+            </a:schemeClr>
+          </a:lnRef>
+          <a:fillRef idx="1">
+            <a:schemeClr val="accent1"/>
+          </a:fillRef>
+          <a:effectRef idx="0">
+            <a:schemeClr val="accent1"/>
+          </a:effectRef>
+          <a:fontRef idx="minor">
+            <a:schemeClr val="lt1"/>
+          </a:fontRef>
+        </p:style>
+        <p:txBody>
+          <a:bodyPr rtlCol="0" anchor="ctr"/>
+          <a:lstStyle/>
+          <a:p>
+            <a:pPr algn="ctr"/>
+            <a:endParaRPr lang="ko-KR" altLang="en-US" dirty="0"/>
+          </a:p>
+        </p:txBody>
+      </p:sp>
+      <p:cxnSp>
+        <p:nvCxnSpPr>
+          <p:cNvPr id="54" name="직선 연결선 53">
+            <a:extLst>
+              <a:ext uri="{FF2B5EF4-FFF2-40B4-BE49-F238E27FC236}">
+                <a16:creationId xmlns:a16="http://schemas.microsoft.com/office/drawing/2014/main" xmlns="" id="{BBD31C63-515F-4941-8A12-DD68C1031400}"/>
+              </a:ext>
+            </a:extLst>
+          </p:cNvPr>
+          <p:cNvCxnSpPr/>
+          <p:nvPr/>
+        </p:nvCxnSpPr>
+        <p:spPr>
+          <a:xfrm>
+            <a:off x="8819791" y="2182536"/>
+            <a:ext cx="2511001" cy="0"/>
+          </a:xfrm>
+          <a:prstGeom prst="line">
+            <a:avLst/>
+          </a:prstGeom>
+          <a:ln>
+            <a:solidFill>
+              <a:schemeClr val="tx1"/>
+            </a:solidFill>
+          </a:ln>
+        </p:spPr>
+        <p:style>
+          <a:lnRef idx="1">
+            <a:schemeClr val="accent1"/>
+          </a:lnRef>
+          <a:fillRef idx="0">
+            <a:schemeClr val="accent1"/>
+          </a:fillRef>
+          <a:effectRef idx="0">
+            <a:schemeClr val="accent1"/>
+          </a:effectRef>
+          <a:fontRef idx="minor">
+            <a:schemeClr val="tx1"/>
+          </a:fontRef>
+        </p:style>
+      </p:cxnSp>
+      <p:cxnSp>
+        <p:nvCxnSpPr>
+          <p:cNvPr id="55" name="직선 화살표 연결선 54">
+            <a:extLst>
+              <a:ext uri="{FF2B5EF4-FFF2-40B4-BE49-F238E27FC236}">
+                <a16:creationId xmlns:a16="http://schemas.microsoft.com/office/drawing/2014/main" xmlns="" id="{C6189FF7-B2B4-4F58-A62C-4552AA855088}"/>
+              </a:ext>
+            </a:extLst>
+          </p:cNvPr>
+          <p:cNvCxnSpPr>
+            <a:cxnSpLocks/>
+          </p:cNvCxnSpPr>
+          <p:nvPr/>
+        </p:nvCxnSpPr>
+        <p:spPr>
+          <a:xfrm>
+            <a:off x="9004560" y="1535185"/>
+            <a:ext cx="0" cy="461394"/>
+          </a:xfrm>
+          <a:prstGeom prst="straightConnector1">
+            <a:avLst/>
+          </a:prstGeom>
+          <a:ln>
+            <a:solidFill>
+              <a:srgbClr val="FF0000"/>
+            </a:solidFill>
+            <a:tailEnd type="triangle"/>
+          </a:ln>
+        </p:spPr>
+        <p:style>
+          <a:lnRef idx="1">
+            <a:schemeClr val="accent2"/>
+          </a:lnRef>
+          <a:fillRef idx="0">
+            <a:schemeClr val="accent2"/>
+          </a:fillRef>
+          <a:effectRef idx="0">
+            <a:schemeClr val="accent2"/>
+          </a:effectRef>
+          <a:fontRef idx="minor">
+            <a:schemeClr val="tx1"/>
+          </a:fontRef>
+        </p:style>
+      </p:cxnSp>
+      <p:cxnSp>
+        <p:nvCxnSpPr>
+          <p:cNvPr id="56" name="직선 화살표 연결선 55">
+            <a:extLst>
+              <a:ext uri="{FF2B5EF4-FFF2-40B4-BE49-F238E27FC236}">
+                <a16:creationId xmlns:a16="http://schemas.microsoft.com/office/drawing/2014/main" xmlns="" id="{8A353617-6EF7-4BE0-876E-B7682AC7D0FB}"/>
+              </a:ext>
+            </a:extLst>
+          </p:cNvPr>
+          <p:cNvCxnSpPr>
+            <a:cxnSpLocks/>
+          </p:cNvCxnSpPr>
+          <p:nvPr/>
+        </p:nvCxnSpPr>
+        <p:spPr>
+          <a:xfrm>
+            <a:off x="10082343" y="1535185"/>
+            <a:ext cx="0" cy="461394"/>
+          </a:xfrm>
+          <a:prstGeom prst="straightConnector1">
+            <a:avLst/>
+          </a:prstGeom>
+          <a:ln>
+            <a:solidFill>
+              <a:srgbClr val="FF0000"/>
+            </a:solidFill>
+            <a:tailEnd type="triangle"/>
+          </a:ln>
+        </p:spPr>
+        <p:style>
+          <a:lnRef idx="1">
+            <a:schemeClr val="accent2"/>
+          </a:lnRef>
+          <a:fillRef idx="0">
+            <a:schemeClr val="accent2"/>
+          </a:fillRef>
+          <a:effectRef idx="0">
+            <a:schemeClr val="accent2"/>
+          </a:effectRef>
+          <a:fontRef idx="minor">
+            <a:schemeClr val="tx1"/>
+          </a:fontRef>
+        </p:style>
+      </p:cxnSp>
+      <p:cxnSp>
+        <p:nvCxnSpPr>
+          <p:cNvPr id="57" name="직선 화살표 연결선 56">
+            <a:extLst>
+              <a:ext uri="{FF2B5EF4-FFF2-40B4-BE49-F238E27FC236}">
+                <a16:creationId xmlns:a16="http://schemas.microsoft.com/office/drawing/2014/main" xmlns="" id="{6ADB57C1-71A6-460D-8130-56C2C112542B}"/>
+              </a:ext>
+            </a:extLst>
+          </p:cNvPr>
+          <p:cNvCxnSpPr>
+            <a:cxnSpLocks/>
+          </p:cNvCxnSpPr>
+          <p:nvPr/>
+        </p:nvCxnSpPr>
+        <p:spPr>
+          <a:xfrm>
+            <a:off x="11116349" y="1535185"/>
+            <a:ext cx="0" cy="461394"/>
+          </a:xfrm>
+          <a:prstGeom prst="straightConnector1">
+            <a:avLst/>
+          </a:prstGeom>
+          <a:ln>
+            <a:solidFill>
+              <a:srgbClr val="FF0000"/>
+            </a:solidFill>
+            <a:tailEnd type="triangle"/>
+          </a:ln>
+        </p:spPr>
+        <p:style>
+          <a:lnRef idx="1">
+            <a:schemeClr val="accent2"/>
+          </a:lnRef>
+          <a:fillRef idx="0">
+            <a:schemeClr val="accent2"/>
+          </a:fillRef>
+          <a:effectRef idx="0">
+            <a:schemeClr val="accent2"/>
+          </a:effectRef>
+          <a:fontRef idx="minor">
+            <a:schemeClr val="tx1"/>
+          </a:fontRef>
+        </p:style>
+      </p:cxnSp>
+      <p:sp>
+        <p:nvSpPr>
+          <p:cNvPr id="58" name="TextBox 57">
+            <a:extLst>
+              <a:ext uri="{FF2B5EF4-FFF2-40B4-BE49-F238E27FC236}">
+                <a16:creationId xmlns:a16="http://schemas.microsoft.com/office/drawing/2014/main" xmlns="" id="{CDE1AA9D-8128-4666-8D15-1D04133230F9}"/>
+              </a:ext>
+            </a:extLst>
+          </p:cNvPr>
+          <p:cNvSpPr txBox="1"/>
+          <p:nvPr/>
+        </p:nvSpPr>
+        <p:spPr>
+          <a:xfrm>
+            <a:off x="8707491" y="1354305"/>
+            <a:ext cx="595618" cy="215444"/>
+          </a:xfrm>
+          <a:prstGeom prst="rect">
+            <a:avLst/>
+          </a:prstGeom>
+          <a:noFill/>
+        </p:spPr>
+        <p:txBody>
+          <a:bodyPr wrap="square" rtlCol="0">
+            <a:spAutoFit/>
+          </a:bodyPr>
+          <a:lstStyle/>
+          <a:p>
+            <a:r>
+              <a:rPr lang="ko-KR" altLang="en-US" sz="800" dirty="0" err="1"/>
+              <a:t>마이시터</a:t>
+            </a:r>
+            <a:endParaRPr lang="ko-KR" altLang="en-US" sz="800" dirty="0"/>
+          </a:p>
+        </p:txBody>
+      </p:sp>
+      <p:sp>
+        <p:nvSpPr>
+          <p:cNvPr id="59" name="TextBox 58">
+            <a:extLst>
+              <a:ext uri="{FF2B5EF4-FFF2-40B4-BE49-F238E27FC236}">
+                <a16:creationId xmlns:a16="http://schemas.microsoft.com/office/drawing/2014/main" xmlns="" id="{EA075739-BD3A-4494-8CFA-FDCD68AFA1A6}"/>
+              </a:ext>
+            </a:extLst>
+          </p:cNvPr>
+          <p:cNvSpPr txBox="1"/>
+          <p:nvPr/>
+        </p:nvSpPr>
+        <p:spPr>
+          <a:xfrm>
+            <a:off x="9892853" y="1343611"/>
+            <a:ext cx="595618" cy="215444"/>
+          </a:xfrm>
+          <a:prstGeom prst="rect">
+            <a:avLst/>
+          </a:prstGeom>
+          <a:noFill/>
+        </p:spPr>
+        <p:txBody>
+          <a:bodyPr wrap="square" rtlCol="0">
+            <a:spAutoFit/>
+          </a:bodyPr>
+          <a:lstStyle/>
+          <a:p>
+            <a:r>
+              <a:rPr lang="en-US" altLang="ko-KR" sz="800" dirty="0"/>
+              <a:t>logo</a:t>
+            </a:r>
+            <a:endParaRPr lang="ko-KR" altLang="en-US" sz="800" dirty="0"/>
+          </a:p>
+        </p:txBody>
+      </p:sp>
+      <p:sp>
+        <p:nvSpPr>
+          <p:cNvPr id="60" name="TextBox 59">
+            <a:extLst>
+              <a:ext uri="{FF2B5EF4-FFF2-40B4-BE49-F238E27FC236}">
+                <a16:creationId xmlns:a16="http://schemas.microsoft.com/office/drawing/2014/main" xmlns="" id="{9CCCD44E-9A9A-4ED8-A5D1-4872F5E16D21}"/>
+              </a:ext>
+            </a:extLst>
+          </p:cNvPr>
+          <p:cNvSpPr txBox="1"/>
+          <p:nvPr/>
+        </p:nvSpPr>
+        <p:spPr>
+          <a:xfrm>
+            <a:off x="10869037" y="1349602"/>
+            <a:ext cx="595618" cy="215444"/>
+          </a:xfrm>
+          <a:prstGeom prst="rect">
+            <a:avLst/>
+          </a:prstGeom>
+          <a:noFill/>
+        </p:spPr>
+        <p:txBody>
+          <a:bodyPr wrap="square" rtlCol="0">
+            <a:spAutoFit/>
+          </a:bodyPr>
+          <a:lstStyle/>
+          <a:p>
+            <a:r>
+              <a:rPr lang="ko-KR" altLang="en-US" sz="800" dirty="0"/>
+              <a:t>로그인</a:t>
+            </a:r>
+          </a:p>
+        </p:txBody>
+      </p:sp>
     </p:spTree>
     <p:extLst>
       <p:ext uri="{BB962C8B-B14F-4D97-AF65-F5344CB8AC3E}">
@@ -27023,6 +30520,13 @@
   <p:clrMapOvr>
     <a:masterClrMapping/>
   </p:clrMapOvr>
+  <p:timing>
+    <p:tnLst>
+      <p:par>
+        <p:cTn id="1" dur="indefinite" restart="never" nodeType="tmRoot"/>
+      </p:par>
+    </p:tnLst>
+  </p:timing>
 </p:sld>
 </file>
 
@@ -27048,7 +30552,7 @@
           <p:cNvPr id="2" name="직사각형 1">
             <a:extLst>
               <a:ext uri="{FF2B5EF4-FFF2-40B4-BE49-F238E27FC236}">
-                <a16:creationId xmlns:a16="http://schemas.microsoft.com/office/drawing/2014/main" id="{8E5B996D-DF87-49E5-95D1-45B1EEB9EE9A}"/>
+                <a16:creationId xmlns:a16="http://schemas.microsoft.com/office/drawing/2014/main" xmlns="" id="{8E5B996D-DF87-49E5-95D1-45B1EEB9EE9A}"/>
               </a:ext>
             </a:extLst>
           </p:cNvPr>
@@ -27100,7 +30604,7 @@
           <p:cNvPr id="4" name="직사각형 3">
             <a:extLst>
               <a:ext uri="{FF2B5EF4-FFF2-40B4-BE49-F238E27FC236}">
-                <a16:creationId xmlns:a16="http://schemas.microsoft.com/office/drawing/2014/main" id="{080CEE4E-4BCA-42C3-BECA-9BCEB9931EEA}"/>
+                <a16:creationId xmlns:a16="http://schemas.microsoft.com/office/drawing/2014/main" xmlns="" id="{080CEE4E-4BCA-42C3-BECA-9BCEB9931EEA}"/>
               </a:ext>
             </a:extLst>
           </p:cNvPr>
@@ -27152,7 +30656,7 @@
           <p:cNvPr id="5" name="TextBox 4">
             <a:extLst>
               <a:ext uri="{FF2B5EF4-FFF2-40B4-BE49-F238E27FC236}">
-                <a16:creationId xmlns:a16="http://schemas.microsoft.com/office/drawing/2014/main" id="{D12B0B12-AB99-4F88-B4B2-948DADC833EA}"/>
+                <a16:creationId xmlns:a16="http://schemas.microsoft.com/office/drawing/2014/main" xmlns="" id="{D12B0B12-AB99-4F88-B4B2-948DADC833EA}"/>
               </a:ext>
             </a:extLst>
           </p:cNvPr>
@@ -27271,7 +30775,7 @@
           <p:cNvPr id="9" name="그림 8">
             <a:extLst>
               <a:ext uri="{FF2B5EF4-FFF2-40B4-BE49-F238E27FC236}">
-                <a16:creationId xmlns:a16="http://schemas.microsoft.com/office/drawing/2014/main" id="{0F0992E8-2696-42E6-805A-0C12780D8FA1}"/>
+                <a16:creationId xmlns:a16="http://schemas.microsoft.com/office/drawing/2014/main" xmlns="" id="{0F0992E8-2696-42E6-805A-0C12780D8FA1}"/>
               </a:ext>
             </a:extLst>
           </p:cNvPr>
@@ -27634,7 +31138,7 @@
           <p:cNvPr id="6" name="직사각형 5">
             <a:extLst>
               <a:ext uri="{FF2B5EF4-FFF2-40B4-BE49-F238E27FC236}">
-                <a16:creationId xmlns:a16="http://schemas.microsoft.com/office/drawing/2014/main" id="{3D558B93-576E-49BD-A1DF-A82C5870B448}"/>
+                <a16:creationId xmlns:a16="http://schemas.microsoft.com/office/drawing/2014/main" xmlns="" id="{3D558B93-576E-49BD-A1DF-A82C5870B448}"/>
               </a:ext>
             </a:extLst>
           </p:cNvPr>
@@ -27678,7 +31182,7 @@
           <p:cNvPr id="10" name="직사각형 9">
             <a:extLst>
               <a:ext uri="{FF2B5EF4-FFF2-40B4-BE49-F238E27FC236}">
-                <a16:creationId xmlns:a16="http://schemas.microsoft.com/office/drawing/2014/main" id="{E09BF372-DA70-4198-B7DA-153AF988B7F3}"/>
+                <a16:creationId xmlns:a16="http://schemas.microsoft.com/office/drawing/2014/main" xmlns="" id="{E09BF372-DA70-4198-B7DA-153AF988B7F3}"/>
               </a:ext>
             </a:extLst>
           </p:cNvPr>
@@ -27722,7 +31226,7 @@
           <p:cNvPr id="11" name="TextBox 10">
             <a:extLst>
               <a:ext uri="{FF2B5EF4-FFF2-40B4-BE49-F238E27FC236}">
-                <a16:creationId xmlns:a16="http://schemas.microsoft.com/office/drawing/2014/main" id="{FEABD6E8-C233-4CB3-A1FE-F2249F5A9579}"/>
+                <a16:creationId xmlns:a16="http://schemas.microsoft.com/office/drawing/2014/main" xmlns="" id="{FEABD6E8-C233-4CB3-A1FE-F2249F5A9579}"/>
               </a:ext>
             </a:extLst>
           </p:cNvPr>
@@ -27757,7 +31261,7 @@
           <p:cNvPr id="12" name="TextBox 11">
             <a:extLst>
               <a:ext uri="{FF2B5EF4-FFF2-40B4-BE49-F238E27FC236}">
-                <a16:creationId xmlns:a16="http://schemas.microsoft.com/office/drawing/2014/main" id="{6FD49968-80A8-4E4B-A335-7AFF6CDEA4D8}"/>
+                <a16:creationId xmlns:a16="http://schemas.microsoft.com/office/drawing/2014/main" xmlns="" id="{6FD49968-80A8-4E4B-A335-7AFF6CDEA4D8}"/>
               </a:ext>
             </a:extLst>
           </p:cNvPr>
@@ -27792,7 +31296,7 @@
           <p:cNvPr id="13" name="직사각형 12">
             <a:extLst>
               <a:ext uri="{FF2B5EF4-FFF2-40B4-BE49-F238E27FC236}">
-                <a16:creationId xmlns:a16="http://schemas.microsoft.com/office/drawing/2014/main" id="{B24D303F-14FF-4E5A-9729-31BA2B7D0763}"/>
+                <a16:creationId xmlns:a16="http://schemas.microsoft.com/office/drawing/2014/main" xmlns="" id="{B24D303F-14FF-4E5A-9729-31BA2B7D0763}"/>
               </a:ext>
             </a:extLst>
           </p:cNvPr>
@@ -27836,7 +31340,7 @@
           <p:cNvPr id="8" name="직사각형 7">
             <a:extLst>
               <a:ext uri="{FF2B5EF4-FFF2-40B4-BE49-F238E27FC236}">
-                <a16:creationId xmlns:a16="http://schemas.microsoft.com/office/drawing/2014/main" id="{48C9AC18-6F8F-4CAC-A71D-F832DC910868}"/>
+                <a16:creationId xmlns:a16="http://schemas.microsoft.com/office/drawing/2014/main" xmlns="" id="{48C9AC18-6F8F-4CAC-A71D-F832DC910868}"/>
               </a:ext>
             </a:extLst>
           </p:cNvPr>
@@ -27884,7 +31388,7 @@
           <p:cNvPr id="15" name="직사각형 14">
             <a:extLst>
               <a:ext uri="{FF2B5EF4-FFF2-40B4-BE49-F238E27FC236}">
-                <a16:creationId xmlns:a16="http://schemas.microsoft.com/office/drawing/2014/main" id="{CA4EFDCE-77D7-4351-98AF-C3C52E38BCEF}"/>
+                <a16:creationId xmlns:a16="http://schemas.microsoft.com/office/drawing/2014/main" xmlns="" id="{CA4EFDCE-77D7-4351-98AF-C3C52E38BCEF}"/>
               </a:ext>
             </a:extLst>
           </p:cNvPr>
@@ -27928,7 +31432,7 @@
           <p:cNvPr id="16" name="TextBox 15">
             <a:extLst>
               <a:ext uri="{FF2B5EF4-FFF2-40B4-BE49-F238E27FC236}">
-                <a16:creationId xmlns:a16="http://schemas.microsoft.com/office/drawing/2014/main" id="{1F98A6F7-E8CD-4FE2-9471-7C2693D557B1}"/>
+                <a16:creationId xmlns:a16="http://schemas.microsoft.com/office/drawing/2014/main" xmlns="" id="{1F98A6F7-E8CD-4FE2-9471-7C2693D557B1}"/>
               </a:ext>
             </a:extLst>
           </p:cNvPr>
@@ -27964,7 +31468,7 @@
           <p:cNvPr id="14" name="직사각형 13">
             <a:extLst>
               <a:ext uri="{FF2B5EF4-FFF2-40B4-BE49-F238E27FC236}">
-                <a16:creationId xmlns:a16="http://schemas.microsoft.com/office/drawing/2014/main" id="{CB5C1986-20DE-450C-8EEE-D8BEE2F850C6}"/>
+                <a16:creationId xmlns:a16="http://schemas.microsoft.com/office/drawing/2014/main" xmlns="" id="{CB5C1986-20DE-450C-8EEE-D8BEE2F850C6}"/>
               </a:ext>
             </a:extLst>
           </p:cNvPr>
@@ -28011,7 +31515,7 @@
           <p:cNvPr id="17" name="TextBox 16">
             <a:extLst>
               <a:ext uri="{FF2B5EF4-FFF2-40B4-BE49-F238E27FC236}">
-                <a16:creationId xmlns:a16="http://schemas.microsoft.com/office/drawing/2014/main" id="{B59EE5C3-D579-4CF1-BDF9-7E364B23D4EE}"/>
+                <a16:creationId xmlns:a16="http://schemas.microsoft.com/office/drawing/2014/main" xmlns="" id="{B59EE5C3-D579-4CF1-BDF9-7E364B23D4EE}"/>
               </a:ext>
             </a:extLst>
           </p:cNvPr>
@@ -28035,7 +31539,7 @@
           <a:lstStyle/>
           <a:p>
             <a:r>
-              <a:rPr lang="ko-KR" altLang="en-US" sz="1600"/>
+              <a:rPr lang="ko-KR" altLang="en-US" sz="1600" dirty="0" err="1"/>
               <a:t>비밀번호찾기</a:t>
             </a:r>
             <a:endParaRPr lang="ko-KR" altLang="en-US" sz="1600" dirty="0"/>
@@ -28047,7 +31551,7 @@
           <p:cNvPr id="19" name="그림 18">
             <a:extLst>
               <a:ext uri="{FF2B5EF4-FFF2-40B4-BE49-F238E27FC236}">
-                <a16:creationId xmlns:a16="http://schemas.microsoft.com/office/drawing/2014/main" id="{926168D9-25C6-4BD5-A34F-16F9D3262B5B}"/>
+                <a16:creationId xmlns:a16="http://schemas.microsoft.com/office/drawing/2014/main" xmlns="" id="{926168D9-25C6-4BD5-A34F-16F9D3262B5B}"/>
               </a:ext>
             </a:extLst>
           </p:cNvPr>
@@ -28057,7 +31561,7 @@
           <p:nvPr/>
         </p:nvPicPr>
         <p:blipFill>
-          <a:blip r:embed="rId5">
+          <a:blip r:embed="rId5" cstate="print">
             <a:extLst>
               <a:ext uri="{28A0092B-C50C-407E-A947-70E740481C1C}">
                 <a14:useLocalDpi xmlns:a14="http://schemas.microsoft.com/office/drawing/2010/main" val="0"/>
@@ -28078,6 +31582,1200 @@
           </a:prstGeom>
         </p:spPr>
       </p:pic>
+      <p:grpSp>
+        <p:nvGrpSpPr>
+          <p:cNvPr id="18" name="그룹 17"/>
+          <p:cNvGrpSpPr/>
+          <p:nvPr/>
+        </p:nvGrpSpPr>
+        <p:grpSpPr>
+          <a:xfrm>
+            <a:off x="8853632" y="3561452"/>
+            <a:ext cx="2319292" cy="257491"/>
+            <a:chOff x="8853632" y="3561452"/>
+            <a:chExt cx="2319292" cy="257491"/>
+          </a:xfrm>
+        </p:grpSpPr>
+        <p:sp>
+          <p:nvSpPr>
+            <p:cNvPr id="29" name="TextBox 28">
+              <a:extLst>
+                <a:ext uri="{FF2B5EF4-FFF2-40B4-BE49-F238E27FC236}">
+                  <a16:creationId xmlns:a16="http://schemas.microsoft.com/office/drawing/2014/main" xmlns="" id="{3A39D1D2-6993-47C8-B206-5F24137F65F3}"/>
+                </a:ext>
+              </a:extLst>
+            </p:cNvPr>
+            <p:cNvSpPr txBox="1"/>
+            <p:nvPr/>
+          </p:nvSpPr>
+          <p:spPr>
+            <a:xfrm>
+              <a:off x="8853632" y="3561452"/>
+              <a:ext cx="889987" cy="252000"/>
+            </a:xfrm>
+            <a:prstGeom prst="rect">
+              <a:avLst/>
+            </a:prstGeom>
+            <a:noFill/>
+          </p:spPr>
+          <p:txBody>
+            <a:bodyPr wrap="none" rtlCol="0">
+              <a:spAutoFit/>
+            </a:bodyPr>
+            <a:lstStyle/>
+            <a:p>
+              <a:r>
+                <a:rPr lang="ko-KR" altLang="en-US" sz="1100" dirty="0"/>
+                <a:t>휴대폰번호</a:t>
+              </a:r>
+            </a:p>
+          </p:txBody>
+        </p:sp>
+        <p:sp>
+          <p:nvSpPr>
+            <p:cNvPr id="30" name="직사각형 29">
+              <a:extLst>
+                <a:ext uri="{FF2B5EF4-FFF2-40B4-BE49-F238E27FC236}">
+                  <a16:creationId xmlns:a16="http://schemas.microsoft.com/office/drawing/2014/main" xmlns="" id="{E12D4D8D-0ADC-4521-A3FB-8C99B905DB23}"/>
+                </a:ext>
+              </a:extLst>
+            </p:cNvPr>
+            <p:cNvSpPr/>
+            <p:nvPr/>
+          </p:nvSpPr>
+          <p:spPr>
+            <a:xfrm>
+              <a:off x="9743619" y="3566943"/>
+              <a:ext cx="1429305" cy="252000"/>
+            </a:xfrm>
+            <a:prstGeom prst="rect">
+              <a:avLst/>
+            </a:prstGeom>
+          </p:spPr>
+          <p:style>
+            <a:lnRef idx="2">
+              <a:schemeClr val="dk1"/>
+            </a:lnRef>
+            <a:fillRef idx="1">
+              <a:schemeClr val="lt1"/>
+            </a:fillRef>
+            <a:effectRef idx="0">
+              <a:schemeClr val="dk1"/>
+            </a:effectRef>
+            <a:fontRef idx="minor">
+              <a:schemeClr val="dk1"/>
+            </a:fontRef>
+          </p:style>
+          <p:txBody>
+            <a:bodyPr rtlCol="0" anchor="ctr"/>
+            <a:lstStyle/>
+            <a:p>
+              <a:pPr algn="ctr"/>
+              <a:endParaRPr lang="ko-KR" altLang="en-US"/>
+            </a:p>
+          </p:txBody>
+        </p:sp>
+      </p:grpSp>
+      <p:grpSp>
+        <p:nvGrpSpPr>
+          <p:cNvPr id="24" name="그룹 23"/>
+          <p:cNvGrpSpPr/>
+          <p:nvPr/>
+        </p:nvGrpSpPr>
+        <p:grpSpPr>
+          <a:xfrm>
+            <a:off x="8994696" y="4440136"/>
+            <a:ext cx="2178227" cy="252000"/>
+            <a:chOff x="8994696" y="4440136"/>
+            <a:chExt cx="2178227" cy="252000"/>
+          </a:xfrm>
+        </p:grpSpPr>
+        <p:sp>
+          <p:nvSpPr>
+            <p:cNvPr id="27" name="직사각형 26">
+              <a:extLst>
+                <a:ext uri="{FF2B5EF4-FFF2-40B4-BE49-F238E27FC236}">
+                  <a16:creationId xmlns:a16="http://schemas.microsoft.com/office/drawing/2014/main" xmlns="" id="{C54102B0-1FC6-4BB5-9EC2-96E1C1C6B9D3}"/>
+                </a:ext>
+              </a:extLst>
+            </p:cNvPr>
+            <p:cNvSpPr/>
+            <p:nvPr/>
+          </p:nvSpPr>
+          <p:spPr>
+            <a:xfrm>
+              <a:off x="9743618" y="4440136"/>
+              <a:ext cx="1429305" cy="252000"/>
+            </a:xfrm>
+            <a:prstGeom prst="rect">
+              <a:avLst/>
+            </a:prstGeom>
+          </p:spPr>
+          <p:style>
+            <a:lnRef idx="2">
+              <a:schemeClr val="dk1"/>
+            </a:lnRef>
+            <a:fillRef idx="1">
+              <a:schemeClr val="lt1"/>
+            </a:fillRef>
+            <a:effectRef idx="0">
+              <a:schemeClr val="dk1"/>
+            </a:effectRef>
+            <a:fontRef idx="minor">
+              <a:schemeClr val="dk1"/>
+            </a:fontRef>
+          </p:style>
+          <p:txBody>
+            <a:bodyPr rtlCol="0" anchor="ctr"/>
+            <a:lstStyle/>
+            <a:p>
+              <a:pPr algn="ctr"/>
+              <a:endParaRPr lang="ko-KR" altLang="en-US"/>
+            </a:p>
+          </p:txBody>
+        </p:sp>
+        <p:sp>
+          <p:nvSpPr>
+            <p:cNvPr id="28" name="TextBox 27">
+              <a:extLst>
+                <a:ext uri="{FF2B5EF4-FFF2-40B4-BE49-F238E27FC236}">
+                  <a16:creationId xmlns:a16="http://schemas.microsoft.com/office/drawing/2014/main" xmlns="" id="{DE2ED6AA-2EA4-4B4E-8E17-7E28C5CCCFCB}"/>
+                </a:ext>
+              </a:extLst>
+            </p:cNvPr>
+            <p:cNvSpPr txBox="1"/>
+            <p:nvPr/>
+          </p:nvSpPr>
+          <p:spPr>
+            <a:xfrm>
+              <a:off x="8994696" y="4440136"/>
+              <a:ext cx="748923" cy="252000"/>
+            </a:xfrm>
+            <a:prstGeom prst="rect">
+              <a:avLst/>
+            </a:prstGeom>
+            <a:noFill/>
+          </p:spPr>
+          <p:txBody>
+            <a:bodyPr wrap="none" rtlCol="0">
+              <a:spAutoFit/>
+            </a:bodyPr>
+            <a:lstStyle/>
+            <a:p>
+              <a:r>
+                <a:rPr lang="ko-KR" altLang="en-US" sz="1100" dirty="0"/>
+                <a:t>인증번호</a:t>
+              </a:r>
+            </a:p>
+          </p:txBody>
+        </p:sp>
+      </p:grpSp>
+      <p:sp>
+        <p:nvSpPr>
+          <p:cNvPr id="25" name="직사각형 24">
+            <a:extLst>
+              <a:ext uri="{FF2B5EF4-FFF2-40B4-BE49-F238E27FC236}">
+                <a16:creationId xmlns:a16="http://schemas.microsoft.com/office/drawing/2014/main" xmlns="" id="{858EF894-179B-407C-95C7-DBE73F217BFF}"/>
+              </a:ext>
+            </a:extLst>
+          </p:cNvPr>
+          <p:cNvSpPr/>
+          <p:nvPr/>
+        </p:nvSpPr>
+        <p:spPr>
+          <a:xfrm>
+            <a:off x="9743619" y="4003540"/>
+            <a:ext cx="1429304" cy="252000"/>
+          </a:xfrm>
+          <a:prstGeom prst="rect">
+            <a:avLst/>
+          </a:prstGeom>
+        </p:spPr>
+        <p:style>
+          <a:lnRef idx="2">
+            <a:schemeClr val="dk1"/>
+          </a:lnRef>
+          <a:fillRef idx="1">
+            <a:schemeClr val="lt1"/>
+          </a:fillRef>
+          <a:effectRef idx="0">
+            <a:schemeClr val="dk1"/>
+          </a:effectRef>
+          <a:fontRef idx="minor">
+            <a:schemeClr val="dk1"/>
+          </a:fontRef>
+        </p:style>
+        <p:txBody>
+          <a:bodyPr rtlCol="0" anchor="ctr"/>
+          <a:lstStyle/>
+          <a:p>
+            <a:pPr algn="ctr"/>
+            <a:r>
+              <a:rPr lang="ko-KR" altLang="en-US" sz="900"/>
+              <a:t>인증번호받기</a:t>
+            </a:r>
+            <a:endParaRPr lang="ko-KR" altLang="en-US" sz="900" dirty="0"/>
+          </a:p>
+        </p:txBody>
+      </p:sp>
+      <p:sp>
+        <p:nvSpPr>
+          <p:cNvPr id="26" name="직사각형 25">
+            <a:extLst>
+              <a:ext uri="{FF2B5EF4-FFF2-40B4-BE49-F238E27FC236}">
+                <a16:creationId xmlns:a16="http://schemas.microsoft.com/office/drawing/2014/main" xmlns="" id="{9D56ADB9-A0DD-425C-A5B8-AB58E3DE5BAB}"/>
+              </a:ext>
+            </a:extLst>
+          </p:cNvPr>
+          <p:cNvSpPr/>
+          <p:nvPr/>
+        </p:nvSpPr>
+        <p:spPr>
+          <a:xfrm>
+            <a:off x="9500400" y="4962617"/>
+            <a:ext cx="1080000" cy="324000"/>
+          </a:xfrm>
+          <a:prstGeom prst="rect">
+            <a:avLst/>
+          </a:prstGeom>
+        </p:spPr>
+        <p:style>
+          <a:lnRef idx="2">
+            <a:schemeClr val="dk1"/>
+          </a:lnRef>
+          <a:fillRef idx="1">
+            <a:schemeClr val="lt1"/>
+          </a:fillRef>
+          <a:effectRef idx="0">
+            <a:schemeClr val="dk1"/>
+          </a:effectRef>
+          <a:fontRef idx="minor">
+            <a:schemeClr val="dk1"/>
+          </a:fontRef>
+        </p:style>
+        <p:txBody>
+          <a:bodyPr rtlCol="0" anchor="ctr"/>
+          <a:lstStyle/>
+          <a:p>
+            <a:pPr algn="ctr"/>
+            <a:r>
+              <a:rPr lang="ko-KR" altLang="en-US" sz="1400" dirty="0"/>
+              <a:t>확인</a:t>
+            </a:r>
+          </a:p>
+        </p:txBody>
+      </p:sp>
+      <p:grpSp>
+        <p:nvGrpSpPr>
+          <p:cNvPr id="39" name="그룹 38"/>
+          <p:cNvGrpSpPr/>
+          <p:nvPr/>
+        </p:nvGrpSpPr>
+        <p:grpSpPr>
+          <a:xfrm>
+            <a:off x="8937615" y="2653528"/>
+            <a:ext cx="1633167" cy="338554"/>
+            <a:chOff x="8937615" y="2653528"/>
+            <a:chExt cx="1633167" cy="338554"/>
+          </a:xfrm>
+        </p:grpSpPr>
+        <p:pic>
+          <p:nvPicPr>
+            <p:cNvPr id="35" name="그림 34">
+              <a:extLst>
+                <a:ext uri="{FF2B5EF4-FFF2-40B4-BE49-F238E27FC236}">
+                  <a16:creationId xmlns:a16="http://schemas.microsoft.com/office/drawing/2014/main" xmlns="" id="{67C27A0E-090D-4FBF-B216-C5B281DE255C}"/>
+                </a:ext>
+              </a:extLst>
+            </p:cNvPr>
+            <p:cNvPicPr>
+              <a:picLocks noChangeAspect="1"/>
+            </p:cNvPicPr>
+            <p:nvPr/>
+          </p:nvPicPr>
+          <p:blipFill>
+            <a:blip r:embed="rId5" cstate="print">
+              <a:extLst>
+                <a:ext uri="{28A0092B-C50C-407E-A947-70E740481C1C}">
+                  <a14:useLocalDpi xmlns:a14="http://schemas.microsoft.com/office/drawing/2010/main" val="0"/>
+                </a:ext>
+              </a:extLst>
+            </a:blip>
+            <a:stretch>
+              <a:fillRect/>
+            </a:stretch>
+          </p:blipFill>
+          <p:spPr>
+            <a:xfrm>
+              <a:off x="8937615" y="2678382"/>
+              <a:ext cx="287438" cy="288000"/>
+            </a:xfrm>
+            <a:prstGeom prst="rect">
+              <a:avLst/>
+            </a:prstGeom>
+          </p:spPr>
+        </p:pic>
+        <p:sp>
+          <p:nvSpPr>
+            <p:cNvPr id="36" name="TextBox 35">
+              <a:extLst>
+                <a:ext uri="{FF2B5EF4-FFF2-40B4-BE49-F238E27FC236}">
+                  <a16:creationId xmlns:a16="http://schemas.microsoft.com/office/drawing/2014/main" xmlns="" id="{B59EE5C3-D579-4CF1-BDF9-7E364B23D4EE}"/>
+                </a:ext>
+              </a:extLst>
+            </p:cNvPr>
+            <p:cNvSpPr txBox="1"/>
+            <p:nvPr/>
+          </p:nvSpPr>
+          <p:spPr>
+            <a:xfrm>
+              <a:off x="9155010" y="2653528"/>
+              <a:ext cx="1415772" cy="338554"/>
+            </a:xfrm>
+            <a:prstGeom prst="rect">
+              <a:avLst/>
+            </a:prstGeom>
+            <a:noFill/>
+          </p:spPr>
+          <p:txBody>
+            <a:bodyPr wrap="none" rtlCol="0">
+              <a:spAutoFit/>
+            </a:bodyPr>
+            <a:lstStyle/>
+            <a:p>
+              <a:r>
+                <a:rPr lang="ko-KR" altLang="en-US" sz="1600" dirty="0" err="1"/>
+                <a:t>비밀번호찾기</a:t>
+              </a:r>
+              <a:endParaRPr lang="ko-KR" altLang="en-US" sz="1600" dirty="0"/>
+            </a:p>
+          </p:txBody>
+        </p:sp>
+      </p:grpSp>
+      <p:grpSp>
+        <p:nvGrpSpPr>
+          <p:cNvPr id="38" name="그룹 37"/>
+          <p:cNvGrpSpPr/>
+          <p:nvPr/>
+        </p:nvGrpSpPr>
+        <p:grpSpPr>
+          <a:xfrm>
+            <a:off x="9135760" y="3124855"/>
+            <a:ext cx="2037164" cy="256327"/>
+            <a:chOff x="9135760" y="3124855"/>
+            <a:chExt cx="2037164" cy="256327"/>
+          </a:xfrm>
+        </p:grpSpPr>
+        <p:sp>
+          <p:nvSpPr>
+            <p:cNvPr id="31" name="직사각형 30">
+              <a:extLst>
+                <a:ext uri="{FF2B5EF4-FFF2-40B4-BE49-F238E27FC236}">
+                  <a16:creationId xmlns:a16="http://schemas.microsoft.com/office/drawing/2014/main" xmlns="" id="{9BA0B9D7-6CF3-42E4-BB1E-5D41FEBB96FD}"/>
+                </a:ext>
+              </a:extLst>
+            </p:cNvPr>
+            <p:cNvSpPr/>
+            <p:nvPr/>
+          </p:nvSpPr>
+          <p:spPr>
+            <a:xfrm>
+              <a:off x="9743619" y="3124855"/>
+              <a:ext cx="1429305" cy="252000"/>
+            </a:xfrm>
+            <a:prstGeom prst="rect">
+              <a:avLst/>
+            </a:prstGeom>
+          </p:spPr>
+          <p:style>
+            <a:lnRef idx="2">
+              <a:schemeClr val="dk1"/>
+            </a:lnRef>
+            <a:fillRef idx="1">
+              <a:schemeClr val="lt1"/>
+            </a:fillRef>
+            <a:effectRef idx="0">
+              <a:schemeClr val="dk1"/>
+            </a:effectRef>
+            <a:fontRef idx="minor">
+              <a:schemeClr val="dk1"/>
+            </a:fontRef>
+          </p:style>
+          <p:txBody>
+            <a:bodyPr rtlCol="0" anchor="ctr"/>
+            <a:lstStyle/>
+            <a:p>
+              <a:pPr algn="ctr"/>
+              <a:endParaRPr lang="ko-KR" altLang="en-US"/>
+            </a:p>
+          </p:txBody>
+        </p:sp>
+        <p:sp>
+          <p:nvSpPr>
+            <p:cNvPr id="37" name="TextBox 36">
+              <a:extLst>
+                <a:ext uri="{FF2B5EF4-FFF2-40B4-BE49-F238E27FC236}">
+                  <a16:creationId xmlns:a16="http://schemas.microsoft.com/office/drawing/2014/main" xmlns="" id="{FEABD6E8-C233-4CB3-A1FE-F2249F5A9579}"/>
+                </a:ext>
+              </a:extLst>
+            </p:cNvPr>
+            <p:cNvSpPr txBox="1"/>
+            <p:nvPr/>
+          </p:nvSpPr>
+          <p:spPr>
+            <a:xfrm>
+              <a:off x="9135760" y="3129182"/>
+              <a:ext cx="607859" cy="252000"/>
+            </a:xfrm>
+            <a:prstGeom prst="rect">
+              <a:avLst/>
+            </a:prstGeom>
+            <a:noFill/>
+          </p:spPr>
+          <p:txBody>
+            <a:bodyPr wrap="none" rtlCol="0">
+              <a:spAutoFit/>
+            </a:bodyPr>
+            <a:lstStyle/>
+            <a:p>
+              <a:r>
+                <a:rPr lang="ko-KR" altLang="en-US" sz="1100" dirty="0"/>
+                <a:t>아이디</a:t>
+              </a:r>
+            </a:p>
+          </p:txBody>
+        </p:sp>
+      </p:grpSp>
+      <p:sp>
+        <p:nvSpPr>
+          <p:cNvPr id="40" name="TextBox 39">
+            <a:extLst>
+              <a:ext uri="{FF2B5EF4-FFF2-40B4-BE49-F238E27FC236}">
+                <a16:creationId xmlns:a16="http://schemas.microsoft.com/office/drawing/2014/main" xmlns="" id="{606CB3EF-BD67-454E-8D48-D30774CEE106}"/>
+              </a:ext>
+            </a:extLst>
+          </p:cNvPr>
+          <p:cNvSpPr txBox="1"/>
+          <p:nvPr/>
+        </p:nvSpPr>
+        <p:spPr>
+          <a:xfrm>
+            <a:off x="1786856" y="1845578"/>
+            <a:ext cx="595618" cy="215444"/>
+          </a:xfrm>
+          <a:prstGeom prst="rect">
+            <a:avLst/>
+          </a:prstGeom>
+          <a:noFill/>
+        </p:spPr>
+        <p:txBody>
+          <a:bodyPr wrap="square" rtlCol="0">
+            <a:spAutoFit/>
+          </a:bodyPr>
+          <a:lstStyle/>
+          <a:p>
+            <a:r>
+              <a:rPr lang="ko-KR" altLang="en-US" sz="800" dirty="0" err="1"/>
+              <a:t>마이시터</a:t>
+            </a:r>
+            <a:endParaRPr lang="ko-KR" altLang="en-US" sz="800" dirty="0"/>
+          </a:p>
+        </p:txBody>
+      </p:sp>
+      <p:sp>
+        <p:nvSpPr>
+          <p:cNvPr id="41" name="TextBox 40">
+            <a:extLst>
+              <a:ext uri="{FF2B5EF4-FFF2-40B4-BE49-F238E27FC236}">
+                <a16:creationId xmlns:a16="http://schemas.microsoft.com/office/drawing/2014/main" xmlns="" id="{6ECBB3D4-2156-4986-9434-EA8F60CE59E0}"/>
+              </a:ext>
+            </a:extLst>
+          </p:cNvPr>
+          <p:cNvSpPr txBox="1"/>
+          <p:nvPr/>
+        </p:nvSpPr>
+        <p:spPr>
+          <a:xfrm>
+            <a:off x="5508770" y="1845578"/>
+            <a:ext cx="1630262" cy="215444"/>
+          </a:xfrm>
+          <a:prstGeom prst="rect">
+            <a:avLst/>
+          </a:prstGeom>
+          <a:noFill/>
+        </p:spPr>
+        <p:txBody>
+          <a:bodyPr wrap="square" rtlCol="0">
+            <a:spAutoFit/>
+          </a:bodyPr>
+          <a:lstStyle/>
+          <a:p>
+            <a:r>
+              <a:rPr lang="ko-KR" altLang="en-US" sz="800"/>
+              <a:t>로그인   회원가입   마이페이지</a:t>
+            </a:r>
+            <a:endParaRPr lang="ko-KR" altLang="en-US" sz="800" dirty="0"/>
+          </a:p>
+        </p:txBody>
+      </p:sp>
+      <p:cxnSp>
+        <p:nvCxnSpPr>
+          <p:cNvPr id="42" name="직선 연결선 41">
+            <a:extLst>
+              <a:ext uri="{FF2B5EF4-FFF2-40B4-BE49-F238E27FC236}">
+                <a16:creationId xmlns:a16="http://schemas.microsoft.com/office/drawing/2014/main" xmlns="" id="{A723CFAC-181E-4ABB-8790-FEC42B087A83}"/>
+              </a:ext>
+            </a:extLst>
+          </p:cNvPr>
+          <p:cNvCxnSpPr/>
+          <p:nvPr/>
+        </p:nvCxnSpPr>
+        <p:spPr>
+          <a:xfrm>
+            <a:off x="896100" y="2095956"/>
+            <a:ext cx="7200001" cy="0"/>
+          </a:xfrm>
+          <a:prstGeom prst="line">
+            <a:avLst/>
+          </a:prstGeom>
+        </p:spPr>
+        <p:style>
+          <a:lnRef idx="1">
+            <a:schemeClr val="dk1"/>
+          </a:lnRef>
+          <a:fillRef idx="0">
+            <a:schemeClr val="dk1"/>
+          </a:fillRef>
+          <a:effectRef idx="0">
+            <a:schemeClr val="dk1"/>
+          </a:effectRef>
+          <a:fontRef idx="minor">
+            <a:schemeClr val="tx1"/>
+          </a:fontRef>
+        </p:style>
+      </p:cxnSp>
+      <p:sp>
+        <p:nvSpPr>
+          <p:cNvPr id="43" name="TextBox 42">
+            <a:extLst>
+              <a:ext uri="{FF2B5EF4-FFF2-40B4-BE49-F238E27FC236}">
+                <a16:creationId xmlns:a16="http://schemas.microsoft.com/office/drawing/2014/main" xmlns="" id="{010ADA31-1823-4E2F-B19C-9DF082DE9B5C}"/>
+              </a:ext>
+            </a:extLst>
+          </p:cNvPr>
+          <p:cNvSpPr txBox="1"/>
+          <p:nvPr/>
+        </p:nvSpPr>
+        <p:spPr>
+          <a:xfrm>
+            <a:off x="4203946" y="1845190"/>
+            <a:ext cx="595618" cy="215444"/>
+          </a:xfrm>
+          <a:prstGeom prst="rect">
+            <a:avLst/>
+          </a:prstGeom>
+          <a:noFill/>
+        </p:spPr>
+        <p:txBody>
+          <a:bodyPr wrap="square" rtlCol="0">
+            <a:spAutoFit/>
+          </a:bodyPr>
+          <a:lstStyle/>
+          <a:p>
+            <a:r>
+              <a:rPr lang="en-US" altLang="ko-KR" sz="800" dirty="0"/>
+              <a:t>logo</a:t>
+            </a:r>
+            <a:endParaRPr lang="ko-KR" altLang="en-US" sz="800" dirty="0"/>
+          </a:p>
+        </p:txBody>
+      </p:sp>
+      <p:sp>
+        <p:nvSpPr>
+          <p:cNvPr id="44" name="직사각형 43">
+            <a:extLst>
+              <a:ext uri="{FF2B5EF4-FFF2-40B4-BE49-F238E27FC236}">
+                <a16:creationId xmlns:a16="http://schemas.microsoft.com/office/drawing/2014/main" xmlns="" id="{28EAE90E-16BD-4338-B838-36E62A30452E}"/>
+              </a:ext>
+            </a:extLst>
+          </p:cNvPr>
+          <p:cNvSpPr/>
+          <p:nvPr/>
+        </p:nvSpPr>
+        <p:spPr>
+          <a:xfrm>
+            <a:off x="4044343" y="1845190"/>
+            <a:ext cx="224256" cy="209724"/>
+          </a:xfrm>
+          <a:prstGeom prst="rect">
+            <a:avLst/>
+          </a:prstGeom>
+          <a:solidFill>
+            <a:schemeClr val="bg1"/>
+          </a:solidFill>
+          <a:ln>
+            <a:solidFill>
+              <a:schemeClr val="tx1"/>
+            </a:solidFill>
+          </a:ln>
+        </p:spPr>
+        <p:style>
+          <a:lnRef idx="2">
+            <a:schemeClr val="accent1">
+              <a:shade val="50000"/>
+            </a:schemeClr>
+          </a:lnRef>
+          <a:fillRef idx="1">
+            <a:schemeClr val="accent1"/>
+          </a:fillRef>
+          <a:effectRef idx="0">
+            <a:schemeClr val="accent1"/>
+          </a:effectRef>
+          <a:fontRef idx="minor">
+            <a:schemeClr val="lt1"/>
+          </a:fontRef>
+        </p:style>
+        <p:txBody>
+          <a:bodyPr rtlCol="0" anchor="ctr"/>
+          <a:lstStyle/>
+          <a:p>
+            <a:pPr algn="ctr"/>
+            <a:endParaRPr lang="ko-KR" altLang="en-US" dirty="0"/>
+          </a:p>
+        </p:txBody>
+      </p:sp>
+      <p:sp>
+        <p:nvSpPr>
+          <p:cNvPr id="45" name="TextBox 44">
+            <a:extLst>
+              <a:ext uri="{FF2B5EF4-FFF2-40B4-BE49-F238E27FC236}">
+                <a16:creationId xmlns:a16="http://schemas.microsoft.com/office/drawing/2014/main" xmlns="" id="{78ADDD66-9CDE-4CA6-938D-D34562AC7F09}"/>
+              </a:ext>
+            </a:extLst>
+          </p:cNvPr>
+          <p:cNvSpPr txBox="1"/>
+          <p:nvPr/>
+        </p:nvSpPr>
+        <p:spPr>
+          <a:xfrm>
+            <a:off x="2329495" y="1845578"/>
+            <a:ext cx="595618" cy="215444"/>
+          </a:xfrm>
+          <a:prstGeom prst="rect">
+            <a:avLst/>
+          </a:prstGeom>
+          <a:noFill/>
+        </p:spPr>
+        <p:txBody>
+          <a:bodyPr wrap="square" rtlCol="0">
+            <a:spAutoFit/>
+          </a:bodyPr>
+          <a:lstStyle/>
+          <a:p>
+            <a:r>
+              <a:rPr lang="ko-KR" altLang="en-US" sz="800" dirty="0" err="1"/>
+              <a:t>시터찾기</a:t>
+            </a:r>
+            <a:endParaRPr lang="ko-KR" altLang="en-US" sz="800" dirty="0"/>
+          </a:p>
+        </p:txBody>
+      </p:sp>
+      <p:sp>
+        <p:nvSpPr>
+          <p:cNvPr id="46" name="직사각형 45">
+            <a:extLst>
+              <a:ext uri="{FF2B5EF4-FFF2-40B4-BE49-F238E27FC236}">
+                <a16:creationId xmlns:a16="http://schemas.microsoft.com/office/drawing/2014/main" xmlns="" id="{33107F64-EDE9-4E47-9242-F8A468C24118}"/>
+              </a:ext>
+            </a:extLst>
+          </p:cNvPr>
+          <p:cNvSpPr/>
+          <p:nvPr/>
+        </p:nvSpPr>
+        <p:spPr>
+          <a:xfrm>
+            <a:off x="9563677" y="1828800"/>
+            <a:ext cx="1023230" cy="276836"/>
+          </a:xfrm>
+          <a:prstGeom prst="rect">
+            <a:avLst/>
+          </a:prstGeom>
+          <a:solidFill>
+            <a:schemeClr val="bg1"/>
+          </a:solidFill>
+          <a:ln>
+            <a:solidFill>
+              <a:schemeClr val="tx1"/>
+            </a:solidFill>
+          </a:ln>
+        </p:spPr>
+        <p:style>
+          <a:lnRef idx="2">
+            <a:schemeClr val="accent1">
+              <a:shade val="50000"/>
+            </a:schemeClr>
+          </a:lnRef>
+          <a:fillRef idx="1">
+            <a:schemeClr val="accent1"/>
+          </a:fillRef>
+          <a:effectRef idx="0">
+            <a:schemeClr val="accent1"/>
+          </a:effectRef>
+          <a:fontRef idx="minor">
+            <a:schemeClr val="lt1"/>
+          </a:fontRef>
+        </p:style>
+        <p:txBody>
+          <a:bodyPr rtlCol="0" anchor="ctr"/>
+          <a:lstStyle/>
+          <a:p>
+            <a:pPr algn="ctr"/>
+            <a:endParaRPr lang="ko-KR" altLang="en-US" dirty="0"/>
+          </a:p>
+        </p:txBody>
+      </p:sp>
+      <p:sp>
+        <p:nvSpPr>
+          <p:cNvPr id="47" name="직사각형 46">
+            <a:extLst>
+              <a:ext uri="{FF2B5EF4-FFF2-40B4-BE49-F238E27FC236}">
+                <a16:creationId xmlns:a16="http://schemas.microsoft.com/office/drawing/2014/main" xmlns="" id="{5A842A4B-8B39-44DE-9CEA-9515737356B2}"/>
+              </a:ext>
+            </a:extLst>
+          </p:cNvPr>
+          <p:cNvSpPr/>
+          <p:nvPr/>
+        </p:nvSpPr>
+        <p:spPr>
+          <a:xfrm>
+            <a:off x="9599253" y="1862356"/>
+            <a:ext cx="224256" cy="209724"/>
+          </a:xfrm>
+          <a:prstGeom prst="rect">
+            <a:avLst/>
+          </a:prstGeom>
+          <a:solidFill>
+            <a:schemeClr val="bg1"/>
+          </a:solidFill>
+          <a:ln>
+            <a:solidFill>
+              <a:schemeClr val="tx1"/>
+            </a:solidFill>
+          </a:ln>
+        </p:spPr>
+        <p:style>
+          <a:lnRef idx="2">
+            <a:schemeClr val="accent1">
+              <a:shade val="50000"/>
+            </a:schemeClr>
+          </a:lnRef>
+          <a:fillRef idx="1">
+            <a:schemeClr val="accent1"/>
+          </a:fillRef>
+          <a:effectRef idx="0">
+            <a:schemeClr val="accent1"/>
+          </a:effectRef>
+          <a:fontRef idx="minor">
+            <a:schemeClr val="lt1"/>
+          </a:fontRef>
+        </p:style>
+        <p:txBody>
+          <a:bodyPr rtlCol="0" anchor="ctr"/>
+          <a:lstStyle/>
+          <a:p>
+            <a:pPr algn="ctr"/>
+            <a:endParaRPr lang="ko-KR" altLang="en-US" dirty="0"/>
+          </a:p>
+        </p:txBody>
+      </p:sp>
+      <p:sp>
+        <p:nvSpPr>
+          <p:cNvPr id="48" name="직사각형 47">
+            <a:extLst>
+              <a:ext uri="{FF2B5EF4-FFF2-40B4-BE49-F238E27FC236}">
+                <a16:creationId xmlns:a16="http://schemas.microsoft.com/office/drawing/2014/main" xmlns="" id="{2DD24BCC-FCE6-4F3D-9102-0338A277724E}"/>
+              </a:ext>
+            </a:extLst>
+          </p:cNvPr>
+          <p:cNvSpPr/>
+          <p:nvPr/>
+        </p:nvSpPr>
+        <p:spPr>
+          <a:xfrm>
+            <a:off x="11004221" y="1870745"/>
+            <a:ext cx="224256" cy="209724"/>
+          </a:xfrm>
+          <a:prstGeom prst="rect">
+            <a:avLst/>
+          </a:prstGeom>
+          <a:solidFill>
+            <a:schemeClr val="bg1"/>
+          </a:solidFill>
+          <a:ln>
+            <a:solidFill>
+              <a:schemeClr val="tx1"/>
+            </a:solidFill>
+          </a:ln>
+        </p:spPr>
+        <p:style>
+          <a:lnRef idx="2">
+            <a:schemeClr val="accent1">
+              <a:shade val="50000"/>
+            </a:schemeClr>
+          </a:lnRef>
+          <a:fillRef idx="1">
+            <a:schemeClr val="accent1"/>
+          </a:fillRef>
+          <a:effectRef idx="0">
+            <a:schemeClr val="accent1"/>
+          </a:effectRef>
+          <a:fontRef idx="minor">
+            <a:schemeClr val="lt1"/>
+          </a:fontRef>
+        </p:style>
+        <p:txBody>
+          <a:bodyPr rtlCol="0" anchor="ctr"/>
+          <a:lstStyle/>
+          <a:p>
+            <a:pPr algn="ctr"/>
+            <a:endParaRPr lang="ko-KR" altLang="en-US" dirty="0"/>
+          </a:p>
+        </p:txBody>
+      </p:sp>
+      <p:sp>
+        <p:nvSpPr>
+          <p:cNvPr id="49" name="직사각형 48">
+            <a:extLst>
+              <a:ext uri="{FF2B5EF4-FFF2-40B4-BE49-F238E27FC236}">
+                <a16:creationId xmlns:a16="http://schemas.microsoft.com/office/drawing/2014/main" xmlns="" id="{D47A0DF5-CA84-4554-81E3-2D51D35F259C}"/>
+              </a:ext>
+            </a:extLst>
+          </p:cNvPr>
+          <p:cNvSpPr/>
+          <p:nvPr/>
+        </p:nvSpPr>
+        <p:spPr>
+          <a:xfrm>
+            <a:off x="8892432" y="1870745"/>
+            <a:ext cx="224256" cy="209724"/>
+          </a:xfrm>
+          <a:prstGeom prst="rect">
+            <a:avLst/>
+          </a:prstGeom>
+          <a:solidFill>
+            <a:schemeClr val="bg1"/>
+          </a:solidFill>
+          <a:ln>
+            <a:solidFill>
+              <a:schemeClr val="tx1"/>
+            </a:solidFill>
+          </a:ln>
+        </p:spPr>
+        <p:style>
+          <a:lnRef idx="2">
+            <a:schemeClr val="accent1">
+              <a:shade val="50000"/>
+            </a:schemeClr>
+          </a:lnRef>
+          <a:fillRef idx="1">
+            <a:schemeClr val="accent1"/>
+          </a:fillRef>
+          <a:effectRef idx="0">
+            <a:schemeClr val="accent1"/>
+          </a:effectRef>
+          <a:fontRef idx="minor">
+            <a:schemeClr val="lt1"/>
+          </a:fontRef>
+        </p:style>
+        <p:txBody>
+          <a:bodyPr rtlCol="0" anchor="ctr"/>
+          <a:lstStyle/>
+          <a:p>
+            <a:pPr algn="ctr"/>
+            <a:endParaRPr lang="ko-KR" altLang="en-US" dirty="0"/>
+          </a:p>
+        </p:txBody>
+      </p:sp>
+      <p:cxnSp>
+        <p:nvCxnSpPr>
+          <p:cNvPr id="50" name="직선 연결선 49">
+            <a:extLst>
+              <a:ext uri="{FF2B5EF4-FFF2-40B4-BE49-F238E27FC236}">
+                <a16:creationId xmlns:a16="http://schemas.microsoft.com/office/drawing/2014/main" xmlns="" id="{BBD31C63-515F-4941-8A12-DD68C1031400}"/>
+              </a:ext>
+            </a:extLst>
+          </p:cNvPr>
+          <p:cNvCxnSpPr/>
+          <p:nvPr/>
+        </p:nvCxnSpPr>
+        <p:spPr>
+          <a:xfrm>
+            <a:off x="8819791" y="2182536"/>
+            <a:ext cx="2511001" cy="0"/>
+          </a:xfrm>
+          <a:prstGeom prst="line">
+            <a:avLst/>
+          </a:prstGeom>
+          <a:ln>
+            <a:solidFill>
+              <a:schemeClr val="tx1"/>
+            </a:solidFill>
+          </a:ln>
+        </p:spPr>
+        <p:style>
+          <a:lnRef idx="1">
+            <a:schemeClr val="accent1"/>
+          </a:lnRef>
+          <a:fillRef idx="0">
+            <a:schemeClr val="accent1"/>
+          </a:fillRef>
+          <a:effectRef idx="0">
+            <a:schemeClr val="accent1"/>
+          </a:effectRef>
+          <a:fontRef idx="minor">
+            <a:schemeClr val="tx1"/>
+          </a:fontRef>
+        </p:style>
+      </p:cxnSp>
+      <p:cxnSp>
+        <p:nvCxnSpPr>
+          <p:cNvPr id="51" name="직선 화살표 연결선 50">
+            <a:extLst>
+              <a:ext uri="{FF2B5EF4-FFF2-40B4-BE49-F238E27FC236}">
+                <a16:creationId xmlns:a16="http://schemas.microsoft.com/office/drawing/2014/main" xmlns="" id="{C6189FF7-B2B4-4F58-A62C-4552AA855088}"/>
+              </a:ext>
+            </a:extLst>
+          </p:cNvPr>
+          <p:cNvCxnSpPr>
+            <a:cxnSpLocks/>
+          </p:cNvCxnSpPr>
+          <p:nvPr/>
+        </p:nvCxnSpPr>
+        <p:spPr>
+          <a:xfrm>
+            <a:off x="9004560" y="1535185"/>
+            <a:ext cx="0" cy="461394"/>
+          </a:xfrm>
+          <a:prstGeom prst="straightConnector1">
+            <a:avLst/>
+          </a:prstGeom>
+          <a:ln>
+            <a:solidFill>
+              <a:srgbClr val="FF0000"/>
+            </a:solidFill>
+            <a:tailEnd type="triangle"/>
+          </a:ln>
+        </p:spPr>
+        <p:style>
+          <a:lnRef idx="1">
+            <a:schemeClr val="accent2"/>
+          </a:lnRef>
+          <a:fillRef idx="0">
+            <a:schemeClr val="accent2"/>
+          </a:fillRef>
+          <a:effectRef idx="0">
+            <a:schemeClr val="accent2"/>
+          </a:effectRef>
+          <a:fontRef idx="minor">
+            <a:schemeClr val="tx1"/>
+          </a:fontRef>
+        </p:style>
+      </p:cxnSp>
+      <p:cxnSp>
+        <p:nvCxnSpPr>
+          <p:cNvPr id="52" name="직선 화살표 연결선 51">
+            <a:extLst>
+              <a:ext uri="{FF2B5EF4-FFF2-40B4-BE49-F238E27FC236}">
+                <a16:creationId xmlns:a16="http://schemas.microsoft.com/office/drawing/2014/main" xmlns="" id="{8A353617-6EF7-4BE0-876E-B7682AC7D0FB}"/>
+              </a:ext>
+            </a:extLst>
+          </p:cNvPr>
+          <p:cNvCxnSpPr>
+            <a:cxnSpLocks/>
+          </p:cNvCxnSpPr>
+          <p:nvPr/>
+        </p:nvCxnSpPr>
+        <p:spPr>
+          <a:xfrm>
+            <a:off x="10082343" y="1535185"/>
+            <a:ext cx="0" cy="461394"/>
+          </a:xfrm>
+          <a:prstGeom prst="straightConnector1">
+            <a:avLst/>
+          </a:prstGeom>
+          <a:ln>
+            <a:solidFill>
+              <a:srgbClr val="FF0000"/>
+            </a:solidFill>
+            <a:tailEnd type="triangle"/>
+          </a:ln>
+        </p:spPr>
+        <p:style>
+          <a:lnRef idx="1">
+            <a:schemeClr val="accent2"/>
+          </a:lnRef>
+          <a:fillRef idx="0">
+            <a:schemeClr val="accent2"/>
+          </a:fillRef>
+          <a:effectRef idx="0">
+            <a:schemeClr val="accent2"/>
+          </a:effectRef>
+          <a:fontRef idx="minor">
+            <a:schemeClr val="tx1"/>
+          </a:fontRef>
+        </p:style>
+      </p:cxnSp>
+      <p:cxnSp>
+        <p:nvCxnSpPr>
+          <p:cNvPr id="53" name="직선 화살표 연결선 52">
+            <a:extLst>
+              <a:ext uri="{FF2B5EF4-FFF2-40B4-BE49-F238E27FC236}">
+                <a16:creationId xmlns:a16="http://schemas.microsoft.com/office/drawing/2014/main" xmlns="" id="{6ADB57C1-71A6-460D-8130-56C2C112542B}"/>
+              </a:ext>
+            </a:extLst>
+          </p:cNvPr>
+          <p:cNvCxnSpPr>
+            <a:cxnSpLocks/>
+          </p:cNvCxnSpPr>
+          <p:nvPr/>
+        </p:nvCxnSpPr>
+        <p:spPr>
+          <a:xfrm>
+            <a:off x="11116349" y="1535185"/>
+            <a:ext cx="0" cy="461394"/>
+          </a:xfrm>
+          <a:prstGeom prst="straightConnector1">
+            <a:avLst/>
+          </a:prstGeom>
+          <a:ln>
+            <a:solidFill>
+              <a:srgbClr val="FF0000"/>
+            </a:solidFill>
+            <a:tailEnd type="triangle"/>
+          </a:ln>
+        </p:spPr>
+        <p:style>
+          <a:lnRef idx="1">
+            <a:schemeClr val="accent2"/>
+          </a:lnRef>
+          <a:fillRef idx="0">
+            <a:schemeClr val="accent2"/>
+          </a:fillRef>
+          <a:effectRef idx="0">
+            <a:schemeClr val="accent2"/>
+          </a:effectRef>
+          <a:fontRef idx="minor">
+            <a:schemeClr val="tx1"/>
+          </a:fontRef>
+        </p:style>
+      </p:cxnSp>
+      <p:sp>
+        <p:nvSpPr>
+          <p:cNvPr id="54" name="TextBox 53">
+            <a:extLst>
+              <a:ext uri="{FF2B5EF4-FFF2-40B4-BE49-F238E27FC236}">
+                <a16:creationId xmlns:a16="http://schemas.microsoft.com/office/drawing/2014/main" xmlns="" id="{CDE1AA9D-8128-4666-8D15-1D04133230F9}"/>
+              </a:ext>
+            </a:extLst>
+          </p:cNvPr>
+          <p:cNvSpPr txBox="1"/>
+          <p:nvPr/>
+        </p:nvSpPr>
+        <p:spPr>
+          <a:xfrm>
+            <a:off x="8707491" y="1354305"/>
+            <a:ext cx="595618" cy="215444"/>
+          </a:xfrm>
+          <a:prstGeom prst="rect">
+            <a:avLst/>
+          </a:prstGeom>
+          <a:noFill/>
+        </p:spPr>
+        <p:txBody>
+          <a:bodyPr wrap="square" rtlCol="0">
+            <a:spAutoFit/>
+          </a:bodyPr>
+          <a:lstStyle/>
+          <a:p>
+            <a:r>
+              <a:rPr lang="ko-KR" altLang="en-US" sz="800" dirty="0" err="1"/>
+              <a:t>마이시터</a:t>
+            </a:r>
+            <a:endParaRPr lang="ko-KR" altLang="en-US" sz="800" dirty="0"/>
+          </a:p>
+        </p:txBody>
+      </p:sp>
+      <p:sp>
+        <p:nvSpPr>
+          <p:cNvPr id="55" name="TextBox 54">
+            <a:extLst>
+              <a:ext uri="{FF2B5EF4-FFF2-40B4-BE49-F238E27FC236}">
+                <a16:creationId xmlns:a16="http://schemas.microsoft.com/office/drawing/2014/main" xmlns="" id="{EA075739-BD3A-4494-8CFA-FDCD68AFA1A6}"/>
+              </a:ext>
+            </a:extLst>
+          </p:cNvPr>
+          <p:cNvSpPr txBox="1"/>
+          <p:nvPr/>
+        </p:nvSpPr>
+        <p:spPr>
+          <a:xfrm>
+            <a:off x="9892853" y="1343611"/>
+            <a:ext cx="595618" cy="215444"/>
+          </a:xfrm>
+          <a:prstGeom prst="rect">
+            <a:avLst/>
+          </a:prstGeom>
+          <a:noFill/>
+        </p:spPr>
+        <p:txBody>
+          <a:bodyPr wrap="square" rtlCol="0">
+            <a:spAutoFit/>
+          </a:bodyPr>
+          <a:lstStyle/>
+          <a:p>
+            <a:r>
+              <a:rPr lang="en-US" altLang="ko-KR" sz="800" dirty="0"/>
+              <a:t>logo</a:t>
+            </a:r>
+            <a:endParaRPr lang="ko-KR" altLang="en-US" sz="800" dirty="0"/>
+          </a:p>
+        </p:txBody>
+      </p:sp>
+      <p:sp>
+        <p:nvSpPr>
+          <p:cNvPr id="56" name="TextBox 55">
+            <a:extLst>
+              <a:ext uri="{FF2B5EF4-FFF2-40B4-BE49-F238E27FC236}">
+                <a16:creationId xmlns:a16="http://schemas.microsoft.com/office/drawing/2014/main" xmlns="" id="{9CCCD44E-9A9A-4ED8-A5D1-4872F5E16D21}"/>
+              </a:ext>
+            </a:extLst>
+          </p:cNvPr>
+          <p:cNvSpPr txBox="1"/>
+          <p:nvPr/>
+        </p:nvSpPr>
+        <p:spPr>
+          <a:xfrm>
+            <a:off x="10869037" y="1349602"/>
+            <a:ext cx="595618" cy="215444"/>
+          </a:xfrm>
+          <a:prstGeom prst="rect">
+            <a:avLst/>
+          </a:prstGeom>
+          <a:noFill/>
+        </p:spPr>
+        <p:txBody>
+          <a:bodyPr wrap="square" rtlCol="0">
+            <a:spAutoFit/>
+          </a:bodyPr>
+          <a:lstStyle/>
+          <a:p>
+            <a:r>
+              <a:rPr lang="ko-KR" altLang="en-US" sz="800" dirty="0"/>
+              <a:t>로그인</a:t>
+            </a:r>
+          </a:p>
+        </p:txBody>
+      </p:sp>
     </p:spTree>
     <p:extLst>
       <p:ext uri="{BB962C8B-B14F-4D97-AF65-F5344CB8AC3E}">
@@ -28088,6 +32786,13 @@
   <p:clrMapOvr>
     <a:masterClrMapping/>
   </p:clrMapOvr>
+  <p:timing>
+    <p:tnLst>
+      <p:par>
+        <p:cTn id="1" dur="indefinite" restart="never" nodeType="tmRoot"/>
+      </p:par>
+    </p:tnLst>
+  </p:timing>
 </p:sld>
 </file>
 
@@ -28506,7 +33211,7 @@
   <a:extraClrSchemeLst/>
   <a:extLst>
     <a:ext uri="{05A4C25C-085E-4340-85A3-A5531E510DB2}">
-      <thm15:themeFamily xmlns:thm15="http://schemas.microsoft.com/office/thememl/2012/main" name="Office Theme" id="{62F939B6-93AF-4DB8-9C6B-D6C7DFDC589F}" vid="{4A3C46E8-61CC-4603-A589-7422A47A8E4A}"/>
+      <thm15:themeFamily xmlns:thm15="http://schemas.microsoft.com/office/thememl/2012/main" xmlns="" name="Office Theme" id="{62F939B6-93AF-4DB8-9C6B-D6C7DFDC589F}" vid="{4A3C46E8-61CC-4603-A589-7422A47A8E4A}"/>
     </a:ext>
   </a:extLst>
 </a:theme>

--- a/cmk/반려동물관리서비스.pptx
+++ b/cmk/반려동물관리서비스.pptx
@@ -162,7 +162,7 @@
           <p:cNvPr id="2" name="제목 1">
             <a:extLst>
               <a:ext uri="{FF2B5EF4-FFF2-40B4-BE49-F238E27FC236}">
-                <a16:creationId xmlns:a16="http://schemas.microsoft.com/office/drawing/2014/main" id="{9E5E4632-E9C2-430D-8860-5B671341959C}"/>
+                <a16:creationId xmlns:a16="http://schemas.microsoft.com/office/drawing/2014/main" xmlns="" id="{9E5E4632-E9C2-430D-8860-5B671341959C}"/>
               </a:ext>
             </a:extLst>
           </p:cNvPr>
@@ -199,7 +199,7 @@
           <p:cNvPr id="3" name="부제목 2">
             <a:extLst>
               <a:ext uri="{FF2B5EF4-FFF2-40B4-BE49-F238E27FC236}">
-                <a16:creationId xmlns:a16="http://schemas.microsoft.com/office/drawing/2014/main" id="{8516A487-29F9-4EB6-A4BF-CF7F6C176945}"/>
+                <a16:creationId xmlns:a16="http://schemas.microsoft.com/office/drawing/2014/main" xmlns="" id="{8516A487-29F9-4EB6-A4BF-CF7F6C176945}"/>
               </a:ext>
             </a:extLst>
           </p:cNvPr>
@@ -269,7 +269,7 @@
           <p:cNvPr id="4" name="날짜 개체 틀 3">
             <a:extLst>
               <a:ext uri="{FF2B5EF4-FFF2-40B4-BE49-F238E27FC236}">
-                <a16:creationId xmlns:a16="http://schemas.microsoft.com/office/drawing/2014/main" id="{5458794D-BF22-4D43-9B43-3407B0731DF3}"/>
+                <a16:creationId xmlns:a16="http://schemas.microsoft.com/office/drawing/2014/main" xmlns="" id="{5458794D-BF22-4D43-9B43-3407B0731DF3}"/>
               </a:ext>
             </a:extLst>
           </p:cNvPr>
@@ -298,7 +298,7 @@
           <p:cNvPr id="5" name="바닥글 개체 틀 4">
             <a:extLst>
               <a:ext uri="{FF2B5EF4-FFF2-40B4-BE49-F238E27FC236}">
-                <a16:creationId xmlns:a16="http://schemas.microsoft.com/office/drawing/2014/main" id="{B1CF189C-4CDA-41C3-A048-F232B4C4B8D2}"/>
+                <a16:creationId xmlns:a16="http://schemas.microsoft.com/office/drawing/2014/main" xmlns="" id="{B1CF189C-4CDA-41C3-A048-F232B4C4B8D2}"/>
               </a:ext>
             </a:extLst>
           </p:cNvPr>
@@ -323,7 +323,7 @@
           <p:cNvPr id="6" name="슬라이드 번호 개체 틀 5">
             <a:extLst>
               <a:ext uri="{FF2B5EF4-FFF2-40B4-BE49-F238E27FC236}">
-                <a16:creationId xmlns:a16="http://schemas.microsoft.com/office/drawing/2014/main" id="{BAF061BA-CD52-4A93-9968-2D177FB0947C}"/>
+                <a16:creationId xmlns:a16="http://schemas.microsoft.com/office/drawing/2014/main" xmlns="" id="{BAF061BA-CD52-4A93-9968-2D177FB0947C}"/>
               </a:ext>
             </a:extLst>
           </p:cNvPr>
@@ -382,7 +382,7 @@
           <p:cNvPr id="2" name="제목 1">
             <a:extLst>
               <a:ext uri="{FF2B5EF4-FFF2-40B4-BE49-F238E27FC236}">
-                <a16:creationId xmlns:a16="http://schemas.microsoft.com/office/drawing/2014/main" id="{C7E2F226-2DB6-4832-A3E8-E1A82BC8412B}"/>
+                <a16:creationId xmlns:a16="http://schemas.microsoft.com/office/drawing/2014/main" xmlns="" id="{C7E2F226-2DB6-4832-A3E8-E1A82BC8412B}"/>
               </a:ext>
             </a:extLst>
           </p:cNvPr>
@@ -410,7 +410,7 @@
           <p:cNvPr id="3" name="세로 텍스트 개체 틀 2">
             <a:extLst>
               <a:ext uri="{FF2B5EF4-FFF2-40B4-BE49-F238E27FC236}">
-                <a16:creationId xmlns:a16="http://schemas.microsoft.com/office/drawing/2014/main" id="{35E32266-CD01-4901-8FE7-5010FC0706F7}"/>
+                <a16:creationId xmlns:a16="http://schemas.microsoft.com/office/drawing/2014/main" xmlns="" id="{35E32266-CD01-4901-8FE7-5010FC0706F7}"/>
               </a:ext>
             </a:extLst>
           </p:cNvPr>
@@ -467,7 +467,7 @@
           <p:cNvPr id="4" name="날짜 개체 틀 3">
             <a:extLst>
               <a:ext uri="{FF2B5EF4-FFF2-40B4-BE49-F238E27FC236}">
-                <a16:creationId xmlns:a16="http://schemas.microsoft.com/office/drawing/2014/main" id="{8918B274-9924-4562-A19B-0EF8383C8F5F}"/>
+                <a16:creationId xmlns:a16="http://schemas.microsoft.com/office/drawing/2014/main" xmlns="" id="{8918B274-9924-4562-A19B-0EF8383C8F5F}"/>
               </a:ext>
             </a:extLst>
           </p:cNvPr>
@@ -496,7 +496,7 @@
           <p:cNvPr id="5" name="바닥글 개체 틀 4">
             <a:extLst>
               <a:ext uri="{FF2B5EF4-FFF2-40B4-BE49-F238E27FC236}">
-                <a16:creationId xmlns:a16="http://schemas.microsoft.com/office/drawing/2014/main" id="{48ABDFFA-1327-4FDA-A13E-DCF7D4AB5F2C}"/>
+                <a16:creationId xmlns:a16="http://schemas.microsoft.com/office/drawing/2014/main" xmlns="" id="{48ABDFFA-1327-4FDA-A13E-DCF7D4AB5F2C}"/>
               </a:ext>
             </a:extLst>
           </p:cNvPr>
@@ -521,7 +521,7 @@
           <p:cNvPr id="6" name="슬라이드 번호 개체 틀 5">
             <a:extLst>
               <a:ext uri="{FF2B5EF4-FFF2-40B4-BE49-F238E27FC236}">
-                <a16:creationId xmlns:a16="http://schemas.microsoft.com/office/drawing/2014/main" id="{7E941122-80C3-410F-B4B5-38B3C974463E}"/>
+                <a16:creationId xmlns:a16="http://schemas.microsoft.com/office/drawing/2014/main" xmlns="" id="{7E941122-80C3-410F-B4B5-38B3C974463E}"/>
               </a:ext>
             </a:extLst>
           </p:cNvPr>
@@ -580,7 +580,7 @@
           <p:cNvPr id="2" name="세로 제목 1">
             <a:extLst>
               <a:ext uri="{FF2B5EF4-FFF2-40B4-BE49-F238E27FC236}">
-                <a16:creationId xmlns:a16="http://schemas.microsoft.com/office/drawing/2014/main" id="{F39004B4-A2BB-4353-9490-3CFBF08BEECF}"/>
+                <a16:creationId xmlns:a16="http://schemas.microsoft.com/office/drawing/2014/main" xmlns="" id="{F39004B4-A2BB-4353-9490-3CFBF08BEECF}"/>
               </a:ext>
             </a:extLst>
           </p:cNvPr>
@@ -613,7 +613,7 @@
           <p:cNvPr id="3" name="세로 텍스트 개체 틀 2">
             <a:extLst>
               <a:ext uri="{FF2B5EF4-FFF2-40B4-BE49-F238E27FC236}">
-                <a16:creationId xmlns:a16="http://schemas.microsoft.com/office/drawing/2014/main" id="{17E252EA-6994-4BCF-9119-33B60AFB14F3}"/>
+                <a16:creationId xmlns:a16="http://schemas.microsoft.com/office/drawing/2014/main" xmlns="" id="{17E252EA-6994-4BCF-9119-33B60AFB14F3}"/>
               </a:ext>
             </a:extLst>
           </p:cNvPr>
@@ -675,7 +675,7 @@
           <p:cNvPr id="4" name="날짜 개체 틀 3">
             <a:extLst>
               <a:ext uri="{FF2B5EF4-FFF2-40B4-BE49-F238E27FC236}">
-                <a16:creationId xmlns:a16="http://schemas.microsoft.com/office/drawing/2014/main" id="{205F8584-D66D-4296-852C-CFABE2A758E0}"/>
+                <a16:creationId xmlns:a16="http://schemas.microsoft.com/office/drawing/2014/main" xmlns="" id="{205F8584-D66D-4296-852C-CFABE2A758E0}"/>
               </a:ext>
             </a:extLst>
           </p:cNvPr>
@@ -704,7 +704,7 @@
           <p:cNvPr id="5" name="바닥글 개체 틀 4">
             <a:extLst>
               <a:ext uri="{FF2B5EF4-FFF2-40B4-BE49-F238E27FC236}">
-                <a16:creationId xmlns:a16="http://schemas.microsoft.com/office/drawing/2014/main" id="{A78C3D8F-5F5B-47A5-9BBC-6F058C6ECD7E}"/>
+                <a16:creationId xmlns:a16="http://schemas.microsoft.com/office/drawing/2014/main" xmlns="" id="{A78C3D8F-5F5B-47A5-9BBC-6F058C6ECD7E}"/>
               </a:ext>
             </a:extLst>
           </p:cNvPr>
@@ -729,7 +729,7 @@
           <p:cNvPr id="6" name="슬라이드 번호 개체 틀 5">
             <a:extLst>
               <a:ext uri="{FF2B5EF4-FFF2-40B4-BE49-F238E27FC236}">
-                <a16:creationId xmlns:a16="http://schemas.microsoft.com/office/drawing/2014/main" id="{7E72ED3D-DC97-4CF5-A83F-A0F4CD5D3061}"/>
+                <a16:creationId xmlns:a16="http://schemas.microsoft.com/office/drawing/2014/main" xmlns="" id="{7E72ED3D-DC97-4CF5-A83F-A0F4CD5D3061}"/>
               </a:ext>
             </a:extLst>
           </p:cNvPr>
@@ -788,7 +788,7 @@
           <p:cNvPr id="2" name="제목 1">
             <a:extLst>
               <a:ext uri="{FF2B5EF4-FFF2-40B4-BE49-F238E27FC236}">
-                <a16:creationId xmlns:a16="http://schemas.microsoft.com/office/drawing/2014/main" id="{2478CD97-4610-41D5-9293-07E4F7EF8330}"/>
+                <a16:creationId xmlns:a16="http://schemas.microsoft.com/office/drawing/2014/main" xmlns="" id="{2478CD97-4610-41D5-9293-07E4F7EF8330}"/>
               </a:ext>
             </a:extLst>
           </p:cNvPr>
@@ -816,7 +816,7 @@
           <p:cNvPr id="3" name="내용 개체 틀 2">
             <a:extLst>
               <a:ext uri="{FF2B5EF4-FFF2-40B4-BE49-F238E27FC236}">
-                <a16:creationId xmlns:a16="http://schemas.microsoft.com/office/drawing/2014/main" id="{A4761A08-28DB-4E61-B23C-47F9FF94B03B}"/>
+                <a16:creationId xmlns:a16="http://schemas.microsoft.com/office/drawing/2014/main" xmlns="" id="{A4761A08-28DB-4E61-B23C-47F9FF94B03B}"/>
               </a:ext>
             </a:extLst>
           </p:cNvPr>
@@ -873,7 +873,7 @@
           <p:cNvPr id="4" name="날짜 개체 틀 3">
             <a:extLst>
               <a:ext uri="{FF2B5EF4-FFF2-40B4-BE49-F238E27FC236}">
-                <a16:creationId xmlns:a16="http://schemas.microsoft.com/office/drawing/2014/main" id="{8A0B1E4E-9D0C-4F38-8350-90F7893A1DD4}"/>
+                <a16:creationId xmlns:a16="http://schemas.microsoft.com/office/drawing/2014/main" xmlns="" id="{8A0B1E4E-9D0C-4F38-8350-90F7893A1DD4}"/>
               </a:ext>
             </a:extLst>
           </p:cNvPr>
@@ -902,7 +902,7 @@
           <p:cNvPr id="5" name="바닥글 개체 틀 4">
             <a:extLst>
               <a:ext uri="{FF2B5EF4-FFF2-40B4-BE49-F238E27FC236}">
-                <a16:creationId xmlns:a16="http://schemas.microsoft.com/office/drawing/2014/main" id="{3EB51119-FFCC-46AF-9F51-2823DEF4A6AF}"/>
+                <a16:creationId xmlns:a16="http://schemas.microsoft.com/office/drawing/2014/main" xmlns="" id="{3EB51119-FFCC-46AF-9F51-2823DEF4A6AF}"/>
               </a:ext>
             </a:extLst>
           </p:cNvPr>
@@ -927,7 +927,7 @@
           <p:cNvPr id="6" name="슬라이드 번호 개체 틀 5">
             <a:extLst>
               <a:ext uri="{FF2B5EF4-FFF2-40B4-BE49-F238E27FC236}">
-                <a16:creationId xmlns:a16="http://schemas.microsoft.com/office/drawing/2014/main" id="{5E5C2C86-356F-4ACF-9EEC-3B3D8462A39C}"/>
+                <a16:creationId xmlns:a16="http://schemas.microsoft.com/office/drawing/2014/main" xmlns="" id="{5E5C2C86-356F-4ACF-9EEC-3B3D8462A39C}"/>
               </a:ext>
             </a:extLst>
           </p:cNvPr>
@@ -986,7 +986,7 @@
           <p:cNvPr id="2" name="제목 1">
             <a:extLst>
               <a:ext uri="{FF2B5EF4-FFF2-40B4-BE49-F238E27FC236}">
-                <a16:creationId xmlns:a16="http://schemas.microsoft.com/office/drawing/2014/main" id="{DBF78962-7159-4DAF-9E07-D4AC9AFA9BC1}"/>
+                <a16:creationId xmlns:a16="http://schemas.microsoft.com/office/drawing/2014/main" xmlns="" id="{DBF78962-7159-4DAF-9E07-D4AC9AFA9BC1}"/>
               </a:ext>
             </a:extLst>
           </p:cNvPr>
@@ -1023,7 +1023,7 @@
           <p:cNvPr id="3" name="텍스트 개체 틀 2">
             <a:extLst>
               <a:ext uri="{FF2B5EF4-FFF2-40B4-BE49-F238E27FC236}">
-                <a16:creationId xmlns:a16="http://schemas.microsoft.com/office/drawing/2014/main" id="{FAB5D699-135E-49BA-9606-CB890CD5D6CE}"/>
+                <a16:creationId xmlns:a16="http://schemas.microsoft.com/office/drawing/2014/main" xmlns="" id="{FAB5D699-135E-49BA-9606-CB890CD5D6CE}"/>
               </a:ext>
             </a:extLst>
           </p:cNvPr>
@@ -1148,7 +1148,7 @@
           <p:cNvPr id="4" name="날짜 개체 틀 3">
             <a:extLst>
               <a:ext uri="{FF2B5EF4-FFF2-40B4-BE49-F238E27FC236}">
-                <a16:creationId xmlns:a16="http://schemas.microsoft.com/office/drawing/2014/main" id="{3717AFA4-E80B-48F1-B566-3D5FA0DCC2E5}"/>
+                <a16:creationId xmlns:a16="http://schemas.microsoft.com/office/drawing/2014/main" xmlns="" id="{3717AFA4-E80B-48F1-B566-3D5FA0DCC2E5}"/>
               </a:ext>
             </a:extLst>
           </p:cNvPr>
@@ -1177,7 +1177,7 @@
           <p:cNvPr id="5" name="바닥글 개체 틀 4">
             <a:extLst>
               <a:ext uri="{FF2B5EF4-FFF2-40B4-BE49-F238E27FC236}">
-                <a16:creationId xmlns:a16="http://schemas.microsoft.com/office/drawing/2014/main" id="{530C7227-51F8-4DD4-93DC-2046C220BC2B}"/>
+                <a16:creationId xmlns:a16="http://schemas.microsoft.com/office/drawing/2014/main" xmlns="" id="{530C7227-51F8-4DD4-93DC-2046C220BC2B}"/>
               </a:ext>
             </a:extLst>
           </p:cNvPr>
@@ -1202,7 +1202,7 @@
           <p:cNvPr id="6" name="슬라이드 번호 개체 틀 5">
             <a:extLst>
               <a:ext uri="{FF2B5EF4-FFF2-40B4-BE49-F238E27FC236}">
-                <a16:creationId xmlns:a16="http://schemas.microsoft.com/office/drawing/2014/main" id="{CF23AE0C-87AE-419F-8C21-C05064D5F98B}"/>
+                <a16:creationId xmlns:a16="http://schemas.microsoft.com/office/drawing/2014/main" xmlns="" id="{CF23AE0C-87AE-419F-8C21-C05064D5F98B}"/>
               </a:ext>
             </a:extLst>
           </p:cNvPr>
@@ -1261,7 +1261,7 @@
           <p:cNvPr id="2" name="제목 1">
             <a:extLst>
               <a:ext uri="{FF2B5EF4-FFF2-40B4-BE49-F238E27FC236}">
-                <a16:creationId xmlns:a16="http://schemas.microsoft.com/office/drawing/2014/main" id="{EF53F05C-1B53-4997-8D4F-574B40BFB6D2}"/>
+                <a16:creationId xmlns:a16="http://schemas.microsoft.com/office/drawing/2014/main" xmlns="" id="{EF53F05C-1B53-4997-8D4F-574B40BFB6D2}"/>
               </a:ext>
             </a:extLst>
           </p:cNvPr>
@@ -1289,7 +1289,7 @@
           <p:cNvPr id="3" name="내용 개체 틀 2">
             <a:extLst>
               <a:ext uri="{FF2B5EF4-FFF2-40B4-BE49-F238E27FC236}">
-                <a16:creationId xmlns:a16="http://schemas.microsoft.com/office/drawing/2014/main" id="{F2EE759F-A91E-45FB-BC0F-52B204A43CE5}"/>
+                <a16:creationId xmlns:a16="http://schemas.microsoft.com/office/drawing/2014/main" xmlns="" id="{F2EE759F-A91E-45FB-BC0F-52B204A43CE5}"/>
               </a:ext>
             </a:extLst>
           </p:cNvPr>
@@ -1351,7 +1351,7 @@
           <p:cNvPr id="4" name="내용 개체 틀 3">
             <a:extLst>
               <a:ext uri="{FF2B5EF4-FFF2-40B4-BE49-F238E27FC236}">
-                <a16:creationId xmlns:a16="http://schemas.microsoft.com/office/drawing/2014/main" id="{CBA814ED-B083-468B-A3B1-B0834E8C8212}"/>
+                <a16:creationId xmlns:a16="http://schemas.microsoft.com/office/drawing/2014/main" xmlns="" id="{CBA814ED-B083-468B-A3B1-B0834E8C8212}"/>
               </a:ext>
             </a:extLst>
           </p:cNvPr>
@@ -1413,7 +1413,7 @@
           <p:cNvPr id="5" name="날짜 개체 틀 4">
             <a:extLst>
               <a:ext uri="{FF2B5EF4-FFF2-40B4-BE49-F238E27FC236}">
-                <a16:creationId xmlns:a16="http://schemas.microsoft.com/office/drawing/2014/main" id="{877DEBD2-BAE9-4C14-A7E8-517148C14EED}"/>
+                <a16:creationId xmlns:a16="http://schemas.microsoft.com/office/drawing/2014/main" xmlns="" id="{877DEBD2-BAE9-4C14-A7E8-517148C14EED}"/>
               </a:ext>
             </a:extLst>
           </p:cNvPr>
@@ -1442,7 +1442,7 @@
           <p:cNvPr id="6" name="바닥글 개체 틀 5">
             <a:extLst>
               <a:ext uri="{FF2B5EF4-FFF2-40B4-BE49-F238E27FC236}">
-                <a16:creationId xmlns:a16="http://schemas.microsoft.com/office/drawing/2014/main" id="{2F72D31F-47DB-4B78-B8CC-AB9D0A4DCEC0}"/>
+                <a16:creationId xmlns:a16="http://schemas.microsoft.com/office/drawing/2014/main" xmlns="" id="{2F72D31F-47DB-4B78-B8CC-AB9D0A4DCEC0}"/>
               </a:ext>
             </a:extLst>
           </p:cNvPr>
@@ -1467,7 +1467,7 @@
           <p:cNvPr id="7" name="슬라이드 번호 개체 틀 6">
             <a:extLst>
               <a:ext uri="{FF2B5EF4-FFF2-40B4-BE49-F238E27FC236}">
-                <a16:creationId xmlns:a16="http://schemas.microsoft.com/office/drawing/2014/main" id="{F1B67971-49C1-46A6-BFE1-F14E5E9F87CF}"/>
+                <a16:creationId xmlns:a16="http://schemas.microsoft.com/office/drawing/2014/main" xmlns="" id="{F1B67971-49C1-46A6-BFE1-F14E5E9F87CF}"/>
               </a:ext>
             </a:extLst>
           </p:cNvPr>
@@ -1526,7 +1526,7 @@
           <p:cNvPr id="2" name="제목 1">
             <a:extLst>
               <a:ext uri="{FF2B5EF4-FFF2-40B4-BE49-F238E27FC236}">
-                <a16:creationId xmlns:a16="http://schemas.microsoft.com/office/drawing/2014/main" id="{E54246B1-789C-445A-A33C-EE193AF6AB31}"/>
+                <a16:creationId xmlns:a16="http://schemas.microsoft.com/office/drawing/2014/main" xmlns="" id="{E54246B1-789C-445A-A33C-EE193AF6AB31}"/>
               </a:ext>
             </a:extLst>
           </p:cNvPr>
@@ -1559,7 +1559,7 @@
           <p:cNvPr id="3" name="텍스트 개체 틀 2">
             <a:extLst>
               <a:ext uri="{FF2B5EF4-FFF2-40B4-BE49-F238E27FC236}">
-                <a16:creationId xmlns:a16="http://schemas.microsoft.com/office/drawing/2014/main" id="{C60DCCE6-A432-4D2A-810A-99E8AFAD1DD0}"/>
+                <a16:creationId xmlns:a16="http://schemas.microsoft.com/office/drawing/2014/main" xmlns="" id="{C60DCCE6-A432-4D2A-810A-99E8AFAD1DD0}"/>
               </a:ext>
             </a:extLst>
           </p:cNvPr>
@@ -1630,7 +1630,7 @@
           <p:cNvPr id="4" name="내용 개체 틀 3">
             <a:extLst>
               <a:ext uri="{FF2B5EF4-FFF2-40B4-BE49-F238E27FC236}">
-                <a16:creationId xmlns:a16="http://schemas.microsoft.com/office/drawing/2014/main" id="{16D0CEB2-1187-4252-AD05-8D872A1D3F3F}"/>
+                <a16:creationId xmlns:a16="http://schemas.microsoft.com/office/drawing/2014/main" xmlns="" id="{16D0CEB2-1187-4252-AD05-8D872A1D3F3F}"/>
               </a:ext>
             </a:extLst>
           </p:cNvPr>
@@ -1692,7 +1692,7 @@
           <p:cNvPr id="5" name="텍스트 개체 틀 4">
             <a:extLst>
               <a:ext uri="{FF2B5EF4-FFF2-40B4-BE49-F238E27FC236}">
-                <a16:creationId xmlns:a16="http://schemas.microsoft.com/office/drawing/2014/main" id="{5AE31809-3F66-4FEC-8D60-2F4D07A12196}"/>
+                <a16:creationId xmlns:a16="http://schemas.microsoft.com/office/drawing/2014/main" xmlns="" id="{5AE31809-3F66-4FEC-8D60-2F4D07A12196}"/>
               </a:ext>
             </a:extLst>
           </p:cNvPr>
@@ -1763,7 +1763,7 @@
           <p:cNvPr id="6" name="내용 개체 틀 5">
             <a:extLst>
               <a:ext uri="{FF2B5EF4-FFF2-40B4-BE49-F238E27FC236}">
-                <a16:creationId xmlns:a16="http://schemas.microsoft.com/office/drawing/2014/main" id="{A23AB223-7027-45B7-A59D-E463A79FDDD7}"/>
+                <a16:creationId xmlns:a16="http://schemas.microsoft.com/office/drawing/2014/main" xmlns="" id="{A23AB223-7027-45B7-A59D-E463A79FDDD7}"/>
               </a:ext>
             </a:extLst>
           </p:cNvPr>
@@ -1825,7 +1825,7 @@
           <p:cNvPr id="7" name="날짜 개체 틀 6">
             <a:extLst>
               <a:ext uri="{FF2B5EF4-FFF2-40B4-BE49-F238E27FC236}">
-                <a16:creationId xmlns:a16="http://schemas.microsoft.com/office/drawing/2014/main" id="{D2A2B8DD-7358-465C-8CC1-F71D7DE0E812}"/>
+                <a16:creationId xmlns:a16="http://schemas.microsoft.com/office/drawing/2014/main" xmlns="" id="{D2A2B8DD-7358-465C-8CC1-F71D7DE0E812}"/>
               </a:ext>
             </a:extLst>
           </p:cNvPr>
@@ -1854,7 +1854,7 @@
           <p:cNvPr id="8" name="바닥글 개체 틀 7">
             <a:extLst>
               <a:ext uri="{FF2B5EF4-FFF2-40B4-BE49-F238E27FC236}">
-                <a16:creationId xmlns:a16="http://schemas.microsoft.com/office/drawing/2014/main" id="{0D010038-A30A-4B64-BB25-7C3590F3E110}"/>
+                <a16:creationId xmlns:a16="http://schemas.microsoft.com/office/drawing/2014/main" xmlns="" id="{0D010038-A30A-4B64-BB25-7C3590F3E110}"/>
               </a:ext>
             </a:extLst>
           </p:cNvPr>
@@ -1879,7 +1879,7 @@
           <p:cNvPr id="9" name="슬라이드 번호 개체 틀 8">
             <a:extLst>
               <a:ext uri="{FF2B5EF4-FFF2-40B4-BE49-F238E27FC236}">
-                <a16:creationId xmlns:a16="http://schemas.microsoft.com/office/drawing/2014/main" id="{65054B27-799F-4A0D-8BE0-631E52465DC1}"/>
+                <a16:creationId xmlns:a16="http://schemas.microsoft.com/office/drawing/2014/main" xmlns="" id="{65054B27-799F-4A0D-8BE0-631E52465DC1}"/>
               </a:ext>
             </a:extLst>
           </p:cNvPr>
@@ -1938,7 +1938,7 @@
           <p:cNvPr id="2" name="제목 1">
             <a:extLst>
               <a:ext uri="{FF2B5EF4-FFF2-40B4-BE49-F238E27FC236}">
-                <a16:creationId xmlns:a16="http://schemas.microsoft.com/office/drawing/2014/main" id="{C485E51C-A240-4608-92DA-E50F807F41C0}"/>
+                <a16:creationId xmlns:a16="http://schemas.microsoft.com/office/drawing/2014/main" xmlns="" id="{C485E51C-A240-4608-92DA-E50F807F41C0}"/>
               </a:ext>
             </a:extLst>
           </p:cNvPr>
@@ -1966,7 +1966,7 @@
           <p:cNvPr id="3" name="날짜 개체 틀 2">
             <a:extLst>
               <a:ext uri="{FF2B5EF4-FFF2-40B4-BE49-F238E27FC236}">
-                <a16:creationId xmlns:a16="http://schemas.microsoft.com/office/drawing/2014/main" id="{2B851E15-AFBE-4FC3-8B78-027D54EB8877}"/>
+                <a16:creationId xmlns:a16="http://schemas.microsoft.com/office/drawing/2014/main" xmlns="" id="{2B851E15-AFBE-4FC3-8B78-027D54EB8877}"/>
               </a:ext>
             </a:extLst>
           </p:cNvPr>
@@ -1995,7 +1995,7 @@
           <p:cNvPr id="4" name="바닥글 개체 틀 3">
             <a:extLst>
               <a:ext uri="{FF2B5EF4-FFF2-40B4-BE49-F238E27FC236}">
-                <a16:creationId xmlns:a16="http://schemas.microsoft.com/office/drawing/2014/main" id="{5FEBB580-75E4-48D4-AEF3-E10C58CF6EA4}"/>
+                <a16:creationId xmlns:a16="http://schemas.microsoft.com/office/drawing/2014/main" xmlns="" id="{5FEBB580-75E4-48D4-AEF3-E10C58CF6EA4}"/>
               </a:ext>
             </a:extLst>
           </p:cNvPr>
@@ -2020,7 +2020,7 @@
           <p:cNvPr id="5" name="슬라이드 번호 개체 틀 4">
             <a:extLst>
               <a:ext uri="{FF2B5EF4-FFF2-40B4-BE49-F238E27FC236}">
-                <a16:creationId xmlns:a16="http://schemas.microsoft.com/office/drawing/2014/main" id="{BF32AC2E-0C50-4FB0-8820-A7AC6BDE4173}"/>
+                <a16:creationId xmlns:a16="http://schemas.microsoft.com/office/drawing/2014/main" xmlns="" id="{BF32AC2E-0C50-4FB0-8820-A7AC6BDE4173}"/>
               </a:ext>
             </a:extLst>
           </p:cNvPr>
@@ -2079,7 +2079,7 @@
           <p:cNvPr id="2" name="날짜 개체 틀 1">
             <a:extLst>
               <a:ext uri="{FF2B5EF4-FFF2-40B4-BE49-F238E27FC236}">
-                <a16:creationId xmlns:a16="http://schemas.microsoft.com/office/drawing/2014/main" id="{2C192448-72D9-4BA8-A3A5-9279810622F2}"/>
+                <a16:creationId xmlns:a16="http://schemas.microsoft.com/office/drawing/2014/main" xmlns="" id="{2C192448-72D9-4BA8-A3A5-9279810622F2}"/>
               </a:ext>
             </a:extLst>
           </p:cNvPr>
@@ -2108,7 +2108,7 @@
           <p:cNvPr id="3" name="바닥글 개체 틀 2">
             <a:extLst>
               <a:ext uri="{FF2B5EF4-FFF2-40B4-BE49-F238E27FC236}">
-                <a16:creationId xmlns:a16="http://schemas.microsoft.com/office/drawing/2014/main" id="{6A464358-B5B5-49B6-9CA3-2BE74CF87DC8}"/>
+                <a16:creationId xmlns:a16="http://schemas.microsoft.com/office/drawing/2014/main" xmlns="" id="{6A464358-B5B5-49B6-9CA3-2BE74CF87DC8}"/>
               </a:ext>
             </a:extLst>
           </p:cNvPr>
@@ -2133,7 +2133,7 @@
           <p:cNvPr id="4" name="슬라이드 번호 개체 틀 3">
             <a:extLst>
               <a:ext uri="{FF2B5EF4-FFF2-40B4-BE49-F238E27FC236}">
-                <a16:creationId xmlns:a16="http://schemas.microsoft.com/office/drawing/2014/main" id="{5B606F01-6E92-4C16-A968-94433D122A35}"/>
+                <a16:creationId xmlns:a16="http://schemas.microsoft.com/office/drawing/2014/main" xmlns="" id="{5B606F01-6E92-4C16-A968-94433D122A35}"/>
               </a:ext>
             </a:extLst>
           </p:cNvPr>
@@ -2192,7 +2192,7 @@
           <p:cNvPr id="2" name="제목 1">
             <a:extLst>
               <a:ext uri="{FF2B5EF4-FFF2-40B4-BE49-F238E27FC236}">
-                <a16:creationId xmlns:a16="http://schemas.microsoft.com/office/drawing/2014/main" id="{78C9915E-4301-4868-A5EC-6F607A83BF22}"/>
+                <a16:creationId xmlns:a16="http://schemas.microsoft.com/office/drawing/2014/main" xmlns="" id="{78C9915E-4301-4868-A5EC-6F607A83BF22}"/>
               </a:ext>
             </a:extLst>
           </p:cNvPr>
@@ -2229,7 +2229,7 @@
           <p:cNvPr id="3" name="내용 개체 틀 2">
             <a:extLst>
               <a:ext uri="{FF2B5EF4-FFF2-40B4-BE49-F238E27FC236}">
-                <a16:creationId xmlns:a16="http://schemas.microsoft.com/office/drawing/2014/main" id="{4507BFFD-DC79-4CFE-A2B2-BACA06190953}"/>
+                <a16:creationId xmlns:a16="http://schemas.microsoft.com/office/drawing/2014/main" xmlns="" id="{4507BFFD-DC79-4CFE-A2B2-BACA06190953}"/>
               </a:ext>
             </a:extLst>
           </p:cNvPr>
@@ -2319,7 +2319,7 @@
           <p:cNvPr id="4" name="텍스트 개체 틀 3">
             <a:extLst>
               <a:ext uri="{FF2B5EF4-FFF2-40B4-BE49-F238E27FC236}">
-                <a16:creationId xmlns:a16="http://schemas.microsoft.com/office/drawing/2014/main" id="{9A00C531-2EB8-4478-9A6C-4CD6FE675072}"/>
+                <a16:creationId xmlns:a16="http://schemas.microsoft.com/office/drawing/2014/main" xmlns="" id="{9A00C531-2EB8-4478-9A6C-4CD6FE675072}"/>
               </a:ext>
             </a:extLst>
           </p:cNvPr>
@@ -2390,7 +2390,7 @@
           <p:cNvPr id="5" name="날짜 개체 틀 4">
             <a:extLst>
               <a:ext uri="{FF2B5EF4-FFF2-40B4-BE49-F238E27FC236}">
-                <a16:creationId xmlns:a16="http://schemas.microsoft.com/office/drawing/2014/main" id="{8B9102F9-10D2-4689-A3F0-BD4C609347E9}"/>
+                <a16:creationId xmlns:a16="http://schemas.microsoft.com/office/drawing/2014/main" xmlns="" id="{8B9102F9-10D2-4689-A3F0-BD4C609347E9}"/>
               </a:ext>
             </a:extLst>
           </p:cNvPr>
@@ -2419,7 +2419,7 @@
           <p:cNvPr id="6" name="바닥글 개체 틀 5">
             <a:extLst>
               <a:ext uri="{FF2B5EF4-FFF2-40B4-BE49-F238E27FC236}">
-                <a16:creationId xmlns:a16="http://schemas.microsoft.com/office/drawing/2014/main" id="{D7F39764-04A1-4A55-9A18-7F042A006344}"/>
+                <a16:creationId xmlns:a16="http://schemas.microsoft.com/office/drawing/2014/main" xmlns="" id="{D7F39764-04A1-4A55-9A18-7F042A006344}"/>
               </a:ext>
             </a:extLst>
           </p:cNvPr>
@@ -2444,7 +2444,7 @@
           <p:cNvPr id="7" name="슬라이드 번호 개체 틀 6">
             <a:extLst>
               <a:ext uri="{FF2B5EF4-FFF2-40B4-BE49-F238E27FC236}">
-                <a16:creationId xmlns:a16="http://schemas.microsoft.com/office/drawing/2014/main" id="{34225F41-6CDF-4265-BBB3-81FCF28FB82A}"/>
+                <a16:creationId xmlns:a16="http://schemas.microsoft.com/office/drawing/2014/main" xmlns="" id="{34225F41-6CDF-4265-BBB3-81FCF28FB82A}"/>
               </a:ext>
             </a:extLst>
           </p:cNvPr>
@@ -2503,7 +2503,7 @@
           <p:cNvPr id="2" name="제목 1">
             <a:extLst>
               <a:ext uri="{FF2B5EF4-FFF2-40B4-BE49-F238E27FC236}">
-                <a16:creationId xmlns:a16="http://schemas.microsoft.com/office/drawing/2014/main" id="{E1595260-FA6D-4888-ADF7-F499EEC9CAF3}"/>
+                <a16:creationId xmlns:a16="http://schemas.microsoft.com/office/drawing/2014/main" xmlns="" id="{E1595260-FA6D-4888-ADF7-F499EEC9CAF3}"/>
               </a:ext>
             </a:extLst>
           </p:cNvPr>
@@ -2540,7 +2540,7 @@
           <p:cNvPr id="3" name="그림 개체 틀 2">
             <a:extLst>
               <a:ext uri="{FF2B5EF4-FFF2-40B4-BE49-F238E27FC236}">
-                <a16:creationId xmlns:a16="http://schemas.microsoft.com/office/drawing/2014/main" id="{83A50628-D8CA-4077-960A-F39CE72B43AC}"/>
+                <a16:creationId xmlns:a16="http://schemas.microsoft.com/office/drawing/2014/main" xmlns="" id="{83A50628-D8CA-4077-960A-F39CE72B43AC}"/>
               </a:ext>
             </a:extLst>
           </p:cNvPr>
@@ -2607,7 +2607,7 @@
           <p:cNvPr id="4" name="텍스트 개체 틀 3">
             <a:extLst>
               <a:ext uri="{FF2B5EF4-FFF2-40B4-BE49-F238E27FC236}">
-                <a16:creationId xmlns:a16="http://schemas.microsoft.com/office/drawing/2014/main" id="{19E7AA03-FBD8-4A50-A92B-5AC38CFD2159}"/>
+                <a16:creationId xmlns:a16="http://schemas.microsoft.com/office/drawing/2014/main" xmlns="" id="{19E7AA03-FBD8-4A50-A92B-5AC38CFD2159}"/>
               </a:ext>
             </a:extLst>
           </p:cNvPr>
@@ -2678,7 +2678,7 @@
           <p:cNvPr id="5" name="날짜 개체 틀 4">
             <a:extLst>
               <a:ext uri="{FF2B5EF4-FFF2-40B4-BE49-F238E27FC236}">
-                <a16:creationId xmlns:a16="http://schemas.microsoft.com/office/drawing/2014/main" id="{68D9E59A-44BD-4C8B-A629-A61BC819DCDC}"/>
+                <a16:creationId xmlns:a16="http://schemas.microsoft.com/office/drawing/2014/main" xmlns="" id="{68D9E59A-44BD-4C8B-A629-A61BC819DCDC}"/>
               </a:ext>
             </a:extLst>
           </p:cNvPr>
@@ -2707,7 +2707,7 @@
           <p:cNvPr id="6" name="바닥글 개체 틀 5">
             <a:extLst>
               <a:ext uri="{FF2B5EF4-FFF2-40B4-BE49-F238E27FC236}">
-                <a16:creationId xmlns:a16="http://schemas.microsoft.com/office/drawing/2014/main" id="{1D2B7321-A165-476B-A4ED-83B774277E09}"/>
+                <a16:creationId xmlns:a16="http://schemas.microsoft.com/office/drawing/2014/main" xmlns="" id="{1D2B7321-A165-476B-A4ED-83B774277E09}"/>
               </a:ext>
             </a:extLst>
           </p:cNvPr>
@@ -2732,7 +2732,7 @@
           <p:cNvPr id="7" name="슬라이드 번호 개체 틀 6">
             <a:extLst>
               <a:ext uri="{FF2B5EF4-FFF2-40B4-BE49-F238E27FC236}">
-                <a16:creationId xmlns:a16="http://schemas.microsoft.com/office/drawing/2014/main" id="{07F02D81-149F-45ED-BBC5-576EF0493F03}"/>
+                <a16:creationId xmlns:a16="http://schemas.microsoft.com/office/drawing/2014/main" xmlns="" id="{07F02D81-149F-45ED-BBC5-576EF0493F03}"/>
               </a:ext>
             </a:extLst>
           </p:cNvPr>
@@ -2796,7 +2796,7 @@
           <p:cNvPr id="2" name="제목 개체 틀 1">
             <a:extLst>
               <a:ext uri="{FF2B5EF4-FFF2-40B4-BE49-F238E27FC236}">
-                <a16:creationId xmlns:a16="http://schemas.microsoft.com/office/drawing/2014/main" id="{738525D4-1253-4608-9D52-B7981AC4FCC8}"/>
+                <a16:creationId xmlns:a16="http://schemas.microsoft.com/office/drawing/2014/main" xmlns="" id="{738525D4-1253-4608-9D52-B7981AC4FCC8}"/>
               </a:ext>
             </a:extLst>
           </p:cNvPr>
@@ -2834,7 +2834,7 @@
           <p:cNvPr id="3" name="텍스트 개체 틀 2">
             <a:extLst>
               <a:ext uri="{FF2B5EF4-FFF2-40B4-BE49-F238E27FC236}">
-                <a16:creationId xmlns:a16="http://schemas.microsoft.com/office/drawing/2014/main" id="{0D5AEAAA-7600-4903-ACEF-1D36CDCD268E}"/>
+                <a16:creationId xmlns:a16="http://schemas.microsoft.com/office/drawing/2014/main" xmlns="" id="{0D5AEAAA-7600-4903-ACEF-1D36CDCD268E}"/>
               </a:ext>
             </a:extLst>
           </p:cNvPr>
@@ -2901,7 +2901,7 @@
           <p:cNvPr id="4" name="날짜 개체 틀 3">
             <a:extLst>
               <a:ext uri="{FF2B5EF4-FFF2-40B4-BE49-F238E27FC236}">
-                <a16:creationId xmlns:a16="http://schemas.microsoft.com/office/drawing/2014/main" id="{4DC8EC6A-27D7-4EF9-B45D-C2D39B14F126}"/>
+                <a16:creationId xmlns:a16="http://schemas.microsoft.com/office/drawing/2014/main" xmlns="" id="{4DC8EC6A-27D7-4EF9-B45D-C2D39B14F126}"/>
               </a:ext>
             </a:extLst>
           </p:cNvPr>
@@ -2948,7 +2948,7 @@
           <p:cNvPr id="5" name="바닥글 개체 틀 4">
             <a:extLst>
               <a:ext uri="{FF2B5EF4-FFF2-40B4-BE49-F238E27FC236}">
-                <a16:creationId xmlns:a16="http://schemas.microsoft.com/office/drawing/2014/main" id="{260EB541-017D-4B3F-9895-2DFE884EA7DA}"/>
+                <a16:creationId xmlns:a16="http://schemas.microsoft.com/office/drawing/2014/main" xmlns="" id="{260EB541-017D-4B3F-9895-2DFE884EA7DA}"/>
               </a:ext>
             </a:extLst>
           </p:cNvPr>
@@ -2991,7 +2991,7 @@
           <p:cNvPr id="6" name="슬라이드 번호 개체 틀 5">
             <a:extLst>
               <a:ext uri="{FF2B5EF4-FFF2-40B4-BE49-F238E27FC236}">
-                <a16:creationId xmlns:a16="http://schemas.microsoft.com/office/drawing/2014/main" id="{51440F6D-AE56-4BC9-B00D-4A215980C939}"/>
+                <a16:creationId xmlns:a16="http://schemas.microsoft.com/office/drawing/2014/main" xmlns="" id="{51440F6D-AE56-4BC9-B00D-4A215980C939}"/>
               </a:ext>
             </a:extLst>
           </p:cNvPr>
@@ -3367,7 +3367,7 @@
           <p:cNvPr id="3" name="부제목 2">
             <a:extLst>
               <a:ext uri="{FF2B5EF4-FFF2-40B4-BE49-F238E27FC236}">
-                <a16:creationId xmlns:a16="http://schemas.microsoft.com/office/drawing/2014/main" id="{84DAC65C-FE20-4D6D-AFFA-57D16B16FADF}"/>
+                <a16:creationId xmlns:a16="http://schemas.microsoft.com/office/drawing/2014/main" xmlns="" id="{84DAC65C-FE20-4D6D-AFFA-57D16B16FADF}"/>
               </a:ext>
             </a:extLst>
           </p:cNvPr>
@@ -3407,7 +3407,7 @@
           <p:cNvPr id="9" name="그림 8">
             <a:extLst>
               <a:ext uri="{FF2B5EF4-FFF2-40B4-BE49-F238E27FC236}">
-                <a16:creationId xmlns:a16="http://schemas.microsoft.com/office/drawing/2014/main" id="{58A568A6-F904-4025-9A14-67F5B32BB43F}"/>
+                <a16:creationId xmlns:a16="http://schemas.microsoft.com/office/drawing/2014/main" xmlns="" id="{58A568A6-F904-4025-9A14-67F5B32BB43F}"/>
               </a:ext>
             </a:extLst>
           </p:cNvPr>
@@ -3436,7 +3436,7 @@
           <p:cNvPr id="6" name="正方形/長方形 1">
             <a:extLst>
               <a:ext uri="{FF2B5EF4-FFF2-40B4-BE49-F238E27FC236}">
-                <a16:creationId xmlns:a16="http://schemas.microsoft.com/office/drawing/2014/main" id="{3DB5B2C5-F5B3-4CC9-BEAC-DB38B7D18AB0}"/>
+                <a16:creationId xmlns:a16="http://schemas.microsoft.com/office/drawing/2014/main" xmlns="" id="{3DB5B2C5-F5B3-4CC9-BEAC-DB38B7D18AB0}"/>
               </a:ext>
             </a:extLst>
           </p:cNvPr>
@@ -3488,7 +3488,7 @@
           <p:cNvPr id="5" name="그림 4">
             <a:extLst>
               <a:ext uri="{FF2B5EF4-FFF2-40B4-BE49-F238E27FC236}">
-                <a16:creationId xmlns:a16="http://schemas.microsoft.com/office/drawing/2014/main" id="{70CD73FB-6A8C-4053-8E55-05DD338095CE}"/>
+                <a16:creationId xmlns:a16="http://schemas.microsoft.com/office/drawing/2014/main" xmlns="" id="{70CD73FB-6A8C-4053-8E55-05DD338095CE}"/>
               </a:ext>
             </a:extLst>
           </p:cNvPr>
@@ -3524,7 +3524,7 @@
           <p:cNvPr id="10" name="TextBox 9">
             <a:extLst>
               <a:ext uri="{FF2B5EF4-FFF2-40B4-BE49-F238E27FC236}">
-                <a16:creationId xmlns:a16="http://schemas.microsoft.com/office/drawing/2014/main" id="{FE48E1B1-BE68-4CDF-B1A5-546E3D5FD453}"/>
+                <a16:creationId xmlns:a16="http://schemas.microsoft.com/office/drawing/2014/main" xmlns="" id="{FE48E1B1-BE68-4CDF-B1A5-546E3D5FD453}"/>
               </a:ext>
             </a:extLst>
           </p:cNvPr>
@@ -3681,7 +3681,7 @@
           <p:cNvPr id="2" name="직사각형 1">
             <a:extLst>
               <a:ext uri="{FF2B5EF4-FFF2-40B4-BE49-F238E27FC236}">
-                <a16:creationId xmlns:a16="http://schemas.microsoft.com/office/drawing/2014/main" id="{8E5B996D-DF87-49E5-95D1-45B1EEB9EE9A}"/>
+                <a16:creationId xmlns:a16="http://schemas.microsoft.com/office/drawing/2014/main" xmlns="" id="{8E5B996D-DF87-49E5-95D1-45B1EEB9EE9A}"/>
               </a:ext>
             </a:extLst>
           </p:cNvPr>
@@ -3733,7 +3733,7 @@
           <p:cNvPr id="4" name="직사각형 3">
             <a:extLst>
               <a:ext uri="{FF2B5EF4-FFF2-40B4-BE49-F238E27FC236}">
-                <a16:creationId xmlns:a16="http://schemas.microsoft.com/office/drawing/2014/main" id="{080CEE4E-4BCA-42C3-BECA-9BCEB9931EEA}"/>
+                <a16:creationId xmlns:a16="http://schemas.microsoft.com/office/drawing/2014/main" xmlns="" id="{080CEE4E-4BCA-42C3-BECA-9BCEB9931EEA}"/>
               </a:ext>
             </a:extLst>
           </p:cNvPr>
@@ -3785,7 +3785,7 @@
           <p:cNvPr id="5" name="TextBox 4">
             <a:extLst>
               <a:ext uri="{FF2B5EF4-FFF2-40B4-BE49-F238E27FC236}">
-                <a16:creationId xmlns:a16="http://schemas.microsoft.com/office/drawing/2014/main" id="{D12B0B12-AB99-4F88-B4B2-948DADC833EA}"/>
+                <a16:creationId xmlns:a16="http://schemas.microsoft.com/office/drawing/2014/main" xmlns="" id="{D12B0B12-AB99-4F88-B4B2-948DADC833EA}"/>
               </a:ext>
             </a:extLst>
           </p:cNvPr>
@@ -3904,7 +3904,7 @@
           <p:cNvPr id="9" name="그림 8">
             <a:extLst>
               <a:ext uri="{FF2B5EF4-FFF2-40B4-BE49-F238E27FC236}">
-                <a16:creationId xmlns:a16="http://schemas.microsoft.com/office/drawing/2014/main" id="{0F0992E8-2696-42E6-805A-0C12780D8FA1}"/>
+                <a16:creationId xmlns:a16="http://schemas.microsoft.com/office/drawing/2014/main" xmlns="" id="{0F0992E8-2696-42E6-805A-0C12780D8FA1}"/>
               </a:ext>
             </a:extLst>
           </p:cNvPr>
@@ -4275,7 +4275,7 @@
           <p:cNvPr id="81" name="그룹 80">
             <a:extLst>
               <a:ext uri="{FF2B5EF4-FFF2-40B4-BE49-F238E27FC236}">
-                <a16:creationId xmlns:a16="http://schemas.microsoft.com/office/drawing/2014/main" id="{38E8101C-CD9F-4405-83E3-80C679EBD51C}"/>
+                <a16:creationId xmlns:a16="http://schemas.microsoft.com/office/drawing/2014/main" xmlns="" id="{38E8101C-CD9F-4405-83E3-80C679EBD51C}"/>
               </a:ext>
             </a:extLst>
           </p:cNvPr>
@@ -4687,7 +4687,7 @@
             <p:cNvPr id="42" name="그룹 41">
               <a:extLst>
                 <a:ext uri="{FF2B5EF4-FFF2-40B4-BE49-F238E27FC236}">
-                  <a16:creationId xmlns:a16="http://schemas.microsoft.com/office/drawing/2014/main" id="{8DA397AC-8EC5-4791-8DEE-47099BBE5C49}"/>
+                  <a16:creationId xmlns:a16="http://schemas.microsoft.com/office/drawing/2014/main" xmlns="" id="{8DA397AC-8EC5-4791-8DEE-47099BBE5C49}"/>
                 </a:ext>
               </a:extLst>
             </p:cNvPr>
@@ -4707,7 +4707,7 @@
               <p:cNvPr id="10" name="타원 9">
                 <a:extLst>
                   <a:ext uri="{FF2B5EF4-FFF2-40B4-BE49-F238E27FC236}">
-                    <a16:creationId xmlns:a16="http://schemas.microsoft.com/office/drawing/2014/main" id="{28165C16-198E-4038-BB98-1FFC3116A29A}"/>
+                    <a16:creationId xmlns:a16="http://schemas.microsoft.com/office/drawing/2014/main" xmlns="" id="{28165C16-198E-4038-BB98-1FFC3116A29A}"/>
                   </a:ext>
                 </a:extLst>
               </p:cNvPr>
@@ -4751,7 +4751,7 @@
               <p:cNvPr id="38" name="그룹 37">
                 <a:extLst>
                   <a:ext uri="{FF2B5EF4-FFF2-40B4-BE49-F238E27FC236}">
-                    <a16:creationId xmlns:a16="http://schemas.microsoft.com/office/drawing/2014/main" id="{9F869086-804C-49EB-9177-2271BBA2C4DC}"/>
+                    <a16:creationId xmlns:a16="http://schemas.microsoft.com/office/drawing/2014/main" xmlns="" id="{9F869086-804C-49EB-9177-2271BBA2C4DC}"/>
                   </a:ext>
                 </a:extLst>
               </p:cNvPr>
@@ -4771,7 +4771,7 @@
                 <p:cNvPr id="26" name="직선 연결선 25">
                   <a:extLst>
                     <a:ext uri="{FF2B5EF4-FFF2-40B4-BE49-F238E27FC236}">
-                      <a16:creationId xmlns:a16="http://schemas.microsoft.com/office/drawing/2014/main" id="{CD98DF17-83F9-4425-AAC8-E6DCF18D8CAC}"/>
+                      <a16:creationId xmlns:a16="http://schemas.microsoft.com/office/drawing/2014/main" xmlns="" id="{CD98DF17-83F9-4425-AAC8-E6DCF18D8CAC}"/>
                     </a:ext>
                   </a:extLst>
                 </p:cNvPr>
@@ -4809,7 +4809,7 @@
                 <p:cNvPr id="28" name="직선 연결선 27">
                   <a:extLst>
                     <a:ext uri="{FF2B5EF4-FFF2-40B4-BE49-F238E27FC236}">
-                      <a16:creationId xmlns:a16="http://schemas.microsoft.com/office/drawing/2014/main" id="{88AD4880-D37C-416F-B9FB-EDA05C5059C0}"/>
+                      <a16:creationId xmlns:a16="http://schemas.microsoft.com/office/drawing/2014/main" xmlns="" id="{88AD4880-D37C-416F-B9FB-EDA05C5059C0}"/>
                     </a:ext>
                   </a:extLst>
                 </p:cNvPr>
@@ -4849,7 +4849,7 @@
             <p:cNvPr id="43" name="그룹 42">
               <a:extLst>
                 <a:ext uri="{FF2B5EF4-FFF2-40B4-BE49-F238E27FC236}">
-                  <a16:creationId xmlns:a16="http://schemas.microsoft.com/office/drawing/2014/main" id="{488126EA-A42B-4D0F-A018-CD6470CC2918}"/>
+                  <a16:creationId xmlns:a16="http://schemas.microsoft.com/office/drawing/2014/main" xmlns="" id="{488126EA-A42B-4D0F-A018-CD6470CC2918}"/>
                 </a:ext>
               </a:extLst>
             </p:cNvPr>
@@ -4869,7 +4869,7 @@
               <p:cNvPr id="44" name="타원 43">
                 <a:extLst>
                   <a:ext uri="{FF2B5EF4-FFF2-40B4-BE49-F238E27FC236}">
-                    <a16:creationId xmlns:a16="http://schemas.microsoft.com/office/drawing/2014/main" id="{41CC34A2-F21A-49DC-BD62-8C00CEA023AC}"/>
+                    <a16:creationId xmlns:a16="http://schemas.microsoft.com/office/drawing/2014/main" xmlns="" id="{41CC34A2-F21A-49DC-BD62-8C00CEA023AC}"/>
                   </a:ext>
                 </a:extLst>
               </p:cNvPr>
@@ -4913,7 +4913,7 @@
               <p:cNvPr id="45" name="그룹 44">
                 <a:extLst>
                   <a:ext uri="{FF2B5EF4-FFF2-40B4-BE49-F238E27FC236}">
-                    <a16:creationId xmlns:a16="http://schemas.microsoft.com/office/drawing/2014/main" id="{77219D43-E969-47D9-83B4-2018B5635610}"/>
+                    <a16:creationId xmlns:a16="http://schemas.microsoft.com/office/drawing/2014/main" xmlns="" id="{77219D43-E969-47D9-83B4-2018B5635610}"/>
                   </a:ext>
                 </a:extLst>
               </p:cNvPr>
@@ -4933,7 +4933,7 @@
                 <p:cNvPr id="46" name="직선 연결선 45">
                   <a:extLst>
                     <a:ext uri="{FF2B5EF4-FFF2-40B4-BE49-F238E27FC236}">
-                      <a16:creationId xmlns:a16="http://schemas.microsoft.com/office/drawing/2014/main" id="{F6C263F5-FA7F-45DC-86CF-28DCBAAF6202}"/>
+                      <a16:creationId xmlns:a16="http://schemas.microsoft.com/office/drawing/2014/main" xmlns="" id="{F6C263F5-FA7F-45DC-86CF-28DCBAAF6202}"/>
                     </a:ext>
                   </a:extLst>
                 </p:cNvPr>
@@ -4971,7 +4971,7 @@
                 <p:cNvPr id="47" name="직선 연결선 46">
                   <a:extLst>
                     <a:ext uri="{FF2B5EF4-FFF2-40B4-BE49-F238E27FC236}">
-                      <a16:creationId xmlns:a16="http://schemas.microsoft.com/office/drawing/2014/main" id="{28690920-9541-44BE-8BFB-DC7743251F01}"/>
+                      <a16:creationId xmlns:a16="http://schemas.microsoft.com/office/drawing/2014/main" xmlns="" id="{28690920-9541-44BE-8BFB-DC7743251F01}"/>
                     </a:ext>
                   </a:extLst>
                 </p:cNvPr>
@@ -5011,7 +5011,7 @@
             <p:cNvPr id="48" name="그룹 47">
               <a:extLst>
                 <a:ext uri="{FF2B5EF4-FFF2-40B4-BE49-F238E27FC236}">
-                  <a16:creationId xmlns:a16="http://schemas.microsoft.com/office/drawing/2014/main" id="{F86AF9FB-321E-4FD7-9A08-2651F42DF962}"/>
+                  <a16:creationId xmlns:a16="http://schemas.microsoft.com/office/drawing/2014/main" xmlns="" id="{F86AF9FB-321E-4FD7-9A08-2651F42DF962}"/>
                 </a:ext>
               </a:extLst>
             </p:cNvPr>
@@ -5031,7 +5031,7 @@
               <p:cNvPr id="49" name="타원 48">
                 <a:extLst>
                   <a:ext uri="{FF2B5EF4-FFF2-40B4-BE49-F238E27FC236}">
-                    <a16:creationId xmlns:a16="http://schemas.microsoft.com/office/drawing/2014/main" id="{B20ED60B-622F-4AC4-AE77-7F56BD277474}"/>
+                    <a16:creationId xmlns:a16="http://schemas.microsoft.com/office/drawing/2014/main" xmlns="" id="{B20ED60B-622F-4AC4-AE77-7F56BD277474}"/>
                   </a:ext>
                 </a:extLst>
               </p:cNvPr>
@@ -5075,7 +5075,7 @@
               <p:cNvPr id="50" name="그룹 49">
                 <a:extLst>
                   <a:ext uri="{FF2B5EF4-FFF2-40B4-BE49-F238E27FC236}">
-                    <a16:creationId xmlns:a16="http://schemas.microsoft.com/office/drawing/2014/main" id="{7D46A0E4-C683-4ECE-9556-BC21BA9B44F8}"/>
+                    <a16:creationId xmlns:a16="http://schemas.microsoft.com/office/drawing/2014/main" xmlns="" id="{7D46A0E4-C683-4ECE-9556-BC21BA9B44F8}"/>
                   </a:ext>
                 </a:extLst>
               </p:cNvPr>
@@ -5095,7 +5095,7 @@
                 <p:cNvPr id="51" name="직선 연결선 50">
                   <a:extLst>
                     <a:ext uri="{FF2B5EF4-FFF2-40B4-BE49-F238E27FC236}">
-                      <a16:creationId xmlns:a16="http://schemas.microsoft.com/office/drawing/2014/main" id="{BEAFCB6C-AA19-4602-8BA0-20E4F26A47CA}"/>
+                      <a16:creationId xmlns:a16="http://schemas.microsoft.com/office/drawing/2014/main" xmlns="" id="{BEAFCB6C-AA19-4602-8BA0-20E4F26A47CA}"/>
                     </a:ext>
                   </a:extLst>
                 </p:cNvPr>
@@ -5133,7 +5133,7 @@
                 <p:cNvPr id="52" name="직선 연결선 51">
                   <a:extLst>
                     <a:ext uri="{FF2B5EF4-FFF2-40B4-BE49-F238E27FC236}">
-                      <a16:creationId xmlns:a16="http://schemas.microsoft.com/office/drawing/2014/main" id="{7702268C-1177-4C21-8B96-682E0922252B}"/>
+                      <a16:creationId xmlns:a16="http://schemas.microsoft.com/office/drawing/2014/main" xmlns="" id="{7702268C-1177-4C21-8B96-682E0922252B}"/>
                     </a:ext>
                   </a:extLst>
                 </p:cNvPr>
@@ -5173,7 +5173,7 @@
             <p:cNvPr id="59" name="그룹 58">
               <a:extLst>
                 <a:ext uri="{FF2B5EF4-FFF2-40B4-BE49-F238E27FC236}">
-                  <a16:creationId xmlns:a16="http://schemas.microsoft.com/office/drawing/2014/main" id="{1A7F0BD5-DFFF-41A8-B98A-DD5EDD46BE67}"/>
+                  <a16:creationId xmlns:a16="http://schemas.microsoft.com/office/drawing/2014/main" xmlns="" id="{1A7F0BD5-DFFF-41A8-B98A-DD5EDD46BE67}"/>
                 </a:ext>
               </a:extLst>
             </p:cNvPr>
@@ -5193,7 +5193,7 @@
               <p:cNvPr id="60" name="타원 59">
                 <a:extLst>
                   <a:ext uri="{FF2B5EF4-FFF2-40B4-BE49-F238E27FC236}">
-                    <a16:creationId xmlns:a16="http://schemas.microsoft.com/office/drawing/2014/main" id="{1FBCC9E5-9E35-4C78-9B19-1B310EA3873F}"/>
+                    <a16:creationId xmlns:a16="http://schemas.microsoft.com/office/drawing/2014/main" xmlns="" id="{1FBCC9E5-9E35-4C78-9B19-1B310EA3873F}"/>
                   </a:ext>
                 </a:extLst>
               </p:cNvPr>
@@ -5237,7 +5237,7 @@
               <p:cNvPr id="61" name="그룹 60">
                 <a:extLst>
                   <a:ext uri="{FF2B5EF4-FFF2-40B4-BE49-F238E27FC236}">
-                    <a16:creationId xmlns:a16="http://schemas.microsoft.com/office/drawing/2014/main" id="{6E527DF8-8EE6-4C00-AD68-7D15906474BB}"/>
+                    <a16:creationId xmlns:a16="http://schemas.microsoft.com/office/drawing/2014/main" xmlns="" id="{6E527DF8-8EE6-4C00-AD68-7D15906474BB}"/>
                   </a:ext>
                 </a:extLst>
               </p:cNvPr>
@@ -5257,7 +5257,7 @@
                 <p:cNvPr id="62" name="직선 연결선 61">
                   <a:extLst>
                     <a:ext uri="{FF2B5EF4-FFF2-40B4-BE49-F238E27FC236}">
-                      <a16:creationId xmlns:a16="http://schemas.microsoft.com/office/drawing/2014/main" id="{6574FE88-E73F-40D3-9CA9-C2F6FED75A87}"/>
+                      <a16:creationId xmlns:a16="http://schemas.microsoft.com/office/drawing/2014/main" xmlns="" id="{6574FE88-E73F-40D3-9CA9-C2F6FED75A87}"/>
                     </a:ext>
                   </a:extLst>
                 </p:cNvPr>
@@ -5295,7 +5295,7 @@
                 <p:cNvPr id="63" name="직선 연결선 62">
                   <a:extLst>
                     <a:ext uri="{FF2B5EF4-FFF2-40B4-BE49-F238E27FC236}">
-                      <a16:creationId xmlns:a16="http://schemas.microsoft.com/office/drawing/2014/main" id="{BB31369A-4B80-46BA-B82B-75E1A515C01A}"/>
+                      <a16:creationId xmlns:a16="http://schemas.microsoft.com/office/drawing/2014/main" xmlns="" id="{BB31369A-4B80-46BA-B82B-75E1A515C01A}"/>
                     </a:ext>
                   </a:extLst>
                 </p:cNvPr>
@@ -5335,7 +5335,7 @@
             <p:cNvPr id="64" name="그룹 63">
               <a:extLst>
                 <a:ext uri="{FF2B5EF4-FFF2-40B4-BE49-F238E27FC236}">
-                  <a16:creationId xmlns:a16="http://schemas.microsoft.com/office/drawing/2014/main" id="{0E60BC1F-5801-4957-B758-3595DF452C2C}"/>
+                  <a16:creationId xmlns:a16="http://schemas.microsoft.com/office/drawing/2014/main" xmlns="" id="{0E60BC1F-5801-4957-B758-3595DF452C2C}"/>
                 </a:ext>
               </a:extLst>
             </p:cNvPr>
@@ -5355,7 +5355,7 @@
               <p:cNvPr id="65" name="타원 64">
                 <a:extLst>
                   <a:ext uri="{FF2B5EF4-FFF2-40B4-BE49-F238E27FC236}">
-                    <a16:creationId xmlns:a16="http://schemas.microsoft.com/office/drawing/2014/main" id="{9502A195-C680-45A2-8C6B-8B817AB3FA85}"/>
+                    <a16:creationId xmlns:a16="http://schemas.microsoft.com/office/drawing/2014/main" xmlns="" id="{9502A195-C680-45A2-8C6B-8B817AB3FA85}"/>
                   </a:ext>
                 </a:extLst>
               </p:cNvPr>
@@ -5399,7 +5399,7 @@
               <p:cNvPr id="66" name="그룹 65">
                 <a:extLst>
                   <a:ext uri="{FF2B5EF4-FFF2-40B4-BE49-F238E27FC236}">
-                    <a16:creationId xmlns:a16="http://schemas.microsoft.com/office/drawing/2014/main" id="{A1C26731-88D3-496F-B948-C2072EA92A55}"/>
+                    <a16:creationId xmlns:a16="http://schemas.microsoft.com/office/drawing/2014/main" xmlns="" id="{A1C26731-88D3-496F-B948-C2072EA92A55}"/>
                   </a:ext>
                 </a:extLst>
               </p:cNvPr>
@@ -5419,7 +5419,7 @@
                 <p:cNvPr id="67" name="직선 연결선 66">
                   <a:extLst>
                     <a:ext uri="{FF2B5EF4-FFF2-40B4-BE49-F238E27FC236}">
-                      <a16:creationId xmlns:a16="http://schemas.microsoft.com/office/drawing/2014/main" id="{0CF5D67D-D2A3-4000-BA9E-AAF446074F33}"/>
+                      <a16:creationId xmlns:a16="http://schemas.microsoft.com/office/drawing/2014/main" xmlns="" id="{0CF5D67D-D2A3-4000-BA9E-AAF446074F33}"/>
                     </a:ext>
                   </a:extLst>
                 </p:cNvPr>
@@ -5457,7 +5457,7 @@
                 <p:cNvPr id="68" name="직선 연결선 67">
                   <a:extLst>
                     <a:ext uri="{FF2B5EF4-FFF2-40B4-BE49-F238E27FC236}">
-                      <a16:creationId xmlns:a16="http://schemas.microsoft.com/office/drawing/2014/main" id="{38E5935A-EE38-4B5E-BCE3-785A5DE6E53A}"/>
+                      <a16:creationId xmlns:a16="http://schemas.microsoft.com/office/drawing/2014/main" xmlns="" id="{38E5935A-EE38-4B5E-BCE3-785A5DE6E53A}"/>
                     </a:ext>
                   </a:extLst>
                 </p:cNvPr>
@@ -5497,7 +5497,7 @@
             <p:cNvPr id="69" name="그룹 68">
               <a:extLst>
                 <a:ext uri="{FF2B5EF4-FFF2-40B4-BE49-F238E27FC236}">
-                  <a16:creationId xmlns:a16="http://schemas.microsoft.com/office/drawing/2014/main" id="{850E2C6C-77E0-408A-B9E5-5E394FF50045}"/>
+                  <a16:creationId xmlns:a16="http://schemas.microsoft.com/office/drawing/2014/main" xmlns="" id="{850E2C6C-77E0-408A-B9E5-5E394FF50045}"/>
                 </a:ext>
               </a:extLst>
             </p:cNvPr>
@@ -5517,7 +5517,7 @@
               <p:cNvPr id="70" name="타원 69">
                 <a:extLst>
                   <a:ext uri="{FF2B5EF4-FFF2-40B4-BE49-F238E27FC236}">
-                    <a16:creationId xmlns:a16="http://schemas.microsoft.com/office/drawing/2014/main" id="{02BF96A2-12C0-4EE0-81D0-3B18850A0ADE}"/>
+                    <a16:creationId xmlns:a16="http://schemas.microsoft.com/office/drawing/2014/main" xmlns="" id="{02BF96A2-12C0-4EE0-81D0-3B18850A0ADE}"/>
                   </a:ext>
                 </a:extLst>
               </p:cNvPr>
@@ -5561,7 +5561,7 @@
               <p:cNvPr id="71" name="그룹 70">
                 <a:extLst>
                   <a:ext uri="{FF2B5EF4-FFF2-40B4-BE49-F238E27FC236}">
-                    <a16:creationId xmlns:a16="http://schemas.microsoft.com/office/drawing/2014/main" id="{1D416587-18C9-413E-A689-9EA12F3A8AD1}"/>
+                    <a16:creationId xmlns:a16="http://schemas.microsoft.com/office/drawing/2014/main" xmlns="" id="{1D416587-18C9-413E-A689-9EA12F3A8AD1}"/>
                   </a:ext>
                 </a:extLst>
               </p:cNvPr>
@@ -5581,7 +5581,7 @@
                 <p:cNvPr id="72" name="직선 연결선 71">
                   <a:extLst>
                     <a:ext uri="{FF2B5EF4-FFF2-40B4-BE49-F238E27FC236}">
-                      <a16:creationId xmlns:a16="http://schemas.microsoft.com/office/drawing/2014/main" id="{81F0CFD3-7F94-4800-81D0-8FBBE2F0B3D9}"/>
+                      <a16:creationId xmlns:a16="http://schemas.microsoft.com/office/drawing/2014/main" xmlns="" id="{81F0CFD3-7F94-4800-81D0-8FBBE2F0B3D9}"/>
                     </a:ext>
                   </a:extLst>
                 </p:cNvPr>
@@ -5619,7 +5619,7 @@
                 <p:cNvPr id="73" name="직선 연결선 72">
                   <a:extLst>
                     <a:ext uri="{FF2B5EF4-FFF2-40B4-BE49-F238E27FC236}">
-                      <a16:creationId xmlns:a16="http://schemas.microsoft.com/office/drawing/2014/main" id="{BEFFECA2-8C28-428D-9694-82C940FE4E8A}"/>
+                      <a16:creationId xmlns:a16="http://schemas.microsoft.com/office/drawing/2014/main" xmlns="" id="{BEFFECA2-8C28-428D-9694-82C940FE4E8A}"/>
                     </a:ext>
                   </a:extLst>
                 </p:cNvPr>
@@ -5659,7 +5659,7 @@
             <p:cNvPr id="74" name="그룹 73">
               <a:extLst>
                 <a:ext uri="{FF2B5EF4-FFF2-40B4-BE49-F238E27FC236}">
-                  <a16:creationId xmlns:a16="http://schemas.microsoft.com/office/drawing/2014/main" id="{2D6B6E46-0383-41B8-9200-E7E127AEBE72}"/>
+                  <a16:creationId xmlns:a16="http://schemas.microsoft.com/office/drawing/2014/main" xmlns="" id="{2D6B6E46-0383-41B8-9200-E7E127AEBE72}"/>
                 </a:ext>
               </a:extLst>
             </p:cNvPr>
@@ -5679,7 +5679,7 @@
               <p:cNvPr id="75" name="타원 74">
                 <a:extLst>
                   <a:ext uri="{FF2B5EF4-FFF2-40B4-BE49-F238E27FC236}">
-                    <a16:creationId xmlns:a16="http://schemas.microsoft.com/office/drawing/2014/main" id="{83BFE3AC-EEF7-46D6-86B8-1A6A16306B51}"/>
+                    <a16:creationId xmlns:a16="http://schemas.microsoft.com/office/drawing/2014/main" xmlns="" id="{83BFE3AC-EEF7-46D6-86B8-1A6A16306B51}"/>
                   </a:ext>
                 </a:extLst>
               </p:cNvPr>
@@ -5723,7 +5723,7 @@
               <p:cNvPr id="76" name="그룹 75">
                 <a:extLst>
                   <a:ext uri="{FF2B5EF4-FFF2-40B4-BE49-F238E27FC236}">
-                    <a16:creationId xmlns:a16="http://schemas.microsoft.com/office/drawing/2014/main" id="{32139ED5-E515-42D6-BCF6-911E6DE864F3}"/>
+                    <a16:creationId xmlns:a16="http://schemas.microsoft.com/office/drawing/2014/main" xmlns="" id="{32139ED5-E515-42D6-BCF6-911E6DE864F3}"/>
                   </a:ext>
                 </a:extLst>
               </p:cNvPr>
@@ -5743,7 +5743,7 @@
                 <p:cNvPr id="77" name="직선 연결선 76">
                   <a:extLst>
                     <a:ext uri="{FF2B5EF4-FFF2-40B4-BE49-F238E27FC236}">
-                      <a16:creationId xmlns:a16="http://schemas.microsoft.com/office/drawing/2014/main" id="{DE8B91DB-BDB3-44F7-911B-B94C54293342}"/>
+                      <a16:creationId xmlns:a16="http://schemas.microsoft.com/office/drawing/2014/main" xmlns="" id="{DE8B91DB-BDB3-44F7-911B-B94C54293342}"/>
                     </a:ext>
                   </a:extLst>
                 </p:cNvPr>
@@ -5781,7 +5781,7 @@
                 <p:cNvPr id="78" name="직선 연결선 77">
                   <a:extLst>
                     <a:ext uri="{FF2B5EF4-FFF2-40B4-BE49-F238E27FC236}">
-                      <a16:creationId xmlns:a16="http://schemas.microsoft.com/office/drawing/2014/main" id="{34B023F0-C893-45E9-B461-90E971F8D924}"/>
+                      <a16:creationId xmlns:a16="http://schemas.microsoft.com/office/drawing/2014/main" xmlns="" id="{34B023F0-C893-45E9-B461-90E971F8D924}"/>
                     </a:ext>
                   </a:extLst>
                 </p:cNvPr>
@@ -5821,7 +5821,7 @@
             <p:cNvPr id="80" name="직사각형 79">
               <a:extLst>
                 <a:ext uri="{FF2B5EF4-FFF2-40B4-BE49-F238E27FC236}">
-                  <a16:creationId xmlns:a16="http://schemas.microsoft.com/office/drawing/2014/main" id="{4259D690-DECA-43FD-9248-88D3F096A533}"/>
+                  <a16:creationId xmlns:a16="http://schemas.microsoft.com/office/drawing/2014/main" xmlns="" id="{4259D690-DECA-43FD-9248-88D3F096A533}"/>
                 </a:ext>
               </a:extLst>
             </p:cNvPr>
@@ -5869,7 +5869,7 @@
           <p:cNvPr id="85" name="직선 연결선 84">
             <a:extLst>
               <a:ext uri="{FF2B5EF4-FFF2-40B4-BE49-F238E27FC236}">
-                <a16:creationId xmlns:a16="http://schemas.microsoft.com/office/drawing/2014/main" id="{ABF0A11D-D064-411D-BBBB-1B062FD7D715}"/>
+                <a16:creationId xmlns:a16="http://schemas.microsoft.com/office/drawing/2014/main" xmlns="" id="{ABF0A11D-D064-411D-BBBB-1B062FD7D715}"/>
               </a:ext>
             </a:extLst>
           </p:cNvPr>
@@ -5908,7 +5908,7 @@
           <p:cNvPr id="130" name="그룹 129">
             <a:extLst>
               <a:ext uri="{FF2B5EF4-FFF2-40B4-BE49-F238E27FC236}">
-                <a16:creationId xmlns:a16="http://schemas.microsoft.com/office/drawing/2014/main" id="{61976F42-28D9-4748-9CC9-0B281BD5857B}"/>
+                <a16:creationId xmlns:a16="http://schemas.microsoft.com/office/drawing/2014/main" xmlns="" id="{61976F42-28D9-4748-9CC9-0B281BD5857B}"/>
               </a:ext>
             </a:extLst>
           </p:cNvPr>
@@ -5928,7 +5928,7 @@
             <p:cNvPr id="84" name="TextBox 83">
               <a:extLst>
                 <a:ext uri="{FF2B5EF4-FFF2-40B4-BE49-F238E27FC236}">
-                  <a16:creationId xmlns:a16="http://schemas.microsoft.com/office/drawing/2014/main" id="{9078812E-5175-4B83-8E15-D641B59364B8}"/>
+                  <a16:creationId xmlns:a16="http://schemas.microsoft.com/office/drawing/2014/main" xmlns="" id="{9078812E-5175-4B83-8E15-D641B59364B8}"/>
                 </a:ext>
               </a:extLst>
             </p:cNvPr>
@@ -5963,7 +5963,7 @@
             <p:cNvPr id="92" name="그룹 91">
               <a:extLst>
                 <a:ext uri="{FF2B5EF4-FFF2-40B4-BE49-F238E27FC236}">
-                  <a16:creationId xmlns:a16="http://schemas.microsoft.com/office/drawing/2014/main" id="{CA5ABBC3-9B95-40AA-AF4E-6FEB47085AD2}"/>
+                  <a16:creationId xmlns:a16="http://schemas.microsoft.com/office/drawing/2014/main" xmlns="" id="{CA5ABBC3-9B95-40AA-AF4E-6FEB47085AD2}"/>
                 </a:ext>
               </a:extLst>
             </p:cNvPr>
@@ -5983,7 +5983,7 @@
               <p:cNvPr id="124" name="타원 123">
                 <a:extLst>
                   <a:ext uri="{FF2B5EF4-FFF2-40B4-BE49-F238E27FC236}">
-                    <a16:creationId xmlns:a16="http://schemas.microsoft.com/office/drawing/2014/main" id="{22E7067D-4D7C-4AF9-9AEF-3358C6DBE673}"/>
+                    <a16:creationId xmlns:a16="http://schemas.microsoft.com/office/drawing/2014/main" xmlns="" id="{22E7067D-4D7C-4AF9-9AEF-3358C6DBE673}"/>
                   </a:ext>
                 </a:extLst>
               </p:cNvPr>
@@ -6027,7 +6027,7 @@
               <p:cNvPr id="125" name="그룹 124">
                 <a:extLst>
                   <a:ext uri="{FF2B5EF4-FFF2-40B4-BE49-F238E27FC236}">
-                    <a16:creationId xmlns:a16="http://schemas.microsoft.com/office/drawing/2014/main" id="{271C2873-2E36-4377-ABFC-65FED26648A4}"/>
+                    <a16:creationId xmlns:a16="http://schemas.microsoft.com/office/drawing/2014/main" xmlns="" id="{271C2873-2E36-4377-ABFC-65FED26648A4}"/>
                   </a:ext>
                 </a:extLst>
               </p:cNvPr>
@@ -6047,7 +6047,7 @@
                 <p:cNvPr id="126" name="직선 연결선 125">
                   <a:extLst>
                     <a:ext uri="{FF2B5EF4-FFF2-40B4-BE49-F238E27FC236}">
-                      <a16:creationId xmlns:a16="http://schemas.microsoft.com/office/drawing/2014/main" id="{3D2575FC-D420-4E72-9A39-A694A4A16337}"/>
+                      <a16:creationId xmlns:a16="http://schemas.microsoft.com/office/drawing/2014/main" xmlns="" id="{3D2575FC-D420-4E72-9A39-A694A4A16337}"/>
                     </a:ext>
                   </a:extLst>
                 </p:cNvPr>
@@ -6085,7 +6085,7 @@
                 <p:cNvPr id="127" name="직선 연결선 126">
                   <a:extLst>
                     <a:ext uri="{FF2B5EF4-FFF2-40B4-BE49-F238E27FC236}">
-                      <a16:creationId xmlns:a16="http://schemas.microsoft.com/office/drawing/2014/main" id="{3D5A5A46-5197-412D-8111-ED38092A6DCC}"/>
+                      <a16:creationId xmlns:a16="http://schemas.microsoft.com/office/drawing/2014/main" xmlns="" id="{3D5A5A46-5197-412D-8111-ED38092A6DCC}"/>
                     </a:ext>
                   </a:extLst>
                 </p:cNvPr>
@@ -6126,7 +6126,7 @@
           <p:cNvPr id="131" name="그룹 130">
             <a:extLst>
               <a:ext uri="{FF2B5EF4-FFF2-40B4-BE49-F238E27FC236}">
-                <a16:creationId xmlns:a16="http://schemas.microsoft.com/office/drawing/2014/main" id="{4107EDA6-328B-4A2E-A873-0517D2762C98}"/>
+                <a16:creationId xmlns:a16="http://schemas.microsoft.com/office/drawing/2014/main" xmlns="" id="{4107EDA6-328B-4A2E-A873-0517D2762C98}"/>
               </a:ext>
             </a:extLst>
           </p:cNvPr>
@@ -6146,7 +6146,7 @@
             <p:cNvPr id="86" name="TextBox 85">
               <a:extLst>
                 <a:ext uri="{FF2B5EF4-FFF2-40B4-BE49-F238E27FC236}">
-                  <a16:creationId xmlns:a16="http://schemas.microsoft.com/office/drawing/2014/main" id="{93B6EF57-564B-4EF5-B506-C5B3EAE7EB76}"/>
+                  <a16:creationId xmlns:a16="http://schemas.microsoft.com/office/drawing/2014/main" xmlns="" id="{93B6EF57-564B-4EF5-B506-C5B3EAE7EB76}"/>
                 </a:ext>
               </a:extLst>
             </p:cNvPr>
@@ -6202,7 +6202,7 @@
             <p:cNvPr id="93" name="그룹 92">
               <a:extLst>
                 <a:ext uri="{FF2B5EF4-FFF2-40B4-BE49-F238E27FC236}">
-                  <a16:creationId xmlns:a16="http://schemas.microsoft.com/office/drawing/2014/main" id="{6D9D0EFC-9698-4E89-B062-B2BA3FF01D8D}"/>
+                  <a16:creationId xmlns:a16="http://schemas.microsoft.com/office/drawing/2014/main" xmlns="" id="{6D9D0EFC-9698-4E89-B062-B2BA3FF01D8D}"/>
                 </a:ext>
               </a:extLst>
             </p:cNvPr>
@@ -6222,7 +6222,7 @@
               <p:cNvPr id="120" name="타원 119">
                 <a:extLst>
                   <a:ext uri="{FF2B5EF4-FFF2-40B4-BE49-F238E27FC236}">
-                    <a16:creationId xmlns:a16="http://schemas.microsoft.com/office/drawing/2014/main" id="{92AEF1EA-6BAE-40A0-8356-0E853F184974}"/>
+                    <a16:creationId xmlns:a16="http://schemas.microsoft.com/office/drawing/2014/main" xmlns="" id="{92AEF1EA-6BAE-40A0-8356-0E853F184974}"/>
                   </a:ext>
                 </a:extLst>
               </p:cNvPr>
@@ -6266,7 +6266,7 @@
               <p:cNvPr id="121" name="그룹 120">
                 <a:extLst>
                   <a:ext uri="{FF2B5EF4-FFF2-40B4-BE49-F238E27FC236}">
-                    <a16:creationId xmlns:a16="http://schemas.microsoft.com/office/drawing/2014/main" id="{C5D5F2FB-2446-452F-963C-7D0C595C1CE4}"/>
+                    <a16:creationId xmlns:a16="http://schemas.microsoft.com/office/drawing/2014/main" xmlns="" id="{C5D5F2FB-2446-452F-963C-7D0C595C1CE4}"/>
                   </a:ext>
                 </a:extLst>
               </p:cNvPr>
@@ -6286,7 +6286,7 @@
                 <p:cNvPr id="122" name="직선 연결선 121">
                   <a:extLst>
                     <a:ext uri="{FF2B5EF4-FFF2-40B4-BE49-F238E27FC236}">
-                      <a16:creationId xmlns:a16="http://schemas.microsoft.com/office/drawing/2014/main" id="{8E365C35-341A-46B0-BF33-BB3E5DFDF50F}"/>
+                      <a16:creationId xmlns:a16="http://schemas.microsoft.com/office/drawing/2014/main" xmlns="" id="{8E365C35-341A-46B0-BF33-BB3E5DFDF50F}"/>
                     </a:ext>
                   </a:extLst>
                 </p:cNvPr>
@@ -6324,7 +6324,7 @@
                 <p:cNvPr id="123" name="직선 연결선 122">
                   <a:extLst>
                     <a:ext uri="{FF2B5EF4-FFF2-40B4-BE49-F238E27FC236}">
-                      <a16:creationId xmlns:a16="http://schemas.microsoft.com/office/drawing/2014/main" id="{375584B1-3AEC-4356-88A2-5B18F3E3112A}"/>
+                      <a16:creationId xmlns:a16="http://schemas.microsoft.com/office/drawing/2014/main" xmlns="" id="{375584B1-3AEC-4356-88A2-5B18F3E3112A}"/>
                     </a:ext>
                   </a:extLst>
                 </p:cNvPr>
@@ -6365,7 +6365,7 @@
           <p:cNvPr id="132" name="그룹 131">
             <a:extLst>
               <a:ext uri="{FF2B5EF4-FFF2-40B4-BE49-F238E27FC236}">
-                <a16:creationId xmlns:a16="http://schemas.microsoft.com/office/drawing/2014/main" id="{D6DC41D0-51FF-48A3-809C-39B2E88C743E}"/>
+                <a16:creationId xmlns:a16="http://schemas.microsoft.com/office/drawing/2014/main" xmlns="" id="{D6DC41D0-51FF-48A3-809C-39B2E88C743E}"/>
               </a:ext>
             </a:extLst>
           </p:cNvPr>
@@ -6385,7 +6385,7 @@
             <p:cNvPr id="87" name="TextBox 86">
               <a:extLst>
                 <a:ext uri="{FF2B5EF4-FFF2-40B4-BE49-F238E27FC236}">
-                  <a16:creationId xmlns:a16="http://schemas.microsoft.com/office/drawing/2014/main" id="{21D9ED40-40D5-4948-B988-B2624171BEDF}"/>
+                  <a16:creationId xmlns:a16="http://schemas.microsoft.com/office/drawing/2014/main" xmlns="" id="{21D9ED40-40D5-4948-B988-B2624171BEDF}"/>
                 </a:ext>
               </a:extLst>
             </p:cNvPr>
@@ -6441,7 +6441,7 @@
             <p:cNvPr id="94" name="그룹 93">
               <a:extLst>
                 <a:ext uri="{FF2B5EF4-FFF2-40B4-BE49-F238E27FC236}">
-                  <a16:creationId xmlns:a16="http://schemas.microsoft.com/office/drawing/2014/main" id="{609D0711-8CC5-42A1-98AE-8F4BA8217E20}"/>
+                  <a16:creationId xmlns:a16="http://schemas.microsoft.com/office/drawing/2014/main" xmlns="" id="{609D0711-8CC5-42A1-98AE-8F4BA8217E20}"/>
                 </a:ext>
               </a:extLst>
             </p:cNvPr>
@@ -6461,7 +6461,7 @@
               <p:cNvPr id="116" name="타원 115">
                 <a:extLst>
                   <a:ext uri="{FF2B5EF4-FFF2-40B4-BE49-F238E27FC236}">
-                    <a16:creationId xmlns:a16="http://schemas.microsoft.com/office/drawing/2014/main" id="{A8A5ACFE-5512-4405-BA44-B13C4522B729}"/>
+                    <a16:creationId xmlns:a16="http://schemas.microsoft.com/office/drawing/2014/main" xmlns="" id="{A8A5ACFE-5512-4405-BA44-B13C4522B729}"/>
                   </a:ext>
                 </a:extLst>
               </p:cNvPr>
@@ -6505,7 +6505,7 @@
               <p:cNvPr id="117" name="그룹 116">
                 <a:extLst>
                   <a:ext uri="{FF2B5EF4-FFF2-40B4-BE49-F238E27FC236}">
-                    <a16:creationId xmlns:a16="http://schemas.microsoft.com/office/drawing/2014/main" id="{ABB7634A-16BC-4E0B-9791-E912A6C3C565}"/>
+                    <a16:creationId xmlns:a16="http://schemas.microsoft.com/office/drawing/2014/main" xmlns="" id="{ABB7634A-16BC-4E0B-9791-E912A6C3C565}"/>
                   </a:ext>
                 </a:extLst>
               </p:cNvPr>
@@ -6525,7 +6525,7 @@
                 <p:cNvPr id="118" name="직선 연결선 117">
                   <a:extLst>
                     <a:ext uri="{FF2B5EF4-FFF2-40B4-BE49-F238E27FC236}">
-                      <a16:creationId xmlns:a16="http://schemas.microsoft.com/office/drawing/2014/main" id="{09ACE1D2-43D8-4B72-A7D6-75FB8DA4F23C}"/>
+                      <a16:creationId xmlns:a16="http://schemas.microsoft.com/office/drawing/2014/main" xmlns="" id="{09ACE1D2-43D8-4B72-A7D6-75FB8DA4F23C}"/>
                     </a:ext>
                   </a:extLst>
                 </p:cNvPr>
@@ -6563,7 +6563,7 @@
                 <p:cNvPr id="119" name="직선 연결선 118">
                   <a:extLst>
                     <a:ext uri="{FF2B5EF4-FFF2-40B4-BE49-F238E27FC236}">
-                      <a16:creationId xmlns:a16="http://schemas.microsoft.com/office/drawing/2014/main" id="{3FB3387F-FB52-42C8-98F1-CF6684B07145}"/>
+                      <a16:creationId xmlns:a16="http://schemas.microsoft.com/office/drawing/2014/main" xmlns="" id="{3FB3387F-FB52-42C8-98F1-CF6684B07145}"/>
                     </a:ext>
                   </a:extLst>
                 </p:cNvPr>
@@ -6604,7 +6604,7 @@
           <p:cNvPr id="133" name="그룹 132">
             <a:extLst>
               <a:ext uri="{FF2B5EF4-FFF2-40B4-BE49-F238E27FC236}">
-                <a16:creationId xmlns:a16="http://schemas.microsoft.com/office/drawing/2014/main" id="{FDE7491C-6AF5-4880-93DB-1E998A4089D3}"/>
+                <a16:creationId xmlns:a16="http://schemas.microsoft.com/office/drawing/2014/main" xmlns="" id="{FDE7491C-6AF5-4880-93DB-1E998A4089D3}"/>
               </a:ext>
             </a:extLst>
           </p:cNvPr>
@@ -6624,7 +6624,7 @@
             <p:cNvPr id="88" name="TextBox 87">
               <a:extLst>
                 <a:ext uri="{FF2B5EF4-FFF2-40B4-BE49-F238E27FC236}">
-                  <a16:creationId xmlns:a16="http://schemas.microsoft.com/office/drawing/2014/main" id="{39C82F22-7703-433A-B8BD-C6E222318967}"/>
+                  <a16:creationId xmlns:a16="http://schemas.microsoft.com/office/drawing/2014/main" xmlns="" id="{39C82F22-7703-433A-B8BD-C6E222318967}"/>
                 </a:ext>
               </a:extLst>
             </p:cNvPr>
@@ -6680,7 +6680,7 @@
             <p:cNvPr id="95" name="그룹 94">
               <a:extLst>
                 <a:ext uri="{FF2B5EF4-FFF2-40B4-BE49-F238E27FC236}">
-                  <a16:creationId xmlns:a16="http://schemas.microsoft.com/office/drawing/2014/main" id="{BF1851D4-BE48-4C62-8B48-B850714D235E}"/>
+                  <a16:creationId xmlns:a16="http://schemas.microsoft.com/office/drawing/2014/main" xmlns="" id="{BF1851D4-BE48-4C62-8B48-B850714D235E}"/>
                 </a:ext>
               </a:extLst>
             </p:cNvPr>
@@ -6700,7 +6700,7 @@
               <p:cNvPr id="112" name="타원 111">
                 <a:extLst>
                   <a:ext uri="{FF2B5EF4-FFF2-40B4-BE49-F238E27FC236}">
-                    <a16:creationId xmlns:a16="http://schemas.microsoft.com/office/drawing/2014/main" id="{43A98BC2-387E-41A9-A3A5-7B85D6342ABF}"/>
+                    <a16:creationId xmlns:a16="http://schemas.microsoft.com/office/drawing/2014/main" xmlns="" id="{43A98BC2-387E-41A9-A3A5-7B85D6342ABF}"/>
                   </a:ext>
                 </a:extLst>
               </p:cNvPr>
@@ -6744,7 +6744,7 @@
               <p:cNvPr id="113" name="그룹 112">
                 <a:extLst>
                   <a:ext uri="{FF2B5EF4-FFF2-40B4-BE49-F238E27FC236}">
-                    <a16:creationId xmlns:a16="http://schemas.microsoft.com/office/drawing/2014/main" id="{4BF72E20-014F-4F6B-940A-9783D4178909}"/>
+                    <a16:creationId xmlns:a16="http://schemas.microsoft.com/office/drawing/2014/main" xmlns="" id="{4BF72E20-014F-4F6B-940A-9783D4178909}"/>
                   </a:ext>
                 </a:extLst>
               </p:cNvPr>
@@ -6764,7 +6764,7 @@
                 <p:cNvPr id="114" name="직선 연결선 113">
                   <a:extLst>
                     <a:ext uri="{FF2B5EF4-FFF2-40B4-BE49-F238E27FC236}">
-                      <a16:creationId xmlns:a16="http://schemas.microsoft.com/office/drawing/2014/main" id="{5167DB2E-510E-425D-B42C-F141B0841007}"/>
+                      <a16:creationId xmlns:a16="http://schemas.microsoft.com/office/drawing/2014/main" xmlns="" id="{5167DB2E-510E-425D-B42C-F141B0841007}"/>
                     </a:ext>
                   </a:extLst>
                 </p:cNvPr>
@@ -6802,7 +6802,7 @@
                 <p:cNvPr id="115" name="직선 연결선 114">
                   <a:extLst>
                     <a:ext uri="{FF2B5EF4-FFF2-40B4-BE49-F238E27FC236}">
-                      <a16:creationId xmlns:a16="http://schemas.microsoft.com/office/drawing/2014/main" id="{72901E6E-29FB-48D6-8ABD-C8E10A72ADCA}"/>
+                      <a16:creationId xmlns:a16="http://schemas.microsoft.com/office/drawing/2014/main" xmlns="" id="{72901E6E-29FB-48D6-8ABD-C8E10A72ADCA}"/>
                     </a:ext>
                   </a:extLst>
                 </p:cNvPr>
@@ -6843,7 +6843,7 @@
           <p:cNvPr id="134" name="그룹 133">
             <a:extLst>
               <a:ext uri="{FF2B5EF4-FFF2-40B4-BE49-F238E27FC236}">
-                <a16:creationId xmlns:a16="http://schemas.microsoft.com/office/drawing/2014/main" id="{67ECA2EF-6511-4E60-866E-845755EB3760}"/>
+                <a16:creationId xmlns:a16="http://schemas.microsoft.com/office/drawing/2014/main" xmlns="" id="{67ECA2EF-6511-4E60-866E-845755EB3760}"/>
               </a:ext>
             </a:extLst>
           </p:cNvPr>
@@ -6863,7 +6863,7 @@
             <p:cNvPr id="89" name="TextBox 88">
               <a:extLst>
                 <a:ext uri="{FF2B5EF4-FFF2-40B4-BE49-F238E27FC236}">
-                  <a16:creationId xmlns:a16="http://schemas.microsoft.com/office/drawing/2014/main" id="{42A349C8-FC04-45CA-BD8D-67EBB42B08F7}"/>
+                  <a16:creationId xmlns:a16="http://schemas.microsoft.com/office/drawing/2014/main" xmlns="" id="{42A349C8-FC04-45CA-BD8D-67EBB42B08F7}"/>
                 </a:ext>
               </a:extLst>
             </p:cNvPr>
@@ -6919,7 +6919,7 @@
             <p:cNvPr id="96" name="그룹 95">
               <a:extLst>
                 <a:ext uri="{FF2B5EF4-FFF2-40B4-BE49-F238E27FC236}">
-                  <a16:creationId xmlns:a16="http://schemas.microsoft.com/office/drawing/2014/main" id="{1B626189-9D35-40B2-82EC-9C2E130C02D0}"/>
+                  <a16:creationId xmlns:a16="http://schemas.microsoft.com/office/drawing/2014/main" xmlns="" id="{1B626189-9D35-40B2-82EC-9C2E130C02D0}"/>
                 </a:ext>
               </a:extLst>
             </p:cNvPr>
@@ -6939,7 +6939,7 @@
               <p:cNvPr id="108" name="타원 107">
                 <a:extLst>
                   <a:ext uri="{FF2B5EF4-FFF2-40B4-BE49-F238E27FC236}">
-                    <a16:creationId xmlns:a16="http://schemas.microsoft.com/office/drawing/2014/main" id="{CB9B5A06-82DE-4302-B8EE-10526806BA58}"/>
+                    <a16:creationId xmlns:a16="http://schemas.microsoft.com/office/drawing/2014/main" xmlns="" id="{CB9B5A06-82DE-4302-B8EE-10526806BA58}"/>
                   </a:ext>
                 </a:extLst>
               </p:cNvPr>
@@ -6983,7 +6983,7 @@
               <p:cNvPr id="109" name="그룹 108">
                 <a:extLst>
                   <a:ext uri="{FF2B5EF4-FFF2-40B4-BE49-F238E27FC236}">
-                    <a16:creationId xmlns:a16="http://schemas.microsoft.com/office/drawing/2014/main" id="{45188AF3-A8AB-411D-A332-B7154D4E09AD}"/>
+                    <a16:creationId xmlns:a16="http://schemas.microsoft.com/office/drawing/2014/main" xmlns="" id="{45188AF3-A8AB-411D-A332-B7154D4E09AD}"/>
                   </a:ext>
                 </a:extLst>
               </p:cNvPr>
@@ -7003,7 +7003,7 @@
                 <p:cNvPr id="110" name="직선 연결선 109">
                   <a:extLst>
                     <a:ext uri="{FF2B5EF4-FFF2-40B4-BE49-F238E27FC236}">
-                      <a16:creationId xmlns:a16="http://schemas.microsoft.com/office/drawing/2014/main" id="{76491FCB-5A1E-4067-967A-5343BB2B491C}"/>
+                      <a16:creationId xmlns:a16="http://schemas.microsoft.com/office/drawing/2014/main" xmlns="" id="{76491FCB-5A1E-4067-967A-5343BB2B491C}"/>
                     </a:ext>
                   </a:extLst>
                 </p:cNvPr>
@@ -7041,7 +7041,7 @@
                 <p:cNvPr id="111" name="직선 연결선 110">
                   <a:extLst>
                     <a:ext uri="{FF2B5EF4-FFF2-40B4-BE49-F238E27FC236}">
-                      <a16:creationId xmlns:a16="http://schemas.microsoft.com/office/drawing/2014/main" id="{39363924-F233-41E2-8B94-3B22A6B5A29C}"/>
+                      <a16:creationId xmlns:a16="http://schemas.microsoft.com/office/drawing/2014/main" xmlns="" id="{39363924-F233-41E2-8B94-3B22A6B5A29C}"/>
                     </a:ext>
                   </a:extLst>
                 </p:cNvPr>
@@ -7082,7 +7082,7 @@
           <p:cNvPr id="135" name="그룹 134">
             <a:extLst>
               <a:ext uri="{FF2B5EF4-FFF2-40B4-BE49-F238E27FC236}">
-                <a16:creationId xmlns:a16="http://schemas.microsoft.com/office/drawing/2014/main" id="{98F091DF-5A98-43BF-A33E-ED8833A90A88}"/>
+                <a16:creationId xmlns:a16="http://schemas.microsoft.com/office/drawing/2014/main" xmlns="" id="{98F091DF-5A98-43BF-A33E-ED8833A90A88}"/>
               </a:ext>
             </a:extLst>
           </p:cNvPr>
@@ -7102,7 +7102,7 @@
             <p:cNvPr id="90" name="TextBox 89">
               <a:extLst>
                 <a:ext uri="{FF2B5EF4-FFF2-40B4-BE49-F238E27FC236}">
-                  <a16:creationId xmlns:a16="http://schemas.microsoft.com/office/drawing/2014/main" id="{389EF2DD-2EDD-4452-B50F-128C0BAA3B17}"/>
+                  <a16:creationId xmlns:a16="http://schemas.microsoft.com/office/drawing/2014/main" xmlns="" id="{389EF2DD-2EDD-4452-B50F-128C0BAA3B17}"/>
                 </a:ext>
               </a:extLst>
             </p:cNvPr>
@@ -7158,7 +7158,7 @@
             <p:cNvPr id="97" name="그룹 96">
               <a:extLst>
                 <a:ext uri="{FF2B5EF4-FFF2-40B4-BE49-F238E27FC236}">
-                  <a16:creationId xmlns:a16="http://schemas.microsoft.com/office/drawing/2014/main" id="{10EE9F56-D7F5-411E-9D18-98AFF66EF19B}"/>
+                  <a16:creationId xmlns:a16="http://schemas.microsoft.com/office/drawing/2014/main" xmlns="" id="{10EE9F56-D7F5-411E-9D18-98AFF66EF19B}"/>
                 </a:ext>
               </a:extLst>
             </p:cNvPr>
@@ -7178,7 +7178,7 @@
               <p:cNvPr id="104" name="타원 103">
                 <a:extLst>
                   <a:ext uri="{FF2B5EF4-FFF2-40B4-BE49-F238E27FC236}">
-                    <a16:creationId xmlns:a16="http://schemas.microsoft.com/office/drawing/2014/main" id="{00615255-91F6-4C4E-ABB1-B45375E5933C}"/>
+                    <a16:creationId xmlns:a16="http://schemas.microsoft.com/office/drawing/2014/main" xmlns="" id="{00615255-91F6-4C4E-ABB1-B45375E5933C}"/>
                   </a:ext>
                 </a:extLst>
               </p:cNvPr>
@@ -7222,7 +7222,7 @@
               <p:cNvPr id="105" name="그룹 104">
                 <a:extLst>
                   <a:ext uri="{FF2B5EF4-FFF2-40B4-BE49-F238E27FC236}">
-                    <a16:creationId xmlns:a16="http://schemas.microsoft.com/office/drawing/2014/main" id="{6CB0789B-1BCE-416D-B4BC-A8E1FE9C7F17}"/>
+                    <a16:creationId xmlns:a16="http://schemas.microsoft.com/office/drawing/2014/main" xmlns="" id="{6CB0789B-1BCE-416D-B4BC-A8E1FE9C7F17}"/>
                   </a:ext>
                 </a:extLst>
               </p:cNvPr>
@@ -7242,7 +7242,7 @@
                 <p:cNvPr id="106" name="직선 연결선 105">
                   <a:extLst>
                     <a:ext uri="{FF2B5EF4-FFF2-40B4-BE49-F238E27FC236}">
-                      <a16:creationId xmlns:a16="http://schemas.microsoft.com/office/drawing/2014/main" id="{D2A0F505-D3B0-4F01-8E53-0CA68C0858CB}"/>
+                      <a16:creationId xmlns:a16="http://schemas.microsoft.com/office/drawing/2014/main" xmlns="" id="{D2A0F505-D3B0-4F01-8E53-0CA68C0858CB}"/>
                     </a:ext>
                   </a:extLst>
                 </p:cNvPr>
@@ -7280,7 +7280,7 @@
                 <p:cNvPr id="107" name="직선 연결선 106">
                   <a:extLst>
                     <a:ext uri="{FF2B5EF4-FFF2-40B4-BE49-F238E27FC236}">
-                      <a16:creationId xmlns:a16="http://schemas.microsoft.com/office/drawing/2014/main" id="{04214CDF-BF48-41D7-AC98-2FEABD16D1F5}"/>
+                      <a16:creationId xmlns:a16="http://schemas.microsoft.com/office/drawing/2014/main" xmlns="" id="{04214CDF-BF48-41D7-AC98-2FEABD16D1F5}"/>
                     </a:ext>
                   </a:extLst>
                 </p:cNvPr>
@@ -7321,7 +7321,7 @@
           <p:cNvPr id="136" name="그룹 135">
             <a:extLst>
               <a:ext uri="{FF2B5EF4-FFF2-40B4-BE49-F238E27FC236}">
-                <a16:creationId xmlns:a16="http://schemas.microsoft.com/office/drawing/2014/main" id="{0E739F4A-256C-42D9-9240-588E6E085D2F}"/>
+                <a16:creationId xmlns:a16="http://schemas.microsoft.com/office/drawing/2014/main" xmlns="" id="{0E739F4A-256C-42D9-9240-588E6E085D2F}"/>
               </a:ext>
             </a:extLst>
           </p:cNvPr>
@@ -7341,7 +7341,7 @@
             <p:cNvPr id="91" name="TextBox 90">
               <a:extLst>
                 <a:ext uri="{FF2B5EF4-FFF2-40B4-BE49-F238E27FC236}">
-                  <a16:creationId xmlns:a16="http://schemas.microsoft.com/office/drawing/2014/main" id="{E9AFE078-D381-47A8-A426-4DC1C33E882D}"/>
+                  <a16:creationId xmlns:a16="http://schemas.microsoft.com/office/drawing/2014/main" xmlns="" id="{E9AFE078-D381-47A8-A426-4DC1C33E882D}"/>
                 </a:ext>
               </a:extLst>
             </p:cNvPr>
@@ -7389,7 +7389,7 @@
             <p:cNvPr id="98" name="그룹 97">
               <a:extLst>
                 <a:ext uri="{FF2B5EF4-FFF2-40B4-BE49-F238E27FC236}">
-                  <a16:creationId xmlns:a16="http://schemas.microsoft.com/office/drawing/2014/main" id="{C154AFCF-490E-479A-BE62-6474B5DDAB99}"/>
+                  <a16:creationId xmlns:a16="http://schemas.microsoft.com/office/drawing/2014/main" xmlns="" id="{C154AFCF-490E-479A-BE62-6474B5DDAB99}"/>
                 </a:ext>
               </a:extLst>
             </p:cNvPr>
@@ -7409,7 +7409,7 @@
               <p:cNvPr id="100" name="타원 99">
                 <a:extLst>
                   <a:ext uri="{FF2B5EF4-FFF2-40B4-BE49-F238E27FC236}">
-                    <a16:creationId xmlns:a16="http://schemas.microsoft.com/office/drawing/2014/main" id="{BB291A8C-104B-4DCF-9961-288D9FEB750F}"/>
+                    <a16:creationId xmlns:a16="http://schemas.microsoft.com/office/drawing/2014/main" xmlns="" id="{BB291A8C-104B-4DCF-9961-288D9FEB750F}"/>
                   </a:ext>
                 </a:extLst>
               </p:cNvPr>
@@ -7453,7 +7453,7 @@
               <p:cNvPr id="101" name="그룹 100">
                 <a:extLst>
                   <a:ext uri="{FF2B5EF4-FFF2-40B4-BE49-F238E27FC236}">
-                    <a16:creationId xmlns:a16="http://schemas.microsoft.com/office/drawing/2014/main" id="{679299CF-FEE8-40F8-A5F4-509FA1BCC4E1}"/>
+                    <a16:creationId xmlns:a16="http://schemas.microsoft.com/office/drawing/2014/main" xmlns="" id="{679299CF-FEE8-40F8-A5F4-509FA1BCC4E1}"/>
                   </a:ext>
                 </a:extLst>
               </p:cNvPr>
@@ -7473,7 +7473,7 @@
                 <p:cNvPr id="102" name="직선 연결선 101">
                   <a:extLst>
                     <a:ext uri="{FF2B5EF4-FFF2-40B4-BE49-F238E27FC236}">
-                      <a16:creationId xmlns:a16="http://schemas.microsoft.com/office/drawing/2014/main" id="{D783EA1F-E81B-4614-8AF5-BC4E9CAA7F8F}"/>
+                      <a16:creationId xmlns:a16="http://schemas.microsoft.com/office/drawing/2014/main" xmlns="" id="{D783EA1F-E81B-4614-8AF5-BC4E9CAA7F8F}"/>
                     </a:ext>
                   </a:extLst>
                 </p:cNvPr>
@@ -7511,7 +7511,7 @@
                 <p:cNvPr id="103" name="직선 연결선 102">
                   <a:extLst>
                     <a:ext uri="{FF2B5EF4-FFF2-40B4-BE49-F238E27FC236}">
-                      <a16:creationId xmlns:a16="http://schemas.microsoft.com/office/drawing/2014/main" id="{4F12B213-C445-41A8-A0FE-A8D4F8FBAD8A}"/>
+                      <a16:creationId xmlns:a16="http://schemas.microsoft.com/office/drawing/2014/main" xmlns="" id="{4F12B213-C445-41A8-A0FE-A8D4F8FBAD8A}"/>
                     </a:ext>
                   </a:extLst>
                 </p:cNvPr>
@@ -7552,7 +7552,7 @@
           <p:cNvPr id="99" name="직사각형 98">
             <a:extLst>
               <a:ext uri="{FF2B5EF4-FFF2-40B4-BE49-F238E27FC236}">
-                <a16:creationId xmlns:a16="http://schemas.microsoft.com/office/drawing/2014/main" id="{B59C31F9-8FBF-4B3C-97B1-93C678100905}"/>
+                <a16:creationId xmlns:a16="http://schemas.microsoft.com/office/drawing/2014/main" xmlns="" id="{B59C31F9-8FBF-4B3C-97B1-93C678100905}"/>
               </a:ext>
             </a:extLst>
           </p:cNvPr>
@@ -7629,7 +7629,7 @@
           <p:cNvPr id="2" name="직사각형 1">
             <a:extLst>
               <a:ext uri="{FF2B5EF4-FFF2-40B4-BE49-F238E27FC236}">
-                <a16:creationId xmlns:a16="http://schemas.microsoft.com/office/drawing/2014/main" id="{8E5B996D-DF87-49E5-95D1-45B1EEB9EE9A}"/>
+                <a16:creationId xmlns:a16="http://schemas.microsoft.com/office/drawing/2014/main" xmlns="" id="{8E5B996D-DF87-49E5-95D1-45B1EEB9EE9A}"/>
               </a:ext>
             </a:extLst>
           </p:cNvPr>
@@ -7681,7 +7681,7 @@
           <p:cNvPr id="4" name="직사각형 3">
             <a:extLst>
               <a:ext uri="{FF2B5EF4-FFF2-40B4-BE49-F238E27FC236}">
-                <a16:creationId xmlns:a16="http://schemas.microsoft.com/office/drawing/2014/main" id="{080CEE4E-4BCA-42C3-BECA-9BCEB9931EEA}"/>
+                <a16:creationId xmlns:a16="http://schemas.microsoft.com/office/drawing/2014/main" xmlns="" id="{080CEE4E-4BCA-42C3-BECA-9BCEB9931EEA}"/>
               </a:ext>
             </a:extLst>
           </p:cNvPr>
@@ -7733,7 +7733,7 @@
           <p:cNvPr id="5" name="TextBox 4">
             <a:extLst>
               <a:ext uri="{FF2B5EF4-FFF2-40B4-BE49-F238E27FC236}">
-                <a16:creationId xmlns:a16="http://schemas.microsoft.com/office/drawing/2014/main" id="{D12B0B12-AB99-4F88-B4B2-948DADC833EA}"/>
+                <a16:creationId xmlns:a16="http://schemas.microsoft.com/office/drawing/2014/main" xmlns="" id="{D12B0B12-AB99-4F88-B4B2-948DADC833EA}"/>
               </a:ext>
             </a:extLst>
           </p:cNvPr>
@@ -7852,7 +7852,7 @@
           <p:cNvPr id="9" name="그림 8">
             <a:extLst>
               <a:ext uri="{FF2B5EF4-FFF2-40B4-BE49-F238E27FC236}">
-                <a16:creationId xmlns:a16="http://schemas.microsoft.com/office/drawing/2014/main" id="{0F0992E8-2696-42E6-805A-0C12780D8FA1}"/>
+                <a16:creationId xmlns:a16="http://schemas.microsoft.com/office/drawing/2014/main" xmlns="" id="{0F0992E8-2696-42E6-805A-0C12780D8FA1}"/>
               </a:ext>
             </a:extLst>
           </p:cNvPr>
@@ -8223,7 +8223,7 @@
           <p:cNvPr id="6" name="직사각형 5">
             <a:extLst>
               <a:ext uri="{FF2B5EF4-FFF2-40B4-BE49-F238E27FC236}">
-                <a16:creationId xmlns:a16="http://schemas.microsoft.com/office/drawing/2014/main" id="{44CD91FC-E3FD-43AE-A028-584FD09DDAA2}"/>
+                <a16:creationId xmlns:a16="http://schemas.microsoft.com/office/drawing/2014/main" xmlns="" id="{44CD91FC-E3FD-43AE-A028-584FD09DDAA2}"/>
               </a:ext>
             </a:extLst>
           </p:cNvPr>
@@ -8267,7 +8267,7 @@
           <p:cNvPr id="10" name="직사각형 9">
             <a:extLst>
               <a:ext uri="{FF2B5EF4-FFF2-40B4-BE49-F238E27FC236}">
-                <a16:creationId xmlns:a16="http://schemas.microsoft.com/office/drawing/2014/main" id="{6DE80802-B074-4295-B601-3A4FF472B89F}"/>
+                <a16:creationId xmlns:a16="http://schemas.microsoft.com/office/drawing/2014/main" xmlns="" id="{6DE80802-B074-4295-B601-3A4FF472B89F}"/>
               </a:ext>
             </a:extLst>
           </p:cNvPr>
@@ -8311,7 +8311,7 @@
           <p:cNvPr id="11" name="직사각형 10">
             <a:extLst>
               <a:ext uri="{FF2B5EF4-FFF2-40B4-BE49-F238E27FC236}">
-                <a16:creationId xmlns:a16="http://schemas.microsoft.com/office/drawing/2014/main" id="{2943A15B-62B9-4053-B656-83394F5EDBA1}"/>
+                <a16:creationId xmlns:a16="http://schemas.microsoft.com/office/drawing/2014/main" xmlns="" id="{2943A15B-62B9-4053-B656-83394F5EDBA1}"/>
               </a:ext>
             </a:extLst>
           </p:cNvPr>
@@ -8355,7 +8355,7 @@
           <p:cNvPr id="8" name="TextBox 7">
             <a:extLst>
               <a:ext uri="{FF2B5EF4-FFF2-40B4-BE49-F238E27FC236}">
-                <a16:creationId xmlns:a16="http://schemas.microsoft.com/office/drawing/2014/main" id="{B817A5C8-8FDD-43DD-A1C9-CC8F5DE4A3A1}"/>
+                <a16:creationId xmlns:a16="http://schemas.microsoft.com/office/drawing/2014/main" xmlns="" id="{B817A5C8-8FDD-43DD-A1C9-CC8F5DE4A3A1}"/>
               </a:ext>
             </a:extLst>
           </p:cNvPr>
@@ -8390,7 +8390,7 @@
           <p:cNvPr id="22" name="TextBox 21">
             <a:extLst>
               <a:ext uri="{FF2B5EF4-FFF2-40B4-BE49-F238E27FC236}">
-                <a16:creationId xmlns:a16="http://schemas.microsoft.com/office/drawing/2014/main" id="{B97A34A8-FE73-4AFB-89DD-C92996D2EE29}"/>
+                <a16:creationId xmlns:a16="http://schemas.microsoft.com/office/drawing/2014/main" xmlns="" id="{B97A34A8-FE73-4AFB-89DD-C92996D2EE29}"/>
               </a:ext>
             </a:extLst>
           </p:cNvPr>
@@ -8425,7 +8425,7 @@
           <p:cNvPr id="23" name="TextBox 22">
             <a:extLst>
               <a:ext uri="{FF2B5EF4-FFF2-40B4-BE49-F238E27FC236}">
-                <a16:creationId xmlns:a16="http://schemas.microsoft.com/office/drawing/2014/main" id="{074A134C-B34D-4C26-9734-B6B78AF259B6}"/>
+                <a16:creationId xmlns:a16="http://schemas.microsoft.com/office/drawing/2014/main" xmlns="" id="{074A134C-B34D-4C26-9734-B6B78AF259B6}"/>
               </a:ext>
             </a:extLst>
           </p:cNvPr>
@@ -8460,7 +8460,7 @@
           <p:cNvPr id="24" name="TextBox 23">
             <a:extLst>
               <a:ext uri="{FF2B5EF4-FFF2-40B4-BE49-F238E27FC236}">
-                <a16:creationId xmlns:a16="http://schemas.microsoft.com/office/drawing/2014/main" id="{20DF9C70-B68B-4DA2-AB8A-EC57BB8AD627}"/>
+                <a16:creationId xmlns:a16="http://schemas.microsoft.com/office/drawing/2014/main" xmlns="" id="{20DF9C70-B68B-4DA2-AB8A-EC57BB8AD627}"/>
               </a:ext>
             </a:extLst>
           </p:cNvPr>
@@ -8495,7 +8495,7 @@
           <p:cNvPr id="25" name="TextBox 24">
             <a:extLst>
               <a:ext uri="{FF2B5EF4-FFF2-40B4-BE49-F238E27FC236}">
-                <a16:creationId xmlns:a16="http://schemas.microsoft.com/office/drawing/2014/main" id="{98ECFD99-D8C0-49D0-AA0C-94171191C0F3}"/>
+                <a16:creationId xmlns:a16="http://schemas.microsoft.com/office/drawing/2014/main" xmlns="" id="{98ECFD99-D8C0-49D0-AA0C-94171191C0F3}"/>
               </a:ext>
             </a:extLst>
           </p:cNvPr>
@@ -8530,7 +8530,7 @@
           <p:cNvPr id="26" name="TextBox 25">
             <a:extLst>
               <a:ext uri="{FF2B5EF4-FFF2-40B4-BE49-F238E27FC236}">
-                <a16:creationId xmlns:a16="http://schemas.microsoft.com/office/drawing/2014/main" id="{52AA3484-F9DA-46BB-B48F-D8FDCACBAC90}"/>
+                <a16:creationId xmlns:a16="http://schemas.microsoft.com/office/drawing/2014/main" xmlns="" id="{52AA3484-F9DA-46BB-B48F-D8FDCACBAC90}"/>
               </a:ext>
             </a:extLst>
           </p:cNvPr>
@@ -8565,7 +8565,7 @@
           <p:cNvPr id="27" name="TextBox 26">
             <a:extLst>
               <a:ext uri="{FF2B5EF4-FFF2-40B4-BE49-F238E27FC236}">
-                <a16:creationId xmlns:a16="http://schemas.microsoft.com/office/drawing/2014/main" id="{4F40129B-326C-4EF1-AF63-AB2069804B88}"/>
+                <a16:creationId xmlns:a16="http://schemas.microsoft.com/office/drawing/2014/main" xmlns="" id="{4F40129B-326C-4EF1-AF63-AB2069804B88}"/>
               </a:ext>
             </a:extLst>
           </p:cNvPr>
@@ -8600,7 +8600,7 @@
           <p:cNvPr id="28" name="TextBox 27">
             <a:extLst>
               <a:ext uri="{FF2B5EF4-FFF2-40B4-BE49-F238E27FC236}">
-                <a16:creationId xmlns:a16="http://schemas.microsoft.com/office/drawing/2014/main" id="{51D7CD39-7ADB-45EB-B6DD-23BEB7FA5C18}"/>
+                <a16:creationId xmlns:a16="http://schemas.microsoft.com/office/drawing/2014/main" xmlns="" id="{51D7CD39-7ADB-45EB-B6DD-23BEB7FA5C18}"/>
               </a:ext>
             </a:extLst>
           </p:cNvPr>
@@ -8635,7 +8635,7 @@
           <p:cNvPr id="29" name="TextBox 28">
             <a:extLst>
               <a:ext uri="{FF2B5EF4-FFF2-40B4-BE49-F238E27FC236}">
-                <a16:creationId xmlns:a16="http://schemas.microsoft.com/office/drawing/2014/main" id="{687A31C1-035F-4CF7-96F9-E1BC2B0B650B}"/>
+                <a16:creationId xmlns:a16="http://schemas.microsoft.com/office/drawing/2014/main" xmlns="" id="{687A31C1-035F-4CF7-96F9-E1BC2B0B650B}"/>
               </a:ext>
             </a:extLst>
           </p:cNvPr>
@@ -8671,7 +8671,7 @@
           <p:cNvPr id="35" name="직사각형 34">
             <a:extLst>
               <a:ext uri="{FF2B5EF4-FFF2-40B4-BE49-F238E27FC236}">
-                <a16:creationId xmlns:a16="http://schemas.microsoft.com/office/drawing/2014/main" id="{4EB80500-12F4-4311-B319-4C1EAA3BD103}"/>
+                <a16:creationId xmlns:a16="http://schemas.microsoft.com/office/drawing/2014/main" xmlns="" id="{4EB80500-12F4-4311-B319-4C1EAA3BD103}"/>
               </a:ext>
             </a:extLst>
           </p:cNvPr>
@@ -8715,7 +8715,7 @@
           <p:cNvPr id="36" name="직사각형 35">
             <a:extLst>
               <a:ext uri="{FF2B5EF4-FFF2-40B4-BE49-F238E27FC236}">
-                <a16:creationId xmlns:a16="http://schemas.microsoft.com/office/drawing/2014/main" id="{C7315F80-8718-457F-B744-4E353FA59E67}"/>
+                <a16:creationId xmlns:a16="http://schemas.microsoft.com/office/drawing/2014/main" xmlns="" id="{C7315F80-8718-457F-B744-4E353FA59E67}"/>
               </a:ext>
             </a:extLst>
           </p:cNvPr>
@@ -8759,7 +8759,7 @@
           <p:cNvPr id="37" name="TextBox 36">
             <a:extLst>
               <a:ext uri="{FF2B5EF4-FFF2-40B4-BE49-F238E27FC236}">
-                <a16:creationId xmlns:a16="http://schemas.microsoft.com/office/drawing/2014/main" id="{8833314C-A24C-406D-96D2-BC5F95FAE097}"/>
+                <a16:creationId xmlns:a16="http://schemas.microsoft.com/office/drawing/2014/main" xmlns="" id="{8833314C-A24C-406D-96D2-BC5F95FAE097}"/>
               </a:ext>
             </a:extLst>
           </p:cNvPr>
@@ -8794,7 +8794,7 @@
           <p:cNvPr id="38" name="직사각형 37">
             <a:extLst>
               <a:ext uri="{FF2B5EF4-FFF2-40B4-BE49-F238E27FC236}">
-                <a16:creationId xmlns:a16="http://schemas.microsoft.com/office/drawing/2014/main" id="{8363E480-A50E-4F72-B7FA-4FC9993C2283}"/>
+                <a16:creationId xmlns:a16="http://schemas.microsoft.com/office/drawing/2014/main" xmlns="" id="{8363E480-A50E-4F72-B7FA-4FC9993C2283}"/>
               </a:ext>
             </a:extLst>
           </p:cNvPr>
@@ -8838,7 +8838,7 @@
           <p:cNvPr id="39" name="직사각형 38">
             <a:extLst>
               <a:ext uri="{FF2B5EF4-FFF2-40B4-BE49-F238E27FC236}">
-                <a16:creationId xmlns:a16="http://schemas.microsoft.com/office/drawing/2014/main" id="{5AA7C614-B70C-4D6E-BF23-1A84B29D34D6}"/>
+                <a16:creationId xmlns:a16="http://schemas.microsoft.com/office/drawing/2014/main" xmlns="" id="{5AA7C614-B70C-4D6E-BF23-1A84B29D34D6}"/>
               </a:ext>
             </a:extLst>
           </p:cNvPr>
@@ -8882,7 +8882,7 @@
           <p:cNvPr id="40" name="직사각형 39">
             <a:extLst>
               <a:ext uri="{FF2B5EF4-FFF2-40B4-BE49-F238E27FC236}">
-                <a16:creationId xmlns:a16="http://schemas.microsoft.com/office/drawing/2014/main" id="{883AD506-326D-4F71-AACF-3763C0617637}"/>
+                <a16:creationId xmlns:a16="http://schemas.microsoft.com/office/drawing/2014/main" xmlns="" id="{883AD506-326D-4F71-AACF-3763C0617637}"/>
               </a:ext>
             </a:extLst>
           </p:cNvPr>
@@ -8926,7 +8926,7 @@
           <p:cNvPr id="41" name="직사각형 40">
             <a:extLst>
               <a:ext uri="{FF2B5EF4-FFF2-40B4-BE49-F238E27FC236}">
-                <a16:creationId xmlns:a16="http://schemas.microsoft.com/office/drawing/2014/main" id="{DB72D3A7-1AA8-4FD9-B62C-E7A6223925ED}"/>
+                <a16:creationId xmlns:a16="http://schemas.microsoft.com/office/drawing/2014/main" xmlns="" id="{DB72D3A7-1AA8-4FD9-B62C-E7A6223925ED}"/>
               </a:ext>
             </a:extLst>
           </p:cNvPr>
@@ -8970,7 +8970,7 @@
           <p:cNvPr id="42" name="직사각형 41">
             <a:extLst>
               <a:ext uri="{FF2B5EF4-FFF2-40B4-BE49-F238E27FC236}">
-                <a16:creationId xmlns:a16="http://schemas.microsoft.com/office/drawing/2014/main" id="{2A6EDB8B-7CC5-4535-8EE9-38F4593390A8}"/>
+                <a16:creationId xmlns:a16="http://schemas.microsoft.com/office/drawing/2014/main" xmlns="" id="{2A6EDB8B-7CC5-4535-8EE9-38F4593390A8}"/>
               </a:ext>
             </a:extLst>
           </p:cNvPr>
@@ -9044,7 +9044,7 @@
           <p:cNvPr id="2" name="직사각형 1">
             <a:extLst>
               <a:ext uri="{FF2B5EF4-FFF2-40B4-BE49-F238E27FC236}">
-                <a16:creationId xmlns:a16="http://schemas.microsoft.com/office/drawing/2014/main" id="{8E5B996D-DF87-49E5-95D1-45B1EEB9EE9A}"/>
+                <a16:creationId xmlns:a16="http://schemas.microsoft.com/office/drawing/2014/main" xmlns="" id="{8E5B996D-DF87-49E5-95D1-45B1EEB9EE9A}"/>
               </a:ext>
             </a:extLst>
           </p:cNvPr>
@@ -9096,7 +9096,7 @@
           <p:cNvPr id="4" name="직사각형 3">
             <a:extLst>
               <a:ext uri="{FF2B5EF4-FFF2-40B4-BE49-F238E27FC236}">
-                <a16:creationId xmlns:a16="http://schemas.microsoft.com/office/drawing/2014/main" id="{080CEE4E-4BCA-42C3-BECA-9BCEB9931EEA}"/>
+                <a16:creationId xmlns:a16="http://schemas.microsoft.com/office/drawing/2014/main" xmlns="" id="{080CEE4E-4BCA-42C3-BECA-9BCEB9931EEA}"/>
               </a:ext>
             </a:extLst>
           </p:cNvPr>
@@ -9148,7 +9148,7 @@
           <p:cNvPr id="5" name="TextBox 4">
             <a:extLst>
               <a:ext uri="{FF2B5EF4-FFF2-40B4-BE49-F238E27FC236}">
-                <a16:creationId xmlns:a16="http://schemas.microsoft.com/office/drawing/2014/main" id="{D12B0B12-AB99-4F88-B4B2-948DADC833EA}"/>
+                <a16:creationId xmlns:a16="http://schemas.microsoft.com/office/drawing/2014/main" xmlns="" id="{D12B0B12-AB99-4F88-B4B2-948DADC833EA}"/>
               </a:ext>
             </a:extLst>
           </p:cNvPr>
@@ -9267,7 +9267,7 @@
           <p:cNvPr id="9" name="그림 8">
             <a:extLst>
               <a:ext uri="{FF2B5EF4-FFF2-40B4-BE49-F238E27FC236}">
-                <a16:creationId xmlns:a16="http://schemas.microsoft.com/office/drawing/2014/main" id="{0F0992E8-2696-42E6-805A-0C12780D8FA1}"/>
+                <a16:creationId xmlns:a16="http://schemas.microsoft.com/office/drawing/2014/main" xmlns="" id="{0F0992E8-2696-42E6-805A-0C12780D8FA1}"/>
               </a:ext>
             </a:extLst>
           </p:cNvPr>
@@ -9631,7 +9631,7 @@
           <p:cNvPr id="12" name="직선 연결선 11">
             <a:extLst>
               <a:ext uri="{FF2B5EF4-FFF2-40B4-BE49-F238E27FC236}">
-                <a16:creationId xmlns:a16="http://schemas.microsoft.com/office/drawing/2014/main" id="{ACA157BF-BE17-4C85-B208-4A9282BCE08D}"/>
+                <a16:creationId xmlns:a16="http://schemas.microsoft.com/office/drawing/2014/main" xmlns="" id="{ACA157BF-BE17-4C85-B208-4A9282BCE08D}"/>
               </a:ext>
             </a:extLst>
           </p:cNvPr>
@@ -9669,7 +9669,7 @@
           <p:cNvPr id="14" name="직선 연결선 13">
             <a:extLst>
               <a:ext uri="{FF2B5EF4-FFF2-40B4-BE49-F238E27FC236}">
-                <a16:creationId xmlns:a16="http://schemas.microsoft.com/office/drawing/2014/main" id="{F426FE91-7B60-4B39-82A1-B19FB5624371}"/>
+                <a16:creationId xmlns:a16="http://schemas.microsoft.com/office/drawing/2014/main" xmlns="" id="{F426FE91-7B60-4B39-82A1-B19FB5624371}"/>
               </a:ext>
             </a:extLst>
           </p:cNvPr>
@@ -9707,7 +9707,7 @@
           <p:cNvPr id="15" name="직사각형 14">
             <a:extLst>
               <a:ext uri="{FF2B5EF4-FFF2-40B4-BE49-F238E27FC236}">
-                <a16:creationId xmlns:a16="http://schemas.microsoft.com/office/drawing/2014/main" id="{DCA7751E-F267-43C3-94D1-296A7A65C173}"/>
+                <a16:creationId xmlns:a16="http://schemas.microsoft.com/office/drawing/2014/main" xmlns="" id="{DCA7751E-F267-43C3-94D1-296A7A65C173}"/>
               </a:ext>
             </a:extLst>
           </p:cNvPr>
@@ -9762,7 +9762,7 @@
           <p:cNvPr id="16" name="TextBox 15">
             <a:extLst>
               <a:ext uri="{FF2B5EF4-FFF2-40B4-BE49-F238E27FC236}">
-                <a16:creationId xmlns:a16="http://schemas.microsoft.com/office/drawing/2014/main" id="{A0F2A93E-4591-4F09-AE27-3E97B3CD3270}"/>
+                <a16:creationId xmlns:a16="http://schemas.microsoft.com/office/drawing/2014/main" xmlns="" id="{A0F2A93E-4591-4F09-AE27-3E97B3CD3270}"/>
               </a:ext>
             </a:extLst>
           </p:cNvPr>
@@ -9798,7 +9798,7 @@
           <p:cNvPr id="17" name="TextBox 16">
             <a:extLst>
               <a:ext uri="{FF2B5EF4-FFF2-40B4-BE49-F238E27FC236}">
-                <a16:creationId xmlns:a16="http://schemas.microsoft.com/office/drawing/2014/main" id="{116F8DDC-07C0-4110-A46A-56508EA1979B}"/>
+                <a16:creationId xmlns:a16="http://schemas.microsoft.com/office/drawing/2014/main" xmlns="" id="{116F8DDC-07C0-4110-A46A-56508EA1979B}"/>
               </a:ext>
             </a:extLst>
           </p:cNvPr>
@@ -9834,7 +9834,7 @@
           <p:cNvPr id="18" name="TextBox 17">
             <a:extLst>
               <a:ext uri="{FF2B5EF4-FFF2-40B4-BE49-F238E27FC236}">
-                <a16:creationId xmlns:a16="http://schemas.microsoft.com/office/drawing/2014/main" id="{B14C5F75-0295-43E1-8420-0747FF305506}"/>
+                <a16:creationId xmlns:a16="http://schemas.microsoft.com/office/drawing/2014/main" xmlns="" id="{B14C5F75-0295-43E1-8420-0747FF305506}"/>
               </a:ext>
             </a:extLst>
           </p:cNvPr>
@@ -9870,7 +9870,7 @@
           <p:cNvPr id="19" name="TextBox 18">
             <a:extLst>
               <a:ext uri="{FF2B5EF4-FFF2-40B4-BE49-F238E27FC236}">
-                <a16:creationId xmlns:a16="http://schemas.microsoft.com/office/drawing/2014/main" id="{31D1A925-2CE3-47B1-802C-0FF570F9FF55}"/>
+                <a16:creationId xmlns:a16="http://schemas.microsoft.com/office/drawing/2014/main" xmlns="" id="{31D1A925-2CE3-47B1-802C-0FF570F9FF55}"/>
               </a:ext>
             </a:extLst>
           </p:cNvPr>
@@ -9905,7 +9905,7 @@
           <p:cNvPr id="20" name="TextBox 19">
             <a:extLst>
               <a:ext uri="{FF2B5EF4-FFF2-40B4-BE49-F238E27FC236}">
-                <a16:creationId xmlns:a16="http://schemas.microsoft.com/office/drawing/2014/main" id="{65B8B1EB-EADB-44B9-8418-CFAD9C0A4A5B}"/>
+                <a16:creationId xmlns:a16="http://schemas.microsoft.com/office/drawing/2014/main" xmlns="" id="{65B8B1EB-EADB-44B9-8418-CFAD9C0A4A5B}"/>
               </a:ext>
             </a:extLst>
           </p:cNvPr>
@@ -9941,7 +9941,7 @@
           <p:cNvPr id="25" name="직사각형 24">
             <a:extLst>
               <a:ext uri="{FF2B5EF4-FFF2-40B4-BE49-F238E27FC236}">
-                <a16:creationId xmlns:a16="http://schemas.microsoft.com/office/drawing/2014/main" id="{4C4C2EBB-7518-4233-967E-85BE1B77DCBB}"/>
+                <a16:creationId xmlns:a16="http://schemas.microsoft.com/office/drawing/2014/main" xmlns="" id="{4C4C2EBB-7518-4233-967E-85BE1B77DCBB}"/>
               </a:ext>
             </a:extLst>
           </p:cNvPr>
@@ -9995,7 +9995,7 @@
           <p:cNvPr id="13" name="직사각형 12">
             <a:extLst>
               <a:ext uri="{FF2B5EF4-FFF2-40B4-BE49-F238E27FC236}">
-                <a16:creationId xmlns:a16="http://schemas.microsoft.com/office/drawing/2014/main" id="{6C30647D-27F8-4A70-B89B-EE3FF6946400}"/>
+                <a16:creationId xmlns:a16="http://schemas.microsoft.com/office/drawing/2014/main" xmlns="" id="{6C30647D-27F8-4A70-B89B-EE3FF6946400}"/>
               </a:ext>
             </a:extLst>
           </p:cNvPr>
@@ -10049,7 +10049,7 @@
           <p:cNvPr id="27" name="직사각형 26">
             <a:extLst>
               <a:ext uri="{FF2B5EF4-FFF2-40B4-BE49-F238E27FC236}">
-                <a16:creationId xmlns:a16="http://schemas.microsoft.com/office/drawing/2014/main" id="{29C840B0-D107-4B42-9F5E-DCFFA3F7265E}"/>
+                <a16:creationId xmlns:a16="http://schemas.microsoft.com/office/drawing/2014/main" xmlns="" id="{29C840B0-D107-4B42-9F5E-DCFFA3F7265E}"/>
               </a:ext>
             </a:extLst>
           </p:cNvPr>
@@ -10103,7 +10103,7 @@
           <p:cNvPr id="28" name="직사각형 27">
             <a:extLst>
               <a:ext uri="{FF2B5EF4-FFF2-40B4-BE49-F238E27FC236}">
-                <a16:creationId xmlns:a16="http://schemas.microsoft.com/office/drawing/2014/main" id="{F1734FCF-A892-42EC-BAAC-E35AFBD3558F}"/>
+                <a16:creationId xmlns:a16="http://schemas.microsoft.com/office/drawing/2014/main" xmlns="" id="{F1734FCF-A892-42EC-BAAC-E35AFBD3558F}"/>
               </a:ext>
             </a:extLst>
           </p:cNvPr>
@@ -10157,7 +10157,7 @@
           <p:cNvPr id="29" name="직선 연결선 28">
             <a:extLst>
               <a:ext uri="{FF2B5EF4-FFF2-40B4-BE49-F238E27FC236}">
-                <a16:creationId xmlns:a16="http://schemas.microsoft.com/office/drawing/2014/main" id="{D59A77E9-3D9E-444D-81A3-9937DF3CE8D0}"/>
+                <a16:creationId xmlns:a16="http://schemas.microsoft.com/office/drawing/2014/main" xmlns="" id="{D59A77E9-3D9E-444D-81A3-9937DF3CE8D0}"/>
               </a:ext>
             </a:extLst>
           </p:cNvPr>
@@ -10198,7 +10198,7 @@
           <p:cNvPr id="31" name="직선 연결선 30">
             <a:extLst>
               <a:ext uri="{FF2B5EF4-FFF2-40B4-BE49-F238E27FC236}">
-                <a16:creationId xmlns:a16="http://schemas.microsoft.com/office/drawing/2014/main" id="{9C6631A8-714B-40AD-A37D-44782ADB3E02}"/>
+                <a16:creationId xmlns:a16="http://schemas.microsoft.com/office/drawing/2014/main" xmlns="" id="{9C6631A8-714B-40AD-A37D-44782ADB3E02}"/>
               </a:ext>
             </a:extLst>
           </p:cNvPr>
@@ -10239,7 +10239,7 @@
           <p:cNvPr id="33" name="직선 화살표 연결선 32">
             <a:extLst>
               <a:ext uri="{FF2B5EF4-FFF2-40B4-BE49-F238E27FC236}">
-                <a16:creationId xmlns:a16="http://schemas.microsoft.com/office/drawing/2014/main" id="{29802ADF-D8C0-4311-A75E-8A007AEFD69E}"/>
+                <a16:creationId xmlns:a16="http://schemas.microsoft.com/office/drawing/2014/main" xmlns="" id="{29802ADF-D8C0-4311-A75E-8A007AEFD69E}"/>
               </a:ext>
             </a:extLst>
           </p:cNvPr>
@@ -10283,7 +10283,7 @@
           <p:cNvPr id="35" name="직선 화살표 연결선 34">
             <a:extLst>
               <a:ext uri="{FF2B5EF4-FFF2-40B4-BE49-F238E27FC236}">
-                <a16:creationId xmlns:a16="http://schemas.microsoft.com/office/drawing/2014/main" id="{65C358EA-2C02-4EE8-B355-6D8AF775F6A6}"/>
+                <a16:creationId xmlns:a16="http://schemas.microsoft.com/office/drawing/2014/main" xmlns="" id="{65C358EA-2C02-4EE8-B355-6D8AF775F6A6}"/>
               </a:ext>
             </a:extLst>
           </p:cNvPr>
@@ -10327,7 +10327,7 @@
           <p:cNvPr id="36" name="직선 화살표 연결선 35">
             <a:extLst>
               <a:ext uri="{FF2B5EF4-FFF2-40B4-BE49-F238E27FC236}">
-                <a16:creationId xmlns:a16="http://schemas.microsoft.com/office/drawing/2014/main" id="{1F146DDA-651E-4694-A5B9-0D7B06168C1C}"/>
+                <a16:creationId xmlns:a16="http://schemas.microsoft.com/office/drawing/2014/main" xmlns="" id="{1F146DDA-651E-4694-A5B9-0D7B06168C1C}"/>
               </a:ext>
             </a:extLst>
           </p:cNvPr>
@@ -10371,7 +10371,7 @@
           <p:cNvPr id="37" name="TextBox 36">
             <a:extLst>
               <a:ext uri="{FF2B5EF4-FFF2-40B4-BE49-F238E27FC236}">
-                <a16:creationId xmlns:a16="http://schemas.microsoft.com/office/drawing/2014/main" id="{9F5D061B-46C2-4A90-88EC-99BDC6C829BA}"/>
+                <a16:creationId xmlns:a16="http://schemas.microsoft.com/office/drawing/2014/main" xmlns="" id="{9F5D061B-46C2-4A90-88EC-99BDC6C829BA}"/>
               </a:ext>
             </a:extLst>
           </p:cNvPr>
@@ -10407,7 +10407,7 @@
           <p:cNvPr id="38" name="TextBox 37">
             <a:extLst>
               <a:ext uri="{FF2B5EF4-FFF2-40B4-BE49-F238E27FC236}">
-                <a16:creationId xmlns:a16="http://schemas.microsoft.com/office/drawing/2014/main" id="{8612C9EA-62FC-41ED-8D6B-697153C0833D}"/>
+                <a16:creationId xmlns:a16="http://schemas.microsoft.com/office/drawing/2014/main" xmlns="" id="{8612C9EA-62FC-41ED-8D6B-697153C0833D}"/>
               </a:ext>
             </a:extLst>
           </p:cNvPr>
@@ -10443,7 +10443,7 @@
           <p:cNvPr id="39" name="TextBox 38">
             <a:extLst>
               <a:ext uri="{FF2B5EF4-FFF2-40B4-BE49-F238E27FC236}">
-                <a16:creationId xmlns:a16="http://schemas.microsoft.com/office/drawing/2014/main" id="{7A473AB7-E482-4B36-A467-BC6D9E5C96CF}"/>
+                <a16:creationId xmlns:a16="http://schemas.microsoft.com/office/drawing/2014/main" xmlns="" id="{7A473AB7-E482-4B36-A467-BC6D9E5C96CF}"/>
               </a:ext>
             </a:extLst>
           </p:cNvPr>
@@ -10479,7 +10479,7 @@
           <p:cNvPr id="40" name="직사각형 39">
             <a:extLst>
               <a:ext uri="{FF2B5EF4-FFF2-40B4-BE49-F238E27FC236}">
-                <a16:creationId xmlns:a16="http://schemas.microsoft.com/office/drawing/2014/main" id="{3F2876E3-A93A-4ADB-B312-90D215969635}"/>
+                <a16:creationId xmlns:a16="http://schemas.microsoft.com/office/drawing/2014/main" xmlns="" id="{3F2876E3-A93A-4ADB-B312-90D215969635}"/>
               </a:ext>
             </a:extLst>
           </p:cNvPr>
@@ -10533,7 +10533,7 @@
           <p:cNvPr id="41" name="직사각형 40">
             <a:extLst>
               <a:ext uri="{FF2B5EF4-FFF2-40B4-BE49-F238E27FC236}">
-                <a16:creationId xmlns:a16="http://schemas.microsoft.com/office/drawing/2014/main" id="{0CDF022B-91EA-442C-B3CD-4C8849A2CC50}"/>
+                <a16:creationId xmlns:a16="http://schemas.microsoft.com/office/drawing/2014/main" xmlns="" id="{0CDF022B-91EA-442C-B3CD-4C8849A2CC50}"/>
               </a:ext>
             </a:extLst>
           </p:cNvPr>
@@ -10587,7 +10587,7 @@
           <p:cNvPr id="43" name="직사각형 42">
             <a:extLst>
               <a:ext uri="{FF2B5EF4-FFF2-40B4-BE49-F238E27FC236}">
-                <a16:creationId xmlns:a16="http://schemas.microsoft.com/office/drawing/2014/main" id="{907DBEF7-23BA-4CA4-9C2D-66A6E0A27415}"/>
+                <a16:creationId xmlns:a16="http://schemas.microsoft.com/office/drawing/2014/main" xmlns="" id="{907DBEF7-23BA-4CA4-9C2D-66A6E0A27415}"/>
               </a:ext>
             </a:extLst>
           </p:cNvPr>
@@ -10641,7 +10641,7 @@
           <p:cNvPr id="44" name="직사각형 43">
             <a:extLst>
               <a:ext uri="{FF2B5EF4-FFF2-40B4-BE49-F238E27FC236}">
-                <a16:creationId xmlns:a16="http://schemas.microsoft.com/office/drawing/2014/main" id="{0844E3D8-E82E-4BC0-AC6F-6AA24E48540E}"/>
+                <a16:creationId xmlns:a16="http://schemas.microsoft.com/office/drawing/2014/main" xmlns="" id="{0844E3D8-E82E-4BC0-AC6F-6AA24E48540E}"/>
               </a:ext>
             </a:extLst>
           </p:cNvPr>
@@ -10695,7 +10695,7 @@
           <p:cNvPr id="45" name="직사각형 44">
             <a:extLst>
               <a:ext uri="{FF2B5EF4-FFF2-40B4-BE49-F238E27FC236}">
-                <a16:creationId xmlns:a16="http://schemas.microsoft.com/office/drawing/2014/main" id="{6C4A6A84-17AC-4FB6-8A4D-330BF7A96553}"/>
+                <a16:creationId xmlns:a16="http://schemas.microsoft.com/office/drawing/2014/main" xmlns="" id="{6C4A6A84-17AC-4FB6-8A4D-330BF7A96553}"/>
               </a:ext>
             </a:extLst>
           </p:cNvPr>
@@ -10749,7 +10749,7 @@
           <p:cNvPr id="46" name="직선 화살표 연결선 45">
             <a:extLst>
               <a:ext uri="{FF2B5EF4-FFF2-40B4-BE49-F238E27FC236}">
-                <a16:creationId xmlns:a16="http://schemas.microsoft.com/office/drawing/2014/main" id="{2F84DD65-857F-4EA7-8BCF-33D4D06604CB}"/>
+                <a16:creationId xmlns:a16="http://schemas.microsoft.com/office/drawing/2014/main" xmlns="" id="{2F84DD65-857F-4EA7-8BCF-33D4D06604CB}"/>
               </a:ext>
             </a:extLst>
           </p:cNvPr>
@@ -10793,7 +10793,7 @@
           <p:cNvPr id="52" name="직선 화살표 연결선 51">
             <a:extLst>
               <a:ext uri="{FF2B5EF4-FFF2-40B4-BE49-F238E27FC236}">
-                <a16:creationId xmlns:a16="http://schemas.microsoft.com/office/drawing/2014/main" id="{774B860A-DAB7-444E-B882-5EC8E8685B9A}"/>
+                <a16:creationId xmlns:a16="http://schemas.microsoft.com/office/drawing/2014/main" xmlns="" id="{774B860A-DAB7-444E-B882-5EC8E8685B9A}"/>
               </a:ext>
             </a:extLst>
           </p:cNvPr>
@@ -10837,7 +10837,7 @@
           <p:cNvPr id="53" name="직선 화살표 연결선 52">
             <a:extLst>
               <a:ext uri="{FF2B5EF4-FFF2-40B4-BE49-F238E27FC236}">
-                <a16:creationId xmlns:a16="http://schemas.microsoft.com/office/drawing/2014/main" id="{38926498-5D14-4EDB-8EFA-F92611E06092}"/>
+                <a16:creationId xmlns:a16="http://schemas.microsoft.com/office/drawing/2014/main" xmlns="" id="{38926498-5D14-4EDB-8EFA-F92611E06092}"/>
               </a:ext>
             </a:extLst>
           </p:cNvPr>
@@ -10881,7 +10881,7 @@
           <p:cNvPr id="54" name="직선 화살표 연결선 53">
             <a:extLst>
               <a:ext uri="{FF2B5EF4-FFF2-40B4-BE49-F238E27FC236}">
-                <a16:creationId xmlns:a16="http://schemas.microsoft.com/office/drawing/2014/main" id="{2413FB9F-EBEE-46FD-AC5E-BF379722BE88}"/>
+                <a16:creationId xmlns:a16="http://schemas.microsoft.com/office/drawing/2014/main" xmlns="" id="{2413FB9F-EBEE-46FD-AC5E-BF379722BE88}"/>
               </a:ext>
             </a:extLst>
           </p:cNvPr>
@@ -10925,7 +10925,7 @@
           <p:cNvPr id="55" name="직선 화살표 연결선 54">
             <a:extLst>
               <a:ext uri="{FF2B5EF4-FFF2-40B4-BE49-F238E27FC236}">
-                <a16:creationId xmlns:a16="http://schemas.microsoft.com/office/drawing/2014/main" id="{B530B8ED-4649-477D-B59E-3B172DD50875}"/>
+                <a16:creationId xmlns:a16="http://schemas.microsoft.com/office/drawing/2014/main" xmlns="" id="{B530B8ED-4649-477D-B59E-3B172DD50875}"/>
               </a:ext>
             </a:extLst>
           </p:cNvPr>
@@ -10970,7 +10970,7 @@
           <p:cNvPr id="65" name="TextBox 64">
             <a:extLst>
               <a:ext uri="{FF2B5EF4-FFF2-40B4-BE49-F238E27FC236}">
-                <a16:creationId xmlns:a16="http://schemas.microsoft.com/office/drawing/2014/main" id="{A451D1D6-6486-4666-9AE9-681010BE5DB7}"/>
+                <a16:creationId xmlns:a16="http://schemas.microsoft.com/office/drawing/2014/main" xmlns="" id="{A451D1D6-6486-4666-9AE9-681010BE5DB7}"/>
               </a:ext>
             </a:extLst>
           </p:cNvPr>
@@ -11005,7 +11005,7 @@
           <p:cNvPr id="66" name="TextBox 65">
             <a:extLst>
               <a:ext uri="{FF2B5EF4-FFF2-40B4-BE49-F238E27FC236}">
-                <a16:creationId xmlns:a16="http://schemas.microsoft.com/office/drawing/2014/main" id="{2DB29924-D6E9-48F2-A82F-D5EF62AA0A52}"/>
+                <a16:creationId xmlns:a16="http://schemas.microsoft.com/office/drawing/2014/main" xmlns="" id="{2DB29924-D6E9-48F2-A82F-D5EF62AA0A52}"/>
               </a:ext>
             </a:extLst>
           </p:cNvPr>
@@ -11040,7 +11040,7 @@
           <p:cNvPr id="68" name="TextBox 67">
             <a:extLst>
               <a:ext uri="{FF2B5EF4-FFF2-40B4-BE49-F238E27FC236}">
-                <a16:creationId xmlns:a16="http://schemas.microsoft.com/office/drawing/2014/main" id="{D9BAC7C7-BBD1-448B-8931-007AA68CD45D}"/>
+                <a16:creationId xmlns:a16="http://schemas.microsoft.com/office/drawing/2014/main" xmlns="" id="{D9BAC7C7-BBD1-448B-8931-007AA68CD45D}"/>
               </a:ext>
             </a:extLst>
           </p:cNvPr>
@@ -11075,7 +11075,7 @@
           <p:cNvPr id="69" name="TextBox 68">
             <a:extLst>
               <a:ext uri="{FF2B5EF4-FFF2-40B4-BE49-F238E27FC236}">
-                <a16:creationId xmlns:a16="http://schemas.microsoft.com/office/drawing/2014/main" id="{3834B6F7-A362-4FB2-A3FE-AA448BC848B8}"/>
+                <a16:creationId xmlns:a16="http://schemas.microsoft.com/office/drawing/2014/main" xmlns="" id="{3834B6F7-A362-4FB2-A3FE-AA448BC848B8}"/>
               </a:ext>
             </a:extLst>
           </p:cNvPr>
@@ -11110,7 +11110,7 @@
           <p:cNvPr id="73" name="TextBox 72">
             <a:extLst>
               <a:ext uri="{FF2B5EF4-FFF2-40B4-BE49-F238E27FC236}">
-                <a16:creationId xmlns:a16="http://schemas.microsoft.com/office/drawing/2014/main" id="{A2B72CBB-8C34-4E53-946A-9442D9A58C12}"/>
+                <a16:creationId xmlns:a16="http://schemas.microsoft.com/office/drawing/2014/main" xmlns="" id="{A2B72CBB-8C34-4E53-946A-9442D9A58C12}"/>
               </a:ext>
             </a:extLst>
           </p:cNvPr>
@@ -11145,7 +11145,7 @@
           <p:cNvPr id="84" name="직사각형 83">
             <a:extLst>
               <a:ext uri="{FF2B5EF4-FFF2-40B4-BE49-F238E27FC236}">
-                <a16:creationId xmlns:a16="http://schemas.microsoft.com/office/drawing/2014/main" id="{B950A98C-1988-493B-8F79-AAEB05149BBB}"/>
+                <a16:creationId xmlns:a16="http://schemas.microsoft.com/office/drawing/2014/main" xmlns="" id="{B950A98C-1988-493B-8F79-AAEB05149BBB}"/>
               </a:ext>
             </a:extLst>
           </p:cNvPr>
@@ -11200,7 +11200,7 @@
           <p:cNvPr id="85" name="직사각형 84">
             <a:extLst>
               <a:ext uri="{FF2B5EF4-FFF2-40B4-BE49-F238E27FC236}">
-                <a16:creationId xmlns:a16="http://schemas.microsoft.com/office/drawing/2014/main" id="{9016AB50-68C4-4B8E-92EB-8B4E2173D544}"/>
+                <a16:creationId xmlns:a16="http://schemas.microsoft.com/office/drawing/2014/main" xmlns="" id="{9016AB50-68C4-4B8E-92EB-8B4E2173D544}"/>
               </a:ext>
             </a:extLst>
           </p:cNvPr>
@@ -11256,7 +11256,7 @@
           <p:cNvPr id="86" name="직사각형 85">
             <a:extLst>
               <a:ext uri="{FF2B5EF4-FFF2-40B4-BE49-F238E27FC236}">
-                <a16:creationId xmlns:a16="http://schemas.microsoft.com/office/drawing/2014/main" id="{7BA7B84C-87B2-4D2C-8DF0-866EF9655C4F}"/>
+                <a16:creationId xmlns:a16="http://schemas.microsoft.com/office/drawing/2014/main" xmlns="" id="{7BA7B84C-87B2-4D2C-8DF0-866EF9655C4F}"/>
               </a:ext>
             </a:extLst>
           </p:cNvPr>
@@ -11312,7 +11312,7 @@
           <p:cNvPr id="87" name="TextBox 86">
             <a:extLst>
               <a:ext uri="{FF2B5EF4-FFF2-40B4-BE49-F238E27FC236}">
-                <a16:creationId xmlns:a16="http://schemas.microsoft.com/office/drawing/2014/main" id="{C9473260-43E6-47DE-B4E1-1445C83FF299}"/>
+                <a16:creationId xmlns:a16="http://schemas.microsoft.com/office/drawing/2014/main" xmlns="" id="{C9473260-43E6-47DE-B4E1-1445C83FF299}"/>
               </a:ext>
             </a:extLst>
           </p:cNvPr>
@@ -11348,7 +11348,7 @@
           <p:cNvPr id="88" name="TextBox 87">
             <a:extLst>
               <a:ext uri="{FF2B5EF4-FFF2-40B4-BE49-F238E27FC236}">
-                <a16:creationId xmlns:a16="http://schemas.microsoft.com/office/drawing/2014/main" id="{50BED5CD-033A-4780-821B-212C7B56F2D9}"/>
+                <a16:creationId xmlns:a16="http://schemas.microsoft.com/office/drawing/2014/main" xmlns="" id="{50BED5CD-033A-4780-821B-212C7B56F2D9}"/>
               </a:ext>
             </a:extLst>
           </p:cNvPr>
@@ -11384,7 +11384,7 @@
           <p:cNvPr id="89" name="직선 연결선 88">
             <a:extLst>
               <a:ext uri="{FF2B5EF4-FFF2-40B4-BE49-F238E27FC236}">
-                <a16:creationId xmlns:a16="http://schemas.microsoft.com/office/drawing/2014/main" id="{BCFA1A58-6C19-4112-B791-4BDC49AABDF4}"/>
+                <a16:creationId xmlns:a16="http://schemas.microsoft.com/office/drawing/2014/main" xmlns="" id="{BCFA1A58-6C19-4112-B791-4BDC49AABDF4}"/>
               </a:ext>
             </a:extLst>
           </p:cNvPr>
@@ -11420,7 +11420,7 @@
           <p:cNvPr id="90" name="TextBox 89">
             <a:extLst>
               <a:ext uri="{FF2B5EF4-FFF2-40B4-BE49-F238E27FC236}">
-                <a16:creationId xmlns:a16="http://schemas.microsoft.com/office/drawing/2014/main" id="{D02E21F4-BED2-4F9F-A4C5-F93D78659E2C}"/>
+                <a16:creationId xmlns:a16="http://schemas.microsoft.com/office/drawing/2014/main" xmlns="" id="{D02E21F4-BED2-4F9F-A4C5-F93D78659E2C}"/>
               </a:ext>
             </a:extLst>
           </p:cNvPr>
@@ -11456,7 +11456,7 @@
           <p:cNvPr id="91" name="직사각형 90">
             <a:extLst>
               <a:ext uri="{FF2B5EF4-FFF2-40B4-BE49-F238E27FC236}">
-                <a16:creationId xmlns:a16="http://schemas.microsoft.com/office/drawing/2014/main" id="{6199ADD6-4500-4CC8-ACF7-38FFCECDA854}"/>
+                <a16:creationId xmlns:a16="http://schemas.microsoft.com/office/drawing/2014/main" xmlns="" id="{6199ADD6-4500-4CC8-ACF7-38FFCECDA854}"/>
               </a:ext>
             </a:extLst>
           </p:cNvPr>
@@ -11540,7 +11540,7 @@
           <p:cNvPr id="2" name="직사각형 1">
             <a:extLst>
               <a:ext uri="{FF2B5EF4-FFF2-40B4-BE49-F238E27FC236}">
-                <a16:creationId xmlns:a16="http://schemas.microsoft.com/office/drawing/2014/main" id="{8E5B996D-DF87-49E5-95D1-45B1EEB9EE9A}"/>
+                <a16:creationId xmlns:a16="http://schemas.microsoft.com/office/drawing/2014/main" xmlns="" id="{8E5B996D-DF87-49E5-95D1-45B1EEB9EE9A}"/>
               </a:ext>
             </a:extLst>
           </p:cNvPr>
@@ -11592,7 +11592,7 @@
           <p:cNvPr id="4" name="직사각형 3">
             <a:extLst>
               <a:ext uri="{FF2B5EF4-FFF2-40B4-BE49-F238E27FC236}">
-                <a16:creationId xmlns:a16="http://schemas.microsoft.com/office/drawing/2014/main" id="{080CEE4E-4BCA-42C3-BECA-9BCEB9931EEA}"/>
+                <a16:creationId xmlns:a16="http://schemas.microsoft.com/office/drawing/2014/main" xmlns="" id="{080CEE4E-4BCA-42C3-BECA-9BCEB9931EEA}"/>
               </a:ext>
             </a:extLst>
           </p:cNvPr>
@@ -11644,7 +11644,7 @@
           <p:cNvPr id="5" name="TextBox 4">
             <a:extLst>
               <a:ext uri="{FF2B5EF4-FFF2-40B4-BE49-F238E27FC236}">
-                <a16:creationId xmlns:a16="http://schemas.microsoft.com/office/drawing/2014/main" id="{D12B0B12-AB99-4F88-B4B2-948DADC833EA}"/>
+                <a16:creationId xmlns:a16="http://schemas.microsoft.com/office/drawing/2014/main" xmlns="" id="{D12B0B12-AB99-4F88-B4B2-948DADC833EA}"/>
               </a:ext>
             </a:extLst>
           </p:cNvPr>
@@ -11763,7 +11763,7 @@
           <p:cNvPr id="9" name="그림 8">
             <a:extLst>
               <a:ext uri="{FF2B5EF4-FFF2-40B4-BE49-F238E27FC236}">
-                <a16:creationId xmlns:a16="http://schemas.microsoft.com/office/drawing/2014/main" id="{0F0992E8-2696-42E6-805A-0C12780D8FA1}"/>
+                <a16:creationId xmlns:a16="http://schemas.microsoft.com/office/drawing/2014/main" xmlns="" id="{0F0992E8-2696-42E6-805A-0C12780D8FA1}"/>
               </a:ext>
             </a:extLst>
           </p:cNvPr>
@@ -12127,7 +12127,7 @@
           <p:cNvPr id="50" name="TextBox 49">
             <a:extLst>
               <a:ext uri="{FF2B5EF4-FFF2-40B4-BE49-F238E27FC236}">
-                <a16:creationId xmlns:a16="http://schemas.microsoft.com/office/drawing/2014/main" id="{606CB3EF-BD67-454E-8D48-D30774CEE106}"/>
+                <a16:creationId xmlns:a16="http://schemas.microsoft.com/office/drawing/2014/main" xmlns="" id="{606CB3EF-BD67-454E-8D48-D30774CEE106}"/>
               </a:ext>
             </a:extLst>
           </p:cNvPr>
@@ -12163,7 +12163,7 @@
           <p:cNvPr id="51" name="TextBox 50">
             <a:extLst>
               <a:ext uri="{FF2B5EF4-FFF2-40B4-BE49-F238E27FC236}">
-                <a16:creationId xmlns:a16="http://schemas.microsoft.com/office/drawing/2014/main" id="{6ECBB3D4-2156-4986-9434-EA8F60CE59E0}"/>
+                <a16:creationId xmlns:a16="http://schemas.microsoft.com/office/drawing/2014/main" xmlns="" id="{6ECBB3D4-2156-4986-9434-EA8F60CE59E0}"/>
               </a:ext>
             </a:extLst>
           </p:cNvPr>
@@ -12199,7 +12199,7 @@
           <p:cNvPr id="57" name="직선 연결선 56">
             <a:extLst>
               <a:ext uri="{FF2B5EF4-FFF2-40B4-BE49-F238E27FC236}">
-                <a16:creationId xmlns:a16="http://schemas.microsoft.com/office/drawing/2014/main" id="{A723CFAC-181E-4ABB-8790-FEC42B087A83}"/>
+                <a16:creationId xmlns:a16="http://schemas.microsoft.com/office/drawing/2014/main" xmlns="" id="{A723CFAC-181E-4ABB-8790-FEC42B087A83}"/>
               </a:ext>
             </a:extLst>
           </p:cNvPr>
@@ -12235,7 +12235,7 @@
           <p:cNvPr id="58" name="TextBox 57">
             <a:extLst>
               <a:ext uri="{FF2B5EF4-FFF2-40B4-BE49-F238E27FC236}">
-                <a16:creationId xmlns:a16="http://schemas.microsoft.com/office/drawing/2014/main" id="{010ADA31-1823-4E2F-B19C-9DF082DE9B5C}"/>
+                <a16:creationId xmlns:a16="http://schemas.microsoft.com/office/drawing/2014/main" xmlns="" id="{010ADA31-1823-4E2F-B19C-9DF082DE9B5C}"/>
               </a:ext>
             </a:extLst>
           </p:cNvPr>
@@ -12271,7 +12271,7 @@
           <p:cNvPr id="59" name="직사각형 58">
             <a:extLst>
               <a:ext uri="{FF2B5EF4-FFF2-40B4-BE49-F238E27FC236}">
-                <a16:creationId xmlns:a16="http://schemas.microsoft.com/office/drawing/2014/main" id="{28EAE90E-16BD-4338-B838-36E62A30452E}"/>
+                <a16:creationId xmlns:a16="http://schemas.microsoft.com/office/drawing/2014/main" xmlns="" id="{28EAE90E-16BD-4338-B838-36E62A30452E}"/>
               </a:ext>
             </a:extLst>
           </p:cNvPr>
@@ -12325,7 +12325,7 @@
           <p:cNvPr id="60" name="TextBox 59">
             <a:extLst>
               <a:ext uri="{FF2B5EF4-FFF2-40B4-BE49-F238E27FC236}">
-                <a16:creationId xmlns:a16="http://schemas.microsoft.com/office/drawing/2014/main" id="{78ADDD66-9CDE-4CA6-938D-D34562AC7F09}"/>
+                <a16:creationId xmlns:a16="http://schemas.microsoft.com/office/drawing/2014/main" xmlns="" id="{78ADDD66-9CDE-4CA6-938D-D34562AC7F09}"/>
               </a:ext>
             </a:extLst>
           </p:cNvPr>
@@ -12361,7 +12361,7 @@
           <p:cNvPr id="11" name="사각형: 위쪽 모서리의 한쪽은 둥글고 다른 한쪽은 잘림 10">
             <a:extLst>
               <a:ext uri="{FF2B5EF4-FFF2-40B4-BE49-F238E27FC236}">
-                <a16:creationId xmlns:a16="http://schemas.microsoft.com/office/drawing/2014/main" id="{D0755B07-9BF9-46BE-BECF-A785E2F601BE}"/>
+                <a16:creationId xmlns:a16="http://schemas.microsoft.com/office/drawing/2014/main" xmlns="" id="{D0755B07-9BF9-46BE-BECF-A785E2F601BE}"/>
               </a:ext>
             </a:extLst>
           </p:cNvPr>
@@ -12428,7 +12428,7 @@
           <p:cNvPr id="61" name="사각형: 위쪽 모서리의 한쪽은 둥글고 다른 한쪽은 잘림 60">
             <a:extLst>
               <a:ext uri="{FF2B5EF4-FFF2-40B4-BE49-F238E27FC236}">
-                <a16:creationId xmlns:a16="http://schemas.microsoft.com/office/drawing/2014/main" id="{0F05A80D-574E-4503-9F36-D0729A774664}"/>
+                <a16:creationId xmlns:a16="http://schemas.microsoft.com/office/drawing/2014/main" xmlns="" id="{0F05A80D-574E-4503-9F36-D0729A774664}"/>
               </a:ext>
             </a:extLst>
           </p:cNvPr>
@@ -12497,7 +12497,7 @@
           <p:cNvPr id="62" name="사각형: 위쪽 모서리의 한쪽은 둥글고 다른 한쪽은 잘림 61">
             <a:extLst>
               <a:ext uri="{FF2B5EF4-FFF2-40B4-BE49-F238E27FC236}">
-                <a16:creationId xmlns:a16="http://schemas.microsoft.com/office/drawing/2014/main" id="{73E013A2-B442-4546-A05C-EC2A2F2B7FC7}"/>
+                <a16:creationId xmlns:a16="http://schemas.microsoft.com/office/drawing/2014/main" xmlns="" id="{73E013A2-B442-4546-A05C-EC2A2F2B7FC7}"/>
               </a:ext>
             </a:extLst>
           </p:cNvPr>
@@ -12561,7 +12561,7 @@
           <p:cNvPr id="92" name="사각형: 위쪽 모서리의 한쪽은 둥글고 다른 한쪽은 잘림 91">
             <a:extLst>
               <a:ext uri="{FF2B5EF4-FFF2-40B4-BE49-F238E27FC236}">
-                <a16:creationId xmlns:a16="http://schemas.microsoft.com/office/drawing/2014/main" id="{BA222BE2-A61D-4450-8A37-BE793B84A2E2}"/>
+                <a16:creationId xmlns:a16="http://schemas.microsoft.com/office/drawing/2014/main" xmlns="" id="{BA222BE2-A61D-4450-8A37-BE793B84A2E2}"/>
               </a:ext>
             </a:extLst>
           </p:cNvPr>
@@ -12625,7 +12625,7 @@
           <p:cNvPr id="42" name="타원 41">
             <a:extLst>
               <a:ext uri="{FF2B5EF4-FFF2-40B4-BE49-F238E27FC236}">
-                <a16:creationId xmlns:a16="http://schemas.microsoft.com/office/drawing/2014/main" id="{98A2FD93-BE86-4F4D-809C-063803DCE9FC}"/>
+                <a16:creationId xmlns:a16="http://schemas.microsoft.com/office/drawing/2014/main" xmlns="" id="{98A2FD93-BE86-4F4D-809C-063803DCE9FC}"/>
               </a:ext>
             </a:extLst>
           </p:cNvPr>
@@ -12686,7 +12686,7 @@
           <p:cNvPr id="43" name="TextBox 42">
             <a:extLst>
               <a:ext uri="{FF2B5EF4-FFF2-40B4-BE49-F238E27FC236}">
-                <a16:creationId xmlns:a16="http://schemas.microsoft.com/office/drawing/2014/main" id="{D645F825-78A7-42B7-ADCA-C5F5EEB737A2}"/>
+                <a16:creationId xmlns:a16="http://schemas.microsoft.com/office/drawing/2014/main" xmlns="" id="{D645F825-78A7-42B7-ADCA-C5F5EEB737A2}"/>
               </a:ext>
             </a:extLst>
           </p:cNvPr>
@@ -12721,7 +12721,7 @@
           <p:cNvPr id="44" name="TextBox 43">
             <a:extLst>
               <a:ext uri="{FF2B5EF4-FFF2-40B4-BE49-F238E27FC236}">
-                <a16:creationId xmlns:a16="http://schemas.microsoft.com/office/drawing/2014/main" id="{4FBAAA9D-A85E-4B65-BB8F-AA366B8AFFC8}"/>
+                <a16:creationId xmlns:a16="http://schemas.microsoft.com/office/drawing/2014/main" xmlns="" id="{4FBAAA9D-A85E-4B65-BB8F-AA366B8AFFC8}"/>
               </a:ext>
             </a:extLst>
           </p:cNvPr>
@@ -12756,7 +12756,7 @@
           <p:cNvPr id="6" name="사각형: 둥근 모서리 5">
             <a:extLst>
               <a:ext uri="{FF2B5EF4-FFF2-40B4-BE49-F238E27FC236}">
-                <a16:creationId xmlns:a16="http://schemas.microsoft.com/office/drawing/2014/main" id="{5EF33D39-D93F-4712-8231-7839578326C9}"/>
+                <a16:creationId xmlns:a16="http://schemas.microsoft.com/office/drawing/2014/main" xmlns="" id="{5EF33D39-D93F-4712-8231-7839578326C9}"/>
               </a:ext>
             </a:extLst>
           </p:cNvPr>
@@ -12810,7 +12810,7 @@
           <p:cNvPr id="49" name="TextBox 48">
             <a:extLst>
               <a:ext uri="{FF2B5EF4-FFF2-40B4-BE49-F238E27FC236}">
-                <a16:creationId xmlns:a16="http://schemas.microsoft.com/office/drawing/2014/main" id="{7A747285-BE69-42E1-B955-0EF11FAA7617}"/>
+                <a16:creationId xmlns:a16="http://schemas.microsoft.com/office/drawing/2014/main" xmlns="" id="{7A747285-BE69-42E1-B955-0EF11FAA7617}"/>
               </a:ext>
             </a:extLst>
           </p:cNvPr>
@@ -12929,7 +12929,7 @@
           <p:cNvPr id="52" name="TextBox 51">
             <a:extLst>
               <a:ext uri="{FF2B5EF4-FFF2-40B4-BE49-F238E27FC236}">
-                <a16:creationId xmlns:a16="http://schemas.microsoft.com/office/drawing/2014/main" id="{B99B20BC-4433-4D26-B4A5-A38346BD4501}"/>
+                <a16:creationId xmlns:a16="http://schemas.microsoft.com/office/drawing/2014/main" xmlns="" id="{B99B20BC-4433-4D26-B4A5-A38346BD4501}"/>
               </a:ext>
             </a:extLst>
           </p:cNvPr>
@@ -12967,7 +12967,7 @@
           <p:cNvPr id="53" name="TextBox 52">
             <a:extLst>
               <a:ext uri="{FF2B5EF4-FFF2-40B4-BE49-F238E27FC236}">
-                <a16:creationId xmlns:a16="http://schemas.microsoft.com/office/drawing/2014/main" id="{A183CDA1-DC38-4916-96B9-A22BDA7A703F}"/>
+                <a16:creationId xmlns:a16="http://schemas.microsoft.com/office/drawing/2014/main" xmlns="" id="{A183CDA1-DC38-4916-96B9-A22BDA7A703F}"/>
               </a:ext>
             </a:extLst>
           </p:cNvPr>
@@ -13015,7 +13015,7 @@
           <p:cNvPr id="8" name="사각형: 둥근 모서리 7">
             <a:extLst>
               <a:ext uri="{FF2B5EF4-FFF2-40B4-BE49-F238E27FC236}">
-                <a16:creationId xmlns:a16="http://schemas.microsoft.com/office/drawing/2014/main" id="{10B00B19-CDD2-4D51-9251-C455E6A6BD13}"/>
+                <a16:creationId xmlns:a16="http://schemas.microsoft.com/office/drawing/2014/main" xmlns="" id="{10B00B19-CDD2-4D51-9251-C455E6A6BD13}"/>
               </a:ext>
             </a:extLst>
           </p:cNvPr>
@@ -13076,7 +13076,7 @@
           <p:cNvPr id="10" name="사각형: 둥근 모서리 9">
             <a:extLst>
               <a:ext uri="{FF2B5EF4-FFF2-40B4-BE49-F238E27FC236}">
-                <a16:creationId xmlns:a16="http://schemas.microsoft.com/office/drawing/2014/main" id="{ED3E580F-CE22-4673-86DD-05DB36E23034}"/>
+                <a16:creationId xmlns:a16="http://schemas.microsoft.com/office/drawing/2014/main" xmlns="" id="{ED3E580F-CE22-4673-86DD-05DB36E23034}"/>
               </a:ext>
             </a:extLst>
           </p:cNvPr>
@@ -13137,7 +13137,7 @@
           <p:cNvPr id="54" name="직사각형 53">
             <a:extLst>
               <a:ext uri="{FF2B5EF4-FFF2-40B4-BE49-F238E27FC236}">
-                <a16:creationId xmlns:a16="http://schemas.microsoft.com/office/drawing/2014/main" id="{33107F64-EDE9-4E47-9242-F8A468C24118}"/>
+                <a16:creationId xmlns:a16="http://schemas.microsoft.com/office/drawing/2014/main" xmlns="" id="{33107F64-EDE9-4E47-9242-F8A468C24118}"/>
               </a:ext>
             </a:extLst>
           </p:cNvPr>
@@ -13191,7 +13191,7 @@
           <p:cNvPr id="55" name="직사각형 54">
             <a:extLst>
               <a:ext uri="{FF2B5EF4-FFF2-40B4-BE49-F238E27FC236}">
-                <a16:creationId xmlns:a16="http://schemas.microsoft.com/office/drawing/2014/main" id="{5A842A4B-8B39-44DE-9CEA-9515737356B2}"/>
+                <a16:creationId xmlns:a16="http://schemas.microsoft.com/office/drawing/2014/main" xmlns="" id="{5A842A4B-8B39-44DE-9CEA-9515737356B2}"/>
               </a:ext>
             </a:extLst>
           </p:cNvPr>
@@ -13245,7 +13245,7 @@
           <p:cNvPr id="56" name="직사각형 55">
             <a:extLst>
               <a:ext uri="{FF2B5EF4-FFF2-40B4-BE49-F238E27FC236}">
-                <a16:creationId xmlns:a16="http://schemas.microsoft.com/office/drawing/2014/main" id="{2DD24BCC-FCE6-4F3D-9102-0338A277724E}"/>
+                <a16:creationId xmlns:a16="http://schemas.microsoft.com/office/drawing/2014/main" xmlns="" id="{2DD24BCC-FCE6-4F3D-9102-0338A277724E}"/>
               </a:ext>
             </a:extLst>
           </p:cNvPr>
@@ -13299,7 +13299,7 @@
           <p:cNvPr id="63" name="직사각형 62">
             <a:extLst>
               <a:ext uri="{FF2B5EF4-FFF2-40B4-BE49-F238E27FC236}">
-                <a16:creationId xmlns:a16="http://schemas.microsoft.com/office/drawing/2014/main" id="{D47A0DF5-CA84-4554-81E3-2D51D35F259C}"/>
+                <a16:creationId xmlns:a16="http://schemas.microsoft.com/office/drawing/2014/main" xmlns="" id="{D47A0DF5-CA84-4554-81E3-2D51D35F259C}"/>
               </a:ext>
             </a:extLst>
           </p:cNvPr>
@@ -13353,7 +13353,7 @@
           <p:cNvPr id="64" name="직선 연결선 63">
             <a:extLst>
               <a:ext uri="{FF2B5EF4-FFF2-40B4-BE49-F238E27FC236}">
-                <a16:creationId xmlns:a16="http://schemas.microsoft.com/office/drawing/2014/main" id="{BBD31C63-515F-4941-8A12-DD68C1031400}"/>
+                <a16:creationId xmlns:a16="http://schemas.microsoft.com/office/drawing/2014/main" xmlns="" id="{BBD31C63-515F-4941-8A12-DD68C1031400}"/>
               </a:ext>
             </a:extLst>
           </p:cNvPr>
@@ -13394,7 +13394,7 @@
           <p:cNvPr id="65" name="직선 화살표 연결선 64">
             <a:extLst>
               <a:ext uri="{FF2B5EF4-FFF2-40B4-BE49-F238E27FC236}">
-                <a16:creationId xmlns:a16="http://schemas.microsoft.com/office/drawing/2014/main" id="{C6189FF7-B2B4-4F58-A62C-4552AA855088}"/>
+                <a16:creationId xmlns:a16="http://schemas.microsoft.com/office/drawing/2014/main" xmlns="" id="{C6189FF7-B2B4-4F58-A62C-4552AA855088}"/>
               </a:ext>
             </a:extLst>
           </p:cNvPr>
@@ -13438,7 +13438,7 @@
           <p:cNvPr id="66" name="직선 화살표 연결선 65">
             <a:extLst>
               <a:ext uri="{FF2B5EF4-FFF2-40B4-BE49-F238E27FC236}">
-                <a16:creationId xmlns:a16="http://schemas.microsoft.com/office/drawing/2014/main" id="{8A353617-6EF7-4BE0-876E-B7682AC7D0FB}"/>
+                <a16:creationId xmlns:a16="http://schemas.microsoft.com/office/drawing/2014/main" xmlns="" id="{8A353617-6EF7-4BE0-876E-B7682AC7D0FB}"/>
               </a:ext>
             </a:extLst>
           </p:cNvPr>
@@ -13482,7 +13482,7 @@
           <p:cNvPr id="68" name="직선 화살표 연결선 67">
             <a:extLst>
               <a:ext uri="{FF2B5EF4-FFF2-40B4-BE49-F238E27FC236}">
-                <a16:creationId xmlns:a16="http://schemas.microsoft.com/office/drawing/2014/main" id="{6ADB57C1-71A6-460D-8130-56C2C112542B}"/>
+                <a16:creationId xmlns:a16="http://schemas.microsoft.com/office/drawing/2014/main" xmlns="" id="{6ADB57C1-71A6-460D-8130-56C2C112542B}"/>
               </a:ext>
             </a:extLst>
           </p:cNvPr>
@@ -13526,7 +13526,7 @@
           <p:cNvPr id="69" name="TextBox 68">
             <a:extLst>
               <a:ext uri="{FF2B5EF4-FFF2-40B4-BE49-F238E27FC236}">
-                <a16:creationId xmlns:a16="http://schemas.microsoft.com/office/drawing/2014/main" id="{CDE1AA9D-8128-4666-8D15-1D04133230F9}"/>
+                <a16:creationId xmlns:a16="http://schemas.microsoft.com/office/drawing/2014/main" xmlns="" id="{CDE1AA9D-8128-4666-8D15-1D04133230F9}"/>
               </a:ext>
             </a:extLst>
           </p:cNvPr>
@@ -13562,7 +13562,7 @@
           <p:cNvPr id="73" name="TextBox 72">
             <a:extLst>
               <a:ext uri="{FF2B5EF4-FFF2-40B4-BE49-F238E27FC236}">
-                <a16:creationId xmlns:a16="http://schemas.microsoft.com/office/drawing/2014/main" id="{EA075739-BD3A-4494-8CFA-FDCD68AFA1A6}"/>
+                <a16:creationId xmlns:a16="http://schemas.microsoft.com/office/drawing/2014/main" xmlns="" id="{EA075739-BD3A-4494-8CFA-FDCD68AFA1A6}"/>
               </a:ext>
             </a:extLst>
           </p:cNvPr>
@@ -13598,7 +13598,7 @@
           <p:cNvPr id="74" name="TextBox 73">
             <a:extLst>
               <a:ext uri="{FF2B5EF4-FFF2-40B4-BE49-F238E27FC236}">
-                <a16:creationId xmlns:a16="http://schemas.microsoft.com/office/drawing/2014/main" id="{9CCCD44E-9A9A-4ED8-A5D1-4872F5E16D21}"/>
+                <a16:creationId xmlns:a16="http://schemas.microsoft.com/office/drawing/2014/main" xmlns="" id="{9CCCD44E-9A9A-4ED8-A5D1-4872F5E16D21}"/>
               </a:ext>
             </a:extLst>
           </p:cNvPr>
@@ -13633,7 +13633,7 @@
           <p:cNvPr id="75" name="직선 연결선 74">
             <a:extLst>
               <a:ext uri="{FF2B5EF4-FFF2-40B4-BE49-F238E27FC236}">
-                <a16:creationId xmlns:a16="http://schemas.microsoft.com/office/drawing/2014/main" id="{386DE95A-7790-4927-BAD2-657D5553AEFF}"/>
+                <a16:creationId xmlns:a16="http://schemas.microsoft.com/office/drawing/2014/main" xmlns="" id="{386DE95A-7790-4927-BAD2-657D5553AEFF}"/>
               </a:ext>
             </a:extLst>
           </p:cNvPr>
@@ -13674,7 +13674,7 @@
           <p:cNvPr id="84" name="TextBox 83">
             <a:extLst>
               <a:ext uri="{FF2B5EF4-FFF2-40B4-BE49-F238E27FC236}">
-                <a16:creationId xmlns:a16="http://schemas.microsoft.com/office/drawing/2014/main" id="{34774279-B42C-41CA-A076-23BAEAA30AE8}"/>
+                <a16:creationId xmlns:a16="http://schemas.microsoft.com/office/drawing/2014/main" xmlns="" id="{34774279-B42C-41CA-A076-23BAEAA30AE8}"/>
               </a:ext>
             </a:extLst>
           </p:cNvPr>
@@ -13710,7 +13710,7 @@
           <p:cNvPr id="85" name="직사각형 84">
             <a:extLst>
               <a:ext uri="{FF2B5EF4-FFF2-40B4-BE49-F238E27FC236}">
-                <a16:creationId xmlns:a16="http://schemas.microsoft.com/office/drawing/2014/main" id="{836C2BD2-954F-4146-BBBC-31961F8FA982}"/>
+                <a16:creationId xmlns:a16="http://schemas.microsoft.com/office/drawing/2014/main" xmlns="" id="{836C2BD2-954F-4146-BBBC-31961F8FA982}"/>
               </a:ext>
             </a:extLst>
           </p:cNvPr>
@@ -13764,7 +13764,7 @@
           <p:cNvPr id="86" name="직사각형 85">
             <a:extLst>
               <a:ext uri="{FF2B5EF4-FFF2-40B4-BE49-F238E27FC236}">
-                <a16:creationId xmlns:a16="http://schemas.microsoft.com/office/drawing/2014/main" id="{5E574C22-13C0-422A-BBDB-945BB859AE63}"/>
+                <a16:creationId xmlns:a16="http://schemas.microsoft.com/office/drawing/2014/main" xmlns="" id="{5E574C22-13C0-422A-BBDB-945BB859AE63}"/>
               </a:ext>
             </a:extLst>
           </p:cNvPr>
@@ -13818,7 +13818,7 @@
           <p:cNvPr id="93" name="직사각형 92">
             <a:extLst>
               <a:ext uri="{FF2B5EF4-FFF2-40B4-BE49-F238E27FC236}">
-                <a16:creationId xmlns:a16="http://schemas.microsoft.com/office/drawing/2014/main" id="{199FFB40-F6B3-4576-AB03-E06A0249A44A}"/>
+                <a16:creationId xmlns:a16="http://schemas.microsoft.com/office/drawing/2014/main" xmlns="" id="{199FFB40-F6B3-4576-AB03-E06A0249A44A}"/>
               </a:ext>
             </a:extLst>
           </p:cNvPr>
@@ -13872,7 +13872,7 @@
           <p:cNvPr id="95" name="직사각형 94">
             <a:extLst>
               <a:ext uri="{FF2B5EF4-FFF2-40B4-BE49-F238E27FC236}">
-                <a16:creationId xmlns:a16="http://schemas.microsoft.com/office/drawing/2014/main" id="{21409312-94E7-4D11-9994-52805F178CFF}"/>
+                <a16:creationId xmlns:a16="http://schemas.microsoft.com/office/drawing/2014/main" xmlns="" id="{21409312-94E7-4D11-9994-52805F178CFF}"/>
               </a:ext>
             </a:extLst>
           </p:cNvPr>
@@ -13926,7 +13926,7 @@
           <p:cNvPr id="96" name="직사각형 95">
             <a:extLst>
               <a:ext uri="{FF2B5EF4-FFF2-40B4-BE49-F238E27FC236}">
-                <a16:creationId xmlns:a16="http://schemas.microsoft.com/office/drawing/2014/main" id="{DF4A3E52-9AFE-4531-B53E-FD21ED668F4E}"/>
+                <a16:creationId xmlns:a16="http://schemas.microsoft.com/office/drawing/2014/main" xmlns="" id="{DF4A3E52-9AFE-4531-B53E-FD21ED668F4E}"/>
               </a:ext>
             </a:extLst>
           </p:cNvPr>
@@ -13980,7 +13980,7 @@
           <p:cNvPr id="97" name="직선 화살표 연결선 96">
             <a:extLst>
               <a:ext uri="{FF2B5EF4-FFF2-40B4-BE49-F238E27FC236}">
-                <a16:creationId xmlns:a16="http://schemas.microsoft.com/office/drawing/2014/main" id="{F8FB9BA0-9788-427F-8B58-BC87CC8EDF0B}"/>
+                <a16:creationId xmlns:a16="http://schemas.microsoft.com/office/drawing/2014/main" xmlns="" id="{F8FB9BA0-9788-427F-8B58-BC87CC8EDF0B}"/>
               </a:ext>
             </a:extLst>
           </p:cNvPr>
@@ -14024,7 +14024,7 @@
           <p:cNvPr id="98" name="직선 화살표 연결선 97">
             <a:extLst>
               <a:ext uri="{FF2B5EF4-FFF2-40B4-BE49-F238E27FC236}">
-                <a16:creationId xmlns:a16="http://schemas.microsoft.com/office/drawing/2014/main" id="{16BE8CF4-A607-4AB9-89FA-27DCB5C16DDE}"/>
+                <a16:creationId xmlns:a16="http://schemas.microsoft.com/office/drawing/2014/main" xmlns="" id="{16BE8CF4-A607-4AB9-89FA-27DCB5C16DDE}"/>
               </a:ext>
             </a:extLst>
           </p:cNvPr>
@@ -14068,7 +14068,7 @@
           <p:cNvPr id="99" name="직선 화살표 연결선 98">
             <a:extLst>
               <a:ext uri="{FF2B5EF4-FFF2-40B4-BE49-F238E27FC236}">
-                <a16:creationId xmlns:a16="http://schemas.microsoft.com/office/drawing/2014/main" id="{89ED5991-0A2E-4A38-9EA9-A0C804802161}"/>
+                <a16:creationId xmlns:a16="http://schemas.microsoft.com/office/drawing/2014/main" xmlns="" id="{89ED5991-0A2E-4A38-9EA9-A0C804802161}"/>
               </a:ext>
             </a:extLst>
           </p:cNvPr>
@@ -14112,7 +14112,7 @@
           <p:cNvPr id="100" name="직선 화살표 연결선 99">
             <a:extLst>
               <a:ext uri="{FF2B5EF4-FFF2-40B4-BE49-F238E27FC236}">
-                <a16:creationId xmlns:a16="http://schemas.microsoft.com/office/drawing/2014/main" id="{5CF61160-A2D4-4516-8649-D0845E715FBE}"/>
+                <a16:creationId xmlns:a16="http://schemas.microsoft.com/office/drawing/2014/main" xmlns="" id="{5CF61160-A2D4-4516-8649-D0845E715FBE}"/>
               </a:ext>
             </a:extLst>
           </p:cNvPr>
@@ -14156,7 +14156,7 @@
           <p:cNvPr id="101" name="직선 화살표 연결선 100">
             <a:extLst>
               <a:ext uri="{FF2B5EF4-FFF2-40B4-BE49-F238E27FC236}">
-                <a16:creationId xmlns:a16="http://schemas.microsoft.com/office/drawing/2014/main" id="{CD13371F-98AD-4A49-AA01-8CB63A971D60}"/>
+                <a16:creationId xmlns:a16="http://schemas.microsoft.com/office/drawing/2014/main" xmlns="" id="{CD13371F-98AD-4A49-AA01-8CB63A971D60}"/>
               </a:ext>
             </a:extLst>
           </p:cNvPr>
@@ -14201,7 +14201,7 @@
           <p:cNvPr id="102" name="TextBox 101">
             <a:extLst>
               <a:ext uri="{FF2B5EF4-FFF2-40B4-BE49-F238E27FC236}">
-                <a16:creationId xmlns:a16="http://schemas.microsoft.com/office/drawing/2014/main" id="{B8CA9BF6-0ED2-49BB-8FAA-68D7EF92B19D}"/>
+                <a16:creationId xmlns:a16="http://schemas.microsoft.com/office/drawing/2014/main" xmlns="" id="{B8CA9BF6-0ED2-49BB-8FAA-68D7EF92B19D}"/>
               </a:ext>
             </a:extLst>
           </p:cNvPr>
@@ -14236,7 +14236,7 @@
           <p:cNvPr id="103" name="TextBox 102">
             <a:extLst>
               <a:ext uri="{FF2B5EF4-FFF2-40B4-BE49-F238E27FC236}">
-                <a16:creationId xmlns:a16="http://schemas.microsoft.com/office/drawing/2014/main" id="{B1695AB1-7097-43C7-92D7-D16A0080B5DB}"/>
+                <a16:creationId xmlns:a16="http://schemas.microsoft.com/office/drawing/2014/main" xmlns="" id="{B1695AB1-7097-43C7-92D7-D16A0080B5DB}"/>
               </a:ext>
             </a:extLst>
           </p:cNvPr>
@@ -14271,7 +14271,7 @@
           <p:cNvPr id="104" name="TextBox 103">
             <a:extLst>
               <a:ext uri="{FF2B5EF4-FFF2-40B4-BE49-F238E27FC236}">
-                <a16:creationId xmlns:a16="http://schemas.microsoft.com/office/drawing/2014/main" id="{50BAAE8B-7005-4FF9-BB70-4E7B04230088}"/>
+                <a16:creationId xmlns:a16="http://schemas.microsoft.com/office/drawing/2014/main" xmlns="" id="{50BAAE8B-7005-4FF9-BB70-4E7B04230088}"/>
               </a:ext>
             </a:extLst>
           </p:cNvPr>
@@ -14306,7 +14306,7 @@
           <p:cNvPr id="105" name="TextBox 104">
             <a:extLst>
               <a:ext uri="{FF2B5EF4-FFF2-40B4-BE49-F238E27FC236}">
-                <a16:creationId xmlns:a16="http://schemas.microsoft.com/office/drawing/2014/main" id="{0B70F3E5-F90B-4CCE-B87B-7B4AD9688AA5}"/>
+                <a16:creationId xmlns:a16="http://schemas.microsoft.com/office/drawing/2014/main" xmlns="" id="{0B70F3E5-F90B-4CCE-B87B-7B4AD9688AA5}"/>
               </a:ext>
             </a:extLst>
           </p:cNvPr>
@@ -14341,7 +14341,7 @@
           <p:cNvPr id="106" name="사각형: 위쪽 모서리의 한쪽은 둥글고 다른 한쪽은 잘림 105">
             <a:extLst>
               <a:ext uri="{FF2B5EF4-FFF2-40B4-BE49-F238E27FC236}">
-                <a16:creationId xmlns:a16="http://schemas.microsoft.com/office/drawing/2014/main" id="{875A8A77-BFCB-4609-8E7A-6BD81E857F42}"/>
+                <a16:creationId xmlns:a16="http://schemas.microsoft.com/office/drawing/2014/main" xmlns="" id="{875A8A77-BFCB-4609-8E7A-6BD81E857F42}"/>
               </a:ext>
             </a:extLst>
           </p:cNvPr>
@@ -14402,7 +14402,7 @@
           <p:cNvPr id="107" name="사각형: 위쪽 모서리의 한쪽은 둥글고 다른 한쪽은 잘림 106">
             <a:extLst>
               <a:ext uri="{FF2B5EF4-FFF2-40B4-BE49-F238E27FC236}">
-                <a16:creationId xmlns:a16="http://schemas.microsoft.com/office/drawing/2014/main" id="{688550BD-BEE7-4EA1-ACF9-CE6AD5A7BA27}"/>
+                <a16:creationId xmlns:a16="http://schemas.microsoft.com/office/drawing/2014/main" xmlns="" id="{688550BD-BEE7-4EA1-ACF9-CE6AD5A7BA27}"/>
               </a:ext>
             </a:extLst>
           </p:cNvPr>
@@ -14463,7 +14463,7 @@
           <p:cNvPr id="108" name="사각형: 위쪽 모서리의 한쪽은 둥글고 다른 한쪽은 잘림 107">
             <a:extLst>
               <a:ext uri="{FF2B5EF4-FFF2-40B4-BE49-F238E27FC236}">
-                <a16:creationId xmlns:a16="http://schemas.microsoft.com/office/drawing/2014/main" id="{C7644D33-14E9-47D2-8EC9-1B1E911B2842}"/>
+                <a16:creationId xmlns:a16="http://schemas.microsoft.com/office/drawing/2014/main" xmlns="" id="{C7644D33-14E9-47D2-8EC9-1B1E911B2842}"/>
               </a:ext>
             </a:extLst>
           </p:cNvPr>
@@ -14524,7 +14524,7 @@
           <p:cNvPr id="109" name="사각형: 위쪽 모서리의 한쪽은 둥글고 다른 한쪽은 잘림 108">
             <a:extLst>
               <a:ext uri="{FF2B5EF4-FFF2-40B4-BE49-F238E27FC236}">
-                <a16:creationId xmlns:a16="http://schemas.microsoft.com/office/drawing/2014/main" id="{0BD8A648-BB73-4BFF-B469-24D859F3E662}"/>
+                <a16:creationId xmlns:a16="http://schemas.microsoft.com/office/drawing/2014/main" xmlns="" id="{0BD8A648-BB73-4BFF-B469-24D859F3E662}"/>
               </a:ext>
             </a:extLst>
           </p:cNvPr>
@@ -14585,7 +14585,7 @@
           <p:cNvPr id="110" name="사각형: 둥근 모서리 109">
             <a:extLst>
               <a:ext uri="{FF2B5EF4-FFF2-40B4-BE49-F238E27FC236}">
-                <a16:creationId xmlns:a16="http://schemas.microsoft.com/office/drawing/2014/main" id="{AABF26A7-B7C8-4FC9-9E35-E2603954F772}"/>
+                <a16:creationId xmlns:a16="http://schemas.microsoft.com/office/drawing/2014/main" xmlns="" id="{AABF26A7-B7C8-4FC9-9E35-E2603954F772}"/>
               </a:ext>
             </a:extLst>
           </p:cNvPr>
@@ -14646,7 +14646,7 @@
           <p:cNvPr id="121" name="TextBox 120">
             <a:extLst>
               <a:ext uri="{FF2B5EF4-FFF2-40B4-BE49-F238E27FC236}">
-                <a16:creationId xmlns:a16="http://schemas.microsoft.com/office/drawing/2014/main" id="{6B455F2D-8402-4934-8521-A397F4FEB5A2}"/>
+                <a16:creationId xmlns:a16="http://schemas.microsoft.com/office/drawing/2014/main" xmlns="" id="{6B455F2D-8402-4934-8521-A397F4FEB5A2}"/>
               </a:ext>
             </a:extLst>
           </p:cNvPr>
@@ -14765,7 +14765,7 @@
           <p:cNvPr id="122" name="TextBox 121">
             <a:extLst>
               <a:ext uri="{FF2B5EF4-FFF2-40B4-BE49-F238E27FC236}">
-                <a16:creationId xmlns:a16="http://schemas.microsoft.com/office/drawing/2014/main" id="{66B55ED5-3A6C-483A-8E88-FA48A5C77ECB}"/>
+                <a16:creationId xmlns:a16="http://schemas.microsoft.com/office/drawing/2014/main" xmlns="" id="{66B55ED5-3A6C-483A-8E88-FA48A5C77ECB}"/>
               </a:ext>
             </a:extLst>
           </p:cNvPr>
@@ -14813,7 +14813,7 @@
           <p:cNvPr id="123" name="사각형: 둥근 모서리 122">
             <a:extLst>
               <a:ext uri="{FF2B5EF4-FFF2-40B4-BE49-F238E27FC236}">
-                <a16:creationId xmlns:a16="http://schemas.microsoft.com/office/drawing/2014/main" id="{D76A4762-1699-45DD-8559-7C85B5F8BF83}"/>
+                <a16:creationId xmlns:a16="http://schemas.microsoft.com/office/drawing/2014/main" xmlns="" id="{D76A4762-1699-45DD-8559-7C85B5F8BF83}"/>
               </a:ext>
             </a:extLst>
           </p:cNvPr>
@@ -14867,7 +14867,7 @@
           <p:cNvPr id="124" name="타원 123">
             <a:extLst>
               <a:ext uri="{FF2B5EF4-FFF2-40B4-BE49-F238E27FC236}">
-                <a16:creationId xmlns:a16="http://schemas.microsoft.com/office/drawing/2014/main" id="{F6B94C1C-2561-45C1-9F80-3ECD4D5153BF}"/>
+                <a16:creationId xmlns:a16="http://schemas.microsoft.com/office/drawing/2014/main" xmlns="" id="{F6B94C1C-2561-45C1-9F80-3ECD4D5153BF}"/>
               </a:ext>
             </a:extLst>
           </p:cNvPr>
@@ -14928,7 +14928,7 @@
           <p:cNvPr id="125" name="TextBox 124">
             <a:extLst>
               <a:ext uri="{FF2B5EF4-FFF2-40B4-BE49-F238E27FC236}">
-                <a16:creationId xmlns:a16="http://schemas.microsoft.com/office/drawing/2014/main" id="{2DEA5A20-FF66-42E6-845F-C5EA29A2A387}"/>
+                <a16:creationId xmlns:a16="http://schemas.microsoft.com/office/drawing/2014/main" xmlns="" id="{2DEA5A20-FF66-42E6-845F-C5EA29A2A387}"/>
               </a:ext>
             </a:extLst>
           </p:cNvPr>
@@ -14963,7 +14963,7 @@
           <p:cNvPr id="126" name="TextBox 125">
             <a:extLst>
               <a:ext uri="{FF2B5EF4-FFF2-40B4-BE49-F238E27FC236}">
-                <a16:creationId xmlns:a16="http://schemas.microsoft.com/office/drawing/2014/main" id="{87CC1AE8-175C-46A6-9B03-4C27B4A900C0}"/>
+                <a16:creationId xmlns:a16="http://schemas.microsoft.com/office/drawing/2014/main" xmlns="" id="{87CC1AE8-175C-46A6-9B03-4C27B4A900C0}"/>
               </a:ext>
             </a:extLst>
           </p:cNvPr>
@@ -14989,6 +14989,67 @@
             <a:r>
               <a:rPr lang="ko-KR" altLang="en-US" sz="800" dirty="0"/>
               <a:t>주소</a:t>
+            </a:r>
+          </a:p>
+        </p:txBody>
+      </p:sp>
+      <p:sp>
+        <p:nvSpPr>
+          <p:cNvPr id="67" name="사각형: 둥근 모서리 22">
+            <a:extLst>
+              <a:ext uri="{FF2B5EF4-FFF2-40B4-BE49-F238E27FC236}">
+                <a16:creationId xmlns:a16="http://schemas.microsoft.com/office/drawing/2014/main" xmlns="" id="{93F26B48-9185-4BA5-A1F5-AC76BAA868F7}"/>
+              </a:ext>
+            </a:extLst>
+          </p:cNvPr>
+          <p:cNvSpPr/>
+          <p:nvPr/>
+        </p:nvSpPr>
+        <p:spPr>
+          <a:xfrm>
+            <a:off x="4533214" y="3294404"/>
+            <a:ext cx="840424" cy="282601"/>
+          </a:xfrm>
+          <a:prstGeom prst="roundRect">
+            <a:avLst/>
+          </a:prstGeom>
+          <a:solidFill>
+            <a:schemeClr val="bg1"/>
+          </a:solidFill>
+          <a:ln>
+            <a:solidFill>
+              <a:schemeClr val="tx1"/>
+            </a:solidFill>
+          </a:ln>
+        </p:spPr>
+        <p:style>
+          <a:lnRef idx="2">
+            <a:schemeClr val="accent1">
+              <a:shade val="50000"/>
+            </a:schemeClr>
+          </a:lnRef>
+          <a:fillRef idx="1">
+            <a:schemeClr val="accent1"/>
+          </a:fillRef>
+          <a:effectRef idx="0">
+            <a:schemeClr val="accent1"/>
+          </a:effectRef>
+          <a:fontRef idx="minor">
+            <a:schemeClr val="lt1"/>
+          </a:fontRef>
+        </p:style>
+        <p:txBody>
+          <a:bodyPr rtlCol="0" anchor="ctr"/>
+          <a:lstStyle/>
+          <a:p>
+            <a:pPr algn="ctr"/>
+            <a:r>
+              <a:rPr lang="ko-KR" altLang="en-US" sz="1000" dirty="0">
+                <a:solidFill>
+                  <a:schemeClr val="tx1"/>
+                </a:solidFill>
+              </a:rPr>
+              <a:t>채팅</a:t>
             </a:r>
           </a:p>
         </p:txBody>
@@ -15028,7 +15089,7 @@
           <p:cNvPr id="2" name="직사각형 1">
             <a:extLst>
               <a:ext uri="{FF2B5EF4-FFF2-40B4-BE49-F238E27FC236}">
-                <a16:creationId xmlns:a16="http://schemas.microsoft.com/office/drawing/2014/main" id="{8E5B996D-DF87-49E5-95D1-45B1EEB9EE9A}"/>
+                <a16:creationId xmlns:a16="http://schemas.microsoft.com/office/drawing/2014/main" xmlns="" id="{8E5B996D-DF87-49E5-95D1-45B1EEB9EE9A}"/>
               </a:ext>
             </a:extLst>
           </p:cNvPr>
@@ -15080,7 +15141,7 @@
           <p:cNvPr id="4" name="직사각형 3">
             <a:extLst>
               <a:ext uri="{FF2B5EF4-FFF2-40B4-BE49-F238E27FC236}">
-                <a16:creationId xmlns:a16="http://schemas.microsoft.com/office/drawing/2014/main" id="{080CEE4E-4BCA-42C3-BECA-9BCEB9931EEA}"/>
+                <a16:creationId xmlns:a16="http://schemas.microsoft.com/office/drawing/2014/main" xmlns="" id="{080CEE4E-4BCA-42C3-BECA-9BCEB9931EEA}"/>
               </a:ext>
             </a:extLst>
           </p:cNvPr>
@@ -15132,7 +15193,7 @@
           <p:cNvPr id="5" name="TextBox 4">
             <a:extLst>
               <a:ext uri="{FF2B5EF4-FFF2-40B4-BE49-F238E27FC236}">
-                <a16:creationId xmlns:a16="http://schemas.microsoft.com/office/drawing/2014/main" id="{D12B0B12-AB99-4F88-B4B2-948DADC833EA}"/>
+                <a16:creationId xmlns:a16="http://schemas.microsoft.com/office/drawing/2014/main" xmlns="" id="{D12B0B12-AB99-4F88-B4B2-948DADC833EA}"/>
               </a:ext>
             </a:extLst>
           </p:cNvPr>
@@ -15251,7 +15312,7 @@
           <p:cNvPr id="9" name="그림 8">
             <a:extLst>
               <a:ext uri="{FF2B5EF4-FFF2-40B4-BE49-F238E27FC236}">
-                <a16:creationId xmlns:a16="http://schemas.microsoft.com/office/drawing/2014/main" id="{0F0992E8-2696-42E6-805A-0C12780D8FA1}"/>
+                <a16:creationId xmlns:a16="http://schemas.microsoft.com/office/drawing/2014/main" xmlns="" id="{0F0992E8-2696-42E6-805A-0C12780D8FA1}"/>
               </a:ext>
             </a:extLst>
           </p:cNvPr>
@@ -15615,7 +15676,7 @@
           <p:cNvPr id="50" name="TextBox 49">
             <a:extLst>
               <a:ext uri="{FF2B5EF4-FFF2-40B4-BE49-F238E27FC236}">
-                <a16:creationId xmlns:a16="http://schemas.microsoft.com/office/drawing/2014/main" id="{606CB3EF-BD67-454E-8D48-D30774CEE106}"/>
+                <a16:creationId xmlns:a16="http://schemas.microsoft.com/office/drawing/2014/main" xmlns="" id="{606CB3EF-BD67-454E-8D48-D30774CEE106}"/>
               </a:ext>
             </a:extLst>
           </p:cNvPr>
@@ -15651,7 +15712,7 @@
           <p:cNvPr id="51" name="TextBox 50">
             <a:extLst>
               <a:ext uri="{FF2B5EF4-FFF2-40B4-BE49-F238E27FC236}">
-                <a16:creationId xmlns:a16="http://schemas.microsoft.com/office/drawing/2014/main" id="{6ECBB3D4-2156-4986-9434-EA8F60CE59E0}"/>
+                <a16:creationId xmlns:a16="http://schemas.microsoft.com/office/drawing/2014/main" xmlns="" id="{6ECBB3D4-2156-4986-9434-EA8F60CE59E0}"/>
               </a:ext>
             </a:extLst>
           </p:cNvPr>
@@ -15687,7 +15748,7 @@
           <p:cNvPr id="57" name="직선 연결선 56">
             <a:extLst>
               <a:ext uri="{FF2B5EF4-FFF2-40B4-BE49-F238E27FC236}">
-                <a16:creationId xmlns:a16="http://schemas.microsoft.com/office/drawing/2014/main" id="{A723CFAC-181E-4ABB-8790-FEC42B087A83}"/>
+                <a16:creationId xmlns:a16="http://schemas.microsoft.com/office/drawing/2014/main" xmlns="" id="{A723CFAC-181E-4ABB-8790-FEC42B087A83}"/>
               </a:ext>
             </a:extLst>
           </p:cNvPr>
@@ -15723,7 +15784,7 @@
           <p:cNvPr id="58" name="TextBox 57">
             <a:extLst>
               <a:ext uri="{FF2B5EF4-FFF2-40B4-BE49-F238E27FC236}">
-                <a16:creationId xmlns:a16="http://schemas.microsoft.com/office/drawing/2014/main" id="{010ADA31-1823-4E2F-B19C-9DF082DE9B5C}"/>
+                <a16:creationId xmlns:a16="http://schemas.microsoft.com/office/drawing/2014/main" xmlns="" id="{010ADA31-1823-4E2F-B19C-9DF082DE9B5C}"/>
               </a:ext>
             </a:extLst>
           </p:cNvPr>
@@ -15759,7 +15820,7 @@
           <p:cNvPr id="59" name="직사각형 58">
             <a:extLst>
               <a:ext uri="{FF2B5EF4-FFF2-40B4-BE49-F238E27FC236}">
-                <a16:creationId xmlns:a16="http://schemas.microsoft.com/office/drawing/2014/main" id="{28EAE90E-16BD-4338-B838-36E62A30452E}"/>
+                <a16:creationId xmlns:a16="http://schemas.microsoft.com/office/drawing/2014/main" xmlns="" id="{28EAE90E-16BD-4338-B838-36E62A30452E}"/>
               </a:ext>
             </a:extLst>
           </p:cNvPr>
@@ -15813,7 +15874,7 @@
           <p:cNvPr id="60" name="TextBox 59">
             <a:extLst>
               <a:ext uri="{FF2B5EF4-FFF2-40B4-BE49-F238E27FC236}">
-                <a16:creationId xmlns:a16="http://schemas.microsoft.com/office/drawing/2014/main" id="{78ADDD66-9CDE-4CA6-938D-D34562AC7F09}"/>
+                <a16:creationId xmlns:a16="http://schemas.microsoft.com/office/drawing/2014/main" xmlns="" id="{78ADDD66-9CDE-4CA6-938D-D34562AC7F09}"/>
               </a:ext>
             </a:extLst>
           </p:cNvPr>
@@ -15849,7 +15910,7 @@
           <p:cNvPr id="11" name="사각형: 위쪽 모서리의 한쪽은 둥글고 다른 한쪽은 잘림 10">
             <a:extLst>
               <a:ext uri="{FF2B5EF4-FFF2-40B4-BE49-F238E27FC236}">
-                <a16:creationId xmlns:a16="http://schemas.microsoft.com/office/drawing/2014/main" id="{D0755B07-9BF9-46BE-BECF-A785E2F601BE}"/>
+                <a16:creationId xmlns:a16="http://schemas.microsoft.com/office/drawing/2014/main" xmlns="" id="{D0755B07-9BF9-46BE-BECF-A785E2F601BE}"/>
               </a:ext>
             </a:extLst>
           </p:cNvPr>
@@ -15913,7 +15974,7 @@
           <p:cNvPr id="61" name="사각형: 위쪽 모서리의 한쪽은 둥글고 다른 한쪽은 잘림 60">
             <a:extLst>
               <a:ext uri="{FF2B5EF4-FFF2-40B4-BE49-F238E27FC236}">
-                <a16:creationId xmlns:a16="http://schemas.microsoft.com/office/drawing/2014/main" id="{0F05A80D-574E-4503-9F36-D0729A774664}"/>
+                <a16:creationId xmlns:a16="http://schemas.microsoft.com/office/drawing/2014/main" xmlns="" id="{0F05A80D-574E-4503-9F36-D0729A774664}"/>
               </a:ext>
             </a:extLst>
           </p:cNvPr>
@@ -15985,7 +16046,7 @@
           <p:cNvPr id="62" name="사각형: 위쪽 모서리의 한쪽은 둥글고 다른 한쪽은 잘림 61">
             <a:extLst>
               <a:ext uri="{FF2B5EF4-FFF2-40B4-BE49-F238E27FC236}">
-                <a16:creationId xmlns:a16="http://schemas.microsoft.com/office/drawing/2014/main" id="{73E013A2-B442-4546-A05C-EC2A2F2B7FC7}"/>
+                <a16:creationId xmlns:a16="http://schemas.microsoft.com/office/drawing/2014/main" xmlns="" id="{73E013A2-B442-4546-A05C-EC2A2F2B7FC7}"/>
               </a:ext>
             </a:extLst>
           </p:cNvPr>
@@ -16049,7 +16110,7 @@
           <p:cNvPr id="21" name="타원 20">
             <a:extLst>
               <a:ext uri="{FF2B5EF4-FFF2-40B4-BE49-F238E27FC236}">
-                <a16:creationId xmlns:a16="http://schemas.microsoft.com/office/drawing/2014/main" id="{F94143D2-2814-4AE9-895C-5ADC669BC023}"/>
+                <a16:creationId xmlns:a16="http://schemas.microsoft.com/office/drawing/2014/main" xmlns="" id="{F94143D2-2814-4AE9-895C-5ADC669BC023}"/>
               </a:ext>
             </a:extLst>
           </p:cNvPr>
@@ -16110,7 +16171,7 @@
           <p:cNvPr id="22" name="TextBox 21">
             <a:extLst>
               <a:ext uri="{FF2B5EF4-FFF2-40B4-BE49-F238E27FC236}">
-                <a16:creationId xmlns:a16="http://schemas.microsoft.com/office/drawing/2014/main" id="{EDF61EB9-4DB8-41F6-9460-E2187B7E1814}"/>
+                <a16:creationId xmlns:a16="http://schemas.microsoft.com/office/drawing/2014/main" xmlns="" id="{EDF61EB9-4DB8-41F6-9460-E2187B7E1814}"/>
               </a:ext>
             </a:extLst>
           </p:cNvPr>
@@ -16145,7 +16206,7 @@
           <p:cNvPr id="67" name="TextBox 66">
             <a:extLst>
               <a:ext uri="{FF2B5EF4-FFF2-40B4-BE49-F238E27FC236}">
-                <a16:creationId xmlns:a16="http://schemas.microsoft.com/office/drawing/2014/main" id="{0A854756-B53E-4E54-A5F5-DF6C648D5027}"/>
+                <a16:creationId xmlns:a16="http://schemas.microsoft.com/office/drawing/2014/main" xmlns="" id="{0A854756-B53E-4E54-A5F5-DF6C648D5027}"/>
               </a:ext>
             </a:extLst>
           </p:cNvPr>
@@ -16180,7 +16241,7 @@
           <p:cNvPr id="70" name="TextBox 69">
             <a:extLst>
               <a:ext uri="{FF2B5EF4-FFF2-40B4-BE49-F238E27FC236}">
-                <a16:creationId xmlns:a16="http://schemas.microsoft.com/office/drawing/2014/main" id="{60C3980E-9E81-449C-80C6-5CFA814C4207}"/>
+                <a16:creationId xmlns:a16="http://schemas.microsoft.com/office/drawing/2014/main" xmlns="" id="{60C3980E-9E81-449C-80C6-5CFA814C4207}"/>
               </a:ext>
             </a:extLst>
           </p:cNvPr>
@@ -16236,7 +16297,7 @@
           <p:cNvPr id="23" name="사각형: 둥근 모서리 22">
             <a:extLst>
               <a:ext uri="{FF2B5EF4-FFF2-40B4-BE49-F238E27FC236}">
-                <a16:creationId xmlns:a16="http://schemas.microsoft.com/office/drawing/2014/main" id="{93F26B48-9185-4BA5-A1F5-AC76BAA868F7}"/>
+                <a16:creationId xmlns:a16="http://schemas.microsoft.com/office/drawing/2014/main" xmlns="" id="{93F26B48-9185-4BA5-A1F5-AC76BAA868F7}"/>
               </a:ext>
             </a:extLst>
           </p:cNvPr>
@@ -16297,7 +16358,7 @@
           <p:cNvPr id="71" name="사각형: 둥근 모서리 70">
             <a:extLst>
               <a:ext uri="{FF2B5EF4-FFF2-40B4-BE49-F238E27FC236}">
-                <a16:creationId xmlns:a16="http://schemas.microsoft.com/office/drawing/2014/main" id="{26E7F048-57D6-49E1-A724-391EC9C7FA0B}"/>
+                <a16:creationId xmlns:a16="http://schemas.microsoft.com/office/drawing/2014/main" xmlns="" id="{26E7F048-57D6-49E1-A724-391EC9C7FA0B}"/>
               </a:ext>
             </a:extLst>
           </p:cNvPr>
@@ -16351,7 +16412,7 @@
           <p:cNvPr id="24" name="사각형: 둥근 모서리 23">
             <a:extLst>
               <a:ext uri="{FF2B5EF4-FFF2-40B4-BE49-F238E27FC236}">
-                <a16:creationId xmlns:a16="http://schemas.microsoft.com/office/drawing/2014/main" id="{672C587E-82F9-496E-AF2B-EDCDC16EBDAC}"/>
+                <a16:creationId xmlns:a16="http://schemas.microsoft.com/office/drawing/2014/main" xmlns="" id="{672C587E-82F9-496E-AF2B-EDCDC16EBDAC}"/>
               </a:ext>
             </a:extLst>
           </p:cNvPr>
@@ -16405,7 +16466,7 @@
           <p:cNvPr id="72" name="TextBox 71">
             <a:extLst>
               <a:ext uri="{FF2B5EF4-FFF2-40B4-BE49-F238E27FC236}">
-                <a16:creationId xmlns:a16="http://schemas.microsoft.com/office/drawing/2014/main" id="{A7198B43-5B99-4D1E-8723-1C8002E27E72}"/>
+                <a16:creationId xmlns:a16="http://schemas.microsoft.com/office/drawing/2014/main" xmlns="" id="{A7198B43-5B99-4D1E-8723-1C8002E27E72}"/>
               </a:ext>
             </a:extLst>
           </p:cNvPr>
@@ -16440,7 +16501,7 @@
           <p:cNvPr id="76" name="TextBox 75">
             <a:extLst>
               <a:ext uri="{FF2B5EF4-FFF2-40B4-BE49-F238E27FC236}">
-                <a16:creationId xmlns:a16="http://schemas.microsoft.com/office/drawing/2014/main" id="{8C8101D7-5A9B-465E-BB10-84007035DDE4}"/>
+                <a16:creationId xmlns:a16="http://schemas.microsoft.com/office/drawing/2014/main" xmlns="" id="{8C8101D7-5A9B-465E-BB10-84007035DDE4}"/>
               </a:ext>
             </a:extLst>
           </p:cNvPr>
@@ -16488,7 +16549,7 @@
           <p:cNvPr id="77" name="TextBox 76">
             <a:extLst>
               <a:ext uri="{FF2B5EF4-FFF2-40B4-BE49-F238E27FC236}">
-                <a16:creationId xmlns:a16="http://schemas.microsoft.com/office/drawing/2014/main" id="{B7250FB1-6ABD-4FCC-B469-BEF3B9F0966C}"/>
+                <a16:creationId xmlns:a16="http://schemas.microsoft.com/office/drawing/2014/main" xmlns="" id="{B7250FB1-6ABD-4FCC-B469-BEF3B9F0966C}"/>
               </a:ext>
             </a:extLst>
           </p:cNvPr>
@@ -16527,7 +16588,7 @@
           <p:cNvPr id="78" name="TextBox 77">
             <a:extLst>
               <a:ext uri="{FF2B5EF4-FFF2-40B4-BE49-F238E27FC236}">
-                <a16:creationId xmlns:a16="http://schemas.microsoft.com/office/drawing/2014/main" id="{CBC9D4CC-312A-4E6E-A7E1-A2FD7DF76530}"/>
+                <a16:creationId xmlns:a16="http://schemas.microsoft.com/office/drawing/2014/main" xmlns="" id="{CBC9D4CC-312A-4E6E-A7E1-A2FD7DF76530}"/>
               </a:ext>
             </a:extLst>
           </p:cNvPr>
@@ -16575,7 +16636,7 @@
           <p:cNvPr id="79" name="TextBox 78">
             <a:extLst>
               <a:ext uri="{FF2B5EF4-FFF2-40B4-BE49-F238E27FC236}">
-                <a16:creationId xmlns:a16="http://schemas.microsoft.com/office/drawing/2014/main" id="{5123F9CD-581A-474E-B911-CF70906CDF0F}"/>
+                <a16:creationId xmlns:a16="http://schemas.microsoft.com/office/drawing/2014/main" xmlns="" id="{5123F9CD-581A-474E-B911-CF70906CDF0F}"/>
               </a:ext>
             </a:extLst>
           </p:cNvPr>
@@ -16610,7 +16671,7 @@
           <p:cNvPr id="80" name="TextBox 79">
             <a:extLst>
               <a:ext uri="{FF2B5EF4-FFF2-40B4-BE49-F238E27FC236}">
-                <a16:creationId xmlns:a16="http://schemas.microsoft.com/office/drawing/2014/main" id="{6AFA56D2-F6B1-4CC7-9FB1-ABBEF9432893}"/>
+                <a16:creationId xmlns:a16="http://schemas.microsoft.com/office/drawing/2014/main" xmlns="" id="{6AFA56D2-F6B1-4CC7-9FB1-ABBEF9432893}"/>
               </a:ext>
             </a:extLst>
           </p:cNvPr>
@@ -16662,7 +16723,7 @@
           <p:cNvPr id="30" name="직선 연결선 29">
             <a:extLst>
               <a:ext uri="{FF2B5EF4-FFF2-40B4-BE49-F238E27FC236}">
-                <a16:creationId xmlns:a16="http://schemas.microsoft.com/office/drawing/2014/main" id="{00F12203-3388-4C14-A82A-EA4265DE5009}"/>
+                <a16:creationId xmlns:a16="http://schemas.microsoft.com/office/drawing/2014/main" xmlns="" id="{00F12203-3388-4C14-A82A-EA4265DE5009}"/>
               </a:ext>
             </a:extLst>
           </p:cNvPr>
@@ -16698,7 +16759,7 @@
           <p:cNvPr id="81" name="TextBox 80">
             <a:extLst>
               <a:ext uri="{FF2B5EF4-FFF2-40B4-BE49-F238E27FC236}">
-                <a16:creationId xmlns:a16="http://schemas.microsoft.com/office/drawing/2014/main" id="{4F8A7CEA-A202-4D0D-A37B-81AF2B21B412}"/>
+                <a16:creationId xmlns:a16="http://schemas.microsoft.com/office/drawing/2014/main" xmlns="" id="{4F8A7CEA-A202-4D0D-A37B-81AF2B21B412}"/>
               </a:ext>
             </a:extLst>
           </p:cNvPr>
@@ -16742,7 +16803,7 @@
           <p:cNvPr id="82" name="TextBox 81">
             <a:extLst>
               <a:ext uri="{FF2B5EF4-FFF2-40B4-BE49-F238E27FC236}">
-                <a16:creationId xmlns:a16="http://schemas.microsoft.com/office/drawing/2014/main" id="{BC6FB1E0-EED7-421D-96BB-D55BD54B380F}"/>
+                <a16:creationId xmlns:a16="http://schemas.microsoft.com/office/drawing/2014/main" xmlns="" id="{BC6FB1E0-EED7-421D-96BB-D55BD54B380F}"/>
               </a:ext>
             </a:extLst>
           </p:cNvPr>
@@ -16786,7 +16847,7 @@
           <p:cNvPr id="83" name="TextBox 82">
             <a:extLst>
               <a:ext uri="{FF2B5EF4-FFF2-40B4-BE49-F238E27FC236}">
-                <a16:creationId xmlns:a16="http://schemas.microsoft.com/office/drawing/2014/main" id="{2B107AD7-3127-4602-A860-0DDEA486826E}"/>
+                <a16:creationId xmlns:a16="http://schemas.microsoft.com/office/drawing/2014/main" xmlns="" id="{2B107AD7-3127-4602-A860-0DDEA486826E}"/>
               </a:ext>
             </a:extLst>
           </p:cNvPr>
@@ -16830,7 +16891,7 @@
           <p:cNvPr id="87" name="사각형: 둥근 모서리 86">
             <a:extLst>
               <a:ext uri="{FF2B5EF4-FFF2-40B4-BE49-F238E27FC236}">
-                <a16:creationId xmlns:a16="http://schemas.microsoft.com/office/drawing/2014/main" id="{5D330D4A-25B5-426A-8FC2-236D0F11668A}"/>
+                <a16:creationId xmlns:a16="http://schemas.microsoft.com/office/drawing/2014/main" xmlns="" id="{5D330D4A-25B5-426A-8FC2-236D0F11668A}"/>
               </a:ext>
             </a:extLst>
           </p:cNvPr>
@@ -16891,7 +16952,7 @@
           <p:cNvPr id="88" name="사각형: 둥근 모서리 87">
             <a:extLst>
               <a:ext uri="{FF2B5EF4-FFF2-40B4-BE49-F238E27FC236}">
-                <a16:creationId xmlns:a16="http://schemas.microsoft.com/office/drawing/2014/main" id="{42E6A791-A47B-4DB0-A650-D2F9D936BDC3}"/>
+                <a16:creationId xmlns:a16="http://schemas.microsoft.com/office/drawing/2014/main" xmlns="" id="{42E6A791-A47B-4DB0-A650-D2F9D936BDC3}"/>
               </a:ext>
             </a:extLst>
           </p:cNvPr>
@@ -16952,7 +17013,7 @@
           <p:cNvPr id="89" name="사각형: 둥근 모서리 88">
             <a:extLst>
               <a:ext uri="{FF2B5EF4-FFF2-40B4-BE49-F238E27FC236}">
-                <a16:creationId xmlns:a16="http://schemas.microsoft.com/office/drawing/2014/main" id="{8F62BD3D-7300-4C51-87BF-88CCAEEDE1C6}"/>
+                <a16:creationId xmlns:a16="http://schemas.microsoft.com/office/drawing/2014/main" xmlns="" id="{8F62BD3D-7300-4C51-87BF-88CCAEEDE1C6}"/>
               </a:ext>
             </a:extLst>
           </p:cNvPr>
@@ -17034,7 +17095,7 @@
           <p:cNvPr id="90" name="사각형: 둥근 모서리 89">
             <a:extLst>
               <a:ext uri="{FF2B5EF4-FFF2-40B4-BE49-F238E27FC236}">
-                <a16:creationId xmlns:a16="http://schemas.microsoft.com/office/drawing/2014/main" id="{084C7176-7665-4EE0-8E0A-1ADC33FDEDBB}"/>
+                <a16:creationId xmlns:a16="http://schemas.microsoft.com/office/drawing/2014/main" xmlns="" id="{084C7176-7665-4EE0-8E0A-1ADC33FDEDBB}"/>
               </a:ext>
             </a:extLst>
           </p:cNvPr>
@@ -17095,7 +17156,7 @@
           <p:cNvPr id="91" name="사각형: 둥근 모서리 90">
             <a:extLst>
               <a:ext uri="{FF2B5EF4-FFF2-40B4-BE49-F238E27FC236}">
-                <a16:creationId xmlns:a16="http://schemas.microsoft.com/office/drawing/2014/main" id="{E938B601-F026-4976-97A9-C407044FF771}"/>
+                <a16:creationId xmlns:a16="http://schemas.microsoft.com/office/drawing/2014/main" xmlns="" id="{E938B601-F026-4976-97A9-C407044FF771}"/>
               </a:ext>
             </a:extLst>
           </p:cNvPr>
@@ -17156,7 +17217,7 @@
           <p:cNvPr id="92" name="사각형: 위쪽 모서리의 한쪽은 둥글고 다른 한쪽은 잘림 91">
             <a:extLst>
               <a:ext uri="{FF2B5EF4-FFF2-40B4-BE49-F238E27FC236}">
-                <a16:creationId xmlns:a16="http://schemas.microsoft.com/office/drawing/2014/main" id="{BA222BE2-A61D-4450-8A37-BE793B84A2E2}"/>
+                <a16:creationId xmlns:a16="http://schemas.microsoft.com/office/drawing/2014/main" xmlns="" id="{BA222BE2-A61D-4450-8A37-BE793B84A2E2}"/>
               </a:ext>
             </a:extLst>
           </p:cNvPr>
@@ -17220,7 +17281,7 @@
           <p:cNvPr id="95" name="사각형: 둥근 모서리 94">
             <a:extLst>
               <a:ext uri="{FF2B5EF4-FFF2-40B4-BE49-F238E27FC236}">
-                <a16:creationId xmlns:a16="http://schemas.microsoft.com/office/drawing/2014/main" id="{FD4FB6EE-19D0-4752-BC60-DB3FC2CC2D1C}"/>
+                <a16:creationId xmlns:a16="http://schemas.microsoft.com/office/drawing/2014/main" xmlns="" id="{FD4FB6EE-19D0-4752-BC60-DB3FC2CC2D1C}"/>
               </a:ext>
             </a:extLst>
           </p:cNvPr>
@@ -17281,7 +17342,7 @@
           <p:cNvPr id="34" name="하트 33">
             <a:extLst>
               <a:ext uri="{FF2B5EF4-FFF2-40B4-BE49-F238E27FC236}">
-                <a16:creationId xmlns:a16="http://schemas.microsoft.com/office/drawing/2014/main" id="{2B74C848-B46B-4E53-920C-266B738CAC60}"/>
+                <a16:creationId xmlns:a16="http://schemas.microsoft.com/office/drawing/2014/main" xmlns="" id="{2B74C848-B46B-4E53-920C-266B738CAC60}"/>
               </a:ext>
             </a:extLst>
           </p:cNvPr>
@@ -17330,7 +17391,7 @@
           <p:cNvPr id="96" name="직사각형 95">
             <a:extLst>
               <a:ext uri="{FF2B5EF4-FFF2-40B4-BE49-F238E27FC236}">
-                <a16:creationId xmlns:a16="http://schemas.microsoft.com/office/drawing/2014/main" id="{4381DDE0-7DF8-4677-B600-1CC245F65AC5}"/>
+                <a16:creationId xmlns:a16="http://schemas.microsoft.com/office/drawing/2014/main" xmlns="" id="{4381DDE0-7DF8-4677-B600-1CC245F65AC5}"/>
               </a:ext>
             </a:extLst>
           </p:cNvPr>
@@ -17384,7 +17445,7 @@
           <p:cNvPr id="97" name="직사각형 96">
             <a:extLst>
               <a:ext uri="{FF2B5EF4-FFF2-40B4-BE49-F238E27FC236}">
-                <a16:creationId xmlns:a16="http://schemas.microsoft.com/office/drawing/2014/main" id="{21576798-99C7-4D5E-A71A-21C2FCBC10A5}"/>
+                <a16:creationId xmlns:a16="http://schemas.microsoft.com/office/drawing/2014/main" xmlns="" id="{21576798-99C7-4D5E-A71A-21C2FCBC10A5}"/>
               </a:ext>
             </a:extLst>
           </p:cNvPr>
@@ -17438,7 +17499,7 @@
           <p:cNvPr id="98" name="직사각형 97">
             <a:extLst>
               <a:ext uri="{FF2B5EF4-FFF2-40B4-BE49-F238E27FC236}">
-                <a16:creationId xmlns:a16="http://schemas.microsoft.com/office/drawing/2014/main" id="{7E68A1AD-ABE2-438D-A680-6841FDE051B0}"/>
+                <a16:creationId xmlns:a16="http://schemas.microsoft.com/office/drawing/2014/main" xmlns="" id="{7E68A1AD-ABE2-438D-A680-6841FDE051B0}"/>
               </a:ext>
             </a:extLst>
           </p:cNvPr>
@@ -17492,7 +17553,7 @@
           <p:cNvPr id="99" name="직사각형 98">
             <a:extLst>
               <a:ext uri="{FF2B5EF4-FFF2-40B4-BE49-F238E27FC236}">
-                <a16:creationId xmlns:a16="http://schemas.microsoft.com/office/drawing/2014/main" id="{D99B9B96-CD8D-4C0D-A26D-7B04DAF50A6D}"/>
+                <a16:creationId xmlns:a16="http://schemas.microsoft.com/office/drawing/2014/main" xmlns="" id="{D99B9B96-CD8D-4C0D-A26D-7B04DAF50A6D}"/>
               </a:ext>
             </a:extLst>
           </p:cNvPr>
@@ -17546,7 +17607,7 @@
           <p:cNvPr id="100" name="직선 연결선 99">
             <a:extLst>
               <a:ext uri="{FF2B5EF4-FFF2-40B4-BE49-F238E27FC236}">
-                <a16:creationId xmlns:a16="http://schemas.microsoft.com/office/drawing/2014/main" id="{0CD5B6F9-B513-4782-9C7A-EE4F9058A4EB}"/>
+                <a16:creationId xmlns:a16="http://schemas.microsoft.com/office/drawing/2014/main" xmlns="" id="{0CD5B6F9-B513-4782-9C7A-EE4F9058A4EB}"/>
               </a:ext>
             </a:extLst>
           </p:cNvPr>
@@ -17587,7 +17648,7 @@
           <p:cNvPr id="101" name="직선 화살표 연결선 100">
             <a:extLst>
               <a:ext uri="{FF2B5EF4-FFF2-40B4-BE49-F238E27FC236}">
-                <a16:creationId xmlns:a16="http://schemas.microsoft.com/office/drawing/2014/main" id="{C404C273-60E7-4604-B5DF-9E448516670A}"/>
+                <a16:creationId xmlns:a16="http://schemas.microsoft.com/office/drawing/2014/main" xmlns="" id="{C404C273-60E7-4604-B5DF-9E448516670A}"/>
               </a:ext>
             </a:extLst>
           </p:cNvPr>
@@ -17631,7 +17692,7 @@
           <p:cNvPr id="102" name="직선 화살표 연결선 101">
             <a:extLst>
               <a:ext uri="{FF2B5EF4-FFF2-40B4-BE49-F238E27FC236}">
-                <a16:creationId xmlns:a16="http://schemas.microsoft.com/office/drawing/2014/main" id="{F02950FA-B9A6-4D10-A148-BBA6062EC79A}"/>
+                <a16:creationId xmlns:a16="http://schemas.microsoft.com/office/drawing/2014/main" xmlns="" id="{F02950FA-B9A6-4D10-A148-BBA6062EC79A}"/>
               </a:ext>
             </a:extLst>
           </p:cNvPr>
@@ -17675,7 +17736,7 @@
           <p:cNvPr id="103" name="직선 화살표 연결선 102">
             <a:extLst>
               <a:ext uri="{FF2B5EF4-FFF2-40B4-BE49-F238E27FC236}">
-                <a16:creationId xmlns:a16="http://schemas.microsoft.com/office/drawing/2014/main" id="{FB961EBB-AE5A-402D-812D-32755B9430E4}"/>
+                <a16:creationId xmlns:a16="http://schemas.microsoft.com/office/drawing/2014/main" xmlns="" id="{FB961EBB-AE5A-402D-812D-32755B9430E4}"/>
               </a:ext>
             </a:extLst>
           </p:cNvPr>
@@ -17719,7 +17780,7 @@
           <p:cNvPr id="104" name="TextBox 103">
             <a:extLst>
               <a:ext uri="{FF2B5EF4-FFF2-40B4-BE49-F238E27FC236}">
-                <a16:creationId xmlns:a16="http://schemas.microsoft.com/office/drawing/2014/main" id="{C39FEEDC-6320-4585-9D08-995881D24269}"/>
+                <a16:creationId xmlns:a16="http://schemas.microsoft.com/office/drawing/2014/main" xmlns="" id="{C39FEEDC-6320-4585-9D08-995881D24269}"/>
               </a:ext>
             </a:extLst>
           </p:cNvPr>
@@ -17755,7 +17816,7 @@
           <p:cNvPr id="105" name="TextBox 104">
             <a:extLst>
               <a:ext uri="{FF2B5EF4-FFF2-40B4-BE49-F238E27FC236}">
-                <a16:creationId xmlns:a16="http://schemas.microsoft.com/office/drawing/2014/main" id="{0D236EEC-BF95-4CC7-9BA4-FAD60ACD7184}"/>
+                <a16:creationId xmlns:a16="http://schemas.microsoft.com/office/drawing/2014/main" xmlns="" id="{0D236EEC-BF95-4CC7-9BA4-FAD60ACD7184}"/>
               </a:ext>
             </a:extLst>
           </p:cNvPr>
@@ -17791,7 +17852,7 @@
           <p:cNvPr id="106" name="TextBox 105">
             <a:extLst>
               <a:ext uri="{FF2B5EF4-FFF2-40B4-BE49-F238E27FC236}">
-                <a16:creationId xmlns:a16="http://schemas.microsoft.com/office/drawing/2014/main" id="{4894258B-64DA-4CD0-85A3-15881EE05C2F}"/>
+                <a16:creationId xmlns:a16="http://schemas.microsoft.com/office/drawing/2014/main" xmlns="" id="{4894258B-64DA-4CD0-85A3-15881EE05C2F}"/>
               </a:ext>
             </a:extLst>
           </p:cNvPr>
@@ -17826,7 +17887,7 @@
           <p:cNvPr id="107" name="사각형: 위쪽 모서리의 한쪽은 둥글고 다른 한쪽은 잘림 106">
             <a:extLst>
               <a:ext uri="{FF2B5EF4-FFF2-40B4-BE49-F238E27FC236}">
-                <a16:creationId xmlns:a16="http://schemas.microsoft.com/office/drawing/2014/main" id="{67981518-31B9-484C-8065-30C415950089}"/>
+                <a16:creationId xmlns:a16="http://schemas.microsoft.com/office/drawing/2014/main" xmlns="" id="{67981518-31B9-484C-8065-30C415950089}"/>
               </a:ext>
             </a:extLst>
           </p:cNvPr>
@@ -17887,7 +17948,7 @@
           <p:cNvPr id="108" name="사각형: 위쪽 모서리의 한쪽은 둥글고 다른 한쪽은 잘림 107">
             <a:extLst>
               <a:ext uri="{FF2B5EF4-FFF2-40B4-BE49-F238E27FC236}">
-                <a16:creationId xmlns:a16="http://schemas.microsoft.com/office/drawing/2014/main" id="{033C93F5-B1D9-4CAD-A8C7-4814844C3C02}"/>
+                <a16:creationId xmlns:a16="http://schemas.microsoft.com/office/drawing/2014/main" xmlns="" id="{033C93F5-B1D9-4CAD-A8C7-4814844C3C02}"/>
               </a:ext>
             </a:extLst>
           </p:cNvPr>
@@ -17948,7 +18009,7 @@
           <p:cNvPr id="109" name="사각형: 위쪽 모서리의 한쪽은 둥글고 다른 한쪽은 잘림 108">
             <a:extLst>
               <a:ext uri="{FF2B5EF4-FFF2-40B4-BE49-F238E27FC236}">
-                <a16:creationId xmlns:a16="http://schemas.microsoft.com/office/drawing/2014/main" id="{43FEB36E-98BD-4C45-A0C4-DE2E23D6270B}"/>
+                <a16:creationId xmlns:a16="http://schemas.microsoft.com/office/drawing/2014/main" xmlns="" id="{43FEB36E-98BD-4C45-A0C4-DE2E23D6270B}"/>
               </a:ext>
             </a:extLst>
           </p:cNvPr>
@@ -18009,7 +18070,7 @@
           <p:cNvPr id="110" name="사각형: 위쪽 모서리의 한쪽은 둥글고 다른 한쪽은 잘림 109">
             <a:extLst>
               <a:ext uri="{FF2B5EF4-FFF2-40B4-BE49-F238E27FC236}">
-                <a16:creationId xmlns:a16="http://schemas.microsoft.com/office/drawing/2014/main" id="{DD16ED54-6480-46EC-8EC0-61D372F29134}"/>
+                <a16:creationId xmlns:a16="http://schemas.microsoft.com/office/drawing/2014/main" xmlns="" id="{DD16ED54-6480-46EC-8EC0-61D372F29134}"/>
               </a:ext>
             </a:extLst>
           </p:cNvPr>
@@ -18070,7 +18131,7 @@
           <p:cNvPr id="111" name="직선 연결선 110">
             <a:extLst>
               <a:ext uri="{FF2B5EF4-FFF2-40B4-BE49-F238E27FC236}">
-                <a16:creationId xmlns:a16="http://schemas.microsoft.com/office/drawing/2014/main" id="{B32835E2-6F76-410F-9104-75CE90CAAC9E}"/>
+                <a16:creationId xmlns:a16="http://schemas.microsoft.com/office/drawing/2014/main" xmlns="" id="{B32835E2-6F76-410F-9104-75CE90CAAC9E}"/>
               </a:ext>
             </a:extLst>
           </p:cNvPr>
@@ -18111,7 +18172,7 @@
           <p:cNvPr id="112" name="TextBox 111">
             <a:extLst>
               <a:ext uri="{FF2B5EF4-FFF2-40B4-BE49-F238E27FC236}">
-                <a16:creationId xmlns:a16="http://schemas.microsoft.com/office/drawing/2014/main" id="{A92788C2-846F-4D8E-84DB-0156E44840FE}"/>
+                <a16:creationId xmlns:a16="http://schemas.microsoft.com/office/drawing/2014/main" xmlns="" id="{A92788C2-846F-4D8E-84DB-0156E44840FE}"/>
               </a:ext>
             </a:extLst>
           </p:cNvPr>
@@ -18147,7 +18208,7 @@
           <p:cNvPr id="113" name="직사각형 112">
             <a:extLst>
               <a:ext uri="{FF2B5EF4-FFF2-40B4-BE49-F238E27FC236}">
-                <a16:creationId xmlns:a16="http://schemas.microsoft.com/office/drawing/2014/main" id="{F0815B9A-D30D-4481-805B-BC00FA17F1AF}"/>
+                <a16:creationId xmlns:a16="http://schemas.microsoft.com/office/drawing/2014/main" xmlns="" id="{F0815B9A-D30D-4481-805B-BC00FA17F1AF}"/>
               </a:ext>
             </a:extLst>
           </p:cNvPr>
@@ -18201,7 +18262,7 @@
           <p:cNvPr id="114" name="직사각형 113">
             <a:extLst>
               <a:ext uri="{FF2B5EF4-FFF2-40B4-BE49-F238E27FC236}">
-                <a16:creationId xmlns:a16="http://schemas.microsoft.com/office/drawing/2014/main" id="{9444EAA7-F80D-40EE-85F2-FC3FD2665367}"/>
+                <a16:creationId xmlns:a16="http://schemas.microsoft.com/office/drawing/2014/main" xmlns="" id="{9444EAA7-F80D-40EE-85F2-FC3FD2665367}"/>
               </a:ext>
             </a:extLst>
           </p:cNvPr>
@@ -18255,7 +18316,7 @@
           <p:cNvPr id="115" name="직사각형 114">
             <a:extLst>
               <a:ext uri="{FF2B5EF4-FFF2-40B4-BE49-F238E27FC236}">
-                <a16:creationId xmlns:a16="http://schemas.microsoft.com/office/drawing/2014/main" id="{018390F8-461E-47B1-8D02-662749C7B01B}"/>
+                <a16:creationId xmlns:a16="http://schemas.microsoft.com/office/drawing/2014/main" xmlns="" id="{018390F8-461E-47B1-8D02-662749C7B01B}"/>
               </a:ext>
             </a:extLst>
           </p:cNvPr>
@@ -18309,7 +18370,7 @@
           <p:cNvPr id="116" name="직사각형 115">
             <a:extLst>
               <a:ext uri="{FF2B5EF4-FFF2-40B4-BE49-F238E27FC236}">
-                <a16:creationId xmlns:a16="http://schemas.microsoft.com/office/drawing/2014/main" id="{B27559C4-A53D-4627-9D4C-4825196BF918}"/>
+                <a16:creationId xmlns:a16="http://schemas.microsoft.com/office/drawing/2014/main" xmlns="" id="{B27559C4-A53D-4627-9D4C-4825196BF918}"/>
               </a:ext>
             </a:extLst>
           </p:cNvPr>
@@ -18363,7 +18424,7 @@
           <p:cNvPr id="117" name="직사각형 116">
             <a:extLst>
               <a:ext uri="{FF2B5EF4-FFF2-40B4-BE49-F238E27FC236}">
-                <a16:creationId xmlns:a16="http://schemas.microsoft.com/office/drawing/2014/main" id="{2F41D995-6A71-4509-80F3-049E8D1F63ED}"/>
+                <a16:creationId xmlns:a16="http://schemas.microsoft.com/office/drawing/2014/main" xmlns="" id="{2F41D995-6A71-4509-80F3-049E8D1F63ED}"/>
               </a:ext>
             </a:extLst>
           </p:cNvPr>
@@ -18417,7 +18478,7 @@
           <p:cNvPr id="118" name="직선 화살표 연결선 117">
             <a:extLst>
               <a:ext uri="{FF2B5EF4-FFF2-40B4-BE49-F238E27FC236}">
-                <a16:creationId xmlns:a16="http://schemas.microsoft.com/office/drawing/2014/main" id="{34A269B8-E321-4ACE-B82D-29FFBDBEAE20}"/>
+                <a16:creationId xmlns:a16="http://schemas.microsoft.com/office/drawing/2014/main" xmlns="" id="{34A269B8-E321-4ACE-B82D-29FFBDBEAE20}"/>
               </a:ext>
             </a:extLst>
           </p:cNvPr>
@@ -18461,7 +18522,7 @@
           <p:cNvPr id="119" name="직선 화살표 연결선 118">
             <a:extLst>
               <a:ext uri="{FF2B5EF4-FFF2-40B4-BE49-F238E27FC236}">
-                <a16:creationId xmlns:a16="http://schemas.microsoft.com/office/drawing/2014/main" id="{594868FA-F542-4BC7-B4EE-561EE6C24D2A}"/>
+                <a16:creationId xmlns:a16="http://schemas.microsoft.com/office/drawing/2014/main" xmlns="" id="{594868FA-F542-4BC7-B4EE-561EE6C24D2A}"/>
               </a:ext>
             </a:extLst>
           </p:cNvPr>
@@ -18505,7 +18566,7 @@
           <p:cNvPr id="120" name="직선 화살표 연결선 119">
             <a:extLst>
               <a:ext uri="{FF2B5EF4-FFF2-40B4-BE49-F238E27FC236}">
-                <a16:creationId xmlns:a16="http://schemas.microsoft.com/office/drawing/2014/main" id="{B835CB0E-7318-4621-AAC0-357EB1D055EC}"/>
+                <a16:creationId xmlns:a16="http://schemas.microsoft.com/office/drawing/2014/main" xmlns="" id="{B835CB0E-7318-4621-AAC0-357EB1D055EC}"/>
               </a:ext>
             </a:extLst>
           </p:cNvPr>
@@ -18549,7 +18610,7 @@
           <p:cNvPr id="121" name="직선 화살표 연결선 120">
             <a:extLst>
               <a:ext uri="{FF2B5EF4-FFF2-40B4-BE49-F238E27FC236}">
-                <a16:creationId xmlns:a16="http://schemas.microsoft.com/office/drawing/2014/main" id="{8A1FA3B6-56FA-4F9A-B582-879E45C4E554}"/>
+                <a16:creationId xmlns:a16="http://schemas.microsoft.com/office/drawing/2014/main" xmlns="" id="{8A1FA3B6-56FA-4F9A-B582-879E45C4E554}"/>
               </a:ext>
             </a:extLst>
           </p:cNvPr>
@@ -18593,7 +18654,7 @@
           <p:cNvPr id="122" name="직선 화살표 연결선 121">
             <a:extLst>
               <a:ext uri="{FF2B5EF4-FFF2-40B4-BE49-F238E27FC236}">
-                <a16:creationId xmlns:a16="http://schemas.microsoft.com/office/drawing/2014/main" id="{8DBC9891-F555-4406-9800-4BBC560D541A}"/>
+                <a16:creationId xmlns:a16="http://schemas.microsoft.com/office/drawing/2014/main" xmlns="" id="{8DBC9891-F555-4406-9800-4BBC560D541A}"/>
               </a:ext>
             </a:extLst>
           </p:cNvPr>
@@ -18638,7 +18699,7 @@
           <p:cNvPr id="123" name="TextBox 122">
             <a:extLst>
               <a:ext uri="{FF2B5EF4-FFF2-40B4-BE49-F238E27FC236}">
-                <a16:creationId xmlns:a16="http://schemas.microsoft.com/office/drawing/2014/main" id="{175D0501-8E3C-4360-9052-D93A553D6261}"/>
+                <a16:creationId xmlns:a16="http://schemas.microsoft.com/office/drawing/2014/main" xmlns="" id="{175D0501-8E3C-4360-9052-D93A553D6261}"/>
               </a:ext>
             </a:extLst>
           </p:cNvPr>
@@ -18673,7 +18734,7 @@
           <p:cNvPr id="124" name="TextBox 123">
             <a:extLst>
               <a:ext uri="{FF2B5EF4-FFF2-40B4-BE49-F238E27FC236}">
-                <a16:creationId xmlns:a16="http://schemas.microsoft.com/office/drawing/2014/main" id="{B01CA544-E067-4DD5-8F99-FC7AFCA9239E}"/>
+                <a16:creationId xmlns:a16="http://schemas.microsoft.com/office/drawing/2014/main" xmlns="" id="{B01CA544-E067-4DD5-8F99-FC7AFCA9239E}"/>
               </a:ext>
             </a:extLst>
           </p:cNvPr>
@@ -18708,7 +18769,7 @@
           <p:cNvPr id="125" name="TextBox 124">
             <a:extLst>
               <a:ext uri="{FF2B5EF4-FFF2-40B4-BE49-F238E27FC236}">
-                <a16:creationId xmlns:a16="http://schemas.microsoft.com/office/drawing/2014/main" id="{B8C8D169-440D-4BD5-98C5-A86EABD72686}"/>
+                <a16:creationId xmlns:a16="http://schemas.microsoft.com/office/drawing/2014/main" xmlns="" id="{B8C8D169-440D-4BD5-98C5-A86EABD72686}"/>
               </a:ext>
             </a:extLst>
           </p:cNvPr>
@@ -18743,7 +18804,7 @@
           <p:cNvPr id="126" name="TextBox 125">
             <a:extLst>
               <a:ext uri="{FF2B5EF4-FFF2-40B4-BE49-F238E27FC236}">
-                <a16:creationId xmlns:a16="http://schemas.microsoft.com/office/drawing/2014/main" id="{E7D4196B-6BCE-4D69-980E-BB15BBA201CC}"/>
+                <a16:creationId xmlns:a16="http://schemas.microsoft.com/office/drawing/2014/main" xmlns="" id="{E7D4196B-6BCE-4D69-980E-BB15BBA201CC}"/>
               </a:ext>
             </a:extLst>
           </p:cNvPr>
@@ -18778,7 +18839,7 @@
           <p:cNvPr id="127" name="사각형: 둥근 모서리 126">
             <a:extLst>
               <a:ext uri="{FF2B5EF4-FFF2-40B4-BE49-F238E27FC236}">
-                <a16:creationId xmlns:a16="http://schemas.microsoft.com/office/drawing/2014/main" id="{43E8EF26-B566-40E2-AD5F-B3BAFBDE6E56}"/>
+                <a16:creationId xmlns:a16="http://schemas.microsoft.com/office/drawing/2014/main" xmlns="" id="{43E8EF26-B566-40E2-AD5F-B3BAFBDE6E56}"/>
               </a:ext>
             </a:extLst>
           </p:cNvPr>
@@ -18839,7 +18900,7 @@
           <p:cNvPr id="129" name="타원 128">
             <a:extLst>
               <a:ext uri="{FF2B5EF4-FFF2-40B4-BE49-F238E27FC236}">
-                <a16:creationId xmlns:a16="http://schemas.microsoft.com/office/drawing/2014/main" id="{D457B833-156A-4737-BC16-8B7281466E3D}"/>
+                <a16:creationId xmlns:a16="http://schemas.microsoft.com/office/drawing/2014/main" xmlns="" id="{D457B833-156A-4737-BC16-8B7281466E3D}"/>
               </a:ext>
             </a:extLst>
           </p:cNvPr>
@@ -18900,7 +18961,7 @@
           <p:cNvPr id="130" name="TextBox 129">
             <a:extLst>
               <a:ext uri="{FF2B5EF4-FFF2-40B4-BE49-F238E27FC236}">
-                <a16:creationId xmlns:a16="http://schemas.microsoft.com/office/drawing/2014/main" id="{A10089C0-6EF8-4D57-A6CE-A0669B5CC44C}"/>
+                <a16:creationId xmlns:a16="http://schemas.microsoft.com/office/drawing/2014/main" xmlns="" id="{A10089C0-6EF8-4D57-A6CE-A0669B5CC44C}"/>
               </a:ext>
             </a:extLst>
           </p:cNvPr>
@@ -18935,7 +18996,7 @@
           <p:cNvPr id="131" name="TextBox 130">
             <a:extLst>
               <a:ext uri="{FF2B5EF4-FFF2-40B4-BE49-F238E27FC236}">
-                <a16:creationId xmlns:a16="http://schemas.microsoft.com/office/drawing/2014/main" id="{2749689E-3116-4BAE-9E22-91A505D0185A}"/>
+                <a16:creationId xmlns:a16="http://schemas.microsoft.com/office/drawing/2014/main" xmlns="" id="{2749689E-3116-4BAE-9E22-91A505D0185A}"/>
               </a:ext>
             </a:extLst>
           </p:cNvPr>
@@ -18970,7 +19031,7 @@
           <p:cNvPr id="132" name="TextBox 131">
             <a:extLst>
               <a:ext uri="{FF2B5EF4-FFF2-40B4-BE49-F238E27FC236}">
-                <a16:creationId xmlns:a16="http://schemas.microsoft.com/office/drawing/2014/main" id="{F2AD47CD-0CF6-4795-9D8A-ED3B91FDA2A1}"/>
+                <a16:creationId xmlns:a16="http://schemas.microsoft.com/office/drawing/2014/main" xmlns="" id="{F2AD47CD-0CF6-4795-9D8A-ED3B91FDA2A1}"/>
               </a:ext>
             </a:extLst>
           </p:cNvPr>
@@ -19030,7 +19091,7 @@
           <p:cNvPr id="133" name="사각형: 둥근 모서리 132">
             <a:extLst>
               <a:ext uri="{FF2B5EF4-FFF2-40B4-BE49-F238E27FC236}">
-                <a16:creationId xmlns:a16="http://schemas.microsoft.com/office/drawing/2014/main" id="{D252E4CB-AB13-445A-AC64-D28CAC8FBCDB}"/>
+                <a16:creationId xmlns:a16="http://schemas.microsoft.com/office/drawing/2014/main" xmlns="" id="{D252E4CB-AB13-445A-AC64-D28CAC8FBCDB}"/>
               </a:ext>
             </a:extLst>
           </p:cNvPr>
@@ -19091,7 +19152,7 @@
           <p:cNvPr id="134" name="사각형: 둥근 모서리 133">
             <a:extLst>
               <a:ext uri="{FF2B5EF4-FFF2-40B4-BE49-F238E27FC236}">
-                <a16:creationId xmlns:a16="http://schemas.microsoft.com/office/drawing/2014/main" id="{3C96203C-53F2-457D-8BC2-7CE297D96019}"/>
+                <a16:creationId xmlns:a16="http://schemas.microsoft.com/office/drawing/2014/main" xmlns="" id="{3C96203C-53F2-457D-8BC2-7CE297D96019}"/>
               </a:ext>
             </a:extLst>
           </p:cNvPr>
@@ -19145,7 +19206,7 @@
           <p:cNvPr id="135" name="하트 134">
             <a:extLst>
               <a:ext uri="{FF2B5EF4-FFF2-40B4-BE49-F238E27FC236}">
-                <a16:creationId xmlns:a16="http://schemas.microsoft.com/office/drawing/2014/main" id="{DF3F0A21-CCFF-4F7C-9F2A-B9DA74880613}"/>
+                <a16:creationId xmlns:a16="http://schemas.microsoft.com/office/drawing/2014/main" xmlns="" id="{DF3F0A21-CCFF-4F7C-9F2A-B9DA74880613}"/>
               </a:ext>
             </a:extLst>
           </p:cNvPr>
@@ -19194,7 +19255,7 @@
           <p:cNvPr id="137" name="사각형: 둥근 모서리 136">
             <a:extLst>
               <a:ext uri="{FF2B5EF4-FFF2-40B4-BE49-F238E27FC236}">
-                <a16:creationId xmlns:a16="http://schemas.microsoft.com/office/drawing/2014/main" id="{0309AF2F-49CF-4BD1-A77C-E44ADE57FE2B}"/>
+                <a16:creationId xmlns:a16="http://schemas.microsoft.com/office/drawing/2014/main" xmlns="" id="{0309AF2F-49CF-4BD1-A77C-E44ADE57FE2B}"/>
               </a:ext>
             </a:extLst>
           </p:cNvPr>
@@ -19255,7 +19316,7 @@
           <p:cNvPr id="138" name="사각형: 둥근 모서리 137">
             <a:extLst>
               <a:ext uri="{FF2B5EF4-FFF2-40B4-BE49-F238E27FC236}">
-                <a16:creationId xmlns:a16="http://schemas.microsoft.com/office/drawing/2014/main" id="{1C7F2493-7A31-4FCC-BFC5-9545D1813A51}"/>
+                <a16:creationId xmlns:a16="http://schemas.microsoft.com/office/drawing/2014/main" xmlns="" id="{1C7F2493-7A31-4FCC-BFC5-9545D1813A51}"/>
               </a:ext>
             </a:extLst>
           </p:cNvPr>
@@ -19321,7 +19382,7 @@
           <p:cNvPr id="139" name="사각형: 둥근 모서리 138">
             <a:extLst>
               <a:ext uri="{FF2B5EF4-FFF2-40B4-BE49-F238E27FC236}">
-                <a16:creationId xmlns:a16="http://schemas.microsoft.com/office/drawing/2014/main" id="{0F34F4AA-2E5B-4F4C-B411-0085B6656388}"/>
+                <a16:creationId xmlns:a16="http://schemas.microsoft.com/office/drawing/2014/main" xmlns="" id="{0F34F4AA-2E5B-4F4C-B411-0085B6656388}"/>
               </a:ext>
             </a:extLst>
           </p:cNvPr>
@@ -19387,7 +19448,7 @@
           <p:cNvPr id="140" name="사각형: 둥근 모서리 139">
             <a:extLst>
               <a:ext uri="{FF2B5EF4-FFF2-40B4-BE49-F238E27FC236}">
-                <a16:creationId xmlns:a16="http://schemas.microsoft.com/office/drawing/2014/main" id="{9968B818-3B1F-41EF-BD31-C54323282967}"/>
+                <a16:creationId xmlns:a16="http://schemas.microsoft.com/office/drawing/2014/main" xmlns="" id="{9968B818-3B1F-41EF-BD31-C54323282967}"/>
               </a:ext>
             </a:extLst>
           </p:cNvPr>
@@ -19448,7 +19509,7 @@
           <p:cNvPr id="141" name="사각형: 둥근 모서리 140">
             <a:extLst>
               <a:ext uri="{FF2B5EF4-FFF2-40B4-BE49-F238E27FC236}">
-                <a16:creationId xmlns:a16="http://schemas.microsoft.com/office/drawing/2014/main" id="{5D0B650E-C925-4AAC-812C-AE358BB62A93}"/>
+                <a16:creationId xmlns:a16="http://schemas.microsoft.com/office/drawing/2014/main" xmlns="" id="{5D0B650E-C925-4AAC-812C-AE358BB62A93}"/>
               </a:ext>
             </a:extLst>
           </p:cNvPr>
@@ -19509,7 +19570,7 @@
           <p:cNvPr id="142" name="사각형: 둥근 모서리 141">
             <a:extLst>
               <a:ext uri="{FF2B5EF4-FFF2-40B4-BE49-F238E27FC236}">
-                <a16:creationId xmlns:a16="http://schemas.microsoft.com/office/drawing/2014/main" id="{5CE8E81F-C65D-4A7A-ABC8-56067EBBA2F3}"/>
+                <a16:creationId xmlns:a16="http://schemas.microsoft.com/office/drawing/2014/main" xmlns="" id="{5CE8E81F-C65D-4A7A-ABC8-56067EBBA2F3}"/>
               </a:ext>
             </a:extLst>
           </p:cNvPr>
@@ -19591,7 +19652,7 @@
           <p:cNvPr id="143" name="사각형: 둥근 모서리 142">
             <a:extLst>
               <a:ext uri="{FF2B5EF4-FFF2-40B4-BE49-F238E27FC236}">
-                <a16:creationId xmlns:a16="http://schemas.microsoft.com/office/drawing/2014/main" id="{1583485C-491F-4979-BC6C-13081A8A8DAD}"/>
+                <a16:creationId xmlns:a16="http://schemas.microsoft.com/office/drawing/2014/main" xmlns="" id="{1583485C-491F-4979-BC6C-13081A8A8DAD}"/>
               </a:ext>
             </a:extLst>
           </p:cNvPr>
@@ -19682,7 +19743,7 @@
           <p:cNvPr id="2" name="직사각형 1">
             <a:extLst>
               <a:ext uri="{FF2B5EF4-FFF2-40B4-BE49-F238E27FC236}">
-                <a16:creationId xmlns:a16="http://schemas.microsoft.com/office/drawing/2014/main" id="{8E5B996D-DF87-49E5-95D1-45B1EEB9EE9A}"/>
+                <a16:creationId xmlns:a16="http://schemas.microsoft.com/office/drawing/2014/main" xmlns="" id="{8E5B996D-DF87-49E5-95D1-45B1EEB9EE9A}"/>
               </a:ext>
             </a:extLst>
           </p:cNvPr>
@@ -19734,7 +19795,7 @@
           <p:cNvPr id="4" name="직사각형 3">
             <a:extLst>
               <a:ext uri="{FF2B5EF4-FFF2-40B4-BE49-F238E27FC236}">
-                <a16:creationId xmlns:a16="http://schemas.microsoft.com/office/drawing/2014/main" id="{080CEE4E-4BCA-42C3-BECA-9BCEB9931EEA}"/>
+                <a16:creationId xmlns:a16="http://schemas.microsoft.com/office/drawing/2014/main" xmlns="" id="{080CEE4E-4BCA-42C3-BECA-9BCEB9931EEA}"/>
               </a:ext>
             </a:extLst>
           </p:cNvPr>
@@ -19786,7 +19847,7 @@
           <p:cNvPr id="5" name="TextBox 4">
             <a:extLst>
               <a:ext uri="{FF2B5EF4-FFF2-40B4-BE49-F238E27FC236}">
-                <a16:creationId xmlns:a16="http://schemas.microsoft.com/office/drawing/2014/main" id="{D12B0B12-AB99-4F88-B4B2-948DADC833EA}"/>
+                <a16:creationId xmlns:a16="http://schemas.microsoft.com/office/drawing/2014/main" xmlns="" id="{D12B0B12-AB99-4F88-B4B2-948DADC833EA}"/>
               </a:ext>
             </a:extLst>
           </p:cNvPr>
@@ -19905,7 +19966,7 @@
           <p:cNvPr id="9" name="그림 8">
             <a:extLst>
               <a:ext uri="{FF2B5EF4-FFF2-40B4-BE49-F238E27FC236}">
-                <a16:creationId xmlns:a16="http://schemas.microsoft.com/office/drawing/2014/main" id="{0F0992E8-2696-42E6-805A-0C12780D8FA1}"/>
+                <a16:creationId xmlns:a16="http://schemas.microsoft.com/office/drawing/2014/main" xmlns="" id="{0F0992E8-2696-42E6-805A-0C12780D8FA1}"/>
               </a:ext>
             </a:extLst>
           </p:cNvPr>
@@ -20269,7 +20330,7 @@
           <p:cNvPr id="50" name="TextBox 49">
             <a:extLst>
               <a:ext uri="{FF2B5EF4-FFF2-40B4-BE49-F238E27FC236}">
-                <a16:creationId xmlns:a16="http://schemas.microsoft.com/office/drawing/2014/main" id="{606CB3EF-BD67-454E-8D48-D30774CEE106}"/>
+                <a16:creationId xmlns:a16="http://schemas.microsoft.com/office/drawing/2014/main" xmlns="" id="{606CB3EF-BD67-454E-8D48-D30774CEE106}"/>
               </a:ext>
             </a:extLst>
           </p:cNvPr>
@@ -20305,7 +20366,7 @@
           <p:cNvPr id="51" name="TextBox 50">
             <a:extLst>
               <a:ext uri="{FF2B5EF4-FFF2-40B4-BE49-F238E27FC236}">
-                <a16:creationId xmlns:a16="http://schemas.microsoft.com/office/drawing/2014/main" id="{6ECBB3D4-2156-4986-9434-EA8F60CE59E0}"/>
+                <a16:creationId xmlns:a16="http://schemas.microsoft.com/office/drawing/2014/main" xmlns="" id="{6ECBB3D4-2156-4986-9434-EA8F60CE59E0}"/>
               </a:ext>
             </a:extLst>
           </p:cNvPr>
@@ -20341,7 +20402,7 @@
           <p:cNvPr id="57" name="직선 연결선 56">
             <a:extLst>
               <a:ext uri="{FF2B5EF4-FFF2-40B4-BE49-F238E27FC236}">
-                <a16:creationId xmlns:a16="http://schemas.microsoft.com/office/drawing/2014/main" id="{A723CFAC-181E-4ABB-8790-FEC42B087A83}"/>
+                <a16:creationId xmlns:a16="http://schemas.microsoft.com/office/drawing/2014/main" xmlns="" id="{A723CFAC-181E-4ABB-8790-FEC42B087A83}"/>
               </a:ext>
             </a:extLst>
           </p:cNvPr>
@@ -20377,7 +20438,7 @@
           <p:cNvPr id="58" name="TextBox 57">
             <a:extLst>
               <a:ext uri="{FF2B5EF4-FFF2-40B4-BE49-F238E27FC236}">
-                <a16:creationId xmlns:a16="http://schemas.microsoft.com/office/drawing/2014/main" id="{010ADA31-1823-4E2F-B19C-9DF082DE9B5C}"/>
+                <a16:creationId xmlns:a16="http://schemas.microsoft.com/office/drawing/2014/main" xmlns="" id="{010ADA31-1823-4E2F-B19C-9DF082DE9B5C}"/>
               </a:ext>
             </a:extLst>
           </p:cNvPr>
@@ -20413,7 +20474,7 @@
           <p:cNvPr id="59" name="직사각형 58">
             <a:extLst>
               <a:ext uri="{FF2B5EF4-FFF2-40B4-BE49-F238E27FC236}">
-                <a16:creationId xmlns:a16="http://schemas.microsoft.com/office/drawing/2014/main" id="{28EAE90E-16BD-4338-B838-36E62A30452E}"/>
+                <a16:creationId xmlns:a16="http://schemas.microsoft.com/office/drawing/2014/main" xmlns="" id="{28EAE90E-16BD-4338-B838-36E62A30452E}"/>
               </a:ext>
             </a:extLst>
           </p:cNvPr>
@@ -20467,7 +20528,7 @@
           <p:cNvPr id="60" name="TextBox 59">
             <a:extLst>
               <a:ext uri="{FF2B5EF4-FFF2-40B4-BE49-F238E27FC236}">
-                <a16:creationId xmlns:a16="http://schemas.microsoft.com/office/drawing/2014/main" id="{78ADDD66-9CDE-4CA6-938D-D34562AC7F09}"/>
+                <a16:creationId xmlns:a16="http://schemas.microsoft.com/office/drawing/2014/main" xmlns="" id="{78ADDD66-9CDE-4CA6-938D-D34562AC7F09}"/>
               </a:ext>
             </a:extLst>
           </p:cNvPr>
@@ -20503,7 +20564,7 @@
           <p:cNvPr id="11" name="사각형: 위쪽 모서리의 한쪽은 둥글고 다른 한쪽은 잘림 10">
             <a:extLst>
               <a:ext uri="{FF2B5EF4-FFF2-40B4-BE49-F238E27FC236}">
-                <a16:creationId xmlns:a16="http://schemas.microsoft.com/office/drawing/2014/main" id="{D0755B07-9BF9-46BE-BECF-A785E2F601BE}"/>
+                <a16:creationId xmlns:a16="http://schemas.microsoft.com/office/drawing/2014/main" xmlns="" id="{D0755B07-9BF9-46BE-BECF-A785E2F601BE}"/>
               </a:ext>
             </a:extLst>
           </p:cNvPr>
@@ -20567,7 +20628,7 @@
           <p:cNvPr id="61" name="사각형: 위쪽 모서리의 한쪽은 둥글고 다른 한쪽은 잘림 60">
             <a:extLst>
               <a:ext uri="{FF2B5EF4-FFF2-40B4-BE49-F238E27FC236}">
-                <a16:creationId xmlns:a16="http://schemas.microsoft.com/office/drawing/2014/main" id="{0F05A80D-574E-4503-9F36-D0729A774664}"/>
+                <a16:creationId xmlns:a16="http://schemas.microsoft.com/office/drawing/2014/main" xmlns="" id="{0F05A80D-574E-4503-9F36-D0729A774664}"/>
               </a:ext>
             </a:extLst>
           </p:cNvPr>
@@ -20636,7 +20697,7 @@
           <p:cNvPr id="62" name="사각형: 위쪽 모서리의 한쪽은 둥글고 다른 한쪽은 잘림 61">
             <a:extLst>
               <a:ext uri="{FF2B5EF4-FFF2-40B4-BE49-F238E27FC236}">
-                <a16:creationId xmlns:a16="http://schemas.microsoft.com/office/drawing/2014/main" id="{73E013A2-B442-4546-A05C-EC2A2F2B7FC7}"/>
+                <a16:creationId xmlns:a16="http://schemas.microsoft.com/office/drawing/2014/main" xmlns="" id="{73E013A2-B442-4546-A05C-EC2A2F2B7FC7}"/>
               </a:ext>
             </a:extLst>
           </p:cNvPr>
@@ -20703,7 +20764,7 @@
           <p:cNvPr id="92" name="사각형: 위쪽 모서리의 한쪽은 둥글고 다른 한쪽은 잘림 91">
             <a:extLst>
               <a:ext uri="{FF2B5EF4-FFF2-40B4-BE49-F238E27FC236}">
-                <a16:creationId xmlns:a16="http://schemas.microsoft.com/office/drawing/2014/main" id="{BA222BE2-A61D-4450-8A37-BE793B84A2E2}"/>
+                <a16:creationId xmlns:a16="http://schemas.microsoft.com/office/drawing/2014/main" xmlns="" id="{BA222BE2-A61D-4450-8A37-BE793B84A2E2}"/>
               </a:ext>
             </a:extLst>
           </p:cNvPr>
@@ -20797,7 +20858,7 @@
           <p:cNvPr id="2" name="직사각형 1">
             <a:extLst>
               <a:ext uri="{FF2B5EF4-FFF2-40B4-BE49-F238E27FC236}">
-                <a16:creationId xmlns:a16="http://schemas.microsoft.com/office/drawing/2014/main" id="{8E5B996D-DF87-49E5-95D1-45B1EEB9EE9A}"/>
+                <a16:creationId xmlns:a16="http://schemas.microsoft.com/office/drawing/2014/main" xmlns="" id="{8E5B996D-DF87-49E5-95D1-45B1EEB9EE9A}"/>
               </a:ext>
             </a:extLst>
           </p:cNvPr>
@@ -20849,7 +20910,7 @@
           <p:cNvPr id="4" name="직사각형 3">
             <a:extLst>
               <a:ext uri="{FF2B5EF4-FFF2-40B4-BE49-F238E27FC236}">
-                <a16:creationId xmlns:a16="http://schemas.microsoft.com/office/drawing/2014/main" id="{080CEE4E-4BCA-42C3-BECA-9BCEB9931EEA}"/>
+                <a16:creationId xmlns:a16="http://schemas.microsoft.com/office/drawing/2014/main" xmlns="" id="{080CEE4E-4BCA-42C3-BECA-9BCEB9931EEA}"/>
               </a:ext>
             </a:extLst>
           </p:cNvPr>
@@ -20901,7 +20962,7 @@
           <p:cNvPr id="5" name="TextBox 4">
             <a:extLst>
               <a:ext uri="{FF2B5EF4-FFF2-40B4-BE49-F238E27FC236}">
-                <a16:creationId xmlns:a16="http://schemas.microsoft.com/office/drawing/2014/main" id="{D12B0B12-AB99-4F88-B4B2-948DADC833EA}"/>
+                <a16:creationId xmlns:a16="http://schemas.microsoft.com/office/drawing/2014/main" xmlns="" id="{D12B0B12-AB99-4F88-B4B2-948DADC833EA}"/>
               </a:ext>
             </a:extLst>
           </p:cNvPr>
@@ -21020,7 +21081,7 @@
           <p:cNvPr id="9" name="그림 8">
             <a:extLst>
               <a:ext uri="{FF2B5EF4-FFF2-40B4-BE49-F238E27FC236}">
-                <a16:creationId xmlns:a16="http://schemas.microsoft.com/office/drawing/2014/main" id="{0F0992E8-2696-42E6-805A-0C12780D8FA1}"/>
+                <a16:creationId xmlns:a16="http://schemas.microsoft.com/office/drawing/2014/main" xmlns="" id="{0F0992E8-2696-42E6-805A-0C12780D8FA1}"/>
               </a:ext>
             </a:extLst>
           </p:cNvPr>
@@ -21384,7 +21445,7 @@
           <p:cNvPr id="50" name="TextBox 49">
             <a:extLst>
               <a:ext uri="{FF2B5EF4-FFF2-40B4-BE49-F238E27FC236}">
-                <a16:creationId xmlns:a16="http://schemas.microsoft.com/office/drawing/2014/main" id="{606CB3EF-BD67-454E-8D48-D30774CEE106}"/>
+                <a16:creationId xmlns:a16="http://schemas.microsoft.com/office/drawing/2014/main" xmlns="" id="{606CB3EF-BD67-454E-8D48-D30774CEE106}"/>
               </a:ext>
             </a:extLst>
           </p:cNvPr>
@@ -21420,7 +21481,7 @@
           <p:cNvPr id="51" name="TextBox 50">
             <a:extLst>
               <a:ext uri="{FF2B5EF4-FFF2-40B4-BE49-F238E27FC236}">
-                <a16:creationId xmlns:a16="http://schemas.microsoft.com/office/drawing/2014/main" id="{6ECBB3D4-2156-4986-9434-EA8F60CE59E0}"/>
+                <a16:creationId xmlns:a16="http://schemas.microsoft.com/office/drawing/2014/main" xmlns="" id="{6ECBB3D4-2156-4986-9434-EA8F60CE59E0}"/>
               </a:ext>
             </a:extLst>
           </p:cNvPr>
@@ -21456,7 +21517,7 @@
           <p:cNvPr id="57" name="직선 연결선 56">
             <a:extLst>
               <a:ext uri="{FF2B5EF4-FFF2-40B4-BE49-F238E27FC236}">
-                <a16:creationId xmlns:a16="http://schemas.microsoft.com/office/drawing/2014/main" id="{A723CFAC-181E-4ABB-8790-FEC42B087A83}"/>
+                <a16:creationId xmlns:a16="http://schemas.microsoft.com/office/drawing/2014/main" xmlns="" id="{A723CFAC-181E-4ABB-8790-FEC42B087A83}"/>
               </a:ext>
             </a:extLst>
           </p:cNvPr>
@@ -21492,7 +21553,7 @@
           <p:cNvPr id="58" name="TextBox 57">
             <a:extLst>
               <a:ext uri="{FF2B5EF4-FFF2-40B4-BE49-F238E27FC236}">
-                <a16:creationId xmlns:a16="http://schemas.microsoft.com/office/drawing/2014/main" id="{010ADA31-1823-4E2F-B19C-9DF082DE9B5C}"/>
+                <a16:creationId xmlns:a16="http://schemas.microsoft.com/office/drawing/2014/main" xmlns="" id="{010ADA31-1823-4E2F-B19C-9DF082DE9B5C}"/>
               </a:ext>
             </a:extLst>
           </p:cNvPr>
@@ -21528,7 +21589,7 @@
           <p:cNvPr id="59" name="직사각형 58">
             <a:extLst>
               <a:ext uri="{FF2B5EF4-FFF2-40B4-BE49-F238E27FC236}">
-                <a16:creationId xmlns:a16="http://schemas.microsoft.com/office/drawing/2014/main" id="{28EAE90E-16BD-4338-B838-36E62A30452E}"/>
+                <a16:creationId xmlns:a16="http://schemas.microsoft.com/office/drawing/2014/main" xmlns="" id="{28EAE90E-16BD-4338-B838-36E62A30452E}"/>
               </a:ext>
             </a:extLst>
           </p:cNvPr>
@@ -21582,7 +21643,7 @@
           <p:cNvPr id="60" name="TextBox 59">
             <a:extLst>
               <a:ext uri="{FF2B5EF4-FFF2-40B4-BE49-F238E27FC236}">
-                <a16:creationId xmlns:a16="http://schemas.microsoft.com/office/drawing/2014/main" id="{78ADDD66-9CDE-4CA6-938D-D34562AC7F09}"/>
+                <a16:creationId xmlns:a16="http://schemas.microsoft.com/office/drawing/2014/main" xmlns="" id="{78ADDD66-9CDE-4CA6-938D-D34562AC7F09}"/>
               </a:ext>
             </a:extLst>
           </p:cNvPr>
@@ -21618,7 +21679,7 @@
           <p:cNvPr id="11" name="사각형: 위쪽 모서리의 한쪽은 둥글고 다른 한쪽은 잘림 10">
             <a:extLst>
               <a:ext uri="{FF2B5EF4-FFF2-40B4-BE49-F238E27FC236}">
-                <a16:creationId xmlns:a16="http://schemas.microsoft.com/office/drawing/2014/main" id="{D0755B07-9BF9-46BE-BECF-A785E2F601BE}"/>
+                <a16:creationId xmlns:a16="http://schemas.microsoft.com/office/drawing/2014/main" xmlns="" id="{D0755B07-9BF9-46BE-BECF-A785E2F601BE}"/>
               </a:ext>
             </a:extLst>
           </p:cNvPr>
@@ -21682,7 +21743,7 @@
           <p:cNvPr id="61" name="사각형: 위쪽 모서리의 한쪽은 둥글고 다른 한쪽은 잘림 60">
             <a:extLst>
               <a:ext uri="{FF2B5EF4-FFF2-40B4-BE49-F238E27FC236}">
-                <a16:creationId xmlns:a16="http://schemas.microsoft.com/office/drawing/2014/main" id="{0F05A80D-574E-4503-9F36-D0729A774664}"/>
+                <a16:creationId xmlns:a16="http://schemas.microsoft.com/office/drawing/2014/main" xmlns="" id="{0F05A80D-574E-4503-9F36-D0729A774664}"/>
               </a:ext>
             </a:extLst>
           </p:cNvPr>
@@ -21751,7 +21812,7 @@
           <p:cNvPr id="62" name="사각형: 위쪽 모서리의 한쪽은 둥글고 다른 한쪽은 잘림 61">
             <a:extLst>
               <a:ext uri="{FF2B5EF4-FFF2-40B4-BE49-F238E27FC236}">
-                <a16:creationId xmlns:a16="http://schemas.microsoft.com/office/drawing/2014/main" id="{73E013A2-B442-4546-A05C-EC2A2F2B7FC7}"/>
+                <a16:creationId xmlns:a16="http://schemas.microsoft.com/office/drawing/2014/main" xmlns="" id="{73E013A2-B442-4546-A05C-EC2A2F2B7FC7}"/>
               </a:ext>
             </a:extLst>
           </p:cNvPr>
@@ -21815,7 +21876,7 @@
           <p:cNvPr id="92" name="사각형: 위쪽 모서리의 한쪽은 둥글고 다른 한쪽은 잘림 91">
             <a:extLst>
               <a:ext uri="{FF2B5EF4-FFF2-40B4-BE49-F238E27FC236}">
-                <a16:creationId xmlns:a16="http://schemas.microsoft.com/office/drawing/2014/main" id="{BA222BE2-A61D-4450-8A37-BE793B84A2E2}"/>
+                <a16:creationId xmlns:a16="http://schemas.microsoft.com/office/drawing/2014/main" xmlns="" id="{BA222BE2-A61D-4450-8A37-BE793B84A2E2}"/>
               </a:ext>
             </a:extLst>
           </p:cNvPr>
@@ -21912,7 +21973,7 @@
           <p:cNvPr id="2" name="직사각형 1">
             <a:extLst>
               <a:ext uri="{FF2B5EF4-FFF2-40B4-BE49-F238E27FC236}">
-                <a16:creationId xmlns:a16="http://schemas.microsoft.com/office/drawing/2014/main" id="{8E5B996D-DF87-49E5-95D1-45B1EEB9EE9A}"/>
+                <a16:creationId xmlns:a16="http://schemas.microsoft.com/office/drawing/2014/main" xmlns="" id="{8E5B996D-DF87-49E5-95D1-45B1EEB9EE9A}"/>
               </a:ext>
             </a:extLst>
           </p:cNvPr>
@@ -21964,7 +22025,7 @@
           <p:cNvPr id="4" name="직사각형 3">
             <a:extLst>
               <a:ext uri="{FF2B5EF4-FFF2-40B4-BE49-F238E27FC236}">
-                <a16:creationId xmlns:a16="http://schemas.microsoft.com/office/drawing/2014/main" id="{080CEE4E-4BCA-42C3-BECA-9BCEB9931EEA}"/>
+                <a16:creationId xmlns:a16="http://schemas.microsoft.com/office/drawing/2014/main" xmlns="" id="{080CEE4E-4BCA-42C3-BECA-9BCEB9931EEA}"/>
               </a:ext>
             </a:extLst>
           </p:cNvPr>
@@ -22016,7 +22077,7 @@
           <p:cNvPr id="5" name="TextBox 4">
             <a:extLst>
               <a:ext uri="{FF2B5EF4-FFF2-40B4-BE49-F238E27FC236}">
-                <a16:creationId xmlns:a16="http://schemas.microsoft.com/office/drawing/2014/main" id="{D12B0B12-AB99-4F88-B4B2-948DADC833EA}"/>
+                <a16:creationId xmlns:a16="http://schemas.microsoft.com/office/drawing/2014/main" xmlns="" id="{D12B0B12-AB99-4F88-B4B2-948DADC833EA}"/>
               </a:ext>
             </a:extLst>
           </p:cNvPr>
@@ -22135,7 +22196,7 @@
           <p:cNvPr id="9" name="그림 8">
             <a:extLst>
               <a:ext uri="{FF2B5EF4-FFF2-40B4-BE49-F238E27FC236}">
-                <a16:creationId xmlns:a16="http://schemas.microsoft.com/office/drawing/2014/main" id="{0F0992E8-2696-42E6-805A-0C12780D8FA1}"/>
+                <a16:creationId xmlns:a16="http://schemas.microsoft.com/office/drawing/2014/main" xmlns="" id="{0F0992E8-2696-42E6-805A-0C12780D8FA1}"/>
               </a:ext>
             </a:extLst>
           </p:cNvPr>
@@ -22386,7 +22447,7 @@
           <p:cNvPr id="4" name="그림 3" descr="실내, 사람이(가) 표시된 사진&#10;&#10;자동 생성된 설명">
             <a:extLst>
               <a:ext uri="{FF2B5EF4-FFF2-40B4-BE49-F238E27FC236}">
-                <a16:creationId xmlns:a16="http://schemas.microsoft.com/office/drawing/2014/main" id="{4D077A45-DF2B-4618-9394-A141B13B1420}"/>
+                <a16:creationId xmlns:a16="http://schemas.microsoft.com/office/drawing/2014/main" xmlns="" id="{4D077A45-DF2B-4618-9394-A141B13B1420}"/>
               </a:ext>
             </a:extLst>
           </p:cNvPr>
@@ -22422,7 +22483,7 @@
           <p:cNvPr id="5" name="TextBox 4">
             <a:extLst>
               <a:ext uri="{FF2B5EF4-FFF2-40B4-BE49-F238E27FC236}">
-                <a16:creationId xmlns:a16="http://schemas.microsoft.com/office/drawing/2014/main" id="{23D82F33-5629-4A89-96F7-5348A5E7BF64}"/>
+                <a16:creationId xmlns:a16="http://schemas.microsoft.com/office/drawing/2014/main" xmlns="" id="{23D82F33-5629-4A89-96F7-5348A5E7BF64}"/>
               </a:ext>
             </a:extLst>
           </p:cNvPr>
@@ -22506,7 +22567,7 @@
           <p:cNvPr id="15" name="그룹 14">
             <a:extLst>
               <a:ext uri="{FF2B5EF4-FFF2-40B4-BE49-F238E27FC236}">
-                <a16:creationId xmlns:a16="http://schemas.microsoft.com/office/drawing/2014/main" id="{B7536413-EBBF-45BD-956C-DBF04F557F50}"/>
+                <a16:creationId xmlns:a16="http://schemas.microsoft.com/office/drawing/2014/main" xmlns="" id="{B7536413-EBBF-45BD-956C-DBF04F557F50}"/>
               </a:ext>
             </a:extLst>
           </p:cNvPr>
@@ -22526,7 +22587,7 @@
             <p:cNvPr id="8" name="직사각형 7">
               <a:extLst>
                 <a:ext uri="{FF2B5EF4-FFF2-40B4-BE49-F238E27FC236}">
-                  <a16:creationId xmlns:a16="http://schemas.microsoft.com/office/drawing/2014/main" id="{F11A9128-76C8-4335-872F-E85671129C65}"/>
+                  <a16:creationId xmlns:a16="http://schemas.microsoft.com/office/drawing/2014/main" xmlns="" id="{F11A9128-76C8-4335-872F-E85671129C65}"/>
                 </a:ext>
               </a:extLst>
             </p:cNvPr>
@@ -22578,7 +22639,7 @@
             <p:cNvPr id="14" name="이등변 삼각형 13">
               <a:extLst>
                 <a:ext uri="{FF2B5EF4-FFF2-40B4-BE49-F238E27FC236}">
-                  <a16:creationId xmlns:a16="http://schemas.microsoft.com/office/drawing/2014/main" id="{2C330ABB-6ACB-46E7-B89D-15EBDBF22119}"/>
+                  <a16:creationId xmlns:a16="http://schemas.microsoft.com/office/drawing/2014/main" xmlns="" id="{2C330ABB-6ACB-46E7-B89D-15EBDBF22119}"/>
                 </a:ext>
               </a:extLst>
             </p:cNvPr>
@@ -22631,7 +22692,7 @@
           <p:cNvPr id="2" name="직사각형 1">
             <a:extLst>
               <a:ext uri="{FF2B5EF4-FFF2-40B4-BE49-F238E27FC236}">
-                <a16:creationId xmlns:a16="http://schemas.microsoft.com/office/drawing/2014/main" id="{8E5B996D-DF87-49E5-95D1-45B1EEB9EE9A}"/>
+                <a16:creationId xmlns:a16="http://schemas.microsoft.com/office/drawing/2014/main" xmlns="" id="{8E5B996D-DF87-49E5-95D1-45B1EEB9EE9A}"/>
               </a:ext>
             </a:extLst>
           </p:cNvPr>
@@ -22683,7 +22744,7 @@
           <p:cNvPr id="4" name="직사각형 3">
             <a:extLst>
               <a:ext uri="{FF2B5EF4-FFF2-40B4-BE49-F238E27FC236}">
-                <a16:creationId xmlns:a16="http://schemas.microsoft.com/office/drawing/2014/main" id="{080CEE4E-4BCA-42C3-BECA-9BCEB9931EEA}"/>
+                <a16:creationId xmlns:a16="http://schemas.microsoft.com/office/drawing/2014/main" xmlns="" id="{080CEE4E-4BCA-42C3-BECA-9BCEB9931EEA}"/>
               </a:ext>
             </a:extLst>
           </p:cNvPr>
@@ -22735,7 +22796,7 @@
           <p:cNvPr id="5" name="TextBox 4">
             <a:extLst>
               <a:ext uri="{FF2B5EF4-FFF2-40B4-BE49-F238E27FC236}">
-                <a16:creationId xmlns:a16="http://schemas.microsoft.com/office/drawing/2014/main" id="{D12B0B12-AB99-4F88-B4B2-948DADC833EA}"/>
+                <a16:creationId xmlns:a16="http://schemas.microsoft.com/office/drawing/2014/main" xmlns="" id="{D12B0B12-AB99-4F88-B4B2-948DADC833EA}"/>
               </a:ext>
             </a:extLst>
           </p:cNvPr>
@@ -22854,7 +22915,7 @@
           <p:cNvPr id="9" name="그림 8">
             <a:extLst>
               <a:ext uri="{FF2B5EF4-FFF2-40B4-BE49-F238E27FC236}">
-                <a16:creationId xmlns:a16="http://schemas.microsoft.com/office/drawing/2014/main" id="{0F0992E8-2696-42E6-805A-0C12780D8FA1}"/>
+                <a16:creationId xmlns:a16="http://schemas.microsoft.com/office/drawing/2014/main" xmlns="" id="{0F0992E8-2696-42E6-805A-0C12780D8FA1}"/>
               </a:ext>
             </a:extLst>
           </p:cNvPr>
@@ -22889,7 +22950,7 @@
           <p:cNvPr id="12" name="TextBox 11">
             <a:extLst>
               <a:ext uri="{FF2B5EF4-FFF2-40B4-BE49-F238E27FC236}">
-                <a16:creationId xmlns:a16="http://schemas.microsoft.com/office/drawing/2014/main" id="{7FA4A435-72AD-4E57-8841-4A73CE0EA391}"/>
+                <a16:creationId xmlns:a16="http://schemas.microsoft.com/office/drawing/2014/main" xmlns="" id="{7FA4A435-72AD-4E57-8841-4A73CE0EA391}"/>
               </a:ext>
             </a:extLst>
           </p:cNvPr>
@@ -23028,7 +23089,7 @@
           <p:cNvPr id="2" name="직사각형 1">
             <a:extLst>
               <a:ext uri="{FF2B5EF4-FFF2-40B4-BE49-F238E27FC236}">
-                <a16:creationId xmlns:a16="http://schemas.microsoft.com/office/drawing/2014/main" id="{8E5B996D-DF87-49E5-95D1-45B1EEB9EE9A}"/>
+                <a16:creationId xmlns:a16="http://schemas.microsoft.com/office/drawing/2014/main" xmlns="" id="{8E5B996D-DF87-49E5-95D1-45B1EEB9EE9A}"/>
               </a:ext>
             </a:extLst>
           </p:cNvPr>
@@ -23080,7 +23141,7 @@
           <p:cNvPr id="4" name="직사각형 3">
             <a:extLst>
               <a:ext uri="{FF2B5EF4-FFF2-40B4-BE49-F238E27FC236}">
-                <a16:creationId xmlns:a16="http://schemas.microsoft.com/office/drawing/2014/main" id="{080CEE4E-4BCA-42C3-BECA-9BCEB9931EEA}"/>
+                <a16:creationId xmlns:a16="http://schemas.microsoft.com/office/drawing/2014/main" xmlns="" id="{080CEE4E-4BCA-42C3-BECA-9BCEB9931EEA}"/>
               </a:ext>
             </a:extLst>
           </p:cNvPr>
@@ -23132,7 +23193,7 @@
           <p:cNvPr id="5" name="TextBox 4">
             <a:extLst>
               <a:ext uri="{FF2B5EF4-FFF2-40B4-BE49-F238E27FC236}">
-                <a16:creationId xmlns:a16="http://schemas.microsoft.com/office/drawing/2014/main" id="{D12B0B12-AB99-4F88-B4B2-948DADC833EA}"/>
+                <a16:creationId xmlns:a16="http://schemas.microsoft.com/office/drawing/2014/main" xmlns="" id="{D12B0B12-AB99-4F88-B4B2-948DADC833EA}"/>
               </a:ext>
             </a:extLst>
           </p:cNvPr>
@@ -23215,7 +23276,7 @@
           <p:cNvPr id="9" name="그림 8">
             <a:extLst>
               <a:ext uri="{FF2B5EF4-FFF2-40B4-BE49-F238E27FC236}">
-                <a16:creationId xmlns:a16="http://schemas.microsoft.com/office/drawing/2014/main" id="{0F0992E8-2696-42E6-805A-0C12780D8FA1}"/>
+                <a16:creationId xmlns:a16="http://schemas.microsoft.com/office/drawing/2014/main" xmlns="" id="{0F0992E8-2696-42E6-805A-0C12780D8FA1}"/>
               </a:ext>
             </a:extLst>
           </p:cNvPr>
@@ -23511,7 +23572,7 @@
           <p:cNvPr id="2" name="직사각형 1">
             <a:extLst>
               <a:ext uri="{FF2B5EF4-FFF2-40B4-BE49-F238E27FC236}">
-                <a16:creationId xmlns:a16="http://schemas.microsoft.com/office/drawing/2014/main" id="{8E5B996D-DF87-49E5-95D1-45B1EEB9EE9A}"/>
+                <a16:creationId xmlns:a16="http://schemas.microsoft.com/office/drawing/2014/main" xmlns="" id="{8E5B996D-DF87-49E5-95D1-45B1EEB9EE9A}"/>
               </a:ext>
             </a:extLst>
           </p:cNvPr>
@@ -23563,7 +23624,7 @@
           <p:cNvPr id="4" name="직사각형 3">
             <a:extLst>
               <a:ext uri="{FF2B5EF4-FFF2-40B4-BE49-F238E27FC236}">
-                <a16:creationId xmlns:a16="http://schemas.microsoft.com/office/drawing/2014/main" id="{080CEE4E-4BCA-42C3-BECA-9BCEB9931EEA}"/>
+                <a16:creationId xmlns:a16="http://schemas.microsoft.com/office/drawing/2014/main" xmlns="" id="{080CEE4E-4BCA-42C3-BECA-9BCEB9931EEA}"/>
               </a:ext>
             </a:extLst>
           </p:cNvPr>
@@ -23615,7 +23676,7 @@
           <p:cNvPr id="5" name="TextBox 4">
             <a:extLst>
               <a:ext uri="{FF2B5EF4-FFF2-40B4-BE49-F238E27FC236}">
-                <a16:creationId xmlns:a16="http://schemas.microsoft.com/office/drawing/2014/main" id="{D12B0B12-AB99-4F88-B4B2-948DADC833EA}"/>
+                <a16:creationId xmlns:a16="http://schemas.microsoft.com/office/drawing/2014/main" xmlns="" id="{D12B0B12-AB99-4F88-B4B2-948DADC833EA}"/>
               </a:ext>
             </a:extLst>
           </p:cNvPr>
@@ -23734,7 +23795,7 @@
           <p:cNvPr id="9" name="그림 8">
             <a:extLst>
               <a:ext uri="{FF2B5EF4-FFF2-40B4-BE49-F238E27FC236}">
-                <a16:creationId xmlns:a16="http://schemas.microsoft.com/office/drawing/2014/main" id="{0F0992E8-2696-42E6-805A-0C12780D8FA1}"/>
+                <a16:creationId xmlns:a16="http://schemas.microsoft.com/office/drawing/2014/main" xmlns="" id="{0F0992E8-2696-42E6-805A-0C12780D8FA1}"/>
               </a:ext>
             </a:extLst>
           </p:cNvPr>
@@ -23863,7 +23924,7 @@
           <p:cNvPr id="2" name="직사각형 1">
             <a:extLst>
               <a:ext uri="{FF2B5EF4-FFF2-40B4-BE49-F238E27FC236}">
-                <a16:creationId xmlns:a16="http://schemas.microsoft.com/office/drawing/2014/main" id="{8E5B996D-DF87-49E5-95D1-45B1EEB9EE9A}"/>
+                <a16:creationId xmlns:a16="http://schemas.microsoft.com/office/drawing/2014/main" xmlns="" id="{8E5B996D-DF87-49E5-95D1-45B1EEB9EE9A}"/>
               </a:ext>
             </a:extLst>
           </p:cNvPr>
@@ -23915,7 +23976,7 @@
           <p:cNvPr id="4" name="직사각형 3">
             <a:extLst>
               <a:ext uri="{FF2B5EF4-FFF2-40B4-BE49-F238E27FC236}">
-                <a16:creationId xmlns:a16="http://schemas.microsoft.com/office/drawing/2014/main" id="{080CEE4E-4BCA-42C3-BECA-9BCEB9931EEA}"/>
+                <a16:creationId xmlns:a16="http://schemas.microsoft.com/office/drawing/2014/main" xmlns="" id="{080CEE4E-4BCA-42C3-BECA-9BCEB9931EEA}"/>
               </a:ext>
             </a:extLst>
           </p:cNvPr>
@@ -23967,7 +24028,7 @@
           <p:cNvPr id="5" name="TextBox 4">
             <a:extLst>
               <a:ext uri="{FF2B5EF4-FFF2-40B4-BE49-F238E27FC236}">
-                <a16:creationId xmlns:a16="http://schemas.microsoft.com/office/drawing/2014/main" id="{D12B0B12-AB99-4F88-B4B2-948DADC833EA}"/>
+                <a16:creationId xmlns:a16="http://schemas.microsoft.com/office/drawing/2014/main" xmlns="" id="{D12B0B12-AB99-4F88-B4B2-948DADC833EA}"/>
               </a:ext>
             </a:extLst>
           </p:cNvPr>
@@ -24086,7 +24147,7 @@
           <p:cNvPr id="9" name="그림 8">
             <a:extLst>
               <a:ext uri="{FF2B5EF4-FFF2-40B4-BE49-F238E27FC236}">
-                <a16:creationId xmlns:a16="http://schemas.microsoft.com/office/drawing/2014/main" id="{0F0992E8-2696-42E6-805A-0C12780D8FA1}"/>
+                <a16:creationId xmlns:a16="http://schemas.microsoft.com/office/drawing/2014/main" xmlns="" id="{0F0992E8-2696-42E6-805A-0C12780D8FA1}"/>
               </a:ext>
             </a:extLst>
           </p:cNvPr>
@@ -24215,7 +24276,7 @@
           <p:cNvPr id="2" name="직사각형 1">
             <a:extLst>
               <a:ext uri="{FF2B5EF4-FFF2-40B4-BE49-F238E27FC236}">
-                <a16:creationId xmlns:a16="http://schemas.microsoft.com/office/drawing/2014/main" id="{8E5B996D-DF87-49E5-95D1-45B1EEB9EE9A}"/>
+                <a16:creationId xmlns:a16="http://schemas.microsoft.com/office/drawing/2014/main" xmlns="" id="{8E5B996D-DF87-49E5-95D1-45B1EEB9EE9A}"/>
               </a:ext>
             </a:extLst>
           </p:cNvPr>
@@ -24267,7 +24328,7 @@
           <p:cNvPr id="4" name="직사각형 3">
             <a:extLst>
               <a:ext uri="{FF2B5EF4-FFF2-40B4-BE49-F238E27FC236}">
-                <a16:creationId xmlns:a16="http://schemas.microsoft.com/office/drawing/2014/main" id="{080CEE4E-4BCA-42C3-BECA-9BCEB9931EEA}"/>
+                <a16:creationId xmlns:a16="http://schemas.microsoft.com/office/drawing/2014/main" xmlns="" id="{080CEE4E-4BCA-42C3-BECA-9BCEB9931EEA}"/>
               </a:ext>
             </a:extLst>
           </p:cNvPr>
@@ -24319,7 +24380,7 @@
           <p:cNvPr id="5" name="TextBox 4">
             <a:extLst>
               <a:ext uri="{FF2B5EF4-FFF2-40B4-BE49-F238E27FC236}">
-                <a16:creationId xmlns:a16="http://schemas.microsoft.com/office/drawing/2014/main" id="{D12B0B12-AB99-4F88-B4B2-948DADC833EA}"/>
+                <a16:creationId xmlns:a16="http://schemas.microsoft.com/office/drawing/2014/main" xmlns="" id="{D12B0B12-AB99-4F88-B4B2-948DADC833EA}"/>
               </a:ext>
             </a:extLst>
           </p:cNvPr>
@@ -24438,7 +24499,7 @@
           <p:cNvPr id="9" name="그림 8">
             <a:extLst>
               <a:ext uri="{FF2B5EF4-FFF2-40B4-BE49-F238E27FC236}">
-                <a16:creationId xmlns:a16="http://schemas.microsoft.com/office/drawing/2014/main" id="{0F0992E8-2696-42E6-805A-0C12780D8FA1}"/>
+                <a16:creationId xmlns:a16="http://schemas.microsoft.com/office/drawing/2014/main" xmlns="" id="{0F0992E8-2696-42E6-805A-0C12780D8FA1}"/>
               </a:ext>
             </a:extLst>
           </p:cNvPr>
@@ -24504,7 +24565,7 @@
           <p:cNvPr id="2" name="직사각형 1">
             <a:extLst>
               <a:ext uri="{FF2B5EF4-FFF2-40B4-BE49-F238E27FC236}">
-                <a16:creationId xmlns:a16="http://schemas.microsoft.com/office/drawing/2014/main" id="{8E5B996D-DF87-49E5-95D1-45B1EEB9EE9A}"/>
+                <a16:creationId xmlns:a16="http://schemas.microsoft.com/office/drawing/2014/main" xmlns="" id="{8E5B996D-DF87-49E5-95D1-45B1EEB9EE9A}"/>
               </a:ext>
             </a:extLst>
           </p:cNvPr>
@@ -24556,7 +24617,7 @@
           <p:cNvPr id="4" name="직사각형 3">
             <a:extLst>
               <a:ext uri="{FF2B5EF4-FFF2-40B4-BE49-F238E27FC236}">
-                <a16:creationId xmlns:a16="http://schemas.microsoft.com/office/drawing/2014/main" id="{080CEE4E-4BCA-42C3-BECA-9BCEB9931EEA}"/>
+                <a16:creationId xmlns:a16="http://schemas.microsoft.com/office/drawing/2014/main" xmlns="" id="{080CEE4E-4BCA-42C3-BECA-9BCEB9931EEA}"/>
               </a:ext>
             </a:extLst>
           </p:cNvPr>
@@ -24608,7 +24669,7 @@
           <p:cNvPr id="5" name="TextBox 4">
             <a:extLst>
               <a:ext uri="{FF2B5EF4-FFF2-40B4-BE49-F238E27FC236}">
-                <a16:creationId xmlns:a16="http://schemas.microsoft.com/office/drawing/2014/main" id="{D12B0B12-AB99-4F88-B4B2-948DADC833EA}"/>
+                <a16:creationId xmlns:a16="http://schemas.microsoft.com/office/drawing/2014/main" xmlns="" id="{D12B0B12-AB99-4F88-B4B2-948DADC833EA}"/>
               </a:ext>
             </a:extLst>
           </p:cNvPr>
@@ -24727,7 +24788,7 @@
           <p:cNvPr id="9" name="그림 8">
             <a:extLst>
               <a:ext uri="{FF2B5EF4-FFF2-40B4-BE49-F238E27FC236}">
-                <a16:creationId xmlns:a16="http://schemas.microsoft.com/office/drawing/2014/main" id="{0F0992E8-2696-42E6-805A-0C12780D8FA1}"/>
+                <a16:creationId xmlns:a16="http://schemas.microsoft.com/office/drawing/2014/main" xmlns="" id="{0F0992E8-2696-42E6-805A-0C12780D8FA1}"/>
               </a:ext>
             </a:extLst>
           </p:cNvPr>
@@ -25984,7 +26045,7 @@
           <p:cNvPr id="2" name="직사각형 1">
             <a:extLst>
               <a:ext uri="{FF2B5EF4-FFF2-40B4-BE49-F238E27FC236}">
-                <a16:creationId xmlns:a16="http://schemas.microsoft.com/office/drawing/2014/main" id="{8E5B996D-DF87-49E5-95D1-45B1EEB9EE9A}"/>
+                <a16:creationId xmlns:a16="http://schemas.microsoft.com/office/drawing/2014/main" xmlns="" id="{8E5B996D-DF87-49E5-95D1-45B1EEB9EE9A}"/>
               </a:ext>
             </a:extLst>
           </p:cNvPr>
@@ -26036,7 +26097,7 @@
           <p:cNvPr id="4" name="직사각형 3">
             <a:extLst>
               <a:ext uri="{FF2B5EF4-FFF2-40B4-BE49-F238E27FC236}">
-                <a16:creationId xmlns:a16="http://schemas.microsoft.com/office/drawing/2014/main" id="{080CEE4E-4BCA-42C3-BECA-9BCEB9931EEA}"/>
+                <a16:creationId xmlns:a16="http://schemas.microsoft.com/office/drawing/2014/main" xmlns="" id="{080CEE4E-4BCA-42C3-BECA-9BCEB9931EEA}"/>
               </a:ext>
             </a:extLst>
           </p:cNvPr>
@@ -26088,7 +26149,7 @@
           <p:cNvPr id="5" name="TextBox 4">
             <a:extLst>
               <a:ext uri="{FF2B5EF4-FFF2-40B4-BE49-F238E27FC236}">
-                <a16:creationId xmlns:a16="http://schemas.microsoft.com/office/drawing/2014/main" id="{D12B0B12-AB99-4F88-B4B2-948DADC833EA}"/>
+                <a16:creationId xmlns:a16="http://schemas.microsoft.com/office/drawing/2014/main" xmlns="" id="{D12B0B12-AB99-4F88-B4B2-948DADC833EA}"/>
               </a:ext>
             </a:extLst>
           </p:cNvPr>
@@ -26207,7 +26268,7 @@
           <p:cNvPr id="9" name="그림 8">
             <a:extLst>
               <a:ext uri="{FF2B5EF4-FFF2-40B4-BE49-F238E27FC236}">
-                <a16:creationId xmlns:a16="http://schemas.microsoft.com/office/drawing/2014/main" id="{0F0992E8-2696-42E6-805A-0C12780D8FA1}"/>
+                <a16:creationId xmlns:a16="http://schemas.microsoft.com/office/drawing/2014/main" xmlns="" id="{0F0992E8-2696-42E6-805A-0C12780D8FA1}"/>
               </a:ext>
             </a:extLst>
           </p:cNvPr>
@@ -26570,7 +26631,7 @@
           <p:cNvPr id="10" name="직사각형 9">
             <a:extLst>
               <a:ext uri="{FF2B5EF4-FFF2-40B4-BE49-F238E27FC236}">
-                <a16:creationId xmlns:a16="http://schemas.microsoft.com/office/drawing/2014/main" id="{C06AD1E1-15AC-47D7-8403-E3418692F8E0}"/>
+                <a16:creationId xmlns:a16="http://schemas.microsoft.com/office/drawing/2014/main" xmlns="" id="{C06AD1E1-15AC-47D7-8403-E3418692F8E0}"/>
               </a:ext>
             </a:extLst>
           </p:cNvPr>
@@ -26614,7 +26675,7 @@
           <p:cNvPr id="11" name="직사각형 10">
             <a:extLst>
               <a:ext uri="{FF2B5EF4-FFF2-40B4-BE49-F238E27FC236}">
-                <a16:creationId xmlns:a16="http://schemas.microsoft.com/office/drawing/2014/main" id="{9BA0B9D7-6CF3-42E4-BB1E-5D41FEBB96FD}"/>
+                <a16:creationId xmlns:a16="http://schemas.microsoft.com/office/drawing/2014/main" xmlns="" id="{9BA0B9D7-6CF3-42E4-BB1E-5D41FEBB96FD}"/>
               </a:ext>
             </a:extLst>
           </p:cNvPr>
@@ -26658,7 +26719,7 @@
           <p:cNvPr id="12" name="TextBox 11">
             <a:extLst>
               <a:ext uri="{FF2B5EF4-FFF2-40B4-BE49-F238E27FC236}">
-                <a16:creationId xmlns:a16="http://schemas.microsoft.com/office/drawing/2014/main" id="{06330FE6-C4D0-4A04-A776-B7D7A99FEE8F}"/>
+                <a16:creationId xmlns:a16="http://schemas.microsoft.com/office/drawing/2014/main" xmlns="" id="{06330FE6-C4D0-4A04-A776-B7D7A99FEE8F}"/>
               </a:ext>
             </a:extLst>
           </p:cNvPr>
@@ -26693,7 +26754,7 @@
           <p:cNvPr id="13" name="TextBox 12">
             <a:extLst>
               <a:ext uri="{FF2B5EF4-FFF2-40B4-BE49-F238E27FC236}">
-                <a16:creationId xmlns:a16="http://schemas.microsoft.com/office/drawing/2014/main" id="{3A39D1D2-6993-47C8-B206-5F24137F65F3}"/>
+                <a16:creationId xmlns:a16="http://schemas.microsoft.com/office/drawing/2014/main" xmlns="" id="{3A39D1D2-6993-47C8-B206-5F24137F65F3}"/>
               </a:ext>
             </a:extLst>
           </p:cNvPr>
@@ -26728,7 +26789,7 @@
           <p:cNvPr id="14" name="직사각형 13">
             <a:extLst>
               <a:ext uri="{FF2B5EF4-FFF2-40B4-BE49-F238E27FC236}">
-                <a16:creationId xmlns:a16="http://schemas.microsoft.com/office/drawing/2014/main" id="{E12D4D8D-0ADC-4521-A3FB-8C99B905DB23}"/>
+                <a16:creationId xmlns:a16="http://schemas.microsoft.com/office/drawing/2014/main" xmlns="" id="{E12D4D8D-0ADC-4521-A3FB-8C99B905DB23}"/>
               </a:ext>
             </a:extLst>
           </p:cNvPr>
@@ -26772,7 +26833,7 @@
           <p:cNvPr id="15" name="직사각형 14">
             <a:extLst>
               <a:ext uri="{FF2B5EF4-FFF2-40B4-BE49-F238E27FC236}">
-                <a16:creationId xmlns:a16="http://schemas.microsoft.com/office/drawing/2014/main" id="{858EF894-179B-407C-95C7-DBE73F217BFF}"/>
+                <a16:creationId xmlns:a16="http://schemas.microsoft.com/office/drawing/2014/main" xmlns="" id="{858EF894-179B-407C-95C7-DBE73F217BFF}"/>
               </a:ext>
             </a:extLst>
           </p:cNvPr>
@@ -26820,7 +26881,7 @@
           <p:cNvPr id="16" name="직사각형 15">
             <a:extLst>
               <a:ext uri="{FF2B5EF4-FFF2-40B4-BE49-F238E27FC236}">
-                <a16:creationId xmlns:a16="http://schemas.microsoft.com/office/drawing/2014/main" id="{C54102B0-1FC6-4BB5-9EC2-96E1C1C6B9D3}"/>
+                <a16:creationId xmlns:a16="http://schemas.microsoft.com/office/drawing/2014/main" xmlns="" id="{C54102B0-1FC6-4BB5-9EC2-96E1C1C6B9D3}"/>
               </a:ext>
             </a:extLst>
           </p:cNvPr>
@@ -26864,7 +26925,7 @@
           <p:cNvPr id="17" name="TextBox 16">
             <a:extLst>
               <a:ext uri="{FF2B5EF4-FFF2-40B4-BE49-F238E27FC236}">
-                <a16:creationId xmlns:a16="http://schemas.microsoft.com/office/drawing/2014/main" id="{DE2ED6AA-2EA4-4B4E-8E17-7E28C5CCCFCB}"/>
+                <a16:creationId xmlns:a16="http://schemas.microsoft.com/office/drawing/2014/main" xmlns="" id="{DE2ED6AA-2EA4-4B4E-8E17-7E28C5CCCFCB}"/>
               </a:ext>
             </a:extLst>
           </p:cNvPr>
@@ -26900,7 +26961,7 @@
           <p:cNvPr id="18" name="직사각형 17">
             <a:extLst>
               <a:ext uri="{FF2B5EF4-FFF2-40B4-BE49-F238E27FC236}">
-                <a16:creationId xmlns:a16="http://schemas.microsoft.com/office/drawing/2014/main" id="{9D56ADB9-A0DD-425C-A5B8-AB58E3DE5BAB}"/>
+                <a16:creationId xmlns:a16="http://schemas.microsoft.com/office/drawing/2014/main" xmlns="" id="{9D56ADB9-A0DD-425C-A5B8-AB58E3DE5BAB}"/>
               </a:ext>
             </a:extLst>
           </p:cNvPr>
@@ -26947,7 +27008,7 @@
           <p:cNvPr id="19" name="TextBox 18">
             <a:extLst>
               <a:ext uri="{FF2B5EF4-FFF2-40B4-BE49-F238E27FC236}">
-                <a16:creationId xmlns:a16="http://schemas.microsoft.com/office/drawing/2014/main" id="{BE97AB81-FBB8-4FA0-BD52-8838D884D98C}"/>
+                <a16:creationId xmlns:a16="http://schemas.microsoft.com/office/drawing/2014/main" xmlns="" id="{BE97AB81-FBB8-4FA0-BD52-8838D884D98C}"/>
               </a:ext>
             </a:extLst>
           </p:cNvPr>
@@ -26982,7 +27043,7 @@
           <p:cNvPr id="8" name="그림 7">
             <a:extLst>
               <a:ext uri="{FF2B5EF4-FFF2-40B4-BE49-F238E27FC236}">
-                <a16:creationId xmlns:a16="http://schemas.microsoft.com/office/drawing/2014/main" id="{67C27A0E-090D-4FBF-B216-C5B281DE255C}"/>
+                <a16:creationId xmlns:a16="http://schemas.microsoft.com/office/drawing/2014/main" xmlns="" id="{67C27A0E-090D-4FBF-B216-C5B281DE255C}"/>
               </a:ext>
             </a:extLst>
           </p:cNvPr>
@@ -26992,7 +27053,7 @@
           <p:nvPr/>
         </p:nvPicPr>
         <p:blipFill>
-          <a:blip r:embed="rId5">
+          <a:blip r:embed="rId5" cstate="print">
             <a:extLst>
               <a:ext uri="{28A0092B-C50C-407E-A947-70E740481C1C}">
                 <a14:useLocalDpi xmlns:a14="http://schemas.microsoft.com/office/drawing/2010/main" val="0"/>
@@ -27048,7 +27109,7 @@
           <p:cNvPr id="2" name="직사각형 1">
             <a:extLst>
               <a:ext uri="{FF2B5EF4-FFF2-40B4-BE49-F238E27FC236}">
-                <a16:creationId xmlns:a16="http://schemas.microsoft.com/office/drawing/2014/main" id="{8E5B996D-DF87-49E5-95D1-45B1EEB9EE9A}"/>
+                <a16:creationId xmlns:a16="http://schemas.microsoft.com/office/drawing/2014/main" xmlns="" id="{8E5B996D-DF87-49E5-95D1-45B1EEB9EE9A}"/>
               </a:ext>
             </a:extLst>
           </p:cNvPr>
@@ -27100,7 +27161,7 @@
           <p:cNvPr id="4" name="직사각형 3">
             <a:extLst>
               <a:ext uri="{FF2B5EF4-FFF2-40B4-BE49-F238E27FC236}">
-                <a16:creationId xmlns:a16="http://schemas.microsoft.com/office/drawing/2014/main" id="{080CEE4E-4BCA-42C3-BECA-9BCEB9931EEA}"/>
+                <a16:creationId xmlns:a16="http://schemas.microsoft.com/office/drawing/2014/main" xmlns="" id="{080CEE4E-4BCA-42C3-BECA-9BCEB9931EEA}"/>
               </a:ext>
             </a:extLst>
           </p:cNvPr>
@@ -27152,7 +27213,7 @@
           <p:cNvPr id="5" name="TextBox 4">
             <a:extLst>
               <a:ext uri="{FF2B5EF4-FFF2-40B4-BE49-F238E27FC236}">
-                <a16:creationId xmlns:a16="http://schemas.microsoft.com/office/drawing/2014/main" id="{D12B0B12-AB99-4F88-B4B2-948DADC833EA}"/>
+                <a16:creationId xmlns:a16="http://schemas.microsoft.com/office/drawing/2014/main" xmlns="" id="{D12B0B12-AB99-4F88-B4B2-948DADC833EA}"/>
               </a:ext>
             </a:extLst>
           </p:cNvPr>
@@ -27271,7 +27332,7 @@
           <p:cNvPr id="9" name="그림 8">
             <a:extLst>
               <a:ext uri="{FF2B5EF4-FFF2-40B4-BE49-F238E27FC236}">
-                <a16:creationId xmlns:a16="http://schemas.microsoft.com/office/drawing/2014/main" id="{0F0992E8-2696-42E6-805A-0C12780D8FA1}"/>
+                <a16:creationId xmlns:a16="http://schemas.microsoft.com/office/drawing/2014/main" xmlns="" id="{0F0992E8-2696-42E6-805A-0C12780D8FA1}"/>
               </a:ext>
             </a:extLst>
           </p:cNvPr>
@@ -27634,7 +27695,7 @@
           <p:cNvPr id="6" name="직사각형 5">
             <a:extLst>
               <a:ext uri="{FF2B5EF4-FFF2-40B4-BE49-F238E27FC236}">
-                <a16:creationId xmlns:a16="http://schemas.microsoft.com/office/drawing/2014/main" id="{3D558B93-576E-49BD-A1DF-A82C5870B448}"/>
+                <a16:creationId xmlns:a16="http://schemas.microsoft.com/office/drawing/2014/main" xmlns="" id="{3D558B93-576E-49BD-A1DF-A82C5870B448}"/>
               </a:ext>
             </a:extLst>
           </p:cNvPr>
@@ -27678,7 +27739,7 @@
           <p:cNvPr id="10" name="직사각형 9">
             <a:extLst>
               <a:ext uri="{FF2B5EF4-FFF2-40B4-BE49-F238E27FC236}">
-                <a16:creationId xmlns:a16="http://schemas.microsoft.com/office/drawing/2014/main" id="{E09BF372-DA70-4198-B7DA-153AF988B7F3}"/>
+                <a16:creationId xmlns:a16="http://schemas.microsoft.com/office/drawing/2014/main" xmlns="" id="{E09BF372-DA70-4198-B7DA-153AF988B7F3}"/>
               </a:ext>
             </a:extLst>
           </p:cNvPr>
@@ -27722,7 +27783,7 @@
           <p:cNvPr id="11" name="TextBox 10">
             <a:extLst>
               <a:ext uri="{FF2B5EF4-FFF2-40B4-BE49-F238E27FC236}">
-                <a16:creationId xmlns:a16="http://schemas.microsoft.com/office/drawing/2014/main" id="{FEABD6E8-C233-4CB3-A1FE-F2249F5A9579}"/>
+                <a16:creationId xmlns:a16="http://schemas.microsoft.com/office/drawing/2014/main" xmlns="" id="{FEABD6E8-C233-4CB3-A1FE-F2249F5A9579}"/>
               </a:ext>
             </a:extLst>
           </p:cNvPr>
@@ -27757,7 +27818,7 @@
           <p:cNvPr id="12" name="TextBox 11">
             <a:extLst>
               <a:ext uri="{FF2B5EF4-FFF2-40B4-BE49-F238E27FC236}">
-                <a16:creationId xmlns:a16="http://schemas.microsoft.com/office/drawing/2014/main" id="{6FD49968-80A8-4E4B-A335-7AFF6CDEA4D8}"/>
+                <a16:creationId xmlns:a16="http://schemas.microsoft.com/office/drawing/2014/main" xmlns="" id="{6FD49968-80A8-4E4B-A335-7AFF6CDEA4D8}"/>
               </a:ext>
             </a:extLst>
           </p:cNvPr>
@@ -27792,7 +27853,7 @@
           <p:cNvPr id="13" name="직사각형 12">
             <a:extLst>
               <a:ext uri="{FF2B5EF4-FFF2-40B4-BE49-F238E27FC236}">
-                <a16:creationId xmlns:a16="http://schemas.microsoft.com/office/drawing/2014/main" id="{B24D303F-14FF-4E5A-9729-31BA2B7D0763}"/>
+                <a16:creationId xmlns:a16="http://schemas.microsoft.com/office/drawing/2014/main" xmlns="" id="{B24D303F-14FF-4E5A-9729-31BA2B7D0763}"/>
               </a:ext>
             </a:extLst>
           </p:cNvPr>
@@ -27836,7 +27897,7 @@
           <p:cNvPr id="8" name="직사각형 7">
             <a:extLst>
               <a:ext uri="{FF2B5EF4-FFF2-40B4-BE49-F238E27FC236}">
-                <a16:creationId xmlns:a16="http://schemas.microsoft.com/office/drawing/2014/main" id="{48C9AC18-6F8F-4CAC-A71D-F832DC910868}"/>
+                <a16:creationId xmlns:a16="http://schemas.microsoft.com/office/drawing/2014/main" xmlns="" id="{48C9AC18-6F8F-4CAC-A71D-F832DC910868}"/>
               </a:ext>
             </a:extLst>
           </p:cNvPr>
@@ -27884,7 +27945,7 @@
           <p:cNvPr id="15" name="직사각형 14">
             <a:extLst>
               <a:ext uri="{FF2B5EF4-FFF2-40B4-BE49-F238E27FC236}">
-                <a16:creationId xmlns:a16="http://schemas.microsoft.com/office/drawing/2014/main" id="{CA4EFDCE-77D7-4351-98AF-C3C52E38BCEF}"/>
+                <a16:creationId xmlns:a16="http://schemas.microsoft.com/office/drawing/2014/main" xmlns="" id="{CA4EFDCE-77D7-4351-98AF-C3C52E38BCEF}"/>
               </a:ext>
             </a:extLst>
           </p:cNvPr>
@@ -27928,7 +27989,7 @@
           <p:cNvPr id="16" name="TextBox 15">
             <a:extLst>
               <a:ext uri="{FF2B5EF4-FFF2-40B4-BE49-F238E27FC236}">
-                <a16:creationId xmlns:a16="http://schemas.microsoft.com/office/drawing/2014/main" id="{1F98A6F7-E8CD-4FE2-9471-7C2693D557B1}"/>
+                <a16:creationId xmlns:a16="http://schemas.microsoft.com/office/drawing/2014/main" xmlns="" id="{1F98A6F7-E8CD-4FE2-9471-7C2693D557B1}"/>
               </a:ext>
             </a:extLst>
           </p:cNvPr>
@@ -27964,7 +28025,7 @@
           <p:cNvPr id="14" name="직사각형 13">
             <a:extLst>
               <a:ext uri="{FF2B5EF4-FFF2-40B4-BE49-F238E27FC236}">
-                <a16:creationId xmlns:a16="http://schemas.microsoft.com/office/drawing/2014/main" id="{CB5C1986-20DE-450C-8EEE-D8BEE2F850C6}"/>
+                <a16:creationId xmlns:a16="http://schemas.microsoft.com/office/drawing/2014/main" xmlns="" id="{CB5C1986-20DE-450C-8EEE-D8BEE2F850C6}"/>
               </a:ext>
             </a:extLst>
           </p:cNvPr>
@@ -28011,7 +28072,7 @@
           <p:cNvPr id="17" name="TextBox 16">
             <a:extLst>
               <a:ext uri="{FF2B5EF4-FFF2-40B4-BE49-F238E27FC236}">
-                <a16:creationId xmlns:a16="http://schemas.microsoft.com/office/drawing/2014/main" id="{B59EE5C3-D579-4CF1-BDF9-7E364B23D4EE}"/>
+                <a16:creationId xmlns:a16="http://schemas.microsoft.com/office/drawing/2014/main" xmlns="" id="{B59EE5C3-D579-4CF1-BDF9-7E364B23D4EE}"/>
               </a:ext>
             </a:extLst>
           </p:cNvPr>
@@ -28047,7 +28108,7 @@
           <p:cNvPr id="19" name="그림 18">
             <a:extLst>
               <a:ext uri="{FF2B5EF4-FFF2-40B4-BE49-F238E27FC236}">
-                <a16:creationId xmlns:a16="http://schemas.microsoft.com/office/drawing/2014/main" id="{926168D9-25C6-4BD5-A34F-16F9D3262B5B}"/>
+                <a16:creationId xmlns:a16="http://schemas.microsoft.com/office/drawing/2014/main" xmlns="" id="{926168D9-25C6-4BD5-A34F-16F9D3262B5B}"/>
               </a:ext>
             </a:extLst>
           </p:cNvPr>
@@ -28057,7 +28118,7 @@
           <p:nvPr/>
         </p:nvPicPr>
         <p:blipFill>
-          <a:blip r:embed="rId5">
+          <a:blip r:embed="rId5" cstate="print">
             <a:extLst>
               <a:ext uri="{28A0092B-C50C-407E-A947-70E740481C1C}">
                 <a14:useLocalDpi xmlns:a14="http://schemas.microsoft.com/office/drawing/2010/main" val="0"/>

--- a/cmk/반려동물관리서비스.pptx
+++ b/cmk/반려동물관리서비스.pptx
@@ -124,7 +124,7 @@
   </p:defaultTextStyle>
   <p:extLst>
     <p:ext uri="{EFAFB233-063F-42B5-8137-9DF3F51BA10A}">
-      <p15:sldGuideLst xmlns="" xmlns:p15="http://schemas.microsoft.com/office/powerpoint/2012/main">
+      <p15:sldGuideLst xmlns:p15="http://schemas.microsoft.com/office/powerpoint/2012/main">
         <p15:guide id="1" orient="horz" pos="2160">
           <p15:clr>
             <a:srgbClr val="A4A3A4"/>
@@ -163,7 +163,7 @@
           <p:cNvPr id="2" name="제목 1">
             <a:extLst>
               <a:ext uri="{FF2B5EF4-FFF2-40B4-BE49-F238E27FC236}">
-                <a16:creationId xmlns:a16="http://schemas.microsoft.com/office/drawing/2014/main" xmlns="" id="{9E5E4632-E9C2-430D-8860-5B671341959C}"/>
+                <a16:creationId xmlns="" xmlns:a16="http://schemas.microsoft.com/office/drawing/2014/main" id="{9E5E4632-E9C2-430D-8860-5B671341959C}"/>
               </a:ext>
             </a:extLst>
           </p:cNvPr>
@@ -200,7 +200,7 @@
           <p:cNvPr id="3" name="부제목 2">
             <a:extLst>
               <a:ext uri="{FF2B5EF4-FFF2-40B4-BE49-F238E27FC236}">
-                <a16:creationId xmlns:a16="http://schemas.microsoft.com/office/drawing/2014/main" xmlns="" id="{8516A487-29F9-4EB6-A4BF-CF7F6C176945}"/>
+                <a16:creationId xmlns="" xmlns:a16="http://schemas.microsoft.com/office/drawing/2014/main" id="{8516A487-29F9-4EB6-A4BF-CF7F6C176945}"/>
               </a:ext>
             </a:extLst>
           </p:cNvPr>
@@ -270,7 +270,7 @@
           <p:cNvPr id="4" name="날짜 개체 틀 3">
             <a:extLst>
               <a:ext uri="{FF2B5EF4-FFF2-40B4-BE49-F238E27FC236}">
-                <a16:creationId xmlns:a16="http://schemas.microsoft.com/office/drawing/2014/main" xmlns="" id="{5458794D-BF22-4D43-9B43-3407B0731DF3}"/>
+                <a16:creationId xmlns="" xmlns:a16="http://schemas.microsoft.com/office/drawing/2014/main" id="{5458794D-BF22-4D43-9B43-3407B0731DF3}"/>
               </a:ext>
             </a:extLst>
           </p:cNvPr>
@@ -299,7 +299,7 @@
           <p:cNvPr id="5" name="바닥글 개체 틀 4">
             <a:extLst>
               <a:ext uri="{FF2B5EF4-FFF2-40B4-BE49-F238E27FC236}">
-                <a16:creationId xmlns:a16="http://schemas.microsoft.com/office/drawing/2014/main" xmlns="" id="{B1CF189C-4CDA-41C3-A048-F232B4C4B8D2}"/>
+                <a16:creationId xmlns="" xmlns:a16="http://schemas.microsoft.com/office/drawing/2014/main" id="{B1CF189C-4CDA-41C3-A048-F232B4C4B8D2}"/>
               </a:ext>
             </a:extLst>
           </p:cNvPr>
@@ -324,7 +324,7 @@
           <p:cNvPr id="6" name="슬라이드 번호 개체 틀 5">
             <a:extLst>
               <a:ext uri="{FF2B5EF4-FFF2-40B4-BE49-F238E27FC236}">
-                <a16:creationId xmlns:a16="http://schemas.microsoft.com/office/drawing/2014/main" xmlns="" id="{BAF061BA-CD52-4A93-9968-2D177FB0947C}"/>
+                <a16:creationId xmlns="" xmlns:a16="http://schemas.microsoft.com/office/drawing/2014/main" id="{BAF061BA-CD52-4A93-9968-2D177FB0947C}"/>
               </a:ext>
             </a:extLst>
           </p:cNvPr>
@@ -383,7 +383,7 @@
           <p:cNvPr id="2" name="제목 1">
             <a:extLst>
               <a:ext uri="{FF2B5EF4-FFF2-40B4-BE49-F238E27FC236}">
-                <a16:creationId xmlns:a16="http://schemas.microsoft.com/office/drawing/2014/main" xmlns="" id="{C7E2F226-2DB6-4832-A3E8-E1A82BC8412B}"/>
+                <a16:creationId xmlns="" xmlns:a16="http://schemas.microsoft.com/office/drawing/2014/main" id="{C7E2F226-2DB6-4832-A3E8-E1A82BC8412B}"/>
               </a:ext>
             </a:extLst>
           </p:cNvPr>
@@ -411,7 +411,7 @@
           <p:cNvPr id="3" name="세로 텍스트 개체 틀 2">
             <a:extLst>
               <a:ext uri="{FF2B5EF4-FFF2-40B4-BE49-F238E27FC236}">
-                <a16:creationId xmlns:a16="http://schemas.microsoft.com/office/drawing/2014/main" xmlns="" id="{35E32266-CD01-4901-8FE7-5010FC0706F7}"/>
+                <a16:creationId xmlns="" xmlns:a16="http://schemas.microsoft.com/office/drawing/2014/main" id="{35E32266-CD01-4901-8FE7-5010FC0706F7}"/>
               </a:ext>
             </a:extLst>
           </p:cNvPr>
@@ -468,7 +468,7 @@
           <p:cNvPr id="4" name="날짜 개체 틀 3">
             <a:extLst>
               <a:ext uri="{FF2B5EF4-FFF2-40B4-BE49-F238E27FC236}">
-                <a16:creationId xmlns:a16="http://schemas.microsoft.com/office/drawing/2014/main" xmlns="" id="{8918B274-9924-4562-A19B-0EF8383C8F5F}"/>
+                <a16:creationId xmlns="" xmlns:a16="http://schemas.microsoft.com/office/drawing/2014/main" id="{8918B274-9924-4562-A19B-0EF8383C8F5F}"/>
               </a:ext>
             </a:extLst>
           </p:cNvPr>
@@ -497,7 +497,7 @@
           <p:cNvPr id="5" name="바닥글 개체 틀 4">
             <a:extLst>
               <a:ext uri="{FF2B5EF4-FFF2-40B4-BE49-F238E27FC236}">
-                <a16:creationId xmlns:a16="http://schemas.microsoft.com/office/drawing/2014/main" xmlns="" id="{48ABDFFA-1327-4FDA-A13E-DCF7D4AB5F2C}"/>
+                <a16:creationId xmlns="" xmlns:a16="http://schemas.microsoft.com/office/drawing/2014/main" id="{48ABDFFA-1327-4FDA-A13E-DCF7D4AB5F2C}"/>
               </a:ext>
             </a:extLst>
           </p:cNvPr>
@@ -522,7 +522,7 @@
           <p:cNvPr id="6" name="슬라이드 번호 개체 틀 5">
             <a:extLst>
               <a:ext uri="{FF2B5EF4-FFF2-40B4-BE49-F238E27FC236}">
-                <a16:creationId xmlns:a16="http://schemas.microsoft.com/office/drawing/2014/main" xmlns="" id="{7E941122-80C3-410F-B4B5-38B3C974463E}"/>
+                <a16:creationId xmlns="" xmlns:a16="http://schemas.microsoft.com/office/drawing/2014/main" id="{7E941122-80C3-410F-B4B5-38B3C974463E}"/>
               </a:ext>
             </a:extLst>
           </p:cNvPr>
@@ -581,7 +581,7 @@
           <p:cNvPr id="2" name="세로 제목 1">
             <a:extLst>
               <a:ext uri="{FF2B5EF4-FFF2-40B4-BE49-F238E27FC236}">
-                <a16:creationId xmlns:a16="http://schemas.microsoft.com/office/drawing/2014/main" xmlns="" id="{F39004B4-A2BB-4353-9490-3CFBF08BEECF}"/>
+                <a16:creationId xmlns="" xmlns:a16="http://schemas.microsoft.com/office/drawing/2014/main" id="{F39004B4-A2BB-4353-9490-3CFBF08BEECF}"/>
               </a:ext>
             </a:extLst>
           </p:cNvPr>
@@ -614,7 +614,7 @@
           <p:cNvPr id="3" name="세로 텍스트 개체 틀 2">
             <a:extLst>
               <a:ext uri="{FF2B5EF4-FFF2-40B4-BE49-F238E27FC236}">
-                <a16:creationId xmlns:a16="http://schemas.microsoft.com/office/drawing/2014/main" xmlns="" id="{17E252EA-6994-4BCF-9119-33B60AFB14F3}"/>
+                <a16:creationId xmlns="" xmlns:a16="http://schemas.microsoft.com/office/drawing/2014/main" id="{17E252EA-6994-4BCF-9119-33B60AFB14F3}"/>
               </a:ext>
             </a:extLst>
           </p:cNvPr>
@@ -676,7 +676,7 @@
           <p:cNvPr id="4" name="날짜 개체 틀 3">
             <a:extLst>
               <a:ext uri="{FF2B5EF4-FFF2-40B4-BE49-F238E27FC236}">
-                <a16:creationId xmlns:a16="http://schemas.microsoft.com/office/drawing/2014/main" xmlns="" id="{205F8584-D66D-4296-852C-CFABE2A758E0}"/>
+                <a16:creationId xmlns="" xmlns:a16="http://schemas.microsoft.com/office/drawing/2014/main" id="{205F8584-D66D-4296-852C-CFABE2A758E0}"/>
               </a:ext>
             </a:extLst>
           </p:cNvPr>
@@ -705,7 +705,7 @@
           <p:cNvPr id="5" name="바닥글 개체 틀 4">
             <a:extLst>
               <a:ext uri="{FF2B5EF4-FFF2-40B4-BE49-F238E27FC236}">
-                <a16:creationId xmlns:a16="http://schemas.microsoft.com/office/drawing/2014/main" xmlns="" id="{A78C3D8F-5F5B-47A5-9BBC-6F058C6ECD7E}"/>
+                <a16:creationId xmlns="" xmlns:a16="http://schemas.microsoft.com/office/drawing/2014/main" id="{A78C3D8F-5F5B-47A5-9BBC-6F058C6ECD7E}"/>
               </a:ext>
             </a:extLst>
           </p:cNvPr>
@@ -730,7 +730,7 @@
           <p:cNvPr id="6" name="슬라이드 번호 개체 틀 5">
             <a:extLst>
               <a:ext uri="{FF2B5EF4-FFF2-40B4-BE49-F238E27FC236}">
-                <a16:creationId xmlns:a16="http://schemas.microsoft.com/office/drawing/2014/main" xmlns="" id="{7E72ED3D-DC97-4CF5-A83F-A0F4CD5D3061}"/>
+                <a16:creationId xmlns="" xmlns:a16="http://schemas.microsoft.com/office/drawing/2014/main" id="{7E72ED3D-DC97-4CF5-A83F-A0F4CD5D3061}"/>
               </a:ext>
             </a:extLst>
           </p:cNvPr>
@@ -789,7 +789,7 @@
           <p:cNvPr id="2" name="제목 1">
             <a:extLst>
               <a:ext uri="{FF2B5EF4-FFF2-40B4-BE49-F238E27FC236}">
-                <a16:creationId xmlns:a16="http://schemas.microsoft.com/office/drawing/2014/main" xmlns="" id="{2478CD97-4610-41D5-9293-07E4F7EF8330}"/>
+                <a16:creationId xmlns="" xmlns:a16="http://schemas.microsoft.com/office/drawing/2014/main" id="{2478CD97-4610-41D5-9293-07E4F7EF8330}"/>
               </a:ext>
             </a:extLst>
           </p:cNvPr>
@@ -817,7 +817,7 @@
           <p:cNvPr id="3" name="내용 개체 틀 2">
             <a:extLst>
               <a:ext uri="{FF2B5EF4-FFF2-40B4-BE49-F238E27FC236}">
-                <a16:creationId xmlns:a16="http://schemas.microsoft.com/office/drawing/2014/main" xmlns="" id="{A4761A08-28DB-4E61-B23C-47F9FF94B03B}"/>
+                <a16:creationId xmlns="" xmlns:a16="http://schemas.microsoft.com/office/drawing/2014/main" id="{A4761A08-28DB-4E61-B23C-47F9FF94B03B}"/>
               </a:ext>
             </a:extLst>
           </p:cNvPr>
@@ -874,7 +874,7 @@
           <p:cNvPr id="4" name="날짜 개체 틀 3">
             <a:extLst>
               <a:ext uri="{FF2B5EF4-FFF2-40B4-BE49-F238E27FC236}">
-                <a16:creationId xmlns:a16="http://schemas.microsoft.com/office/drawing/2014/main" xmlns="" id="{8A0B1E4E-9D0C-4F38-8350-90F7893A1DD4}"/>
+                <a16:creationId xmlns="" xmlns:a16="http://schemas.microsoft.com/office/drawing/2014/main" id="{8A0B1E4E-9D0C-4F38-8350-90F7893A1DD4}"/>
               </a:ext>
             </a:extLst>
           </p:cNvPr>
@@ -903,7 +903,7 @@
           <p:cNvPr id="5" name="바닥글 개체 틀 4">
             <a:extLst>
               <a:ext uri="{FF2B5EF4-FFF2-40B4-BE49-F238E27FC236}">
-                <a16:creationId xmlns:a16="http://schemas.microsoft.com/office/drawing/2014/main" xmlns="" id="{3EB51119-FFCC-46AF-9F51-2823DEF4A6AF}"/>
+                <a16:creationId xmlns="" xmlns:a16="http://schemas.microsoft.com/office/drawing/2014/main" id="{3EB51119-FFCC-46AF-9F51-2823DEF4A6AF}"/>
               </a:ext>
             </a:extLst>
           </p:cNvPr>
@@ -928,7 +928,7 @@
           <p:cNvPr id="6" name="슬라이드 번호 개체 틀 5">
             <a:extLst>
               <a:ext uri="{FF2B5EF4-FFF2-40B4-BE49-F238E27FC236}">
-                <a16:creationId xmlns:a16="http://schemas.microsoft.com/office/drawing/2014/main" xmlns="" id="{5E5C2C86-356F-4ACF-9EEC-3B3D8462A39C}"/>
+                <a16:creationId xmlns="" xmlns:a16="http://schemas.microsoft.com/office/drawing/2014/main" id="{5E5C2C86-356F-4ACF-9EEC-3B3D8462A39C}"/>
               </a:ext>
             </a:extLst>
           </p:cNvPr>
@@ -987,7 +987,7 @@
           <p:cNvPr id="2" name="제목 1">
             <a:extLst>
               <a:ext uri="{FF2B5EF4-FFF2-40B4-BE49-F238E27FC236}">
-                <a16:creationId xmlns:a16="http://schemas.microsoft.com/office/drawing/2014/main" xmlns="" id="{DBF78962-7159-4DAF-9E07-D4AC9AFA9BC1}"/>
+                <a16:creationId xmlns="" xmlns:a16="http://schemas.microsoft.com/office/drawing/2014/main" id="{DBF78962-7159-4DAF-9E07-D4AC9AFA9BC1}"/>
               </a:ext>
             </a:extLst>
           </p:cNvPr>
@@ -1024,7 +1024,7 @@
           <p:cNvPr id="3" name="텍스트 개체 틀 2">
             <a:extLst>
               <a:ext uri="{FF2B5EF4-FFF2-40B4-BE49-F238E27FC236}">
-                <a16:creationId xmlns:a16="http://schemas.microsoft.com/office/drawing/2014/main" xmlns="" id="{FAB5D699-135E-49BA-9606-CB890CD5D6CE}"/>
+                <a16:creationId xmlns="" xmlns:a16="http://schemas.microsoft.com/office/drawing/2014/main" id="{FAB5D699-135E-49BA-9606-CB890CD5D6CE}"/>
               </a:ext>
             </a:extLst>
           </p:cNvPr>
@@ -1149,7 +1149,7 @@
           <p:cNvPr id="4" name="날짜 개체 틀 3">
             <a:extLst>
               <a:ext uri="{FF2B5EF4-FFF2-40B4-BE49-F238E27FC236}">
-                <a16:creationId xmlns:a16="http://schemas.microsoft.com/office/drawing/2014/main" xmlns="" id="{3717AFA4-E80B-48F1-B566-3D5FA0DCC2E5}"/>
+                <a16:creationId xmlns="" xmlns:a16="http://schemas.microsoft.com/office/drawing/2014/main" id="{3717AFA4-E80B-48F1-B566-3D5FA0DCC2E5}"/>
               </a:ext>
             </a:extLst>
           </p:cNvPr>
@@ -1178,7 +1178,7 @@
           <p:cNvPr id="5" name="바닥글 개체 틀 4">
             <a:extLst>
               <a:ext uri="{FF2B5EF4-FFF2-40B4-BE49-F238E27FC236}">
-                <a16:creationId xmlns:a16="http://schemas.microsoft.com/office/drawing/2014/main" xmlns="" id="{530C7227-51F8-4DD4-93DC-2046C220BC2B}"/>
+                <a16:creationId xmlns="" xmlns:a16="http://schemas.microsoft.com/office/drawing/2014/main" id="{530C7227-51F8-4DD4-93DC-2046C220BC2B}"/>
               </a:ext>
             </a:extLst>
           </p:cNvPr>
@@ -1203,7 +1203,7 @@
           <p:cNvPr id="6" name="슬라이드 번호 개체 틀 5">
             <a:extLst>
               <a:ext uri="{FF2B5EF4-FFF2-40B4-BE49-F238E27FC236}">
-                <a16:creationId xmlns:a16="http://schemas.microsoft.com/office/drawing/2014/main" xmlns="" id="{CF23AE0C-87AE-419F-8C21-C05064D5F98B}"/>
+                <a16:creationId xmlns="" xmlns:a16="http://schemas.microsoft.com/office/drawing/2014/main" id="{CF23AE0C-87AE-419F-8C21-C05064D5F98B}"/>
               </a:ext>
             </a:extLst>
           </p:cNvPr>
@@ -1262,7 +1262,7 @@
           <p:cNvPr id="2" name="제목 1">
             <a:extLst>
               <a:ext uri="{FF2B5EF4-FFF2-40B4-BE49-F238E27FC236}">
-                <a16:creationId xmlns:a16="http://schemas.microsoft.com/office/drawing/2014/main" xmlns="" id="{EF53F05C-1B53-4997-8D4F-574B40BFB6D2}"/>
+                <a16:creationId xmlns="" xmlns:a16="http://schemas.microsoft.com/office/drawing/2014/main" id="{EF53F05C-1B53-4997-8D4F-574B40BFB6D2}"/>
               </a:ext>
             </a:extLst>
           </p:cNvPr>
@@ -1290,7 +1290,7 @@
           <p:cNvPr id="3" name="내용 개체 틀 2">
             <a:extLst>
               <a:ext uri="{FF2B5EF4-FFF2-40B4-BE49-F238E27FC236}">
-                <a16:creationId xmlns:a16="http://schemas.microsoft.com/office/drawing/2014/main" xmlns="" id="{F2EE759F-A91E-45FB-BC0F-52B204A43CE5}"/>
+                <a16:creationId xmlns="" xmlns:a16="http://schemas.microsoft.com/office/drawing/2014/main" id="{F2EE759F-A91E-45FB-BC0F-52B204A43CE5}"/>
               </a:ext>
             </a:extLst>
           </p:cNvPr>
@@ -1352,7 +1352,7 @@
           <p:cNvPr id="4" name="내용 개체 틀 3">
             <a:extLst>
               <a:ext uri="{FF2B5EF4-FFF2-40B4-BE49-F238E27FC236}">
-                <a16:creationId xmlns:a16="http://schemas.microsoft.com/office/drawing/2014/main" xmlns="" id="{CBA814ED-B083-468B-A3B1-B0834E8C8212}"/>
+                <a16:creationId xmlns="" xmlns:a16="http://schemas.microsoft.com/office/drawing/2014/main" id="{CBA814ED-B083-468B-A3B1-B0834E8C8212}"/>
               </a:ext>
             </a:extLst>
           </p:cNvPr>
@@ -1414,7 +1414,7 @@
           <p:cNvPr id="5" name="날짜 개체 틀 4">
             <a:extLst>
               <a:ext uri="{FF2B5EF4-FFF2-40B4-BE49-F238E27FC236}">
-                <a16:creationId xmlns:a16="http://schemas.microsoft.com/office/drawing/2014/main" xmlns="" id="{877DEBD2-BAE9-4C14-A7E8-517148C14EED}"/>
+                <a16:creationId xmlns="" xmlns:a16="http://schemas.microsoft.com/office/drawing/2014/main" id="{877DEBD2-BAE9-4C14-A7E8-517148C14EED}"/>
               </a:ext>
             </a:extLst>
           </p:cNvPr>
@@ -1443,7 +1443,7 @@
           <p:cNvPr id="6" name="바닥글 개체 틀 5">
             <a:extLst>
               <a:ext uri="{FF2B5EF4-FFF2-40B4-BE49-F238E27FC236}">
-                <a16:creationId xmlns:a16="http://schemas.microsoft.com/office/drawing/2014/main" xmlns="" id="{2F72D31F-47DB-4B78-B8CC-AB9D0A4DCEC0}"/>
+                <a16:creationId xmlns="" xmlns:a16="http://schemas.microsoft.com/office/drawing/2014/main" id="{2F72D31F-47DB-4B78-B8CC-AB9D0A4DCEC0}"/>
               </a:ext>
             </a:extLst>
           </p:cNvPr>
@@ -1468,7 +1468,7 @@
           <p:cNvPr id="7" name="슬라이드 번호 개체 틀 6">
             <a:extLst>
               <a:ext uri="{FF2B5EF4-FFF2-40B4-BE49-F238E27FC236}">
-                <a16:creationId xmlns:a16="http://schemas.microsoft.com/office/drawing/2014/main" xmlns="" id="{F1B67971-49C1-46A6-BFE1-F14E5E9F87CF}"/>
+                <a16:creationId xmlns="" xmlns:a16="http://schemas.microsoft.com/office/drawing/2014/main" id="{F1B67971-49C1-46A6-BFE1-F14E5E9F87CF}"/>
               </a:ext>
             </a:extLst>
           </p:cNvPr>
@@ -1527,7 +1527,7 @@
           <p:cNvPr id="2" name="제목 1">
             <a:extLst>
               <a:ext uri="{FF2B5EF4-FFF2-40B4-BE49-F238E27FC236}">
-                <a16:creationId xmlns:a16="http://schemas.microsoft.com/office/drawing/2014/main" xmlns="" id="{E54246B1-789C-445A-A33C-EE193AF6AB31}"/>
+                <a16:creationId xmlns="" xmlns:a16="http://schemas.microsoft.com/office/drawing/2014/main" id="{E54246B1-789C-445A-A33C-EE193AF6AB31}"/>
               </a:ext>
             </a:extLst>
           </p:cNvPr>
@@ -1560,7 +1560,7 @@
           <p:cNvPr id="3" name="텍스트 개체 틀 2">
             <a:extLst>
               <a:ext uri="{FF2B5EF4-FFF2-40B4-BE49-F238E27FC236}">
-                <a16:creationId xmlns:a16="http://schemas.microsoft.com/office/drawing/2014/main" xmlns="" id="{C60DCCE6-A432-4D2A-810A-99E8AFAD1DD0}"/>
+                <a16:creationId xmlns="" xmlns:a16="http://schemas.microsoft.com/office/drawing/2014/main" id="{C60DCCE6-A432-4D2A-810A-99E8AFAD1DD0}"/>
               </a:ext>
             </a:extLst>
           </p:cNvPr>
@@ -1631,7 +1631,7 @@
           <p:cNvPr id="4" name="내용 개체 틀 3">
             <a:extLst>
               <a:ext uri="{FF2B5EF4-FFF2-40B4-BE49-F238E27FC236}">
-                <a16:creationId xmlns:a16="http://schemas.microsoft.com/office/drawing/2014/main" xmlns="" id="{16D0CEB2-1187-4252-AD05-8D872A1D3F3F}"/>
+                <a16:creationId xmlns="" xmlns:a16="http://schemas.microsoft.com/office/drawing/2014/main" id="{16D0CEB2-1187-4252-AD05-8D872A1D3F3F}"/>
               </a:ext>
             </a:extLst>
           </p:cNvPr>
@@ -1693,7 +1693,7 @@
           <p:cNvPr id="5" name="텍스트 개체 틀 4">
             <a:extLst>
               <a:ext uri="{FF2B5EF4-FFF2-40B4-BE49-F238E27FC236}">
-                <a16:creationId xmlns:a16="http://schemas.microsoft.com/office/drawing/2014/main" xmlns="" id="{5AE31809-3F66-4FEC-8D60-2F4D07A12196}"/>
+                <a16:creationId xmlns="" xmlns:a16="http://schemas.microsoft.com/office/drawing/2014/main" id="{5AE31809-3F66-4FEC-8D60-2F4D07A12196}"/>
               </a:ext>
             </a:extLst>
           </p:cNvPr>
@@ -1764,7 +1764,7 @@
           <p:cNvPr id="6" name="내용 개체 틀 5">
             <a:extLst>
               <a:ext uri="{FF2B5EF4-FFF2-40B4-BE49-F238E27FC236}">
-                <a16:creationId xmlns:a16="http://schemas.microsoft.com/office/drawing/2014/main" xmlns="" id="{A23AB223-7027-45B7-A59D-E463A79FDDD7}"/>
+                <a16:creationId xmlns="" xmlns:a16="http://schemas.microsoft.com/office/drawing/2014/main" id="{A23AB223-7027-45B7-A59D-E463A79FDDD7}"/>
               </a:ext>
             </a:extLst>
           </p:cNvPr>
@@ -1826,7 +1826,7 @@
           <p:cNvPr id="7" name="날짜 개체 틀 6">
             <a:extLst>
               <a:ext uri="{FF2B5EF4-FFF2-40B4-BE49-F238E27FC236}">
-                <a16:creationId xmlns:a16="http://schemas.microsoft.com/office/drawing/2014/main" xmlns="" id="{D2A2B8DD-7358-465C-8CC1-F71D7DE0E812}"/>
+                <a16:creationId xmlns="" xmlns:a16="http://schemas.microsoft.com/office/drawing/2014/main" id="{D2A2B8DD-7358-465C-8CC1-F71D7DE0E812}"/>
               </a:ext>
             </a:extLst>
           </p:cNvPr>
@@ -1855,7 +1855,7 @@
           <p:cNvPr id="8" name="바닥글 개체 틀 7">
             <a:extLst>
               <a:ext uri="{FF2B5EF4-FFF2-40B4-BE49-F238E27FC236}">
-                <a16:creationId xmlns:a16="http://schemas.microsoft.com/office/drawing/2014/main" xmlns="" id="{0D010038-A30A-4B64-BB25-7C3590F3E110}"/>
+                <a16:creationId xmlns="" xmlns:a16="http://schemas.microsoft.com/office/drawing/2014/main" id="{0D010038-A30A-4B64-BB25-7C3590F3E110}"/>
               </a:ext>
             </a:extLst>
           </p:cNvPr>
@@ -1880,7 +1880,7 @@
           <p:cNvPr id="9" name="슬라이드 번호 개체 틀 8">
             <a:extLst>
               <a:ext uri="{FF2B5EF4-FFF2-40B4-BE49-F238E27FC236}">
-                <a16:creationId xmlns:a16="http://schemas.microsoft.com/office/drawing/2014/main" xmlns="" id="{65054B27-799F-4A0D-8BE0-631E52465DC1}"/>
+                <a16:creationId xmlns="" xmlns:a16="http://schemas.microsoft.com/office/drawing/2014/main" id="{65054B27-799F-4A0D-8BE0-631E52465DC1}"/>
               </a:ext>
             </a:extLst>
           </p:cNvPr>
@@ -1939,7 +1939,7 @@
           <p:cNvPr id="2" name="제목 1">
             <a:extLst>
               <a:ext uri="{FF2B5EF4-FFF2-40B4-BE49-F238E27FC236}">
-                <a16:creationId xmlns:a16="http://schemas.microsoft.com/office/drawing/2014/main" xmlns="" id="{C485E51C-A240-4608-92DA-E50F807F41C0}"/>
+                <a16:creationId xmlns="" xmlns:a16="http://schemas.microsoft.com/office/drawing/2014/main" id="{C485E51C-A240-4608-92DA-E50F807F41C0}"/>
               </a:ext>
             </a:extLst>
           </p:cNvPr>
@@ -1967,7 +1967,7 @@
           <p:cNvPr id="3" name="날짜 개체 틀 2">
             <a:extLst>
               <a:ext uri="{FF2B5EF4-FFF2-40B4-BE49-F238E27FC236}">
-                <a16:creationId xmlns:a16="http://schemas.microsoft.com/office/drawing/2014/main" xmlns="" id="{2B851E15-AFBE-4FC3-8B78-027D54EB8877}"/>
+                <a16:creationId xmlns="" xmlns:a16="http://schemas.microsoft.com/office/drawing/2014/main" id="{2B851E15-AFBE-4FC3-8B78-027D54EB8877}"/>
               </a:ext>
             </a:extLst>
           </p:cNvPr>
@@ -1996,7 +1996,7 @@
           <p:cNvPr id="4" name="바닥글 개체 틀 3">
             <a:extLst>
               <a:ext uri="{FF2B5EF4-FFF2-40B4-BE49-F238E27FC236}">
-                <a16:creationId xmlns:a16="http://schemas.microsoft.com/office/drawing/2014/main" xmlns="" id="{5FEBB580-75E4-48D4-AEF3-E10C58CF6EA4}"/>
+                <a16:creationId xmlns="" xmlns:a16="http://schemas.microsoft.com/office/drawing/2014/main" id="{5FEBB580-75E4-48D4-AEF3-E10C58CF6EA4}"/>
               </a:ext>
             </a:extLst>
           </p:cNvPr>
@@ -2021,7 +2021,7 @@
           <p:cNvPr id="5" name="슬라이드 번호 개체 틀 4">
             <a:extLst>
               <a:ext uri="{FF2B5EF4-FFF2-40B4-BE49-F238E27FC236}">
-                <a16:creationId xmlns:a16="http://schemas.microsoft.com/office/drawing/2014/main" xmlns="" id="{BF32AC2E-0C50-4FB0-8820-A7AC6BDE4173}"/>
+                <a16:creationId xmlns="" xmlns:a16="http://schemas.microsoft.com/office/drawing/2014/main" id="{BF32AC2E-0C50-4FB0-8820-A7AC6BDE4173}"/>
               </a:ext>
             </a:extLst>
           </p:cNvPr>
@@ -2080,7 +2080,7 @@
           <p:cNvPr id="2" name="날짜 개체 틀 1">
             <a:extLst>
               <a:ext uri="{FF2B5EF4-FFF2-40B4-BE49-F238E27FC236}">
-                <a16:creationId xmlns:a16="http://schemas.microsoft.com/office/drawing/2014/main" xmlns="" id="{2C192448-72D9-4BA8-A3A5-9279810622F2}"/>
+                <a16:creationId xmlns="" xmlns:a16="http://schemas.microsoft.com/office/drawing/2014/main" id="{2C192448-72D9-4BA8-A3A5-9279810622F2}"/>
               </a:ext>
             </a:extLst>
           </p:cNvPr>
@@ -2109,7 +2109,7 @@
           <p:cNvPr id="3" name="바닥글 개체 틀 2">
             <a:extLst>
               <a:ext uri="{FF2B5EF4-FFF2-40B4-BE49-F238E27FC236}">
-                <a16:creationId xmlns:a16="http://schemas.microsoft.com/office/drawing/2014/main" xmlns="" id="{6A464358-B5B5-49B6-9CA3-2BE74CF87DC8}"/>
+                <a16:creationId xmlns="" xmlns:a16="http://schemas.microsoft.com/office/drawing/2014/main" id="{6A464358-B5B5-49B6-9CA3-2BE74CF87DC8}"/>
               </a:ext>
             </a:extLst>
           </p:cNvPr>
@@ -2134,7 +2134,7 @@
           <p:cNvPr id="4" name="슬라이드 번호 개체 틀 3">
             <a:extLst>
               <a:ext uri="{FF2B5EF4-FFF2-40B4-BE49-F238E27FC236}">
-                <a16:creationId xmlns:a16="http://schemas.microsoft.com/office/drawing/2014/main" xmlns="" id="{5B606F01-6E92-4C16-A968-94433D122A35}"/>
+                <a16:creationId xmlns="" xmlns:a16="http://schemas.microsoft.com/office/drawing/2014/main" id="{5B606F01-6E92-4C16-A968-94433D122A35}"/>
               </a:ext>
             </a:extLst>
           </p:cNvPr>
@@ -2193,7 +2193,7 @@
           <p:cNvPr id="2" name="제목 1">
             <a:extLst>
               <a:ext uri="{FF2B5EF4-FFF2-40B4-BE49-F238E27FC236}">
-                <a16:creationId xmlns:a16="http://schemas.microsoft.com/office/drawing/2014/main" xmlns="" id="{78C9915E-4301-4868-A5EC-6F607A83BF22}"/>
+                <a16:creationId xmlns="" xmlns:a16="http://schemas.microsoft.com/office/drawing/2014/main" id="{78C9915E-4301-4868-A5EC-6F607A83BF22}"/>
               </a:ext>
             </a:extLst>
           </p:cNvPr>
@@ -2230,7 +2230,7 @@
           <p:cNvPr id="3" name="내용 개체 틀 2">
             <a:extLst>
               <a:ext uri="{FF2B5EF4-FFF2-40B4-BE49-F238E27FC236}">
-                <a16:creationId xmlns:a16="http://schemas.microsoft.com/office/drawing/2014/main" xmlns="" id="{4507BFFD-DC79-4CFE-A2B2-BACA06190953}"/>
+                <a16:creationId xmlns="" xmlns:a16="http://schemas.microsoft.com/office/drawing/2014/main" id="{4507BFFD-DC79-4CFE-A2B2-BACA06190953}"/>
               </a:ext>
             </a:extLst>
           </p:cNvPr>
@@ -2320,7 +2320,7 @@
           <p:cNvPr id="4" name="텍스트 개체 틀 3">
             <a:extLst>
               <a:ext uri="{FF2B5EF4-FFF2-40B4-BE49-F238E27FC236}">
-                <a16:creationId xmlns:a16="http://schemas.microsoft.com/office/drawing/2014/main" xmlns="" id="{9A00C531-2EB8-4478-9A6C-4CD6FE675072}"/>
+                <a16:creationId xmlns="" xmlns:a16="http://schemas.microsoft.com/office/drawing/2014/main" id="{9A00C531-2EB8-4478-9A6C-4CD6FE675072}"/>
               </a:ext>
             </a:extLst>
           </p:cNvPr>
@@ -2391,7 +2391,7 @@
           <p:cNvPr id="5" name="날짜 개체 틀 4">
             <a:extLst>
               <a:ext uri="{FF2B5EF4-FFF2-40B4-BE49-F238E27FC236}">
-                <a16:creationId xmlns:a16="http://schemas.microsoft.com/office/drawing/2014/main" xmlns="" id="{8B9102F9-10D2-4689-A3F0-BD4C609347E9}"/>
+                <a16:creationId xmlns="" xmlns:a16="http://schemas.microsoft.com/office/drawing/2014/main" id="{8B9102F9-10D2-4689-A3F0-BD4C609347E9}"/>
               </a:ext>
             </a:extLst>
           </p:cNvPr>
@@ -2420,7 +2420,7 @@
           <p:cNvPr id="6" name="바닥글 개체 틀 5">
             <a:extLst>
               <a:ext uri="{FF2B5EF4-FFF2-40B4-BE49-F238E27FC236}">
-                <a16:creationId xmlns:a16="http://schemas.microsoft.com/office/drawing/2014/main" xmlns="" id="{D7F39764-04A1-4A55-9A18-7F042A006344}"/>
+                <a16:creationId xmlns="" xmlns:a16="http://schemas.microsoft.com/office/drawing/2014/main" id="{D7F39764-04A1-4A55-9A18-7F042A006344}"/>
               </a:ext>
             </a:extLst>
           </p:cNvPr>
@@ -2445,7 +2445,7 @@
           <p:cNvPr id="7" name="슬라이드 번호 개체 틀 6">
             <a:extLst>
               <a:ext uri="{FF2B5EF4-FFF2-40B4-BE49-F238E27FC236}">
-                <a16:creationId xmlns:a16="http://schemas.microsoft.com/office/drawing/2014/main" xmlns="" id="{34225F41-6CDF-4265-BBB3-81FCF28FB82A}"/>
+                <a16:creationId xmlns="" xmlns:a16="http://schemas.microsoft.com/office/drawing/2014/main" id="{34225F41-6CDF-4265-BBB3-81FCF28FB82A}"/>
               </a:ext>
             </a:extLst>
           </p:cNvPr>
@@ -2504,7 +2504,7 @@
           <p:cNvPr id="2" name="제목 1">
             <a:extLst>
               <a:ext uri="{FF2B5EF4-FFF2-40B4-BE49-F238E27FC236}">
-                <a16:creationId xmlns:a16="http://schemas.microsoft.com/office/drawing/2014/main" xmlns="" id="{E1595260-FA6D-4888-ADF7-F499EEC9CAF3}"/>
+                <a16:creationId xmlns="" xmlns:a16="http://schemas.microsoft.com/office/drawing/2014/main" id="{E1595260-FA6D-4888-ADF7-F499EEC9CAF3}"/>
               </a:ext>
             </a:extLst>
           </p:cNvPr>
@@ -2541,7 +2541,7 @@
           <p:cNvPr id="3" name="그림 개체 틀 2">
             <a:extLst>
               <a:ext uri="{FF2B5EF4-FFF2-40B4-BE49-F238E27FC236}">
-                <a16:creationId xmlns:a16="http://schemas.microsoft.com/office/drawing/2014/main" xmlns="" id="{83A50628-D8CA-4077-960A-F39CE72B43AC}"/>
+                <a16:creationId xmlns="" xmlns:a16="http://schemas.microsoft.com/office/drawing/2014/main" id="{83A50628-D8CA-4077-960A-F39CE72B43AC}"/>
               </a:ext>
             </a:extLst>
           </p:cNvPr>
@@ -2608,7 +2608,7 @@
           <p:cNvPr id="4" name="텍스트 개체 틀 3">
             <a:extLst>
               <a:ext uri="{FF2B5EF4-FFF2-40B4-BE49-F238E27FC236}">
-                <a16:creationId xmlns:a16="http://schemas.microsoft.com/office/drawing/2014/main" xmlns="" id="{19E7AA03-FBD8-4A50-A92B-5AC38CFD2159}"/>
+                <a16:creationId xmlns="" xmlns:a16="http://schemas.microsoft.com/office/drawing/2014/main" id="{19E7AA03-FBD8-4A50-A92B-5AC38CFD2159}"/>
               </a:ext>
             </a:extLst>
           </p:cNvPr>
@@ -2679,7 +2679,7 @@
           <p:cNvPr id="5" name="날짜 개체 틀 4">
             <a:extLst>
               <a:ext uri="{FF2B5EF4-FFF2-40B4-BE49-F238E27FC236}">
-                <a16:creationId xmlns:a16="http://schemas.microsoft.com/office/drawing/2014/main" xmlns="" id="{68D9E59A-44BD-4C8B-A629-A61BC819DCDC}"/>
+                <a16:creationId xmlns="" xmlns:a16="http://schemas.microsoft.com/office/drawing/2014/main" id="{68D9E59A-44BD-4C8B-A629-A61BC819DCDC}"/>
               </a:ext>
             </a:extLst>
           </p:cNvPr>
@@ -2708,7 +2708,7 @@
           <p:cNvPr id="6" name="바닥글 개체 틀 5">
             <a:extLst>
               <a:ext uri="{FF2B5EF4-FFF2-40B4-BE49-F238E27FC236}">
-                <a16:creationId xmlns:a16="http://schemas.microsoft.com/office/drawing/2014/main" xmlns="" id="{1D2B7321-A165-476B-A4ED-83B774277E09}"/>
+                <a16:creationId xmlns="" xmlns:a16="http://schemas.microsoft.com/office/drawing/2014/main" id="{1D2B7321-A165-476B-A4ED-83B774277E09}"/>
               </a:ext>
             </a:extLst>
           </p:cNvPr>
@@ -2733,7 +2733,7 @@
           <p:cNvPr id="7" name="슬라이드 번호 개체 틀 6">
             <a:extLst>
               <a:ext uri="{FF2B5EF4-FFF2-40B4-BE49-F238E27FC236}">
-                <a16:creationId xmlns:a16="http://schemas.microsoft.com/office/drawing/2014/main" xmlns="" id="{07F02D81-149F-45ED-BBC5-576EF0493F03}"/>
+                <a16:creationId xmlns="" xmlns:a16="http://schemas.microsoft.com/office/drawing/2014/main" id="{07F02D81-149F-45ED-BBC5-576EF0493F03}"/>
               </a:ext>
             </a:extLst>
           </p:cNvPr>
@@ -2797,7 +2797,7 @@
           <p:cNvPr id="2" name="제목 개체 틀 1">
             <a:extLst>
               <a:ext uri="{FF2B5EF4-FFF2-40B4-BE49-F238E27FC236}">
-                <a16:creationId xmlns:a16="http://schemas.microsoft.com/office/drawing/2014/main" xmlns="" id="{738525D4-1253-4608-9D52-B7981AC4FCC8}"/>
+                <a16:creationId xmlns="" xmlns:a16="http://schemas.microsoft.com/office/drawing/2014/main" id="{738525D4-1253-4608-9D52-B7981AC4FCC8}"/>
               </a:ext>
             </a:extLst>
           </p:cNvPr>
@@ -2835,7 +2835,7 @@
           <p:cNvPr id="3" name="텍스트 개체 틀 2">
             <a:extLst>
               <a:ext uri="{FF2B5EF4-FFF2-40B4-BE49-F238E27FC236}">
-                <a16:creationId xmlns:a16="http://schemas.microsoft.com/office/drawing/2014/main" xmlns="" id="{0D5AEAAA-7600-4903-ACEF-1D36CDCD268E}"/>
+                <a16:creationId xmlns="" xmlns:a16="http://schemas.microsoft.com/office/drawing/2014/main" id="{0D5AEAAA-7600-4903-ACEF-1D36CDCD268E}"/>
               </a:ext>
             </a:extLst>
           </p:cNvPr>
@@ -2902,7 +2902,7 @@
           <p:cNvPr id="4" name="날짜 개체 틀 3">
             <a:extLst>
               <a:ext uri="{FF2B5EF4-FFF2-40B4-BE49-F238E27FC236}">
-                <a16:creationId xmlns:a16="http://schemas.microsoft.com/office/drawing/2014/main" xmlns="" id="{4DC8EC6A-27D7-4EF9-B45D-C2D39B14F126}"/>
+                <a16:creationId xmlns="" xmlns:a16="http://schemas.microsoft.com/office/drawing/2014/main" id="{4DC8EC6A-27D7-4EF9-B45D-C2D39B14F126}"/>
               </a:ext>
             </a:extLst>
           </p:cNvPr>
@@ -2949,7 +2949,7 @@
           <p:cNvPr id="5" name="바닥글 개체 틀 4">
             <a:extLst>
               <a:ext uri="{FF2B5EF4-FFF2-40B4-BE49-F238E27FC236}">
-                <a16:creationId xmlns:a16="http://schemas.microsoft.com/office/drawing/2014/main" xmlns="" id="{260EB541-017D-4B3F-9895-2DFE884EA7DA}"/>
+                <a16:creationId xmlns="" xmlns:a16="http://schemas.microsoft.com/office/drawing/2014/main" id="{260EB541-017D-4B3F-9895-2DFE884EA7DA}"/>
               </a:ext>
             </a:extLst>
           </p:cNvPr>
@@ -2992,7 +2992,7 @@
           <p:cNvPr id="6" name="슬라이드 번호 개체 틀 5">
             <a:extLst>
               <a:ext uri="{FF2B5EF4-FFF2-40B4-BE49-F238E27FC236}">
-                <a16:creationId xmlns:a16="http://schemas.microsoft.com/office/drawing/2014/main" xmlns="" id="{51440F6D-AE56-4BC9-B00D-4A215980C939}"/>
+                <a16:creationId xmlns="" xmlns:a16="http://schemas.microsoft.com/office/drawing/2014/main" id="{51440F6D-AE56-4BC9-B00D-4A215980C939}"/>
               </a:ext>
             </a:extLst>
           </p:cNvPr>
@@ -3368,7 +3368,7 @@
           <p:cNvPr id="3" name="부제목 2">
             <a:extLst>
               <a:ext uri="{FF2B5EF4-FFF2-40B4-BE49-F238E27FC236}">
-                <a16:creationId xmlns:a16="http://schemas.microsoft.com/office/drawing/2014/main" xmlns="" id="{84DAC65C-FE20-4D6D-AFFA-57D16B16FADF}"/>
+                <a16:creationId xmlns="" xmlns:a16="http://schemas.microsoft.com/office/drawing/2014/main" id="{84DAC65C-FE20-4D6D-AFFA-57D16B16FADF}"/>
               </a:ext>
             </a:extLst>
           </p:cNvPr>
@@ -3408,7 +3408,7 @@
           <p:cNvPr id="9" name="그림 8">
             <a:extLst>
               <a:ext uri="{FF2B5EF4-FFF2-40B4-BE49-F238E27FC236}">
-                <a16:creationId xmlns:a16="http://schemas.microsoft.com/office/drawing/2014/main" xmlns="" id="{58A568A6-F904-4025-9A14-67F5B32BB43F}"/>
+                <a16:creationId xmlns="" xmlns:a16="http://schemas.microsoft.com/office/drawing/2014/main" id="{58A568A6-F904-4025-9A14-67F5B32BB43F}"/>
               </a:ext>
             </a:extLst>
           </p:cNvPr>
@@ -3437,7 +3437,7 @@
           <p:cNvPr id="6" name="正方形/長方形 1">
             <a:extLst>
               <a:ext uri="{FF2B5EF4-FFF2-40B4-BE49-F238E27FC236}">
-                <a16:creationId xmlns:a16="http://schemas.microsoft.com/office/drawing/2014/main" xmlns="" id="{3DB5B2C5-F5B3-4CC9-BEAC-DB38B7D18AB0}"/>
+                <a16:creationId xmlns="" xmlns:a16="http://schemas.microsoft.com/office/drawing/2014/main" id="{3DB5B2C5-F5B3-4CC9-BEAC-DB38B7D18AB0}"/>
               </a:ext>
             </a:extLst>
           </p:cNvPr>
@@ -3489,7 +3489,7 @@
           <p:cNvPr id="5" name="그림 4">
             <a:extLst>
               <a:ext uri="{FF2B5EF4-FFF2-40B4-BE49-F238E27FC236}">
-                <a16:creationId xmlns:a16="http://schemas.microsoft.com/office/drawing/2014/main" xmlns="" id="{70CD73FB-6A8C-4053-8E55-05DD338095CE}"/>
+                <a16:creationId xmlns="" xmlns:a16="http://schemas.microsoft.com/office/drawing/2014/main" id="{70CD73FB-6A8C-4053-8E55-05DD338095CE}"/>
               </a:ext>
             </a:extLst>
           </p:cNvPr>
@@ -3525,7 +3525,7 @@
           <p:cNvPr id="10" name="TextBox 9">
             <a:extLst>
               <a:ext uri="{FF2B5EF4-FFF2-40B4-BE49-F238E27FC236}">
-                <a16:creationId xmlns:a16="http://schemas.microsoft.com/office/drawing/2014/main" xmlns="" id="{FE48E1B1-BE68-4CDF-B1A5-546E3D5FD453}"/>
+                <a16:creationId xmlns="" xmlns:a16="http://schemas.microsoft.com/office/drawing/2014/main" id="{FE48E1B1-BE68-4CDF-B1A5-546E3D5FD453}"/>
               </a:ext>
             </a:extLst>
           </p:cNvPr>
@@ -3689,7 +3689,7 @@
           <p:cNvPr id="2" name="직사각형 1">
             <a:extLst>
               <a:ext uri="{FF2B5EF4-FFF2-40B4-BE49-F238E27FC236}">
-                <a16:creationId xmlns:a16="http://schemas.microsoft.com/office/drawing/2014/main" xmlns="" id="{8E5B996D-DF87-49E5-95D1-45B1EEB9EE9A}"/>
+                <a16:creationId xmlns="" xmlns:a16="http://schemas.microsoft.com/office/drawing/2014/main" id="{8E5B996D-DF87-49E5-95D1-45B1EEB9EE9A}"/>
               </a:ext>
             </a:extLst>
           </p:cNvPr>
@@ -3741,7 +3741,7 @@
           <p:cNvPr id="4" name="직사각형 3">
             <a:extLst>
               <a:ext uri="{FF2B5EF4-FFF2-40B4-BE49-F238E27FC236}">
-                <a16:creationId xmlns:a16="http://schemas.microsoft.com/office/drawing/2014/main" xmlns="" id="{080CEE4E-4BCA-42C3-BECA-9BCEB9931EEA}"/>
+                <a16:creationId xmlns="" xmlns:a16="http://schemas.microsoft.com/office/drawing/2014/main" id="{080CEE4E-4BCA-42C3-BECA-9BCEB9931EEA}"/>
               </a:ext>
             </a:extLst>
           </p:cNvPr>
@@ -3793,7 +3793,7 @@
           <p:cNvPr id="5" name="TextBox 4">
             <a:extLst>
               <a:ext uri="{FF2B5EF4-FFF2-40B4-BE49-F238E27FC236}">
-                <a16:creationId xmlns:a16="http://schemas.microsoft.com/office/drawing/2014/main" xmlns="" id="{D12B0B12-AB99-4F88-B4B2-948DADC833EA}"/>
+                <a16:creationId xmlns="" xmlns:a16="http://schemas.microsoft.com/office/drawing/2014/main" id="{D12B0B12-AB99-4F88-B4B2-948DADC833EA}"/>
               </a:ext>
             </a:extLst>
           </p:cNvPr>
@@ -3912,7 +3912,7 @@
           <p:cNvPr id="9" name="그림 8">
             <a:extLst>
               <a:ext uri="{FF2B5EF4-FFF2-40B4-BE49-F238E27FC236}">
-                <a16:creationId xmlns:a16="http://schemas.microsoft.com/office/drawing/2014/main" xmlns="" id="{0F0992E8-2696-42E6-805A-0C12780D8FA1}"/>
+                <a16:creationId xmlns="" xmlns:a16="http://schemas.microsoft.com/office/drawing/2014/main" id="{0F0992E8-2696-42E6-805A-0C12780D8FA1}"/>
               </a:ext>
             </a:extLst>
           </p:cNvPr>
@@ -4288,7 +4288,7 @@
           <p:cNvPr id="6" name="직사각형 5">
             <a:extLst>
               <a:ext uri="{FF2B5EF4-FFF2-40B4-BE49-F238E27FC236}">
-                <a16:creationId xmlns:a16="http://schemas.microsoft.com/office/drawing/2014/main" xmlns="" id="{3D558B93-576E-49BD-A1DF-A82C5870B448}"/>
+                <a16:creationId xmlns="" xmlns:a16="http://schemas.microsoft.com/office/drawing/2014/main" id="{3D558B93-576E-49BD-A1DF-A82C5870B448}"/>
               </a:ext>
             </a:extLst>
           </p:cNvPr>
@@ -4346,7 +4346,7 @@
             <p:cNvPr id="10" name="직사각형 9">
               <a:extLst>
                 <a:ext uri="{FF2B5EF4-FFF2-40B4-BE49-F238E27FC236}">
-                  <a16:creationId xmlns:a16="http://schemas.microsoft.com/office/drawing/2014/main" xmlns="" id="{E09BF372-DA70-4198-B7DA-153AF988B7F3}"/>
+                  <a16:creationId xmlns="" xmlns:a16="http://schemas.microsoft.com/office/drawing/2014/main" id="{E09BF372-DA70-4198-B7DA-153AF988B7F3}"/>
                 </a:ext>
               </a:extLst>
             </p:cNvPr>
@@ -4390,7 +4390,7 @@
             <p:cNvPr id="11" name="TextBox 10">
               <a:extLst>
                 <a:ext uri="{FF2B5EF4-FFF2-40B4-BE49-F238E27FC236}">
-                  <a16:creationId xmlns:a16="http://schemas.microsoft.com/office/drawing/2014/main" xmlns="" id="{FEABD6E8-C233-4CB3-A1FE-F2249F5A9579}"/>
+                  <a16:creationId xmlns="" xmlns:a16="http://schemas.microsoft.com/office/drawing/2014/main" id="{FEABD6E8-C233-4CB3-A1FE-F2249F5A9579}"/>
                 </a:ext>
               </a:extLst>
             </p:cNvPr>
@@ -4441,7 +4441,7 @@
             <p:cNvPr id="12" name="TextBox 11">
               <a:extLst>
                 <a:ext uri="{FF2B5EF4-FFF2-40B4-BE49-F238E27FC236}">
-                  <a16:creationId xmlns:a16="http://schemas.microsoft.com/office/drawing/2014/main" xmlns="" id="{6FD49968-80A8-4E4B-A335-7AFF6CDEA4D8}"/>
+                  <a16:creationId xmlns="" xmlns:a16="http://schemas.microsoft.com/office/drawing/2014/main" id="{6FD49968-80A8-4E4B-A335-7AFF6CDEA4D8}"/>
                 </a:ext>
               </a:extLst>
             </p:cNvPr>
@@ -4477,7 +4477,7 @@
             <p:cNvPr id="13" name="직사각형 12">
               <a:extLst>
                 <a:ext uri="{FF2B5EF4-FFF2-40B4-BE49-F238E27FC236}">
-                  <a16:creationId xmlns:a16="http://schemas.microsoft.com/office/drawing/2014/main" xmlns="" id="{B24D303F-14FF-4E5A-9729-31BA2B7D0763}"/>
+                  <a16:creationId xmlns="" xmlns:a16="http://schemas.microsoft.com/office/drawing/2014/main" id="{B24D303F-14FF-4E5A-9729-31BA2B7D0763}"/>
                 </a:ext>
               </a:extLst>
             </p:cNvPr>
@@ -4522,7 +4522,7 @@
           <p:cNvPr id="14" name="직사각형 13">
             <a:extLst>
               <a:ext uri="{FF2B5EF4-FFF2-40B4-BE49-F238E27FC236}">
-                <a16:creationId xmlns:a16="http://schemas.microsoft.com/office/drawing/2014/main" xmlns="" id="{CB5C1986-20DE-450C-8EEE-D8BEE2F850C6}"/>
+                <a16:creationId xmlns="" xmlns:a16="http://schemas.microsoft.com/office/drawing/2014/main" id="{CB5C1986-20DE-450C-8EEE-D8BEE2F850C6}"/>
               </a:ext>
             </a:extLst>
           </p:cNvPr>
@@ -4569,7 +4569,7 @@
           <p:cNvPr id="17" name="TextBox 16">
             <a:extLst>
               <a:ext uri="{FF2B5EF4-FFF2-40B4-BE49-F238E27FC236}">
-                <a16:creationId xmlns:a16="http://schemas.microsoft.com/office/drawing/2014/main" xmlns="" id="{B59EE5C3-D579-4CF1-BDF9-7E364B23D4EE}"/>
+                <a16:creationId xmlns="" xmlns:a16="http://schemas.microsoft.com/office/drawing/2014/main" id="{B59EE5C3-D579-4CF1-BDF9-7E364B23D4EE}"/>
               </a:ext>
             </a:extLst>
           </p:cNvPr>
@@ -4605,7 +4605,7 @@
           <p:cNvPr id="19" name="그림 18">
             <a:extLst>
               <a:ext uri="{FF2B5EF4-FFF2-40B4-BE49-F238E27FC236}">
-                <a16:creationId xmlns:a16="http://schemas.microsoft.com/office/drawing/2014/main" xmlns="" id="{926168D9-25C6-4BD5-A34F-16F9D3262B5B}"/>
+                <a16:creationId xmlns="" xmlns:a16="http://schemas.microsoft.com/office/drawing/2014/main" id="{926168D9-25C6-4BD5-A34F-16F9D3262B5B}"/>
               </a:ext>
             </a:extLst>
           </p:cNvPr>
@@ -4641,7 +4641,7 @@
           <p:cNvPr id="26" name="직사각형 25">
             <a:extLst>
               <a:ext uri="{FF2B5EF4-FFF2-40B4-BE49-F238E27FC236}">
-                <a16:creationId xmlns:a16="http://schemas.microsoft.com/office/drawing/2014/main" xmlns="" id="{9D56ADB9-A0DD-425C-A5B8-AB58E3DE5BAB}"/>
+                <a16:creationId xmlns="" xmlns:a16="http://schemas.microsoft.com/office/drawing/2014/main" id="{9D56ADB9-A0DD-425C-A5B8-AB58E3DE5BAB}"/>
               </a:ext>
             </a:extLst>
           </p:cNvPr>
@@ -4702,7 +4702,7 @@
             <p:cNvPr id="35" name="그림 34">
               <a:extLst>
                 <a:ext uri="{FF2B5EF4-FFF2-40B4-BE49-F238E27FC236}">
-                  <a16:creationId xmlns:a16="http://schemas.microsoft.com/office/drawing/2014/main" xmlns="" id="{67C27A0E-090D-4FBF-B216-C5B281DE255C}"/>
+                  <a16:creationId xmlns="" xmlns:a16="http://schemas.microsoft.com/office/drawing/2014/main" id="{67C27A0E-090D-4FBF-B216-C5B281DE255C}"/>
                 </a:ext>
               </a:extLst>
             </p:cNvPr>
@@ -4738,7 +4738,7 @@
             <p:cNvPr id="36" name="TextBox 35">
               <a:extLst>
                 <a:ext uri="{FF2B5EF4-FFF2-40B4-BE49-F238E27FC236}">
-                  <a16:creationId xmlns:a16="http://schemas.microsoft.com/office/drawing/2014/main" xmlns="" id="{B59EE5C3-D579-4CF1-BDF9-7E364B23D4EE}"/>
+                  <a16:creationId xmlns="" xmlns:a16="http://schemas.microsoft.com/office/drawing/2014/main" id="{B59EE5C3-D579-4CF1-BDF9-7E364B23D4EE}"/>
                 </a:ext>
               </a:extLst>
             </p:cNvPr>
@@ -4775,7 +4775,7 @@
           <p:cNvPr id="40" name="TextBox 39">
             <a:extLst>
               <a:ext uri="{FF2B5EF4-FFF2-40B4-BE49-F238E27FC236}">
-                <a16:creationId xmlns:a16="http://schemas.microsoft.com/office/drawing/2014/main" xmlns="" id="{606CB3EF-BD67-454E-8D48-D30774CEE106}"/>
+                <a16:creationId xmlns="" xmlns:a16="http://schemas.microsoft.com/office/drawing/2014/main" id="{606CB3EF-BD67-454E-8D48-D30774CEE106}"/>
               </a:ext>
             </a:extLst>
           </p:cNvPr>
@@ -4811,7 +4811,7 @@
           <p:cNvPr id="41" name="TextBox 40">
             <a:extLst>
               <a:ext uri="{FF2B5EF4-FFF2-40B4-BE49-F238E27FC236}">
-                <a16:creationId xmlns:a16="http://schemas.microsoft.com/office/drawing/2014/main" xmlns="" id="{6ECBB3D4-2156-4986-9434-EA8F60CE59E0}"/>
+                <a16:creationId xmlns="" xmlns:a16="http://schemas.microsoft.com/office/drawing/2014/main" id="{6ECBB3D4-2156-4986-9434-EA8F60CE59E0}"/>
               </a:ext>
             </a:extLst>
           </p:cNvPr>
@@ -4847,7 +4847,7 @@
           <p:cNvPr id="42" name="직선 연결선 41">
             <a:extLst>
               <a:ext uri="{FF2B5EF4-FFF2-40B4-BE49-F238E27FC236}">
-                <a16:creationId xmlns:a16="http://schemas.microsoft.com/office/drawing/2014/main" xmlns="" id="{A723CFAC-181E-4ABB-8790-FEC42B087A83}"/>
+                <a16:creationId xmlns="" xmlns:a16="http://schemas.microsoft.com/office/drawing/2014/main" id="{A723CFAC-181E-4ABB-8790-FEC42B087A83}"/>
               </a:ext>
             </a:extLst>
           </p:cNvPr>
@@ -4883,7 +4883,7 @@
           <p:cNvPr id="45" name="TextBox 44">
             <a:extLst>
               <a:ext uri="{FF2B5EF4-FFF2-40B4-BE49-F238E27FC236}">
-                <a16:creationId xmlns:a16="http://schemas.microsoft.com/office/drawing/2014/main" xmlns="" id="{78ADDD66-9CDE-4CA6-938D-D34562AC7F09}"/>
+                <a16:creationId xmlns="" xmlns:a16="http://schemas.microsoft.com/office/drawing/2014/main" id="{78ADDD66-9CDE-4CA6-938D-D34562AC7F09}"/>
               </a:ext>
             </a:extLst>
           </p:cNvPr>
@@ -4919,7 +4919,7 @@
           <p:cNvPr id="48" name="직사각형 47">
             <a:extLst>
               <a:ext uri="{FF2B5EF4-FFF2-40B4-BE49-F238E27FC236}">
-                <a16:creationId xmlns:a16="http://schemas.microsoft.com/office/drawing/2014/main" xmlns="" id="{2DD24BCC-FCE6-4F3D-9102-0338A277724E}"/>
+                <a16:creationId xmlns="" xmlns:a16="http://schemas.microsoft.com/office/drawing/2014/main" id="{2DD24BCC-FCE6-4F3D-9102-0338A277724E}"/>
               </a:ext>
             </a:extLst>
           </p:cNvPr>
@@ -4973,7 +4973,7 @@
           <p:cNvPr id="49" name="직사각형 48">
             <a:extLst>
               <a:ext uri="{FF2B5EF4-FFF2-40B4-BE49-F238E27FC236}">
-                <a16:creationId xmlns:a16="http://schemas.microsoft.com/office/drawing/2014/main" xmlns="" id="{D47A0DF5-CA84-4554-81E3-2D51D35F259C}"/>
+                <a16:creationId xmlns="" xmlns:a16="http://schemas.microsoft.com/office/drawing/2014/main" id="{D47A0DF5-CA84-4554-81E3-2D51D35F259C}"/>
               </a:ext>
             </a:extLst>
           </p:cNvPr>
@@ -5027,7 +5027,7 @@
           <p:cNvPr id="50" name="직선 연결선 49">
             <a:extLst>
               <a:ext uri="{FF2B5EF4-FFF2-40B4-BE49-F238E27FC236}">
-                <a16:creationId xmlns:a16="http://schemas.microsoft.com/office/drawing/2014/main" xmlns="" id="{BBD31C63-515F-4941-8A12-DD68C1031400}"/>
+                <a16:creationId xmlns="" xmlns:a16="http://schemas.microsoft.com/office/drawing/2014/main" id="{BBD31C63-515F-4941-8A12-DD68C1031400}"/>
               </a:ext>
             </a:extLst>
           </p:cNvPr>
@@ -5068,7 +5068,7 @@
           <p:cNvPr id="51" name="직선 화살표 연결선 50">
             <a:extLst>
               <a:ext uri="{FF2B5EF4-FFF2-40B4-BE49-F238E27FC236}">
-                <a16:creationId xmlns:a16="http://schemas.microsoft.com/office/drawing/2014/main" xmlns="" id="{C6189FF7-B2B4-4F58-A62C-4552AA855088}"/>
+                <a16:creationId xmlns="" xmlns:a16="http://schemas.microsoft.com/office/drawing/2014/main" id="{C6189FF7-B2B4-4F58-A62C-4552AA855088}"/>
               </a:ext>
             </a:extLst>
           </p:cNvPr>
@@ -5112,7 +5112,7 @@
           <p:cNvPr id="53" name="직선 화살표 연결선 52">
             <a:extLst>
               <a:ext uri="{FF2B5EF4-FFF2-40B4-BE49-F238E27FC236}">
-                <a16:creationId xmlns:a16="http://schemas.microsoft.com/office/drawing/2014/main" xmlns="" id="{6ADB57C1-71A6-460D-8130-56C2C112542B}"/>
+                <a16:creationId xmlns="" xmlns:a16="http://schemas.microsoft.com/office/drawing/2014/main" id="{6ADB57C1-71A6-460D-8130-56C2C112542B}"/>
               </a:ext>
             </a:extLst>
           </p:cNvPr>
@@ -5156,7 +5156,7 @@
           <p:cNvPr id="54" name="TextBox 53">
             <a:extLst>
               <a:ext uri="{FF2B5EF4-FFF2-40B4-BE49-F238E27FC236}">
-                <a16:creationId xmlns:a16="http://schemas.microsoft.com/office/drawing/2014/main" xmlns="" id="{CDE1AA9D-8128-4666-8D15-1D04133230F9}"/>
+                <a16:creationId xmlns="" xmlns:a16="http://schemas.microsoft.com/office/drawing/2014/main" id="{CDE1AA9D-8128-4666-8D15-1D04133230F9}"/>
               </a:ext>
             </a:extLst>
           </p:cNvPr>
@@ -5192,7 +5192,7 @@
           <p:cNvPr id="56" name="TextBox 55">
             <a:extLst>
               <a:ext uri="{FF2B5EF4-FFF2-40B4-BE49-F238E27FC236}">
-                <a16:creationId xmlns:a16="http://schemas.microsoft.com/office/drawing/2014/main" xmlns="" id="{9CCCD44E-9A9A-4ED8-A5D1-4872F5E16D21}"/>
+                <a16:creationId xmlns="" xmlns:a16="http://schemas.microsoft.com/office/drawing/2014/main" id="{9CCCD44E-9A9A-4ED8-A5D1-4872F5E16D21}"/>
               </a:ext>
             </a:extLst>
           </p:cNvPr>
@@ -5319,7 +5319,7 @@
             <p:cNvPr id="55" name="직사각형 54">
               <a:extLst>
                 <a:ext uri="{FF2B5EF4-FFF2-40B4-BE49-F238E27FC236}">
-                  <a16:creationId xmlns:a16="http://schemas.microsoft.com/office/drawing/2014/main" xmlns="" id="{E09BF372-DA70-4198-B7DA-153AF988B7F3}"/>
+                  <a16:creationId xmlns="" xmlns:a16="http://schemas.microsoft.com/office/drawing/2014/main" id="{E09BF372-DA70-4198-B7DA-153AF988B7F3}"/>
                 </a:ext>
               </a:extLst>
             </p:cNvPr>
@@ -5363,7 +5363,7 @@
             <p:cNvPr id="57" name="TextBox 56">
               <a:extLst>
                 <a:ext uri="{FF2B5EF4-FFF2-40B4-BE49-F238E27FC236}">
-                  <a16:creationId xmlns:a16="http://schemas.microsoft.com/office/drawing/2014/main" xmlns="" id="{FEABD6E8-C233-4CB3-A1FE-F2249F5A9579}"/>
+                  <a16:creationId xmlns="" xmlns:a16="http://schemas.microsoft.com/office/drawing/2014/main" id="{FEABD6E8-C233-4CB3-A1FE-F2249F5A9579}"/>
                 </a:ext>
               </a:extLst>
             </p:cNvPr>
@@ -5399,7 +5399,7 @@
             <p:cNvPr id="58" name="TextBox 57">
               <a:extLst>
                 <a:ext uri="{FF2B5EF4-FFF2-40B4-BE49-F238E27FC236}">
-                  <a16:creationId xmlns:a16="http://schemas.microsoft.com/office/drawing/2014/main" xmlns="" id="{6FD49968-80A8-4E4B-A335-7AFF6CDEA4D8}"/>
+                  <a16:creationId xmlns="" xmlns:a16="http://schemas.microsoft.com/office/drawing/2014/main" id="{6FD49968-80A8-4E4B-A335-7AFF6CDEA4D8}"/>
                 </a:ext>
               </a:extLst>
             </p:cNvPr>
@@ -5435,7 +5435,7 @@
             <p:cNvPr id="59" name="직사각형 58">
               <a:extLst>
                 <a:ext uri="{FF2B5EF4-FFF2-40B4-BE49-F238E27FC236}">
-                  <a16:creationId xmlns:a16="http://schemas.microsoft.com/office/drawing/2014/main" xmlns="" id="{B24D303F-14FF-4E5A-9729-31BA2B7D0763}"/>
+                  <a16:creationId xmlns="" xmlns:a16="http://schemas.microsoft.com/office/drawing/2014/main" id="{B24D303F-14FF-4E5A-9729-31BA2B7D0763}"/>
                 </a:ext>
               </a:extLst>
             </p:cNvPr>
@@ -5517,7 +5517,7 @@
           <p:cNvPr id="2" name="직사각형 1">
             <a:extLst>
               <a:ext uri="{FF2B5EF4-FFF2-40B4-BE49-F238E27FC236}">
-                <a16:creationId xmlns="" xmlns:a16="http://schemas.microsoft.com/office/drawing/2014/main" id="{8E5B996D-DF87-49E5-95D1-45B1EEB9EE9A}"/>
+                <a16:creationId xmlns:a16="http://schemas.microsoft.com/office/drawing/2014/main" xmlns="" id="{8E5B996D-DF87-49E5-95D1-45B1EEB9EE9A}"/>
               </a:ext>
             </a:extLst>
           </p:cNvPr>
@@ -5569,7 +5569,7 @@
           <p:cNvPr id="4" name="직사각형 3">
             <a:extLst>
               <a:ext uri="{FF2B5EF4-FFF2-40B4-BE49-F238E27FC236}">
-                <a16:creationId xmlns="" xmlns:a16="http://schemas.microsoft.com/office/drawing/2014/main" id="{080CEE4E-4BCA-42C3-BECA-9BCEB9931EEA}"/>
+                <a16:creationId xmlns:a16="http://schemas.microsoft.com/office/drawing/2014/main" xmlns="" id="{080CEE4E-4BCA-42C3-BECA-9BCEB9931EEA}"/>
               </a:ext>
             </a:extLst>
           </p:cNvPr>
@@ -5621,7 +5621,7 @@
           <p:cNvPr id="5" name="TextBox 4">
             <a:extLst>
               <a:ext uri="{FF2B5EF4-FFF2-40B4-BE49-F238E27FC236}">
-                <a16:creationId xmlns="" xmlns:a16="http://schemas.microsoft.com/office/drawing/2014/main" id="{D12B0B12-AB99-4F88-B4B2-948DADC833EA}"/>
+                <a16:creationId xmlns:a16="http://schemas.microsoft.com/office/drawing/2014/main" xmlns="" id="{D12B0B12-AB99-4F88-B4B2-948DADC833EA}"/>
               </a:ext>
             </a:extLst>
           </p:cNvPr>
@@ -5740,7 +5740,7 @@
           <p:cNvPr id="9" name="그림 8">
             <a:extLst>
               <a:ext uri="{FF2B5EF4-FFF2-40B4-BE49-F238E27FC236}">
-                <a16:creationId xmlns="" xmlns:a16="http://schemas.microsoft.com/office/drawing/2014/main" id="{0F0992E8-2696-42E6-805A-0C12780D8FA1}"/>
+                <a16:creationId xmlns:a16="http://schemas.microsoft.com/office/drawing/2014/main" xmlns="" id="{0F0992E8-2696-42E6-805A-0C12780D8FA1}"/>
               </a:ext>
             </a:extLst>
           </p:cNvPr>
@@ -6111,7 +6111,7 @@
           <p:cNvPr id="81" name="그룹 80">
             <a:extLst>
               <a:ext uri="{FF2B5EF4-FFF2-40B4-BE49-F238E27FC236}">
-                <a16:creationId xmlns="" xmlns:a16="http://schemas.microsoft.com/office/drawing/2014/main" id="{38E8101C-CD9F-4405-83E3-80C679EBD51C}"/>
+                <a16:creationId xmlns:a16="http://schemas.microsoft.com/office/drawing/2014/main" xmlns="" id="{38E8101C-CD9F-4405-83E3-80C679EBD51C}"/>
               </a:ext>
             </a:extLst>
           </p:cNvPr>
@@ -6523,7 +6523,7 @@
             <p:cNvPr id="42" name="그룹 41">
               <a:extLst>
                 <a:ext uri="{FF2B5EF4-FFF2-40B4-BE49-F238E27FC236}">
-                  <a16:creationId xmlns="" xmlns:a16="http://schemas.microsoft.com/office/drawing/2014/main" id="{8DA397AC-8EC5-4791-8DEE-47099BBE5C49}"/>
+                  <a16:creationId xmlns:a16="http://schemas.microsoft.com/office/drawing/2014/main" xmlns="" id="{8DA397AC-8EC5-4791-8DEE-47099BBE5C49}"/>
                 </a:ext>
               </a:extLst>
             </p:cNvPr>
@@ -6543,7 +6543,7 @@
               <p:cNvPr id="10" name="타원 9">
                 <a:extLst>
                   <a:ext uri="{FF2B5EF4-FFF2-40B4-BE49-F238E27FC236}">
-                    <a16:creationId xmlns="" xmlns:a16="http://schemas.microsoft.com/office/drawing/2014/main" id="{28165C16-198E-4038-BB98-1FFC3116A29A}"/>
+                    <a16:creationId xmlns:a16="http://schemas.microsoft.com/office/drawing/2014/main" xmlns="" id="{28165C16-198E-4038-BB98-1FFC3116A29A}"/>
                   </a:ext>
                 </a:extLst>
               </p:cNvPr>
@@ -6587,7 +6587,7 @@
               <p:cNvPr id="38" name="그룹 37">
                 <a:extLst>
                   <a:ext uri="{FF2B5EF4-FFF2-40B4-BE49-F238E27FC236}">
-                    <a16:creationId xmlns="" xmlns:a16="http://schemas.microsoft.com/office/drawing/2014/main" id="{9F869086-804C-49EB-9177-2271BBA2C4DC}"/>
+                    <a16:creationId xmlns:a16="http://schemas.microsoft.com/office/drawing/2014/main" xmlns="" id="{9F869086-804C-49EB-9177-2271BBA2C4DC}"/>
                   </a:ext>
                 </a:extLst>
               </p:cNvPr>
@@ -6607,7 +6607,7 @@
                 <p:cNvPr id="26" name="직선 연결선 25">
                   <a:extLst>
                     <a:ext uri="{FF2B5EF4-FFF2-40B4-BE49-F238E27FC236}">
-                      <a16:creationId xmlns="" xmlns:a16="http://schemas.microsoft.com/office/drawing/2014/main" id="{CD98DF17-83F9-4425-AAC8-E6DCF18D8CAC}"/>
+                      <a16:creationId xmlns:a16="http://schemas.microsoft.com/office/drawing/2014/main" xmlns="" id="{CD98DF17-83F9-4425-AAC8-E6DCF18D8CAC}"/>
                     </a:ext>
                   </a:extLst>
                 </p:cNvPr>
@@ -6645,7 +6645,7 @@
                 <p:cNvPr id="28" name="직선 연결선 27">
                   <a:extLst>
                     <a:ext uri="{FF2B5EF4-FFF2-40B4-BE49-F238E27FC236}">
-                      <a16:creationId xmlns="" xmlns:a16="http://schemas.microsoft.com/office/drawing/2014/main" id="{88AD4880-D37C-416F-B9FB-EDA05C5059C0}"/>
+                      <a16:creationId xmlns:a16="http://schemas.microsoft.com/office/drawing/2014/main" xmlns="" id="{88AD4880-D37C-416F-B9FB-EDA05C5059C0}"/>
                     </a:ext>
                   </a:extLst>
                 </p:cNvPr>
@@ -6685,7 +6685,7 @@
             <p:cNvPr id="43" name="그룹 42">
               <a:extLst>
                 <a:ext uri="{FF2B5EF4-FFF2-40B4-BE49-F238E27FC236}">
-                  <a16:creationId xmlns="" xmlns:a16="http://schemas.microsoft.com/office/drawing/2014/main" id="{488126EA-A42B-4D0F-A018-CD6470CC2918}"/>
+                  <a16:creationId xmlns:a16="http://schemas.microsoft.com/office/drawing/2014/main" xmlns="" id="{488126EA-A42B-4D0F-A018-CD6470CC2918}"/>
                 </a:ext>
               </a:extLst>
             </p:cNvPr>
@@ -6705,7 +6705,7 @@
               <p:cNvPr id="44" name="타원 43">
                 <a:extLst>
                   <a:ext uri="{FF2B5EF4-FFF2-40B4-BE49-F238E27FC236}">
-                    <a16:creationId xmlns="" xmlns:a16="http://schemas.microsoft.com/office/drawing/2014/main" id="{41CC34A2-F21A-49DC-BD62-8C00CEA023AC}"/>
+                    <a16:creationId xmlns:a16="http://schemas.microsoft.com/office/drawing/2014/main" xmlns="" id="{41CC34A2-F21A-49DC-BD62-8C00CEA023AC}"/>
                   </a:ext>
                 </a:extLst>
               </p:cNvPr>
@@ -6749,7 +6749,7 @@
               <p:cNvPr id="45" name="그룹 44">
                 <a:extLst>
                   <a:ext uri="{FF2B5EF4-FFF2-40B4-BE49-F238E27FC236}">
-                    <a16:creationId xmlns="" xmlns:a16="http://schemas.microsoft.com/office/drawing/2014/main" id="{77219D43-E969-47D9-83B4-2018B5635610}"/>
+                    <a16:creationId xmlns:a16="http://schemas.microsoft.com/office/drawing/2014/main" xmlns="" id="{77219D43-E969-47D9-83B4-2018B5635610}"/>
                   </a:ext>
                 </a:extLst>
               </p:cNvPr>
@@ -6769,7 +6769,7 @@
                 <p:cNvPr id="46" name="직선 연결선 45">
                   <a:extLst>
                     <a:ext uri="{FF2B5EF4-FFF2-40B4-BE49-F238E27FC236}">
-                      <a16:creationId xmlns="" xmlns:a16="http://schemas.microsoft.com/office/drawing/2014/main" id="{F6C263F5-FA7F-45DC-86CF-28DCBAAF6202}"/>
+                      <a16:creationId xmlns:a16="http://schemas.microsoft.com/office/drawing/2014/main" xmlns="" id="{F6C263F5-FA7F-45DC-86CF-28DCBAAF6202}"/>
                     </a:ext>
                   </a:extLst>
                 </p:cNvPr>
@@ -6807,7 +6807,7 @@
                 <p:cNvPr id="47" name="직선 연결선 46">
                   <a:extLst>
                     <a:ext uri="{FF2B5EF4-FFF2-40B4-BE49-F238E27FC236}">
-                      <a16:creationId xmlns="" xmlns:a16="http://schemas.microsoft.com/office/drawing/2014/main" id="{28690920-9541-44BE-8BFB-DC7743251F01}"/>
+                      <a16:creationId xmlns:a16="http://schemas.microsoft.com/office/drawing/2014/main" xmlns="" id="{28690920-9541-44BE-8BFB-DC7743251F01}"/>
                     </a:ext>
                   </a:extLst>
                 </p:cNvPr>
@@ -6847,7 +6847,7 @@
             <p:cNvPr id="48" name="그룹 47">
               <a:extLst>
                 <a:ext uri="{FF2B5EF4-FFF2-40B4-BE49-F238E27FC236}">
-                  <a16:creationId xmlns="" xmlns:a16="http://schemas.microsoft.com/office/drawing/2014/main" id="{F86AF9FB-321E-4FD7-9A08-2651F42DF962}"/>
+                  <a16:creationId xmlns:a16="http://schemas.microsoft.com/office/drawing/2014/main" xmlns="" id="{F86AF9FB-321E-4FD7-9A08-2651F42DF962}"/>
                 </a:ext>
               </a:extLst>
             </p:cNvPr>
@@ -6867,7 +6867,7 @@
               <p:cNvPr id="49" name="타원 48">
                 <a:extLst>
                   <a:ext uri="{FF2B5EF4-FFF2-40B4-BE49-F238E27FC236}">
-                    <a16:creationId xmlns="" xmlns:a16="http://schemas.microsoft.com/office/drawing/2014/main" id="{B20ED60B-622F-4AC4-AE77-7F56BD277474}"/>
+                    <a16:creationId xmlns:a16="http://schemas.microsoft.com/office/drawing/2014/main" xmlns="" id="{B20ED60B-622F-4AC4-AE77-7F56BD277474}"/>
                   </a:ext>
                 </a:extLst>
               </p:cNvPr>
@@ -6911,7 +6911,7 @@
               <p:cNvPr id="50" name="그룹 49">
                 <a:extLst>
                   <a:ext uri="{FF2B5EF4-FFF2-40B4-BE49-F238E27FC236}">
-                    <a16:creationId xmlns="" xmlns:a16="http://schemas.microsoft.com/office/drawing/2014/main" id="{7D46A0E4-C683-4ECE-9556-BC21BA9B44F8}"/>
+                    <a16:creationId xmlns:a16="http://schemas.microsoft.com/office/drawing/2014/main" xmlns="" id="{7D46A0E4-C683-4ECE-9556-BC21BA9B44F8}"/>
                   </a:ext>
                 </a:extLst>
               </p:cNvPr>
@@ -6931,7 +6931,7 @@
                 <p:cNvPr id="51" name="직선 연결선 50">
                   <a:extLst>
                     <a:ext uri="{FF2B5EF4-FFF2-40B4-BE49-F238E27FC236}">
-                      <a16:creationId xmlns="" xmlns:a16="http://schemas.microsoft.com/office/drawing/2014/main" id="{BEAFCB6C-AA19-4602-8BA0-20E4F26A47CA}"/>
+                      <a16:creationId xmlns:a16="http://schemas.microsoft.com/office/drawing/2014/main" xmlns="" id="{BEAFCB6C-AA19-4602-8BA0-20E4F26A47CA}"/>
                     </a:ext>
                   </a:extLst>
                 </p:cNvPr>
@@ -6969,7 +6969,7 @@
                 <p:cNvPr id="52" name="직선 연결선 51">
                   <a:extLst>
                     <a:ext uri="{FF2B5EF4-FFF2-40B4-BE49-F238E27FC236}">
-                      <a16:creationId xmlns="" xmlns:a16="http://schemas.microsoft.com/office/drawing/2014/main" id="{7702268C-1177-4C21-8B96-682E0922252B}"/>
+                      <a16:creationId xmlns:a16="http://schemas.microsoft.com/office/drawing/2014/main" xmlns="" id="{7702268C-1177-4C21-8B96-682E0922252B}"/>
                     </a:ext>
                   </a:extLst>
                 </p:cNvPr>
@@ -7009,7 +7009,7 @@
             <p:cNvPr id="59" name="그룹 58">
               <a:extLst>
                 <a:ext uri="{FF2B5EF4-FFF2-40B4-BE49-F238E27FC236}">
-                  <a16:creationId xmlns="" xmlns:a16="http://schemas.microsoft.com/office/drawing/2014/main" id="{1A7F0BD5-DFFF-41A8-B98A-DD5EDD46BE67}"/>
+                  <a16:creationId xmlns:a16="http://schemas.microsoft.com/office/drawing/2014/main" xmlns="" id="{1A7F0BD5-DFFF-41A8-B98A-DD5EDD46BE67}"/>
                 </a:ext>
               </a:extLst>
             </p:cNvPr>
@@ -7029,7 +7029,7 @@
               <p:cNvPr id="60" name="타원 59">
                 <a:extLst>
                   <a:ext uri="{FF2B5EF4-FFF2-40B4-BE49-F238E27FC236}">
-                    <a16:creationId xmlns="" xmlns:a16="http://schemas.microsoft.com/office/drawing/2014/main" id="{1FBCC9E5-9E35-4C78-9B19-1B310EA3873F}"/>
+                    <a16:creationId xmlns:a16="http://schemas.microsoft.com/office/drawing/2014/main" xmlns="" id="{1FBCC9E5-9E35-4C78-9B19-1B310EA3873F}"/>
                   </a:ext>
                 </a:extLst>
               </p:cNvPr>
@@ -7073,7 +7073,7 @@
               <p:cNvPr id="61" name="그룹 60">
                 <a:extLst>
                   <a:ext uri="{FF2B5EF4-FFF2-40B4-BE49-F238E27FC236}">
-                    <a16:creationId xmlns="" xmlns:a16="http://schemas.microsoft.com/office/drawing/2014/main" id="{6E527DF8-8EE6-4C00-AD68-7D15906474BB}"/>
+                    <a16:creationId xmlns:a16="http://schemas.microsoft.com/office/drawing/2014/main" xmlns="" id="{6E527DF8-8EE6-4C00-AD68-7D15906474BB}"/>
                   </a:ext>
                 </a:extLst>
               </p:cNvPr>
@@ -7093,7 +7093,7 @@
                 <p:cNvPr id="62" name="직선 연결선 61">
                   <a:extLst>
                     <a:ext uri="{FF2B5EF4-FFF2-40B4-BE49-F238E27FC236}">
-                      <a16:creationId xmlns="" xmlns:a16="http://schemas.microsoft.com/office/drawing/2014/main" id="{6574FE88-E73F-40D3-9CA9-C2F6FED75A87}"/>
+                      <a16:creationId xmlns:a16="http://schemas.microsoft.com/office/drawing/2014/main" xmlns="" id="{6574FE88-E73F-40D3-9CA9-C2F6FED75A87}"/>
                     </a:ext>
                   </a:extLst>
                 </p:cNvPr>
@@ -7131,7 +7131,7 @@
                 <p:cNvPr id="63" name="직선 연결선 62">
                   <a:extLst>
                     <a:ext uri="{FF2B5EF4-FFF2-40B4-BE49-F238E27FC236}">
-                      <a16:creationId xmlns="" xmlns:a16="http://schemas.microsoft.com/office/drawing/2014/main" id="{BB31369A-4B80-46BA-B82B-75E1A515C01A}"/>
+                      <a16:creationId xmlns:a16="http://schemas.microsoft.com/office/drawing/2014/main" xmlns="" id="{BB31369A-4B80-46BA-B82B-75E1A515C01A}"/>
                     </a:ext>
                   </a:extLst>
                 </p:cNvPr>
@@ -7171,7 +7171,7 @@
             <p:cNvPr id="64" name="그룹 63">
               <a:extLst>
                 <a:ext uri="{FF2B5EF4-FFF2-40B4-BE49-F238E27FC236}">
-                  <a16:creationId xmlns="" xmlns:a16="http://schemas.microsoft.com/office/drawing/2014/main" id="{0E60BC1F-5801-4957-B758-3595DF452C2C}"/>
+                  <a16:creationId xmlns:a16="http://schemas.microsoft.com/office/drawing/2014/main" xmlns="" id="{0E60BC1F-5801-4957-B758-3595DF452C2C}"/>
                 </a:ext>
               </a:extLst>
             </p:cNvPr>
@@ -7191,7 +7191,7 @@
               <p:cNvPr id="65" name="타원 64">
                 <a:extLst>
                   <a:ext uri="{FF2B5EF4-FFF2-40B4-BE49-F238E27FC236}">
-                    <a16:creationId xmlns="" xmlns:a16="http://schemas.microsoft.com/office/drawing/2014/main" id="{9502A195-C680-45A2-8C6B-8B817AB3FA85}"/>
+                    <a16:creationId xmlns:a16="http://schemas.microsoft.com/office/drawing/2014/main" xmlns="" id="{9502A195-C680-45A2-8C6B-8B817AB3FA85}"/>
                   </a:ext>
                 </a:extLst>
               </p:cNvPr>
@@ -7235,7 +7235,7 @@
               <p:cNvPr id="66" name="그룹 65">
                 <a:extLst>
                   <a:ext uri="{FF2B5EF4-FFF2-40B4-BE49-F238E27FC236}">
-                    <a16:creationId xmlns="" xmlns:a16="http://schemas.microsoft.com/office/drawing/2014/main" id="{A1C26731-88D3-496F-B948-C2072EA92A55}"/>
+                    <a16:creationId xmlns:a16="http://schemas.microsoft.com/office/drawing/2014/main" xmlns="" id="{A1C26731-88D3-496F-B948-C2072EA92A55}"/>
                   </a:ext>
                 </a:extLst>
               </p:cNvPr>
@@ -7255,7 +7255,7 @@
                 <p:cNvPr id="67" name="직선 연결선 66">
                   <a:extLst>
                     <a:ext uri="{FF2B5EF4-FFF2-40B4-BE49-F238E27FC236}">
-                      <a16:creationId xmlns="" xmlns:a16="http://schemas.microsoft.com/office/drawing/2014/main" id="{0CF5D67D-D2A3-4000-BA9E-AAF446074F33}"/>
+                      <a16:creationId xmlns:a16="http://schemas.microsoft.com/office/drawing/2014/main" xmlns="" id="{0CF5D67D-D2A3-4000-BA9E-AAF446074F33}"/>
                     </a:ext>
                   </a:extLst>
                 </p:cNvPr>
@@ -7293,7 +7293,7 @@
                 <p:cNvPr id="68" name="직선 연결선 67">
                   <a:extLst>
                     <a:ext uri="{FF2B5EF4-FFF2-40B4-BE49-F238E27FC236}">
-                      <a16:creationId xmlns="" xmlns:a16="http://schemas.microsoft.com/office/drawing/2014/main" id="{38E5935A-EE38-4B5E-BCE3-785A5DE6E53A}"/>
+                      <a16:creationId xmlns:a16="http://schemas.microsoft.com/office/drawing/2014/main" xmlns="" id="{38E5935A-EE38-4B5E-BCE3-785A5DE6E53A}"/>
                     </a:ext>
                   </a:extLst>
                 </p:cNvPr>
@@ -7333,7 +7333,7 @@
             <p:cNvPr id="69" name="그룹 68">
               <a:extLst>
                 <a:ext uri="{FF2B5EF4-FFF2-40B4-BE49-F238E27FC236}">
-                  <a16:creationId xmlns="" xmlns:a16="http://schemas.microsoft.com/office/drawing/2014/main" id="{850E2C6C-77E0-408A-B9E5-5E394FF50045}"/>
+                  <a16:creationId xmlns:a16="http://schemas.microsoft.com/office/drawing/2014/main" xmlns="" id="{850E2C6C-77E0-408A-B9E5-5E394FF50045}"/>
                 </a:ext>
               </a:extLst>
             </p:cNvPr>
@@ -7353,7 +7353,7 @@
               <p:cNvPr id="70" name="타원 69">
                 <a:extLst>
                   <a:ext uri="{FF2B5EF4-FFF2-40B4-BE49-F238E27FC236}">
-                    <a16:creationId xmlns="" xmlns:a16="http://schemas.microsoft.com/office/drawing/2014/main" id="{02BF96A2-12C0-4EE0-81D0-3B18850A0ADE}"/>
+                    <a16:creationId xmlns:a16="http://schemas.microsoft.com/office/drawing/2014/main" xmlns="" id="{02BF96A2-12C0-4EE0-81D0-3B18850A0ADE}"/>
                   </a:ext>
                 </a:extLst>
               </p:cNvPr>
@@ -7397,7 +7397,7 @@
               <p:cNvPr id="71" name="그룹 70">
                 <a:extLst>
                   <a:ext uri="{FF2B5EF4-FFF2-40B4-BE49-F238E27FC236}">
-                    <a16:creationId xmlns="" xmlns:a16="http://schemas.microsoft.com/office/drawing/2014/main" id="{1D416587-18C9-413E-A689-9EA12F3A8AD1}"/>
+                    <a16:creationId xmlns:a16="http://schemas.microsoft.com/office/drawing/2014/main" xmlns="" id="{1D416587-18C9-413E-A689-9EA12F3A8AD1}"/>
                   </a:ext>
                 </a:extLst>
               </p:cNvPr>
@@ -7417,7 +7417,7 @@
                 <p:cNvPr id="72" name="직선 연결선 71">
                   <a:extLst>
                     <a:ext uri="{FF2B5EF4-FFF2-40B4-BE49-F238E27FC236}">
-                      <a16:creationId xmlns="" xmlns:a16="http://schemas.microsoft.com/office/drawing/2014/main" id="{81F0CFD3-7F94-4800-81D0-8FBBE2F0B3D9}"/>
+                      <a16:creationId xmlns:a16="http://schemas.microsoft.com/office/drawing/2014/main" xmlns="" id="{81F0CFD3-7F94-4800-81D0-8FBBE2F0B3D9}"/>
                     </a:ext>
                   </a:extLst>
                 </p:cNvPr>
@@ -7455,7 +7455,7 @@
                 <p:cNvPr id="73" name="직선 연결선 72">
                   <a:extLst>
                     <a:ext uri="{FF2B5EF4-FFF2-40B4-BE49-F238E27FC236}">
-                      <a16:creationId xmlns="" xmlns:a16="http://schemas.microsoft.com/office/drawing/2014/main" id="{BEFFECA2-8C28-428D-9694-82C940FE4E8A}"/>
+                      <a16:creationId xmlns:a16="http://schemas.microsoft.com/office/drawing/2014/main" xmlns="" id="{BEFFECA2-8C28-428D-9694-82C940FE4E8A}"/>
                     </a:ext>
                   </a:extLst>
                 </p:cNvPr>
@@ -7495,7 +7495,7 @@
             <p:cNvPr id="74" name="그룹 73">
               <a:extLst>
                 <a:ext uri="{FF2B5EF4-FFF2-40B4-BE49-F238E27FC236}">
-                  <a16:creationId xmlns="" xmlns:a16="http://schemas.microsoft.com/office/drawing/2014/main" id="{2D6B6E46-0383-41B8-9200-E7E127AEBE72}"/>
+                  <a16:creationId xmlns:a16="http://schemas.microsoft.com/office/drawing/2014/main" xmlns="" id="{2D6B6E46-0383-41B8-9200-E7E127AEBE72}"/>
                 </a:ext>
               </a:extLst>
             </p:cNvPr>
@@ -7515,7 +7515,7 @@
               <p:cNvPr id="75" name="타원 74">
                 <a:extLst>
                   <a:ext uri="{FF2B5EF4-FFF2-40B4-BE49-F238E27FC236}">
-                    <a16:creationId xmlns="" xmlns:a16="http://schemas.microsoft.com/office/drawing/2014/main" id="{83BFE3AC-EEF7-46D6-86B8-1A6A16306B51}"/>
+                    <a16:creationId xmlns:a16="http://schemas.microsoft.com/office/drawing/2014/main" xmlns="" id="{83BFE3AC-EEF7-46D6-86B8-1A6A16306B51}"/>
                   </a:ext>
                 </a:extLst>
               </p:cNvPr>
@@ -7559,7 +7559,7 @@
               <p:cNvPr id="76" name="그룹 75">
                 <a:extLst>
                   <a:ext uri="{FF2B5EF4-FFF2-40B4-BE49-F238E27FC236}">
-                    <a16:creationId xmlns="" xmlns:a16="http://schemas.microsoft.com/office/drawing/2014/main" id="{32139ED5-E515-42D6-BCF6-911E6DE864F3}"/>
+                    <a16:creationId xmlns:a16="http://schemas.microsoft.com/office/drawing/2014/main" xmlns="" id="{32139ED5-E515-42D6-BCF6-911E6DE864F3}"/>
                   </a:ext>
                 </a:extLst>
               </p:cNvPr>
@@ -7579,7 +7579,7 @@
                 <p:cNvPr id="77" name="직선 연결선 76">
                   <a:extLst>
                     <a:ext uri="{FF2B5EF4-FFF2-40B4-BE49-F238E27FC236}">
-                      <a16:creationId xmlns="" xmlns:a16="http://schemas.microsoft.com/office/drawing/2014/main" id="{DE8B91DB-BDB3-44F7-911B-B94C54293342}"/>
+                      <a16:creationId xmlns:a16="http://schemas.microsoft.com/office/drawing/2014/main" xmlns="" id="{DE8B91DB-BDB3-44F7-911B-B94C54293342}"/>
                     </a:ext>
                   </a:extLst>
                 </p:cNvPr>
@@ -7617,7 +7617,7 @@
                 <p:cNvPr id="78" name="직선 연결선 77">
                   <a:extLst>
                     <a:ext uri="{FF2B5EF4-FFF2-40B4-BE49-F238E27FC236}">
-                      <a16:creationId xmlns="" xmlns:a16="http://schemas.microsoft.com/office/drawing/2014/main" id="{34B023F0-C893-45E9-B461-90E971F8D924}"/>
+                      <a16:creationId xmlns:a16="http://schemas.microsoft.com/office/drawing/2014/main" xmlns="" id="{34B023F0-C893-45E9-B461-90E971F8D924}"/>
                     </a:ext>
                   </a:extLst>
                 </p:cNvPr>
@@ -7657,7 +7657,7 @@
             <p:cNvPr id="80" name="직사각형 79">
               <a:extLst>
                 <a:ext uri="{FF2B5EF4-FFF2-40B4-BE49-F238E27FC236}">
-                  <a16:creationId xmlns="" xmlns:a16="http://schemas.microsoft.com/office/drawing/2014/main" id="{4259D690-DECA-43FD-9248-88D3F096A533}"/>
+                  <a16:creationId xmlns:a16="http://schemas.microsoft.com/office/drawing/2014/main" xmlns="" id="{4259D690-DECA-43FD-9248-88D3F096A533}"/>
                 </a:ext>
               </a:extLst>
             </p:cNvPr>
@@ -7719,7 +7719,7 @@
             <p:cNvPr id="85" name="직선 연결선 84">
               <a:extLst>
                 <a:ext uri="{FF2B5EF4-FFF2-40B4-BE49-F238E27FC236}">
-                  <a16:creationId xmlns="" xmlns:a16="http://schemas.microsoft.com/office/drawing/2014/main" id="{ABF0A11D-D064-411D-BBBB-1B062FD7D715}"/>
+                  <a16:creationId xmlns:a16="http://schemas.microsoft.com/office/drawing/2014/main" xmlns="" id="{ABF0A11D-D064-411D-BBBB-1B062FD7D715}"/>
                 </a:ext>
               </a:extLst>
             </p:cNvPr>
@@ -7758,7 +7758,7 @@
             <p:cNvPr id="130" name="그룹 129">
               <a:extLst>
                 <a:ext uri="{FF2B5EF4-FFF2-40B4-BE49-F238E27FC236}">
-                  <a16:creationId xmlns="" xmlns:a16="http://schemas.microsoft.com/office/drawing/2014/main" id="{61976F42-28D9-4748-9CC9-0B281BD5857B}"/>
+                  <a16:creationId xmlns:a16="http://schemas.microsoft.com/office/drawing/2014/main" xmlns="" id="{61976F42-28D9-4748-9CC9-0B281BD5857B}"/>
                 </a:ext>
               </a:extLst>
             </p:cNvPr>
@@ -7778,7 +7778,7 @@
               <p:cNvPr id="84" name="TextBox 83">
                 <a:extLst>
                   <a:ext uri="{FF2B5EF4-FFF2-40B4-BE49-F238E27FC236}">
-                    <a16:creationId xmlns="" xmlns:a16="http://schemas.microsoft.com/office/drawing/2014/main" id="{9078812E-5175-4B83-8E15-D641B59364B8}"/>
+                    <a16:creationId xmlns:a16="http://schemas.microsoft.com/office/drawing/2014/main" xmlns="" id="{9078812E-5175-4B83-8E15-D641B59364B8}"/>
                   </a:ext>
                 </a:extLst>
               </p:cNvPr>
@@ -7813,7 +7813,7 @@
               <p:cNvPr id="92" name="그룹 91">
                 <a:extLst>
                   <a:ext uri="{FF2B5EF4-FFF2-40B4-BE49-F238E27FC236}">
-                    <a16:creationId xmlns="" xmlns:a16="http://schemas.microsoft.com/office/drawing/2014/main" id="{CA5ABBC3-9B95-40AA-AF4E-6FEB47085AD2}"/>
+                    <a16:creationId xmlns:a16="http://schemas.microsoft.com/office/drawing/2014/main" xmlns="" id="{CA5ABBC3-9B95-40AA-AF4E-6FEB47085AD2}"/>
                   </a:ext>
                 </a:extLst>
               </p:cNvPr>
@@ -7833,7 +7833,7 @@
                 <p:cNvPr id="124" name="타원 123">
                   <a:extLst>
                     <a:ext uri="{FF2B5EF4-FFF2-40B4-BE49-F238E27FC236}">
-                      <a16:creationId xmlns="" xmlns:a16="http://schemas.microsoft.com/office/drawing/2014/main" id="{22E7067D-4D7C-4AF9-9AEF-3358C6DBE673}"/>
+                      <a16:creationId xmlns:a16="http://schemas.microsoft.com/office/drawing/2014/main" xmlns="" id="{22E7067D-4D7C-4AF9-9AEF-3358C6DBE673}"/>
                     </a:ext>
                   </a:extLst>
                 </p:cNvPr>
@@ -7877,7 +7877,7 @@
                 <p:cNvPr id="125" name="그룹 124">
                   <a:extLst>
                     <a:ext uri="{FF2B5EF4-FFF2-40B4-BE49-F238E27FC236}">
-                      <a16:creationId xmlns="" xmlns:a16="http://schemas.microsoft.com/office/drawing/2014/main" id="{271C2873-2E36-4377-ABFC-65FED26648A4}"/>
+                      <a16:creationId xmlns:a16="http://schemas.microsoft.com/office/drawing/2014/main" xmlns="" id="{271C2873-2E36-4377-ABFC-65FED26648A4}"/>
                     </a:ext>
                   </a:extLst>
                 </p:cNvPr>
@@ -7897,7 +7897,7 @@
                   <p:cNvPr id="126" name="직선 연결선 125">
                     <a:extLst>
                       <a:ext uri="{FF2B5EF4-FFF2-40B4-BE49-F238E27FC236}">
-                        <a16:creationId xmlns="" xmlns:a16="http://schemas.microsoft.com/office/drawing/2014/main" id="{3D2575FC-D420-4E72-9A39-A694A4A16337}"/>
+                        <a16:creationId xmlns:a16="http://schemas.microsoft.com/office/drawing/2014/main" xmlns="" id="{3D2575FC-D420-4E72-9A39-A694A4A16337}"/>
                       </a:ext>
                     </a:extLst>
                   </p:cNvPr>
@@ -7935,7 +7935,7 @@
                   <p:cNvPr id="127" name="직선 연결선 126">
                     <a:extLst>
                       <a:ext uri="{FF2B5EF4-FFF2-40B4-BE49-F238E27FC236}">
-                        <a16:creationId xmlns="" xmlns:a16="http://schemas.microsoft.com/office/drawing/2014/main" id="{3D5A5A46-5197-412D-8111-ED38092A6DCC}"/>
+                        <a16:creationId xmlns:a16="http://schemas.microsoft.com/office/drawing/2014/main" xmlns="" id="{3D5A5A46-5197-412D-8111-ED38092A6DCC}"/>
                       </a:ext>
                     </a:extLst>
                   </p:cNvPr>
@@ -7976,7 +7976,7 @@
             <p:cNvPr id="131" name="그룹 130">
               <a:extLst>
                 <a:ext uri="{FF2B5EF4-FFF2-40B4-BE49-F238E27FC236}">
-                  <a16:creationId xmlns="" xmlns:a16="http://schemas.microsoft.com/office/drawing/2014/main" id="{4107EDA6-328B-4A2E-A873-0517D2762C98}"/>
+                  <a16:creationId xmlns:a16="http://schemas.microsoft.com/office/drawing/2014/main" xmlns="" id="{4107EDA6-328B-4A2E-A873-0517D2762C98}"/>
                 </a:ext>
               </a:extLst>
             </p:cNvPr>
@@ -7996,7 +7996,7 @@
               <p:cNvPr id="86" name="TextBox 85">
                 <a:extLst>
                   <a:ext uri="{FF2B5EF4-FFF2-40B4-BE49-F238E27FC236}">
-                    <a16:creationId xmlns="" xmlns:a16="http://schemas.microsoft.com/office/drawing/2014/main" id="{93B6EF57-564B-4EF5-B506-C5B3EAE7EB76}"/>
+                    <a16:creationId xmlns:a16="http://schemas.microsoft.com/office/drawing/2014/main" xmlns="" id="{93B6EF57-564B-4EF5-B506-C5B3EAE7EB76}"/>
                   </a:ext>
                 </a:extLst>
               </p:cNvPr>
@@ -8052,7 +8052,7 @@
               <p:cNvPr id="93" name="그룹 92">
                 <a:extLst>
                   <a:ext uri="{FF2B5EF4-FFF2-40B4-BE49-F238E27FC236}">
-                    <a16:creationId xmlns="" xmlns:a16="http://schemas.microsoft.com/office/drawing/2014/main" id="{6D9D0EFC-9698-4E89-B062-B2BA3FF01D8D}"/>
+                    <a16:creationId xmlns:a16="http://schemas.microsoft.com/office/drawing/2014/main" xmlns="" id="{6D9D0EFC-9698-4E89-B062-B2BA3FF01D8D}"/>
                   </a:ext>
                 </a:extLst>
               </p:cNvPr>
@@ -8072,7 +8072,7 @@
                 <p:cNvPr id="120" name="타원 119">
                   <a:extLst>
                     <a:ext uri="{FF2B5EF4-FFF2-40B4-BE49-F238E27FC236}">
-                      <a16:creationId xmlns="" xmlns:a16="http://schemas.microsoft.com/office/drawing/2014/main" id="{92AEF1EA-6BAE-40A0-8356-0E853F184974}"/>
+                      <a16:creationId xmlns:a16="http://schemas.microsoft.com/office/drawing/2014/main" xmlns="" id="{92AEF1EA-6BAE-40A0-8356-0E853F184974}"/>
                     </a:ext>
                   </a:extLst>
                 </p:cNvPr>
@@ -8116,7 +8116,7 @@
                 <p:cNvPr id="121" name="그룹 120">
                   <a:extLst>
                     <a:ext uri="{FF2B5EF4-FFF2-40B4-BE49-F238E27FC236}">
-                      <a16:creationId xmlns="" xmlns:a16="http://schemas.microsoft.com/office/drawing/2014/main" id="{C5D5F2FB-2446-452F-963C-7D0C595C1CE4}"/>
+                      <a16:creationId xmlns:a16="http://schemas.microsoft.com/office/drawing/2014/main" xmlns="" id="{C5D5F2FB-2446-452F-963C-7D0C595C1CE4}"/>
                     </a:ext>
                   </a:extLst>
                 </p:cNvPr>
@@ -8136,7 +8136,7 @@
                   <p:cNvPr id="122" name="직선 연결선 121">
                     <a:extLst>
                       <a:ext uri="{FF2B5EF4-FFF2-40B4-BE49-F238E27FC236}">
-                        <a16:creationId xmlns="" xmlns:a16="http://schemas.microsoft.com/office/drawing/2014/main" id="{8E365C35-341A-46B0-BF33-BB3E5DFDF50F}"/>
+                        <a16:creationId xmlns:a16="http://schemas.microsoft.com/office/drawing/2014/main" xmlns="" id="{8E365C35-341A-46B0-BF33-BB3E5DFDF50F}"/>
                       </a:ext>
                     </a:extLst>
                   </p:cNvPr>
@@ -8174,7 +8174,7 @@
                   <p:cNvPr id="123" name="직선 연결선 122">
                     <a:extLst>
                       <a:ext uri="{FF2B5EF4-FFF2-40B4-BE49-F238E27FC236}">
-                        <a16:creationId xmlns="" xmlns:a16="http://schemas.microsoft.com/office/drawing/2014/main" id="{375584B1-3AEC-4356-88A2-5B18F3E3112A}"/>
+                        <a16:creationId xmlns:a16="http://schemas.microsoft.com/office/drawing/2014/main" xmlns="" id="{375584B1-3AEC-4356-88A2-5B18F3E3112A}"/>
                       </a:ext>
                     </a:extLst>
                   </p:cNvPr>
@@ -8215,7 +8215,7 @@
             <p:cNvPr id="132" name="그룹 131">
               <a:extLst>
                 <a:ext uri="{FF2B5EF4-FFF2-40B4-BE49-F238E27FC236}">
-                  <a16:creationId xmlns="" xmlns:a16="http://schemas.microsoft.com/office/drawing/2014/main" id="{D6DC41D0-51FF-48A3-809C-39B2E88C743E}"/>
+                  <a16:creationId xmlns:a16="http://schemas.microsoft.com/office/drawing/2014/main" xmlns="" id="{D6DC41D0-51FF-48A3-809C-39B2E88C743E}"/>
                 </a:ext>
               </a:extLst>
             </p:cNvPr>
@@ -8235,7 +8235,7 @@
               <p:cNvPr id="87" name="TextBox 86">
                 <a:extLst>
                   <a:ext uri="{FF2B5EF4-FFF2-40B4-BE49-F238E27FC236}">
-                    <a16:creationId xmlns="" xmlns:a16="http://schemas.microsoft.com/office/drawing/2014/main" id="{21D9ED40-40D5-4948-B988-B2624171BEDF}"/>
+                    <a16:creationId xmlns:a16="http://schemas.microsoft.com/office/drawing/2014/main" xmlns="" id="{21D9ED40-40D5-4948-B988-B2624171BEDF}"/>
                   </a:ext>
                 </a:extLst>
               </p:cNvPr>
@@ -8291,7 +8291,7 @@
               <p:cNvPr id="94" name="그룹 93">
                 <a:extLst>
                   <a:ext uri="{FF2B5EF4-FFF2-40B4-BE49-F238E27FC236}">
-                    <a16:creationId xmlns="" xmlns:a16="http://schemas.microsoft.com/office/drawing/2014/main" id="{609D0711-8CC5-42A1-98AE-8F4BA8217E20}"/>
+                    <a16:creationId xmlns:a16="http://schemas.microsoft.com/office/drawing/2014/main" xmlns="" id="{609D0711-8CC5-42A1-98AE-8F4BA8217E20}"/>
                   </a:ext>
                 </a:extLst>
               </p:cNvPr>
@@ -8311,7 +8311,7 @@
                 <p:cNvPr id="116" name="타원 115">
                   <a:extLst>
                     <a:ext uri="{FF2B5EF4-FFF2-40B4-BE49-F238E27FC236}">
-                      <a16:creationId xmlns="" xmlns:a16="http://schemas.microsoft.com/office/drawing/2014/main" id="{A8A5ACFE-5512-4405-BA44-B13C4522B729}"/>
+                      <a16:creationId xmlns:a16="http://schemas.microsoft.com/office/drawing/2014/main" xmlns="" id="{A8A5ACFE-5512-4405-BA44-B13C4522B729}"/>
                     </a:ext>
                   </a:extLst>
                 </p:cNvPr>
@@ -8355,7 +8355,7 @@
                 <p:cNvPr id="117" name="그룹 116">
                   <a:extLst>
                     <a:ext uri="{FF2B5EF4-FFF2-40B4-BE49-F238E27FC236}">
-                      <a16:creationId xmlns="" xmlns:a16="http://schemas.microsoft.com/office/drawing/2014/main" id="{ABB7634A-16BC-4E0B-9791-E912A6C3C565}"/>
+                      <a16:creationId xmlns:a16="http://schemas.microsoft.com/office/drawing/2014/main" xmlns="" id="{ABB7634A-16BC-4E0B-9791-E912A6C3C565}"/>
                     </a:ext>
                   </a:extLst>
                 </p:cNvPr>
@@ -8375,7 +8375,7 @@
                   <p:cNvPr id="118" name="직선 연결선 117">
                     <a:extLst>
                       <a:ext uri="{FF2B5EF4-FFF2-40B4-BE49-F238E27FC236}">
-                        <a16:creationId xmlns="" xmlns:a16="http://schemas.microsoft.com/office/drawing/2014/main" id="{09ACE1D2-43D8-4B72-A7D6-75FB8DA4F23C}"/>
+                        <a16:creationId xmlns:a16="http://schemas.microsoft.com/office/drawing/2014/main" xmlns="" id="{09ACE1D2-43D8-4B72-A7D6-75FB8DA4F23C}"/>
                       </a:ext>
                     </a:extLst>
                   </p:cNvPr>
@@ -8413,7 +8413,7 @@
                   <p:cNvPr id="119" name="직선 연결선 118">
                     <a:extLst>
                       <a:ext uri="{FF2B5EF4-FFF2-40B4-BE49-F238E27FC236}">
-                        <a16:creationId xmlns="" xmlns:a16="http://schemas.microsoft.com/office/drawing/2014/main" id="{3FB3387F-FB52-42C8-98F1-CF6684B07145}"/>
+                        <a16:creationId xmlns:a16="http://schemas.microsoft.com/office/drawing/2014/main" xmlns="" id="{3FB3387F-FB52-42C8-98F1-CF6684B07145}"/>
                       </a:ext>
                     </a:extLst>
                   </p:cNvPr>
@@ -8454,7 +8454,7 @@
             <p:cNvPr id="133" name="그룹 132">
               <a:extLst>
                 <a:ext uri="{FF2B5EF4-FFF2-40B4-BE49-F238E27FC236}">
-                  <a16:creationId xmlns="" xmlns:a16="http://schemas.microsoft.com/office/drawing/2014/main" id="{FDE7491C-6AF5-4880-93DB-1E998A4089D3}"/>
+                  <a16:creationId xmlns:a16="http://schemas.microsoft.com/office/drawing/2014/main" xmlns="" id="{FDE7491C-6AF5-4880-93DB-1E998A4089D3}"/>
                 </a:ext>
               </a:extLst>
             </p:cNvPr>
@@ -8474,7 +8474,7 @@
               <p:cNvPr id="88" name="TextBox 87">
                 <a:extLst>
                   <a:ext uri="{FF2B5EF4-FFF2-40B4-BE49-F238E27FC236}">
-                    <a16:creationId xmlns="" xmlns:a16="http://schemas.microsoft.com/office/drawing/2014/main" id="{39C82F22-7703-433A-B8BD-C6E222318967}"/>
+                    <a16:creationId xmlns:a16="http://schemas.microsoft.com/office/drawing/2014/main" xmlns="" id="{39C82F22-7703-433A-B8BD-C6E222318967}"/>
                   </a:ext>
                 </a:extLst>
               </p:cNvPr>
@@ -8530,7 +8530,7 @@
               <p:cNvPr id="95" name="그룹 94">
                 <a:extLst>
                   <a:ext uri="{FF2B5EF4-FFF2-40B4-BE49-F238E27FC236}">
-                    <a16:creationId xmlns="" xmlns:a16="http://schemas.microsoft.com/office/drawing/2014/main" id="{BF1851D4-BE48-4C62-8B48-B850714D235E}"/>
+                    <a16:creationId xmlns:a16="http://schemas.microsoft.com/office/drawing/2014/main" xmlns="" id="{BF1851D4-BE48-4C62-8B48-B850714D235E}"/>
                   </a:ext>
                 </a:extLst>
               </p:cNvPr>
@@ -8550,7 +8550,7 @@
                 <p:cNvPr id="112" name="타원 111">
                   <a:extLst>
                     <a:ext uri="{FF2B5EF4-FFF2-40B4-BE49-F238E27FC236}">
-                      <a16:creationId xmlns="" xmlns:a16="http://schemas.microsoft.com/office/drawing/2014/main" id="{43A98BC2-387E-41A9-A3A5-7B85D6342ABF}"/>
+                      <a16:creationId xmlns:a16="http://schemas.microsoft.com/office/drawing/2014/main" xmlns="" id="{43A98BC2-387E-41A9-A3A5-7B85D6342ABF}"/>
                     </a:ext>
                   </a:extLst>
                 </p:cNvPr>
@@ -8594,7 +8594,7 @@
                 <p:cNvPr id="113" name="그룹 112">
                   <a:extLst>
                     <a:ext uri="{FF2B5EF4-FFF2-40B4-BE49-F238E27FC236}">
-                      <a16:creationId xmlns="" xmlns:a16="http://schemas.microsoft.com/office/drawing/2014/main" id="{4BF72E20-014F-4F6B-940A-9783D4178909}"/>
+                      <a16:creationId xmlns:a16="http://schemas.microsoft.com/office/drawing/2014/main" xmlns="" id="{4BF72E20-014F-4F6B-940A-9783D4178909}"/>
                     </a:ext>
                   </a:extLst>
                 </p:cNvPr>
@@ -8614,7 +8614,7 @@
                   <p:cNvPr id="114" name="직선 연결선 113">
                     <a:extLst>
                       <a:ext uri="{FF2B5EF4-FFF2-40B4-BE49-F238E27FC236}">
-                        <a16:creationId xmlns="" xmlns:a16="http://schemas.microsoft.com/office/drawing/2014/main" id="{5167DB2E-510E-425D-B42C-F141B0841007}"/>
+                        <a16:creationId xmlns:a16="http://schemas.microsoft.com/office/drawing/2014/main" xmlns="" id="{5167DB2E-510E-425D-B42C-F141B0841007}"/>
                       </a:ext>
                     </a:extLst>
                   </p:cNvPr>
@@ -8652,7 +8652,7 @@
                   <p:cNvPr id="115" name="직선 연결선 114">
                     <a:extLst>
                       <a:ext uri="{FF2B5EF4-FFF2-40B4-BE49-F238E27FC236}">
-                        <a16:creationId xmlns="" xmlns:a16="http://schemas.microsoft.com/office/drawing/2014/main" id="{72901E6E-29FB-48D6-8ABD-C8E10A72ADCA}"/>
+                        <a16:creationId xmlns:a16="http://schemas.microsoft.com/office/drawing/2014/main" xmlns="" id="{72901E6E-29FB-48D6-8ABD-C8E10A72ADCA}"/>
                       </a:ext>
                     </a:extLst>
                   </p:cNvPr>
@@ -8693,7 +8693,7 @@
             <p:cNvPr id="134" name="그룹 133">
               <a:extLst>
                 <a:ext uri="{FF2B5EF4-FFF2-40B4-BE49-F238E27FC236}">
-                  <a16:creationId xmlns="" xmlns:a16="http://schemas.microsoft.com/office/drawing/2014/main" id="{67ECA2EF-6511-4E60-866E-845755EB3760}"/>
+                  <a16:creationId xmlns:a16="http://schemas.microsoft.com/office/drawing/2014/main" xmlns="" id="{67ECA2EF-6511-4E60-866E-845755EB3760}"/>
                 </a:ext>
               </a:extLst>
             </p:cNvPr>
@@ -8713,7 +8713,7 @@
               <p:cNvPr id="89" name="TextBox 88">
                 <a:extLst>
                   <a:ext uri="{FF2B5EF4-FFF2-40B4-BE49-F238E27FC236}">
-                    <a16:creationId xmlns="" xmlns:a16="http://schemas.microsoft.com/office/drawing/2014/main" id="{42A349C8-FC04-45CA-BD8D-67EBB42B08F7}"/>
+                    <a16:creationId xmlns:a16="http://schemas.microsoft.com/office/drawing/2014/main" xmlns="" id="{42A349C8-FC04-45CA-BD8D-67EBB42B08F7}"/>
                   </a:ext>
                 </a:extLst>
               </p:cNvPr>
@@ -8769,7 +8769,7 @@
               <p:cNvPr id="96" name="그룹 95">
                 <a:extLst>
                   <a:ext uri="{FF2B5EF4-FFF2-40B4-BE49-F238E27FC236}">
-                    <a16:creationId xmlns="" xmlns:a16="http://schemas.microsoft.com/office/drawing/2014/main" id="{1B626189-9D35-40B2-82EC-9C2E130C02D0}"/>
+                    <a16:creationId xmlns:a16="http://schemas.microsoft.com/office/drawing/2014/main" xmlns="" id="{1B626189-9D35-40B2-82EC-9C2E130C02D0}"/>
                   </a:ext>
                 </a:extLst>
               </p:cNvPr>
@@ -8789,7 +8789,7 @@
                 <p:cNvPr id="108" name="타원 107">
                   <a:extLst>
                     <a:ext uri="{FF2B5EF4-FFF2-40B4-BE49-F238E27FC236}">
-                      <a16:creationId xmlns="" xmlns:a16="http://schemas.microsoft.com/office/drawing/2014/main" id="{CB9B5A06-82DE-4302-B8EE-10526806BA58}"/>
+                      <a16:creationId xmlns:a16="http://schemas.microsoft.com/office/drawing/2014/main" xmlns="" id="{CB9B5A06-82DE-4302-B8EE-10526806BA58}"/>
                     </a:ext>
                   </a:extLst>
                 </p:cNvPr>
@@ -8833,7 +8833,7 @@
                 <p:cNvPr id="109" name="그룹 108">
                   <a:extLst>
                     <a:ext uri="{FF2B5EF4-FFF2-40B4-BE49-F238E27FC236}">
-                      <a16:creationId xmlns="" xmlns:a16="http://schemas.microsoft.com/office/drawing/2014/main" id="{45188AF3-A8AB-411D-A332-B7154D4E09AD}"/>
+                      <a16:creationId xmlns:a16="http://schemas.microsoft.com/office/drawing/2014/main" xmlns="" id="{45188AF3-A8AB-411D-A332-B7154D4E09AD}"/>
                     </a:ext>
                   </a:extLst>
                 </p:cNvPr>
@@ -8853,7 +8853,7 @@
                   <p:cNvPr id="110" name="직선 연결선 109">
                     <a:extLst>
                       <a:ext uri="{FF2B5EF4-FFF2-40B4-BE49-F238E27FC236}">
-                        <a16:creationId xmlns="" xmlns:a16="http://schemas.microsoft.com/office/drawing/2014/main" id="{76491FCB-5A1E-4067-967A-5343BB2B491C}"/>
+                        <a16:creationId xmlns:a16="http://schemas.microsoft.com/office/drawing/2014/main" xmlns="" id="{76491FCB-5A1E-4067-967A-5343BB2B491C}"/>
                       </a:ext>
                     </a:extLst>
                   </p:cNvPr>
@@ -8891,7 +8891,7 @@
                   <p:cNvPr id="111" name="직선 연결선 110">
                     <a:extLst>
                       <a:ext uri="{FF2B5EF4-FFF2-40B4-BE49-F238E27FC236}">
-                        <a16:creationId xmlns="" xmlns:a16="http://schemas.microsoft.com/office/drawing/2014/main" id="{39363924-F233-41E2-8B94-3B22A6B5A29C}"/>
+                        <a16:creationId xmlns:a16="http://schemas.microsoft.com/office/drawing/2014/main" xmlns="" id="{39363924-F233-41E2-8B94-3B22A6B5A29C}"/>
                       </a:ext>
                     </a:extLst>
                   </p:cNvPr>
@@ -8932,7 +8932,7 @@
             <p:cNvPr id="135" name="그룹 134">
               <a:extLst>
                 <a:ext uri="{FF2B5EF4-FFF2-40B4-BE49-F238E27FC236}">
-                  <a16:creationId xmlns="" xmlns:a16="http://schemas.microsoft.com/office/drawing/2014/main" id="{98F091DF-5A98-43BF-A33E-ED8833A90A88}"/>
+                  <a16:creationId xmlns:a16="http://schemas.microsoft.com/office/drawing/2014/main" xmlns="" id="{98F091DF-5A98-43BF-A33E-ED8833A90A88}"/>
                 </a:ext>
               </a:extLst>
             </p:cNvPr>
@@ -8952,7 +8952,7 @@
               <p:cNvPr id="90" name="TextBox 89">
                 <a:extLst>
                   <a:ext uri="{FF2B5EF4-FFF2-40B4-BE49-F238E27FC236}">
-                    <a16:creationId xmlns="" xmlns:a16="http://schemas.microsoft.com/office/drawing/2014/main" id="{389EF2DD-2EDD-4452-B50F-128C0BAA3B17}"/>
+                    <a16:creationId xmlns:a16="http://schemas.microsoft.com/office/drawing/2014/main" xmlns="" id="{389EF2DD-2EDD-4452-B50F-128C0BAA3B17}"/>
                   </a:ext>
                 </a:extLst>
               </p:cNvPr>
@@ -9008,7 +9008,7 @@
               <p:cNvPr id="97" name="그룹 96">
                 <a:extLst>
                   <a:ext uri="{FF2B5EF4-FFF2-40B4-BE49-F238E27FC236}">
-                    <a16:creationId xmlns="" xmlns:a16="http://schemas.microsoft.com/office/drawing/2014/main" id="{10EE9F56-D7F5-411E-9D18-98AFF66EF19B}"/>
+                    <a16:creationId xmlns:a16="http://schemas.microsoft.com/office/drawing/2014/main" xmlns="" id="{10EE9F56-D7F5-411E-9D18-98AFF66EF19B}"/>
                   </a:ext>
                 </a:extLst>
               </p:cNvPr>
@@ -9028,7 +9028,7 @@
                 <p:cNvPr id="104" name="타원 103">
                   <a:extLst>
                     <a:ext uri="{FF2B5EF4-FFF2-40B4-BE49-F238E27FC236}">
-                      <a16:creationId xmlns="" xmlns:a16="http://schemas.microsoft.com/office/drawing/2014/main" id="{00615255-91F6-4C4E-ABB1-B45375E5933C}"/>
+                      <a16:creationId xmlns:a16="http://schemas.microsoft.com/office/drawing/2014/main" xmlns="" id="{00615255-91F6-4C4E-ABB1-B45375E5933C}"/>
                     </a:ext>
                   </a:extLst>
                 </p:cNvPr>
@@ -9072,7 +9072,7 @@
                 <p:cNvPr id="105" name="그룹 104">
                   <a:extLst>
                     <a:ext uri="{FF2B5EF4-FFF2-40B4-BE49-F238E27FC236}">
-                      <a16:creationId xmlns="" xmlns:a16="http://schemas.microsoft.com/office/drawing/2014/main" id="{6CB0789B-1BCE-416D-B4BC-A8E1FE9C7F17}"/>
+                      <a16:creationId xmlns:a16="http://schemas.microsoft.com/office/drawing/2014/main" xmlns="" id="{6CB0789B-1BCE-416D-B4BC-A8E1FE9C7F17}"/>
                     </a:ext>
                   </a:extLst>
                 </p:cNvPr>
@@ -9092,7 +9092,7 @@
                   <p:cNvPr id="106" name="직선 연결선 105">
                     <a:extLst>
                       <a:ext uri="{FF2B5EF4-FFF2-40B4-BE49-F238E27FC236}">
-                        <a16:creationId xmlns="" xmlns:a16="http://schemas.microsoft.com/office/drawing/2014/main" id="{D2A0F505-D3B0-4F01-8E53-0CA68C0858CB}"/>
+                        <a16:creationId xmlns:a16="http://schemas.microsoft.com/office/drawing/2014/main" xmlns="" id="{D2A0F505-D3B0-4F01-8E53-0CA68C0858CB}"/>
                       </a:ext>
                     </a:extLst>
                   </p:cNvPr>
@@ -9130,7 +9130,7 @@
                   <p:cNvPr id="107" name="직선 연결선 106">
                     <a:extLst>
                       <a:ext uri="{FF2B5EF4-FFF2-40B4-BE49-F238E27FC236}">
-                        <a16:creationId xmlns="" xmlns:a16="http://schemas.microsoft.com/office/drawing/2014/main" id="{04214CDF-BF48-41D7-AC98-2FEABD16D1F5}"/>
+                        <a16:creationId xmlns:a16="http://schemas.microsoft.com/office/drawing/2014/main" xmlns="" id="{04214CDF-BF48-41D7-AC98-2FEABD16D1F5}"/>
                       </a:ext>
                     </a:extLst>
                   </p:cNvPr>
@@ -9171,7 +9171,7 @@
             <p:cNvPr id="136" name="그룹 135">
               <a:extLst>
                 <a:ext uri="{FF2B5EF4-FFF2-40B4-BE49-F238E27FC236}">
-                  <a16:creationId xmlns="" xmlns:a16="http://schemas.microsoft.com/office/drawing/2014/main" id="{0E739F4A-256C-42D9-9240-588E6E085D2F}"/>
+                  <a16:creationId xmlns:a16="http://schemas.microsoft.com/office/drawing/2014/main" xmlns="" id="{0E739F4A-256C-42D9-9240-588E6E085D2F}"/>
                 </a:ext>
               </a:extLst>
             </p:cNvPr>
@@ -9191,7 +9191,7 @@
               <p:cNvPr id="91" name="TextBox 90">
                 <a:extLst>
                   <a:ext uri="{FF2B5EF4-FFF2-40B4-BE49-F238E27FC236}">
-                    <a16:creationId xmlns="" xmlns:a16="http://schemas.microsoft.com/office/drawing/2014/main" id="{E9AFE078-D381-47A8-A426-4DC1C33E882D}"/>
+                    <a16:creationId xmlns:a16="http://schemas.microsoft.com/office/drawing/2014/main" xmlns="" id="{E9AFE078-D381-47A8-A426-4DC1C33E882D}"/>
                   </a:ext>
                 </a:extLst>
               </p:cNvPr>
@@ -9239,7 +9239,7 @@
               <p:cNvPr id="98" name="그룹 97">
                 <a:extLst>
                   <a:ext uri="{FF2B5EF4-FFF2-40B4-BE49-F238E27FC236}">
-                    <a16:creationId xmlns="" xmlns:a16="http://schemas.microsoft.com/office/drawing/2014/main" id="{C154AFCF-490E-479A-BE62-6474B5DDAB99}"/>
+                    <a16:creationId xmlns:a16="http://schemas.microsoft.com/office/drawing/2014/main" xmlns="" id="{C154AFCF-490E-479A-BE62-6474B5DDAB99}"/>
                   </a:ext>
                 </a:extLst>
               </p:cNvPr>
@@ -9259,7 +9259,7 @@
                 <p:cNvPr id="100" name="타원 99">
                   <a:extLst>
                     <a:ext uri="{FF2B5EF4-FFF2-40B4-BE49-F238E27FC236}">
-                      <a16:creationId xmlns="" xmlns:a16="http://schemas.microsoft.com/office/drawing/2014/main" id="{BB291A8C-104B-4DCF-9961-288D9FEB750F}"/>
+                      <a16:creationId xmlns:a16="http://schemas.microsoft.com/office/drawing/2014/main" xmlns="" id="{BB291A8C-104B-4DCF-9961-288D9FEB750F}"/>
                     </a:ext>
                   </a:extLst>
                 </p:cNvPr>
@@ -9303,7 +9303,7 @@
                 <p:cNvPr id="101" name="그룹 100">
                   <a:extLst>
                     <a:ext uri="{FF2B5EF4-FFF2-40B4-BE49-F238E27FC236}">
-                      <a16:creationId xmlns="" xmlns:a16="http://schemas.microsoft.com/office/drawing/2014/main" id="{679299CF-FEE8-40F8-A5F4-509FA1BCC4E1}"/>
+                      <a16:creationId xmlns:a16="http://schemas.microsoft.com/office/drawing/2014/main" xmlns="" id="{679299CF-FEE8-40F8-A5F4-509FA1BCC4E1}"/>
                     </a:ext>
                   </a:extLst>
                 </p:cNvPr>
@@ -9323,7 +9323,7 @@
                   <p:cNvPr id="102" name="직선 연결선 101">
                     <a:extLst>
                       <a:ext uri="{FF2B5EF4-FFF2-40B4-BE49-F238E27FC236}">
-                        <a16:creationId xmlns="" xmlns:a16="http://schemas.microsoft.com/office/drawing/2014/main" id="{D783EA1F-E81B-4614-8AF5-BC4E9CAA7F8F}"/>
+                        <a16:creationId xmlns:a16="http://schemas.microsoft.com/office/drawing/2014/main" xmlns="" id="{D783EA1F-E81B-4614-8AF5-BC4E9CAA7F8F}"/>
                       </a:ext>
                     </a:extLst>
                   </p:cNvPr>
@@ -9361,7 +9361,7 @@
                   <p:cNvPr id="103" name="직선 연결선 102">
                     <a:extLst>
                       <a:ext uri="{FF2B5EF4-FFF2-40B4-BE49-F238E27FC236}">
-                        <a16:creationId xmlns="" xmlns:a16="http://schemas.microsoft.com/office/drawing/2014/main" id="{4F12B213-C445-41A8-A0FE-A8D4F8FBAD8A}"/>
+                        <a16:creationId xmlns:a16="http://schemas.microsoft.com/office/drawing/2014/main" xmlns="" id="{4F12B213-C445-41A8-A0FE-A8D4F8FBAD8A}"/>
                       </a:ext>
                     </a:extLst>
                   </p:cNvPr>
@@ -9403,7 +9403,7 @@
           <p:cNvPr id="99" name="직사각형 98">
             <a:extLst>
               <a:ext uri="{FF2B5EF4-FFF2-40B4-BE49-F238E27FC236}">
-                <a16:creationId xmlns="" xmlns:a16="http://schemas.microsoft.com/office/drawing/2014/main" id="{B59C31F9-8FBF-4B3C-97B1-93C678100905}"/>
+                <a16:creationId xmlns:a16="http://schemas.microsoft.com/office/drawing/2014/main" xmlns="" id="{B59C31F9-8FBF-4B3C-97B1-93C678100905}"/>
               </a:ext>
             </a:extLst>
           </p:cNvPr>
@@ -9450,7 +9450,7 @@
           <p:cNvPr id="128" name="TextBox 127">
             <a:extLst>
               <a:ext uri="{FF2B5EF4-FFF2-40B4-BE49-F238E27FC236}">
-                <a16:creationId xmlns="" xmlns:a16="http://schemas.microsoft.com/office/drawing/2014/main" id="{606CB3EF-BD67-454E-8D48-D30774CEE106}"/>
+                <a16:creationId xmlns:a16="http://schemas.microsoft.com/office/drawing/2014/main" xmlns="" id="{606CB3EF-BD67-454E-8D48-D30774CEE106}"/>
               </a:ext>
             </a:extLst>
           </p:cNvPr>
@@ -9486,7 +9486,7 @@
           <p:cNvPr id="129" name="TextBox 128">
             <a:extLst>
               <a:ext uri="{FF2B5EF4-FFF2-40B4-BE49-F238E27FC236}">
-                <a16:creationId xmlns="" xmlns:a16="http://schemas.microsoft.com/office/drawing/2014/main" id="{6ECBB3D4-2156-4986-9434-EA8F60CE59E0}"/>
+                <a16:creationId xmlns:a16="http://schemas.microsoft.com/office/drawing/2014/main" xmlns="" id="{6ECBB3D4-2156-4986-9434-EA8F60CE59E0}"/>
               </a:ext>
             </a:extLst>
           </p:cNvPr>
@@ -9522,7 +9522,7 @@
           <p:cNvPr id="137" name="직선 연결선 136">
             <a:extLst>
               <a:ext uri="{FF2B5EF4-FFF2-40B4-BE49-F238E27FC236}">
-                <a16:creationId xmlns="" xmlns:a16="http://schemas.microsoft.com/office/drawing/2014/main" id="{A723CFAC-181E-4ABB-8790-FEC42B087A83}"/>
+                <a16:creationId xmlns:a16="http://schemas.microsoft.com/office/drawing/2014/main" xmlns="" id="{A723CFAC-181E-4ABB-8790-FEC42B087A83}"/>
               </a:ext>
             </a:extLst>
           </p:cNvPr>
@@ -9558,7 +9558,7 @@
           <p:cNvPr id="140" name="TextBox 139">
             <a:extLst>
               <a:ext uri="{FF2B5EF4-FFF2-40B4-BE49-F238E27FC236}">
-                <a16:creationId xmlns="" xmlns:a16="http://schemas.microsoft.com/office/drawing/2014/main" id="{78ADDD66-9CDE-4CA6-938D-D34562AC7F09}"/>
+                <a16:creationId xmlns:a16="http://schemas.microsoft.com/office/drawing/2014/main" xmlns="" id="{78ADDD66-9CDE-4CA6-938D-D34562AC7F09}"/>
               </a:ext>
             </a:extLst>
           </p:cNvPr>
@@ -9594,7 +9594,7 @@
           <p:cNvPr id="143" name="직사각형 142">
             <a:extLst>
               <a:ext uri="{FF2B5EF4-FFF2-40B4-BE49-F238E27FC236}">
-                <a16:creationId xmlns="" xmlns:a16="http://schemas.microsoft.com/office/drawing/2014/main" id="{2DD24BCC-FCE6-4F3D-9102-0338A277724E}"/>
+                <a16:creationId xmlns:a16="http://schemas.microsoft.com/office/drawing/2014/main" xmlns="" id="{2DD24BCC-FCE6-4F3D-9102-0338A277724E}"/>
               </a:ext>
             </a:extLst>
           </p:cNvPr>
@@ -9648,7 +9648,7 @@
           <p:cNvPr id="144" name="직사각형 143">
             <a:extLst>
               <a:ext uri="{FF2B5EF4-FFF2-40B4-BE49-F238E27FC236}">
-                <a16:creationId xmlns="" xmlns:a16="http://schemas.microsoft.com/office/drawing/2014/main" id="{D47A0DF5-CA84-4554-81E3-2D51D35F259C}"/>
+                <a16:creationId xmlns:a16="http://schemas.microsoft.com/office/drawing/2014/main" xmlns="" id="{D47A0DF5-CA84-4554-81E3-2D51D35F259C}"/>
               </a:ext>
             </a:extLst>
           </p:cNvPr>
@@ -9702,7 +9702,7 @@
           <p:cNvPr id="145" name="직선 연결선 144">
             <a:extLst>
               <a:ext uri="{FF2B5EF4-FFF2-40B4-BE49-F238E27FC236}">
-                <a16:creationId xmlns="" xmlns:a16="http://schemas.microsoft.com/office/drawing/2014/main" id="{BBD31C63-515F-4941-8A12-DD68C1031400}"/>
+                <a16:creationId xmlns:a16="http://schemas.microsoft.com/office/drawing/2014/main" xmlns="" id="{BBD31C63-515F-4941-8A12-DD68C1031400}"/>
               </a:ext>
             </a:extLst>
           </p:cNvPr>
@@ -9743,7 +9743,7 @@
           <p:cNvPr id="146" name="직선 화살표 연결선 145">
             <a:extLst>
               <a:ext uri="{FF2B5EF4-FFF2-40B4-BE49-F238E27FC236}">
-                <a16:creationId xmlns="" xmlns:a16="http://schemas.microsoft.com/office/drawing/2014/main" id="{C6189FF7-B2B4-4F58-A62C-4552AA855088}"/>
+                <a16:creationId xmlns:a16="http://schemas.microsoft.com/office/drawing/2014/main" xmlns="" id="{C6189FF7-B2B4-4F58-A62C-4552AA855088}"/>
               </a:ext>
             </a:extLst>
           </p:cNvPr>
@@ -9787,7 +9787,7 @@
           <p:cNvPr id="148" name="직선 화살표 연결선 147">
             <a:extLst>
               <a:ext uri="{FF2B5EF4-FFF2-40B4-BE49-F238E27FC236}">
-                <a16:creationId xmlns="" xmlns:a16="http://schemas.microsoft.com/office/drawing/2014/main" id="{6ADB57C1-71A6-460D-8130-56C2C112542B}"/>
+                <a16:creationId xmlns:a16="http://schemas.microsoft.com/office/drawing/2014/main" xmlns="" id="{6ADB57C1-71A6-460D-8130-56C2C112542B}"/>
               </a:ext>
             </a:extLst>
           </p:cNvPr>
@@ -9831,7 +9831,7 @@
           <p:cNvPr id="149" name="TextBox 148">
             <a:extLst>
               <a:ext uri="{FF2B5EF4-FFF2-40B4-BE49-F238E27FC236}">
-                <a16:creationId xmlns="" xmlns:a16="http://schemas.microsoft.com/office/drawing/2014/main" id="{CDE1AA9D-8128-4666-8D15-1D04133230F9}"/>
+                <a16:creationId xmlns:a16="http://schemas.microsoft.com/office/drawing/2014/main" xmlns="" id="{CDE1AA9D-8128-4666-8D15-1D04133230F9}"/>
               </a:ext>
             </a:extLst>
           </p:cNvPr>
@@ -9867,7 +9867,7 @@
           <p:cNvPr id="151" name="TextBox 150">
             <a:extLst>
               <a:ext uri="{FF2B5EF4-FFF2-40B4-BE49-F238E27FC236}">
-                <a16:creationId xmlns="" xmlns:a16="http://schemas.microsoft.com/office/drawing/2014/main" id="{9CCCD44E-9A9A-4ED8-A5D1-4872F5E16D21}"/>
+                <a16:creationId xmlns:a16="http://schemas.microsoft.com/office/drawing/2014/main" xmlns="" id="{9CCCD44E-9A9A-4ED8-A5D1-4872F5E16D21}"/>
               </a:ext>
             </a:extLst>
           </p:cNvPr>
@@ -10159,7 +10159,7 @@
           <p:cNvPr id="2" name="직사각형 1">
             <a:extLst>
               <a:ext uri="{FF2B5EF4-FFF2-40B4-BE49-F238E27FC236}">
-                <a16:creationId xmlns="" xmlns:a16="http://schemas.microsoft.com/office/drawing/2014/main" id="{8E5B996D-DF87-49E5-95D1-45B1EEB9EE9A}"/>
+                <a16:creationId xmlns:a16="http://schemas.microsoft.com/office/drawing/2014/main" xmlns="" id="{8E5B996D-DF87-49E5-95D1-45B1EEB9EE9A}"/>
               </a:ext>
             </a:extLst>
           </p:cNvPr>
@@ -10211,7 +10211,7 @@
           <p:cNvPr id="4" name="직사각형 3">
             <a:extLst>
               <a:ext uri="{FF2B5EF4-FFF2-40B4-BE49-F238E27FC236}">
-                <a16:creationId xmlns="" xmlns:a16="http://schemas.microsoft.com/office/drawing/2014/main" id="{080CEE4E-4BCA-42C3-BECA-9BCEB9931EEA}"/>
+                <a16:creationId xmlns:a16="http://schemas.microsoft.com/office/drawing/2014/main" xmlns="" id="{080CEE4E-4BCA-42C3-BECA-9BCEB9931EEA}"/>
               </a:ext>
             </a:extLst>
           </p:cNvPr>
@@ -10263,7 +10263,7 @@
           <p:cNvPr id="5" name="TextBox 4">
             <a:extLst>
               <a:ext uri="{FF2B5EF4-FFF2-40B4-BE49-F238E27FC236}">
-                <a16:creationId xmlns="" xmlns:a16="http://schemas.microsoft.com/office/drawing/2014/main" id="{D12B0B12-AB99-4F88-B4B2-948DADC833EA}"/>
+                <a16:creationId xmlns:a16="http://schemas.microsoft.com/office/drawing/2014/main" xmlns="" id="{D12B0B12-AB99-4F88-B4B2-948DADC833EA}"/>
               </a:ext>
             </a:extLst>
           </p:cNvPr>
@@ -10382,7 +10382,7 @@
           <p:cNvPr id="9" name="그림 8">
             <a:extLst>
               <a:ext uri="{FF2B5EF4-FFF2-40B4-BE49-F238E27FC236}">
-                <a16:creationId xmlns="" xmlns:a16="http://schemas.microsoft.com/office/drawing/2014/main" id="{0F0992E8-2696-42E6-805A-0C12780D8FA1}"/>
+                <a16:creationId xmlns:a16="http://schemas.microsoft.com/office/drawing/2014/main" xmlns="" id="{0F0992E8-2696-42E6-805A-0C12780D8FA1}"/>
               </a:ext>
             </a:extLst>
           </p:cNvPr>
@@ -10753,7 +10753,7 @@
           <p:cNvPr id="30" name="TextBox 29">
             <a:extLst>
               <a:ext uri="{FF2B5EF4-FFF2-40B4-BE49-F238E27FC236}">
-                <a16:creationId xmlns="" xmlns:a16="http://schemas.microsoft.com/office/drawing/2014/main" id="{606CB3EF-BD67-454E-8D48-D30774CEE106}"/>
+                <a16:creationId xmlns:a16="http://schemas.microsoft.com/office/drawing/2014/main" xmlns="" id="{606CB3EF-BD67-454E-8D48-D30774CEE106}"/>
               </a:ext>
             </a:extLst>
           </p:cNvPr>
@@ -10789,7 +10789,7 @@
           <p:cNvPr id="31" name="TextBox 30">
             <a:extLst>
               <a:ext uri="{FF2B5EF4-FFF2-40B4-BE49-F238E27FC236}">
-                <a16:creationId xmlns="" xmlns:a16="http://schemas.microsoft.com/office/drawing/2014/main" id="{6ECBB3D4-2156-4986-9434-EA8F60CE59E0}"/>
+                <a16:creationId xmlns:a16="http://schemas.microsoft.com/office/drawing/2014/main" xmlns="" id="{6ECBB3D4-2156-4986-9434-EA8F60CE59E0}"/>
               </a:ext>
             </a:extLst>
           </p:cNvPr>
@@ -10825,7 +10825,7 @@
           <p:cNvPr id="33" name="직선 연결선 32">
             <a:extLst>
               <a:ext uri="{FF2B5EF4-FFF2-40B4-BE49-F238E27FC236}">
-                <a16:creationId xmlns="" xmlns:a16="http://schemas.microsoft.com/office/drawing/2014/main" id="{A723CFAC-181E-4ABB-8790-FEC42B087A83}"/>
+                <a16:creationId xmlns:a16="http://schemas.microsoft.com/office/drawing/2014/main" xmlns="" id="{A723CFAC-181E-4ABB-8790-FEC42B087A83}"/>
               </a:ext>
             </a:extLst>
           </p:cNvPr>
@@ -10861,7 +10861,7 @@
           <p:cNvPr id="44" name="TextBox 43">
             <a:extLst>
               <a:ext uri="{FF2B5EF4-FFF2-40B4-BE49-F238E27FC236}">
-                <a16:creationId xmlns="" xmlns:a16="http://schemas.microsoft.com/office/drawing/2014/main" id="{78ADDD66-9CDE-4CA6-938D-D34562AC7F09}"/>
+                <a16:creationId xmlns:a16="http://schemas.microsoft.com/office/drawing/2014/main" xmlns="" id="{78ADDD66-9CDE-4CA6-938D-D34562AC7F09}"/>
               </a:ext>
             </a:extLst>
           </p:cNvPr>
@@ -10897,7 +10897,7 @@
           <p:cNvPr id="47" name="직사각형 46">
             <a:extLst>
               <a:ext uri="{FF2B5EF4-FFF2-40B4-BE49-F238E27FC236}">
-                <a16:creationId xmlns="" xmlns:a16="http://schemas.microsoft.com/office/drawing/2014/main" id="{2DD24BCC-FCE6-4F3D-9102-0338A277724E}"/>
+                <a16:creationId xmlns:a16="http://schemas.microsoft.com/office/drawing/2014/main" xmlns="" id="{2DD24BCC-FCE6-4F3D-9102-0338A277724E}"/>
               </a:ext>
             </a:extLst>
           </p:cNvPr>
@@ -10951,7 +10951,7 @@
           <p:cNvPr id="48" name="직사각형 47">
             <a:extLst>
               <a:ext uri="{FF2B5EF4-FFF2-40B4-BE49-F238E27FC236}">
-                <a16:creationId xmlns="" xmlns:a16="http://schemas.microsoft.com/office/drawing/2014/main" id="{D47A0DF5-CA84-4554-81E3-2D51D35F259C}"/>
+                <a16:creationId xmlns:a16="http://schemas.microsoft.com/office/drawing/2014/main" xmlns="" id="{D47A0DF5-CA84-4554-81E3-2D51D35F259C}"/>
               </a:ext>
             </a:extLst>
           </p:cNvPr>
@@ -11005,7 +11005,7 @@
           <p:cNvPr id="49" name="직선 연결선 48">
             <a:extLst>
               <a:ext uri="{FF2B5EF4-FFF2-40B4-BE49-F238E27FC236}">
-                <a16:creationId xmlns="" xmlns:a16="http://schemas.microsoft.com/office/drawing/2014/main" id="{BBD31C63-515F-4941-8A12-DD68C1031400}"/>
+                <a16:creationId xmlns:a16="http://schemas.microsoft.com/office/drawing/2014/main" xmlns="" id="{BBD31C63-515F-4941-8A12-DD68C1031400}"/>
               </a:ext>
             </a:extLst>
           </p:cNvPr>
@@ -11046,7 +11046,7 @@
           <p:cNvPr id="50" name="직선 화살표 연결선 49">
             <a:extLst>
               <a:ext uri="{FF2B5EF4-FFF2-40B4-BE49-F238E27FC236}">
-                <a16:creationId xmlns="" xmlns:a16="http://schemas.microsoft.com/office/drawing/2014/main" id="{C6189FF7-B2B4-4F58-A62C-4552AA855088}"/>
+                <a16:creationId xmlns:a16="http://schemas.microsoft.com/office/drawing/2014/main" xmlns="" id="{C6189FF7-B2B4-4F58-A62C-4552AA855088}"/>
               </a:ext>
             </a:extLst>
           </p:cNvPr>
@@ -11090,7 +11090,7 @@
           <p:cNvPr id="52" name="직선 화살표 연결선 51">
             <a:extLst>
               <a:ext uri="{FF2B5EF4-FFF2-40B4-BE49-F238E27FC236}">
-                <a16:creationId xmlns="" xmlns:a16="http://schemas.microsoft.com/office/drawing/2014/main" id="{6ADB57C1-71A6-460D-8130-56C2C112542B}"/>
+                <a16:creationId xmlns:a16="http://schemas.microsoft.com/office/drawing/2014/main" xmlns="" id="{6ADB57C1-71A6-460D-8130-56C2C112542B}"/>
               </a:ext>
             </a:extLst>
           </p:cNvPr>
@@ -11134,7 +11134,7 @@
           <p:cNvPr id="53" name="TextBox 52">
             <a:extLst>
               <a:ext uri="{FF2B5EF4-FFF2-40B4-BE49-F238E27FC236}">
-                <a16:creationId xmlns="" xmlns:a16="http://schemas.microsoft.com/office/drawing/2014/main" id="{CDE1AA9D-8128-4666-8D15-1D04133230F9}"/>
+                <a16:creationId xmlns:a16="http://schemas.microsoft.com/office/drawing/2014/main" xmlns="" id="{CDE1AA9D-8128-4666-8D15-1D04133230F9}"/>
               </a:ext>
             </a:extLst>
           </p:cNvPr>
@@ -11170,7 +11170,7 @@
           <p:cNvPr id="55" name="TextBox 54">
             <a:extLst>
               <a:ext uri="{FF2B5EF4-FFF2-40B4-BE49-F238E27FC236}">
-                <a16:creationId xmlns="" xmlns:a16="http://schemas.microsoft.com/office/drawing/2014/main" id="{9CCCD44E-9A9A-4ED8-A5D1-4872F5E16D21}"/>
+                <a16:creationId xmlns:a16="http://schemas.microsoft.com/office/drawing/2014/main" xmlns="" id="{9CCCD44E-9A9A-4ED8-A5D1-4872F5E16D21}"/>
               </a:ext>
             </a:extLst>
           </p:cNvPr>
@@ -11219,7 +11219,7 @@
             <p:cNvPr id="6" name="직사각형 5">
               <a:extLst>
                 <a:ext uri="{FF2B5EF4-FFF2-40B4-BE49-F238E27FC236}">
-                  <a16:creationId xmlns="" xmlns:a16="http://schemas.microsoft.com/office/drawing/2014/main" id="{44CD91FC-E3FD-43AE-A028-584FD09DDAA2}"/>
+                  <a16:creationId xmlns:a16="http://schemas.microsoft.com/office/drawing/2014/main" xmlns="" id="{44CD91FC-E3FD-43AE-A028-584FD09DDAA2}"/>
                 </a:ext>
               </a:extLst>
             </p:cNvPr>
@@ -11263,7 +11263,7 @@
             <p:cNvPr id="8" name="TextBox 7">
               <a:extLst>
                 <a:ext uri="{FF2B5EF4-FFF2-40B4-BE49-F238E27FC236}">
-                  <a16:creationId xmlns="" xmlns:a16="http://schemas.microsoft.com/office/drawing/2014/main" id="{B817A5C8-8FDD-43DD-A1C9-CC8F5DE4A3A1}"/>
+                  <a16:creationId xmlns:a16="http://schemas.microsoft.com/office/drawing/2014/main" xmlns="" id="{B817A5C8-8FDD-43DD-A1C9-CC8F5DE4A3A1}"/>
                 </a:ext>
               </a:extLst>
             </p:cNvPr>
@@ -11313,7 +11313,7 @@
             <p:cNvPr id="11" name="직사각형 10">
               <a:extLst>
                 <a:ext uri="{FF2B5EF4-FFF2-40B4-BE49-F238E27FC236}">
-                  <a16:creationId xmlns="" xmlns:a16="http://schemas.microsoft.com/office/drawing/2014/main" id="{2943A15B-62B9-4053-B656-83394F5EDBA1}"/>
+                  <a16:creationId xmlns:a16="http://schemas.microsoft.com/office/drawing/2014/main" xmlns="" id="{2943A15B-62B9-4053-B656-83394F5EDBA1}"/>
                 </a:ext>
               </a:extLst>
             </p:cNvPr>
@@ -11357,7 +11357,7 @@
             <p:cNvPr id="22" name="TextBox 21">
               <a:extLst>
                 <a:ext uri="{FF2B5EF4-FFF2-40B4-BE49-F238E27FC236}">
-                  <a16:creationId xmlns="" xmlns:a16="http://schemas.microsoft.com/office/drawing/2014/main" id="{B97A34A8-FE73-4AFB-89DD-C92996D2EE29}"/>
+                  <a16:creationId xmlns:a16="http://schemas.microsoft.com/office/drawing/2014/main" xmlns="" id="{B97A34A8-FE73-4AFB-89DD-C92996D2EE29}"/>
                 </a:ext>
               </a:extLst>
             </p:cNvPr>
@@ -11407,7 +11407,7 @@
             <p:cNvPr id="10" name="직사각형 9">
               <a:extLst>
                 <a:ext uri="{FF2B5EF4-FFF2-40B4-BE49-F238E27FC236}">
-                  <a16:creationId xmlns="" xmlns:a16="http://schemas.microsoft.com/office/drawing/2014/main" id="{6DE80802-B074-4295-B601-3A4FF472B89F}"/>
+                  <a16:creationId xmlns:a16="http://schemas.microsoft.com/office/drawing/2014/main" xmlns="" id="{6DE80802-B074-4295-B601-3A4FF472B89F}"/>
                 </a:ext>
               </a:extLst>
             </p:cNvPr>
@@ -11451,7 +11451,7 @@
             <p:cNvPr id="23" name="TextBox 22">
               <a:extLst>
                 <a:ext uri="{FF2B5EF4-FFF2-40B4-BE49-F238E27FC236}">
-                  <a16:creationId xmlns="" xmlns:a16="http://schemas.microsoft.com/office/drawing/2014/main" id="{074A134C-B34D-4C26-9734-B6B78AF259B6}"/>
+                  <a16:creationId xmlns:a16="http://schemas.microsoft.com/office/drawing/2014/main" xmlns="" id="{074A134C-B34D-4C26-9734-B6B78AF259B6}"/>
                 </a:ext>
               </a:extLst>
             </p:cNvPr>
@@ -11501,7 +11501,7 @@
             <p:cNvPr id="24" name="TextBox 23">
               <a:extLst>
                 <a:ext uri="{FF2B5EF4-FFF2-40B4-BE49-F238E27FC236}">
-                  <a16:creationId xmlns="" xmlns:a16="http://schemas.microsoft.com/office/drawing/2014/main" id="{20DF9C70-B68B-4DA2-AB8A-EC57BB8AD627}"/>
+                  <a16:creationId xmlns:a16="http://schemas.microsoft.com/office/drawing/2014/main" xmlns="" id="{20DF9C70-B68B-4DA2-AB8A-EC57BB8AD627}"/>
                 </a:ext>
               </a:extLst>
             </p:cNvPr>
@@ -11536,7 +11536,7 @@
             <p:cNvPr id="35" name="직사각형 34">
               <a:extLst>
                 <a:ext uri="{FF2B5EF4-FFF2-40B4-BE49-F238E27FC236}">
-                  <a16:creationId xmlns="" xmlns:a16="http://schemas.microsoft.com/office/drawing/2014/main" id="{4EB80500-12F4-4311-B319-4C1EAA3BD103}"/>
+                  <a16:creationId xmlns:a16="http://schemas.microsoft.com/office/drawing/2014/main" xmlns="" id="{4EB80500-12F4-4311-B319-4C1EAA3BD103}"/>
                 </a:ext>
               </a:extLst>
             </p:cNvPr>
@@ -11595,7 +11595,7 @@
             <p:cNvPr id="25" name="TextBox 24">
               <a:extLst>
                 <a:ext uri="{FF2B5EF4-FFF2-40B4-BE49-F238E27FC236}">
-                  <a16:creationId xmlns="" xmlns:a16="http://schemas.microsoft.com/office/drawing/2014/main" id="{98ECFD99-D8C0-49D0-AA0C-94171191C0F3}"/>
+                  <a16:creationId xmlns:a16="http://schemas.microsoft.com/office/drawing/2014/main" xmlns="" id="{98ECFD99-D8C0-49D0-AA0C-94171191C0F3}"/>
                 </a:ext>
               </a:extLst>
             </p:cNvPr>
@@ -11630,7 +11630,7 @@
             <p:cNvPr id="36" name="직사각형 35">
               <a:extLst>
                 <a:ext uri="{FF2B5EF4-FFF2-40B4-BE49-F238E27FC236}">
-                  <a16:creationId xmlns="" xmlns:a16="http://schemas.microsoft.com/office/drawing/2014/main" id="{C7315F80-8718-457F-B744-4E353FA59E67}"/>
+                  <a16:creationId xmlns:a16="http://schemas.microsoft.com/office/drawing/2014/main" xmlns="" id="{C7315F80-8718-457F-B744-4E353FA59E67}"/>
                 </a:ext>
               </a:extLst>
             </p:cNvPr>
@@ -11689,7 +11689,7 @@
             <p:cNvPr id="37" name="TextBox 36">
               <a:extLst>
                 <a:ext uri="{FF2B5EF4-FFF2-40B4-BE49-F238E27FC236}">
-                  <a16:creationId xmlns="" xmlns:a16="http://schemas.microsoft.com/office/drawing/2014/main" id="{8833314C-A24C-406D-96D2-BC5F95FAE097}"/>
+                  <a16:creationId xmlns:a16="http://schemas.microsoft.com/office/drawing/2014/main" xmlns="" id="{8833314C-A24C-406D-96D2-BC5F95FAE097}"/>
                 </a:ext>
               </a:extLst>
             </p:cNvPr>
@@ -11724,7 +11724,7 @@
             <p:cNvPr id="38" name="직사각형 37">
               <a:extLst>
                 <a:ext uri="{FF2B5EF4-FFF2-40B4-BE49-F238E27FC236}">
-                  <a16:creationId xmlns="" xmlns:a16="http://schemas.microsoft.com/office/drawing/2014/main" id="{8363E480-A50E-4F72-B7FA-4FC9993C2283}"/>
+                  <a16:creationId xmlns:a16="http://schemas.microsoft.com/office/drawing/2014/main" xmlns="" id="{8363E480-A50E-4F72-B7FA-4FC9993C2283}"/>
                 </a:ext>
               </a:extLst>
             </p:cNvPr>
@@ -11783,7 +11783,7 @@
             <p:cNvPr id="29" name="TextBox 28">
               <a:extLst>
                 <a:ext uri="{FF2B5EF4-FFF2-40B4-BE49-F238E27FC236}">
-                  <a16:creationId xmlns="" xmlns:a16="http://schemas.microsoft.com/office/drawing/2014/main" id="{687A31C1-035F-4CF7-96F9-E1BC2B0B650B}"/>
+                  <a16:creationId xmlns:a16="http://schemas.microsoft.com/office/drawing/2014/main" xmlns="" id="{687A31C1-035F-4CF7-96F9-E1BC2B0B650B}"/>
                 </a:ext>
               </a:extLst>
             </p:cNvPr>
@@ -11819,7 +11819,7 @@
             <p:cNvPr id="39" name="직사각형 38">
               <a:extLst>
                 <a:ext uri="{FF2B5EF4-FFF2-40B4-BE49-F238E27FC236}">
-                  <a16:creationId xmlns="" xmlns:a16="http://schemas.microsoft.com/office/drawing/2014/main" id="{5AA7C614-B70C-4D6E-BF23-1A84B29D34D6}"/>
+                  <a16:creationId xmlns:a16="http://schemas.microsoft.com/office/drawing/2014/main" xmlns="" id="{5AA7C614-B70C-4D6E-BF23-1A84B29D34D6}"/>
                 </a:ext>
               </a:extLst>
             </p:cNvPr>
@@ -11878,7 +11878,7 @@
             <p:cNvPr id="26" name="TextBox 25">
               <a:extLst>
                 <a:ext uri="{FF2B5EF4-FFF2-40B4-BE49-F238E27FC236}">
-                  <a16:creationId xmlns="" xmlns:a16="http://schemas.microsoft.com/office/drawing/2014/main" id="{52AA3484-F9DA-46BB-B48F-D8FDCACBAC90}"/>
+                  <a16:creationId xmlns:a16="http://schemas.microsoft.com/office/drawing/2014/main" xmlns="" id="{52AA3484-F9DA-46BB-B48F-D8FDCACBAC90}"/>
                 </a:ext>
               </a:extLst>
             </p:cNvPr>
@@ -11913,7 +11913,7 @@
             <p:cNvPr id="40" name="직사각형 39">
               <a:extLst>
                 <a:ext uri="{FF2B5EF4-FFF2-40B4-BE49-F238E27FC236}">
-                  <a16:creationId xmlns="" xmlns:a16="http://schemas.microsoft.com/office/drawing/2014/main" id="{883AD506-326D-4F71-AACF-3763C0617637}"/>
+                  <a16:creationId xmlns:a16="http://schemas.microsoft.com/office/drawing/2014/main" xmlns="" id="{883AD506-326D-4F71-AACF-3763C0617637}"/>
                 </a:ext>
               </a:extLst>
             </p:cNvPr>
@@ -11972,7 +11972,7 @@
             <p:cNvPr id="27" name="TextBox 26">
               <a:extLst>
                 <a:ext uri="{FF2B5EF4-FFF2-40B4-BE49-F238E27FC236}">
-                  <a16:creationId xmlns="" xmlns:a16="http://schemas.microsoft.com/office/drawing/2014/main" id="{4F40129B-326C-4EF1-AF63-AB2069804B88}"/>
+                  <a16:creationId xmlns:a16="http://schemas.microsoft.com/office/drawing/2014/main" xmlns="" id="{4F40129B-326C-4EF1-AF63-AB2069804B88}"/>
                 </a:ext>
               </a:extLst>
             </p:cNvPr>
@@ -12007,7 +12007,7 @@
             <p:cNvPr id="41" name="직사각형 40">
               <a:extLst>
                 <a:ext uri="{FF2B5EF4-FFF2-40B4-BE49-F238E27FC236}">
-                  <a16:creationId xmlns="" xmlns:a16="http://schemas.microsoft.com/office/drawing/2014/main" id="{DB72D3A7-1AA8-4FD9-B62C-E7A6223925ED}"/>
+                  <a16:creationId xmlns:a16="http://schemas.microsoft.com/office/drawing/2014/main" xmlns="" id="{DB72D3A7-1AA8-4FD9-B62C-E7A6223925ED}"/>
                 </a:ext>
               </a:extLst>
             </p:cNvPr>
@@ -12066,7 +12066,7 @@
             <p:cNvPr id="28" name="TextBox 27">
               <a:extLst>
                 <a:ext uri="{FF2B5EF4-FFF2-40B4-BE49-F238E27FC236}">
-                  <a16:creationId xmlns="" xmlns:a16="http://schemas.microsoft.com/office/drawing/2014/main" id="{51D7CD39-7ADB-45EB-B6DD-23BEB7FA5C18}"/>
+                  <a16:creationId xmlns:a16="http://schemas.microsoft.com/office/drawing/2014/main" xmlns="" id="{51D7CD39-7ADB-45EB-B6DD-23BEB7FA5C18}"/>
                 </a:ext>
               </a:extLst>
             </p:cNvPr>
@@ -12101,7 +12101,7 @@
             <p:cNvPr id="42" name="직사각형 41">
               <a:extLst>
                 <a:ext uri="{FF2B5EF4-FFF2-40B4-BE49-F238E27FC236}">
-                  <a16:creationId xmlns="" xmlns:a16="http://schemas.microsoft.com/office/drawing/2014/main" id="{2A6EDB8B-7CC5-4535-8EE9-38F4593390A8}"/>
+                  <a16:creationId xmlns:a16="http://schemas.microsoft.com/office/drawing/2014/main" xmlns="" id="{2A6EDB8B-7CC5-4535-8EE9-38F4593390A8}"/>
                 </a:ext>
               </a:extLst>
             </p:cNvPr>
@@ -12146,7 +12146,7 @@
           <p:cNvPr id="56" name="직사각형 55">
             <a:extLst>
               <a:ext uri="{FF2B5EF4-FFF2-40B4-BE49-F238E27FC236}">
-                <a16:creationId xmlns="" xmlns:a16="http://schemas.microsoft.com/office/drawing/2014/main" id="{48C9AC18-6F8F-4CAC-A71D-F832DC910868}"/>
+                <a16:creationId xmlns:a16="http://schemas.microsoft.com/office/drawing/2014/main" xmlns="" id="{48C9AC18-6F8F-4CAC-A71D-F832DC910868}"/>
               </a:ext>
             </a:extLst>
           </p:cNvPr>
@@ -12194,7 +12194,7 @@
           <p:cNvPr id="57" name="직사각형 56">
             <a:extLst>
               <a:ext uri="{FF2B5EF4-FFF2-40B4-BE49-F238E27FC236}">
-                <a16:creationId xmlns="" xmlns:a16="http://schemas.microsoft.com/office/drawing/2014/main" id="{48C9AC18-6F8F-4CAC-A71D-F832DC910868}"/>
+                <a16:creationId xmlns:a16="http://schemas.microsoft.com/office/drawing/2014/main" xmlns="" id="{48C9AC18-6F8F-4CAC-A71D-F832DC910868}"/>
               </a:ext>
             </a:extLst>
           </p:cNvPr>
@@ -12560,7 +12560,7 @@
             <p:cNvPr id="71" name="직사각형 70">
               <a:extLst>
                 <a:ext uri="{FF2B5EF4-FFF2-40B4-BE49-F238E27FC236}">
-                  <a16:creationId xmlns="" xmlns:a16="http://schemas.microsoft.com/office/drawing/2014/main" id="{44CD91FC-E3FD-43AE-A028-584FD09DDAA2}"/>
+                  <a16:creationId xmlns:a16="http://schemas.microsoft.com/office/drawing/2014/main" xmlns="" id="{44CD91FC-E3FD-43AE-A028-584FD09DDAA2}"/>
                 </a:ext>
               </a:extLst>
             </p:cNvPr>
@@ -12604,7 +12604,7 @@
             <p:cNvPr id="72" name="TextBox 71">
               <a:extLst>
                 <a:ext uri="{FF2B5EF4-FFF2-40B4-BE49-F238E27FC236}">
-                  <a16:creationId xmlns="" xmlns:a16="http://schemas.microsoft.com/office/drawing/2014/main" id="{B817A5C8-8FDD-43DD-A1C9-CC8F5DE4A3A1}"/>
+                  <a16:creationId xmlns:a16="http://schemas.microsoft.com/office/drawing/2014/main" xmlns="" id="{B817A5C8-8FDD-43DD-A1C9-CC8F5DE4A3A1}"/>
                 </a:ext>
               </a:extLst>
             </p:cNvPr>
@@ -12639,7 +12639,7 @@
             <p:cNvPr id="74" name="직사각형 73">
               <a:extLst>
                 <a:ext uri="{FF2B5EF4-FFF2-40B4-BE49-F238E27FC236}">
-                  <a16:creationId xmlns="" xmlns:a16="http://schemas.microsoft.com/office/drawing/2014/main" id="{2943A15B-62B9-4053-B656-83394F5EDBA1}"/>
+                  <a16:creationId xmlns:a16="http://schemas.microsoft.com/office/drawing/2014/main" xmlns="" id="{2943A15B-62B9-4053-B656-83394F5EDBA1}"/>
                 </a:ext>
               </a:extLst>
             </p:cNvPr>
@@ -12683,7 +12683,7 @@
             <p:cNvPr id="75" name="TextBox 74">
               <a:extLst>
                 <a:ext uri="{FF2B5EF4-FFF2-40B4-BE49-F238E27FC236}">
-                  <a16:creationId xmlns="" xmlns:a16="http://schemas.microsoft.com/office/drawing/2014/main" id="{B97A34A8-FE73-4AFB-89DD-C92996D2EE29}"/>
+                  <a16:creationId xmlns:a16="http://schemas.microsoft.com/office/drawing/2014/main" xmlns="" id="{B97A34A8-FE73-4AFB-89DD-C92996D2EE29}"/>
                 </a:ext>
               </a:extLst>
             </p:cNvPr>
@@ -12719,7 +12719,7 @@
             <p:cNvPr id="77" name="직사각형 76">
               <a:extLst>
                 <a:ext uri="{FF2B5EF4-FFF2-40B4-BE49-F238E27FC236}">
-                  <a16:creationId xmlns="" xmlns:a16="http://schemas.microsoft.com/office/drawing/2014/main" id="{6DE80802-B074-4295-B601-3A4FF472B89F}"/>
+                  <a16:creationId xmlns:a16="http://schemas.microsoft.com/office/drawing/2014/main" xmlns="" id="{6DE80802-B074-4295-B601-3A4FF472B89F}"/>
                 </a:ext>
               </a:extLst>
             </p:cNvPr>
@@ -12763,7 +12763,7 @@
             <p:cNvPr id="78" name="TextBox 77">
               <a:extLst>
                 <a:ext uri="{FF2B5EF4-FFF2-40B4-BE49-F238E27FC236}">
-                  <a16:creationId xmlns="" xmlns:a16="http://schemas.microsoft.com/office/drawing/2014/main" id="{074A134C-B34D-4C26-9734-B6B78AF259B6}"/>
+                  <a16:creationId xmlns:a16="http://schemas.microsoft.com/office/drawing/2014/main" xmlns="" id="{074A134C-B34D-4C26-9734-B6B78AF259B6}"/>
                 </a:ext>
               </a:extLst>
             </p:cNvPr>
@@ -12798,7 +12798,7 @@
             <p:cNvPr id="80" name="TextBox 79">
               <a:extLst>
                 <a:ext uri="{FF2B5EF4-FFF2-40B4-BE49-F238E27FC236}">
-                  <a16:creationId xmlns="" xmlns:a16="http://schemas.microsoft.com/office/drawing/2014/main" id="{20DF9C70-B68B-4DA2-AB8A-EC57BB8AD627}"/>
+                  <a16:creationId xmlns:a16="http://schemas.microsoft.com/office/drawing/2014/main" xmlns="" id="{20DF9C70-B68B-4DA2-AB8A-EC57BB8AD627}"/>
                 </a:ext>
               </a:extLst>
             </p:cNvPr>
@@ -12833,7 +12833,7 @@
             <p:cNvPr id="81" name="직사각형 80">
               <a:extLst>
                 <a:ext uri="{FF2B5EF4-FFF2-40B4-BE49-F238E27FC236}">
-                  <a16:creationId xmlns="" xmlns:a16="http://schemas.microsoft.com/office/drawing/2014/main" id="{4EB80500-12F4-4311-B319-4C1EAA3BD103}"/>
+                  <a16:creationId xmlns:a16="http://schemas.microsoft.com/office/drawing/2014/main" xmlns="" id="{4EB80500-12F4-4311-B319-4C1EAA3BD103}"/>
                 </a:ext>
               </a:extLst>
             </p:cNvPr>
@@ -12877,7 +12877,7 @@
             <p:cNvPr id="83" name="TextBox 82">
               <a:extLst>
                 <a:ext uri="{FF2B5EF4-FFF2-40B4-BE49-F238E27FC236}">
-                  <a16:creationId xmlns="" xmlns:a16="http://schemas.microsoft.com/office/drawing/2014/main" id="{51D7CD39-7ADB-45EB-B6DD-23BEB7FA5C18}"/>
+                  <a16:creationId xmlns:a16="http://schemas.microsoft.com/office/drawing/2014/main" xmlns="" id="{51D7CD39-7ADB-45EB-B6DD-23BEB7FA5C18}"/>
                 </a:ext>
               </a:extLst>
             </p:cNvPr>
@@ -12912,7 +12912,7 @@
             <p:cNvPr id="84" name="직사각형 83">
               <a:extLst>
                 <a:ext uri="{FF2B5EF4-FFF2-40B4-BE49-F238E27FC236}">
-                  <a16:creationId xmlns="" xmlns:a16="http://schemas.microsoft.com/office/drawing/2014/main" id="{2A6EDB8B-7CC5-4535-8EE9-38F4593390A8}"/>
+                  <a16:creationId xmlns:a16="http://schemas.microsoft.com/office/drawing/2014/main" xmlns="" id="{2A6EDB8B-7CC5-4535-8EE9-38F4593390A8}"/>
                 </a:ext>
               </a:extLst>
             </p:cNvPr>
@@ -12956,7 +12956,7 @@
             <p:cNvPr id="85" name="TextBox 84">
               <a:extLst>
                 <a:ext uri="{FF2B5EF4-FFF2-40B4-BE49-F238E27FC236}">
-                  <a16:creationId xmlns="" xmlns:a16="http://schemas.microsoft.com/office/drawing/2014/main" id="{4F40129B-326C-4EF1-AF63-AB2069804B88}"/>
+                  <a16:creationId xmlns:a16="http://schemas.microsoft.com/office/drawing/2014/main" xmlns="" id="{4F40129B-326C-4EF1-AF63-AB2069804B88}"/>
                 </a:ext>
               </a:extLst>
             </p:cNvPr>
@@ -12991,7 +12991,7 @@
             <p:cNvPr id="86" name="직사각형 85">
               <a:extLst>
                 <a:ext uri="{FF2B5EF4-FFF2-40B4-BE49-F238E27FC236}">
-                  <a16:creationId xmlns="" xmlns:a16="http://schemas.microsoft.com/office/drawing/2014/main" id="{DB72D3A7-1AA8-4FD9-B62C-E7A6223925ED}"/>
+                  <a16:creationId xmlns:a16="http://schemas.microsoft.com/office/drawing/2014/main" xmlns="" id="{DB72D3A7-1AA8-4FD9-B62C-E7A6223925ED}"/>
                 </a:ext>
               </a:extLst>
             </p:cNvPr>
@@ -13035,7 +13035,7 @@
             <p:cNvPr id="88" name="TextBox 87">
               <a:extLst>
                 <a:ext uri="{FF2B5EF4-FFF2-40B4-BE49-F238E27FC236}">
-                  <a16:creationId xmlns="" xmlns:a16="http://schemas.microsoft.com/office/drawing/2014/main" id="{52AA3484-F9DA-46BB-B48F-D8FDCACBAC90}"/>
+                  <a16:creationId xmlns:a16="http://schemas.microsoft.com/office/drawing/2014/main" xmlns="" id="{52AA3484-F9DA-46BB-B48F-D8FDCACBAC90}"/>
                 </a:ext>
               </a:extLst>
             </p:cNvPr>
@@ -13070,7 +13070,7 @@
             <p:cNvPr id="89" name="직사각형 88">
               <a:extLst>
                 <a:ext uri="{FF2B5EF4-FFF2-40B4-BE49-F238E27FC236}">
-                  <a16:creationId xmlns="" xmlns:a16="http://schemas.microsoft.com/office/drawing/2014/main" id="{883AD506-326D-4F71-AACF-3763C0617637}"/>
+                  <a16:creationId xmlns:a16="http://schemas.microsoft.com/office/drawing/2014/main" xmlns="" id="{883AD506-326D-4F71-AACF-3763C0617637}"/>
                 </a:ext>
               </a:extLst>
             </p:cNvPr>
@@ -13114,7 +13114,7 @@
             <p:cNvPr id="90" name="직사각형 89">
               <a:extLst>
                 <a:ext uri="{FF2B5EF4-FFF2-40B4-BE49-F238E27FC236}">
-                  <a16:creationId xmlns="" xmlns:a16="http://schemas.microsoft.com/office/drawing/2014/main" id="{48C9AC18-6F8F-4CAC-A71D-F832DC910868}"/>
+                  <a16:creationId xmlns:a16="http://schemas.microsoft.com/office/drawing/2014/main" xmlns="" id="{48C9AC18-6F8F-4CAC-A71D-F832DC910868}"/>
                 </a:ext>
               </a:extLst>
             </p:cNvPr>
@@ -13162,7 +13162,7 @@
             <p:cNvPr id="92" name="TextBox 91">
               <a:extLst>
                 <a:ext uri="{FF2B5EF4-FFF2-40B4-BE49-F238E27FC236}">
-                  <a16:creationId xmlns="" xmlns:a16="http://schemas.microsoft.com/office/drawing/2014/main" id="{687A31C1-035F-4CF7-96F9-E1BC2B0B650B}"/>
+                  <a16:creationId xmlns:a16="http://schemas.microsoft.com/office/drawing/2014/main" xmlns="" id="{687A31C1-035F-4CF7-96F9-E1BC2B0B650B}"/>
                 </a:ext>
               </a:extLst>
             </p:cNvPr>
@@ -13198,7 +13198,7 @@
             <p:cNvPr id="93" name="직사각형 92">
               <a:extLst>
                 <a:ext uri="{FF2B5EF4-FFF2-40B4-BE49-F238E27FC236}">
-                  <a16:creationId xmlns="" xmlns:a16="http://schemas.microsoft.com/office/drawing/2014/main" id="{5AA7C614-B70C-4D6E-BF23-1A84B29D34D6}"/>
+                  <a16:creationId xmlns:a16="http://schemas.microsoft.com/office/drawing/2014/main" xmlns="" id="{5AA7C614-B70C-4D6E-BF23-1A84B29D34D6}"/>
                 </a:ext>
               </a:extLst>
             </p:cNvPr>
@@ -13242,7 +13242,7 @@
             <p:cNvPr id="95" name="TextBox 94">
               <a:extLst>
                 <a:ext uri="{FF2B5EF4-FFF2-40B4-BE49-F238E27FC236}">
-                  <a16:creationId xmlns="" xmlns:a16="http://schemas.microsoft.com/office/drawing/2014/main" id="{98ECFD99-D8C0-49D0-AA0C-94171191C0F3}"/>
+                  <a16:creationId xmlns:a16="http://schemas.microsoft.com/office/drawing/2014/main" xmlns="" id="{98ECFD99-D8C0-49D0-AA0C-94171191C0F3}"/>
                 </a:ext>
               </a:extLst>
             </p:cNvPr>
@@ -13277,7 +13277,7 @@
             <p:cNvPr id="96" name="직사각형 95">
               <a:extLst>
                 <a:ext uri="{FF2B5EF4-FFF2-40B4-BE49-F238E27FC236}">
-                  <a16:creationId xmlns="" xmlns:a16="http://schemas.microsoft.com/office/drawing/2014/main" id="{C7315F80-8718-457F-B744-4E353FA59E67}"/>
+                  <a16:creationId xmlns:a16="http://schemas.microsoft.com/office/drawing/2014/main" xmlns="" id="{C7315F80-8718-457F-B744-4E353FA59E67}"/>
                 </a:ext>
               </a:extLst>
             </p:cNvPr>
@@ -13321,7 +13321,7 @@
             <p:cNvPr id="98" name="TextBox 97">
               <a:extLst>
                 <a:ext uri="{FF2B5EF4-FFF2-40B4-BE49-F238E27FC236}">
-                  <a16:creationId xmlns="" xmlns:a16="http://schemas.microsoft.com/office/drawing/2014/main" id="{8833314C-A24C-406D-96D2-BC5F95FAE097}"/>
+                  <a16:creationId xmlns:a16="http://schemas.microsoft.com/office/drawing/2014/main" xmlns="" id="{8833314C-A24C-406D-96D2-BC5F95FAE097}"/>
                 </a:ext>
               </a:extLst>
             </p:cNvPr>
@@ -13356,7 +13356,7 @@
             <p:cNvPr id="99" name="직사각형 98">
               <a:extLst>
                 <a:ext uri="{FF2B5EF4-FFF2-40B4-BE49-F238E27FC236}">
-                  <a16:creationId xmlns="" xmlns:a16="http://schemas.microsoft.com/office/drawing/2014/main" id="{8363E480-A50E-4F72-B7FA-4FC9993C2283}"/>
+                  <a16:creationId xmlns:a16="http://schemas.microsoft.com/office/drawing/2014/main" xmlns="" id="{8363E480-A50E-4F72-B7FA-4FC9993C2283}"/>
                 </a:ext>
               </a:extLst>
             </p:cNvPr>
@@ -13400,7 +13400,7 @@
             <p:cNvPr id="100" name="직사각형 99">
               <a:extLst>
                 <a:ext uri="{FF2B5EF4-FFF2-40B4-BE49-F238E27FC236}">
-                  <a16:creationId xmlns="" xmlns:a16="http://schemas.microsoft.com/office/drawing/2014/main" id="{48C9AC18-6F8F-4CAC-A71D-F832DC910868}"/>
+                  <a16:creationId xmlns:a16="http://schemas.microsoft.com/office/drawing/2014/main" xmlns="" id="{48C9AC18-6F8F-4CAC-A71D-F832DC910868}"/>
                 </a:ext>
               </a:extLst>
             </p:cNvPr>
@@ -13486,7 +13486,7 @@
           <p:cNvPr id="2" name="직사각형 1">
             <a:extLst>
               <a:ext uri="{FF2B5EF4-FFF2-40B4-BE49-F238E27FC236}">
-                <a16:creationId xmlns:a16="http://schemas.microsoft.com/office/drawing/2014/main" xmlns="" id="{8E5B996D-DF87-49E5-95D1-45B1EEB9EE9A}"/>
+                <a16:creationId xmlns="" xmlns:a16="http://schemas.microsoft.com/office/drawing/2014/main" id="{8E5B996D-DF87-49E5-95D1-45B1EEB9EE9A}"/>
               </a:ext>
             </a:extLst>
           </p:cNvPr>
@@ -13538,7 +13538,7 @@
           <p:cNvPr id="4" name="직사각형 3">
             <a:extLst>
               <a:ext uri="{FF2B5EF4-FFF2-40B4-BE49-F238E27FC236}">
-                <a16:creationId xmlns:a16="http://schemas.microsoft.com/office/drawing/2014/main" xmlns="" id="{080CEE4E-4BCA-42C3-BECA-9BCEB9931EEA}"/>
+                <a16:creationId xmlns="" xmlns:a16="http://schemas.microsoft.com/office/drawing/2014/main" id="{080CEE4E-4BCA-42C3-BECA-9BCEB9931EEA}"/>
               </a:ext>
             </a:extLst>
           </p:cNvPr>
@@ -13590,7 +13590,7 @@
           <p:cNvPr id="5" name="TextBox 4">
             <a:extLst>
               <a:ext uri="{FF2B5EF4-FFF2-40B4-BE49-F238E27FC236}">
-                <a16:creationId xmlns:a16="http://schemas.microsoft.com/office/drawing/2014/main" xmlns="" id="{D12B0B12-AB99-4F88-B4B2-948DADC833EA}"/>
+                <a16:creationId xmlns="" xmlns:a16="http://schemas.microsoft.com/office/drawing/2014/main" id="{D12B0B12-AB99-4F88-B4B2-948DADC833EA}"/>
               </a:ext>
             </a:extLst>
           </p:cNvPr>
@@ -13709,7 +13709,7 @@
           <p:cNvPr id="9" name="그림 8">
             <a:extLst>
               <a:ext uri="{FF2B5EF4-FFF2-40B4-BE49-F238E27FC236}">
-                <a16:creationId xmlns:a16="http://schemas.microsoft.com/office/drawing/2014/main" xmlns="" id="{0F0992E8-2696-42E6-805A-0C12780D8FA1}"/>
+                <a16:creationId xmlns="" xmlns:a16="http://schemas.microsoft.com/office/drawing/2014/main" id="{0F0992E8-2696-42E6-805A-0C12780D8FA1}"/>
               </a:ext>
             </a:extLst>
           </p:cNvPr>
@@ -14073,7 +14073,7 @@
           <p:cNvPr id="12" name="직선 연결선 11">
             <a:extLst>
               <a:ext uri="{FF2B5EF4-FFF2-40B4-BE49-F238E27FC236}">
-                <a16:creationId xmlns:a16="http://schemas.microsoft.com/office/drawing/2014/main" xmlns="" id="{ACA157BF-BE17-4C85-B208-4A9282BCE08D}"/>
+                <a16:creationId xmlns="" xmlns:a16="http://schemas.microsoft.com/office/drawing/2014/main" id="{ACA157BF-BE17-4C85-B208-4A9282BCE08D}"/>
               </a:ext>
             </a:extLst>
           </p:cNvPr>
@@ -14111,7 +14111,7 @@
           <p:cNvPr id="14" name="직선 연결선 13">
             <a:extLst>
               <a:ext uri="{FF2B5EF4-FFF2-40B4-BE49-F238E27FC236}">
-                <a16:creationId xmlns:a16="http://schemas.microsoft.com/office/drawing/2014/main" xmlns="" id="{F426FE91-7B60-4B39-82A1-B19FB5624371}"/>
+                <a16:creationId xmlns="" xmlns:a16="http://schemas.microsoft.com/office/drawing/2014/main" id="{F426FE91-7B60-4B39-82A1-B19FB5624371}"/>
               </a:ext>
             </a:extLst>
           </p:cNvPr>
@@ -14149,7 +14149,7 @@
           <p:cNvPr id="15" name="직사각형 14">
             <a:extLst>
               <a:ext uri="{FF2B5EF4-FFF2-40B4-BE49-F238E27FC236}">
-                <a16:creationId xmlns:a16="http://schemas.microsoft.com/office/drawing/2014/main" xmlns="" id="{DCA7751E-F267-43C3-94D1-296A7A65C173}"/>
+                <a16:creationId xmlns="" xmlns:a16="http://schemas.microsoft.com/office/drawing/2014/main" id="{DCA7751E-F267-43C3-94D1-296A7A65C173}"/>
               </a:ext>
             </a:extLst>
           </p:cNvPr>
@@ -14204,7 +14204,7 @@
           <p:cNvPr id="16" name="TextBox 15">
             <a:extLst>
               <a:ext uri="{FF2B5EF4-FFF2-40B4-BE49-F238E27FC236}">
-                <a16:creationId xmlns:a16="http://schemas.microsoft.com/office/drawing/2014/main" xmlns="" id="{A0F2A93E-4591-4F09-AE27-3E97B3CD3270}"/>
+                <a16:creationId xmlns="" xmlns:a16="http://schemas.microsoft.com/office/drawing/2014/main" id="{A0F2A93E-4591-4F09-AE27-3E97B3CD3270}"/>
               </a:ext>
             </a:extLst>
           </p:cNvPr>
@@ -14240,7 +14240,7 @@
           <p:cNvPr id="17" name="TextBox 16">
             <a:extLst>
               <a:ext uri="{FF2B5EF4-FFF2-40B4-BE49-F238E27FC236}">
-                <a16:creationId xmlns:a16="http://schemas.microsoft.com/office/drawing/2014/main" xmlns="" id="{116F8DDC-07C0-4110-A46A-56508EA1979B}"/>
+                <a16:creationId xmlns="" xmlns:a16="http://schemas.microsoft.com/office/drawing/2014/main" id="{116F8DDC-07C0-4110-A46A-56508EA1979B}"/>
               </a:ext>
             </a:extLst>
           </p:cNvPr>
@@ -14276,7 +14276,7 @@
           <p:cNvPr id="18" name="TextBox 17">
             <a:extLst>
               <a:ext uri="{FF2B5EF4-FFF2-40B4-BE49-F238E27FC236}">
-                <a16:creationId xmlns:a16="http://schemas.microsoft.com/office/drawing/2014/main" xmlns="" id="{B14C5F75-0295-43E1-8420-0747FF305506}"/>
+                <a16:creationId xmlns="" xmlns:a16="http://schemas.microsoft.com/office/drawing/2014/main" id="{B14C5F75-0295-43E1-8420-0747FF305506}"/>
               </a:ext>
             </a:extLst>
           </p:cNvPr>
@@ -14312,7 +14312,7 @@
           <p:cNvPr id="19" name="TextBox 18">
             <a:extLst>
               <a:ext uri="{FF2B5EF4-FFF2-40B4-BE49-F238E27FC236}">
-                <a16:creationId xmlns:a16="http://schemas.microsoft.com/office/drawing/2014/main" xmlns="" id="{31D1A925-2CE3-47B1-802C-0FF570F9FF55}"/>
+                <a16:creationId xmlns="" xmlns:a16="http://schemas.microsoft.com/office/drawing/2014/main" id="{31D1A925-2CE3-47B1-802C-0FF570F9FF55}"/>
               </a:ext>
             </a:extLst>
           </p:cNvPr>
@@ -14347,7 +14347,7 @@
           <p:cNvPr id="20" name="TextBox 19">
             <a:extLst>
               <a:ext uri="{FF2B5EF4-FFF2-40B4-BE49-F238E27FC236}">
-                <a16:creationId xmlns:a16="http://schemas.microsoft.com/office/drawing/2014/main" xmlns="" id="{65B8B1EB-EADB-44B9-8418-CFAD9C0A4A5B}"/>
+                <a16:creationId xmlns="" xmlns:a16="http://schemas.microsoft.com/office/drawing/2014/main" id="{65B8B1EB-EADB-44B9-8418-CFAD9C0A4A5B}"/>
               </a:ext>
             </a:extLst>
           </p:cNvPr>
@@ -14383,7 +14383,7 @@
           <p:cNvPr id="25" name="직사각형 24">
             <a:extLst>
               <a:ext uri="{FF2B5EF4-FFF2-40B4-BE49-F238E27FC236}">
-                <a16:creationId xmlns:a16="http://schemas.microsoft.com/office/drawing/2014/main" xmlns="" id="{4C4C2EBB-7518-4233-967E-85BE1B77DCBB}"/>
+                <a16:creationId xmlns="" xmlns:a16="http://schemas.microsoft.com/office/drawing/2014/main" id="{4C4C2EBB-7518-4233-967E-85BE1B77DCBB}"/>
               </a:ext>
             </a:extLst>
           </p:cNvPr>
@@ -14437,7 +14437,7 @@
           <p:cNvPr id="13" name="직사각형 12">
             <a:extLst>
               <a:ext uri="{FF2B5EF4-FFF2-40B4-BE49-F238E27FC236}">
-                <a16:creationId xmlns:a16="http://schemas.microsoft.com/office/drawing/2014/main" xmlns="" id="{6C30647D-27F8-4A70-B89B-EE3FF6946400}"/>
+                <a16:creationId xmlns="" xmlns:a16="http://schemas.microsoft.com/office/drawing/2014/main" id="{6C30647D-27F8-4A70-B89B-EE3FF6946400}"/>
               </a:ext>
             </a:extLst>
           </p:cNvPr>
@@ -14491,7 +14491,7 @@
           <p:cNvPr id="27" name="직사각형 26">
             <a:extLst>
               <a:ext uri="{FF2B5EF4-FFF2-40B4-BE49-F238E27FC236}">
-                <a16:creationId xmlns:a16="http://schemas.microsoft.com/office/drawing/2014/main" xmlns="" id="{29C840B0-D107-4B42-9F5E-DCFFA3F7265E}"/>
+                <a16:creationId xmlns="" xmlns:a16="http://schemas.microsoft.com/office/drawing/2014/main" id="{29C840B0-D107-4B42-9F5E-DCFFA3F7265E}"/>
               </a:ext>
             </a:extLst>
           </p:cNvPr>
@@ -14545,7 +14545,7 @@
           <p:cNvPr id="28" name="직사각형 27">
             <a:extLst>
               <a:ext uri="{FF2B5EF4-FFF2-40B4-BE49-F238E27FC236}">
-                <a16:creationId xmlns:a16="http://schemas.microsoft.com/office/drawing/2014/main" xmlns="" id="{F1734FCF-A892-42EC-BAAC-E35AFBD3558F}"/>
+                <a16:creationId xmlns="" xmlns:a16="http://schemas.microsoft.com/office/drawing/2014/main" id="{F1734FCF-A892-42EC-BAAC-E35AFBD3558F}"/>
               </a:ext>
             </a:extLst>
           </p:cNvPr>
@@ -14599,7 +14599,7 @@
           <p:cNvPr id="29" name="직선 연결선 28">
             <a:extLst>
               <a:ext uri="{FF2B5EF4-FFF2-40B4-BE49-F238E27FC236}">
-                <a16:creationId xmlns:a16="http://schemas.microsoft.com/office/drawing/2014/main" xmlns="" id="{D59A77E9-3D9E-444D-81A3-9937DF3CE8D0}"/>
+                <a16:creationId xmlns="" xmlns:a16="http://schemas.microsoft.com/office/drawing/2014/main" id="{D59A77E9-3D9E-444D-81A3-9937DF3CE8D0}"/>
               </a:ext>
             </a:extLst>
           </p:cNvPr>
@@ -14640,7 +14640,7 @@
           <p:cNvPr id="31" name="직선 연결선 30">
             <a:extLst>
               <a:ext uri="{FF2B5EF4-FFF2-40B4-BE49-F238E27FC236}">
-                <a16:creationId xmlns:a16="http://schemas.microsoft.com/office/drawing/2014/main" xmlns="" id="{9C6631A8-714B-40AD-A37D-44782ADB3E02}"/>
+                <a16:creationId xmlns="" xmlns:a16="http://schemas.microsoft.com/office/drawing/2014/main" id="{9C6631A8-714B-40AD-A37D-44782ADB3E02}"/>
               </a:ext>
             </a:extLst>
           </p:cNvPr>
@@ -14681,7 +14681,7 @@
           <p:cNvPr id="33" name="직선 화살표 연결선 32">
             <a:extLst>
               <a:ext uri="{FF2B5EF4-FFF2-40B4-BE49-F238E27FC236}">
-                <a16:creationId xmlns:a16="http://schemas.microsoft.com/office/drawing/2014/main" xmlns="" id="{29802ADF-D8C0-4311-A75E-8A007AEFD69E}"/>
+                <a16:creationId xmlns="" xmlns:a16="http://schemas.microsoft.com/office/drawing/2014/main" id="{29802ADF-D8C0-4311-A75E-8A007AEFD69E}"/>
               </a:ext>
             </a:extLst>
           </p:cNvPr>
@@ -14725,7 +14725,7 @@
           <p:cNvPr id="35" name="직선 화살표 연결선 34">
             <a:extLst>
               <a:ext uri="{FF2B5EF4-FFF2-40B4-BE49-F238E27FC236}">
-                <a16:creationId xmlns:a16="http://schemas.microsoft.com/office/drawing/2014/main" xmlns="" id="{65C358EA-2C02-4EE8-B355-6D8AF775F6A6}"/>
+                <a16:creationId xmlns="" xmlns:a16="http://schemas.microsoft.com/office/drawing/2014/main" id="{65C358EA-2C02-4EE8-B355-6D8AF775F6A6}"/>
               </a:ext>
             </a:extLst>
           </p:cNvPr>
@@ -14769,7 +14769,7 @@
           <p:cNvPr id="36" name="직선 화살표 연결선 35">
             <a:extLst>
               <a:ext uri="{FF2B5EF4-FFF2-40B4-BE49-F238E27FC236}">
-                <a16:creationId xmlns:a16="http://schemas.microsoft.com/office/drawing/2014/main" xmlns="" id="{1F146DDA-651E-4694-A5B9-0D7B06168C1C}"/>
+                <a16:creationId xmlns="" xmlns:a16="http://schemas.microsoft.com/office/drawing/2014/main" id="{1F146DDA-651E-4694-A5B9-0D7B06168C1C}"/>
               </a:ext>
             </a:extLst>
           </p:cNvPr>
@@ -14813,7 +14813,7 @@
           <p:cNvPr id="37" name="TextBox 36">
             <a:extLst>
               <a:ext uri="{FF2B5EF4-FFF2-40B4-BE49-F238E27FC236}">
-                <a16:creationId xmlns:a16="http://schemas.microsoft.com/office/drawing/2014/main" xmlns="" id="{9F5D061B-46C2-4A90-88EC-99BDC6C829BA}"/>
+                <a16:creationId xmlns="" xmlns:a16="http://schemas.microsoft.com/office/drawing/2014/main" id="{9F5D061B-46C2-4A90-88EC-99BDC6C829BA}"/>
               </a:ext>
             </a:extLst>
           </p:cNvPr>
@@ -14849,7 +14849,7 @@
           <p:cNvPr id="38" name="TextBox 37">
             <a:extLst>
               <a:ext uri="{FF2B5EF4-FFF2-40B4-BE49-F238E27FC236}">
-                <a16:creationId xmlns:a16="http://schemas.microsoft.com/office/drawing/2014/main" xmlns="" id="{8612C9EA-62FC-41ED-8D6B-697153C0833D}"/>
+                <a16:creationId xmlns="" xmlns:a16="http://schemas.microsoft.com/office/drawing/2014/main" id="{8612C9EA-62FC-41ED-8D6B-697153C0833D}"/>
               </a:ext>
             </a:extLst>
           </p:cNvPr>
@@ -14885,7 +14885,7 @@
           <p:cNvPr id="39" name="TextBox 38">
             <a:extLst>
               <a:ext uri="{FF2B5EF4-FFF2-40B4-BE49-F238E27FC236}">
-                <a16:creationId xmlns:a16="http://schemas.microsoft.com/office/drawing/2014/main" xmlns="" id="{7A473AB7-E482-4B36-A467-BC6D9E5C96CF}"/>
+                <a16:creationId xmlns="" xmlns:a16="http://schemas.microsoft.com/office/drawing/2014/main" id="{7A473AB7-E482-4B36-A467-BC6D9E5C96CF}"/>
               </a:ext>
             </a:extLst>
           </p:cNvPr>
@@ -14921,7 +14921,7 @@
           <p:cNvPr id="40" name="직사각형 39">
             <a:extLst>
               <a:ext uri="{FF2B5EF4-FFF2-40B4-BE49-F238E27FC236}">
-                <a16:creationId xmlns:a16="http://schemas.microsoft.com/office/drawing/2014/main" xmlns="" id="{3F2876E3-A93A-4ADB-B312-90D215969635}"/>
+                <a16:creationId xmlns="" xmlns:a16="http://schemas.microsoft.com/office/drawing/2014/main" id="{3F2876E3-A93A-4ADB-B312-90D215969635}"/>
               </a:ext>
             </a:extLst>
           </p:cNvPr>
@@ -14975,7 +14975,7 @@
           <p:cNvPr id="41" name="직사각형 40">
             <a:extLst>
               <a:ext uri="{FF2B5EF4-FFF2-40B4-BE49-F238E27FC236}">
-                <a16:creationId xmlns:a16="http://schemas.microsoft.com/office/drawing/2014/main" xmlns="" id="{0CDF022B-91EA-442C-B3CD-4C8849A2CC50}"/>
+                <a16:creationId xmlns="" xmlns:a16="http://schemas.microsoft.com/office/drawing/2014/main" id="{0CDF022B-91EA-442C-B3CD-4C8849A2CC50}"/>
               </a:ext>
             </a:extLst>
           </p:cNvPr>
@@ -15029,7 +15029,7 @@
           <p:cNvPr id="43" name="직사각형 42">
             <a:extLst>
               <a:ext uri="{FF2B5EF4-FFF2-40B4-BE49-F238E27FC236}">
-                <a16:creationId xmlns:a16="http://schemas.microsoft.com/office/drawing/2014/main" xmlns="" id="{907DBEF7-23BA-4CA4-9C2D-66A6E0A27415}"/>
+                <a16:creationId xmlns="" xmlns:a16="http://schemas.microsoft.com/office/drawing/2014/main" id="{907DBEF7-23BA-4CA4-9C2D-66A6E0A27415}"/>
               </a:ext>
             </a:extLst>
           </p:cNvPr>
@@ -15083,7 +15083,7 @@
           <p:cNvPr id="44" name="직사각형 43">
             <a:extLst>
               <a:ext uri="{FF2B5EF4-FFF2-40B4-BE49-F238E27FC236}">
-                <a16:creationId xmlns:a16="http://schemas.microsoft.com/office/drawing/2014/main" xmlns="" id="{0844E3D8-E82E-4BC0-AC6F-6AA24E48540E}"/>
+                <a16:creationId xmlns="" xmlns:a16="http://schemas.microsoft.com/office/drawing/2014/main" id="{0844E3D8-E82E-4BC0-AC6F-6AA24E48540E}"/>
               </a:ext>
             </a:extLst>
           </p:cNvPr>
@@ -15137,7 +15137,7 @@
           <p:cNvPr id="45" name="직사각형 44">
             <a:extLst>
               <a:ext uri="{FF2B5EF4-FFF2-40B4-BE49-F238E27FC236}">
-                <a16:creationId xmlns:a16="http://schemas.microsoft.com/office/drawing/2014/main" xmlns="" id="{6C4A6A84-17AC-4FB6-8A4D-330BF7A96553}"/>
+                <a16:creationId xmlns="" xmlns:a16="http://schemas.microsoft.com/office/drawing/2014/main" id="{6C4A6A84-17AC-4FB6-8A4D-330BF7A96553}"/>
               </a:ext>
             </a:extLst>
           </p:cNvPr>
@@ -15191,7 +15191,7 @@
           <p:cNvPr id="46" name="직선 화살표 연결선 45">
             <a:extLst>
               <a:ext uri="{FF2B5EF4-FFF2-40B4-BE49-F238E27FC236}">
-                <a16:creationId xmlns:a16="http://schemas.microsoft.com/office/drawing/2014/main" xmlns="" id="{2F84DD65-857F-4EA7-8BCF-33D4D06604CB}"/>
+                <a16:creationId xmlns="" xmlns:a16="http://schemas.microsoft.com/office/drawing/2014/main" id="{2F84DD65-857F-4EA7-8BCF-33D4D06604CB}"/>
               </a:ext>
             </a:extLst>
           </p:cNvPr>
@@ -15235,7 +15235,7 @@
           <p:cNvPr id="52" name="직선 화살표 연결선 51">
             <a:extLst>
               <a:ext uri="{FF2B5EF4-FFF2-40B4-BE49-F238E27FC236}">
-                <a16:creationId xmlns:a16="http://schemas.microsoft.com/office/drawing/2014/main" xmlns="" id="{774B860A-DAB7-444E-B882-5EC8E8685B9A}"/>
+                <a16:creationId xmlns="" xmlns:a16="http://schemas.microsoft.com/office/drawing/2014/main" id="{774B860A-DAB7-444E-B882-5EC8E8685B9A}"/>
               </a:ext>
             </a:extLst>
           </p:cNvPr>
@@ -15279,7 +15279,7 @@
           <p:cNvPr id="53" name="직선 화살표 연결선 52">
             <a:extLst>
               <a:ext uri="{FF2B5EF4-FFF2-40B4-BE49-F238E27FC236}">
-                <a16:creationId xmlns:a16="http://schemas.microsoft.com/office/drawing/2014/main" xmlns="" id="{38926498-5D14-4EDB-8EFA-F92611E06092}"/>
+                <a16:creationId xmlns="" xmlns:a16="http://schemas.microsoft.com/office/drawing/2014/main" id="{38926498-5D14-4EDB-8EFA-F92611E06092}"/>
               </a:ext>
             </a:extLst>
           </p:cNvPr>
@@ -15323,7 +15323,7 @@
           <p:cNvPr id="54" name="직선 화살표 연결선 53">
             <a:extLst>
               <a:ext uri="{FF2B5EF4-FFF2-40B4-BE49-F238E27FC236}">
-                <a16:creationId xmlns:a16="http://schemas.microsoft.com/office/drawing/2014/main" xmlns="" id="{2413FB9F-EBEE-46FD-AC5E-BF379722BE88}"/>
+                <a16:creationId xmlns="" xmlns:a16="http://schemas.microsoft.com/office/drawing/2014/main" id="{2413FB9F-EBEE-46FD-AC5E-BF379722BE88}"/>
               </a:ext>
             </a:extLst>
           </p:cNvPr>
@@ -15367,7 +15367,7 @@
           <p:cNvPr id="55" name="직선 화살표 연결선 54">
             <a:extLst>
               <a:ext uri="{FF2B5EF4-FFF2-40B4-BE49-F238E27FC236}">
-                <a16:creationId xmlns:a16="http://schemas.microsoft.com/office/drawing/2014/main" xmlns="" id="{B530B8ED-4649-477D-B59E-3B172DD50875}"/>
+                <a16:creationId xmlns="" xmlns:a16="http://schemas.microsoft.com/office/drawing/2014/main" id="{B530B8ED-4649-477D-B59E-3B172DD50875}"/>
               </a:ext>
             </a:extLst>
           </p:cNvPr>
@@ -15412,7 +15412,7 @@
           <p:cNvPr id="65" name="TextBox 64">
             <a:extLst>
               <a:ext uri="{FF2B5EF4-FFF2-40B4-BE49-F238E27FC236}">
-                <a16:creationId xmlns:a16="http://schemas.microsoft.com/office/drawing/2014/main" xmlns="" id="{A451D1D6-6486-4666-9AE9-681010BE5DB7}"/>
+                <a16:creationId xmlns="" xmlns:a16="http://schemas.microsoft.com/office/drawing/2014/main" id="{A451D1D6-6486-4666-9AE9-681010BE5DB7}"/>
               </a:ext>
             </a:extLst>
           </p:cNvPr>
@@ -15447,7 +15447,7 @@
           <p:cNvPr id="66" name="TextBox 65">
             <a:extLst>
               <a:ext uri="{FF2B5EF4-FFF2-40B4-BE49-F238E27FC236}">
-                <a16:creationId xmlns:a16="http://schemas.microsoft.com/office/drawing/2014/main" xmlns="" id="{2DB29924-D6E9-48F2-A82F-D5EF62AA0A52}"/>
+                <a16:creationId xmlns="" xmlns:a16="http://schemas.microsoft.com/office/drawing/2014/main" id="{2DB29924-D6E9-48F2-A82F-D5EF62AA0A52}"/>
               </a:ext>
             </a:extLst>
           </p:cNvPr>
@@ -15482,7 +15482,7 @@
           <p:cNvPr id="68" name="TextBox 67">
             <a:extLst>
               <a:ext uri="{FF2B5EF4-FFF2-40B4-BE49-F238E27FC236}">
-                <a16:creationId xmlns:a16="http://schemas.microsoft.com/office/drawing/2014/main" xmlns="" id="{D9BAC7C7-BBD1-448B-8931-007AA68CD45D}"/>
+                <a16:creationId xmlns="" xmlns:a16="http://schemas.microsoft.com/office/drawing/2014/main" id="{D9BAC7C7-BBD1-448B-8931-007AA68CD45D}"/>
               </a:ext>
             </a:extLst>
           </p:cNvPr>
@@ -15517,7 +15517,7 @@
           <p:cNvPr id="69" name="TextBox 68">
             <a:extLst>
               <a:ext uri="{FF2B5EF4-FFF2-40B4-BE49-F238E27FC236}">
-                <a16:creationId xmlns:a16="http://schemas.microsoft.com/office/drawing/2014/main" xmlns="" id="{3834B6F7-A362-4FB2-A3FE-AA448BC848B8}"/>
+                <a16:creationId xmlns="" xmlns:a16="http://schemas.microsoft.com/office/drawing/2014/main" id="{3834B6F7-A362-4FB2-A3FE-AA448BC848B8}"/>
               </a:ext>
             </a:extLst>
           </p:cNvPr>
@@ -15552,7 +15552,7 @@
           <p:cNvPr id="73" name="TextBox 72">
             <a:extLst>
               <a:ext uri="{FF2B5EF4-FFF2-40B4-BE49-F238E27FC236}">
-                <a16:creationId xmlns:a16="http://schemas.microsoft.com/office/drawing/2014/main" xmlns="" id="{A2B72CBB-8C34-4E53-946A-9442D9A58C12}"/>
+                <a16:creationId xmlns="" xmlns:a16="http://schemas.microsoft.com/office/drawing/2014/main" id="{A2B72CBB-8C34-4E53-946A-9442D9A58C12}"/>
               </a:ext>
             </a:extLst>
           </p:cNvPr>
@@ -15587,7 +15587,7 @@
           <p:cNvPr id="84" name="직사각형 83">
             <a:extLst>
               <a:ext uri="{FF2B5EF4-FFF2-40B4-BE49-F238E27FC236}">
-                <a16:creationId xmlns:a16="http://schemas.microsoft.com/office/drawing/2014/main" xmlns="" id="{B950A98C-1988-493B-8F79-AAEB05149BBB}"/>
+                <a16:creationId xmlns="" xmlns:a16="http://schemas.microsoft.com/office/drawing/2014/main" id="{B950A98C-1988-493B-8F79-AAEB05149BBB}"/>
               </a:ext>
             </a:extLst>
           </p:cNvPr>
@@ -15642,7 +15642,7 @@
           <p:cNvPr id="85" name="직사각형 84">
             <a:extLst>
               <a:ext uri="{FF2B5EF4-FFF2-40B4-BE49-F238E27FC236}">
-                <a16:creationId xmlns:a16="http://schemas.microsoft.com/office/drawing/2014/main" xmlns="" id="{9016AB50-68C4-4B8E-92EB-8B4E2173D544}"/>
+                <a16:creationId xmlns="" xmlns:a16="http://schemas.microsoft.com/office/drawing/2014/main" id="{9016AB50-68C4-4B8E-92EB-8B4E2173D544}"/>
               </a:ext>
             </a:extLst>
           </p:cNvPr>
@@ -15698,7 +15698,7 @@
           <p:cNvPr id="86" name="직사각형 85">
             <a:extLst>
               <a:ext uri="{FF2B5EF4-FFF2-40B4-BE49-F238E27FC236}">
-                <a16:creationId xmlns:a16="http://schemas.microsoft.com/office/drawing/2014/main" xmlns="" id="{7BA7B84C-87B2-4D2C-8DF0-866EF9655C4F}"/>
+                <a16:creationId xmlns="" xmlns:a16="http://schemas.microsoft.com/office/drawing/2014/main" id="{7BA7B84C-87B2-4D2C-8DF0-866EF9655C4F}"/>
               </a:ext>
             </a:extLst>
           </p:cNvPr>
@@ -15754,7 +15754,7 @@
           <p:cNvPr id="87" name="TextBox 86">
             <a:extLst>
               <a:ext uri="{FF2B5EF4-FFF2-40B4-BE49-F238E27FC236}">
-                <a16:creationId xmlns:a16="http://schemas.microsoft.com/office/drawing/2014/main" xmlns="" id="{C9473260-43E6-47DE-B4E1-1445C83FF299}"/>
+                <a16:creationId xmlns="" xmlns:a16="http://schemas.microsoft.com/office/drawing/2014/main" id="{C9473260-43E6-47DE-B4E1-1445C83FF299}"/>
               </a:ext>
             </a:extLst>
           </p:cNvPr>
@@ -15790,7 +15790,7 @@
           <p:cNvPr id="88" name="TextBox 87">
             <a:extLst>
               <a:ext uri="{FF2B5EF4-FFF2-40B4-BE49-F238E27FC236}">
-                <a16:creationId xmlns:a16="http://schemas.microsoft.com/office/drawing/2014/main" xmlns="" id="{50BED5CD-033A-4780-821B-212C7B56F2D9}"/>
+                <a16:creationId xmlns="" xmlns:a16="http://schemas.microsoft.com/office/drawing/2014/main" id="{50BED5CD-033A-4780-821B-212C7B56F2D9}"/>
               </a:ext>
             </a:extLst>
           </p:cNvPr>
@@ -15826,7 +15826,7 @@
           <p:cNvPr id="89" name="직선 연결선 88">
             <a:extLst>
               <a:ext uri="{FF2B5EF4-FFF2-40B4-BE49-F238E27FC236}">
-                <a16:creationId xmlns:a16="http://schemas.microsoft.com/office/drawing/2014/main" xmlns="" id="{BCFA1A58-6C19-4112-B791-4BDC49AABDF4}"/>
+                <a16:creationId xmlns="" xmlns:a16="http://schemas.microsoft.com/office/drawing/2014/main" id="{BCFA1A58-6C19-4112-B791-4BDC49AABDF4}"/>
               </a:ext>
             </a:extLst>
           </p:cNvPr>
@@ -15857,96 +15857,45 @@
           </a:fontRef>
         </p:style>
       </p:cxnSp>
-      <p:sp>
-        <p:nvSpPr>
-          <p:cNvPr id="90" name="TextBox 89">
-            <a:extLst>
-              <a:ext uri="{FF2B5EF4-FFF2-40B4-BE49-F238E27FC236}">
-                <a16:creationId xmlns:a16="http://schemas.microsoft.com/office/drawing/2014/main" xmlns="" id="{D02E21F4-BED2-4F9F-A4C5-F93D78659E2C}"/>
-              </a:ext>
-            </a:extLst>
-          </p:cNvPr>
-          <p:cNvSpPr txBox="1"/>
-          <p:nvPr/>
-        </p:nvSpPr>
-        <p:spPr>
-          <a:xfrm>
-            <a:off x="4203946" y="1845190"/>
-            <a:ext cx="595618" cy="215444"/>
+      <p:pic>
+        <p:nvPicPr>
+          <p:cNvPr id="58" name="Picture 2" descr="C:\Users\507-09\Downloads\제목을 입력해주세요._1.png"/>
+          <p:cNvPicPr>
+            <a:picLocks noChangeAspect="1" noChangeArrowheads="1"/>
+          </p:cNvPicPr>
+          <p:nvPr/>
+        </p:nvPicPr>
+        <p:blipFill rotWithShape="1">
+          <a:blip r:embed="rId5" cstate="print">
+            <a:extLst>
+              <a:ext uri="{28A0092B-C50C-407E-A947-70E740481C1C}">
+                <a14:useLocalDpi xmlns:a14="http://schemas.microsoft.com/office/drawing/2010/main" val="0"/>
+              </a:ext>
+            </a:extLst>
+          </a:blip>
+          <a:srcRect l="20378" r="20844"/>
+          <a:stretch/>
+        </p:blipFill>
+        <p:spPr bwMode="auto">
+          <a:xfrm>
+            <a:off x="4025882" y="1799388"/>
+            <a:ext cx="940436" cy="288000"/>
           </a:xfrm>
           <a:prstGeom prst="rect">
             <a:avLst/>
           </a:prstGeom>
           <a:noFill/>
-        </p:spPr>
-        <p:txBody>
-          <a:bodyPr wrap="square" rtlCol="0">
-            <a:spAutoFit/>
-          </a:bodyPr>
-          <a:lstStyle/>
-          <a:p>
-            <a:r>
-              <a:rPr lang="en-US" altLang="ko-KR" sz="800" dirty="0"/>
-              <a:t>logo</a:t>
-            </a:r>
-            <a:endParaRPr lang="ko-KR" altLang="en-US" sz="800" dirty="0"/>
-          </a:p>
-        </p:txBody>
-      </p:sp>
-      <p:sp>
-        <p:nvSpPr>
-          <p:cNvPr id="91" name="직사각형 90">
-            <a:extLst>
-              <a:ext uri="{FF2B5EF4-FFF2-40B4-BE49-F238E27FC236}">
-                <a16:creationId xmlns:a16="http://schemas.microsoft.com/office/drawing/2014/main" xmlns="" id="{6199ADD6-4500-4CC8-ACF7-38FFCECDA854}"/>
-              </a:ext>
-            </a:extLst>
-          </p:cNvPr>
-          <p:cNvSpPr/>
-          <p:nvPr/>
-        </p:nvSpPr>
-        <p:spPr>
-          <a:xfrm>
-            <a:off x="4044343" y="1845190"/>
-            <a:ext cx="224256" cy="209724"/>
-          </a:xfrm>
-          <a:prstGeom prst="rect">
-            <a:avLst/>
-          </a:prstGeom>
-          <a:solidFill>
-            <a:schemeClr val="bg1"/>
-          </a:solidFill>
-          <a:ln>
-            <a:solidFill>
-              <a:schemeClr val="tx1"/>
-            </a:solidFill>
-          </a:ln>
-        </p:spPr>
-        <p:style>
-          <a:lnRef idx="2">
-            <a:schemeClr val="accent1">
-              <a:shade val="50000"/>
-            </a:schemeClr>
-          </a:lnRef>
-          <a:fillRef idx="1">
-            <a:schemeClr val="accent1"/>
-          </a:fillRef>
-          <a:effectRef idx="0">
-            <a:schemeClr val="accent1"/>
-          </a:effectRef>
-          <a:fontRef idx="minor">
-            <a:schemeClr val="lt1"/>
-          </a:fontRef>
-        </p:style>
-        <p:txBody>
-          <a:bodyPr rtlCol="0" anchor="ctr"/>
-          <a:lstStyle/>
-          <a:p>
-            <a:pPr algn="ctr"/>
-            <a:endParaRPr lang="ko-KR" altLang="en-US" dirty="0"/>
-          </a:p>
-        </p:txBody>
-      </p:sp>
+          <a:extLst>
+            <a:ext uri="{909E8E84-426E-40DD-AFC4-6F175D3DCCD1}">
+              <a14:hiddenFill xmlns:a14="http://schemas.microsoft.com/office/drawing/2010/main">
+                <a:solidFill>
+                  <a:srgbClr val="FFFFFF"/>
+                </a:solidFill>
+              </a14:hiddenFill>
+            </a:ext>
+          </a:extLst>
+        </p:spPr>
+      </p:pic>
     </p:spTree>
     <p:extLst>
       <p:ext uri="{BB962C8B-B14F-4D97-AF65-F5344CB8AC3E}">
@@ -15982,7 +15931,7 @@
           <p:cNvPr id="2" name="직사각형 1">
             <a:extLst>
               <a:ext uri="{FF2B5EF4-FFF2-40B4-BE49-F238E27FC236}">
-                <a16:creationId xmlns:a16="http://schemas.microsoft.com/office/drawing/2014/main" xmlns="" id="{8E5B996D-DF87-49E5-95D1-45B1EEB9EE9A}"/>
+                <a16:creationId xmlns="" xmlns:a16="http://schemas.microsoft.com/office/drawing/2014/main" id="{8E5B996D-DF87-49E5-95D1-45B1EEB9EE9A}"/>
               </a:ext>
             </a:extLst>
           </p:cNvPr>
@@ -16034,7 +15983,7 @@
           <p:cNvPr id="4" name="직사각형 3">
             <a:extLst>
               <a:ext uri="{FF2B5EF4-FFF2-40B4-BE49-F238E27FC236}">
-                <a16:creationId xmlns:a16="http://schemas.microsoft.com/office/drawing/2014/main" xmlns="" id="{080CEE4E-4BCA-42C3-BECA-9BCEB9931EEA}"/>
+                <a16:creationId xmlns="" xmlns:a16="http://schemas.microsoft.com/office/drawing/2014/main" id="{080CEE4E-4BCA-42C3-BECA-9BCEB9931EEA}"/>
               </a:ext>
             </a:extLst>
           </p:cNvPr>
@@ -16086,7 +16035,7 @@
           <p:cNvPr id="5" name="TextBox 4">
             <a:extLst>
               <a:ext uri="{FF2B5EF4-FFF2-40B4-BE49-F238E27FC236}">
-                <a16:creationId xmlns:a16="http://schemas.microsoft.com/office/drawing/2014/main" xmlns="" id="{D12B0B12-AB99-4F88-B4B2-948DADC833EA}"/>
+                <a16:creationId xmlns="" xmlns:a16="http://schemas.microsoft.com/office/drawing/2014/main" id="{D12B0B12-AB99-4F88-B4B2-948DADC833EA}"/>
               </a:ext>
             </a:extLst>
           </p:cNvPr>
@@ -16205,7 +16154,7 @@
           <p:cNvPr id="9" name="그림 8">
             <a:extLst>
               <a:ext uri="{FF2B5EF4-FFF2-40B4-BE49-F238E27FC236}">
-                <a16:creationId xmlns:a16="http://schemas.microsoft.com/office/drawing/2014/main" xmlns="" id="{0F0992E8-2696-42E6-805A-0C12780D8FA1}"/>
+                <a16:creationId xmlns="" xmlns:a16="http://schemas.microsoft.com/office/drawing/2014/main" id="{0F0992E8-2696-42E6-805A-0C12780D8FA1}"/>
               </a:ext>
             </a:extLst>
           </p:cNvPr>
@@ -16569,7 +16518,7 @@
           <p:cNvPr id="50" name="TextBox 49">
             <a:extLst>
               <a:ext uri="{FF2B5EF4-FFF2-40B4-BE49-F238E27FC236}">
-                <a16:creationId xmlns:a16="http://schemas.microsoft.com/office/drawing/2014/main" xmlns="" id="{606CB3EF-BD67-454E-8D48-D30774CEE106}"/>
+                <a16:creationId xmlns="" xmlns:a16="http://schemas.microsoft.com/office/drawing/2014/main" id="{606CB3EF-BD67-454E-8D48-D30774CEE106}"/>
               </a:ext>
             </a:extLst>
           </p:cNvPr>
@@ -16605,7 +16554,7 @@
           <p:cNvPr id="51" name="TextBox 50">
             <a:extLst>
               <a:ext uri="{FF2B5EF4-FFF2-40B4-BE49-F238E27FC236}">
-                <a16:creationId xmlns:a16="http://schemas.microsoft.com/office/drawing/2014/main" xmlns="" id="{6ECBB3D4-2156-4986-9434-EA8F60CE59E0}"/>
+                <a16:creationId xmlns="" xmlns:a16="http://schemas.microsoft.com/office/drawing/2014/main" id="{6ECBB3D4-2156-4986-9434-EA8F60CE59E0}"/>
               </a:ext>
             </a:extLst>
           </p:cNvPr>
@@ -16641,7 +16590,7 @@
           <p:cNvPr id="57" name="직선 연결선 56">
             <a:extLst>
               <a:ext uri="{FF2B5EF4-FFF2-40B4-BE49-F238E27FC236}">
-                <a16:creationId xmlns:a16="http://schemas.microsoft.com/office/drawing/2014/main" xmlns="" id="{A723CFAC-181E-4ABB-8790-FEC42B087A83}"/>
+                <a16:creationId xmlns="" xmlns:a16="http://schemas.microsoft.com/office/drawing/2014/main" id="{A723CFAC-181E-4ABB-8790-FEC42B087A83}"/>
               </a:ext>
             </a:extLst>
           </p:cNvPr>
@@ -16674,10 +16623,10 @@
       </p:cxnSp>
       <p:sp>
         <p:nvSpPr>
-          <p:cNvPr id="58" name="TextBox 57">
-            <a:extLst>
-              <a:ext uri="{FF2B5EF4-FFF2-40B4-BE49-F238E27FC236}">
-                <a16:creationId xmlns:a16="http://schemas.microsoft.com/office/drawing/2014/main" xmlns="" id="{010ADA31-1823-4E2F-B19C-9DF082DE9B5C}"/>
+          <p:cNvPr id="60" name="TextBox 59">
+            <a:extLst>
+              <a:ext uri="{FF2B5EF4-FFF2-40B4-BE49-F238E27FC236}">
+                <a16:creationId xmlns="" xmlns:a16="http://schemas.microsoft.com/office/drawing/2014/main" id="{78ADDD66-9CDE-4CA6-938D-D34562AC7F09}"/>
               </a:ext>
             </a:extLst>
           </p:cNvPr>
@@ -16686,7 +16635,7 @@
         </p:nvSpPr>
         <p:spPr>
           <a:xfrm>
-            <a:off x="4203946" y="1845190"/>
+            <a:off x="2329495" y="1845578"/>
             <a:ext cx="595618" cy="215444"/>
           </a:xfrm>
           <a:prstGeom prst="rect">
@@ -16701,8 +16650,8 @@
           <a:lstStyle/>
           <a:p>
             <a:r>
-              <a:rPr lang="en-US" altLang="ko-KR" sz="800" dirty="0"/>
-              <a:t>logo</a:t>
+              <a:rPr lang="ko-KR" altLang="en-US" sz="800" dirty="0" err="1"/>
+              <a:t>시터찾기</a:t>
             </a:r>
             <a:endParaRPr lang="ko-KR" altLang="en-US" sz="800" dirty="0"/>
           </a:p>
@@ -16710,10 +16659,10 @@
       </p:sp>
       <p:sp>
         <p:nvSpPr>
-          <p:cNvPr id="59" name="직사각형 58">
-            <a:extLst>
-              <a:ext uri="{FF2B5EF4-FFF2-40B4-BE49-F238E27FC236}">
-                <a16:creationId xmlns:a16="http://schemas.microsoft.com/office/drawing/2014/main" xmlns="" id="{28EAE90E-16BD-4338-B838-36E62A30452E}"/>
+          <p:cNvPr id="11" name="사각형: 위쪽 모서리의 한쪽은 둥글고 다른 한쪽은 잘림 10">
+            <a:extLst>
+              <a:ext uri="{FF2B5EF4-FFF2-40B4-BE49-F238E27FC236}">
+                <a16:creationId xmlns="" xmlns:a16="http://schemas.microsoft.com/office/drawing/2014/main" id="{D0755B07-9BF9-46BE-BECF-A785E2F601BE}"/>
               </a:ext>
             </a:extLst>
           </p:cNvPr>
@@ -16722,14 +16671,20 @@
         </p:nvSpPr>
         <p:spPr>
           <a:xfrm>
-            <a:off x="4044343" y="1845190"/>
-            <a:ext cx="224256" cy="209724"/>
-          </a:xfrm>
-          <a:prstGeom prst="rect">
-            <a:avLst/>
+            <a:off x="1877612" y="2132649"/>
+            <a:ext cx="563585" cy="271072"/>
+          </a:xfrm>
+          <a:prstGeom prst="snipRoundRect">
+            <a:avLst>
+              <a:gd name="adj1" fmla="val 16667"/>
+              <a:gd name="adj2" fmla="val 50000"/>
+            </a:avLst>
           </a:prstGeom>
           <a:solidFill>
-            <a:schemeClr val="bg1"/>
+            <a:schemeClr val="accent6">
+              <a:lumMod val="60000"/>
+              <a:lumOff val="40000"/>
+            </a:schemeClr>
           </a:solidFill>
           <a:ln>
             <a:solidFill>
@@ -16758,52 +16713,23 @@
           <a:lstStyle/>
           <a:p>
             <a:pPr algn="ctr"/>
-            <a:endParaRPr lang="ko-KR" altLang="en-US" dirty="0"/>
-          </a:p>
-        </p:txBody>
-      </p:sp>
-      <p:sp>
-        <p:nvSpPr>
-          <p:cNvPr id="60" name="TextBox 59">
-            <a:extLst>
-              <a:ext uri="{FF2B5EF4-FFF2-40B4-BE49-F238E27FC236}">
-                <a16:creationId xmlns:a16="http://schemas.microsoft.com/office/drawing/2014/main" xmlns="" id="{78ADDD66-9CDE-4CA6-938D-D34562AC7F09}"/>
-              </a:ext>
-            </a:extLst>
-          </p:cNvPr>
-          <p:cNvSpPr txBox="1"/>
-          <p:nvPr/>
-        </p:nvSpPr>
-        <p:spPr>
-          <a:xfrm>
-            <a:off x="2329495" y="1845578"/>
-            <a:ext cx="595618" cy="215444"/>
-          </a:xfrm>
-          <a:prstGeom prst="rect">
-            <a:avLst/>
-          </a:prstGeom>
-          <a:noFill/>
-        </p:spPr>
-        <p:txBody>
-          <a:bodyPr wrap="square" rtlCol="0">
-            <a:spAutoFit/>
-          </a:bodyPr>
-          <a:lstStyle/>
-          <a:p>
-            <a:r>
-              <a:rPr lang="ko-KR" altLang="en-US" sz="800" dirty="0" err="1"/>
-              <a:t>시터찾기</a:t>
-            </a:r>
-            <a:endParaRPr lang="ko-KR" altLang="en-US" sz="800" dirty="0"/>
-          </a:p>
-        </p:txBody>
-      </p:sp>
-      <p:sp>
-        <p:nvSpPr>
-          <p:cNvPr id="11" name="사각형: 위쪽 모서리의 한쪽은 둥글고 다른 한쪽은 잘림 10">
-            <a:extLst>
-              <a:ext uri="{FF2B5EF4-FFF2-40B4-BE49-F238E27FC236}">
-                <a16:creationId xmlns:a16="http://schemas.microsoft.com/office/drawing/2014/main" xmlns="" id="{D0755B07-9BF9-46BE-BECF-A785E2F601BE}"/>
+            <a:r>
+              <a:rPr lang="ko-KR" altLang="en-US" sz="800" dirty="0">
+                <a:solidFill>
+                  <a:schemeClr val="tx1"/>
+                </a:solidFill>
+              </a:rPr>
+              <a:t>보호자</a:t>
+            </a:r>
+          </a:p>
+        </p:txBody>
+      </p:sp>
+      <p:sp>
+        <p:nvSpPr>
+          <p:cNvPr id="61" name="사각형: 위쪽 모서리의 한쪽은 둥글고 다른 한쪽은 잘림 60">
+            <a:extLst>
+              <a:ext uri="{FF2B5EF4-FFF2-40B4-BE49-F238E27FC236}">
+                <a16:creationId xmlns="" xmlns:a16="http://schemas.microsoft.com/office/drawing/2014/main" id="{0F05A80D-574E-4503-9F36-D0729A774664}"/>
               </a:ext>
             </a:extLst>
           </p:cNvPr>
@@ -16812,7 +16738,7 @@
         </p:nvSpPr>
         <p:spPr>
           <a:xfrm>
-            <a:off x="1877612" y="2132649"/>
+            <a:off x="2478187" y="2132649"/>
             <a:ext cx="563585" cy="271072"/>
           </a:xfrm>
           <a:prstGeom prst="snipRoundRect">
@@ -16822,10 +16748,7 @@
             </a:avLst>
           </a:prstGeom>
           <a:solidFill>
-            <a:schemeClr val="accent6">
-              <a:lumMod val="60000"/>
-              <a:lumOff val="40000"/>
-            </a:schemeClr>
+            <a:schemeClr val="bg1"/>
           </a:solidFill>
           <a:ln>
             <a:solidFill>
@@ -16855,22 +16778,27 @@
           <a:p>
             <a:pPr algn="ctr"/>
             <a:r>
-              <a:rPr lang="ko-KR" altLang="en-US" sz="800" dirty="0">
+              <a:rPr lang="ko-KR" altLang="en-US" sz="800" dirty="0" err="1">
                 <a:solidFill>
                   <a:schemeClr val="tx1"/>
                 </a:solidFill>
               </a:rPr>
-              <a:t>보호자</a:t>
-            </a:r>
-          </a:p>
-        </p:txBody>
-      </p:sp>
-      <p:sp>
-        <p:nvSpPr>
-          <p:cNvPr id="61" name="사각형: 위쪽 모서리의 한쪽은 둥글고 다른 한쪽은 잘림 60">
-            <a:extLst>
-              <a:ext uri="{FF2B5EF4-FFF2-40B4-BE49-F238E27FC236}">
-                <a16:creationId xmlns:a16="http://schemas.microsoft.com/office/drawing/2014/main" xmlns="" id="{0F05A80D-574E-4503-9F36-D0729A774664}"/>
+              <a:t>시터</a:t>
+            </a:r>
+            <a:endParaRPr lang="ko-KR" altLang="en-US" sz="800" dirty="0">
+              <a:solidFill>
+                <a:schemeClr val="tx1"/>
+              </a:solidFill>
+            </a:endParaRPr>
+          </a:p>
+        </p:txBody>
+      </p:sp>
+      <p:sp>
+        <p:nvSpPr>
+          <p:cNvPr id="62" name="사각형: 위쪽 모서리의 한쪽은 둥글고 다른 한쪽은 잘림 61">
+            <a:extLst>
+              <a:ext uri="{FF2B5EF4-FFF2-40B4-BE49-F238E27FC236}">
+                <a16:creationId xmlns="" xmlns:a16="http://schemas.microsoft.com/office/drawing/2014/main" id="{73E013A2-B442-4546-A05C-EC2A2F2B7FC7}"/>
               </a:ext>
             </a:extLst>
           </p:cNvPr>
@@ -16879,7 +16807,7 @@
         </p:nvSpPr>
         <p:spPr>
           <a:xfrm>
-            <a:off x="2478187" y="2132649"/>
+            <a:off x="3078762" y="2132649"/>
             <a:ext cx="563585" cy="271072"/>
           </a:xfrm>
           <a:prstGeom prst="snipRoundRect">
@@ -16919,27 +16847,22 @@
           <a:p>
             <a:pPr algn="ctr"/>
             <a:r>
-              <a:rPr lang="ko-KR" altLang="en-US" sz="800" dirty="0" err="1">
+              <a:rPr lang="ko-KR" altLang="en-US" sz="800" dirty="0">
                 <a:solidFill>
                   <a:schemeClr val="tx1"/>
                 </a:solidFill>
               </a:rPr>
-              <a:t>시터</a:t>
-            </a:r>
-            <a:endParaRPr lang="ko-KR" altLang="en-US" sz="800" dirty="0">
-              <a:solidFill>
-                <a:schemeClr val="tx1"/>
-              </a:solidFill>
-            </a:endParaRPr>
-          </a:p>
-        </p:txBody>
-      </p:sp>
-      <p:sp>
-        <p:nvSpPr>
-          <p:cNvPr id="62" name="사각형: 위쪽 모서리의 한쪽은 둥글고 다른 한쪽은 잘림 61">
-            <a:extLst>
-              <a:ext uri="{FF2B5EF4-FFF2-40B4-BE49-F238E27FC236}">
-                <a16:creationId xmlns:a16="http://schemas.microsoft.com/office/drawing/2014/main" xmlns="" id="{73E013A2-B442-4546-A05C-EC2A2F2B7FC7}"/>
+              <a:t>이동</a:t>
+            </a:r>
+          </a:p>
+        </p:txBody>
+      </p:sp>
+      <p:sp>
+        <p:nvSpPr>
+          <p:cNvPr id="92" name="사각형: 위쪽 모서리의 한쪽은 둥글고 다른 한쪽은 잘림 91">
+            <a:extLst>
+              <a:ext uri="{FF2B5EF4-FFF2-40B4-BE49-F238E27FC236}">
+                <a16:creationId xmlns="" xmlns:a16="http://schemas.microsoft.com/office/drawing/2014/main" id="{BA222BE2-A61D-4450-8A37-BE793B84A2E2}"/>
               </a:ext>
             </a:extLst>
           </p:cNvPr>
@@ -16948,7 +16871,7 @@
         </p:nvSpPr>
         <p:spPr>
           <a:xfrm>
-            <a:off x="3078762" y="2132649"/>
+            <a:off x="3680551" y="2134837"/>
             <a:ext cx="563585" cy="271072"/>
           </a:xfrm>
           <a:prstGeom prst="snipRoundRect">
@@ -16993,17 +16916,17 @@
                   <a:schemeClr val="tx1"/>
                 </a:solidFill>
               </a:rPr>
-              <a:t>이동</a:t>
-            </a:r>
-          </a:p>
-        </p:txBody>
-      </p:sp>
-      <p:sp>
-        <p:nvSpPr>
-          <p:cNvPr id="92" name="사각형: 위쪽 모서리의 한쪽은 둥글고 다른 한쪽은 잘림 91">
-            <a:extLst>
-              <a:ext uri="{FF2B5EF4-FFF2-40B4-BE49-F238E27FC236}">
-                <a16:creationId xmlns:a16="http://schemas.microsoft.com/office/drawing/2014/main" xmlns="" id="{BA222BE2-A61D-4450-8A37-BE793B84A2E2}"/>
+              <a:t>프로그램</a:t>
+            </a:r>
+          </a:p>
+        </p:txBody>
+      </p:sp>
+      <p:sp>
+        <p:nvSpPr>
+          <p:cNvPr id="42" name="타원 41">
+            <a:extLst>
+              <a:ext uri="{FF2B5EF4-FFF2-40B4-BE49-F238E27FC236}">
+                <a16:creationId xmlns="" xmlns:a16="http://schemas.microsoft.com/office/drawing/2014/main" id="{98A2FD93-BE86-4F4D-809C-063803DCE9FC}"/>
               </a:ext>
             </a:extLst>
           </p:cNvPr>
@@ -17012,14 +16935,11 @@
         </p:nvSpPr>
         <p:spPr>
           <a:xfrm>
-            <a:off x="3680551" y="2134837"/>
-            <a:ext cx="563585" cy="271072"/>
-          </a:xfrm>
-          <a:prstGeom prst="snipRoundRect">
-            <a:avLst>
-              <a:gd name="adj1" fmla="val 16667"/>
-              <a:gd name="adj2" fmla="val 50000"/>
-            </a:avLst>
+            <a:off x="2432809" y="2595490"/>
+            <a:ext cx="989900" cy="964723"/>
+          </a:xfrm>
+          <a:prstGeom prst="ellipse">
+            <a:avLst/>
           </a:prstGeom>
           <a:solidFill>
             <a:schemeClr val="bg1"/>
@@ -17052,22 +16972,92 @@
           <a:p>
             <a:pPr algn="ctr"/>
             <a:r>
-              <a:rPr lang="ko-KR" altLang="en-US" sz="800" dirty="0">
+              <a:rPr lang="ko-KR" altLang="en-US" dirty="0">
                 <a:solidFill>
                   <a:schemeClr val="tx1"/>
                 </a:solidFill>
               </a:rPr>
-              <a:t>프로그램</a:t>
-            </a:r>
-          </a:p>
-        </p:txBody>
-      </p:sp>
-      <p:sp>
-        <p:nvSpPr>
-          <p:cNvPr id="42" name="타원 41">
-            <a:extLst>
-              <a:ext uri="{FF2B5EF4-FFF2-40B4-BE49-F238E27FC236}">
-                <a16:creationId xmlns:a16="http://schemas.microsoft.com/office/drawing/2014/main" xmlns="" id="{98A2FD93-BE86-4F4D-809C-063803DCE9FC}"/>
+              <a:t>사진</a:t>
+            </a:r>
+          </a:p>
+        </p:txBody>
+      </p:sp>
+      <p:sp>
+        <p:nvSpPr>
+          <p:cNvPr id="43" name="TextBox 42">
+            <a:extLst>
+              <a:ext uri="{FF2B5EF4-FFF2-40B4-BE49-F238E27FC236}">
+                <a16:creationId xmlns="" xmlns:a16="http://schemas.microsoft.com/office/drawing/2014/main" id="{D645F825-78A7-42B7-ADCA-C5F5EEB737A2}"/>
+              </a:ext>
+            </a:extLst>
+          </p:cNvPr>
+          <p:cNvSpPr txBox="1"/>
+          <p:nvPr/>
+        </p:nvSpPr>
+        <p:spPr>
+          <a:xfrm>
+            <a:off x="4431792" y="2805215"/>
+            <a:ext cx="1043268" cy="276999"/>
+          </a:xfrm>
+          <a:prstGeom prst="rect">
+            <a:avLst/>
+          </a:prstGeom>
+          <a:noFill/>
+        </p:spPr>
+        <p:txBody>
+          <a:bodyPr wrap="square" rtlCol="0">
+            <a:spAutoFit/>
+          </a:bodyPr>
+          <a:lstStyle/>
+          <a:p>
+            <a:r>
+              <a:rPr lang="ko-KR" altLang="en-US" sz="1200" dirty="0"/>
+              <a:t>홍길동</a:t>
+            </a:r>
+          </a:p>
+        </p:txBody>
+      </p:sp>
+      <p:sp>
+        <p:nvSpPr>
+          <p:cNvPr id="44" name="TextBox 43">
+            <a:extLst>
+              <a:ext uri="{FF2B5EF4-FFF2-40B4-BE49-F238E27FC236}">
+                <a16:creationId xmlns="" xmlns:a16="http://schemas.microsoft.com/office/drawing/2014/main" id="{4FBAAA9D-A85E-4B65-BB8F-AA366B8AFFC8}"/>
+              </a:ext>
+            </a:extLst>
+          </p:cNvPr>
+          <p:cNvSpPr txBox="1"/>
+          <p:nvPr/>
+        </p:nvSpPr>
+        <p:spPr>
+          <a:xfrm>
+            <a:off x="4456080" y="3054981"/>
+            <a:ext cx="1043268" cy="215444"/>
+          </a:xfrm>
+          <a:prstGeom prst="rect">
+            <a:avLst/>
+          </a:prstGeom>
+          <a:noFill/>
+        </p:spPr>
+        <p:txBody>
+          <a:bodyPr wrap="square" rtlCol="0">
+            <a:spAutoFit/>
+          </a:bodyPr>
+          <a:lstStyle/>
+          <a:p>
+            <a:r>
+              <a:rPr lang="ko-KR" altLang="en-US" sz="800" dirty="0"/>
+              <a:t>주소</a:t>
+            </a:r>
+          </a:p>
+        </p:txBody>
+      </p:sp>
+      <p:sp>
+        <p:nvSpPr>
+          <p:cNvPr id="6" name="사각형: 둥근 모서리 5">
+            <a:extLst>
+              <a:ext uri="{FF2B5EF4-FFF2-40B4-BE49-F238E27FC236}">
+                <a16:creationId xmlns="" xmlns:a16="http://schemas.microsoft.com/office/drawing/2014/main" id="{5EF33D39-D93F-4712-8231-7839578326C9}"/>
               </a:ext>
             </a:extLst>
           </p:cNvPr>
@@ -17076,10 +17066,10 @@
         </p:nvSpPr>
         <p:spPr>
           <a:xfrm>
-            <a:off x="2432809" y="2595490"/>
-            <a:ext cx="989900" cy="964723"/>
-          </a:xfrm>
-          <a:prstGeom prst="ellipse">
+            <a:off x="1877612" y="3682767"/>
+            <a:ext cx="5261420" cy="2425915"/>
+          </a:xfrm>
+          <a:prstGeom prst="roundRect">
             <a:avLst/>
           </a:prstGeom>
           <a:solidFill>
@@ -17112,23 +17102,16 @@
           <a:lstStyle/>
           <a:p>
             <a:pPr algn="ctr"/>
-            <a:r>
-              <a:rPr lang="ko-KR" altLang="en-US" dirty="0">
-                <a:solidFill>
-                  <a:schemeClr val="tx1"/>
-                </a:solidFill>
-              </a:rPr>
-              <a:t>사진</a:t>
-            </a:r>
-          </a:p>
-        </p:txBody>
-      </p:sp>
-      <p:sp>
-        <p:nvSpPr>
-          <p:cNvPr id="43" name="TextBox 42">
-            <a:extLst>
-              <a:ext uri="{FF2B5EF4-FFF2-40B4-BE49-F238E27FC236}">
-                <a16:creationId xmlns:a16="http://schemas.microsoft.com/office/drawing/2014/main" xmlns="" id="{D645F825-78A7-42B7-ADCA-C5F5EEB737A2}"/>
+            <a:endParaRPr lang="ko-KR" altLang="en-US" dirty="0"/>
+          </a:p>
+        </p:txBody>
+      </p:sp>
+      <p:sp>
+        <p:nvSpPr>
+          <p:cNvPr id="49" name="TextBox 48">
+            <a:extLst>
+              <a:ext uri="{FF2B5EF4-FFF2-40B4-BE49-F238E27FC236}">
+                <a16:creationId xmlns="" xmlns:a16="http://schemas.microsoft.com/office/drawing/2014/main" id="{7A747285-BE69-42E1-B955-0EF11FAA7617}"/>
               </a:ext>
             </a:extLst>
           </p:cNvPr>
@@ -17137,8 +17120,8 @@
         </p:nvSpPr>
         <p:spPr>
           <a:xfrm>
-            <a:off x="4431792" y="2805215"/>
-            <a:ext cx="1043268" cy="276999"/>
+            <a:off x="2348918" y="3800487"/>
+            <a:ext cx="2023271" cy="2862322"/>
           </a:xfrm>
           <a:prstGeom prst="rect">
             <a:avLst/>
@@ -17153,17 +17136,101 @@
           <a:p>
             <a:r>
               <a:rPr lang="ko-KR" altLang="en-US" sz="1200" dirty="0"/>
-              <a:t>홍길동</a:t>
-            </a:r>
-          </a:p>
-        </p:txBody>
-      </p:sp>
-      <p:sp>
-        <p:nvSpPr>
-          <p:cNvPr id="44" name="TextBox 43">
-            <a:extLst>
-              <a:ext uri="{FF2B5EF4-FFF2-40B4-BE49-F238E27FC236}">
-                <a16:creationId xmlns:a16="http://schemas.microsoft.com/office/drawing/2014/main" xmlns="" id="{4FBAAA9D-A85E-4B65-BB8F-AA366B8AFFC8}"/>
+              <a:t>구분 </a:t>
+            </a:r>
+            <a:r>
+              <a:rPr lang="en-US" altLang="ko-KR" sz="1200" dirty="0"/>
+              <a:t>:</a:t>
+            </a:r>
+          </a:p>
+          <a:p>
+            <a:endParaRPr lang="en-US" altLang="ko-KR" sz="1200" dirty="0"/>
+          </a:p>
+          <a:p>
+            <a:r>
+              <a:rPr lang="ko-KR" altLang="en-US" sz="1200" dirty="0"/>
+              <a:t>세부 구분 </a:t>
+            </a:r>
+            <a:r>
+              <a:rPr lang="en-US" altLang="ko-KR" sz="1200" dirty="0"/>
+              <a:t>:</a:t>
+            </a:r>
+          </a:p>
+          <a:p>
+            <a:endParaRPr lang="en-US" altLang="ko-KR" sz="1200" dirty="0"/>
+          </a:p>
+          <a:p>
+            <a:r>
+              <a:rPr lang="ko-KR" altLang="en-US" sz="1200" dirty="0"/>
+              <a:t>성별 </a:t>
+            </a:r>
+            <a:r>
+              <a:rPr lang="en-US" altLang="ko-KR" sz="1200" dirty="0"/>
+              <a:t>: </a:t>
+            </a:r>
+          </a:p>
+          <a:p>
+            <a:endParaRPr lang="en-US" altLang="ko-KR" sz="1200" dirty="0"/>
+          </a:p>
+          <a:p>
+            <a:r>
+              <a:rPr lang="ko-KR" altLang="en-US" sz="1200" dirty="0"/>
+              <a:t>나이 </a:t>
+            </a:r>
+            <a:r>
+              <a:rPr lang="en-US" altLang="ko-KR" sz="1200" dirty="0"/>
+              <a:t>: </a:t>
+            </a:r>
+          </a:p>
+          <a:p>
+            <a:endParaRPr lang="en-US" altLang="ko-KR" sz="1200" dirty="0"/>
+          </a:p>
+          <a:p>
+            <a:r>
+              <a:rPr lang="ko-KR" altLang="en-US" sz="1200" dirty="0"/>
+              <a:t>중성화 </a:t>
+            </a:r>
+            <a:r>
+              <a:rPr lang="en-US" altLang="ko-KR" sz="1200" dirty="0"/>
+              <a:t>:</a:t>
+            </a:r>
+          </a:p>
+          <a:p>
+            <a:endParaRPr lang="en-US" altLang="ko-KR" sz="1200" dirty="0"/>
+          </a:p>
+          <a:p>
+            <a:r>
+              <a:rPr lang="ko-KR" altLang="en-US" sz="1200" dirty="0"/>
+              <a:t>질병이력 </a:t>
+            </a:r>
+            <a:r>
+              <a:rPr lang="en-US" altLang="ko-KR" sz="1200" dirty="0"/>
+              <a:t>:</a:t>
+            </a:r>
+          </a:p>
+          <a:p>
+            <a:endParaRPr lang="en-US" altLang="ko-KR" sz="1200" dirty="0"/>
+          </a:p>
+          <a:p>
+            <a:endParaRPr lang="en-US" altLang="ko-KR" sz="1200" dirty="0"/>
+          </a:p>
+          <a:p>
+            <a:endParaRPr lang="en-US" altLang="ko-KR" sz="800" dirty="0"/>
+          </a:p>
+          <a:p>
+            <a:endParaRPr lang="en-US" altLang="ko-KR" sz="800" dirty="0"/>
+          </a:p>
+          <a:p>
+            <a:endParaRPr lang="ko-KR" altLang="en-US" sz="800" dirty="0"/>
+          </a:p>
+        </p:txBody>
+      </p:sp>
+      <p:sp>
+        <p:nvSpPr>
+          <p:cNvPr id="52" name="TextBox 51">
+            <a:extLst>
+              <a:ext uri="{FF2B5EF4-FFF2-40B4-BE49-F238E27FC236}">
+                <a16:creationId xmlns="" xmlns:a16="http://schemas.microsoft.com/office/drawing/2014/main" id="{B99B20BC-4433-4D26-B4A5-A38346BD4501}"/>
               </a:ext>
             </a:extLst>
           </p:cNvPr>
@@ -17172,8 +17239,8 @@
         </p:nvSpPr>
         <p:spPr>
           <a:xfrm>
-            <a:off x="4456080" y="3054981"/>
-            <a:ext cx="1043268" cy="215444"/>
+            <a:off x="4610510" y="3915241"/>
+            <a:ext cx="2023271" cy="461665"/>
           </a:xfrm>
           <a:prstGeom prst="rect">
             <a:avLst/>
@@ -17186,19 +17253,70 @@
           </a:bodyPr>
           <a:lstStyle/>
           <a:p>
-            <a:r>
-              <a:rPr lang="ko-KR" altLang="en-US" sz="800" dirty="0"/>
-              <a:t>주소</a:t>
-            </a:r>
-          </a:p>
-        </p:txBody>
-      </p:sp>
-      <p:sp>
-        <p:nvSpPr>
-          <p:cNvPr id="6" name="사각형: 둥근 모서리 5">
-            <a:extLst>
-              <a:ext uri="{FF2B5EF4-FFF2-40B4-BE49-F238E27FC236}">
-                <a16:creationId xmlns:a16="http://schemas.microsoft.com/office/drawing/2014/main" xmlns="" id="{5EF33D39-D93F-4712-8231-7839578326C9}"/>
+            <a:endParaRPr lang="en-US" altLang="ko-KR" sz="800" dirty="0"/>
+          </a:p>
+          <a:p>
+            <a:endParaRPr lang="en-US" altLang="ko-KR" sz="800" dirty="0"/>
+          </a:p>
+          <a:p>
+            <a:endParaRPr lang="ko-KR" altLang="en-US" sz="800" dirty="0"/>
+          </a:p>
+        </p:txBody>
+      </p:sp>
+      <p:sp>
+        <p:nvSpPr>
+          <p:cNvPr id="53" name="TextBox 52">
+            <a:extLst>
+              <a:ext uri="{FF2B5EF4-FFF2-40B4-BE49-F238E27FC236}">
+                <a16:creationId xmlns="" xmlns:a16="http://schemas.microsoft.com/office/drawing/2014/main" id="{A183CDA1-DC38-4916-96B9-A22BDA7A703F}"/>
+              </a:ext>
+            </a:extLst>
+          </p:cNvPr>
+          <p:cNvSpPr txBox="1"/>
+          <p:nvPr/>
+        </p:nvSpPr>
+        <p:spPr>
+          <a:xfrm>
+            <a:off x="4693367" y="3800487"/>
+            <a:ext cx="2023271" cy="830997"/>
+          </a:xfrm>
+          <a:prstGeom prst="rect">
+            <a:avLst/>
+          </a:prstGeom>
+          <a:noFill/>
+        </p:spPr>
+        <p:txBody>
+          <a:bodyPr wrap="square" rtlCol="0">
+            <a:spAutoFit/>
+          </a:bodyPr>
+          <a:lstStyle/>
+          <a:p>
+            <a:r>
+              <a:rPr lang="ko-KR" altLang="en-US" sz="1200" dirty="0"/>
+              <a:t>특이사항</a:t>
+            </a:r>
+            <a:endParaRPr lang="en-US" altLang="ko-KR" sz="1200" dirty="0"/>
+          </a:p>
+          <a:p>
+            <a:endParaRPr lang="en-US" altLang="ko-KR" sz="1200" dirty="0"/>
+          </a:p>
+          <a:p>
+            <a:endParaRPr lang="en-US" altLang="ko-KR" sz="800" dirty="0"/>
+          </a:p>
+          <a:p>
+            <a:endParaRPr lang="en-US" altLang="ko-KR" sz="800" dirty="0"/>
+          </a:p>
+          <a:p>
+            <a:endParaRPr lang="ko-KR" altLang="en-US" sz="800" dirty="0"/>
+          </a:p>
+        </p:txBody>
+      </p:sp>
+      <p:sp>
+        <p:nvSpPr>
+          <p:cNvPr id="8" name="사각형: 둥근 모서리 7">
+            <a:extLst>
+              <a:ext uri="{FF2B5EF4-FFF2-40B4-BE49-F238E27FC236}">
+                <a16:creationId xmlns="" xmlns:a16="http://schemas.microsoft.com/office/drawing/2014/main" id="{10B00B19-CDD2-4D51-9251-C455E6A6BD13}"/>
               </a:ext>
             </a:extLst>
           </p:cNvPr>
@@ -17207,8 +17325,8 @@
         </p:nvSpPr>
         <p:spPr>
           <a:xfrm>
-            <a:off x="1877612" y="3682767"/>
-            <a:ext cx="5261420" cy="2425915"/>
+            <a:off x="4758136" y="4053335"/>
+            <a:ext cx="1917074" cy="1949585"/>
           </a:xfrm>
           <a:prstGeom prst="roundRect">
             <a:avLst/>
@@ -17243,221 +17361,23 @@
           <a:lstStyle/>
           <a:p>
             <a:pPr algn="ctr"/>
-            <a:endParaRPr lang="ko-KR" altLang="en-US" dirty="0"/>
-          </a:p>
-        </p:txBody>
-      </p:sp>
-      <p:sp>
-        <p:nvSpPr>
-          <p:cNvPr id="49" name="TextBox 48">
-            <a:extLst>
-              <a:ext uri="{FF2B5EF4-FFF2-40B4-BE49-F238E27FC236}">
-                <a16:creationId xmlns:a16="http://schemas.microsoft.com/office/drawing/2014/main" xmlns="" id="{7A747285-BE69-42E1-B955-0EF11FAA7617}"/>
-              </a:ext>
-            </a:extLst>
-          </p:cNvPr>
-          <p:cNvSpPr txBox="1"/>
-          <p:nvPr/>
-        </p:nvSpPr>
-        <p:spPr>
-          <a:xfrm>
-            <a:off x="2348918" y="3800487"/>
-            <a:ext cx="2023271" cy="2862322"/>
-          </a:xfrm>
-          <a:prstGeom prst="rect">
-            <a:avLst/>
-          </a:prstGeom>
-          <a:noFill/>
-        </p:spPr>
-        <p:txBody>
-          <a:bodyPr wrap="square" rtlCol="0">
-            <a:spAutoFit/>
-          </a:bodyPr>
-          <a:lstStyle/>
-          <a:p>
-            <a:r>
-              <a:rPr lang="ko-KR" altLang="en-US" sz="1200" dirty="0"/>
-              <a:t>구분 </a:t>
-            </a:r>
-            <a:r>
-              <a:rPr lang="en-US" altLang="ko-KR" sz="1200" dirty="0"/>
-              <a:t>:</a:t>
-            </a:r>
-          </a:p>
-          <a:p>
-            <a:endParaRPr lang="en-US" altLang="ko-KR" sz="1200" dirty="0"/>
-          </a:p>
-          <a:p>
-            <a:r>
-              <a:rPr lang="ko-KR" altLang="en-US" sz="1200" dirty="0"/>
-              <a:t>세부 구분 </a:t>
-            </a:r>
-            <a:r>
-              <a:rPr lang="en-US" altLang="ko-KR" sz="1200" dirty="0"/>
-              <a:t>:</a:t>
-            </a:r>
-          </a:p>
-          <a:p>
-            <a:endParaRPr lang="en-US" altLang="ko-KR" sz="1200" dirty="0"/>
-          </a:p>
-          <a:p>
-            <a:r>
-              <a:rPr lang="ko-KR" altLang="en-US" sz="1200" dirty="0"/>
-              <a:t>성별 </a:t>
-            </a:r>
-            <a:r>
-              <a:rPr lang="en-US" altLang="ko-KR" sz="1200" dirty="0"/>
-              <a:t>: </a:t>
-            </a:r>
-          </a:p>
-          <a:p>
-            <a:endParaRPr lang="en-US" altLang="ko-KR" sz="1200" dirty="0"/>
-          </a:p>
-          <a:p>
-            <a:r>
-              <a:rPr lang="ko-KR" altLang="en-US" sz="1200" dirty="0"/>
-              <a:t>나이 </a:t>
-            </a:r>
-            <a:r>
-              <a:rPr lang="en-US" altLang="ko-KR" sz="1200" dirty="0"/>
-              <a:t>: </a:t>
-            </a:r>
-          </a:p>
-          <a:p>
-            <a:endParaRPr lang="en-US" altLang="ko-KR" sz="1200" dirty="0"/>
-          </a:p>
-          <a:p>
-            <a:r>
-              <a:rPr lang="ko-KR" altLang="en-US" sz="1200" dirty="0"/>
-              <a:t>중성화 </a:t>
-            </a:r>
-            <a:r>
-              <a:rPr lang="en-US" altLang="ko-KR" sz="1200" dirty="0"/>
-              <a:t>:</a:t>
-            </a:r>
-          </a:p>
-          <a:p>
-            <a:endParaRPr lang="en-US" altLang="ko-KR" sz="1200" dirty="0"/>
-          </a:p>
-          <a:p>
-            <a:r>
-              <a:rPr lang="ko-KR" altLang="en-US" sz="1200" dirty="0"/>
-              <a:t>질병이력 </a:t>
-            </a:r>
-            <a:r>
-              <a:rPr lang="en-US" altLang="ko-KR" sz="1200" dirty="0"/>
-              <a:t>:</a:t>
-            </a:r>
-          </a:p>
-          <a:p>
-            <a:endParaRPr lang="en-US" altLang="ko-KR" sz="1200" dirty="0"/>
-          </a:p>
-          <a:p>
-            <a:endParaRPr lang="en-US" altLang="ko-KR" sz="1200" dirty="0"/>
-          </a:p>
-          <a:p>
-            <a:endParaRPr lang="en-US" altLang="ko-KR" sz="800" dirty="0"/>
-          </a:p>
-          <a:p>
-            <a:endParaRPr lang="en-US" altLang="ko-KR" sz="800" dirty="0"/>
-          </a:p>
-          <a:p>
-            <a:endParaRPr lang="ko-KR" altLang="en-US" sz="800" dirty="0"/>
-          </a:p>
-        </p:txBody>
-      </p:sp>
-      <p:sp>
-        <p:nvSpPr>
-          <p:cNvPr id="52" name="TextBox 51">
-            <a:extLst>
-              <a:ext uri="{FF2B5EF4-FFF2-40B4-BE49-F238E27FC236}">
-                <a16:creationId xmlns:a16="http://schemas.microsoft.com/office/drawing/2014/main" xmlns="" id="{B99B20BC-4433-4D26-B4A5-A38346BD4501}"/>
-              </a:ext>
-            </a:extLst>
-          </p:cNvPr>
-          <p:cNvSpPr txBox="1"/>
-          <p:nvPr/>
-        </p:nvSpPr>
-        <p:spPr>
-          <a:xfrm>
-            <a:off x="4610510" y="3915241"/>
-            <a:ext cx="2023271" cy="461665"/>
-          </a:xfrm>
-          <a:prstGeom prst="rect">
-            <a:avLst/>
-          </a:prstGeom>
-          <a:noFill/>
-        </p:spPr>
-        <p:txBody>
-          <a:bodyPr wrap="square" rtlCol="0">
-            <a:spAutoFit/>
-          </a:bodyPr>
-          <a:lstStyle/>
-          <a:p>
-            <a:endParaRPr lang="en-US" altLang="ko-KR" sz="800" dirty="0"/>
-          </a:p>
-          <a:p>
-            <a:endParaRPr lang="en-US" altLang="ko-KR" sz="800" dirty="0"/>
-          </a:p>
-          <a:p>
-            <a:endParaRPr lang="ko-KR" altLang="en-US" sz="800" dirty="0"/>
-          </a:p>
-        </p:txBody>
-      </p:sp>
-      <p:sp>
-        <p:nvSpPr>
-          <p:cNvPr id="53" name="TextBox 52">
-            <a:extLst>
-              <a:ext uri="{FF2B5EF4-FFF2-40B4-BE49-F238E27FC236}">
-                <a16:creationId xmlns:a16="http://schemas.microsoft.com/office/drawing/2014/main" xmlns="" id="{A183CDA1-DC38-4916-96B9-A22BDA7A703F}"/>
-              </a:ext>
-            </a:extLst>
-          </p:cNvPr>
-          <p:cNvSpPr txBox="1"/>
-          <p:nvPr/>
-        </p:nvSpPr>
-        <p:spPr>
-          <a:xfrm>
-            <a:off x="4693367" y="3800487"/>
-            <a:ext cx="2023271" cy="830997"/>
-          </a:xfrm>
-          <a:prstGeom prst="rect">
-            <a:avLst/>
-          </a:prstGeom>
-          <a:noFill/>
-        </p:spPr>
-        <p:txBody>
-          <a:bodyPr wrap="square" rtlCol="0">
-            <a:spAutoFit/>
-          </a:bodyPr>
-          <a:lstStyle/>
-          <a:p>
-            <a:r>
-              <a:rPr lang="ko-KR" altLang="en-US" sz="1200" dirty="0"/>
-              <a:t>특이사항</a:t>
-            </a:r>
-            <a:endParaRPr lang="en-US" altLang="ko-KR" sz="1200" dirty="0"/>
-          </a:p>
-          <a:p>
-            <a:endParaRPr lang="en-US" altLang="ko-KR" sz="1200" dirty="0"/>
-          </a:p>
-          <a:p>
-            <a:endParaRPr lang="en-US" altLang="ko-KR" sz="800" dirty="0"/>
-          </a:p>
-          <a:p>
-            <a:endParaRPr lang="en-US" altLang="ko-KR" sz="800" dirty="0"/>
-          </a:p>
-          <a:p>
-            <a:endParaRPr lang="ko-KR" altLang="en-US" sz="800" dirty="0"/>
-          </a:p>
-        </p:txBody>
-      </p:sp>
-      <p:sp>
-        <p:nvSpPr>
-          <p:cNvPr id="8" name="사각형: 둥근 모서리 7">
-            <a:extLst>
-              <a:ext uri="{FF2B5EF4-FFF2-40B4-BE49-F238E27FC236}">
-                <a16:creationId xmlns:a16="http://schemas.microsoft.com/office/drawing/2014/main" xmlns="" id="{10B00B19-CDD2-4D51-9251-C455E6A6BD13}"/>
+            <a:r>
+              <a:rPr lang="ko-KR" altLang="en-US" sz="1000" dirty="0">
+                <a:solidFill>
+                  <a:schemeClr val="tx1"/>
+                </a:solidFill>
+              </a:rPr>
+              <a:t>반려동물에 대한 추가 정보 </a:t>
+            </a:r>
+          </a:p>
+        </p:txBody>
+      </p:sp>
+      <p:sp>
+        <p:nvSpPr>
+          <p:cNvPr id="10" name="사각형: 둥근 모서리 9">
+            <a:extLst>
+              <a:ext uri="{FF2B5EF4-FFF2-40B4-BE49-F238E27FC236}">
+                <a16:creationId xmlns="" xmlns:a16="http://schemas.microsoft.com/office/drawing/2014/main" id="{ED3E580F-CE22-4673-86DD-05DB36E23034}"/>
               </a:ext>
             </a:extLst>
           </p:cNvPr>
@@ -17466,8 +17386,8 @@
         </p:nvSpPr>
         <p:spPr>
           <a:xfrm>
-            <a:off x="4758136" y="4053335"/>
-            <a:ext cx="1917074" cy="1949585"/>
+            <a:off x="6501468" y="2183148"/>
+            <a:ext cx="427838" cy="220556"/>
           </a:xfrm>
           <a:prstGeom prst="roundRect">
             <a:avLst/>
@@ -17503,22 +17423,22 @@
           <a:p>
             <a:pPr algn="ctr"/>
             <a:r>
-              <a:rPr lang="ko-KR" altLang="en-US" sz="1000" dirty="0">
+              <a:rPr lang="ko-KR" altLang="en-US" sz="800" dirty="0">
                 <a:solidFill>
                   <a:schemeClr val="tx1"/>
                 </a:solidFill>
               </a:rPr>
-              <a:t>반려동물에 대한 추가 정보 </a:t>
-            </a:r>
-          </a:p>
-        </p:txBody>
-      </p:sp>
-      <p:sp>
-        <p:nvSpPr>
-          <p:cNvPr id="10" name="사각형: 둥근 모서리 9">
-            <a:extLst>
-              <a:ext uri="{FF2B5EF4-FFF2-40B4-BE49-F238E27FC236}">
-                <a16:creationId xmlns:a16="http://schemas.microsoft.com/office/drawing/2014/main" xmlns="" id="{ED3E580F-CE22-4673-86DD-05DB36E23034}"/>
+              <a:t>수정</a:t>
+            </a:r>
+          </a:p>
+        </p:txBody>
+      </p:sp>
+      <p:sp>
+        <p:nvSpPr>
+          <p:cNvPr id="54" name="직사각형 53">
+            <a:extLst>
+              <a:ext uri="{FF2B5EF4-FFF2-40B4-BE49-F238E27FC236}">
+                <a16:creationId xmlns="" xmlns:a16="http://schemas.microsoft.com/office/drawing/2014/main" id="{33107F64-EDE9-4E47-9242-F8A468C24118}"/>
               </a:ext>
             </a:extLst>
           </p:cNvPr>
@@ -17527,10 +17447,10 @@
         </p:nvSpPr>
         <p:spPr>
           <a:xfrm>
-            <a:off x="6501468" y="2183148"/>
-            <a:ext cx="427838" cy="220556"/>
-          </a:xfrm>
-          <a:prstGeom prst="roundRect">
+            <a:off x="9563677" y="1828800"/>
+            <a:ext cx="1023230" cy="276836"/>
+          </a:xfrm>
+          <a:prstGeom prst="rect">
             <a:avLst/>
           </a:prstGeom>
           <a:solidFill>
@@ -17563,23 +17483,16 @@
           <a:lstStyle/>
           <a:p>
             <a:pPr algn="ctr"/>
-            <a:r>
-              <a:rPr lang="ko-KR" altLang="en-US" sz="800" dirty="0">
-                <a:solidFill>
-                  <a:schemeClr val="tx1"/>
-                </a:solidFill>
-              </a:rPr>
-              <a:t>수정</a:t>
-            </a:r>
-          </a:p>
-        </p:txBody>
-      </p:sp>
-      <p:sp>
-        <p:nvSpPr>
-          <p:cNvPr id="54" name="직사각형 53">
-            <a:extLst>
-              <a:ext uri="{FF2B5EF4-FFF2-40B4-BE49-F238E27FC236}">
-                <a16:creationId xmlns:a16="http://schemas.microsoft.com/office/drawing/2014/main" xmlns="" id="{33107F64-EDE9-4E47-9242-F8A468C24118}"/>
+            <a:endParaRPr lang="ko-KR" altLang="en-US" dirty="0"/>
+          </a:p>
+        </p:txBody>
+      </p:sp>
+      <p:sp>
+        <p:nvSpPr>
+          <p:cNvPr id="55" name="직사각형 54">
+            <a:extLst>
+              <a:ext uri="{FF2B5EF4-FFF2-40B4-BE49-F238E27FC236}">
+                <a16:creationId xmlns="" xmlns:a16="http://schemas.microsoft.com/office/drawing/2014/main" id="{5A842A4B-8B39-44DE-9CEA-9515737356B2}"/>
               </a:ext>
             </a:extLst>
           </p:cNvPr>
@@ -17588,8 +17501,8 @@
         </p:nvSpPr>
         <p:spPr>
           <a:xfrm>
-            <a:off x="9563677" y="1828800"/>
-            <a:ext cx="1023230" cy="276836"/>
+            <a:off x="9599253" y="1862356"/>
+            <a:ext cx="224256" cy="209724"/>
           </a:xfrm>
           <a:prstGeom prst="rect">
             <a:avLst/>
@@ -17630,10 +17543,10 @@
       </p:sp>
       <p:sp>
         <p:nvSpPr>
-          <p:cNvPr id="55" name="직사각형 54">
-            <a:extLst>
-              <a:ext uri="{FF2B5EF4-FFF2-40B4-BE49-F238E27FC236}">
-                <a16:creationId xmlns:a16="http://schemas.microsoft.com/office/drawing/2014/main" xmlns="" id="{5A842A4B-8B39-44DE-9CEA-9515737356B2}"/>
+          <p:cNvPr id="56" name="직사각형 55">
+            <a:extLst>
+              <a:ext uri="{FF2B5EF4-FFF2-40B4-BE49-F238E27FC236}">
+                <a16:creationId xmlns="" xmlns:a16="http://schemas.microsoft.com/office/drawing/2014/main" id="{2DD24BCC-FCE6-4F3D-9102-0338A277724E}"/>
               </a:ext>
             </a:extLst>
           </p:cNvPr>
@@ -17642,7 +17555,7 @@
         </p:nvSpPr>
         <p:spPr>
           <a:xfrm>
-            <a:off x="9599253" y="1862356"/>
+            <a:off x="11004221" y="1870745"/>
             <a:ext cx="224256" cy="209724"/>
           </a:xfrm>
           <a:prstGeom prst="rect">
@@ -17684,10 +17597,10 @@
       </p:sp>
       <p:sp>
         <p:nvSpPr>
-          <p:cNvPr id="56" name="직사각형 55">
-            <a:extLst>
-              <a:ext uri="{FF2B5EF4-FFF2-40B4-BE49-F238E27FC236}">
-                <a16:creationId xmlns:a16="http://schemas.microsoft.com/office/drawing/2014/main" xmlns="" id="{2DD24BCC-FCE6-4F3D-9102-0338A277724E}"/>
+          <p:cNvPr id="63" name="직사각형 62">
+            <a:extLst>
+              <a:ext uri="{FF2B5EF4-FFF2-40B4-BE49-F238E27FC236}">
+                <a16:creationId xmlns="" xmlns:a16="http://schemas.microsoft.com/office/drawing/2014/main" id="{D47A0DF5-CA84-4554-81E3-2D51D35F259C}"/>
               </a:ext>
             </a:extLst>
           </p:cNvPr>
@@ -17696,7 +17609,7 @@
         </p:nvSpPr>
         <p:spPr>
           <a:xfrm>
-            <a:off x="11004221" y="1870745"/>
+            <a:off x="8892432" y="1870745"/>
             <a:ext cx="224256" cy="209724"/>
           </a:xfrm>
           <a:prstGeom prst="rect">
@@ -17736,66 +17649,12 @@
           </a:p>
         </p:txBody>
       </p:sp>
-      <p:sp>
-        <p:nvSpPr>
-          <p:cNvPr id="63" name="직사각형 62">
-            <a:extLst>
-              <a:ext uri="{FF2B5EF4-FFF2-40B4-BE49-F238E27FC236}">
-                <a16:creationId xmlns:a16="http://schemas.microsoft.com/office/drawing/2014/main" xmlns="" id="{D47A0DF5-CA84-4554-81E3-2D51D35F259C}"/>
-              </a:ext>
-            </a:extLst>
-          </p:cNvPr>
-          <p:cNvSpPr/>
-          <p:nvPr/>
-        </p:nvSpPr>
-        <p:spPr>
-          <a:xfrm>
-            <a:off x="8892432" y="1870745"/>
-            <a:ext cx="224256" cy="209724"/>
-          </a:xfrm>
-          <a:prstGeom prst="rect">
-            <a:avLst/>
-          </a:prstGeom>
-          <a:solidFill>
-            <a:schemeClr val="bg1"/>
-          </a:solidFill>
-          <a:ln>
-            <a:solidFill>
-              <a:schemeClr val="tx1"/>
-            </a:solidFill>
-          </a:ln>
-        </p:spPr>
-        <p:style>
-          <a:lnRef idx="2">
-            <a:schemeClr val="accent1">
-              <a:shade val="50000"/>
-            </a:schemeClr>
-          </a:lnRef>
-          <a:fillRef idx="1">
-            <a:schemeClr val="accent1"/>
-          </a:fillRef>
-          <a:effectRef idx="0">
-            <a:schemeClr val="accent1"/>
-          </a:effectRef>
-          <a:fontRef idx="minor">
-            <a:schemeClr val="lt1"/>
-          </a:fontRef>
-        </p:style>
-        <p:txBody>
-          <a:bodyPr rtlCol="0" anchor="ctr"/>
-          <a:lstStyle/>
-          <a:p>
-            <a:pPr algn="ctr"/>
-            <a:endParaRPr lang="ko-KR" altLang="en-US" dirty="0"/>
-          </a:p>
-        </p:txBody>
-      </p:sp>
       <p:cxnSp>
         <p:nvCxnSpPr>
           <p:cNvPr id="64" name="직선 연결선 63">
             <a:extLst>
               <a:ext uri="{FF2B5EF4-FFF2-40B4-BE49-F238E27FC236}">
-                <a16:creationId xmlns:a16="http://schemas.microsoft.com/office/drawing/2014/main" xmlns="" id="{BBD31C63-515F-4941-8A12-DD68C1031400}"/>
+                <a16:creationId xmlns="" xmlns:a16="http://schemas.microsoft.com/office/drawing/2014/main" id="{BBD31C63-515F-4941-8A12-DD68C1031400}"/>
               </a:ext>
             </a:extLst>
           </p:cNvPr>
@@ -17836,7 +17695,7 @@
           <p:cNvPr id="65" name="직선 화살표 연결선 64">
             <a:extLst>
               <a:ext uri="{FF2B5EF4-FFF2-40B4-BE49-F238E27FC236}">
-                <a16:creationId xmlns:a16="http://schemas.microsoft.com/office/drawing/2014/main" xmlns="" id="{C6189FF7-B2B4-4F58-A62C-4552AA855088}"/>
+                <a16:creationId xmlns="" xmlns:a16="http://schemas.microsoft.com/office/drawing/2014/main" id="{C6189FF7-B2B4-4F58-A62C-4552AA855088}"/>
               </a:ext>
             </a:extLst>
           </p:cNvPr>
@@ -17880,7 +17739,7 @@
           <p:cNvPr id="66" name="직선 화살표 연결선 65">
             <a:extLst>
               <a:ext uri="{FF2B5EF4-FFF2-40B4-BE49-F238E27FC236}">
-                <a16:creationId xmlns:a16="http://schemas.microsoft.com/office/drawing/2014/main" xmlns="" id="{8A353617-6EF7-4BE0-876E-B7682AC7D0FB}"/>
+                <a16:creationId xmlns="" xmlns:a16="http://schemas.microsoft.com/office/drawing/2014/main" id="{8A353617-6EF7-4BE0-876E-B7682AC7D0FB}"/>
               </a:ext>
             </a:extLst>
           </p:cNvPr>
@@ -17924,7 +17783,7 @@
           <p:cNvPr id="68" name="직선 화살표 연결선 67">
             <a:extLst>
               <a:ext uri="{FF2B5EF4-FFF2-40B4-BE49-F238E27FC236}">
-                <a16:creationId xmlns:a16="http://schemas.microsoft.com/office/drawing/2014/main" xmlns="" id="{6ADB57C1-71A6-460D-8130-56C2C112542B}"/>
+                <a16:creationId xmlns="" xmlns:a16="http://schemas.microsoft.com/office/drawing/2014/main" id="{6ADB57C1-71A6-460D-8130-56C2C112542B}"/>
               </a:ext>
             </a:extLst>
           </p:cNvPr>
@@ -17968,7 +17827,7 @@
           <p:cNvPr id="69" name="TextBox 68">
             <a:extLst>
               <a:ext uri="{FF2B5EF4-FFF2-40B4-BE49-F238E27FC236}">
-                <a16:creationId xmlns:a16="http://schemas.microsoft.com/office/drawing/2014/main" xmlns="" id="{CDE1AA9D-8128-4666-8D15-1D04133230F9}"/>
+                <a16:creationId xmlns="" xmlns:a16="http://schemas.microsoft.com/office/drawing/2014/main" id="{CDE1AA9D-8128-4666-8D15-1D04133230F9}"/>
               </a:ext>
             </a:extLst>
           </p:cNvPr>
@@ -18004,7 +17863,7 @@
           <p:cNvPr id="73" name="TextBox 72">
             <a:extLst>
               <a:ext uri="{FF2B5EF4-FFF2-40B4-BE49-F238E27FC236}">
-                <a16:creationId xmlns:a16="http://schemas.microsoft.com/office/drawing/2014/main" xmlns="" id="{EA075739-BD3A-4494-8CFA-FDCD68AFA1A6}"/>
+                <a16:creationId xmlns="" xmlns:a16="http://schemas.microsoft.com/office/drawing/2014/main" id="{EA075739-BD3A-4494-8CFA-FDCD68AFA1A6}"/>
               </a:ext>
             </a:extLst>
           </p:cNvPr>
@@ -18040,7 +17899,7 @@
           <p:cNvPr id="74" name="TextBox 73">
             <a:extLst>
               <a:ext uri="{FF2B5EF4-FFF2-40B4-BE49-F238E27FC236}">
-                <a16:creationId xmlns:a16="http://schemas.microsoft.com/office/drawing/2014/main" xmlns="" id="{9CCCD44E-9A9A-4ED8-A5D1-4872F5E16D21}"/>
+                <a16:creationId xmlns="" xmlns:a16="http://schemas.microsoft.com/office/drawing/2014/main" id="{9CCCD44E-9A9A-4ED8-A5D1-4872F5E16D21}"/>
               </a:ext>
             </a:extLst>
           </p:cNvPr>
@@ -18075,7 +17934,7 @@
           <p:cNvPr id="75" name="직선 연결선 74">
             <a:extLst>
               <a:ext uri="{FF2B5EF4-FFF2-40B4-BE49-F238E27FC236}">
-                <a16:creationId xmlns:a16="http://schemas.microsoft.com/office/drawing/2014/main" xmlns="" id="{386DE95A-7790-4927-BAD2-657D5553AEFF}"/>
+                <a16:creationId xmlns="" xmlns:a16="http://schemas.microsoft.com/office/drawing/2014/main" id="{386DE95A-7790-4927-BAD2-657D5553AEFF}"/>
               </a:ext>
             </a:extLst>
           </p:cNvPr>
@@ -18116,7 +17975,7 @@
           <p:cNvPr id="84" name="TextBox 83">
             <a:extLst>
               <a:ext uri="{FF2B5EF4-FFF2-40B4-BE49-F238E27FC236}">
-                <a16:creationId xmlns:a16="http://schemas.microsoft.com/office/drawing/2014/main" xmlns="" id="{34774279-B42C-41CA-A076-23BAEAA30AE8}"/>
+                <a16:creationId xmlns="" xmlns:a16="http://schemas.microsoft.com/office/drawing/2014/main" id="{34774279-B42C-41CA-A076-23BAEAA30AE8}"/>
               </a:ext>
             </a:extLst>
           </p:cNvPr>
@@ -18152,7 +18011,7 @@
           <p:cNvPr id="85" name="직사각형 84">
             <a:extLst>
               <a:ext uri="{FF2B5EF4-FFF2-40B4-BE49-F238E27FC236}">
-                <a16:creationId xmlns:a16="http://schemas.microsoft.com/office/drawing/2014/main" xmlns="" id="{836C2BD2-954F-4146-BBBC-31961F8FA982}"/>
+                <a16:creationId xmlns="" xmlns:a16="http://schemas.microsoft.com/office/drawing/2014/main" id="{836C2BD2-954F-4146-BBBC-31961F8FA982}"/>
               </a:ext>
             </a:extLst>
           </p:cNvPr>
@@ -18206,7 +18065,7 @@
           <p:cNvPr id="86" name="직사각형 85">
             <a:extLst>
               <a:ext uri="{FF2B5EF4-FFF2-40B4-BE49-F238E27FC236}">
-                <a16:creationId xmlns:a16="http://schemas.microsoft.com/office/drawing/2014/main" xmlns="" id="{5E574C22-13C0-422A-BBDB-945BB859AE63}"/>
+                <a16:creationId xmlns="" xmlns:a16="http://schemas.microsoft.com/office/drawing/2014/main" id="{5E574C22-13C0-422A-BBDB-945BB859AE63}"/>
               </a:ext>
             </a:extLst>
           </p:cNvPr>
@@ -18260,7 +18119,7 @@
           <p:cNvPr id="93" name="직사각형 92">
             <a:extLst>
               <a:ext uri="{FF2B5EF4-FFF2-40B4-BE49-F238E27FC236}">
-                <a16:creationId xmlns:a16="http://schemas.microsoft.com/office/drawing/2014/main" xmlns="" id="{199FFB40-F6B3-4576-AB03-E06A0249A44A}"/>
+                <a16:creationId xmlns="" xmlns:a16="http://schemas.microsoft.com/office/drawing/2014/main" id="{199FFB40-F6B3-4576-AB03-E06A0249A44A}"/>
               </a:ext>
             </a:extLst>
           </p:cNvPr>
@@ -18314,7 +18173,7 @@
           <p:cNvPr id="95" name="직사각형 94">
             <a:extLst>
               <a:ext uri="{FF2B5EF4-FFF2-40B4-BE49-F238E27FC236}">
-                <a16:creationId xmlns:a16="http://schemas.microsoft.com/office/drawing/2014/main" xmlns="" id="{21409312-94E7-4D11-9994-52805F178CFF}"/>
+                <a16:creationId xmlns="" xmlns:a16="http://schemas.microsoft.com/office/drawing/2014/main" id="{21409312-94E7-4D11-9994-52805F178CFF}"/>
               </a:ext>
             </a:extLst>
           </p:cNvPr>
@@ -18368,7 +18227,7 @@
           <p:cNvPr id="96" name="직사각형 95">
             <a:extLst>
               <a:ext uri="{FF2B5EF4-FFF2-40B4-BE49-F238E27FC236}">
-                <a16:creationId xmlns:a16="http://schemas.microsoft.com/office/drawing/2014/main" xmlns="" id="{DF4A3E52-9AFE-4531-B53E-FD21ED668F4E}"/>
+                <a16:creationId xmlns="" xmlns:a16="http://schemas.microsoft.com/office/drawing/2014/main" id="{DF4A3E52-9AFE-4531-B53E-FD21ED668F4E}"/>
               </a:ext>
             </a:extLst>
           </p:cNvPr>
@@ -18422,7 +18281,7 @@
           <p:cNvPr id="97" name="직선 화살표 연결선 96">
             <a:extLst>
               <a:ext uri="{FF2B5EF4-FFF2-40B4-BE49-F238E27FC236}">
-                <a16:creationId xmlns:a16="http://schemas.microsoft.com/office/drawing/2014/main" xmlns="" id="{F8FB9BA0-9788-427F-8B58-BC87CC8EDF0B}"/>
+                <a16:creationId xmlns="" xmlns:a16="http://schemas.microsoft.com/office/drawing/2014/main" id="{F8FB9BA0-9788-427F-8B58-BC87CC8EDF0B}"/>
               </a:ext>
             </a:extLst>
           </p:cNvPr>
@@ -18466,7 +18325,7 @@
           <p:cNvPr id="98" name="직선 화살표 연결선 97">
             <a:extLst>
               <a:ext uri="{FF2B5EF4-FFF2-40B4-BE49-F238E27FC236}">
-                <a16:creationId xmlns:a16="http://schemas.microsoft.com/office/drawing/2014/main" xmlns="" id="{16BE8CF4-A607-4AB9-89FA-27DCB5C16DDE}"/>
+                <a16:creationId xmlns="" xmlns:a16="http://schemas.microsoft.com/office/drawing/2014/main" id="{16BE8CF4-A607-4AB9-89FA-27DCB5C16DDE}"/>
               </a:ext>
             </a:extLst>
           </p:cNvPr>
@@ -18510,7 +18369,7 @@
           <p:cNvPr id="99" name="직선 화살표 연결선 98">
             <a:extLst>
               <a:ext uri="{FF2B5EF4-FFF2-40B4-BE49-F238E27FC236}">
-                <a16:creationId xmlns:a16="http://schemas.microsoft.com/office/drawing/2014/main" xmlns="" id="{89ED5991-0A2E-4A38-9EA9-A0C804802161}"/>
+                <a16:creationId xmlns="" xmlns:a16="http://schemas.microsoft.com/office/drawing/2014/main" id="{89ED5991-0A2E-4A38-9EA9-A0C804802161}"/>
               </a:ext>
             </a:extLst>
           </p:cNvPr>
@@ -18554,7 +18413,7 @@
           <p:cNvPr id="100" name="직선 화살표 연결선 99">
             <a:extLst>
               <a:ext uri="{FF2B5EF4-FFF2-40B4-BE49-F238E27FC236}">
-                <a16:creationId xmlns:a16="http://schemas.microsoft.com/office/drawing/2014/main" xmlns="" id="{5CF61160-A2D4-4516-8649-D0845E715FBE}"/>
+                <a16:creationId xmlns="" xmlns:a16="http://schemas.microsoft.com/office/drawing/2014/main" id="{5CF61160-A2D4-4516-8649-D0845E715FBE}"/>
               </a:ext>
             </a:extLst>
           </p:cNvPr>
@@ -18598,7 +18457,7 @@
           <p:cNvPr id="101" name="직선 화살표 연결선 100">
             <a:extLst>
               <a:ext uri="{FF2B5EF4-FFF2-40B4-BE49-F238E27FC236}">
-                <a16:creationId xmlns:a16="http://schemas.microsoft.com/office/drawing/2014/main" xmlns="" id="{CD13371F-98AD-4A49-AA01-8CB63A971D60}"/>
+                <a16:creationId xmlns="" xmlns:a16="http://schemas.microsoft.com/office/drawing/2014/main" id="{CD13371F-98AD-4A49-AA01-8CB63A971D60}"/>
               </a:ext>
             </a:extLst>
           </p:cNvPr>
@@ -18643,7 +18502,7 @@
           <p:cNvPr id="102" name="TextBox 101">
             <a:extLst>
               <a:ext uri="{FF2B5EF4-FFF2-40B4-BE49-F238E27FC236}">
-                <a16:creationId xmlns:a16="http://schemas.microsoft.com/office/drawing/2014/main" xmlns="" id="{B8CA9BF6-0ED2-49BB-8FAA-68D7EF92B19D}"/>
+                <a16:creationId xmlns="" xmlns:a16="http://schemas.microsoft.com/office/drawing/2014/main" id="{B8CA9BF6-0ED2-49BB-8FAA-68D7EF92B19D}"/>
               </a:ext>
             </a:extLst>
           </p:cNvPr>
@@ -18678,7 +18537,7 @@
           <p:cNvPr id="103" name="TextBox 102">
             <a:extLst>
               <a:ext uri="{FF2B5EF4-FFF2-40B4-BE49-F238E27FC236}">
-                <a16:creationId xmlns:a16="http://schemas.microsoft.com/office/drawing/2014/main" xmlns="" id="{B1695AB1-7097-43C7-92D7-D16A0080B5DB}"/>
+                <a16:creationId xmlns="" xmlns:a16="http://schemas.microsoft.com/office/drawing/2014/main" id="{B1695AB1-7097-43C7-92D7-D16A0080B5DB}"/>
               </a:ext>
             </a:extLst>
           </p:cNvPr>
@@ -18713,7 +18572,7 @@
           <p:cNvPr id="104" name="TextBox 103">
             <a:extLst>
               <a:ext uri="{FF2B5EF4-FFF2-40B4-BE49-F238E27FC236}">
-                <a16:creationId xmlns:a16="http://schemas.microsoft.com/office/drawing/2014/main" xmlns="" id="{50BAAE8B-7005-4FF9-BB70-4E7B04230088}"/>
+                <a16:creationId xmlns="" xmlns:a16="http://schemas.microsoft.com/office/drawing/2014/main" id="{50BAAE8B-7005-4FF9-BB70-4E7B04230088}"/>
               </a:ext>
             </a:extLst>
           </p:cNvPr>
@@ -18748,7 +18607,7 @@
           <p:cNvPr id="105" name="TextBox 104">
             <a:extLst>
               <a:ext uri="{FF2B5EF4-FFF2-40B4-BE49-F238E27FC236}">
-                <a16:creationId xmlns:a16="http://schemas.microsoft.com/office/drawing/2014/main" xmlns="" id="{0B70F3E5-F90B-4CCE-B87B-7B4AD9688AA5}"/>
+                <a16:creationId xmlns="" xmlns:a16="http://schemas.microsoft.com/office/drawing/2014/main" id="{0B70F3E5-F90B-4CCE-B87B-7B4AD9688AA5}"/>
               </a:ext>
             </a:extLst>
           </p:cNvPr>
@@ -18783,7 +18642,7 @@
           <p:cNvPr id="106" name="사각형: 위쪽 모서리의 한쪽은 둥글고 다른 한쪽은 잘림 105">
             <a:extLst>
               <a:ext uri="{FF2B5EF4-FFF2-40B4-BE49-F238E27FC236}">
-                <a16:creationId xmlns:a16="http://schemas.microsoft.com/office/drawing/2014/main" xmlns="" id="{875A8A77-BFCB-4609-8E7A-6BD81E857F42}"/>
+                <a16:creationId xmlns="" xmlns:a16="http://schemas.microsoft.com/office/drawing/2014/main" id="{875A8A77-BFCB-4609-8E7A-6BD81E857F42}"/>
               </a:ext>
             </a:extLst>
           </p:cNvPr>
@@ -18844,7 +18703,7 @@
           <p:cNvPr id="107" name="사각형: 위쪽 모서리의 한쪽은 둥글고 다른 한쪽은 잘림 106">
             <a:extLst>
               <a:ext uri="{FF2B5EF4-FFF2-40B4-BE49-F238E27FC236}">
-                <a16:creationId xmlns:a16="http://schemas.microsoft.com/office/drawing/2014/main" xmlns="" id="{688550BD-BEE7-4EA1-ACF9-CE6AD5A7BA27}"/>
+                <a16:creationId xmlns="" xmlns:a16="http://schemas.microsoft.com/office/drawing/2014/main" id="{688550BD-BEE7-4EA1-ACF9-CE6AD5A7BA27}"/>
               </a:ext>
             </a:extLst>
           </p:cNvPr>
@@ -18905,7 +18764,7 @@
           <p:cNvPr id="108" name="사각형: 위쪽 모서리의 한쪽은 둥글고 다른 한쪽은 잘림 107">
             <a:extLst>
               <a:ext uri="{FF2B5EF4-FFF2-40B4-BE49-F238E27FC236}">
-                <a16:creationId xmlns:a16="http://schemas.microsoft.com/office/drawing/2014/main" xmlns="" id="{C7644D33-14E9-47D2-8EC9-1B1E911B2842}"/>
+                <a16:creationId xmlns="" xmlns:a16="http://schemas.microsoft.com/office/drawing/2014/main" id="{C7644D33-14E9-47D2-8EC9-1B1E911B2842}"/>
               </a:ext>
             </a:extLst>
           </p:cNvPr>
@@ -18966,7 +18825,7 @@
           <p:cNvPr id="109" name="사각형: 위쪽 모서리의 한쪽은 둥글고 다른 한쪽은 잘림 108">
             <a:extLst>
               <a:ext uri="{FF2B5EF4-FFF2-40B4-BE49-F238E27FC236}">
-                <a16:creationId xmlns:a16="http://schemas.microsoft.com/office/drawing/2014/main" xmlns="" id="{0BD8A648-BB73-4BFF-B469-24D859F3E662}"/>
+                <a16:creationId xmlns="" xmlns:a16="http://schemas.microsoft.com/office/drawing/2014/main" id="{0BD8A648-BB73-4BFF-B469-24D859F3E662}"/>
               </a:ext>
             </a:extLst>
           </p:cNvPr>
@@ -19027,7 +18886,7 @@
           <p:cNvPr id="110" name="사각형: 둥근 모서리 109">
             <a:extLst>
               <a:ext uri="{FF2B5EF4-FFF2-40B4-BE49-F238E27FC236}">
-                <a16:creationId xmlns:a16="http://schemas.microsoft.com/office/drawing/2014/main" xmlns="" id="{AABF26A7-B7C8-4FC9-9E35-E2603954F772}"/>
+                <a16:creationId xmlns="" xmlns:a16="http://schemas.microsoft.com/office/drawing/2014/main" id="{AABF26A7-B7C8-4FC9-9E35-E2603954F772}"/>
               </a:ext>
             </a:extLst>
           </p:cNvPr>
@@ -19088,7 +18947,7 @@
           <p:cNvPr id="121" name="TextBox 120">
             <a:extLst>
               <a:ext uri="{FF2B5EF4-FFF2-40B4-BE49-F238E27FC236}">
-                <a16:creationId xmlns:a16="http://schemas.microsoft.com/office/drawing/2014/main" xmlns="" id="{6B455F2D-8402-4934-8521-A397F4FEB5A2}"/>
+                <a16:creationId xmlns="" xmlns:a16="http://schemas.microsoft.com/office/drawing/2014/main" id="{6B455F2D-8402-4934-8521-A397F4FEB5A2}"/>
               </a:ext>
             </a:extLst>
           </p:cNvPr>
@@ -19207,7 +19066,7 @@
           <p:cNvPr id="122" name="TextBox 121">
             <a:extLst>
               <a:ext uri="{FF2B5EF4-FFF2-40B4-BE49-F238E27FC236}">
-                <a16:creationId xmlns:a16="http://schemas.microsoft.com/office/drawing/2014/main" xmlns="" id="{66B55ED5-3A6C-483A-8E88-FA48A5C77ECB}"/>
+                <a16:creationId xmlns="" xmlns:a16="http://schemas.microsoft.com/office/drawing/2014/main" id="{66B55ED5-3A6C-483A-8E88-FA48A5C77ECB}"/>
               </a:ext>
             </a:extLst>
           </p:cNvPr>
@@ -19255,7 +19114,7 @@
           <p:cNvPr id="123" name="사각형: 둥근 모서리 122">
             <a:extLst>
               <a:ext uri="{FF2B5EF4-FFF2-40B4-BE49-F238E27FC236}">
-                <a16:creationId xmlns:a16="http://schemas.microsoft.com/office/drawing/2014/main" xmlns="" id="{D76A4762-1699-45DD-8559-7C85B5F8BF83}"/>
+                <a16:creationId xmlns="" xmlns:a16="http://schemas.microsoft.com/office/drawing/2014/main" id="{D76A4762-1699-45DD-8559-7C85B5F8BF83}"/>
               </a:ext>
             </a:extLst>
           </p:cNvPr>
@@ -19309,7 +19168,7 @@
           <p:cNvPr id="124" name="타원 123">
             <a:extLst>
               <a:ext uri="{FF2B5EF4-FFF2-40B4-BE49-F238E27FC236}">
-                <a16:creationId xmlns:a16="http://schemas.microsoft.com/office/drawing/2014/main" xmlns="" id="{F6B94C1C-2561-45C1-9F80-3ECD4D5153BF}"/>
+                <a16:creationId xmlns="" xmlns:a16="http://schemas.microsoft.com/office/drawing/2014/main" id="{F6B94C1C-2561-45C1-9F80-3ECD4D5153BF}"/>
               </a:ext>
             </a:extLst>
           </p:cNvPr>
@@ -19370,7 +19229,7 @@
           <p:cNvPr id="125" name="TextBox 124">
             <a:extLst>
               <a:ext uri="{FF2B5EF4-FFF2-40B4-BE49-F238E27FC236}">
-                <a16:creationId xmlns:a16="http://schemas.microsoft.com/office/drawing/2014/main" xmlns="" id="{2DEA5A20-FF66-42E6-845F-C5EA29A2A387}"/>
+                <a16:creationId xmlns="" xmlns:a16="http://schemas.microsoft.com/office/drawing/2014/main" id="{2DEA5A20-FF66-42E6-845F-C5EA29A2A387}"/>
               </a:ext>
             </a:extLst>
           </p:cNvPr>
@@ -19405,7 +19264,7 @@
           <p:cNvPr id="126" name="TextBox 125">
             <a:extLst>
               <a:ext uri="{FF2B5EF4-FFF2-40B4-BE49-F238E27FC236}">
-                <a16:creationId xmlns:a16="http://schemas.microsoft.com/office/drawing/2014/main" xmlns="" id="{87CC1AE8-175C-46A6-9B03-4C27B4A900C0}"/>
+                <a16:creationId xmlns="" xmlns:a16="http://schemas.microsoft.com/office/drawing/2014/main" id="{87CC1AE8-175C-46A6-9B03-4C27B4A900C0}"/>
               </a:ext>
             </a:extLst>
           </p:cNvPr>
@@ -19440,7 +19299,7 @@
           <p:cNvPr id="67" name="사각형: 둥근 모서리 22">
             <a:extLst>
               <a:ext uri="{FF2B5EF4-FFF2-40B4-BE49-F238E27FC236}">
-                <a16:creationId xmlns:a16="http://schemas.microsoft.com/office/drawing/2014/main" xmlns="" id="{93F26B48-9185-4BA5-A1F5-AC76BAA868F7}"/>
+                <a16:creationId xmlns="" xmlns:a16="http://schemas.microsoft.com/office/drawing/2014/main" id="{93F26B48-9185-4BA5-A1F5-AC76BAA868F7}"/>
               </a:ext>
             </a:extLst>
           </p:cNvPr>
@@ -19496,6 +19355,45 @@
           </a:p>
         </p:txBody>
       </p:sp>
+      <p:pic>
+        <p:nvPicPr>
+          <p:cNvPr id="70" name="Picture 2" descr="C:\Users\507-09\Downloads\제목을 입력해주세요._1.png"/>
+          <p:cNvPicPr>
+            <a:picLocks noChangeAspect="1" noChangeArrowheads="1"/>
+          </p:cNvPicPr>
+          <p:nvPr/>
+        </p:nvPicPr>
+        <p:blipFill rotWithShape="1">
+          <a:blip r:embed="rId5" cstate="print">
+            <a:extLst>
+              <a:ext uri="{28A0092B-C50C-407E-A947-70E740481C1C}">
+                <a14:useLocalDpi xmlns:a14="http://schemas.microsoft.com/office/drawing/2010/main" val="0"/>
+              </a:ext>
+            </a:extLst>
+          </a:blip>
+          <a:srcRect l="20378" r="20844"/>
+          <a:stretch/>
+        </p:blipFill>
+        <p:spPr bwMode="auto">
+          <a:xfrm>
+            <a:off x="4025882" y="1799388"/>
+            <a:ext cx="940436" cy="288000"/>
+          </a:xfrm>
+          <a:prstGeom prst="rect">
+            <a:avLst/>
+          </a:prstGeom>
+          <a:noFill/>
+          <a:extLst>
+            <a:ext uri="{909E8E84-426E-40DD-AFC4-6F175D3DCCD1}">
+              <a14:hiddenFill xmlns:a14="http://schemas.microsoft.com/office/drawing/2010/main">
+                <a:solidFill>
+                  <a:srgbClr val="FFFFFF"/>
+                </a:solidFill>
+              </a14:hiddenFill>
+            </a:ext>
+          </a:extLst>
+        </p:spPr>
+      </p:pic>
     </p:spTree>
     <p:extLst>
       <p:ext uri="{BB962C8B-B14F-4D97-AF65-F5344CB8AC3E}">
@@ -19531,7 +19429,7 @@
           <p:cNvPr id="2" name="직사각형 1">
             <a:extLst>
               <a:ext uri="{FF2B5EF4-FFF2-40B4-BE49-F238E27FC236}">
-                <a16:creationId xmlns:a16="http://schemas.microsoft.com/office/drawing/2014/main" xmlns="" id="{8E5B996D-DF87-49E5-95D1-45B1EEB9EE9A}"/>
+                <a16:creationId xmlns="" xmlns:a16="http://schemas.microsoft.com/office/drawing/2014/main" id="{8E5B996D-DF87-49E5-95D1-45B1EEB9EE9A}"/>
               </a:ext>
             </a:extLst>
           </p:cNvPr>
@@ -19583,7 +19481,7 @@
           <p:cNvPr id="4" name="직사각형 3">
             <a:extLst>
               <a:ext uri="{FF2B5EF4-FFF2-40B4-BE49-F238E27FC236}">
-                <a16:creationId xmlns:a16="http://schemas.microsoft.com/office/drawing/2014/main" xmlns="" id="{080CEE4E-4BCA-42C3-BECA-9BCEB9931EEA}"/>
+                <a16:creationId xmlns="" xmlns:a16="http://schemas.microsoft.com/office/drawing/2014/main" id="{080CEE4E-4BCA-42C3-BECA-9BCEB9931EEA}"/>
               </a:ext>
             </a:extLst>
           </p:cNvPr>
@@ -19635,7 +19533,7 @@
           <p:cNvPr id="5" name="TextBox 4">
             <a:extLst>
               <a:ext uri="{FF2B5EF4-FFF2-40B4-BE49-F238E27FC236}">
-                <a16:creationId xmlns:a16="http://schemas.microsoft.com/office/drawing/2014/main" xmlns="" id="{D12B0B12-AB99-4F88-B4B2-948DADC833EA}"/>
+                <a16:creationId xmlns="" xmlns:a16="http://schemas.microsoft.com/office/drawing/2014/main" id="{D12B0B12-AB99-4F88-B4B2-948DADC833EA}"/>
               </a:ext>
             </a:extLst>
           </p:cNvPr>
@@ -19754,7 +19652,7 @@
           <p:cNvPr id="9" name="그림 8">
             <a:extLst>
               <a:ext uri="{FF2B5EF4-FFF2-40B4-BE49-F238E27FC236}">
-                <a16:creationId xmlns:a16="http://schemas.microsoft.com/office/drawing/2014/main" xmlns="" id="{0F0992E8-2696-42E6-805A-0C12780D8FA1}"/>
+                <a16:creationId xmlns="" xmlns:a16="http://schemas.microsoft.com/office/drawing/2014/main" id="{0F0992E8-2696-42E6-805A-0C12780D8FA1}"/>
               </a:ext>
             </a:extLst>
           </p:cNvPr>
@@ -20118,7 +20016,7 @@
           <p:cNvPr id="50" name="TextBox 49">
             <a:extLst>
               <a:ext uri="{FF2B5EF4-FFF2-40B4-BE49-F238E27FC236}">
-                <a16:creationId xmlns:a16="http://schemas.microsoft.com/office/drawing/2014/main" xmlns="" id="{606CB3EF-BD67-454E-8D48-D30774CEE106}"/>
+                <a16:creationId xmlns="" xmlns:a16="http://schemas.microsoft.com/office/drawing/2014/main" id="{606CB3EF-BD67-454E-8D48-D30774CEE106}"/>
               </a:ext>
             </a:extLst>
           </p:cNvPr>
@@ -20154,7 +20052,7 @@
           <p:cNvPr id="51" name="TextBox 50">
             <a:extLst>
               <a:ext uri="{FF2B5EF4-FFF2-40B4-BE49-F238E27FC236}">
-                <a16:creationId xmlns:a16="http://schemas.microsoft.com/office/drawing/2014/main" xmlns="" id="{6ECBB3D4-2156-4986-9434-EA8F60CE59E0}"/>
+                <a16:creationId xmlns="" xmlns:a16="http://schemas.microsoft.com/office/drawing/2014/main" id="{6ECBB3D4-2156-4986-9434-EA8F60CE59E0}"/>
               </a:ext>
             </a:extLst>
           </p:cNvPr>
@@ -20190,7 +20088,7 @@
           <p:cNvPr id="57" name="직선 연결선 56">
             <a:extLst>
               <a:ext uri="{FF2B5EF4-FFF2-40B4-BE49-F238E27FC236}">
-                <a16:creationId xmlns:a16="http://schemas.microsoft.com/office/drawing/2014/main" xmlns="" id="{A723CFAC-181E-4ABB-8790-FEC42B087A83}"/>
+                <a16:creationId xmlns="" xmlns:a16="http://schemas.microsoft.com/office/drawing/2014/main" id="{A723CFAC-181E-4ABB-8790-FEC42B087A83}"/>
               </a:ext>
             </a:extLst>
           </p:cNvPr>
@@ -20223,10 +20121,10 @@
       </p:cxnSp>
       <p:sp>
         <p:nvSpPr>
-          <p:cNvPr id="58" name="TextBox 57">
-            <a:extLst>
-              <a:ext uri="{FF2B5EF4-FFF2-40B4-BE49-F238E27FC236}">
-                <a16:creationId xmlns:a16="http://schemas.microsoft.com/office/drawing/2014/main" xmlns="" id="{010ADA31-1823-4E2F-B19C-9DF082DE9B5C}"/>
+          <p:cNvPr id="60" name="TextBox 59">
+            <a:extLst>
+              <a:ext uri="{FF2B5EF4-FFF2-40B4-BE49-F238E27FC236}">
+                <a16:creationId xmlns="" xmlns:a16="http://schemas.microsoft.com/office/drawing/2014/main" id="{78ADDD66-9CDE-4CA6-938D-D34562AC7F09}"/>
               </a:ext>
             </a:extLst>
           </p:cNvPr>
@@ -20235,7 +20133,7 @@
         </p:nvSpPr>
         <p:spPr>
           <a:xfrm>
-            <a:off x="4203946" y="1845190"/>
+            <a:off x="2329495" y="1845578"/>
             <a:ext cx="595618" cy="215444"/>
           </a:xfrm>
           <a:prstGeom prst="rect">
@@ -20250,8 +20148,8 @@
           <a:lstStyle/>
           <a:p>
             <a:r>
-              <a:rPr lang="en-US" altLang="ko-KR" sz="800" dirty="0"/>
-              <a:t>logo</a:t>
+              <a:rPr lang="ko-KR" altLang="en-US" sz="800" dirty="0" err="1"/>
+              <a:t>시터찾기</a:t>
             </a:r>
             <a:endParaRPr lang="ko-KR" altLang="en-US" sz="800" dirty="0"/>
           </a:p>
@@ -20259,10 +20157,10 @@
       </p:sp>
       <p:sp>
         <p:nvSpPr>
-          <p:cNvPr id="59" name="직사각형 58">
-            <a:extLst>
-              <a:ext uri="{FF2B5EF4-FFF2-40B4-BE49-F238E27FC236}">
-                <a16:creationId xmlns:a16="http://schemas.microsoft.com/office/drawing/2014/main" xmlns="" id="{28EAE90E-16BD-4338-B838-36E62A30452E}"/>
+          <p:cNvPr id="11" name="사각형: 위쪽 모서리의 한쪽은 둥글고 다른 한쪽은 잘림 10">
+            <a:extLst>
+              <a:ext uri="{FF2B5EF4-FFF2-40B4-BE49-F238E27FC236}">
+                <a16:creationId xmlns="" xmlns:a16="http://schemas.microsoft.com/office/drawing/2014/main" id="{D0755B07-9BF9-46BE-BECF-A785E2F601BE}"/>
               </a:ext>
             </a:extLst>
           </p:cNvPr>
@@ -20271,11 +20169,14 @@
         </p:nvSpPr>
         <p:spPr>
           <a:xfrm>
-            <a:off x="4044343" y="1845190"/>
-            <a:ext cx="224256" cy="209724"/>
-          </a:xfrm>
-          <a:prstGeom prst="rect">
-            <a:avLst/>
+            <a:off x="1877612" y="2132649"/>
+            <a:ext cx="563585" cy="271072"/>
+          </a:xfrm>
+          <a:prstGeom prst="snipRoundRect">
+            <a:avLst>
+              <a:gd name="adj1" fmla="val 16667"/>
+              <a:gd name="adj2" fmla="val 50000"/>
+            </a:avLst>
           </a:prstGeom>
           <a:solidFill>
             <a:schemeClr val="bg1"/>
@@ -20307,52 +20208,23 @@
           <a:lstStyle/>
           <a:p>
             <a:pPr algn="ctr"/>
-            <a:endParaRPr lang="ko-KR" altLang="en-US" dirty="0"/>
-          </a:p>
-        </p:txBody>
-      </p:sp>
-      <p:sp>
-        <p:nvSpPr>
-          <p:cNvPr id="60" name="TextBox 59">
-            <a:extLst>
-              <a:ext uri="{FF2B5EF4-FFF2-40B4-BE49-F238E27FC236}">
-                <a16:creationId xmlns:a16="http://schemas.microsoft.com/office/drawing/2014/main" xmlns="" id="{78ADDD66-9CDE-4CA6-938D-D34562AC7F09}"/>
-              </a:ext>
-            </a:extLst>
-          </p:cNvPr>
-          <p:cNvSpPr txBox="1"/>
-          <p:nvPr/>
-        </p:nvSpPr>
-        <p:spPr>
-          <a:xfrm>
-            <a:off x="2329495" y="1845578"/>
-            <a:ext cx="595618" cy="215444"/>
-          </a:xfrm>
-          <a:prstGeom prst="rect">
-            <a:avLst/>
-          </a:prstGeom>
-          <a:noFill/>
-        </p:spPr>
-        <p:txBody>
-          <a:bodyPr wrap="square" rtlCol="0">
-            <a:spAutoFit/>
-          </a:bodyPr>
-          <a:lstStyle/>
-          <a:p>
-            <a:r>
-              <a:rPr lang="ko-KR" altLang="en-US" sz="800" dirty="0" err="1"/>
-              <a:t>시터찾기</a:t>
-            </a:r>
-            <a:endParaRPr lang="ko-KR" altLang="en-US" sz="800" dirty="0"/>
-          </a:p>
-        </p:txBody>
-      </p:sp>
-      <p:sp>
-        <p:nvSpPr>
-          <p:cNvPr id="11" name="사각형: 위쪽 모서리의 한쪽은 둥글고 다른 한쪽은 잘림 10">
-            <a:extLst>
-              <a:ext uri="{FF2B5EF4-FFF2-40B4-BE49-F238E27FC236}">
-                <a16:creationId xmlns:a16="http://schemas.microsoft.com/office/drawing/2014/main" xmlns="" id="{D0755B07-9BF9-46BE-BECF-A785E2F601BE}"/>
+            <a:r>
+              <a:rPr lang="ko-KR" altLang="en-US" sz="800" dirty="0">
+                <a:solidFill>
+                  <a:schemeClr val="tx1"/>
+                </a:solidFill>
+              </a:rPr>
+              <a:t>보호자</a:t>
+            </a:r>
+          </a:p>
+        </p:txBody>
+      </p:sp>
+      <p:sp>
+        <p:nvSpPr>
+          <p:cNvPr id="61" name="사각형: 위쪽 모서리의 한쪽은 둥글고 다른 한쪽은 잘림 60">
+            <a:extLst>
+              <a:ext uri="{FF2B5EF4-FFF2-40B4-BE49-F238E27FC236}">
+                <a16:creationId xmlns="" xmlns:a16="http://schemas.microsoft.com/office/drawing/2014/main" id="{0F05A80D-574E-4503-9F36-D0729A774664}"/>
               </a:ext>
             </a:extLst>
           </p:cNvPr>
@@ -20361,7 +20233,7 @@
         </p:nvSpPr>
         <p:spPr>
           <a:xfrm>
-            <a:off x="1877612" y="2132649"/>
+            <a:off x="2478187" y="2132649"/>
             <a:ext cx="563585" cy="271072"/>
           </a:xfrm>
           <a:prstGeom prst="snipRoundRect">
@@ -20371,7 +20243,10 @@
             </a:avLst>
           </a:prstGeom>
           <a:solidFill>
-            <a:schemeClr val="bg1"/>
+            <a:schemeClr val="accent6">
+              <a:lumMod val="60000"/>
+              <a:lumOff val="40000"/>
+            </a:schemeClr>
           </a:solidFill>
           <a:ln>
             <a:solidFill>
@@ -20401,22 +20276,27 @@
           <a:p>
             <a:pPr algn="ctr"/>
             <a:r>
-              <a:rPr lang="ko-KR" altLang="en-US" sz="800" dirty="0">
+              <a:rPr lang="ko-KR" altLang="en-US" sz="800" dirty="0" err="1">
                 <a:solidFill>
                   <a:schemeClr val="tx1"/>
                 </a:solidFill>
               </a:rPr>
-              <a:t>보호자</a:t>
-            </a:r>
-          </a:p>
-        </p:txBody>
-      </p:sp>
-      <p:sp>
-        <p:nvSpPr>
-          <p:cNvPr id="61" name="사각형: 위쪽 모서리의 한쪽은 둥글고 다른 한쪽은 잘림 60">
-            <a:extLst>
-              <a:ext uri="{FF2B5EF4-FFF2-40B4-BE49-F238E27FC236}">
-                <a16:creationId xmlns:a16="http://schemas.microsoft.com/office/drawing/2014/main" xmlns="" id="{0F05A80D-574E-4503-9F36-D0729A774664}"/>
+              <a:t>시터</a:t>
+            </a:r>
+            <a:endParaRPr lang="ko-KR" altLang="en-US" sz="800" dirty="0">
+              <a:solidFill>
+                <a:schemeClr val="tx1"/>
+              </a:solidFill>
+            </a:endParaRPr>
+          </a:p>
+        </p:txBody>
+      </p:sp>
+      <p:sp>
+        <p:nvSpPr>
+          <p:cNvPr id="62" name="사각형: 위쪽 모서리의 한쪽은 둥글고 다른 한쪽은 잘림 61">
+            <a:extLst>
+              <a:ext uri="{FF2B5EF4-FFF2-40B4-BE49-F238E27FC236}">
+                <a16:creationId xmlns="" xmlns:a16="http://schemas.microsoft.com/office/drawing/2014/main" id="{73E013A2-B442-4546-A05C-EC2A2F2B7FC7}"/>
               </a:ext>
             </a:extLst>
           </p:cNvPr>
@@ -20425,7 +20305,7 @@
         </p:nvSpPr>
         <p:spPr>
           <a:xfrm>
-            <a:off x="2478187" y="2132649"/>
+            <a:off x="3078762" y="2132649"/>
             <a:ext cx="563585" cy="271072"/>
           </a:xfrm>
           <a:prstGeom prst="snipRoundRect">
@@ -20435,10 +20315,7 @@
             </a:avLst>
           </a:prstGeom>
           <a:solidFill>
-            <a:schemeClr val="accent6">
-              <a:lumMod val="60000"/>
-              <a:lumOff val="40000"/>
-            </a:schemeClr>
+            <a:schemeClr val="bg1"/>
           </a:solidFill>
           <a:ln>
             <a:solidFill>
@@ -20468,27 +20345,22 @@
           <a:p>
             <a:pPr algn="ctr"/>
             <a:r>
-              <a:rPr lang="ko-KR" altLang="en-US" sz="800" dirty="0" err="1">
+              <a:rPr lang="ko-KR" altLang="en-US" sz="800" dirty="0">
                 <a:solidFill>
                   <a:schemeClr val="tx1"/>
                 </a:solidFill>
               </a:rPr>
-              <a:t>시터</a:t>
-            </a:r>
-            <a:endParaRPr lang="ko-KR" altLang="en-US" sz="800" dirty="0">
-              <a:solidFill>
-                <a:schemeClr val="tx1"/>
-              </a:solidFill>
-            </a:endParaRPr>
-          </a:p>
-        </p:txBody>
-      </p:sp>
-      <p:sp>
-        <p:nvSpPr>
-          <p:cNvPr id="62" name="사각형: 위쪽 모서리의 한쪽은 둥글고 다른 한쪽은 잘림 61">
-            <a:extLst>
-              <a:ext uri="{FF2B5EF4-FFF2-40B4-BE49-F238E27FC236}">
-                <a16:creationId xmlns:a16="http://schemas.microsoft.com/office/drawing/2014/main" xmlns="" id="{73E013A2-B442-4546-A05C-EC2A2F2B7FC7}"/>
+              <a:t>이동</a:t>
+            </a:r>
+          </a:p>
+        </p:txBody>
+      </p:sp>
+      <p:sp>
+        <p:nvSpPr>
+          <p:cNvPr id="21" name="타원 20">
+            <a:extLst>
+              <a:ext uri="{FF2B5EF4-FFF2-40B4-BE49-F238E27FC236}">
+                <a16:creationId xmlns="" xmlns:a16="http://schemas.microsoft.com/office/drawing/2014/main" id="{F94143D2-2814-4AE9-895C-5ADC669BC023}"/>
               </a:ext>
             </a:extLst>
           </p:cNvPr>
@@ -20497,14 +20369,11 @@
         </p:nvSpPr>
         <p:spPr>
           <a:xfrm>
-            <a:off x="3078762" y="2132649"/>
-            <a:ext cx="563585" cy="271072"/>
-          </a:xfrm>
-          <a:prstGeom prst="snipRoundRect">
-            <a:avLst>
-              <a:gd name="adj1" fmla="val 16667"/>
-              <a:gd name="adj2" fmla="val 50000"/>
-            </a:avLst>
+            <a:off x="2432809" y="2595490"/>
+            <a:ext cx="989900" cy="964723"/>
+          </a:xfrm>
+          <a:prstGeom prst="ellipse">
+            <a:avLst/>
           </a:prstGeom>
           <a:solidFill>
             <a:schemeClr val="bg1"/>
@@ -20537,22 +20406,148 @@
           <a:p>
             <a:pPr algn="ctr"/>
             <a:r>
-              <a:rPr lang="ko-KR" altLang="en-US" sz="800" dirty="0">
+              <a:rPr lang="ko-KR" altLang="en-US" dirty="0">
                 <a:solidFill>
                   <a:schemeClr val="tx1"/>
                 </a:solidFill>
               </a:rPr>
-              <a:t>이동</a:t>
-            </a:r>
-          </a:p>
-        </p:txBody>
-      </p:sp>
-      <p:sp>
-        <p:nvSpPr>
-          <p:cNvPr id="21" name="타원 20">
-            <a:extLst>
-              <a:ext uri="{FF2B5EF4-FFF2-40B4-BE49-F238E27FC236}">
-                <a16:creationId xmlns:a16="http://schemas.microsoft.com/office/drawing/2014/main" xmlns="" id="{F94143D2-2814-4AE9-895C-5ADC669BC023}"/>
+              <a:t>사진</a:t>
+            </a:r>
+          </a:p>
+        </p:txBody>
+      </p:sp>
+      <p:sp>
+        <p:nvSpPr>
+          <p:cNvPr id="22" name="TextBox 21">
+            <a:extLst>
+              <a:ext uri="{FF2B5EF4-FFF2-40B4-BE49-F238E27FC236}">
+                <a16:creationId xmlns="" xmlns:a16="http://schemas.microsoft.com/office/drawing/2014/main" id="{EDF61EB9-4DB8-41F6-9460-E2187B7E1814}"/>
+              </a:ext>
+            </a:extLst>
+          </p:cNvPr>
+          <p:cNvSpPr txBox="1"/>
+          <p:nvPr/>
+        </p:nvSpPr>
+        <p:spPr>
+          <a:xfrm>
+            <a:off x="4431792" y="2553545"/>
+            <a:ext cx="1043268" cy="276999"/>
+          </a:xfrm>
+          <a:prstGeom prst="rect">
+            <a:avLst/>
+          </a:prstGeom>
+          <a:noFill/>
+        </p:spPr>
+        <p:txBody>
+          <a:bodyPr wrap="square" rtlCol="0">
+            <a:spAutoFit/>
+          </a:bodyPr>
+          <a:lstStyle/>
+          <a:p>
+            <a:r>
+              <a:rPr lang="ko-KR" altLang="en-US" sz="1200" dirty="0"/>
+              <a:t>홍길동</a:t>
+            </a:r>
+          </a:p>
+        </p:txBody>
+      </p:sp>
+      <p:sp>
+        <p:nvSpPr>
+          <p:cNvPr id="67" name="TextBox 66">
+            <a:extLst>
+              <a:ext uri="{FF2B5EF4-FFF2-40B4-BE49-F238E27FC236}">
+                <a16:creationId xmlns="" xmlns:a16="http://schemas.microsoft.com/office/drawing/2014/main" id="{0A854756-B53E-4E54-A5F5-DF6C648D5027}"/>
+              </a:ext>
+            </a:extLst>
+          </p:cNvPr>
+          <p:cNvSpPr txBox="1"/>
+          <p:nvPr/>
+        </p:nvSpPr>
+        <p:spPr>
+          <a:xfrm>
+            <a:off x="4456080" y="2803311"/>
+            <a:ext cx="1043268" cy="215444"/>
+          </a:xfrm>
+          <a:prstGeom prst="rect">
+            <a:avLst/>
+          </a:prstGeom>
+          <a:noFill/>
+        </p:spPr>
+        <p:txBody>
+          <a:bodyPr wrap="square" rtlCol="0">
+            <a:spAutoFit/>
+          </a:bodyPr>
+          <a:lstStyle/>
+          <a:p>
+            <a:r>
+              <a:rPr lang="ko-KR" altLang="en-US" sz="800" dirty="0"/>
+              <a:t>주소</a:t>
+            </a:r>
+          </a:p>
+        </p:txBody>
+      </p:sp>
+      <p:sp>
+        <p:nvSpPr>
+          <p:cNvPr id="70" name="TextBox 69">
+            <a:extLst>
+              <a:ext uri="{FF2B5EF4-FFF2-40B4-BE49-F238E27FC236}">
+                <a16:creationId xmlns="" xmlns:a16="http://schemas.microsoft.com/office/drawing/2014/main" id="{60C3980E-9E81-449C-80C6-5CFA814C4207}"/>
+              </a:ext>
+            </a:extLst>
+          </p:cNvPr>
+          <p:cNvSpPr txBox="1"/>
+          <p:nvPr/>
+        </p:nvSpPr>
+        <p:spPr>
+          <a:xfrm>
+            <a:off x="4456080" y="3002350"/>
+            <a:ext cx="2515172" cy="215444"/>
+          </a:xfrm>
+          <a:prstGeom prst="rect">
+            <a:avLst/>
+          </a:prstGeom>
+          <a:noFill/>
+        </p:spPr>
+        <p:txBody>
+          <a:bodyPr wrap="square" rtlCol="0">
+            <a:spAutoFit/>
+          </a:bodyPr>
+          <a:lstStyle/>
+          <a:p>
+            <a:r>
+              <a:rPr lang="ko-KR" altLang="en-US" sz="800" dirty="0"/>
+              <a:t>만족도 </a:t>
+            </a:r>
+            <a:r>
+              <a:rPr lang="en-US" altLang="ko-KR" sz="800" dirty="0"/>
+              <a:t>0%     </a:t>
+            </a:r>
+            <a:r>
+              <a:rPr lang="ko-KR" altLang="en-US" sz="800" dirty="0"/>
+              <a:t>메시지 응답률 </a:t>
+            </a:r>
+            <a:r>
+              <a:rPr lang="en-US" altLang="ko-KR" sz="800" dirty="0"/>
+              <a:t>0%      </a:t>
+            </a:r>
+            <a:r>
+              <a:rPr lang="ko-KR" altLang="en-US" sz="800" dirty="0"/>
+              <a:t>응답시간 </a:t>
+            </a:r>
+            <a:r>
+              <a:rPr lang="en-US" altLang="ko-KR" sz="800" dirty="0"/>
+              <a:t>0%</a:t>
+            </a:r>
+            <a:endParaRPr lang="ko-KR" altLang="en-US" sz="800" dirty="0"/>
+          </a:p>
+        </p:txBody>
+      </p:sp>
+      <p:sp>
+        <p:nvSpPr>
+          <p:cNvPr id="23" name="사각형: 둥근 모서리 22">
+            <a:extLst>
+              <a:ext uri="{FF2B5EF4-FFF2-40B4-BE49-F238E27FC236}">
+                <a16:creationId xmlns="" xmlns:a16="http://schemas.microsoft.com/office/drawing/2014/main" id="{93F26B48-9185-4BA5-A1F5-AC76BAA868F7}"/>
               </a:ext>
             </a:extLst>
           </p:cNvPr>
@@ -20561,10 +20556,10 @@
         </p:nvSpPr>
         <p:spPr>
           <a:xfrm>
-            <a:off x="2432809" y="2595490"/>
-            <a:ext cx="989900" cy="964723"/>
-          </a:xfrm>
-          <a:prstGeom prst="ellipse">
+            <a:off x="4555222" y="3217794"/>
+            <a:ext cx="840424" cy="282601"/>
+          </a:xfrm>
+          <a:prstGeom prst="roundRect">
             <a:avLst/>
           </a:prstGeom>
           <a:solidFill>
@@ -20598,148 +20593,22 @@
           <a:p>
             <a:pPr algn="ctr"/>
             <a:r>
-              <a:rPr lang="ko-KR" altLang="en-US" dirty="0">
+              <a:rPr lang="ko-KR" altLang="en-US" sz="1000" dirty="0">
                 <a:solidFill>
                   <a:schemeClr val="tx1"/>
                 </a:solidFill>
               </a:rPr>
-              <a:t>사진</a:t>
-            </a:r>
-          </a:p>
-        </p:txBody>
-      </p:sp>
-      <p:sp>
-        <p:nvSpPr>
-          <p:cNvPr id="22" name="TextBox 21">
-            <a:extLst>
-              <a:ext uri="{FF2B5EF4-FFF2-40B4-BE49-F238E27FC236}">
-                <a16:creationId xmlns:a16="http://schemas.microsoft.com/office/drawing/2014/main" xmlns="" id="{EDF61EB9-4DB8-41F6-9460-E2187B7E1814}"/>
-              </a:ext>
-            </a:extLst>
-          </p:cNvPr>
-          <p:cNvSpPr txBox="1"/>
-          <p:nvPr/>
-        </p:nvSpPr>
-        <p:spPr>
-          <a:xfrm>
-            <a:off x="4431792" y="2553545"/>
-            <a:ext cx="1043268" cy="276999"/>
-          </a:xfrm>
-          <a:prstGeom prst="rect">
-            <a:avLst/>
-          </a:prstGeom>
-          <a:noFill/>
-        </p:spPr>
-        <p:txBody>
-          <a:bodyPr wrap="square" rtlCol="0">
-            <a:spAutoFit/>
-          </a:bodyPr>
-          <a:lstStyle/>
-          <a:p>
-            <a:r>
-              <a:rPr lang="ko-KR" altLang="en-US" sz="1200" dirty="0"/>
-              <a:t>홍길동</a:t>
-            </a:r>
-          </a:p>
-        </p:txBody>
-      </p:sp>
-      <p:sp>
-        <p:nvSpPr>
-          <p:cNvPr id="67" name="TextBox 66">
-            <a:extLst>
-              <a:ext uri="{FF2B5EF4-FFF2-40B4-BE49-F238E27FC236}">
-                <a16:creationId xmlns:a16="http://schemas.microsoft.com/office/drawing/2014/main" xmlns="" id="{0A854756-B53E-4E54-A5F5-DF6C648D5027}"/>
-              </a:ext>
-            </a:extLst>
-          </p:cNvPr>
-          <p:cNvSpPr txBox="1"/>
-          <p:nvPr/>
-        </p:nvSpPr>
-        <p:spPr>
-          <a:xfrm>
-            <a:off x="4456080" y="2803311"/>
-            <a:ext cx="1043268" cy="215444"/>
-          </a:xfrm>
-          <a:prstGeom prst="rect">
-            <a:avLst/>
-          </a:prstGeom>
-          <a:noFill/>
-        </p:spPr>
-        <p:txBody>
-          <a:bodyPr wrap="square" rtlCol="0">
-            <a:spAutoFit/>
-          </a:bodyPr>
-          <a:lstStyle/>
-          <a:p>
-            <a:r>
-              <a:rPr lang="ko-KR" altLang="en-US" sz="800" dirty="0"/>
-              <a:t>주소</a:t>
-            </a:r>
-          </a:p>
-        </p:txBody>
-      </p:sp>
-      <p:sp>
-        <p:nvSpPr>
-          <p:cNvPr id="70" name="TextBox 69">
-            <a:extLst>
-              <a:ext uri="{FF2B5EF4-FFF2-40B4-BE49-F238E27FC236}">
-                <a16:creationId xmlns:a16="http://schemas.microsoft.com/office/drawing/2014/main" xmlns="" id="{60C3980E-9E81-449C-80C6-5CFA814C4207}"/>
-              </a:ext>
-            </a:extLst>
-          </p:cNvPr>
-          <p:cNvSpPr txBox="1"/>
-          <p:nvPr/>
-        </p:nvSpPr>
-        <p:spPr>
-          <a:xfrm>
-            <a:off x="4456080" y="3002350"/>
-            <a:ext cx="2515172" cy="215444"/>
-          </a:xfrm>
-          <a:prstGeom prst="rect">
-            <a:avLst/>
-          </a:prstGeom>
-          <a:noFill/>
-        </p:spPr>
-        <p:txBody>
-          <a:bodyPr wrap="square" rtlCol="0">
-            <a:spAutoFit/>
-          </a:bodyPr>
-          <a:lstStyle/>
-          <a:p>
-            <a:r>
-              <a:rPr lang="ko-KR" altLang="en-US" sz="800" dirty="0"/>
-              <a:t>만족도 </a:t>
-            </a:r>
-            <a:r>
-              <a:rPr lang="en-US" altLang="ko-KR" sz="800" dirty="0"/>
-              <a:t>0%     </a:t>
-            </a:r>
-            <a:r>
-              <a:rPr lang="ko-KR" altLang="en-US" sz="800" dirty="0"/>
-              <a:t>메시지 응답률 </a:t>
-            </a:r>
-            <a:r>
-              <a:rPr lang="en-US" altLang="ko-KR" sz="800" dirty="0"/>
-              <a:t>0%      </a:t>
-            </a:r>
-            <a:r>
-              <a:rPr lang="ko-KR" altLang="en-US" sz="800" dirty="0"/>
-              <a:t>응답시간 </a:t>
-            </a:r>
-            <a:r>
-              <a:rPr lang="en-US" altLang="ko-KR" sz="800" dirty="0"/>
-              <a:t>0%</a:t>
-            </a:r>
-            <a:endParaRPr lang="ko-KR" altLang="en-US" sz="800" dirty="0"/>
-          </a:p>
-        </p:txBody>
-      </p:sp>
-      <p:sp>
-        <p:nvSpPr>
-          <p:cNvPr id="23" name="사각형: 둥근 모서리 22">
-            <a:extLst>
-              <a:ext uri="{FF2B5EF4-FFF2-40B4-BE49-F238E27FC236}">
-                <a16:creationId xmlns:a16="http://schemas.microsoft.com/office/drawing/2014/main" xmlns="" id="{93F26B48-9185-4BA5-A1F5-AC76BAA868F7}"/>
+              <a:t>채팅</a:t>
+            </a:r>
+          </a:p>
+        </p:txBody>
+      </p:sp>
+      <p:sp>
+        <p:nvSpPr>
+          <p:cNvPr id="71" name="사각형: 둥근 모서리 70">
+            <a:extLst>
+              <a:ext uri="{FF2B5EF4-FFF2-40B4-BE49-F238E27FC236}">
+                <a16:creationId xmlns="" xmlns:a16="http://schemas.microsoft.com/office/drawing/2014/main" id="{26E7F048-57D6-49E1-A724-391EC9C7FA0B}"/>
               </a:ext>
             </a:extLst>
           </p:cNvPr>
@@ -20748,8 +20617,8 @@
         </p:nvSpPr>
         <p:spPr>
           <a:xfrm>
-            <a:off x="4555222" y="3217794"/>
-            <a:ext cx="840424" cy="282601"/>
+            <a:off x="5533175" y="3217794"/>
+            <a:ext cx="322341" cy="282601"/>
           </a:xfrm>
           <a:prstGeom prst="roundRect">
             <a:avLst/>
@@ -20784,23 +20653,16 @@
           <a:lstStyle/>
           <a:p>
             <a:pPr algn="ctr"/>
-            <a:r>
-              <a:rPr lang="ko-KR" altLang="en-US" sz="1000" dirty="0">
-                <a:solidFill>
-                  <a:schemeClr val="tx1"/>
-                </a:solidFill>
-              </a:rPr>
-              <a:t>채팅</a:t>
-            </a:r>
-          </a:p>
-        </p:txBody>
-      </p:sp>
-      <p:sp>
-        <p:nvSpPr>
-          <p:cNvPr id="71" name="사각형: 둥근 모서리 70">
-            <a:extLst>
-              <a:ext uri="{FF2B5EF4-FFF2-40B4-BE49-F238E27FC236}">
-                <a16:creationId xmlns:a16="http://schemas.microsoft.com/office/drawing/2014/main" xmlns="" id="{26E7F048-57D6-49E1-A724-391EC9C7FA0B}"/>
+            <a:endParaRPr lang="ko-KR" altLang="en-US" dirty="0"/>
+          </a:p>
+        </p:txBody>
+      </p:sp>
+      <p:sp>
+        <p:nvSpPr>
+          <p:cNvPr id="24" name="사각형: 둥근 모서리 23">
+            <a:extLst>
+              <a:ext uri="{FF2B5EF4-FFF2-40B4-BE49-F238E27FC236}">
+                <a16:creationId xmlns="" xmlns:a16="http://schemas.microsoft.com/office/drawing/2014/main" id="{672C587E-82F9-496E-AF2B-EDCDC16EBDAC}"/>
               </a:ext>
             </a:extLst>
           </p:cNvPr>
@@ -20809,8 +20671,8 @@
         </p:nvSpPr>
         <p:spPr>
           <a:xfrm>
-            <a:off x="5533175" y="3217794"/>
-            <a:ext cx="322341" cy="282601"/>
+            <a:off x="1944724" y="3800213"/>
+            <a:ext cx="2417953" cy="1216366"/>
           </a:xfrm>
           <a:prstGeom prst="roundRect">
             <a:avLst/>
@@ -20851,10 +20713,435 @@
       </p:sp>
       <p:sp>
         <p:nvSpPr>
-          <p:cNvPr id="24" name="사각형: 둥근 모서리 23">
-            <a:extLst>
-              <a:ext uri="{FF2B5EF4-FFF2-40B4-BE49-F238E27FC236}">
-                <a16:creationId xmlns:a16="http://schemas.microsoft.com/office/drawing/2014/main" xmlns="" id="{672C587E-82F9-496E-AF2B-EDCDC16EBDAC}"/>
+          <p:cNvPr id="72" name="TextBox 71">
+            <a:extLst>
+              <a:ext uri="{FF2B5EF4-FFF2-40B4-BE49-F238E27FC236}">
+                <a16:creationId xmlns="" xmlns:a16="http://schemas.microsoft.com/office/drawing/2014/main" id="{A7198B43-5B99-4D1E-8723-1C8002E27E72}"/>
+              </a:ext>
+            </a:extLst>
+          </p:cNvPr>
+          <p:cNvSpPr txBox="1"/>
+          <p:nvPr/>
+        </p:nvSpPr>
+        <p:spPr>
+          <a:xfrm>
+            <a:off x="2554449" y="3805189"/>
+            <a:ext cx="1043268" cy="276999"/>
+          </a:xfrm>
+          <a:prstGeom prst="rect">
+            <a:avLst/>
+          </a:prstGeom>
+          <a:noFill/>
+        </p:spPr>
+        <p:txBody>
+          <a:bodyPr wrap="square" rtlCol="0">
+            <a:spAutoFit/>
+          </a:bodyPr>
+          <a:lstStyle/>
+          <a:p>
+            <a:r>
+              <a:rPr lang="ko-KR" altLang="en-US" sz="1200" dirty="0"/>
+              <a:t>케어 목록</a:t>
+            </a:r>
+          </a:p>
+        </p:txBody>
+      </p:sp>
+      <p:sp>
+        <p:nvSpPr>
+          <p:cNvPr id="76" name="TextBox 75">
+            <a:extLst>
+              <a:ext uri="{FF2B5EF4-FFF2-40B4-BE49-F238E27FC236}">
+                <a16:creationId xmlns="" xmlns:a16="http://schemas.microsoft.com/office/drawing/2014/main" id="{8C8101D7-5A9B-465E-BB10-84007035DDE4}"/>
+              </a:ext>
+            </a:extLst>
+          </p:cNvPr>
+          <p:cNvSpPr txBox="1"/>
+          <p:nvPr/>
+        </p:nvSpPr>
+        <p:spPr>
+          <a:xfrm>
+            <a:off x="1996612" y="4495281"/>
+            <a:ext cx="1207981" cy="215444"/>
+          </a:xfrm>
+          <a:prstGeom prst="rect">
+            <a:avLst/>
+          </a:prstGeom>
+          <a:noFill/>
+        </p:spPr>
+        <p:txBody>
+          <a:bodyPr wrap="square" rtlCol="0">
+            <a:spAutoFit/>
+          </a:bodyPr>
+          <a:lstStyle/>
+          <a:p>
+            <a:r>
+              <a:rPr lang="ko-KR" altLang="en-US" sz="800" dirty="0"/>
+              <a:t>투데이 케어</a:t>
+            </a:r>
+            <a:r>
+              <a:rPr lang="en-US" altLang="ko-KR" sz="800" dirty="0"/>
+              <a:t>(</a:t>
+            </a:r>
+            <a:r>
+              <a:rPr lang="ko-KR" altLang="en-US" sz="800" dirty="0"/>
+              <a:t>보호자집</a:t>
+            </a:r>
+            <a:r>
+              <a:rPr lang="en-US" altLang="ko-KR" sz="800" dirty="0"/>
+              <a:t>)</a:t>
+            </a:r>
+            <a:endParaRPr lang="ko-KR" altLang="en-US" sz="800" dirty="0"/>
+          </a:p>
+        </p:txBody>
+      </p:sp>
+      <p:sp>
+        <p:nvSpPr>
+          <p:cNvPr id="77" name="TextBox 76">
+            <a:extLst>
+              <a:ext uri="{FF2B5EF4-FFF2-40B4-BE49-F238E27FC236}">
+                <a16:creationId xmlns="" xmlns:a16="http://schemas.microsoft.com/office/drawing/2014/main" id="{B7250FB1-6ABD-4FCC-B469-BEF3B9F0966C}"/>
+              </a:ext>
+            </a:extLst>
+          </p:cNvPr>
+          <p:cNvSpPr txBox="1"/>
+          <p:nvPr/>
+        </p:nvSpPr>
+        <p:spPr>
+          <a:xfrm>
+            <a:off x="2005002" y="4731501"/>
+            <a:ext cx="1132480" cy="215444"/>
+          </a:xfrm>
+          <a:prstGeom prst="rect">
+            <a:avLst/>
+          </a:prstGeom>
+          <a:noFill/>
+        </p:spPr>
+        <p:txBody>
+          <a:bodyPr wrap="square" rtlCol="0">
+            <a:spAutoFit/>
+          </a:bodyPr>
+          <a:lstStyle/>
+          <a:p>
+            <a:r>
+              <a:rPr lang="ko-KR" altLang="en-US" sz="800" dirty="0" err="1"/>
+              <a:t>원데이</a:t>
+            </a:r>
+            <a:r>
+              <a:rPr lang="ko-KR" altLang="en-US" sz="800" dirty="0"/>
+              <a:t> 케어</a:t>
+            </a:r>
+          </a:p>
+        </p:txBody>
+      </p:sp>
+      <p:sp>
+        <p:nvSpPr>
+          <p:cNvPr id="78" name="TextBox 77">
+            <a:extLst>
+              <a:ext uri="{FF2B5EF4-FFF2-40B4-BE49-F238E27FC236}">
+                <a16:creationId xmlns="" xmlns:a16="http://schemas.microsoft.com/office/drawing/2014/main" id="{CBC9D4CC-312A-4E6E-A7E1-A2FD7DF76530}"/>
+              </a:ext>
+            </a:extLst>
+          </p:cNvPr>
+          <p:cNvSpPr txBox="1"/>
+          <p:nvPr/>
+        </p:nvSpPr>
+        <p:spPr>
+          <a:xfrm>
+            <a:off x="1996613" y="4267035"/>
+            <a:ext cx="1132480" cy="215444"/>
+          </a:xfrm>
+          <a:prstGeom prst="rect">
+            <a:avLst/>
+          </a:prstGeom>
+          <a:noFill/>
+        </p:spPr>
+        <p:txBody>
+          <a:bodyPr wrap="square" rtlCol="0">
+            <a:spAutoFit/>
+          </a:bodyPr>
+          <a:lstStyle/>
+          <a:p>
+            <a:r>
+              <a:rPr lang="ko-KR" altLang="en-US" sz="800" dirty="0"/>
+              <a:t>투데이 케어</a:t>
+            </a:r>
+            <a:r>
+              <a:rPr lang="en-US" altLang="ko-KR" sz="800" dirty="0"/>
+              <a:t>(</a:t>
+            </a:r>
+            <a:r>
+              <a:rPr lang="ko-KR" altLang="en-US" sz="800" dirty="0" err="1"/>
+              <a:t>시터집</a:t>
+            </a:r>
+            <a:r>
+              <a:rPr lang="en-US" altLang="ko-KR" sz="800" dirty="0"/>
+              <a:t>)</a:t>
+            </a:r>
+            <a:endParaRPr lang="ko-KR" altLang="en-US" sz="800" dirty="0"/>
+          </a:p>
+        </p:txBody>
+      </p:sp>
+      <p:sp>
+        <p:nvSpPr>
+          <p:cNvPr id="79" name="TextBox 78">
+            <a:extLst>
+              <a:ext uri="{FF2B5EF4-FFF2-40B4-BE49-F238E27FC236}">
+                <a16:creationId xmlns="" xmlns:a16="http://schemas.microsoft.com/office/drawing/2014/main" id="{5123F9CD-581A-474E-B911-CF70906CDF0F}"/>
+              </a:ext>
+            </a:extLst>
+          </p:cNvPr>
+          <p:cNvSpPr txBox="1"/>
+          <p:nvPr/>
+        </p:nvSpPr>
+        <p:spPr>
+          <a:xfrm>
+            <a:off x="1996613" y="4050639"/>
+            <a:ext cx="1132480" cy="215444"/>
+          </a:xfrm>
+          <a:prstGeom prst="rect">
+            <a:avLst/>
+          </a:prstGeom>
+          <a:noFill/>
+        </p:spPr>
+        <p:txBody>
+          <a:bodyPr wrap="square" rtlCol="0">
+            <a:spAutoFit/>
+          </a:bodyPr>
+          <a:lstStyle/>
+          <a:p>
+            <a:r>
+              <a:rPr lang="ko-KR" altLang="en-US" sz="800" dirty="0"/>
+              <a:t>산책</a:t>
+            </a:r>
+          </a:p>
+        </p:txBody>
+      </p:sp>
+      <p:sp>
+        <p:nvSpPr>
+          <p:cNvPr id="80" name="TextBox 79">
+            <a:extLst>
+              <a:ext uri="{FF2B5EF4-FFF2-40B4-BE49-F238E27FC236}">
+                <a16:creationId xmlns="" xmlns:a16="http://schemas.microsoft.com/office/drawing/2014/main" id="{6AFA56D2-F6B1-4CC7-9FB1-ABBEF9432893}"/>
+              </a:ext>
+            </a:extLst>
+          </p:cNvPr>
+          <p:cNvSpPr txBox="1"/>
+          <p:nvPr/>
+        </p:nvSpPr>
+        <p:spPr>
+          <a:xfrm>
+            <a:off x="3142162" y="4062574"/>
+            <a:ext cx="1132480" cy="215444"/>
+          </a:xfrm>
+          <a:prstGeom prst="rect">
+            <a:avLst/>
+          </a:prstGeom>
+          <a:noFill/>
+        </p:spPr>
+        <p:txBody>
+          <a:bodyPr wrap="square" rtlCol="0">
+            <a:spAutoFit/>
+          </a:bodyPr>
+          <a:lstStyle/>
+          <a:p>
+            <a:r>
+              <a:rPr lang="en-US" altLang="ko-KR" sz="800" dirty="0"/>
+              <a:t>Per-H 1</a:t>
+            </a:r>
+            <a:r>
+              <a:rPr lang="ko-KR" altLang="en-US" sz="800" dirty="0"/>
+              <a:t>만 </a:t>
+            </a:r>
+            <a:r>
+              <a:rPr lang="en-US" altLang="ko-KR" sz="800" dirty="0"/>
+              <a:t>2</a:t>
+            </a:r>
+            <a:r>
+              <a:rPr lang="ko-KR" altLang="en-US" sz="800" dirty="0"/>
+              <a:t>천</a:t>
+            </a:r>
+            <a:r>
+              <a:rPr lang="en-US" altLang="ko-KR" sz="800" dirty="0"/>
+              <a:t> </a:t>
+            </a:r>
+            <a:endParaRPr lang="ko-KR" altLang="en-US" sz="800" dirty="0"/>
+          </a:p>
+        </p:txBody>
+      </p:sp>
+      <p:cxnSp>
+        <p:nvCxnSpPr>
+          <p:cNvPr id="30" name="직선 연결선 29">
+            <a:extLst>
+              <a:ext uri="{FF2B5EF4-FFF2-40B4-BE49-F238E27FC236}">
+                <a16:creationId xmlns="" xmlns:a16="http://schemas.microsoft.com/office/drawing/2014/main" id="{00F12203-3388-4C14-A82A-EA4265DE5009}"/>
+              </a:ext>
+            </a:extLst>
+          </p:cNvPr>
+          <p:cNvCxnSpPr/>
+          <p:nvPr/>
+        </p:nvCxnSpPr>
+        <p:spPr>
+          <a:xfrm>
+            <a:off x="3153100" y="4082188"/>
+            <a:ext cx="0" cy="864757"/>
+          </a:xfrm>
+          <a:prstGeom prst="line">
+            <a:avLst/>
+          </a:prstGeom>
+        </p:spPr>
+        <p:style>
+          <a:lnRef idx="1">
+            <a:schemeClr val="dk1"/>
+          </a:lnRef>
+          <a:fillRef idx="0">
+            <a:schemeClr val="dk1"/>
+          </a:fillRef>
+          <a:effectRef idx="0">
+            <a:schemeClr val="dk1"/>
+          </a:effectRef>
+          <a:fontRef idx="minor">
+            <a:schemeClr val="tx1"/>
+          </a:fontRef>
+        </p:style>
+      </p:cxnSp>
+      <p:sp>
+        <p:nvSpPr>
+          <p:cNvPr id="81" name="TextBox 80">
+            <a:extLst>
+              <a:ext uri="{FF2B5EF4-FFF2-40B4-BE49-F238E27FC236}">
+                <a16:creationId xmlns="" xmlns:a16="http://schemas.microsoft.com/office/drawing/2014/main" id="{4F8A7CEA-A202-4D0D-A37B-81AF2B21B412}"/>
+              </a:ext>
+            </a:extLst>
+          </p:cNvPr>
+          <p:cNvSpPr txBox="1"/>
+          <p:nvPr/>
+        </p:nvSpPr>
+        <p:spPr>
+          <a:xfrm>
+            <a:off x="3134830" y="4265147"/>
+            <a:ext cx="1132480" cy="215444"/>
+          </a:xfrm>
+          <a:prstGeom prst="rect">
+            <a:avLst/>
+          </a:prstGeom>
+          <a:noFill/>
+        </p:spPr>
+        <p:txBody>
+          <a:bodyPr wrap="square" rtlCol="0">
+            <a:spAutoFit/>
+          </a:bodyPr>
+          <a:lstStyle/>
+          <a:p>
+            <a:r>
+              <a:rPr lang="en-US" altLang="ko-KR" sz="800" dirty="0"/>
+              <a:t>Per-D 4</a:t>
+            </a:r>
+            <a:r>
+              <a:rPr lang="ko-KR" altLang="en-US" sz="800" dirty="0"/>
+              <a:t>만</a:t>
+            </a:r>
+            <a:r>
+              <a:rPr lang="en-US" altLang="ko-KR" sz="800" dirty="0"/>
+              <a:t> </a:t>
+            </a:r>
+            <a:endParaRPr lang="ko-KR" altLang="en-US" sz="800" dirty="0"/>
+          </a:p>
+        </p:txBody>
+      </p:sp>
+      <p:sp>
+        <p:nvSpPr>
+          <p:cNvPr id="82" name="TextBox 81">
+            <a:extLst>
+              <a:ext uri="{FF2B5EF4-FFF2-40B4-BE49-F238E27FC236}">
+                <a16:creationId xmlns="" xmlns:a16="http://schemas.microsoft.com/office/drawing/2014/main" id="{BC6FB1E0-EED7-421D-96BB-D55BD54B380F}"/>
+              </a:ext>
+            </a:extLst>
+          </p:cNvPr>
+          <p:cNvSpPr txBox="1"/>
+          <p:nvPr/>
+        </p:nvSpPr>
+        <p:spPr>
+          <a:xfrm>
+            <a:off x="3137482" y="4493477"/>
+            <a:ext cx="1132480" cy="215444"/>
+          </a:xfrm>
+          <a:prstGeom prst="rect">
+            <a:avLst/>
+          </a:prstGeom>
+          <a:noFill/>
+        </p:spPr>
+        <p:txBody>
+          <a:bodyPr wrap="square" rtlCol="0">
+            <a:spAutoFit/>
+          </a:bodyPr>
+          <a:lstStyle/>
+          <a:p>
+            <a:r>
+              <a:rPr lang="en-US" altLang="ko-KR" sz="800" dirty="0"/>
+              <a:t>Per-D 3</a:t>
+            </a:r>
+            <a:r>
+              <a:rPr lang="ko-KR" altLang="en-US" sz="800" dirty="0"/>
+              <a:t>만</a:t>
+            </a:r>
+            <a:r>
+              <a:rPr lang="en-US" altLang="ko-KR" sz="800" dirty="0"/>
+              <a:t> </a:t>
+            </a:r>
+            <a:endParaRPr lang="ko-KR" altLang="en-US" sz="800" dirty="0"/>
+          </a:p>
+        </p:txBody>
+      </p:sp>
+      <p:sp>
+        <p:nvSpPr>
+          <p:cNvPr id="83" name="TextBox 82">
+            <a:extLst>
+              <a:ext uri="{FF2B5EF4-FFF2-40B4-BE49-F238E27FC236}">
+                <a16:creationId xmlns="" xmlns:a16="http://schemas.microsoft.com/office/drawing/2014/main" id="{2B107AD7-3127-4602-A860-0DDEA486826E}"/>
+              </a:ext>
+            </a:extLst>
+          </p:cNvPr>
+          <p:cNvSpPr txBox="1"/>
+          <p:nvPr/>
+        </p:nvSpPr>
+        <p:spPr>
+          <a:xfrm>
+            <a:off x="3143715" y="4711416"/>
+            <a:ext cx="1132480" cy="215444"/>
+          </a:xfrm>
+          <a:prstGeom prst="rect">
+            <a:avLst/>
+          </a:prstGeom>
+          <a:noFill/>
+        </p:spPr>
+        <p:txBody>
+          <a:bodyPr wrap="square" rtlCol="0">
+            <a:spAutoFit/>
+          </a:bodyPr>
+          <a:lstStyle/>
+          <a:p>
+            <a:r>
+              <a:rPr lang="en-US" altLang="ko-KR" sz="800" dirty="0"/>
+              <a:t>Per-N 8</a:t>
+            </a:r>
+            <a:r>
+              <a:rPr lang="ko-KR" altLang="en-US" sz="800" dirty="0"/>
+              <a:t>만</a:t>
+            </a:r>
+            <a:r>
+              <a:rPr lang="en-US" altLang="ko-KR" sz="800" dirty="0"/>
+              <a:t> </a:t>
+            </a:r>
+            <a:endParaRPr lang="ko-KR" altLang="en-US" sz="800" dirty="0"/>
+          </a:p>
+        </p:txBody>
+      </p:sp>
+      <p:sp>
+        <p:nvSpPr>
+          <p:cNvPr id="87" name="사각형: 둥근 모서리 86">
+            <a:extLst>
+              <a:ext uri="{FF2B5EF4-FFF2-40B4-BE49-F238E27FC236}">
+                <a16:creationId xmlns="" xmlns:a16="http://schemas.microsoft.com/office/drawing/2014/main" id="{5D330D4A-25B5-426A-8FC2-236D0F11668A}"/>
               </a:ext>
             </a:extLst>
           </p:cNvPr>
@@ -20863,7 +21150,7 @@
         </p:nvSpPr>
         <p:spPr>
           <a:xfrm>
-            <a:off x="1944724" y="3800213"/>
+            <a:off x="4553299" y="3802288"/>
             <a:ext cx="2417953" cy="1216366"/>
           </a:xfrm>
           <a:prstGeom prst="roundRect">
@@ -20899,441 +21186,23 @@
           <a:lstStyle/>
           <a:p>
             <a:pPr algn="ctr"/>
-            <a:endParaRPr lang="ko-KR" altLang="en-US" dirty="0"/>
-          </a:p>
-        </p:txBody>
-      </p:sp>
-      <p:sp>
-        <p:nvSpPr>
-          <p:cNvPr id="72" name="TextBox 71">
-            <a:extLst>
-              <a:ext uri="{FF2B5EF4-FFF2-40B4-BE49-F238E27FC236}">
-                <a16:creationId xmlns:a16="http://schemas.microsoft.com/office/drawing/2014/main" xmlns="" id="{A7198B43-5B99-4D1E-8723-1C8002E27E72}"/>
-              </a:ext>
-            </a:extLst>
-          </p:cNvPr>
-          <p:cNvSpPr txBox="1"/>
-          <p:nvPr/>
-        </p:nvSpPr>
-        <p:spPr>
-          <a:xfrm>
-            <a:off x="2554449" y="3805189"/>
-            <a:ext cx="1043268" cy="276999"/>
-          </a:xfrm>
-          <a:prstGeom prst="rect">
-            <a:avLst/>
-          </a:prstGeom>
-          <a:noFill/>
-        </p:spPr>
-        <p:txBody>
-          <a:bodyPr wrap="square" rtlCol="0">
-            <a:spAutoFit/>
-          </a:bodyPr>
-          <a:lstStyle/>
-          <a:p>
-            <a:r>
-              <a:rPr lang="ko-KR" altLang="en-US" sz="1200" dirty="0"/>
-              <a:t>케어 목록</a:t>
-            </a:r>
-          </a:p>
-        </p:txBody>
-      </p:sp>
-      <p:sp>
-        <p:nvSpPr>
-          <p:cNvPr id="76" name="TextBox 75">
-            <a:extLst>
-              <a:ext uri="{FF2B5EF4-FFF2-40B4-BE49-F238E27FC236}">
-                <a16:creationId xmlns:a16="http://schemas.microsoft.com/office/drawing/2014/main" xmlns="" id="{8C8101D7-5A9B-465E-BB10-84007035DDE4}"/>
-              </a:ext>
-            </a:extLst>
-          </p:cNvPr>
-          <p:cNvSpPr txBox="1"/>
-          <p:nvPr/>
-        </p:nvSpPr>
-        <p:spPr>
-          <a:xfrm>
-            <a:off x="1996612" y="4495281"/>
-            <a:ext cx="1207981" cy="215444"/>
-          </a:xfrm>
-          <a:prstGeom prst="rect">
-            <a:avLst/>
-          </a:prstGeom>
-          <a:noFill/>
-        </p:spPr>
-        <p:txBody>
-          <a:bodyPr wrap="square" rtlCol="0">
-            <a:spAutoFit/>
-          </a:bodyPr>
-          <a:lstStyle/>
-          <a:p>
-            <a:r>
-              <a:rPr lang="ko-KR" altLang="en-US" sz="800" dirty="0"/>
-              <a:t>투데이 케어</a:t>
-            </a:r>
-            <a:r>
-              <a:rPr lang="en-US" altLang="ko-KR" sz="800" dirty="0"/>
-              <a:t>(</a:t>
-            </a:r>
-            <a:r>
-              <a:rPr lang="ko-KR" altLang="en-US" sz="800" dirty="0"/>
-              <a:t>보호자집</a:t>
-            </a:r>
-            <a:r>
-              <a:rPr lang="en-US" altLang="ko-KR" sz="800" dirty="0"/>
-              <a:t>)</a:t>
-            </a:r>
-            <a:endParaRPr lang="ko-KR" altLang="en-US" sz="800" dirty="0"/>
-          </a:p>
-        </p:txBody>
-      </p:sp>
-      <p:sp>
-        <p:nvSpPr>
-          <p:cNvPr id="77" name="TextBox 76">
-            <a:extLst>
-              <a:ext uri="{FF2B5EF4-FFF2-40B4-BE49-F238E27FC236}">
-                <a16:creationId xmlns:a16="http://schemas.microsoft.com/office/drawing/2014/main" xmlns="" id="{B7250FB1-6ABD-4FCC-B469-BEF3B9F0966C}"/>
-              </a:ext>
-            </a:extLst>
-          </p:cNvPr>
-          <p:cNvSpPr txBox="1"/>
-          <p:nvPr/>
-        </p:nvSpPr>
-        <p:spPr>
-          <a:xfrm>
-            <a:off x="2005002" y="4731501"/>
-            <a:ext cx="1132480" cy="215444"/>
-          </a:xfrm>
-          <a:prstGeom prst="rect">
-            <a:avLst/>
-          </a:prstGeom>
-          <a:noFill/>
-        </p:spPr>
-        <p:txBody>
-          <a:bodyPr wrap="square" rtlCol="0">
-            <a:spAutoFit/>
-          </a:bodyPr>
-          <a:lstStyle/>
-          <a:p>
-            <a:r>
-              <a:rPr lang="ko-KR" altLang="en-US" sz="800" dirty="0" err="1"/>
-              <a:t>원데이</a:t>
-            </a:r>
-            <a:r>
-              <a:rPr lang="ko-KR" altLang="en-US" sz="800" dirty="0"/>
-              <a:t> 케어</a:t>
-            </a:r>
-          </a:p>
-        </p:txBody>
-      </p:sp>
-      <p:sp>
-        <p:nvSpPr>
-          <p:cNvPr id="78" name="TextBox 77">
-            <a:extLst>
-              <a:ext uri="{FF2B5EF4-FFF2-40B4-BE49-F238E27FC236}">
-                <a16:creationId xmlns:a16="http://schemas.microsoft.com/office/drawing/2014/main" xmlns="" id="{CBC9D4CC-312A-4E6E-A7E1-A2FD7DF76530}"/>
-              </a:ext>
-            </a:extLst>
-          </p:cNvPr>
-          <p:cNvSpPr txBox="1"/>
-          <p:nvPr/>
-        </p:nvSpPr>
-        <p:spPr>
-          <a:xfrm>
-            <a:off x="1996613" y="4267035"/>
-            <a:ext cx="1132480" cy="215444"/>
-          </a:xfrm>
-          <a:prstGeom prst="rect">
-            <a:avLst/>
-          </a:prstGeom>
-          <a:noFill/>
-        </p:spPr>
-        <p:txBody>
-          <a:bodyPr wrap="square" rtlCol="0">
-            <a:spAutoFit/>
-          </a:bodyPr>
-          <a:lstStyle/>
-          <a:p>
-            <a:r>
-              <a:rPr lang="ko-KR" altLang="en-US" sz="800" dirty="0"/>
-              <a:t>투데이 케어</a:t>
-            </a:r>
-            <a:r>
-              <a:rPr lang="en-US" altLang="ko-KR" sz="800" dirty="0"/>
-              <a:t>(</a:t>
-            </a:r>
-            <a:r>
-              <a:rPr lang="ko-KR" altLang="en-US" sz="800" dirty="0" err="1"/>
-              <a:t>시터집</a:t>
-            </a:r>
-            <a:r>
-              <a:rPr lang="en-US" altLang="ko-KR" sz="800" dirty="0"/>
-              <a:t>)</a:t>
-            </a:r>
-            <a:endParaRPr lang="ko-KR" altLang="en-US" sz="800" dirty="0"/>
-          </a:p>
-        </p:txBody>
-      </p:sp>
-      <p:sp>
-        <p:nvSpPr>
-          <p:cNvPr id="79" name="TextBox 78">
-            <a:extLst>
-              <a:ext uri="{FF2B5EF4-FFF2-40B4-BE49-F238E27FC236}">
-                <a16:creationId xmlns:a16="http://schemas.microsoft.com/office/drawing/2014/main" xmlns="" id="{5123F9CD-581A-474E-B911-CF70906CDF0F}"/>
-              </a:ext>
-            </a:extLst>
-          </p:cNvPr>
-          <p:cNvSpPr txBox="1"/>
-          <p:nvPr/>
-        </p:nvSpPr>
-        <p:spPr>
-          <a:xfrm>
-            <a:off x="1996613" y="4050639"/>
-            <a:ext cx="1132480" cy="215444"/>
-          </a:xfrm>
-          <a:prstGeom prst="rect">
-            <a:avLst/>
-          </a:prstGeom>
-          <a:noFill/>
-        </p:spPr>
-        <p:txBody>
-          <a:bodyPr wrap="square" rtlCol="0">
-            <a:spAutoFit/>
-          </a:bodyPr>
-          <a:lstStyle/>
-          <a:p>
-            <a:r>
-              <a:rPr lang="ko-KR" altLang="en-US" sz="800" dirty="0"/>
-              <a:t>산책</a:t>
-            </a:r>
-          </a:p>
-        </p:txBody>
-      </p:sp>
-      <p:sp>
-        <p:nvSpPr>
-          <p:cNvPr id="80" name="TextBox 79">
-            <a:extLst>
-              <a:ext uri="{FF2B5EF4-FFF2-40B4-BE49-F238E27FC236}">
-                <a16:creationId xmlns:a16="http://schemas.microsoft.com/office/drawing/2014/main" xmlns="" id="{6AFA56D2-F6B1-4CC7-9FB1-ABBEF9432893}"/>
-              </a:ext>
-            </a:extLst>
-          </p:cNvPr>
-          <p:cNvSpPr txBox="1"/>
-          <p:nvPr/>
-        </p:nvSpPr>
-        <p:spPr>
-          <a:xfrm>
-            <a:off x="3142162" y="4062574"/>
-            <a:ext cx="1132480" cy="215444"/>
-          </a:xfrm>
-          <a:prstGeom prst="rect">
-            <a:avLst/>
-          </a:prstGeom>
-          <a:noFill/>
-        </p:spPr>
-        <p:txBody>
-          <a:bodyPr wrap="square" rtlCol="0">
-            <a:spAutoFit/>
-          </a:bodyPr>
-          <a:lstStyle/>
-          <a:p>
-            <a:r>
-              <a:rPr lang="en-US" altLang="ko-KR" sz="800" dirty="0"/>
-              <a:t>Per-H 1</a:t>
-            </a:r>
-            <a:r>
-              <a:rPr lang="ko-KR" altLang="en-US" sz="800" dirty="0"/>
-              <a:t>만 </a:t>
-            </a:r>
-            <a:r>
-              <a:rPr lang="en-US" altLang="ko-KR" sz="800" dirty="0"/>
-              <a:t>2</a:t>
-            </a:r>
-            <a:r>
-              <a:rPr lang="ko-KR" altLang="en-US" sz="800" dirty="0"/>
-              <a:t>천</a:t>
-            </a:r>
-            <a:r>
-              <a:rPr lang="en-US" altLang="ko-KR" sz="800" dirty="0"/>
-              <a:t> </a:t>
-            </a:r>
-            <a:endParaRPr lang="ko-KR" altLang="en-US" sz="800" dirty="0"/>
-          </a:p>
-        </p:txBody>
-      </p:sp>
-      <p:cxnSp>
-        <p:nvCxnSpPr>
-          <p:cNvPr id="30" name="직선 연결선 29">
-            <a:extLst>
-              <a:ext uri="{FF2B5EF4-FFF2-40B4-BE49-F238E27FC236}">
-                <a16:creationId xmlns:a16="http://schemas.microsoft.com/office/drawing/2014/main" xmlns="" id="{00F12203-3388-4C14-A82A-EA4265DE5009}"/>
-              </a:ext>
-            </a:extLst>
-          </p:cNvPr>
-          <p:cNvCxnSpPr/>
-          <p:nvPr/>
-        </p:nvCxnSpPr>
-        <p:spPr>
-          <a:xfrm>
-            <a:off x="3153100" y="4082188"/>
-            <a:ext cx="0" cy="864757"/>
-          </a:xfrm>
-          <a:prstGeom prst="line">
-            <a:avLst/>
-          </a:prstGeom>
-        </p:spPr>
-        <p:style>
-          <a:lnRef idx="1">
-            <a:schemeClr val="dk1"/>
-          </a:lnRef>
-          <a:fillRef idx="0">
-            <a:schemeClr val="dk1"/>
-          </a:fillRef>
-          <a:effectRef idx="0">
-            <a:schemeClr val="dk1"/>
-          </a:effectRef>
-          <a:fontRef idx="minor">
-            <a:schemeClr val="tx1"/>
-          </a:fontRef>
-        </p:style>
-      </p:cxnSp>
-      <p:sp>
-        <p:nvSpPr>
-          <p:cNvPr id="81" name="TextBox 80">
-            <a:extLst>
-              <a:ext uri="{FF2B5EF4-FFF2-40B4-BE49-F238E27FC236}">
-                <a16:creationId xmlns:a16="http://schemas.microsoft.com/office/drawing/2014/main" xmlns="" id="{4F8A7CEA-A202-4D0D-A37B-81AF2B21B412}"/>
-              </a:ext>
-            </a:extLst>
-          </p:cNvPr>
-          <p:cNvSpPr txBox="1"/>
-          <p:nvPr/>
-        </p:nvSpPr>
-        <p:spPr>
-          <a:xfrm>
-            <a:off x="3134830" y="4265147"/>
-            <a:ext cx="1132480" cy="215444"/>
-          </a:xfrm>
-          <a:prstGeom prst="rect">
-            <a:avLst/>
-          </a:prstGeom>
-          <a:noFill/>
-        </p:spPr>
-        <p:txBody>
-          <a:bodyPr wrap="square" rtlCol="0">
-            <a:spAutoFit/>
-          </a:bodyPr>
-          <a:lstStyle/>
-          <a:p>
-            <a:r>
-              <a:rPr lang="en-US" altLang="ko-KR" sz="800" dirty="0"/>
-              <a:t>Per-D 4</a:t>
-            </a:r>
-            <a:r>
-              <a:rPr lang="ko-KR" altLang="en-US" sz="800" dirty="0"/>
-              <a:t>만</a:t>
-            </a:r>
-            <a:r>
-              <a:rPr lang="en-US" altLang="ko-KR" sz="800" dirty="0"/>
-              <a:t> </a:t>
-            </a:r>
-            <a:endParaRPr lang="ko-KR" altLang="en-US" sz="800" dirty="0"/>
-          </a:p>
-        </p:txBody>
-      </p:sp>
-      <p:sp>
-        <p:nvSpPr>
-          <p:cNvPr id="82" name="TextBox 81">
-            <a:extLst>
-              <a:ext uri="{FF2B5EF4-FFF2-40B4-BE49-F238E27FC236}">
-                <a16:creationId xmlns:a16="http://schemas.microsoft.com/office/drawing/2014/main" xmlns="" id="{BC6FB1E0-EED7-421D-96BB-D55BD54B380F}"/>
-              </a:ext>
-            </a:extLst>
-          </p:cNvPr>
-          <p:cNvSpPr txBox="1"/>
-          <p:nvPr/>
-        </p:nvSpPr>
-        <p:spPr>
-          <a:xfrm>
-            <a:off x="3137482" y="4493477"/>
-            <a:ext cx="1132480" cy="215444"/>
-          </a:xfrm>
-          <a:prstGeom prst="rect">
-            <a:avLst/>
-          </a:prstGeom>
-          <a:noFill/>
-        </p:spPr>
-        <p:txBody>
-          <a:bodyPr wrap="square" rtlCol="0">
-            <a:spAutoFit/>
-          </a:bodyPr>
-          <a:lstStyle/>
-          <a:p>
-            <a:r>
-              <a:rPr lang="en-US" altLang="ko-KR" sz="800" dirty="0"/>
-              <a:t>Per-D 3</a:t>
-            </a:r>
-            <a:r>
-              <a:rPr lang="ko-KR" altLang="en-US" sz="800" dirty="0"/>
-              <a:t>만</a:t>
-            </a:r>
-            <a:r>
-              <a:rPr lang="en-US" altLang="ko-KR" sz="800" dirty="0"/>
-              <a:t> </a:t>
-            </a:r>
-            <a:endParaRPr lang="ko-KR" altLang="en-US" sz="800" dirty="0"/>
-          </a:p>
-        </p:txBody>
-      </p:sp>
-      <p:sp>
-        <p:nvSpPr>
-          <p:cNvPr id="83" name="TextBox 82">
-            <a:extLst>
-              <a:ext uri="{FF2B5EF4-FFF2-40B4-BE49-F238E27FC236}">
-                <a16:creationId xmlns:a16="http://schemas.microsoft.com/office/drawing/2014/main" xmlns="" id="{2B107AD7-3127-4602-A860-0DDEA486826E}"/>
-              </a:ext>
-            </a:extLst>
-          </p:cNvPr>
-          <p:cNvSpPr txBox="1"/>
-          <p:nvPr/>
-        </p:nvSpPr>
-        <p:spPr>
-          <a:xfrm>
-            <a:off x="3143715" y="4711416"/>
-            <a:ext cx="1132480" cy="215444"/>
-          </a:xfrm>
-          <a:prstGeom prst="rect">
-            <a:avLst/>
-          </a:prstGeom>
-          <a:noFill/>
-        </p:spPr>
-        <p:txBody>
-          <a:bodyPr wrap="square" rtlCol="0">
-            <a:spAutoFit/>
-          </a:bodyPr>
-          <a:lstStyle/>
-          <a:p>
-            <a:r>
-              <a:rPr lang="en-US" altLang="ko-KR" sz="800" dirty="0"/>
-              <a:t>Per-N 8</a:t>
-            </a:r>
-            <a:r>
-              <a:rPr lang="ko-KR" altLang="en-US" sz="800" dirty="0"/>
-              <a:t>만</a:t>
-            </a:r>
-            <a:r>
-              <a:rPr lang="en-US" altLang="ko-KR" sz="800" dirty="0"/>
-              <a:t> </a:t>
-            </a:r>
-            <a:endParaRPr lang="ko-KR" altLang="en-US" sz="800" dirty="0"/>
-          </a:p>
-        </p:txBody>
-      </p:sp>
-      <p:sp>
-        <p:nvSpPr>
-          <p:cNvPr id="87" name="사각형: 둥근 모서리 86">
-            <a:extLst>
-              <a:ext uri="{FF2B5EF4-FFF2-40B4-BE49-F238E27FC236}">
-                <a16:creationId xmlns:a16="http://schemas.microsoft.com/office/drawing/2014/main" xmlns="" id="{5D330D4A-25B5-426A-8FC2-236D0F11668A}"/>
+            <a:r>
+              <a:rPr lang="ko-KR" altLang="en-US" dirty="0">
+                <a:solidFill>
+                  <a:schemeClr val="tx1"/>
+                </a:solidFill>
+              </a:rPr>
+              <a:t>자기소개</a:t>
+            </a:r>
+          </a:p>
+        </p:txBody>
+      </p:sp>
+      <p:sp>
+        <p:nvSpPr>
+          <p:cNvPr id="88" name="사각형: 둥근 모서리 87">
+            <a:extLst>
+              <a:ext uri="{FF2B5EF4-FFF2-40B4-BE49-F238E27FC236}">
+                <a16:creationId xmlns="" xmlns:a16="http://schemas.microsoft.com/office/drawing/2014/main" id="{42E6A791-A47B-4DB0-A650-D2F9D936BDC3}"/>
               </a:ext>
             </a:extLst>
           </p:cNvPr>
@@ -21342,8 +21211,8 @@
         </p:nvSpPr>
         <p:spPr>
           <a:xfrm>
-            <a:off x="4553299" y="3802288"/>
-            <a:ext cx="2417953" cy="1216366"/>
+            <a:off x="1944724" y="5176143"/>
+            <a:ext cx="2417953" cy="319704"/>
           </a:xfrm>
           <a:prstGeom prst="roundRect">
             <a:avLst/>
@@ -21384,17 +21253,17 @@
                   <a:schemeClr val="tx1"/>
                 </a:solidFill>
               </a:rPr>
-              <a:t>자기소개</a:t>
-            </a:r>
-          </a:p>
-        </p:txBody>
-      </p:sp>
-      <p:sp>
-        <p:nvSpPr>
-          <p:cNvPr id="88" name="사각형: 둥근 모서리 87">
-            <a:extLst>
-              <a:ext uri="{FF2B5EF4-FFF2-40B4-BE49-F238E27FC236}">
-                <a16:creationId xmlns:a16="http://schemas.microsoft.com/office/drawing/2014/main" xmlns="" id="{42E6A791-A47B-4DB0-A650-D2F9D936BDC3}"/>
+              <a:t>케어 가능 반려동물</a:t>
+            </a:r>
+          </a:p>
+        </p:txBody>
+      </p:sp>
+      <p:sp>
+        <p:nvSpPr>
+          <p:cNvPr id="89" name="사각형: 둥근 모서리 88">
+            <a:extLst>
+              <a:ext uri="{FF2B5EF4-FFF2-40B4-BE49-F238E27FC236}">
+                <a16:creationId xmlns="" xmlns:a16="http://schemas.microsoft.com/office/drawing/2014/main" id="{8F62BD3D-7300-4C51-87BF-88CCAEEDE1C6}"/>
               </a:ext>
             </a:extLst>
           </p:cNvPr>
@@ -21403,7 +21272,7 @@
         </p:nvSpPr>
         <p:spPr>
           <a:xfrm>
-            <a:off x="1944724" y="5176143"/>
+            <a:off x="1944724" y="5675676"/>
             <a:ext cx="2417953" cy="319704"/>
           </a:xfrm>
           <a:prstGeom prst="roundRect">
@@ -21440,22 +21309,43 @@
           <a:p>
             <a:pPr algn="ctr"/>
             <a:r>
+              <a:rPr lang="ko-KR" altLang="en-US" dirty="0" err="1">
+                <a:solidFill>
+                  <a:schemeClr val="tx1"/>
+                </a:solidFill>
+              </a:rPr>
+              <a:t>시터</a:t>
+            </a:r>
+            <a:r>
               <a:rPr lang="ko-KR" altLang="en-US" dirty="0">
                 <a:solidFill>
                   <a:schemeClr val="tx1"/>
                 </a:solidFill>
               </a:rPr>
-              <a:t>케어 가능 반려동물</a:t>
-            </a:r>
-          </a:p>
-        </p:txBody>
-      </p:sp>
-      <p:sp>
-        <p:nvSpPr>
-          <p:cNvPr id="89" name="사각형: 둥근 모서리 88">
-            <a:extLst>
-              <a:ext uri="{FF2B5EF4-FFF2-40B4-BE49-F238E27FC236}">
-                <a16:creationId xmlns:a16="http://schemas.microsoft.com/office/drawing/2014/main" xmlns="" id="{8F62BD3D-7300-4C51-87BF-88CCAEEDE1C6}"/>
+              <a:t> 스케줄 </a:t>
+            </a:r>
+            <a:r>
+              <a:rPr lang="ko-KR" altLang="en-US" dirty="0" err="1">
+                <a:solidFill>
+                  <a:schemeClr val="tx1"/>
+                </a:solidFill>
+              </a:rPr>
+              <a:t>켈린더</a:t>
+            </a:r>
+            <a:endParaRPr lang="ko-KR" altLang="en-US" dirty="0">
+              <a:solidFill>
+                <a:schemeClr val="tx1"/>
+              </a:solidFill>
+            </a:endParaRPr>
+          </a:p>
+        </p:txBody>
+      </p:sp>
+      <p:sp>
+        <p:nvSpPr>
+          <p:cNvPr id="90" name="사각형: 둥근 모서리 89">
+            <a:extLst>
+              <a:ext uri="{FF2B5EF4-FFF2-40B4-BE49-F238E27FC236}">
+                <a16:creationId xmlns="" xmlns:a16="http://schemas.microsoft.com/office/drawing/2014/main" id="{084C7176-7665-4EE0-8E0A-1ADC33FDEDBB}"/>
               </a:ext>
             </a:extLst>
           </p:cNvPr>
@@ -21464,7 +21354,7 @@
         </p:nvSpPr>
         <p:spPr>
           <a:xfrm>
-            <a:off x="1944724" y="5675676"/>
+            <a:off x="4553298" y="5176143"/>
             <a:ext cx="2417953" cy="319704"/>
           </a:xfrm>
           <a:prstGeom prst="roundRect">
@@ -21501,43 +21391,22 @@
           <a:p>
             <a:pPr algn="ctr"/>
             <a:r>
-              <a:rPr lang="ko-KR" altLang="en-US" dirty="0" err="1">
+              <a:rPr lang="ko-KR" altLang="en-US" dirty="0">
                 <a:solidFill>
                   <a:schemeClr val="tx1"/>
                 </a:solidFill>
               </a:rPr>
-              <a:t>시터</a:t>
-            </a:r>
-            <a:r>
-              <a:rPr lang="ko-KR" altLang="en-US" dirty="0">
-                <a:solidFill>
-                  <a:schemeClr val="tx1"/>
-                </a:solidFill>
-              </a:rPr>
-              <a:t> 스케줄 </a:t>
-            </a:r>
-            <a:r>
-              <a:rPr lang="ko-KR" altLang="en-US" dirty="0" err="1">
-                <a:solidFill>
-                  <a:schemeClr val="tx1"/>
-                </a:solidFill>
-              </a:rPr>
-              <a:t>켈린더</a:t>
-            </a:r>
-            <a:endParaRPr lang="ko-KR" altLang="en-US" dirty="0">
-              <a:solidFill>
-                <a:schemeClr val="tx1"/>
-              </a:solidFill>
-            </a:endParaRPr>
-          </a:p>
-        </p:txBody>
-      </p:sp>
-      <p:sp>
-        <p:nvSpPr>
-          <p:cNvPr id="90" name="사각형: 둥근 모서리 89">
-            <a:extLst>
-              <a:ext uri="{FF2B5EF4-FFF2-40B4-BE49-F238E27FC236}">
-                <a16:creationId xmlns:a16="http://schemas.microsoft.com/office/drawing/2014/main" xmlns="" id="{084C7176-7665-4EE0-8E0A-1ADC33FDEDBB}"/>
+              <a:t>사진첩</a:t>
+            </a:r>
+          </a:p>
+        </p:txBody>
+      </p:sp>
+      <p:sp>
+        <p:nvSpPr>
+          <p:cNvPr id="91" name="사각형: 둥근 모서리 90">
+            <a:extLst>
+              <a:ext uri="{FF2B5EF4-FFF2-40B4-BE49-F238E27FC236}">
+                <a16:creationId xmlns="" xmlns:a16="http://schemas.microsoft.com/office/drawing/2014/main" id="{E938B601-F026-4976-97A9-C407044FF771}"/>
               </a:ext>
             </a:extLst>
           </p:cNvPr>
@@ -21546,7 +21415,7 @@
         </p:nvSpPr>
         <p:spPr>
           <a:xfrm>
-            <a:off x="4553298" y="5176143"/>
+            <a:off x="4553298" y="5675676"/>
             <a:ext cx="2417953" cy="319704"/>
           </a:xfrm>
           <a:prstGeom prst="roundRect">
@@ -21588,17 +21457,17 @@
                   <a:schemeClr val="tx1"/>
                 </a:solidFill>
               </a:rPr>
-              <a:t>사진첩</a:t>
-            </a:r>
-          </a:p>
-        </p:txBody>
-      </p:sp>
-      <p:sp>
-        <p:nvSpPr>
-          <p:cNvPr id="91" name="사각형: 둥근 모서리 90">
-            <a:extLst>
-              <a:ext uri="{FF2B5EF4-FFF2-40B4-BE49-F238E27FC236}">
-                <a16:creationId xmlns:a16="http://schemas.microsoft.com/office/drawing/2014/main" xmlns="" id="{E938B601-F026-4976-97A9-C407044FF771}"/>
+              <a:t>리뷰</a:t>
+            </a:r>
+          </a:p>
+        </p:txBody>
+      </p:sp>
+      <p:sp>
+        <p:nvSpPr>
+          <p:cNvPr id="92" name="사각형: 위쪽 모서리의 한쪽은 둥글고 다른 한쪽은 잘림 91">
+            <a:extLst>
+              <a:ext uri="{FF2B5EF4-FFF2-40B4-BE49-F238E27FC236}">
+                <a16:creationId xmlns="" xmlns:a16="http://schemas.microsoft.com/office/drawing/2014/main" id="{BA222BE2-A61D-4450-8A37-BE793B84A2E2}"/>
               </a:ext>
             </a:extLst>
           </p:cNvPr>
@@ -21607,11 +21476,14 @@
         </p:nvSpPr>
         <p:spPr>
           <a:xfrm>
-            <a:off x="4553298" y="5675676"/>
-            <a:ext cx="2417953" cy="319704"/>
-          </a:xfrm>
-          <a:prstGeom prst="roundRect">
-            <a:avLst/>
+            <a:off x="3680551" y="2134837"/>
+            <a:ext cx="563585" cy="271072"/>
+          </a:xfrm>
+          <a:prstGeom prst="snipRoundRect">
+            <a:avLst>
+              <a:gd name="adj1" fmla="val 16667"/>
+              <a:gd name="adj2" fmla="val 50000"/>
+            </a:avLst>
           </a:prstGeom>
           <a:solidFill>
             <a:schemeClr val="bg1"/>
@@ -21644,22 +21516,22 @@
           <a:p>
             <a:pPr algn="ctr"/>
             <a:r>
-              <a:rPr lang="ko-KR" altLang="en-US" dirty="0">
+              <a:rPr lang="ko-KR" altLang="en-US" sz="800" dirty="0">
                 <a:solidFill>
                   <a:schemeClr val="tx1"/>
                 </a:solidFill>
               </a:rPr>
-              <a:t>리뷰</a:t>
-            </a:r>
-          </a:p>
-        </p:txBody>
-      </p:sp>
-      <p:sp>
-        <p:nvSpPr>
-          <p:cNvPr id="92" name="사각형: 위쪽 모서리의 한쪽은 둥글고 다른 한쪽은 잘림 91">
-            <a:extLst>
-              <a:ext uri="{FF2B5EF4-FFF2-40B4-BE49-F238E27FC236}">
-                <a16:creationId xmlns:a16="http://schemas.microsoft.com/office/drawing/2014/main" xmlns="" id="{BA222BE2-A61D-4450-8A37-BE793B84A2E2}"/>
+              <a:t>프로그램</a:t>
+            </a:r>
+          </a:p>
+        </p:txBody>
+      </p:sp>
+      <p:sp>
+        <p:nvSpPr>
+          <p:cNvPr id="95" name="사각형: 둥근 모서리 94">
+            <a:extLst>
+              <a:ext uri="{FF2B5EF4-FFF2-40B4-BE49-F238E27FC236}">
+                <a16:creationId xmlns="" xmlns:a16="http://schemas.microsoft.com/office/drawing/2014/main" id="{FD4FB6EE-19D0-4752-BC60-DB3FC2CC2D1C}"/>
               </a:ext>
             </a:extLst>
           </p:cNvPr>
@@ -21668,14 +21540,11 @@
         </p:nvSpPr>
         <p:spPr>
           <a:xfrm>
-            <a:off x="3680551" y="2134837"/>
-            <a:ext cx="563585" cy="271072"/>
-          </a:xfrm>
-          <a:prstGeom prst="snipRoundRect">
-            <a:avLst>
-              <a:gd name="adj1" fmla="val 16667"/>
-              <a:gd name="adj2" fmla="val 50000"/>
-            </a:avLst>
+            <a:off x="6501468" y="2183148"/>
+            <a:ext cx="427838" cy="220556"/>
+          </a:xfrm>
+          <a:prstGeom prst="roundRect">
+            <a:avLst/>
           </a:prstGeom>
           <a:solidFill>
             <a:schemeClr val="bg1"/>
@@ -21713,17 +21582,17 @@
                   <a:schemeClr val="tx1"/>
                 </a:solidFill>
               </a:rPr>
-              <a:t>프로그램</a:t>
-            </a:r>
-          </a:p>
-        </p:txBody>
-      </p:sp>
-      <p:sp>
-        <p:nvSpPr>
-          <p:cNvPr id="95" name="사각형: 둥근 모서리 94">
-            <a:extLst>
-              <a:ext uri="{FF2B5EF4-FFF2-40B4-BE49-F238E27FC236}">
-                <a16:creationId xmlns:a16="http://schemas.microsoft.com/office/drawing/2014/main" xmlns="" id="{FD4FB6EE-19D0-4752-BC60-DB3FC2CC2D1C}"/>
+              <a:t>수정</a:t>
+            </a:r>
+          </a:p>
+        </p:txBody>
+      </p:sp>
+      <p:sp>
+        <p:nvSpPr>
+          <p:cNvPr id="34" name="하트 33">
+            <a:extLst>
+              <a:ext uri="{FF2B5EF4-FFF2-40B4-BE49-F238E27FC236}">
+                <a16:creationId xmlns="" xmlns:a16="http://schemas.microsoft.com/office/drawing/2014/main" id="{2B74C848-B46B-4E53-920C-266B738CAC60}"/>
               </a:ext>
             </a:extLst>
           </p:cNvPr>
@@ -21732,20 +21601,15 @@
         </p:nvSpPr>
         <p:spPr>
           <a:xfrm>
-            <a:off x="6501468" y="2183148"/>
-            <a:ext cx="427838" cy="220556"/>
-          </a:xfrm>
-          <a:prstGeom prst="roundRect">
+            <a:off x="5620624" y="3296873"/>
+            <a:ext cx="142613" cy="132127"/>
+          </a:xfrm>
+          <a:prstGeom prst="heart">
             <a:avLst/>
           </a:prstGeom>
           <a:solidFill>
-            <a:schemeClr val="bg1"/>
+            <a:srgbClr val="FF0000"/>
           </a:solidFill>
-          <a:ln>
-            <a:solidFill>
-              <a:schemeClr val="tx1"/>
-            </a:solidFill>
-          </a:ln>
         </p:spPr>
         <p:style>
           <a:lnRef idx="2">
@@ -21768,23 +21632,16 @@
           <a:lstStyle/>
           <a:p>
             <a:pPr algn="ctr"/>
-            <a:r>
-              <a:rPr lang="ko-KR" altLang="en-US" sz="800" dirty="0">
-                <a:solidFill>
-                  <a:schemeClr val="tx1"/>
-                </a:solidFill>
-              </a:rPr>
-              <a:t>수정</a:t>
-            </a:r>
-          </a:p>
-        </p:txBody>
-      </p:sp>
-      <p:sp>
-        <p:nvSpPr>
-          <p:cNvPr id="34" name="하트 33">
-            <a:extLst>
-              <a:ext uri="{FF2B5EF4-FFF2-40B4-BE49-F238E27FC236}">
-                <a16:creationId xmlns:a16="http://schemas.microsoft.com/office/drawing/2014/main" xmlns="" id="{2B74C848-B46B-4E53-920C-266B738CAC60}"/>
+            <a:endParaRPr lang="ko-KR" altLang="en-US"/>
+          </a:p>
+        </p:txBody>
+      </p:sp>
+      <p:sp>
+        <p:nvSpPr>
+          <p:cNvPr id="96" name="직사각형 95">
+            <a:extLst>
+              <a:ext uri="{FF2B5EF4-FFF2-40B4-BE49-F238E27FC236}">
+                <a16:creationId xmlns="" xmlns:a16="http://schemas.microsoft.com/office/drawing/2014/main" id="{4381DDE0-7DF8-4677-B600-1CC245F65AC5}"/>
               </a:ext>
             </a:extLst>
           </p:cNvPr>
@@ -21793,15 +21650,20 @@
         </p:nvSpPr>
         <p:spPr>
           <a:xfrm>
-            <a:off x="5620624" y="3296873"/>
-            <a:ext cx="142613" cy="132127"/>
-          </a:xfrm>
-          <a:prstGeom prst="heart">
+            <a:off x="9563677" y="1828800"/>
+            <a:ext cx="1023230" cy="276836"/>
+          </a:xfrm>
+          <a:prstGeom prst="rect">
             <a:avLst/>
           </a:prstGeom>
           <a:solidFill>
-            <a:srgbClr val="FF0000"/>
+            <a:schemeClr val="bg1"/>
           </a:solidFill>
+          <a:ln>
+            <a:solidFill>
+              <a:schemeClr val="tx1"/>
+            </a:solidFill>
+          </a:ln>
         </p:spPr>
         <p:style>
           <a:lnRef idx="2">
@@ -21824,16 +21686,16 @@
           <a:lstStyle/>
           <a:p>
             <a:pPr algn="ctr"/>
-            <a:endParaRPr lang="ko-KR" altLang="en-US"/>
-          </a:p>
-        </p:txBody>
-      </p:sp>
-      <p:sp>
-        <p:nvSpPr>
-          <p:cNvPr id="96" name="직사각형 95">
-            <a:extLst>
-              <a:ext uri="{FF2B5EF4-FFF2-40B4-BE49-F238E27FC236}">
-                <a16:creationId xmlns:a16="http://schemas.microsoft.com/office/drawing/2014/main" xmlns="" id="{4381DDE0-7DF8-4677-B600-1CC245F65AC5}"/>
+            <a:endParaRPr lang="ko-KR" altLang="en-US" dirty="0"/>
+          </a:p>
+        </p:txBody>
+      </p:sp>
+      <p:sp>
+        <p:nvSpPr>
+          <p:cNvPr id="97" name="직사각형 96">
+            <a:extLst>
+              <a:ext uri="{FF2B5EF4-FFF2-40B4-BE49-F238E27FC236}">
+                <a16:creationId xmlns="" xmlns:a16="http://schemas.microsoft.com/office/drawing/2014/main" id="{21576798-99C7-4D5E-A71A-21C2FCBC10A5}"/>
               </a:ext>
             </a:extLst>
           </p:cNvPr>
@@ -21842,8 +21704,8 @@
         </p:nvSpPr>
         <p:spPr>
           <a:xfrm>
-            <a:off x="9563677" y="1828800"/>
-            <a:ext cx="1023230" cy="276836"/>
+            <a:off x="9599253" y="1862356"/>
+            <a:ext cx="224256" cy="209724"/>
           </a:xfrm>
           <a:prstGeom prst="rect">
             <a:avLst/>
@@ -21884,10 +21746,10 @@
       </p:sp>
       <p:sp>
         <p:nvSpPr>
-          <p:cNvPr id="97" name="직사각형 96">
-            <a:extLst>
-              <a:ext uri="{FF2B5EF4-FFF2-40B4-BE49-F238E27FC236}">
-                <a16:creationId xmlns:a16="http://schemas.microsoft.com/office/drawing/2014/main" xmlns="" id="{21576798-99C7-4D5E-A71A-21C2FCBC10A5}"/>
+          <p:cNvPr id="98" name="직사각형 97">
+            <a:extLst>
+              <a:ext uri="{FF2B5EF4-FFF2-40B4-BE49-F238E27FC236}">
+                <a16:creationId xmlns="" xmlns:a16="http://schemas.microsoft.com/office/drawing/2014/main" id="{7E68A1AD-ABE2-438D-A680-6841FDE051B0}"/>
               </a:ext>
             </a:extLst>
           </p:cNvPr>
@@ -21896,7 +21758,7 @@
         </p:nvSpPr>
         <p:spPr>
           <a:xfrm>
-            <a:off x="9599253" y="1862356"/>
+            <a:off x="11004221" y="1870745"/>
             <a:ext cx="224256" cy="209724"/>
           </a:xfrm>
           <a:prstGeom prst="rect">
@@ -21938,10 +21800,10 @@
       </p:sp>
       <p:sp>
         <p:nvSpPr>
-          <p:cNvPr id="98" name="직사각형 97">
-            <a:extLst>
-              <a:ext uri="{FF2B5EF4-FFF2-40B4-BE49-F238E27FC236}">
-                <a16:creationId xmlns:a16="http://schemas.microsoft.com/office/drawing/2014/main" xmlns="" id="{7E68A1AD-ABE2-438D-A680-6841FDE051B0}"/>
+          <p:cNvPr id="99" name="직사각형 98">
+            <a:extLst>
+              <a:ext uri="{FF2B5EF4-FFF2-40B4-BE49-F238E27FC236}">
+                <a16:creationId xmlns="" xmlns:a16="http://schemas.microsoft.com/office/drawing/2014/main" id="{D99B9B96-CD8D-4C0D-A26D-7B04DAF50A6D}"/>
               </a:ext>
             </a:extLst>
           </p:cNvPr>
@@ -21950,7 +21812,7 @@
         </p:nvSpPr>
         <p:spPr>
           <a:xfrm>
-            <a:off x="11004221" y="1870745"/>
+            <a:off x="8892432" y="1870745"/>
             <a:ext cx="224256" cy="209724"/>
           </a:xfrm>
           <a:prstGeom prst="rect">
@@ -21990,66 +21852,12 @@
           </a:p>
         </p:txBody>
       </p:sp>
-      <p:sp>
-        <p:nvSpPr>
-          <p:cNvPr id="99" name="직사각형 98">
-            <a:extLst>
-              <a:ext uri="{FF2B5EF4-FFF2-40B4-BE49-F238E27FC236}">
-                <a16:creationId xmlns:a16="http://schemas.microsoft.com/office/drawing/2014/main" xmlns="" id="{D99B9B96-CD8D-4C0D-A26D-7B04DAF50A6D}"/>
-              </a:ext>
-            </a:extLst>
-          </p:cNvPr>
-          <p:cNvSpPr/>
-          <p:nvPr/>
-        </p:nvSpPr>
-        <p:spPr>
-          <a:xfrm>
-            <a:off x="8892432" y="1870745"/>
-            <a:ext cx="224256" cy="209724"/>
-          </a:xfrm>
-          <a:prstGeom prst="rect">
-            <a:avLst/>
-          </a:prstGeom>
-          <a:solidFill>
-            <a:schemeClr val="bg1"/>
-          </a:solidFill>
-          <a:ln>
-            <a:solidFill>
-              <a:schemeClr val="tx1"/>
-            </a:solidFill>
-          </a:ln>
-        </p:spPr>
-        <p:style>
-          <a:lnRef idx="2">
-            <a:schemeClr val="accent1">
-              <a:shade val="50000"/>
-            </a:schemeClr>
-          </a:lnRef>
-          <a:fillRef idx="1">
-            <a:schemeClr val="accent1"/>
-          </a:fillRef>
-          <a:effectRef idx="0">
-            <a:schemeClr val="accent1"/>
-          </a:effectRef>
-          <a:fontRef idx="minor">
-            <a:schemeClr val="lt1"/>
-          </a:fontRef>
-        </p:style>
-        <p:txBody>
-          <a:bodyPr rtlCol="0" anchor="ctr"/>
-          <a:lstStyle/>
-          <a:p>
-            <a:pPr algn="ctr"/>
-            <a:endParaRPr lang="ko-KR" altLang="en-US" dirty="0"/>
-          </a:p>
-        </p:txBody>
-      </p:sp>
       <p:cxnSp>
         <p:nvCxnSpPr>
           <p:cNvPr id="100" name="직선 연결선 99">
             <a:extLst>
               <a:ext uri="{FF2B5EF4-FFF2-40B4-BE49-F238E27FC236}">
-                <a16:creationId xmlns:a16="http://schemas.microsoft.com/office/drawing/2014/main" xmlns="" id="{0CD5B6F9-B513-4782-9C7A-EE4F9058A4EB}"/>
+                <a16:creationId xmlns="" xmlns:a16="http://schemas.microsoft.com/office/drawing/2014/main" id="{0CD5B6F9-B513-4782-9C7A-EE4F9058A4EB}"/>
               </a:ext>
             </a:extLst>
           </p:cNvPr>
@@ -22090,7 +21898,7 @@
           <p:cNvPr id="101" name="직선 화살표 연결선 100">
             <a:extLst>
               <a:ext uri="{FF2B5EF4-FFF2-40B4-BE49-F238E27FC236}">
-                <a16:creationId xmlns:a16="http://schemas.microsoft.com/office/drawing/2014/main" xmlns="" id="{C404C273-60E7-4604-B5DF-9E448516670A}"/>
+                <a16:creationId xmlns="" xmlns:a16="http://schemas.microsoft.com/office/drawing/2014/main" id="{C404C273-60E7-4604-B5DF-9E448516670A}"/>
               </a:ext>
             </a:extLst>
           </p:cNvPr>
@@ -22134,7 +21942,7 @@
           <p:cNvPr id="102" name="직선 화살표 연결선 101">
             <a:extLst>
               <a:ext uri="{FF2B5EF4-FFF2-40B4-BE49-F238E27FC236}">
-                <a16:creationId xmlns:a16="http://schemas.microsoft.com/office/drawing/2014/main" xmlns="" id="{F02950FA-B9A6-4D10-A148-BBA6062EC79A}"/>
+                <a16:creationId xmlns="" xmlns:a16="http://schemas.microsoft.com/office/drawing/2014/main" id="{F02950FA-B9A6-4D10-A148-BBA6062EC79A}"/>
               </a:ext>
             </a:extLst>
           </p:cNvPr>
@@ -22178,7 +21986,7 @@
           <p:cNvPr id="103" name="직선 화살표 연결선 102">
             <a:extLst>
               <a:ext uri="{FF2B5EF4-FFF2-40B4-BE49-F238E27FC236}">
-                <a16:creationId xmlns:a16="http://schemas.microsoft.com/office/drawing/2014/main" xmlns="" id="{FB961EBB-AE5A-402D-812D-32755B9430E4}"/>
+                <a16:creationId xmlns="" xmlns:a16="http://schemas.microsoft.com/office/drawing/2014/main" id="{FB961EBB-AE5A-402D-812D-32755B9430E4}"/>
               </a:ext>
             </a:extLst>
           </p:cNvPr>
@@ -22222,7 +22030,7 @@
           <p:cNvPr id="104" name="TextBox 103">
             <a:extLst>
               <a:ext uri="{FF2B5EF4-FFF2-40B4-BE49-F238E27FC236}">
-                <a16:creationId xmlns:a16="http://schemas.microsoft.com/office/drawing/2014/main" xmlns="" id="{C39FEEDC-6320-4585-9D08-995881D24269}"/>
+                <a16:creationId xmlns="" xmlns:a16="http://schemas.microsoft.com/office/drawing/2014/main" id="{C39FEEDC-6320-4585-9D08-995881D24269}"/>
               </a:ext>
             </a:extLst>
           </p:cNvPr>
@@ -22258,7 +22066,7 @@
           <p:cNvPr id="105" name="TextBox 104">
             <a:extLst>
               <a:ext uri="{FF2B5EF4-FFF2-40B4-BE49-F238E27FC236}">
-                <a16:creationId xmlns:a16="http://schemas.microsoft.com/office/drawing/2014/main" xmlns="" id="{0D236EEC-BF95-4CC7-9BA4-FAD60ACD7184}"/>
+                <a16:creationId xmlns="" xmlns:a16="http://schemas.microsoft.com/office/drawing/2014/main" id="{0D236EEC-BF95-4CC7-9BA4-FAD60ACD7184}"/>
               </a:ext>
             </a:extLst>
           </p:cNvPr>
@@ -22294,7 +22102,7 @@
           <p:cNvPr id="106" name="TextBox 105">
             <a:extLst>
               <a:ext uri="{FF2B5EF4-FFF2-40B4-BE49-F238E27FC236}">
-                <a16:creationId xmlns:a16="http://schemas.microsoft.com/office/drawing/2014/main" xmlns="" id="{4894258B-64DA-4CD0-85A3-15881EE05C2F}"/>
+                <a16:creationId xmlns="" xmlns:a16="http://schemas.microsoft.com/office/drawing/2014/main" id="{4894258B-64DA-4CD0-85A3-15881EE05C2F}"/>
               </a:ext>
             </a:extLst>
           </p:cNvPr>
@@ -22329,7 +22137,7 @@
           <p:cNvPr id="107" name="사각형: 위쪽 모서리의 한쪽은 둥글고 다른 한쪽은 잘림 106">
             <a:extLst>
               <a:ext uri="{FF2B5EF4-FFF2-40B4-BE49-F238E27FC236}">
-                <a16:creationId xmlns:a16="http://schemas.microsoft.com/office/drawing/2014/main" xmlns="" id="{67981518-31B9-484C-8065-30C415950089}"/>
+                <a16:creationId xmlns="" xmlns:a16="http://schemas.microsoft.com/office/drawing/2014/main" id="{67981518-31B9-484C-8065-30C415950089}"/>
               </a:ext>
             </a:extLst>
           </p:cNvPr>
@@ -22390,7 +22198,7 @@
           <p:cNvPr id="108" name="사각형: 위쪽 모서리의 한쪽은 둥글고 다른 한쪽은 잘림 107">
             <a:extLst>
               <a:ext uri="{FF2B5EF4-FFF2-40B4-BE49-F238E27FC236}">
-                <a16:creationId xmlns:a16="http://schemas.microsoft.com/office/drawing/2014/main" xmlns="" id="{033C93F5-B1D9-4CAD-A8C7-4814844C3C02}"/>
+                <a16:creationId xmlns="" xmlns:a16="http://schemas.microsoft.com/office/drawing/2014/main" id="{033C93F5-B1D9-4CAD-A8C7-4814844C3C02}"/>
               </a:ext>
             </a:extLst>
           </p:cNvPr>
@@ -22451,7 +22259,7 @@
           <p:cNvPr id="109" name="사각형: 위쪽 모서리의 한쪽은 둥글고 다른 한쪽은 잘림 108">
             <a:extLst>
               <a:ext uri="{FF2B5EF4-FFF2-40B4-BE49-F238E27FC236}">
-                <a16:creationId xmlns:a16="http://schemas.microsoft.com/office/drawing/2014/main" xmlns="" id="{43FEB36E-98BD-4C45-A0C4-DE2E23D6270B}"/>
+                <a16:creationId xmlns="" xmlns:a16="http://schemas.microsoft.com/office/drawing/2014/main" id="{43FEB36E-98BD-4C45-A0C4-DE2E23D6270B}"/>
               </a:ext>
             </a:extLst>
           </p:cNvPr>
@@ -22512,7 +22320,7 @@
           <p:cNvPr id="110" name="사각형: 위쪽 모서리의 한쪽은 둥글고 다른 한쪽은 잘림 109">
             <a:extLst>
               <a:ext uri="{FF2B5EF4-FFF2-40B4-BE49-F238E27FC236}">
-                <a16:creationId xmlns:a16="http://schemas.microsoft.com/office/drawing/2014/main" xmlns="" id="{DD16ED54-6480-46EC-8EC0-61D372F29134}"/>
+                <a16:creationId xmlns="" xmlns:a16="http://schemas.microsoft.com/office/drawing/2014/main" id="{DD16ED54-6480-46EC-8EC0-61D372F29134}"/>
               </a:ext>
             </a:extLst>
           </p:cNvPr>
@@ -22573,7 +22381,7 @@
           <p:cNvPr id="111" name="직선 연결선 110">
             <a:extLst>
               <a:ext uri="{FF2B5EF4-FFF2-40B4-BE49-F238E27FC236}">
-                <a16:creationId xmlns:a16="http://schemas.microsoft.com/office/drawing/2014/main" xmlns="" id="{B32835E2-6F76-410F-9104-75CE90CAAC9E}"/>
+                <a16:creationId xmlns="" xmlns:a16="http://schemas.microsoft.com/office/drawing/2014/main" id="{B32835E2-6F76-410F-9104-75CE90CAAC9E}"/>
               </a:ext>
             </a:extLst>
           </p:cNvPr>
@@ -22614,7 +22422,7 @@
           <p:cNvPr id="112" name="TextBox 111">
             <a:extLst>
               <a:ext uri="{FF2B5EF4-FFF2-40B4-BE49-F238E27FC236}">
-                <a16:creationId xmlns:a16="http://schemas.microsoft.com/office/drawing/2014/main" xmlns="" id="{A92788C2-846F-4D8E-84DB-0156E44840FE}"/>
+                <a16:creationId xmlns="" xmlns:a16="http://schemas.microsoft.com/office/drawing/2014/main" id="{A92788C2-846F-4D8E-84DB-0156E44840FE}"/>
               </a:ext>
             </a:extLst>
           </p:cNvPr>
@@ -22650,7 +22458,7 @@
           <p:cNvPr id="113" name="직사각형 112">
             <a:extLst>
               <a:ext uri="{FF2B5EF4-FFF2-40B4-BE49-F238E27FC236}">
-                <a16:creationId xmlns:a16="http://schemas.microsoft.com/office/drawing/2014/main" xmlns="" id="{F0815B9A-D30D-4481-805B-BC00FA17F1AF}"/>
+                <a16:creationId xmlns="" xmlns:a16="http://schemas.microsoft.com/office/drawing/2014/main" id="{F0815B9A-D30D-4481-805B-BC00FA17F1AF}"/>
               </a:ext>
             </a:extLst>
           </p:cNvPr>
@@ -22704,7 +22512,7 @@
           <p:cNvPr id="114" name="직사각형 113">
             <a:extLst>
               <a:ext uri="{FF2B5EF4-FFF2-40B4-BE49-F238E27FC236}">
-                <a16:creationId xmlns:a16="http://schemas.microsoft.com/office/drawing/2014/main" xmlns="" id="{9444EAA7-F80D-40EE-85F2-FC3FD2665367}"/>
+                <a16:creationId xmlns="" xmlns:a16="http://schemas.microsoft.com/office/drawing/2014/main" id="{9444EAA7-F80D-40EE-85F2-FC3FD2665367}"/>
               </a:ext>
             </a:extLst>
           </p:cNvPr>
@@ -22758,7 +22566,7 @@
           <p:cNvPr id="115" name="직사각형 114">
             <a:extLst>
               <a:ext uri="{FF2B5EF4-FFF2-40B4-BE49-F238E27FC236}">
-                <a16:creationId xmlns:a16="http://schemas.microsoft.com/office/drawing/2014/main" xmlns="" id="{018390F8-461E-47B1-8D02-662749C7B01B}"/>
+                <a16:creationId xmlns="" xmlns:a16="http://schemas.microsoft.com/office/drawing/2014/main" id="{018390F8-461E-47B1-8D02-662749C7B01B}"/>
               </a:ext>
             </a:extLst>
           </p:cNvPr>
@@ -22812,7 +22620,7 @@
           <p:cNvPr id="116" name="직사각형 115">
             <a:extLst>
               <a:ext uri="{FF2B5EF4-FFF2-40B4-BE49-F238E27FC236}">
-                <a16:creationId xmlns:a16="http://schemas.microsoft.com/office/drawing/2014/main" xmlns="" id="{B27559C4-A53D-4627-9D4C-4825196BF918}"/>
+                <a16:creationId xmlns="" xmlns:a16="http://schemas.microsoft.com/office/drawing/2014/main" id="{B27559C4-A53D-4627-9D4C-4825196BF918}"/>
               </a:ext>
             </a:extLst>
           </p:cNvPr>
@@ -22866,7 +22674,7 @@
           <p:cNvPr id="117" name="직사각형 116">
             <a:extLst>
               <a:ext uri="{FF2B5EF4-FFF2-40B4-BE49-F238E27FC236}">
-                <a16:creationId xmlns:a16="http://schemas.microsoft.com/office/drawing/2014/main" xmlns="" id="{2F41D995-6A71-4509-80F3-049E8D1F63ED}"/>
+                <a16:creationId xmlns="" xmlns:a16="http://schemas.microsoft.com/office/drawing/2014/main" id="{2F41D995-6A71-4509-80F3-049E8D1F63ED}"/>
               </a:ext>
             </a:extLst>
           </p:cNvPr>
@@ -22920,7 +22728,7 @@
           <p:cNvPr id="118" name="직선 화살표 연결선 117">
             <a:extLst>
               <a:ext uri="{FF2B5EF4-FFF2-40B4-BE49-F238E27FC236}">
-                <a16:creationId xmlns:a16="http://schemas.microsoft.com/office/drawing/2014/main" xmlns="" id="{34A269B8-E321-4ACE-B82D-29FFBDBEAE20}"/>
+                <a16:creationId xmlns="" xmlns:a16="http://schemas.microsoft.com/office/drawing/2014/main" id="{34A269B8-E321-4ACE-B82D-29FFBDBEAE20}"/>
               </a:ext>
             </a:extLst>
           </p:cNvPr>
@@ -22964,7 +22772,7 @@
           <p:cNvPr id="119" name="직선 화살표 연결선 118">
             <a:extLst>
               <a:ext uri="{FF2B5EF4-FFF2-40B4-BE49-F238E27FC236}">
-                <a16:creationId xmlns:a16="http://schemas.microsoft.com/office/drawing/2014/main" xmlns="" id="{594868FA-F542-4BC7-B4EE-561EE6C24D2A}"/>
+                <a16:creationId xmlns="" xmlns:a16="http://schemas.microsoft.com/office/drawing/2014/main" id="{594868FA-F542-4BC7-B4EE-561EE6C24D2A}"/>
               </a:ext>
             </a:extLst>
           </p:cNvPr>
@@ -23008,7 +22816,7 @@
           <p:cNvPr id="120" name="직선 화살표 연결선 119">
             <a:extLst>
               <a:ext uri="{FF2B5EF4-FFF2-40B4-BE49-F238E27FC236}">
-                <a16:creationId xmlns:a16="http://schemas.microsoft.com/office/drawing/2014/main" xmlns="" id="{B835CB0E-7318-4621-AAC0-357EB1D055EC}"/>
+                <a16:creationId xmlns="" xmlns:a16="http://schemas.microsoft.com/office/drawing/2014/main" id="{B835CB0E-7318-4621-AAC0-357EB1D055EC}"/>
               </a:ext>
             </a:extLst>
           </p:cNvPr>
@@ -23052,7 +22860,7 @@
           <p:cNvPr id="121" name="직선 화살표 연결선 120">
             <a:extLst>
               <a:ext uri="{FF2B5EF4-FFF2-40B4-BE49-F238E27FC236}">
-                <a16:creationId xmlns:a16="http://schemas.microsoft.com/office/drawing/2014/main" xmlns="" id="{8A1FA3B6-56FA-4F9A-B582-879E45C4E554}"/>
+                <a16:creationId xmlns="" xmlns:a16="http://schemas.microsoft.com/office/drawing/2014/main" id="{8A1FA3B6-56FA-4F9A-B582-879E45C4E554}"/>
               </a:ext>
             </a:extLst>
           </p:cNvPr>
@@ -23096,7 +22904,7 @@
           <p:cNvPr id="122" name="직선 화살표 연결선 121">
             <a:extLst>
               <a:ext uri="{FF2B5EF4-FFF2-40B4-BE49-F238E27FC236}">
-                <a16:creationId xmlns:a16="http://schemas.microsoft.com/office/drawing/2014/main" xmlns="" id="{8DBC9891-F555-4406-9800-4BBC560D541A}"/>
+                <a16:creationId xmlns="" xmlns:a16="http://schemas.microsoft.com/office/drawing/2014/main" id="{8DBC9891-F555-4406-9800-4BBC560D541A}"/>
               </a:ext>
             </a:extLst>
           </p:cNvPr>
@@ -23141,7 +22949,7 @@
           <p:cNvPr id="123" name="TextBox 122">
             <a:extLst>
               <a:ext uri="{FF2B5EF4-FFF2-40B4-BE49-F238E27FC236}">
-                <a16:creationId xmlns:a16="http://schemas.microsoft.com/office/drawing/2014/main" xmlns="" id="{175D0501-8E3C-4360-9052-D93A553D6261}"/>
+                <a16:creationId xmlns="" xmlns:a16="http://schemas.microsoft.com/office/drawing/2014/main" id="{175D0501-8E3C-4360-9052-D93A553D6261}"/>
               </a:ext>
             </a:extLst>
           </p:cNvPr>
@@ -23176,7 +22984,7 @@
           <p:cNvPr id="124" name="TextBox 123">
             <a:extLst>
               <a:ext uri="{FF2B5EF4-FFF2-40B4-BE49-F238E27FC236}">
-                <a16:creationId xmlns:a16="http://schemas.microsoft.com/office/drawing/2014/main" xmlns="" id="{B01CA544-E067-4DD5-8F99-FC7AFCA9239E}"/>
+                <a16:creationId xmlns="" xmlns:a16="http://schemas.microsoft.com/office/drawing/2014/main" id="{B01CA544-E067-4DD5-8F99-FC7AFCA9239E}"/>
               </a:ext>
             </a:extLst>
           </p:cNvPr>
@@ -23211,7 +23019,7 @@
           <p:cNvPr id="125" name="TextBox 124">
             <a:extLst>
               <a:ext uri="{FF2B5EF4-FFF2-40B4-BE49-F238E27FC236}">
-                <a16:creationId xmlns:a16="http://schemas.microsoft.com/office/drawing/2014/main" xmlns="" id="{B8C8D169-440D-4BD5-98C5-A86EABD72686}"/>
+                <a16:creationId xmlns="" xmlns:a16="http://schemas.microsoft.com/office/drawing/2014/main" id="{B8C8D169-440D-4BD5-98C5-A86EABD72686}"/>
               </a:ext>
             </a:extLst>
           </p:cNvPr>
@@ -23246,7 +23054,7 @@
           <p:cNvPr id="126" name="TextBox 125">
             <a:extLst>
               <a:ext uri="{FF2B5EF4-FFF2-40B4-BE49-F238E27FC236}">
-                <a16:creationId xmlns:a16="http://schemas.microsoft.com/office/drawing/2014/main" xmlns="" id="{E7D4196B-6BCE-4D69-980E-BB15BBA201CC}"/>
+                <a16:creationId xmlns="" xmlns:a16="http://schemas.microsoft.com/office/drawing/2014/main" id="{E7D4196B-6BCE-4D69-980E-BB15BBA201CC}"/>
               </a:ext>
             </a:extLst>
           </p:cNvPr>
@@ -23281,7 +23089,7 @@
           <p:cNvPr id="127" name="사각형: 둥근 모서리 126">
             <a:extLst>
               <a:ext uri="{FF2B5EF4-FFF2-40B4-BE49-F238E27FC236}">
-                <a16:creationId xmlns:a16="http://schemas.microsoft.com/office/drawing/2014/main" xmlns="" id="{43E8EF26-B566-40E2-AD5F-B3BAFBDE6E56}"/>
+                <a16:creationId xmlns="" xmlns:a16="http://schemas.microsoft.com/office/drawing/2014/main" id="{43E8EF26-B566-40E2-AD5F-B3BAFBDE6E56}"/>
               </a:ext>
             </a:extLst>
           </p:cNvPr>
@@ -23342,7 +23150,7 @@
           <p:cNvPr id="129" name="타원 128">
             <a:extLst>
               <a:ext uri="{FF2B5EF4-FFF2-40B4-BE49-F238E27FC236}">
-                <a16:creationId xmlns:a16="http://schemas.microsoft.com/office/drawing/2014/main" xmlns="" id="{D457B833-156A-4737-BC16-8B7281466E3D}"/>
+                <a16:creationId xmlns="" xmlns:a16="http://schemas.microsoft.com/office/drawing/2014/main" id="{D457B833-156A-4737-BC16-8B7281466E3D}"/>
               </a:ext>
             </a:extLst>
           </p:cNvPr>
@@ -23403,7 +23211,7 @@
           <p:cNvPr id="130" name="TextBox 129">
             <a:extLst>
               <a:ext uri="{FF2B5EF4-FFF2-40B4-BE49-F238E27FC236}">
-                <a16:creationId xmlns:a16="http://schemas.microsoft.com/office/drawing/2014/main" xmlns="" id="{A10089C0-6EF8-4D57-A6CE-A0669B5CC44C}"/>
+                <a16:creationId xmlns="" xmlns:a16="http://schemas.microsoft.com/office/drawing/2014/main" id="{A10089C0-6EF8-4D57-A6CE-A0669B5CC44C}"/>
               </a:ext>
             </a:extLst>
           </p:cNvPr>
@@ -23438,7 +23246,7 @@
           <p:cNvPr id="131" name="TextBox 130">
             <a:extLst>
               <a:ext uri="{FF2B5EF4-FFF2-40B4-BE49-F238E27FC236}">
-                <a16:creationId xmlns:a16="http://schemas.microsoft.com/office/drawing/2014/main" xmlns="" id="{2749689E-3116-4BAE-9E22-91A505D0185A}"/>
+                <a16:creationId xmlns="" xmlns:a16="http://schemas.microsoft.com/office/drawing/2014/main" id="{2749689E-3116-4BAE-9E22-91A505D0185A}"/>
               </a:ext>
             </a:extLst>
           </p:cNvPr>
@@ -23473,7 +23281,7 @@
           <p:cNvPr id="132" name="TextBox 131">
             <a:extLst>
               <a:ext uri="{FF2B5EF4-FFF2-40B4-BE49-F238E27FC236}">
-                <a16:creationId xmlns:a16="http://schemas.microsoft.com/office/drawing/2014/main" xmlns="" id="{F2AD47CD-0CF6-4795-9D8A-ED3B91FDA2A1}"/>
+                <a16:creationId xmlns="" xmlns:a16="http://schemas.microsoft.com/office/drawing/2014/main" id="{F2AD47CD-0CF6-4795-9D8A-ED3B91FDA2A1}"/>
               </a:ext>
             </a:extLst>
           </p:cNvPr>
@@ -23533,7 +23341,7 @@
           <p:cNvPr id="133" name="사각형: 둥근 모서리 132">
             <a:extLst>
               <a:ext uri="{FF2B5EF4-FFF2-40B4-BE49-F238E27FC236}">
-                <a16:creationId xmlns:a16="http://schemas.microsoft.com/office/drawing/2014/main" xmlns="" id="{D252E4CB-AB13-445A-AC64-D28CAC8FBCDB}"/>
+                <a16:creationId xmlns="" xmlns:a16="http://schemas.microsoft.com/office/drawing/2014/main" id="{D252E4CB-AB13-445A-AC64-D28CAC8FBCDB}"/>
               </a:ext>
             </a:extLst>
           </p:cNvPr>
@@ -23594,7 +23402,7 @@
           <p:cNvPr id="134" name="사각형: 둥근 모서리 133">
             <a:extLst>
               <a:ext uri="{FF2B5EF4-FFF2-40B4-BE49-F238E27FC236}">
-                <a16:creationId xmlns:a16="http://schemas.microsoft.com/office/drawing/2014/main" xmlns="" id="{3C96203C-53F2-457D-8BC2-7CE297D96019}"/>
+                <a16:creationId xmlns="" xmlns:a16="http://schemas.microsoft.com/office/drawing/2014/main" id="{3C96203C-53F2-457D-8BC2-7CE297D96019}"/>
               </a:ext>
             </a:extLst>
           </p:cNvPr>
@@ -23648,7 +23456,7 @@
           <p:cNvPr id="135" name="하트 134">
             <a:extLst>
               <a:ext uri="{FF2B5EF4-FFF2-40B4-BE49-F238E27FC236}">
-                <a16:creationId xmlns:a16="http://schemas.microsoft.com/office/drawing/2014/main" xmlns="" id="{DF3F0A21-CCFF-4F7C-9F2A-B9DA74880613}"/>
+                <a16:creationId xmlns="" xmlns:a16="http://schemas.microsoft.com/office/drawing/2014/main" id="{DF3F0A21-CCFF-4F7C-9F2A-B9DA74880613}"/>
               </a:ext>
             </a:extLst>
           </p:cNvPr>
@@ -23697,7 +23505,7 @@
           <p:cNvPr id="137" name="사각형: 둥근 모서리 136">
             <a:extLst>
               <a:ext uri="{FF2B5EF4-FFF2-40B4-BE49-F238E27FC236}">
-                <a16:creationId xmlns:a16="http://schemas.microsoft.com/office/drawing/2014/main" xmlns="" id="{0309AF2F-49CF-4BD1-A77C-E44ADE57FE2B}"/>
+                <a16:creationId xmlns="" xmlns:a16="http://schemas.microsoft.com/office/drawing/2014/main" id="{0309AF2F-49CF-4BD1-A77C-E44ADE57FE2B}"/>
               </a:ext>
             </a:extLst>
           </p:cNvPr>
@@ -23758,7 +23566,7 @@
           <p:cNvPr id="138" name="사각형: 둥근 모서리 137">
             <a:extLst>
               <a:ext uri="{FF2B5EF4-FFF2-40B4-BE49-F238E27FC236}">
-                <a16:creationId xmlns:a16="http://schemas.microsoft.com/office/drawing/2014/main" xmlns="" id="{1C7F2493-7A31-4FCC-BFC5-9545D1813A51}"/>
+                <a16:creationId xmlns="" xmlns:a16="http://schemas.microsoft.com/office/drawing/2014/main" id="{1C7F2493-7A31-4FCC-BFC5-9545D1813A51}"/>
               </a:ext>
             </a:extLst>
           </p:cNvPr>
@@ -23824,7 +23632,7 @@
           <p:cNvPr id="139" name="사각형: 둥근 모서리 138">
             <a:extLst>
               <a:ext uri="{FF2B5EF4-FFF2-40B4-BE49-F238E27FC236}">
-                <a16:creationId xmlns:a16="http://schemas.microsoft.com/office/drawing/2014/main" xmlns="" id="{0F34F4AA-2E5B-4F4C-B411-0085B6656388}"/>
+                <a16:creationId xmlns="" xmlns:a16="http://schemas.microsoft.com/office/drawing/2014/main" id="{0F34F4AA-2E5B-4F4C-B411-0085B6656388}"/>
               </a:ext>
             </a:extLst>
           </p:cNvPr>
@@ -23890,7 +23698,7 @@
           <p:cNvPr id="140" name="사각형: 둥근 모서리 139">
             <a:extLst>
               <a:ext uri="{FF2B5EF4-FFF2-40B4-BE49-F238E27FC236}">
-                <a16:creationId xmlns:a16="http://schemas.microsoft.com/office/drawing/2014/main" xmlns="" id="{9968B818-3B1F-41EF-BD31-C54323282967}"/>
+                <a16:creationId xmlns="" xmlns:a16="http://schemas.microsoft.com/office/drawing/2014/main" id="{9968B818-3B1F-41EF-BD31-C54323282967}"/>
               </a:ext>
             </a:extLst>
           </p:cNvPr>
@@ -23951,7 +23759,7 @@
           <p:cNvPr id="141" name="사각형: 둥근 모서리 140">
             <a:extLst>
               <a:ext uri="{FF2B5EF4-FFF2-40B4-BE49-F238E27FC236}">
-                <a16:creationId xmlns:a16="http://schemas.microsoft.com/office/drawing/2014/main" xmlns="" id="{5D0B650E-C925-4AAC-812C-AE358BB62A93}"/>
+                <a16:creationId xmlns="" xmlns:a16="http://schemas.microsoft.com/office/drawing/2014/main" id="{5D0B650E-C925-4AAC-812C-AE358BB62A93}"/>
               </a:ext>
             </a:extLst>
           </p:cNvPr>
@@ -24012,7 +23820,7 @@
           <p:cNvPr id="142" name="사각형: 둥근 모서리 141">
             <a:extLst>
               <a:ext uri="{FF2B5EF4-FFF2-40B4-BE49-F238E27FC236}">
-                <a16:creationId xmlns:a16="http://schemas.microsoft.com/office/drawing/2014/main" xmlns="" id="{5CE8E81F-C65D-4A7A-ABC8-56067EBBA2F3}"/>
+                <a16:creationId xmlns="" xmlns:a16="http://schemas.microsoft.com/office/drawing/2014/main" id="{5CE8E81F-C65D-4A7A-ABC8-56067EBBA2F3}"/>
               </a:ext>
             </a:extLst>
           </p:cNvPr>
@@ -24094,7 +23902,7 @@
           <p:cNvPr id="143" name="사각형: 둥근 모서리 142">
             <a:extLst>
               <a:ext uri="{FF2B5EF4-FFF2-40B4-BE49-F238E27FC236}">
-                <a16:creationId xmlns:a16="http://schemas.microsoft.com/office/drawing/2014/main" xmlns="" id="{1583485C-491F-4979-BC6C-13081A8A8DAD}"/>
+                <a16:creationId xmlns="" xmlns:a16="http://schemas.microsoft.com/office/drawing/2014/main" id="{1583485C-491F-4979-BC6C-13081A8A8DAD}"/>
               </a:ext>
             </a:extLst>
           </p:cNvPr>
@@ -24150,6 +23958,45 @@
           </a:p>
         </p:txBody>
       </p:sp>
+      <p:pic>
+        <p:nvPicPr>
+          <p:cNvPr id="93" name="Picture 2" descr="C:\Users\507-09\Downloads\제목을 입력해주세요._1.png"/>
+          <p:cNvPicPr>
+            <a:picLocks noChangeAspect="1" noChangeArrowheads="1"/>
+          </p:cNvPicPr>
+          <p:nvPr/>
+        </p:nvPicPr>
+        <p:blipFill rotWithShape="1">
+          <a:blip r:embed="rId5" cstate="print">
+            <a:extLst>
+              <a:ext uri="{28A0092B-C50C-407E-A947-70E740481C1C}">
+                <a14:useLocalDpi xmlns:a14="http://schemas.microsoft.com/office/drawing/2010/main" val="0"/>
+              </a:ext>
+            </a:extLst>
+          </a:blip>
+          <a:srcRect l="20378" r="20844"/>
+          <a:stretch/>
+        </p:blipFill>
+        <p:spPr bwMode="auto">
+          <a:xfrm>
+            <a:off x="4025882" y="1799388"/>
+            <a:ext cx="940436" cy="288000"/>
+          </a:xfrm>
+          <a:prstGeom prst="rect">
+            <a:avLst/>
+          </a:prstGeom>
+          <a:noFill/>
+          <a:extLst>
+            <a:ext uri="{909E8E84-426E-40DD-AFC4-6F175D3DCCD1}">
+              <a14:hiddenFill xmlns:a14="http://schemas.microsoft.com/office/drawing/2010/main">
+                <a:solidFill>
+                  <a:srgbClr val="FFFFFF"/>
+                </a:solidFill>
+              </a14:hiddenFill>
+            </a:ext>
+          </a:extLst>
+        </p:spPr>
+      </p:pic>
     </p:spTree>
     <p:extLst>
       <p:ext uri="{BB962C8B-B14F-4D97-AF65-F5344CB8AC3E}">
@@ -24185,7 +24032,7 @@
           <p:cNvPr id="2" name="직사각형 1">
             <a:extLst>
               <a:ext uri="{FF2B5EF4-FFF2-40B4-BE49-F238E27FC236}">
-                <a16:creationId xmlns:a16="http://schemas.microsoft.com/office/drawing/2014/main" xmlns="" id="{8E5B996D-DF87-49E5-95D1-45B1EEB9EE9A}"/>
+                <a16:creationId xmlns="" xmlns:a16="http://schemas.microsoft.com/office/drawing/2014/main" id="{8E5B996D-DF87-49E5-95D1-45B1EEB9EE9A}"/>
               </a:ext>
             </a:extLst>
           </p:cNvPr>
@@ -24237,7 +24084,7 @@
           <p:cNvPr id="4" name="직사각형 3">
             <a:extLst>
               <a:ext uri="{FF2B5EF4-FFF2-40B4-BE49-F238E27FC236}">
-                <a16:creationId xmlns:a16="http://schemas.microsoft.com/office/drawing/2014/main" xmlns="" id="{080CEE4E-4BCA-42C3-BECA-9BCEB9931EEA}"/>
+                <a16:creationId xmlns="" xmlns:a16="http://schemas.microsoft.com/office/drawing/2014/main" id="{080CEE4E-4BCA-42C3-BECA-9BCEB9931EEA}"/>
               </a:ext>
             </a:extLst>
           </p:cNvPr>
@@ -24289,7 +24136,7 @@
           <p:cNvPr id="5" name="TextBox 4">
             <a:extLst>
               <a:ext uri="{FF2B5EF4-FFF2-40B4-BE49-F238E27FC236}">
-                <a16:creationId xmlns:a16="http://schemas.microsoft.com/office/drawing/2014/main" xmlns="" id="{D12B0B12-AB99-4F88-B4B2-948DADC833EA}"/>
+                <a16:creationId xmlns="" xmlns:a16="http://schemas.microsoft.com/office/drawing/2014/main" id="{D12B0B12-AB99-4F88-B4B2-948DADC833EA}"/>
               </a:ext>
             </a:extLst>
           </p:cNvPr>
@@ -24408,7 +24255,7 @@
           <p:cNvPr id="9" name="그림 8">
             <a:extLst>
               <a:ext uri="{FF2B5EF4-FFF2-40B4-BE49-F238E27FC236}">
-                <a16:creationId xmlns:a16="http://schemas.microsoft.com/office/drawing/2014/main" xmlns="" id="{0F0992E8-2696-42E6-805A-0C12780D8FA1}"/>
+                <a16:creationId xmlns="" xmlns:a16="http://schemas.microsoft.com/office/drawing/2014/main" id="{0F0992E8-2696-42E6-805A-0C12780D8FA1}"/>
               </a:ext>
             </a:extLst>
           </p:cNvPr>
@@ -24772,7 +24619,7 @@
           <p:cNvPr id="50" name="TextBox 49">
             <a:extLst>
               <a:ext uri="{FF2B5EF4-FFF2-40B4-BE49-F238E27FC236}">
-                <a16:creationId xmlns:a16="http://schemas.microsoft.com/office/drawing/2014/main" xmlns="" id="{606CB3EF-BD67-454E-8D48-D30774CEE106}"/>
+                <a16:creationId xmlns="" xmlns:a16="http://schemas.microsoft.com/office/drawing/2014/main" id="{606CB3EF-BD67-454E-8D48-D30774CEE106}"/>
               </a:ext>
             </a:extLst>
           </p:cNvPr>
@@ -24808,7 +24655,7 @@
           <p:cNvPr id="51" name="TextBox 50">
             <a:extLst>
               <a:ext uri="{FF2B5EF4-FFF2-40B4-BE49-F238E27FC236}">
-                <a16:creationId xmlns:a16="http://schemas.microsoft.com/office/drawing/2014/main" xmlns="" id="{6ECBB3D4-2156-4986-9434-EA8F60CE59E0}"/>
+                <a16:creationId xmlns="" xmlns:a16="http://schemas.microsoft.com/office/drawing/2014/main" id="{6ECBB3D4-2156-4986-9434-EA8F60CE59E0}"/>
               </a:ext>
             </a:extLst>
           </p:cNvPr>
@@ -24844,7 +24691,7 @@
           <p:cNvPr id="57" name="직선 연결선 56">
             <a:extLst>
               <a:ext uri="{FF2B5EF4-FFF2-40B4-BE49-F238E27FC236}">
-                <a16:creationId xmlns:a16="http://schemas.microsoft.com/office/drawing/2014/main" xmlns="" id="{A723CFAC-181E-4ABB-8790-FEC42B087A83}"/>
+                <a16:creationId xmlns="" xmlns:a16="http://schemas.microsoft.com/office/drawing/2014/main" id="{A723CFAC-181E-4ABB-8790-FEC42B087A83}"/>
               </a:ext>
             </a:extLst>
           </p:cNvPr>
@@ -24877,10 +24724,10 @@
       </p:cxnSp>
       <p:sp>
         <p:nvSpPr>
-          <p:cNvPr id="58" name="TextBox 57">
-            <a:extLst>
-              <a:ext uri="{FF2B5EF4-FFF2-40B4-BE49-F238E27FC236}">
-                <a16:creationId xmlns:a16="http://schemas.microsoft.com/office/drawing/2014/main" xmlns="" id="{010ADA31-1823-4E2F-B19C-9DF082DE9B5C}"/>
+          <p:cNvPr id="60" name="TextBox 59">
+            <a:extLst>
+              <a:ext uri="{FF2B5EF4-FFF2-40B4-BE49-F238E27FC236}">
+                <a16:creationId xmlns="" xmlns:a16="http://schemas.microsoft.com/office/drawing/2014/main" id="{78ADDD66-9CDE-4CA6-938D-D34562AC7F09}"/>
               </a:ext>
             </a:extLst>
           </p:cNvPr>
@@ -24889,7 +24736,7 @@
         </p:nvSpPr>
         <p:spPr>
           <a:xfrm>
-            <a:off x="4203946" y="1845190"/>
+            <a:off x="2329495" y="1845578"/>
             <a:ext cx="595618" cy="215444"/>
           </a:xfrm>
           <a:prstGeom prst="rect">
@@ -24904,8 +24751,8 @@
           <a:lstStyle/>
           <a:p>
             <a:r>
-              <a:rPr lang="en-US" altLang="ko-KR" sz="800" dirty="0"/>
-              <a:t>logo</a:t>
+              <a:rPr lang="ko-KR" altLang="en-US" sz="800" dirty="0" err="1"/>
+              <a:t>시터찾기</a:t>
             </a:r>
             <a:endParaRPr lang="ko-KR" altLang="en-US" sz="800" dirty="0"/>
           </a:p>
@@ -24913,10 +24760,10 @@
       </p:sp>
       <p:sp>
         <p:nvSpPr>
-          <p:cNvPr id="59" name="직사각형 58">
-            <a:extLst>
-              <a:ext uri="{FF2B5EF4-FFF2-40B4-BE49-F238E27FC236}">
-                <a16:creationId xmlns:a16="http://schemas.microsoft.com/office/drawing/2014/main" xmlns="" id="{28EAE90E-16BD-4338-B838-36E62A30452E}"/>
+          <p:cNvPr id="11" name="사각형: 위쪽 모서리의 한쪽은 둥글고 다른 한쪽은 잘림 10">
+            <a:extLst>
+              <a:ext uri="{FF2B5EF4-FFF2-40B4-BE49-F238E27FC236}">
+                <a16:creationId xmlns="" xmlns:a16="http://schemas.microsoft.com/office/drawing/2014/main" id="{D0755B07-9BF9-46BE-BECF-A785E2F601BE}"/>
               </a:ext>
             </a:extLst>
           </p:cNvPr>
@@ -24925,11 +24772,14 @@
         </p:nvSpPr>
         <p:spPr>
           <a:xfrm>
-            <a:off x="4044343" y="1845190"/>
-            <a:ext cx="224256" cy="209724"/>
-          </a:xfrm>
-          <a:prstGeom prst="rect">
-            <a:avLst/>
+            <a:off x="1877612" y="2132649"/>
+            <a:ext cx="563585" cy="271072"/>
+          </a:xfrm>
+          <a:prstGeom prst="snipRoundRect">
+            <a:avLst>
+              <a:gd name="adj1" fmla="val 16667"/>
+              <a:gd name="adj2" fmla="val 50000"/>
+            </a:avLst>
           </a:prstGeom>
           <a:solidFill>
             <a:schemeClr val="bg1"/>
@@ -24961,52 +24811,23 @@
           <a:lstStyle/>
           <a:p>
             <a:pPr algn="ctr"/>
-            <a:endParaRPr lang="ko-KR" altLang="en-US" dirty="0"/>
-          </a:p>
-        </p:txBody>
-      </p:sp>
-      <p:sp>
-        <p:nvSpPr>
-          <p:cNvPr id="60" name="TextBox 59">
-            <a:extLst>
-              <a:ext uri="{FF2B5EF4-FFF2-40B4-BE49-F238E27FC236}">
-                <a16:creationId xmlns:a16="http://schemas.microsoft.com/office/drawing/2014/main" xmlns="" id="{78ADDD66-9CDE-4CA6-938D-D34562AC7F09}"/>
-              </a:ext>
-            </a:extLst>
-          </p:cNvPr>
-          <p:cNvSpPr txBox="1"/>
-          <p:nvPr/>
-        </p:nvSpPr>
-        <p:spPr>
-          <a:xfrm>
-            <a:off x="2329495" y="1845578"/>
-            <a:ext cx="595618" cy="215444"/>
-          </a:xfrm>
-          <a:prstGeom prst="rect">
-            <a:avLst/>
-          </a:prstGeom>
-          <a:noFill/>
-        </p:spPr>
-        <p:txBody>
-          <a:bodyPr wrap="square" rtlCol="0">
-            <a:spAutoFit/>
-          </a:bodyPr>
-          <a:lstStyle/>
-          <a:p>
-            <a:r>
-              <a:rPr lang="ko-KR" altLang="en-US" sz="800" dirty="0" err="1"/>
-              <a:t>시터찾기</a:t>
-            </a:r>
-            <a:endParaRPr lang="ko-KR" altLang="en-US" sz="800" dirty="0"/>
-          </a:p>
-        </p:txBody>
-      </p:sp>
-      <p:sp>
-        <p:nvSpPr>
-          <p:cNvPr id="11" name="사각형: 위쪽 모서리의 한쪽은 둥글고 다른 한쪽은 잘림 10">
-            <a:extLst>
-              <a:ext uri="{FF2B5EF4-FFF2-40B4-BE49-F238E27FC236}">
-                <a16:creationId xmlns:a16="http://schemas.microsoft.com/office/drawing/2014/main" xmlns="" id="{D0755B07-9BF9-46BE-BECF-A785E2F601BE}"/>
+            <a:r>
+              <a:rPr lang="ko-KR" altLang="en-US" sz="800" dirty="0">
+                <a:solidFill>
+                  <a:schemeClr val="tx1"/>
+                </a:solidFill>
+              </a:rPr>
+              <a:t>보호자</a:t>
+            </a:r>
+          </a:p>
+        </p:txBody>
+      </p:sp>
+      <p:sp>
+        <p:nvSpPr>
+          <p:cNvPr id="61" name="사각형: 위쪽 모서리의 한쪽은 둥글고 다른 한쪽은 잘림 60">
+            <a:extLst>
+              <a:ext uri="{FF2B5EF4-FFF2-40B4-BE49-F238E27FC236}">
+                <a16:creationId xmlns="" xmlns:a16="http://schemas.microsoft.com/office/drawing/2014/main" id="{0F05A80D-574E-4503-9F36-D0729A774664}"/>
               </a:ext>
             </a:extLst>
           </p:cNvPr>
@@ -25015,7 +24836,7 @@
         </p:nvSpPr>
         <p:spPr>
           <a:xfrm>
-            <a:off x="1877612" y="2132649"/>
+            <a:off x="2478187" y="2132649"/>
             <a:ext cx="563585" cy="271072"/>
           </a:xfrm>
           <a:prstGeom prst="snipRoundRect">
@@ -25055,22 +24876,27 @@
           <a:p>
             <a:pPr algn="ctr"/>
             <a:r>
-              <a:rPr lang="ko-KR" altLang="en-US" sz="800" dirty="0">
+              <a:rPr lang="ko-KR" altLang="en-US" sz="800" dirty="0" err="1">
                 <a:solidFill>
                   <a:schemeClr val="tx1"/>
                 </a:solidFill>
               </a:rPr>
-              <a:t>보호자</a:t>
-            </a:r>
-          </a:p>
-        </p:txBody>
-      </p:sp>
-      <p:sp>
-        <p:nvSpPr>
-          <p:cNvPr id="61" name="사각형: 위쪽 모서리의 한쪽은 둥글고 다른 한쪽은 잘림 60">
-            <a:extLst>
-              <a:ext uri="{FF2B5EF4-FFF2-40B4-BE49-F238E27FC236}">
-                <a16:creationId xmlns:a16="http://schemas.microsoft.com/office/drawing/2014/main" xmlns="" id="{0F05A80D-574E-4503-9F36-D0729A774664}"/>
+              <a:t>시터</a:t>
+            </a:r>
+            <a:endParaRPr lang="ko-KR" altLang="en-US" sz="800" dirty="0">
+              <a:solidFill>
+                <a:schemeClr val="tx1"/>
+              </a:solidFill>
+            </a:endParaRPr>
+          </a:p>
+        </p:txBody>
+      </p:sp>
+      <p:sp>
+        <p:nvSpPr>
+          <p:cNvPr id="62" name="사각형: 위쪽 모서리의 한쪽은 둥글고 다른 한쪽은 잘림 61">
+            <a:extLst>
+              <a:ext uri="{FF2B5EF4-FFF2-40B4-BE49-F238E27FC236}">
+                <a16:creationId xmlns="" xmlns:a16="http://schemas.microsoft.com/office/drawing/2014/main" id="{73E013A2-B442-4546-A05C-EC2A2F2B7FC7}"/>
               </a:ext>
             </a:extLst>
           </p:cNvPr>
@@ -25079,7 +24905,7 @@
         </p:nvSpPr>
         <p:spPr>
           <a:xfrm>
-            <a:off x="2478187" y="2132649"/>
+            <a:off x="3078762" y="2132649"/>
             <a:ext cx="563585" cy="271072"/>
           </a:xfrm>
           <a:prstGeom prst="snipRoundRect">
@@ -25089,7 +24915,10 @@
             </a:avLst>
           </a:prstGeom>
           <a:solidFill>
-            <a:schemeClr val="bg1"/>
+            <a:schemeClr val="accent6">
+              <a:lumMod val="60000"/>
+              <a:lumOff val="40000"/>
+            </a:schemeClr>
           </a:solidFill>
           <a:ln>
             <a:solidFill>
@@ -25119,27 +24948,22 @@
           <a:p>
             <a:pPr algn="ctr"/>
             <a:r>
-              <a:rPr lang="ko-KR" altLang="en-US" sz="800" dirty="0" err="1">
+              <a:rPr lang="ko-KR" altLang="en-US" sz="800" dirty="0">
                 <a:solidFill>
                   <a:schemeClr val="tx1"/>
                 </a:solidFill>
               </a:rPr>
-              <a:t>시터</a:t>
-            </a:r>
-            <a:endParaRPr lang="ko-KR" altLang="en-US" sz="800" dirty="0">
-              <a:solidFill>
-                <a:schemeClr val="tx1"/>
-              </a:solidFill>
-            </a:endParaRPr>
-          </a:p>
-        </p:txBody>
-      </p:sp>
-      <p:sp>
-        <p:nvSpPr>
-          <p:cNvPr id="62" name="사각형: 위쪽 모서리의 한쪽은 둥글고 다른 한쪽은 잘림 61">
-            <a:extLst>
-              <a:ext uri="{FF2B5EF4-FFF2-40B4-BE49-F238E27FC236}">
-                <a16:creationId xmlns:a16="http://schemas.microsoft.com/office/drawing/2014/main" xmlns="" id="{73E013A2-B442-4546-A05C-EC2A2F2B7FC7}"/>
+              <a:t>이동</a:t>
+            </a:r>
+          </a:p>
+        </p:txBody>
+      </p:sp>
+      <p:sp>
+        <p:nvSpPr>
+          <p:cNvPr id="92" name="사각형: 위쪽 모서리의 한쪽은 둥글고 다른 한쪽은 잘림 91">
+            <a:extLst>
+              <a:ext uri="{FF2B5EF4-FFF2-40B4-BE49-F238E27FC236}">
+                <a16:creationId xmlns="" xmlns:a16="http://schemas.microsoft.com/office/drawing/2014/main" id="{BA222BE2-A61D-4450-8A37-BE793B84A2E2}"/>
               </a:ext>
             </a:extLst>
           </p:cNvPr>
@@ -25148,7 +24972,7 @@
         </p:nvSpPr>
         <p:spPr>
           <a:xfrm>
-            <a:off x="3078762" y="2132649"/>
+            <a:off x="3680551" y="2134837"/>
             <a:ext cx="563585" cy="271072"/>
           </a:xfrm>
           <a:prstGeom prst="snipRoundRect">
@@ -25158,10 +24982,7 @@
             </a:avLst>
           </a:prstGeom>
           <a:solidFill>
-            <a:schemeClr val="accent6">
-              <a:lumMod val="60000"/>
-              <a:lumOff val="40000"/>
-            </a:schemeClr>
+            <a:schemeClr val="bg1"/>
           </a:solidFill>
           <a:ln>
             <a:solidFill>
@@ -25196,75 +25017,50 @@
                   <a:schemeClr val="tx1"/>
                 </a:solidFill>
               </a:rPr>
-              <a:t>이동</a:t>
-            </a:r>
-          </a:p>
-        </p:txBody>
-      </p:sp>
-      <p:sp>
-        <p:nvSpPr>
-          <p:cNvPr id="92" name="사각형: 위쪽 모서리의 한쪽은 둥글고 다른 한쪽은 잘림 91">
-            <a:extLst>
-              <a:ext uri="{FF2B5EF4-FFF2-40B4-BE49-F238E27FC236}">
-                <a16:creationId xmlns:a16="http://schemas.microsoft.com/office/drawing/2014/main" xmlns="" id="{BA222BE2-A61D-4450-8A37-BE793B84A2E2}"/>
-              </a:ext>
-            </a:extLst>
-          </p:cNvPr>
-          <p:cNvSpPr/>
-          <p:nvPr/>
-        </p:nvSpPr>
-        <p:spPr>
-          <a:xfrm>
-            <a:off x="3680551" y="2134837"/>
-            <a:ext cx="563585" cy="271072"/>
-          </a:xfrm>
-          <a:prstGeom prst="snipRoundRect">
-            <a:avLst>
-              <a:gd name="adj1" fmla="val 16667"/>
-              <a:gd name="adj2" fmla="val 50000"/>
-            </a:avLst>
-          </a:prstGeom>
-          <a:solidFill>
-            <a:schemeClr val="bg1"/>
-          </a:solidFill>
-          <a:ln>
-            <a:solidFill>
-              <a:schemeClr val="tx1"/>
-            </a:solidFill>
-          </a:ln>
-        </p:spPr>
-        <p:style>
-          <a:lnRef idx="2">
-            <a:schemeClr val="accent1">
-              <a:shade val="50000"/>
-            </a:schemeClr>
-          </a:lnRef>
-          <a:fillRef idx="1">
-            <a:schemeClr val="accent1"/>
-          </a:fillRef>
-          <a:effectRef idx="0">
-            <a:schemeClr val="accent1"/>
-          </a:effectRef>
-          <a:fontRef idx="minor">
-            <a:schemeClr val="lt1"/>
-          </a:fontRef>
-        </p:style>
-        <p:txBody>
-          <a:bodyPr rtlCol="0" anchor="ctr"/>
-          <a:lstStyle/>
-          <a:p>
-            <a:pPr algn="ctr"/>
-            <a:r>
-              <a:rPr lang="ko-KR" altLang="en-US" sz="800" dirty="0">
-                <a:solidFill>
-                  <a:schemeClr val="tx1"/>
-                </a:solidFill>
-              </a:rPr>
               <a:t>프로그램</a:t>
             </a:r>
           </a:p>
         </p:txBody>
       </p:sp>
+      <p:pic>
+        <p:nvPicPr>
+          <p:cNvPr id="19" name="Picture 2" descr="C:\Users\507-09\Downloads\제목을 입력해주세요._1.png"/>
+          <p:cNvPicPr>
+            <a:picLocks noChangeAspect="1" noChangeArrowheads="1"/>
+          </p:cNvPicPr>
+          <p:nvPr/>
+        </p:nvPicPr>
+        <p:blipFill rotWithShape="1">
+          <a:blip r:embed="rId5" cstate="print">
+            <a:extLst>
+              <a:ext uri="{28A0092B-C50C-407E-A947-70E740481C1C}">
+                <a14:useLocalDpi xmlns:a14="http://schemas.microsoft.com/office/drawing/2010/main" val="0"/>
+              </a:ext>
+            </a:extLst>
+          </a:blip>
+          <a:srcRect l="20378" r="20844"/>
+          <a:stretch/>
+        </p:blipFill>
+        <p:spPr bwMode="auto">
+          <a:xfrm>
+            <a:off x="4025882" y="1799388"/>
+            <a:ext cx="940436" cy="288000"/>
+          </a:xfrm>
+          <a:prstGeom prst="rect">
+            <a:avLst/>
+          </a:prstGeom>
+          <a:noFill/>
+          <a:extLst>
+            <a:ext uri="{909E8E84-426E-40DD-AFC4-6F175D3DCCD1}">
+              <a14:hiddenFill xmlns:a14="http://schemas.microsoft.com/office/drawing/2010/main">
+                <a:solidFill>
+                  <a:srgbClr val="FFFFFF"/>
+                </a:solidFill>
+              </a14:hiddenFill>
+            </a:ext>
+          </a:extLst>
+        </p:spPr>
+      </p:pic>
     </p:spTree>
     <p:extLst>
       <p:ext uri="{BB962C8B-B14F-4D97-AF65-F5344CB8AC3E}">
@@ -25300,7 +25096,7 @@
           <p:cNvPr id="2" name="직사각형 1">
             <a:extLst>
               <a:ext uri="{FF2B5EF4-FFF2-40B4-BE49-F238E27FC236}">
-                <a16:creationId xmlns:a16="http://schemas.microsoft.com/office/drawing/2014/main" xmlns="" id="{8E5B996D-DF87-49E5-95D1-45B1EEB9EE9A}"/>
+                <a16:creationId xmlns="" xmlns:a16="http://schemas.microsoft.com/office/drawing/2014/main" id="{8E5B996D-DF87-49E5-95D1-45B1EEB9EE9A}"/>
               </a:ext>
             </a:extLst>
           </p:cNvPr>
@@ -25352,7 +25148,7 @@
           <p:cNvPr id="4" name="직사각형 3">
             <a:extLst>
               <a:ext uri="{FF2B5EF4-FFF2-40B4-BE49-F238E27FC236}">
-                <a16:creationId xmlns:a16="http://schemas.microsoft.com/office/drawing/2014/main" xmlns="" id="{080CEE4E-4BCA-42C3-BECA-9BCEB9931EEA}"/>
+                <a16:creationId xmlns="" xmlns:a16="http://schemas.microsoft.com/office/drawing/2014/main" id="{080CEE4E-4BCA-42C3-BECA-9BCEB9931EEA}"/>
               </a:ext>
             </a:extLst>
           </p:cNvPr>
@@ -25404,7 +25200,7 @@
           <p:cNvPr id="5" name="TextBox 4">
             <a:extLst>
               <a:ext uri="{FF2B5EF4-FFF2-40B4-BE49-F238E27FC236}">
-                <a16:creationId xmlns:a16="http://schemas.microsoft.com/office/drawing/2014/main" xmlns="" id="{D12B0B12-AB99-4F88-B4B2-948DADC833EA}"/>
+                <a16:creationId xmlns="" xmlns:a16="http://schemas.microsoft.com/office/drawing/2014/main" id="{D12B0B12-AB99-4F88-B4B2-948DADC833EA}"/>
               </a:ext>
             </a:extLst>
           </p:cNvPr>
@@ -25523,7 +25319,7 @@
           <p:cNvPr id="9" name="그림 8">
             <a:extLst>
               <a:ext uri="{FF2B5EF4-FFF2-40B4-BE49-F238E27FC236}">
-                <a16:creationId xmlns:a16="http://schemas.microsoft.com/office/drawing/2014/main" xmlns="" id="{0F0992E8-2696-42E6-805A-0C12780D8FA1}"/>
+                <a16:creationId xmlns="" xmlns:a16="http://schemas.microsoft.com/office/drawing/2014/main" id="{0F0992E8-2696-42E6-805A-0C12780D8FA1}"/>
               </a:ext>
             </a:extLst>
           </p:cNvPr>
@@ -25887,7 +25683,7 @@
           <p:cNvPr id="50" name="TextBox 49">
             <a:extLst>
               <a:ext uri="{FF2B5EF4-FFF2-40B4-BE49-F238E27FC236}">
-                <a16:creationId xmlns:a16="http://schemas.microsoft.com/office/drawing/2014/main" xmlns="" id="{606CB3EF-BD67-454E-8D48-D30774CEE106}"/>
+                <a16:creationId xmlns="" xmlns:a16="http://schemas.microsoft.com/office/drawing/2014/main" id="{606CB3EF-BD67-454E-8D48-D30774CEE106}"/>
               </a:ext>
             </a:extLst>
           </p:cNvPr>
@@ -25923,7 +25719,7 @@
           <p:cNvPr id="51" name="TextBox 50">
             <a:extLst>
               <a:ext uri="{FF2B5EF4-FFF2-40B4-BE49-F238E27FC236}">
-                <a16:creationId xmlns:a16="http://schemas.microsoft.com/office/drawing/2014/main" xmlns="" id="{6ECBB3D4-2156-4986-9434-EA8F60CE59E0}"/>
+                <a16:creationId xmlns="" xmlns:a16="http://schemas.microsoft.com/office/drawing/2014/main" id="{6ECBB3D4-2156-4986-9434-EA8F60CE59E0}"/>
               </a:ext>
             </a:extLst>
           </p:cNvPr>
@@ -25959,7 +25755,7 @@
           <p:cNvPr id="57" name="직선 연결선 56">
             <a:extLst>
               <a:ext uri="{FF2B5EF4-FFF2-40B4-BE49-F238E27FC236}">
-                <a16:creationId xmlns:a16="http://schemas.microsoft.com/office/drawing/2014/main" xmlns="" id="{A723CFAC-181E-4ABB-8790-FEC42B087A83}"/>
+                <a16:creationId xmlns="" xmlns:a16="http://schemas.microsoft.com/office/drawing/2014/main" id="{A723CFAC-181E-4ABB-8790-FEC42B087A83}"/>
               </a:ext>
             </a:extLst>
           </p:cNvPr>
@@ -25992,10 +25788,10 @@
       </p:cxnSp>
       <p:sp>
         <p:nvSpPr>
-          <p:cNvPr id="58" name="TextBox 57">
-            <a:extLst>
-              <a:ext uri="{FF2B5EF4-FFF2-40B4-BE49-F238E27FC236}">
-                <a16:creationId xmlns:a16="http://schemas.microsoft.com/office/drawing/2014/main" xmlns="" id="{010ADA31-1823-4E2F-B19C-9DF082DE9B5C}"/>
+          <p:cNvPr id="60" name="TextBox 59">
+            <a:extLst>
+              <a:ext uri="{FF2B5EF4-FFF2-40B4-BE49-F238E27FC236}">
+                <a16:creationId xmlns="" xmlns:a16="http://schemas.microsoft.com/office/drawing/2014/main" id="{78ADDD66-9CDE-4CA6-938D-D34562AC7F09}"/>
               </a:ext>
             </a:extLst>
           </p:cNvPr>
@@ -26004,7 +25800,7 @@
         </p:nvSpPr>
         <p:spPr>
           <a:xfrm>
-            <a:off x="4203946" y="1845190"/>
+            <a:off x="2329495" y="1845578"/>
             <a:ext cx="595618" cy="215444"/>
           </a:xfrm>
           <a:prstGeom prst="rect">
@@ -26019,8 +25815,8 @@
           <a:lstStyle/>
           <a:p>
             <a:r>
-              <a:rPr lang="en-US" altLang="ko-KR" sz="800" dirty="0"/>
-              <a:t>logo</a:t>
+              <a:rPr lang="ko-KR" altLang="en-US" sz="800" dirty="0" err="1"/>
+              <a:t>시터찾기</a:t>
             </a:r>
             <a:endParaRPr lang="ko-KR" altLang="en-US" sz="800" dirty="0"/>
           </a:p>
@@ -26028,10 +25824,10 @@
       </p:sp>
       <p:sp>
         <p:nvSpPr>
-          <p:cNvPr id="59" name="직사각형 58">
-            <a:extLst>
-              <a:ext uri="{FF2B5EF4-FFF2-40B4-BE49-F238E27FC236}">
-                <a16:creationId xmlns:a16="http://schemas.microsoft.com/office/drawing/2014/main" xmlns="" id="{28EAE90E-16BD-4338-B838-36E62A30452E}"/>
+          <p:cNvPr id="11" name="사각형: 위쪽 모서리의 한쪽은 둥글고 다른 한쪽은 잘림 10">
+            <a:extLst>
+              <a:ext uri="{FF2B5EF4-FFF2-40B4-BE49-F238E27FC236}">
+                <a16:creationId xmlns="" xmlns:a16="http://schemas.microsoft.com/office/drawing/2014/main" id="{D0755B07-9BF9-46BE-BECF-A785E2F601BE}"/>
               </a:ext>
             </a:extLst>
           </p:cNvPr>
@@ -26040,11 +25836,14 @@
         </p:nvSpPr>
         <p:spPr>
           <a:xfrm>
-            <a:off x="4044343" y="1845190"/>
-            <a:ext cx="224256" cy="209724"/>
-          </a:xfrm>
-          <a:prstGeom prst="rect">
-            <a:avLst/>
+            <a:off x="1877612" y="2132649"/>
+            <a:ext cx="563585" cy="271072"/>
+          </a:xfrm>
+          <a:prstGeom prst="snipRoundRect">
+            <a:avLst>
+              <a:gd name="adj1" fmla="val 16667"/>
+              <a:gd name="adj2" fmla="val 50000"/>
+            </a:avLst>
           </a:prstGeom>
           <a:solidFill>
             <a:schemeClr val="bg1"/>
@@ -26076,52 +25875,23 @@
           <a:lstStyle/>
           <a:p>
             <a:pPr algn="ctr"/>
-            <a:endParaRPr lang="ko-KR" altLang="en-US" dirty="0"/>
-          </a:p>
-        </p:txBody>
-      </p:sp>
-      <p:sp>
-        <p:nvSpPr>
-          <p:cNvPr id="60" name="TextBox 59">
-            <a:extLst>
-              <a:ext uri="{FF2B5EF4-FFF2-40B4-BE49-F238E27FC236}">
-                <a16:creationId xmlns:a16="http://schemas.microsoft.com/office/drawing/2014/main" xmlns="" id="{78ADDD66-9CDE-4CA6-938D-D34562AC7F09}"/>
-              </a:ext>
-            </a:extLst>
-          </p:cNvPr>
-          <p:cNvSpPr txBox="1"/>
-          <p:nvPr/>
-        </p:nvSpPr>
-        <p:spPr>
-          <a:xfrm>
-            <a:off x="2329495" y="1845578"/>
-            <a:ext cx="595618" cy="215444"/>
-          </a:xfrm>
-          <a:prstGeom prst="rect">
-            <a:avLst/>
-          </a:prstGeom>
-          <a:noFill/>
-        </p:spPr>
-        <p:txBody>
-          <a:bodyPr wrap="square" rtlCol="0">
-            <a:spAutoFit/>
-          </a:bodyPr>
-          <a:lstStyle/>
-          <a:p>
-            <a:r>
-              <a:rPr lang="ko-KR" altLang="en-US" sz="800" dirty="0" err="1"/>
-              <a:t>시터찾기</a:t>
-            </a:r>
-            <a:endParaRPr lang="ko-KR" altLang="en-US" sz="800" dirty="0"/>
-          </a:p>
-        </p:txBody>
-      </p:sp>
-      <p:sp>
-        <p:nvSpPr>
-          <p:cNvPr id="11" name="사각형: 위쪽 모서리의 한쪽은 둥글고 다른 한쪽은 잘림 10">
-            <a:extLst>
-              <a:ext uri="{FF2B5EF4-FFF2-40B4-BE49-F238E27FC236}">
-                <a16:creationId xmlns:a16="http://schemas.microsoft.com/office/drawing/2014/main" xmlns="" id="{D0755B07-9BF9-46BE-BECF-A785E2F601BE}"/>
+            <a:r>
+              <a:rPr lang="ko-KR" altLang="en-US" sz="800" dirty="0">
+                <a:solidFill>
+                  <a:schemeClr val="tx1"/>
+                </a:solidFill>
+              </a:rPr>
+              <a:t>보호자</a:t>
+            </a:r>
+          </a:p>
+        </p:txBody>
+      </p:sp>
+      <p:sp>
+        <p:nvSpPr>
+          <p:cNvPr id="61" name="사각형: 위쪽 모서리의 한쪽은 둥글고 다른 한쪽은 잘림 60">
+            <a:extLst>
+              <a:ext uri="{FF2B5EF4-FFF2-40B4-BE49-F238E27FC236}">
+                <a16:creationId xmlns="" xmlns:a16="http://schemas.microsoft.com/office/drawing/2014/main" id="{0F05A80D-574E-4503-9F36-D0729A774664}"/>
               </a:ext>
             </a:extLst>
           </p:cNvPr>
@@ -26130,7 +25900,7 @@
         </p:nvSpPr>
         <p:spPr>
           <a:xfrm>
-            <a:off x="1877612" y="2132649"/>
+            <a:off x="2478187" y="2132649"/>
             <a:ext cx="563585" cy="271072"/>
           </a:xfrm>
           <a:prstGeom prst="snipRoundRect">
@@ -26170,22 +25940,27 @@
           <a:p>
             <a:pPr algn="ctr"/>
             <a:r>
-              <a:rPr lang="ko-KR" altLang="en-US" sz="800" dirty="0">
+              <a:rPr lang="ko-KR" altLang="en-US" sz="800" dirty="0" err="1">
                 <a:solidFill>
                   <a:schemeClr val="tx1"/>
                 </a:solidFill>
               </a:rPr>
-              <a:t>보호자</a:t>
-            </a:r>
-          </a:p>
-        </p:txBody>
-      </p:sp>
-      <p:sp>
-        <p:nvSpPr>
-          <p:cNvPr id="61" name="사각형: 위쪽 모서리의 한쪽은 둥글고 다른 한쪽은 잘림 60">
-            <a:extLst>
-              <a:ext uri="{FF2B5EF4-FFF2-40B4-BE49-F238E27FC236}">
-                <a16:creationId xmlns:a16="http://schemas.microsoft.com/office/drawing/2014/main" xmlns="" id="{0F05A80D-574E-4503-9F36-D0729A774664}"/>
+              <a:t>시터</a:t>
+            </a:r>
+            <a:endParaRPr lang="ko-KR" altLang="en-US" sz="800" dirty="0">
+              <a:solidFill>
+                <a:schemeClr val="tx1"/>
+              </a:solidFill>
+            </a:endParaRPr>
+          </a:p>
+        </p:txBody>
+      </p:sp>
+      <p:sp>
+        <p:nvSpPr>
+          <p:cNvPr id="62" name="사각형: 위쪽 모서리의 한쪽은 둥글고 다른 한쪽은 잘림 61">
+            <a:extLst>
+              <a:ext uri="{FF2B5EF4-FFF2-40B4-BE49-F238E27FC236}">
+                <a16:creationId xmlns="" xmlns:a16="http://schemas.microsoft.com/office/drawing/2014/main" id="{73E013A2-B442-4546-A05C-EC2A2F2B7FC7}"/>
               </a:ext>
             </a:extLst>
           </p:cNvPr>
@@ -26194,7 +25969,7 @@
         </p:nvSpPr>
         <p:spPr>
           <a:xfrm>
-            <a:off x="2478187" y="2132649"/>
+            <a:off x="3078762" y="2132649"/>
             <a:ext cx="563585" cy="271072"/>
           </a:xfrm>
           <a:prstGeom prst="snipRoundRect">
@@ -26234,27 +26009,22 @@
           <a:p>
             <a:pPr algn="ctr"/>
             <a:r>
-              <a:rPr lang="ko-KR" altLang="en-US" sz="800" dirty="0" err="1">
+              <a:rPr lang="ko-KR" altLang="en-US" sz="800" dirty="0">
                 <a:solidFill>
                   <a:schemeClr val="tx1"/>
                 </a:solidFill>
               </a:rPr>
-              <a:t>시터</a:t>
-            </a:r>
-            <a:endParaRPr lang="ko-KR" altLang="en-US" sz="800" dirty="0">
-              <a:solidFill>
-                <a:schemeClr val="tx1"/>
-              </a:solidFill>
-            </a:endParaRPr>
-          </a:p>
-        </p:txBody>
-      </p:sp>
-      <p:sp>
-        <p:nvSpPr>
-          <p:cNvPr id="62" name="사각형: 위쪽 모서리의 한쪽은 둥글고 다른 한쪽은 잘림 61">
-            <a:extLst>
-              <a:ext uri="{FF2B5EF4-FFF2-40B4-BE49-F238E27FC236}">
-                <a16:creationId xmlns:a16="http://schemas.microsoft.com/office/drawing/2014/main" xmlns="" id="{73E013A2-B442-4546-A05C-EC2A2F2B7FC7}"/>
+              <a:t>이동</a:t>
+            </a:r>
+          </a:p>
+        </p:txBody>
+      </p:sp>
+      <p:sp>
+        <p:nvSpPr>
+          <p:cNvPr id="92" name="사각형: 위쪽 모서리의 한쪽은 둥글고 다른 한쪽은 잘림 91">
+            <a:extLst>
+              <a:ext uri="{FF2B5EF4-FFF2-40B4-BE49-F238E27FC236}">
+                <a16:creationId xmlns="" xmlns:a16="http://schemas.microsoft.com/office/drawing/2014/main" id="{BA222BE2-A61D-4450-8A37-BE793B84A2E2}"/>
               </a:ext>
             </a:extLst>
           </p:cNvPr>
@@ -26263,7 +26033,7 @@
         </p:nvSpPr>
         <p:spPr>
           <a:xfrm>
-            <a:off x="3078762" y="2132649"/>
+            <a:off x="3680551" y="2134837"/>
             <a:ext cx="563585" cy="271072"/>
           </a:xfrm>
           <a:prstGeom prst="snipRoundRect">
@@ -26273,7 +26043,10 @@
             </a:avLst>
           </a:prstGeom>
           <a:solidFill>
-            <a:schemeClr val="bg1"/>
+            <a:schemeClr val="accent6">
+              <a:lumMod val="60000"/>
+              <a:lumOff val="40000"/>
+            </a:schemeClr>
           </a:solidFill>
           <a:ln>
             <a:solidFill>
@@ -26308,78 +26081,50 @@
                   <a:schemeClr val="tx1"/>
                 </a:solidFill>
               </a:rPr>
-              <a:t>이동</a:t>
-            </a:r>
-          </a:p>
-        </p:txBody>
-      </p:sp>
-      <p:sp>
-        <p:nvSpPr>
-          <p:cNvPr id="92" name="사각형: 위쪽 모서리의 한쪽은 둥글고 다른 한쪽은 잘림 91">
-            <a:extLst>
-              <a:ext uri="{FF2B5EF4-FFF2-40B4-BE49-F238E27FC236}">
-                <a16:creationId xmlns:a16="http://schemas.microsoft.com/office/drawing/2014/main" xmlns="" id="{BA222BE2-A61D-4450-8A37-BE793B84A2E2}"/>
-              </a:ext>
-            </a:extLst>
-          </p:cNvPr>
-          <p:cNvSpPr/>
-          <p:nvPr/>
-        </p:nvSpPr>
-        <p:spPr>
-          <a:xfrm>
-            <a:off x="3680551" y="2134837"/>
-            <a:ext cx="563585" cy="271072"/>
-          </a:xfrm>
-          <a:prstGeom prst="snipRoundRect">
-            <a:avLst>
-              <a:gd name="adj1" fmla="val 16667"/>
-              <a:gd name="adj2" fmla="val 50000"/>
-            </a:avLst>
-          </a:prstGeom>
-          <a:solidFill>
-            <a:schemeClr val="accent6">
-              <a:lumMod val="60000"/>
-              <a:lumOff val="40000"/>
-            </a:schemeClr>
-          </a:solidFill>
-          <a:ln>
-            <a:solidFill>
-              <a:schemeClr val="tx1"/>
-            </a:solidFill>
-          </a:ln>
-        </p:spPr>
-        <p:style>
-          <a:lnRef idx="2">
-            <a:schemeClr val="accent1">
-              <a:shade val="50000"/>
-            </a:schemeClr>
-          </a:lnRef>
-          <a:fillRef idx="1">
-            <a:schemeClr val="accent1"/>
-          </a:fillRef>
-          <a:effectRef idx="0">
-            <a:schemeClr val="accent1"/>
-          </a:effectRef>
-          <a:fontRef idx="minor">
-            <a:schemeClr val="lt1"/>
-          </a:fontRef>
-        </p:style>
-        <p:txBody>
-          <a:bodyPr rtlCol="0" anchor="ctr"/>
-          <a:lstStyle/>
-          <a:p>
-            <a:pPr algn="ctr"/>
-            <a:r>
-              <a:rPr lang="ko-KR" altLang="en-US" sz="800" dirty="0">
-                <a:solidFill>
-                  <a:schemeClr val="tx1"/>
-                </a:solidFill>
-              </a:rPr>
               <a:t>프로그램</a:t>
             </a:r>
           </a:p>
         </p:txBody>
       </p:sp>
+      <p:pic>
+        <p:nvPicPr>
+          <p:cNvPr id="19" name="Picture 2" descr="C:\Users\507-09\Downloads\제목을 입력해주세요._1.png"/>
+          <p:cNvPicPr>
+            <a:picLocks noChangeAspect="1" noChangeArrowheads="1"/>
+          </p:cNvPicPr>
+          <p:nvPr/>
+        </p:nvPicPr>
+        <p:blipFill rotWithShape="1">
+          <a:blip r:embed="rId5" cstate="print">
+            <a:extLst>
+              <a:ext uri="{28A0092B-C50C-407E-A947-70E740481C1C}">
+                <a14:useLocalDpi xmlns:a14="http://schemas.microsoft.com/office/drawing/2010/main" val="0"/>
+              </a:ext>
+            </a:extLst>
+          </a:blip>
+          <a:srcRect l="20378" r="20844"/>
+          <a:stretch/>
+        </p:blipFill>
+        <p:spPr bwMode="auto">
+          <a:xfrm>
+            <a:off x="4025882" y="1799388"/>
+            <a:ext cx="940436" cy="288000"/>
+          </a:xfrm>
+          <a:prstGeom prst="rect">
+            <a:avLst/>
+          </a:prstGeom>
+          <a:noFill/>
+          <a:extLst>
+            <a:ext uri="{909E8E84-426E-40DD-AFC4-6F175D3DCCD1}">
+              <a14:hiddenFill xmlns:a14="http://schemas.microsoft.com/office/drawing/2010/main">
+                <a:solidFill>
+                  <a:srgbClr val="FFFFFF"/>
+                </a:solidFill>
+              </a14:hiddenFill>
+            </a:ext>
+          </a:extLst>
+        </p:spPr>
+      </p:pic>
     </p:spTree>
     <p:extLst>
       <p:ext uri="{BB962C8B-B14F-4D97-AF65-F5344CB8AC3E}">
@@ -26415,7 +26160,7 @@
           <p:cNvPr id="2" name="직사각형 1">
             <a:extLst>
               <a:ext uri="{FF2B5EF4-FFF2-40B4-BE49-F238E27FC236}">
-                <a16:creationId xmlns:a16="http://schemas.microsoft.com/office/drawing/2014/main" xmlns="" id="{8E5B996D-DF87-49E5-95D1-45B1EEB9EE9A}"/>
+                <a16:creationId xmlns="" xmlns:a16="http://schemas.microsoft.com/office/drawing/2014/main" id="{8E5B996D-DF87-49E5-95D1-45B1EEB9EE9A}"/>
               </a:ext>
             </a:extLst>
           </p:cNvPr>
@@ -26467,7 +26212,7 @@
           <p:cNvPr id="4" name="직사각형 3">
             <a:extLst>
               <a:ext uri="{FF2B5EF4-FFF2-40B4-BE49-F238E27FC236}">
-                <a16:creationId xmlns:a16="http://schemas.microsoft.com/office/drawing/2014/main" xmlns="" id="{080CEE4E-4BCA-42C3-BECA-9BCEB9931EEA}"/>
+                <a16:creationId xmlns="" xmlns:a16="http://schemas.microsoft.com/office/drawing/2014/main" id="{080CEE4E-4BCA-42C3-BECA-9BCEB9931EEA}"/>
               </a:ext>
             </a:extLst>
           </p:cNvPr>
@@ -26519,7 +26264,7 @@
           <p:cNvPr id="5" name="TextBox 4">
             <a:extLst>
               <a:ext uri="{FF2B5EF4-FFF2-40B4-BE49-F238E27FC236}">
-                <a16:creationId xmlns:a16="http://schemas.microsoft.com/office/drawing/2014/main" xmlns="" id="{D12B0B12-AB99-4F88-B4B2-948DADC833EA}"/>
+                <a16:creationId xmlns="" xmlns:a16="http://schemas.microsoft.com/office/drawing/2014/main" id="{D12B0B12-AB99-4F88-B4B2-948DADC833EA}"/>
               </a:ext>
             </a:extLst>
           </p:cNvPr>
@@ -26638,7 +26383,7 @@
           <p:cNvPr id="9" name="그림 8">
             <a:extLst>
               <a:ext uri="{FF2B5EF4-FFF2-40B4-BE49-F238E27FC236}">
-                <a16:creationId xmlns:a16="http://schemas.microsoft.com/office/drawing/2014/main" xmlns="" id="{0F0992E8-2696-42E6-805A-0C12780D8FA1}"/>
+                <a16:creationId xmlns="" xmlns:a16="http://schemas.microsoft.com/office/drawing/2014/main" id="{0F0992E8-2696-42E6-805A-0C12780D8FA1}"/>
               </a:ext>
             </a:extLst>
           </p:cNvPr>
@@ -26889,7 +26634,7 @@
           <p:cNvPr id="4" name="그림 3" descr="실내, 사람이(가) 표시된 사진&#10;&#10;자동 생성된 설명">
             <a:extLst>
               <a:ext uri="{FF2B5EF4-FFF2-40B4-BE49-F238E27FC236}">
-                <a16:creationId xmlns:a16="http://schemas.microsoft.com/office/drawing/2014/main" xmlns="" id="{4D077A45-DF2B-4618-9394-A141B13B1420}"/>
+                <a16:creationId xmlns="" xmlns:a16="http://schemas.microsoft.com/office/drawing/2014/main" id="{4D077A45-DF2B-4618-9394-A141B13B1420}"/>
               </a:ext>
             </a:extLst>
           </p:cNvPr>
@@ -26925,7 +26670,7 @@
           <p:cNvPr id="5" name="TextBox 4">
             <a:extLst>
               <a:ext uri="{FF2B5EF4-FFF2-40B4-BE49-F238E27FC236}">
-                <a16:creationId xmlns:a16="http://schemas.microsoft.com/office/drawing/2014/main" xmlns="" id="{23D82F33-5629-4A89-96F7-5348A5E7BF64}"/>
+                <a16:creationId xmlns="" xmlns:a16="http://schemas.microsoft.com/office/drawing/2014/main" id="{23D82F33-5629-4A89-96F7-5348A5E7BF64}"/>
               </a:ext>
             </a:extLst>
           </p:cNvPr>
@@ -27009,7 +26754,7 @@
           <p:cNvPr id="15" name="그룹 14">
             <a:extLst>
               <a:ext uri="{FF2B5EF4-FFF2-40B4-BE49-F238E27FC236}">
-                <a16:creationId xmlns:a16="http://schemas.microsoft.com/office/drawing/2014/main" xmlns="" id="{B7536413-EBBF-45BD-956C-DBF04F557F50}"/>
+                <a16:creationId xmlns="" xmlns:a16="http://schemas.microsoft.com/office/drawing/2014/main" id="{B7536413-EBBF-45BD-956C-DBF04F557F50}"/>
               </a:ext>
             </a:extLst>
           </p:cNvPr>
@@ -27029,7 +26774,7 @@
             <p:cNvPr id="8" name="직사각형 7">
               <a:extLst>
                 <a:ext uri="{FF2B5EF4-FFF2-40B4-BE49-F238E27FC236}">
-                  <a16:creationId xmlns:a16="http://schemas.microsoft.com/office/drawing/2014/main" xmlns="" id="{F11A9128-76C8-4335-872F-E85671129C65}"/>
+                  <a16:creationId xmlns="" xmlns:a16="http://schemas.microsoft.com/office/drawing/2014/main" id="{F11A9128-76C8-4335-872F-E85671129C65}"/>
                 </a:ext>
               </a:extLst>
             </p:cNvPr>
@@ -27081,7 +26826,7 @@
             <p:cNvPr id="14" name="이등변 삼각형 13">
               <a:extLst>
                 <a:ext uri="{FF2B5EF4-FFF2-40B4-BE49-F238E27FC236}">
-                  <a16:creationId xmlns:a16="http://schemas.microsoft.com/office/drawing/2014/main" xmlns="" id="{2C330ABB-6ACB-46E7-B89D-15EBDBF22119}"/>
+                  <a16:creationId xmlns="" xmlns:a16="http://schemas.microsoft.com/office/drawing/2014/main" id="{2C330ABB-6ACB-46E7-B89D-15EBDBF22119}"/>
                 </a:ext>
               </a:extLst>
             </p:cNvPr>
@@ -27134,7 +26879,7 @@
           <p:cNvPr id="2" name="직사각형 1">
             <a:extLst>
               <a:ext uri="{FF2B5EF4-FFF2-40B4-BE49-F238E27FC236}">
-                <a16:creationId xmlns:a16="http://schemas.microsoft.com/office/drawing/2014/main" xmlns="" id="{8E5B996D-DF87-49E5-95D1-45B1EEB9EE9A}"/>
+                <a16:creationId xmlns="" xmlns:a16="http://schemas.microsoft.com/office/drawing/2014/main" id="{8E5B996D-DF87-49E5-95D1-45B1EEB9EE9A}"/>
               </a:ext>
             </a:extLst>
           </p:cNvPr>
@@ -27186,7 +26931,7 @@
           <p:cNvPr id="4" name="직사각형 3">
             <a:extLst>
               <a:ext uri="{FF2B5EF4-FFF2-40B4-BE49-F238E27FC236}">
-                <a16:creationId xmlns:a16="http://schemas.microsoft.com/office/drawing/2014/main" xmlns="" id="{080CEE4E-4BCA-42C3-BECA-9BCEB9931EEA}"/>
+                <a16:creationId xmlns="" xmlns:a16="http://schemas.microsoft.com/office/drawing/2014/main" id="{080CEE4E-4BCA-42C3-BECA-9BCEB9931EEA}"/>
               </a:ext>
             </a:extLst>
           </p:cNvPr>
@@ -27238,7 +26983,7 @@
           <p:cNvPr id="5" name="TextBox 4">
             <a:extLst>
               <a:ext uri="{FF2B5EF4-FFF2-40B4-BE49-F238E27FC236}">
-                <a16:creationId xmlns:a16="http://schemas.microsoft.com/office/drawing/2014/main" xmlns="" id="{D12B0B12-AB99-4F88-B4B2-948DADC833EA}"/>
+                <a16:creationId xmlns="" xmlns:a16="http://schemas.microsoft.com/office/drawing/2014/main" id="{D12B0B12-AB99-4F88-B4B2-948DADC833EA}"/>
               </a:ext>
             </a:extLst>
           </p:cNvPr>
@@ -27357,7 +27102,7 @@
           <p:cNvPr id="9" name="그림 8">
             <a:extLst>
               <a:ext uri="{FF2B5EF4-FFF2-40B4-BE49-F238E27FC236}">
-                <a16:creationId xmlns:a16="http://schemas.microsoft.com/office/drawing/2014/main" xmlns="" id="{0F0992E8-2696-42E6-805A-0C12780D8FA1}"/>
+                <a16:creationId xmlns="" xmlns:a16="http://schemas.microsoft.com/office/drawing/2014/main" id="{0F0992E8-2696-42E6-805A-0C12780D8FA1}"/>
               </a:ext>
             </a:extLst>
           </p:cNvPr>
@@ -27392,7 +27137,7 @@
           <p:cNvPr id="12" name="TextBox 11">
             <a:extLst>
               <a:ext uri="{FF2B5EF4-FFF2-40B4-BE49-F238E27FC236}">
-                <a16:creationId xmlns:a16="http://schemas.microsoft.com/office/drawing/2014/main" xmlns="" id="{7FA4A435-72AD-4E57-8841-4A73CE0EA391}"/>
+                <a16:creationId xmlns="" xmlns:a16="http://schemas.microsoft.com/office/drawing/2014/main" id="{7FA4A435-72AD-4E57-8841-4A73CE0EA391}"/>
               </a:ext>
             </a:extLst>
           </p:cNvPr>
@@ -27531,7 +27276,7 @@
           <p:cNvPr id="2" name="직사각형 1">
             <a:extLst>
               <a:ext uri="{FF2B5EF4-FFF2-40B4-BE49-F238E27FC236}">
-                <a16:creationId xmlns:a16="http://schemas.microsoft.com/office/drawing/2014/main" xmlns="" id="{8E5B996D-DF87-49E5-95D1-45B1EEB9EE9A}"/>
+                <a16:creationId xmlns="" xmlns:a16="http://schemas.microsoft.com/office/drawing/2014/main" id="{8E5B996D-DF87-49E5-95D1-45B1EEB9EE9A}"/>
               </a:ext>
             </a:extLst>
           </p:cNvPr>
@@ -27583,7 +27328,7 @@
           <p:cNvPr id="4" name="직사각형 3">
             <a:extLst>
               <a:ext uri="{FF2B5EF4-FFF2-40B4-BE49-F238E27FC236}">
-                <a16:creationId xmlns:a16="http://schemas.microsoft.com/office/drawing/2014/main" xmlns="" id="{080CEE4E-4BCA-42C3-BECA-9BCEB9931EEA}"/>
+                <a16:creationId xmlns="" xmlns:a16="http://schemas.microsoft.com/office/drawing/2014/main" id="{080CEE4E-4BCA-42C3-BECA-9BCEB9931EEA}"/>
               </a:ext>
             </a:extLst>
           </p:cNvPr>
@@ -27635,7 +27380,7 @@
           <p:cNvPr id="5" name="TextBox 4">
             <a:extLst>
               <a:ext uri="{FF2B5EF4-FFF2-40B4-BE49-F238E27FC236}">
-                <a16:creationId xmlns:a16="http://schemas.microsoft.com/office/drawing/2014/main" xmlns="" id="{D12B0B12-AB99-4F88-B4B2-948DADC833EA}"/>
+                <a16:creationId xmlns="" xmlns:a16="http://schemas.microsoft.com/office/drawing/2014/main" id="{D12B0B12-AB99-4F88-B4B2-948DADC833EA}"/>
               </a:ext>
             </a:extLst>
           </p:cNvPr>
@@ -27718,7 +27463,7 @@
           <p:cNvPr id="9" name="그림 8">
             <a:extLst>
               <a:ext uri="{FF2B5EF4-FFF2-40B4-BE49-F238E27FC236}">
-                <a16:creationId xmlns:a16="http://schemas.microsoft.com/office/drawing/2014/main" xmlns="" id="{0F0992E8-2696-42E6-805A-0C12780D8FA1}"/>
+                <a16:creationId xmlns="" xmlns:a16="http://schemas.microsoft.com/office/drawing/2014/main" id="{0F0992E8-2696-42E6-805A-0C12780D8FA1}"/>
               </a:ext>
             </a:extLst>
           </p:cNvPr>
@@ -28014,7 +27759,7 @@
           <p:cNvPr id="2" name="직사각형 1">
             <a:extLst>
               <a:ext uri="{FF2B5EF4-FFF2-40B4-BE49-F238E27FC236}">
-                <a16:creationId xmlns:a16="http://schemas.microsoft.com/office/drawing/2014/main" xmlns="" id="{8E5B996D-DF87-49E5-95D1-45B1EEB9EE9A}"/>
+                <a16:creationId xmlns="" xmlns:a16="http://schemas.microsoft.com/office/drawing/2014/main" id="{8E5B996D-DF87-49E5-95D1-45B1EEB9EE9A}"/>
               </a:ext>
             </a:extLst>
           </p:cNvPr>
@@ -28066,7 +27811,7 @@
           <p:cNvPr id="4" name="직사각형 3">
             <a:extLst>
               <a:ext uri="{FF2B5EF4-FFF2-40B4-BE49-F238E27FC236}">
-                <a16:creationId xmlns:a16="http://schemas.microsoft.com/office/drawing/2014/main" xmlns="" id="{080CEE4E-4BCA-42C3-BECA-9BCEB9931EEA}"/>
+                <a16:creationId xmlns="" xmlns:a16="http://schemas.microsoft.com/office/drawing/2014/main" id="{080CEE4E-4BCA-42C3-BECA-9BCEB9931EEA}"/>
               </a:ext>
             </a:extLst>
           </p:cNvPr>
@@ -28118,7 +27863,7 @@
           <p:cNvPr id="5" name="TextBox 4">
             <a:extLst>
               <a:ext uri="{FF2B5EF4-FFF2-40B4-BE49-F238E27FC236}">
-                <a16:creationId xmlns:a16="http://schemas.microsoft.com/office/drawing/2014/main" xmlns="" id="{D12B0B12-AB99-4F88-B4B2-948DADC833EA}"/>
+                <a16:creationId xmlns="" xmlns:a16="http://schemas.microsoft.com/office/drawing/2014/main" id="{D12B0B12-AB99-4F88-B4B2-948DADC833EA}"/>
               </a:ext>
             </a:extLst>
           </p:cNvPr>
@@ -28237,7 +27982,7 @@
           <p:cNvPr id="9" name="그림 8">
             <a:extLst>
               <a:ext uri="{FF2B5EF4-FFF2-40B4-BE49-F238E27FC236}">
-                <a16:creationId xmlns:a16="http://schemas.microsoft.com/office/drawing/2014/main" xmlns="" id="{0F0992E8-2696-42E6-805A-0C12780D8FA1}"/>
+                <a16:creationId xmlns="" xmlns:a16="http://schemas.microsoft.com/office/drawing/2014/main" id="{0F0992E8-2696-42E6-805A-0C12780D8FA1}"/>
               </a:ext>
             </a:extLst>
           </p:cNvPr>
@@ -28366,7 +28111,7 @@
           <p:cNvPr id="2" name="직사각형 1">
             <a:extLst>
               <a:ext uri="{FF2B5EF4-FFF2-40B4-BE49-F238E27FC236}">
-                <a16:creationId xmlns:a16="http://schemas.microsoft.com/office/drawing/2014/main" xmlns="" id="{8E5B996D-DF87-49E5-95D1-45B1EEB9EE9A}"/>
+                <a16:creationId xmlns="" xmlns:a16="http://schemas.microsoft.com/office/drawing/2014/main" id="{8E5B996D-DF87-49E5-95D1-45B1EEB9EE9A}"/>
               </a:ext>
             </a:extLst>
           </p:cNvPr>
@@ -28418,7 +28163,7 @@
           <p:cNvPr id="4" name="직사각형 3">
             <a:extLst>
               <a:ext uri="{FF2B5EF4-FFF2-40B4-BE49-F238E27FC236}">
-                <a16:creationId xmlns:a16="http://schemas.microsoft.com/office/drawing/2014/main" xmlns="" id="{080CEE4E-4BCA-42C3-BECA-9BCEB9931EEA}"/>
+                <a16:creationId xmlns="" xmlns:a16="http://schemas.microsoft.com/office/drawing/2014/main" id="{080CEE4E-4BCA-42C3-BECA-9BCEB9931EEA}"/>
               </a:ext>
             </a:extLst>
           </p:cNvPr>
@@ -28470,7 +28215,7 @@
           <p:cNvPr id="5" name="TextBox 4">
             <a:extLst>
               <a:ext uri="{FF2B5EF4-FFF2-40B4-BE49-F238E27FC236}">
-                <a16:creationId xmlns:a16="http://schemas.microsoft.com/office/drawing/2014/main" xmlns="" id="{D12B0B12-AB99-4F88-B4B2-948DADC833EA}"/>
+                <a16:creationId xmlns="" xmlns:a16="http://schemas.microsoft.com/office/drawing/2014/main" id="{D12B0B12-AB99-4F88-B4B2-948DADC833EA}"/>
               </a:ext>
             </a:extLst>
           </p:cNvPr>
@@ -28589,7 +28334,7 @@
           <p:cNvPr id="9" name="그림 8">
             <a:extLst>
               <a:ext uri="{FF2B5EF4-FFF2-40B4-BE49-F238E27FC236}">
-                <a16:creationId xmlns:a16="http://schemas.microsoft.com/office/drawing/2014/main" xmlns="" id="{0F0992E8-2696-42E6-805A-0C12780D8FA1}"/>
+                <a16:creationId xmlns="" xmlns:a16="http://schemas.microsoft.com/office/drawing/2014/main" id="{0F0992E8-2696-42E6-805A-0C12780D8FA1}"/>
               </a:ext>
             </a:extLst>
           </p:cNvPr>
@@ -28718,7 +28463,7 @@
           <p:cNvPr id="2" name="직사각형 1">
             <a:extLst>
               <a:ext uri="{FF2B5EF4-FFF2-40B4-BE49-F238E27FC236}">
-                <a16:creationId xmlns:a16="http://schemas.microsoft.com/office/drawing/2014/main" xmlns="" id="{8E5B996D-DF87-49E5-95D1-45B1EEB9EE9A}"/>
+                <a16:creationId xmlns="" xmlns:a16="http://schemas.microsoft.com/office/drawing/2014/main" id="{8E5B996D-DF87-49E5-95D1-45B1EEB9EE9A}"/>
               </a:ext>
             </a:extLst>
           </p:cNvPr>
@@ -28770,7 +28515,7 @@
           <p:cNvPr id="4" name="직사각형 3">
             <a:extLst>
               <a:ext uri="{FF2B5EF4-FFF2-40B4-BE49-F238E27FC236}">
-                <a16:creationId xmlns:a16="http://schemas.microsoft.com/office/drawing/2014/main" xmlns="" id="{080CEE4E-4BCA-42C3-BECA-9BCEB9931EEA}"/>
+                <a16:creationId xmlns="" xmlns:a16="http://schemas.microsoft.com/office/drawing/2014/main" id="{080CEE4E-4BCA-42C3-BECA-9BCEB9931EEA}"/>
               </a:ext>
             </a:extLst>
           </p:cNvPr>
@@ -28822,7 +28567,7 @@
           <p:cNvPr id="5" name="TextBox 4">
             <a:extLst>
               <a:ext uri="{FF2B5EF4-FFF2-40B4-BE49-F238E27FC236}">
-                <a16:creationId xmlns:a16="http://schemas.microsoft.com/office/drawing/2014/main" xmlns="" id="{D12B0B12-AB99-4F88-B4B2-948DADC833EA}"/>
+                <a16:creationId xmlns="" xmlns:a16="http://schemas.microsoft.com/office/drawing/2014/main" id="{D12B0B12-AB99-4F88-B4B2-948DADC833EA}"/>
               </a:ext>
             </a:extLst>
           </p:cNvPr>
@@ -28941,7 +28686,7 @@
           <p:cNvPr id="9" name="그림 8">
             <a:extLst>
               <a:ext uri="{FF2B5EF4-FFF2-40B4-BE49-F238E27FC236}">
-                <a16:creationId xmlns:a16="http://schemas.microsoft.com/office/drawing/2014/main" xmlns="" id="{0F0992E8-2696-42E6-805A-0C12780D8FA1}"/>
+                <a16:creationId xmlns="" xmlns:a16="http://schemas.microsoft.com/office/drawing/2014/main" id="{0F0992E8-2696-42E6-805A-0C12780D8FA1}"/>
               </a:ext>
             </a:extLst>
           </p:cNvPr>
@@ -29007,7 +28752,7 @@
           <p:cNvPr id="2" name="직사각형 1">
             <a:extLst>
               <a:ext uri="{FF2B5EF4-FFF2-40B4-BE49-F238E27FC236}">
-                <a16:creationId xmlns="" xmlns:a16="http://schemas.microsoft.com/office/drawing/2014/main" id="{8E5B996D-DF87-49E5-95D1-45B1EEB9EE9A}"/>
+                <a16:creationId xmlns:a16="http://schemas.microsoft.com/office/drawing/2014/main" xmlns="" id="{8E5B996D-DF87-49E5-95D1-45B1EEB9EE9A}"/>
               </a:ext>
             </a:extLst>
           </p:cNvPr>
@@ -29059,7 +28804,7 @@
           <p:cNvPr id="4" name="직사각형 3">
             <a:extLst>
               <a:ext uri="{FF2B5EF4-FFF2-40B4-BE49-F238E27FC236}">
-                <a16:creationId xmlns="" xmlns:a16="http://schemas.microsoft.com/office/drawing/2014/main" id="{080CEE4E-4BCA-42C3-BECA-9BCEB9931EEA}"/>
+                <a16:creationId xmlns:a16="http://schemas.microsoft.com/office/drawing/2014/main" xmlns="" id="{080CEE4E-4BCA-42C3-BECA-9BCEB9931EEA}"/>
               </a:ext>
             </a:extLst>
           </p:cNvPr>
@@ -29111,7 +28856,7 @@
           <p:cNvPr id="5" name="TextBox 4">
             <a:extLst>
               <a:ext uri="{FF2B5EF4-FFF2-40B4-BE49-F238E27FC236}">
-                <a16:creationId xmlns="" xmlns:a16="http://schemas.microsoft.com/office/drawing/2014/main" id="{D12B0B12-AB99-4F88-B4B2-948DADC833EA}"/>
+                <a16:creationId xmlns:a16="http://schemas.microsoft.com/office/drawing/2014/main" xmlns="" id="{D12B0B12-AB99-4F88-B4B2-948DADC833EA}"/>
               </a:ext>
             </a:extLst>
           </p:cNvPr>
@@ -29230,7 +28975,7 @@
           <p:cNvPr id="9" name="그림 8">
             <a:extLst>
               <a:ext uri="{FF2B5EF4-FFF2-40B4-BE49-F238E27FC236}">
-                <a16:creationId xmlns="" xmlns:a16="http://schemas.microsoft.com/office/drawing/2014/main" id="{0F0992E8-2696-42E6-805A-0C12780D8FA1}"/>
+                <a16:creationId xmlns:a16="http://schemas.microsoft.com/office/drawing/2014/main" xmlns="" id="{0F0992E8-2696-42E6-805A-0C12780D8FA1}"/>
               </a:ext>
             </a:extLst>
           </p:cNvPr>
@@ -30457,7 +30202,7 @@
           <p:cNvPr id="42" name="TextBox 41">
             <a:extLst>
               <a:ext uri="{FF2B5EF4-FFF2-40B4-BE49-F238E27FC236}">
-                <a16:creationId xmlns="" xmlns:a16="http://schemas.microsoft.com/office/drawing/2014/main" id="{606CB3EF-BD67-454E-8D48-D30774CEE106}"/>
+                <a16:creationId xmlns:a16="http://schemas.microsoft.com/office/drawing/2014/main" xmlns="" id="{606CB3EF-BD67-454E-8D48-D30774CEE106}"/>
               </a:ext>
             </a:extLst>
           </p:cNvPr>
@@ -30493,7 +30238,7 @@
           <p:cNvPr id="43" name="TextBox 42">
             <a:extLst>
               <a:ext uri="{FF2B5EF4-FFF2-40B4-BE49-F238E27FC236}">
-                <a16:creationId xmlns="" xmlns:a16="http://schemas.microsoft.com/office/drawing/2014/main" id="{6ECBB3D4-2156-4986-9434-EA8F60CE59E0}"/>
+                <a16:creationId xmlns:a16="http://schemas.microsoft.com/office/drawing/2014/main" xmlns="" id="{6ECBB3D4-2156-4986-9434-EA8F60CE59E0}"/>
               </a:ext>
             </a:extLst>
           </p:cNvPr>
@@ -30529,7 +30274,7 @@
           <p:cNvPr id="44" name="직선 연결선 43">
             <a:extLst>
               <a:ext uri="{FF2B5EF4-FFF2-40B4-BE49-F238E27FC236}">
-                <a16:creationId xmlns="" xmlns:a16="http://schemas.microsoft.com/office/drawing/2014/main" id="{A723CFAC-181E-4ABB-8790-FEC42B087A83}"/>
+                <a16:creationId xmlns:a16="http://schemas.microsoft.com/office/drawing/2014/main" xmlns="" id="{A723CFAC-181E-4ABB-8790-FEC42B087A83}"/>
               </a:ext>
             </a:extLst>
           </p:cNvPr>
@@ -30565,7 +30310,7 @@
           <p:cNvPr id="47" name="TextBox 46">
             <a:extLst>
               <a:ext uri="{FF2B5EF4-FFF2-40B4-BE49-F238E27FC236}">
-                <a16:creationId xmlns="" xmlns:a16="http://schemas.microsoft.com/office/drawing/2014/main" id="{78ADDD66-9CDE-4CA6-938D-D34562AC7F09}"/>
+                <a16:creationId xmlns:a16="http://schemas.microsoft.com/office/drawing/2014/main" xmlns="" id="{78ADDD66-9CDE-4CA6-938D-D34562AC7F09}"/>
               </a:ext>
             </a:extLst>
           </p:cNvPr>
@@ -30601,7 +30346,7 @@
           <p:cNvPr id="50" name="직사각형 49">
             <a:extLst>
               <a:ext uri="{FF2B5EF4-FFF2-40B4-BE49-F238E27FC236}">
-                <a16:creationId xmlns="" xmlns:a16="http://schemas.microsoft.com/office/drawing/2014/main" id="{2DD24BCC-FCE6-4F3D-9102-0338A277724E}"/>
+                <a16:creationId xmlns:a16="http://schemas.microsoft.com/office/drawing/2014/main" xmlns="" id="{2DD24BCC-FCE6-4F3D-9102-0338A277724E}"/>
               </a:ext>
             </a:extLst>
           </p:cNvPr>
@@ -30655,7 +30400,7 @@
           <p:cNvPr id="51" name="직사각형 50">
             <a:extLst>
               <a:ext uri="{FF2B5EF4-FFF2-40B4-BE49-F238E27FC236}">
-                <a16:creationId xmlns="" xmlns:a16="http://schemas.microsoft.com/office/drawing/2014/main" id="{D47A0DF5-CA84-4554-81E3-2D51D35F259C}"/>
+                <a16:creationId xmlns:a16="http://schemas.microsoft.com/office/drawing/2014/main" xmlns="" id="{D47A0DF5-CA84-4554-81E3-2D51D35F259C}"/>
               </a:ext>
             </a:extLst>
           </p:cNvPr>
@@ -30709,7 +30454,7 @@
           <p:cNvPr id="52" name="직선 연결선 51">
             <a:extLst>
               <a:ext uri="{FF2B5EF4-FFF2-40B4-BE49-F238E27FC236}">
-                <a16:creationId xmlns="" xmlns:a16="http://schemas.microsoft.com/office/drawing/2014/main" id="{BBD31C63-515F-4941-8A12-DD68C1031400}"/>
+                <a16:creationId xmlns:a16="http://schemas.microsoft.com/office/drawing/2014/main" xmlns="" id="{BBD31C63-515F-4941-8A12-DD68C1031400}"/>
               </a:ext>
             </a:extLst>
           </p:cNvPr>
@@ -30750,7 +30495,7 @@
           <p:cNvPr id="53" name="직선 화살표 연결선 52">
             <a:extLst>
               <a:ext uri="{FF2B5EF4-FFF2-40B4-BE49-F238E27FC236}">
-                <a16:creationId xmlns="" xmlns:a16="http://schemas.microsoft.com/office/drawing/2014/main" id="{C6189FF7-B2B4-4F58-A62C-4552AA855088}"/>
+                <a16:creationId xmlns:a16="http://schemas.microsoft.com/office/drawing/2014/main" xmlns="" id="{C6189FF7-B2B4-4F58-A62C-4552AA855088}"/>
               </a:ext>
             </a:extLst>
           </p:cNvPr>
@@ -30794,7 +30539,7 @@
           <p:cNvPr id="55" name="직선 화살표 연결선 54">
             <a:extLst>
               <a:ext uri="{FF2B5EF4-FFF2-40B4-BE49-F238E27FC236}">
-                <a16:creationId xmlns="" xmlns:a16="http://schemas.microsoft.com/office/drawing/2014/main" id="{6ADB57C1-71A6-460D-8130-56C2C112542B}"/>
+                <a16:creationId xmlns:a16="http://schemas.microsoft.com/office/drawing/2014/main" xmlns="" id="{6ADB57C1-71A6-460D-8130-56C2C112542B}"/>
               </a:ext>
             </a:extLst>
           </p:cNvPr>
@@ -30838,7 +30583,7 @@
           <p:cNvPr id="56" name="TextBox 55">
             <a:extLst>
               <a:ext uri="{FF2B5EF4-FFF2-40B4-BE49-F238E27FC236}">
-                <a16:creationId xmlns="" xmlns:a16="http://schemas.microsoft.com/office/drawing/2014/main" id="{CDE1AA9D-8128-4666-8D15-1D04133230F9}"/>
+                <a16:creationId xmlns:a16="http://schemas.microsoft.com/office/drawing/2014/main" xmlns="" id="{CDE1AA9D-8128-4666-8D15-1D04133230F9}"/>
               </a:ext>
             </a:extLst>
           </p:cNvPr>
@@ -30874,7 +30619,7 @@
           <p:cNvPr id="58" name="TextBox 57">
             <a:extLst>
               <a:ext uri="{FF2B5EF4-FFF2-40B4-BE49-F238E27FC236}">
-                <a16:creationId xmlns="" xmlns:a16="http://schemas.microsoft.com/office/drawing/2014/main" id="{9CCCD44E-9A9A-4ED8-A5D1-4872F5E16D21}"/>
+                <a16:creationId xmlns:a16="http://schemas.microsoft.com/office/drawing/2014/main" xmlns="" id="{9CCCD44E-9A9A-4ED8-A5D1-4872F5E16D21}"/>
               </a:ext>
             </a:extLst>
           </p:cNvPr>
@@ -31024,7 +30769,7 @@
           <p:cNvPr id="2" name="직사각형 1">
             <a:extLst>
               <a:ext uri="{FF2B5EF4-FFF2-40B4-BE49-F238E27FC236}">
-                <a16:creationId xmlns="" xmlns:a16="http://schemas.microsoft.com/office/drawing/2014/main" id="{8E5B996D-DF87-49E5-95D1-45B1EEB9EE9A}"/>
+                <a16:creationId xmlns:a16="http://schemas.microsoft.com/office/drawing/2014/main" xmlns="" id="{8E5B996D-DF87-49E5-95D1-45B1EEB9EE9A}"/>
               </a:ext>
             </a:extLst>
           </p:cNvPr>
@@ -31076,7 +30821,7 @@
           <p:cNvPr id="4" name="직사각형 3">
             <a:extLst>
               <a:ext uri="{FF2B5EF4-FFF2-40B4-BE49-F238E27FC236}">
-                <a16:creationId xmlns="" xmlns:a16="http://schemas.microsoft.com/office/drawing/2014/main" id="{080CEE4E-4BCA-42C3-BECA-9BCEB9931EEA}"/>
+                <a16:creationId xmlns:a16="http://schemas.microsoft.com/office/drawing/2014/main" xmlns="" id="{080CEE4E-4BCA-42C3-BECA-9BCEB9931EEA}"/>
               </a:ext>
             </a:extLst>
           </p:cNvPr>
@@ -31128,7 +30873,7 @@
           <p:cNvPr id="5" name="TextBox 4">
             <a:extLst>
               <a:ext uri="{FF2B5EF4-FFF2-40B4-BE49-F238E27FC236}">
-                <a16:creationId xmlns="" xmlns:a16="http://schemas.microsoft.com/office/drawing/2014/main" id="{D12B0B12-AB99-4F88-B4B2-948DADC833EA}"/>
+                <a16:creationId xmlns:a16="http://schemas.microsoft.com/office/drawing/2014/main" xmlns="" id="{D12B0B12-AB99-4F88-B4B2-948DADC833EA}"/>
               </a:ext>
             </a:extLst>
           </p:cNvPr>
@@ -31247,7 +30992,7 @@
           <p:cNvPr id="9" name="그림 8">
             <a:extLst>
               <a:ext uri="{FF2B5EF4-FFF2-40B4-BE49-F238E27FC236}">
-                <a16:creationId xmlns="" xmlns:a16="http://schemas.microsoft.com/office/drawing/2014/main" id="{0F0992E8-2696-42E6-805A-0C12780D8FA1}"/>
+                <a16:creationId xmlns:a16="http://schemas.microsoft.com/office/drawing/2014/main" xmlns="" id="{0F0992E8-2696-42E6-805A-0C12780D8FA1}"/>
               </a:ext>
             </a:extLst>
           </p:cNvPr>
@@ -31610,7 +31355,7 @@
           <p:cNvPr id="10" name="직사각형 9">
             <a:extLst>
               <a:ext uri="{FF2B5EF4-FFF2-40B4-BE49-F238E27FC236}">
-                <a16:creationId xmlns="" xmlns:a16="http://schemas.microsoft.com/office/drawing/2014/main" id="{C06AD1E1-15AC-47D7-8403-E3418692F8E0}"/>
+                <a16:creationId xmlns:a16="http://schemas.microsoft.com/office/drawing/2014/main" xmlns="" id="{C06AD1E1-15AC-47D7-8403-E3418692F8E0}"/>
               </a:ext>
             </a:extLst>
           </p:cNvPr>
@@ -31654,7 +31399,7 @@
           <p:cNvPr id="11" name="직사각형 10">
             <a:extLst>
               <a:ext uri="{FF2B5EF4-FFF2-40B4-BE49-F238E27FC236}">
-                <a16:creationId xmlns="" xmlns:a16="http://schemas.microsoft.com/office/drawing/2014/main" id="{9BA0B9D7-6CF3-42E4-BB1E-5D41FEBB96FD}"/>
+                <a16:creationId xmlns:a16="http://schemas.microsoft.com/office/drawing/2014/main" xmlns="" id="{9BA0B9D7-6CF3-42E4-BB1E-5D41FEBB96FD}"/>
               </a:ext>
             </a:extLst>
           </p:cNvPr>
@@ -31698,7 +31443,7 @@
           <p:cNvPr id="12" name="TextBox 11">
             <a:extLst>
               <a:ext uri="{FF2B5EF4-FFF2-40B4-BE49-F238E27FC236}">
-                <a16:creationId xmlns="" xmlns:a16="http://schemas.microsoft.com/office/drawing/2014/main" id="{06330FE6-C4D0-4A04-A776-B7D7A99FEE8F}"/>
+                <a16:creationId xmlns:a16="http://schemas.microsoft.com/office/drawing/2014/main" xmlns="" id="{06330FE6-C4D0-4A04-A776-B7D7A99FEE8F}"/>
               </a:ext>
             </a:extLst>
           </p:cNvPr>
@@ -31733,7 +31478,7 @@
           <p:cNvPr id="13" name="TextBox 12">
             <a:extLst>
               <a:ext uri="{FF2B5EF4-FFF2-40B4-BE49-F238E27FC236}">
-                <a16:creationId xmlns="" xmlns:a16="http://schemas.microsoft.com/office/drawing/2014/main" id="{3A39D1D2-6993-47C8-B206-5F24137F65F3}"/>
+                <a16:creationId xmlns:a16="http://schemas.microsoft.com/office/drawing/2014/main" xmlns="" id="{3A39D1D2-6993-47C8-B206-5F24137F65F3}"/>
               </a:ext>
             </a:extLst>
           </p:cNvPr>
@@ -31768,7 +31513,7 @@
           <p:cNvPr id="14" name="직사각형 13">
             <a:extLst>
               <a:ext uri="{FF2B5EF4-FFF2-40B4-BE49-F238E27FC236}">
-                <a16:creationId xmlns="" xmlns:a16="http://schemas.microsoft.com/office/drawing/2014/main" id="{E12D4D8D-0ADC-4521-A3FB-8C99B905DB23}"/>
+                <a16:creationId xmlns:a16="http://schemas.microsoft.com/office/drawing/2014/main" xmlns="" id="{E12D4D8D-0ADC-4521-A3FB-8C99B905DB23}"/>
               </a:ext>
             </a:extLst>
           </p:cNvPr>
@@ -31812,7 +31557,7 @@
           <p:cNvPr id="15" name="직사각형 14">
             <a:extLst>
               <a:ext uri="{FF2B5EF4-FFF2-40B4-BE49-F238E27FC236}">
-                <a16:creationId xmlns="" xmlns:a16="http://schemas.microsoft.com/office/drawing/2014/main" id="{858EF894-179B-407C-95C7-DBE73F217BFF}"/>
+                <a16:creationId xmlns:a16="http://schemas.microsoft.com/office/drawing/2014/main" xmlns="" id="{858EF894-179B-407C-95C7-DBE73F217BFF}"/>
               </a:ext>
             </a:extLst>
           </p:cNvPr>
@@ -31860,7 +31605,7 @@
           <p:cNvPr id="16" name="직사각형 15">
             <a:extLst>
               <a:ext uri="{FF2B5EF4-FFF2-40B4-BE49-F238E27FC236}">
-                <a16:creationId xmlns="" xmlns:a16="http://schemas.microsoft.com/office/drawing/2014/main" id="{C54102B0-1FC6-4BB5-9EC2-96E1C1C6B9D3}"/>
+                <a16:creationId xmlns:a16="http://schemas.microsoft.com/office/drawing/2014/main" xmlns="" id="{C54102B0-1FC6-4BB5-9EC2-96E1C1C6B9D3}"/>
               </a:ext>
             </a:extLst>
           </p:cNvPr>
@@ -31904,7 +31649,7 @@
           <p:cNvPr id="17" name="TextBox 16">
             <a:extLst>
               <a:ext uri="{FF2B5EF4-FFF2-40B4-BE49-F238E27FC236}">
-                <a16:creationId xmlns="" xmlns:a16="http://schemas.microsoft.com/office/drawing/2014/main" id="{DE2ED6AA-2EA4-4B4E-8E17-7E28C5CCCFCB}"/>
+                <a16:creationId xmlns:a16="http://schemas.microsoft.com/office/drawing/2014/main" xmlns="" id="{DE2ED6AA-2EA4-4B4E-8E17-7E28C5CCCFCB}"/>
               </a:ext>
             </a:extLst>
           </p:cNvPr>
@@ -31940,7 +31685,7 @@
           <p:cNvPr id="18" name="직사각형 17">
             <a:extLst>
               <a:ext uri="{FF2B5EF4-FFF2-40B4-BE49-F238E27FC236}">
-                <a16:creationId xmlns="" xmlns:a16="http://schemas.microsoft.com/office/drawing/2014/main" id="{9D56ADB9-A0DD-425C-A5B8-AB58E3DE5BAB}"/>
+                <a16:creationId xmlns:a16="http://schemas.microsoft.com/office/drawing/2014/main" xmlns="" id="{9D56ADB9-A0DD-425C-A5B8-AB58E3DE5BAB}"/>
               </a:ext>
             </a:extLst>
           </p:cNvPr>
@@ -32001,7 +31746,7 @@
             <p:cNvPr id="19" name="TextBox 18">
               <a:extLst>
                 <a:ext uri="{FF2B5EF4-FFF2-40B4-BE49-F238E27FC236}">
-                  <a16:creationId xmlns="" xmlns:a16="http://schemas.microsoft.com/office/drawing/2014/main" id="{BE97AB81-FBB8-4FA0-BD52-8838D884D98C}"/>
+                  <a16:creationId xmlns:a16="http://schemas.microsoft.com/office/drawing/2014/main" xmlns="" id="{BE97AB81-FBB8-4FA0-BD52-8838D884D98C}"/>
                 </a:ext>
               </a:extLst>
             </p:cNvPr>
@@ -32036,7 +31781,7 @@
             <p:cNvPr id="8" name="그림 7">
               <a:extLst>
                 <a:ext uri="{FF2B5EF4-FFF2-40B4-BE49-F238E27FC236}">
-                  <a16:creationId xmlns="" xmlns:a16="http://schemas.microsoft.com/office/drawing/2014/main" id="{67C27A0E-090D-4FBF-B216-C5B281DE255C}"/>
+                  <a16:creationId xmlns:a16="http://schemas.microsoft.com/office/drawing/2014/main" xmlns="" id="{67C27A0E-090D-4FBF-B216-C5B281DE255C}"/>
                 </a:ext>
               </a:extLst>
             </p:cNvPr>
@@ -32101,7 +31846,7 @@
               <p:cNvPr id="30" name="TextBox 29">
                 <a:extLst>
                   <a:ext uri="{FF2B5EF4-FFF2-40B4-BE49-F238E27FC236}">
-                    <a16:creationId xmlns="" xmlns:a16="http://schemas.microsoft.com/office/drawing/2014/main" id="{BE97AB81-FBB8-4FA0-BD52-8838D884D98C}"/>
+                    <a16:creationId xmlns:a16="http://schemas.microsoft.com/office/drawing/2014/main" xmlns="" id="{BE97AB81-FBB8-4FA0-BD52-8838D884D98C}"/>
                   </a:ext>
                 </a:extLst>
               </p:cNvPr>
@@ -32136,7 +31881,7 @@
               <p:cNvPr id="31" name="그림 30">
                 <a:extLst>
                   <a:ext uri="{FF2B5EF4-FFF2-40B4-BE49-F238E27FC236}">
-                    <a16:creationId xmlns="" xmlns:a16="http://schemas.microsoft.com/office/drawing/2014/main" id="{67C27A0E-090D-4FBF-B216-C5B281DE255C}"/>
+                    <a16:creationId xmlns:a16="http://schemas.microsoft.com/office/drawing/2014/main" xmlns="" id="{67C27A0E-090D-4FBF-B216-C5B281DE255C}"/>
                   </a:ext>
                 </a:extLst>
               </p:cNvPr>
@@ -32187,7 +31932,7 @@
               <p:cNvPr id="33" name="직사각형 32">
                 <a:extLst>
                   <a:ext uri="{FF2B5EF4-FFF2-40B4-BE49-F238E27FC236}">
-                    <a16:creationId xmlns="" xmlns:a16="http://schemas.microsoft.com/office/drawing/2014/main" id="{9BA0B9D7-6CF3-42E4-BB1E-5D41FEBB96FD}"/>
+                    <a16:creationId xmlns:a16="http://schemas.microsoft.com/office/drawing/2014/main" xmlns="" id="{9BA0B9D7-6CF3-42E4-BB1E-5D41FEBB96FD}"/>
                   </a:ext>
                 </a:extLst>
               </p:cNvPr>
@@ -32231,7 +31976,7 @@
               <p:cNvPr id="34" name="TextBox 33">
                 <a:extLst>
                   <a:ext uri="{FF2B5EF4-FFF2-40B4-BE49-F238E27FC236}">
-                    <a16:creationId xmlns="" xmlns:a16="http://schemas.microsoft.com/office/drawing/2014/main" id="{06330FE6-C4D0-4A04-A776-B7D7A99FEE8F}"/>
+                    <a16:creationId xmlns:a16="http://schemas.microsoft.com/office/drawing/2014/main" xmlns="" id="{06330FE6-C4D0-4A04-A776-B7D7A99FEE8F}"/>
                   </a:ext>
                 </a:extLst>
               </p:cNvPr>
@@ -32281,7 +32026,7 @@
               <p:cNvPr id="35" name="TextBox 34">
                 <a:extLst>
                   <a:ext uri="{FF2B5EF4-FFF2-40B4-BE49-F238E27FC236}">
-                    <a16:creationId xmlns="" xmlns:a16="http://schemas.microsoft.com/office/drawing/2014/main" id="{3A39D1D2-6993-47C8-B206-5F24137F65F3}"/>
+                    <a16:creationId xmlns:a16="http://schemas.microsoft.com/office/drawing/2014/main" xmlns="" id="{3A39D1D2-6993-47C8-B206-5F24137F65F3}"/>
                   </a:ext>
                 </a:extLst>
               </p:cNvPr>
@@ -32316,7 +32061,7 @@
               <p:cNvPr id="36" name="직사각형 35">
                 <a:extLst>
                   <a:ext uri="{FF2B5EF4-FFF2-40B4-BE49-F238E27FC236}">
-                    <a16:creationId xmlns="" xmlns:a16="http://schemas.microsoft.com/office/drawing/2014/main" id="{E12D4D8D-0ADC-4521-A3FB-8C99B905DB23}"/>
+                    <a16:creationId xmlns:a16="http://schemas.microsoft.com/office/drawing/2014/main" xmlns="" id="{E12D4D8D-0ADC-4521-A3FB-8C99B905DB23}"/>
                   </a:ext>
                 </a:extLst>
               </p:cNvPr>
@@ -32375,7 +32120,7 @@
               <p:cNvPr id="37" name="직사각형 36">
                 <a:extLst>
                   <a:ext uri="{FF2B5EF4-FFF2-40B4-BE49-F238E27FC236}">
-                    <a16:creationId xmlns="" xmlns:a16="http://schemas.microsoft.com/office/drawing/2014/main" id="{C54102B0-1FC6-4BB5-9EC2-96E1C1C6B9D3}"/>
+                    <a16:creationId xmlns:a16="http://schemas.microsoft.com/office/drawing/2014/main" xmlns="" id="{C54102B0-1FC6-4BB5-9EC2-96E1C1C6B9D3}"/>
                   </a:ext>
                 </a:extLst>
               </p:cNvPr>
@@ -32419,7 +32164,7 @@
               <p:cNvPr id="38" name="TextBox 37">
                 <a:extLst>
                   <a:ext uri="{FF2B5EF4-FFF2-40B4-BE49-F238E27FC236}">
-                    <a16:creationId xmlns="" xmlns:a16="http://schemas.microsoft.com/office/drawing/2014/main" id="{DE2ED6AA-2EA4-4B4E-8E17-7E28C5CCCFCB}"/>
+                    <a16:creationId xmlns:a16="http://schemas.microsoft.com/office/drawing/2014/main" xmlns="" id="{DE2ED6AA-2EA4-4B4E-8E17-7E28C5CCCFCB}"/>
                   </a:ext>
                 </a:extLst>
               </p:cNvPr>
@@ -32455,7 +32200,7 @@
             <p:cNvPr id="41" name="직사각형 40">
               <a:extLst>
                 <a:ext uri="{FF2B5EF4-FFF2-40B4-BE49-F238E27FC236}">
-                  <a16:creationId xmlns="" xmlns:a16="http://schemas.microsoft.com/office/drawing/2014/main" id="{858EF894-179B-407C-95C7-DBE73F217BFF}"/>
+                  <a16:creationId xmlns:a16="http://schemas.microsoft.com/office/drawing/2014/main" xmlns="" id="{858EF894-179B-407C-95C7-DBE73F217BFF}"/>
                 </a:ext>
               </a:extLst>
             </p:cNvPr>
@@ -32503,7 +32248,7 @@
             <p:cNvPr id="42" name="직사각형 41">
               <a:extLst>
                 <a:ext uri="{FF2B5EF4-FFF2-40B4-BE49-F238E27FC236}">
-                  <a16:creationId xmlns="" xmlns:a16="http://schemas.microsoft.com/office/drawing/2014/main" id="{9D56ADB9-A0DD-425C-A5B8-AB58E3DE5BAB}"/>
+                  <a16:creationId xmlns:a16="http://schemas.microsoft.com/office/drawing/2014/main" xmlns="" id="{9D56ADB9-A0DD-425C-A5B8-AB58E3DE5BAB}"/>
                 </a:ext>
               </a:extLst>
             </p:cNvPr>
@@ -32551,7 +32296,7 @@
           <p:cNvPr id="44" name="TextBox 43">
             <a:extLst>
               <a:ext uri="{FF2B5EF4-FFF2-40B4-BE49-F238E27FC236}">
-                <a16:creationId xmlns="" xmlns:a16="http://schemas.microsoft.com/office/drawing/2014/main" id="{606CB3EF-BD67-454E-8D48-D30774CEE106}"/>
+                <a16:creationId xmlns:a16="http://schemas.microsoft.com/office/drawing/2014/main" xmlns="" id="{606CB3EF-BD67-454E-8D48-D30774CEE106}"/>
               </a:ext>
             </a:extLst>
           </p:cNvPr>
@@ -32587,7 +32332,7 @@
           <p:cNvPr id="45" name="TextBox 44">
             <a:extLst>
               <a:ext uri="{FF2B5EF4-FFF2-40B4-BE49-F238E27FC236}">
-                <a16:creationId xmlns="" xmlns:a16="http://schemas.microsoft.com/office/drawing/2014/main" id="{6ECBB3D4-2156-4986-9434-EA8F60CE59E0}"/>
+                <a16:creationId xmlns:a16="http://schemas.microsoft.com/office/drawing/2014/main" xmlns="" id="{6ECBB3D4-2156-4986-9434-EA8F60CE59E0}"/>
               </a:ext>
             </a:extLst>
           </p:cNvPr>
@@ -32623,7 +32368,7 @@
           <p:cNvPr id="46" name="직선 연결선 45">
             <a:extLst>
               <a:ext uri="{FF2B5EF4-FFF2-40B4-BE49-F238E27FC236}">
-                <a16:creationId xmlns="" xmlns:a16="http://schemas.microsoft.com/office/drawing/2014/main" id="{A723CFAC-181E-4ABB-8790-FEC42B087A83}"/>
+                <a16:creationId xmlns:a16="http://schemas.microsoft.com/office/drawing/2014/main" xmlns="" id="{A723CFAC-181E-4ABB-8790-FEC42B087A83}"/>
               </a:ext>
             </a:extLst>
           </p:cNvPr>
@@ -32659,7 +32404,7 @@
           <p:cNvPr id="49" name="TextBox 48">
             <a:extLst>
               <a:ext uri="{FF2B5EF4-FFF2-40B4-BE49-F238E27FC236}">
-                <a16:creationId xmlns="" xmlns:a16="http://schemas.microsoft.com/office/drawing/2014/main" id="{78ADDD66-9CDE-4CA6-938D-D34562AC7F09}"/>
+                <a16:creationId xmlns:a16="http://schemas.microsoft.com/office/drawing/2014/main" xmlns="" id="{78ADDD66-9CDE-4CA6-938D-D34562AC7F09}"/>
               </a:ext>
             </a:extLst>
           </p:cNvPr>
@@ -32695,7 +32440,7 @@
           <p:cNvPr id="52" name="직사각형 51">
             <a:extLst>
               <a:ext uri="{FF2B5EF4-FFF2-40B4-BE49-F238E27FC236}">
-                <a16:creationId xmlns="" xmlns:a16="http://schemas.microsoft.com/office/drawing/2014/main" id="{2DD24BCC-FCE6-4F3D-9102-0338A277724E}"/>
+                <a16:creationId xmlns:a16="http://schemas.microsoft.com/office/drawing/2014/main" xmlns="" id="{2DD24BCC-FCE6-4F3D-9102-0338A277724E}"/>
               </a:ext>
             </a:extLst>
           </p:cNvPr>
@@ -32749,7 +32494,7 @@
           <p:cNvPr id="53" name="직사각형 52">
             <a:extLst>
               <a:ext uri="{FF2B5EF4-FFF2-40B4-BE49-F238E27FC236}">
-                <a16:creationId xmlns="" xmlns:a16="http://schemas.microsoft.com/office/drawing/2014/main" id="{D47A0DF5-CA84-4554-81E3-2D51D35F259C}"/>
+                <a16:creationId xmlns:a16="http://schemas.microsoft.com/office/drawing/2014/main" xmlns="" id="{D47A0DF5-CA84-4554-81E3-2D51D35F259C}"/>
               </a:ext>
             </a:extLst>
           </p:cNvPr>
@@ -32803,7 +32548,7 @@
           <p:cNvPr id="54" name="직선 연결선 53">
             <a:extLst>
               <a:ext uri="{FF2B5EF4-FFF2-40B4-BE49-F238E27FC236}">
-                <a16:creationId xmlns="" xmlns:a16="http://schemas.microsoft.com/office/drawing/2014/main" id="{BBD31C63-515F-4941-8A12-DD68C1031400}"/>
+                <a16:creationId xmlns:a16="http://schemas.microsoft.com/office/drawing/2014/main" xmlns="" id="{BBD31C63-515F-4941-8A12-DD68C1031400}"/>
               </a:ext>
             </a:extLst>
           </p:cNvPr>
@@ -32844,7 +32589,7 @@
           <p:cNvPr id="55" name="직선 화살표 연결선 54">
             <a:extLst>
               <a:ext uri="{FF2B5EF4-FFF2-40B4-BE49-F238E27FC236}">
-                <a16:creationId xmlns="" xmlns:a16="http://schemas.microsoft.com/office/drawing/2014/main" id="{C6189FF7-B2B4-4F58-A62C-4552AA855088}"/>
+                <a16:creationId xmlns:a16="http://schemas.microsoft.com/office/drawing/2014/main" xmlns="" id="{C6189FF7-B2B4-4F58-A62C-4552AA855088}"/>
               </a:ext>
             </a:extLst>
           </p:cNvPr>
@@ -32888,7 +32633,7 @@
           <p:cNvPr id="57" name="직선 화살표 연결선 56">
             <a:extLst>
               <a:ext uri="{FF2B5EF4-FFF2-40B4-BE49-F238E27FC236}">
-                <a16:creationId xmlns="" xmlns:a16="http://schemas.microsoft.com/office/drawing/2014/main" id="{6ADB57C1-71A6-460D-8130-56C2C112542B}"/>
+                <a16:creationId xmlns:a16="http://schemas.microsoft.com/office/drawing/2014/main" xmlns="" id="{6ADB57C1-71A6-460D-8130-56C2C112542B}"/>
               </a:ext>
             </a:extLst>
           </p:cNvPr>
@@ -32932,7 +32677,7 @@
           <p:cNvPr id="58" name="TextBox 57">
             <a:extLst>
               <a:ext uri="{FF2B5EF4-FFF2-40B4-BE49-F238E27FC236}">
-                <a16:creationId xmlns="" xmlns:a16="http://schemas.microsoft.com/office/drawing/2014/main" id="{CDE1AA9D-8128-4666-8D15-1D04133230F9}"/>
+                <a16:creationId xmlns:a16="http://schemas.microsoft.com/office/drawing/2014/main" xmlns="" id="{CDE1AA9D-8128-4666-8D15-1D04133230F9}"/>
               </a:ext>
             </a:extLst>
           </p:cNvPr>
@@ -32968,7 +32713,7 @@
           <p:cNvPr id="60" name="TextBox 59">
             <a:extLst>
               <a:ext uri="{FF2B5EF4-FFF2-40B4-BE49-F238E27FC236}">
-                <a16:creationId xmlns="" xmlns:a16="http://schemas.microsoft.com/office/drawing/2014/main" id="{9CCCD44E-9A9A-4ED8-A5D1-4872F5E16D21}"/>
+                <a16:creationId xmlns:a16="http://schemas.microsoft.com/office/drawing/2014/main" xmlns="" id="{9CCCD44E-9A9A-4ED8-A5D1-4872F5E16D21}"/>
               </a:ext>
             </a:extLst>
           </p:cNvPr>
@@ -33118,7 +32863,7 @@
           <p:cNvPr id="2" name="직사각형 1">
             <a:extLst>
               <a:ext uri="{FF2B5EF4-FFF2-40B4-BE49-F238E27FC236}">
-                <a16:creationId xmlns="" xmlns:a16="http://schemas.microsoft.com/office/drawing/2014/main" id="{8E5B996D-DF87-49E5-95D1-45B1EEB9EE9A}"/>
+                <a16:creationId xmlns:a16="http://schemas.microsoft.com/office/drawing/2014/main" xmlns="" id="{8E5B996D-DF87-49E5-95D1-45B1EEB9EE9A}"/>
               </a:ext>
             </a:extLst>
           </p:cNvPr>
@@ -33170,7 +32915,7 @@
           <p:cNvPr id="4" name="직사각형 3">
             <a:extLst>
               <a:ext uri="{FF2B5EF4-FFF2-40B4-BE49-F238E27FC236}">
-                <a16:creationId xmlns="" xmlns:a16="http://schemas.microsoft.com/office/drawing/2014/main" id="{080CEE4E-4BCA-42C3-BECA-9BCEB9931EEA}"/>
+                <a16:creationId xmlns:a16="http://schemas.microsoft.com/office/drawing/2014/main" xmlns="" id="{080CEE4E-4BCA-42C3-BECA-9BCEB9931EEA}"/>
               </a:ext>
             </a:extLst>
           </p:cNvPr>
@@ -33222,7 +32967,7 @@
           <p:cNvPr id="5" name="TextBox 4">
             <a:extLst>
               <a:ext uri="{FF2B5EF4-FFF2-40B4-BE49-F238E27FC236}">
-                <a16:creationId xmlns="" xmlns:a16="http://schemas.microsoft.com/office/drawing/2014/main" id="{D12B0B12-AB99-4F88-B4B2-948DADC833EA}"/>
+                <a16:creationId xmlns:a16="http://schemas.microsoft.com/office/drawing/2014/main" xmlns="" id="{D12B0B12-AB99-4F88-B4B2-948DADC833EA}"/>
               </a:ext>
             </a:extLst>
           </p:cNvPr>
@@ -33341,7 +33086,7 @@
           <p:cNvPr id="9" name="그림 8">
             <a:extLst>
               <a:ext uri="{FF2B5EF4-FFF2-40B4-BE49-F238E27FC236}">
-                <a16:creationId xmlns="" xmlns:a16="http://schemas.microsoft.com/office/drawing/2014/main" id="{0F0992E8-2696-42E6-805A-0C12780D8FA1}"/>
+                <a16:creationId xmlns:a16="http://schemas.microsoft.com/office/drawing/2014/main" xmlns="" id="{0F0992E8-2696-42E6-805A-0C12780D8FA1}"/>
               </a:ext>
             </a:extLst>
           </p:cNvPr>
@@ -33704,7 +33449,7 @@
           <p:cNvPr id="6" name="직사각형 5">
             <a:extLst>
               <a:ext uri="{FF2B5EF4-FFF2-40B4-BE49-F238E27FC236}">
-                <a16:creationId xmlns="" xmlns:a16="http://schemas.microsoft.com/office/drawing/2014/main" id="{3D558B93-576E-49BD-A1DF-A82C5870B448}"/>
+                <a16:creationId xmlns:a16="http://schemas.microsoft.com/office/drawing/2014/main" xmlns="" id="{3D558B93-576E-49BD-A1DF-A82C5870B448}"/>
               </a:ext>
             </a:extLst>
           </p:cNvPr>
@@ -33748,7 +33493,7 @@
           <p:cNvPr id="10" name="직사각형 9">
             <a:extLst>
               <a:ext uri="{FF2B5EF4-FFF2-40B4-BE49-F238E27FC236}">
-                <a16:creationId xmlns="" xmlns:a16="http://schemas.microsoft.com/office/drawing/2014/main" id="{E09BF372-DA70-4198-B7DA-153AF988B7F3}"/>
+                <a16:creationId xmlns:a16="http://schemas.microsoft.com/office/drawing/2014/main" xmlns="" id="{E09BF372-DA70-4198-B7DA-153AF988B7F3}"/>
               </a:ext>
             </a:extLst>
           </p:cNvPr>
@@ -33792,7 +33537,7 @@
           <p:cNvPr id="11" name="TextBox 10">
             <a:extLst>
               <a:ext uri="{FF2B5EF4-FFF2-40B4-BE49-F238E27FC236}">
-                <a16:creationId xmlns="" xmlns:a16="http://schemas.microsoft.com/office/drawing/2014/main" id="{FEABD6E8-C233-4CB3-A1FE-F2249F5A9579}"/>
+                <a16:creationId xmlns:a16="http://schemas.microsoft.com/office/drawing/2014/main" xmlns="" id="{FEABD6E8-C233-4CB3-A1FE-F2249F5A9579}"/>
               </a:ext>
             </a:extLst>
           </p:cNvPr>
@@ -33827,7 +33572,7 @@
           <p:cNvPr id="12" name="TextBox 11">
             <a:extLst>
               <a:ext uri="{FF2B5EF4-FFF2-40B4-BE49-F238E27FC236}">
-                <a16:creationId xmlns="" xmlns:a16="http://schemas.microsoft.com/office/drawing/2014/main" id="{6FD49968-80A8-4E4B-A335-7AFF6CDEA4D8}"/>
+                <a16:creationId xmlns:a16="http://schemas.microsoft.com/office/drawing/2014/main" xmlns="" id="{6FD49968-80A8-4E4B-A335-7AFF6CDEA4D8}"/>
               </a:ext>
             </a:extLst>
           </p:cNvPr>
@@ -33862,7 +33607,7 @@
           <p:cNvPr id="13" name="직사각형 12">
             <a:extLst>
               <a:ext uri="{FF2B5EF4-FFF2-40B4-BE49-F238E27FC236}">
-                <a16:creationId xmlns="" xmlns:a16="http://schemas.microsoft.com/office/drawing/2014/main" id="{B24D303F-14FF-4E5A-9729-31BA2B7D0763}"/>
+                <a16:creationId xmlns:a16="http://schemas.microsoft.com/office/drawing/2014/main" xmlns="" id="{B24D303F-14FF-4E5A-9729-31BA2B7D0763}"/>
               </a:ext>
             </a:extLst>
           </p:cNvPr>
@@ -33906,7 +33651,7 @@
           <p:cNvPr id="8" name="직사각형 7">
             <a:extLst>
               <a:ext uri="{FF2B5EF4-FFF2-40B4-BE49-F238E27FC236}">
-                <a16:creationId xmlns="" xmlns:a16="http://schemas.microsoft.com/office/drawing/2014/main" id="{48C9AC18-6F8F-4CAC-A71D-F832DC910868}"/>
+                <a16:creationId xmlns:a16="http://schemas.microsoft.com/office/drawing/2014/main" xmlns="" id="{48C9AC18-6F8F-4CAC-A71D-F832DC910868}"/>
               </a:ext>
             </a:extLst>
           </p:cNvPr>
@@ -33954,7 +33699,7 @@
           <p:cNvPr id="15" name="직사각형 14">
             <a:extLst>
               <a:ext uri="{FF2B5EF4-FFF2-40B4-BE49-F238E27FC236}">
-                <a16:creationId xmlns="" xmlns:a16="http://schemas.microsoft.com/office/drawing/2014/main" id="{CA4EFDCE-77D7-4351-98AF-C3C52E38BCEF}"/>
+                <a16:creationId xmlns:a16="http://schemas.microsoft.com/office/drawing/2014/main" xmlns="" id="{CA4EFDCE-77D7-4351-98AF-C3C52E38BCEF}"/>
               </a:ext>
             </a:extLst>
           </p:cNvPr>
@@ -33998,7 +33743,7 @@
           <p:cNvPr id="16" name="TextBox 15">
             <a:extLst>
               <a:ext uri="{FF2B5EF4-FFF2-40B4-BE49-F238E27FC236}">
-                <a16:creationId xmlns="" xmlns:a16="http://schemas.microsoft.com/office/drawing/2014/main" id="{1F98A6F7-E8CD-4FE2-9471-7C2693D557B1}"/>
+                <a16:creationId xmlns:a16="http://schemas.microsoft.com/office/drawing/2014/main" xmlns="" id="{1F98A6F7-E8CD-4FE2-9471-7C2693D557B1}"/>
               </a:ext>
             </a:extLst>
           </p:cNvPr>
@@ -34034,7 +33779,7 @@
           <p:cNvPr id="14" name="직사각형 13">
             <a:extLst>
               <a:ext uri="{FF2B5EF4-FFF2-40B4-BE49-F238E27FC236}">
-                <a16:creationId xmlns="" xmlns:a16="http://schemas.microsoft.com/office/drawing/2014/main" id="{CB5C1986-20DE-450C-8EEE-D8BEE2F850C6}"/>
+                <a16:creationId xmlns:a16="http://schemas.microsoft.com/office/drawing/2014/main" xmlns="" id="{CB5C1986-20DE-450C-8EEE-D8BEE2F850C6}"/>
               </a:ext>
             </a:extLst>
           </p:cNvPr>
@@ -34081,7 +33826,7 @@
           <p:cNvPr id="17" name="TextBox 16">
             <a:extLst>
               <a:ext uri="{FF2B5EF4-FFF2-40B4-BE49-F238E27FC236}">
-                <a16:creationId xmlns="" xmlns:a16="http://schemas.microsoft.com/office/drawing/2014/main" id="{B59EE5C3-D579-4CF1-BDF9-7E364B23D4EE}"/>
+                <a16:creationId xmlns:a16="http://schemas.microsoft.com/office/drawing/2014/main" xmlns="" id="{B59EE5C3-D579-4CF1-BDF9-7E364B23D4EE}"/>
               </a:ext>
             </a:extLst>
           </p:cNvPr>
@@ -34117,7 +33862,7 @@
           <p:cNvPr id="19" name="그림 18">
             <a:extLst>
               <a:ext uri="{FF2B5EF4-FFF2-40B4-BE49-F238E27FC236}">
-                <a16:creationId xmlns="" xmlns:a16="http://schemas.microsoft.com/office/drawing/2014/main" id="{926168D9-25C6-4BD5-A34F-16F9D3262B5B}"/>
+                <a16:creationId xmlns:a16="http://schemas.microsoft.com/office/drawing/2014/main" xmlns="" id="{926168D9-25C6-4BD5-A34F-16F9D3262B5B}"/>
               </a:ext>
             </a:extLst>
           </p:cNvPr>
@@ -34167,7 +33912,7 @@
             <p:cNvPr id="29" name="TextBox 28">
               <a:extLst>
                 <a:ext uri="{FF2B5EF4-FFF2-40B4-BE49-F238E27FC236}">
-                  <a16:creationId xmlns="" xmlns:a16="http://schemas.microsoft.com/office/drawing/2014/main" id="{3A39D1D2-6993-47C8-B206-5F24137F65F3}"/>
+                  <a16:creationId xmlns:a16="http://schemas.microsoft.com/office/drawing/2014/main" xmlns="" id="{3A39D1D2-6993-47C8-B206-5F24137F65F3}"/>
                 </a:ext>
               </a:extLst>
             </p:cNvPr>
@@ -34202,7 +33947,7 @@
             <p:cNvPr id="30" name="직사각형 29">
               <a:extLst>
                 <a:ext uri="{FF2B5EF4-FFF2-40B4-BE49-F238E27FC236}">
-                  <a16:creationId xmlns="" xmlns:a16="http://schemas.microsoft.com/office/drawing/2014/main" id="{E12D4D8D-0ADC-4521-A3FB-8C99B905DB23}"/>
+                  <a16:creationId xmlns:a16="http://schemas.microsoft.com/office/drawing/2014/main" xmlns="" id="{E12D4D8D-0ADC-4521-A3FB-8C99B905DB23}"/>
                 </a:ext>
               </a:extLst>
             </p:cNvPr>
@@ -34261,7 +34006,7 @@
             <p:cNvPr id="27" name="직사각형 26">
               <a:extLst>
                 <a:ext uri="{FF2B5EF4-FFF2-40B4-BE49-F238E27FC236}">
-                  <a16:creationId xmlns="" xmlns:a16="http://schemas.microsoft.com/office/drawing/2014/main" id="{C54102B0-1FC6-4BB5-9EC2-96E1C1C6B9D3}"/>
+                  <a16:creationId xmlns:a16="http://schemas.microsoft.com/office/drawing/2014/main" xmlns="" id="{C54102B0-1FC6-4BB5-9EC2-96E1C1C6B9D3}"/>
                 </a:ext>
               </a:extLst>
             </p:cNvPr>
@@ -34305,7 +34050,7 @@
             <p:cNvPr id="28" name="TextBox 27">
               <a:extLst>
                 <a:ext uri="{FF2B5EF4-FFF2-40B4-BE49-F238E27FC236}">
-                  <a16:creationId xmlns="" xmlns:a16="http://schemas.microsoft.com/office/drawing/2014/main" id="{DE2ED6AA-2EA4-4B4E-8E17-7E28C5CCCFCB}"/>
+                  <a16:creationId xmlns:a16="http://schemas.microsoft.com/office/drawing/2014/main" xmlns="" id="{DE2ED6AA-2EA4-4B4E-8E17-7E28C5CCCFCB}"/>
                 </a:ext>
               </a:extLst>
             </p:cNvPr>
@@ -34341,7 +34086,7 @@
           <p:cNvPr id="25" name="직사각형 24">
             <a:extLst>
               <a:ext uri="{FF2B5EF4-FFF2-40B4-BE49-F238E27FC236}">
-                <a16:creationId xmlns="" xmlns:a16="http://schemas.microsoft.com/office/drawing/2014/main" id="{858EF894-179B-407C-95C7-DBE73F217BFF}"/>
+                <a16:creationId xmlns:a16="http://schemas.microsoft.com/office/drawing/2014/main" xmlns="" id="{858EF894-179B-407C-95C7-DBE73F217BFF}"/>
               </a:ext>
             </a:extLst>
           </p:cNvPr>
@@ -34389,7 +34134,7 @@
           <p:cNvPr id="26" name="직사각형 25">
             <a:extLst>
               <a:ext uri="{FF2B5EF4-FFF2-40B4-BE49-F238E27FC236}">
-                <a16:creationId xmlns="" xmlns:a16="http://schemas.microsoft.com/office/drawing/2014/main" id="{9D56ADB9-A0DD-425C-A5B8-AB58E3DE5BAB}"/>
+                <a16:creationId xmlns:a16="http://schemas.microsoft.com/office/drawing/2014/main" xmlns="" id="{9D56ADB9-A0DD-425C-A5B8-AB58E3DE5BAB}"/>
               </a:ext>
             </a:extLst>
           </p:cNvPr>
@@ -34450,7 +34195,7 @@
             <p:cNvPr id="35" name="그림 34">
               <a:extLst>
                 <a:ext uri="{FF2B5EF4-FFF2-40B4-BE49-F238E27FC236}">
-                  <a16:creationId xmlns="" xmlns:a16="http://schemas.microsoft.com/office/drawing/2014/main" id="{67C27A0E-090D-4FBF-B216-C5B281DE255C}"/>
+                  <a16:creationId xmlns:a16="http://schemas.microsoft.com/office/drawing/2014/main" xmlns="" id="{67C27A0E-090D-4FBF-B216-C5B281DE255C}"/>
                 </a:ext>
               </a:extLst>
             </p:cNvPr>
@@ -34486,7 +34231,7 @@
             <p:cNvPr id="36" name="TextBox 35">
               <a:extLst>
                 <a:ext uri="{FF2B5EF4-FFF2-40B4-BE49-F238E27FC236}">
-                  <a16:creationId xmlns="" xmlns:a16="http://schemas.microsoft.com/office/drawing/2014/main" id="{B59EE5C3-D579-4CF1-BDF9-7E364B23D4EE}"/>
+                  <a16:creationId xmlns:a16="http://schemas.microsoft.com/office/drawing/2014/main" xmlns="" id="{B59EE5C3-D579-4CF1-BDF9-7E364B23D4EE}"/>
                 </a:ext>
               </a:extLst>
             </p:cNvPr>
@@ -34537,7 +34282,7 @@
             <p:cNvPr id="31" name="직사각형 30">
               <a:extLst>
                 <a:ext uri="{FF2B5EF4-FFF2-40B4-BE49-F238E27FC236}">
-                  <a16:creationId xmlns="" xmlns:a16="http://schemas.microsoft.com/office/drawing/2014/main" id="{9BA0B9D7-6CF3-42E4-BB1E-5D41FEBB96FD}"/>
+                  <a16:creationId xmlns:a16="http://schemas.microsoft.com/office/drawing/2014/main" xmlns="" id="{9BA0B9D7-6CF3-42E4-BB1E-5D41FEBB96FD}"/>
                 </a:ext>
               </a:extLst>
             </p:cNvPr>
@@ -34581,7 +34326,7 @@
             <p:cNvPr id="37" name="TextBox 36">
               <a:extLst>
                 <a:ext uri="{FF2B5EF4-FFF2-40B4-BE49-F238E27FC236}">
-                  <a16:creationId xmlns="" xmlns:a16="http://schemas.microsoft.com/office/drawing/2014/main" id="{FEABD6E8-C233-4CB3-A1FE-F2249F5A9579}"/>
+                  <a16:creationId xmlns:a16="http://schemas.microsoft.com/office/drawing/2014/main" xmlns="" id="{FEABD6E8-C233-4CB3-A1FE-F2249F5A9579}"/>
                 </a:ext>
               </a:extLst>
             </p:cNvPr>
@@ -34617,7 +34362,7 @@
           <p:cNvPr id="40" name="TextBox 39">
             <a:extLst>
               <a:ext uri="{FF2B5EF4-FFF2-40B4-BE49-F238E27FC236}">
-                <a16:creationId xmlns="" xmlns:a16="http://schemas.microsoft.com/office/drawing/2014/main" id="{606CB3EF-BD67-454E-8D48-D30774CEE106}"/>
+                <a16:creationId xmlns:a16="http://schemas.microsoft.com/office/drawing/2014/main" xmlns="" id="{606CB3EF-BD67-454E-8D48-D30774CEE106}"/>
               </a:ext>
             </a:extLst>
           </p:cNvPr>
@@ -34653,7 +34398,7 @@
           <p:cNvPr id="41" name="TextBox 40">
             <a:extLst>
               <a:ext uri="{FF2B5EF4-FFF2-40B4-BE49-F238E27FC236}">
-                <a16:creationId xmlns="" xmlns:a16="http://schemas.microsoft.com/office/drawing/2014/main" id="{6ECBB3D4-2156-4986-9434-EA8F60CE59E0}"/>
+                <a16:creationId xmlns:a16="http://schemas.microsoft.com/office/drawing/2014/main" xmlns="" id="{6ECBB3D4-2156-4986-9434-EA8F60CE59E0}"/>
               </a:ext>
             </a:extLst>
           </p:cNvPr>
@@ -34689,7 +34434,7 @@
           <p:cNvPr id="42" name="직선 연결선 41">
             <a:extLst>
               <a:ext uri="{FF2B5EF4-FFF2-40B4-BE49-F238E27FC236}">
-                <a16:creationId xmlns="" xmlns:a16="http://schemas.microsoft.com/office/drawing/2014/main" id="{A723CFAC-181E-4ABB-8790-FEC42B087A83}"/>
+                <a16:creationId xmlns:a16="http://schemas.microsoft.com/office/drawing/2014/main" xmlns="" id="{A723CFAC-181E-4ABB-8790-FEC42B087A83}"/>
               </a:ext>
             </a:extLst>
           </p:cNvPr>
@@ -34725,7 +34470,7 @@
           <p:cNvPr id="45" name="TextBox 44">
             <a:extLst>
               <a:ext uri="{FF2B5EF4-FFF2-40B4-BE49-F238E27FC236}">
-                <a16:creationId xmlns="" xmlns:a16="http://schemas.microsoft.com/office/drawing/2014/main" id="{78ADDD66-9CDE-4CA6-938D-D34562AC7F09}"/>
+                <a16:creationId xmlns:a16="http://schemas.microsoft.com/office/drawing/2014/main" xmlns="" id="{78ADDD66-9CDE-4CA6-938D-D34562AC7F09}"/>
               </a:ext>
             </a:extLst>
           </p:cNvPr>
@@ -34761,7 +34506,7 @@
           <p:cNvPr id="48" name="직사각형 47">
             <a:extLst>
               <a:ext uri="{FF2B5EF4-FFF2-40B4-BE49-F238E27FC236}">
-                <a16:creationId xmlns="" xmlns:a16="http://schemas.microsoft.com/office/drawing/2014/main" id="{2DD24BCC-FCE6-4F3D-9102-0338A277724E}"/>
+                <a16:creationId xmlns:a16="http://schemas.microsoft.com/office/drawing/2014/main" xmlns="" id="{2DD24BCC-FCE6-4F3D-9102-0338A277724E}"/>
               </a:ext>
             </a:extLst>
           </p:cNvPr>
@@ -34815,7 +34560,7 @@
           <p:cNvPr id="49" name="직사각형 48">
             <a:extLst>
               <a:ext uri="{FF2B5EF4-FFF2-40B4-BE49-F238E27FC236}">
-                <a16:creationId xmlns="" xmlns:a16="http://schemas.microsoft.com/office/drawing/2014/main" id="{D47A0DF5-CA84-4554-81E3-2D51D35F259C}"/>
+                <a16:creationId xmlns:a16="http://schemas.microsoft.com/office/drawing/2014/main" xmlns="" id="{D47A0DF5-CA84-4554-81E3-2D51D35F259C}"/>
               </a:ext>
             </a:extLst>
           </p:cNvPr>
@@ -34869,7 +34614,7 @@
           <p:cNvPr id="50" name="직선 연결선 49">
             <a:extLst>
               <a:ext uri="{FF2B5EF4-FFF2-40B4-BE49-F238E27FC236}">
-                <a16:creationId xmlns="" xmlns:a16="http://schemas.microsoft.com/office/drawing/2014/main" id="{BBD31C63-515F-4941-8A12-DD68C1031400}"/>
+                <a16:creationId xmlns:a16="http://schemas.microsoft.com/office/drawing/2014/main" xmlns="" id="{BBD31C63-515F-4941-8A12-DD68C1031400}"/>
               </a:ext>
             </a:extLst>
           </p:cNvPr>
@@ -34910,7 +34655,7 @@
           <p:cNvPr id="51" name="직선 화살표 연결선 50">
             <a:extLst>
               <a:ext uri="{FF2B5EF4-FFF2-40B4-BE49-F238E27FC236}">
-                <a16:creationId xmlns="" xmlns:a16="http://schemas.microsoft.com/office/drawing/2014/main" id="{C6189FF7-B2B4-4F58-A62C-4552AA855088}"/>
+                <a16:creationId xmlns:a16="http://schemas.microsoft.com/office/drawing/2014/main" xmlns="" id="{C6189FF7-B2B4-4F58-A62C-4552AA855088}"/>
               </a:ext>
             </a:extLst>
           </p:cNvPr>
@@ -34954,7 +34699,7 @@
           <p:cNvPr id="53" name="직선 화살표 연결선 52">
             <a:extLst>
               <a:ext uri="{FF2B5EF4-FFF2-40B4-BE49-F238E27FC236}">
-                <a16:creationId xmlns="" xmlns:a16="http://schemas.microsoft.com/office/drawing/2014/main" id="{6ADB57C1-71A6-460D-8130-56C2C112542B}"/>
+                <a16:creationId xmlns:a16="http://schemas.microsoft.com/office/drawing/2014/main" xmlns="" id="{6ADB57C1-71A6-460D-8130-56C2C112542B}"/>
               </a:ext>
             </a:extLst>
           </p:cNvPr>
@@ -34998,7 +34743,7 @@
           <p:cNvPr id="54" name="TextBox 53">
             <a:extLst>
               <a:ext uri="{FF2B5EF4-FFF2-40B4-BE49-F238E27FC236}">
-                <a16:creationId xmlns="" xmlns:a16="http://schemas.microsoft.com/office/drawing/2014/main" id="{CDE1AA9D-8128-4666-8D15-1D04133230F9}"/>
+                <a16:creationId xmlns:a16="http://schemas.microsoft.com/office/drawing/2014/main" xmlns="" id="{CDE1AA9D-8128-4666-8D15-1D04133230F9}"/>
               </a:ext>
             </a:extLst>
           </p:cNvPr>
@@ -35034,7 +34779,7 @@
           <p:cNvPr id="56" name="TextBox 55">
             <a:extLst>
               <a:ext uri="{FF2B5EF4-FFF2-40B4-BE49-F238E27FC236}">
-                <a16:creationId xmlns="" xmlns:a16="http://schemas.microsoft.com/office/drawing/2014/main" id="{9CCCD44E-9A9A-4ED8-A5D1-4872F5E16D21}"/>
+                <a16:creationId xmlns:a16="http://schemas.microsoft.com/office/drawing/2014/main" xmlns="" id="{9CCCD44E-9A9A-4ED8-A5D1-4872F5E16D21}"/>
               </a:ext>
             </a:extLst>
           </p:cNvPr>
@@ -35589,7 +35334,7 @@
   <a:extraClrSchemeLst/>
   <a:extLst>
     <a:ext uri="{05A4C25C-085E-4340-85A3-A5531E510DB2}">
-      <thm15:themeFamily xmlns="" xmlns:thm15="http://schemas.microsoft.com/office/thememl/2012/main" name="Office Theme" id="{62F939B6-93AF-4DB8-9C6B-D6C7DFDC589F}" vid="{4A3C46E8-61CC-4603-A589-7422A47A8E4A}"/>
+      <thm15:themeFamily xmlns:thm15="http://schemas.microsoft.com/office/thememl/2012/main" name="Office Theme" id="{62F939B6-93AF-4DB8-9C6B-D6C7DFDC589F}" vid="{4A3C46E8-61CC-4603-A589-7422A47A8E4A}"/>
     </a:ext>
   </a:extLst>
 </a:theme>

--- a/cmk/반려동물관리서비스.pptx
+++ b/cmk/반려동물관리서비스.pptx
@@ -24,12 +24,14 @@
     <p:sldId id="297" r:id="rId18"/>
     <p:sldId id="307" r:id="rId19"/>
     <p:sldId id="314" r:id="rId20"/>
-    <p:sldId id="309" r:id="rId21"/>
-    <p:sldId id="312" r:id="rId22"/>
-    <p:sldId id="313" r:id="rId23"/>
-    <p:sldId id="310" r:id="rId24"/>
-    <p:sldId id="311" r:id="rId25"/>
-    <p:sldId id="280" r:id="rId26"/>
+    <p:sldId id="317" r:id="rId21"/>
+    <p:sldId id="318" r:id="rId22"/>
+    <p:sldId id="319" r:id="rId23"/>
+    <p:sldId id="312" r:id="rId24"/>
+    <p:sldId id="313" r:id="rId25"/>
+    <p:sldId id="310" r:id="rId26"/>
+    <p:sldId id="311" r:id="rId27"/>
+    <p:sldId id="280" r:id="rId28"/>
   </p:sldIdLst>
   <p:sldSz cx="12192000" cy="6858000"/>
   <p:notesSz cx="6858000" cy="9144000"/>
@@ -29820,10 +29822,57 @@
           </a:p>
         </p:txBody>
       </p:sp>
+      <p:sp>
+        <p:nvSpPr>
+          <p:cNvPr id="6" name="직사각형 5">
+            <a:extLst>
+              <a:ext uri="{FF2B5EF4-FFF2-40B4-BE49-F238E27FC236}">
+                <a16:creationId xmlns:a16="http://schemas.microsoft.com/office/drawing/2014/main" id="{2B42C75E-5DC5-4EBA-AC98-329AC3451174}"/>
+              </a:ext>
+            </a:extLst>
+          </p:cNvPr>
+          <p:cNvSpPr/>
+          <p:nvPr/>
+        </p:nvSpPr>
+        <p:spPr>
+          <a:xfrm>
+            <a:off x="9490038" y="2293749"/>
+            <a:ext cx="929898" cy="286719"/>
+          </a:xfrm>
+          <a:prstGeom prst="rect">
+            <a:avLst/>
+          </a:prstGeom>
+        </p:spPr>
+        <p:style>
+          <a:lnRef idx="2">
+            <a:schemeClr val="dk1"/>
+          </a:lnRef>
+          <a:fillRef idx="1">
+            <a:schemeClr val="lt1"/>
+          </a:fillRef>
+          <a:effectRef idx="0">
+            <a:schemeClr val="dk1"/>
+          </a:effectRef>
+          <a:fontRef idx="minor">
+            <a:schemeClr val="dk1"/>
+          </a:fontRef>
+        </p:style>
+        <p:txBody>
+          <a:bodyPr rtlCol="0" anchor="ctr"/>
+          <a:lstStyle/>
+          <a:p>
+            <a:pPr algn="ctr"/>
+            <a:r>
+              <a:rPr lang="ko-KR" altLang="en-US" sz="1200" dirty="0"/>
+              <a:t>작성하기</a:t>
+            </a:r>
+          </a:p>
+        </p:txBody>
+      </p:sp>
     </p:spTree>
     <p:extLst>
       <p:ext uri="{BB962C8B-B14F-4D97-AF65-F5344CB8AC3E}">
-        <p14:creationId xmlns:p14="http://schemas.microsoft.com/office/powerpoint/2010/main" val="3869117946"/>
+        <p14:creationId xmlns:p14="http://schemas.microsoft.com/office/powerpoint/2010/main" val="1470330857"/>
       </p:ext>
     </p:extLst>
   </p:cSld>
@@ -30482,82 +30531,6 @@
               <a:rPr lang="ko-KR" altLang="en-US" sz="1600" dirty="0"/>
               <a:t>장거리이동서비스</a:t>
             </a:r>
-          </a:p>
-        </p:txBody>
-      </p:sp>
-      <p:sp>
-        <p:nvSpPr>
-          <p:cNvPr id="27" name="직사각형 26"/>
-          <p:cNvSpPr/>
-          <p:nvPr/>
-        </p:nvSpPr>
-        <p:spPr>
-          <a:xfrm>
-            <a:off x="3132522" y="2175933"/>
-            <a:ext cx="7450666" cy="1219200"/>
-          </a:xfrm>
-          <a:prstGeom prst="rect">
-            <a:avLst/>
-          </a:prstGeom>
-        </p:spPr>
-        <p:style>
-          <a:lnRef idx="2">
-            <a:schemeClr val="dk1"/>
-          </a:lnRef>
-          <a:fillRef idx="1">
-            <a:schemeClr val="lt1"/>
-          </a:fillRef>
-          <a:effectRef idx="0">
-            <a:schemeClr val="dk1"/>
-          </a:effectRef>
-          <a:fontRef idx="minor">
-            <a:schemeClr val="dk1"/>
-          </a:fontRef>
-        </p:style>
-        <p:txBody>
-          <a:bodyPr rtlCol="0" anchor="ctr"/>
-          <a:lstStyle/>
-          <a:p>
-            <a:pPr algn="ctr"/>
-            <a:endParaRPr lang="ko-KR" altLang="en-US"/>
-          </a:p>
-        </p:txBody>
-      </p:sp>
-      <p:sp>
-        <p:nvSpPr>
-          <p:cNvPr id="28" name="직사각형 27"/>
-          <p:cNvSpPr/>
-          <p:nvPr/>
-        </p:nvSpPr>
-        <p:spPr>
-          <a:xfrm>
-            <a:off x="3132522" y="3556000"/>
-            <a:ext cx="7450666" cy="2743200"/>
-          </a:xfrm>
-          <a:prstGeom prst="rect">
-            <a:avLst/>
-          </a:prstGeom>
-        </p:spPr>
-        <p:style>
-          <a:lnRef idx="2">
-            <a:schemeClr val="dk1"/>
-          </a:lnRef>
-          <a:fillRef idx="1">
-            <a:schemeClr val="lt1"/>
-          </a:fillRef>
-          <a:effectRef idx="0">
-            <a:schemeClr val="dk1"/>
-          </a:effectRef>
-          <a:fontRef idx="minor">
-            <a:schemeClr val="dk1"/>
-          </a:fontRef>
-        </p:style>
-        <p:txBody>
-          <a:bodyPr rtlCol="0" anchor="ctr"/>
-          <a:lstStyle/>
-          <a:p>
-            <a:pPr algn="ctr"/>
-            <a:endParaRPr lang="ko-KR" altLang="en-US"/>
           </a:p>
         </p:txBody>
       </p:sp>
@@ -30798,10 +30771,291 @@
           </a:p>
         </p:txBody>
       </p:sp>
+      <p:sp>
+        <p:nvSpPr>
+          <p:cNvPr id="34" name="직사각형 33">
+            <a:extLst>
+              <a:ext uri="{FF2B5EF4-FFF2-40B4-BE49-F238E27FC236}">
+                <a16:creationId xmlns:a16="http://schemas.microsoft.com/office/drawing/2014/main" id="{C17CF5BB-80F7-4018-B541-419610DC8BDD}"/>
+              </a:ext>
+            </a:extLst>
+          </p:cNvPr>
+          <p:cNvSpPr/>
+          <p:nvPr/>
+        </p:nvSpPr>
+        <p:spPr>
+          <a:xfrm>
+            <a:off x="3132522" y="2175932"/>
+            <a:ext cx="7450666" cy="4123268"/>
+          </a:xfrm>
+          <a:prstGeom prst="rect">
+            <a:avLst/>
+          </a:prstGeom>
+          <a:noFill/>
+        </p:spPr>
+        <p:style>
+          <a:lnRef idx="2">
+            <a:schemeClr val="dk1"/>
+          </a:lnRef>
+          <a:fillRef idx="1">
+            <a:schemeClr val="lt1"/>
+          </a:fillRef>
+          <a:effectRef idx="0">
+            <a:schemeClr val="dk1"/>
+          </a:effectRef>
+          <a:fontRef idx="minor">
+            <a:schemeClr val="dk1"/>
+          </a:fontRef>
+        </p:style>
+        <p:txBody>
+          <a:bodyPr rtlCol="0" anchor="ctr"/>
+          <a:lstStyle/>
+          <a:p>
+            <a:pPr algn="ctr"/>
+            <a:endParaRPr lang="ko-KR" altLang="en-US"/>
+          </a:p>
+        </p:txBody>
+      </p:sp>
+      <p:sp>
+        <p:nvSpPr>
+          <p:cNvPr id="35" name="직사각형 34">
+            <a:extLst>
+              <a:ext uri="{FF2B5EF4-FFF2-40B4-BE49-F238E27FC236}">
+                <a16:creationId xmlns:a16="http://schemas.microsoft.com/office/drawing/2014/main" id="{94A1B6D8-7EFA-475D-8E5A-A5AF12B24C69}"/>
+              </a:ext>
+            </a:extLst>
+          </p:cNvPr>
+          <p:cNvSpPr/>
+          <p:nvPr/>
+        </p:nvSpPr>
+        <p:spPr>
+          <a:xfrm>
+            <a:off x="3288187" y="2306048"/>
+            <a:ext cx="7149921" cy="3467071"/>
+          </a:xfrm>
+          <a:prstGeom prst="rect">
+            <a:avLst/>
+          </a:prstGeom>
+        </p:spPr>
+        <p:style>
+          <a:lnRef idx="2">
+            <a:schemeClr val="dk1"/>
+          </a:lnRef>
+          <a:fillRef idx="1">
+            <a:schemeClr val="lt1"/>
+          </a:fillRef>
+          <a:effectRef idx="0">
+            <a:schemeClr val="dk1"/>
+          </a:effectRef>
+          <a:fontRef idx="minor">
+            <a:schemeClr val="dk1"/>
+          </a:fontRef>
+        </p:style>
+        <p:txBody>
+          <a:bodyPr rtlCol="0" anchor="ctr"/>
+          <a:lstStyle/>
+          <a:p>
+            <a:pPr algn="ctr"/>
+            <a:r>
+              <a:rPr lang="ko-KR" altLang="en-US" dirty="0"/>
+              <a:t>공지사항 상세보기</a:t>
+            </a:r>
+          </a:p>
+        </p:txBody>
+      </p:sp>
+      <p:sp>
+        <p:nvSpPr>
+          <p:cNvPr id="27" name="직사각형 26">
+            <a:extLst>
+              <a:ext uri="{FF2B5EF4-FFF2-40B4-BE49-F238E27FC236}">
+                <a16:creationId xmlns:a16="http://schemas.microsoft.com/office/drawing/2014/main" id="{5C5BD912-2124-4160-B6F9-F244B0A9B8DB}"/>
+              </a:ext>
+            </a:extLst>
+          </p:cNvPr>
+          <p:cNvSpPr/>
+          <p:nvPr/>
+        </p:nvSpPr>
+        <p:spPr>
+          <a:xfrm>
+            <a:off x="3288187" y="5876808"/>
+            <a:ext cx="929898" cy="286719"/>
+          </a:xfrm>
+          <a:prstGeom prst="rect">
+            <a:avLst/>
+          </a:prstGeom>
+        </p:spPr>
+        <p:style>
+          <a:lnRef idx="2">
+            <a:schemeClr val="dk1"/>
+          </a:lnRef>
+          <a:fillRef idx="1">
+            <a:schemeClr val="lt1"/>
+          </a:fillRef>
+          <a:effectRef idx="0">
+            <a:schemeClr val="dk1"/>
+          </a:effectRef>
+          <a:fontRef idx="minor">
+            <a:schemeClr val="dk1"/>
+          </a:fontRef>
+        </p:style>
+        <p:txBody>
+          <a:bodyPr rtlCol="0" anchor="ctr"/>
+          <a:lstStyle/>
+          <a:p>
+            <a:pPr algn="ctr"/>
+            <a:r>
+              <a:rPr lang="ko-KR" altLang="en-US" sz="1200" dirty="0"/>
+              <a:t>목록으로</a:t>
+            </a:r>
+          </a:p>
+        </p:txBody>
+      </p:sp>
+      <p:sp>
+        <p:nvSpPr>
+          <p:cNvPr id="28" name="직사각형 27">
+            <a:extLst>
+              <a:ext uri="{FF2B5EF4-FFF2-40B4-BE49-F238E27FC236}">
+                <a16:creationId xmlns:a16="http://schemas.microsoft.com/office/drawing/2014/main" id="{5244743F-3002-41C2-8578-578FE919D1F1}"/>
+              </a:ext>
+            </a:extLst>
+          </p:cNvPr>
+          <p:cNvSpPr/>
+          <p:nvPr/>
+        </p:nvSpPr>
+        <p:spPr>
+          <a:xfrm>
+            <a:off x="9898108" y="5876808"/>
+            <a:ext cx="540000" cy="286719"/>
+          </a:xfrm>
+          <a:prstGeom prst="rect">
+            <a:avLst/>
+          </a:prstGeom>
+        </p:spPr>
+        <p:style>
+          <a:lnRef idx="2">
+            <a:schemeClr val="dk1"/>
+          </a:lnRef>
+          <a:fillRef idx="1">
+            <a:schemeClr val="lt1"/>
+          </a:fillRef>
+          <a:effectRef idx="0">
+            <a:schemeClr val="dk1"/>
+          </a:effectRef>
+          <a:fontRef idx="minor">
+            <a:schemeClr val="dk1"/>
+          </a:fontRef>
+        </p:style>
+        <p:txBody>
+          <a:bodyPr rtlCol="0" anchor="ctr"/>
+          <a:lstStyle/>
+          <a:p>
+            <a:pPr algn="ctr"/>
+            <a:r>
+              <a:rPr lang="ko-KR" altLang="en-US" sz="1200" dirty="0"/>
+              <a:t>삭제</a:t>
+            </a:r>
+          </a:p>
+        </p:txBody>
+      </p:sp>
+      <p:sp>
+        <p:nvSpPr>
+          <p:cNvPr id="32" name="직사각형 31">
+            <a:extLst>
+              <a:ext uri="{FF2B5EF4-FFF2-40B4-BE49-F238E27FC236}">
+                <a16:creationId xmlns:a16="http://schemas.microsoft.com/office/drawing/2014/main" id="{B7B5439B-E76C-4E92-91A4-316720F85584}"/>
+              </a:ext>
+            </a:extLst>
+          </p:cNvPr>
+          <p:cNvSpPr/>
+          <p:nvPr/>
+        </p:nvSpPr>
+        <p:spPr>
+          <a:xfrm>
+            <a:off x="9269281" y="5876808"/>
+            <a:ext cx="540000" cy="286719"/>
+          </a:xfrm>
+          <a:prstGeom prst="rect">
+            <a:avLst/>
+          </a:prstGeom>
+        </p:spPr>
+        <p:style>
+          <a:lnRef idx="2">
+            <a:schemeClr val="dk1"/>
+          </a:lnRef>
+          <a:fillRef idx="1">
+            <a:schemeClr val="lt1"/>
+          </a:fillRef>
+          <a:effectRef idx="0">
+            <a:schemeClr val="dk1"/>
+          </a:effectRef>
+          <a:fontRef idx="minor">
+            <a:schemeClr val="dk1"/>
+          </a:fontRef>
+        </p:style>
+        <p:txBody>
+          <a:bodyPr rtlCol="0" anchor="ctr"/>
+          <a:lstStyle/>
+          <a:p>
+            <a:pPr algn="ctr"/>
+            <a:r>
+              <a:rPr lang="ko-KR" altLang="en-US" sz="1200" dirty="0"/>
+              <a:t>수정</a:t>
+            </a:r>
+          </a:p>
+        </p:txBody>
+      </p:sp>
+      <p:sp>
+        <p:nvSpPr>
+          <p:cNvPr id="36" name="직사각형 35">
+            <a:extLst>
+              <a:ext uri="{FF2B5EF4-FFF2-40B4-BE49-F238E27FC236}">
+                <a16:creationId xmlns:a16="http://schemas.microsoft.com/office/drawing/2014/main" id="{D2157994-CF5E-4939-BC81-2FFC8AEDE767}"/>
+              </a:ext>
+            </a:extLst>
+          </p:cNvPr>
+          <p:cNvSpPr/>
+          <p:nvPr/>
+        </p:nvSpPr>
+        <p:spPr>
+          <a:xfrm>
+            <a:off x="8493070" y="5876808"/>
+            <a:ext cx="687383" cy="286719"/>
+          </a:xfrm>
+          <a:prstGeom prst="rect">
+            <a:avLst/>
+          </a:prstGeom>
+        </p:spPr>
+        <p:style>
+          <a:lnRef idx="2">
+            <a:schemeClr val="dk1"/>
+          </a:lnRef>
+          <a:fillRef idx="1">
+            <a:schemeClr val="lt1"/>
+          </a:fillRef>
+          <a:effectRef idx="0">
+            <a:schemeClr val="dk1"/>
+          </a:effectRef>
+          <a:fontRef idx="minor">
+            <a:schemeClr val="dk1"/>
+          </a:fontRef>
+        </p:style>
+        <p:txBody>
+          <a:bodyPr rtlCol="0" anchor="ctr"/>
+          <a:lstStyle/>
+          <a:p>
+            <a:pPr algn="ctr"/>
+            <a:r>
+              <a:rPr lang="ko-KR" altLang="en-US" sz="1200"/>
+              <a:t>글쓰기</a:t>
+            </a:r>
+            <a:endParaRPr lang="ko-KR" altLang="en-US" sz="1200" dirty="0"/>
+          </a:p>
+        </p:txBody>
+      </p:sp>
     </p:spTree>
     <p:extLst>
       <p:ext uri="{BB962C8B-B14F-4D97-AF65-F5344CB8AC3E}">
-        <p14:creationId xmlns:p14="http://schemas.microsoft.com/office/powerpoint/2010/main" val="4106035459"/>
+        <p14:creationId xmlns:p14="http://schemas.microsoft.com/office/powerpoint/2010/main" val="4090210856"/>
       </p:ext>
     </p:extLst>
   </p:cSld>
@@ -32288,6 +32542,2471 @@
     </p:spTree>
     <p:extLst>
       <p:ext uri="{BB962C8B-B14F-4D97-AF65-F5344CB8AC3E}">
+        <p14:creationId xmlns:p14="http://schemas.microsoft.com/office/powerpoint/2010/main" val="1232739131"/>
+      </p:ext>
+    </p:extLst>
+  </p:cSld>
+  <p:clrMapOvr>
+    <a:masterClrMapping/>
+  </p:clrMapOvr>
+</p:sld>
+</file>
+
+<file path=ppt/slides/slide23.xml><?xml version="1.0" encoding="utf-8"?>
+<p:sld xmlns:a="http://schemas.openxmlformats.org/drawingml/2006/main" xmlns:r="http://schemas.openxmlformats.org/officeDocument/2006/relationships" xmlns:p="http://schemas.openxmlformats.org/presentationml/2006/main">
+  <p:cSld>
+    <p:spTree>
+      <p:nvGrpSpPr>
+        <p:cNvPr id="1" name=""/>
+        <p:cNvGrpSpPr/>
+        <p:nvPr/>
+      </p:nvGrpSpPr>
+      <p:grpSpPr>
+        <a:xfrm>
+          <a:off x="0" y="0"/>
+          <a:ext cx="0" cy="0"/>
+          <a:chOff x="0" y="0"/>
+          <a:chExt cx="0" cy="0"/>
+        </a:xfrm>
+      </p:grpSpPr>
+      <p:sp>
+        <p:nvSpPr>
+          <p:cNvPr id="2" name="직사각형 1">
+            <a:extLst>
+              <a:ext uri="{FF2B5EF4-FFF2-40B4-BE49-F238E27FC236}">
+                <a16:creationId xmlns:a16="http://schemas.microsoft.com/office/drawing/2014/main" id="{8E5B996D-DF87-49E5-95D1-45B1EEB9EE9A}"/>
+              </a:ext>
+            </a:extLst>
+          </p:cNvPr>
+          <p:cNvSpPr/>
+          <p:nvPr/>
+        </p:nvSpPr>
+        <p:spPr>
+          <a:xfrm>
+            <a:off x="0" y="0"/>
+            <a:ext cx="12192000" cy="108000"/>
+          </a:xfrm>
+          <a:prstGeom prst="rect">
+            <a:avLst/>
+          </a:prstGeom>
+          <a:solidFill>
+            <a:srgbClr val="FFD8D9"/>
+          </a:solidFill>
+          <a:ln>
+            <a:noFill/>
+          </a:ln>
+        </p:spPr>
+        <p:style>
+          <a:lnRef idx="2">
+            <a:schemeClr val="accent1">
+              <a:shade val="50000"/>
+            </a:schemeClr>
+          </a:lnRef>
+          <a:fillRef idx="1">
+            <a:schemeClr val="accent1"/>
+          </a:fillRef>
+          <a:effectRef idx="0">
+            <a:schemeClr val="accent1"/>
+          </a:effectRef>
+          <a:fontRef idx="minor">
+            <a:schemeClr val="lt1"/>
+          </a:fontRef>
+        </p:style>
+        <p:txBody>
+          <a:bodyPr rtlCol="0" anchor="ctr"/>
+          <a:lstStyle/>
+          <a:p>
+            <a:pPr algn="ctr"/>
+            <a:endParaRPr lang="ko-KR" altLang="en-US"/>
+          </a:p>
+        </p:txBody>
+      </p:sp>
+      <p:sp>
+        <p:nvSpPr>
+          <p:cNvPr id="4" name="직사각형 3">
+            <a:extLst>
+              <a:ext uri="{FF2B5EF4-FFF2-40B4-BE49-F238E27FC236}">
+                <a16:creationId xmlns:a16="http://schemas.microsoft.com/office/drawing/2014/main" id="{080CEE4E-4BCA-42C3-BECA-9BCEB9931EEA}"/>
+              </a:ext>
+            </a:extLst>
+          </p:cNvPr>
+          <p:cNvSpPr/>
+          <p:nvPr/>
+        </p:nvSpPr>
+        <p:spPr>
+          <a:xfrm>
+            <a:off x="0" y="6750000"/>
+            <a:ext cx="12192000" cy="108000"/>
+          </a:xfrm>
+          <a:prstGeom prst="rect">
+            <a:avLst/>
+          </a:prstGeom>
+          <a:solidFill>
+            <a:srgbClr val="FFD8D9"/>
+          </a:solidFill>
+          <a:ln>
+            <a:noFill/>
+          </a:ln>
+        </p:spPr>
+        <p:style>
+          <a:lnRef idx="2">
+            <a:schemeClr val="accent1">
+              <a:shade val="50000"/>
+            </a:schemeClr>
+          </a:lnRef>
+          <a:fillRef idx="1">
+            <a:schemeClr val="accent1"/>
+          </a:fillRef>
+          <a:effectRef idx="0">
+            <a:schemeClr val="accent1"/>
+          </a:effectRef>
+          <a:fontRef idx="minor">
+            <a:schemeClr val="lt1"/>
+          </a:fontRef>
+        </p:style>
+        <p:txBody>
+          <a:bodyPr rtlCol="0" anchor="ctr"/>
+          <a:lstStyle/>
+          <a:p>
+            <a:pPr algn="ctr"/>
+            <a:endParaRPr lang="ko-KR" altLang="en-US"/>
+          </a:p>
+        </p:txBody>
+      </p:sp>
+      <p:sp>
+        <p:nvSpPr>
+          <p:cNvPr id="5" name="TextBox 4">
+            <a:extLst>
+              <a:ext uri="{FF2B5EF4-FFF2-40B4-BE49-F238E27FC236}">
+                <a16:creationId xmlns:a16="http://schemas.microsoft.com/office/drawing/2014/main" id="{D12B0B12-AB99-4F88-B4B2-948DADC833EA}"/>
+              </a:ext>
+            </a:extLst>
+          </p:cNvPr>
+          <p:cNvSpPr txBox="1"/>
+          <p:nvPr/>
+        </p:nvSpPr>
+        <p:spPr>
+          <a:xfrm>
+            <a:off x="844736" y="93113"/>
+            <a:ext cx="2716321" cy="769441"/>
+          </a:xfrm>
+          <a:prstGeom prst="rect">
+            <a:avLst/>
+          </a:prstGeom>
+          <a:noFill/>
+        </p:spPr>
+        <p:txBody>
+          <a:bodyPr wrap="none" rtlCol="0">
+            <a:spAutoFit/>
+          </a:bodyPr>
+          <a:lstStyle/>
+          <a:p>
+            <a:r>
+              <a:rPr kumimoji="1" lang="en-US" altLang="ja-JP" sz="4400" b="1" spc="-150" dirty="0">
+                <a:solidFill>
+                  <a:srgbClr val="FFCD2F"/>
+                </a:solidFill>
+                <a:effectLst>
+                  <a:outerShdw blurRad="38100" dist="38100" dir="2700000" algn="tl">
+                    <a:srgbClr val="000000">
+                      <a:alpha val="43137"/>
+                    </a:srgbClr>
+                  </a:outerShdw>
+                </a:effectLst>
+                <a:latin typeface="Calibri" panose="020F0502020204030204" pitchFamily="34" charset="0"/>
+                <a:cs typeface="Calibri" panose="020F0502020204030204" pitchFamily="34" charset="0"/>
+              </a:rPr>
+              <a:t>W</a:t>
+            </a:r>
+            <a:r>
+              <a:rPr kumimoji="1" lang="en-US" altLang="ja-JP" sz="4400" b="1" spc="-150" dirty="0">
+                <a:solidFill>
+                  <a:schemeClr val="accent1">
+                    <a:lumMod val="75000"/>
+                  </a:schemeClr>
+                </a:solidFill>
+                <a:effectLst>
+                  <a:outerShdw blurRad="38100" dist="38100" dir="2700000" algn="tl">
+                    <a:srgbClr val="000000">
+                      <a:alpha val="43137"/>
+                    </a:srgbClr>
+                  </a:outerShdw>
+                </a:effectLst>
+                <a:latin typeface="Calibri" panose="020F0502020204030204" pitchFamily="34" charset="0"/>
+                <a:cs typeface="Calibri" panose="020F0502020204030204" pitchFamily="34" charset="0"/>
+              </a:rPr>
+              <a:t>ire </a:t>
+            </a:r>
+            <a:r>
+              <a:rPr kumimoji="1" lang="en-US" altLang="ja-JP" sz="4400" b="1" spc="-150" dirty="0">
+                <a:solidFill>
+                  <a:srgbClr val="FFCD2F"/>
+                </a:solidFill>
+                <a:effectLst>
+                  <a:outerShdw blurRad="38100" dist="38100" dir="2700000" algn="tl">
+                    <a:srgbClr val="000000">
+                      <a:alpha val="43137"/>
+                    </a:srgbClr>
+                  </a:outerShdw>
+                </a:effectLst>
+                <a:latin typeface="Calibri" panose="020F0502020204030204" pitchFamily="34" charset="0"/>
+                <a:cs typeface="Calibri" panose="020F0502020204030204" pitchFamily="34" charset="0"/>
+              </a:rPr>
+              <a:t>F</a:t>
+            </a:r>
+            <a:r>
+              <a:rPr kumimoji="1" lang="en-US" altLang="ja-JP" sz="4400" b="1" spc="-150" dirty="0">
+                <a:solidFill>
+                  <a:schemeClr val="accent1">
+                    <a:lumMod val="75000"/>
+                  </a:schemeClr>
+                </a:solidFill>
+                <a:effectLst>
+                  <a:outerShdw blurRad="38100" dist="38100" dir="2700000" algn="tl">
+                    <a:srgbClr val="000000">
+                      <a:alpha val="43137"/>
+                    </a:srgbClr>
+                  </a:outerShdw>
+                </a:effectLst>
+                <a:latin typeface="Calibri" panose="020F0502020204030204" pitchFamily="34" charset="0"/>
+                <a:cs typeface="Calibri" panose="020F0502020204030204" pitchFamily="34" charset="0"/>
+              </a:rPr>
+              <a:t>rame</a:t>
+            </a:r>
+            <a:endParaRPr kumimoji="1" lang="ja-JP" altLang="en-US" sz="4400" b="1" spc="-150" dirty="0">
+              <a:solidFill>
+                <a:schemeClr val="accent1">
+                  <a:lumMod val="75000"/>
+                </a:schemeClr>
+              </a:solidFill>
+              <a:effectLst>
+                <a:outerShdw blurRad="38100" dist="38100" dir="2700000" algn="tl">
+                  <a:srgbClr val="000000">
+                    <a:alpha val="43137"/>
+                  </a:srgbClr>
+                </a:outerShdw>
+              </a:effectLst>
+              <a:latin typeface="Calibri" panose="020F0502020204030204" pitchFamily="34" charset="0"/>
+              <a:cs typeface="Calibri" panose="020F0502020204030204" pitchFamily="34" charset="0"/>
+            </a:endParaRPr>
+          </a:p>
+        </p:txBody>
+      </p:sp>
+      <p:pic>
+        <p:nvPicPr>
+          <p:cNvPr id="9" name="그림 8">
+            <a:extLst>
+              <a:ext uri="{FF2B5EF4-FFF2-40B4-BE49-F238E27FC236}">
+                <a16:creationId xmlns:a16="http://schemas.microsoft.com/office/drawing/2014/main" id="{0F0992E8-2696-42E6-805A-0C12780D8FA1}"/>
+              </a:ext>
+            </a:extLst>
+          </p:cNvPr>
+          <p:cNvPicPr>
+            <a:picLocks noChangeAspect="1"/>
+          </p:cNvPicPr>
+          <p:nvPr/>
+        </p:nvPicPr>
+        <p:blipFill>
+          <a:blip r:embed="rId3" cstate="print">
+            <a:extLst>
+              <a:ext uri="{28A0092B-C50C-407E-A947-70E740481C1C}">
+                <a14:useLocalDpi xmlns:a14="http://schemas.microsoft.com/office/drawing/2010/main" val="0"/>
+              </a:ext>
+            </a:extLst>
+          </a:blip>
+          <a:stretch>
+            <a:fillRect/>
+          </a:stretch>
+        </p:blipFill>
+        <p:spPr>
+          <a:xfrm>
+            <a:off x="124734" y="117832"/>
+            <a:ext cx="720000" cy="720000"/>
+          </a:xfrm>
+          <a:prstGeom prst="rect">
+            <a:avLst/>
+          </a:prstGeom>
+        </p:spPr>
+      </p:pic>
+      <p:sp>
+        <p:nvSpPr>
+          <p:cNvPr id="7" name="Window Body" descr="&lt;SmartSettings&gt;&lt;SmartResize anchorLeft=&quot;Absolute&quot; anchorTop=&quot;Absolute&quot; anchorRight=&quot;Absolute&quot; anchorBottom=&quot;Absolute&quot; /&gt;&lt;/SmartSettings&gt;"/>
+          <p:cNvSpPr/>
+          <p:nvPr>
+            <p:custDataLst>
+              <p:tags r:id="rId1"/>
+            </p:custDataLst>
+          </p:nvPr>
+        </p:nvSpPr>
+        <p:spPr>
+          <a:xfrm>
+            <a:off x="1381686" y="1627790"/>
+            <a:ext cx="9428628" cy="4819419"/>
+          </a:xfrm>
+          <a:prstGeom prst="rect">
+            <a:avLst/>
+          </a:prstGeom>
+          <a:ln/>
+        </p:spPr>
+        <p:style>
+          <a:lnRef idx="2">
+            <a:schemeClr val="dk1"/>
+          </a:lnRef>
+          <a:fillRef idx="1">
+            <a:schemeClr val="lt1"/>
+          </a:fillRef>
+          <a:effectRef idx="0">
+            <a:schemeClr val="dk1"/>
+          </a:effectRef>
+          <a:fontRef idx="minor">
+            <a:schemeClr val="dk1"/>
+          </a:fontRef>
+        </p:style>
+        <p:txBody>
+          <a:bodyPr rot="0" spcFirstLastPara="0" vert="horz" wrap="square" lIns="91440" tIns="45720" rIns="91440" bIns="45720" numCol="1" spcCol="0" rtlCol="0" fromWordArt="0" anchor="ctr" anchorCtr="0" forceAA="0" compatLnSpc="1">
+            <a:prstTxWarp prst="textNoShape">
+              <a:avLst/>
+            </a:prstTxWarp>
+            <a:noAutofit/>
+          </a:bodyPr>
+          <a:lstStyle>
+            <a:defPPr>
+              <a:defRPr lang="en-US"/>
+            </a:defPPr>
+            <a:lvl1pPr marL="0" algn="l" defTabSz="914400" rtl="0" eaLnBrk="1" latinLnBrk="0" hangingPunct="1">
+              <a:defRPr sz="1800" kern="1200">
+                <a:solidFill>
+                  <a:schemeClr val="lt1"/>
+                </a:solidFill>
+                <a:latin typeface="+mn-lt"/>
+                <a:ea typeface="+mn-ea"/>
+                <a:cs typeface="+mn-cs"/>
+              </a:defRPr>
+            </a:lvl1pPr>
+            <a:lvl2pPr marL="457200" algn="l" defTabSz="914400" rtl="0" eaLnBrk="1" latinLnBrk="0" hangingPunct="1">
+              <a:defRPr sz="1800" kern="1200">
+                <a:solidFill>
+                  <a:schemeClr val="lt1"/>
+                </a:solidFill>
+                <a:latin typeface="+mn-lt"/>
+                <a:ea typeface="+mn-ea"/>
+                <a:cs typeface="+mn-cs"/>
+              </a:defRPr>
+            </a:lvl2pPr>
+            <a:lvl3pPr marL="914400" algn="l" defTabSz="914400" rtl="0" eaLnBrk="1" latinLnBrk="0" hangingPunct="1">
+              <a:defRPr sz="1800" kern="1200">
+                <a:solidFill>
+                  <a:schemeClr val="lt1"/>
+                </a:solidFill>
+                <a:latin typeface="+mn-lt"/>
+                <a:ea typeface="+mn-ea"/>
+                <a:cs typeface="+mn-cs"/>
+              </a:defRPr>
+            </a:lvl3pPr>
+            <a:lvl4pPr marL="1371600" algn="l" defTabSz="914400" rtl="0" eaLnBrk="1" latinLnBrk="0" hangingPunct="1">
+              <a:defRPr sz="1800" kern="1200">
+                <a:solidFill>
+                  <a:schemeClr val="lt1"/>
+                </a:solidFill>
+                <a:latin typeface="+mn-lt"/>
+                <a:ea typeface="+mn-ea"/>
+                <a:cs typeface="+mn-cs"/>
+              </a:defRPr>
+            </a:lvl4pPr>
+            <a:lvl5pPr marL="1828800" algn="l" defTabSz="914400" rtl="0" eaLnBrk="1" latinLnBrk="0" hangingPunct="1">
+              <a:defRPr sz="1800" kern="1200">
+                <a:solidFill>
+                  <a:schemeClr val="lt1"/>
+                </a:solidFill>
+                <a:latin typeface="+mn-lt"/>
+                <a:ea typeface="+mn-ea"/>
+                <a:cs typeface="+mn-cs"/>
+              </a:defRPr>
+            </a:lvl5pPr>
+            <a:lvl6pPr marL="2286000" algn="l" defTabSz="914400" rtl="0" eaLnBrk="1" latinLnBrk="0" hangingPunct="1">
+              <a:defRPr sz="1800" kern="1200">
+                <a:solidFill>
+                  <a:schemeClr val="lt1"/>
+                </a:solidFill>
+                <a:latin typeface="+mn-lt"/>
+                <a:ea typeface="+mn-ea"/>
+                <a:cs typeface="+mn-cs"/>
+              </a:defRPr>
+            </a:lvl6pPr>
+            <a:lvl7pPr marL="2743200" algn="l" defTabSz="914400" rtl="0" eaLnBrk="1" latinLnBrk="0" hangingPunct="1">
+              <a:defRPr sz="1800" kern="1200">
+                <a:solidFill>
+                  <a:schemeClr val="lt1"/>
+                </a:solidFill>
+                <a:latin typeface="+mn-lt"/>
+                <a:ea typeface="+mn-ea"/>
+                <a:cs typeface="+mn-cs"/>
+              </a:defRPr>
+            </a:lvl7pPr>
+            <a:lvl8pPr marL="3200400" algn="l" defTabSz="914400" rtl="0" eaLnBrk="1" latinLnBrk="0" hangingPunct="1">
+              <a:defRPr sz="1800" kern="1200">
+                <a:solidFill>
+                  <a:schemeClr val="lt1"/>
+                </a:solidFill>
+                <a:latin typeface="+mn-lt"/>
+                <a:ea typeface="+mn-ea"/>
+                <a:cs typeface="+mn-cs"/>
+              </a:defRPr>
+            </a:lvl8pPr>
+            <a:lvl9pPr marL="3657600" algn="l" defTabSz="914400" rtl="0" eaLnBrk="1" latinLnBrk="0" hangingPunct="1">
+              <a:defRPr sz="1800" kern="1200">
+                <a:solidFill>
+                  <a:schemeClr val="lt1"/>
+                </a:solidFill>
+                <a:latin typeface="+mn-lt"/>
+                <a:ea typeface="+mn-ea"/>
+                <a:cs typeface="+mn-cs"/>
+              </a:defRPr>
+            </a:lvl9pPr>
+          </a:lstStyle>
+          <a:p>
+            <a:pPr algn="ctr"/>
+            <a:endParaRPr lang="en-US" sz="900" dirty="0">
+              <a:solidFill>
+                <a:srgbClr val="5F5F5F"/>
+              </a:solidFill>
+              <a:latin typeface="Segoe UI" panose="020B0502040204020203" pitchFamily="34" charset="0"/>
+              <a:cs typeface="Segoe UI" panose="020B0502040204020203" pitchFamily="34" charset="0"/>
+            </a:endParaRPr>
+          </a:p>
+        </p:txBody>
+      </p:sp>
+      <p:sp>
+        <p:nvSpPr>
+          <p:cNvPr id="3" name="TextBox 2"/>
+          <p:cNvSpPr txBox="1"/>
+          <p:nvPr/>
+        </p:nvSpPr>
+        <p:spPr>
+          <a:xfrm>
+            <a:off x="844734" y="955667"/>
+            <a:ext cx="3087705" cy="369332"/>
+          </a:xfrm>
+          <a:prstGeom prst="rect">
+            <a:avLst/>
+          </a:prstGeom>
+          <a:noFill/>
+        </p:spPr>
+        <p:txBody>
+          <a:bodyPr wrap="none" rtlCol="0">
+            <a:spAutoFit/>
+          </a:bodyPr>
+          <a:lstStyle/>
+          <a:p>
+            <a:r>
+              <a:rPr lang="ko-KR" altLang="en-US" dirty="0"/>
+              <a:t>관리자 </a:t>
+            </a:r>
+            <a:r>
+              <a:rPr lang="en-US" altLang="ko-KR" dirty="0"/>
+              <a:t>– </a:t>
+            </a:r>
+            <a:r>
+              <a:rPr lang="ko-KR" altLang="en-US" dirty="0"/>
+              <a:t>공지사항 상세보기</a:t>
+            </a:r>
+          </a:p>
+        </p:txBody>
+      </p:sp>
+      <p:cxnSp>
+        <p:nvCxnSpPr>
+          <p:cNvPr id="8" name="직선 연결선 7">
+            <a:extLst>
+              <a:ext uri="{FF2B5EF4-FFF2-40B4-BE49-F238E27FC236}">
+                <a16:creationId xmlns:a16="http://schemas.microsoft.com/office/drawing/2014/main" id="{A723CFAC-181E-4ABB-8790-FEC42B087A83}"/>
+              </a:ext>
+            </a:extLst>
+          </p:cNvPr>
+          <p:cNvCxnSpPr/>
+          <p:nvPr/>
+        </p:nvCxnSpPr>
+        <p:spPr>
+          <a:xfrm>
+            <a:off x="1381686" y="2011290"/>
+            <a:ext cx="9428628" cy="0"/>
+          </a:xfrm>
+          <a:prstGeom prst="line">
+            <a:avLst/>
+          </a:prstGeom>
+        </p:spPr>
+        <p:style>
+          <a:lnRef idx="1">
+            <a:schemeClr val="dk1"/>
+          </a:lnRef>
+          <a:fillRef idx="0">
+            <a:schemeClr val="dk1"/>
+          </a:fillRef>
+          <a:effectRef idx="0">
+            <a:schemeClr val="dk1"/>
+          </a:effectRef>
+          <a:fontRef idx="minor">
+            <a:schemeClr val="tx1"/>
+          </a:fontRef>
+        </p:style>
+      </p:cxnSp>
+      <p:pic>
+        <p:nvPicPr>
+          <p:cNvPr id="10" name="Picture 2" descr="C:\Users\507-09\Downloads\제목을 입력해주세요._1.png"/>
+          <p:cNvPicPr>
+            <a:picLocks noChangeAspect="1" noChangeArrowheads="1"/>
+          </p:cNvPicPr>
+          <p:nvPr/>
+        </p:nvPicPr>
+        <p:blipFill rotWithShape="1">
+          <a:blip r:embed="rId4" cstate="print">
+            <a:extLst>
+              <a:ext uri="{28A0092B-C50C-407E-A947-70E740481C1C}">
+                <a14:useLocalDpi xmlns:a14="http://schemas.microsoft.com/office/drawing/2010/main" val="0"/>
+              </a:ext>
+            </a:extLst>
+          </a:blip>
+          <a:srcRect l="20378" r="20844"/>
+          <a:stretch/>
+        </p:blipFill>
+        <p:spPr bwMode="auto">
+          <a:xfrm>
+            <a:off x="1415554" y="1655554"/>
+            <a:ext cx="1057991" cy="324000"/>
+          </a:xfrm>
+          <a:prstGeom prst="rect">
+            <a:avLst/>
+          </a:prstGeom>
+          <a:noFill/>
+          <a:extLst>
+            <a:ext uri="{909E8E84-426E-40DD-AFC4-6F175D3DCCD1}">
+              <a14:hiddenFill xmlns:a14="http://schemas.microsoft.com/office/drawing/2010/main">
+                <a:solidFill>
+                  <a:srgbClr val="FFFFFF"/>
+                </a:solidFill>
+              </a14:hiddenFill>
+            </a:ext>
+          </a:extLst>
+        </p:spPr>
+      </p:pic>
+      <p:sp>
+        <p:nvSpPr>
+          <p:cNvPr id="22" name="TextBox 21"/>
+          <p:cNvSpPr txBox="1"/>
+          <p:nvPr/>
+        </p:nvSpPr>
+        <p:spPr>
+          <a:xfrm>
+            <a:off x="2802467" y="1653191"/>
+            <a:ext cx="1005403" cy="338554"/>
+          </a:xfrm>
+          <a:prstGeom prst="rect">
+            <a:avLst/>
+          </a:prstGeom>
+          <a:noFill/>
+        </p:spPr>
+        <p:txBody>
+          <a:bodyPr wrap="none" rtlCol="0">
+            <a:spAutoFit/>
+          </a:bodyPr>
+          <a:lstStyle/>
+          <a:p>
+            <a:r>
+              <a:rPr lang="ko-KR" altLang="en-US" sz="1600" dirty="0"/>
+              <a:t>회원관리</a:t>
+            </a:r>
+          </a:p>
+        </p:txBody>
+      </p:sp>
+      <p:sp>
+        <p:nvSpPr>
+          <p:cNvPr id="23" name="TextBox 22"/>
+          <p:cNvSpPr txBox="1"/>
+          <p:nvPr/>
+        </p:nvSpPr>
+        <p:spPr>
+          <a:xfrm>
+            <a:off x="3973059" y="1653191"/>
+            <a:ext cx="1005403" cy="338554"/>
+          </a:xfrm>
+          <a:prstGeom prst="rect">
+            <a:avLst/>
+          </a:prstGeom>
+          <a:noFill/>
+        </p:spPr>
+        <p:txBody>
+          <a:bodyPr wrap="none" rtlCol="0">
+            <a:spAutoFit/>
+          </a:bodyPr>
+          <a:lstStyle/>
+          <a:p>
+            <a:r>
+              <a:rPr lang="ko-KR" altLang="en-US" sz="1600" dirty="0"/>
+              <a:t>공지사항</a:t>
+            </a:r>
+          </a:p>
+        </p:txBody>
+      </p:sp>
+      <p:sp>
+        <p:nvSpPr>
+          <p:cNvPr id="24" name="TextBox 23"/>
+          <p:cNvSpPr txBox="1"/>
+          <p:nvPr/>
+        </p:nvSpPr>
+        <p:spPr>
+          <a:xfrm>
+            <a:off x="5143651" y="1653191"/>
+            <a:ext cx="1853960" cy="338554"/>
+          </a:xfrm>
+          <a:prstGeom prst="rect">
+            <a:avLst/>
+          </a:prstGeom>
+          <a:noFill/>
+        </p:spPr>
+        <p:txBody>
+          <a:bodyPr wrap="square" rtlCol="0">
+            <a:spAutoFit/>
+          </a:bodyPr>
+          <a:lstStyle/>
+          <a:p>
+            <a:r>
+              <a:rPr lang="ko-KR" altLang="en-US" sz="1600" dirty="0"/>
+              <a:t>반려동물프로그램</a:t>
+            </a:r>
+          </a:p>
+        </p:txBody>
+      </p:sp>
+      <p:sp>
+        <p:nvSpPr>
+          <p:cNvPr id="25" name="TextBox 24"/>
+          <p:cNvSpPr txBox="1"/>
+          <p:nvPr/>
+        </p:nvSpPr>
+        <p:spPr>
+          <a:xfrm>
+            <a:off x="7162800" y="1653191"/>
+            <a:ext cx="1826141" cy="338554"/>
+          </a:xfrm>
+          <a:prstGeom prst="rect">
+            <a:avLst/>
+          </a:prstGeom>
+          <a:noFill/>
+        </p:spPr>
+        <p:txBody>
+          <a:bodyPr wrap="none" rtlCol="0">
+            <a:spAutoFit/>
+          </a:bodyPr>
+          <a:lstStyle/>
+          <a:p>
+            <a:r>
+              <a:rPr lang="ko-KR" altLang="en-US" sz="1600" dirty="0"/>
+              <a:t>장거리이동서비스</a:t>
+            </a:r>
+          </a:p>
+        </p:txBody>
+      </p:sp>
+      <p:sp>
+        <p:nvSpPr>
+          <p:cNvPr id="27" name="직사각형 26"/>
+          <p:cNvSpPr/>
+          <p:nvPr/>
+        </p:nvSpPr>
+        <p:spPr>
+          <a:xfrm>
+            <a:off x="3132522" y="2175933"/>
+            <a:ext cx="7450666" cy="1219200"/>
+          </a:xfrm>
+          <a:prstGeom prst="rect">
+            <a:avLst/>
+          </a:prstGeom>
+        </p:spPr>
+        <p:style>
+          <a:lnRef idx="2">
+            <a:schemeClr val="dk1"/>
+          </a:lnRef>
+          <a:fillRef idx="1">
+            <a:schemeClr val="lt1"/>
+          </a:fillRef>
+          <a:effectRef idx="0">
+            <a:schemeClr val="dk1"/>
+          </a:effectRef>
+          <a:fontRef idx="minor">
+            <a:schemeClr val="dk1"/>
+          </a:fontRef>
+        </p:style>
+        <p:txBody>
+          <a:bodyPr rtlCol="0" anchor="ctr"/>
+          <a:lstStyle/>
+          <a:p>
+            <a:pPr algn="ctr"/>
+            <a:endParaRPr lang="ko-KR" altLang="en-US"/>
+          </a:p>
+        </p:txBody>
+      </p:sp>
+      <p:sp>
+        <p:nvSpPr>
+          <p:cNvPr id="28" name="직사각형 27"/>
+          <p:cNvSpPr/>
+          <p:nvPr/>
+        </p:nvSpPr>
+        <p:spPr>
+          <a:xfrm>
+            <a:off x="3132522" y="3556000"/>
+            <a:ext cx="7450666" cy="2743200"/>
+          </a:xfrm>
+          <a:prstGeom prst="rect">
+            <a:avLst/>
+          </a:prstGeom>
+        </p:spPr>
+        <p:style>
+          <a:lnRef idx="2">
+            <a:schemeClr val="dk1"/>
+          </a:lnRef>
+          <a:fillRef idx="1">
+            <a:schemeClr val="lt1"/>
+          </a:fillRef>
+          <a:effectRef idx="0">
+            <a:schemeClr val="dk1"/>
+          </a:effectRef>
+          <a:fontRef idx="minor">
+            <a:schemeClr val="dk1"/>
+          </a:fontRef>
+        </p:style>
+        <p:txBody>
+          <a:bodyPr rtlCol="0" anchor="ctr"/>
+          <a:lstStyle/>
+          <a:p>
+            <a:pPr algn="ctr"/>
+            <a:endParaRPr lang="ko-KR" altLang="en-US"/>
+          </a:p>
+        </p:txBody>
+      </p:sp>
+      <p:cxnSp>
+        <p:nvCxnSpPr>
+          <p:cNvPr id="30" name="직선 연결선 29"/>
+          <p:cNvCxnSpPr/>
+          <p:nvPr/>
+        </p:nvCxnSpPr>
+        <p:spPr>
+          <a:xfrm>
+            <a:off x="1583268" y="2738907"/>
+            <a:ext cx="1371600" cy="0"/>
+          </a:xfrm>
+          <a:prstGeom prst="line">
+            <a:avLst/>
+          </a:prstGeom>
+          <a:ln w="12700"/>
+        </p:spPr>
+        <p:style>
+          <a:lnRef idx="1">
+            <a:schemeClr val="accent3"/>
+          </a:lnRef>
+          <a:fillRef idx="0">
+            <a:schemeClr val="accent3"/>
+          </a:fillRef>
+          <a:effectRef idx="0">
+            <a:schemeClr val="accent3"/>
+          </a:effectRef>
+          <a:fontRef idx="minor">
+            <a:schemeClr val="tx1"/>
+          </a:fontRef>
+        </p:style>
+      </p:cxnSp>
+      <p:sp>
+        <p:nvSpPr>
+          <p:cNvPr id="31" name="TextBox 30"/>
+          <p:cNvSpPr txBox="1"/>
+          <p:nvPr/>
+        </p:nvSpPr>
+        <p:spPr>
+          <a:xfrm>
+            <a:off x="1591735" y="2209797"/>
+            <a:ext cx="1343638" cy="261610"/>
+          </a:xfrm>
+          <a:prstGeom prst="rect">
+            <a:avLst/>
+          </a:prstGeom>
+          <a:noFill/>
+        </p:spPr>
+        <p:txBody>
+          <a:bodyPr wrap="none" rtlCol="0">
+            <a:spAutoFit/>
+          </a:bodyPr>
+          <a:lstStyle/>
+          <a:p>
+            <a:r>
+              <a:rPr lang="en-US" altLang="ko-KR" sz="1100" dirty="0"/>
+              <a:t>Logged by </a:t>
+            </a:r>
+            <a:r>
+              <a:rPr lang="ko-KR" altLang="en-US" sz="1100" dirty="0"/>
+              <a:t>관리자</a:t>
+            </a:r>
+          </a:p>
+        </p:txBody>
+      </p:sp>
+      <p:sp>
+        <p:nvSpPr>
+          <p:cNvPr id="33" name="직사각형 32"/>
+          <p:cNvSpPr/>
+          <p:nvPr/>
+        </p:nvSpPr>
+        <p:spPr>
+          <a:xfrm>
+            <a:off x="1944549" y="2471407"/>
+            <a:ext cx="635000" cy="186267"/>
+          </a:xfrm>
+          <a:prstGeom prst="rect">
+            <a:avLst/>
+          </a:prstGeom>
+          <a:ln w="6350"/>
+        </p:spPr>
+        <p:style>
+          <a:lnRef idx="2">
+            <a:schemeClr val="accent3">
+              <a:shade val="50000"/>
+            </a:schemeClr>
+          </a:lnRef>
+          <a:fillRef idx="1">
+            <a:schemeClr val="accent3"/>
+          </a:fillRef>
+          <a:effectRef idx="0">
+            <a:schemeClr val="accent3"/>
+          </a:effectRef>
+          <a:fontRef idx="minor">
+            <a:schemeClr val="lt1"/>
+          </a:fontRef>
+        </p:style>
+        <p:txBody>
+          <a:bodyPr rtlCol="0" anchor="ctr"/>
+          <a:lstStyle/>
+          <a:p>
+            <a:pPr algn="ctr"/>
+            <a:r>
+              <a:rPr lang="en-US" altLang="ko-KR" sz="1000" dirty="0"/>
+              <a:t>logout</a:t>
+            </a:r>
+            <a:endParaRPr lang="ko-KR" altLang="en-US" sz="1000" dirty="0"/>
+          </a:p>
+        </p:txBody>
+      </p:sp>
+      <p:cxnSp>
+        <p:nvCxnSpPr>
+          <p:cNvPr id="11" name="직선 연결선 10"/>
+          <p:cNvCxnSpPr/>
+          <p:nvPr/>
+        </p:nvCxnSpPr>
+        <p:spPr>
+          <a:xfrm>
+            <a:off x="3973059" y="2000275"/>
+            <a:ext cx="1005403" cy="0"/>
+          </a:xfrm>
+          <a:prstGeom prst="line">
+            <a:avLst/>
+          </a:prstGeom>
+          <a:ln w="38100"/>
+        </p:spPr>
+        <p:style>
+          <a:lnRef idx="1">
+            <a:schemeClr val="accent2"/>
+          </a:lnRef>
+          <a:fillRef idx="0">
+            <a:schemeClr val="accent2"/>
+          </a:fillRef>
+          <a:effectRef idx="0">
+            <a:schemeClr val="accent2"/>
+          </a:effectRef>
+          <a:fontRef idx="minor">
+            <a:schemeClr val="tx1"/>
+          </a:fontRef>
+        </p:style>
+      </p:cxnSp>
+      <p:graphicFrame>
+        <p:nvGraphicFramePr>
+          <p:cNvPr id="29" name="표 28">
+            <a:extLst>
+              <a:ext uri="{FF2B5EF4-FFF2-40B4-BE49-F238E27FC236}">
+                <a16:creationId xmlns:a16="http://schemas.microsoft.com/office/drawing/2014/main" id="{CC9FB6A4-E4AB-4129-8E72-EF46A0C66E33}"/>
+              </a:ext>
+            </a:extLst>
+          </p:cNvPr>
+          <p:cNvGraphicFramePr>
+            <a:graphicFrameLocks noGrp="1"/>
+          </p:cNvGraphicFramePr>
+          <p:nvPr/>
+        </p:nvGraphicFramePr>
+        <p:xfrm>
+          <a:off x="1583268" y="2747374"/>
+          <a:ext cx="1363133" cy="370840"/>
+        </p:xfrm>
+        <a:graphic>
+          <a:graphicData uri="http://schemas.openxmlformats.org/drawingml/2006/table">
+            <a:tbl>
+              <a:tblPr firstRow="1" bandRow="1">
+                <a:tableStyleId>{F2DE63D5-997A-4646-A377-4702673A728D}</a:tableStyleId>
+              </a:tblPr>
+              <a:tblGrid>
+                <a:gridCol w="1363133">
+                  <a:extLst>
+                    <a:ext uri="{9D8B030D-6E8A-4147-A177-3AD203B41FA5}">
+                      <a16:colId xmlns:a16="http://schemas.microsoft.com/office/drawing/2014/main" val="20000"/>
+                    </a:ext>
+                  </a:extLst>
+                </a:gridCol>
+              </a:tblGrid>
+              <a:tr h="370840">
+                <a:tc>
+                  <a:txBody>
+                    <a:bodyPr/>
+                    <a:lstStyle/>
+                    <a:p>
+                      <a:pPr algn="ctr" latinLnBrk="1"/>
+                      <a:r>
+                        <a:rPr lang="ko-KR" altLang="en-US" sz="1400" dirty="0"/>
+                        <a:t>공지사항</a:t>
+                      </a:r>
+                    </a:p>
+                  </a:txBody>
+                  <a:tcPr anchor="ctr"/>
+                </a:tc>
+                <a:extLst>
+                  <a:ext uri="{0D108BD9-81ED-4DB2-BD59-A6C34878D82A}">
+                    <a16:rowId xmlns:a16="http://schemas.microsoft.com/office/drawing/2014/main" val="10000"/>
+                  </a:ext>
+                </a:extLst>
+              </a:tr>
+            </a:tbl>
+          </a:graphicData>
+        </a:graphic>
+      </p:graphicFrame>
+      <p:sp>
+        <p:nvSpPr>
+          <p:cNvPr id="26" name="직사각형 25"/>
+          <p:cNvSpPr/>
+          <p:nvPr/>
+        </p:nvSpPr>
+        <p:spPr>
+          <a:xfrm>
+            <a:off x="1583268" y="2175932"/>
+            <a:ext cx="1371600" cy="4123267"/>
+          </a:xfrm>
+          <a:prstGeom prst="rect">
+            <a:avLst/>
+          </a:prstGeom>
+          <a:noFill/>
+        </p:spPr>
+        <p:style>
+          <a:lnRef idx="2">
+            <a:schemeClr val="dk1"/>
+          </a:lnRef>
+          <a:fillRef idx="1">
+            <a:schemeClr val="lt1"/>
+          </a:fillRef>
+          <a:effectRef idx="0">
+            <a:schemeClr val="dk1"/>
+          </a:effectRef>
+          <a:fontRef idx="minor">
+            <a:schemeClr val="dk1"/>
+          </a:fontRef>
+        </p:style>
+        <p:txBody>
+          <a:bodyPr rtlCol="0" anchor="ctr"/>
+          <a:lstStyle/>
+          <a:p>
+            <a:pPr algn="ctr"/>
+            <a:endParaRPr lang="ko-KR" altLang="en-US"/>
+          </a:p>
+        </p:txBody>
+      </p:sp>
+    </p:spTree>
+    <p:extLst>
+      <p:ext uri="{BB962C8B-B14F-4D97-AF65-F5344CB8AC3E}">
+        <p14:creationId xmlns:p14="http://schemas.microsoft.com/office/powerpoint/2010/main" val="4106035459"/>
+      </p:ext>
+    </p:extLst>
+  </p:cSld>
+  <p:clrMapOvr>
+    <a:masterClrMapping/>
+  </p:clrMapOvr>
+</p:sld>
+</file>
+
+<file path=ppt/slides/slide24.xml><?xml version="1.0" encoding="utf-8"?>
+<p:sld xmlns:a="http://schemas.openxmlformats.org/drawingml/2006/main" xmlns:r="http://schemas.openxmlformats.org/officeDocument/2006/relationships" xmlns:p="http://schemas.openxmlformats.org/presentationml/2006/main">
+  <p:cSld>
+    <p:spTree>
+      <p:nvGrpSpPr>
+        <p:cNvPr id="1" name=""/>
+        <p:cNvGrpSpPr/>
+        <p:nvPr/>
+      </p:nvGrpSpPr>
+      <p:grpSpPr>
+        <a:xfrm>
+          <a:off x="0" y="0"/>
+          <a:ext cx="0" cy="0"/>
+          <a:chOff x="0" y="0"/>
+          <a:chExt cx="0" cy="0"/>
+        </a:xfrm>
+      </p:grpSpPr>
+      <p:sp>
+        <p:nvSpPr>
+          <p:cNvPr id="2" name="직사각형 1">
+            <a:extLst>
+              <a:ext uri="{FF2B5EF4-FFF2-40B4-BE49-F238E27FC236}">
+                <a16:creationId xmlns:a16="http://schemas.microsoft.com/office/drawing/2014/main" id="{8E5B996D-DF87-49E5-95D1-45B1EEB9EE9A}"/>
+              </a:ext>
+            </a:extLst>
+          </p:cNvPr>
+          <p:cNvSpPr/>
+          <p:nvPr/>
+        </p:nvSpPr>
+        <p:spPr>
+          <a:xfrm>
+            <a:off x="0" y="0"/>
+            <a:ext cx="12192000" cy="108000"/>
+          </a:xfrm>
+          <a:prstGeom prst="rect">
+            <a:avLst/>
+          </a:prstGeom>
+          <a:solidFill>
+            <a:srgbClr val="FFD8D9"/>
+          </a:solidFill>
+          <a:ln>
+            <a:noFill/>
+          </a:ln>
+        </p:spPr>
+        <p:style>
+          <a:lnRef idx="2">
+            <a:schemeClr val="accent1">
+              <a:shade val="50000"/>
+            </a:schemeClr>
+          </a:lnRef>
+          <a:fillRef idx="1">
+            <a:schemeClr val="accent1"/>
+          </a:fillRef>
+          <a:effectRef idx="0">
+            <a:schemeClr val="accent1"/>
+          </a:effectRef>
+          <a:fontRef idx="minor">
+            <a:schemeClr val="lt1"/>
+          </a:fontRef>
+        </p:style>
+        <p:txBody>
+          <a:bodyPr rtlCol="0" anchor="ctr"/>
+          <a:lstStyle/>
+          <a:p>
+            <a:pPr algn="ctr"/>
+            <a:endParaRPr lang="ko-KR" altLang="en-US"/>
+          </a:p>
+        </p:txBody>
+      </p:sp>
+      <p:sp>
+        <p:nvSpPr>
+          <p:cNvPr id="4" name="직사각형 3">
+            <a:extLst>
+              <a:ext uri="{FF2B5EF4-FFF2-40B4-BE49-F238E27FC236}">
+                <a16:creationId xmlns:a16="http://schemas.microsoft.com/office/drawing/2014/main" id="{080CEE4E-4BCA-42C3-BECA-9BCEB9931EEA}"/>
+              </a:ext>
+            </a:extLst>
+          </p:cNvPr>
+          <p:cNvSpPr/>
+          <p:nvPr/>
+        </p:nvSpPr>
+        <p:spPr>
+          <a:xfrm>
+            <a:off x="0" y="6750000"/>
+            <a:ext cx="12192000" cy="108000"/>
+          </a:xfrm>
+          <a:prstGeom prst="rect">
+            <a:avLst/>
+          </a:prstGeom>
+          <a:solidFill>
+            <a:srgbClr val="FFD8D9"/>
+          </a:solidFill>
+          <a:ln>
+            <a:noFill/>
+          </a:ln>
+        </p:spPr>
+        <p:style>
+          <a:lnRef idx="2">
+            <a:schemeClr val="accent1">
+              <a:shade val="50000"/>
+            </a:schemeClr>
+          </a:lnRef>
+          <a:fillRef idx="1">
+            <a:schemeClr val="accent1"/>
+          </a:fillRef>
+          <a:effectRef idx="0">
+            <a:schemeClr val="accent1"/>
+          </a:effectRef>
+          <a:fontRef idx="minor">
+            <a:schemeClr val="lt1"/>
+          </a:fontRef>
+        </p:style>
+        <p:txBody>
+          <a:bodyPr rtlCol="0" anchor="ctr"/>
+          <a:lstStyle/>
+          <a:p>
+            <a:pPr algn="ctr"/>
+            <a:endParaRPr lang="ko-KR" altLang="en-US"/>
+          </a:p>
+        </p:txBody>
+      </p:sp>
+      <p:sp>
+        <p:nvSpPr>
+          <p:cNvPr id="5" name="TextBox 4">
+            <a:extLst>
+              <a:ext uri="{FF2B5EF4-FFF2-40B4-BE49-F238E27FC236}">
+                <a16:creationId xmlns:a16="http://schemas.microsoft.com/office/drawing/2014/main" id="{D12B0B12-AB99-4F88-B4B2-948DADC833EA}"/>
+              </a:ext>
+            </a:extLst>
+          </p:cNvPr>
+          <p:cNvSpPr txBox="1"/>
+          <p:nvPr/>
+        </p:nvSpPr>
+        <p:spPr>
+          <a:xfrm>
+            <a:off x="844736" y="93113"/>
+            <a:ext cx="2716321" cy="769441"/>
+          </a:xfrm>
+          <a:prstGeom prst="rect">
+            <a:avLst/>
+          </a:prstGeom>
+          <a:noFill/>
+        </p:spPr>
+        <p:txBody>
+          <a:bodyPr wrap="none" rtlCol="0">
+            <a:spAutoFit/>
+          </a:bodyPr>
+          <a:lstStyle/>
+          <a:p>
+            <a:r>
+              <a:rPr kumimoji="1" lang="en-US" altLang="ja-JP" sz="4400" b="1" spc="-150" dirty="0">
+                <a:solidFill>
+                  <a:srgbClr val="FFCD2F"/>
+                </a:solidFill>
+                <a:effectLst>
+                  <a:outerShdw blurRad="38100" dist="38100" dir="2700000" algn="tl">
+                    <a:srgbClr val="000000">
+                      <a:alpha val="43137"/>
+                    </a:srgbClr>
+                  </a:outerShdw>
+                </a:effectLst>
+                <a:latin typeface="Calibri" panose="020F0502020204030204" pitchFamily="34" charset="0"/>
+                <a:cs typeface="Calibri" panose="020F0502020204030204" pitchFamily="34" charset="0"/>
+              </a:rPr>
+              <a:t>W</a:t>
+            </a:r>
+            <a:r>
+              <a:rPr kumimoji="1" lang="en-US" altLang="ja-JP" sz="4400" b="1" spc="-150" dirty="0">
+                <a:solidFill>
+                  <a:schemeClr val="accent1">
+                    <a:lumMod val="75000"/>
+                  </a:schemeClr>
+                </a:solidFill>
+                <a:effectLst>
+                  <a:outerShdw blurRad="38100" dist="38100" dir="2700000" algn="tl">
+                    <a:srgbClr val="000000">
+                      <a:alpha val="43137"/>
+                    </a:srgbClr>
+                  </a:outerShdw>
+                </a:effectLst>
+                <a:latin typeface="Calibri" panose="020F0502020204030204" pitchFamily="34" charset="0"/>
+                <a:cs typeface="Calibri" panose="020F0502020204030204" pitchFamily="34" charset="0"/>
+              </a:rPr>
+              <a:t>ire </a:t>
+            </a:r>
+            <a:r>
+              <a:rPr kumimoji="1" lang="en-US" altLang="ja-JP" sz="4400" b="1" spc="-150" dirty="0">
+                <a:solidFill>
+                  <a:srgbClr val="FFCD2F"/>
+                </a:solidFill>
+                <a:effectLst>
+                  <a:outerShdw blurRad="38100" dist="38100" dir="2700000" algn="tl">
+                    <a:srgbClr val="000000">
+                      <a:alpha val="43137"/>
+                    </a:srgbClr>
+                  </a:outerShdw>
+                </a:effectLst>
+                <a:latin typeface="Calibri" panose="020F0502020204030204" pitchFamily="34" charset="0"/>
+                <a:cs typeface="Calibri" panose="020F0502020204030204" pitchFamily="34" charset="0"/>
+              </a:rPr>
+              <a:t>F</a:t>
+            </a:r>
+            <a:r>
+              <a:rPr kumimoji="1" lang="en-US" altLang="ja-JP" sz="4400" b="1" spc="-150" dirty="0">
+                <a:solidFill>
+                  <a:schemeClr val="accent1">
+                    <a:lumMod val="75000"/>
+                  </a:schemeClr>
+                </a:solidFill>
+                <a:effectLst>
+                  <a:outerShdw blurRad="38100" dist="38100" dir="2700000" algn="tl">
+                    <a:srgbClr val="000000">
+                      <a:alpha val="43137"/>
+                    </a:srgbClr>
+                  </a:outerShdw>
+                </a:effectLst>
+                <a:latin typeface="Calibri" panose="020F0502020204030204" pitchFamily="34" charset="0"/>
+                <a:cs typeface="Calibri" panose="020F0502020204030204" pitchFamily="34" charset="0"/>
+              </a:rPr>
+              <a:t>rame</a:t>
+            </a:r>
+            <a:endParaRPr kumimoji="1" lang="ja-JP" altLang="en-US" sz="4400" b="1" spc="-150" dirty="0">
+              <a:solidFill>
+                <a:schemeClr val="accent1">
+                  <a:lumMod val="75000"/>
+                </a:schemeClr>
+              </a:solidFill>
+              <a:effectLst>
+                <a:outerShdw blurRad="38100" dist="38100" dir="2700000" algn="tl">
+                  <a:srgbClr val="000000">
+                    <a:alpha val="43137"/>
+                  </a:srgbClr>
+                </a:outerShdw>
+              </a:effectLst>
+              <a:latin typeface="Calibri" panose="020F0502020204030204" pitchFamily="34" charset="0"/>
+              <a:cs typeface="Calibri" panose="020F0502020204030204" pitchFamily="34" charset="0"/>
+            </a:endParaRPr>
+          </a:p>
+        </p:txBody>
+      </p:sp>
+      <p:pic>
+        <p:nvPicPr>
+          <p:cNvPr id="9" name="그림 8">
+            <a:extLst>
+              <a:ext uri="{FF2B5EF4-FFF2-40B4-BE49-F238E27FC236}">
+                <a16:creationId xmlns:a16="http://schemas.microsoft.com/office/drawing/2014/main" id="{0F0992E8-2696-42E6-805A-0C12780D8FA1}"/>
+              </a:ext>
+            </a:extLst>
+          </p:cNvPr>
+          <p:cNvPicPr>
+            <a:picLocks noChangeAspect="1"/>
+          </p:cNvPicPr>
+          <p:nvPr/>
+        </p:nvPicPr>
+        <p:blipFill>
+          <a:blip r:embed="rId3" cstate="print">
+            <a:extLst>
+              <a:ext uri="{28A0092B-C50C-407E-A947-70E740481C1C}">
+                <a14:useLocalDpi xmlns:a14="http://schemas.microsoft.com/office/drawing/2010/main" val="0"/>
+              </a:ext>
+            </a:extLst>
+          </a:blip>
+          <a:stretch>
+            <a:fillRect/>
+          </a:stretch>
+        </p:blipFill>
+        <p:spPr>
+          <a:xfrm>
+            <a:off x="124734" y="117832"/>
+            <a:ext cx="720000" cy="720000"/>
+          </a:xfrm>
+          <a:prstGeom prst="rect">
+            <a:avLst/>
+          </a:prstGeom>
+        </p:spPr>
+      </p:pic>
+      <p:sp>
+        <p:nvSpPr>
+          <p:cNvPr id="7" name="Window Body" descr="&lt;SmartSettings&gt;&lt;SmartResize anchorLeft=&quot;Absolute&quot; anchorTop=&quot;Absolute&quot; anchorRight=&quot;Absolute&quot; anchorBottom=&quot;Absolute&quot; /&gt;&lt;/SmartSettings&gt;"/>
+          <p:cNvSpPr/>
+          <p:nvPr>
+            <p:custDataLst>
+              <p:tags r:id="rId1"/>
+            </p:custDataLst>
+          </p:nvPr>
+        </p:nvSpPr>
+        <p:spPr>
+          <a:xfrm>
+            <a:off x="1381686" y="1627790"/>
+            <a:ext cx="9428628" cy="4819419"/>
+          </a:xfrm>
+          <a:prstGeom prst="rect">
+            <a:avLst/>
+          </a:prstGeom>
+          <a:ln/>
+        </p:spPr>
+        <p:style>
+          <a:lnRef idx="2">
+            <a:schemeClr val="dk1"/>
+          </a:lnRef>
+          <a:fillRef idx="1">
+            <a:schemeClr val="lt1"/>
+          </a:fillRef>
+          <a:effectRef idx="0">
+            <a:schemeClr val="dk1"/>
+          </a:effectRef>
+          <a:fontRef idx="minor">
+            <a:schemeClr val="dk1"/>
+          </a:fontRef>
+        </p:style>
+        <p:txBody>
+          <a:bodyPr rot="0" spcFirstLastPara="0" vert="horz" wrap="square" lIns="91440" tIns="45720" rIns="91440" bIns="45720" numCol="1" spcCol="0" rtlCol="0" fromWordArt="0" anchor="ctr" anchorCtr="0" forceAA="0" compatLnSpc="1">
+            <a:prstTxWarp prst="textNoShape">
+              <a:avLst/>
+            </a:prstTxWarp>
+            <a:noAutofit/>
+          </a:bodyPr>
+          <a:lstStyle>
+            <a:defPPr>
+              <a:defRPr lang="en-US"/>
+            </a:defPPr>
+            <a:lvl1pPr marL="0" algn="l" defTabSz="914400" rtl="0" eaLnBrk="1" latinLnBrk="0" hangingPunct="1">
+              <a:defRPr sz="1800" kern="1200">
+                <a:solidFill>
+                  <a:schemeClr val="lt1"/>
+                </a:solidFill>
+                <a:latin typeface="+mn-lt"/>
+                <a:ea typeface="+mn-ea"/>
+                <a:cs typeface="+mn-cs"/>
+              </a:defRPr>
+            </a:lvl1pPr>
+            <a:lvl2pPr marL="457200" algn="l" defTabSz="914400" rtl="0" eaLnBrk="1" latinLnBrk="0" hangingPunct="1">
+              <a:defRPr sz="1800" kern="1200">
+                <a:solidFill>
+                  <a:schemeClr val="lt1"/>
+                </a:solidFill>
+                <a:latin typeface="+mn-lt"/>
+                <a:ea typeface="+mn-ea"/>
+                <a:cs typeface="+mn-cs"/>
+              </a:defRPr>
+            </a:lvl2pPr>
+            <a:lvl3pPr marL="914400" algn="l" defTabSz="914400" rtl="0" eaLnBrk="1" latinLnBrk="0" hangingPunct="1">
+              <a:defRPr sz="1800" kern="1200">
+                <a:solidFill>
+                  <a:schemeClr val="lt1"/>
+                </a:solidFill>
+                <a:latin typeface="+mn-lt"/>
+                <a:ea typeface="+mn-ea"/>
+                <a:cs typeface="+mn-cs"/>
+              </a:defRPr>
+            </a:lvl3pPr>
+            <a:lvl4pPr marL="1371600" algn="l" defTabSz="914400" rtl="0" eaLnBrk="1" latinLnBrk="0" hangingPunct="1">
+              <a:defRPr sz="1800" kern="1200">
+                <a:solidFill>
+                  <a:schemeClr val="lt1"/>
+                </a:solidFill>
+                <a:latin typeface="+mn-lt"/>
+                <a:ea typeface="+mn-ea"/>
+                <a:cs typeface="+mn-cs"/>
+              </a:defRPr>
+            </a:lvl4pPr>
+            <a:lvl5pPr marL="1828800" algn="l" defTabSz="914400" rtl="0" eaLnBrk="1" latinLnBrk="0" hangingPunct="1">
+              <a:defRPr sz="1800" kern="1200">
+                <a:solidFill>
+                  <a:schemeClr val="lt1"/>
+                </a:solidFill>
+                <a:latin typeface="+mn-lt"/>
+                <a:ea typeface="+mn-ea"/>
+                <a:cs typeface="+mn-cs"/>
+              </a:defRPr>
+            </a:lvl5pPr>
+            <a:lvl6pPr marL="2286000" algn="l" defTabSz="914400" rtl="0" eaLnBrk="1" latinLnBrk="0" hangingPunct="1">
+              <a:defRPr sz="1800" kern="1200">
+                <a:solidFill>
+                  <a:schemeClr val="lt1"/>
+                </a:solidFill>
+                <a:latin typeface="+mn-lt"/>
+                <a:ea typeface="+mn-ea"/>
+                <a:cs typeface="+mn-cs"/>
+              </a:defRPr>
+            </a:lvl6pPr>
+            <a:lvl7pPr marL="2743200" algn="l" defTabSz="914400" rtl="0" eaLnBrk="1" latinLnBrk="0" hangingPunct="1">
+              <a:defRPr sz="1800" kern="1200">
+                <a:solidFill>
+                  <a:schemeClr val="lt1"/>
+                </a:solidFill>
+                <a:latin typeface="+mn-lt"/>
+                <a:ea typeface="+mn-ea"/>
+                <a:cs typeface="+mn-cs"/>
+              </a:defRPr>
+            </a:lvl7pPr>
+            <a:lvl8pPr marL="3200400" algn="l" defTabSz="914400" rtl="0" eaLnBrk="1" latinLnBrk="0" hangingPunct="1">
+              <a:defRPr sz="1800" kern="1200">
+                <a:solidFill>
+                  <a:schemeClr val="lt1"/>
+                </a:solidFill>
+                <a:latin typeface="+mn-lt"/>
+                <a:ea typeface="+mn-ea"/>
+                <a:cs typeface="+mn-cs"/>
+              </a:defRPr>
+            </a:lvl8pPr>
+            <a:lvl9pPr marL="3657600" algn="l" defTabSz="914400" rtl="0" eaLnBrk="1" latinLnBrk="0" hangingPunct="1">
+              <a:defRPr sz="1800" kern="1200">
+                <a:solidFill>
+                  <a:schemeClr val="lt1"/>
+                </a:solidFill>
+                <a:latin typeface="+mn-lt"/>
+                <a:ea typeface="+mn-ea"/>
+                <a:cs typeface="+mn-cs"/>
+              </a:defRPr>
+            </a:lvl9pPr>
+          </a:lstStyle>
+          <a:p>
+            <a:pPr algn="ctr"/>
+            <a:endParaRPr lang="en-US" sz="900" dirty="0">
+              <a:solidFill>
+                <a:srgbClr val="5F5F5F"/>
+              </a:solidFill>
+              <a:latin typeface="Segoe UI" panose="020B0502040204020203" pitchFamily="34" charset="0"/>
+              <a:cs typeface="Segoe UI" panose="020B0502040204020203" pitchFamily="34" charset="0"/>
+            </a:endParaRPr>
+          </a:p>
+        </p:txBody>
+      </p:sp>
+      <p:sp>
+        <p:nvSpPr>
+          <p:cNvPr id="3" name="TextBox 2"/>
+          <p:cNvSpPr txBox="1"/>
+          <p:nvPr/>
+        </p:nvSpPr>
+        <p:spPr>
+          <a:xfrm>
+            <a:off x="844734" y="955667"/>
+            <a:ext cx="2856872" cy="369332"/>
+          </a:xfrm>
+          <a:prstGeom prst="rect">
+            <a:avLst/>
+          </a:prstGeom>
+          <a:noFill/>
+        </p:spPr>
+        <p:txBody>
+          <a:bodyPr wrap="none" rtlCol="0">
+            <a:spAutoFit/>
+          </a:bodyPr>
+          <a:lstStyle/>
+          <a:p>
+            <a:r>
+              <a:rPr lang="ko-KR" altLang="en-US" dirty="0"/>
+              <a:t>관리자 </a:t>
+            </a:r>
+            <a:r>
+              <a:rPr lang="en-US" altLang="ko-KR" dirty="0"/>
+              <a:t>– </a:t>
+            </a:r>
+            <a:r>
+              <a:rPr lang="ko-KR" altLang="en-US" dirty="0"/>
+              <a:t>공지사항 글쓰기</a:t>
+            </a:r>
+          </a:p>
+        </p:txBody>
+      </p:sp>
+      <p:cxnSp>
+        <p:nvCxnSpPr>
+          <p:cNvPr id="8" name="직선 연결선 7">
+            <a:extLst>
+              <a:ext uri="{FF2B5EF4-FFF2-40B4-BE49-F238E27FC236}">
+                <a16:creationId xmlns:a16="http://schemas.microsoft.com/office/drawing/2014/main" id="{A723CFAC-181E-4ABB-8790-FEC42B087A83}"/>
+              </a:ext>
+            </a:extLst>
+          </p:cNvPr>
+          <p:cNvCxnSpPr/>
+          <p:nvPr/>
+        </p:nvCxnSpPr>
+        <p:spPr>
+          <a:xfrm>
+            <a:off x="1381686" y="2011290"/>
+            <a:ext cx="9428628" cy="0"/>
+          </a:xfrm>
+          <a:prstGeom prst="line">
+            <a:avLst/>
+          </a:prstGeom>
+        </p:spPr>
+        <p:style>
+          <a:lnRef idx="1">
+            <a:schemeClr val="dk1"/>
+          </a:lnRef>
+          <a:fillRef idx="0">
+            <a:schemeClr val="dk1"/>
+          </a:fillRef>
+          <a:effectRef idx="0">
+            <a:schemeClr val="dk1"/>
+          </a:effectRef>
+          <a:fontRef idx="minor">
+            <a:schemeClr val="tx1"/>
+          </a:fontRef>
+        </p:style>
+      </p:cxnSp>
+      <p:pic>
+        <p:nvPicPr>
+          <p:cNvPr id="10" name="Picture 2" descr="C:\Users\507-09\Downloads\제목을 입력해주세요._1.png"/>
+          <p:cNvPicPr>
+            <a:picLocks noChangeAspect="1" noChangeArrowheads="1"/>
+          </p:cNvPicPr>
+          <p:nvPr/>
+        </p:nvPicPr>
+        <p:blipFill rotWithShape="1">
+          <a:blip r:embed="rId4" cstate="print">
+            <a:extLst>
+              <a:ext uri="{28A0092B-C50C-407E-A947-70E740481C1C}">
+                <a14:useLocalDpi xmlns:a14="http://schemas.microsoft.com/office/drawing/2010/main" val="0"/>
+              </a:ext>
+            </a:extLst>
+          </a:blip>
+          <a:srcRect l="20378" r="20844"/>
+          <a:stretch/>
+        </p:blipFill>
+        <p:spPr bwMode="auto">
+          <a:xfrm>
+            <a:off x="1415554" y="1655554"/>
+            <a:ext cx="1057991" cy="324000"/>
+          </a:xfrm>
+          <a:prstGeom prst="rect">
+            <a:avLst/>
+          </a:prstGeom>
+          <a:noFill/>
+          <a:extLst>
+            <a:ext uri="{909E8E84-426E-40DD-AFC4-6F175D3DCCD1}">
+              <a14:hiddenFill xmlns:a14="http://schemas.microsoft.com/office/drawing/2010/main">
+                <a:solidFill>
+                  <a:srgbClr val="FFFFFF"/>
+                </a:solidFill>
+              </a14:hiddenFill>
+            </a:ext>
+          </a:extLst>
+        </p:spPr>
+      </p:pic>
+      <p:sp>
+        <p:nvSpPr>
+          <p:cNvPr id="22" name="TextBox 21"/>
+          <p:cNvSpPr txBox="1"/>
+          <p:nvPr/>
+        </p:nvSpPr>
+        <p:spPr>
+          <a:xfrm>
+            <a:off x="2802467" y="1653191"/>
+            <a:ext cx="1005403" cy="338554"/>
+          </a:xfrm>
+          <a:prstGeom prst="rect">
+            <a:avLst/>
+          </a:prstGeom>
+          <a:noFill/>
+        </p:spPr>
+        <p:txBody>
+          <a:bodyPr wrap="none" rtlCol="0">
+            <a:spAutoFit/>
+          </a:bodyPr>
+          <a:lstStyle/>
+          <a:p>
+            <a:r>
+              <a:rPr lang="ko-KR" altLang="en-US" sz="1600" dirty="0"/>
+              <a:t>회원관리</a:t>
+            </a:r>
+          </a:p>
+        </p:txBody>
+      </p:sp>
+      <p:sp>
+        <p:nvSpPr>
+          <p:cNvPr id="23" name="TextBox 22"/>
+          <p:cNvSpPr txBox="1"/>
+          <p:nvPr/>
+        </p:nvSpPr>
+        <p:spPr>
+          <a:xfrm>
+            <a:off x="3973059" y="1653191"/>
+            <a:ext cx="1005403" cy="338554"/>
+          </a:xfrm>
+          <a:prstGeom prst="rect">
+            <a:avLst/>
+          </a:prstGeom>
+          <a:noFill/>
+        </p:spPr>
+        <p:txBody>
+          <a:bodyPr wrap="none" rtlCol="0">
+            <a:spAutoFit/>
+          </a:bodyPr>
+          <a:lstStyle/>
+          <a:p>
+            <a:r>
+              <a:rPr lang="ko-KR" altLang="en-US" sz="1600" dirty="0"/>
+              <a:t>공지사항</a:t>
+            </a:r>
+          </a:p>
+        </p:txBody>
+      </p:sp>
+      <p:sp>
+        <p:nvSpPr>
+          <p:cNvPr id="24" name="TextBox 23"/>
+          <p:cNvSpPr txBox="1"/>
+          <p:nvPr/>
+        </p:nvSpPr>
+        <p:spPr>
+          <a:xfrm>
+            <a:off x="5143651" y="1653191"/>
+            <a:ext cx="1853960" cy="338554"/>
+          </a:xfrm>
+          <a:prstGeom prst="rect">
+            <a:avLst/>
+          </a:prstGeom>
+          <a:noFill/>
+        </p:spPr>
+        <p:txBody>
+          <a:bodyPr wrap="square" rtlCol="0">
+            <a:spAutoFit/>
+          </a:bodyPr>
+          <a:lstStyle/>
+          <a:p>
+            <a:r>
+              <a:rPr lang="ko-KR" altLang="en-US" sz="1600" dirty="0"/>
+              <a:t>반려동물프로그램</a:t>
+            </a:r>
+          </a:p>
+        </p:txBody>
+      </p:sp>
+      <p:sp>
+        <p:nvSpPr>
+          <p:cNvPr id="25" name="TextBox 24"/>
+          <p:cNvSpPr txBox="1"/>
+          <p:nvPr/>
+        </p:nvSpPr>
+        <p:spPr>
+          <a:xfrm>
+            <a:off x="7162800" y="1653191"/>
+            <a:ext cx="1826141" cy="338554"/>
+          </a:xfrm>
+          <a:prstGeom prst="rect">
+            <a:avLst/>
+          </a:prstGeom>
+          <a:noFill/>
+        </p:spPr>
+        <p:txBody>
+          <a:bodyPr wrap="none" rtlCol="0">
+            <a:spAutoFit/>
+          </a:bodyPr>
+          <a:lstStyle/>
+          <a:p>
+            <a:r>
+              <a:rPr lang="ko-KR" altLang="en-US" sz="1600" dirty="0"/>
+              <a:t>장거리이동서비스</a:t>
+            </a:r>
+          </a:p>
+        </p:txBody>
+      </p:sp>
+      <p:sp>
+        <p:nvSpPr>
+          <p:cNvPr id="28" name="직사각형 27"/>
+          <p:cNvSpPr/>
+          <p:nvPr/>
+        </p:nvSpPr>
+        <p:spPr>
+          <a:xfrm>
+            <a:off x="3132522" y="2175932"/>
+            <a:ext cx="7450666" cy="4123268"/>
+          </a:xfrm>
+          <a:prstGeom prst="rect">
+            <a:avLst/>
+          </a:prstGeom>
+        </p:spPr>
+        <p:style>
+          <a:lnRef idx="2">
+            <a:schemeClr val="dk1"/>
+          </a:lnRef>
+          <a:fillRef idx="1">
+            <a:schemeClr val="lt1"/>
+          </a:fillRef>
+          <a:effectRef idx="0">
+            <a:schemeClr val="dk1"/>
+          </a:effectRef>
+          <a:fontRef idx="minor">
+            <a:schemeClr val="dk1"/>
+          </a:fontRef>
+        </p:style>
+        <p:txBody>
+          <a:bodyPr rtlCol="0" anchor="ctr"/>
+          <a:lstStyle/>
+          <a:p>
+            <a:pPr algn="ctr"/>
+            <a:endParaRPr lang="ko-KR" altLang="en-US"/>
+          </a:p>
+        </p:txBody>
+      </p:sp>
+      <p:cxnSp>
+        <p:nvCxnSpPr>
+          <p:cNvPr id="30" name="직선 연결선 29"/>
+          <p:cNvCxnSpPr/>
+          <p:nvPr/>
+        </p:nvCxnSpPr>
+        <p:spPr>
+          <a:xfrm>
+            <a:off x="1583268" y="2738907"/>
+            <a:ext cx="1371600" cy="0"/>
+          </a:xfrm>
+          <a:prstGeom prst="line">
+            <a:avLst/>
+          </a:prstGeom>
+          <a:ln w="12700"/>
+        </p:spPr>
+        <p:style>
+          <a:lnRef idx="1">
+            <a:schemeClr val="accent3"/>
+          </a:lnRef>
+          <a:fillRef idx="0">
+            <a:schemeClr val="accent3"/>
+          </a:fillRef>
+          <a:effectRef idx="0">
+            <a:schemeClr val="accent3"/>
+          </a:effectRef>
+          <a:fontRef idx="minor">
+            <a:schemeClr val="tx1"/>
+          </a:fontRef>
+        </p:style>
+      </p:cxnSp>
+      <p:sp>
+        <p:nvSpPr>
+          <p:cNvPr id="31" name="TextBox 30"/>
+          <p:cNvSpPr txBox="1"/>
+          <p:nvPr/>
+        </p:nvSpPr>
+        <p:spPr>
+          <a:xfrm>
+            <a:off x="1591735" y="2209797"/>
+            <a:ext cx="1343638" cy="261610"/>
+          </a:xfrm>
+          <a:prstGeom prst="rect">
+            <a:avLst/>
+          </a:prstGeom>
+          <a:noFill/>
+        </p:spPr>
+        <p:txBody>
+          <a:bodyPr wrap="none" rtlCol="0">
+            <a:spAutoFit/>
+          </a:bodyPr>
+          <a:lstStyle/>
+          <a:p>
+            <a:r>
+              <a:rPr lang="en-US" altLang="ko-KR" sz="1100" dirty="0"/>
+              <a:t>Logged by </a:t>
+            </a:r>
+            <a:r>
+              <a:rPr lang="ko-KR" altLang="en-US" sz="1100" dirty="0"/>
+              <a:t>관리자</a:t>
+            </a:r>
+          </a:p>
+        </p:txBody>
+      </p:sp>
+      <p:sp>
+        <p:nvSpPr>
+          <p:cNvPr id="33" name="직사각형 32"/>
+          <p:cNvSpPr/>
+          <p:nvPr/>
+        </p:nvSpPr>
+        <p:spPr>
+          <a:xfrm>
+            <a:off x="1944549" y="2471407"/>
+            <a:ext cx="635000" cy="186267"/>
+          </a:xfrm>
+          <a:prstGeom prst="rect">
+            <a:avLst/>
+          </a:prstGeom>
+          <a:ln w="6350"/>
+        </p:spPr>
+        <p:style>
+          <a:lnRef idx="2">
+            <a:schemeClr val="accent3">
+              <a:shade val="50000"/>
+            </a:schemeClr>
+          </a:lnRef>
+          <a:fillRef idx="1">
+            <a:schemeClr val="accent3"/>
+          </a:fillRef>
+          <a:effectRef idx="0">
+            <a:schemeClr val="accent3"/>
+          </a:effectRef>
+          <a:fontRef idx="minor">
+            <a:schemeClr val="lt1"/>
+          </a:fontRef>
+        </p:style>
+        <p:txBody>
+          <a:bodyPr rtlCol="0" anchor="ctr"/>
+          <a:lstStyle/>
+          <a:p>
+            <a:pPr algn="ctr"/>
+            <a:r>
+              <a:rPr lang="en-US" altLang="ko-KR" sz="1000" dirty="0"/>
+              <a:t>logout</a:t>
+            </a:r>
+            <a:endParaRPr lang="ko-KR" altLang="en-US" sz="1000" dirty="0"/>
+          </a:p>
+        </p:txBody>
+      </p:sp>
+      <p:cxnSp>
+        <p:nvCxnSpPr>
+          <p:cNvPr id="11" name="직선 연결선 10"/>
+          <p:cNvCxnSpPr/>
+          <p:nvPr/>
+        </p:nvCxnSpPr>
+        <p:spPr>
+          <a:xfrm>
+            <a:off x="3973059" y="2000275"/>
+            <a:ext cx="1005403" cy="0"/>
+          </a:xfrm>
+          <a:prstGeom prst="line">
+            <a:avLst/>
+          </a:prstGeom>
+          <a:ln w="38100"/>
+        </p:spPr>
+        <p:style>
+          <a:lnRef idx="1">
+            <a:schemeClr val="accent2"/>
+          </a:lnRef>
+          <a:fillRef idx="0">
+            <a:schemeClr val="accent2"/>
+          </a:fillRef>
+          <a:effectRef idx="0">
+            <a:schemeClr val="accent2"/>
+          </a:effectRef>
+          <a:fontRef idx="minor">
+            <a:schemeClr val="tx1"/>
+          </a:fontRef>
+        </p:style>
+      </p:cxnSp>
+      <p:graphicFrame>
+        <p:nvGraphicFramePr>
+          <p:cNvPr id="29" name="표 28">
+            <a:extLst>
+              <a:ext uri="{FF2B5EF4-FFF2-40B4-BE49-F238E27FC236}">
+                <a16:creationId xmlns:a16="http://schemas.microsoft.com/office/drawing/2014/main" id="{CC9FB6A4-E4AB-4129-8E72-EF46A0C66E33}"/>
+              </a:ext>
+            </a:extLst>
+          </p:cNvPr>
+          <p:cNvGraphicFramePr>
+            <a:graphicFrameLocks noGrp="1"/>
+          </p:cNvGraphicFramePr>
+          <p:nvPr/>
+        </p:nvGraphicFramePr>
+        <p:xfrm>
+          <a:off x="1583268" y="2747374"/>
+          <a:ext cx="1363133" cy="370840"/>
+        </p:xfrm>
+        <a:graphic>
+          <a:graphicData uri="http://schemas.openxmlformats.org/drawingml/2006/table">
+            <a:tbl>
+              <a:tblPr firstRow="1" bandRow="1">
+                <a:tableStyleId>{F2DE63D5-997A-4646-A377-4702673A728D}</a:tableStyleId>
+              </a:tblPr>
+              <a:tblGrid>
+                <a:gridCol w="1363133">
+                  <a:extLst>
+                    <a:ext uri="{9D8B030D-6E8A-4147-A177-3AD203B41FA5}">
+                      <a16:colId xmlns:a16="http://schemas.microsoft.com/office/drawing/2014/main" val="20000"/>
+                    </a:ext>
+                  </a:extLst>
+                </a:gridCol>
+              </a:tblGrid>
+              <a:tr h="370840">
+                <a:tc>
+                  <a:txBody>
+                    <a:bodyPr/>
+                    <a:lstStyle/>
+                    <a:p>
+                      <a:pPr algn="ctr" latinLnBrk="1"/>
+                      <a:r>
+                        <a:rPr lang="ko-KR" altLang="en-US" sz="1400" dirty="0"/>
+                        <a:t>공지사항</a:t>
+                      </a:r>
+                    </a:p>
+                  </a:txBody>
+                  <a:tcPr anchor="ctr"/>
+                </a:tc>
+                <a:extLst>
+                  <a:ext uri="{0D108BD9-81ED-4DB2-BD59-A6C34878D82A}">
+                    <a16:rowId xmlns:a16="http://schemas.microsoft.com/office/drawing/2014/main" val="10000"/>
+                  </a:ext>
+                </a:extLst>
+              </a:tr>
+            </a:tbl>
+          </a:graphicData>
+        </a:graphic>
+      </p:graphicFrame>
+      <p:sp>
+        <p:nvSpPr>
+          <p:cNvPr id="26" name="직사각형 25"/>
+          <p:cNvSpPr/>
+          <p:nvPr/>
+        </p:nvSpPr>
+        <p:spPr>
+          <a:xfrm>
+            <a:off x="1583268" y="2175932"/>
+            <a:ext cx="1371600" cy="4123267"/>
+          </a:xfrm>
+          <a:prstGeom prst="rect">
+            <a:avLst/>
+          </a:prstGeom>
+          <a:noFill/>
+        </p:spPr>
+        <p:style>
+          <a:lnRef idx="2">
+            <a:schemeClr val="dk1"/>
+          </a:lnRef>
+          <a:fillRef idx="1">
+            <a:schemeClr val="lt1"/>
+          </a:fillRef>
+          <a:effectRef idx="0">
+            <a:schemeClr val="dk1"/>
+          </a:effectRef>
+          <a:fontRef idx="minor">
+            <a:schemeClr val="dk1"/>
+          </a:fontRef>
+        </p:style>
+        <p:txBody>
+          <a:bodyPr rtlCol="0" anchor="ctr"/>
+          <a:lstStyle/>
+          <a:p>
+            <a:pPr algn="ctr"/>
+            <a:endParaRPr lang="ko-KR" altLang="en-US"/>
+          </a:p>
+        </p:txBody>
+      </p:sp>
+      <p:sp>
+        <p:nvSpPr>
+          <p:cNvPr id="32" name="직사각형 31">
+            <a:extLst>
+              <a:ext uri="{FF2B5EF4-FFF2-40B4-BE49-F238E27FC236}">
+                <a16:creationId xmlns:a16="http://schemas.microsoft.com/office/drawing/2014/main" id="{057E928E-C73B-4365-BB49-C726C5026622}"/>
+              </a:ext>
+            </a:extLst>
+          </p:cNvPr>
+          <p:cNvSpPr/>
+          <p:nvPr/>
+        </p:nvSpPr>
+        <p:spPr>
+          <a:xfrm>
+            <a:off x="3402327" y="2291133"/>
+            <a:ext cx="742511" cy="293414"/>
+          </a:xfrm>
+          <a:prstGeom prst="rect">
+            <a:avLst/>
+          </a:prstGeom>
+        </p:spPr>
+        <p:txBody>
+          <a:bodyPr wrap="none">
+            <a:spAutoFit/>
+          </a:bodyPr>
+          <a:lstStyle/>
+          <a:p>
+            <a:pPr>
+              <a:lnSpc>
+                <a:spcPct val="150000"/>
+              </a:lnSpc>
+            </a:pPr>
+            <a:r>
+              <a:rPr lang="ko-KR" altLang="en-US" sz="1000" b="1" dirty="0"/>
+              <a:t>중요 공지</a:t>
+            </a:r>
+            <a:endParaRPr lang="en-US" altLang="ko-KR" sz="1000" b="1" dirty="0"/>
+          </a:p>
+        </p:txBody>
+      </p:sp>
+      <p:pic>
+        <p:nvPicPr>
+          <p:cNvPr id="34" name="Picture 2">
+            <a:extLst>
+              <a:ext uri="{FF2B5EF4-FFF2-40B4-BE49-F238E27FC236}">
+                <a16:creationId xmlns:a16="http://schemas.microsoft.com/office/drawing/2014/main" id="{F2FEE808-F444-4BDC-97DC-C6055C757B6D}"/>
+              </a:ext>
+            </a:extLst>
+          </p:cNvPr>
+          <p:cNvPicPr>
+            <a:picLocks noChangeAspect="1" noChangeArrowheads="1"/>
+          </p:cNvPicPr>
+          <p:nvPr/>
+        </p:nvPicPr>
+        <p:blipFill>
+          <a:blip r:embed="rId5">
+            <a:extLst>
+              <a:ext uri="{28A0092B-C50C-407E-A947-70E740481C1C}">
+                <a14:useLocalDpi xmlns:a14="http://schemas.microsoft.com/office/drawing/2010/main" val="0"/>
+              </a:ext>
+            </a:extLst>
+          </a:blip>
+          <a:srcRect/>
+          <a:stretch>
+            <a:fillRect/>
+          </a:stretch>
+        </p:blipFill>
+        <p:spPr bwMode="auto">
+          <a:xfrm>
+            <a:off x="3288187" y="2388578"/>
+            <a:ext cx="142875" cy="142875"/>
+          </a:xfrm>
+          <a:prstGeom prst="rect">
+            <a:avLst/>
+          </a:prstGeom>
+          <a:noFill/>
+          <a:ln>
+            <a:noFill/>
+          </a:ln>
+          <a:extLst>
+            <a:ext uri="{909E8E84-426E-40DD-AFC4-6F175D3DCCD1}">
+              <a14:hiddenFill xmlns:a14="http://schemas.microsoft.com/office/drawing/2010/main">
+                <a:solidFill>
+                  <a:schemeClr val="accent1"/>
+                </a:solidFill>
+              </a14:hiddenFill>
+            </a:ext>
+            <a:ext uri="{91240B29-F687-4F45-9708-019B960494DF}">
+              <a14:hiddenLine xmlns:a14="http://schemas.microsoft.com/office/drawing/2010/main" w="9525">
+                <a:solidFill>
+                  <a:schemeClr val="tx1"/>
+                </a:solidFill>
+                <a:miter lim="800000"/>
+                <a:headEnd/>
+                <a:tailEnd/>
+              </a14:hiddenLine>
+            </a:ext>
+          </a:extLst>
+        </p:spPr>
+      </p:pic>
+      <p:sp>
+        <p:nvSpPr>
+          <p:cNvPr id="35" name="직사각형 34">
+            <a:extLst>
+              <a:ext uri="{FF2B5EF4-FFF2-40B4-BE49-F238E27FC236}">
+                <a16:creationId xmlns:a16="http://schemas.microsoft.com/office/drawing/2014/main" id="{65388A5F-64F3-40B2-AE2F-8784592781BB}"/>
+              </a:ext>
+            </a:extLst>
+          </p:cNvPr>
+          <p:cNvSpPr>
+            <a:spLocks noChangeArrowheads="1"/>
+          </p:cNvSpPr>
+          <p:nvPr/>
+        </p:nvSpPr>
+        <p:spPr bwMode="auto">
+          <a:xfrm>
+            <a:off x="3288187" y="2957970"/>
+            <a:ext cx="7126673" cy="2875358"/>
+          </a:xfrm>
+          <a:prstGeom prst="rect">
+            <a:avLst/>
+          </a:prstGeom>
+          <a:noFill/>
+          <a:ln w="6350" algn="ctr">
+            <a:solidFill>
+              <a:schemeClr val="tx1">
+                <a:lumMod val="50000"/>
+                <a:lumOff val="50000"/>
+              </a:schemeClr>
+            </a:solidFill>
+            <a:round/>
+            <a:headEnd/>
+            <a:tailEnd/>
+          </a:ln>
+        </p:spPr>
+        <p:txBody>
+          <a:bodyPr wrap="none" lIns="36000" tIns="36000" rIns="36000" bIns="36000" anchor="ctr"/>
+          <a:lstStyle>
+            <a:defPPr>
+              <a:defRPr lang="ko-KR"/>
+            </a:defPPr>
+            <a:lvl1pPr marL="0" algn="l" defTabSz="914400" rtl="0" eaLnBrk="1" latinLnBrk="1" hangingPunct="1">
+              <a:defRPr sz="1800" kern="1200">
+                <a:solidFill>
+                  <a:schemeClr val="tx1"/>
+                </a:solidFill>
+                <a:latin typeface="+mn-lt"/>
+                <a:ea typeface="+mn-ea"/>
+                <a:cs typeface="+mn-cs"/>
+              </a:defRPr>
+            </a:lvl1pPr>
+            <a:lvl2pPr marL="457200" algn="l" defTabSz="914400" rtl="0" eaLnBrk="1" latinLnBrk="1" hangingPunct="1">
+              <a:defRPr sz="1800" kern="1200">
+                <a:solidFill>
+                  <a:schemeClr val="tx1"/>
+                </a:solidFill>
+                <a:latin typeface="+mn-lt"/>
+                <a:ea typeface="+mn-ea"/>
+                <a:cs typeface="+mn-cs"/>
+              </a:defRPr>
+            </a:lvl2pPr>
+            <a:lvl3pPr marL="914400" algn="l" defTabSz="914400" rtl="0" eaLnBrk="1" latinLnBrk="1" hangingPunct="1">
+              <a:defRPr sz="1800" kern="1200">
+                <a:solidFill>
+                  <a:schemeClr val="tx1"/>
+                </a:solidFill>
+                <a:latin typeface="+mn-lt"/>
+                <a:ea typeface="+mn-ea"/>
+                <a:cs typeface="+mn-cs"/>
+              </a:defRPr>
+            </a:lvl3pPr>
+            <a:lvl4pPr marL="1371600" algn="l" defTabSz="914400" rtl="0" eaLnBrk="1" latinLnBrk="1" hangingPunct="1">
+              <a:defRPr sz="1800" kern="1200">
+                <a:solidFill>
+                  <a:schemeClr val="tx1"/>
+                </a:solidFill>
+                <a:latin typeface="+mn-lt"/>
+                <a:ea typeface="+mn-ea"/>
+                <a:cs typeface="+mn-cs"/>
+              </a:defRPr>
+            </a:lvl4pPr>
+            <a:lvl5pPr marL="1828800" algn="l" defTabSz="914400" rtl="0" eaLnBrk="1" latinLnBrk="1" hangingPunct="1">
+              <a:defRPr sz="1800" kern="1200">
+                <a:solidFill>
+                  <a:schemeClr val="tx1"/>
+                </a:solidFill>
+                <a:latin typeface="+mn-lt"/>
+                <a:ea typeface="+mn-ea"/>
+                <a:cs typeface="+mn-cs"/>
+              </a:defRPr>
+            </a:lvl5pPr>
+            <a:lvl6pPr marL="2286000" algn="l" defTabSz="914400" rtl="0" eaLnBrk="1" latinLnBrk="1" hangingPunct="1">
+              <a:defRPr sz="1800" kern="1200">
+                <a:solidFill>
+                  <a:schemeClr val="tx1"/>
+                </a:solidFill>
+                <a:latin typeface="+mn-lt"/>
+                <a:ea typeface="+mn-ea"/>
+                <a:cs typeface="+mn-cs"/>
+              </a:defRPr>
+            </a:lvl6pPr>
+            <a:lvl7pPr marL="2743200" algn="l" defTabSz="914400" rtl="0" eaLnBrk="1" latinLnBrk="1" hangingPunct="1">
+              <a:defRPr sz="1800" kern="1200">
+                <a:solidFill>
+                  <a:schemeClr val="tx1"/>
+                </a:solidFill>
+                <a:latin typeface="+mn-lt"/>
+                <a:ea typeface="+mn-ea"/>
+                <a:cs typeface="+mn-cs"/>
+              </a:defRPr>
+            </a:lvl7pPr>
+            <a:lvl8pPr marL="3200400" algn="l" defTabSz="914400" rtl="0" eaLnBrk="1" latinLnBrk="1" hangingPunct="1">
+              <a:defRPr sz="1800" kern="1200">
+                <a:solidFill>
+                  <a:schemeClr val="tx1"/>
+                </a:solidFill>
+                <a:latin typeface="+mn-lt"/>
+                <a:ea typeface="+mn-ea"/>
+                <a:cs typeface="+mn-cs"/>
+              </a:defRPr>
+            </a:lvl8pPr>
+            <a:lvl9pPr marL="3657600" algn="l" defTabSz="914400" rtl="0" eaLnBrk="1" latinLnBrk="1" hangingPunct="1">
+              <a:defRPr sz="1800" kern="1200">
+                <a:solidFill>
+                  <a:schemeClr val="tx1"/>
+                </a:solidFill>
+                <a:latin typeface="+mn-lt"/>
+                <a:ea typeface="+mn-ea"/>
+                <a:cs typeface="+mn-cs"/>
+              </a:defRPr>
+            </a:lvl9pPr>
+          </a:lstStyle>
+          <a:p>
+            <a:pPr algn="ctr"/>
+            <a:endParaRPr lang="en-US" altLang="ko-KR" sz="800"/>
+          </a:p>
+        </p:txBody>
+      </p:sp>
+      <p:grpSp>
+        <p:nvGrpSpPr>
+          <p:cNvPr id="12" name="그룹 11">
+            <a:extLst>
+              <a:ext uri="{FF2B5EF4-FFF2-40B4-BE49-F238E27FC236}">
+                <a16:creationId xmlns:a16="http://schemas.microsoft.com/office/drawing/2014/main" id="{69AC0CA2-04FC-46A4-B109-C701D97DA859}"/>
+              </a:ext>
+            </a:extLst>
+          </p:cNvPr>
+          <p:cNvGrpSpPr/>
+          <p:nvPr/>
+        </p:nvGrpSpPr>
+        <p:grpSpPr>
+          <a:xfrm>
+            <a:off x="3554360" y="2602057"/>
+            <a:ext cx="6606990" cy="261610"/>
+            <a:chOff x="3807870" y="2602057"/>
+            <a:chExt cx="6606990" cy="261610"/>
+          </a:xfrm>
+        </p:grpSpPr>
+        <p:sp>
+          <p:nvSpPr>
+            <p:cNvPr id="36" name="직사각형 35">
+              <a:extLst>
+                <a:ext uri="{FF2B5EF4-FFF2-40B4-BE49-F238E27FC236}">
+                  <a16:creationId xmlns:a16="http://schemas.microsoft.com/office/drawing/2014/main" id="{6C8387F4-3523-43BC-AC74-FC9BE8E84BFF}"/>
+                </a:ext>
+              </a:extLst>
+            </p:cNvPr>
+            <p:cNvSpPr>
+              <a:spLocks noChangeArrowheads="1"/>
+            </p:cNvSpPr>
+            <p:nvPr/>
+          </p:nvSpPr>
+          <p:spPr bwMode="auto">
+            <a:xfrm>
+              <a:off x="4409267" y="2602448"/>
+              <a:ext cx="6005593" cy="256215"/>
+            </a:xfrm>
+            <a:prstGeom prst="rect">
+              <a:avLst/>
+            </a:prstGeom>
+            <a:noFill/>
+            <a:ln w="6350" algn="ctr">
+              <a:solidFill>
+                <a:schemeClr val="tx1">
+                  <a:lumMod val="50000"/>
+                  <a:lumOff val="50000"/>
+                </a:schemeClr>
+              </a:solidFill>
+              <a:round/>
+              <a:headEnd/>
+              <a:tailEnd/>
+            </a:ln>
+          </p:spPr>
+          <p:txBody>
+            <a:bodyPr wrap="none" lIns="36000" tIns="36000" rIns="36000" bIns="36000" anchor="ctr"/>
+            <a:lstStyle>
+              <a:defPPr>
+                <a:defRPr lang="ko-KR"/>
+              </a:defPPr>
+              <a:lvl1pPr marL="0" algn="l" defTabSz="914400" rtl="0" eaLnBrk="1" latinLnBrk="1" hangingPunct="1">
+                <a:defRPr sz="1800" kern="1200">
+                  <a:solidFill>
+                    <a:schemeClr val="tx1"/>
+                  </a:solidFill>
+                  <a:latin typeface="+mn-lt"/>
+                  <a:ea typeface="+mn-ea"/>
+                  <a:cs typeface="+mn-cs"/>
+                </a:defRPr>
+              </a:lvl1pPr>
+              <a:lvl2pPr marL="457200" algn="l" defTabSz="914400" rtl="0" eaLnBrk="1" latinLnBrk="1" hangingPunct="1">
+                <a:defRPr sz="1800" kern="1200">
+                  <a:solidFill>
+                    <a:schemeClr val="tx1"/>
+                  </a:solidFill>
+                  <a:latin typeface="+mn-lt"/>
+                  <a:ea typeface="+mn-ea"/>
+                  <a:cs typeface="+mn-cs"/>
+                </a:defRPr>
+              </a:lvl2pPr>
+              <a:lvl3pPr marL="914400" algn="l" defTabSz="914400" rtl="0" eaLnBrk="1" latinLnBrk="1" hangingPunct="1">
+                <a:defRPr sz="1800" kern="1200">
+                  <a:solidFill>
+                    <a:schemeClr val="tx1"/>
+                  </a:solidFill>
+                  <a:latin typeface="+mn-lt"/>
+                  <a:ea typeface="+mn-ea"/>
+                  <a:cs typeface="+mn-cs"/>
+                </a:defRPr>
+              </a:lvl3pPr>
+              <a:lvl4pPr marL="1371600" algn="l" defTabSz="914400" rtl="0" eaLnBrk="1" latinLnBrk="1" hangingPunct="1">
+                <a:defRPr sz="1800" kern="1200">
+                  <a:solidFill>
+                    <a:schemeClr val="tx1"/>
+                  </a:solidFill>
+                  <a:latin typeface="+mn-lt"/>
+                  <a:ea typeface="+mn-ea"/>
+                  <a:cs typeface="+mn-cs"/>
+                </a:defRPr>
+              </a:lvl4pPr>
+              <a:lvl5pPr marL="1828800" algn="l" defTabSz="914400" rtl="0" eaLnBrk="1" latinLnBrk="1" hangingPunct="1">
+                <a:defRPr sz="1800" kern="1200">
+                  <a:solidFill>
+                    <a:schemeClr val="tx1"/>
+                  </a:solidFill>
+                  <a:latin typeface="+mn-lt"/>
+                  <a:ea typeface="+mn-ea"/>
+                  <a:cs typeface="+mn-cs"/>
+                </a:defRPr>
+              </a:lvl5pPr>
+              <a:lvl6pPr marL="2286000" algn="l" defTabSz="914400" rtl="0" eaLnBrk="1" latinLnBrk="1" hangingPunct="1">
+                <a:defRPr sz="1800" kern="1200">
+                  <a:solidFill>
+                    <a:schemeClr val="tx1"/>
+                  </a:solidFill>
+                  <a:latin typeface="+mn-lt"/>
+                  <a:ea typeface="+mn-ea"/>
+                  <a:cs typeface="+mn-cs"/>
+                </a:defRPr>
+              </a:lvl6pPr>
+              <a:lvl7pPr marL="2743200" algn="l" defTabSz="914400" rtl="0" eaLnBrk="1" latinLnBrk="1" hangingPunct="1">
+                <a:defRPr sz="1800" kern="1200">
+                  <a:solidFill>
+                    <a:schemeClr val="tx1"/>
+                  </a:solidFill>
+                  <a:latin typeface="+mn-lt"/>
+                  <a:ea typeface="+mn-ea"/>
+                  <a:cs typeface="+mn-cs"/>
+                </a:defRPr>
+              </a:lvl7pPr>
+              <a:lvl8pPr marL="3200400" algn="l" defTabSz="914400" rtl="0" eaLnBrk="1" latinLnBrk="1" hangingPunct="1">
+                <a:defRPr sz="1800" kern="1200">
+                  <a:solidFill>
+                    <a:schemeClr val="tx1"/>
+                  </a:solidFill>
+                  <a:latin typeface="+mn-lt"/>
+                  <a:ea typeface="+mn-ea"/>
+                  <a:cs typeface="+mn-cs"/>
+                </a:defRPr>
+              </a:lvl8pPr>
+              <a:lvl9pPr marL="3657600" algn="l" defTabSz="914400" rtl="0" eaLnBrk="1" latinLnBrk="1" hangingPunct="1">
+                <a:defRPr sz="1800" kern="1200">
+                  <a:solidFill>
+                    <a:schemeClr val="tx1"/>
+                  </a:solidFill>
+                  <a:latin typeface="+mn-lt"/>
+                  <a:ea typeface="+mn-ea"/>
+                  <a:cs typeface="+mn-cs"/>
+                </a:defRPr>
+              </a:lvl9pPr>
+            </a:lstStyle>
+            <a:p>
+              <a:pPr algn="ctr"/>
+              <a:endParaRPr lang="en-US" altLang="ko-KR" sz="800"/>
+            </a:p>
+          </p:txBody>
+        </p:sp>
+        <p:sp>
+          <p:nvSpPr>
+            <p:cNvPr id="6" name="TextBox 5">
+              <a:extLst>
+                <a:ext uri="{FF2B5EF4-FFF2-40B4-BE49-F238E27FC236}">
+                  <a16:creationId xmlns:a16="http://schemas.microsoft.com/office/drawing/2014/main" id="{B6F53C2D-ED16-4DD8-94EF-3B1703F41273}"/>
+                </a:ext>
+              </a:extLst>
+            </p:cNvPr>
+            <p:cNvSpPr txBox="1"/>
+            <p:nvPr/>
+          </p:nvSpPr>
+          <p:spPr>
+            <a:xfrm>
+              <a:off x="3807870" y="2602057"/>
+              <a:ext cx="466794" cy="261610"/>
+            </a:xfrm>
+            <a:prstGeom prst="rect">
+              <a:avLst/>
+            </a:prstGeom>
+            <a:noFill/>
+          </p:spPr>
+          <p:txBody>
+            <a:bodyPr wrap="none" rtlCol="0">
+              <a:spAutoFit/>
+            </a:bodyPr>
+            <a:lstStyle/>
+            <a:p>
+              <a:r>
+                <a:rPr lang="ko-KR" altLang="en-US" sz="1100" dirty="0"/>
+                <a:t>제목</a:t>
+              </a:r>
+            </a:p>
+          </p:txBody>
+        </p:sp>
+      </p:grpSp>
+      <p:grpSp>
+        <p:nvGrpSpPr>
+          <p:cNvPr id="37" name="그룹 36">
+            <a:extLst>
+              <a:ext uri="{FF2B5EF4-FFF2-40B4-BE49-F238E27FC236}">
+                <a16:creationId xmlns:a16="http://schemas.microsoft.com/office/drawing/2014/main" id="{D5CB2EF8-C047-4A44-910A-50D52D5FE5CD}"/>
+              </a:ext>
+            </a:extLst>
+          </p:cNvPr>
+          <p:cNvGrpSpPr/>
+          <p:nvPr/>
+        </p:nvGrpSpPr>
+        <p:grpSpPr>
+          <a:xfrm>
+            <a:off x="5839073" y="5901768"/>
+            <a:ext cx="2037565" cy="328991"/>
+            <a:chOff x="5597933" y="5855274"/>
+            <a:chExt cx="2037565" cy="328991"/>
+          </a:xfrm>
+        </p:grpSpPr>
+        <p:sp>
+          <p:nvSpPr>
+            <p:cNvPr id="38" name="직사각형 37">
+              <a:extLst>
+                <a:ext uri="{FF2B5EF4-FFF2-40B4-BE49-F238E27FC236}">
+                  <a16:creationId xmlns:a16="http://schemas.microsoft.com/office/drawing/2014/main" id="{DF7C4E6F-5FE3-4AF2-AF75-543E6073E101}"/>
+                </a:ext>
+              </a:extLst>
+            </p:cNvPr>
+            <p:cNvSpPr/>
+            <p:nvPr/>
+          </p:nvSpPr>
+          <p:spPr>
+            <a:xfrm>
+              <a:off x="5597933" y="5855274"/>
+              <a:ext cx="945396" cy="328991"/>
+            </a:xfrm>
+            <a:prstGeom prst="rect">
+              <a:avLst/>
+            </a:prstGeom>
+          </p:spPr>
+          <p:style>
+            <a:lnRef idx="2">
+              <a:schemeClr val="dk1"/>
+            </a:lnRef>
+            <a:fillRef idx="1">
+              <a:schemeClr val="lt1"/>
+            </a:fillRef>
+            <a:effectRef idx="0">
+              <a:schemeClr val="dk1"/>
+            </a:effectRef>
+            <a:fontRef idx="minor">
+              <a:schemeClr val="dk1"/>
+            </a:fontRef>
+          </p:style>
+          <p:txBody>
+            <a:bodyPr rtlCol="0" anchor="ctr"/>
+            <a:lstStyle/>
+            <a:p>
+              <a:pPr algn="ctr"/>
+              <a:r>
+                <a:rPr lang="ko-KR" altLang="en-US" sz="1200" dirty="0"/>
+                <a:t>취소</a:t>
+              </a:r>
+            </a:p>
+          </p:txBody>
+        </p:sp>
+        <p:sp>
+          <p:nvSpPr>
+            <p:cNvPr id="39" name="직사각형 38">
+              <a:extLst>
+                <a:ext uri="{FF2B5EF4-FFF2-40B4-BE49-F238E27FC236}">
+                  <a16:creationId xmlns:a16="http://schemas.microsoft.com/office/drawing/2014/main" id="{E8982CC3-9C28-4FDF-B37A-A210933F8AF4}"/>
+                </a:ext>
+              </a:extLst>
+            </p:cNvPr>
+            <p:cNvSpPr/>
+            <p:nvPr/>
+          </p:nvSpPr>
+          <p:spPr>
+            <a:xfrm>
+              <a:off x="6690102" y="5855274"/>
+              <a:ext cx="945396" cy="328991"/>
+            </a:xfrm>
+            <a:prstGeom prst="rect">
+              <a:avLst/>
+            </a:prstGeom>
+          </p:spPr>
+          <p:style>
+            <a:lnRef idx="2">
+              <a:schemeClr val="dk1"/>
+            </a:lnRef>
+            <a:fillRef idx="1">
+              <a:schemeClr val="lt1"/>
+            </a:fillRef>
+            <a:effectRef idx="0">
+              <a:schemeClr val="dk1"/>
+            </a:effectRef>
+            <a:fontRef idx="minor">
+              <a:schemeClr val="dk1"/>
+            </a:fontRef>
+          </p:style>
+          <p:txBody>
+            <a:bodyPr rtlCol="0" anchor="ctr"/>
+            <a:lstStyle/>
+            <a:p>
+              <a:pPr algn="ctr"/>
+              <a:r>
+                <a:rPr lang="ko-KR" altLang="en-US" sz="1200" dirty="0"/>
+                <a:t>등록</a:t>
+              </a:r>
+            </a:p>
+          </p:txBody>
+        </p:sp>
+      </p:grpSp>
+    </p:spTree>
+    <p:extLst>
+      <p:ext uri="{BB962C8B-B14F-4D97-AF65-F5344CB8AC3E}">
         <p14:creationId xmlns:p14="http://schemas.microsoft.com/office/powerpoint/2010/main" val="212484809"/>
       </p:ext>
     </p:extLst>
@@ -32298,7 +35017,7 @@
 </p:sld>
 </file>
 
-<file path=ppt/slides/slide23.xml><?xml version="1.0" encoding="utf-8"?>
+<file path=ppt/slides/slide25.xml><?xml version="1.0" encoding="utf-8"?>
 <p:sld xmlns:a="http://schemas.openxmlformats.org/drawingml/2006/main" xmlns:r="http://schemas.openxmlformats.org/officeDocument/2006/relationships" xmlns:p="http://schemas.openxmlformats.org/presentationml/2006/main">
   <p:cSld>
     <p:spTree>
@@ -33313,7 +36032,7 @@
 </p:sld>
 </file>
 
-<file path=ppt/slides/slide24.xml><?xml version="1.0" encoding="utf-8"?>
+<file path=ppt/slides/slide26.xml><?xml version="1.0" encoding="utf-8"?>
 <p:sld xmlns:a="http://schemas.openxmlformats.org/drawingml/2006/main" xmlns:r="http://schemas.openxmlformats.org/officeDocument/2006/relationships" xmlns:p="http://schemas.openxmlformats.org/presentationml/2006/main">
   <p:cSld>
     <p:spTree>
@@ -34328,7 +37047,7 @@
 </p:sld>
 </file>
 
-<file path=ppt/slides/slide25.xml><?xml version="1.0" encoding="utf-8"?>
+<file path=ppt/slides/slide27.xml><?xml version="1.0" encoding="utf-8"?>
 <p:sld xmlns:a="http://schemas.openxmlformats.org/drawingml/2006/main" xmlns:r="http://schemas.openxmlformats.org/officeDocument/2006/relationships" xmlns:p="http://schemas.openxmlformats.org/presentationml/2006/main">
   <p:cSld>
     <p:bg>
@@ -42226,6 +44945,18 @@
 </p:tagLst>
 </file>
 
+<file path=ppt/tags/tag30.xml><?xml version="1.0" encoding="utf-8"?>
+<p:tagLst xmlns:a="http://schemas.openxmlformats.org/drawingml/2006/main" xmlns:r="http://schemas.openxmlformats.org/officeDocument/2006/relationships" xmlns:p="http://schemas.openxmlformats.org/presentationml/2006/main">
+  <p:tag name="SMARTSETTINGSHASH" val="xZU/W0IqlvXPkJ37/hSWg5jSIFh0KZmI7sT1syyiYH8="/>
+</p:tagLst>
+</file>
+
+<file path=ppt/tags/tag31.xml><?xml version="1.0" encoding="utf-8"?>
+<p:tagLst xmlns:a="http://schemas.openxmlformats.org/drawingml/2006/main" xmlns:r="http://schemas.openxmlformats.org/officeDocument/2006/relationships" xmlns:p="http://schemas.openxmlformats.org/presentationml/2006/main">
+  <p:tag name="SMARTSETTINGSHASH" val="xZU/W0IqlvXPkJ37/hSWg5jSIFh0KZmI7sT1syyiYH8="/>
+</p:tagLst>
+</file>
+
 <file path=ppt/tags/tag4.xml><?xml version="1.0" encoding="utf-8"?>
 <p:tagLst xmlns:a="http://schemas.openxmlformats.org/drawingml/2006/main" xmlns:r="http://schemas.openxmlformats.org/officeDocument/2006/relationships" xmlns:p="http://schemas.openxmlformats.org/presentationml/2006/main">
   <p:tag name="SMARTSETTINGSHASH" val="xZU/W0IqlvXPkJ37/hSWg5jSIFh0KZmI7sT1syyiYH8="/>

--- a/cmk/반려동물관리서비스.pptx
+++ b/cmk/반려동물관리서비스.pptx
@@ -29,9 +29,12 @@
     <p:sldId id="319" r:id="rId23"/>
     <p:sldId id="312" r:id="rId24"/>
     <p:sldId id="313" r:id="rId25"/>
-    <p:sldId id="310" r:id="rId26"/>
-    <p:sldId id="311" r:id="rId27"/>
-    <p:sldId id="280" r:id="rId28"/>
+    <p:sldId id="320" r:id="rId26"/>
+    <p:sldId id="321" r:id="rId27"/>
+    <p:sldId id="322" r:id="rId28"/>
+    <p:sldId id="323" r:id="rId29"/>
+    <p:sldId id="311" r:id="rId30"/>
+    <p:sldId id="280" r:id="rId31"/>
   </p:sldIdLst>
   <p:sldSz cx="12192000" cy="6858000"/>
   <p:notesSz cx="6858000" cy="9144000"/>
@@ -35450,7 +35453,7 @@
         <p:spPr>
           <a:xfrm>
             <a:off x="844734" y="955667"/>
-            <a:ext cx="3087705" cy="369332"/>
+            <a:ext cx="3861955" cy="369332"/>
           </a:xfrm>
           <a:prstGeom prst="rect">
             <a:avLst/>
@@ -35473,7 +35476,7 @@
             </a:r>
             <a:r>
               <a:rPr lang="ko-KR" altLang="en-US" dirty="0"/>
-              <a:t>반려동물 프로그램</a:t>
+              <a:t>반려동물 프로그램 리스트</a:t>
             </a:r>
           </a:p>
         </p:txBody>
@@ -35666,82 +35669,6 @@
               <a:rPr lang="ko-KR" altLang="en-US" sz="1600" dirty="0"/>
               <a:t>장거리이동서비스</a:t>
             </a:r>
-          </a:p>
-        </p:txBody>
-      </p:sp>
-      <p:sp>
-        <p:nvSpPr>
-          <p:cNvPr id="27" name="직사각형 26"/>
-          <p:cNvSpPr/>
-          <p:nvPr/>
-        </p:nvSpPr>
-        <p:spPr>
-          <a:xfrm>
-            <a:off x="3132522" y="2175933"/>
-            <a:ext cx="7450666" cy="1219200"/>
-          </a:xfrm>
-          <a:prstGeom prst="rect">
-            <a:avLst/>
-          </a:prstGeom>
-        </p:spPr>
-        <p:style>
-          <a:lnRef idx="2">
-            <a:schemeClr val="dk1"/>
-          </a:lnRef>
-          <a:fillRef idx="1">
-            <a:schemeClr val="lt1"/>
-          </a:fillRef>
-          <a:effectRef idx="0">
-            <a:schemeClr val="dk1"/>
-          </a:effectRef>
-          <a:fontRef idx="minor">
-            <a:schemeClr val="dk1"/>
-          </a:fontRef>
-        </p:style>
-        <p:txBody>
-          <a:bodyPr rtlCol="0" anchor="ctr"/>
-          <a:lstStyle/>
-          <a:p>
-            <a:pPr algn="ctr"/>
-            <a:endParaRPr lang="ko-KR" altLang="en-US"/>
-          </a:p>
-        </p:txBody>
-      </p:sp>
-      <p:sp>
-        <p:nvSpPr>
-          <p:cNvPr id="28" name="직사각형 27"/>
-          <p:cNvSpPr/>
-          <p:nvPr/>
-        </p:nvSpPr>
-        <p:spPr>
-          <a:xfrm>
-            <a:off x="3132522" y="3556000"/>
-            <a:ext cx="7450666" cy="2743200"/>
-          </a:xfrm>
-          <a:prstGeom prst="rect">
-            <a:avLst/>
-          </a:prstGeom>
-        </p:spPr>
-        <p:style>
-          <a:lnRef idx="2">
-            <a:schemeClr val="dk1"/>
-          </a:lnRef>
-          <a:fillRef idx="1">
-            <a:schemeClr val="lt1"/>
-          </a:fillRef>
-          <a:effectRef idx="0">
-            <a:schemeClr val="dk1"/>
-          </a:effectRef>
-          <a:fontRef idx="minor">
-            <a:schemeClr val="dk1"/>
-          </a:fontRef>
-        </p:style>
-        <p:txBody>
-          <a:bodyPr rtlCol="0" anchor="ctr"/>
-          <a:lstStyle/>
-          <a:p>
-            <a:pPr algn="ctr"/>
-            <a:endParaRPr lang="ko-KR" altLang="en-US"/>
           </a:p>
         </p:txBody>
       </p:sp>
@@ -35947,7 +35874,10 @@
                     <a:lstStyle/>
                     <a:p>
                       <a:pPr algn="ctr" latinLnBrk="1"/>
-                      <a:endParaRPr lang="ko-KR" altLang="en-US" sz="1400" dirty="0"/>
+                      <a:r>
+                        <a:rPr lang="ko-KR" altLang="en-US" sz="1400" dirty="0"/>
+                        <a:t>프로그램관리</a:t>
+                      </a:r>
                     </a:p>
                   </a:txBody>
                   <a:tcPr anchor="ctr"/>
@@ -35965,7 +35895,10 @@
                     <a:lstStyle/>
                     <a:p>
                       <a:pPr algn="ctr" latinLnBrk="1"/>
-                      <a:endParaRPr lang="ko-KR" altLang="en-US" sz="1400" dirty="0"/>
+                      <a:r>
+                        <a:rPr lang="ko-KR" altLang="en-US" sz="1400" dirty="0"/>
+                        <a:t>신청관리</a:t>
+                      </a:r>
                     </a:p>
                   </a:txBody>
                   <a:tcPr anchor="ctr"/>
@@ -36019,10 +35952,149 @@
           </a:p>
         </p:txBody>
       </p:sp>
+      <p:sp>
+        <p:nvSpPr>
+          <p:cNvPr id="29" name="직사각형 28">
+            <a:extLst>
+              <a:ext uri="{FF2B5EF4-FFF2-40B4-BE49-F238E27FC236}">
+                <a16:creationId xmlns:a16="http://schemas.microsoft.com/office/drawing/2014/main" id="{89CCCC6E-5C93-4F9D-85A2-DDC8E9101F68}"/>
+              </a:ext>
+            </a:extLst>
+          </p:cNvPr>
+          <p:cNvSpPr/>
+          <p:nvPr/>
+        </p:nvSpPr>
+        <p:spPr>
+          <a:xfrm>
+            <a:off x="3132522" y="2175932"/>
+            <a:ext cx="7450666" cy="4123268"/>
+          </a:xfrm>
+          <a:prstGeom prst="rect">
+            <a:avLst/>
+          </a:prstGeom>
+          <a:noFill/>
+        </p:spPr>
+        <p:style>
+          <a:lnRef idx="2">
+            <a:schemeClr val="dk1"/>
+          </a:lnRef>
+          <a:fillRef idx="1">
+            <a:schemeClr val="lt1"/>
+          </a:fillRef>
+          <a:effectRef idx="0">
+            <a:schemeClr val="dk1"/>
+          </a:effectRef>
+          <a:fontRef idx="minor">
+            <a:schemeClr val="dk1"/>
+          </a:fontRef>
+        </p:style>
+        <p:txBody>
+          <a:bodyPr rtlCol="0" anchor="ctr"/>
+          <a:lstStyle/>
+          <a:p>
+            <a:pPr algn="ctr"/>
+            <a:endParaRPr lang="ko-KR" altLang="en-US"/>
+          </a:p>
+        </p:txBody>
+      </p:sp>
+      <p:sp>
+        <p:nvSpPr>
+          <p:cNvPr id="32" name="직사각형 31">
+            <a:extLst>
+              <a:ext uri="{FF2B5EF4-FFF2-40B4-BE49-F238E27FC236}">
+                <a16:creationId xmlns:a16="http://schemas.microsoft.com/office/drawing/2014/main" id="{F5193FF2-90DA-4A85-B27C-27972BCD9252}"/>
+              </a:ext>
+            </a:extLst>
+          </p:cNvPr>
+          <p:cNvSpPr/>
+          <p:nvPr/>
+        </p:nvSpPr>
+        <p:spPr>
+          <a:xfrm>
+            <a:off x="3288187" y="2657674"/>
+            <a:ext cx="7149921" cy="3572639"/>
+          </a:xfrm>
+          <a:prstGeom prst="rect">
+            <a:avLst/>
+          </a:prstGeom>
+        </p:spPr>
+        <p:style>
+          <a:lnRef idx="2">
+            <a:schemeClr val="dk1"/>
+          </a:lnRef>
+          <a:fillRef idx="1">
+            <a:schemeClr val="lt1"/>
+          </a:fillRef>
+          <a:effectRef idx="0">
+            <a:schemeClr val="dk1"/>
+          </a:effectRef>
+          <a:fontRef idx="minor">
+            <a:schemeClr val="dk1"/>
+          </a:fontRef>
+        </p:style>
+        <p:txBody>
+          <a:bodyPr rtlCol="0" anchor="ctr"/>
+          <a:lstStyle/>
+          <a:p>
+            <a:pPr algn="ctr"/>
+            <a:r>
+              <a:rPr lang="ko-KR" altLang="en-US" dirty="0"/>
+              <a:t>프로그램목록</a:t>
+            </a:r>
+          </a:p>
+        </p:txBody>
+      </p:sp>
+      <p:sp>
+        <p:nvSpPr>
+          <p:cNvPr id="34" name="직사각형 33">
+            <a:extLst>
+              <a:ext uri="{FF2B5EF4-FFF2-40B4-BE49-F238E27FC236}">
+                <a16:creationId xmlns:a16="http://schemas.microsoft.com/office/drawing/2014/main" id="{52A33C39-7A25-4C91-9876-BF5B866E6BF5}"/>
+              </a:ext>
+            </a:extLst>
+          </p:cNvPr>
+          <p:cNvSpPr/>
+          <p:nvPr/>
+        </p:nvSpPr>
+        <p:spPr>
+          <a:xfrm>
+            <a:off x="9490038" y="2293749"/>
+            <a:ext cx="929898" cy="286719"/>
+          </a:xfrm>
+          <a:prstGeom prst="rect">
+            <a:avLst/>
+          </a:prstGeom>
+        </p:spPr>
+        <p:style>
+          <a:lnRef idx="2">
+            <a:schemeClr val="dk1"/>
+          </a:lnRef>
+          <a:fillRef idx="1">
+            <a:schemeClr val="lt1"/>
+          </a:fillRef>
+          <a:effectRef idx="0">
+            <a:schemeClr val="dk1"/>
+          </a:effectRef>
+          <a:fontRef idx="minor">
+            <a:schemeClr val="dk1"/>
+          </a:fontRef>
+        </p:style>
+        <p:txBody>
+          <a:bodyPr rtlCol="0" anchor="ctr"/>
+          <a:lstStyle/>
+          <a:p>
+            <a:pPr algn="ctr"/>
+            <a:r>
+              <a:rPr lang="ko-KR" altLang="en-US" sz="1200" dirty="0"/>
+              <a:t>작성하기</a:t>
+            </a:r>
+          </a:p>
+        </p:txBody>
+      </p:sp>
     </p:spTree>
     <p:extLst>
       <p:ext uri="{BB962C8B-B14F-4D97-AF65-F5344CB8AC3E}">
-        <p14:creationId xmlns:p14="http://schemas.microsoft.com/office/powerpoint/2010/main" val="1822378393"/>
+        <p14:creationId xmlns:p14="http://schemas.microsoft.com/office/powerpoint/2010/main" val="3148232723"/>
       </p:ext>
     </p:extLst>
   </p:cSld>
@@ -36033,6 +36105,3851 @@
 </file>
 
 <file path=ppt/slides/slide26.xml><?xml version="1.0" encoding="utf-8"?>
+<p:sld xmlns:a="http://schemas.openxmlformats.org/drawingml/2006/main" xmlns:r="http://schemas.openxmlformats.org/officeDocument/2006/relationships" xmlns:p="http://schemas.openxmlformats.org/presentationml/2006/main">
+  <p:cSld>
+    <p:spTree>
+      <p:nvGrpSpPr>
+        <p:cNvPr id="1" name=""/>
+        <p:cNvGrpSpPr/>
+        <p:nvPr/>
+      </p:nvGrpSpPr>
+      <p:grpSpPr>
+        <a:xfrm>
+          <a:off x="0" y="0"/>
+          <a:ext cx="0" cy="0"/>
+          <a:chOff x="0" y="0"/>
+          <a:chExt cx="0" cy="0"/>
+        </a:xfrm>
+      </p:grpSpPr>
+      <p:sp>
+        <p:nvSpPr>
+          <p:cNvPr id="2" name="직사각형 1">
+            <a:extLst>
+              <a:ext uri="{FF2B5EF4-FFF2-40B4-BE49-F238E27FC236}">
+                <a16:creationId xmlns:a16="http://schemas.microsoft.com/office/drawing/2014/main" id="{8E5B996D-DF87-49E5-95D1-45B1EEB9EE9A}"/>
+              </a:ext>
+            </a:extLst>
+          </p:cNvPr>
+          <p:cNvSpPr/>
+          <p:nvPr/>
+        </p:nvSpPr>
+        <p:spPr>
+          <a:xfrm>
+            <a:off x="0" y="0"/>
+            <a:ext cx="12192000" cy="108000"/>
+          </a:xfrm>
+          <a:prstGeom prst="rect">
+            <a:avLst/>
+          </a:prstGeom>
+          <a:solidFill>
+            <a:srgbClr val="FFD8D9"/>
+          </a:solidFill>
+          <a:ln>
+            <a:noFill/>
+          </a:ln>
+        </p:spPr>
+        <p:style>
+          <a:lnRef idx="2">
+            <a:schemeClr val="accent1">
+              <a:shade val="50000"/>
+            </a:schemeClr>
+          </a:lnRef>
+          <a:fillRef idx="1">
+            <a:schemeClr val="accent1"/>
+          </a:fillRef>
+          <a:effectRef idx="0">
+            <a:schemeClr val="accent1"/>
+          </a:effectRef>
+          <a:fontRef idx="minor">
+            <a:schemeClr val="lt1"/>
+          </a:fontRef>
+        </p:style>
+        <p:txBody>
+          <a:bodyPr rtlCol="0" anchor="ctr"/>
+          <a:lstStyle/>
+          <a:p>
+            <a:pPr algn="ctr"/>
+            <a:endParaRPr lang="ko-KR" altLang="en-US"/>
+          </a:p>
+        </p:txBody>
+      </p:sp>
+      <p:sp>
+        <p:nvSpPr>
+          <p:cNvPr id="4" name="직사각형 3">
+            <a:extLst>
+              <a:ext uri="{FF2B5EF4-FFF2-40B4-BE49-F238E27FC236}">
+                <a16:creationId xmlns:a16="http://schemas.microsoft.com/office/drawing/2014/main" id="{080CEE4E-4BCA-42C3-BECA-9BCEB9931EEA}"/>
+              </a:ext>
+            </a:extLst>
+          </p:cNvPr>
+          <p:cNvSpPr/>
+          <p:nvPr/>
+        </p:nvSpPr>
+        <p:spPr>
+          <a:xfrm>
+            <a:off x="0" y="6750000"/>
+            <a:ext cx="12192000" cy="108000"/>
+          </a:xfrm>
+          <a:prstGeom prst="rect">
+            <a:avLst/>
+          </a:prstGeom>
+          <a:solidFill>
+            <a:srgbClr val="FFD8D9"/>
+          </a:solidFill>
+          <a:ln>
+            <a:noFill/>
+          </a:ln>
+        </p:spPr>
+        <p:style>
+          <a:lnRef idx="2">
+            <a:schemeClr val="accent1">
+              <a:shade val="50000"/>
+            </a:schemeClr>
+          </a:lnRef>
+          <a:fillRef idx="1">
+            <a:schemeClr val="accent1"/>
+          </a:fillRef>
+          <a:effectRef idx="0">
+            <a:schemeClr val="accent1"/>
+          </a:effectRef>
+          <a:fontRef idx="minor">
+            <a:schemeClr val="lt1"/>
+          </a:fontRef>
+        </p:style>
+        <p:txBody>
+          <a:bodyPr rtlCol="0" anchor="ctr"/>
+          <a:lstStyle/>
+          <a:p>
+            <a:pPr algn="ctr"/>
+            <a:endParaRPr lang="ko-KR" altLang="en-US"/>
+          </a:p>
+        </p:txBody>
+      </p:sp>
+      <p:sp>
+        <p:nvSpPr>
+          <p:cNvPr id="5" name="TextBox 4">
+            <a:extLst>
+              <a:ext uri="{FF2B5EF4-FFF2-40B4-BE49-F238E27FC236}">
+                <a16:creationId xmlns:a16="http://schemas.microsoft.com/office/drawing/2014/main" id="{D12B0B12-AB99-4F88-B4B2-948DADC833EA}"/>
+              </a:ext>
+            </a:extLst>
+          </p:cNvPr>
+          <p:cNvSpPr txBox="1"/>
+          <p:nvPr/>
+        </p:nvSpPr>
+        <p:spPr>
+          <a:xfrm>
+            <a:off x="844736" y="93113"/>
+            <a:ext cx="2716321" cy="769441"/>
+          </a:xfrm>
+          <a:prstGeom prst="rect">
+            <a:avLst/>
+          </a:prstGeom>
+          <a:noFill/>
+        </p:spPr>
+        <p:txBody>
+          <a:bodyPr wrap="none" rtlCol="0">
+            <a:spAutoFit/>
+          </a:bodyPr>
+          <a:lstStyle/>
+          <a:p>
+            <a:r>
+              <a:rPr kumimoji="1" lang="en-US" altLang="ja-JP" sz="4400" b="1" spc="-150" dirty="0">
+                <a:solidFill>
+                  <a:srgbClr val="FFCD2F"/>
+                </a:solidFill>
+                <a:effectLst>
+                  <a:outerShdw blurRad="38100" dist="38100" dir="2700000" algn="tl">
+                    <a:srgbClr val="000000">
+                      <a:alpha val="43137"/>
+                    </a:srgbClr>
+                  </a:outerShdw>
+                </a:effectLst>
+                <a:latin typeface="Calibri" panose="020F0502020204030204" pitchFamily="34" charset="0"/>
+                <a:cs typeface="Calibri" panose="020F0502020204030204" pitchFamily="34" charset="0"/>
+              </a:rPr>
+              <a:t>W</a:t>
+            </a:r>
+            <a:r>
+              <a:rPr kumimoji="1" lang="en-US" altLang="ja-JP" sz="4400" b="1" spc="-150" dirty="0">
+                <a:solidFill>
+                  <a:schemeClr val="accent1">
+                    <a:lumMod val="75000"/>
+                  </a:schemeClr>
+                </a:solidFill>
+                <a:effectLst>
+                  <a:outerShdw blurRad="38100" dist="38100" dir="2700000" algn="tl">
+                    <a:srgbClr val="000000">
+                      <a:alpha val="43137"/>
+                    </a:srgbClr>
+                  </a:outerShdw>
+                </a:effectLst>
+                <a:latin typeface="Calibri" panose="020F0502020204030204" pitchFamily="34" charset="0"/>
+                <a:cs typeface="Calibri" panose="020F0502020204030204" pitchFamily="34" charset="0"/>
+              </a:rPr>
+              <a:t>ire </a:t>
+            </a:r>
+            <a:r>
+              <a:rPr kumimoji="1" lang="en-US" altLang="ja-JP" sz="4400" b="1" spc="-150" dirty="0">
+                <a:solidFill>
+                  <a:srgbClr val="FFCD2F"/>
+                </a:solidFill>
+                <a:effectLst>
+                  <a:outerShdw blurRad="38100" dist="38100" dir="2700000" algn="tl">
+                    <a:srgbClr val="000000">
+                      <a:alpha val="43137"/>
+                    </a:srgbClr>
+                  </a:outerShdw>
+                </a:effectLst>
+                <a:latin typeface="Calibri" panose="020F0502020204030204" pitchFamily="34" charset="0"/>
+                <a:cs typeface="Calibri" panose="020F0502020204030204" pitchFamily="34" charset="0"/>
+              </a:rPr>
+              <a:t>F</a:t>
+            </a:r>
+            <a:r>
+              <a:rPr kumimoji="1" lang="en-US" altLang="ja-JP" sz="4400" b="1" spc="-150" dirty="0">
+                <a:solidFill>
+                  <a:schemeClr val="accent1">
+                    <a:lumMod val="75000"/>
+                  </a:schemeClr>
+                </a:solidFill>
+                <a:effectLst>
+                  <a:outerShdw blurRad="38100" dist="38100" dir="2700000" algn="tl">
+                    <a:srgbClr val="000000">
+                      <a:alpha val="43137"/>
+                    </a:srgbClr>
+                  </a:outerShdw>
+                </a:effectLst>
+                <a:latin typeface="Calibri" panose="020F0502020204030204" pitchFamily="34" charset="0"/>
+                <a:cs typeface="Calibri" panose="020F0502020204030204" pitchFamily="34" charset="0"/>
+              </a:rPr>
+              <a:t>rame</a:t>
+            </a:r>
+            <a:endParaRPr kumimoji="1" lang="ja-JP" altLang="en-US" sz="4400" b="1" spc="-150" dirty="0">
+              <a:solidFill>
+                <a:schemeClr val="accent1">
+                  <a:lumMod val="75000"/>
+                </a:schemeClr>
+              </a:solidFill>
+              <a:effectLst>
+                <a:outerShdw blurRad="38100" dist="38100" dir="2700000" algn="tl">
+                  <a:srgbClr val="000000">
+                    <a:alpha val="43137"/>
+                  </a:srgbClr>
+                </a:outerShdw>
+              </a:effectLst>
+              <a:latin typeface="Calibri" panose="020F0502020204030204" pitchFamily="34" charset="0"/>
+              <a:cs typeface="Calibri" panose="020F0502020204030204" pitchFamily="34" charset="0"/>
+            </a:endParaRPr>
+          </a:p>
+        </p:txBody>
+      </p:sp>
+      <p:pic>
+        <p:nvPicPr>
+          <p:cNvPr id="9" name="그림 8">
+            <a:extLst>
+              <a:ext uri="{FF2B5EF4-FFF2-40B4-BE49-F238E27FC236}">
+                <a16:creationId xmlns:a16="http://schemas.microsoft.com/office/drawing/2014/main" id="{0F0992E8-2696-42E6-805A-0C12780D8FA1}"/>
+              </a:ext>
+            </a:extLst>
+          </p:cNvPr>
+          <p:cNvPicPr>
+            <a:picLocks noChangeAspect="1"/>
+          </p:cNvPicPr>
+          <p:nvPr/>
+        </p:nvPicPr>
+        <p:blipFill>
+          <a:blip r:embed="rId3" cstate="print">
+            <a:extLst>
+              <a:ext uri="{28A0092B-C50C-407E-A947-70E740481C1C}">
+                <a14:useLocalDpi xmlns:a14="http://schemas.microsoft.com/office/drawing/2010/main" val="0"/>
+              </a:ext>
+            </a:extLst>
+          </a:blip>
+          <a:stretch>
+            <a:fillRect/>
+          </a:stretch>
+        </p:blipFill>
+        <p:spPr>
+          <a:xfrm>
+            <a:off x="124734" y="117832"/>
+            <a:ext cx="720000" cy="720000"/>
+          </a:xfrm>
+          <a:prstGeom prst="rect">
+            <a:avLst/>
+          </a:prstGeom>
+        </p:spPr>
+      </p:pic>
+      <p:sp>
+        <p:nvSpPr>
+          <p:cNvPr id="7" name="Window Body" descr="&lt;SmartSettings&gt;&lt;SmartResize anchorLeft=&quot;Absolute&quot; anchorTop=&quot;Absolute&quot; anchorRight=&quot;Absolute&quot; anchorBottom=&quot;Absolute&quot; /&gt;&lt;/SmartSettings&gt;"/>
+          <p:cNvSpPr/>
+          <p:nvPr>
+            <p:custDataLst>
+              <p:tags r:id="rId1"/>
+            </p:custDataLst>
+          </p:nvPr>
+        </p:nvSpPr>
+        <p:spPr>
+          <a:xfrm>
+            <a:off x="1381686" y="1627790"/>
+            <a:ext cx="9428628" cy="4819419"/>
+          </a:xfrm>
+          <a:prstGeom prst="rect">
+            <a:avLst/>
+          </a:prstGeom>
+          <a:ln/>
+        </p:spPr>
+        <p:style>
+          <a:lnRef idx="2">
+            <a:schemeClr val="dk1"/>
+          </a:lnRef>
+          <a:fillRef idx="1">
+            <a:schemeClr val="lt1"/>
+          </a:fillRef>
+          <a:effectRef idx="0">
+            <a:schemeClr val="dk1"/>
+          </a:effectRef>
+          <a:fontRef idx="minor">
+            <a:schemeClr val="dk1"/>
+          </a:fontRef>
+        </p:style>
+        <p:txBody>
+          <a:bodyPr rot="0" spcFirstLastPara="0" vert="horz" wrap="square" lIns="91440" tIns="45720" rIns="91440" bIns="45720" numCol="1" spcCol="0" rtlCol="0" fromWordArt="0" anchor="ctr" anchorCtr="0" forceAA="0" compatLnSpc="1">
+            <a:prstTxWarp prst="textNoShape">
+              <a:avLst/>
+            </a:prstTxWarp>
+            <a:noAutofit/>
+          </a:bodyPr>
+          <a:lstStyle>
+            <a:defPPr>
+              <a:defRPr lang="en-US"/>
+            </a:defPPr>
+            <a:lvl1pPr marL="0" algn="l" defTabSz="914400" rtl="0" eaLnBrk="1" latinLnBrk="0" hangingPunct="1">
+              <a:defRPr sz="1800" kern="1200">
+                <a:solidFill>
+                  <a:schemeClr val="lt1"/>
+                </a:solidFill>
+                <a:latin typeface="+mn-lt"/>
+                <a:ea typeface="+mn-ea"/>
+                <a:cs typeface="+mn-cs"/>
+              </a:defRPr>
+            </a:lvl1pPr>
+            <a:lvl2pPr marL="457200" algn="l" defTabSz="914400" rtl="0" eaLnBrk="1" latinLnBrk="0" hangingPunct="1">
+              <a:defRPr sz="1800" kern="1200">
+                <a:solidFill>
+                  <a:schemeClr val="lt1"/>
+                </a:solidFill>
+                <a:latin typeface="+mn-lt"/>
+                <a:ea typeface="+mn-ea"/>
+                <a:cs typeface="+mn-cs"/>
+              </a:defRPr>
+            </a:lvl2pPr>
+            <a:lvl3pPr marL="914400" algn="l" defTabSz="914400" rtl="0" eaLnBrk="1" latinLnBrk="0" hangingPunct="1">
+              <a:defRPr sz="1800" kern="1200">
+                <a:solidFill>
+                  <a:schemeClr val="lt1"/>
+                </a:solidFill>
+                <a:latin typeface="+mn-lt"/>
+                <a:ea typeface="+mn-ea"/>
+                <a:cs typeface="+mn-cs"/>
+              </a:defRPr>
+            </a:lvl3pPr>
+            <a:lvl4pPr marL="1371600" algn="l" defTabSz="914400" rtl="0" eaLnBrk="1" latinLnBrk="0" hangingPunct="1">
+              <a:defRPr sz="1800" kern="1200">
+                <a:solidFill>
+                  <a:schemeClr val="lt1"/>
+                </a:solidFill>
+                <a:latin typeface="+mn-lt"/>
+                <a:ea typeface="+mn-ea"/>
+                <a:cs typeface="+mn-cs"/>
+              </a:defRPr>
+            </a:lvl4pPr>
+            <a:lvl5pPr marL="1828800" algn="l" defTabSz="914400" rtl="0" eaLnBrk="1" latinLnBrk="0" hangingPunct="1">
+              <a:defRPr sz="1800" kern="1200">
+                <a:solidFill>
+                  <a:schemeClr val="lt1"/>
+                </a:solidFill>
+                <a:latin typeface="+mn-lt"/>
+                <a:ea typeface="+mn-ea"/>
+                <a:cs typeface="+mn-cs"/>
+              </a:defRPr>
+            </a:lvl5pPr>
+            <a:lvl6pPr marL="2286000" algn="l" defTabSz="914400" rtl="0" eaLnBrk="1" latinLnBrk="0" hangingPunct="1">
+              <a:defRPr sz="1800" kern="1200">
+                <a:solidFill>
+                  <a:schemeClr val="lt1"/>
+                </a:solidFill>
+                <a:latin typeface="+mn-lt"/>
+                <a:ea typeface="+mn-ea"/>
+                <a:cs typeface="+mn-cs"/>
+              </a:defRPr>
+            </a:lvl6pPr>
+            <a:lvl7pPr marL="2743200" algn="l" defTabSz="914400" rtl="0" eaLnBrk="1" latinLnBrk="0" hangingPunct="1">
+              <a:defRPr sz="1800" kern="1200">
+                <a:solidFill>
+                  <a:schemeClr val="lt1"/>
+                </a:solidFill>
+                <a:latin typeface="+mn-lt"/>
+                <a:ea typeface="+mn-ea"/>
+                <a:cs typeface="+mn-cs"/>
+              </a:defRPr>
+            </a:lvl7pPr>
+            <a:lvl8pPr marL="3200400" algn="l" defTabSz="914400" rtl="0" eaLnBrk="1" latinLnBrk="0" hangingPunct="1">
+              <a:defRPr sz="1800" kern="1200">
+                <a:solidFill>
+                  <a:schemeClr val="lt1"/>
+                </a:solidFill>
+                <a:latin typeface="+mn-lt"/>
+                <a:ea typeface="+mn-ea"/>
+                <a:cs typeface="+mn-cs"/>
+              </a:defRPr>
+            </a:lvl8pPr>
+            <a:lvl9pPr marL="3657600" algn="l" defTabSz="914400" rtl="0" eaLnBrk="1" latinLnBrk="0" hangingPunct="1">
+              <a:defRPr sz="1800" kern="1200">
+                <a:solidFill>
+                  <a:schemeClr val="lt1"/>
+                </a:solidFill>
+                <a:latin typeface="+mn-lt"/>
+                <a:ea typeface="+mn-ea"/>
+                <a:cs typeface="+mn-cs"/>
+              </a:defRPr>
+            </a:lvl9pPr>
+          </a:lstStyle>
+          <a:p>
+            <a:pPr algn="ctr"/>
+            <a:endParaRPr lang="en-US" sz="900" dirty="0">
+              <a:solidFill>
+                <a:srgbClr val="5F5F5F"/>
+              </a:solidFill>
+              <a:latin typeface="Segoe UI" panose="020B0502040204020203" pitchFamily="34" charset="0"/>
+              <a:cs typeface="Segoe UI" panose="020B0502040204020203" pitchFamily="34" charset="0"/>
+            </a:endParaRPr>
+          </a:p>
+        </p:txBody>
+      </p:sp>
+      <p:sp>
+        <p:nvSpPr>
+          <p:cNvPr id="3" name="TextBox 2"/>
+          <p:cNvSpPr txBox="1"/>
+          <p:nvPr/>
+        </p:nvSpPr>
+        <p:spPr>
+          <a:xfrm>
+            <a:off x="844734" y="955667"/>
+            <a:ext cx="4092787" cy="369332"/>
+          </a:xfrm>
+          <a:prstGeom prst="rect">
+            <a:avLst/>
+          </a:prstGeom>
+          <a:noFill/>
+        </p:spPr>
+        <p:txBody>
+          <a:bodyPr wrap="none" rtlCol="0">
+            <a:spAutoFit/>
+          </a:bodyPr>
+          <a:lstStyle/>
+          <a:p>
+            <a:r>
+              <a:rPr lang="ko-KR" altLang="en-US" dirty="0"/>
+              <a:t>관리자 </a:t>
+            </a:r>
+            <a:r>
+              <a:rPr lang="en-US" altLang="ko-KR" dirty="0"/>
+              <a:t>– </a:t>
+            </a:r>
+            <a:r>
+              <a:rPr lang="ko-KR" altLang="en-US" dirty="0"/>
+              <a:t>반려동물 프로그램 상세보기</a:t>
+            </a:r>
+          </a:p>
+        </p:txBody>
+      </p:sp>
+      <p:cxnSp>
+        <p:nvCxnSpPr>
+          <p:cNvPr id="8" name="직선 연결선 7">
+            <a:extLst>
+              <a:ext uri="{FF2B5EF4-FFF2-40B4-BE49-F238E27FC236}">
+                <a16:creationId xmlns:a16="http://schemas.microsoft.com/office/drawing/2014/main" id="{A723CFAC-181E-4ABB-8790-FEC42B087A83}"/>
+              </a:ext>
+            </a:extLst>
+          </p:cNvPr>
+          <p:cNvCxnSpPr/>
+          <p:nvPr/>
+        </p:nvCxnSpPr>
+        <p:spPr>
+          <a:xfrm>
+            <a:off x="1381686" y="2011290"/>
+            <a:ext cx="9428628" cy="0"/>
+          </a:xfrm>
+          <a:prstGeom prst="line">
+            <a:avLst/>
+          </a:prstGeom>
+        </p:spPr>
+        <p:style>
+          <a:lnRef idx="1">
+            <a:schemeClr val="dk1"/>
+          </a:lnRef>
+          <a:fillRef idx="0">
+            <a:schemeClr val="dk1"/>
+          </a:fillRef>
+          <a:effectRef idx="0">
+            <a:schemeClr val="dk1"/>
+          </a:effectRef>
+          <a:fontRef idx="minor">
+            <a:schemeClr val="tx1"/>
+          </a:fontRef>
+        </p:style>
+      </p:cxnSp>
+      <p:pic>
+        <p:nvPicPr>
+          <p:cNvPr id="10" name="Picture 2" descr="C:\Users\507-09\Downloads\제목을 입력해주세요._1.png"/>
+          <p:cNvPicPr>
+            <a:picLocks noChangeAspect="1" noChangeArrowheads="1"/>
+          </p:cNvPicPr>
+          <p:nvPr/>
+        </p:nvPicPr>
+        <p:blipFill rotWithShape="1">
+          <a:blip r:embed="rId4" cstate="print">
+            <a:extLst>
+              <a:ext uri="{28A0092B-C50C-407E-A947-70E740481C1C}">
+                <a14:useLocalDpi xmlns:a14="http://schemas.microsoft.com/office/drawing/2010/main" val="0"/>
+              </a:ext>
+            </a:extLst>
+          </a:blip>
+          <a:srcRect l="20378" r="20844"/>
+          <a:stretch/>
+        </p:blipFill>
+        <p:spPr bwMode="auto">
+          <a:xfrm>
+            <a:off x="1415554" y="1655554"/>
+            <a:ext cx="1057991" cy="324000"/>
+          </a:xfrm>
+          <a:prstGeom prst="rect">
+            <a:avLst/>
+          </a:prstGeom>
+          <a:noFill/>
+          <a:extLst>
+            <a:ext uri="{909E8E84-426E-40DD-AFC4-6F175D3DCCD1}">
+              <a14:hiddenFill xmlns:a14="http://schemas.microsoft.com/office/drawing/2010/main">
+                <a:solidFill>
+                  <a:srgbClr val="FFFFFF"/>
+                </a:solidFill>
+              </a14:hiddenFill>
+            </a:ext>
+          </a:extLst>
+        </p:spPr>
+      </p:pic>
+      <p:sp>
+        <p:nvSpPr>
+          <p:cNvPr id="22" name="TextBox 21"/>
+          <p:cNvSpPr txBox="1"/>
+          <p:nvPr/>
+        </p:nvSpPr>
+        <p:spPr>
+          <a:xfrm>
+            <a:off x="2802467" y="1653191"/>
+            <a:ext cx="1005403" cy="338554"/>
+          </a:xfrm>
+          <a:prstGeom prst="rect">
+            <a:avLst/>
+          </a:prstGeom>
+          <a:noFill/>
+        </p:spPr>
+        <p:txBody>
+          <a:bodyPr wrap="none" rtlCol="0">
+            <a:spAutoFit/>
+          </a:bodyPr>
+          <a:lstStyle/>
+          <a:p>
+            <a:r>
+              <a:rPr lang="ko-KR" altLang="en-US" sz="1600" dirty="0"/>
+              <a:t>회원관리</a:t>
+            </a:r>
+          </a:p>
+        </p:txBody>
+      </p:sp>
+      <p:sp>
+        <p:nvSpPr>
+          <p:cNvPr id="23" name="TextBox 22"/>
+          <p:cNvSpPr txBox="1"/>
+          <p:nvPr/>
+        </p:nvSpPr>
+        <p:spPr>
+          <a:xfrm>
+            <a:off x="3973059" y="1653191"/>
+            <a:ext cx="1005403" cy="338554"/>
+          </a:xfrm>
+          <a:prstGeom prst="rect">
+            <a:avLst/>
+          </a:prstGeom>
+          <a:noFill/>
+        </p:spPr>
+        <p:txBody>
+          <a:bodyPr wrap="none" rtlCol="0">
+            <a:spAutoFit/>
+          </a:bodyPr>
+          <a:lstStyle/>
+          <a:p>
+            <a:r>
+              <a:rPr lang="ko-KR" altLang="en-US" sz="1600" dirty="0"/>
+              <a:t>공지사항</a:t>
+            </a:r>
+          </a:p>
+        </p:txBody>
+      </p:sp>
+      <p:sp>
+        <p:nvSpPr>
+          <p:cNvPr id="24" name="TextBox 23"/>
+          <p:cNvSpPr txBox="1"/>
+          <p:nvPr/>
+        </p:nvSpPr>
+        <p:spPr>
+          <a:xfrm>
+            <a:off x="5143651" y="1653191"/>
+            <a:ext cx="1853960" cy="338554"/>
+          </a:xfrm>
+          <a:prstGeom prst="rect">
+            <a:avLst/>
+          </a:prstGeom>
+          <a:noFill/>
+        </p:spPr>
+        <p:txBody>
+          <a:bodyPr wrap="square" rtlCol="0">
+            <a:spAutoFit/>
+          </a:bodyPr>
+          <a:lstStyle/>
+          <a:p>
+            <a:r>
+              <a:rPr lang="ko-KR" altLang="en-US" sz="1600" dirty="0"/>
+              <a:t>반려동물프로그램</a:t>
+            </a:r>
+          </a:p>
+        </p:txBody>
+      </p:sp>
+      <p:sp>
+        <p:nvSpPr>
+          <p:cNvPr id="25" name="TextBox 24"/>
+          <p:cNvSpPr txBox="1"/>
+          <p:nvPr/>
+        </p:nvSpPr>
+        <p:spPr>
+          <a:xfrm>
+            <a:off x="7162800" y="1653191"/>
+            <a:ext cx="1826141" cy="338554"/>
+          </a:xfrm>
+          <a:prstGeom prst="rect">
+            <a:avLst/>
+          </a:prstGeom>
+          <a:noFill/>
+        </p:spPr>
+        <p:txBody>
+          <a:bodyPr wrap="none" rtlCol="0">
+            <a:spAutoFit/>
+          </a:bodyPr>
+          <a:lstStyle/>
+          <a:p>
+            <a:r>
+              <a:rPr lang="ko-KR" altLang="en-US" sz="1600" dirty="0"/>
+              <a:t>장거리이동서비스</a:t>
+            </a:r>
+          </a:p>
+        </p:txBody>
+      </p:sp>
+      <p:cxnSp>
+        <p:nvCxnSpPr>
+          <p:cNvPr id="30" name="직선 연결선 29"/>
+          <p:cNvCxnSpPr/>
+          <p:nvPr/>
+        </p:nvCxnSpPr>
+        <p:spPr>
+          <a:xfrm>
+            <a:off x="1583268" y="2738907"/>
+            <a:ext cx="1371600" cy="0"/>
+          </a:xfrm>
+          <a:prstGeom prst="line">
+            <a:avLst/>
+          </a:prstGeom>
+          <a:ln w="12700"/>
+        </p:spPr>
+        <p:style>
+          <a:lnRef idx="1">
+            <a:schemeClr val="accent3"/>
+          </a:lnRef>
+          <a:fillRef idx="0">
+            <a:schemeClr val="accent3"/>
+          </a:fillRef>
+          <a:effectRef idx="0">
+            <a:schemeClr val="accent3"/>
+          </a:effectRef>
+          <a:fontRef idx="minor">
+            <a:schemeClr val="tx1"/>
+          </a:fontRef>
+        </p:style>
+      </p:cxnSp>
+      <p:sp>
+        <p:nvSpPr>
+          <p:cNvPr id="31" name="TextBox 30"/>
+          <p:cNvSpPr txBox="1"/>
+          <p:nvPr/>
+        </p:nvSpPr>
+        <p:spPr>
+          <a:xfrm>
+            <a:off x="1591735" y="2209797"/>
+            <a:ext cx="1343638" cy="261610"/>
+          </a:xfrm>
+          <a:prstGeom prst="rect">
+            <a:avLst/>
+          </a:prstGeom>
+          <a:noFill/>
+        </p:spPr>
+        <p:txBody>
+          <a:bodyPr wrap="none" rtlCol="0">
+            <a:spAutoFit/>
+          </a:bodyPr>
+          <a:lstStyle/>
+          <a:p>
+            <a:r>
+              <a:rPr lang="en-US" altLang="ko-KR" sz="1100" dirty="0"/>
+              <a:t>Logged by </a:t>
+            </a:r>
+            <a:r>
+              <a:rPr lang="ko-KR" altLang="en-US" sz="1100" dirty="0"/>
+              <a:t>관리자</a:t>
+            </a:r>
+          </a:p>
+        </p:txBody>
+      </p:sp>
+      <p:sp>
+        <p:nvSpPr>
+          <p:cNvPr id="33" name="직사각형 32"/>
+          <p:cNvSpPr/>
+          <p:nvPr/>
+        </p:nvSpPr>
+        <p:spPr>
+          <a:xfrm>
+            <a:off x="1944549" y="2471407"/>
+            <a:ext cx="635000" cy="186267"/>
+          </a:xfrm>
+          <a:prstGeom prst="rect">
+            <a:avLst/>
+          </a:prstGeom>
+          <a:ln w="6350"/>
+        </p:spPr>
+        <p:style>
+          <a:lnRef idx="2">
+            <a:schemeClr val="accent3">
+              <a:shade val="50000"/>
+            </a:schemeClr>
+          </a:lnRef>
+          <a:fillRef idx="1">
+            <a:schemeClr val="accent3"/>
+          </a:fillRef>
+          <a:effectRef idx="0">
+            <a:schemeClr val="accent3"/>
+          </a:effectRef>
+          <a:fontRef idx="minor">
+            <a:schemeClr val="lt1"/>
+          </a:fontRef>
+        </p:style>
+        <p:txBody>
+          <a:bodyPr rtlCol="0" anchor="ctr"/>
+          <a:lstStyle/>
+          <a:p>
+            <a:pPr algn="ctr"/>
+            <a:r>
+              <a:rPr lang="en-US" altLang="ko-KR" sz="1000" dirty="0"/>
+              <a:t>logout</a:t>
+            </a:r>
+            <a:endParaRPr lang="ko-KR" altLang="en-US" sz="1000" dirty="0"/>
+          </a:p>
+        </p:txBody>
+      </p:sp>
+      <p:cxnSp>
+        <p:nvCxnSpPr>
+          <p:cNvPr id="11" name="직선 연결선 10"/>
+          <p:cNvCxnSpPr/>
+          <p:nvPr/>
+        </p:nvCxnSpPr>
+        <p:spPr>
+          <a:xfrm>
+            <a:off x="5143651" y="2000275"/>
+            <a:ext cx="1853960" cy="0"/>
+          </a:xfrm>
+          <a:prstGeom prst="line">
+            <a:avLst/>
+          </a:prstGeom>
+          <a:ln w="38100"/>
+        </p:spPr>
+        <p:style>
+          <a:lnRef idx="1">
+            <a:schemeClr val="accent2"/>
+          </a:lnRef>
+          <a:fillRef idx="0">
+            <a:schemeClr val="accent2"/>
+          </a:fillRef>
+          <a:effectRef idx="0">
+            <a:schemeClr val="accent2"/>
+          </a:effectRef>
+          <a:fontRef idx="minor">
+            <a:schemeClr val="tx1"/>
+          </a:fontRef>
+        </p:style>
+      </p:cxnSp>
+      <p:graphicFrame>
+        <p:nvGraphicFramePr>
+          <p:cNvPr id="21" name="표 20">
+            <a:extLst>
+              <a:ext uri="{FF2B5EF4-FFF2-40B4-BE49-F238E27FC236}">
+                <a16:creationId xmlns:a16="http://schemas.microsoft.com/office/drawing/2014/main" id="{D400EE1E-20CB-49CF-A07A-49693EC0F224}"/>
+              </a:ext>
+            </a:extLst>
+          </p:cNvPr>
+          <p:cNvGraphicFramePr>
+            <a:graphicFrameLocks noGrp="1"/>
+          </p:cNvGraphicFramePr>
+          <p:nvPr/>
+        </p:nvGraphicFramePr>
+        <p:xfrm>
+          <a:off x="1583268" y="2747374"/>
+          <a:ext cx="1363133" cy="1112520"/>
+        </p:xfrm>
+        <a:graphic>
+          <a:graphicData uri="http://schemas.openxmlformats.org/drawingml/2006/table">
+            <a:tbl>
+              <a:tblPr firstRow="1" bandRow="1">
+                <a:tableStyleId>{F2DE63D5-997A-4646-A377-4702673A728D}</a:tableStyleId>
+              </a:tblPr>
+              <a:tblGrid>
+                <a:gridCol w="1363133">
+                  <a:extLst>
+                    <a:ext uri="{9D8B030D-6E8A-4147-A177-3AD203B41FA5}">
+                      <a16:colId xmlns:a16="http://schemas.microsoft.com/office/drawing/2014/main" val="20000"/>
+                    </a:ext>
+                  </a:extLst>
+                </a:gridCol>
+              </a:tblGrid>
+              <a:tr h="370840">
+                <a:tc>
+                  <a:txBody>
+                    <a:bodyPr/>
+                    <a:lstStyle/>
+                    <a:p>
+                      <a:pPr algn="ctr" latinLnBrk="1"/>
+                      <a:r>
+                        <a:rPr lang="ko-KR" altLang="en-US" sz="1100" dirty="0"/>
+                        <a:t>반려동물프로그램</a:t>
+                      </a:r>
+                      <a:endParaRPr lang="ko-KR" altLang="en-US" sz="1400" dirty="0"/>
+                    </a:p>
+                  </a:txBody>
+                  <a:tcPr anchor="ctr"/>
+                </a:tc>
+                <a:extLst>
+                  <a:ext uri="{0D108BD9-81ED-4DB2-BD59-A6C34878D82A}">
+                    <a16:rowId xmlns:a16="http://schemas.microsoft.com/office/drawing/2014/main" val="10000"/>
+                  </a:ext>
+                </a:extLst>
+              </a:tr>
+              <a:tr h="370840">
+                <a:tc>
+                  <a:txBody>
+                    <a:bodyPr/>
+                    <a:lstStyle/>
+                    <a:p>
+                      <a:pPr algn="ctr" latinLnBrk="1"/>
+                      <a:r>
+                        <a:rPr lang="ko-KR" altLang="en-US" sz="1400" dirty="0"/>
+                        <a:t>프로그램관리</a:t>
+                      </a:r>
+                    </a:p>
+                  </a:txBody>
+                  <a:tcPr anchor="ctr"/>
+                </a:tc>
+                <a:extLst>
+                  <a:ext uri="{0D108BD9-81ED-4DB2-BD59-A6C34878D82A}">
+                    <a16:rowId xmlns:a16="http://schemas.microsoft.com/office/drawing/2014/main" val="10001"/>
+                  </a:ext>
+                </a:extLst>
+              </a:tr>
+              <a:tr h="370840">
+                <a:tc>
+                  <a:txBody>
+                    <a:bodyPr/>
+                    <a:lstStyle/>
+                    <a:p>
+                      <a:pPr algn="ctr" latinLnBrk="1"/>
+                      <a:r>
+                        <a:rPr lang="ko-KR" altLang="en-US" sz="1400" dirty="0"/>
+                        <a:t>신청관리</a:t>
+                      </a:r>
+                    </a:p>
+                  </a:txBody>
+                  <a:tcPr anchor="ctr"/>
+                </a:tc>
+                <a:extLst>
+                  <a:ext uri="{0D108BD9-81ED-4DB2-BD59-A6C34878D82A}">
+                    <a16:rowId xmlns:a16="http://schemas.microsoft.com/office/drawing/2014/main" val="10002"/>
+                  </a:ext>
+                </a:extLst>
+              </a:tr>
+            </a:tbl>
+          </a:graphicData>
+        </a:graphic>
+      </p:graphicFrame>
+      <p:sp>
+        <p:nvSpPr>
+          <p:cNvPr id="26" name="직사각형 25"/>
+          <p:cNvSpPr/>
+          <p:nvPr/>
+        </p:nvSpPr>
+        <p:spPr>
+          <a:xfrm>
+            <a:off x="1583268" y="2175932"/>
+            <a:ext cx="1371600" cy="4123267"/>
+          </a:xfrm>
+          <a:prstGeom prst="rect">
+            <a:avLst/>
+          </a:prstGeom>
+          <a:noFill/>
+        </p:spPr>
+        <p:style>
+          <a:lnRef idx="2">
+            <a:schemeClr val="dk1"/>
+          </a:lnRef>
+          <a:fillRef idx="1">
+            <a:schemeClr val="lt1"/>
+          </a:fillRef>
+          <a:effectRef idx="0">
+            <a:schemeClr val="dk1"/>
+          </a:effectRef>
+          <a:fontRef idx="minor">
+            <a:schemeClr val="dk1"/>
+          </a:fontRef>
+        </p:style>
+        <p:txBody>
+          <a:bodyPr rtlCol="0" anchor="ctr"/>
+          <a:lstStyle/>
+          <a:p>
+            <a:pPr algn="ctr"/>
+            <a:endParaRPr lang="ko-KR" altLang="en-US"/>
+          </a:p>
+        </p:txBody>
+      </p:sp>
+      <p:sp>
+        <p:nvSpPr>
+          <p:cNvPr id="29" name="직사각형 28">
+            <a:extLst>
+              <a:ext uri="{FF2B5EF4-FFF2-40B4-BE49-F238E27FC236}">
+                <a16:creationId xmlns:a16="http://schemas.microsoft.com/office/drawing/2014/main" id="{89CCCC6E-5C93-4F9D-85A2-DDC8E9101F68}"/>
+              </a:ext>
+            </a:extLst>
+          </p:cNvPr>
+          <p:cNvSpPr/>
+          <p:nvPr/>
+        </p:nvSpPr>
+        <p:spPr>
+          <a:xfrm>
+            <a:off x="3132522" y="2175932"/>
+            <a:ext cx="7450666" cy="4123268"/>
+          </a:xfrm>
+          <a:prstGeom prst="rect">
+            <a:avLst/>
+          </a:prstGeom>
+          <a:noFill/>
+        </p:spPr>
+        <p:style>
+          <a:lnRef idx="2">
+            <a:schemeClr val="dk1"/>
+          </a:lnRef>
+          <a:fillRef idx="1">
+            <a:schemeClr val="lt1"/>
+          </a:fillRef>
+          <a:effectRef idx="0">
+            <a:schemeClr val="dk1"/>
+          </a:effectRef>
+          <a:fontRef idx="minor">
+            <a:schemeClr val="dk1"/>
+          </a:fontRef>
+        </p:style>
+        <p:txBody>
+          <a:bodyPr rtlCol="0" anchor="ctr"/>
+          <a:lstStyle/>
+          <a:p>
+            <a:pPr algn="ctr"/>
+            <a:endParaRPr lang="ko-KR" altLang="en-US"/>
+          </a:p>
+        </p:txBody>
+      </p:sp>
+      <p:sp>
+        <p:nvSpPr>
+          <p:cNvPr id="27" name="직사각형 26">
+            <a:extLst>
+              <a:ext uri="{FF2B5EF4-FFF2-40B4-BE49-F238E27FC236}">
+                <a16:creationId xmlns:a16="http://schemas.microsoft.com/office/drawing/2014/main" id="{8AF6FE2D-16C8-452F-8CA0-16CDB2A91434}"/>
+              </a:ext>
+            </a:extLst>
+          </p:cNvPr>
+          <p:cNvSpPr/>
+          <p:nvPr/>
+        </p:nvSpPr>
+        <p:spPr>
+          <a:xfrm>
+            <a:off x="3288187" y="2306048"/>
+            <a:ext cx="7149921" cy="3467071"/>
+          </a:xfrm>
+          <a:prstGeom prst="rect">
+            <a:avLst/>
+          </a:prstGeom>
+        </p:spPr>
+        <p:style>
+          <a:lnRef idx="2">
+            <a:schemeClr val="dk1"/>
+          </a:lnRef>
+          <a:fillRef idx="1">
+            <a:schemeClr val="lt1"/>
+          </a:fillRef>
+          <a:effectRef idx="0">
+            <a:schemeClr val="dk1"/>
+          </a:effectRef>
+          <a:fontRef idx="minor">
+            <a:schemeClr val="dk1"/>
+          </a:fontRef>
+        </p:style>
+        <p:txBody>
+          <a:bodyPr rtlCol="0" anchor="ctr"/>
+          <a:lstStyle/>
+          <a:p>
+            <a:pPr algn="ctr"/>
+            <a:r>
+              <a:rPr lang="ko-KR" altLang="en-US" dirty="0"/>
+              <a:t>프로그램 상세보기</a:t>
+            </a:r>
+          </a:p>
+        </p:txBody>
+      </p:sp>
+      <p:sp>
+        <p:nvSpPr>
+          <p:cNvPr id="28" name="직사각형 27">
+            <a:extLst>
+              <a:ext uri="{FF2B5EF4-FFF2-40B4-BE49-F238E27FC236}">
+                <a16:creationId xmlns:a16="http://schemas.microsoft.com/office/drawing/2014/main" id="{6DE492ED-688F-4A06-ACB8-3D5102B8E95B}"/>
+              </a:ext>
+            </a:extLst>
+          </p:cNvPr>
+          <p:cNvSpPr/>
+          <p:nvPr/>
+        </p:nvSpPr>
+        <p:spPr>
+          <a:xfrm>
+            <a:off x="3288187" y="5876808"/>
+            <a:ext cx="929898" cy="286719"/>
+          </a:xfrm>
+          <a:prstGeom prst="rect">
+            <a:avLst/>
+          </a:prstGeom>
+        </p:spPr>
+        <p:style>
+          <a:lnRef idx="2">
+            <a:schemeClr val="dk1"/>
+          </a:lnRef>
+          <a:fillRef idx="1">
+            <a:schemeClr val="lt1"/>
+          </a:fillRef>
+          <a:effectRef idx="0">
+            <a:schemeClr val="dk1"/>
+          </a:effectRef>
+          <a:fontRef idx="minor">
+            <a:schemeClr val="dk1"/>
+          </a:fontRef>
+        </p:style>
+        <p:txBody>
+          <a:bodyPr rtlCol="0" anchor="ctr"/>
+          <a:lstStyle/>
+          <a:p>
+            <a:pPr algn="ctr"/>
+            <a:r>
+              <a:rPr lang="ko-KR" altLang="en-US" sz="1200" dirty="0"/>
+              <a:t>목록으로</a:t>
+            </a:r>
+          </a:p>
+        </p:txBody>
+      </p:sp>
+      <p:sp>
+        <p:nvSpPr>
+          <p:cNvPr id="35" name="직사각형 34">
+            <a:extLst>
+              <a:ext uri="{FF2B5EF4-FFF2-40B4-BE49-F238E27FC236}">
+                <a16:creationId xmlns:a16="http://schemas.microsoft.com/office/drawing/2014/main" id="{BE318289-BB8F-40D1-8EFF-02654CD5BF09}"/>
+              </a:ext>
+            </a:extLst>
+          </p:cNvPr>
+          <p:cNvSpPr/>
+          <p:nvPr/>
+        </p:nvSpPr>
+        <p:spPr>
+          <a:xfrm>
+            <a:off x="9898108" y="5876808"/>
+            <a:ext cx="540000" cy="286719"/>
+          </a:xfrm>
+          <a:prstGeom prst="rect">
+            <a:avLst/>
+          </a:prstGeom>
+        </p:spPr>
+        <p:style>
+          <a:lnRef idx="2">
+            <a:schemeClr val="dk1"/>
+          </a:lnRef>
+          <a:fillRef idx="1">
+            <a:schemeClr val="lt1"/>
+          </a:fillRef>
+          <a:effectRef idx="0">
+            <a:schemeClr val="dk1"/>
+          </a:effectRef>
+          <a:fontRef idx="minor">
+            <a:schemeClr val="dk1"/>
+          </a:fontRef>
+        </p:style>
+        <p:txBody>
+          <a:bodyPr rtlCol="0" anchor="ctr"/>
+          <a:lstStyle/>
+          <a:p>
+            <a:pPr algn="ctr"/>
+            <a:r>
+              <a:rPr lang="ko-KR" altLang="en-US" sz="1200" dirty="0"/>
+              <a:t>삭제</a:t>
+            </a:r>
+          </a:p>
+        </p:txBody>
+      </p:sp>
+      <p:sp>
+        <p:nvSpPr>
+          <p:cNvPr id="36" name="직사각형 35">
+            <a:extLst>
+              <a:ext uri="{FF2B5EF4-FFF2-40B4-BE49-F238E27FC236}">
+                <a16:creationId xmlns:a16="http://schemas.microsoft.com/office/drawing/2014/main" id="{40A32D0D-8BCF-4B54-AEC2-A30CCAC9D3BE}"/>
+              </a:ext>
+            </a:extLst>
+          </p:cNvPr>
+          <p:cNvSpPr/>
+          <p:nvPr/>
+        </p:nvSpPr>
+        <p:spPr>
+          <a:xfrm>
+            <a:off x="9269281" y="5876808"/>
+            <a:ext cx="540000" cy="286719"/>
+          </a:xfrm>
+          <a:prstGeom prst="rect">
+            <a:avLst/>
+          </a:prstGeom>
+        </p:spPr>
+        <p:style>
+          <a:lnRef idx="2">
+            <a:schemeClr val="dk1"/>
+          </a:lnRef>
+          <a:fillRef idx="1">
+            <a:schemeClr val="lt1"/>
+          </a:fillRef>
+          <a:effectRef idx="0">
+            <a:schemeClr val="dk1"/>
+          </a:effectRef>
+          <a:fontRef idx="minor">
+            <a:schemeClr val="dk1"/>
+          </a:fontRef>
+        </p:style>
+        <p:txBody>
+          <a:bodyPr rtlCol="0" anchor="ctr"/>
+          <a:lstStyle/>
+          <a:p>
+            <a:pPr algn="ctr"/>
+            <a:r>
+              <a:rPr lang="ko-KR" altLang="en-US" sz="1200" dirty="0"/>
+              <a:t>수정</a:t>
+            </a:r>
+          </a:p>
+        </p:txBody>
+      </p:sp>
+      <p:sp>
+        <p:nvSpPr>
+          <p:cNvPr id="37" name="직사각형 36">
+            <a:extLst>
+              <a:ext uri="{FF2B5EF4-FFF2-40B4-BE49-F238E27FC236}">
+                <a16:creationId xmlns:a16="http://schemas.microsoft.com/office/drawing/2014/main" id="{6BF5E7AD-46F6-441D-9721-7217E9216CDB}"/>
+              </a:ext>
+            </a:extLst>
+          </p:cNvPr>
+          <p:cNvSpPr/>
+          <p:nvPr/>
+        </p:nvSpPr>
+        <p:spPr>
+          <a:xfrm>
+            <a:off x="8493070" y="5876808"/>
+            <a:ext cx="687383" cy="286719"/>
+          </a:xfrm>
+          <a:prstGeom prst="rect">
+            <a:avLst/>
+          </a:prstGeom>
+        </p:spPr>
+        <p:style>
+          <a:lnRef idx="2">
+            <a:schemeClr val="dk1"/>
+          </a:lnRef>
+          <a:fillRef idx="1">
+            <a:schemeClr val="lt1"/>
+          </a:fillRef>
+          <a:effectRef idx="0">
+            <a:schemeClr val="dk1"/>
+          </a:effectRef>
+          <a:fontRef idx="minor">
+            <a:schemeClr val="dk1"/>
+          </a:fontRef>
+        </p:style>
+        <p:txBody>
+          <a:bodyPr rtlCol="0" anchor="ctr"/>
+          <a:lstStyle/>
+          <a:p>
+            <a:pPr algn="ctr"/>
+            <a:r>
+              <a:rPr lang="ko-KR" altLang="en-US" sz="1200"/>
+              <a:t>글쓰기</a:t>
+            </a:r>
+            <a:endParaRPr lang="ko-KR" altLang="en-US" sz="1200" dirty="0"/>
+          </a:p>
+        </p:txBody>
+      </p:sp>
+    </p:spTree>
+    <p:extLst>
+      <p:ext uri="{BB962C8B-B14F-4D97-AF65-F5344CB8AC3E}">
+        <p14:creationId xmlns:p14="http://schemas.microsoft.com/office/powerpoint/2010/main" val="3737315737"/>
+      </p:ext>
+    </p:extLst>
+  </p:cSld>
+  <p:clrMapOvr>
+    <a:masterClrMapping/>
+  </p:clrMapOvr>
+</p:sld>
+</file>
+
+<file path=ppt/slides/slide27.xml><?xml version="1.0" encoding="utf-8"?>
+<p:sld xmlns:a="http://schemas.openxmlformats.org/drawingml/2006/main" xmlns:r="http://schemas.openxmlformats.org/officeDocument/2006/relationships" xmlns:p="http://schemas.openxmlformats.org/presentationml/2006/main">
+  <p:cSld>
+    <p:spTree>
+      <p:nvGrpSpPr>
+        <p:cNvPr id="1" name=""/>
+        <p:cNvGrpSpPr/>
+        <p:nvPr/>
+      </p:nvGrpSpPr>
+      <p:grpSpPr>
+        <a:xfrm>
+          <a:off x="0" y="0"/>
+          <a:ext cx="0" cy="0"/>
+          <a:chOff x="0" y="0"/>
+          <a:chExt cx="0" cy="0"/>
+        </a:xfrm>
+      </p:grpSpPr>
+      <p:sp>
+        <p:nvSpPr>
+          <p:cNvPr id="2" name="직사각형 1">
+            <a:extLst>
+              <a:ext uri="{FF2B5EF4-FFF2-40B4-BE49-F238E27FC236}">
+                <a16:creationId xmlns:a16="http://schemas.microsoft.com/office/drawing/2014/main" id="{8E5B996D-DF87-49E5-95D1-45B1EEB9EE9A}"/>
+              </a:ext>
+            </a:extLst>
+          </p:cNvPr>
+          <p:cNvSpPr/>
+          <p:nvPr/>
+        </p:nvSpPr>
+        <p:spPr>
+          <a:xfrm>
+            <a:off x="0" y="0"/>
+            <a:ext cx="12192000" cy="108000"/>
+          </a:xfrm>
+          <a:prstGeom prst="rect">
+            <a:avLst/>
+          </a:prstGeom>
+          <a:solidFill>
+            <a:srgbClr val="FFD8D9"/>
+          </a:solidFill>
+          <a:ln>
+            <a:noFill/>
+          </a:ln>
+        </p:spPr>
+        <p:style>
+          <a:lnRef idx="2">
+            <a:schemeClr val="accent1">
+              <a:shade val="50000"/>
+            </a:schemeClr>
+          </a:lnRef>
+          <a:fillRef idx="1">
+            <a:schemeClr val="accent1"/>
+          </a:fillRef>
+          <a:effectRef idx="0">
+            <a:schemeClr val="accent1"/>
+          </a:effectRef>
+          <a:fontRef idx="minor">
+            <a:schemeClr val="lt1"/>
+          </a:fontRef>
+        </p:style>
+        <p:txBody>
+          <a:bodyPr rtlCol="0" anchor="ctr"/>
+          <a:lstStyle/>
+          <a:p>
+            <a:pPr algn="ctr"/>
+            <a:endParaRPr lang="ko-KR" altLang="en-US"/>
+          </a:p>
+        </p:txBody>
+      </p:sp>
+      <p:sp>
+        <p:nvSpPr>
+          <p:cNvPr id="4" name="직사각형 3">
+            <a:extLst>
+              <a:ext uri="{FF2B5EF4-FFF2-40B4-BE49-F238E27FC236}">
+                <a16:creationId xmlns:a16="http://schemas.microsoft.com/office/drawing/2014/main" id="{080CEE4E-4BCA-42C3-BECA-9BCEB9931EEA}"/>
+              </a:ext>
+            </a:extLst>
+          </p:cNvPr>
+          <p:cNvSpPr/>
+          <p:nvPr/>
+        </p:nvSpPr>
+        <p:spPr>
+          <a:xfrm>
+            <a:off x="0" y="6750000"/>
+            <a:ext cx="12192000" cy="108000"/>
+          </a:xfrm>
+          <a:prstGeom prst="rect">
+            <a:avLst/>
+          </a:prstGeom>
+          <a:solidFill>
+            <a:srgbClr val="FFD8D9"/>
+          </a:solidFill>
+          <a:ln>
+            <a:noFill/>
+          </a:ln>
+        </p:spPr>
+        <p:style>
+          <a:lnRef idx="2">
+            <a:schemeClr val="accent1">
+              <a:shade val="50000"/>
+            </a:schemeClr>
+          </a:lnRef>
+          <a:fillRef idx="1">
+            <a:schemeClr val="accent1"/>
+          </a:fillRef>
+          <a:effectRef idx="0">
+            <a:schemeClr val="accent1"/>
+          </a:effectRef>
+          <a:fontRef idx="minor">
+            <a:schemeClr val="lt1"/>
+          </a:fontRef>
+        </p:style>
+        <p:txBody>
+          <a:bodyPr rtlCol="0" anchor="ctr"/>
+          <a:lstStyle/>
+          <a:p>
+            <a:pPr algn="ctr"/>
+            <a:endParaRPr lang="ko-KR" altLang="en-US"/>
+          </a:p>
+        </p:txBody>
+      </p:sp>
+      <p:sp>
+        <p:nvSpPr>
+          <p:cNvPr id="5" name="TextBox 4">
+            <a:extLst>
+              <a:ext uri="{FF2B5EF4-FFF2-40B4-BE49-F238E27FC236}">
+                <a16:creationId xmlns:a16="http://schemas.microsoft.com/office/drawing/2014/main" id="{D12B0B12-AB99-4F88-B4B2-948DADC833EA}"/>
+              </a:ext>
+            </a:extLst>
+          </p:cNvPr>
+          <p:cNvSpPr txBox="1"/>
+          <p:nvPr/>
+        </p:nvSpPr>
+        <p:spPr>
+          <a:xfrm>
+            <a:off x="844736" y="93113"/>
+            <a:ext cx="2716321" cy="769441"/>
+          </a:xfrm>
+          <a:prstGeom prst="rect">
+            <a:avLst/>
+          </a:prstGeom>
+          <a:noFill/>
+        </p:spPr>
+        <p:txBody>
+          <a:bodyPr wrap="none" rtlCol="0">
+            <a:spAutoFit/>
+          </a:bodyPr>
+          <a:lstStyle/>
+          <a:p>
+            <a:r>
+              <a:rPr kumimoji="1" lang="en-US" altLang="ja-JP" sz="4400" b="1" spc="-150" dirty="0">
+                <a:solidFill>
+                  <a:srgbClr val="FFCD2F"/>
+                </a:solidFill>
+                <a:effectLst>
+                  <a:outerShdw blurRad="38100" dist="38100" dir="2700000" algn="tl">
+                    <a:srgbClr val="000000">
+                      <a:alpha val="43137"/>
+                    </a:srgbClr>
+                  </a:outerShdw>
+                </a:effectLst>
+                <a:latin typeface="Calibri" panose="020F0502020204030204" pitchFamily="34" charset="0"/>
+                <a:cs typeface="Calibri" panose="020F0502020204030204" pitchFamily="34" charset="0"/>
+              </a:rPr>
+              <a:t>W</a:t>
+            </a:r>
+            <a:r>
+              <a:rPr kumimoji="1" lang="en-US" altLang="ja-JP" sz="4400" b="1" spc="-150" dirty="0">
+                <a:solidFill>
+                  <a:schemeClr val="accent1">
+                    <a:lumMod val="75000"/>
+                  </a:schemeClr>
+                </a:solidFill>
+                <a:effectLst>
+                  <a:outerShdw blurRad="38100" dist="38100" dir="2700000" algn="tl">
+                    <a:srgbClr val="000000">
+                      <a:alpha val="43137"/>
+                    </a:srgbClr>
+                  </a:outerShdw>
+                </a:effectLst>
+                <a:latin typeface="Calibri" panose="020F0502020204030204" pitchFamily="34" charset="0"/>
+                <a:cs typeface="Calibri" panose="020F0502020204030204" pitchFamily="34" charset="0"/>
+              </a:rPr>
+              <a:t>ire </a:t>
+            </a:r>
+            <a:r>
+              <a:rPr kumimoji="1" lang="en-US" altLang="ja-JP" sz="4400" b="1" spc="-150" dirty="0">
+                <a:solidFill>
+                  <a:srgbClr val="FFCD2F"/>
+                </a:solidFill>
+                <a:effectLst>
+                  <a:outerShdw blurRad="38100" dist="38100" dir="2700000" algn="tl">
+                    <a:srgbClr val="000000">
+                      <a:alpha val="43137"/>
+                    </a:srgbClr>
+                  </a:outerShdw>
+                </a:effectLst>
+                <a:latin typeface="Calibri" panose="020F0502020204030204" pitchFamily="34" charset="0"/>
+                <a:cs typeface="Calibri" panose="020F0502020204030204" pitchFamily="34" charset="0"/>
+              </a:rPr>
+              <a:t>F</a:t>
+            </a:r>
+            <a:r>
+              <a:rPr kumimoji="1" lang="en-US" altLang="ja-JP" sz="4400" b="1" spc="-150" dirty="0">
+                <a:solidFill>
+                  <a:schemeClr val="accent1">
+                    <a:lumMod val="75000"/>
+                  </a:schemeClr>
+                </a:solidFill>
+                <a:effectLst>
+                  <a:outerShdw blurRad="38100" dist="38100" dir="2700000" algn="tl">
+                    <a:srgbClr val="000000">
+                      <a:alpha val="43137"/>
+                    </a:srgbClr>
+                  </a:outerShdw>
+                </a:effectLst>
+                <a:latin typeface="Calibri" panose="020F0502020204030204" pitchFamily="34" charset="0"/>
+                <a:cs typeface="Calibri" panose="020F0502020204030204" pitchFamily="34" charset="0"/>
+              </a:rPr>
+              <a:t>rame</a:t>
+            </a:r>
+            <a:endParaRPr kumimoji="1" lang="ja-JP" altLang="en-US" sz="4400" b="1" spc="-150" dirty="0">
+              <a:solidFill>
+                <a:schemeClr val="accent1">
+                  <a:lumMod val="75000"/>
+                </a:schemeClr>
+              </a:solidFill>
+              <a:effectLst>
+                <a:outerShdw blurRad="38100" dist="38100" dir="2700000" algn="tl">
+                  <a:srgbClr val="000000">
+                    <a:alpha val="43137"/>
+                  </a:srgbClr>
+                </a:outerShdw>
+              </a:effectLst>
+              <a:latin typeface="Calibri" panose="020F0502020204030204" pitchFamily="34" charset="0"/>
+              <a:cs typeface="Calibri" panose="020F0502020204030204" pitchFamily="34" charset="0"/>
+            </a:endParaRPr>
+          </a:p>
+        </p:txBody>
+      </p:sp>
+      <p:pic>
+        <p:nvPicPr>
+          <p:cNvPr id="9" name="그림 8">
+            <a:extLst>
+              <a:ext uri="{FF2B5EF4-FFF2-40B4-BE49-F238E27FC236}">
+                <a16:creationId xmlns:a16="http://schemas.microsoft.com/office/drawing/2014/main" id="{0F0992E8-2696-42E6-805A-0C12780D8FA1}"/>
+              </a:ext>
+            </a:extLst>
+          </p:cNvPr>
+          <p:cNvPicPr>
+            <a:picLocks noChangeAspect="1"/>
+          </p:cNvPicPr>
+          <p:nvPr/>
+        </p:nvPicPr>
+        <p:blipFill>
+          <a:blip r:embed="rId3" cstate="print">
+            <a:extLst>
+              <a:ext uri="{28A0092B-C50C-407E-A947-70E740481C1C}">
+                <a14:useLocalDpi xmlns:a14="http://schemas.microsoft.com/office/drawing/2010/main" val="0"/>
+              </a:ext>
+            </a:extLst>
+          </a:blip>
+          <a:stretch>
+            <a:fillRect/>
+          </a:stretch>
+        </p:blipFill>
+        <p:spPr>
+          <a:xfrm>
+            <a:off x="124734" y="117832"/>
+            <a:ext cx="720000" cy="720000"/>
+          </a:xfrm>
+          <a:prstGeom prst="rect">
+            <a:avLst/>
+          </a:prstGeom>
+        </p:spPr>
+      </p:pic>
+      <p:sp>
+        <p:nvSpPr>
+          <p:cNvPr id="7" name="Window Body" descr="&lt;SmartSettings&gt;&lt;SmartResize anchorLeft=&quot;Absolute&quot; anchorTop=&quot;Absolute&quot; anchorRight=&quot;Absolute&quot; anchorBottom=&quot;Absolute&quot; /&gt;&lt;/SmartSettings&gt;"/>
+          <p:cNvSpPr/>
+          <p:nvPr>
+            <p:custDataLst>
+              <p:tags r:id="rId1"/>
+            </p:custDataLst>
+          </p:nvPr>
+        </p:nvSpPr>
+        <p:spPr>
+          <a:xfrm>
+            <a:off x="1381686" y="1627790"/>
+            <a:ext cx="9428628" cy="4819419"/>
+          </a:xfrm>
+          <a:prstGeom prst="rect">
+            <a:avLst/>
+          </a:prstGeom>
+          <a:ln/>
+        </p:spPr>
+        <p:style>
+          <a:lnRef idx="2">
+            <a:schemeClr val="dk1"/>
+          </a:lnRef>
+          <a:fillRef idx="1">
+            <a:schemeClr val="lt1"/>
+          </a:fillRef>
+          <a:effectRef idx="0">
+            <a:schemeClr val="dk1"/>
+          </a:effectRef>
+          <a:fontRef idx="minor">
+            <a:schemeClr val="dk1"/>
+          </a:fontRef>
+        </p:style>
+        <p:txBody>
+          <a:bodyPr rot="0" spcFirstLastPara="0" vert="horz" wrap="square" lIns="91440" tIns="45720" rIns="91440" bIns="45720" numCol="1" spcCol="0" rtlCol="0" fromWordArt="0" anchor="ctr" anchorCtr="0" forceAA="0" compatLnSpc="1">
+            <a:prstTxWarp prst="textNoShape">
+              <a:avLst/>
+            </a:prstTxWarp>
+            <a:noAutofit/>
+          </a:bodyPr>
+          <a:lstStyle>
+            <a:defPPr>
+              <a:defRPr lang="en-US"/>
+            </a:defPPr>
+            <a:lvl1pPr marL="0" algn="l" defTabSz="914400" rtl="0" eaLnBrk="1" latinLnBrk="0" hangingPunct="1">
+              <a:defRPr sz="1800" kern="1200">
+                <a:solidFill>
+                  <a:schemeClr val="lt1"/>
+                </a:solidFill>
+                <a:latin typeface="+mn-lt"/>
+                <a:ea typeface="+mn-ea"/>
+                <a:cs typeface="+mn-cs"/>
+              </a:defRPr>
+            </a:lvl1pPr>
+            <a:lvl2pPr marL="457200" algn="l" defTabSz="914400" rtl="0" eaLnBrk="1" latinLnBrk="0" hangingPunct="1">
+              <a:defRPr sz="1800" kern="1200">
+                <a:solidFill>
+                  <a:schemeClr val="lt1"/>
+                </a:solidFill>
+                <a:latin typeface="+mn-lt"/>
+                <a:ea typeface="+mn-ea"/>
+                <a:cs typeface="+mn-cs"/>
+              </a:defRPr>
+            </a:lvl2pPr>
+            <a:lvl3pPr marL="914400" algn="l" defTabSz="914400" rtl="0" eaLnBrk="1" latinLnBrk="0" hangingPunct="1">
+              <a:defRPr sz="1800" kern="1200">
+                <a:solidFill>
+                  <a:schemeClr val="lt1"/>
+                </a:solidFill>
+                <a:latin typeface="+mn-lt"/>
+                <a:ea typeface="+mn-ea"/>
+                <a:cs typeface="+mn-cs"/>
+              </a:defRPr>
+            </a:lvl3pPr>
+            <a:lvl4pPr marL="1371600" algn="l" defTabSz="914400" rtl="0" eaLnBrk="1" latinLnBrk="0" hangingPunct="1">
+              <a:defRPr sz="1800" kern="1200">
+                <a:solidFill>
+                  <a:schemeClr val="lt1"/>
+                </a:solidFill>
+                <a:latin typeface="+mn-lt"/>
+                <a:ea typeface="+mn-ea"/>
+                <a:cs typeface="+mn-cs"/>
+              </a:defRPr>
+            </a:lvl4pPr>
+            <a:lvl5pPr marL="1828800" algn="l" defTabSz="914400" rtl="0" eaLnBrk="1" latinLnBrk="0" hangingPunct="1">
+              <a:defRPr sz="1800" kern="1200">
+                <a:solidFill>
+                  <a:schemeClr val="lt1"/>
+                </a:solidFill>
+                <a:latin typeface="+mn-lt"/>
+                <a:ea typeface="+mn-ea"/>
+                <a:cs typeface="+mn-cs"/>
+              </a:defRPr>
+            </a:lvl5pPr>
+            <a:lvl6pPr marL="2286000" algn="l" defTabSz="914400" rtl="0" eaLnBrk="1" latinLnBrk="0" hangingPunct="1">
+              <a:defRPr sz="1800" kern="1200">
+                <a:solidFill>
+                  <a:schemeClr val="lt1"/>
+                </a:solidFill>
+                <a:latin typeface="+mn-lt"/>
+                <a:ea typeface="+mn-ea"/>
+                <a:cs typeface="+mn-cs"/>
+              </a:defRPr>
+            </a:lvl6pPr>
+            <a:lvl7pPr marL="2743200" algn="l" defTabSz="914400" rtl="0" eaLnBrk="1" latinLnBrk="0" hangingPunct="1">
+              <a:defRPr sz="1800" kern="1200">
+                <a:solidFill>
+                  <a:schemeClr val="lt1"/>
+                </a:solidFill>
+                <a:latin typeface="+mn-lt"/>
+                <a:ea typeface="+mn-ea"/>
+                <a:cs typeface="+mn-cs"/>
+              </a:defRPr>
+            </a:lvl7pPr>
+            <a:lvl8pPr marL="3200400" algn="l" defTabSz="914400" rtl="0" eaLnBrk="1" latinLnBrk="0" hangingPunct="1">
+              <a:defRPr sz="1800" kern="1200">
+                <a:solidFill>
+                  <a:schemeClr val="lt1"/>
+                </a:solidFill>
+                <a:latin typeface="+mn-lt"/>
+                <a:ea typeface="+mn-ea"/>
+                <a:cs typeface="+mn-cs"/>
+              </a:defRPr>
+            </a:lvl8pPr>
+            <a:lvl9pPr marL="3657600" algn="l" defTabSz="914400" rtl="0" eaLnBrk="1" latinLnBrk="0" hangingPunct="1">
+              <a:defRPr sz="1800" kern="1200">
+                <a:solidFill>
+                  <a:schemeClr val="lt1"/>
+                </a:solidFill>
+                <a:latin typeface="+mn-lt"/>
+                <a:ea typeface="+mn-ea"/>
+                <a:cs typeface="+mn-cs"/>
+              </a:defRPr>
+            </a:lvl9pPr>
+          </a:lstStyle>
+          <a:p>
+            <a:pPr algn="ctr"/>
+            <a:endParaRPr lang="en-US" sz="900" dirty="0">
+              <a:solidFill>
+                <a:srgbClr val="5F5F5F"/>
+              </a:solidFill>
+              <a:latin typeface="Segoe UI" panose="020B0502040204020203" pitchFamily="34" charset="0"/>
+              <a:cs typeface="Segoe UI" panose="020B0502040204020203" pitchFamily="34" charset="0"/>
+            </a:endParaRPr>
+          </a:p>
+        </p:txBody>
+      </p:sp>
+      <p:sp>
+        <p:nvSpPr>
+          <p:cNvPr id="3" name="TextBox 2"/>
+          <p:cNvSpPr txBox="1"/>
+          <p:nvPr/>
+        </p:nvSpPr>
+        <p:spPr>
+          <a:xfrm>
+            <a:off x="844734" y="955667"/>
+            <a:ext cx="3631122" cy="369332"/>
+          </a:xfrm>
+          <a:prstGeom prst="rect">
+            <a:avLst/>
+          </a:prstGeom>
+          <a:noFill/>
+        </p:spPr>
+        <p:txBody>
+          <a:bodyPr wrap="none" rtlCol="0">
+            <a:spAutoFit/>
+          </a:bodyPr>
+          <a:lstStyle/>
+          <a:p>
+            <a:r>
+              <a:rPr lang="ko-KR" altLang="en-US" dirty="0"/>
+              <a:t>관리자 </a:t>
+            </a:r>
+            <a:r>
+              <a:rPr lang="en-US" altLang="ko-KR" dirty="0"/>
+              <a:t>– </a:t>
+            </a:r>
+            <a:r>
+              <a:rPr lang="ko-KR" altLang="en-US" dirty="0"/>
+              <a:t>반려동물 프로그램 등록</a:t>
+            </a:r>
+          </a:p>
+        </p:txBody>
+      </p:sp>
+      <p:cxnSp>
+        <p:nvCxnSpPr>
+          <p:cNvPr id="8" name="직선 연결선 7">
+            <a:extLst>
+              <a:ext uri="{FF2B5EF4-FFF2-40B4-BE49-F238E27FC236}">
+                <a16:creationId xmlns:a16="http://schemas.microsoft.com/office/drawing/2014/main" id="{A723CFAC-181E-4ABB-8790-FEC42B087A83}"/>
+              </a:ext>
+            </a:extLst>
+          </p:cNvPr>
+          <p:cNvCxnSpPr/>
+          <p:nvPr/>
+        </p:nvCxnSpPr>
+        <p:spPr>
+          <a:xfrm>
+            <a:off x="1381686" y="2011290"/>
+            <a:ext cx="9428628" cy="0"/>
+          </a:xfrm>
+          <a:prstGeom prst="line">
+            <a:avLst/>
+          </a:prstGeom>
+        </p:spPr>
+        <p:style>
+          <a:lnRef idx="1">
+            <a:schemeClr val="dk1"/>
+          </a:lnRef>
+          <a:fillRef idx="0">
+            <a:schemeClr val="dk1"/>
+          </a:fillRef>
+          <a:effectRef idx="0">
+            <a:schemeClr val="dk1"/>
+          </a:effectRef>
+          <a:fontRef idx="minor">
+            <a:schemeClr val="tx1"/>
+          </a:fontRef>
+        </p:style>
+      </p:cxnSp>
+      <p:pic>
+        <p:nvPicPr>
+          <p:cNvPr id="10" name="Picture 2" descr="C:\Users\507-09\Downloads\제목을 입력해주세요._1.png"/>
+          <p:cNvPicPr>
+            <a:picLocks noChangeAspect="1" noChangeArrowheads="1"/>
+          </p:cNvPicPr>
+          <p:nvPr/>
+        </p:nvPicPr>
+        <p:blipFill rotWithShape="1">
+          <a:blip r:embed="rId4" cstate="print">
+            <a:extLst>
+              <a:ext uri="{28A0092B-C50C-407E-A947-70E740481C1C}">
+                <a14:useLocalDpi xmlns:a14="http://schemas.microsoft.com/office/drawing/2010/main" val="0"/>
+              </a:ext>
+            </a:extLst>
+          </a:blip>
+          <a:srcRect l="20378" r="20844"/>
+          <a:stretch/>
+        </p:blipFill>
+        <p:spPr bwMode="auto">
+          <a:xfrm>
+            <a:off x="1415554" y="1655554"/>
+            <a:ext cx="1057991" cy="324000"/>
+          </a:xfrm>
+          <a:prstGeom prst="rect">
+            <a:avLst/>
+          </a:prstGeom>
+          <a:noFill/>
+          <a:extLst>
+            <a:ext uri="{909E8E84-426E-40DD-AFC4-6F175D3DCCD1}">
+              <a14:hiddenFill xmlns:a14="http://schemas.microsoft.com/office/drawing/2010/main">
+                <a:solidFill>
+                  <a:srgbClr val="FFFFFF"/>
+                </a:solidFill>
+              </a14:hiddenFill>
+            </a:ext>
+          </a:extLst>
+        </p:spPr>
+      </p:pic>
+      <p:sp>
+        <p:nvSpPr>
+          <p:cNvPr id="22" name="TextBox 21"/>
+          <p:cNvSpPr txBox="1"/>
+          <p:nvPr/>
+        </p:nvSpPr>
+        <p:spPr>
+          <a:xfrm>
+            <a:off x="2802467" y="1653191"/>
+            <a:ext cx="1005403" cy="338554"/>
+          </a:xfrm>
+          <a:prstGeom prst="rect">
+            <a:avLst/>
+          </a:prstGeom>
+          <a:noFill/>
+        </p:spPr>
+        <p:txBody>
+          <a:bodyPr wrap="none" rtlCol="0">
+            <a:spAutoFit/>
+          </a:bodyPr>
+          <a:lstStyle/>
+          <a:p>
+            <a:r>
+              <a:rPr lang="ko-KR" altLang="en-US" sz="1600" dirty="0"/>
+              <a:t>회원관리</a:t>
+            </a:r>
+          </a:p>
+        </p:txBody>
+      </p:sp>
+      <p:sp>
+        <p:nvSpPr>
+          <p:cNvPr id="23" name="TextBox 22"/>
+          <p:cNvSpPr txBox="1"/>
+          <p:nvPr/>
+        </p:nvSpPr>
+        <p:spPr>
+          <a:xfrm>
+            <a:off x="3973059" y="1653191"/>
+            <a:ext cx="1005403" cy="338554"/>
+          </a:xfrm>
+          <a:prstGeom prst="rect">
+            <a:avLst/>
+          </a:prstGeom>
+          <a:noFill/>
+        </p:spPr>
+        <p:txBody>
+          <a:bodyPr wrap="none" rtlCol="0">
+            <a:spAutoFit/>
+          </a:bodyPr>
+          <a:lstStyle/>
+          <a:p>
+            <a:r>
+              <a:rPr lang="ko-KR" altLang="en-US" sz="1600" dirty="0"/>
+              <a:t>공지사항</a:t>
+            </a:r>
+          </a:p>
+        </p:txBody>
+      </p:sp>
+      <p:sp>
+        <p:nvSpPr>
+          <p:cNvPr id="24" name="TextBox 23"/>
+          <p:cNvSpPr txBox="1"/>
+          <p:nvPr/>
+        </p:nvSpPr>
+        <p:spPr>
+          <a:xfrm>
+            <a:off x="5143651" y="1653191"/>
+            <a:ext cx="1853960" cy="338554"/>
+          </a:xfrm>
+          <a:prstGeom prst="rect">
+            <a:avLst/>
+          </a:prstGeom>
+          <a:noFill/>
+        </p:spPr>
+        <p:txBody>
+          <a:bodyPr wrap="square" rtlCol="0">
+            <a:spAutoFit/>
+          </a:bodyPr>
+          <a:lstStyle/>
+          <a:p>
+            <a:r>
+              <a:rPr lang="ko-KR" altLang="en-US" sz="1600" dirty="0"/>
+              <a:t>반려동물프로그램</a:t>
+            </a:r>
+          </a:p>
+        </p:txBody>
+      </p:sp>
+      <p:sp>
+        <p:nvSpPr>
+          <p:cNvPr id="25" name="TextBox 24"/>
+          <p:cNvSpPr txBox="1"/>
+          <p:nvPr/>
+        </p:nvSpPr>
+        <p:spPr>
+          <a:xfrm>
+            <a:off x="7162800" y="1653191"/>
+            <a:ext cx="1826141" cy="338554"/>
+          </a:xfrm>
+          <a:prstGeom prst="rect">
+            <a:avLst/>
+          </a:prstGeom>
+          <a:noFill/>
+        </p:spPr>
+        <p:txBody>
+          <a:bodyPr wrap="none" rtlCol="0">
+            <a:spAutoFit/>
+          </a:bodyPr>
+          <a:lstStyle/>
+          <a:p>
+            <a:r>
+              <a:rPr lang="ko-KR" altLang="en-US" sz="1600" dirty="0"/>
+              <a:t>장거리이동서비스</a:t>
+            </a:r>
+          </a:p>
+        </p:txBody>
+      </p:sp>
+      <p:cxnSp>
+        <p:nvCxnSpPr>
+          <p:cNvPr id="30" name="직선 연결선 29"/>
+          <p:cNvCxnSpPr/>
+          <p:nvPr/>
+        </p:nvCxnSpPr>
+        <p:spPr>
+          <a:xfrm>
+            <a:off x="1583268" y="2738907"/>
+            <a:ext cx="1371600" cy="0"/>
+          </a:xfrm>
+          <a:prstGeom prst="line">
+            <a:avLst/>
+          </a:prstGeom>
+          <a:ln w="12700"/>
+        </p:spPr>
+        <p:style>
+          <a:lnRef idx="1">
+            <a:schemeClr val="accent3"/>
+          </a:lnRef>
+          <a:fillRef idx="0">
+            <a:schemeClr val="accent3"/>
+          </a:fillRef>
+          <a:effectRef idx="0">
+            <a:schemeClr val="accent3"/>
+          </a:effectRef>
+          <a:fontRef idx="minor">
+            <a:schemeClr val="tx1"/>
+          </a:fontRef>
+        </p:style>
+      </p:cxnSp>
+      <p:sp>
+        <p:nvSpPr>
+          <p:cNvPr id="31" name="TextBox 30"/>
+          <p:cNvSpPr txBox="1"/>
+          <p:nvPr/>
+        </p:nvSpPr>
+        <p:spPr>
+          <a:xfrm>
+            <a:off x="1591735" y="2209797"/>
+            <a:ext cx="1343638" cy="261610"/>
+          </a:xfrm>
+          <a:prstGeom prst="rect">
+            <a:avLst/>
+          </a:prstGeom>
+          <a:noFill/>
+        </p:spPr>
+        <p:txBody>
+          <a:bodyPr wrap="none" rtlCol="0">
+            <a:spAutoFit/>
+          </a:bodyPr>
+          <a:lstStyle/>
+          <a:p>
+            <a:r>
+              <a:rPr lang="en-US" altLang="ko-KR" sz="1100" dirty="0"/>
+              <a:t>Logged by </a:t>
+            </a:r>
+            <a:r>
+              <a:rPr lang="ko-KR" altLang="en-US" sz="1100" dirty="0"/>
+              <a:t>관리자</a:t>
+            </a:r>
+          </a:p>
+        </p:txBody>
+      </p:sp>
+      <p:sp>
+        <p:nvSpPr>
+          <p:cNvPr id="33" name="직사각형 32"/>
+          <p:cNvSpPr/>
+          <p:nvPr/>
+        </p:nvSpPr>
+        <p:spPr>
+          <a:xfrm>
+            <a:off x="1944549" y="2471407"/>
+            <a:ext cx="635000" cy="186267"/>
+          </a:xfrm>
+          <a:prstGeom prst="rect">
+            <a:avLst/>
+          </a:prstGeom>
+          <a:ln w="6350"/>
+        </p:spPr>
+        <p:style>
+          <a:lnRef idx="2">
+            <a:schemeClr val="accent3">
+              <a:shade val="50000"/>
+            </a:schemeClr>
+          </a:lnRef>
+          <a:fillRef idx="1">
+            <a:schemeClr val="accent3"/>
+          </a:fillRef>
+          <a:effectRef idx="0">
+            <a:schemeClr val="accent3"/>
+          </a:effectRef>
+          <a:fontRef idx="minor">
+            <a:schemeClr val="lt1"/>
+          </a:fontRef>
+        </p:style>
+        <p:txBody>
+          <a:bodyPr rtlCol="0" anchor="ctr"/>
+          <a:lstStyle/>
+          <a:p>
+            <a:pPr algn="ctr"/>
+            <a:r>
+              <a:rPr lang="en-US" altLang="ko-KR" sz="1000" dirty="0"/>
+              <a:t>logout</a:t>
+            </a:r>
+            <a:endParaRPr lang="ko-KR" altLang="en-US" sz="1000" dirty="0"/>
+          </a:p>
+        </p:txBody>
+      </p:sp>
+      <p:cxnSp>
+        <p:nvCxnSpPr>
+          <p:cNvPr id="11" name="직선 연결선 10"/>
+          <p:cNvCxnSpPr/>
+          <p:nvPr/>
+        </p:nvCxnSpPr>
+        <p:spPr>
+          <a:xfrm>
+            <a:off x="5143651" y="2000275"/>
+            <a:ext cx="1853960" cy="0"/>
+          </a:xfrm>
+          <a:prstGeom prst="line">
+            <a:avLst/>
+          </a:prstGeom>
+          <a:ln w="38100"/>
+        </p:spPr>
+        <p:style>
+          <a:lnRef idx="1">
+            <a:schemeClr val="accent2"/>
+          </a:lnRef>
+          <a:fillRef idx="0">
+            <a:schemeClr val="accent2"/>
+          </a:fillRef>
+          <a:effectRef idx="0">
+            <a:schemeClr val="accent2"/>
+          </a:effectRef>
+          <a:fontRef idx="minor">
+            <a:schemeClr val="tx1"/>
+          </a:fontRef>
+        </p:style>
+      </p:cxnSp>
+      <p:graphicFrame>
+        <p:nvGraphicFramePr>
+          <p:cNvPr id="21" name="표 20">
+            <a:extLst>
+              <a:ext uri="{FF2B5EF4-FFF2-40B4-BE49-F238E27FC236}">
+                <a16:creationId xmlns:a16="http://schemas.microsoft.com/office/drawing/2014/main" id="{D400EE1E-20CB-49CF-A07A-49693EC0F224}"/>
+              </a:ext>
+            </a:extLst>
+          </p:cNvPr>
+          <p:cNvGraphicFramePr>
+            <a:graphicFrameLocks noGrp="1"/>
+          </p:cNvGraphicFramePr>
+          <p:nvPr/>
+        </p:nvGraphicFramePr>
+        <p:xfrm>
+          <a:off x="1583268" y="2747374"/>
+          <a:ext cx="1363133" cy="1112520"/>
+        </p:xfrm>
+        <a:graphic>
+          <a:graphicData uri="http://schemas.openxmlformats.org/drawingml/2006/table">
+            <a:tbl>
+              <a:tblPr firstRow="1" bandRow="1">
+                <a:tableStyleId>{F2DE63D5-997A-4646-A377-4702673A728D}</a:tableStyleId>
+              </a:tblPr>
+              <a:tblGrid>
+                <a:gridCol w="1363133">
+                  <a:extLst>
+                    <a:ext uri="{9D8B030D-6E8A-4147-A177-3AD203B41FA5}">
+                      <a16:colId xmlns:a16="http://schemas.microsoft.com/office/drawing/2014/main" val="20000"/>
+                    </a:ext>
+                  </a:extLst>
+                </a:gridCol>
+              </a:tblGrid>
+              <a:tr h="370840">
+                <a:tc>
+                  <a:txBody>
+                    <a:bodyPr/>
+                    <a:lstStyle/>
+                    <a:p>
+                      <a:pPr algn="ctr" latinLnBrk="1"/>
+                      <a:r>
+                        <a:rPr lang="ko-KR" altLang="en-US" sz="1100" dirty="0"/>
+                        <a:t>반려동물프로그램</a:t>
+                      </a:r>
+                      <a:endParaRPr lang="ko-KR" altLang="en-US" sz="1400" dirty="0"/>
+                    </a:p>
+                  </a:txBody>
+                  <a:tcPr anchor="ctr"/>
+                </a:tc>
+                <a:extLst>
+                  <a:ext uri="{0D108BD9-81ED-4DB2-BD59-A6C34878D82A}">
+                    <a16:rowId xmlns:a16="http://schemas.microsoft.com/office/drawing/2014/main" val="10000"/>
+                  </a:ext>
+                </a:extLst>
+              </a:tr>
+              <a:tr h="370840">
+                <a:tc>
+                  <a:txBody>
+                    <a:bodyPr/>
+                    <a:lstStyle/>
+                    <a:p>
+                      <a:pPr algn="ctr" latinLnBrk="1"/>
+                      <a:r>
+                        <a:rPr lang="ko-KR" altLang="en-US" sz="1400" dirty="0"/>
+                        <a:t>프로그램관리</a:t>
+                      </a:r>
+                    </a:p>
+                  </a:txBody>
+                  <a:tcPr anchor="ctr"/>
+                </a:tc>
+                <a:extLst>
+                  <a:ext uri="{0D108BD9-81ED-4DB2-BD59-A6C34878D82A}">
+                    <a16:rowId xmlns:a16="http://schemas.microsoft.com/office/drawing/2014/main" val="10001"/>
+                  </a:ext>
+                </a:extLst>
+              </a:tr>
+              <a:tr h="370840">
+                <a:tc>
+                  <a:txBody>
+                    <a:bodyPr/>
+                    <a:lstStyle/>
+                    <a:p>
+                      <a:pPr algn="ctr" latinLnBrk="1"/>
+                      <a:r>
+                        <a:rPr lang="ko-KR" altLang="en-US" sz="1400" dirty="0"/>
+                        <a:t>신청관리</a:t>
+                      </a:r>
+                    </a:p>
+                  </a:txBody>
+                  <a:tcPr anchor="ctr"/>
+                </a:tc>
+                <a:extLst>
+                  <a:ext uri="{0D108BD9-81ED-4DB2-BD59-A6C34878D82A}">
+                    <a16:rowId xmlns:a16="http://schemas.microsoft.com/office/drawing/2014/main" val="10002"/>
+                  </a:ext>
+                </a:extLst>
+              </a:tr>
+            </a:tbl>
+          </a:graphicData>
+        </a:graphic>
+      </p:graphicFrame>
+      <p:sp>
+        <p:nvSpPr>
+          <p:cNvPr id="26" name="직사각형 25"/>
+          <p:cNvSpPr/>
+          <p:nvPr/>
+        </p:nvSpPr>
+        <p:spPr>
+          <a:xfrm>
+            <a:off x="1583268" y="2175932"/>
+            <a:ext cx="1371600" cy="4123267"/>
+          </a:xfrm>
+          <a:prstGeom prst="rect">
+            <a:avLst/>
+          </a:prstGeom>
+          <a:noFill/>
+        </p:spPr>
+        <p:style>
+          <a:lnRef idx="2">
+            <a:schemeClr val="dk1"/>
+          </a:lnRef>
+          <a:fillRef idx="1">
+            <a:schemeClr val="lt1"/>
+          </a:fillRef>
+          <a:effectRef idx="0">
+            <a:schemeClr val="dk1"/>
+          </a:effectRef>
+          <a:fontRef idx="minor">
+            <a:schemeClr val="dk1"/>
+          </a:fontRef>
+        </p:style>
+        <p:txBody>
+          <a:bodyPr rtlCol="0" anchor="ctr"/>
+          <a:lstStyle/>
+          <a:p>
+            <a:pPr algn="ctr"/>
+            <a:endParaRPr lang="ko-KR" altLang="en-US"/>
+          </a:p>
+        </p:txBody>
+      </p:sp>
+      <p:sp>
+        <p:nvSpPr>
+          <p:cNvPr id="29" name="직사각형 28">
+            <a:extLst>
+              <a:ext uri="{FF2B5EF4-FFF2-40B4-BE49-F238E27FC236}">
+                <a16:creationId xmlns:a16="http://schemas.microsoft.com/office/drawing/2014/main" id="{89CCCC6E-5C93-4F9D-85A2-DDC8E9101F68}"/>
+              </a:ext>
+            </a:extLst>
+          </p:cNvPr>
+          <p:cNvSpPr/>
+          <p:nvPr/>
+        </p:nvSpPr>
+        <p:spPr>
+          <a:xfrm>
+            <a:off x="3132522" y="2175932"/>
+            <a:ext cx="7450666" cy="4123268"/>
+          </a:xfrm>
+          <a:prstGeom prst="rect">
+            <a:avLst/>
+          </a:prstGeom>
+          <a:noFill/>
+        </p:spPr>
+        <p:style>
+          <a:lnRef idx="2">
+            <a:schemeClr val="dk1"/>
+          </a:lnRef>
+          <a:fillRef idx="1">
+            <a:schemeClr val="lt1"/>
+          </a:fillRef>
+          <a:effectRef idx="0">
+            <a:schemeClr val="dk1"/>
+          </a:effectRef>
+          <a:fontRef idx="minor">
+            <a:schemeClr val="dk1"/>
+          </a:fontRef>
+        </p:style>
+        <p:txBody>
+          <a:bodyPr rtlCol="0" anchor="ctr"/>
+          <a:lstStyle/>
+          <a:p>
+            <a:pPr algn="ctr"/>
+            <a:endParaRPr lang="ko-KR" altLang="en-US"/>
+          </a:p>
+        </p:txBody>
+      </p:sp>
+      <p:grpSp>
+        <p:nvGrpSpPr>
+          <p:cNvPr id="32" name="그룹 31">
+            <a:extLst>
+              <a:ext uri="{FF2B5EF4-FFF2-40B4-BE49-F238E27FC236}">
+                <a16:creationId xmlns:a16="http://schemas.microsoft.com/office/drawing/2014/main" id="{32EB9828-2E6F-4FBD-A209-169059127299}"/>
+              </a:ext>
+            </a:extLst>
+          </p:cNvPr>
+          <p:cNvGrpSpPr/>
+          <p:nvPr/>
+        </p:nvGrpSpPr>
+        <p:grpSpPr>
+          <a:xfrm>
+            <a:off x="5839073" y="5863023"/>
+            <a:ext cx="2037565" cy="328991"/>
+            <a:chOff x="5597933" y="5855274"/>
+            <a:chExt cx="2037565" cy="328991"/>
+          </a:xfrm>
+        </p:grpSpPr>
+        <p:sp>
+          <p:nvSpPr>
+            <p:cNvPr id="34" name="직사각형 33">
+              <a:extLst>
+                <a:ext uri="{FF2B5EF4-FFF2-40B4-BE49-F238E27FC236}">
+                  <a16:creationId xmlns:a16="http://schemas.microsoft.com/office/drawing/2014/main" id="{7AA4B0C2-C8BD-463D-9DCF-7CC400560150}"/>
+                </a:ext>
+              </a:extLst>
+            </p:cNvPr>
+            <p:cNvSpPr/>
+            <p:nvPr/>
+          </p:nvSpPr>
+          <p:spPr>
+            <a:xfrm>
+              <a:off x="5597933" y="5855274"/>
+              <a:ext cx="945396" cy="328991"/>
+            </a:xfrm>
+            <a:prstGeom prst="rect">
+              <a:avLst/>
+            </a:prstGeom>
+          </p:spPr>
+          <p:style>
+            <a:lnRef idx="2">
+              <a:schemeClr val="dk1"/>
+            </a:lnRef>
+            <a:fillRef idx="1">
+              <a:schemeClr val="lt1"/>
+            </a:fillRef>
+            <a:effectRef idx="0">
+              <a:schemeClr val="dk1"/>
+            </a:effectRef>
+            <a:fontRef idx="minor">
+              <a:schemeClr val="dk1"/>
+            </a:fontRef>
+          </p:style>
+          <p:txBody>
+            <a:bodyPr rtlCol="0" anchor="ctr"/>
+            <a:lstStyle/>
+            <a:p>
+              <a:pPr algn="ctr"/>
+              <a:r>
+                <a:rPr lang="ko-KR" altLang="en-US" sz="1200" dirty="0"/>
+                <a:t>취소</a:t>
+              </a:r>
+            </a:p>
+          </p:txBody>
+        </p:sp>
+        <p:sp>
+          <p:nvSpPr>
+            <p:cNvPr id="38" name="직사각형 37">
+              <a:extLst>
+                <a:ext uri="{FF2B5EF4-FFF2-40B4-BE49-F238E27FC236}">
+                  <a16:creationId xmlns:a16="http://schemas.microsoft.com/office/drawing/2014/main" id="{D648B149-842E-400F-9880-657D6C5C77BC}"/>
+                </a:ext>
+              </a:extLst>
+            </p:cNvPr>
+            <p:cNvSpPr/>
+            <p:nvPr/>
+          </p:nvSpPr>
+          <p:spPr>
+            <a:xfrm>
+              <a:off x="6690102" y="5855274"/>
+              <a:ext cx="945396" cy="328991"/>
+            </a:xfrm>
+            <a:prstGeom prst="rect">
+              <a:avLst/>
+            </a:prstGeom>
+          </p:spPr>
+          <p:style>
+            <a:lnRef idx="2">
+              <a:schemeClr val="dk1"/>
+            </a:lnRef>
+            <a:fillRef idx="1">
+              <a:schemeClr val="lt1"/>
+            </a:fillRef>
+            <a:effectRef idx="0">
+              <a:schemeClr val="dk1"/>
+            </a:effectRef>
+            <a:fontRef idx="minor">
+              <a:schemeClr val="dk1"/>
+            </a:fontRef>
+          </p:style>
+          <p:txBody>
+            <a:bodyPr rtlCol="0" anchor="ctr"/>
+            <a:lstStyle/>
+            <a:p>
+              <a:pPr algn="ctr"/>
+              <a:r>
+                <a:rPr lang="ko-KR" altLang="en-US" sz="1200" dirty="0"/>
+                <a:t>등록</a:t>
+              </a:r>
+            </a:p>
+          </p:txBody>
+        </p:sp>
+      </p:grpSp>
+      <p:sp>
+        <p:nvSpPr>
+          <p:cNvPr id="39" name="직사각형 38">
+            <a:extLst>
+              <a:ext uri="{FF2B5EF4-FFF2-40B4-BE49-F238E27FC236}">
+                <a16:creationId xmlns:a16="http://schemas.microsoft.com/office/drawing/2014/main" id="{B6A98CEE-EEED-4DD4-9664-37E7F810ED82}"/>
+              </a:ext>
+            </a:extLst>
+          </p:cNvPr>
+          <p:cNvSpPr>
+            <a:spLocks noChangeArrowheads="1"/>
+          </p:cNvSpPr>
+          <p:nvPr/>
+        </p:nvSpPr>
+        <p:spPr bwMode="auto">
+          <a:xfrm>
+            <a:off x="3288187" y="2803592"/>
+            <a:ext cx="7126673" cy="2950168"/>
+          </a:xfrm>
+          <a:prstGeom prst="rect">
+            <a:avLst/>
+          </a:prstGeom>
+          <a:noFill/>
+          <a:ln w="6350" algn="ctr">
+            <a:solidFill>
+              <a:schemeClr val="tx1">
+                <a:lumMod val="50000"/>
+                <a:lumOff val="50000"/>
+              </a:schemeClr>
+            </a:solidFill>
+            <a:round/>
+            <a:headEnd/>
+            <a:tailEnd/>
+          </a:ln>
+        </p:spPr>
+        <p:txBody>
+          <a:bodyPr wrap="none" lIns="36000" tIns="36000" rIns="36000" bIns="36000" anchor="ctr"/>
+          <a:lstStyle>
+            <a:defPPr>
+              <a:defRPr lang="ko-KR"/>
+            </a:defPPr>
+            <a:lvl1pPr marL="0" algn="l" defTabSz="914400" rtl="0" eaLnBrk="1" latinLnBrk="1" hangingPunct="1">
+              <a:defRPr sz="1800" kern="1200">
+                <a:solidFill>
+                  <a:schemeClr val="tx1"/>
+                </a:solidFill>
+                <a:latin typeface="+mn-lt"/>
+                <a:ea typeface="+mn-ea"/>
+                <a:cs typeface="+mn-cs"/>
+              </a:defRPr>
+            </a:lvl1pPr>
+            <a:lvl2pPr marL="457200" algn="l" defTabSz="914400" rtl="0" eaLnBrk="1" latinLnBrk="1" hangingPunct="1">
+              <a:defRPr sz="1800" kern="1200">
+                <a:solidFill>
+                  <a:schemeClr val="tx1"/>
+                </a:solidFill>
+                <a:latin typeface="+mn-lt"/>
+                <a:ea typeface="+mn-ea"/>
+                <a:cs typeface="+mn-cs"/>
+              </a:defRPr>
+            </a:lvl2pPr>
+            <a:lvl3pPr marL="914400" algn="l" defTabSz="914400" rtl="0" eaLnBrk="1" latinLnBrk="1" hangingPunct="1">
+              <a:defRPr sz="1800" kern="1200">
+                <a:solidFill>
+                  <a:schemeClr val="tx1"/>
+                </a:solidFill>
+                <a:latin typeface="+mn-lt"/>
+                <a:ea typeface="+mn-ea"/>
+                <a:cs typeface="+mn-cs"/>
+              </a:defRPr>
+            </a:lvl3pPr>
+            <a:lvl4pPr marL="1371600" algn="l" defTabSz="914400" rtl="0" eaLnBrk="1" latinLnBrk="1" hangingPunct="1">
+              <a:defRPr sz="1800" kern="1200">
+                <a:solidFill>
+                  <a:schemeClr val="tx1"/>
+                </a:solidFill>
+                <a:latin typeface="+mn-lt"/>
+                <a:ea typeface="+mn-ea"/>
+                <a:cs typeface="+mn-cs"/>
+              </a:defRPr>
+            </a:lvl4pPr>
+            <a:lvl5pPr marL="1828800" algn="l" defTabSz="914400" rtl="0" eaLnBrk="1" latinLnBrk="1" hangingPunct="1">
+              <a:defRPr sz="1800" kern="1200">
+                <a:solidFill>
+                  <a:schemeClr val="tx1"/>
+                </a:solidFill>
+                <a:latin typeface="+mn-lt"/>
+                <a:ea typeface="+mn-ea"/>
+                <a:cs typeface="+mn-cs"/>
+              </a:defRPr>
+            </a:lvl5pPr>
+            <a:lvl6pPr marL="2286000" algn="l" defTabSz="914400" rtl="0" eaLnBrk="1" latinLnBrk="1" hangingPunct="1">
+              <a:defRPr sz="1800" kern="1200">
+                <a:solidFill>
+                  <a:schemeClr val="tx1"/>
+                </a:solidFill>
+                <a:latin typeface="+mn-lt"/>
+                <a:ea typeface="+mn-ea"/>
+                <a:cs typeface="+mn-cs"/>
+              </a:defRPr>
+            </a:lvl6pPr>
+            <a:lvl7pPr marL="2743200" algn="l" defTabSz="914400" rtl="0" eaLnBrk="1" latinLnBrk="1" hangingPunct="1">
+              <a:defRPr sz="1800" kern="1200">
+                <a:solidFill>
+                  <a:schemeClr val="tx1"/>
+                </a:solidFill>
+                <a:latin typeface="+mn-lt"/>
+                <a:ea typeface="+mn-ea"/>
+                <a:cs typeface="+mn-cs"/>
+              </a:defRPr>
+            </a:lvl7pPr>
+            <a:lvl8pPr marL="3200400" algn="l" defTabSz="914400" rtl="0" eaLnBrk="1" latinLnBrk="1" hangingPunct="1">
+              <a:defRPr sz="1800" kern="1200">
+                <a:solidFill>
+                  <a:schemeClr val="tx1"/>
+                </a:solidFill>
+                <a:latin typeface="+mn-lt"/>
+                <a:ea typeface="+mn-ea"/>
+                <a:cs typeface="+mn-cs"/>
+              </a:defRPr>
+            </a:lvl8pPr>
+            <a:lvl9pPr marL="3657600" algn="l" defTabSz="914400" rtl="0" eaLnBrk="1" latinLnBrk="1" hangingPunct="1">
+              <a:defRPr sz="1800" kern="1200">
+                <a:solidFill>
+                  <a:schemeClr val="tx1"/>
+                </a:solidFill>
+                <a:latin typeface="+mn-lt"/>
+                <a:ea typeface="+mn-ea"/>
+                <a:cs typeface="+mn-cs"/>
+              </a:defRPr>
+            </a:lvl9pPr>
+          </a:lstStyle>
+          <a:p>
+            <a:pPr algn="ctr"/>
+            <a:endParaRPr lang="en-US" altLang="ko-KR" sz="800"/>
+          </a:p>
+        </p:txBody>
+      </p:sp>
+      <p:grpSp>
+        <p:nvGrpSpPr>
+          <p:cNvPr id="40" name="그룹 39">
+            <a:extLst>
+              <a:ext uri="{FF2B5EF4-FFF2-40B4-BE49-F238E27FC236}">
+                <a16:creationId xmlns:a16="http://schemas.microsoft.com/office/drawing/2014/main" id="{AFF6B577-B6A5-4479-8A34-19B5BD9CBEC3}"/>
+              </a:ext>
+            </a:extLst>
+          </p:cNvPr>
+          <p:cNvGrpSpPr/>
+          <p:nvPr/>
+        </p:nvGrpSpPr>
+        <p:grpSpPr>
+          <a:xfrm>
+            <a:off x="3554360" y="2382344"/>
+            <a:ext cx="6606990" cy="261610"/>
+            <a:chOff x="3807870" y="2602057"/>
+            <a:chExt cx="6606990" cy="261610"/>
+          </a:xfrm>
+        </p:grpSpPr>
+        <p:sp>
+          <p:nvSpPr>
+            <p:cNvPr id="41" name="직사각형 40">
+              <a:extLst>
+                <a:ext uri="{FF2B5EF4-FFF2-40B4-BE49-F238E27FC236}">
+                  <a16:creationId xmlns:a16="http://schemas.microsoft.com/office/drawing/2014/main" id="{4DF168A1-B459-456E-AB9E-1BF29E9A9756}"/>
+                </a:ext>
+              </a:extLst>
+            </p:cNvPr>
+            <p:cNvSpPr>
+              <a:spLocks noChangeArrowheads="1"/>
+            </p:cNvSpPr>
+            <p:nvPr/>
+          </p:nvSpPr>
+          <p:spPr bwMode="auto">
+            <a:xfrm>
+              <a:off x="4409267" y="2602448"/>
+              <a:ext cx="6005593" cy="256215"/>
+            </a:xfrm>
+            <a:prstGeom prst="rect">
+              <a:avLst/>
+            </a:prstGeom>
+            <a:noFill/>
+            <a:ln w="6350" algn="ctr">
+              <a:solidFill>
+                <a:schemeClr val="tx1">
+                  <a:lumMod val="50000"/>
+                  <a:lumOff val="50000"/>
+                </a:schemeClr>
+              </a:solidFill>
+              <a:round/>
+              <a:headEnd/>
+              <a:tailEnd/>
+            </a:ln>
+          </p:spPr>
+          <p:txBody>
+            <a:bodyPr wrap="none" lIns="36000" tIns="36000" rIns="36000" bIns="36000" anchor="ctr"/>
+            <a:lstStyle>
+              <a:defPPr>
+                <a:defRPr lang="ko-KR"/>
+              </a:defPPr>
+              <a:lvl1pPr marL="0" algn="l" defTabSz="914400" rtl="0" eaLnBrk="1" latinLnBrk="1" hangingPunct="1">
+                <a:defRPr sz="1800" kern="1200">
+                  <a:solidFill>
+                    <a:schemeClr val="tx1"/>
+                  </a:solidFill>
+                  <a:latin typeface="+mn-lt"/>
+                  <a:ea typeface="+mn-ea"/>
+                  <a:cs typeface="+mn-cs"/>
+                </a:defRPr>
+              </a:lvl1pPr>
+              <a:lvl2pPr marL="457200" algn="l" defTabSz="914400" rtl="0" eaLnBrk="1" latinLnBrk="1" hangingPunct="1">
+                <a:defRPr sz="1800" kern="1200">
+                  <a:solidFill>
+                    <a:schemeClr val="tx1"/>
+                  </a:solidFill>
+                  <a:latin typeface="+mn-lt"/>
+                  <a:ea typeface="+mn-ea"/>
+                  <a:cs typeface="+mn-cs"/>
+                </a:defRPr>
+              </a:lvl2pPr>
+              <a:lvl3pPr marL="914400" algn="l" defTabSz="914400" rtl="0" eaLnBrk="1" latinLnBrk="1" hangingPunct="1">
+                <a:defRPr sz="1800" kern="1200">
+                  <a:solidFill>
+                    <a:schemeClr val="tx1"/>
+                  </a:solidFill>
+                  <a:latin typeface="+mn-lt"/>
+                  <a:ea typeface="+mn-ea"/>
+                  <a:cs typeface="+mn-cs"/>
+                </a:defRPr>
+              </a:lvl3pPr>
+              <a:lvl4pPr marL="1371600" algn="l" defTabSz="914400" rtl="0" eaLnBrk="1" latinLnBrk="1" hangingPunct="1">
+                <a:defRPr sz="1800" kern="1200">
+                  <a:solidFill>
+                    <a:schemeClr val="tx1"/>
+                  </a:solidFill>
+                  <a:latin typeface="+mn-lt"/>
+                  <a:ea typeface="+mn-ea"/>
+                  <a:cs typeface="+mn-cs"/>
+                </a:defRPr>
+              </a:lvl4pPr>
+              <a:lvl5pPr marL="1828800" algn="l" defTabSz="914400" rtl="0" eaLnBrk="1" latinLnBrk="1" hangingPunct="1">
+                <a:defRPr sz="1800" kern="1200">
+                  <a:solidFill>
+                    <a:schemeClr val="tx1"/>
+                  </a:solidFill>
+                  <a:latin typeface="+mn-lt"/>
+                  <a:ea typeface="+mn-ea"/>
+                  <a:cs typeface="+mn-cs"/>
+                </a:defRPr>
+              </a:lvl5pPr>
+              <a:lvl6pPr marL="2286000" algn="l" defTabSz="914400" rtl="0" eaLnBrk="1" latinLnBrk="1" hangingPunct="1">
+                <a:defRPr sz="1800" kern="1200">
+                  <a:solidFill>
+                    <a:schemeClr val="tx1"/>
+                  </a:solidFill>
+                  <a:latin typeface="+mn-lt"/>
+                  <a:ea typeface="+mn-ea"/>
+                  <a:cs typeface="+mn-cs"/>
+                </a:defRPr>
+              </a:lvl6pPr>
+              <a:lvl7pPr marL="2743200" algn="l" defTabSz="914400" rtl="0" eaLnBrk="1" latinLnBrk="1" hangingPunct="1">
+                <a:defRPr sz="1800" kern="1200">
+                  <a:solidFill>
+                    <a:schemeClr val="tx1"/>
+                  </a:solidFill>
+                  <a:latin typeface="+mn-lt"/>
+                  <a:ea typeface="+mn-ea"/>
+                  <a:cs typeface="+mn-cs"/>
+                </a:defRPr>
+              </a:lvl7pPr>
+              <a:lvl8pPr marL="3200400" algn="l" defTabSz="914400" rtl="0" eaLnBrk="1" latinLnBrk="1" hangingPunct="1">
+                <a:defRPr sz="1800" kern="1200">
+                  <a:solidFill>
+                    <a:schemeClr val="tx1"/>
+                  </a:solidFill>
+                  <a:latin typeface="+mn-lt"/>
+                  <a:ea typeface="+mn-ea"/>
+                  <a:cs typeface="+mn-cs"/>
+                </a:defRPr>
+              </a:lvl8pPr>
+              <a:lvl9pPr marL="3657600" algn="l" defTabSz="914400" rtl="0" eaLnBrk="1" latinLnBrk="1" hangingPunct="1">
+                <a:defRPr sz="1800" kern="1200">
+                  <a:solidFill>
+                    <a:schemeClr val="tx1"/>
+                  </a:solidFill>
+                  <a:latin typeface="+mn-lt"/>
+                  <a:ea typeface="+mn-ea"/>
+                  <a:cs typeface="+mn-cs"/>
+                </a:defRPr>
+              </a:lvl9pPr>
+            </a:lstStyle>
+            <a:p>
+              <a:pPr algn="ctr"/>
+              <a:endParaRPr lang="en-US" altLang="ko-KR" sz="800"/>
+            </a:p>
+          </p:txBody>
+        </p:sp>
+        <p:sp>
+          <p:nvSpPr>
+            <p:cNvPr id="42" name="TextBox 41">
+              <a:extLst>
+                <a:ext uri="{FF2B5EF4-FFF2-40B4-BE49-F238E27FC236}">
+                  <a16:creationId xmlns:a16="http://schemas.microsoft.com/office/drawing/2014/main" id="{84161B6A-8DBB-4670-9920-1AFE9EA200CD}"/>
+                </a:ext>
+              </a:extLst>
+            </p:cNvPr>
+            <p:cNvSpPr txBox="1"/>
+            <p:nvPr/>
+          </p:nvSpPr>
+          <p:spPr>
+            <a:xfrm>
+              <a:off x="3807870" y="2602057"/>
+              <a:ext cx="466794" cy="261610"/>
+            </a:xfrm>
+            <a:prstGeom prst="rect">
+              <a:avLst/>
+            </a:prstGeom>
+            <a:noFill/>
+          </p:spPr>
+          <p:txBody>
+            <a:bodyPr wrap="none" rtlCol="0">
+              <a:spAutoFit/>
+            </a:bodyPr>
+            <a:lstStyle/>
+            <a:p>
+              <a:r>
+                <a:rPr lang="ko-KR" altLang="en-US" sz="1100" dirty="0"/>
+                <a:t>제목</a:t>
+              </a:r>
+            </a:p>
+          </p:txBody>
+        </p:sp>
+      </p:grpSp>
+    </p:spTree>
+    <p:extLst>
+      <p:ext uri="{BB962C8B-B14F-4D97-AF65-F5344CB8AC3E}">
+        <p14:creationId xmlns:p14="http://schemas.microsoft.com/office/powerpoint/2010/main" val="992283164"/>
+      </p:ext>
+    </p:extLst>
+  </p:cSld>
+  <p:clrMapOvr>
+    <a:masterClrMapping/>
+  </p:clrMapOvr>
+</p:sld>
+</file>
+
+<file path=ppt/slides/slide28.xml><?xml version="1.0" encoding="utf-8"?>
+<p:sld xmlns:a="http://schemas.openxmlformats.org/drawingml/2006/main" xmlns:r="http://schemas.openxmlformats.org/officeDocument/2006/relationships" xmlns:p="http://schemas.openxmlformats.org/presentationml/2006/main">
+  <p:cSld>
+    <p:spTree>
+      <p:nvGrpSpPr>
+        <p:cNvPr id="1" name=""/>
+        <p:cNvGrpSpPr/>
+        <p:nvPr/>
+      </p:nvGrpSpPr>
+      <p:grpSpPr>
+        <a:xfrm>
+          <a:off x="0" y="0"/>
+          <a:ext cx="0" cy="0"/>
+          <a:chOff x="0" y="0"/>
+          <a:chExt cx="0" cy="0"/>
+        </a:xfrm>
+      </p:grpSpPr>
+      <p:sp>
+        <p:nvSpPr>
+          <p:cNvPr id="2" name="직사각형 1">
+            <a:extLst>
+              <a:ext uri="{FF2B5EF4-FFF2-40B4-BE49-F238E27FC236}">
+                <a16:creationId xmlns:a16="http://schemas.microsoft.com/office/drawing/2014/main" id="{8E5B996D-DF87-49E5-95D1-45B1EEB9EE9A}"/>
+              </a:ext>
+            </a:extLst>
+          </p:cNvPr>
+          <p:cNvSpPr/>
+          <p:nvPr/>
+        </p:nvSpPr>
+        <p:spPr>
+          <a:xfrm>
+            <a:off x="0" y="0"/>
+            <a:ext cx="12192000" cy="108000"/>
+          </a:xfrm>
+          <a:prstGeom prst="rect">
+            <a:avLst/>
+          </a:prstGeom>
+          <a:solidFill>
+            <a:srgbClr val="FFD8D9"/>
+          </a:solidFill>
+          <a:ln>
+            <a:noFill/>
+          </a:ln>
+        </p:spPr>
+        <p:style>
+          <a:lnRef idx="2">
+            <a:schemeClr val="accent1">
+              <a:shade val="50000"/>
+            </a:schemeClr>
+          </a:lnRef>
+          <a:fillRef idx="1">
+            <a:schemeClr val="accent1"/>
+          </a:fillRef>
+          <a:effectRef idx="0">
+            <a:schemeClr val="accent1"/>
+          </a:effectRef>
+          <a:fontRef idx="minor">
+            <a:schemeClr val="lt1"/>
+          </a:fontRef>
+        </p:style>
+        <p:txBody>
+          <a:bodyPr rtlCol="0" anchor="ctr"/>
+          <a:lstStyle/>
+          <a:p>
+            <a:pPr algn="ctr"/>
+            <a:endParaRPr lang="ko-KR" altLang="en-US"/>
+          </a:p>
+        </p:txBody>
+      </p:sp>
+      <p:sp>
+        <p:nvSpPr>
+          <p:cNvPr id="4" name="직사각형 3">
+            <a:extLst>
+              <a:ext uri="{FF2B5EF4-FFF2-40B4-BE49-F238E27FC236}">
+                <a16:creationId xmlns:a16="http://schemas.microsoft.com/office/drawing/2014/main" id="{080CEE4E-4BCA-42C3-BECA-9BCEB9931EEA}"/>
+              </a:ext>
+            </a:extLst>
+          </p:cNvPr>
+          <p:cNvSpPr/>
+          <p:nvPr/>
+        </p:nvSpPr>
+        <p:spPr>
+          <a:xfrm>
+            <a:off x="0" y="6750000"/>
+            <a:ext cx="12192000" cy="108000"/>
+          </a:xfrm>
+          <a:prstGeom prst="rect">
+            <a:avLst/>
+          </a:prstGeom>
+          <a:solidFill>
+            <a:srgbClr val="FFD8D9"/>
+          </a:solidFill>
+          <a:ln>
+            <a:noFill/>
+          </a:ln>
+        </p:spPr>
+        <p:style>
+          <a:lnRef idx="2">
+            <a:schemeClr val="accent1">
+              <a:shade val="50000"/>
+            </a:schemeClr>
+          </a:lnRef>
+          <a:fillRef idx="1">
+            <a:schemeClr val="accent1"/>
+          </a:fillRef>
+          <a:effectRef idx="0">
+            <a:schemeClr val="accent1"/>
+          </a:effectRef>
+          <a:fontRef idx="minor">
+            <a:schemeClr val="lt1"/>
+          </a:fontRef>
+        </p:style>
+        <p:txBody>
+          <a:bodyPr rtlCol="0" anchor="ctr"/>
+          <a:lstStyle/>
+          <a:p>
+            <a:pPr algn="ctr"/>
+            <a:endParaRPr lang="ko-KR" altLang="en-US"/>
+          </a:p>
+        </p:txBody>
+      </p:sp>
+      <p:sp>
+        <p:nvSpPr>
+          <p:cNvPr id="5" name="TextBox 4">
+            <a:extLst>
+              <a:ext uri="{FF2B5EF4-FFF2-40B4-BE49-F238E27FC236}">
+                <a16:creationId xmlns:a16="http://schemas.microsoft.com/office/drawing/2014/main" id="{D12B0B12-AB99-4F88-B4B2-948DADC833EA}"/>
+              </a:ext>
+            </a:extLst>
+          </p:cNvPr>
+          <p:cNvSpPr txBox="1"/>
+          <p:nvPr/>
+        </p:nvSpPr>
+        <p:spPr>
+          <a:xfrm>
+            <a:off x="844736" y="93113"/>
+            <a:ext cx="2716321" cy="769441"/>
+          </a:xfrm>
+          <a:prstGeom prst="rect">
+            <a:avLst/>
+          </a:prstGeom>
+          <a:noFill/>
+        </p:spPr>
+        <p:txBody>
+          <a:bodyPr wrap="none" rtlCol="0">
+            <a:spAutoFit/>
+          </a:bodyPr>
+          <a:lstStyle/>
+          <a:p>
+            <a:r>
+              <a:rPr kumimoji="1" lang="en-US" altLang="ja-JP" sz="4400" b="1" spc="-150" dirty="0">
+                <a:solidFill>
+                  <a:srgbClr val="FFCD2F"/>
+                </a:solidFill>
+                <a:effectLst>
+                  <a:outerShdw blurRad="38100" dist="38100" dir="2700000" algn="tl">
+                    <a:srgbClr val="000000">
+                      <a:alpha val="43137"/>
+                    </a:srgbClr>
+                  </a:outerShdw>
+                </a:effectLst>
+                <a:latin typeface="Calibri" panose="020F0502020204030204" pitchFamily="34" charset="0"/>
+                <a:cs typeface="Calibri" panose="020F0502020204030204" pitchFamily="34" charset="0"/>
+              </a:rPr>
+              <a:t>W</a:t>
+            </a:r>
+            <a:r>
+              <a:rPr kumimoji="1" lang="en-US" altLang="ja-JP" sz="4400" b="1" spc="-150" dirty="0">
+                <a:solidFill>
+                  <a:schemeClr val="accent1">
+                    <a:lumMod val="75000"/>
+                  </a:schemeClr>
+                </a:solidFill>
+                <a:effectLst>
+                  <a:outerShdw blurRad="38100" dist="38100" dir="2700000" algn="tl">
+                    <a:srgbClr val="000000">
+                      <a:alpha val="43137"/>
+                    </a:srgbClr>
+                  </a:outerShdw>
+                </a:effectLst>
+                <a:latin typeface="Calibri" panose="020F0502020204030204" pitchFamily="34" charset="0"/>
+                <a:cs typeface="Calibri" panose="020F0502020204030204" pitchFamily="34" charset="0"/>
+              </a:rPr>
+              <a:t>ire </a:t>
+            </a:r>
+            <a:r>
+              <a:rPr kumimoji="1" lang="en-US" altLang="ja-JP" sz="4400" b="1" spc="-150" dirty="0">
+                <a:solidFill>
+                  <a:srgbClr val="FFCD2F"/>
+                </a:solidFill>
+                <a:effectLst>
+                  <a:outerShdw blurRad="38100" dist="38100" dir="2700000" algn="tl">
+                    <a:srgbClr val="000000">
+                      <a:alpha val="43137"/>
+                    </a:srgbClr>
+                  </a:outerShdw>
+                </a:effectLst>
+                <a:latin typeface="Calibri" panose="020F0502020204030204" pitchFamily="34" charset="0"/>
+                <a:cs typeface="Calibri" panose="020F0502020204030204" pitchFamily="34" charset="0"/>
+              </a:rPr>
+              <a:t>F</a:t>
+            </a:r>
+            <a:r>
+              <a:rPr kumimoji="1" lang="en-US" altLang="ja-JP" sz="4400" b="1" spc="-150" dirty="0">
+                <a:solidFill>
+                  <a:schemeClr val="accent1">
+                    <a:lumMod val="75000"/>
+                  </a:schemeClr>
+                </a:solidFill>
+                <a:effectLst>
+                  <a:outerShdw blurRad="38100" dist="38100" dir="2700000" algn="tl">
+                    <a:srgbClr val="000000">
+                      <a:alpha val="43137"/>
+                    </a:srgbClr>
+                  </a:outerShdw>
+                </a:effectLst>
+                <a:latin typeface="Calibri" panose="020F0502020204030204" pitchFamily="34" charset="0"/>
+                <a:cs typeface="Calibri" panose="020F0502020204030204" pitchFamily="34" charset="0"/>
+              </a:rPr>
+              <a:t>rame</a:t>
+            </a:r>
+            <a:endParaRPr kumimoji="1" lang="ja-JP" altLang="en-US" sz="4400" b="1" spc="-150" dirty="0">
+              <a:solidFill>
+                <a:schemeClr val="accent1">
+                  <a:lumMod val="75000"/>
+                </a:schemeClr>
+              </a:solidFill>
+              <a:effectLst>
+                <a:outerShdw blurRad="38100" dist="38100" dir="2700000" algn="tl">
+                  <a:srgbClr val="000000">
+                    <a:alpha val="43137"/>
+                  </a:srgbClr>
+                </a:outerShdw>
+              </a:effectLst>
+              <a:latin typeface="Calibri" panose="020F0502020204030204" pitchFamily="34" charset="0"/>
+              <a:cs typeface="Calibri" panose="020F0502020204030204" pitchFamily="34" charset="0"/>
+            </a:endParaRPr>
+          </a:p>
+        </p:txBody>
+      </p:sp>
+      <p:pic>
+        <p:nvPicPr>
+          <p:cNvPr id="9" name="그림 8">
+            <a:extLst>
+              <a:ext uri="{FF2B5EF4-FFF2-40B4-BE49-F238E27FC236}">
+                <a16:creationId xmlns:a16="http://schemas.microsoft.com/office/drawing/2014/main" id="{0F0992E8-2696-42E6-805A-0C12780D8FA1}"/>
+              </a:ext>
+            </a:extLst>
+          </p:cNvPr>
+          <p:cNvPicPr>
+            <a:picLocks noChangeAspect="1"/>
+          </p:cNvPicPr>
+          <p:nvPr/>
+        </p:nvPicPr>
+        <p:blipFill>
+          <a:blip r:embed="rId3" cstate="print">
+            <a:extLst>
+              <a:ext uri="{28A0092B-C50C-407E-A947-70E740481C1C}">
+                <a14:useLocalDpi xmlns:a14="http://schemas.microsoft.com/office/drawing/2010/main" val="0"/>
+              </a:ext>
+            </a:extLst>
+          </a:blip>
+          <a:stretch>
+            <a:fillRect/>
+          </a:stretch>
+        </p:blipFill>
+        <p:spPr>
+          <a:xfrm>
+            <a:off x="124734" y="117832"/>
+            <a:ext cx="720000" cy="720000"/>
+          </a:xfrm>
+          <a:prstGeom prst="rect">
+            <a:avLst/>
+          </a:prstGeom>
+        </p:spPr>
+      </p:pic>
+      <p:sp>
+        <p:nvSpPr>
+          <p:cNvPr id="7" name="Window Body" descr="&lt;SmartSettings&gt;&lt;SmartResize anchorLeft=&quot;Absolute&quot; anchorTop=&quot;Absolute&quot; anchorRight=&quot;Absolute&quot; anchorBottom=&quot;Absolute&quot; /&gt;&lt;/SmartSettings&gt;"/>
+          <p:cNvSpPr/>
+          <p:nvPr>
+            <p:custDataLst>
+              <p:tags r:id="rId1"/>
+            </p:custDataLst>
+          </p:nvPr>
+        </p:nvSpPr>
+        <p:spPr>
+          <a:xfrm>
+            <a:off x="1381686" y="1627790"/>
+            <a:ext cx="9428628" cy="4819419"/>
+          </a:xfrm>
+          <a:prstGeom prst="rect">
+            <a:avLst/>
+          </a:prstGeom>
+          <a:ln/>
+        </p:spPr>
+        <p:style>
+          <a:lnRef idx="2">
+            <a:schemeClr val="dk1"/>
+          </a:lnRef>
+          <a:fillRef idx="1">
+            <a:schemeClr val="lt1"/>
+          </a:fillRef>
+          <a:effectRef idx="0">
+            <a:schemeClr val="dk1"/>
+          </a:effectRef>
+          <a:fontRef idx="minor">
+            <a:schemeClr val="dk1"/>
+          </a:fontRef>
+        </p:style>
+        <p:txBody>
+          <a:bodyPr rot="0" spcFirstLastPara="0" vert="horz" wrap="square" lIns="91440" tIns="45720" rIns="91440" bIns="45720" numCol="1" spcCol="0" rtlCol="0" fromWordArt="0" anchor="ctr" anchorCtr="0" forceAA="0" compatLnSpc="1">
+            <a:prstTxWarp prst="textNoShape">
+              <a:avLst/>
+            </a:prstTxWarp>
+            <a:noAutofit/>
+          </a:bodyPr>
+          <a:lstStyle>
+            <a:defPPr>
+              <a:defRPr lang="en-US"/>
+            </a:defPPr>
+            <a:lvl1pPr marL="0" algn="l" defTabSz="914400" rtl="0" eaLnBrk="1" latinLnBrk="0" hangingPunct="1">
+              <a:defRPr sz="1800" kern="1200">
+                <a:solidFill>
+                  <a:schemeClr val="lt1"/>
+                </a:solidFill>
+                <a:latin typeface="+mn-lt"/>
+                <a:ea typeface="+mn-ea"/>
+                <a:cs typeface="+mn-cs"/>
+              </a:defRPr>
+            </a:lvl1pPr>
+            <a:lvl2pPr marL="457200" algn="l" defTabSz="914400" rtl="0" eaLnBrk="1" latinLnBrk="0" hangingPunct="1">
+              <a:defRPr sz="1800" kern="1200">
+                <a:solidFill>
+                  <a:schemeClr val="lt1"/>
+                </a:solidFill>
+                <a:latin typeface="+mn-lt"/>
+                <a:ea typeface="+mn-ea"/>
+                <a:cs typeface="+mn-cs"/>
+              </a:defRPr>
+            </a:lvl2pPr>
+            <a:lvl3pPr marL="914400" algn="l" defTabSz="914400" rtl="0" eaLnBrk="1" latinLnBrk="0" hangingPunct="1">
+              <a:defRPr sz="1800" kern="1200">
+                <a:solidFill>
+                  <a:schemeClr val="lt1"/>
+                </a:solidFill>
+                <a:latin typeface="+mn-lt"/>
+                <a:ea typeface="+mn-ea"/>
+                <a:cs typeface="+mn-cs"/>
+              </a:defRPr>
+            </a:lvl3pPr>
+            <a:lvl4pPr marL="1371600" algn="l" defTabSz="914400" rtl="0" eaLnBrk="1" latinLnBrk="0" hangingPunct="1">
+              <a:defRPr sz="1800" kern="1200">
+                <a:solidFill>
+                  <a:schemeClr val="lt1"/>
+                </a:solidFill>
+                <a:latin typeface="+mn-lt"/>
+                <a:ea typeface="+mn-ea"/>
+                <a:cs typeface="+mn-cs"/>
+              </a:defRPr>
+            </a:lvl4pPr>
+            <a:lvl5pPr marL="1828800" algn="l" defTabSz="914400" rtl="0" eaLnBrk="1" latinLnBrk="0" hangingPunct="1">
+              <a:defRPr sz="1800" kern="1200">
+                <a:solidFill>
+                  <a:schemeClr val="lt1"/>
+                </a:solidFill>
+                <a:latin typeface="+mn-lt"/>
+                <a:ea typeface="+mn-ea"/>
+                <a:cs typeface="+mn-cs"/>
+              </a:defRPr>
+            </a:lvl5pPr>
+            <a:lvl6pPr marL="2286000" algn="l" defTabSz="914400" rtl="0" eaLnBrk="1" latinLnBrk="0" hangingPunct="1">
+              <a:defRPr sz="1800" kern="1200">
+                <a:solidFill>
+                  <a:schemeClr val="lt1"/>
+                </a:solidFill>
+                <a:latin typeface="+mn-lt"/>
+                <a:ea typeface="+mn-ea"/>
+                <a:cs typeface="+mn-cs"/>
+              </a:defRPr>
+            </a:lvl6pPr>
+            <a:lvl7pPr marL="2743200" algn="l" defTabSz="914400" rtl="0" eaLnBrk="1" latinLnBrk="0" hangingPunct="1">
+              <a:defRPr sz="1800" kern="1200">
+                <a:solidFill>
+                  <a:schemeClr val="lt1"/>
+                </a:solidFill>
+                <a:latin typeface="+mn-lt"/>
+                <a:ea typeface="+mn-ea"/>
+                <a:cs typeface="+mn-cs"/>
+              </a:defRPr>
+            </a:lvl7pPr>
+            <a:lvl8pPr marL="3200400" algn="l" defTabSz="914400" rtl="0" eaLnBrk="1" latinLnBrk="0" hangingPunct="1">
+              <a:defRPr sz="1800" kern="1200">
+                <a:solidFill>
+                  <a:schemeClr val="lt1"/>
+                </a:solidFill>
+                <a:latin typeface="+mn-lt"/>
+                <a:ea typeface="+mn-ea"/>
+                <a:cs typeface="+mn-cs"/>
+              </a:defRPr>
+            </a:lvl8pPr>
+            <a:lvl9pPr marL="3657600" algn="l" defTabSz="914400" rtl="0" eaLnBrk="1" latinLnBrk="0" hangingPunct="1">
+              <a:defRPr sz="1800" kern="1200">
+                <a:solidFill>
+                  <a:schemeClr val="lt1"/>
+                </a:solidFill>
+                <a:latin typeface="+mn-lt"/>
+                <a:ea typeface="+mn-ea"/>
+                <a:cs typeface="+mn-cs"/>
+              </a:defRPr>
+            </a:lvl9pPr>
+          </a:lstStyle>
+          <a:p>
+            <a:pPr algn="ctr"/>
+            <a:endParaRPr lang="en-US" sz="900" dirty="0">
+              <a:solidFill>
+                <a:srgbClr val="5F5F5F"/>
+              </a:solidFill>
+              <a:latin typeface="Segoe UI" panose="020B0502040204020203" pitchFamily="34" charset="0"/>
+              <a:cs typeface="Segoe UI" panose="020B0502040204020203" pitchFamily="34" charset="0"/>
+            </a:endParaRPr>
+          </a:p>
+        </p:txBody>
+      </p:sp>
+      <p:sp>
+        <p:nvSpPr>
+          <p:cNvPr id="3" name="TextBox 2"/>
+          <p:cNvSpPr txBox="1"/>
+          <p:nvPr/>
+        </p:nvSpPr>
+        <p:spPr>
+          <a:xfrm>
+            <a:off x="844734" y="955667"/>
+            <a:ext cx="4405373" cy="369332"/>
+          </a:xfrm>
+          <a:prstGeom prst="rect">
+            <a:avLst/>
+          </a:prstGeom>
+          <a:noFill/>
+        </p:spPr>
+        <p:txBody>
+          <a:bodyPr wrap="none" rtlCol="0">
+            <a:spAutoFit/>
+          </a:bodyPr>
+          <a:lstStyle/>
+          <a:p>
+            <a:r>
+              <a:rPr lang="ko-KR" altLang="en-US" dirty="0"/>
+              <a:t>관리자 </a:t>
+            </a:r>
+            <a:r>
+              <a:rPr lang="en-US" altLang="ko-KR" dirty="0"/>
+              <a:t>– </a:t>
+            </a:r>
+            <a:r>
+              <a:rPr lang="ko-KR" altLang="en-US" dirty="0"/>
+              <a:t>반려동물 프로그램 신청자 관리</a:t>
+            </a:r>
+          </a:p>
+        </p:txBody>
+      </p:sp>
+      <p:cxnSp>
+        <p:nvCxnSpPr>
+          <p:cNvPr id="8" name="직선 연결선 7">
+            <a:extLst>
+              <a:ext uri="{FF2B5EF4-FFF2-40B4-BE49-F238E27FC236}">
+                <a16:creationId xmlns:a16="http://schemas.microsoft.com/office/drawing/2014/main" id="{A723CFAC-181E-4ABB-8790-FEC42B087A83}"/>
+              </a:ext>
+            </a:extLst>
+          </p:cNvPr>
+          <p:cNvCxnSpPr/>
+          <p:nvPr/>
+        </p:nvCxnSpPr>
+        <p:spPr>
+          <a:xfrm>
+            <a:off x="1381686" y="2011290"/>
+            <a:ext cx="9428628" cy="0"/>
+          </a:xfrm>
+          <a:prstGeom prst="line">
+            <a:avLst/>
+          </a:prstGeom>
+        </p:spPr>
+        <p:style>
+          <a:lnRef idx="1">
+            <a:schemeClr val="dk1"/>
+          </a:lnRef>
+          <a:fillRef idx="0">
+            <a:schemeClr val="dk1"/>
+          </a:fillRef>
+          <a:effectRef idx="0">
+            <a:schemeClr val="dk1"/>
+          </a:effectRef>
+          <a:fontRef idx="minor">
+            <a:schemeClr val="tx1"/>
+          </a:fontRef>
+        </p:style>
+      </p:cxnSp>
+      <p:pic>
+        <p:nvPicPr>
+          <p:cNvPr id="10" name="Picture 2" descr="C:\Users\507-09\Downloads\제목을 입력해주세요._1.png"/>
+          <p:cNvPicPr>
+            <a:picLocks noChangeAspect="1" noChangeArrowheads="1"/>
+          </p:cNvPicPr>
+          <p:nvPr/>
+        </p:nvPicPr>
+        <p:blipFill rotWithShape="1">
+          <a:blip r:embed="rId4" cstate="print">
+            <a:extLst>
+              <a:ext uri="{28A0092B-C50C-407E-A947-70E740481C1C}">
+                <a14:useLocalDpi xmlns:a14="http://schemas.microsoft.com/office/drawing/2010/main" val="0"/>
+              </a:ext>
+            </a:extLst>
+          </a:blip>
+          <a:srcRect l="20378" r="20844"/>
+          <a:stretch/>
+        </p:blipFill>
+        <p:spPr bwMode="auto">
+          <a:xfrm>
+            <a:off x="1415554" y="1655554"/>
+            <a:ext cx="1057991" cy="324000"/>
+          </a:xfrm>
+          <a:prstGeom prst="rect">
+            <a:avLst/>
+          </a:prstGeom>
+          <a:noFill/>
+          <a:extLst>
+            <a:ext uri="{909E8E84-426E-40DD-AFC4-6F175D3DCCD1}">
+              <a14:hiddenFill xmlns:a14="http://schemas.microsoft.com/office/drawing/2010/main">
+                <a:solidFill>
+                  <a:srgbClr val="FFFFFF"/>
+                </a:solidFill>
+              </a14:hiddenFill>
+            </a:ext>
+          </a:extLst>
+        </p:spPr>
+      </p:pic>
+      <p:sp>
+        <p:nvSpPr>
+          <p:cNvPr id="22" name="TextBox 21"/>
+          <p:cNvSpPr txBox="1"/>
+          <p:nvPr/>
+        </p:nvSpPr>
+        <p:spPr>
+          <a:xfrm>
+            <a:off x="2802467" y="1653191"/>
+            <a:ext cx="1005403" cy="338554"/>
+          </a:xfrm>
+          <a:prstGeom prst="rect">
+            <a:avLst/>
+          </a:prstGeom>
+          <a:noFill/>
+        </p:spPr>
+        <p:txBody>
+          <a:bodyPr wrap="none" rtlCol="0">
+            <a:spAutoFit/>
+          </a:bodyPr>
+          <a:lstStyle/>
+          <a:p>
+            <a:r>
+              <a:rPr lang="ko-KR" altLang="en-US" sz="1600" dirty="0"/>
+              <a:t>회원관리</a:t>
+            </a:r>
+          </a:p>
+        </p:txBody>
+      </p:sp>
+      <p:sp>
+        <p:nvSpPr>
+          <p:cNvPr id="23" name="TextBox 22"/>
+          <p:cNvSpPr txBox="1"/>
+          <p:nvPr/>
+        </p:nvSpPr>
+        <p:spPr>
+          <a:xfrm>
+            <a:off x="3973059" y="1653191"/>
+            <a:ext cx="1005403" cy="338554"/>
+          </a:xfrm>
+          <a:prstGeom prst="rect">
+            <a:avLst/>
+          </a:prstGeom>
+          <a:noFill/>
+        </p:spPr>
+        <p:txBody>
+          <a:bodyPr wrap="none" rtlCol="0">
+            <a:spAutoFit/>
+          </a:bodyPr>
+          <a:lstStyle/>
+          <a:p>
+            <a:r>
+              <a:rPr lang="ko-KR" altLang="en-US" sz="1600" dirty="0"/>
+              <a:t>공지사항</a:t>
+            </a:r>
+          </a:p>
+        </p:txBody>
+      </p:sp>
+      <p:sp>
+        <p:nvSpPr>
+          <p:cNvPr id="24" name="TextBox 23"/>
+          <p:cNvSpPr txBox="1"/>
+          <p:nvPr/>
+        </p:nvSpPr>
+        <p:spPr>
+          <a:xfrm>
+            <a:off x="5143651" y="1653191"/>
+            <a:ext cx="1853960" cy="338554"/>
+          </a:xfrm>
+          <a:prstGeom prst="rect">
+            <a:avLst/>
+          </a:prstGeom>
+          <a:noFill/>
+        </p:spPr>
+        <p:txBody>
+          <a:bodyPr wrap="square" rtlCol="0">
+            <a:spAutoFit/>
+          </a:bodyPr>
+          <a:lstStyle/>
+          <a:p>
+            <a:r>
+              <a:rPr lang="ko-KR" altLang="en-US" sz="1600" dirty="0"/>
+              <a:t>반려동물프로그램</a:t>
+            </a:r>
+          </a:p>
+        </p:txBody>
+      </p:sp>
+      <p:sp>
+        <p:nvSpPr>
+          <p:cNvPr id="25" name="TextBox 24"/>
+          <p:cNvSpPr txBox="1"/>
+          <p:nvPr/>
+        </p:nvSpPr>
+        <p:spPr>
+          <a:xfrm>
+            <a:off x="7162800" y="1653191"/>
+            <a:ext cx="1826141" cy="338554"/>
+          </a:xfrm>
+          <a:prstGeom prst="rect">
+            <a:avLst/>
+          </a:prstGeom>
+          <a:noFill/>
+        </p:spPr>
+        <p:txBody>
+          <a:bodyPr wrap="none" rtlCol="0">
+            <a:spAutoFit/>
+          </a:bodyPr>
+          <a:lstStyle/>
+          <a:p>
+            <a:r>
+              <a:rPr lang="ko-KR" altLang="en-US" sz="1600" dirty="0"/>
+              <a:t>장거리이동서비스</a:t>
+            </a:r>
+          </a:p>
+        </p:txBody>
+      </p:sp>
+      <p:cxnSp>
+        <p:nvCxnSpPr>
+          <p:cNvPr id="30" name="직선 연결선 29"/>
+          <p:cNvCxnSpPr/>
+          <p:nvPr/>
+        </p:nvCxnSpPr>
+        <p:spPr>
+          <a:xfrm>
+            <a:off x="1583268" y="2738907"/>
+            <a:ext cx="1371600" cy="0"/>
+          </a:xfrm>
+          <a:prstGeom prst="line">
+            <a:avLst/>
+          </a:prstGeom>
+          <a:ln w="12700"/>
+        </p:spPr>
+        <p:style>
+          <a:lnRef idx="1">
+            <a:schemeClr val="accent3"/>
+          </a:lnRef>
+          <a:fillRef idx="0">
+            <a:schemeClr val="accent3"/>
+          </a:fillRef>
+          <a:effectRef idx="0">
+            <a:schemeClr val="accent3"/>
+          </a:effectRef>
+          <a:fontRef idx="minor">
+            <a:schemeClr val="tx1"/>
+          </a:fontRef>
+        </p:style>
+      </p:cxnSp>
+      <p:sp>
+        <p:nvSpPr>
+          <p:cNvPr id="31" name="TextBox 30"/>
+          <p:cNvSpPr txBox="1"/>
+          <p:nvPr/>
+        </p:nvSpPr>
+        <p:spPr>
+          <a:xfrm>
+            <a:off x="1591735" y="2209797"/>
+            <a:ext cx="1343638" cy="261610"/>
+          </a:xfrm>
+          <a:prstGeom prst="rect">
+            <a:avLst/>
+          </a:prstGeom>
+          <a:noFill/>
+        </p:spPr>
+        <p:txBody>
+          <a:bodyPr wrap="none" rtlCol="0">
+            <a:spAutoFit/>
+          </a:bodyPr>
+          <a:lstStyle/>
+          <a:p>
+            <a:r>
+              <a:rPr lang="en-US" altLang="ko-KR" sz="1100" dirty="0"/>
+              <a:t>Logged by </a:t>
+            </a:r>
+            <a:r>
+              <a:rPr lang="ko-KR" altLang="en-US" sz="1100" dirty="0"/>
+              <a:t>관리자</a:t>
+            </a:r>
+          </a:p>
+        </p:txBody>
+      </p:sp>
+      <p:sp>
+        <p:nvSpPr>
+          <p:cNvPr id="33" name="직사각형 32"/>
+          <p:cNvSpPr/>
+          <p:nvPr/>
+        </p:nvSpPr>
+        <p:spPr>
+          <a:xfrm>
+            <a:off x="1944549" y="2471407"/>
+            <a:ext cx="635000" cy="186267"/>
+          </a:xfrm>
+          <a:prstGeom prst="rect">
+            <a:avLst/>
+          </a:prstGeom>
+          <a:ln w="6350"/>
+        </p:spPr>
+        <p:style>
+          <a:lnRef idx="2">
+            <a:schemeClr val="accent3">
+              <a:shade val="50000"/>
+            </a:schemeClr>
+          </a:lnRef>
+          <a:fillRef idx="1">
+            <a:schemeClr val="accent3"/>
+          </a:fillRef>
+          <a:effectRef idx="0">
+            <a:schemeClr val="accent3"/>
+          </a:effectRef>
+          <a:fontRef idx="minor">
+            <a:schemeClr val="lt1"/>
+          </a:fontRef>
+        </p:style>
+        <p:txBody>
+          <a:bodyPr rtlCol="0" anchor="ctr"/>
+          <a:lstStyle/>
+          <a:p>
+            <a:pPr algn="ctr"/>
+            <a:r>
+              <a:rPr lang="en-US" altLang="ko-KR" sz="1000" dirty="0"/>
+              <a:t>logout</a:t>
+            </a:r>
+            <a:endParaRPr lang="ko-KR" altLang="en-US" sz="1000" dirty="0"/>
+          </a:p>
+        </p:txBody>
+      </p:sp>
+      <p:cxnSp>
+        <p:nvCxnSpPr>
+          <p:cNvPr id="11" name="직선 연결선 10"/>
+          <p:cNvCxnSpPr/>
+          <p:nvPr/>
+        </p:nvCxnSpPr>
+        <p:spPr>
+          <a:xfrm>
+            <a:off x="5143651" y="2000275"/>
+            <a:ext cx="1853960" cy="0"/>
+          </a:xfrm>
+          <a:prstGeom prst="line">
+            <a:avLst/>
+          </a:prstGeom>
+          <a:ln w="38100"/>
+        </p:spPr>
+        <p:style>
+          <a:lnRef idx="1">
+            <a:schemeClr val="accent2"/>
+          </a:lnRef>
+          <a:fillRef idx="0">
+            <a:schemeClr val="accent2"/>
+          </a:fillRef>
+          <a:effectRef idx="0">
+            <a:schemeClr val="accent2"/>
+          </a:effectRef>
+          <a:fontRef idx="minor">
+            <a:schemeClr val="tx1"/>
+          </a:fontRef>
+        </p:style>
+      </p:cxnSp>
+      <p:graphicFrame>
+        <p:nvGraphicFramePr>
+          <p:cNvPr id="21" name="표 20">
+            <a:extLst>
+              <a:ext uri="{FF2B5EF4-FFF2-40B4-BE49-F238E27FC236}">
+                <a16:creationId xmlns:a16="http://schemas.microsoft.com/office/drawing/2014/main" id="{D400EE1E-20CB-49CF-A07A-49693EC0F224}"/>
+              </a:ext>
+            </a:extLst>
+          </p:cNvPr>
+          <p:cNvGraphicFramePr>
+            <a:graphicFrameLocks noGrp="1"/>
+          </p:cNvGraphicFramePr>
+          <p:nvPr/>
+        </p:nvGraphicFramePr>
+        <p:xfrm>
+          <a:off x="1583268" y="2747374"/>
+          <a:ext cx="1363133" cy="1112520"/>
+        </p:xfrm>
+        <a:graphic>
+          <a:graphicData uri="http://schemas.openxmlformats.org/drawingml/2006/table">
+            <a:tbl>
+              <a:tblPr firstRow="1" bandRow="1">
+                <a:tableStyleId>{F2DE63D5-997A-4646-A377-4702673A728D}</a:tableStyleId>
+              </a:tblPr>
+              <a:tblGrid>
+                <a:gridCol w="1363133">
+                  <a:extLst>
+                    <a:ext uri="{9D8B030D-6E8A-4147-A177-3AD203B41FA5}">
+                      <a16:colId xmlns:a16="http://schemas.microsoft.com/office/drawing/2014/main" val="20000"/>
+                    </a:ext>
+                  </a:extLst>
+                </a:gridCol>
+              </a:tblGrid>
+              <a:tr h="370840">
+                <a:tc>
+                  <a:txBody>
+                    <a:bodyPr/>
+                    <a:lstStyle/>
+                    <a:p>
+                      <a:pPr algn="ctr" latinLnBrk="1"/>
+                      <a:r>
+                        <a:rPr lang="ko-KR" altLang="en-US" sz="1100" dirty="0"/>
+                        <a:t>반려동물프로그램</a:t>
+                      </a:r>
+                      <a:endParaRPr lang="ko-KR" altLang="en-US" sz="1400" dirty="0"/>
+                    </a:p>
+                  </a:txBody>
+                  <a:tcPr anchor="ctr"/>
+                </a:tc>
+                <a:extLst>
+                  <a:ext uri="{0D108BD9-81ED-4DB2-BD59-A6C34878D82A}">
+                    <a16:rowId xmlns:a16="http://schemas.microsoft.com/office/drawing/2014/main" val="10000"/>
+                  </a:ext>
+                </a:extLst>
+              </a:tr>
+              <a:tr h="370840">
+                <a:tc>
+                  <a:txBody>
+                    <a:bodyPr/>
+                    <a:lstStyle/>
+                    <a:p>
+                      <a:pPr algn="ctr" latinLnBrk="1"/>
+                      <a:r>
+                        <a:rPr lang="ko-KR" altLang="en-US" sz="1400" dirty="0"/>
+                        <a:t>프로그램관리</a:t>
+                      </a:r>
+                    </a:p>
+                  </a:txBody>
+                  <a:tcPr anchor="ctr"/>
+                </a:tc>
+                <a:extLst>
+                  <a:ext uri="{0D108BD9-81ED-4DB2-BD59-A6C34878D82A}">
+                    <a16:rowId xmlns:a16="http://schemas.microsoft.com/office/drawing/2014/main" val="10001"/>
+                  </a:ext>
+                </a:extLst>
+              </a:tr>
+              <a:tr h="370840">
+                <a:tc>
+                  <a:txBody>
+                    <a:bodyPr/>
+                    <a:lstStyle/>
+                    <a:p>
+                      <a:pPr algn="ctr" latinLnBrk="1"/>
+                      <a:r>
+                        <a:rPr lang="ko-KR" altLang="en-US" sz="1400" dirty="0"/>
+                        <a:t>신청관리</a:t>
+                      </a:r>
+                    </a:p>
+                  </a:txBody>
+                  <a:tcPr anchor="ctr"/>
+                </a:tc>
+                <a:extLst>
+                  <a:ext uri="{0D108BD9-81ED-4DB2-BD59-A6C34878D82A}">
+                    <a16:rowId xmlns:a16="http://schemas.microsoft.com/office/drawing/2014/main" val="10002"/>
+                  </a:ext>
+                </a:extLst>
+              </a:tr>
+            </a:tbl>
+          </a:graphicData>
+        </a:graphic>
+      </p:graphicFrame>
+      <p:sp>
+        <p:nvSpPr>
+          <p:cNvPr id="26" name="직사각형 25"/>
+          <p:cNvSpPr/>
+          <p:nvPr/>
+        </p:nvSpPr>
+        <p:spPr>
+          <a:xfrm>
+            <a:off x="1583268" y="2175932"/>
+            <a:ext cx="1371600" cy="4123267"/>
+          </a:xfrm>
+          <a:prstGeom prst="rect">
+            <a:avLst/>
+          </a:prstGeom>
+          <a:noFill/>
+        </p:spPr>
+        <p:style>
+          <a:lnRef idx="2">
+            <a:schemeClr val="dk1"/>
+          </a:lnRef>
+          <a:fillRef idx="1">
+            <a:schemeClr val="lt1"/>
+          </a:fillRef>
+          <a:effectRef idx="0">
+            <a:schemeClr val="dk1"/>
+          </a:effectRef>
+          <a:fontRef idx="minor">
+            <a:schemeClr val="dk1"/>
+          </a:fontRef>
+        </p:style>
+        <p:txBody>
+          <a:bodyPr rtlCol="0" anchor="ctr"/>
+          <a:lstStyle/>
+          <a:p>
+            <a:pPr algn="ctr"/>
+            <a:endParaRPr lang="ko-KR" altLang="en-US"/>
+          </a:p>
+        </p:txBody>
+      </p:sp>
+      <p:sp>
+        <p:nvSpPr>
+          <p:cNvPr id="29" name="직사각형 28">
+            <a:extLst>
+              <a:ext uri="{FF2B5EF4-FFF2-40B4-BE49-F238E27FC236}">
+                <a16:creationId xmlns:a16="http://schemas.microsoft.com/office/drawing/2014/main" id="{89CCCC6E-5C93-4F9D-85A2-DDC8E9101F68}"/>
+              </a:ext>
+            </a:extLst>
+          </p:cNvPr>
+          <p:cNvSpPr/>
+          <p:nvPr/>
+        </p:nvSpPr>
+        <p:spPr>
+          <a:xfrm>
+            <a:off x="3132522" y="2175932"/>
+            <a:ext cx="7450666" cy="4123268"/>
+          </a:xfrm>
+          <a:prstGeom prst="rect">
+            <a:avLst/>
+          </a:prstGeom>
+          <a:noFill/>
+        </p:spPr>
+        <p:style>
+          <a:lnRef idx="2">
+            <a:schemeClr val="dk1"/>
+          </a:lnRef>
+          <a:fillRef idx="1">
+            <a:schemeClr val="lt1"/>
+          </a:fillRef>
+          <a:effectRef idx="0">
+            <a:schemeClr val="dk1"/>
+          </a:effectRef>
+          <a:fontRef idx="minor">
+            <a:schemeClr val="dk1"/>
+          </a:fontRef>
+        </p:style>
+        <p:txBody>
+          <a:bodyPr rtlCol="0" anchor="ctr"/>
+          <a:lstStyle/>
+          <a:p>
+            <a:pPr algn="ctr"/>
+            <a:endParaRPr lang="ko-KR" altLang="en-US"/>
+          </a:p>
+        </p:txBody>
+      </p:sp>
+      <p:sp>
+        <p:nvSpPr>
+          <p:cNvPr id="6" name="직사각형 5">
+            <a:extLst>
+              <a:ext uri="{FF2B5EF4-FFF2-40B4-BE49-F238E27FC236}">
+                <a16:creationId xmlns:a16="http://schemas.microsoft.com/office/drawing/2014/main" id="{A6D89533-EB1E-4A8E-82FB-E7EDD89ACC6F}"/>
+              </a:ext>
+            </a:extLst>
+          </p:cNvPr>
+          <p:cNvSpPr/>
+          <p:nvPr/>
+        </p:nvSpPr>
+        <p:spPr>
+          <a:xfrm>
+            <a:off x="3331991" y="2340244"/>
+            <a:ext cx="7051729" cy="1245705"/>
+          </a:xfrm>
+          <a:prstGeom prst="rect">
+            <a:avLst/>
+          </a:prstGeom>
+        </p:spPr>
+        <p:style>
+          <a:lnRef idx="2">
+            <a:schemeClr val="dk1"/>
+          </a:lnRef>
+          <a:fillRef idx="1">
+            <a:schemeClr val="lt1"/>
+          </a:fillRef>
+          <a:effectRef idx="0">
+            <a:schemeClr val="dk1"/>
+          </a:effectRef>
+          <a:fontRef idx="minor">
+            <a:schemeClr val="dk1"/>
+          </a:fontRef>
+        </p:style>
+        <p:txBody>
+          <a:bodyPr rtlCol="0" anchor="ctr"/>
+          <a:lstStyle/>
+          <a:p>
+            <a:pPr algn="ctr"/>
+            <a:r>
+              <a:rPr lang="ko-KR" altLang="en-US" dirty="0"/>
+              <a:t>프로그램</a:t>
+            </a:r>
+          </a:p>
+        </p:txBody>
+      </p:sp>
+      <p:sp>
+        <p:nvSpPr>
+          <p:cNvPr id="32" name="직사각형 31">
+            <a:extLst>
+              <a:ext uri="{FF2B5EF4-FFF2-40B4-BE49-F238E27FC236}">
+                <a16:creationId xmlns:a16="http://schemas.microsoft.com/office/drawing/2014/main" id="{7B0E6DC4-5BB1-458E-8146-225133A9343E}"/>
+              </a:ext>
+            </a:extLst>
+          </p:cNvPr>
+          <p:cNvSpPr/>
+          <p:nvPr/>
+        </p:nvSpPr>
+        <p:spPr>
+          <a:xfrm>
+            <a:off x="3331991" y="3750590"/>
+            <a:ext cx="7051729" cy="1941177"/>
+          </a:xfrm>
+          <a:prstGeom prst="rect">
+            <a:avLst/>
+          </a:prstGeom>
+        </p:spPr>
+        <p:style>
+          <a:lnRef idx="2">
+            <a:schemeClr val="dk1"/>
+          </a:lnRef>
+          <a:fillRef idx="1">
+            <a:schemeClr val="lt1"/>
+          </a:fillRef>
+          <a:effectRef idx="0">
+            <a:schemeClr val="dk1"/>
+          </a:effectRef>
+          <a:fontRef idx="minor">
+            <a:schemeClr val="dk1"/>
+          </a:fontRef>
+        </p:style>
+        <p:txBody>
+          <a:bodyPr rtlCol="0" anchor="ctr"/>
+          <a:lstStyle/>
+          <a:p>
+            <a:pPr algn="ctr"/>
+            <a:r>
+              <a:rPr lang="ko-KR" altLang="en-US" dirty="0"/>
+              <a:t>신청자 리스트</a:t>
+            </a:r>
+          </a:p>
+        </p:txBody>
+      </p:sp>
+      <p:sp>
+        <p:nvSpPr>
+          <p:cNvPr id="35" name="직사각형 34">
+            <a:extLst>
+              <a:ext uri="{FF2B5EF4-FFF2-40B4-BE49-F238E27FC236}">
+                <a16:creationId xmlns:a16="http://schemas.microsoft.com/office/drawing/2014/main" id="{DD4CFDCC-DE7F-420E-B575-D10A293A908C}"/>
+              </a:ext>
+            </a:extLst>
+          </p:cNvPr>
+          <p:cNvSpPr/>
+          <p:nvPr/>
+        </p:nvSpPr>
+        <p:spPr>
+          <a:xfrm>
+            <a:off x="3331991" y="5839776"/>
+            <a:ext cx="945396" cy="328991"/>
+          </a:xfrm>
+          <a:prstGeom prst="rect">
+            <a:avLst/>
+          </a:prstGeom>
+        </p:spPr>
+        <p:style>
+          <a:lnRef idx="2">
+            <a:schemeClr val="dk1"/>
+          </a:lnRef>
+          <a:fillRef idx="1">
+            <a:schemeClr val="lt1"/>
+          </a:fillRef>
+          <a:effectRef idx="0">
+            <a:schemeClr val="dk1"/>
+          </a:effectRef>
+          <a:fontRef idx="minor">
+            <a:schemeClr val="dk1"/>
+          </a:fontRef>
+        </p:style>
+        <p:txBody>
+          <a:bodyPr rtlCol="0" anchor="ctr"/>
+          <a:lstStyle/>
+          <a:p>
+            <a:pPr algn="ctr"/>
+            <a:r>
+              <a:rPr lang="en-US" altLang="ko-KR" sz="1200" dirty="0"/>
+              <a:t>SMS</a:t>
+            </a:r>
+            <a:r>
+              <a:rPr lang="ko-KR" altLang="en-US" sz="1200" dirty="0"/>
+              <a:t>보내기</a:t>
+            </a:r>
+          </a:p>
+        </p:txBody>
+      </p:sp>
+      <p:sp>
+        <p:nvSpPr>
+          <p:cNvPr id="36" name="직사각형 35">
+            <a:extLst>
+              <a:ext uri="{FF2B5EF4-FFF2-40B4-BE49-F238E27FC236}">
+                <a16:creationId xmlns:a16="http://schemas.microsoft.com/office/drawing/2014/main" id="{C92AF5EC-6E4E-4313-B114-5231FCFFF0BF}"/>
+              </a:ext>
+            </a:extLst>
+          </p:cNvPr>
+          <p:cNvSpPr/>
+          <p:nvPr/>
+        </p:nvSpPr>
+        <p:spPr>
+          <a:xfrm>
+            <a:off x="9438324" y="5839776"/>
+            <a:ext cx="945396" cy="328991"/>
+          </a:xfrm>
+          <a:prstGeom prst="rect">
+            <a:avLst/>
+          </a:prstGeom>
+        </p:spPr>
+        <p:style>
+          <a:lnRef idx="2">
+            <a:schemeClr val="dk1"/>
+          </a:lnRef>
+          <a:fillRef idx="1">
+            <a:schemeClr val="lt1"/>
+          </a:fillRef>
+          <a:effectRef idx="0">
+            <a:schemeClr val="dk1"/>
+          </a:effectRef>
+          <a:fontRef idx="minor">
+            <a:schemeClr val="dk1"/>
+          </a:fontRef>
+        </p:style>
+        <p:txBody>
+          <a:bodyPr rtlCol="0" anchor="ctr"/>
+          <a:lstStyle/>
+          <a:p>
+            <a:pPr algn="ctr"/>
+            <a:r>
+              <a:rPr lang="ko-KR" altLang="en-US" sz="1200" dirty="0"/>
+              <a:t>수정</a:t>
+            </a:r>
+          </a:p>
+        </p:txBody>
+      </p:sp>
+    </p:spTree>
+    <p:extLst>
+      <p:ext uri="{BB962C8B-B14F-4D97-AF65-F5344CB8AC3E}">
+        <p14:creationId xmlns:p14="http://schemas.microsoft.com/office/powerpoint/2010/main" val="614313363"/>
+      </p:ext>
+    </p:extLst>
+  </p:cSld>
+  <p:clrMapOvr>
+    <a:masterClrMapping/>
+  </p:clrMapOvr>
+</p:sld>
+</file>
+
+<file path=ppt/slides/slide29.xml><?xml version="1.0" encoding="utf-8"?>
 <p:sld xmlns:a="http://schemas.openxmlformats.org/drawingml/2006/main" xmlns:r="http://schemas.openxmlformats.org/officeDocument/2006/relationships" xmlns:p="http://schemas.openxmlformats.org/presentationml/2006/main">
   <p:cSld>
     <p:spTree>
@@ -37044,134 +40961,6 @@
   <p:clrMapOvr>
     <a:masterClrMapping/>
   </p:clrMapOvr>
-</p:sld>
-</file>
-
-<file path=ppt/slides/slide27.xml><?xml version="1.0" encoding="utf-8"?>
-<p:sld xmlns:a="http://schemas.openxmlformats.org/drawingml/2006/main" xmlns:r="http://schemas.openxmlformats.org/officeDocument/2006/relationships" xmlns:p="http://schemas.openxmlformats.org/presentationml/2006/main">
-  <p:cSld>
-    <p:bg>
-      <p:bgPr>
-        <a:solidFill>
-          <a:srgbClr val="FFD8D9"/>
-        </a:solidFill>
-        <a:effectLst/>
-      </p:bgPr>
-    </p:bg>
-    <p:spTree>
-      <p:nvGrpSpPr>
-        <p:cNvPr id="1" name=""/>
-        <p:cNvGrpSpPr/>
-        <p:nvPr/>
-      </p:nvGrpSpPr>
-      <p:grpSpPr>
-        <a:xfrm>
-          <a:off x="0" y="0"/>
-          <a:ext cx="0" cy="0"/>
-          <a:chOff x="0" y="0"/>
-          <a:chExt cx="0" cy="0"/>
-        </a:xfrm>
-      </p:grpSpPr>
-      <p:pic>
-        <p:nvPicPr>
-          <p:cNvPr id="4" name="그림 3" descr="실내, 사람이(가) 표시된 사진&#10;&#10;자동 생성된 설명">
-            <a:extLst>
-              <a:ext uri="{FF2B5EF4-FFF2-40B4-BE49-F238E27FC236}">
-                <a16:creationId xmlns:a16="http://schemas.microsoft.com/office/drawing/2014/main" id="{4D077A45-DF2B-4618-9394-A141B13B1420}"/>
-              </a:ext>
-            </a:extLst>
-          </p:cNvPr>
-          <p:cNvPicPr>
-            <a:picLocks noChangeAspect="1"/>
-          </p:cNvPicPr>
-          <p:nvPr/>
-        </p:nvPicPr>
-        <p:blipFill>
-          <a:blip r:embed="rId2" cstate="print">
-            <a:extLst>
-              <a:ext uri="{28A0092B-C50C-407E-A947-70E740481C1C}">
-                <a14:useLocalDpi xmlns:a14="http://schemas.microsoft.com/office/drawing/2010/main" val="0"/>
-              </a:ext>
-            </a:extLst>
-          </a:blip>
-          <a:stretch>
-            <a:fillRect/>
-          </a:stretch>
-        </p:blipFill>
-        <p:spPr>
-          <a:xfrm>
-            <a:off x="3272030" y="1210059"/>
-            <a:ext cx="5647941" cy="5647941"/>
-          </a:xfrm>
-          <a:prstGeom prst="rect">
-            <a:avLst/>
-          </a:prstGeom>
-        </p:spPr>
-      </p:pic>
-      <p:sp>
-        <p:nvSpPr>
-          <p:cNvPr id="5" name="TextBox 4">
-            <a:extLst>
-              <a:ext uri="{FF2B5EF4-FFF2-40B4-BE49-F238E27FC236}">
-                <a16:creationId xmlns:a16="http://schemas.microsoft.com/office/drawing/2014/main" id="{23D82F33-5629-4A89-96F7-5348A5E7BF64}"/>
-              </a:ext>
-            </a:extLst>
-          </p:cNvPr>
-          <p:cNvSpPr txBox="1"/>
-          <p:nvPr/>
-        </p:nvSpPr>
-        <p:spPr>
-          <a:xfrm>
-            <a:off x="3894373" y="499731"/>
-            <a:ext cx="4403257" cy="1107996"/>
-          </a:xfrm>
-          <a:prstGeom prst="rect">
-            <a:avLst/>
-          </a:prstGeom>
-          <a:noFill/>
-        </p:spPr>
-        <p:txBody>
-          <a:bodyPr wrap="none" rtlCol="0">
-            <a:spAutoFit/>
-          </a:bodyPr>
-          <a:lstStyle/>
-          <a:p>
-            <a:pPr algn="ctr"/>
-            <a:r>
-              <a:rPr lang="en-US" altLang="ko-KR" sz="6600" b="1" dirty="0">
-                <a:solidFill>
-                  <a:schemeClr val="tx1">
-                    <a:lumMod val="75000"/>
-                    <a:lumOff val="25000"/>
-                  </a:schemeClr>
-                </a:solidFill>
-              </a:rPr>
-              <a:t>Thank You</a:t>
-            </a:r>
-            <a:endParaRPr lang="ko-KR" altLang="en-US" sz="6600" b="1" dirty="0">
-              <a:solidFill>
-                <a:schemeClr val="tx1">
-                  <a:lumMod val="75000"/>
-                  <a:lumOff val="25000"/>
-                </a:schemeClr>
-              </a:solidFill>
-            </a:endParaRPr>
-          </a:p>
-        </p:txBody>
-      </p:sp>
-    </p:spTree>
-    <p:extLst>
-      <p:ext uri="{BB962C8B-B14F-4D97-AF65-F5344CB8AC3E}">
-        <p14:creationId xmlns:p14="http://schemas.microsoft.com/office/powerpoint/2010/main" val="3463277454"/>
-      </p:ext>
-    </p:extLst>
-  </p:cSld>
-  <p:clrMapOvr>
-    <a:masterClrMapping/>
-  </p:clrMapOvr>
-  <p:transition spd="slow">
-    <p:fade/>
-  </p:transition>
 </p:sld>
 </file>
 
@@ -37655,6 +41444,134 @@
   <p:clrMapOvr>
     <a:masterClrMapping/>
   </p:clrMapOvr>
+</p:sld>
+</file>
+
+<file path=ppt/slides/slide30.xml><?xml version="1.0" encoding="utf-8"?>
+<p:sld xmlns:a="http://schemas.openxmlformats.org/drawingml/2006/main" xmlns:r="http://schemas.openxmlformats.org/officeDocument/2006/relationships" xmlns:p="http://schemas.openxmlformats.org/presentationml/2006/main">
+  <p:cSld>
+    <p:bg>
+      <p:bgPr>
+        <a:solidFill>
+          <a:srgbClr val="FFD8D9"/>
+        </a:solidFill>
+        <a:effectLst/>
+      </p:bgPr>
+    </p:bg>
+    <p:spTree>
+      <p:nvGrpSpPr>
+        <p:cNvPr id="1" name=""/>
+        <p:cNvGrpSpPr/>
+        <p:nvPr/>
+      </p:nvGrpSpPr>
+      <p:grpSpPr>
+        <a:xfrm>
+          <a:off x="0" y="0"/>
+          <a:ext cx="0" cy="0"/>
+          <a:chOff x="0" y="0"/>
+          <a:chExt cx="0" cy="0"/>
+        </a:xfrm>
+      </p:grpSpPr>
+      <p:pic>
+        <p:nvPicPr>
+          <p:cNvPr id="4" name="그림 3" descr="실내, 사람이(가) 표시된 사진&#10;&#10;자동 생성된 설명">
+            <a:extLst>
+              <a:ext uri="{FF2B5EF4-FFF2-40B4-BE49-F238E27FC236}">
+                <a16:creationId xmlns:a16="http://schemas.microsoft.com/office/drawing/2014/main" id="{4D077A45-DF2B-4618-9394-A141B13B1420}"/>
+              </a:ext>
+            </a:extLst>
+          </p:cNvPr>
+          <p:cNvPicPr>
+            <a:picLocks noChangeAspect="1"/>
+          </p:cNvPicPr>
+          <p:nvPr/>
+        </p:nvPicPr>
+        <p:blipFill>
+          <a:blip r:embed="rId2" cstate="print">
+            <a:extLst>
+              <a:ext uri="{28A0092B-C50C-407E-A947-70E740481C1C}">
+                <a14:useLocalDpi xmlns:a14="http://schemas.microsoft.com/office/drawing/2010/main" val="0"/>
+              </a:ext>
+            </a:extLst>
+          </a:blip>
+          <a:stretch>
+            <a:fillRect/>
+          </a:stretch>
+        </p:blipFill>
+        <p:spPr>
+          <a:xfrm>
+            <a:off x="3272030" y="1210059"/>
+            <a:ext cx="5647941" cy="5647941"/>
+          </a:xfrm>
+          <a:prstGeom prst="rect">
+            <a:avLst/>
+          </a:prstGeom>
+        </p:spPr>
+      </p:pic>
+      <p:sp>
+        <p:nvSpPr>
+          <p:cNvPr id="5" name="TextBox 4">
+            <a:extLst>
+              <a:ext uri="{FF2B5EF4-FFF2-40B4-BE49-F238E27FC236}">
+                <a16:creationId xmlns:a16="http://schemas.microsoft.com/office/drawing/2014/main" id="{23D82F33-5629-4A89-96F7-5348A5E7BF64}"/>
+              </a:ext>
+            </a:extLst>
+          </p:cNvPr>
+          <p:cNvSpPr txBox="1"/>
+          <p:nvPr/>
+        </p:nvSpPr>
+        <p:spPr>
+          <a:xfrm>
+            <a:off x="3894373" y="499731"/>
+            <a:ext cx="4403257" cy="1107996"/>
+          </a:xfrm>
+          <a:prstGeom prst="rect">
+            <a:avLst/>
+          </a:prstGeom>
+          <a:noFill/>
+        </p:spPr>
+        <p:txBody>
+          <a:bodyPr wrap="none" rtlCol="0">
+            <a:spAutoFit/>
+          </a:bodyPr>
+          <a:lstStyle/>
+          <a:p>
+            <a:pPr algn="ctr"/>
+            <a:r>
+              <a:rPr lang="en-US" altLang="ko-KR" sz="6600" b="1" dirty="0">
+                <a:solidFill>
+                  <a:schemeClr val="tx1">
+                    <a:lumMod val="75000"/>
+                    <a:lumOff val="25000"/>
+                  </a:schemeClr>
+                </a:solidFill>
+              </a:rPr>
+              <a:t>Thank You</a:t>
+            </a:r>
+            <a:endParaRPr lang="ko-KR" altLang="en-US" sz="6600" b="1" dirty="0">
+              <a:solidFill>
+                <a:schemeClr val="tx1">
+                  <a:lumMod val="75000"/>
+                  <a:lumOff val="25000"/>
+                </a:schemeClr>
+              </a:solidFill>
+            </a:endParaRPr>
+          </a:p>
+        </p:txBody>
+      </p:sp>
+    </p:spTree>
+    <p:extLst>
+      <p:ext uri="{BB962C8B-B14F-4D97-AF65-F5344CB8AC3E}">
+        <p14:creationId xmlns:p14="http://schemas.microsoft.com/office/powerpoint/2010/main" val="3463277454"/>
+      </p:ext>
+    </p:extLst>
+  </p:cSld>
+  <p:clrMapOvr>
+    <a:masterClrMapping/>
+  </p:clrMapOvr>
+  <p:transition spd="slow">
+    <p:fade/>
+  </p:transition>
 </p:sld>
 </file>
 
@@ -44957,6 +48874,24 @@
 </p:tagLst>
 </file>
 
+<file path=ppt/tags/tag32.xml><?xml version="1.0" encoding="utf-8"?>
+<p:tagLst xmlns:a="http://schemas.openxmlformats.org/drawingml/2006/main" xmlns:r="http://schemas.openxmlformats.org/officeDocument/2006/relationships" xmlns:p="http://schemas.openxmlformats.org/presentationml/2006/main">
+  <p:tag name="SMARTSETTINGSHASH" val="xZU/W0IqlvXPkJ37/hSWg5jSIFh0KZmI7sT1syyiYH8="/>
+</p:tagLst>
+</file>
+
+<file path=ppt/tags/tag33.xml><?xml version="1.0" encoding="utf-8"?>
+<p:tagLst xmlns:a="http://schemas.openxmlformats.org/drawingml/2006/main" xmlns:r="http://schemas.openxmlformats.org/officeDocument/2006/relationships" xmlns:p="http://schemas.openxmlformats.org/presentationml/2006/main">
+  <p:tag name="SMARTSETTINGSHASH" val="xZU/W0IqlvXPkJ37/hSWg5jSIFh0KZmI7sT1syyiYH8="/>
+</p:tagLst>
+</file>
+
+<file path=ppt/tags/tag34.xml><?xml version="1.0" encoding="utf-8"?>
+<p:tagLst xmlns:a="http://schemas.openxmlformats.org/drawingml/2006/main" xmlns:r="http://schemas.openxmlformats.org/officeDocument/2006/relationships" xmlns:p="http://schemas.openxmlformats.org/presentationml/2006/main">
+  <p:tag name="SMARTSETTINGSHASH" val="xZU/W0IqlvXPkJ37/hSWg5jSIFh0KZmI7sT1syyiYH8="/>
+</p:tagLst>
+</file>
+
 <file path=ppt/tags/tag4.xml><?xml version="1.0" encoding="utf-8"?>
 <p:tagLst xmlns:a="http://schemas.openxmlformats.org/drawingml/2006/main" xmlns:r="http://schemas.openxmlformats.org/officeDocument/2006/relationships" xmlns:p="http://schemas.openxmlformats.org/presentationml/2006/main">
   <p:tag name="SMARTSETTINGSHASH" val="xZU/W0IqlvXPkJ37/hSWg5jSIFh0KZmI7sT1syyiYH8="/>
